--- a/seminar proposal.pptx
+++ b/seminar proposal.pptx
@@ -108,8 +108,16 @@
 </file>
 
 <file path=ppt/slideLayouts/slideLayout1.xml><?xml version="1.0" encoding="utf-8"?>
-<p:sldLayout xmlns:a="http://schemas.openxmlformats.org/drawingml/2006/main" xmlns:r="http://schemas.openxmlformats.org/officeDocument/2006/relationships" xmlns:p="http://schemas.openxmlformats.org/presentationml/2006/main" type="title" preserve="1">
+<p:sldLayout xmlns:a="http://schemas.openxmlformats.org/drawingml/2006/main" xmlns:r="http://schemas.openxmlformats.org/officeDocument/2006/relationships" xmlns:p="http://schemas.openxmlformats.org/presentationml/2006/main" type="title" preserve="1" showMasterSp="0">
   <p:cSld name="Title Slide">
+    <p:bg>
+      <p:bgPr>
+        <a:solidFill>
+          <a:schemeClr val="bg1"/>
+        </a:solidFill>
+        <a:effectLst/>
+      </p:bgPr>
+    </p:bg>
     <p:spTree>
       <p:nvGrpSpPr>
         <p:cNvPr id="1" name=""/>
@@ -124,43 +132,76 @@
           <a:chExt cx="0" cy="0"/>
         </a:xfrm>
       </p:grpSpPr>
-      <p:sp>
-        <p:nvSpPr>
-          <p:cNvPr id="2" name="Title 1"/>
-          <p:cNvSpPr>
-            <a:spLocks noGrp="1"/>
-          </p:cNvSpPr>
-          <p:nvPr>
-            <p:ph type="ctrTitle"/>
-          </p:nvPr>
-        </p:nvSpPr>
+      <p:pic>
+        <p:nvPicPr>
+          <p:cNvPr id="2050" name="Picture 2"/>
+          <p:cNvPicPr>
+            <a:picLocks noChangeAspect="1"/>
+          </p:cNvPicPr>
+          <p:nvPr/>
+        </p:nvPicPr>
+        <p:blipFill>
+          <a:blip r:embed="rId2"/>
+          <a:stretch>
+            <a:fillRect/>
+          </a:stretch>
+        </p:blipFill>
         <p:spPr>
           <a:xfrm>
-            <a:off x="1524000" y="1122363"/>
-            <a:ext cx="9144000" cy="2387600"/>
+            <a:off x="0" y="0"/>
+            <a:ext cx="12208933" cy="6858000"/>
+          </a:xfrm>
+          <a:prstGeom prst="rect">
+            <a:avLst/>
+          </a:prstGeom>
+          <a:noFill/>
+          <a:ln w="9525">
+            <a:noFill/>
+          </a:ln>
+        </p:spPr>
+      </p:pic>
+      <p:sp>
+        <p:nvSpPr>
+          <p:cNvPr id="2051" name="Rectangle 3"/>
+          <p:cNvSpPr>
+            <a:spLocks noGrp="1" noChangeArrowheads="1"/>
+          </p:cNvSpPr>
+          <p:nvPr>
+            <p:ph type="ctrTitle"/>
+          </p:nvPr>
+        </p:nvSpPr>
+        <p:spPr>
+          <a:xfrm>
+            <a:off x="624417" y="1196975"/>
+            <a:ext cx="10943167" cy="1082675"/>
           </a:xfrm>
         </p:spPr>
         <p:txBody>
-          <a:bodyPr anchor="b"/>
+          <a:bodyPr/>
           <a:lstStyle>
             <a:lvl1pPr algn="ctr">
-              <a:defRPr sz="6000"/>
+              <a:defRPr>
+                <a:solidFill>
+                  <a:schemeClr val="bg1"/>
+                </a:solidFill>
+              </a:defRPr>
             </a:lvl1pPr>
           </a:lstStyle>
           <a:p>
-            <a:r>
-              <a:rPr lang="en-US" smtClean="0"/>
+            <a:pPr lvl="0"/>
+            <a:r>
+              <a:rPr lang="en-US" altLang="zh-CN" noProof="0" smtClean="0"/>
               <a:t>Click to edit Master title style</a:t>
             </a:r>
-            <a:endParaRPr lang="en-US"/>
-          </a:p>
-        </p:txBody>
-      </p:sp>
-      <p:sp>
-        <p:nvSpPr>
-          <p:cNvPr id="3" name="Subtitle 2"/>
-          <p:cNvSpPr>
-            <a:spLocks noGrp="1"/>
+            <a:endParaRPr lang="en-US" altLang="zh-CN" noProof="0" smtClean="0"/>
+          </a:p>
+        </p:txBody>
+      </p:sp>
+      <p:sp>
+        <p:nvSpPr>
+          <p:cNvPr id="2052" name="Rectangle 4"/>
+          <p:cNvSpPr>
+            <a:spLocks noGrp="1" noChangeArrowheads="1"/>
           </p:cNvSpPr>
           <p:nvPr>
             <p:ph type="subTitle" idx="1"/>
@@ -168,73 +209,88 @@
         </p:nvSpPr>
         <p:spPr>
           <a:xfrm>
-            <a:off x="1524000" y="3602038"/>
-            <a:ext cx="9144000" cy="1655762"/>
+            <a:off x="626533" y="2422525"/>
+            <a:ext cx="10949517" cy="1752600"/>
           </a:xfrm>
         </p:spPr>
         <p:txBody>
           <a:bodyPr/>
           <a:lstStyle>
             <a:lvl1pPr marL="0" indent="0" algn="ctr">
-              <a:buNone/>
-              <a:defRPr sz="2400"/>
+              <a:buFontTx/>
+              <a:buNone/>
+              <a:defRPr>
+                <a:solidFill>
+                  <a:schemeClr val="bg1"/>
+                </a:solidFill>
+              </a:defRPr>
             </a:lvl1pPr>
-            <a:lvl2pPr marL="457200" indent="0" algn="ctr">
-              <a:buNone/>
-              <a:defRPr sz="2000"/>
-            </a:lvl2pPr>
-            <a:lvl3pPr marL="914400" indent="0" algn="ctr">
-              <a:buNone/>
-              <a:defRPr sz="1800"/>
-            </a:lvl3pPr>
-            <a:lvl4pPr marL="1371600" indent="0" algn="ctr">
-              <a:buNone/>
-              <a:defRPr sz="1600"/>
-            </a:lvl4pPr>
-            <a:lvl5pPr marL="1828800" indent="0" algn="ctr">
-              <a:buNone/>
-              <a:defRPr sz="1600"/>
-            </a:lvl5pPr>
-            <a:lvl6pPr marL="2286000" indent="0" algn="ctr">
-              <a:buNone/>
-              <a:defRPr sz="1600"/>
-            </a:lvl6pPr>
-            <a:lvl7pPr marL="2743200" indent="0" algn="ctr">
-              <a:buNone/>
-              <a:defRPr sz="1600"/>
-            </a:lvl7pPr>
-            <a:lvl8pPr marL="3200400" indent="0" algn="ctr">
-              <a:buNone/>
-              <a:defRPr sz="1600"/>
-            </a:lvl8pPr>
-            <a:lvl9pPr marL="3657600" indent="0" algn="ctr">
-              <a:buNone/>
-              <a:defRPr sz="1600"/>
-            </a:lvl9pPr>
           </a:lstStyle>
           <a:p>
-            <a:r>
-              <a:rPr lang="en-US" smtClean="0"/>
+            <a:pPr lvl="0"/>
+            <a:r>
+              <a:rPr lang="en-US" altLang="zh-CN" noProof="0" smtClean="0"/>
               <a:t>Click to edit Master subtitle style</a:t>
             </a:r>
-            <a:endParaRPr lang="en-US"/>
-          </a:p>
-        </p:txBody>
-      </p:sp>
-      <p:sp>
-        <p:nvSpPr>
-          <p:cNvPr id="4" name="Date Placeholder 3"/>
-          <p:cNvSpPr>
-            <a:spLocks noGrp="1"/>
-          </p:cNvSpPr>
-          <p:nvPr>
-            <p:ph type="dt" sz="half" idx="10"/>
-          </p:nvPr>
-        </p:nvSpPr>
-        <p:spPr/>
-        <p:txBody>
-          <a:bodyPr/>
-          <a:lstStyle/>
+            <a:endParaRPr lang="en-US" altLang="zh-CN" noProof="0" smtClean="0"/>
+          </a:p>
+        </p:txBody>
+      </p:sp>
+      <p:sp>
+        <p:nvSpPr>
+          <p:cNvPr id="9" name="Rectangle 5"/>
+          <p:cNvSpPr>
+            <a:spLocks noGrp="1" noChangeArrowheads="1"/>
+          </p:cNvSpPr>
+          <p:nvPr>
+            <p:ph type="dt" sz="half" idx="2"/>
+          </p:nvPr>
+        </p:nvSpPr>
+        <p:spPr bwMode="auto">
+          <a:xfrm>
+            <a:off x="609600" y="6245225"/>
+            <a:ext cx="2844800" cy="476250"/>
+          </a:xfrm>
+          <a:prstGeom prst="rect">
+            <a:avLst/>
+          </a:prstGeom>
+          <a:noFill/>
+          <a:extLst>
+            <a:ext uri="{909E8E84-426E-40DD-AFC4-6F175D3DCCD1}">
+              <a14:hiddenFill xmlns:a14="http://schemas.microsoft.com/office/drawing/2010/main">
+                <a:solidFill>
+                  <a:schemeClr val="accent1"/>
+                </a:solidFill>
+              </a14:hiddenFill>
+            </a:ext>
+            <a:ext uri="{91240B29-F687-4F45-9708-019B960494DF}">
+              <a14:hiddenLine xmlns:a14="http://schemas.microsoft.com/office/drawing/2010/main" w="9525">
+                <a:solidFill>
+                  <a:srgbClr val="000000"/>
+                </a:solidFill>
+                <a:miter lim="800000"/>
+                <a:headEnd/>
+                <a:tailEnd/>
+              </a14:hiddenLine>
+            </a:ext>
+            <a:ext uri="{AF507438-7753-43E0-B8FC-AC1667EBCBE1}">
+              <a14:hiddenEffects xmlns:a14="http://schemas.microsoft.com/office/drawing/2010/main">
+                <a:effectLst>
+                  <a:outerShdw dist="35921" dir="2700000" algn="ctr" rotWithShape="0">
+                    <a:schemeClr val="bg2"/>
+                  </a:outerShdw>
+                </a:effectLst>
+              </a14:hiddenEffects>
+            </a:ext>
+          </a:extLst>
+        </p:spPr>
+        <p:txBody>
+          <a:bodyPr vert="horz" wrap="square" lIns="91440" tIns="45720" rIns="91440" bIns="45720" numCol="1" anchor="t" anchorCtr="0" compatLnSpc="1"/>
+          <a:lstStyle>
+            <a:lvl1pPr>
+              <a:defRPr/>
+            </a:lvl1pPr>
+          </a:lstStyle>
           <a:p>
             <a:fld id="{63A1C593-65D0-4073-BCC9-577B9352EA97}" type="datetimeFigureOut">
               <a:rPr lang="en-US" smtClean="0"/>
@@ -245,37 +301,119 @@
       </p:sp>
       <p:sp>
         <p:nvSpPr>
-          <p:cNvPr id="5" name="Footer Placeholder 4"/>
-          <p:cNvSpPr>
-            <a:spLocks noGrp="1"/>
-          </p:cNvSpPr>
-          <p:nvPr>
-            <p:ph type="ftr" sz="quarter" idx="11"/>
-          </p:nvPr>
-        </p:nvSpPr>
-        <p:spPr/>
-        <p:txBody>
-          <a:bodyPr/>
-          <a:lstStyle/>
-          <a:p>
-            <a:endParaRPr lang="en-US"/>
-          </a:p>
-        </p:txBody>
-      </p:sp>
-      <p:sp>
-        <p:nvSpPr>
-          <p:cNvPr id="6" name="Slide Number Placeholder 5"/>
-          <p:cNvSpPr>
-            <a:spLocks noGrp="1"/>
-          </p:cNvSpPr>
-          <p:nvPr>
-            <p:ph type="sldNum" sz="quarter" idx="12"/>
-          </p:nvPr>
-        </p:nvSpPr>
-        <p:spPr/>
-        <p:txBody>
-          <a:bodyPr/>
-          <a:lstStyle/>
+          <p:cNvPr id="10" name="Rectangle 6"/>
+          <p:cNvSpPr>
+            <a:spLocks noGrp="1" noChangeArrowheads="1"/>
+          </p:cNvSpPr>
+          <p:nvPr>
+            <p:ph type="ftr" sz="quarter" idx="3"/>
+          </p:nvPr>
+        </p:nvSpPr>
+        <p:spPr bwMode="auto">
+          <a:xfrm>
+            <a:off x="4165600" y="6245225"/>
+            <a:ext cx="3860800" cy="476250"/>
+          </a:xfrm>
+          <a:prstGeom prst="rect">
+            <a:avLst/>
+          </a:prstGeom>
+          <a:noFill/>
+          <a:extLst>
+            <a:ext uri="{909E8E84-426E-40DD-AFC4-6F175D3DCCD1}">
+              <a14:hiddenFill xmlns:a14="http://schemas.microsoft.com/office/drawing/2010/main">
+                <a:solidFill>
+                  <a:schemeClr val="accent1"/>
+                </a:solidFill>
+              </a14:hiddenFill>
+            </a:ext>
+            <a:ext uri="{91240B29-F687-4F45-9708-019B960494DF}">
+              <a14:hiddenLine xmlns:a14="http://schemas.microsoft.com/office/drawing/2010/main" w="9525">
+                <a:solidFill>
+                  <a:srgbClr val="000000"/>
+                </a:solidFill>
+                <a:miter lim="800000"/>
+                <a:headEnd/>
+                <a:tailEnd/>
+              </a14:hiddenLine>
+            </a:ext>
+            <a:ext uri="{AF507438-7753-43E0-B8FC-AC1667EBCBE1}">
+              <a14:hiddenEffects xmlns:a14="http://schemas.microsoft.com/office/drawing/2010/main">
+                <a:effectLst>
+                  <a:outerShdw dist="35921" dir="2700000" algn="ctr" rotWithShape="0">
+                    <a:schemeClr val="bg2"/>
+                  </a:outerShdw>
+                </a:effectLst>
+              </a14:hiddenEffects>
+            </a:ext>
+          </a:extLst>
+        </p:spPr>
+        <p:txBody>
+          <a:bodyPr vert="horz" wrap="square" lIns="91440" tIns="45720" rIns="91440" bIns="45720" numCol="1" anchor="t" anchorCtr="0" compatLnSpc="1"/>
+          <a:lstStyle>
+            <a:lvl1pPr>
+              <a:defRPr/>
+            </a:lvl1pPr>
+          </a:lstStyle>
+          <a:p>
+            <a:endParaRPr lang="en-US"/>
+          </a:p>
+        </p:txBody>
+      </p:sp>
+      <p:sp>
+        <p:nvSpPr>
+          <p:cNvPr id="11" name="Rectangle 7"/>
+          <p:cNvSpPr>
+            <a:spLocks noGrp="1" noChangeArrowheads="1"/>
+          </p:cNvSpPr>
+          <p:nvPr>
+            <p:ph type="sldNum" sz="quarter" idx="4"/>
+          </p:nvPr>
+        </p:nvSpPr>
+        <p:spPr bwMode="auto">
+          <a:xfrm>
+            <a:off x="8737600" y="6245225"/>
+            <a:ext cx="2844800" cy="476250"/>
+          </a:xfrm>
+          <a:prstGeom prst="rect">
+            <a:avLst/>
+          </a:prstGeom>
+          <a:noFill/>
+          <a:extLst>
+            <a:ext uri="{909E8E84-426E-40DD-AFC4-6F175D3DCCD1}">
+              <a14:hiddenFill xmlns:a14="http://schemas.microsoft.com/office/drawing/2010/main">
+                <a:solidFill>
+                  <a:schemeClr val="accent1"/>
+                </a:solidFill>
+              </a14:hiddenFill>
+            </a:ext>
+            <a:ext uri="{91240B29-F687-4F45-9708-019B960494DF}">
+              <a14:hiddenLine xmlns:a14="http://schemas.microsoft.com/office/drawing/2010/main" w="9525">
+                <a:solidFill>
+                  <a:srgbClr val="000000"/>
+                </a:solidFill>
+                <a:miter lim="800000"/>
+                <a:headEnd/>
+                <a:tailEnd/>
+              </a14:hiddenLine>
+            </a:ext>
+            <a:ext uri="{AF507438-7753-43E0-B8FC-AC1667EBCBE1}">
+              <a14:hiddenEffects xmlns:a14="http://schemas.microsoft.com/office/drawing/2010/main">
+                <a:effectLst>
+                  <a:outerShdw dist="35921" dir="2700000" algn="ctr" rotWithShape="0">
+                    <a:schemeClr val="bg2"/>
+                  </a:outerShdw>
+                </a:effectLst>
+              </a14:hiddenEffects>
+            </a:ext>
+          </a:extLst>
+        </p:spPr>
+        <p:txBody>
+          <a:bodyPr vert="horz" wrap="square" lIns="91440" tIns="45720" rIns="91440" bIns="45720" numCol="1" anchor="t" anchorCtr="0" compatLnSpc="1"/>
+          <a:lstStyle>
+            <a:lvl1pPr>
+              <a:defRPr/>
+            </a:lvl1pPr>
+          </a:lstStyle>
           <a:p>
             <a:fld id="{9B618960-8005-486C-9A75-10CB2AAC16F9}" type="slidenum">
               <a:rPr lang="en-US" smtClean="0"/>
@@ -289,6 +427,7 @@
   <p:clrMapOvr>
     <a:masterClrMapping/>
   </p:clrMapOvr>
+  <p:hf sldNum="0" hdr="0" ftr="0" dt="0"/>
 </p:sldLayout>
 </file>
 
@@ -401,7 +540,6 @@
         <p:spPr/>
         <p:txBody>
           <a:bodyPr/>
-          <a:lstStyle/>
           <a:p>
             <a:fld id="{63A1C593-65D0-4073-BCC9-577B9352EA97}" type="datetimeFigureOut">
               <a:rPr lang="en-US" smtClean="0"/>
@@ -423,7 +561,6 @@
         <p:spPr/>
         <p:txBody>
           <a:bodyPr/>
-          <a:lstStyle/>
           <a:p>
             <a:endParaRPr lang="en-US"/>
           </a:p>
@@ -442,7 +579,6 @@
         <p:spPr/>
         <p:txBody>
           <a:bodyPr/>
-          <a:lstStyle/>
           <a:p>
             <a:fld id="{9B618960-8005-486C-9A75-10CB2AAC16F9}" type="slidenum">
               <a:rPr lang="en-US" smtClean="0"/>
@@ -456,6 +592,7 @@
   <p:clrMapOvr>
     <a:masterClrMapping/>
   </p:clrMapOvr>
+  <p:hf sldNum="0" hdr="0" ftr="0" dt="0"/>
 </p:sldLayout>
 </file>
 
@@ -488,8 +625,8 @@
         </p:nvSpPr>
         <p:spPr>
           <a:xfrm>
-            <a:off x="8724900" y="365125"/>
-            <a:ext cx="2628900" cy="5811838"/>
+            <a:off x="8839200" y="190500"/>
+            <a:ext cx="2743200" cy="5937250"/>
           </a:xfrm>
         </p:spPr>
         <p:txBody>
@@ -516,8 +653,8 @@
         </p:nvSpPr>
         <p:spPr>
           <a:xfrm>
-            <a:off x="838200" y="365125"/>
-            <a:ext cx="7734300" cy="5811838"/>
+            <a:off x="609600" y="190500"/>
+            <a:ext cx="8026400" cy="5937250"/>
           </a:xfrm>
         </p:spPr>
         <p:txBody>
@@ -578,7 +715,6 @@
         <p:spPr/>
         <p:txBody>
           <a:bodyPr/>
-          <a:lstStyle/>
           <a:p>
             <a:fld id="{63A1C593-65D0-4073-BCC9-577B9352EA97}" type="datetimeFigureOut">
               <a:rPr lang="en-US" smtClean="0"/>
@@ -600,7 +736,6 @@
         <p:spPr/>
         <p:txBody>
           <a:bodyPr/>
-          <a:lstStyle/>
           <a:p>
             <a:endParaRPr lang="en-US"/>
           </a:p>
@@ -619,7 +754,6 @@
         <p:spPr/>
         <p:txBody>
           <a:bodyPr/>
-          <a:lstStyle/>
           <a:p>
             <a:fld id="{9B618960-8005-486C-9A75-10CB2AAC16F9}" type="slidenum">
               <a:rPr lang="en-US" smtClean="0"/>
@@ -633,6 +767,7 @@
   <p:clrMapOvr>
     <a:masterClrMapping/>
   </p:clrMapOvr>
+  <p:hf sldNum="0" hdr="0" ftr="0" dt="0"/>
 </p:sldLayout>
 </file>
 
@@ -745,7 +880,6 @@
         <p:spPr/>
         <p:txBody>
           <a:bodyPr/>
-          <a:lstStyle/>
           <a:p>
             <a:fld id="{63A1C593-65D0-4073-BCC9-577B9352EA97}" type="datetimeFigureOut">
               <a:rPr lang="en-US" smtClean="0"/>
@@ -767,7 +901,6 @@
         <p:spPr/>
         <p:txBody>
           <a:bodyPr/>
-          <a:lstStyle/>
           <a:p>
             <a:endParaRPr lang="en-US"/>
           </a:p>
@@ -786,7 +919,6 @@
         <p:spPr/>
         <p:txBody>
           <a:bodyPr/>
-          <a:lstStyle/>
           <a:p>
             <a:fld id="{9B618960-8005-486C-9A75-10CB2AAC16F9}" type="slidenum">
               <a:rPr lang="en-US" smtClean="0"/>
@@ -800,6 +932,7 @@
   <p:clrMapOvr>
     <a:masterClrMapping/>
   </p:clrMapOvr>
+  <p:hf sldNum="0" hdr="0" ftr="0" dt="0"/>
 </p:sldLayout>
 </file>
 
@@ -832,7 +965,7 @@
         </p:nvSpPr>
         <p:spPr>
           <a:xfrm>
-            <a:off x="831850" y="1709738"/>
+            <a:off x="831851" y="1709738"/>
             <a:ext cx="10515600" cy="2852737"/>
           </a:xfrm>
         </p:spPr>
@@ -864,7 +997,7 @@
         </p:nvSpPr>
         <p:spPr>
           <a:xfrm>
-            <a:off x="831850" y="4589463"/>
+            <a:off x="831851" y="4589463"/>
             <a:ext cx="10515600" cy="1500187"/>
           </a:xfrm>
         </p:spPr>
@@ -873,93 +1006,39 @@
           <a:lstStyle>
             <a:lvl1pPr marL="0" indent="0">
               <a:buNone/>
-              <a:defRPr sz="2400">
-                <a:solidFill>
-                  <a:schemeClr val="tx1">
-                    <a:tint val="75000"/>
-                  </a:schemeClr>
-                </a:solidFill>
-              </a:defRPr>
+              <a:defRPr sz="2400"/>
             </a:lvl1pPr>
             <a:lvl2pPr marL="457200" indent="0">
               <a:buNone/>
-              <a:defRPr sz="2000">
-                <a:solidFill>
-                  <a:schemeClr val="tx1">
-                    <a:tint val="75000"/>
-                  </a:schemeClr>
-                </a:solidFill>
-              </a:defRPr>
+              <a:defRPr sz="2000"/>
             </a:lvl2pPr>
             <a:lvl3pPr marL="914400" indent="0">
               <a:buNone/>
-              <a:defRPr sz="1800">
-                <a:solidFill>
-                  <a:schemeClr val="tx1">
-                    <a:tint val="75000"/>
-                  </a:schemeClr>
-                </a:solidFill>
-              </a:defRPr>
+              <a:defRPr sz="1800"/>
             </a:lvl3pPr>
             <a:lvl4pPr marL="1371600" indent="0">
               <a:buNone/>
-              <a:defRPr sz="1600">
-                <a:solidFill>
-                  <a:schemeClr val="tx1">
-                    <a:tint val="75000"/>
-                  </a:schemeClr>
-                </a:solidFill>
-              </a:defRPr>
+              <a:defRPr sz="1600"/>
             </a:lvl4pPr>
             <a:lvl5pPr marL="1828800" indent="0">
               <a:buNone/>
-              <a:defRPr sz="1600">
-                <a:solidFill>
-                  <a:schemeClr val="tx1">
-                    <a:tint val="75000"/>
-                  </a:schemeClr>
-                </a:solidFill>
-              </a:defRPr>
+              <a:defRPr sz="1600"/>
             </a:lvl5pPr>
             <a:lvl6pPr marL="2286000" indent="0">
               <a:buNone/>
-              <a:defRPr sz="1600">
-                <a:solidFill>
-                  <a:schemeClr val="tx1">
-                    <a:tint val="75000"/>
-                  </a:schemeClr>
-                </a:solidFill>
-              </a:defRPr>
+              <a:defRPr sz="1600"/>
             </a:lvl6pPr>
             <a:lvl7pPr marL="2743200" indent="0">
               <a:buNone/>
-              <a:defRPr sz="1600">
-                <a:solidFill>
-                  <a:schemeClr val="tx1">
-                    <a:tint val="75000"/>
-                  </a:schemeClr>
-                </a:solidFill>
-              </a:defRPr>
+              <a:defRPr sz="1600"/>
             </a:lvl7pPr>
             <a:lvl8pPr marL="3200400" indent="0">
               <a:buNone/>
-              <a:defRPr sz="1600">
-                <a:solidFill>
-                  <a:schemeClr val="tx1">
-                    <a:tint val="75000"/>
-                  </a:schemeClr>
-                </a:solidFill>
-              </a:defRPr>
+              <a:defRPr sz="1600"/>
             </a:lvl8pPr>
             <a:lvl9pPr marL="3657600" indent="0">
               <a:buNone/>
-              <a:defRPr sz="1600">
-                <a:solidFill>
-                  <a:schemeClr val="tx1">
-                    <a:tint val="75000"/>
-                  </a:schemeClr>
-                </a:solidFill>
-              </a:defRPr>
+              <a:defRPr sz="1600"/>
             </a:lvl9pPr>
           </a:lstStyle>
           <a:p>
@@ -985,7 +1064,6 @@
         <p:spPr/>
         <p:txBody>
           <a:bodyPr/>
-          <a:lstStyle/>
           <a:p>
             <a:fld id="{63A1C593-65D0-4073-BCC9-577B9352EA97}" type="datetimeFigureOut">
               <a:rPr lang="en-US" smtClean="0"/>
@@ -1007,7 +1085,6 @@
         <p:spPr/>
         <p:txBody>
           <a:bodyPr/>
-          <a:lstStyle/>
           <a:p>
             <a:endParaRPr lang="en-US"/>
           </a:p>
@@ -1026,7 +1103,6 @@
         <p:spPr/>
         <p:txBody>
           <a:bodyPr/>
-          <a:lstStyle/>
           <a:p>
             <a:fld id="{9B618960-8005-486C-9A75-10CB2AAC16F9}" type="slidenum">
               <a:rPr lang="en-US" smtClean="0"/>
@@ -1040,6 +1116,7 @@
   <p:clrMapOvr>
     <a:masterClrMapping/>
   </p:clrMapOvr>
+  <p:hf sldNum="0" hdr="0" ftr="0" dt="0"/>
 </p:sldLayout>
 </file>
 
@@ -1095,8 +1172,8 @@
         </p:nvSpPr>
         <p:spPr>
           <a:xfrm>
-            <a:off x="838200" y="1825625"/>
-            <a:ext cx="5181600" cy="4351338"/>
+            <a:off x="609600" y="1174750"/>
+            <a:ext cx="5384800" cy="4953000"/>
           </a:xfrm>
         </p:spPr>
         <p:txBody>
@@ -1156,8 +1233,8 @@
         </p:nvSpPr>
         <p:spPr>
           <a:xfrm>
-            <a:off x="6172200" y="1825625"/>
-            <a:ext cx="5181600" cy="4351338"/>
+            <a:off x="6197600" y="1174750"/>
+            <a:ext cx="5384800" cy="4953000"/>
           </a:xfrm>
         </p:spPr>
         <p:txBody>
@@ -1218,7 +1295,6 @@
         <p:spPr/>
         <p:txBody>
           <a:bodyPr/>
-          <a:lstStyle/>
           <a:p>
             <a:fld id="{63A1C593-65D0-4073-BCC9-577B9352EA97}" type="datetimeFigureOut">
               <a:rPr lang="en-US" smtClean="0"/>
@@ -1240,7 +1316,6 @@
         <p:spPr/>
         <p:txBody>
           <a:bodyPr/>
-          <a:lstStyle/>
           <a:p>
             <a:endParaRPr lang="en-US"/>
           </a:p>
@@ -1259,7 +1334,6 @@
         <p:spPr/>
         <p:txBody>
           <a:bodyPr/>
-          <a:lstStyle/>
           <a:p>
             <a:fld id="{9B618960-8005-486C-9A75-10CB2AAC16F9}" type="slidenum">
               <a:rPr lang="en-US" smtClean="0"/>
@@ -1273,6 +1347,7 @@
   <p:clrMapOvr>
     <a:masterClrMapping/>
   </p:clrMapOvr>
+  <p:hf sldNum="0" hdr="0" ftr="0" dt="0"/>
 </p:sldLayout>
 </file>
 
@@ -1305,7 +1380,7 @@
         </p:nvSpPr>
         <p:spPr>
           <a:xfrm>
-            <a:off x="839788" y="365125"/>
+            <a:off x="840317" y="365125"/>
             <a:ext cx="10515600" cy="1325563"/>
           </a:xfrm>
         </p:spPr>
@@ -1333,8 +1408,8 @@
         </p:nvSpPr>
         <p:spPr>
           <a:xfrm>
-            <a:off x="839788" y="1681163"/>
-            <a:ext cx="5157787" cy="823912"/>
+            <a:off x="840317" y="1681163"/>
+            <a:ext cx="5158316" cy="823912"/>
           </a:xfrm>
         </p:spPr>
         <p:txBody>
@@ -1399,8 +1474,8 @@
         </p:nvSpPr>
         <p:spPr>
           <a:xfrm>
-            <a:off x="839788" y="2505075"/>
-            <a:ext cx="5157787" cy="3684588"/>
+            <a:off x="840317" y="2505075"/>
+            <a:ext cx="5158316" cy="3684588"/>
           </a:xfrm>
         </p:spPr>
         <p:txBody>
@@ -1461,7 +1536,7 @@
         <p:spPr>
           <a:xfrm>
             <a:off x="6172200" y="1681163"/>
-            <a:ext cx="5183188" cy="823912"/>
+            <a:ext cx="5183717" cy="823912"/>
           </a:xfrm>
         </p:spPr>
         <p:txBody>
@@ -1527,7 +1602,7 @@
         <p:spPr>
           <a:xfrm>
             <a:off x="6172200" y="2505075"/>
-            <a:ext cx="5183188" cy="3684588"/>
+            <a:ext cx="5183717" cy="3684588"/>
           </a:xfrm>
         </p:spPr>
         <p:txBody>
@@ -1588,7 +1663,6 @@
         <p:spPr/>
         <p:txBody>
           <a:bodyPr/>
-          <a:lstStyle/>
           <a:p>
             <a:fld id="{63A1C593-65D0-4073-BCC9-577B9352EA97}" type="datetimeFigureOut">
               <a:rPr lang="en-US" smtClean="0"/>
@@ -1610,7 +1684,6 @@
         <p:spPr/>
         <p:txBody>
           <a:bodyPr/>
-          <a:lstStyle/>
           <a:p>
             <a:endParaRPr lang="en-US"/>
           </a:p>
@@ -1629,7 +1702,6 @@
         <p:spPr/>
         <p:txBody>
           <a:bodyPr/>
-          <a:lstStyle/>
           <a:p>
             <a:fld id="{9B618960-8005-486C-9A75-10CB2AAC16F9}" type="slidenum">
               <a:rPr lang="en-US" smtClean="0"/>
@@ -1643,6 +1715,7 @@
   <p:clrMapOvr>
     <a:masterClrMapping/>
   </p:clrMapOvr>
+  <p:hf sldNum="0" hdr="0" ftr="0" dt="0"/>
 </p:sldLayout>
 </file>
 
@@ -1699,7 +1772,6 @@
         <p:spPr/>
         <p:txBody>
           <a:bodyPr/>
-          <a:lstStyle/>
           <a:p>
             <a:fld id="{63A1C593-65D0-4073-BCC9-577B9352EA97}" type="datetimeFigureOut">
               <a:rPr lang="en-US" smtClean="0"/>
@@ -1721,7 +1793,6 @@
         <p:spPr/>
         <p:txBody>
           <a:bodyPr/>
-          <a:lstStyle/>
           <a:p>
             <a:endParaRPr lang="en-US"/>
           </a:p>
@@ -1740,7 +1811,6 @@
         <p:spPr/>
         <p:txBody>
           <a:bodyPr/>
-          <a:lstStyle/>
           <a:p>
             <a:fld id="{9B618960-8005-486C-9A75-10CB2AAC16F9}" type="slidenum">
               <a:rPr lang="en-US" smtClean="0"/>
@@ -1754,6 +1824,7 @@
   <p:clrMapOvr>
     <a:masterClrMapping/>
   </p:clrMapOvr>
+  <p:hf sldNum="0" hdr="0" ftr="0" dt="0"/>
 </p:sldLayout>
 </file>
 
@@ -1787,7 +1858,6 @@
         <p:spPr/>
         <p:txBody>
           <a:bodyPr/>
-          <a:lstStyle/>
           <a:p>
             <a:fld id="{63A1C593-65D0-4073-BCC9-577B9352EA97}" type="datetimeFigureOut">
               <a:rPr lang="en-US" smtClean="0"/>
@@ -1809,7 +1879,6 @@
         <p:spPr/>
         <p:txBody>
           <a:bodyPr/>
-          <a:lstStyle/>
           <a:p>
             <a:endParaRPr lang="en-US"/>
           </a:p>
@@ -1828,7 +1897,6 @@
         <p:spPr/>
         <p:txBody>
           <a:bodyPr/>
-          <a:lstStyle/>
           <a:p>
             <a:fld id="{9B618960-8005-486C-9A75-10CB2AAC16F9}" type="slidenum">
               <a:rPr lang="en-US" smtClean="0"/>
@@ -1842,6 +1910,7 @@
   <p:clrMapOvr>
     <a:masterClrMapping/>
   </p:clrMapOvr>
+  <p:hf sldNum="0" hdr="0" ftr="0" dt="0"/>
 </p:sldLayout>
 </file>
 
@@ -1874,8 +1943,8 @@
         </p:nvSpPr>
         <p:spPr>
           <a:xfrm>
-            <a:off x="839788" y="457200"/>
-            <a:ext cx="3932237" cy="1600200"/>
+            <a:off x="840317" y="457200"/>
+            <a:ext cx="3932767" cy="1600200"/>
           </a:xfrm>
         </p:spPr>
         <p:txBody>
@@ -1906,7 +1975,7 @@
         </p:nvSpPr>
         <p:spPr>
           <a:xfrm>
-            <a:off x="5183188" y="987425"/>
+            <a:off x="5183717" y="987425"/>
             <a:ext cx="6172200" cy="4873625"/>
           </a:xfrm>
         </p:spPr>
@@ -1995,8 +2064,8 @@
         </p:nvSpPr>
         <p:spPr>
           <a:xfrm>
-            <a:off x="839788" y="2057400"/>
-            <a:ext cx="3932237" cy="3811588"/>
+            <a:off x="840317" y="2057400"/>
+            <a:ext cx="3932767" cy="3811588"/>
           </a:xfrm>
         </p:spPr>
         <p:txBody>
@@ -2062,7 +2131,6 @@
         <p:spPr/>
         <p:txBody>
           <a:bodyPr/>
-          <a:lstStyle/>
           <a:p>
             <a:fld id="{63A1C593-65D0-4073-BCC9-577B9352EA97}" type="datetimeFigureOut">
               <a:rPr lang="en-US" smtClean="0"/>
@@ -2084,7 +2152,6 @@
         <p:spPr/>
         <p:txBody>
           <a:bodyPr/>
-          <a:lstStyle/>
           <a:p>
             <a:endParaRPr lang="en-US"/>
           </a:p>
@@ -2103,7 +2170,6 @@
         <p:spPr/>
         <p:txBody>
           <a:bodyPr/>
-          <a:lstStyle/>
           <a:p>
             <a:fld id="{9B618960-8005-486C-9A75-10CB2AAC16F9}" type="slidenum">
               <a:rPr lang="en-US" smtClean="0"/>
@@ -2117,6 +2183,7 @@
   <p:clrMapOvr>
     <a:masterClrMapping/>
   </p:clrMapOvr>
+  <p:hf sldNum="0" hdr="0" ftr="0" dt="0"/>
 </p:sldLayout>
 </file>
 
@@ -2149,8 +2216,8 @@
         </p:nvSpPr>
         <p:spPr>
           <a:xfrm>
-            <a:off x="839788" y="457200"/>
-            <a:ext cx="3932237" cy="1600200"/>
+            <a:off x="840317" y="457200"/>
+            <a:ext cx="3932767" cy="1600200"/>
           </a:xfrm>
         </p:spPr>
         <p:txBody>
@@ -2181,12 +2248,12 @@
         </p:nvSpPr>
         <p:spPr>
           <a:xfrm>
-            <a:off x="5183188" y="987425"/>
+            <a:off x="5183717" y="987425"/>
             <a:ext cx="6172200" cy="4873625"/>
           </a:xfrm>
         </p:spPr>
         <p:txBody>
-          <a:bodyPr/>
+          <a:bodyPr vert="horz" wrap="square" lIns="91440" tIns="45720" rIns="91440" bIns="45720" numCol="1" anchor="t" anchorCtr="0" compatLnSpc="1"/>
           <a:lstStyle>
             <a:lvl1pPr marL="0" indent="0">
               <a:buNone/>
@@ -2226,7 +2293,36 @@
             </a:lvl9pPr>
           </a:lstStyle>
           <a:p>
-            <a:endParaRPr lang="en-US"/>
+            <a:pPr marL="0" marR="0" lvl="0" indent="0" algn="l" defTabSz="914400" rtl="0" eaLnBrk="1" fontAlgn="base" latinLnBrk="0" hangingPunct="1">
+              <a:lnSpc>
+                <a:spcPct val="100000"/>
+              </a:lnSpc>
+              <a:spcBef>
+                <a:spcPct val="20000"/>
+              </a:spcBef>
+              <a:spcAft>
+                <a:spcPct val="0"/>
+              </a:spcAft>
+              <a:buClrTx/>
+              <a:buSzTx/>
+              <a:buFontTx/>
+              <a:buNone/>
+              <a:defRPr/>
+            </a:pPr>
+            <a:endParaRPr kumimoji="0" lang="en-US" sz="3200" b="0" i="0" u="none" strike="noStrike" kern="1200" cap="none" spc="0" normalizeH="0" baseline="0" noProof="0" smtClean="0">
+              <a:ln>
+                <a:noFill/>
+              </a:ln>
+              <a:solidFill>
+                <a:schemeClr val="tx1"/>
+              </a:solidFill>
+              <a:effectLst/>
+              <a:uLnTx/>
+              <a:uFillTx/>
+              <a:latin typeface="+mn-lt"/>
+              <a:ea typeface="+mn-ea"/>
+              <a:cs typeface="+mn-cs"/>
+            </a:endParaRPr>
           </a:p>
         </p:txBody>
       </p:sp>
@@ -2242,8 +2338,8 @@
         </p:nvSpPr>
         <p:spPr>
           <a:xfrm>
-            <a:off x="839788" y="2057400"/>
-            <a:ext cx="3932237" cy="3811588"/>
+            <a:off x="840317" y="2057400"/>
+            <a:ext cx="3932767" cy="3811588"/>
           </a:xfrm>
         </p:spPr>
         <p:txBody>
@@ -2309,7 +2405,6 @@
         <p:spPr/>
         <p:txBody>
           <a:bodyPr/>
-          <a:lstStyle/>
           <a:p>
             <a:fld id="{63A1C593-65D0-4073-BCC9-577B9352EA97}" type="datetimeFigureOut">
               <a:rPr lang="en-US" smtClean="0"/>
@@ -2331,7 +2426,6 @@
         <p:spPr/>
         <p:txBody>
           <a:bodyPr/>
-          <a:lstStyle/>
           <a:p>
             <a:endParaRPr lang="en-US"/>
           </a:p>
@@ -2350,7 +2444,6 @@
         <p:spPr/>
         <p:txBody>
           <a:bodyPr/>
-          <a:lstStyle/>
           <a:p>
             <a:fld id="{9B618960-8005-486C-9A75-10CB2AAC16F9}" type="slidenum">
               <a:rPr lang="en-US" smtClean="0"/>
@@ -2364,6 +2457,7 @@
   <p:clrMapOvr>
     <a:masterClrMapping/>
   </p:clrMapOvr>
+  <p:hf sldNum="0" hdr="0" ftr="0" dt="0"/>
 </p:sldLayout>
 </file>
 
@@ -2371,9 +2465,12 @@
 <p:sldMaster xmlns:a="http://schemas.openxmlformats.org/drawingml/2006/main" xmlns:r="http://schemas.openxmlformats.org/officeDocument/2006/relationships" xmlns:p="http://schemas.openxmlformats.org/presentationml/2006/main">
   <p:cSld>
     <p:bg>
-      <p:bgRef idx="1001">
-        <a:schemeClr val="bg1"/>
-      </p:bgRef>
+      <p:bgPr>
+        <a:solidFill>
+          <a:schemeClr val="bg1"/>
+        </a:solidFill>
+        <a:effectLst/>
+      </p:bgPr>
     </p:bg>
     <p:spTree>
       <p:nvGrpSpPr>
@@ -2381,220 +2478,325 @@
         <p:cNvGrpSpPr/>
         <p:nvPr/>
       </p:nvGrpSpPr>
-      <p:grpSpPr>
-        <a:xfrm>
-          <a:off x="0" y="0"/>
-          <a:ext cx="0" cy="0"/>
-          <a:chOff x="0" y="0"/>
-          <a:chExt cx="0" cy="0"/>
-        </a:xfrm>
-      </p:grpSpPr>
-      <p:sp>
-        <p:nvSpPr>
-          <p:cNvPr id="2" name="Title Placeholder 1"/>
-          <p:cNvSpPr>
-            <a:spLocks noGrp="1"/>
-          </p:cNvSpPr>
-          <p:nvPr>
-            <p:ph type="title"/>
-          </p:nvPr>
-        </p:nvSpPr>
+      <p:grpSpPr/>
+      <p:pic>
+        <p:nvPicPr>
+          <p:cNvPr id="1026" name="Picture 9"/>
+          <p:cNvPicPr>
+            <a:picLocks noChangeAspect="1"/>
+          </p:cNvPicPr>
+          <p:nvPr/>
+        </p:nvPicPr>
+        <p:blipFill>
+          <a:blip r:embed="rId12"/>
+          <a:stretch>
+            <a:fillRect/>
+          </a:stretch>
+        </p:blipFill>
         <p:spPr>
           <a:xfrm>
-            <a:off x="838200" y="365125"/>
-            <a:ext cx="10515600" cy="1325563"/>
+            <a:off x="0" y="0"/>
+            <a:ext cx="12208933" cy="6858000"/>
           </a:xfrm>
           <a:prstGeom prst="rect">
             <a:avLst/>
           </a:prstGeom>
+          <a:noFill/>
+          <a:ln w="9525">
+            <a:noFill/>
+          </a:ln>
         </p:spPr>
-        <p:txBody>
-          <a:bodyPr vert="horz" lIns="91440" tIns="45720" rIns="91440" bIns="45720" rtlCol="0" anchor="ctr">
-            <a:normAutofit/>
-          </a:bodyPr>
-          <a:lstStyle/>
-          <a:p>
-            <a:r>
-              <a:rPr lang="en-US" smtClean="0"/>
-              <a:t>Click to edit Master title style</a:t>
-            </a:r>
-            <a:endParaRPr lang="en-US"/>
-          </a:p>
-        </p:txBody>
-      </p:sp>
-      <p:sp>
-        <p:nvSpPr>
-          <p:cNvPr id="3" name="Text Placeholder 2"/>
-          <p:cNvSpPr>
-            <a:spLocks noGrp="1"/>
-          </p:cNvSpPr>
-          <p:nvPr>
-            <p:ph type="body" idx="1"/>
+      </p:pic>
+      <p:sp>
+        <p:nvSpPr>
+          <p:cNvPr id="1027" name="Rectangle 3"/>
+          <p:cNvSpPr>
+            <a:spLocks noGrp="1"/>
+          </p:cNvSpPr>
+          <p:nvPr>
+            <p:ph type="title"/>
           </p:nvPr>
         </p:nvSpPr>
         <p:spPr>
           <a:xfrm>
-            <a:off x="838200" y="1825625"/>
-            <a:ext cx="10515600" cy="4351338"/>
+            <a:off x="609600" y="190500"/>
+            <a:ext cx="10972800" cy="582613"/>
           </a:xfrm>
           <a:prstGeom prst="rect">
             <a:avLst/>
           </a:prstGeom>
+          <a:noFill/>
+          <a:ln w="9525">
+            <a:noFill/>
+          </a:ln>
         </p:spPr>
         <p:txBody>
-          <a:bodyPr vert="horz" lIns="91440" tIns="45720" rIns="91440" bIns="45720" rtlCol="0">
-            <a:normAutofit/>
-          </a:bodyPr>
-          <a:lstStyle/>
+          <a:bodyPr anchor="ctr" anchorCtr="0"/>
           <a:p>
             <a:pPr lvl="0"/>
             <a:r>
-              <a:rPr lang="en-US" smtClean="0"/>
-              <a:t>Click to edit Master text styles</a:t>
-            </a:r>
-            <a:endParaRPr lang="en-US" smtClean="0"/>
-          </a:p>
-          <a:p>
-            <a:pPr lvl="1"/>
-            <a:r>
-              <a:rPr lang="en-US" smtClean="0"/>
-              <a:t>Second level</a:t>
-            </a:r>
-            <a:endParaRPr lang="en-US" smtClean="0"/>
-          </a:p>
-          <a:p>
-            <a:pPr lvl="2"/>
-            <a:r>
-              <a:rPr lang="en-US" smtClean="0"/>
-              <a:t>Third level</a:t>
-            </a:r>
-            <a:endParaRPr lang="en-US" smtClean="0"/>
-          </a:p>
-          <a:p>
-            <a:pPr lvl="3"/>
-            <a:r>
-              <a:rPr lang="en-US" smtClean="0"/>
-              <a:t>Fourth level</a:t>
-            </a:r>
-            <a:endParaRPr lang="en-US" smtClean="0"/>
-          </a:p>
-          <a:p>
-            <a:pPr lvl="4"/>
-            <a:r>
-              <a:rPr lang="en-US" smtClean="0"/>
-              <a:t>Fifth level</a:t>
-            </a:r>
-            <a:endParaRPr lang="en-US"/>
-          </a:p>
-        </p:txBody>
-      </p:sp>
-      <p:sp>
-        <p:nvSpPr>
-          <p:cNvPr id="4" name="Date Placeholder 3"/>
-          <p:cNvSpPr>
-            <a:spLocks noGrp="1"/>
-          </p:cNvSpPr>
-          <p:nvPr>
-            <p:ph type="dt" sz="half" idx="2"/>
+              <a:rPr lang="en-US" altLang="zh-CN" dirty="0"/>
+              <a:t>Click to edit Master title style</a:t>
+            </a:r>
+            <a:endParaRPr lang="en-US" altLang="zh-CN" dirty="0"/>
+          </a:p>
+        </p:txBody>
+      </p:sp>
+      <p:sp>
+        <p:nvSpPr>
+          <p:cNvPr id="1028" name="Rectangle 4"/>
+          <p:cNvSpPr>
+            <a:spLocks noGrp="1"/>
+          </p:cNvSpPr>
+          <p:nvPr>
+            <p:ph type="body" idx="1"/>
           </p:nvPr>
         </p:nvSpPr>
         <p:spPr>
           <a:xfrm>
-            <a:off x="838200" y="6356350"/>
-            <a:ext cx="2743200" cy="365125"/>
+            <a:off x="609600" y="1174750"/>
+            <a:ext cx="10972800" cy="4953000"/>
           </a:xfrm>
           <a:prstGeom prst="rect">
             <a:avLst/>
           </a:prstGeom>
+          <a:noFill/>
+          <a:ln w="9525">
+            <a:noFill/>
+          </a:ln>
         </p:spPr>
         <p:txBody>
-          <a:bodyPr vert="horz" lIns="91440" tIns="45720" rIns="91440" bIns="45720" rtlCol="0" anchor="ctr"/>
-          <a:lstStyle>
-            <a:lvl1pPr algn="l">
-              <a:defRPr sz="1200">
-                <a:solidFill>
-                  <a:schemeClr val="tx1">
-                    <a:tint val="75000"/>
-                  </a:schemeClr>
-                </a:solidFill>
-              </a:defRPr>
-            </a:lvl1pPr>
-          </a:lstStyle>
-          <a:p>
-            <a:fld id="{63A1C593-65D0-4073-BCC9-577B9352EA97}" type="datetimeFigureOut">
-              <a:rPr lang="en-US" smtClean="0"/>
-            </a:fld>
-            <a:endParaRPr lang="en-US"/>
-          </a:p>
-        </p:txBody>
-      </p:sp>
-      <p:sp>
-        <p:nvSpPr>
-          <p:cNvPr id="5" name="Footer Placeholder 4"/>
-          <p:cNvSpPr>
-            <a:spLocks noGrp="1"/>
-          </p:cNvSpPr>
-          <p:nvPr>
-            <p:ph type="ftr" sz="quarter" idx="3"/>
-          </p:nvPr>
-        </p:nvSpPr>
-        <p:spPr>
+          <a:bodyPr/>
+          <a:p>
+            <a:pPr lvl="0"/>
+            <a:r>
+              <a:rPr lang="en-US" altLang="zh-CN" dirty="0"/>
+              <a:t>Click to edit Master text styles</a:t>
+            </a:r>
+            <a:endParaRPr lang="en-US" altLang="zh-CN" dirty="0"/>
+          </a:p>
+          <a:p>
+            <a:pPr lvl="1"/>
+            <a:r>
+              <a:rPr lang="en-US" altLang="zh-CN" dirty="0"/>
+              <a:t>Second level</a:t>
+            </a:r>
+            <a:endParaRPr lang="en-US" altLang="zh-CN" dirty="0"/>
+          </a:p>
+          <a:p>
+            <a:pPr lvl="2"/>
+            <a:r>
+              <a:rPr lang="en-US" altLang="zh-CN" dirty="0"/>
+              <a:t>Third level</a:t>
+            </a:r>
+            <a:endParaRPr lang="en-US" altLang="zh-CN" dirty="0"/>
+          </a:p>
+          <a:p>
+            <a:pPr lvl="3"/>
+            <a:r>
+              <a:rPr lang="en-US" altLang="zh-CN" dirty="0"/>
+              <a:t>Fourth level</a:t>
+            </a:r>
+            <a:endParaRPr lang="en-US" altLang="zh-CN" dirty="0"/>
+          </a:p>
+          <a:p>
+            <a:pPr lvl="4"/>
+            <a:r>
+              <a:rPr lang="en-US" altLang="zh-CN" dirty="0"/>
+              <a:t>Fifth level</a:t>
+            </a:r>
+            <a:endParaRPr lang="en-US" altLang="zh-CN" dirty="0"/>
+          </a:p>
+        </p:txBody>
+      </p:sp>
+      <p:sp>
+        <p:nvSpPr>
+          <p:cNvPr id="1029" name="Rectangle 5"/>
+          <p:cNvSpPr>
+            <a:spLocks noGrp="1" noChangeArrowheads="1"/>
+          </p:cNvSpPr>
+          <p:nvPr>
+            <p:ph type="dt" sz="half" idx="2"/>
+          </p:nvPr>
+        </p:nvSpPr>
+        <p:spPr bwMode="auto">
           <a:xfrm>
-            <a:off x="4038600" y="6356350"/>
-            <a:ext cx="4114800" cy="365125"/>
+            <a:off x="609600" y="6245225"/>
+            <a:ext cx="2844800" cy="476250"/>
           </a:xfrm>
           <a:prstGeom prst="rect">
             <a:avLst/>
           </a:prstGeom>
+          <a:noFill/>
+          <a:ln>
+            <a:noFill/>
+          </a:ln>
+          <a:effectLst/>
+          <a:extLst>
+            <a:ext uri="{909E8E84-426E-40DD-AFC4-6F175D3DCCD1}">
+              <a14:hiddenFill xmlns:a14="http://schemas.microsoft.com/office/drawing/2010/main">
+                <a:solidFill>
+                  <a:schemeClr val="accent1"/>
+                </a:solidFill>
+              </a14:hiddenFill>
+            </a:ext>
+            <a:ext uri="{91240B29-F687-4F45-9708-019B960494DF}">
+              <a14:hiddenLine xmlns:a14="http://schemas.microsoft.com/office/drawing/2010/main" w="9525">
+                <a:solidFill>
+                  <a:srgbClr val="000000"/>
+                </a:solidFill>
+                <a:miter lim="800000"/>
+                <a:headEnd/>
+                <a:tailEnd/>
+              </a14:hiddenLine>
+            </a:ext>
+            <a:ext uri="{AF507438-7753-43E0-B8FC-AC1667EBCBE1}">
+              <a14:hiddenEffects xmlns:a14="http://schemas.microsoft.com/office/drawing/2010/main">
+                <a:effectLst>
+                  <a:outerShdw dist="35921" dir="2700000" algn="ctr" rotWithShape="0">
+                    <a:schemeClr val="bg2"/>
+                  </a:outerShdw>
+                </a:effectLst>
+              </a14:hiddenEffects>
+            </a:ext>
+          </a:extLst>
         </p:spPr>
         <p:txBody>
-          <a:bodyPr vert="horz" lIns="91440" tIns="45720" rIns="91440" bIns="45720" rtlCol="0" anchor="ctr"/>
+          <a:bodyPr vert="horz" wrap="square" lIns="91440" tIns="45720" rIns="91440" bIns="45720" numCol="1" anchor="t" anchorCtr="0" compatLnSpc="1"/>
           <a:lstStyle>
-            <a:lvl1pPr algn="ctr">
-              <a:defRPr sz="1200">
-                <a:solidFill>
-                  <a:schemeClr val="tx1">
-                    <a:tint val="75000"/>
-                  </a:schemeClr>
-                </a:solidFill>
-              </a:defRPr>
+            <a:lvl1pPr>
+              <a:defRPr sz="1400"/>
             </a:lvl1pPr>
           </a:lstStyle>
           <a:p>
-            <a:endParaRPr lang="en-US"/>
-          </a:p>
-        </p:txBody>
-      </p:sp>
-      <p:sp>
-        <p:nvSpPr>
-          <p:cNvPr id="6" name="Slide Number Placeholder 5"/>
-          <p:cNvSpPr>
-            <a:spLocks noGrp="1"/>
-          </p:cNvSpPr>
-          <p:nvPr>
-            <p:ph type="sldNum" sz="quarter" idx="4"/>
-          </p:nvPr>
-        </p:nvSpPr>
-        <p:spPr>
+            <a:fld id="{63A1C593-65D0-4073-BCC9-577B9352EA97}" type="datetimeFigureOut">
+              <a:rPr lang="en-US" smtClean="0"/>
+            </a:fld>
+            <a:endParaRPr lang="en-US"/>
+          </a:p>
+        </p:txBody>
+      </p:sp>
+      <p:sp>
+        <p:nvSpPr>
+          <p:cNvPr id="1030" name="Rectangle 6"/>
+          <p:cNvSpPr>
+            <a:spLocks noGrp="1" noChangeArrowheads="1"/>
+          </p:cNvSpPr>
+          <p:nvPr>
+            <p:ph type="ftr" sz="quarter" idx="3"/>
+          </p:nvPr>
+        </p:nvSpPr>
+        <p:spPr bwMode="auto">
           <a:xfrm>
-            <a:off x="8610600" y="6356350"/>
-            <a:ext cx="2743200" cy="365125"/>
+            <a:off x="4165600" y="6245225"/>
+            <a:ext cx="3860800" cy="476250"/>
           </a:xfrm>
           <a:prstGeom prst="rect">
             <a:avLst/>
           </a:prstGeom>
+          <a:noFill/>
+          <a:ln>
+            <a:noFill/>
+          </a:ln>
+          <a:effectLst/>
+          <a:extLst>
+            <a:ext uri="{909E8E84-426E-40DD-AFC4-6F175D3DCCD1}">
+              <a14:hiddenFill xmlns:a14="http://schemas.microsoft.com/office/drawing/2010/main">
+                <a:solidFill>
+                  <a:schemeClr val="accent1"/>
+                </a:solidFill>
+              </a14:hiddenFill>
+            </a:ext>
+            <a:ext uri="{91240B29-F687-4F45-9708-019B960494DF}">
+              <a14:hiddenLine xmlns:a14="http://schemas.microsoft.com/office/drawing/2010/main" w="9525">
+                <a:solidFill>
+                  <a:srgbClr val="000000"/>
+                </a:solidFill>
+                <a:miter lim="800000"/>
+                <a:headEnd/>
+                <a:tailEnd/>
+              </a14:hiddenLine>
+            </a:ext>
+            <a:ext uri="{AF507438-7753-43E0-B8FC-AC1667EBCBE1}">
+              <a14:hiddenEffects xmlns:a14="http://schemas.microsoft.com/office/drawing/2010/main">
+                <a:effectLst>
+                  <a:outerShdw dist="35921" dir="2700000" algn="ctr" rotWithShape="0">
+                    <a:schemeClr val="bg2"/>
+                  </a:outerShdw>
+                </a:effectLst>
+              </a14:hiddenEffects>
+            </a:ext>
+          </a:extLst>
         </p:spPr>
         <p:txBody>
-          <a:bodyPr vert="horz" lIns="91440" tIns="45720" rIns="91440" bIns="45720" rtlCol="0" anchor="ctr"/>
+          <a:bodyPr vert="horz" wrap="square" lIns="91440" tIns="45720" rIns="91440" bIns="45720" numCol="1" anchor="t" anchorCtr="0" compatLnSpc="1"/>
+          <a:lstStyle>
+            <a:lvl1pPr algn="ctr">
+              <a:defRPr sz="1400"/>
+            </a:lvl1pPr>
+          </a:lstStyle>
+          <a:p>
+            <a:endParaRPr lang="en-US"/>
+          </a:p>
+        </p:txBody>
+      </p:sp>
+      <p:sp>
+        <p:nvSpPr>
+          <p:cNvPr id="1031" name="Rectangle 7"/>
+          <p:cNvSpPr>
+            <a:spLocks noGrp="1" noChangeArrowheads="1"/>
+          </p:cNvSpPr>
+          <p:nvPr>
+            <p:ph type="sldNum" sz="quarter" idx="4"/>
+          </p:nvPr>
+        </p:nvSpPr>
+        <p:spPr bwMode="auto">
+          <a:xfrm>
+            <a:off x="8737600" y="6245225"/>
+            <a:ext cx="2844800" cy="476250"/>
+          </a:xfrm>
+          <a:prstGeom prst="rect">
+            <a:avLst/>
+          </a:prstGeom>
+          <a:noFill/>
+          <a:ln>
+            <a:noFill/>
+          </a:ln>
+          <a:effectLst/>
+          <a:extLst>
+            <a:ext uri="{909E8E84-426E-40DD-AFC4-6F175D3DCCD1}">
+              <a14:hiddenFill xmlns:a14="http://schemas.microsoft.com/office/drawing/2010/main">
+                <a:solidFill>
+                  <a:schemeClr val="accent1"/>
+                </a:solidFill>
+              </a14:hiddenFill>
+            </a:ext>
+            <a:ext uri="{91240B29-F687-4F45-9708-019B960494DF}">
+              <a14:hiddenLine xmlns:a14="http://schemas.microsoft.com/office/drawing/2010/main" w="9525">
+                <a:solidFill>
+                  <a:srgbClr val="000000"/>
+                </a:solidFill>
+                <a:miter lim="800000"/>
+                <a:headEnd/>
+                <a:tailEnd/>
+              </a14:hiddenLine>
+            </a:ext>
+            <a:ext uri="{AF507438-7753-43E0-B8FC-AC1667EBCBE1}">
+              <a14:hiddenEffects xmlns:a14="http://schemas.microsoft.com/office/drawing/2010/main">
+                <a:effectLst>
+                  <a:outerShdw dist="35921" dir="2700000" algn="ctr" rotWithShape="0">
+                    <a:schemeClr val="bg2"/>
+                  </a:outerShdw>
+                </a:effectLst>
+              </a14:hiddenEffects>
+            </a:ext>
+          </a:extLst>
+        </p:spPr>
+        <p:txBody>
+          <a:bodyPr vert="horz" wrap="square" lIns="91440" tIns="45720" rIns="91440" bIns="45720" numCol="1" anchor="t" anchorCtr="0" compatLnSpc="1"/>
           <a:lstStyle>
             <a:lvl1pPr algn="r">
-              <a:defRPr sz="1200">
-                <a:solidFill>
-                  <a:schemeClr val="tx1">
-                    <a:tint val="75000"/>
-                  </a:schemeClr>
-                </a:solidFill>
-              </a:defRPr>
+              <a:defRPr sz="1400"/>
             </a:lvl1pPr>
           </a:lstStyle>
           <a:p>
@@ -2621,17 +2823,17 @@
     <p:sldLayoutId id="2147483658" r:id="rId10"/>
     <p:sldLayoutId id="2147483659" r:id="rId11"/>
   </p:sldLayoutIdLst>
+  <p:hf sldNum="0" hdr="0" ftr="0" dt="0"/>
   <p:txStyles>
     <p:titleStyle>
-      <a:lvl1pPr algn="l" defTabSz="914400" rtl="0" eaLnBrk="1" latinLnBrk="0" hangingPunct="1">
-        <a:lnSpc>
-          <a:spcPct val="90000"/>
-        </a:lnSpc>
+      <a:lvl1pPr algn="l" rtl="0" fontAlgn="base">
         <a:spcBef>
           <a:spcPct val="0"/>
         </a:spcBef>
-        <a:buNone/>
-        <a:defRPr sz="4400" kern="1200">
+        <a:spcAft>
+          <a:spcPct val="0"/>
+        </a:spcAft>
+        <a:defRPr sz="3600" kern="1200">
           <a:solidFill>
             <a:schemeClr val="tx1"/>
           </a:solidFill>
@@ -2640,17 +2842,153 @@
           <a:cs typeface="+mj-cs"/>
         </a:defRPr>
       </a:lvl1pPr>
+      <a:lvl2pPr algn="l" rtl="0" fontAlgn="base">
+        <a:spcBef>
+          <a:spcPct val="0"/>
+        </a:spcBef>
+        <a:spcAft>
+          <a:spcPct val="0"/>
+        </a:spcAft>
+        <a:defRPr sz="3600">
+          <a:solidFill>
+            <a:schemeClr val="tx1"/>
+          </a:solidFill>
+          <a:latin typeface="Arial" panose="020B0604020202020204" pitchFamily="34" charset="0"/>
+          <a:ea typeface="SimSun" pitchFamily="2" charset="-122"/>
+        </a:defRPr>
+      </a:lvl2pPr>
+      <a:lvl3pPr algn="l" rtl="0" fontAlgn="base">
+        <a:spcBef>
+          <a:spcPct val="0"/>
+        </a:spcBef>
+        <a:spcAft>
+          <a:spcPct val="0"/>
+        </a:spcAft>
+        <a:defRPr sz="3600">
+          <a:solidFill>
+            <a:schemeClr val="tx1"/>
+          </a:solidFill>
+          <a:latin typeface="Arial" panose="020B0604020202020204" pitchFamily="34" charset="0"/>
+          <a:ea typeface="SimSun" pitchFamily="2" charset="-122"/>
+        </a:defRPr>
+      </a:lvl3pPr>
+      <a:lvl4pPr algn="l" rtl="0" fontAlgn="base">
+        <a:spcBef>
+          <a:spcPct val="0"/>
+        </a:spcBef>
+        <a:spcAft>
+          <a:spcPct val="0"/>
+        </a:spcAft>
+        <a:defRPr sz="3600">
+          <a:solidFill>
+            <a:schemeClr val="tx1"/>
+          </a:solidFill>
+          <a:latin typeface="Arial" panose="020B0604020202020204" pitchFamily="34" charset="0"/>
+          <a:ea typeface="SimSun" pitchFamily="2" charset="-122"/>
+        </a:defRPr>
+      </a:lvl4pPr>
+      <a:lvl5pPr algn="l" rtl="0" fontAlgn="base">
+        <a:spcBef>
+          <a:spcPct val="0"/>
+        </a:spcBef>
+        <a:spcAft>
+          <a:spcPct val="0"/>
+        </a:spcAft>
+        <a:defRPr sz="3600">
+          <a:solidFill>
+            <a:schemeClr val="tx1"/>
+          </a:solidFill>
+          <a:latin typeface="Arial" panose="020B0604020202020204" pitchFamily="34" charset="0"/>
+          <a:ea typeface="SimSun" pitchFamily="2" charset="-122"/>
+        </a:defRPr>
+      </a:lvl5pPr>
+      <a:lvl6pPr marL="457200" algn="l" rtl="0" fontAlgn="base">
+        <a:spcBef>
+          <a:spcPct val="0"/>
+        </a:spcBef>
+        <a:spcAft>
+          <a:spcPct val="0"/>
+        </a:spcAft>
+        <a:defRPr sz="3600">
+          <a:solidFill>
+            <a:schemeClr val="tx1"/>
+          </a:solidFill>
+          <a:latin typeface="Arial" panose="020B0604020202020204" pitchFamily="34" charset="0"/>
+          <a:ea typeface="SimSun" pitchFamily="2" charset="-122"/>
+        </a:defRPr>
+      </a:lvl6pPr>
+      <a:lvl7pPr marL="914400" algn="l" rtl="0" fontAlgn="base">
+        <a:spcBef>
+          <a:spcPct val="0"/>
+        </a:spcBef>
+        <a:spcAft>
+          <a:spcPct val="0"/>
+        </a:spcAft>
+        <a:defRPr sz="3600">
+          <a:solidFill>
+            <a:schemeClr val="tx1"/>
+          </a:solidFill>
+          <a:latin typeface="Arial" panose="020B0604020202020204" pitchFamily="34" charset="0"/>
+          <a:ea typeface="SimSun" pitchFamily="2" charset="-122"/>
+        </a:defRPr>
+      </a:lvl7pPr>
+      <a:lvl8pPr marL="1371600" algn="l" rtl="0" fontAlgn="base">
+        <a:spcBef>
+          <a:spcPct val="0"/>
+        </a:spcBef>
+        <a:spcAft>
+          <a:spcPct val="0"/>
+        </a:spcAft>
+        <a:defRPr sz="3600">
+          <a:solidFill>
+            <a:schemeClr val="tx1"/>
+          </a:solidFill>
+          <a:latin typeface="Arial" panose="020B0604020202020204" pitchFamily="34" charset="0"/>
+          <a:ea typeface="SimSun" pitchFamily="2" charset="-122"/>
+        </a:defRPr>
+      </a:lvl8pPr>
+      <a:lvl9pPr marL="1828800" algn="l" rtl="0" fontAlgn="base">
+        <a:spcBef>
+          <a:spcPct val="0"/>
+        </a:spcBef>
+        <a:spcAft>
+          <a:spcPct val="0"/>
+        </a:spcAft>
+        <a:defRPr sz="3600">
+          <a:solidFill>
+            <a:schemeClr val="tx1"/>
+          </a:solidFill>
+          <a:latin typeface="Arial" panose="020B0604020202020204" pitchFamily="34" charset="0"/>
+          <a:ea typeface="SimSun" pitchFamily="2" charset="-122"/>
+        </a:defRPr>
+      </a:lvl9pPr>
     </p:titleStyle>
     <p:bodyStyle>
-      <a:lvl1pPr marL="228600" indent="-228600" algn="l" defTabSz="914400" rtl="0" eaLnBrk="1" latinLnBrk="0" hangingPunct="1">
-        <a:lnSpc>
-          <a:spcPct val="90000"/>
-        </a:lnSpc>
+      <a:lvl1pPr marL="342900" indent="-342900" algn="l" rtl="0" fontAlgn="base">
         <a:spcBef>
-          <a:spcPts val="1000"/>
+          <a:spcPct val="20000"/>
         </a:spcBef>
-        <a:buFont typeface="Arial" panose="020B0604020202020204" pitchFamily="34" charset="0"/>
+        <a:spcAft>
+          <a:spcPct val="0"/>
+        </a:spcAft>
         <a:buChar char="•"/>
+        <a:defRPr sz="3200" kern="1200">
+          <a:solidFill>
+            <a:schemeClr val="tx1"/>
+          </a:solidFill>
+          <a:latin typeface="+mn-lt"/>
+          <a:ea typeface="+mn-ea"/>
+          <a:cs typeface="+mn-cs"/>
+        </a:defRPr>
+      </a:lvl1pPr>
+      <a:lvl2pPr marL="742950" indent="-285750" algn="l" rtl="0" fontAlgn="base">
+        <a:spcBef>
+          <a:spcPct val="20000"/>
+        </a:spcBef>
+        <a:spcAft>
+          <a:spcPct val="0"/>
+        </a:spcAft>
+        <a:buChar char="–"/>
         <a:defRPr sz="2800" kern="1200">
           <a:solidFill>
             <a:schemeClr val="tx1"/>
@@ -2659,15 +2997,14 @@
           <a:ea typeface="+mn-ea"/>
           <a:cs typeface="+mn-cs"/>
         </a:defRPr>
-      </a:lvl1pPr>
-      <a:lvl2pPr marL="685800" indent="-228600" algn="l" defTabSz="914400" rtl="0" eaLnBrk="1" latinLnBrk="0" hangingPunct="1">
-        <a:lnSpc>
-          <a:spcPct val="90000"/>
-        </a:lnSpc>
+      </a:lvl2pPr>
+      <a:lvl3pPr marL="1143000" indent="-228600" algn="l" rtl="0" fontAlgn="base">
         <a:spcBef>
-          <a:spcPts val="500"/>
+          <a:spcPct val="20000"/>
         </a:spcBef>
-        <a:buFont typeface="Arial" panose="020B0604020202020204" pitchFamily="34" charset="0"/>
+        <a:spcAft>
+          <a:spcPct val="0"/>
+        </a:spcAft>
         <a:buChar char="•"/>
         <a:defRPr sz="2400" kern="1200">
           <a:solidFill>
@@ -2677,16 +3014,15 @@
           <a:ea typeface="+mn-ea"/>
           <a:cs typeface="+mn-cs"/>
         </a:defRPr>
-      </a:lvl2pPr>
-      <a:lvl3pPr marL="1143000" indent="-228600" algn="l" defTabSz="914400" rtl="0" eaLnBrk="1" latinLnBrk="0" hangingPunct="1">
-        <a:lnSpc>
-          <a:spcPct val="90000"/>
-        </a:lnSpc>
+      </a:lvl3pPr>
+      <a:lvl4pPr marL="1600200" indent="-228600" algn="l" rtl="0" fontAlgn="base">
         <a:spcBef>
-          <a:spcPts val="500"/>
+          <a:spcPct val="20000"/>
         </a:spcBef>
-        <a:buFont typeface="Arial" panose="020B0604020202020204" pitchFamily="34" charset="0"/>
-        <a:buChar char="•"/>
+        <a:spcAft>
+          <a:spcPct val="0"/>
+        </a:spcAft>
+        <a:buChar char="–"/>
         <a:defRPr sz="2000" kern="1200">
           <a:solidFill>
             <a:schemeClr val="tx1"/>
@@ -2695,35 +3031,16 @@
           <a:ea typeface="+mn-ea"/>
           <a:cs typeface="+mn-cs"/>
         </a:defRPr>
-      </a:lvl3pPr>
-      <a:lvl4pPr marL="1600200" indent="-228600" algn="l" defTabSz="914400" rtl="0" eaLnBrk="1" latinLnBrk="0" hangingPunct="1">
-        <a:lnSpc>
-          <a:spcPct val="90000"/>
-        </a:lnSpc>
+      </a:lvl4pPr>
+      <a:lvl5pPr marL="2057400" indent="-228600" algn="l" rtl="0" fontAlgn="base">
         <a:spcBef>
-          <a:spcPts val="500"/>
+          <a:spcPct val="20000"/>
         </a:spcBef>
-        <a:buFont typeface="Arial" panose="020B0604020202020204" pitchFamily="34" charset="0"/>
-        <a:buChar char="•"/>
-        <a:defRPr sz="1800" kern="1200">
-          <a:solidFill>
-            <a:schemeClr val="tx1"/>
-          </a:solidFill>
-          <a:latin typeface="+mn-lt"/>
-          <a:ea typeface="+mn-ea"/>
-          <a:cs typeface="+mn-cs"/>
-        </a:defRPr>
-      </a:lvl4pPr>
-      <a:lvl5pPr marL="2057400" indent="-228600" algn="l" defTabSz="914400" rtl="0" eaLnBrk="1" latinLnBrk="0" hangingPunct="1">
-        <a:lnSpc>
-          <a:spcPct val="90000"/>
-        </a:lnSpc>
-        <a:spcBef>
-          <a:spcPts val="500"/>
-        </a:spcBef>
-        <a:buFont typeface="Arial" panose="020B0604020202020204" pitchFamily="34" charset="0"/>
-        <a:buChar char="•"/>
-        <a:defRPr sz="1800" kern="1200">
+        <a:spcAft>
+          <a:spcPct val="0"/>
+        </a:spcAft>
+        <a:buChar char="»"/>
+        <a:defRPr sz="2000" kern="1200">
           <a:solidFill>
             <a:schemeClr val="tx1"/>
           </a:solidFill>
@@ -2928,6 +3245,10 @@
         <p:txBody>
           <a:bodyPr/>
           <a:p>
+            <a:r>
+              <a:rPr lang="en-US"/>
+              <a:t>Pengaruh Efikasi Diri dan Dukungan Guru Tahfidz terhadap Motivasi Menghafal Alquran</a:t>
+            </a:r>
             <a:endParaRPr lang="en-US"/>
           </a:p>
         </p:txBody>
@@ -2946,7 +3267,44 @@
         <p:txBody>
           <a:bodyPr/>
           <a:p>
-            <a:endParaRPr lang="en-US"/>
+            <a:r>
+              <a:rPr lang="en-US"/>
+              <a:t>(Pada Santri SMA Tahfidz Al Izzah Samarinda)</a:t>
+            </a:r>
+            <a:endParaRPr lang="en-US"/>
+          </a:p>
+          <a:p>
+            <a:endParaRPr lang="en-US"/>
+          </a:p>
+          <a:p>
+            <a:r>
+              <a:rPr lang="" altLang="en-US">
+                <a:solidFill>
+                  <a:schemeClr val="tx1"/>
+                </a:solidFill>
+              </a:rPr>
+              <a:t>Muhammad Zaini</a:t>
+            </a:r>
+            <a:endParaRPr lang="" altLang="en-US">
+              <a:solidFill>
+                <a:schemeClr val="tx1"/>
+              </a:solidFill>
+            </a:endParaRPr>
+          </a:p>
+          <a:p>
+            <a:r>
+              <a:rPr lang="" altLang="en-US">
+                <a:solidFill>
+                  <a:schemeClr val="tx1"/>
+                </a:solidFill>
+              </a:rPr>
+              <a:t>(NIM. 1502105051)</a:t>
+            </a:r>
+            <a:endParaRPr lang="" altLang="en-US">
+              <a:solidFill>
+                <a:schemeClr val="tx1"/>
+              </a:solidFill>
+            </a:endParaRPr>
           </a:p>
         </p:txBody>
       </p:sp>
@@ -2959,116 +3317,56 @@
 </file>
 
 <file path=ppt/theme/theme1.xml><?xml version="1.0" encoding="utf-8"?>
-<a:theme xmlns:a="http://schemas.openxmlformats.org/drawingml/2006/main" name="Office Theme">
+<a:theme xmlns:a="http://schemas.openxmlformats.org/drawingml/2006/main" name="Blue Waves">
   <a:themeElements>
-    <a:clrScheme name="Office">
+    <a:clrScheme name="Blue Waves 13">
       <a:dk1>
-        <a:sysClr val="windowText" lastClr="000000"/>
+        <a:srgbClr val="000000"/>
       </a:dk1>
       <a:lt1>
-        <a:sysClr val="window" lastClr="FFFFFF"/>
+        <a:srgbClr val="FFFFFF"/>
       </a:lt1>
       <a:dk2>
-        <a:srgbClr val="44546A"/>
+        <a:srgbClr val="000000"/>
       </a:dk2>
       <a:lt2>
-        <a:srgbClr val="E7E6E6"/>
+        <a:srgbClr val="969696"/>
       </a:lt2>
       <a:accent1>
-        <a:srgbClr val="5B9BD5"/>
+        <a:srgbClr val="0066CC"/>
       </a:accent1>
       <a:accent2>
-        <a:srgbClr val="ED7D31"/>
+        <a:srgbClr val="3399FF"/>
       </a:accent2>
       <a:accent3>
-        <a:srgbClr val="A5A5A5"/>
+        <a:srgbClr val="FFFFFF"/>
       </a:accent3>
       <a:accent4>
-        <a:srgbClr val="FFC000"/>
+        <a:srgbClr val="000000"/>
       </a:accent4>
       <a:accent5>
-        <a:srgbClr val="4472C4"/>
+        <a:srgbClr val="AAB8E2"/>
       </a:accent5>
       <a:accent6>
-        <a:srgbClr val="70AD47"/>
+        <a:srgbClr val="2D8AE7"/>
       </a:accent6>
       <a:hlink>
-        <a:srgbClr val="0563C1"/>
+        <a:srgbClr val="CC3300"/>
       </a:hlink>
       <a:folHlink>
-        <a:srgbClr val="954F72"/>
+        <a:srgbClr val="996600"/>
       </a:folHlink>
     </a:clrScheme>
-    <a:fontScheme name="Office">
+    <a:fontScheme name="Blue Waves">
       <a:majorFont>
-        <a:latin typeface="Calibri Light"/>
-        <a:ea typeface=""/>
+        <a:latin typeface="Arial"/>
+        <a:ea typeface="SimSun"/>
         <a:cs typeface=""/>
-        <a:font script="Jpan" typeface="ＭＳ Ｐゴシック"/>
-        <a:font script="Hang" typeface="맑은 고딕"/>
-        <a:font script="Hans" typeface="宋体"/>
-        <a:font script="Hant" typeface="新細明體"/>
-        <a:font script="Arab" typeface="Times New Roman"/>
-        <a:font script="Hebr" typeface="Times New Roman"/>
-        <a:font script="Thai" typeface="Angsana New"/>
-        <a:font script="Ethi" typeface="Nyala"/>
-        <a:font script="Beng" typeface="Vrinda"/>
-        <a:font script="Gujr" typeface="Shruti"/>
-        <a:font script="Khmr" typeface="MoolBoran"/>
-        <a:font script="Knda" typeface="Tunga"/>
-        <a:font script="Guru" typeface="Raavi"/>
-        <a:font script="Cans" typeface="Euphemia"/>
-        <a:font script="Cher" typeface="Plantagenet Cherokee"/>
-        <a:font script="Yiii" typeface="Microsoft Yi Baiti"/>
-        <a:font script="Tibt" typeface="Microsoft Himalaya"/>
-        <a:font script="Thaa" typeface="MV Boli"/>
-        <a:font script="Deva" typeface="Mangal"/>
-        <a:font script="Telu" typeface="Gautami"/>
-        <a:font script="Taml" typeface="Latha"/>
-        <a:font script="Syrc" typeface="Estrangelo Edessa"/>
-        <a:font script="Orya" typeface="Kalinga"/>
-        <a:font script="Mlym" typeface="Kartika"/>
-        <a:font script="Laoo" typeface="DokChampa"/>
-        <a:font script="Sinh" typeface="Iskoola Pota"/>
-        <a:font script="Mong" typeface="Mongolian Baiti"/>
-        <a:font script="Viet" typeface="Times New Roman"/>
-        <a:font script="Uigh" typeface="Microsoft Uighur"/>
-        <a:font script="Geor" typeface="Sylfaen"/>
       </a:majorFont>
       <a:minorFont>
-        <a:latin typeface="Calibri"/>
-        <a:ea typeface=""/>
+        <a:latin typeface="Arial"/>
+        <a:ea typeface="SimSun"/>
         <a:cs typeface=""/>
-        <a:font script="Jpan" typeface="ＭＳ Ｐゴシック"/>
-        <a:font script="Hang" typeface="맑은 고딕"/>
-        <a:font script="Hans" typeface="宋体"/>
-        <a:font script="Hant" typeface="新細明體"/>
-        <a:font script="Arab" typeface="Arial"/>
-        <a:font script="Hebr" typeface="Arial"/>
-        <a:font script="Thai" typeface="Cordia New"/>
-        <a:font script="Ethi" typeface="Nyala"/>
-        <a:font script="Beng" typeface="Vrinda"/>
-        <a:font script="Gujr" typeface="Shruti"/>
-        <a:font script="Khmr" typeface="DaunPenh"/>
-        <a:font script="Knda" typeface="Tunga"/>
-        <a:font script="Guru" typeface="Raavi"/>
-        <a:font script="Cans" typeface="Euphemia"/>
-        <a:font script="Cher" typeface="Plantagenet Cherokee"/>
-        <a:font script="Yiii" typeface="Microsoft Yi Baiti"/>
-        <a:font script="Tibt" typeface="Microsoft Himalaya"/>
-        <a:font script="Thaa" typeface="MV Boli"/>
-        <a:font script="Deva" typeface="Mangal"/>
-        <a:font script="Telu" typeface="Gautami"/>
-        <a:font script="Taml" typeface="Latha"/>
-        <a:font script="Syrc" typeface="Estrangelo Edessa"/>
-        <a:font script="Orya" typeface="Kalinga"/>
-        <a:font script="Mlym" typeface="Kartika"/>
-        <a:font script="Laoo" typeface="DokChampa"/>
-        <a:font script="Sinh" typeface="Iskoola Pota"/>
-        <a:font script="Mong" typeface="Mongolian Baiti"/>
-        <a:font script="Viet" typeface="Arial"/>
-        <a:font script="Uigh" typeface="Microsoft Uighur"/>
-        <a:font script="Geor" typeface="Sylfaen"/>
       </a:minorFont>
     </a:fontScheme>
     <a:fmtScheme name="Office">
@@ -3209,6 +3507,673 @@
       </a:bgFillStyleLst>
     </a:fmtScheme>
   </a:themeElements>
+  <a:objectDefaults>
+    <a:spDef>
+      <a:spPr bwMode="auto">
+        <a:xfrm>
+          <a:off x="0" y="0"/>
+          <a:ext cx="1" cy="1"/>
+        </a:xfrm>
+        <a:custGeom>
+          <a:avLst/>
+          <a:gdLst/>
+          <a:ahLst/>
+          <a:cxnLst/>
+          <a:rect l="0" t="0" r="0" b="0"/>
+          <a:pathLst/>
+        </a:custGeom>
+        <a:gradFill rotWithShape="0">
+          <a:gsLst>
+            <a:gs pos="0">
+              <a:schemeClr val="accent1"/>
+            </a:gs>
+            <a:gs pos="100000">
+              <a:schemeClr val="accent2"/>
+            </a:gs>
+          </a:gsLst>
+          <a:lin ang="5400000" scaled="1"/>
+        </a:gradFill>
+        <a:ln w="9525" cap="flat" cmpd="sng" algn="ctr">
+          <a:solidFill>
+            <a:schemeClr val="accent1"/>
+          </a:solidFill>
+          <a:prstDash val="solid"/>
+          <a:round/>
+          <a:headEnd type="none" w="med" len="med"/>
+          <a:tailEnd type="none" w="med" len="med"/>
+        </a:ln>
+      </a:spPr>
+      <a:bodyPr vert="horz" wrap="none" lIns="91440" tIns="45720" rIns="91440" bIns="45720" numCol="1" anchor="ctr" anchorCtr="0" compatLnSpc="1"/>
+      <a:lstStyle>
+        <a:defPPr marL="0" marR="0" indent="0" algn="l" defTabSz="914400" rtl="0" eaLnBrk="1" fontAlgn="base" latinLnBrk="0" hangingPunct="1">
+          <a:lnSpc>
+            <a:spcPct val="100000"/>
+          </a:lnSpc>
+          <a:spcBef>
+            <a:spcPct val="0"/>
+          </a:spcBef>
+          <a:spcAft>
+            <a:spcPct val="0"/>
+          </a:spcAft>
+          <a:buClrTx/>
+          <a:buSzTx/>
+          <a:buFontTx/>
+          <a:buNone/>
+          <a:defRPr kumimoji="0" lang="zh-CN" altLang="en-US" sz="1800" b="0" i="0" u="none" strike="noStrike" cap="none" normalizeH="0" baseline="0" smtClean="0">
+            <a:ln>
+              <a:noFill/>
+            </a:ln>
+            <a:solidFill>
+              <a:schemeClr val="tx1"/>
+            </a:solidFill>
+            <a:effectLst/>
+            <a:latin typeface="Arial" panose="020B0604020202020204" pitchFamily="34" charset="0"/>
+            <a:ea typeface="SimSun" pitchFamily="2" charset="-122"/>
+          </a:defRPr>
+        </a:defPPr>
+      </a:lstStyle>
+    </a:spDef>
+    <a:lnDef>
+      <a:spPr bwMode="auto">
+        <a:xfrm>
+          <a:off x="0" y="0"/>
+          <a:ext cx="1" cy="1"/>
+        </a:xfrm>
+        <a:custGeom>
+          <a:avLst/>
+          <a:gdLst/>
+          <a:ahLst/>
+          <a:cxnLst/>
+          <a:rect l="0" t="0" r="0" b="0"/>
+          <a:pathLst/>
+        </a:custGeom>
+        <a:gradFill rotWithShape="0">
+          <a:gsLst>
+            <a:gs pos="0">
+              <a:schemeClr val="accent1"/>
+            </a:gs>
+            <a:gs pos="100000">
+              <a:schemeClr val="accent2"/>
+            </a:gs>
+          </a:gsLst>
+          <a:lin ang="5400000" scaled="1"/>
+        </a:gradFill>
+        <a:ln w="9525" cap="flat" cmpd="sng" algn="ctr">
+          <a:solidFill>
+            <a:schemeClr val="accent1"/>
+          </a:solidFill>
+          <a:prstDash val="solid"/>
+          <a:round/>
+          <a:headEnd type="none" w="med" len="med"/>
+          <a:tailEnd type="none" w="med" len="med"/>
+        </a:ln>
+      </a:spPr>
+      <a:bodyPr vert="horz" wrap="none" lIns="91440" tIns="45720" rIns="91440" bIns="45720" numCol="1" anchor="ctr" anchorCtr="0" compatLnSpc="1"/>
+      <a:lstStyle>
+        <a:defPPr marL="0" marR="0" indent="0" algn="l" defTabSz="914400" rtl="0" eaLnBrk="1" fontAlgn="base" latinLnBrk="0" hangingPunct="1">
+          <a:lnSpc>
+            <a:spcPct val="100000"/>
+          </a:lnSpc>
+          <a:spcBef>
+            <a:spcPct val="0"/>
+          </a:spcBef>
+          <a:spcAft>
+            <a:spcPct val="0"/>
+          </a:spcAft>
+          <a:buClrTx/>
+          <a:buSzTx/>
+          <a:buFontTx/>
+          <a:buNone/>
+          <a:defRPr kumimoji="0" lang="zh-CN" altLang="en-US" sz="1800" b="0" i="0" u="none" strike="noStrike" cap="none" normalizeH="0" baseline="0" smtClean="0">
+            <a:ln>
+              <a:noFill/>
+            </a:ln>
+            <a:solidFill>
+              <a:schemeClr val="tx1"/>
+            </a:solidFill>
+            <a:effectLst/>
+            <a:latin typeface="Arial" panose="020B0604020202020204" pitchFamily="34" charset="0"/>
+            <a:ea typeface="SimSun" pitchFamily="2" charset="-122"/>
+          </a:defRPr>
+        </a:defPPr>
+      </a:lstStyle>
+    </a:lnDef>
+  </a:objectDefaults>
+  <a:extraClrSchemeLst>
+    <a:extraClrScheme>
+      <a:clrScheme name="Blue Waves 1">
+        <a:dk1>
+          <a:srgbClr val="000000"/>
+        </a:dk1>
+        <a:lt1>
+          <a:srgbClr val="FFFFFF"/>
+        </a:lt1>
+        <a:dk2>
+          <a:srgbClr val="000000"/>
+        </a:dk2>
+        <a:lt2>
+          <a:srgbClr val="808080"/>
+        </a:lt2>
+        <a:accent1>
+          <a:srgbClr val="BBE0E3"/>
+        </a:accent1>
+        <a:accent2>
+          <a:srgbClr val="333399"/>
+        </a:accent2>
+        <a:accent3>
+          <a:srgbClr val="FFFFFF"/>
+        </a:accent3>
+        <a:accent4>
+          <a:srgbClr val="000000"/>
+        </a:accent4>
+        <a:accent5>
+          <a:srgbClr val="DAEDEF"/>
+        </a:accent5>
+        <a:accent6>
+          <a:srgbClr val="2D2D8A"/>
+        </a:accent6>
+        <a:hlink>
+          <a:srgbClr val="009999"/>
+        </a:hlink>
+        <a:folHlink>
+          <a:srgbClr val="99CC00"/>
+        </a:folHlink>
+      </a:clrScheme>
+      <a:clrMap bg1="lt1" tx1="dk1" bg2="lt2" tx2="dk2" accent1="accent1" accent2="accent2" accent3="accent3" accent4="accent4" accent5="accent5" accent6="accent6" hlink="hlink" folHlink="folHlink"/>
+    </a:extraClrScheme>
+    <a:extraClrScheme>
+      <a:clrScheme name="Blue Waves 2">
+        <a:dk1>
+          <a:srgbClr val="000000"/>
+        </a:dk1>
+        <a:lt1>
+          <a:srgbClr val="FFFFFF"/>
+        </a:lt1>
+        <a:dk2>
+          <a:srgbClr val="000000"/>
+        </a:dk2>
+        <a:lt2>
+          <a:srgbClr val="969696"/>
+        </a:lt2>
+        <a:accent1>
+          <a:srgbClr val="FBDF53"/>
+        </a:accent1>
+        <a:accent2>
+          <a:srgbClr val="FF9966"/>
+        </a:accent2>
+        <a:accent3>
+          <a:srgbClr val="FFFFFF"/>
+        </a:accent3>
+        <a:accent4>
+          <a:srgbClr val="000000"/>
+        </a:accent4>
+        <a:accent5>
+          <a:srgbClr val="FDECB3"/>
+        </a:accent5>
+        <a:accent6>
+          <a:srgbClr val="E78A5C"/>
+        </a:accent6>
+        <a:hlink>
+          <a:srgbClr val="CC3300"/>
+        </a:hlink>
+        <a:folHlink>
+          <a:srgbClr val="996600"/>
+        </a:folHlink>
+      </a:clrScheme>
+      <a:clrMap bg1="lt1" tx1="dk1" bg2="lt2" tx2="dk2" accent1="accent1" accent2="accent2" accent3="accent3" accent4="accent4" accent5="accent5" accent6="accent6" hlink="hlink" folHlink="folHlink"/>
+    </a:extraClrScheme>
+    <a:extraClrScheme>
+      <a:clrScheme name="Blue Waves 3">
+        <a:dk1>
+          <a:srgbClr val="000000"/>
+        </a:dk1>
+        <a:lt1>
+          <a:srgbClr val="FFFFFF"/>
+        </a:lt1>
+        <a:dk2>
+          <a:srgbClr val="000000"/>
+        </a:dk2>
+        <a:lt2>
+          <a:srgbClr val="808080"/>
+        </a:lt2>
+        <a:accent1>
+          <a:srgbClr val="99CCFF"/>
+        </a:accent1>
+        <a:accent2>
+          <a:srgbClr val="CCCCFF"/>
+        </a:accent2>
+        <a:accent3>
+          <a:srgbClr val="FFFFFF"/>
+        </a:accent3>
+        <a:accent4>
+          <a:srgbClr val="000000"/>
+        </a:accent4>
+        <a:accent5>
+          <a:srgbClr val="CAE2FF"/>
+        </a:accent5>
+        <a:accent6>
+          <a:srgbClr val="B9B9E7"/>
+        </a:accent6>
+        <a:hlink>
+          <a:srgbClr val="3333CC"/>
+        </a:hlink>
+        <a:folHlink>
+          <a:srgbClr val="AF67FF"/>
+        </a:folHlink>
+      </a:clrScheme>
+      <a:clrMap bg1="lt1" tx1="dk1" bg2="lt2" tx2="dk2" accent1="accent1" accent2="accent2" accent3="accent3" accent4="accent4" accent5="accent5" accent6="accent6" hlink="hlink" folHlink="folHlink"/>
+    </a:extraClrScheme>
+    <a:extraClrScheme>
+      <a:clrScheme name="Blue Waves 4">
+        <a:dk1>
+          <a:srgbClr val="000000"/>
+        </a:dk1>
+        <a:lt1>
+          <a:srgbClr val="DEF6F1"/>
+        </a:lt1>
+        <a:dk2>
+          <a:srgbClr val="000000"/>
+        </a:dk2>
+        <a:lt2>
+          <a:srgbClr val="969696"/>
+        </a:lt2>
+        <a:accent1>
+          <a:srgbClr val="FFFFFF"/>
+        </a:accent1>
+        <a:accent2>
+          <a:srgbClr val="8DC6FF"/>
+        </a:accent2>
+        <a:accent3>
+          <a:srgbClr val="ECFAF7"/>
+        </a:accent3>
+        <a:accent4>
+          <a:srgbClr val="000000"/>
+        </a:accent4>
+        <a:accent5>
+          <a:srgbClr val="FFFFFF"/>
+        </a:accent5>
+        <a:accent6>
+          <a:srgbClr val="7FB3E7"/>
+        </a:accent6>
+        <a:hlink>
+          <a:srgbClr val="0066CC"/>
+        </a:hlink>
+        <a:folHlink>
+          <a:srgbClr val="00A800"/>
+        </a:folHlink>
+      </a:clrScheme>
+      <a:clrMap bg1="lt1" tx1="dk1" bg2="lt2" tx2="dk2" accent1="accent1" accent2="accent2" accent3="accent3" accent4="accent4" accent5="accent5" accent6="accent6" hlink="hlink" folHlink="folHlink"/>
+    </a:extraClrScheme>
+    <a:extraClrScheme>
+      <a:clrScheme name="Blue Waves 5">
+        <a:dk1>
+          <a:srgbClr val="000000"/>
+        </a:dk1>
+        <a:lt1>
+          <a:srgbClr val="FFFFD9"/>
+        </a:lt1>
+        <a:dk2>
+          <a:srgbClr val="000000"/>
+        </a:dk2>
+        <a:lt2>
+          <a:srgbClr val="777777"/>
+        </a:lt2>
+        <a:accent1>
+          <a:srgbClr val="FFFFF7"/>
+        </a:accent1>
+        <a:accent2>
+          <a:srgbClr val="33CCCC"/>
+        </a:accent2>
+        <a:accent3>
+          <a:srgbClr val="FFFFE9"/>
+        </a:accent3>
+        <a:accent4>
+          <a:srgbClr val="000000"/>
+        </a:accent4>
+        <a:accent5>
+          <a:srgbClr val="FFFFFA"/>
+        </a:accent5>
+        <a:accent6>
+          <a:srgbClr val="2DB9B9"/>
+        </a:accent6>
+        <a:hlink>
+          <a:srgbClr val="FF5050"/>
+        </a:hlink>
+        <a:folHlink>
+          <a:srgbClr val="FF9900"/>
+        </a:folHlink>
+      </a:clrScheme>
+      <a:clrMap bg1="lt1" tx1="dk1" bg2="lt2" tx2="dk2" accent1="accent1" accent2="accent2" accent3="accent3" accent4="accent4" accent5="accent5" accent6="accent6" hlink="hlink" folHlink="folHlink"/>
+    </a:extraClrScheme>
+    <a:extraClrScheme>
+      <a:clrScheme name="Blue Waves 6">
+        <a:dk1>
+          <a:srgbClr val="005A58"/>
+        </a:dk1>
+        <a:lt1>
+          <a:srgbClr val="FFFFFF"/>
+        </a:lt1>
+        <a:dk2>
+          <a:srgbClr val="008080"/>
+        </a:dk2>
+        <a:lt2>
+          <a:srgbClr val="FFFF99"/>
+        </a:lt2>
+        <a:accent1>
+          <a:srgbClr val="006462"/>
+        </a:accent1>
+        <a:accent2>
+          <a:srgbClr val="6D6FC7"/>
+        </a:accent2>
+        <a:accent3>
+          <a:srgbClr val="AAC0C0"/>
+        </a:accent3>
+        <a:accent4>
+          <a:srgbClr val="DADADA"/>
+        </a:accent4>
+        <a:accent5>
+          <a:srgbClr val="AAB8B7"/>
+        </a:accent5>
+        <a:accent6>
+          <a:srgbClr val="6264B4"/>
+        </a:accent6>
+        <a:hlink>
+          <a:srgbClr val="00FFFF"/>
+        </a:hlink>
+        <a:folHlink>
+          <a:srgbClr val="00FF00"/>
+        </a:folHlink>
+      </a:clrScheme>
+      <a:clrMap bg1="dk2" tx1="lt1" bg2="dk1" tx2="lt2" accent1="accent1" accent2="accent2" accent3="accent3" accent4="accent4" accent5="accent5" accent6="accent6" hlink="hlink" folHlink="folHlink"/>
+    </a:extraClrScheme>
+    <a:extraClrScheme>
+      <a:clrScheme name="Blue Waves 7">
+        <a:dk1>
+          <a:srgbClr val="5C1F00"/>
+        </a:dk1>
+        <a:lt1>
+          <a:srgbClr val="FFFFFF"/>
+        </a:lt1>
+        <a:dk2>
+          <a:srgbClr val="800000"/>
+        </a:dk2>
+        <a:lt2>
+          <a:srgbClr val="DFD293"/>
+        </a:lt2>
+        <a:accent1>
+          <a:srgbClr val="CC3300"/>
+        </a:accent1>
+        <a:accent2>
+          <a:srgbClr val="BE7960"/>
+        </a:accent2>
+        <a:accent3>
+          <a:srgbClr val="C0AAAA"/>
+        </a:accent3>
+        <a:accent4>
+          <a:srgbClr val="DADADA"/>
+        </a:accent4>
+        <a:accent5>
+          <a:srgbClr val="E2ADAA"/>
+        </a:accent5>
+        <a:accent6>
+          <a:srgbClr val="AC6D56"/>
+        </a:accent6>
+        <a:hlink>
+          <a:srgbClr val="FFFF99"/>
+        </a:hlink>
+        <a:folHlink>
+          <a:srgbClr val="D3A219"/>
+        </a:folHlink>
+      </a:clrScheme>
+      <a:clrMap bg1="dk2" tx1="lt1" bg2="dk1" tx2="lt2" accent1="accent1" accent2="accent2" accent3="accent3" accent4="accent4" accent5="accent5" accent6="accent6" hlink="hlink" folHlink="folHlink"/>
+    </a:extraClrScheme>
+    <a:extraClrScheme>
+      <a:clrScheme name="Blue Waves 8">
+        <a:dk1>
+          <a:srgbClr val="003366"/>
+        </a:dk1>
+        <a:lt1>
+          <a:srgbClr val="FFFFFF"/>
+        </a:lt1>
+        <a:dk2>
+          <a:srgbClr val="000099"/>
+        </a:dk2>
+        <a:lt2>
+          <a:srgbClr val="CCFFFF"/>
+        </a:lt2>
+        <a:accent1>
+          <a:srgbClr val="3366CC"/>
+        </a:accent1>
+        <a:accent2>
+          <a:srgbClr val="00B000"/>
+        </a:accent2>
+        <a:accent3>
+          <a:srgbClr val="AAAACA"/>
+        </a:accent3>
+        <a:accent4>
+          <a:srgbClr val="DADADA"/>
+        </a:accent4>
+        <a:accent5>
+          <a:srgbClr val="ADB8E2"/>
+        </a:accent5>
+        <a:accent6>
+          <a:srgbClr val="009F00"/>
+        </a:accent6>
+        <a:hlink>
+          <a:srgbClr val="66CCFF"/>
+        </a:hlink>
+        <a:folHlink>
+          <a:srgbClr val="FFE701"/>
+        </a:folHlink>
+      </a:clrScheme>
+      <a:clrMap bg1="dk2" tx1="lt1" bg2="dk1" tx2="lt2" accent1="accent1" accent2="accent2" accent3="accent3" accent4="accent4" accent5="accent5" accent6="accent6" hlink="hlink" folHlink="folHlink"/>
+    </a:extraClrScheme>
+    <a:extraClrScheme>
+      <a:clrScheme name="Blue Waves 9">
+        <a:dk1>
+          <a:srgbClr val="336699"/>
+        </a:dk1>
+        <a:lt1>
+          <a:srgbClr val="FFFFFF"/>
+        </a:lt1>
+        <a:dk2>
+          <a:srgbClr val="000000"/>
+        </a:dk2>
+        <a:lt2>
+          <a:srgbClr val="E3EBF1"/>
+        </a:lt2>
+        <a:accent1>
+          <a:srgbClr val="003399"/>
+        </a:accent1>
+        <a:accent2>
+          <a:srgbClr val="468A4B"/>
+        </a:accent2>
+        <a:accent3>
+          <a:srgbClr val="AAAAAA"/>
+        </a:accent3>
+        <a:accent4>
+          <a:srgbClr val="DADADA"/>
+        </a:accent4>
+        <a:accent5>
+          <a:srgbClr val="AAADCA"/>
+        </a:accent5>
+        <a:accent6>
+          <a:srgbClr val="3F7D43"/>
+        </a:accent6>
+        <a:hlink>
+          <a:srgbClr val="66CCFF"/>
+        </a:hlink>
+        <a:folHlink>
+          <a:srgbClr val="F0E500"/>
+        </a:folHlink>
+      </a:clrScheme>
+      <a:clrMap bg1="dk2" tx1="lt1" bg2="dk1" tx2="lt2" accent1="accent1" accent2="accent2" accent3="accent3" accent4="accent4" accent5="accent5" accent6="accent6" hlink="hlink" folHlink="folHlink"/>
+    </a:extraClrScheme>
+    <a:extraClrScheme>
+      <a:clrScheme name="Blue Waves 10">
+        <a:dk1>
+          <a:srgbClr val="777777"/>
+        </a:dk1>
+        <a:lt1>
+          <a:srgbClr val="FFFFFF"/>
+        </a:lt1>
+        <a:dk2>
+          <a:srgbClr val="686B5D"/>
+        </a:dk2>
+        <a:lt2>
+          <a:srgbClr val="D1D1CB"/>
+        </a:lt2>
+        <a:accent1>
+          <a:srgbClr val="909082"/>
+        </a:accent1>
+        <a:accent2>
+          <a:srgbClr val="809EA8"/>
+        </a:accent2>
+        <a:accent3>
+          <a:srgbClr val="B9BAB6"/>
+        </a:accent3>
+        <a:accent4>
+          <a:srgbClr val="DADADA"/>
+        </a:accent4>
+        <a:accent5>
+          <a:srgbClr val="C6C6C1"/>
+        </a:accent5>
+        <a:accent6>
+          <a:srgbClr val="738F98"/>
+        </a:accent6>
+        <a:hlink>
+          <a:srgbClr val="FFCC66"/>
+        </a:hlink>
+        <a:folHlink>
+          <a:srgbClr val="E9DCB9"/>
+        </a:folHlink>
+      </a:clrScheme>
+      <a:clrMap bg1="dk2" tx1="lt1" bg2="dk1" tx2="lt2" accent1="accent1" accent2="accent2" accent3="accent3" accent4="accent4" accent5="accent5" accent6="accent6" hlink="hlink" folHlink="folHlink"/>
+    </a:extraClrScheme>
+    <a:extraClrScheme>
+      <a:clrScheme name="Blue Waves 11">
+        <a:dk1>
+          <a:srgbClr val="3E3E5C"/>
+        </a:dk1>
+        <a:lt1>
+          <a:srgbClr val="FFFFFF"/>
+        </a:lt1>
+        <a:dk2>
+          <a:srgbClr val="666699"/>
+        </a:dk2>
+        <a:lt2>
+          <a:srgbClr val="FFFFFF"/>
+        </a:lt2>
+        <a:accent1>
+          <a:srgbClr val="60597B"/>
+        </a:accent1>
+        <a:accent2>
+          <a:srgbClr val="6666FF"/>
+        </a:accent2>
+        <a:accent3>
+          <a:srgbClr val="B8B8CA"/>
+        </a:accent3>
+        <a:accent4>
+          <a:srgbClr val="DADADA"/>
+        </a:accent4>
+        <a:accent5>
+          <a:srgbClr val="B6B5BF"/>
+        </a:accent5>
+        <a:accent6>
+          <a:srgbClr val="5C5CE7"/>
+        </a:accent6>
+        <a:hlink>
+          <a:srgbClr val="99CCFF"/>
+        </a:hlink>
+        <a:folHlink>
+          <a:srgbClr val="FFFF99"/>
+        </a:folHlink>
+      </a:clrScheme>
+      <a:clrMap bg1="dk2" tx1="lt1" bg2="dk1" tx2="lt2" accent1="accent1" accent2="accent2" accent3="accent3" accent4="accent4" accent5="accent5" accent6="accent6" hlink="hlink" folHlink="folHlink"/>
+    </a:extraClrScheme>
+    <a:extraClrScheme>
+      <a:clrScheme name="Blue Waves 12">
+        <a:dk1>
+          <a:srgbClr val="2D2015"/>
+        </a:dk1>
+        <a:lt1>
+          <a:srgbClr val="FFFFFF"/>
+        </a:lt1>
+        <a:dk2>
+          <a:srgbClr val="523E26"/>
+        </a:dk2>
+        <a:lt2>
+          <a:srgbClr val="DFC08D"/>
+        </a:lt2>
+        <a:accent1>
+          <a:srgbClr val="8C7B70"/>
+        </a:accent1>
+        <a:accent2>
+          <a:srgbClr val="8F5F2F"/>
+        </a:accent2>
+        <a:accent3>
+          <a:srgbClr val="B3AFAC"/>
+        </a:accent3>
+        <a:accent4>
+          <a:srgbClr val="DADADA"/>
+        </a:accent4>
+        <a:accent5>
+          <a:srgbClr val="C5BFBB"/>
+        </a:accent5>
+        <a:accent6>
+          <a:srgbClr val="81552A"/>
+        </a:accent6>
+        <a:hlink>
+          <a:srgbClr val="CCB400"/>
+        </a:hlink>
+        <a:folHlink>
+          <a:srgbClr val="8C9EA0"/>
+        </a:folHlink>
+      </a:clrScheme>
+      <a:clrMap bg1="dk2" tx1="lt1" bg2="dk1" tx2="lt2" accent1="accent1" accent2="accent2" accent3="accent3" accent4="accent4" accent5="accent5" accent6="accent6" hlink="hlink" folHlink="folHlink"/>
+    </a:extraClrScheme>
+    <a:extraClrScheme>
+      <a:clrScheme name="Blue Waves 13">
+        <a:dk1>
+          <a:srgbClr val="000000"/>
+        </a:dk1>
+        <a:lt1>
+          <a:srgbClr val="FFFFFF"/>
+        </a:lt1>
+        <a:dk2>
+          <a:srgbClr val="000000"/>
+        </a:dk2>
+        <a:lt2>
+          <a:srgbClr val="969696"/>
+        </a:lt2>
+        <a:accent1>
+          <a:srgbClr val="0066CC"/>
+        </a:accent1>
+        <a:accent2>
+          <a:srgbClr val="3399FF"/>
+        </a:accent2>
+        <a:accent3>
+          <a:srgbClr val="FFFFFF"/>
+        </a:accent3>
+        <a:accent4>
+          <a:srgbClr val="000000"/>
+        </a:accent4>
+        <a:accent5>
+          <a:srgbClr val="AAB8E2"/>
+        </a:accent5>
+        <a:accent6>
+          <a:srgbClr val="2D8AE7"/>
+        </a:accent6>
+        <a:hlink>
+          <a:srgbClr val="CC3300"/>
+        </a:hlink>
+        <a:folHlink>
+          <a:srgbClr val="996600"/>
+        </a:folHlink>
+      </a:clrScheme>
+      <a:clrMap bg1="lt1" tx1="dk1" bg2="lt2" tx2="dk2" accent1="accent1" accent2="accent2" accent3="accent3" accent4="accent4" accent5="accent5" accent6="accent6" hlink="hlink" folHlink="folHlink"/>
+    </a:extraClrScheme>
+  </a:extraClrSchemeLst>
   <a:extLst>
     <a:ext uri="{05A4C25C-085E-4340-85A3-A5531E510DB2}">
       <thm15:themeFamily xmlns:thm15="http://schemas.microsoft.com/office/thememl/2012/main" name="Office Theme" id="{62F939B6-93AF-4DB8-9C6B-D6C7DFDC589F}" vid="{4A3C46E8-61CC-4603-A589-7422A47A8E4A}"/>

--- a/seminar proposal.pptx
+++ b/seminar proposal.pptx
@@ -4,8 +4,15 @@
   <p:sldMasterIdLst>
     <p:sldMasterId id="2147483648" r:id="rId1"/>
   </p:sldMasterIdLst>
+  <p:notesMasterIdLst>
+    <p:notesMasterId r:id="rId5"/>
+  </p:notesMasterIdLst>
   <p:sldIdLst>
     <p:sldId id="256" r:id="rId3"/>
+    <p:sldId id="258" r:id="rId4"/>
+    <p:sldId id="259" r:id="rId6"/>
+    <p:sldId id="260" r:id="rId7"/>
+    <p:sldId id="261" r:id="rId8"/>
   </p:sldIdLst>
   <p:sldSz cx="12192000" cy="6858000"/>
   <p:notesSz cx="6858000" cy="9144000"/>
@@ -105,6 +112,4138 @@
     </a:lvl9pPr>
   </p:defaultTextStyle>
 </p:presentation>
+</file>
+
+<file path=ppt/diagrams/colors1.xml><?xml version="1.0" encoding="utf-8"?>
+<dgm:colorsDef xmlns:dgm="http://schemas.openxmlformats.org/drawingml/2006/diagram" xmlns:a="http://schemas.openxmlformats.org/drawingml/2006/main" uniqueId="urn:microsoft.com/office/officeart/2005/8/colors/accent1_2">
+  <dgm:title val=""/>
+  <dgm:desc val=""/>
+  <dgm:catLst>
+    <dgm:cat type="accent1" pri="11200"/>
+  </dgm:catLst>
+  <dgm:styleLbl name="alignAcc1">
+    <dgm:fillClrLst meth="repeat">
+      <a:schemeClr val="lt1">
+        <a:alpha val="90000"/>
+      </a:schemeClr>
+    </dgm:fillClrLst>
+    <dgm:linClrLst meth="repeat">
+      <a:schemeClr val="accent1"/>
+    </dgm:linClrLst>
+    <dgm:effectClrLst/>
+    <dgm:txLinClrLst/>
+    <dgm:txFillClrLst meth="repeat">
+      <a:schemeClr val="dk1"/>
+    </dgm:txFillClrLst>
+    <dgm:txEffectClrLst/>
+  </dgm:styleLbl>
+  <dgm:styleLbl name="alignAccFollowNode1">
+    <dgm:fillClrLst meth="repeat">
+      <a:schemeClr val="accent1">
+        <a:alpha val="90000"/>
+        <a:tint val="40000"/>
+      </a:schemeClr>
+    </dgm:fillClrLst>
+    <dgm:linClrLst meth="repeat">
+      <a:schemeClr val="accent1">
+        <a:alpha val="90000"/>
+        <a:tint val="40000"/>
+      </a:schemeClr>
+    </dgm:linClrLst>
+    <dgm:effectClrLst/>
+    <dgm:txLinClrLst/>
+    <dgm:txFillClrLst meth="repeat">
+      <a:schemeClr val="dk1"/>
+    </dgm:txFillClrLst>
+    <dgm:txEffectClrLst/>
+  </dgm:styleLbl>
+  <dgm:styleLbl name="alignImgPlace1">
+    <dgm:fillClrLst meth="repeat">
+      <a:schemeClr val="accent1">
+        <a:tint val="50000"/>
+      </a:schemeClr>
+    </dgm:fillClrLst>
+    <dgm:linClrLst meth="repeat">
+      <a:schemeClr val="lt1"/>
+    </dgm:linClrLst>
+    <dgm:effectClrLst/>
+    <dgm:txLinClrLst/>
+    <dgm:txFillClrLst meth="repeat">
+      <a:schemeClr val="lt1"/>
+    </dgm:txFillClrLst>
+    <dgm:txEffectClrLst/>
+  </dgm:styleLbl>
+  <dgm:styleLbl name="alignNode1">
+    <dgm:fillClrLst meth="repeat">
+      <a:schemeClr val="accent1"/>
+    </dgm:fillClrLst>
+    <dgm:linClrLst meth="repeat">
+      <a:schemeClr val="accent1"/>
+    </dgm:linClrLst>
+    <dgm:effectClrLst/>
+    <dgm:txLinClrLst/>
+    <dgm:txFillClrLst/>
+    <dgm:txEffectClrLst/>
+  </dgm:styleLbl>
+  <dgm:styleLbl name="asst0">
+    <dgm:fillClrLst meth="repeat">
+      <a:schemeClr val="accent1"/>
+    </dgm:fillClrLst>
+    <dgm:linClrLst meth="repeat">
+      <a:schemeClr val="lt1"/>
+    </dgm:linClrLst>
+    <dgm:effectClrLst/>
+    <dgm:txLinClrLst/>
+    <dgm:txFillClrLst/>
+    <dgm:txEffectClrLst/>
+  </dgm:styleLbl>
+  <dgm:styleLbl name="asst1">
+    <dgm:fillClrLst meth="repeat">
+      <a:schemeClr val="accent1"/>
+    </dgm:fillClrLst>
+    <dgm:linClrLst meth="repeat">
+      <a:schemeClr val="lt1"/>
+    </dgm:linClrLst>
+    <dgm:effectClrLst/>
+    <dgm:txLinClrLst/>
+    <dgm:txFillClrLst/>
+    <dgm:txEffectClrLst/>
+  </dgm:styleLbl>
+  <dgm:styleLbl name="asst2">
+    <dgm:fillClrLst meth="repeat">
+      <a:schemeClr val="accent1"/>
+    </dgm:fillClrLst>
+    <dgm:linClrLst meth="repeat">
+      <a:schemeClr val="lt1"/>
+    </dgm:linClrLst>
+    <dgm:effectClrLst/>
+    <dgm:txLinClrLst/>
+    <dgm:txFillClrLst/>
+    <dgm:txEffectClrLst/>
+  </dgm:styleLbl>
+  <dgm:styleLbl name="asst3">
+    <dgm:fillClrLst meth="repeat">
+      <a:schemeClr val="accent1"/>
+    </dgm:fillClrLst>
+    <dgm:linClrLst meth="repeat">
+      <a:schemeClr val="lt1"/>
+    </dgm:linClrLst>
+    <dgm:effectClrLst/>
+    <dgm:txLinClrLst/>
+    <dgm:txFillClrLst/>
+    <dgm:txEffectClrLst/>
+  </dgm:styleLbl>
+  <dgm:styleLbl name="asst4">
+    <dgm:fillClrLst meth="repeat">
+      <a:schemeClr val="accent1"/>
+    </dgm:fillClrLst>
+    <dgm:linClrLst meth="repeat">
+      <a:schemeClr val="lt1"/>
+    </dgm:linClrLst>
+    <dgm:effectClrLst/>
+    <dgm:txLinClrLst/>
+    <dgm:txFillClrLst/>
+    <dgm:txEffectClrLst/>
+  </dgm:styleLbl>
+  <dgm:styleLbl name="bgAcc1">
+    <dgm:fillClrLst meth="repeat">
+      <a:schemeClr val="lt1">
+        <a:alpha val="90000"/>
+      </a:schemeClr>
+    </dgm:fillClrLst>
+    <dgm:linClrLst meth="repeat">
+      <a:schemeClr val="accent1"/>
+    </dgm:linClrLst>
+    <dgm:effectClrLst/>
+    <dgm:txLinClrLst/>
+    <dgm:txFillClrLst meth="repeat">
+      <a:schemeClr val="dk1"/>
+    </dgm:txFillClrLst>
+    <dgm:txEffectClrLst/>
+  </dgm:styleLbl>
+  <dgm:styleLbl name="bgAccFollowNode1">
+    <dgm:fillClrLst meth="repeat">
+      <a:schemeClr val="accent1">
+        <a:alpha val="90000"/>
+        <a:tint val="40000"/>
+      </a:schemeClr>
+    </dgm:fillClrLst>
+    <dgm:linClrLst meth="repeat">
+      <a:schemeClr val="accent1">
+        <a:alpha val="90000"/>
+        <a:tint val="40000"/>
+      </a:schemeClr>
+    </dgm:linClrLst>
+    <dgm:effectClrLst/>
+    <dgm:txLinClrLst/>
+    <dgm:txFillClrLst meth="repeat">
+      <a:schemeClr val="dk1"/>
+    </dgm:txFillClrLst>
+    <dgm:txEffectClrLst/>
+  </dgm:styleLbl>
+  <dgm:styleLbl name="bgImgPlace1">
+    <dgm:fillClrLst meth="repeat">
+      <a:schemeClr val="accent1">
+        <a:tint val="50000"/>
+      </a:schemeClr>
+    </dgm:fillClrLst>
+    <dgm:linClrLst meth="repeat">
+      <a:schemeClr val="lt1"/>
+    </dgm:linClrLst>
+    <dgm:effectClrLst/>
+    <dgm:txLinClrLst/>
+    <dgm:txFillClrLst meth="repeat">
+      <a:schemeClr val="lt1"/>
+    </dgm:txFillClrLst>
+    <dgm:txEffectClrLst/>
+  </dgm:styleLbl>
+  <dgm:styleLbl name="bgShp">
+    <dgm:fillClrLst meth="repeat">
+      <a:schemeClr val="accent1">
+        <a:tint val="40000"/>
+      </a:schemeClr>
+    </dgm:fillClrLst>
+    <dgm:linClrLst meth="repeat">
+      <a:schemeClr val="accent1"/>
+    </dgm:linClrLst>
+    <dgm:effectClrLst/>
+    <dgm:txLinClrLst/>
+    <dgm:txFillClrLst meth="repeat">
+      <a:schemeClr val="dk1"/>
+    </dgm:txFillClrLst>
+    <dgm:txEffectClrLst/>
+  </dgm:styleLbl>
+  <dgm:styleLbl name="bgSibTrans2D1">
+    <dgm:fillClrLst meth="repeat">
+      <a:schemeClr val="accent1">
+        <a:tint val="60000"/>
+      </a:schemeClr>
+    </dgm:fillClrLst>
+    <dgm:linClrLst meth="repeat">
+      <a:schemeClr val="accent1">
+        <a:tint val="60000"/>
+      </a:schemeClr>
+    </dgm:linClrLst>
+    <dgm:effectClrLst/>
+    <dgm:txLinClrLst/>
+    <dgm:txFillClrLst/>
+    <dgm:txEffectClrLst/>
+  </dgm:styleLbl>
+  <dgm:styleLbl name="callout">
+    <dgm:fillClrLst meth="repeat">
+      <a:schemeClr val="accent1"/>
+    </dgm:fillClrLst>
+    <dgm:linClrLst meth="repeat">
+      <a:schemeClr val="accent1">
+        <a:tint val="50000"/>
+      </a:schemeClr>
+    </dgm:linClrLst>
+    <dgm:effectClrLst/>
+    <dgm:txLinClrLst/>
+    <dgm:txFillClrLst meth="repeat">
+      <a:schemeClr val="tx1"/>
+    </dgm:txFillClrLst>
+    <dgm:txEffectClrLst/>
+  </dgm:styleLbl>
+  <dgm:styleLbl name="conFgAcc1">
+    <dgm:fillClrLst meth="repeat">
+      <a:schemeClr val="lt1">
+        <a:alpha val="90000"/>
+      </a:schemeClr>
+    </dgm:fillClrLst>
+    <dgm:linClrLst meth="repeat">
+      <a:schemeClr val="accent1"/>
+    </dgm:linClrLst>
+    <dgm:effectClrLst/>
+    <dgm:txLinClrLst/>
+    <dgm:txFillClrLst meth="repeat">
+      <a:schemeClr val="dk1"/>
+    </dgm:txFillClrLst>
+    <dgm:txEffectClrLst/>
+  </dgm:styleLbl>
+  <dgm:styleLbl name="dkBgShp">
+    <dgm:fillClrLst meth="repeat">
+      <a:schemeClr val="accent1">
+        <a:shade val="80000"/>
+      </a:schemeClr>
+    </dgm:fillClrLst>
+    <dgm:linClrLst meth="repeat">
+      <a:schemeClr val="accent1"/>
+    </dgm:linClrLst>
+    <dgm:effectClrLst/>
+    <dgm:txLinClrLst/>
+    <dgm:txFillClrLst meth="repeat">
+      <a:schemeClr val="lt1"/>
+    </dgm:txFillClrLst>
+    <dgm:txEffectClrLst/>
+  </dgm:styleLbl>
+  <dgm:styleLbl name="fgAcc0">
+    <dgm:fillClrLst meth="repeat">
+      <a:schemeClr val="lt1">
+        <a:alpha val="90000"/>
+      </a:schemeClr>
+    </dgm:fillClrLst>
+    <dgm:linClrLst meth="repeat">
+      <a:schemeClr val="accent1"/>
+    </dgm:linClrLst>
+    <dgm:effectClrLst/>
+    <dgm:txLinClrLst/>
+    <dgm:txFillClrLst meth="repeat">
+      <a:schemeClr val="dk1"/>
+    </dgm:txFillClrLst>
+    <dgm:txEffectClrLst/>
+  </dgm:styleLbl>
+  <dgm:styleLbl name="fgAcc1">
+    <dgm:fillClrLst meth="repeat">
+      <a:schemeClr val="lt1">
+        <a:alpha val="90000"/>
+      </a:schemeClr>
+    </dgm:fillClrLst>
+    <dgm:linClrLst meth="repeat">
+      <a:schemeClr val="accent1"/>
+    </dgm:linClrLst>
+    <dgm:effectClrLst/>
+    <dgm:txLinClrLst/>
+    <dgm:txFillClrLst meth="repeat">
+      <a:schemeClr val="dk1"/>
+    </dgm:txFillClrLst>
+    <dgm:txEffectClrLst/>
+  </dgm:styleLbl>
+  <dgm:styleLbl name="fgAcc2">
+    <dgm:fillClrLst meth="repeat">
+      <a:schemeClr val="lt1">
+        <a:alpha val="90000"/>
+      </a:schemeClr>
+    </dgm:fillClrLst>
+    <dgm:linClrLst meth="repeat">
+      <a:schemeClr val="accent1"/>
+    </dgm:linClrLst>
+    <dgm:effectClrLst/>
+    <dgm:txLinClrLst/>
+    <dgm:txFillClrLst meth="repeat">
+      <a:schemeClr val="dk1"/>
+    </dgm:txFillClrLst>
+    <dgm:txEffectClrLst/>
+  </dgm:styleLbl>
+  <dgm:styleLbl name="fgAcc3">
+    <dgm:fillClrLst meth="repeat">
+      <a:schemeClr val="lt1">
+        <a:alpha val="90000"/>
+      </a:schemeClr>
+    </dgm:fillClrLst>
+    <dgm:linClrLst meth="repeat">
+      <a:schemeClr val="accent1"/>
+    </dgm:linClrLst>
+    <dgm:effectClrLst/>
+    <dgm:txLinClrLst/>
+    <dgm:txFillClrLst meth="repeat">
+      <a:schemeClr val="dk1"/>
+    </dgm:txFillClrLst>
+    <dgm:txEffectClrLst/>
+  </dgm:styleLbl>
+  <dgm:styleLbl name="fgAcc4">
+    <dgm:fillClrLst meth="repeat">
+      <a:schemeClr val="lt1">
+        <a:alpha val="90000"/>
+      </a:schemeClr>
+    </dgm:fillClrLst>
+    <dgm:linClrLst meth="repeat">
+      <a:schemeClr val="accent1"/>
+    </dgm:linClrLst>
+    <dgm:effectClrLst/>
+    <dgm:txLinClrLst/>
+    <dgm:txFillClrLst meth="repeat">
+      <a:schemeClr val="dk1"/>
+    </dgm:txFillClrLst>
+    <dgm:txEffectClrLst/>
+  </dgm:styleLbl>
+  <dgm:styleLbl name="fgAccFollowNode1">
+    <dgm:fillClrLst meth="repeat">
+      <a:schemeClr val="accent1">
+        <a:alpha val="90000"/>
+        <a:tint val="40000"/>
+      </a:schemeClr>
+    </dgm:fillClrLst>
+    <dgm:linClrLst meth="repeat">
+      <a:schemeClr val="accent1">
+        <a:alpha val="90000"/>
+        <a:tint val="40000"/>
+      </a:schemeClr>
+    </dgm:linClrLst>
+    <dgm:effectClrLst/>
+    <dgm:txLinClrLst/>
+    <dgm:txFillClrLst meth="repeat">
+      <a:schemeClr val="dk1"/>
+    </dgm:txFillClrLst>
+    <dgm:txEffectClrLst/>
+  </dgm:styleLbl>
+  <dgm:styleLbl name="fgImgPlace1">
+    <dgm:fillClrLst meth="repeat">
+      <a:schemeClr val="accent1">
+        <a:tint val="50000"/>
+      </a:schemeClr>
+    </dgm:fillClrLst>
+    <dgm:linClrLst meth="repeat">
+      <a:schemeClr val="lt1"/>
+    </dgm:linClrLst>
+    <dgm:effectClrLst/>
+    <dgm:txLinClrLst/>
+    <dgm:txFillClrLst meth="repeat">
+      <a:schemeClr val="lt1"/>
+    </dgm:txFillClrLst>
+    <dgm:txEffectClrLst/>
+  </dgm:styleLbl>
+  <dgm:styleLbl name="fgShp">
+    <dgm:fillClrLst meth="repeat">
+      <a:schemeClr val="accent1">
+        <a:tint val="60000"/>
+      </a:schemeClr>
+    </dgm:fillClrLst>
+    <dgm:linClrLst meth="repeat">
+      <a:schemeClr val="lt1"/>
+    </dgm:linClrLst>
+    <dgm:effectClrLst/>
+    <dgm:txLinClrLst/>
+    <dgm:txFillClrLst meth="repeat">
+      <a:schemeClr val="dk1"/>
+    </dgm:txFillClrLst>
+    <dgm:txEffectClrLst/>
+  </dgm:styleLbl>
+  <dgm:styleLbl name="fgSibTrans2D1">
+    <dgm:fillClrLst meth="repeat">
+      <a:schemeClr val="accent1">
+        <a:tint val="60000"/>
+      </a:schemeClr>
+    </dgm:fillClrLst>
+    <dgm:linClrLst meth="repeat">
+      <a:schemeClr val="accent1">
+        <a:tint val="60000"/>
+      </a:schemeClr>
+    </dgm:linClrLst>
+    <dgm:effectClrLst/>
+    <dgm:txLinClrLst/>
+    <dgm:txFillClrLst/>
+    <dgm:txEffectClrLst/>
+  </dgm:styleLbl>
+  <dgm:styleLbl name="lnNode1">
+    <dgm:fillClrLst meth="repeat">
+      <a:schemeClr val="accent1"/>
+    </dgm:fillClrLst>
+    <dgm:linClrLst meth="repeat">
+      <a:schemeClr val="lt1"/>
+    </dgm:linClrLst>
+    <dgm:effectClrLst/>
+    <dgm:txLinClrLst/>
+    <dgm:txFillClrLst/>
+    <dgm:txEffectClrLst/>
+  </dgm:styleLbl>
+  <dgm:styleLbl name="node0">
+    <dgm:fillClrLst meth="repeat">
+      <a:schemeClr val="accent1"/>
+    </dgm:fillClrLst>
+    <dgm:linClrLst meth="repeat">
+      <a:schemeClr val="lt1"/>
+    </dgm:linClrLst>
+    <dgm:effectClrLst/>
+    <dgm:txLinClrLst/>
+    <dgm:txFillClrLst/>
+    <dgm:txEffectClrLst/>
+  </dgm:styleLbl>
+  <dgm:styleLbl name="node1">
+    <dgm:fillClrLst meth="repeat">
+      <a:schemeClr val="accent1"/>
+    </dgm:fillClrLst>
+    <dgm:linClrLst meth="repeat">
+      <a:schemeClr val="lt1"/>
+    </dgm:linClrLst>
+    <dgm:effectClrLst/>
+    <dgm:txLinClrLst/>
+    <dgm:txFillClrLst/>
+    <dgm:txEffectClrLst/>
+  </dgm:styleLbl>
+  <dgm:styleLbl name="node2">
+    <dgm:fillClrLst meth="repeat">
+      <a:schemeClr val="accent1"/>
+    </dgm:fillClrLst>
+    <dgm:linClrLst meth="repeat">
+      <a:schemeClr val="lt1"/>
+    </dgm:linClrLst>
+    <dgm:effectClrLst/>
+    <dgm:txLinClrLst/>
+    <dgm:txFillClrLst/>
+    <dgm:txEffectClrLst/>
+  </dgm:styleLbl>
+  <dgm:styleLbl name="node3">
+    <dgm:fillClrLst meth="repeat">
+      <a:schemeClr val="accent1"/>
+    </dgm:fillClrLst>
+    <dgm:linClrLst meth="repeat">
+      <a:schemeClr val="lt1"/>
+    </dgm:linClrLst>
+    <dgm:effectClrLst/>
+    <dgm:txLinClrLst/>
+    <dgm:txFillClrLst/>
+    <dgm:txEffectClrLst/>
+  </dgm:styleLbl>
+  <dgm:styleLbl name="node4">
+    <dgm:fillClrLst meth="repeat">
+      <a:schemeClr val="accent1"/>
+    </dgm:fillClrLst>
+    <dgm:linClrLst meth="repeat">
+      <a:schemeClr val="lt1"/>
+    </dgm:linClrLst>
+    <dgm:effectClrLst/>
+    <dgm:txLinClrLst/>
+    <dgm:txFillClrLst/>
+    <dgm:txEffectClrLst/>
+  </dgm:styleLbl>
+  <dgm:styleLbl name="parChTrans1D1">
+    <dgm:fillClrLst meth="repeat">
+      <a:schemeClr val="accent1"/>
+    </dgm:fillClrLst>
+    <dgm:linClrLst meth="repeat">
+      <a:schemeClr val="accent1">
+        <a:shade val="60000"/>
+      </a:schemeClr>
+    </dgm:linClrLst>
+    <dgm:effectClrLst/>
+    <dgm:txLinClrLst/>
+    <dgm:txFillClrLst meth="repeat">
+      <a:schemeClr val="tx1"/>
+    </dgm:txFillClrLst>
+    <dgm:txEffectClrLst/>
+  </dgm:styleLbl>
+  <dgm:styleLbl name="parChTrans1D2">
+    <dgm:fillClrLst meth="repeat">
+      <a:schemeClr val="accent1"/>
+    </dgm:fillClrLst>
+    <dgm:linClrLst meth="repeat">
+      <a:schemeClr val="accent1">
+        <a:shade val="60000"/>
+      </a:schemeClr>
+    </dgm:linClrLst>
+    <dgm:effectClrLst/>
+    <dgm:txLinClrLst/>
+    <dgm:txFillClrLst meth="repeat">
+      <a:schemeClr val="tx1"/>
+    </dgm:txFillClrLst>
+    <dgm:txEffectClrLst/>
+  </dgm:styleLbl>
+  <dgm:styleLbl name="parChTrans1D3">
+    <dgm:fillClrLst meth="repeat">
+      <a:schemeClr val="accent1"/>
+    </dgm:fillClrLst>
+    <dgm:linClrLst meth="repeat">
+      <a:schemeClr val="accent1">
+        <a:shade val="80000"/>
+      </a:schemeClr>
+    </dgm:linClrLst>
+    <dgm:effectClrLst/>
+    <dgm:txLinClrLst/>
+    <dgm:txFillClrLst meth="repeat">
+      <a:schemeClr val="tx1"/>
+    </dgm:txFillClrLst>
+    <dgm:txEffectClrLst/>
+  </dgm:styleLbl>
+  <dgm:styleLbl name="parChTrans1D4">
+    <dgm:fillClrLst meth="repeat">
+      <a:schemeClr val="accent1"/>
+    </dgm:fillClrLst>
+    <dgm:linClrLst meth="repeat">
+      <a:schemeClr val="accent1">
+        <a:shade val="80000"/>
+      </a:schemeClr>
+    </dgm:linClrLst>
+    <dgm:effectClrLst/>
+    <dgm:txLinClrLst/>
+    <dgm:txFillClrLst meth="repeat">
+      <a:schemeClr val="tx1"/>
+    </dgm:txFillClrLst>
+    <dgm:txEffectClrLst/>
+  </dgm:styleLbl>
+  <dgm:styleLbl name="parChTrans2D1">
+    <dgm:fillClrLst meth="repeat">
+      <a:schemeClr val="accent1">
+        <a:tint val="60000"/>
+      </a:schemeClr>
+    </dgm:fillClrLst>
+    <dgm:linClrLst meth="repeat">
+      <a:schemeClr val="accent1">
+        <a:tint val="60000"/>
+      </a:schemeClr>
+    </dgm:linClrLst>
+    <dgm:effectClrLst/>
+    <dgm:txLinClrLst/>
+    <dgm:txFillClrLst meth="repeat">
+      <a:schemeClr val="lt1"/>
+    </dgm:txFillClrLst>
+    <dgm:txEffectClrLst/>
+  </dgm:styleLbl>
+  <dgm:styleLbl name="parChTrans2D2">
+    <dgm:fillClrLst meth="repeat">
+      <a:schemeClr val="accent1"/>
+    </dgm:fillClrLst>
+    <dgm:linClrLst meth="repeat">
+      <a:schemeClr val="accent1"/>
+    </dgm:linClrLst>
+    <dgm:effectClrLst/>
+    <dgm:txLinClrLst/>
+    <dgm:txFillClrLst meth="repeat">
+      <a:schemeClr val="lt1"/>
+    </dgm:txFillClrLst>
+    <dgm:txEffectClrLst/>
+  </dgm:styleLbl>
+  <dgm:styleLbl name="parChTrans2D3">
+    <dgm:fillClrLst meth="repeat">
+      <a:schemeClr val="accent1"/>
+    </dgm:fillClrLst>
+    <dgm:linClrLst meth="repeat">
+      <a:schemeClr val="accent1"/>
+    </dgm:linClrLst>
+    <dgm:effectClrLst/>
+    <dgm:txLinClrLst/>
+    <dgm:txFillClrLst meth="repeat">
+      <a:schemeClr val="lt1"/>
+    </dgm:txFillClrLst>
+    <dgm:txEffectClrLst/>
+  </dgm:styleLbl>
+  <dgm:styleLbl name="parChTrans2D4">
+    <dgm:fillClrLst meth="repeat">
+      <a:schemeClr val="accent1"/>
+    </dgm:fillClrLst>
+    <dgm:linClrLst meth="repeat">
+      <a:schemeClr val="accent1"/>
+    </dgm:linClrLst>
+    <dgm:effectClrLst/>
+    <dgm:txLinClrLst/>
+    <dgm:txFillClrLst meth="repeat">
+      <a:schemeClr val="lt1"/>
+    </dgm:txFillClrLst>
+    <dgm:txEffectClrLst/>
+  </dgm:styleLbl>
+  <dgm:styleLbl name="revTx">
+    <dgm:fillClrLst meth="repeat">
+      <a:schemeClr val="lt1">
+        <a:alpha val="0"/>
+      </a:schemeClr>
+    </dgm:fillClrLst>
+    <dgm:linClrLst meth="repeat">
+      <a:schemeClr val="dk1">
+        <a:alpha val="0"/>
+      </a:schemeClr>
+    </dgm:linClrLst>
+    <dgm:effectClrLst/>
+    <dgm:txLinClrLst/>
+    <dgm:txFillClrLst meth="repeat">
+      <a:schemeClr val="tx1"/>
+    </dgm:txFillClrLst>
+    <dgm:txEffectClrLst/>
+  </dgm:styleLbl>
+  <dgm:styleLbl name="sibTrans1D1">
+    <dgm:fillClrLst meth="repeat">
+      <a:schemeClr val="accent1"/>
+    </dgm:fillClrLst>
+    <dgm:linClrLst meth="repeat">
+      <a:schemeClr val="accent1"/>
+    </dgm:linClrLst>
+    <dgm:effectClrLst/>
+    <dgm:txLinClrLst/>
+    <dgm:txFillClrLst meth="repeat">
+      <a:schemeClr val="tx1"/>
+    </dgm:txFillClrLst>
+    <dgm:txEffectClrLst/>
+  </dgm:styleLbl>
+  <dgm:styleLbl name="sibTrans2D1">
+    <dgm:fillClrLst meth="repeat">
+      <a:schemeClr val="accent1">
+        <a:tint val="60000"/>
+      </a:schemeClr>
+    </dgm:fillClrLst>
+    <dgm:linClrLst meth="repeat">
+      <a:schemeClr val="accent1">
+        <a:tint val="60000"/>
+      </a:schemeClr>
+    </dgm:linClrLst>
+    <dgm:effectClrLst/>
+    <dgm:txLinClrLst/>
+    <dgm:txFillClrLst/>
+    <dgm:txEffectClrLst/>
+  </dgm:styleLbl>
+  <dgm:styleLbl name="solidAlignAcc1">
+    <dgm:fillClrLst meth="repeat">
+      <a:schemeClr val="lt1"/>
+    </dgm:fillClrLst>
+    <dgm:linClrLst meth="repeat">
+      <a:schemeClr val="accent1"/>
+    </dgm:linClrLst>
+    <dgm:effectClrLst/>
+    <dgm:txLinClrLst/>
+    <dgm:txFillClrLst meth="repeat">
+      <a:schemeClr val="dk1"/>
+    </dgm:txFillClrLst>
+    <dgm:txEffectClrLst/>
+  </dgm:styleLbl>
+  <dgm:styleLbl name="solidBgAcc1">
+    <dgm:fillClrLst meth="repeat">
+      <a:schemeClr val="lt1"/>
+    </dgm:fillClrLst>
+    <dgm:linClrLst meth="repeat">
+      <a:schemeClr val="accent1"/>
+    </dgm:linClrLst>
+    <dgm:effectClrLst/>
+    <dgm:txLinClrLst/>
+    <dgm:txFillClrLst meth="repeat">
+      <a:schemeClr val="dk1"/>
+    </dgm:txFillClrLst>
+    <dgm:txEffectClrLst/>
+  </dgm:styleLbl>
+  <dgm:styleLbl name="solidFgAcc1">
+    <dgm:fillClrLst meth="repeat">
+      <a:schemeClr val="lt1"/>
+    </dgm:fillClrLst>
+    <dgm:linClrLst meth="repeat">
+      <a:schemeClr val="accent1"/>
+    </dgm:linClrLst>
+    <dgm:effectClrLst/>
+    <dgm:txLinClrLst/>
+    <dgm:txFillClrLst meth="repeat">
+      <a:schemeClr val="dk1"/>
+    </dgm:txFillClrLst>
+    <dgm:txEffectClrLst/>
+  </dgm:styleLbl>
+  <dgm:styleLbl name="trAlignAcc1">
+    <dgm:fillClrLst meth="repeat">
+      <a:schemeClr val="lt1">
+        <a:alpha val="40000"/>
+      </a:schemeClr>
+    </dgm:fillClrLst>
+    <dgm:linClrLst meth="repeat">
+      <a:schemeClr val="accent1"/>
+    </dgm:linClrLst>
+    <dgm:effectClrLst/>
+    <dgm:txLinClrLst/>
+    <dgm:txFillClrLst meth="repeat">
+      <a:schemeClr val="dk1"/>
+    </dgm:txFillClrLst>
+    <dgm:txEffectClrLst/>
+  </dgm:styleLbl>
+  <dgm:styleLbl name="trBgShp">
+    <dgm:fillClrLst meth="repeat">
+      <a:schemeClr val="accent1">
+        <a:tint val="50000"/>
+        <a:alpha val="40000"/>
+      </a:schemeClr>
+    </dgm:fillClrLst>
+    <dgm:linClrLst meth="repeat">
+      <a:schemeClr val="accent1"/>
+    </dgm:linClrLst>
+    <dgm:effectClrLst/>
+    <dgm:txLinClrLst/>
+    <dgm:txFillClrLst meth="repeat">
+      <a:schemeClr val="lt1"/>
+    </dgm:txFillClrLst>
+    <dgm:txEffectClrLst/>
+  </dgm:styleLbl>
+  <dgm:styleLbl name="vennNode1">
+    <dgm:fillClrLst meth="repeat">
+      <a:schemeClr val="accent1">
+        <a:alpha val="50000"/>
+      </a:schemeClr>
+    </dgm:fillClrLst>
+    <dgm:linClrLst meth="repeat">
+      <a:schemeClr val="lt1"/>
+    </dgm:linClrLst>
+    <dgm:effectClrLst/>
+    <dgm:txLinClrLst/>
+    <dgm:txFillClrLst/>
+    <dgm:txEffectClrLst/>
+  </dgm:styleLbl>
+</dgm:colorsDef>
+</file>
+
+<file path=ppt/diagrams/data1.xml><?xml version="1.0" encoding="utf-8"?>
+<dgm:dataModel xmlns:dgm="http://schemas.openxmlformats.org/drawingml/2006/diagram" xmlns:a="http://schemas.openxmlformats.org/drawingml/2006/main">
+  <dgm:ptLst>
+    <dgm:pt modelId="{B3B61304-4A0F-4E11-8080-599F9186F6A5}" type="doc">
+      <dgm:prSet loTypeId="process" loCatId="process" qsTypeId="urn:microsoft.com/office/officeart/2005/8/quickstyle/simple1" qsCatId="simple" csTypeId="urn:microsoft.com/office/officeart/2005/8/colors/accent1_2" csCatId="accent1" phldr="0"/>
+      <dgm:spPr/>
+      <dgm:t>
+        <a:bodyPr/>
+        <a:p>
+          <a:endParaRPr lang="en-US"/>
+        </a:p>
+      </dgm:t>
+    </dgm:pt>
+    <dgm:pt modelId="{06475F0D-9D1A-4BF5-AEE3-CD3F880BC44A}">
+      <dgm:prSet phldrT="[Text]" phldr="0" custT="0"/>
+      <dgm:spPr/>
+      <dgm:t>
+        <a:bodyPr vert="horz" wrap="square"/>
+        <a:p>
+          <a:pPr>
+            <a:lnSpc>
+              <a:spcPct val="100000"/>
+            </a:lnSpc>
+            <a:spcBef>
+              <a:spcPct val="0"/>
+            </a:spcBef>
+            <a:spcAft>
+              <a:spcPct val="35000"/>
+            </a:spcAft>
+          </a:pPr>
+          <a:r>
+            <a:rPr lang="" altLang="en-US"/>
+            <a:t>Mempertontonkan penyimpangan</a:t>
+          </a:r>
+          <a:endParaRPr lang="" altLang="en-US"/>
+        </a:p>
+      </dgm:t>
+    </dgm:pt>
+    <dgm:pt modelId="{E99562FF-418F-46D1-8F86-E0992ED7BA8E}" cxnId="{DB74BB06-1B39-41CD-93B4-FBE3F7FF0E7C}" type="parTrans">
+      <dgm:prSet/>
+      <dgm:spPr/>
+      <dgm:t>
+        <a:bodyPr/>
+        <a:p>
+          <a:endParaRPr lang="en-US"/>
+        </a:p>
+      </dgm:t>
+    </dgm:pt>
+    <dgm:pt modelId="{4BD710C9-2F9D-441E-B548-A9989C0147D7}" cxnId="{DB74BB06-1B39-41CD-93B4-FBE3F7FF0E7C}" type="sibTrans">
+      <dgm:prSet/>
+      <dgm:spPr/>
+      <dgm:t>
+        <a:bodyPr/>
+        <a:p>
+          <a:endParaRPr lang="en-US"/>
+        </a:p>
+      </dgm:t>
+    </dgm:pt>
+    <dgm:pt modelId="{FE2A3430-07B7-4AF8-8050-E9E6630C707F}">
+      <dgm:prSet phldrT="[Text]" phldr="0" custT="0"/>
+      <dgm:spPr/>
+      <dgm:t>
+        <a:bodyPr vert="horz" wrap="square"/>
+        <a:p>
+          <a:pPr>
+            <a:lnSpc>
+              <a:spcPct val="100000"/>
+            </a:lnSpc>
+            <a:spcBef>
+              <a:spcPct val="0"/>
+            </a:spcBef>
+            <a:spcAft>
+              <a:spcPct val="15000"/>
+            </a:spcAft>
+          </a:pPr>
+          <a:r>
+            <a:rPr lang="" altLang="en-US"/>
+            <a:t>Elite politik</a:t>
+          </a:r>
+          <a:r>
+            <a:rPr lang="en-US"/>
+            <a:t/>
+          </a:r>
+          <a:endParaRPr lang="en-US"/>
+        </a:p>
+      </dgm:t>
+    </dgm:pt>
+    <dgm:pt modelId="{FB51E315-BC56-4135-BA1D-66E640931F3A}" cxnId="{F4D40D93-4419-48B5-A158-BD0DBA8E3B51}" type="parTrans">
+      <dgm:prSet/>
+      <dgm:spPr/>
+      <dgm:t>
+        <a:bodyPr/>
+        <a:p>
+          <a:endParaRPr lang="en-US"/>
+        </a:p>
+      </dgm:t>
+    </dgm:pt>
+    <dgm:pt modelId="{9ADD2677-777A-4E9D-AE48-B83F0BAD6874}" cxnId="{F4D40D93-4419-48B5-A158-BD0DBA8E3B51}" type="sibTrans">
+      <dgm:prSet/>
+      <dgm:spPr/>
+      <dgm:t>
+        <a:bodyPr/>
+        <a:p>
+          <a:endParaRPr lang="en-US"/>
+        </a:p>
+      </dgm:t>
+    </dgm:pt>
+    <dgm:pt modelId="{ED1CBC03-3FB1-4AD4-86E0-19A6C88F702B}">
+      <dgm:prSet phldr="0" custT="0"/>
+      <dgm:spPr/>
+      <dgm:t>
+        <a:bodyPr vert="horz" wrap="square"/>
+        <a:p>
+          <a:pPr>
+            <a:lnSpc>
+              <a:spcPct val="100000"/>
+            </a:lnSpc>
+            <a:spcBef>
+              <a:spcPct val="0"/>
+            </a:spcBef>
+            <a:spcAft>
+              <a:spcPct val="15000"/>
+            </a:spcAft>
+          </a:pPr>
+          <a:r>
+            <a:rPr lang="" altLang="en-US"/>
+            <a:t>Tokoh</a:t>
+          </a:r>
+          <a:endParaRPr lang="" altLang="en-US"/>
+        </a:p>
+      </dgm:t>
+    </dgm:pt>
+    <dgm:pt modelId="{92DD0AA8-F00C-4DA1-A1BA-04C7CFAF2140}" cxnId="{317A0C71-0C3E-4D2F-990F-4971A33D2B2C}" type="parTrans">
+      <dgm:prSet/>
+      <dgm:spPr/>
+    </dgm:pt>
+    <dgm:pt modelId="{CEC04CA2-8545-4085-A350-47D298A64DF3}" cxnId="{317A0C71-0C3E-4D2F-990F-4971A33D2B2C}" type="sibTrans">
+      <dgm:prSet/>
+      <dgm:spPr/>
+    </dgm:pt>
+    <dgm:pt modelId="{9EF5E7EC-0EF8-4F59-AAC6-2DBA287AA012}">
+      <dgm:prSet phldr="0" custT="0"/>
+      <dgm:spPr/>
+      <dgm:t>
+        <a:bodyPr vert="horz" wrap="square"/>
+        <a:p>
+          <a:pPr>
+            <a:lnSpc>
+              <a:spcPct val="100000"/>
+            </a:lnSpc>
+            <a:spcBef>
+              <a:spcPct val="0"/>
+            </a:spcBef>
+            <a:spcAft>
+              <a:spcPct val="15000"/>
+            </a:spcAft>
+          </a:pPr>
+          <a:r>
+            <a:rPr lang="" altLang="en-US"/>
+            <a:t>Contoh: berbagai kasus korupsi</a:t>
+          </a:r>
+          <a:endParaRPr lang="" altLang="en-US"/>
+        </a:p>
+      </dgm:t>
+    </dgm:pt>
+    <dgm:pt modelId="{3C5AE0E0-9782-48AB-8C71-5FCC2B306CC7}" cxnId="{6AC409FF-1B74-4937-96F1-AC7692737462}" type="parTrans">
+      <dgm:prSet/>
+      <dgm:spPr/>
+    </dgm:pt>
+    <dgm:pt modelId="{DF8BF134-F36C-4340-8EA6-3784D9D1B679}" cxnId="{6AC409FF-1B74-4937-96F1-AC7692737462}" type="sibTrans">
+      <dgm:prSet/>
+      <dgm:spPr/>
+    </dgm:pt>
+    <dgm:pt modelId="{C17EA81B-EE8F-4BEA-9D93-831900C89C00}">
+      <dgm:prSet phldrT="[Text]" phldr="0" custT="0"/>
+      <dgm:spPr/>
+      <dgm:t>
+        <a:bodyPr vert="horz" wrap="square"/>
+        <a:p>
+          <a:pPr>
+            <a:lnSpc>
+              <a:spcPct val="100000"/>
+            </a:lnSpc>
+            <a:spcBef>
+              <a:spcPct val="0"/>
+            </a:spcBef>
+            <a:spcAft>
+              <a:spcPct val="35000"/>
+            </a:spcAft>
+          </a:pPr>
+          <a:r>
+            <a:rPr lang="" altLang="en-US"/>
+            <a:t>Sistem nilai rusak</a:t>
+          </a:r>
+          <a:r>
+            <a:rPr lang="" altLang="en-US"/>
+            <a:t/>
+          </a:r>
+          <a:endParaRPr lang="" altLang="en-US"/>
+        </a:p>
+      </dgm:t>
+    </dgm:pt>
+    <dgm:pt modelId="{D73C192A-A373-4ACC-BFC9-76609E41CF4E}" cxnId="{E086CB8D-DD64-432F-930A-9EC42EF7D69D}" type="parTrans">
+      <dgm:prSet/>
+      <dgm:spPr/>
+      <dgm:t>
+        <a:bodyPr/>
+        <a:p>
+          <a:endParaRPr lang="en-US"/>
+        </a:p>
+      </dgm:t>
+    </dgm:pt>
+    <dgm:pt modelId="{40C2F390-CB3F-4BF4-827D-B8018A5F3BB7}" cxnId="{E086CB8D-DD64-432F-930A-9EC42EF7D69D}" type="sibTrans">
+      <dgm:prSet/>
+      <dgm:spPr/>
+      <dgm:t>
+        <a:bodyPr/>
+        <a:p>
+          <a:endParaRPr lang="en-US"/>
+        </a:p>
+      </dgm:t>
+    </dgm:pt>
+    <dgm:pt modelId="{2E055442-BDF6-42BD-8A8A-460CDF6F5C5E}">
+      <dgm:prSet phldrT="[Text]" phldr="0" custT="0"/>
+      <dgm:spPr/>
+      <dgm:t>
+        <a:bodyPr vert="horz" wrap="square"/>
+        <a:p>
+          <a:pPr>
+            <a:lnSpc>
+              <a:spcPct val="100000"/>
+            </a:lnSpc>
+            <a:spcBef>
+              <a:spcPct val="0"/>
+            </a:spcBef>
+            <a:spcAft>
+              <a:spcPct val="15000"/>
+            </a:spcAft>
+          </a:pPr>
+          <a:r>
+            <a:rPr lang="" altLang="en-US"/>
+            <a:t>Masyarakat</a:t>
+          </a:r>
+          <a:r>
+            <a:rPr lang="en-US"/>
+            <a:t/>
+          </a:r>
+          <a:endParaRPr lang="en-US"/>
+        </a:p>
+      </dgm:t>
+    </dgm:pt>
+    <dgm:pt modelId="{291EBA52-15FB-4985-9632-D5F9BE62ACD1}" cxnId="{2BB93F1E-D9C2-43CE-AB51-C328C7E9C504}" type="parTrans">
+      <dgm:prSet/>
+      <dgm:spPr/>
+      <dgm:t>
+        <a:bodyPr/>
+        <a:p>
+          <a:endParaRPr lang="en-US"/>
+        </a:p>
+      </dgm:t>
+    </dgm:pt>
+    <dgm:pt modelId="{87346316-64F3-4945-9984-33BC77341C9F}" cxnId="{2BB93F1E-D9C2-43CE-AB51-C328C7E9C504}" type="sibTrans">
+      <dgm:prSet/>
+      <dgm:spPr/>
+      <dgm:t>
+        <a:bodyPr/>
+        <a:p>
+          <a:endParaRPr lang="en-US"/>
+        </a:p>
+      </dgm:t>
+    </dgm:pt>
+    <dgm:pt modelId="{89CF50F2-3EE8-4308-BA46-57745656A4AA}">
+      <dgm:prSet phldrT="[Text]" phldr="0" custT="0"/>
+      <dgm:spPr/>
+      <dgm:t>
+        <a:bodyPr vert="horz" wrap="square"/>
+        <a:p>
+          <a:pPr>
+            <a:lnSpc>
+              <a:spcPct val="100000"/>
+            </a:lnSpc>
+            <a:spcBef>
+              <a:spcPct val="0"/>
+            </a:spcBef>
+            <a:spcAft>
+              <a:spcPct val="35000"/>
+            </a:spcAft>
+          </a:pPr>
+          <a:r>
+            <a:rPr lang="" altLang="en-US"/>
+            <a:t>Diperkuat</a:t>
+          </a:r>
+          <a:r>
+            <a:rPr lang="" altLang="en-US"/>
+            <a:t/>
+          </a:r>
+          <a:endParaRPr lang="" altLang="en-US"/>
+        </a:p>
+      </dgm:t>
+    </dgm:pt>
+    <dgm:pt modelId="{D242A0FB-DF73-49CA-BA3C-BD459F366127}" cxnId="{9C825D68-4840-4A1E-B5DF-E7A3CFDC1240}" type="parTrans">
+      <dgm:prSet/>
+      <dgm:spPr/>
+      <dgm:t>
+        <a:bodyPr/>
+        <a:p>
+          <a:endParaRPr lang="en-US"/>
+        </a:p>
+      </dgm:t>
+    </dgm:pt>
+    <dgm:pt modelId="{9604C662-124F-4916-B7BB-4DF131431D56}" cxnId="{9C825D68-4840-4A1E-B5DF-E7A3CFDC1240}" type="sibTrans">
+      <dgm:prSet/>
+      <dgm:spPr/>
+      <dgm:t>
+        <a:bodyPr/>
+        <a:p>
+          <a:endParaRPr lang="en-US"/>
+        </a:p>
+      </dgm:t>
+    </dgm:pt>
+    <dgm:pt modelId="{A4CBB6B8-84E6-41DA-A253-F380CBF4C16F}">
+      <dgm:prSet phldrT="[Text]" phldr="0" custT="0"/>
+      <dgm:spPr/>
+      <dgm:t>
+        <a:bodyPr vert="horz" wrap="square"/>
+        <a:p>
+          <a:pPr>
+            <a:lnSpc>
+              <a:spcPct val="100000"/>
+            </a:lnSpc>
+            <a:spcBef>
+              <a:spcPct val="0"/>
+            </a:spcBef>
+            <a:spcAft>
+              <a:spcPct val="15000"/>
+            </a:spcAft>
+          </a:pPr>
+          <a:r>
+            <a:rPr lang="" altLang="en-US"/>
+            <a:t>Derasnya arus informasi</a:t>
+          </a:r>
+          <a:r>
+            <a:rPr lang="en-US"/>
+            <a:t/>
+          </a:r>
+          <a:endParaRPr lang="en-US"/>
+        </a:p>
+      </dgm:t>
+    </dgm:pt>
+    <dgm:pt modelId="{6BF9AA0B-A851-4ABD-9BE8-1336C9738AB8}" cxnId="{9D093F5B-FADF-4B93-AA99-B8A992B29FF2}" type="parTrans">
+      <dgm:prSet/>
+      <dgm:spPr/>
+      <dgm:t>
+        <a:bodyPr/>
+        <a:p>
+          <a:endParaRPr lang="en-US"/>
+        </a:p>
+      </dgm:t>
+    </dgm:pt>
+    <dgm:pt modelId="{B71ACFC2-160E-4438-99B2-0295109B5775}" cxnId="{9D093F5B-FADF-4B93-AA99-B8A992B29FF2}" type="sibTrans">
+      <dgm:prSet/>
+      <dgm:spPr/>
+      <dgm:t>
+        <a:bodyPr/>
+        <a:p>
+          <a:endParaRPr lang="en-US"/>
+        </a:p>
+      </dgm:t>
+    </dgm:pt>
+    <dgm:pt modelId="{530D9E14-53A7-471D-93BB-E1FAD6F7DC03}">
+      <dgm:prSet phldr="0" custT="0"/>
+      <dgm:spPr/>
+      <dgm:t>
+        <a:bodyPr vert="horz" wrap="square"/>
+        <a:p>
+          <a:pPr>
+            <a:lnSpc>
+              <a:spcPct val="100000"/>
+            </a:lnSpc>
+            <a:spcBef>
+              <a:spcPct val="0"/>
+            </a:spcBef>
+            <a:spcAft>
+              <a:spcPct val="15000"/>
+            </a:spcAft>
+          </a:pPr>
+          <a:r>
+            <a:rPr lang="" altLang="en-US"/>
+            <a:t>Memperlihatkan contoh buruk</a:t>
+          </a:r>
+          <a:endParaRPr lang="" altLang="en-US"/>
+        </a:p>
+      </dgm:t>
+    </dgm:pt>
+    <dgm:pt modelId="{B7ACCAF2-7433-4241-A80A-A4271A0EC0E6}" cxnId="{97028616-B1DC-47AF-A1FB-DE14935EEC24}" type="parTrans">
+      <dgm:prSet/>
+      <dgm:spPr/>
+    </dgm:pt>
+    <dgm:pt modelId="{4E32323D-5DD7-4BE3-8358-606890CF5C58}" cxnId="{97028616-B1DC-47AF-A1FB-DE14935EEC24}" type="sibTrans">
+      <dgm:prSet/>
+      <dgm:spPr/>
+    </dgm:pt>
+    <dgm:pt modelId="{E2C530D8-25DD-494F-A1A3-E352F0369D19}">
+      <dgm:prSet phldr="0" custT="0"/>
+      <dgm:spPr/>
+      <dgm:t>
+        <a:bodyPr vert="horz" wrap="square"/>
+        <a:p>
+          <a:pPr>
+            <a:lnSpc>
+              <a:spcPct val="100000"/>
+            </a:lnSpc>
+            <a:spcBef>
+              <a:spcPct val="0"/>
+            </a:spcBef>
+            <a:spcAft>
+              <a:spcPct val="15000"/>
+            </a:spcAft>
+          </a:pPr>
+          <a:r>
+            <a:rPr lang="" altLang="en-US"/>
+            <a:t>Tidak diberi sanksi</a:t>
+          </a:r>
+          <a:endParaRPr lang="" altLang="en-US"/>
+        </a:p>
+      </dgm:t>
+    </dgm:pt>
+    <dgm:pt modelId="{2D9C703A-4A27-430D-8158-7442A12E43BD}" cxnId="{7AF79796-E12B-47E1-BF8F-39D2B1549577}" type="parTrans">
+      <dgm:prSet/>
+      <dgm:spPr/>
+    </dgm:pt>
+    <dgm:pt modelId="{3BD9D723-43EC-44F7-B092-D51195D7D99D}" cxnId="{7AF79796-E12B-47E1-BF8F-39D2B1549577}" type="sibTrans">
+      <dgm:prSet/>
+      <dgm:spPr/>
+    </dgm:pt>
+    <dgm:pt modelId="{7894115B-AABB-46F2-A52E-C27597016790}" type="pres">
+      <dgm:prSet presAssocID="{B3B61304-4A0F-4E11-8080-599F9186F6A5}" presName="Name0" presStyleCnt="0">
+        <dgm:presLayoutVars>
+          <dgm:dir/>
+          <dgm:animLvl val="lvl"/>
+          <dgm:resizeHandles val="exact"/>
+        </dgm:presLayoutVars>
+      </dgm:prSet>
+      <dgm:spPr/>
+    </dgm:pt>
+    <dgm:pt modelId="{56D916F2-6768-419D-835D-0E92CC7C803C}" type="pres">
+      <dgm:prSet presAssocID="{B3B61304-4A0F-4E11-8080-599F9186F6A5}" presName="tSp" presStyleCnt="0"/>
+      <dgm:spPr/>
+    </dgm:pt>
+    <dgm:pt modelId="{ECD0F423-0D40-44D8-AF71-D97C3F9DF26B}" type="pres">
+      <dgm:prSet presAssocID="{B3B61304-4A0F-4E11-8080-599F9186F6A5}" presName="bSp" presStyleCnt="0"/>
+      <dgm:spPr/>
+    </dgm:pt>
+    <dgm:pt modelId="{77157E72-C09D-4CF2-AEC0-0324FBF39226}" type="pres">
+      <dgm:prSet presAssocID="{B3B61304-4A0F-4E11-8080-599F9186F6A5}" presName="process" presStyleCnt="0"/>
+      <dgm:spPr/>
+    </dgm:pt>
+    <dgm:pt modelId="{29C62E5B-77E6-4FD6-95C8-E16514EA592F}" type="pres">
+      <dgm:prSet presAssocID="{06475F0D-9D1A-4BF5-AEE3-CD3F880BC44A}" presName="composite1" presStyleCnt="0"/>
+      <dgm:spPr/>
+    </dgm:pt>
+    <dgm:pt modelId="{24BEEBBD-4900-44F6-A6F9-3F722A9F3012}" type="pres">
+      <dgm:prSet presAssocID="{06475F0D-9D1A-4BF5-AEE3-CD3F880BC44A}" presName="dummyNode1" presStyleCnt="0"/>
+      <dgm:spPr/>
+    </dgm:pt>
+    <dgm:pt modelId="{EA4C33C9-9B7B-4236-9D97-1954A4D46745}" type="pres">
+      <dgm:prSet presAssocID="{06475F0D-9D1A-4BF5-AEE3-CD3F880BC44A}" presName="childNode1" presStyleLbl="bgAcc1" presStyleIdx="0" presStyleCnt="3">
+        <dgm:presLayoutVars>
+          <dgm:bulletEnabled val="1"/>
+        </dgm:presLayoutVars>
+      </dgm:prSet>
+      <dgm:spPr/>
+    </dgm:pt>
+    <dgm:pt modelId="{1E8A37B1-D464-40AA-8171-F21D027B523A}" type="pres">
+      <dgm:prSet presAssocID="{06475F0D-9D1A-4BF5-AEE3-CD3F880BC44A}" presName="childNode1tx" presStyleCnt="0">
+        <dgm:presLayoutVars>
+          <dgm:bulletEnabled val="1"/>
+        </dgm:presLayoutVars>
+      </dgm:prSet>
+      <dgm:spPr/>
+    </dgm:pt>
+    <dgm:pt modelId="{50F89035-D090-4CAD-827E-5FE864D0CC7D}" type="pres">
+      <dgm:prSet presAssocID="{06475F0D-9D1A-4BF5-AEE3-CD3F880BC44A}" presName="parentNode1" presStyleLbl="node1" presStyleIdx="0" presStyleCnt="3">
+        <dgm:presLayoutVars>
+          <dgm:chMax val="1"/>
+          <dgm:bulletEnabled val="1"/>
+        </dgm:presLayoutVars>
+      </dgm:prSet>
+      <dgm:spPr/>
+    </dgm:pt>
+    <dgm:pt modelId="{920CA769-40FC-4401-A1E0-FD4D856E9B21}" type="pres">
+      <dgm:prSet presAssocID="{06475F0D-9D1A-4BF5-AEE3-CD3F880BC44A}" presName="connSite1" presStyleCnt="0"/>
+      <dgm:spPr/>
+    </dgm:pt>
+    <dgm:pt modelId="{B871E909-CC84-4270-8398-F5F049AEA932}" type="pres">
+      <dgm:prSet presAssocID="{4BD710C9-2F9D-441E-B548-A9989C0147D7}" presName="Name9" presStyleLbl="sibTrans2D1" presStyleIdx="0" presStyleCnt="2"/>
+      <dgm:spPr/>
+    </dgm:pt>
+    <dgm:pt modelId="{5381038C-A52C-40F2-AE25-892F98A4F272}" type="pres">
+      <dgm:prSet presAssocID="{C17EA81B-EE8F-4BEA-9D93-831900C89C00}" presName="composite2" presStyleCnt="0"/>
+      <dgm:spPr/>
+    </dgm:pt>
+    <dgm:pt modelId="{8C60EF28-DEE2-471E-9110-F1DE84254762}" type="pres">
+      <dgm:prSet presAssocID="{C17EA81B-EE8F-4BEA-9D93-831900C89C00}" presName="dummyNode2" presStyleCnt="0"/>
+      <dgm:spPr/>
+    </dgm:pt>
+    <dgm:pt modelId="{8C4A7715-D8F8-4D2B-94CE-98F25CB35172}" type="pres">
+      <dgm:prSet presAssocID="{C17EA81B-EE8F-4BEA-9D93-831900C89C00}" presName="childNode2" presStyleLbl="bgAcc1" presStyleIdx="1" presStyleCnt="3">
+        <dgm:presLayoutVars>
+          <dgm:bulletEnabled val="1"/>
+        </dgm:presLayoutVars>
+      </dgm:prSet>
+      <dgm:spPr/>
+    </dgm:pt>
+    <dgm:pt modelId="{E6E63E6B-9802-4903-9CE3-5D4A716AEA02}" type="pres">
+      <dgm:prSet presAssocID="{C17EA81B-EE8F-4BEA-9D93-831900C89C00}" presName="childNode2tx" presStyleCnt="0">
+        <dgm:presLayoutVars>
+          <dgm:bulletEnabled val="1"/>
+        </dgm:presLayoutVars>
+      </dgm:prSet>
+      <dgm:spPr/>
+    </dgm:pt>
+    <dgm:pt modelId="{D48BF050-6660-4D4F-AF7C-757C782402D6}" type="pres">
+      <dgm:prSet presAssocID="{C17EA81B-EE8F-4BEA-9D93-831900C89C00}" presName="parentNode2" presStyleLbl="node1" presStyleIdx="1" presStyleCnt="3">
+        <dgm:presLayoutVars>
+          <dgm:chMax val="0"/>
+          <dgm:bulletEnabled val="1"/>
+        </dgm:presLayoutVars>
+      </dgm:prSet>
+      <dgm:spPr/>
+    </dgm:pt>
+    <dgm:pt modelId="{0D59B193-1E3C-4187-9E9F-A2912DCADAC6}" type="pres">
+      <dgm:prSet presAssocID="{C17EA81B-EE8F-4BEA-9D93-831900C89C00}" presName="connSite2" presStyleCnt="0"/>
+      <dgm:spPr/>
+    </dgm:pt>
+    <dgm:pt modelId="{FB15DAFD-B404-4CB3-9791-947A7CB3C00D}" type="pres">
+      <dgm:prSet presAssocID="{40C2F390-CB3F-4BF4-827D-B8018A5F3BB7}" presName="Name18" presStyleLbl="sibTrans2D1" presStyleIdx="1" presStyleCnt="2"/>
+      <dgm:spPr/>
+    </dgm:pt>
+    <dgm:pt modelId="{754F4C32-447F-4E14-8ED3-35A922A043A5}" type="pres">
+      <dgm:prSet presAssocID="{89CF50F2-3EE8-4308-BA46-57745656A4AA}" presName="composite1" presStyleCnt="0"/>
+      <dgm:spPr/>
+    </dgm:pt>
+    <dgm:pt modelId="{020AEDA5-DA09-4A53-AF58-AED2EF90E935}" type="pres">
+      <dgm:prSet presAssocID="{89CF50F2-3EE8-4308-BA46-57745656A4AA}" presName="dummyNode1" presStyleCnt="0"/>
+      <dgm:spPr/>
+    </dgm:pt>
+    <dgm:pt modelId="{0428F0A0-98D5-457A-BE43-28F46915FA56}" type="pres">
+      <dgm:prSet presAssocID="{89CF50F2-3EE8-4308-BA46-57745656A4AA}" presName="childNode1" presStyleLbl="bgAcc1" presStyleIdx="2" presStyleCnt="3">
+        <dgm:presLayoutVars>
+          <dgm:bulletEnabled val="1"/>
+        </dgm:presLayoutVars>
+      </dgm:prSet>
+      <dgm:spPr/>
+    </dgm:pt>
+    <dgm:pt modelId="{F4682735-7E21-4BD6-A94E-5C31E3B718FD}" type="pres">
+      <dgm:prSet presAssocID="{89CF50F2-3EE8-4308-BA46-57745656A4AA}" presName="childNode1tx" presStyleCnt="0">
+        <dgm:presLayoutVars>
+          <dgm:bulletEnabled val="1"/>
+        </dgm:presLayoutVars>
+      </dgm:prSet>
+      <dgm:spPr/>
+    </dgm:pt>
+    <dgm:pt modelId="{E8647766-AE1D-45F8-B3AB-5EEE3BDE8498}" type="pres">
+      <dgm:prSet presAssocID="{89CF50F2-3EE8-4308-BA46-57745656A4AA}" presName="parentNode1" presStyleLbl="node1" presStyleIdx="2" presStyleCnt="3">
+        <dgm:presLayoutVars>
+          <dgm:chMax val="1"/>
+          <dgm:bulletEnabled val="1"/>
+        </dgm:presLayoutVars>
+      </dgm:prSet>
+      <dgm:spPr/>
+    </dgm:pt>
+    <dgm:pt modelId="{96D6127B-1D73-45CB-82BD-67878CD7892E}" type="pres">
+      <dgm:prSet presAssocID="{89CF50F2-3EE8-4308-BA46-57745656A4AA}" presName="connSite1" presStyleCnt="0"/>
+      <dgm:spPr/>
+    </dgm:pt>
+  </dgm:ptLst>
+  <dgm:cxnLst>
+    <dgm:cxn modelId="{DB74BB06-1B39-41CD-93B4-FBE3F7FF0E7C}" srcId="{B3B61304-4A0F-4E11-8080-599F9186F6A5}" destId="{06475F0D-9D1A-4BF5-AEE3-CD3F880BC44A}" srcOrd="0" destOrd="0" parTransId="{E99562FF-418F-46D1-8F86-E0992ED7BA8E}" sibTransId="{4BD710C9-2F9D-441E-B548-A9989C0147D7}"/>
+    <dgm:cxn modelId="{F4D40D93-4419-48B5-A158-BD0DBA8E3B51}" srcId="{06475F0D-9D1A-4BF5-AEE3-CD3F880BC44A}" destId="{FE2A3430-07B7-4AF8-8050-E9E6630C707F}" srcOrd="0" destOrd="0" parTransId="{FB51E315-BC56-4135-BA1D-66E640931F3A}" sibTransId="{9ADD2677-777A-4E9D-AE48-B83F0BAD6874}"/>
+    <dgm:cxn modelId="{317A0C71-0C3E-4D2F-990F-4971A33D2B2C}" srcId="{06475F0D-9D1A-4BF5-AEE3-CD3F880BC44A}" destId="{ED1CBC03-3FB1-4AD4-86E0-19A6C88F702B}" srcOrd="1" destOrd="0" parTransId="{92DD0AA8-F00C-4DA1-A1BA-04C7CFAF2140}" sibTransId="{CEC04CA2-8545-4085-A350-47D298A64DF3}"/>
+    <dgm:cxn modelId="{6AC409FF-1B74-4937-96F1-AC7692737462}" srcId="{06475F0D-9D1A-4BF5-AEE3-CD3F880BC44A}" destId="{9EF5E7EC-0EF8-4F59-AAC6-2DBA287AA012}" srcOrd="2" destOrd="0" parTransId="{3C5AE0E0-9782-48AB-8C71-5FCC2B306CC7}" sibTransId="{DF8BF134-F36C-4340-8EA6-3784D9D1B679}"/>
+    <dgm:cxn modelId="{E086CB8D-DD64-432F-930A-9EC42EF7D69D}" srcId="{B3B61304-4A0F-4E11-8080-599F9186F6A5}" destId="{C17EA81B-EE8F-4BEA-9D93-831900C89C00}" srcOrd="1" destOrd="0" parTransId="{D73C192A-A373-4ACC-BFC9-76609E41CF4E}" sibTransId="{40C2F390-CB3F-4BF4-827D-B8018A5F3BB7}"/>
+    <dgm:cxn modelId="{2BB93F1E-D9C2-43CE-AB51-C328C7E9C504}" srcId="{C17EA81B-EE8F-4BEA-9D93-831900C89C00}" destId="{2E055442-BDF6-42BD-8A8A-460CDF6F5C5E}" srcOrd="0" destOrd="1" parTransId="{291EBA52-15FB-4985-9632-D5F9BE62ACD1}" sibTransId="{87346316-64F3-4945-9984-33BC77341C9F}"/>
+    <dgm:cxn modelId="{9C825D68-4840-4A1E-B5DF-E7A3CFDC1240}" srcId="{B3B61304-4A0F-4E11-8080-599F9186F6A5}" destId="{89CF50F2-3EE8-4308-BA46-57745656A4AA}" srcOrd="2" destOrd="0" parTransId="{D242A0FB-DF73-49CA-BA3C-BD459F366127}" sibTransId="{9604C662-124F-4916-B7BB-4DF131431D56}"/>
+    <dgm:cxn modelId="{9D093F5B-FADF-4B93-AA99-B8A992B29FF2}" srcId="{89CF50F2-3EE8-4308-BA46-57745656A4AA}" destId="{A4CBB6B8-84E6-41DA-A253-F380CBF4C16F}" srcOrd="0" destOrd="2" parTransId="{6BF9AA0B-A851-4ABD-9BE8-1336C9738AB8}" sibTransId="{B71ACFC2-160E-4438-99B2-0295109B5775}"/>
+    <dgm:cxn modelId="{97028616-B1DC-47AF-A1FB-DE14935EEC24}" srcId="{89CF50F2-3EE8-4308-BA46-57745656A4AA}" destId="{530D9E14-53A7-471D-93BB-E1FAD6F7DC03}" srcOrd="1" destOrd="2" parTransId="{B7ACCAF2-7433-4241-A80A-A4271A0EC0E6}" sibTransId="{4E32323D-5DD7-4BE3-8358-606890CF5C58}"/>
+    <dgm:cxn modelId="{7AF79796-E12B-47E1-BF8F-39D2B1549577}" srcId="{89CF50F2-3EE8-4308-BA46-57745656A4AA}" destId="{E2C530D8-25DD-494F-A1A3-E352F0369D19}" srcOrd="2" destOrd="2" parTransId="{2D9C703A-4A27-430D-8158-7442A12E43BD}" sibTransId="{3BD9D723-43EC-44F7-B092-D51195D7D99D}"/>
+    <dgm:cxn modelId="{14048212-6C53-4BFF-9B07-0D50A0B67BD8}" type="presOf" srcId="{B3B61304-4A0F-4E11-8080-599F9186F6A5}" destId="{7894115B-AABB-46F2-A52E-C27597016790}" srcOrd="0" destOrd="0" presId="urn:microsoft.com/office/officeart/2005/8/layout/hProcess4"/>
+    <dgm:cxn modelId="{023A7F5D-D53D-41B1-B1FA-EAA32A093B9B}" type="presParOf" srcId="{7894115B-AABB-46F2-A52E-C27597016790}" destId="{56D916F2-6768-419D-835D-0E92CC7C803C}" srcOrd="0" destOrd="0" presId="urn:microsoft.com/office/officeart/2005/8/layout/hProcess4"/>
+    <dgm:cxn modelId="{DBECF03E-AA01-4751-826C-0166DAE78D71}" type="presParOf" srcId="{7894115B-AABB-46F2-A52E-C27597016790}" destId="{ECD0F423-0D40-44D8-AF71-D97C3F9DF26B}" srcOrd="1" destOrd="0" presId="urn:microsoft.com/office/officeart/2005/8/layout/hProcess4"/>
+    <dgm:cxn modelId="{7091F8F3-73B4-4C2F-9AB1-213006E4BFF8}" type="presParOf" srcId="{7894115B-AABB-46F2-A52E-C27597016790}" destId="{77157E72-C09D-4CF2-AEC0-0324FBF39226}" srcOrd="2" destOrd="0" presId="urn:microsoft.com/office/officeart/2005/8/layout/hProcess4"/>
+    <dgm:cxn modelId="{E414367C-AE36-4D71-8237-79FE0C255E5D}" type="presParOf" srcId="{77157E72-C09D-4CF2-AEC0-0324FBF39226}" destId="{29C62E5B-77E6-4FD6-95C8-E16514EA592F}" srcOrd="0" destOrd="2" presId="urn:microsoft.com/office/officeart/2005/8/layout/hProcess4"/>
+    <dgm:cxn modelId="{4C763D1C-7B3A-4765-8E6A-515F7833675E}" type="presParOf" srcId="{29C62E5B-77E6-4FD6-95C8-E16514EA592F}" destId="{24BEEBBD-4900-44F6-A6F9-3F722A9F3012}" srcOrd="0" destOrd="0" presId="urn:microsoft.com/office/officeart/2005/8/layout/hProcess4"/>
+    <dgm:cxn modelId="{49AF9D5C-A831-44DB-B18E-E3897319CFC7}" type="presParOf" srcId="{29C62E5B-77E6-4FD6-95C8-E16514EA592F}" destId="{EA4C33C9-9B7B-4236-9D97-1954A4D46745}" srcOrd="1" destOrd="0" presId="urn:microsoft.com/office/officeart/2005/8/layout/hProcess4"/>
+    <dgm:cxn modelId="{B96F67A0-40DB-4DCC-BE7B-132F8CC7F5DD}" type="presOf" srcId="{FE2A3430-07B7-4AF8-8050-E9E6630C707F}" destId="{EA4C33C9-9B7B-4236-9D97-1954A4D46745}" srcOrd="0" destOrd="0" presId="urn:microsoft.com/office/officeart/2005/8/layout/hProcess4"/>
+    <dgm:cxn modelId="{474B6C39-930A-4E34-B448-C8F42F8208B5}" type="presOf" srcId="{ED1CBC03-3FB1-4AD4-86E0-19A6C88F702B}" destId="{EA4C33C9-9B7B-4236-9D97-1954A4D46745}" srcOrd="0" destOrd="1" presId="urn:microsoft.com/office/officeart/2005/8/layout/hProcess4"/>
+    <dgm:cxn modelId="{AC695269-ECA7-4045-909C-C7582404298D}" type="presOf" srcId="{9EF5E7EC-0EF8-4F59-AAC6-2DBA287AA012}" destId="{EA4C33C9-9B7B-4236-9D97-1954A4D46745}" srcOrd="0" destOrd="2" presId="urn:microsoft.com/office/officeart/2005/8/layout/hProcess4"/>
+    <dgm:cxn modelId="{6AE70FB5-ED12-4E69-B8FD-BE1F8C640BF7}" type="presParOf" srcId="{29C62E5B-77E6-4FD6-95C8-E16514EA592F}" destId="{1E8A37B1-D464-40AA-8171-F21D027B523A}" srcOrd="2" destOrd="0" presId="urn:microsoft.com/office/officeart/2005/8/layout/hProcess4"/>
+    <dgm:cxn modelId="{42171669-01F4-462E-9E8B-740D4E5CAAB5}" type="presOf" srcId="{FE2A3430-07B7-4AF8-8050-E9E6630C707F}" destId="{1E8A37B1-D464-40AA-8171-F21D027B523A}" srcOrd="1" destOrd="0" presId="urn:microsoft.com/office/officeart/2005/8/layout/hProcess4"/>
+    <dgm:cxn modelId="{708061D3-7494-4D0C-AEBC-93AD4A6724E2}" type="presOf" srcId="{ED1CBC03-3FB1-4AD4-86E0-19A6C88F702B}" destId="{1E8A37B1-D464-40AA-8171-F21D027B523A}" srcOrd="1" destOrd="1" presId="urn:microsoft.com/office/officeart/2005/8/layout/hProcess4"/>
+    <dgm:cxn modelId="{B1B4FBF8-5E85-4740-BCAE-C0E2C21AA688}" type="presOf" srcId="{9EF5E7EC-0EF8-4F59-AAC6-2DBA287AA012}" destId="{1E8A37B1-D464-40AA-8171-F21D027B523A}" srcOrd="1" destOrd="2" presId="urn:microsoft.com/office/officeart/2005/8/layout/hProcess4"/>
+    <dgm:cxn modelId="{69B5AA41-ED95-4D09-BE20-E3A188084C4A}" type="presParOf" srcId="{29C62E5B-77E6-4FD6-95C8-E16514EA592F}" destId="{50F89035-D090-4CAD-827E-5FE864D0CC7D}" srcOrd="3" destOrd="0" presId="urn:microsoft.com/office/officeart/2005/8/layout/hProcess4"/>
+    <dgm:cxn modelId="{34494E4D-CD3D-4338-9965-5F2795DD9EC9}" type="presOf" srcId="{06475F0D-9D1A-4BF5-AEE3-CD3F880BC44A}" destId="{50F89035-D090-4CAD-827E-5FE864D0CC7D}" srcOrd="0" destOrd="0" presId="urn:microsoft.com/office/officeart/2005/8/layout/hProcess4"/>
+    <dgm:cxn modelId="{54AC6B05-57DD-4749-9C5A-7806CFEE255B}" type="presParOf" srcId="{29C62E5B-77E6-4FD6-95C8-E16514EA592F}" destId="{920CA769-40FC-4401-A1E0-FD4D856E9B21}" srcOrd="4" destOrd="0" presId="urn:microsoft.com/office/officeart/2005/8/layout/hProcess4"/>
+    <dgm:cxn modelId="{F61E4E8A-F898-4D71-A1A8-0C39F2E852B4}" type="presParOf" srcId="{77157E72-C09D-4CF2-AEC0-0324FBF39226}" destId="{B871E909-CC84-4270-8398-F5F049AEA932}" srcOrd="1" destOrd="2" presId="urn:microsoft.com/office/officeart/2005/8/layout/hProcess4"/>
+    <dgm:cxn modelId="{ED72F5CB-4661-4605-92EF-768B6F13D58B}" type="presOf" srcId="{4BD710C9-2F9D-441E-B548-A9989C0147D7}" destId="{B871E909-CC84-4270-8398-F5F049AEA932}" srcOrd="0" destOrd="0" presId="urn:microsoft.com/office/officeart/2005/8/layout/hProcess4"/>
+    <dgm:cxn modelId="{9AEFF40F-410F-4021-91EA-8B6D341BB2D1}" type="presParOf" srcId="{77157E72-C09D-4CF2-AEC0-0324FBF39226}" destId="{5381038C-A52C-40F2-AE25-892F98A4F272}" srcOrd="2" destOrd="2" presId="urn:microsoft.com/office/officeart/2005/8/layout/hProcess4"/>
+    <dgm:cxn modelId="{5932C02D-69A9-4AC9-8448-AEC890F1ECB1}" type="presParOf" srcId="{5381038C-A52C-40F2-AE25-892F98A4F272}" destId="{8C60EF28-DEE2-471E-9110-F1DE84254762}" srcOrd="0" destOrd="2" presId="urn:microsoft.com/office/officeart/2005/8/layout/hProcess4"/>
+    <dgm:cxn modelId="{89A9422E-4ACF-4BAC-A954-97C220FD1A95}" type="presParOf" srcId="{5381038C-A52C-40F2-AE25-892F98A4F272}" destId="{8C4A7715-D8F8-4D2B-94CE-98F25CB35172}" srcOrd="1" destOrd="2" presId="urn:microsoft.com/office/officeart/2005/8/layout/hProcess4"/>
+    <dgm:cxn modelId="{9E22A5B6-7840-4B1E-A302-D80374367F28}" type="presOf" srcId="{2E055442-BDF6-42BD-8A8A-460CDF6F5C5E}" destId="{8C4A7715-D8F8-4D2B-94CE-98F25CB35172}" srcOrd="0" destOrd="0" presId="urn:microsoft.com/office/officeart/2005/8/layout/hProcess4"/>
+    <dgm:cxn modelId="{97E49144-CFD7-4947-91A2-773E02846690}" type="presParOf" srcId="{5381038C-A52C-40F2-AE25-892F98A4F272}" destId="{E6E63E6B-9802-4903-9CE3-5D4A716AEA02}" srcOrd="2" destOrd="2" presId="urn:microsoft.com/office/officeart/2005/8/layout/hProcess4"/>
+    <dgm:cxn modelId="{153032B6-BC1C-4DEC-BAC0-BA162A2C9F0F}" type="presOf" srcId="{2E055442-BDF6-42BD-8A8A-460CDF6F5C5E}" destId="{E6E63E6B-9802-4903-9CE3-5D4A716AEA02}" srcOrd="1" destOrd="0" presId="urn:microsoft.com/office/officeart/2005/8/layout/hProcess4"/>
+    <dgm:cxn modelId="{B847EB39-F6BA-42C6-9F06-FAFCE863FA2B}" type="presParOf" srcId="{5381038C-A52C-40F2-AE25-892F98A4F272}" destId="{D48BF050-6660-4D4F-AF7C-757C782402D6}" srcOrd="3" destOrd="2" presId="urn:microsoft.com/office/officeart/2005/8/layout/hProcess4"/>
+    <dgm:cxn modelId="{9EC2C8BC-9F7C-4355-A24E-A261C90501C3}" type="presOf" srcId="{C17EA81B-EE8F-4BEA-9D93-831900C89C00}" destId="{D48BF050-6660-4D4F-AF7C-757C782402D6}" srcOrd="0" destOrd="0" presId="urn:microsoft.com/office/officeart/2005/8/layout/hProcess4"/>
+    <dgm:cxn modelId="{02E5AE52-7264-4EB8-952B-88C27F16F447}" type="presParOf" srcId="{5381038C-A52C-40F2-AE25-892F98A4F272}" destId="{0D59B193-1E3C-4187-9E9F-A2912DCADAC6}" srcOrd="4" destOrd="2" presId="urn:microsoft.com/office/officeart/2005/8/layout/hProcess4"/>
+    <dgm:cxn modelId="{2D7C1F65-FA1B-475B-A282-6D45DF407398}" type="presParOf" srcId="{77157E72-C09D-4CF2-AEC0-0324FBF39226}" destId="{FB15DAFD-B404-4CB3-9791-947A7CB3C00D}" srcOrd="3" destOrd="2" presId="urn:microsoft.com/office/officeart/2005/8/layout/hProcess4"/>
+    <dgm:cxn modelId="{6AEF1252-5CD9-4EDA-ABBF-807B074C0683}" type="presOf" srcId="{40C2F390-CB3F-4BF4-827D-B8018A5F3BB7}" destId="{FB15DAFD-B404-4CB3-9791-947A7CB3C00D}" srcOrd="0" destOrd="0" presId="urn:microsoft.com/office/officeart/2005/8/layout/hProcess4"/>
+    <dgm:cxn modelId="{45EFA59C-6433-423A-975C-939FCF4AB6CD}" type="presParOf" srcId="{77157E72-C09D-4CF2-AEC0-0324FBF39226}" destId="{754F4C32-447F-4E14-8ED3-35A922A043A5}" srcOrd="4" destOrd="2" presId="urn:microsoft.com/office/officeart/2005/8/layout/hProcess4"/>
+    <dgm:cxn modelId="{EC1AF646-2F2A-4F01-99E3-708C52A8B005}" type="presParOf" srcId="{754F4C32-447F-4E14-8ED3-35A922A043A5}" destId="{020AEDA5-DA09-4A53-AF58-AED2EF90E935}" srcOrd="0" destOrd="4" presId="urn:microsoft.com/office/officeart/2005/8/layout/hProcess4"/>
+    <dgm:cxn modelId="{8C8836FE-8D95-4822-AA2A-42F68755D605}" type="presParOf" srcId="{754F4C32-447F-4E14-8ED3-35A922A043A5}" destId="{0428F0A0-98D5-457A-BE43-28F46915FA56}" srcOrd="1" destOrd="4" presId="urn:microsoft.com/office/officeart/2005/8/layout/hProcess4"/>
+    <dgm:cxn modelId="{4DFE5CFE-258B-4487-A740-4CBFBBC6A5E3}" type="presOf" srcId="{A4CBB6B8-84E6-41DA-A253-F380CBF4C16F}" destId="{0428F0A0-98D5-457A-BE43-28F46915FA56}" srcOrd="0" destOrd="0" presId="urn:microsoft.com/office/officeart/2005/8/layout/hProcess4"/>
+    <dgm:cxn modelId="{D66BAD51-6230-40FC-8006-96DF8AD7D37D}" type="presOf" srcId="{530D9E14-53A7-471D-93BB-E1FAD6F7DC03}" destId="{0428F0A0-98D5-457A-BE43-28F46915FA56}" srcOrd="0" destOrd="1" presId="urn:microsoft.com/office/officeart/2005/8/layout/hProcess4"/>
+    <dgm:cxn modelId="{2F8B1930-2F20-4BFF-B7FC-B405750FB6DB}" type="presOf" srcId="{E2C530D8-25DD-494F-A1A3-E352F0369D19}" destId="{0428F0A0-98D5-457A-BE43-28F46915FA56}" srcOrd="0" destOrd="2" presId="urn:microsoft.com/office/officeart/2005/8/layout/hProcess4"/>
+    <dgm:cxn modelId="{B796D74E-1E63-4398-AE67-4CC2C80B7612}" type="presParOf" srcId="{754F4C32-447F-4E14-8ED3-35A922A043A5}" destId="{F4682735-7E21-4BD6-A94E-5C31E3B718FD}" srcOrd="2" destOrd="4" presId="urn:microsoft.com/office/officeart/2005/8/layout/hProcess4"/>
+    <dgm:cxn modelId="{1B28C160-A1EE-4F68-BD28-F4BE2F8A59AE}" type="presOf" srcId="{A4CBB6B8-84E6-41DA-A253-F380CBF4C16F}" destId="{F4682735-7E21-4BD6-A94E-5C31E3B718FD}" srcOrd="1" destOrd="0" presId="urn:microsoft.com/office/officeart/2005/8/layout/hProcess4"/>
+    <dgm:cxn modelId="{1B6EF25A-3CAB-45FA-8032-21FA373534A0}" type="presOf" srcId="{530D9E14-53A7-471D-93BB-E1FAD6F7DC03}" destId="{F4682735-7E21-4BD6-A94E-5C31E3B718FD}" srcOrd="1" destOrd="1" presId="urn:microsoft.com/office/officeart/2005/8/layout/hProcess4"/>
+    <dgm:cxn modelId="{414E56F6-71E5-401B-AF17-278D049C2DE2}" type="presOf" srcId="{E2C530D8-25DD-494F-A1A3-E352F0369D19}" destId="{F4682735-7E21-4BD6-A94E-5C31E3B718FD}" srcOrd="1" destOrd="2" presId="urn:microsoft.com/office/officeart/2005/8/layout/hProcess4"/>
+    <dgm:cxn modelId="{D9702C8D-40CF-47C8-B899-A6436D67698C}" type="presParOf" srcId="{754F4C32-447F-4E14-8ED3-35A922A043A5}" destId="{E8647766-AE1D-45F8-B3AB-5EEE3BDE8498}" srcOrd="3" destOrd="4" presId="urn:microsoft.com/office/officeart/2005/8/layout/hProcess4"/>
+    <dgm:cxn modelId="{23A220B3-4C80-477B-B707-C99209532A75}" type="presOf" srcId="{89CF50F2-3EE8-4308-BA46-57745656A4AA}" destId="{E8647766-AE1D-45F8-B3AB-5EEE3BDE8498}" srcOrd="0" destOrd="0" presId="urn:microsoft.com/office/officeart/2005/8/layout/hProcess4"/>
+    <dgm:cxn modelId="{AA039EB9-1198-4DF7-9503-A16D19FC4BE0}" type="presParOf" srcId="{754F4C32-447F-4E14-8ED3-35A922A043A5}" destId="{96D6127B-1D73-45CB-82BD-67878CD7892E}" srcOrd="4" destOrd="4" presId="urn:microsoft.com/office/officeart/2005/8/layout/hProcess4"/>
+  </dgm:cxnLst>
+  <dgm:bg/>
+  <dgm:whole/>
+  <dgm:extLst>
+    <a:ext uri="http://schemas.microsoft.com/office/drawing/2008/diagram">
+      <dsp:dataModelExt xmlns:dsp="http://schemas.microsoft.com/office/drawing/2008/diagram" relId="rId5" minVer="http://schemas.openxmlformats.org/drawingml/2006/diagram"/>
+    </a:ext>
+  </dgm:extLst>
+</dgm:dataModel>
+</file>
+
+<file path=ppt/diagrams/drawing1.xml><?xml version="1.0" encoding="utf-8"?>
+<dsp:drawing xmlns:dgm="http://schemas.openxmlformats.org/drawingml/2006/diagram" xmlns:dsp="http://schemas.microsoft.com/office/drawing/2008/diagram" xmlns:a="http://schemas.openxmlformats.org/drawingml/2006/main" xmlns:r="http://schemas.openxmlformats.org/officeDocument/2006/relationships">
+  <dsp:spTree>
+    <dsp:nvGrpSpPr>
+      <dsp:cNvPr id="2" name="Group 1"/>
+      <dsp:cNvGrpSpPr/>
+    </dsp:nvGrpSpPr>
+    <dsp:grpSpPr>
+      <a:xfrm>
+        <a:off x="0" y="0"/>
+        <a:ext cx="8128000" cy="5418455"/>
+        <a:chOff x="0" y="0"/>
+        <a:chExt cx="8128000" cy="5418455"/>
+      </a:xfrm>
+    </dsp:grpSpPr>
+    <dsp:sp modelId="{EA4C33C9-9B7B-4236-9D97-1954A4D46745}">
+      <dsp:nvSpPr>
+        <dsp:cNvPr id="4" name="Rounded Rectangle 3"/>
+        <dsp:cNvSpPr/>
+      </dsp:nvSpPr>
+      <dsp:spPr bwMode="white">
+        <a:xfrm>
+          <a:off x="0" y="1787908"/>
+          <a:ext cx="2234069" cy="1842640"/>
+        </a:xfrm>
+        <a:prstGeom prst="roundRect">
+          <a:avLst>
+            <a:gd name="adj" fmla="val 10000"/>
+          </a:avLst>
+        </a:prstGeom>
+      </dsp:spPr>
+      <dsp:style>
+        <a:lnRef idx="2">
+          <a:schemeClr val="accent1"/>
+        </a:lnRef>
+        <a:fillRef idx="1">
+          <a:schemeClr val="lt1">
+            <a:alpha val="90000"/>
+          </a:schemeClr>
+        </a:fillRef>
+        <a:effectRef idx="0">
+          <a:scrgbClr r="0" g="0" b="0"/>
+        </a:effectRef>
+        <a:fontRef idx="minor"/>
+      </dsp:style>
+      <dsp:txBody>
+        <a:bodyPr vert="horz" wrap="square" lIns="30480" tIns="30480" rIns="30480" bIns="30480" anchor="t"/>
+        <a:lstStyle>
+          <a:lvl1pPr algn="l">
+            <a:defRPr sz="1600"/>
+          </a:lvl1pPr>
+          <a:lvl2pPr marL="171450" indent="-171450" algn="l">
+            <a:defRPr sz="1600"/>
+          </a:lvl2pPr>
+          <a:lvl3pPr marL="342900" indent="-171450" algn="l">
+            <a:defRPr sz="1600"/>
+          </a:lvl3pPr>
+          <a:lvl4pPr marL="514350" indent="-171450" algn="l">
+            <a:defRPr sz="1600"/>
+          </a:lvl4pPr>
+          <a:lvl5pPr marL="685800" indent="-171450" algn="l">
+            <a:defRPr sz="1600"/>
+          </a:lvl5pPr>
+          <a:lvl6pPr marL="857250" indent="-171450" algn="l">
+            <a:defRPr sz="1600"/>
+          </a:lvl6pPr>
+          <a:lvl7pPr marL="1028700" indent="-171450" algn="l">
+            <a:defRPr sz="1600"/>
+          </a:lvl7pPr>
+          <a:lvl8pPr marL="1200150" indent="-171450" algn="l">
+            <a:defRPr sz="1600"/>
+          </a:lvl8pPr>
+          <a:lvl9pPr marL="1371600" indent="-171450" algn="l">
+            <a:defRPr sz="1600"/>
+          </a:lvl9pPr>
+        </a:lstStyle>
+        <a:p>
+          <a:pPr lvl="1">
+            <a:lnSpc>
+              <a:spcPct val="100000"/>
+            </a:lnSpc>
+            <a:spcBef>
+              <a:spcPct val="0"/>
+            </a:spcBef>
+            <a:spcAft>
+              <a:spcPct val="15000"/>
+            </a:spcAft>
+            <a:buChar char="•"/>
+          </a:pPr>
+          <a:r>
+            <a:rPr lang="" altLang="en-US">
+              <a:solidFill>
+                <a:schemeClr val="dk1"/>
+              </a:solidFill>
+            </a:rPr>
+            <a:t>Elite politik</a:t>
+          </a:r>
+          <a:endParaRPr lang="en-US">
+            <a:solidFill>
+              <a:schemeClr val="dk1"/>
+            </a:solidFill>
+          </a:endParaRPr>
+        </a:p>
+        <a:p>
+          <a:pPr lvl="1">
+            <a:lnSpc>
+              <a:spcPct val="100000"/>
+            </a:lnSpc>
+            <a:spcBef>
+              <a:spcPct val="0"/>
+            </a:spcBef>
+            <a:spcAft>
+              <a:spcPct val="15000"/>
+            </a:spcAft>
+            <a:buChar char="•"/>
+          </a:pPr>
+          <a:r>
+            <a:rPr lang="" altLang="en-US">
+              <a:solidFill>
+                <a:schemeClr val="dk1"/>
+              </a:solidFill>
+            </a:rPr>
+            <a:t>Tokoh</a:t>
+          </a:r>
+          <a:endParaRPr lang="" altLang="en-US">
+            <a:solidFill>
+              <a:schemeClr val="dk1"/>
+            </a:solidFill>
+          </a:endParaRPr>
+        </a:p>
+        <a:p>
+          <a:pPr lvl="1">
+            <a:lnSpc>
+              <a:spcPct val="100000"/>
+            </a:lnSpc>
+            <a:spcBef>
+              <a:spcPct val="0"/>
+            </a:spcBef>
+            <a:spcAft>
+              <a:spcPct val="15000"/>
+            </a:spcAft>
+            <a:buChar char="•"/>
+          </a:pPr>
+          <a:r>
+            <a:rPr lang="" altLang="en-US">
+              <a:solidFill>
+                <a:schemeClr val="dk1"/>
+              </a:solidFill>
+            </a:rPr>
+            <a:t>Contoh: berbagai kasus korupsi</a:t>
+          </a:r>
+          <a:endParaRPr lang="" altLang="en-US">
+            <a:solidFill>
+              <a:schemeClr val="dk1"/>
+            </a:solidFill>
+          </a:endParaRPr>
+        </a:p>
+      </dsp:txBody>
+      <dsp:txXfrm>
+        <a:off x="0" y="1787908"/>
+        <a:ext cx="2234069" cy="1842640"/>
+      </dsp:txXfrm>
+    </dsp:sp>
+    <dsp:sp modelId="{B871E909-CC84-4270-8398-F5F049AEA932}">
+      <dsp:nvSpPr>
+        <dsp:cNvPr id="6" name="Shape 5"/>
+        <dsp:cNvSpPr/>
+      </dsp:nvSpPr>
+      <dsp:spPr bwMode="white">
+        <a:xfrm>
+          <a:off x="1243954" y="2284046"/>
+          <a:ext cx="2465665" cy="2465665"/>
+        </a:xfrm>
+        <a:prstGeom prst="leftCircularArrow">
+          <a:avLst>
+            <a:gd name="adj1" fmla="val 5000"/>
+            <a:gd name="adj2" fmla="val -360000"/>
+            <a:gd name="adj3" fmla="val 2276097"/>
+            <a:gd name="adj4" fmla="val 9165076"/>
+            <a:gd name="adj5" fmla="val 5500"/>
+          </a:avLst>
+        </a:prstGeom>
+      </dsp:spPr>
+      <dsp:style>
+        <a:lnRef idx="0">
+          <a:schemeClr val="accent1">
+            <a:tint val="60000"/>
+          </a:schemeClr>
+        </a:lnRef>
+        <a:fillRef idx="1">
+          <a:schemeClr val="accent1">
+            <a:tint val="60000"/>
+          </a:schemeClr>
+        </a:fillRef>
+        <a:effectRef idx="0">
+          <a:scrgbClr r="0" g="0" b="0"/>
+        </a:effectRef>
+        <a:fontRef idx="minor">
+          <a:schemeClr val="lt1"/>
+        </a:fontRef>
+      </dsp:style>
+      <dsp:txXfrm>
+        <a:off x="1243954" y="2284046"/>
+        <a:ext cx="2465665" cy="2465665"/>
+      </dsp:txXfrm>
+    </dsp:sp>
+    <dsp:sp modelId="{50F89035-D090-4CAD-827E-5FE864D0CC7D}">
+      <dsp:nvSpPr>
+        <dsp:cNvPr id="5" name="Rounded Rectangle 4"/>
+        <dsp:cNvSpPr/>
+      </dsp:nvSpPr>
+      <dsp:spPr bwMode="white">
+        <a:xfrm>
+          <a:off x="496460" y="3235696"/>
+          <a:ext cx="1985839" cy="789703"/>
+        </a:xfrm>
+        <a:prstGeom prst="roundRect">
+          <a:avLst>
+            <a:gd name="adj" fmla="val 10000"/>
+          </a:avLst>
+        </a:prstGeom>
+      </dsp:spPr>
+      <dsp:style>
+        <a:lnRef idx="2">
+          <a:schemeClr val="lt1"/>
+        </a:lnRef>
+        <a:fillRef idx="1">
+          <a:schemeClr val="accent1"/>
+        </a:fillRef>
+        <a:effectRef idx="0">
+          <a:scrgbClr r="0" g="0" b="0"/>
+        </a:effectRef>
+        <a:fontRef idx="minor">
+          <a:schemeClr val="lt1"/>
+        </a:fontRef>
+      </dsp:style>
+      <dsp:txBody>
+        <a:bodyPr vert="horz" wrap="square" lIns="34290" tIns="22860" rIns="34290" bIns="22860" anchor="ctr"/>
+        <a:lstStyle>
+          <a:lvl1pPr algn="ctr">
+            <a:defRPr sz="1800"/>
+          </a:lvl1pPr>
+          <a:lvl2pPr marL="114300" indent="-114300" algn="ctr">
+            <a:defRPr sz="1400"/>
+          </a:lvl2pPr>
+          <a:lvl3pPr marL="228600" indent="-114300" algn="ctr">
+            <a:defRPr sz="1400"/>
+          </a:lvl3pPr>
+          <a:lvl4pPr marL="342900" indent="-114300" algn="ctr">
+            <a:defRPr sz="1400"/>
+          </a:lvl4pPr>
+          <a:lvl5pPr marL="457200" indent="-114300" algn="ctr">
+            <a:defRPr sz="1400"/>
+          </a:lvl5pPr>
+          <a:lvl6pPr marL="571500" indent="-114300" algn="ctr">
+            <a:defRPr sz="1400"/>
+          </a:lvl6pPr>
+          <a:lvl7pPr marL="685800" indent="-114300" algn="ctr">
+            <a:defRPr sz="1400"/>
+          </a:lvl7pPr>
+          <a:lvl8pPr marL="800100" indent="-114300" algn="ctr">
+            <a:defRPr sz="1400"/>
+          </a:lvl8pPr>
+          <a:lvl9pPr marL="914400" indent="-114300" algn="ctr">
+            <a:defRPr sz="1400"/>
+          </a:lvl9pPr>
+        </a:lstStyle>
+        <a:p>
+          <a:pPr lvl="0">
+            <a:lnSpc>
+              <a:spcPct val="100000"/>
+            </a:lnSpc>
+            <a:spcBef>
+              <a:spcPct val="0"/>
+            </a:spcBef>
+            <a:spcAft>
+              <a:spcPct val="35000"/>
+            </a:spcAft>
+          </a:pPr>
+          <a:r>
+            <a:rPr lang="" altLang="en-US"/>
+            <a:t>Mempertontonkan penyimpangan</a:t>
+          </a:r>
+          <a:endParaRPr lang="" altLang="en-US"/>
+        </a:p>
+      </dsp:txBody>
+      <dsp:txXfrm>
+        <a:off x="496460" y="3235696"/>
+        <a:ext cx="1985839" cy="789703"/>
+      </dsp:txXfrm>
+    </dsp:sp>
+    <dsp:sp modelId="{8C4A7715-D8F8-4D2B-94CE-98F25CB35172}">
+      <dsp:nvSpPr>
+        <dsp:cNvPr id="8" name="Rounded Rectangle 7"/>
+        <dsp:cNvSpPr/>
+      </dsp:nvSpPr>
+      <dsp:spPr bwMode="white">
+        <a:xfrm>
+          <a:off x="2748382" y="1732628"/>
+          <a:ext cx="2368113" cy="1953198"/>
+        </a:xfrm>
+        <a:prstGeom prst="roundRect">
+          <a:avLst>
+            <a:gd name="adj" fmla="val 10000"/>
+          </a:avLst>
+        </a:prstGeom>
+      </dsp:spPr>
+      <dsp:style>
+        <a:lnRef idx="2">
+          <a:schemeClr val="accent1"/>
+        </a:lnRef>
+        <a:fillRef idx="1">
+          <a:schemeClr val="lt1">
+            <a:alpha val="90000"/>
+          </a:schemeClr>
+        </a:fillRef>
+        <a:effectRef idx="0">
+          <a:scrgbClr r="0" g="0" b="0"/>
+        </a:effectRef>
+        <a:fontRef idx="minor"/>
+      </dsp:style>
+      <dsp:txBody>
+        <a:bodyPr vert="horz" wrap="square" lIns="30480" tIns="30480" rIns="30480" bIns="30480" anchor="t"/>
+        <a:lstStyle>
+          <a:lvl1pPr algn="l">
+            <a:defRPr sz="1600"/>
+          </a:lvl1pPr>
+          <a:lvl2pPr marL="171450" indent="-171450" algn="l">
+            <a:defRPr sz="1600"/>
+          </a:lvl2pPr>
+          <a:lvl3pPr marL="342900" indent="-171450" algn="l">
+            <a:defRPr sz="1600"/>
+          </a:lvl3pPr>
+          <a:lvl4pPr marL="514350" indent="-171450" algn="l">
+            <a:defRPr sz="1600"/>
+          </a:lvl4pPr>
+          <a:lvl5pPr marL="685800" indent="-171450" algn="l">
+            <a:defRPr sz="1600"/>
+          </a:lvl5pPr>
+          <a:lvl6pPr marL="857250" indent="-171450" algn="l">
+            <a:defRPr sz="1600"/>
+          </a:lvl6pPr>
+          <a:lvl7pPr marL="1028700" indent="-171450" algn="l">
+            <a:defRPr sz="1600"/>
+          </a:lvl7pPr>
+          <a:lvl8pPr marL="1200150" indent="-171450" algn="l">
+            <a:defRPr sz="1600"/>
+          </a:lvl8pPr>
+          <a:lvl9pPr marL="1371600" indent="-171450" algn="l">
+            <a:defRPr sz="1600"/>
+          </a:lvl9pPr>
+        </a:lstStyle>
+        <a:p>
+          <a:pPr lvl="1">
+            <a:lnSpc>
+              <a:spcPct val="100000"/>
+            </a:lnSpc>
+            <a:spcBef>
+              <a:spcPct val="0"/>
+            </a:spcBef>
+            <a:spcAft>
+              <a:spcPct val="15000"/>
+            </a:spcAft>
+            <a:buChar char="•"/>
+          </a:pPr>
+          <a:r>
+            <a:rPr lang="" altLang="en-US">
+              <a:solidFill>
+                <a:schemeClr val="dk1"/>
+              </a:solidFill>
+            </a:rPr>
+            <a:t>Masyarakat</a:t>
+          </a:r>
+          <a:endParaRPr lang="en-US">
+            <a:solidFill>
+              <a:schemeClr val="dk1"/>
+            </a:solidFill>
+          </a:endParaRPr>
+        </a:p>
+      </dsp:txBody>
+      <dsp:txXfrm>
+        <a:off x="2748382" y="1732628"/>
+        <a:ext cx="2368113" cy="1953198"/>
+      </dsp:txXfrm>
+    </dsp:sp>
+    <dsp:sp modelId="{FB15DAFD-B404-4CB3-9791-947A7CB3C00D}">
+      <dsp:nvSpPr>
+        <dsp:cNvPr id="10" name="Circular Arrow 9"/>
+        <dsp:cNvSpPr/>
+      </dsp:nvSpPr>
+      <dsp:spPr bwMode="white">
+        <a:xfrm>
+          <a:off x="3999675" y="573270"/>
+          <a:ext cx="2809845" cy="2809845"/>
+        </a:xfrm>
+        <a:prstGeom prst="circularArrow">
+          <a:avLst>
+            <a:gd name="adj1" fmla="val 5000"/>
+            <a:gd name="adj2" fmla="val 360000"/>
+            <a:gd name="adj3" fmla="val 19587847"/>
+            <a:gd name="adj4" fmla="val 12698869"/>
+            <a:gd name="adj5" fmla="val 5500"/>
+          </a:avLst>
+        </a:prstGeom>
+      </dsp:spPr>
+      <dsp:style>
+        <a:lnRef idx="0">
+          <a:schemeClr val="accent1">
+            <a:tint val="60000"/>
+          </a:schemeClr>
+        </a:lnRef>
+        <a:fillRef idx="1">
+          <a:schemeClr val="accent1">
+            <a:tint val="60000"/>
+          </a:schemeClr>
+        </a:fillRef>
+        <a:effectRef idx="0">
+          <a:scrgbClr r="0" g="0" b="0"/>
+        </a:effectRef>
+        <a:fontRef idx="minor">
+          <a:schemeClr val="lt1"/>
+        </a:fontRef>
+      </dsp:style>
+      <dsp:txXfrm>
+        <a:off x="3999675" y="573270"/>
+        <a:ext cx="2809845" cy="2809845"/>
+      </dsp:txXfrm>
+    </dsp:sp>
+    <dsp:sp modelId="{D48BF050-6660-4D4F-AF7C-757C782402D6}">
+      <dsp:nvSpPr>
+        <dsp:cNvPr id="9" name="Rounded Rectangle 8"/>
+        <dsp:cNvSpPr/>
+      </dsp:nvSpPr>
+      <dsp:spPr bwMode="white">
+        <a:xfrm>
+          <a:off x="3274629" y="1314086"/>
+          <a:ext cx="2104989" cy="837085"/>
+        </a:xfrm>
+        <a:prstGeom prst="roundRect">
+          <a:avLst>
+            <a:gd name="adj" fmla="val 10000"/>
+          </a:avLst>
+        </a:prstGeom>
+      </dsp:spPr>
+      <dsp:style>
+        <a:lnRef idx="2">
+          <a:schemeClr val="lt1"/>
+        </a:lnRef>
+        <a:fillRef idx="1">
+          <a:schemeClr val="accent1"/>
+        </a:fillRef>
+        <a:effectRef idx="0">
+          <a:scrgbClr r="0" g="0" b="0"/>
+        </a:effectRef>
+        <a:fontRef idx="minor">
+          <a:schemeClr val="lt1"/>
+        </a:fontRef>
+      </dsp:style>
+      <dsp:txBody>
+        <a:bodyPr vert="horz" wrap="square" lIns="34290" tIns="22860" rIns="34290" bIns="22860" anchor="ctr"/>
+        <a:lstStyle>
+          <a:lvl1pPr algn="ctr">
+            <a:defRPr sz="1800"/>
+          </a:lvl1pPr>
+          <a:lvl2pPr marL="114300" indent="-114300" algn="ctr">
+            <a:defRPr sz="1400"/>
+          </a:lvl2pPr>
+          <a:lvl3pPr marL="228600" indent="-114300" algn="ctr">
+            <a:defRPr sz="1400"/>
+          </a:lvl3pPr>
+          <a:lvl4pPr marL="342900" indent="-114300" algn="ctr">
+            <a:defRPr sz="1400"/>
+          </a:lvl4pPr>
+          <a:lvl5pPr marL="457200" indent="-114300" algn="ctr">
+            <a:defRPr sz="1400"/>
+          </a:lvl5pPr>
+          <a:lvl6pPr marL="571500" indent="-114300" algn="ctr">
+            <a:defRPr sz="1400"/>
+          </a:lvl6pPr>
+          <a:lvl7pPr marL="685800" indent="-114300" algn="ctr">
+            <a:defRPr sz="1400"/>
+          </a:lvl7pPr>
+          <a:lvl8pPr marL="800100" indent="-114300" algn="ctr">
+            <a:defRPr sz="1400"/>
+          </a:lvl8pPr>
+          <a:lvl9pPr marL="914400" indent="-114300" algn="ctr">
+            <a:defRPr sz="1400"/>
+          </a:lvl9pPr>
+        </a:lstStyle>
+        <a:p>
+          <a:pPr lvl="0">
+            <a:lnSpc>
+              <a:spcPct val="100000"/>
+            </a:lnSpc>
+            <a:spcBef>
+              <a:spcPct val="0"/>
+            </a:spcBef>
+            <a:spcAft>
+              <a:spcPct val="35000"/>
+            </a:spcAft>
+          </a:pPr>
+          <a:r>
+            <a:rPr lang="" altLang="en-US"/>
+            <a:t>Sistem nilai rusak</a:t>
+          </a:r>
+          <a:endParaRPr lang="" altLang="en-US"/>
+        </a:p>
+      </dsp:txBody>
+      <dsp:txXfrm>
+        <a:off x="3274629" y="1314086"/>
+        <a:ext cx="2104989" cy="837085"/>
+      </dsp:txXfrm>
+    </dsp:sp>
+    <dsp:sp modelId="{0428F0A0-98D5-457A-BE43-28F46915FA56}">
+      <dsp:nvSpPr>
+        <dsp:cNvPr id="12" name="Rounded Rectangle 11"/>
+        <dsp:cNvSpPr/>
+      </dsp:nvSpPr>
+      <dsp:spPr bwMode="white">
+        <a:xfrm>
+          <a:off x="5645701" y="1787908"/>
+          <a:ext cx="2234069" cy="1842640"/>
+        </a:xfrm>
+        <a:prstGeom prst="roundRect">
+          <a:avLst>
+            <a:gd name="adj" fmla="val 10000"/>
+          </a:avLst>
+        </a:prstGeom>
+      </dsp:spPr>
+      <dsp:style>
+        <a:lnRef idx="2">
+          <a:schemeClr val="accent1"/>
+        </a:lnRef>
+        <a:fillRef idx="1">
+          <a:schemeClr val="lt1">
+            <a:alpha val="90000"/>
+          </a:schemeClr>
+        </a:fillRef>
+        <a:effectRef idx="0">
+          <a:scrgbClr r="0" g="0" b="0"/>
+        </a:effectRef>
+        <a:fontRef idx="minor"/>
+      </dsp:style>
+      <dsp:txBody>
+        <a:bodyPr vert="horz" wrap="square" lIns="30480" tIns="30480" rIns="30480" bIns="30480" anchor="t"/>
+        <a:lstStyle>
+          <a:lvl1pPr algn="l">
+            <a:defRPr sz="1600"/>
+          </a:lvl1pPr>
+          <a:lvl2pPr marL="171450" indent="-171450" algn="l">
+            <a:defRPr sz="1600"/>
+          </a:lvl2pPr>
+          <a:lvl3pPr marL="342900" indent="-171450" algn="l">
+            <a:defRPr sz="1600"/>
+          </a:lvl3pPr>
+          <a:lvl4pPr marL="514350" indent="-171450" algn="l">
+            <a:defRPr sz="1600"/>
+          </a:lvl4pPr>
+          <a:lvl5pPr marL="685800" indent="-171450" algn="l">
+            <a:defRPr sz="1600"/>
+          </a:lvl5pPr>
+          <a:lvl6pPr marL="857250" indent="-171450" algn="l">
+            <a:defRPr sz="1600"/>
+          </a:lvl6pPr>
+          <a:lvl7pPr marL="1028700" indent="-171450" algn="l">
+            <a:defRPr sz="1600"/>
+          </a:lvl7pPr>
+          <a:lvl8pPr marL="1200150" indent="-171450" algn="l">
+            <a:defRPr sz="1600"/>
+          </a:lvl8pPr>
+          <a:lvl9pPr marL="1371600" indent="-171450" algn="l">
+            <a:defRPr sz="1600"/>
+          </a:lvl9pPr>
+        </a:lstStyle>
+        <a:p>
+          <a:pPr lvl="1">
+            <a:lnSpc>
+              <a:spcPct val="100000"/>
+            </a:lnSpc>
+            <a:spcBef>
+              <a:spcPct val="0"/>
+            </a:spcBef>
+            <a:spcAft>
+              <a:spcPct val="15000"/>
+            </a:spcAft>
+            <a:buChar char="•"/>
+          </a:pPr>
+          <a:r>
+            <a:rPr lang="" altLang="en-US">
+              <a:solidFill>
+                <a:schemeClr val="dk1"/>
+              </a:solidFill>
+            </a:rPr>
+            <a:t>Derasnya arus informasi</a:t>
+          </a:r>
+          <a:endParaRPr lang="en-US">
+            <a:solidFill>
+              <a:schemeClr val="dk1"/>
+            </a:solidFill>
+          </a:endParaRPr>
+        </a:p>
+        <a:p>
+          <a:pPr lvl="1">
+            <a:lnSpc>
+              <a:spcPct val="100000"/>
+            </a:lnSpc>
+            <a:spcBef>
+              <a:spcPct val="0"/>
+            </a:spcBef>
+            <a:spcAft>
+              <a:spcPct val="15000"/>
+            </a:spcAft>
+            <a:buChar char="•"/>
+          </a:pPr>
+          <a:r>
+            <a:rPr lang="" altLang="en-US">
+              <a:solidFill>
+                <a:schemeClr val="dk1"/>
+              </a:solidFill>
+            </a:rPr>
+            <a:t>Memperlihatkan contoh buruk</a:t>
+          </a:r>
+          <a:endParaRPr lang="" altLang="en-US">
+            <a:solidFill>
+              <a:schemeClr val="dk1"/>
+            </a:solidFill>
+          </a:endParaRPr>
+        </a:p>
+        <a:p>
+          <a:pPr lvl="1">
+            <a:lnSpc>
+              <a:spcPct val="100000"/>
+            </a:lnSpc>
+            <a:spcBef>
+              <a:spcPct val="0"/>
+            </a:spcBef>
+            <a:spcAft>
+              <a:spcPct val="15000"/>
+            </a:spcAft>
+            <a:buChar char="•"/>
+          </a:pPr>
+          <a:r>
+            <a:rPr lang="" altLang="en-US">
+              <a:solidFill>
+                <a:schemeClr val="dk1"/>
+              </a:solidFill>
+            </a:rPr>
+            <a:t>Tidak diberi sanksi</a:t>
+          </a:r>
+          <a:endParaRPr lang="" altLang="en-US">
+            <a:solidFill>
+              <a:schemeClr val="dk1"/>
+            </a:solidFill>
+          </a:endParaRPr>
+        </a:p>
+      </dsp:txBody>
+      <dsp:txXfrm>
+        <a:off x="5645701" y="1787908"/>
+        <a:ext cx="2234069" cy="1842640"/>
+      </dsp:txXfrm>
+    </dsp:sp>
+    <dsp:sp modelId="{E8647766-AE1D-45F8-B3AB-5EEE3BDE8498}">
+      <dsp:nvSpPr>
+        <dsp:cNvPr id="13" name="Rounded Rectangle 12"/>
+        <dsp:cNvSpPr/>
+      </dsp:nvSpPr>
+      <dsp:spPr bwMode="white">
+        <a:xfrm>
+          <a:off x="6142161" y="3235696"/>
+          <a:ext cx="1985839" cy="789703"/>
+        </a:xfrm>
+        <a:prstGeom prst="roundRect">
+          <a:avLst>
+            <a:gd name="adj" fmla="val 10000"/>
+          </a:avLst>
+        </a:prstGeom>
+      </dsp:spPr>
+      <dsp:style>
+        <a:lnRef idx="2">
+          <a:schemeClr val="lt1"/>
+        </a:lnRef>
+        <a:fillRef idx="1">
+          <a:schemeClr val="accent1"/>
+        </a:fillRef>
+        <a:effectRef idx="0">
+          <a:scrgbClr r="0" g="0" b="0"/>
+        </a:effectRef>
+        <a:fontRef idx="minor">
+          <a:schemeClr val="lt1"/>
+        </a:fontRef>
+      </dsp:style>
+      <dsp:txBody>
+        <a:bodyPr vert="horz" wrap="square" lIns="34290" tIns="22860" rIns="34290" bIns="22860" anchor="ctr"/>
+        <a:lstStyle>
+          <a:lvl1pPr algn="ctr">
+            <a:defRPr sz="1800"/>
+          </a:lvl1pPr>
+          <a:lvl2pPr marL="114300" indent="-114300" algn="ctr">
+            <a:defRPr sz="1400"/>
+          </a:lvl2pPr>
+          <a:lvl3pPr marL="228600" indent="-114300" algn="ctr">
+            <a:defRPr sz="1400"/>
+          </a:lvl3pPr>
+          <a:lvl4pPr marL="342900" indent="-114300" algn="ctr">
+            <a:defRPr sz="1400"/>
+          </a:lvl4pPr>
+          <a:lvl5pPr marL="457200" indent="-114300" algn="ctr">
+            <a:defRPr sz="1400"/>
+          </a:lvl5pPr>
+          <a:lvl6pPr marL="571500" indent="-114300" algn="ctr">
+            <a:defRPr sz="1400"/>
+          </a:lvl6pPr>
+          <a:lvl7pPr marL="685800" indent="-114300" algn="ctr">
+            <a:defRPr sz="1400"/>
+          </a:lvl7pPr>
+          <a:lvl8pPr marL="800100" indent="-114300" algn="ctr">
+            <a:defRPr sz="1400"/>
+          </a:lvl8pPr>
+          <a:lvl9pPr marL="914400" indent="-114300" algn="ctr">
+            <a:defRPr sz="1400"/>
+          </a:lvl9pPr>
+        </a:lstStyle>
+        <a:p>
+          <a:pPr lvl="0">
+            <a:lnSpc>
+              <a:spcPct val="100000"/>
+            </a:lnSpc>
+            <a:spcBef>
+              <a:spcPct val="0"/>
+            </a:spcBef>
+            <a:spcAft>
+              <a:spcPct val="35000"/>
+            </a:spcAft>
+          </a:pPr>
+          <a:r>
+            <a:rPr lang="" altLang="en-US"/>
+            <a:t>Diperkuat</a:t>
+          </a:r>
+          <a:endParaRPr lang="" altLang="en-US"/>
+        </a:p>
+      </dsp:txBody>
+      <dsp:txXfrm>
+        <a:off x="6142161" y="3235696"/>
+        <a:ext cx="1985839" cy="789703"/>
+      </dsp:txXfrm>
+    </dsp:sp>
+    <dsp:sp modelId="{24BEEBBD-4900-44F6-A6F9-3F722A9F3012}">
+      <dsp:nvSpPr>
+        <dsp:cNvPr id="3" name="Rectangle 2" hidden="1"/>
+        <dsp:cNvSpPr/>
+      </dsp:nvSpPr>
+      <dsp:spPr>
+        <a:xfrm>
+          <a:off x="0" y="1393056"/>
+          <a:ext cx="2482299" cy="2632342"/>
+        </a:xfrm>
+        <a:prstGeom prst="rect">
+          <a:avLst/>
+        </a:prstGeom>
+      </dsp:spPr>
+      <dsp:txXfrm>
+        <a:off x="0" y="1393056"/>
+        <a:ext cx="2482299" cy="2632342"/>
+      </dsp:txXfrm>
+    </dsp:sp>
+    <dsp:sp modelId="{8C60EF28-DEE2-471E-9110-F1DE84254762}">
+      <dsp:nvSpPr>
+        <dsp:cNvPr id="7" name="Rectangle 6" hidden="1"/>
+        <dsp:cNvSpPr/>
+      </dsp:nvSpPr>
+      <dsp:spPr>
+        <a:xfrm>
+          <a:off x="2748382" y="1314086"/>
+          <a:ext cx="2631237" cy="2790283"/>
+        </a:xfrm>
+        <a:prstGeom prst="rect">
+          <a:avLst/>
+        </a:prstGeom>
+      </dsp:spPr>
+      <dsp:txXfrm>
+        <a:off x="2748382" y="1314086"/>
+        <a:ext cx="2631237" cy="2790283"/>
+      </dsp:txXfrm>
+    </dsp:sp>
+    <dsp:sp modelId="{020AEDA5-DA09-4A53-AF58-AED2EF90E935}">
+      <dsp:nvSpPr>
+        <dsp:cNvPr id="11" name="Rectangle 10" hidden="1"/>
+        <dsp:cNvSpPr/>
+      </dsp:nvSpPr>
+      <dsp:spPr>
+        <a:xfrm>
+          <a:off x="5645701" y="1393056"/>
+          <a:ext cx="2482299" cy="2632342"/>
+        </a:xfrm>
+        <a:prstGeom prst="rect">
+          <a:avLst/>
+        </a:prstGeom>
+      </dsp:spPr>
+      <dsp:txXfrm>
+        <a:off x="5645701" y="1393056"/>
+        <a:ext cx="2482299" cy="2632342"/>
+      </dsp:txXfrm>
+    </dsp:sp>
+  </dsp:spTree>
+</dsp:drawing>
+</file>
+
+<file path=ppt/diagrams/layout1.xml><?xml version="1.0" encoding="utf-8"?>
+<dgm:layoutDef xmlns:dgm="http://schemas.openxmlformats.org/drawingml/2006/diagram" xmlns:a="http://schemas.openxmlformats.org/drawingml/2006/main" uniqueId="urn:microsoft.com/office/officeart/2005/8/layout/hProcess4">
+  <dgm:title val=""/>
+  <dgm:desc val=""/>
+  <dgm:catLst>
+    <dgm:cat type="process" pri="4000"/>
+  </dgm:catLst>
+  <dgm:sampData>
+    <dgm:dataModel>
+      <dgm:ptLst>
+        <dgm:pt modelId="0" type="doc"/>
+        <dgm:pt modelId="1">
+          <dgm:prSet phldr="1"/>
+        </dgm:pt>
+        <dgm:pt modelId="11">
+          <dgm:prSet phldr="1"/>
+        </dgm:pt>
+        <dgm:pt modelId="12">
+          <dgm:prSet phldr="1"/>
+        </dgm:pt>
+        <dgm:pt modelId="2">
+          <dgm:prSet phldr="1"/>
+        </dgm:pt>
+        <dgm:pt modelId="21">
+          <dgm:prSet phldr="1"/>
+        </dgm:pt>
+        <dgm:pt modelId="22">
+          <dgm:prSet phldr="1"/>
+        </dgm:pt>
+        <dgm:pt modelId="3">
+          <dgm:prSet phldr="1"/>
+        </dgm:pt>
+        <dgm:pt modelId="31">
+          <dgm:prSet phldr="1"/>
+        </dgm:pt>
+        <dgm:pt modelId="32">
+          <dgm:prSet phldr="1"/>
+        </dgm:pt>
+      </dgm:ptLst>
+      <dgm:cxnLst>
+        <dgm:cxn modelId="4" srcId="0" destId="1" srcOrd="0" destOrd="0"/>
+        <dgm:cxn modelId="5" srcId="0" destId="2" srcOrd="1" destOrd="0"/>
+        <dgm:cxn modelId="6" srcId="0" destId="3" srcOrd="2" destOrd="0"/>
+        <dgm:cxn modelId="13" srcId="1" destId="11" srcOrd="0" destOrd="0"/>
+        <dgm:cxn modelId="14" srcId="1" destId="12" srcOrd="1" destOrd="0"/>
+        <dgm:cxn modelId="23" srcId="2" destId="21" srcOrd="0" destOrd="0"/>
+        <dgm:cxn modelId="24" srcId="2" destId="22" srcOrd="1" destOrd="0"/>
+        <dgm:cxn modelId="33" srcId="3" destId="31" srcOrd="0" destOrd="0"/>
+        <dgm:cxn modelId="34" srcId="3" destId="32" srcOrd="1" destOrd="0"/>
+      </dgm:cxnLst>
+      <dgm:bg/>
+      <dgm:whole/>
+    </dgm:dataModel>
+  </dgm:sampData>
+  <dgm:styleData>
+    <dgm:dataModel>
+      <dgm:ptLst>
+        <dgm:pt modelId="0" type="doc">
+          <dgm:prSet qsTypeId="urn:microsoft.com/office/officeart/2005/8/quickstyle/simple5"/>
+        </dgm:pt>
+        <dgm:pt modelId="1"/>
+        <dgm:pt modelId="11"/>
+        <dgm:pt modelId="2"/>
+        <dgm:pt modelId="21"/>
+      </dgm:ptLst>
+      <dgm:cxnLst>
+        <dgm:cxn modelId="4" srcId="0" destId="1" srcOrd="0" destOrd="0"/>
+        <dgm:cxn modelId="5" srcId="0" destId="2" srcOrd="1" destOrd="0"/>
+        <dgm:cxn modelId="13" srcId="1" destId="11" srcOrd="0" destOrd="0"/>
+        <dgm:cxn modelId="23" srcId="2" destId="21" srcOrd="0" destOrd="0"/>
+      </dgm:cxnLst>
+      <dgm:bg/>
+      <dgm:whole/>
+    </dgm:dataModel>
+  </dgm:styleData>
+  <dgm:clrData>
+    <dgm:dataModel>
+      <dgm:ptLst>
+        <dgm:pt modelId="0" type="doc"/>
+        <dgm:pt modelId="1"/>
+        <dgm:pt modelId="11"/>
+        <dgm:pt modelId="2"/>
+        <dgm:pt modelId="21"/>
+        <dgm:pt modelId="3"/>
+        <dgm:pt modelId="31"/>
+        <dgm:pt modelId="4"/>
+        <dgm:pt modelId="41"/>
+      </dgm:ptLst>
+      <dgm:cxnLst>
+        <dgm:cxn modelId="5" srcId="0" destId="1" srcOrd="0" destOrd="0"/>
+        <dgm:cxn modelId="6" srcId="0" destId="2" srcOrd="1" destOrd="0"/>
+        <dgm:cxn modelId="7" srcId="0" destId="3" srcOrd="2" destOrd="0"/>
+        <dgm:cxn modelId="8" srcId="0" destId="4" srcOrd="3" destOrd="0"/>
+        <dgm:cxn modelId="13" srcId="1" destId="11" srcOrd="0" destOrd="0"/>
+        <dgm:cxn modelId="23" srcId="2" destId="21" srcOrd="0" destOrd="0"/>
+        <dgm:cxn modelId="33" srcId="3" destId="31" srcOrd="0" destOrd="0"/>
+        <dgm:cxn modelId="43" srcId="4" destId="41" srcOrd="0" destOrd="0"/>
+      </dgm:cxnLst>
+      <dgm:bg/>
+      <dgm:whole/>
+    </dgm:dataModel>
+  </dgm:clrData>
+  <dgm:layoutNode name="Name0">
+    <dgm:varLst>
+      <dgm:dir/>
+      <dgm:animLvl val="lvl"/>
+      <dgm:resizeHandles val="exact"/>
+    </dgm:varLst>
+    <dgm:alg type="composite"/>
+    <dgm:shape xmlns:r="http://schemas.openxmlformats.org/officeDocument/2006/relationships" r:blip="">
+      <dgm:adjLst/>
+    </dgm:shape>
+    <dgm:presOf/>
+    <dgm:constrLst>
+      <dgm:constr type="w" for="ch" forName="tSp" refType="w"/>
+      <dgm:constr type="h" for="ch" forName="tSp" refType="h" fact="0.15"/>
+      <dgm:constr type="l" for="ch" forName="tSp"/>
+      <dgm:constr type="t" for="ch" forName="tSp"/>
+      <dgm:constr type="w" for="ch" forName="bSp" refType="w"/>
+      <dgm:constr type="h" for="ch" forName="bSp" refType="h" fact="0.15"/>
+      <dgm:constr type="l" for="ch" forName="bSp"/>
+      <dgm:constr type="t" for="ch" forName="bSp" refType="h" fact="0.85"/>
+      <dgm:constr type="w" for="ch" forName="process" refType="w"/>
+      <dgm:constr type="h" for="ch" forName="process" refType="h" fact="0.7"/>
+      <dgm:constr type="l" for="ch" forName="process"/>
+      <dgm:constr type="t" for="ch" forName="process" refType="h" fact="0.15"/>
+    </dgm:constrLst>
+    <dgm:ruleLst/>
+    <dgm:layoutNode name="tSp">
+      <dgm:alg type="sp"/>
+      <dgm:shape xmlns:r="http://schemas.openxmlformats.org/officeDocument/2006/relationships" r:blip="">
+        <dgm:adjLst/>
+      </dgm:shape>
+      <dgm:presOf/>
+      <dgm:constrLst/>
+      <dgm:ruleLst/>
+    </dgm:layoutNode>
+    <dgm:layoutNode name="bSp">
+      <dgm:alg type="sp"/>
+      <dgm:shape xmlns:r="http://schemas.openxmlformats.org/officeDocument/2006/relationships" r:blip="">
+        <dgm:adjLst/>
+      </dgm:shape>
+      <dgm:presOf/>
+      <dgm:constrLst/>
+      <dgm:ruleLst/>
+    </dgm:layoutNode>
+    <dgm:layoutNode name="process">
+      <dgm:choose name="Name1">
+        <dgm:if name="Name2" func="var" arg="dir" op="equ" val="norm">
+          <dgm:alg type="lin">
+            <dgm:param type="linDir" val="fromL"/>
+          </dgm:alg>
+        </dgm:if>
+        <dgm:else name="Name3">
+          <dgm:alg type="lin">
+            <dgm:param type="linDir" val="fromR"/>
+          </dgm:alg>
+        </dgm:else>
+      </dgm:choose>
+      <dgm:shape xmlns:r="http://schemas.openxmlformats.org/officeDocument/2006/relationships" r:blip="">
+        <dgm:adjLst/>
+      </dgm:shape>
+      <dgm:presOf/>
+      <dgm:constrLst>
+        <dgm:constr type="w" for="ch" forName="composite1" refType="w"/>
+        <dgm:constr type="w" for="ch" forName="composite2" refType="w" refFor="ch" refForName="composite1" op="equ"/>
+        <dgm:constr type="h" for="ch" forName="composite1" refType="h"/>
+        <dgm:constr type="h" for="ch" forName="composite2" refType="h" refFor="ch" refForName="composite1" op="equ"/>
+        <dgm:constr type="primFontSz" for="des" forName="parentNode1" val="65"/>
+        <dgm:constr type="primFontSz" for="des" forName="parentNode2" refType="primFontSz" refFor="des" refForName="parentNode1" op="equ"/>
+        <dgm:constr type="secFontSz" for="des" forName="childNode1tx" val="65"/>
+        <dgm:constr type="secFontSz" for="des" forName="childNode2tx" refType="secFontSz" refFor="des" refForName="childNode1tx" op="equ"/>
+        <dgm:constr type="w" for="des" ptType="sibTrans" refType="w" refFor="ch" refForName="composite1" op="equ" fact="0.05"/>
+      </dgm:constrLst>
+      <dgm:ruleLst/>
+      <dgm:forEach name="Name4" axis="ch" ptType="node" step="2">
+        <dgm:layoutNode name="composite1">
+          <dgm:alg type="composite">
+            <dgm:param type="ar" val="0.943"/>
+          </dgm:alg>
+          <dgm:shape xmlns:r="http://schemas.openxmlformats.org/officeDocument/2006/relationships" r:blip="">
+            <dgm:adjLst/>
+          </dgm:shape>
+          <dgm:presOf/>
+          <dgm:choose name="Name5">
+            <dgm:if name="Name6" func="var" arg="dir" op="equ" val="norm">
+              <dgm:constrLst>
+                <dgm:constr type="h" refType="w" fact="1.06"/>
+                <dgm:constr type="w" for="ch" forName="dummyNode1" refType="w"/>
+                <dgm:constr type="h" for="ch" forName="dummyNode1" refType="h"/>
+                <dgm:constr type="t" for="ch" forName="dummyNode1"/>
+                <dgm:constr type="l" for="ch" forName="dummyNode1"/>
+                <dgm:constr type="w" for="ch" forName="childNode1" refType="w" fact="0.9"/>
+                <dgm:constr type="h" for="ch" forName="childNode1" refType="h" fact="0.7"/>
+                <dgm:constr type="t" for="ch" forName="childNode1" refType="h" fact="0.15"/>
+                <dgm:constr type="l" for="ch" forName="childNode1"/>
+                <dgm:constr type="w" for="ch" forName="childNode1tx" refType="w" fact="0.9"/>
+                <dgm:constr type="h" for="ch" forName="childNode1tx" refType="h" fact="0.55"/>
+                <dgm:constr type="t" for="ch" forName="childNode1tx" refType="h" fact="0.15"/>
+                <dgm:constr type="l" for="ch" forName="childNode1tx"/>
+                <dgm:constr type="w" for="ch" forName="parentNode1" refType="w" fact="0.8"/>
+                <dgm:constr type="h" for="ch" forName="parentNode1" refType="h" fact="0.3"/>
+                <dgm:constr type="t" for="ch" forName="parentNode1" refType="h" fact="0.7"/>
+                <dgm:constr type="l" for="ch" forName="parentNode1" refType="w" fact="0.2"/>
+                <dgm:constr type="w" for="ch" forName="connSite1" refType="w" fact="0.01"/>
+                <dgm:constr type="h" for="ch" forName="connSite1" refType="h" fact="0.01"/>
+                <dgm:constr type="t" for="ch" forName="connSite1"/>
+                <dgm:constr type="l" for="ch" forName="connSite1" refType="w" fact="0.35"/>
+              </dgm:constrLst>
+            </dgm:if>
+            <dgm:else name="Name7">
+              <dgm:constrLst>
+                <dgm:constr type="h" refType="w" fact="1.06"/>
+                <dgm:constr type="w" for="ch" forName="dummyNode1" refType="w"/>
+                <dgm:constr type="h" for="ch" forName="dummyNode1" refType="h"/>
+                <dgm:constr type="t" for="ch" forName="dummyNode1"/>
+                <dgm:constr type="l" for="ch" forName="dummyNode1"/>
+                <dgm:constr type="w" for="ch" forName="childNode1" refType="w" fact="0.9"/>
+                <dgm:constr type="h" for="ch" forName="childNode1" refType="h" fact="0.7"/>
+                <dgm:constr type="t" for="ch" forName="childNode1" refType="h" fact="0.15"/>
+                <dgm:constr type="l" for="ch" forName="childNode1" refType="w" fact="0.1"/>
+                <dgm:constr type="w" for="ch" forName="childNode1tx" refType="w" fact="0.9"/>
+                <dgm:constr type="h" for="ch" forName="childNode1tx" refType="h" fact="0.55"/>
+                <dgm:constr type="t" for="ch" forName="childNode1tx" refType="h" fact="0.15"/>
+                <dgm:constr type="l" for="ch" forName="childNode1tx" refType="w" fact="0.1"/>
+                <dgm:constr type="w" for="ch" forName="parentNode1" refType="w" fact="0.8"/>
+                <dgm:constr type="h" for="ch" forName="parentNode1" refType="h" fact="0.3"/>
+                <dgm:constr type="t" for="ch" forName="parentNode1" refType="h" fact="0.7"/>
+                <dgm:constr type="l" for="ch" forName="parentNode1"/>
+                <dgm:constr type="w" for="ch" forName="connSite1" refType="w" fact="0.01"/>
+                <dgm:constr type="h" for="ch" forName="connSite1" refType="h" fact="0.01"/>
+                <dgm:constr type="t" for="ch" forName="connSite1"/>
+                <dgm:constr type="l" for="ch" forName="connSite1" refType="w" fact="0.65"/>
+              </dgm:constrLst>
+            </dgm:else>
+          </dgm:choose>
+          <dgm:ruleLst/>
+          <dgm:layoutNode name="dummyNode1">
+            <dgm:alg type="sp"/>
+            <dgm:shape xmlns:r="http://schemas.openxmlformats.org/officeDocument/2006/relationships" type="rect" r:blip="" hideGeom="1">
+              <dgm:adjLst/>
+            </dgm:shape>
+            <dgm:presOf/>
+            <dgm:constrLst/>
+            <dgm:ruleLst/>
+          </dgm:layoutNode>
+          <dgm:layoutNode name="childNode1" styleLbl="bgAcc1">
+            <dgm:varLst>
+              <dgm:bulletEnabled val="1"/>
+            </dgm:varLst>
+            <dgm:alg type="sp"/>
+            <dgm:shape xmlns:r="http://schemas.openxmlformats.org/officeDocument/2006/relationships" type="roundRect" r:blip="">
+              <dgm:adjLst>
+                <dgm:adj idx="1" val="0.1"/>
+              </dgm:adjLst>
+            </dgm:shape>
+            <dgm:presOf axis="des" ptType="node"/>
+            <dgm:constrLst/>
+            <dgm:ruleLst/>
+          </dgm:layoutNode>
+          <dgm:layoutNode name="childNode1tx" styleLbl="bgAcc1">
+            <dgm:varLst>
+              <dgm:bulletEnabled val="1"/>
+            </dgm:varLst>
+            <dgm:alg type="tx">
+              <dgm:param type="stBulletLvl" val="1"/>
+            </dgm:alg>
+            <dgm:shape xmlns:r="http://schemas.openxmlformats.org/officeDocument/2006/relationships" type="roundRect" r:blip="" hideGeom="1">
+              <dgm:adjLst>
+                <dgm:adj idx="1" val="0.1"/>
+              </dgm:adjLst>
+            </dgm:shape>
+            <dgm:presOf axis="des" ptType="node"/>
+            <dgm:constrLst>
+              <dgm:constr type="secFontSz" val="65"/>
+              <dgm:constr type="primFontSz" refType="secFontSz"/>
+              <dgm:constr type="tMarg" refType="secFontSz" fact="0.15"/>
+              <dgm:constr type="bMarg" refType="secFontSz" fact="0.15"/>
+              <dgm:constr type="lMarg" refType="secFontSz" fact="0.15"/>
+              <dgm:constr type="rMarg" refType="secFontSz" fact="0.15"/>
+            </dgm:constrLst>
+            <dgm:ruleLst>
+              <dgm:rule type="secFontSz" val="5" fact="NaN" max="NaN"/>
+            </dgm:ruleLst>
+          </dgm:layoutNode>
+          <dgm:layoutNode name="parentNode1" styleLbl="node1">
+            <dgm:varLst>
+              <dgm:chMax val="1"/>
+              <dgm:bulletEnabled val="1"/>
+            </dgm:varLst>
+            <dgm:alg type="tx"/>
+            <dgm:shape xmlns:r="http://schemas.openxmlformats.org/officeDocument/2006/relationships" type="roundRect" r:blip="">
+              <dgm:adjLst>
+                <dgm:adj idx="1" val="0.1"/>
+              </dgm:adjLst>
+            </dgm:shape>
+            <dgm:presOf axis="self"/>
+            <dgm:constrLst>
+              <dgm:constr type="tMarg" refType="primFontSz" fact="0.1"/>
+              <dgm:constr type="bMarg" refType="primFontSz" fact="0.1"/>
+              <dgm:constr type="lMarg" refType="primFontSz" fact="0.15"/>
+              <dgm:constr type="rMarg" refType="primFontSz" fact="0.15"/>
+            </dgm:constrLst>
+            <dgm:ruleLst>
+              <dgm:rule type="primFontSz" val="5" fact="NaN" max="NaN"/>
+            </dgm:ruleLst>
+          </dgm:layoutNode>
+          <dgm:layoutNode name="connSite1" moveWith="childNode1">
+            <dgm:alg type="sp"/>
+            <dgm:shape xmlns:r="http://schemas.openxmlformats.org/officeDocument/2006/relationships" r:blip="">
+              <dgm:adjLst/>
+            </dgm:shape>
+            <dgm:presOf/>
+            <dgm:constrLst/>
+            <dgm:ruleLst/>
+          </dgm:layoutNode>
+        </dgm:layoutNode>
+        <dgm:forEach name="Name8" axis="followSib" ptType="sibTrans" cnt="1">
+          <dgm:layoutNode name="Name9">
+            <dgm:alg type="conn">
+              <dgm:param type="srcNode" val="parentNode1"/>
+              <dgm:param type="dstNode" val="connSite2"/>
+              <dgm:param type="connRout" val="curve"/>
+              <dgm:param type="begPts" val="bCtr"/>
+              <dgm:param type="endPts" val="bCtr"/>
+            </dgm:alg>
+            <dgm:shape xmlns:r="http://schemas.openxmlformats.org/officeDocument/2006/relationships" type="conn" r:blip="" zOrderOff="-2">
+              <dgm:adjLst/>
+            </dgm:shape>
+            <dgm:presOf axis="self"/>
+            <dgm:choose name="Name10">
+              <dgm:if name="Name11" func="var" arg="dir" op="equ" val="norm">
+                <dgm:constrLst>
+                  <dgm:constr type="h" refType="w" fact="0.35"/>
+                  <dgm:constr type="wArH" refType="h"/>
+                  <dgm:constr type="hArH" refType="h"/>
+                  <dgm:constr type="connDist"/>
+                  <dgm:constr type="diam" refType="connDist" fact="-1.15"/>
+                  <dgm:constr type="begPad"/>
+                  <dgm:constr type="endPad"/>
+                </dgm:constrLst>
+              </dgm:if>
+              <dgm:else name="Name12">
+                <dgm:constrLst>
+                  <dgm:constr type="h" refType="w" fact="0.35"/>
+                  <dgm:constr type="wArH" refType="h"/>
+                  <dgm:constr type="hArH" refType="h"/>
+                  <dgm:constr type="connDist"/>
+                  <dgm:constr type="diam" refType="connDist" fact="1.15"/>
+                  <dgm:constr type="begPad"/>
+                  <dgm:constr type="endPad"/>
+                </dgm:constrLst>
+              </dgm:else>
+            </dgm:choose>
+            <dgm:ruleLst/>
+          </dgm:layoutNode>
+        </dgm:forEach>
+        <dgm:forEach name="Name13" axis="followSib" ptType="node" cnt="1">
+          <dgm:layoutNode name="composite2">
+            <dgm:alg type="composite">
+              <dgm:param type="ar" val="0.943"/>
+            </dgm:alg>
+            <dgm:shape xmlns:r="http://schemas.openxmlformats.org/officeDocument/2006/relationships" r:blip="">
+              <dgm:adjLst/>
+            </dgm:shape>
+            <dgm:presOf/>
+            <dgm:choose name="Name14">
+              <dgm:if name="Name15" func="var" arg="dir" op="equ" val="norm">
+                <dgm:constrLst>
+                  <dgm:constr type="h" refType="w" fact="1.06"/>
+                  <dgm:constr type="w" for="ch" forName="dummyNode2" refType="w"/>
+                  <dgm:constr type="h" for="ch" forName="dummyNode2" refType="h"/>
+                  <dgm:constr type="t" for="ch" forName="dummyNode2"/>
+                  <dgm:constr type="l" for="ch" forName="dummyNode2"/>
+                  <dgm:constr type="w" for="ch" forName="childNode2" refType="w" fact="0.9"/>
+                  <dgm:constr type="h" for="ch" forName="childNode2" refType="h" fact="0.7"/>
+                  <dgm:constr type="t" for="ch" forName="childNode2" refType="h" fact="0.15"/>
+                  <dgm:constr type="l" for="ch" forName="childNode2"/>
+                  <dgm:constr type="w" for="ch" forName="childNode2tx" refType="w" fact="0.9"/>
+                  <dgm:constr type="h" for="ch" forName="childNode2tx" refType="h" fact="0.55"/>
+                  <dgm:constr type="t" for="ch" forName="childNode2tx" refType="h" fact="0.3"/>
+                  <dgm:constr type="l" for="ch" forName="childNode2tx"/>
+                  <dgm:constr type="w" for="ch" forName="parentNode2" refType="w" fact="0.8"/>
+                  <dgm:constr type="h" for="ch" forName="parentNode2" refType="h" fact="0.3"/>
+                  <dgm:constr type="t" for="ch" forName="parentNode2"/>
+                  <dgm:constr type="l" for="ch" forName="parentNode2" refType="w" fact="0.2"/>
+                  <dgm:constr type="w" for="ch" forName="connSite2" refType="w" fact="0.01"/>
+                  <dgm:constr type="h" for="ch" forName="connSite2" refType="h" fact="0.01"/>
+                  <dgm:constr type="t" for="ch" forName="connSite2" refType="h" fact="0.99"/>
+                  <dgm:constr type="l" for="ch" forName="connSite2" refType="w" fact="0.25"/>
+                </dgm:constrLst>
+              </dgm:if>
+              <dgm:else name="Name16">
+                <dgm:constrLst>
+                  <dgm:constr type="h" refType="w" fact="1.06"/>
+                  <dgm:constr type="w" for="ch" forName="dummyNode2" refType="w"/>
+                  <dgm:constr type="h" for="ch" forName="dummyNode2" refType="h"/>
+                  <dgm:constr type="t" for="ch" forName="dummyNode2"/>
+                  <dgm:constr type="l" for="ch" forName="dummyNode2"/>
+                  <dgm:constr type="w" for="ch" forName="childNode2" refType="w" fact="0.9"/>
+                  <dgm:constr type="h" for="ch" forName="childNode2" refType="h" fact="0.7"/>
+                  <dgm:constr type="t" for="ch" forName="childNode2" refType="h" fact="0.15"/>
+                  <dgm:constr type="l" for="ch" forName="childNode2" refType="w" fact="0.1"/>
+                  <dgm:constr type="w" for="ch" forName="childNode2tx" refType="w" fact="0.9"/>
+                  <dgm:constr type="h" for="ch" forName="childNode2tx" refType="h" fact="0.55"/>
+                  <dgm:constr type="t" for="ch" forName="childNode2tx" refType="h" fact="0.3"/>
+                  <dgm:constr type="l" for="ch" forName="childNode2tx" refType="w" fact="0.1"/>
+                  <dgm:constr type="w" for="ch" forName="parentNode2" refType="w" fact="0.8"/>
+                  <dgm:constr type="h" for="ch" forName="parentNode2" refType="h" fact="0.3"/>
+                  <dgm:constr type="t" for="ch" forName="parentNode2"/>
+                  <dgm:constr type="l" for="ch" forName="parentNode2"/>
+                  <dgm:constr type="w" for="ch" forName="connSite2" refType="w" fact="0.01"/>
+                  <dgm:constr type="h" for="ch" forName="connSite2" refType="h" fact="0.01"/>
+                  <dgm:constr type="t" for="ch" forName="connSite2" refType="h" fact="0.99"/>
+                  <dgm:constr type="l" for="ch" forName="connSite2" refType="w" fact="0.85"/>
+                </dgm:constrLst>
+              </dgm:else>
+            </dgm:choose>
+            <dgm:ruleLst/>
+            <dgm:layoutNode name="dummyNode2">
+              <dgm:alg type="sp"/>
+              <dgm:shape xmlns:r="http://schemas.openxmlformats.org/officeDocument/2006/relationships" type="rect" r:blip="" hideGeom="1">
+                <dgm:adjLst/>
+              </dgm:shape>
+              <dgm:presOf/>
+              <dgm:constrLst/>
+              <dgm:ruleLst/>
+            </dgm:layoutNode>
+            <dgm:layoutNode name="childNode2" styleLbl="bgAcc1">
+              <dgm:varLst>
+                <dgm:bulletEnabled val="1"/>
+              </dgm:varLst>
+              <dgm:alg type="sp"/>
+              <dgm:shape xmlns:r="http://schemas.openxmlformats.org/officeDocument/2006/relationships" type="roundRect" r:blip="">
+                <dgm:adjLst>
+                  <dgm:adj idx="1" val="0.1"/>
+                </dgm:adjLst>
+              </dgm:shape>
+              <dgm:presOf axis="des" ptType="node"/>
+              <dgm:constrLst/>
+              <dgm:ruleLst/>
+            </dgm:layoutNode>
+            <dgm:layoutNode name="childNode2tx" styleLbl="bgAcc1">
+              <dgm:varLst>
+                <dgm:bulletEnabled val="1"/>
+              </dgm:varLst>
+              <dgm:alg type="tx">
+                <dgm:param type="stBulletLvl" val="1"/>
+              </dgm:alg>
+              <dgm:shape xmlns:r="http://schemas.openxmlformats.org/officeDocument/2006/relationships" type="roundRect" r:blip="" hideGeom="1">
+                <dgm:adjLst>
+                  <dgm:adj idx="1" val="0.1"/>
+                </dgm:adjLst>
+              </dgm:shape>
+              <dgm:presOf axis="des" ptType="node"/>
+              <dgm:constrLst>
+                <dgm:constr type="secFontSz" val="65"/>
+                <dgm:constr type="primFontSz" refType="secFontSz"/>
+                <dgm:constr type="tMarg" refType="secFontSz" fact="0.15"/>
+                <dgm:constr type="bMarg" refType="secFontSz" fact="0.15"/>
+                <dgm:constr type="lMarg" refType="secFontSz" fact="0.15"/>
+                <dgm:constr type="rMarg" refType="secFontSz" fact="0.15"/>
+              </dgm:constrLst>
+              <dgm:ruleLst>
+                <dgm:rule type="secFontSz" val="5" fact="NaN" max="NaN"/>
+              </dgm:ruleLst>
+            </dgm:layoutNode>
+            <dgm:layoutNode name="parentNode2" styleLbl="node1">
+              <dgm:varLst>
+                <dgm:chMax val="0"/>
+                <dgm:bulletEnabled val="1"/>
+              </dgm:varLst>
+              <dgm:alg type="tx"/>
+              <dgm:shape xmlns:r="http://schemas.openxmlformats.org/officeDocument/2006/relationships" type="roundRect" r:blip="">
+                <dgm:adjLst>
+                  <dgm:adj idx="1" val="0.1"/>
+                </dgm:adjLst>
+              </dgm:shape>
+              <dgm:presOf axis="self"/>
+              <dgm:constrLst>
+                <dgm:constr type="tMarg" refType="primFontSz" fact="0.1"/>
+                <dgm:constr type="bMarg" refType="primFontSz" fact="0.1"/>
+                <dgm:constr type="lMarg" refType="primFontSz" fact="0.15"/>
+                <dgm:constr type="rMarg" refType="primFontSz" fact="0.15"/>
+              </dgm:constrLst>
+              <dgm:ruleLst>
+                <dgm:rule type="primFontSz" val="5" fact="NaN" max="NaN"/>
+              </dgm:ruleLst>
+            </dgm:layoutNode>
+            <dgm:layoutNode name="connSite2" moveWith="childNode2">
+              <dgm:alg type="sp"/>
+              <dgm:shape xmlns:r="http://schemas.openxmlformats.org/officeDocument/2006/relationships" r:blip="">
+                <dgm:adjLst/>
+              </dgm:shape>
+              <dgm:presOf/>
+              <dgm:constrLst/>
+              <dgm:ruleLst/>
+            </dgm:layoutNode>
+          </dgm:layoutNode>
+          <dgm:forEach name="Name17" axis="followSib" ptType="sibTrans" cnt="1">
+            <dgm:layoutNode name="Name18">
+              <dgm:alg type="conn">
+                <dgm:param type="srcNode" val="parentNode2"/>
+                <dgm:param type="dstNode" val="connSite1"/>
+                <dgm:param type="connRout" val="curve"/>
+                <dgm:param type="begPts" val="tCtr"/>
+                <dgm:param type="endPts" val="tCtr"/>
+              </dgm:alg>
+              <dgm:shape xmlns:r="http://schemas.openxmlformats.org/officeDocument/2006/relationships" type="conn" r:blip="" zOrderOff="-2">
+                <dgm:adjLst/>
+              </dgm:shape>
+              <dgm:presOf axis="self"/>
+              <dgm:choose name="Name19">
+                <dgm:if name="Name20" func="var" arg="dir" op="equ" val="norm">
+                  <dgm:constrLst>
+                    <dgm:constr type="h" refType="w" fact="0.35"/>
+                    <dgm:constr type="wArH" refType="h"/>
+                    <dgm:constr type="hArH" refType="h"/>
+                    <dgm:constr type="connDist"/>
+                    <dgm:constr type="diam" refType="connDist" fact="1.15"/>
+                    <dgm:constr type="begPad"/>
+                    <dgm:constr type="endPad"/>
+                  </dgm:constrLst>
+                </dgm:if>
+                <dgm:else name="Name21">
+                  <dgm:constrLst>
+                    <dgm:constr type="h" refType="w" fact="0.35"/>
+                    <dgm:constr type="wArH" refType="h"/>
+                    <dgm:constr type="hArH" refType="h"/>
+                    <dgm:constr type="connDist"/>
+                    <dgm:constr type="diam" refType="connDist" fact="-1.15"/>
+                    <dgm:constr type="begPad"/>
+                    <dgm:constr type="endPad"/>
+                  </dgm:constrLst>
+                </dgm:else>
+              </dgm:choose>
+              <dgm:ruleLst/>
+            </dgm:layoutNode>
+          </dgm:forEach>
+        </dgm:forEach>
+      </dgm:forEach>
+    </dgm:layoutNode>
+  </dgm:layoutNode>
+</dgm:layoutDef>
+</file>
+
+<file path=ppt/diagrams/quickStyle1.xml><?xml version="1.0" encoding="utf-8"?>
+<dgm:styleDef xmlns:dgm="http://schemas.openxmlformats.org/drawingml/2006/diagram" xmlns:a="http://schemas.openxmlformats.org/drawingml/2006/main" uniqueId="urn:microsoft.com/office/officeart/2005/8/quickstyle/simple1">
+  <dgm:title val=""/>
+  <dgm:desc val=""/>
+  <dgm:catLst>
+    <dgm:cat type="simple" pri="10100"/>
+  </dgm:catLst>
+  <dgm:scene3d>
+    <a:camera prst="orthographicFront"/>
+    <a:lightRig rig="threePt" dir="t"/>
+  </dgm:scene3d>
+  <dgm:styleLbl name="alignAcc1">
+    <dgm:scene3d>
+      <a:camera prst="orthographicFront"/>
+      <a:lightRig rig="threePt" dir="t"/>
+    </dgm:scene3d>
+    <dgm:txPr/>
+    <dgm:style>
+      <a:lnRef idx="2">
+        <a:scrgbClr r="0" g="0" b="0"/>
+      </a:lnRef>
+      <a:fillRef idx="1">
+        <a:scrgbClr r="0" g="0" b="0"/>
+      </a:fillRef>
+      <a:effectRef idx="0">
+        <a:scrgbClr r="0" g="0" b="0"/>
+      </a:effectRef>
+      <a:fontRef idx="minor"/>
+    </dgm:style>
+  </dgm:styleLbl>
+  <dgm:styleLbl name="alignAccFollowNode1">
+    <dgm:scene3d>
+      <a:camera prst="orthographicFront"/>
+      <a:lightRig rig="threePt" dir="t"/>
+    </dgm:scene3d>
+    <dgm:txPr/>
+    <dgm:style>
+      <a:lnRef idx="2">
+        <a:scrgbClr r="0" g="0" b="0"/>
+      </a:lnRef>
+      <a:fillRef idx="1">
+        <a:scrgbClr r="0" g="0" b="0"/>
+      </a:fillRef>
+      <a:effectRef idx="0">
+        <a:scrgbClr r="0" g="0" b="0"/>
+      </a:effectRef>
+      <a:fontRef idx="minor"/>
+    </dgm:style>
+  </dgm:styleLbl>
+  <dgm:styleLbl name="alignImgPlace1">
+    <dgm:scene3d>
+      <a:camera prst="orthographicFront"/>
+      <a:lightRig rig="threePt" dir="t"/>
+    </dgm:scene3d>
+    <dgm:txPr/>
+    <dgm:style>
+      <a:lnRef idx="2">
+        <a:scrgbClr r="0" g="0" b="0"/>
+      </a:lnRef>
+      <a:fillRef idx="1">
+        <a:scrgbClr r="0" g="0" b="0"/>
+      </a:fillRef>
+      <a:effectRef idx="0">
+        <a:scrgbClr r="0" g="0" b="0"/>
+      </a:effectRef>
+      <a:fontRef idx="minor"/>
+    </dgm:style>
+  </dgm:styleLbl>
+  <dgm:styleLbl name="alignNode1">
+    <dgm:scene3d>
+      <a:camera prst="orthographicFront"/>
+      <a:lightRig rig="threePt" dir="t"/>
+    </dgm:scene3d>
+    <dgm:txPr/>
+    <dgm:style>
+      <a:lnRef idx="2">
+        <a:scrgbClr r="0" g="0" b="0"/>
+      </a:lnRef>
+      <a:fillRef idx="1">
+        <a:scrgbClr r="0" g="0" b="0"/>
+      </a:fillRef>
+      <a:effectRef idx="0">
+        <a:scrgbClr r="0" g="0" b="0"/>
+      </a:effectRef>
+      <a:fontRef idx="minor">
+        <a:schemeClr val="lt1"/>
+      </a:fontRef>
+    </dgm:style>
+  </dgm:styleLbl>
+  <dgm:styleLbl name="asst0">
+    <dgm:scene3d>
+      <a:camera prst="orthographicFront"/>
+      <a:lightRig rig="threePt" dir="t"/>
+    </dgm:scene3d>
+    <dgm:txPr/>
+    <dgm:style>
+      <a:lnRef idx="2">
+        <a:scrgbClr r="0" g="0" b="0"/>
+      </a:lnRef>
+      <a:fillRef idx="1">
+        <a:scrgbClr r="0" g="0" b="0"/>
+      </a:fillRef>
+      <a:effectRef idx="0">
+        <a:scrgbClr r="0" g="0" b="0"/>
+      </a:effectRef>
+      <a:fontRef idx="minor">
+        <a:schemeClr val="lt1"/>
+      </a:fontRef>
+    </dgm:style>
+  </dgm:styleLbl>
+  <dgm:styleLbl name="asst1">
+    <dgm:scene3d>
+      <a:camera prst="orthographicFront"/>
+      <a:lightRig rig="threePt" dir="t"/>
+    </dgm:scene3d>
+    <dgm:txPr/>
+    <dgm:style>
+      <a:lnRef idx="2">
+        <a:scrgbClr r="0" g="0" b="0"/>
+      </a:lnRef>
+      <a:fillRef idx="1">
+        <a:scrgbClr r="0" g="0" b="0"/>
+      </a:fillRef>
+      <a:effectRef idx="0">
+        <a:scrgbClr r="0" g="0" b="0"/>
+      </a:effectRef>
+      <a:fontRef idx="minor">
+        <a:schemeClr val="lt1"/>
+      </a:fontRef>
+    </dgm:style>
+  </dgm:styleLbl>
+  <dgm:styleLbl name="asst2">
+    <dgm:scene3d>
+      <a:camera prst="orthographicFront"/>
+      <a:lightRig rig="threePt" dir="t"/>
+    </dgm:scene3d>
+    <dgm:txPr/>
+    <dgm:style>
+      <a:lnRef idx="2">
+        <a:scrgbClr r="0" g="0" b="0"/>
+      </a:lnRef>
+      <a:fillRef idx="1">
+        <a:scrgbClr r="0" g="0" b="0"/>
+      </a:fillRef>
+      <a:effectRef idx="0">
+        <a:scrgbClr r="0" g="0" b="0"/>
+      </a:effectRef>
+      <a:fontRef idx="minor">
+        <a:schemeClr val="lt1"/>
+      </a:fontRef>
+    </dgm:style>
+  </dgm:styleLbl>
+  <dgm:styleLbl name="asst3">
+    <dgm:scene3d>
+      <a:camera prst="orthographicFront"/>
+      <a:lightRig rig="threePt" dir="t"/>
+    </dgm:scene3d>
+    <dgm:txPr/>
+    <dgm:style>
+      <a:lnRef idx="2">
+        <a:scrgbClr r="0" g="0" b="0"/>
+      </a:lnRef>
+      <a:fillRef idx="1">
+        <a:scrgbClr r="0" g="0" b="0"/>
+      </a:fillRef>
+      <a:effectRef idx="0">
+        <a:scrgbClr r="0" g="0" b="0"/>
+      </a:effectRef>
+      <a:fontRef idx="minor">
+        <a:schemeClr val="lt1"/>
+      </a:fontRef>
+    </dgm:style>
+  </dgm:styleLbl>
+  <dgm:styleLbl name="asst4">
+    <dgm:scene3d>
+      <a:camera prst="orthographicFront"/>
+      <a:lightRig rig="threePt" dir="t"/>
+    </dgm:scene3d>
+    <dgm:txPr/>
+    <dgm:style>
+      <a:lnRef idx="2">
+        <a:scrgbClr r="0" g="0" b="0"/>
+      </a:lnRef>
+      <a:fillRef idx="1">
+        <a:scrgbClr r="0" g="0" b="0"/>
+      </a:fillRef>
+      <a:effectRef idx="0">
+        <a:scrgbClr r="0" g="0" b="0"/>
+      </a:effectRef>
+      <a:fontRef idx="minor">
+        <a:schemeClr val="lt1"/>
+      </a:fontRef>
+    </dgm:style>
+  </dgm:styleLbl>
+  <dgm:styleLbl name="bgAcc1">
+    <dgm:scene3d>
+      <a:camera prst="orthographicFront"/>
+      <a:lightRig rig="threePt" dir="t"/>
+    </dgm:scene3d>
+    <dgm:txPr/>
+    <dgm:style>
+      <a:lnRef idx="2">
+        <a:scrgbClr r="0" g="0" b="0"/>
+      </a:lnRef>
+      <a:fillRef idx="1">
+        <a:scrgbClr r="0" g="0" b="0"/>
+      </a:fillRef>
+      <a:effectRef idx="0">
+        <a:scrgbClr r="0" g="0" b="0"/>
+      </a:effectRef>
+      <a:fontRef idx="minor"/>
+    </dgm:style>
+  </dgm:styleLbl>
+  <dgm:styleLbl name="bgAccFollowNode1">
+    <dgm:scene3d>
+      <a:camera prst="orthographicFront"/>
+      <a:lightRig rig="threePt" dir="t"/>
+    </dgm:scene3d>
+    <dgm:txPr/>
+    <dgm:style>
+      <a:lnRef idx="2">
+        <a:scrgbClr r="0" g="0" b="0"/>
+      </a:lnRef>
+      <a:fillRef idx="1">
+        <a:scrgbClr r="0" g="0" b="0"/>
+      </a:fillRef>
+      <a:effectRef idx="0">
+        <a:scrgbClr r="0" g="0" b="0"/>
+      </a:effectRef>
+      <a:fontRef idx="minor"/>
+    </dgm:style>
+  </dgm:styleLbl>
+  <dgm:styleLbl name="bgImgPlace1">
+    <dgm:scene3d>
+      <a:camera prst="orthographicFront"/>
+      <a:lightRig rig="threePt" dir="t"/>
+    </dgm:scene3d>
+    <dgm:txPr/>
+    <dgm:style>
+      <a:lnRef idx="2">
+        <a:scrgbClr r="0" g="0" b="0"/>
+      </a:lnRef>
+      <a:fillRef idx="1">
+        <a:scrgbClr r="0" g="0" b="0"/>
+      </a:fillRef>
+      <a:effectRef idx="0">
+        <a:scrgbClr r="0" g="0" b="0"/>
+      </a:effectRef>
+      <a:fontRef idx="minor"/>
+    </dgm:style>
+  </dgm:styleLbl>
+  <dgm:styleLbl name="bgShp">
+    <dgm:scene3d>
+      <a:camera prst="orthographicFront"/>
+      <a:lightRig rig="threePt" dir="t"/>
+    </dgm:scene3d>
+    <dgm:txPr/>
+    <dgm:style>
+      <a:lnRef idx="0">
+        <a:scrgbClr r="0" g="0" b="0"/>
+      </a:lnRef>
+      <a:fillRef idx="1">
+        <a:scrgbClr r="0" g="0" b="0"/>
+      </a:fillRef>
+      <a:effectRef idx="0">
+        <a:scrgbClr r="0" g="0" b="0"/>
+      </a:effectRef>
+      <a:fontRef idx="minor"/>
+    </dgm:style>
+  </dgm:styleLbl>
+  <dgm:styleLbl name="bgSibTrans2D1">
+    <dgm:scene3d>
+      <a:camera prst="orthographicFront"/>
+      <a:lightRig rig="threePt" dir="t"/>
+    </dgm:scene3d>
+    <dgm:txPr/>
+    <dgm:style>
+      <a:lnRef idx="0">
+        <a:scrgbClr r="0" g="0" b="0"/>
+      </a:lnRef>
+      <a:fillRef idx="1">
+        <a:scrgbClr r="0" g="0" b="0"/>
+      </a:fillRef>
+      <a:effectRef idx="0">
+        <a:scrgbClr r="0" g="0" b="0"/>
+      </a:effectRef>
+      <a:fontRef idx="minor">
+        <a:schemeClr val="lt1"/>
+      </a:fontRef>
+    </dgm:style>
+  </dgm:styleLbl>
+  <dgm:styleLbl name="callout">
+    <dgm:scene3d>
+      <a:camera prst="orthographicFront"/>
+      <a:lightRig rig="threePt" dir="t"/>
+    </dgm:scene3d>
+    <dgm:txPr/>
+    <dgm:style>
+      <a:lnRef idx="2">
+        <a:scrgbClr r="0" g="0" b="0"/>
+      </a:lnRef>
+      <a:fillRef idx="1">
+        <a:scrgbClr r="0" g="0" b="0"/>
+      </a:fillRef>
+      <a:effectRef idx="0">
+        <a:scrgbClr r="0" g="0" b="0"/>
+      </a:effectRef>
+      <a:fontRef idx="minor"/>
+    </dgm:style>
+  </dgm:styleLbl>
+  <dgm:styleLbl name="conFgAcc1">
+    <dgm:scene3d>
+      <a:camera prst="orthographicFront"/>
+      <a:lightRig rig="threePt" dir="t"/>
+    </dgm:scene3d>
+    <dgm:txPr/>
+    <dgm:style>
+      <a:lnRef idx="2">
+        <a:scrgbClr r="0" g="0" b="0"/>
+      </a:lnRef>
+      <a:fillRef idx="1">
+        <a:scrgbClr r="0" g="0" b="0"/>
+      </a:fillRef>
+      <a:effectRef idx="0">
+        <a:scrgbClr r="0" g="0" b="0"/>
+      </a:effectRef>
+      <a:fontRef idx="minor"/>
+    </dgm:style>
+  </dgm:styleLbl>
+  <dgm:styleLbl name="dkBgShp">
+    <dgm:scene3d>
+      <a:camera prst="orthographicFront"/>
+      <a:lightRig rig="threePt" dir="t"/>
+    </dgm:scene3d>
+    <dgm:txPr/>
+    <dgm:style>
+      <a:lnRef idx="0">
+        <a:scrgbClr r="0" g="0" b="0"/>
+      </a:lnRef>
+      <a:fillRef idx="1">
+        <a:scrgbClr r="0" g="0" b="0"/>
+      </a:fillRef>
+      <a:effectRef idx="0">
+        <a:scrgbClr r="0" g="0" b="0"/>
+      </a:effectRef>
+      <a:fontRef idx="minor"/>
+    </dgm:style>
+  </dgm:styleLbl>
+  <dgm:styleLbl name="fgAcc0">
+    <dgm:scene3d>
+      <a:camera prst="orthographicFront"/>
+      <a:lightRig rig="threePt" dir="t"/>
+    </dgm:scene3d>
+    <dgm:txPr/>
+    <dgm:style>
+      <a:lnRef idx="2">
+        <a:scrgbClr r="0" g="0" b="0"/>
+      </a:lnRef>
+      <a:fillRef idx="1">
+        <a:scrgbClr r="0" g="0" b="0"/>
+      </a:fillRef>
+      <a:effectRef idx="0">
+        <a:scrgbClr r="0" g="0" b="0"/>
+      </a:effectRef>
+      <a:fontRef idx="minor"/>
+    </dgm:style>
+  </dgm:styleLbl>
+  <dgm:styleLbl name="fgAcc1">
+    <dgm:scene3d>
+      <a:camera prst="orthographicFront"/>
+      <a:lightRig rig="threePt" dir="t"/>
+    </dgm:scene3d>
+    <dgm:txPr/>
+    <dgm:style>
+      <a:lnRef idx="2">
+        <a:scrgbClr r="0" g="0" b="0"/>
+      </a:lnRef>
+      <a:fillRef idx="1">
+        <a:scrgbClr r="0" g="0" b="0"/>
+      </a:fillRef>
+      <a:effectRef idx="0">
+        <a:scrgbClr r="0" g="0" b="0"/>
+      </a:effectRef>
+      <a:fontRef idx="minor"/>
+    </dgm:style>
+  </dgm:styleLbl>
+  <dgm:styleLbl name="fgAcc2">
+    <dgm:scene3d>
+      <a:camera prst="orthographicFront"/>
+      <a:lightRig rig="threePt" dir="t"/>
+    </dgm:scene3d>
+    <dgm:txPr/>
+    <dgm:style>
+      <a:lnRef idx="2">
+        <a:scrgbClr r="0" g="0" b="0"/>
+      </a:lnRef>
+      <a:fillRef idx="1">
+        <a:scrgbClr r="0" g="0" b="0"/>
+      </a:fillRef>
+      <a:effectRef idx="0">
+        <a:scrgbClr r="0" g="0" b="0"/>
+      </a:effectRef>
+      <a:fontRef idx="minor"/>
+    </dgm:style>
+  </dgm:styleLbl>
+  <dgm:styleLbl name="fgAcc3">
+    <dgm:scene3d>
+      <a:camera prst="orthographicFront"/>
+      <a:lightRig rig="threePt" dir="t"/>
+    </dgm:scene3d>
+    <dgm:txPr/>
+    <dgm:style>
+      <a:lnRef idx="2">
+        <a:scrgbClr r="0" g="0" b="0"/>
+      </a:lnRef>
+      <a:fillRef idx="1">
+        <a:scrgbClr r="0" g="0" b="0"/>
+      </a:fillRef>
+      <a:effectRef idx="0">
+        <a:scrgbClr r="0" g="0" b="0"/>
+      </a:effectRef>
+      <a:fontRef idx="minor"/>
+    </dgm:style>
+  </dgm:styleLbl>
+  <dgm:styleLbl name="fgAcc4">
+    <dgm:scene3d>
+      <a:camera prst="orthographicFront"/>
+      <a:lightRig rig="threePt" dir="t"/>
+    </dgm:scene3d>
+    <dgm:txPr/>
+    <dgm:style>
+      <a:lnRef idx="2">
+        <a:scrgbClr r="0" g="0" b="0"/>
+      </a:lnRef>
+      <a:fillRef idx="1">
+        <a:scrgbClr r="0" g="0" b="0"/>
+      </a:fillRef>
+      <a:effectRef idx="0">
+        <a:scrgbClr r="0" g="0" b="0"/>
+      </a:effectRef>
+      <a:fontRef idx="minor"/>
+    </dgm:style>
+  </dgm:styleLbl>
+  <dgm:styleLbl name="fgAccFollowNode1">
+    <dgm:scene3d>
+      <a:camera prst="orthographicFront"/>
+      <a:lightRig rig="threePt" dir="t"/>
+    </dgm:scene3d>
+    <dgm:txPr/>
+    <dgm:style>
+      <a:lnRef idx="2">
+        <a:scrgbClr r="0" g="0" b="0"/>
+      </a:lnRef>
+      <a:fillRef idx="1">
+        <a:scrgbClr r="0" g="0" b="0"/>
+      </a:fillRef>
+      <a:effectRef idx="0">
+        <a:scrgbClr r="0" g="0" b="0"/>
+      </a:effectRef>
+      <a:fontRef idx="minor"/>
+    </dgm:style>
+  </dgm:styleLbl>
+  <dgm:styleLbl name="fgImgPlace1">
+    <dgm:scene3d>
+      <a:camera prst="orthographicFront"/>
+      <a:lightRig rig="threePt" dir="t"/>
+    </dgm:scene3d>
+    <dgm:txPr/>
+    <dgm:style>
+      <a:lnRef idx="2">
+        <a:scrgbClr r="0" g="0" b="0"/>
+      </a:lnRef>
+      <a:fillRef idx="1">
+        <a:scrgbClr r="0" g="0" b="0"/>
+      </a:fillRef>
+      <a:effectRef idx="0">
+        <a:scrgbClr r="0" g="0" b="0"/>
+      </a:effectRef>
+      <a:fontRef idx="minor"/>
+    </dgm:style>
+  </dgm:styleLbl>
+  <dgm:styleLbl name="fgShp">
+    <dgm:scene3d>
+      <a:camera prst="orthographicFront"/>
+      <a:lightRig rig="threePt" dir="t"/>
+    </dgm:scene3d>
+    <dgm:txPr/>
+    <dgm:style>
+      <a:lnRef idx="2">
+        <a:scrgbClr r="0" g="0" b="0"/>
+      </a:lnRef>
+      <a:fillRef idx="1">
+        <a:scrgbClr r="0" g="0" b="0"/>
+      </a:fillRef>
+      <a:effectRef idx="0">
+        <a:scrgbClr r="0" g="0" b="0"/>
+      </a:effectRef>
+      <a:fontRef idx="minor"/>
+    </dgm:style>
+  </dgm:styleLbl>
+  <dgm:styleLbl name="fgSibTrans2D1">
+    <dgm:scene3d>
+      <a:camera prst="orthographicFront"/>
+      <a:lightRig rig="threePt" dir="t"/>
+    </dgm:scene3d>
+    <dgm:txPr/>
+    <dgm:style>
+      <a:lnRef idx="0">
+        <a:scrgbClr r="0" g="0" b="0"/>
+      </a:lnRef>
+      <a:fillRef idx="1">
+        <a:scrgbClr r="0" g="0" b="0"/>
+      </a:fillRef>
+      <a:effectRef idx="0">
+        <a:scrgbClr r="0" g="0" b="0"/>
+      </a:effectRef>
+      <a:fontRef idx="minor">
+        <a:schemeClr val="lt1"/>
+      </a:fontRef>
+    </dgm:style>
+  </dgm:styleLbl>
+  <dgm:styleLbl name="lnNode1">
+    <dgm:scene3d>
+      <a:camera prst="orthographicFront"/>
+      <a:lightRig rig="threePt" dir="t"/>
+    </dgm:scene3d>
+    <dgm:txPr/>
+    <dgm:style>
+      <a:lnRef idx="2">
+        <a:scrgbClr r="0" g="0" b="0"/>
+      </a:lnRef>
+      <a:fillRef idx="1">
+        <a:scrgbClr r="0" g="0" b="0"/>
+      </a:fillRef>
+      <a:effectRef idx="0">
+        <a:scrgbClr r="0" g="0" b="0"/>
+      </a:effectRef>
+      <a:fontRef idx="minor">
+        <a:schemeClr val="lt1"/>
+      </a:fontRef>
+    </dgm:style>
+  </dgm:styleLbl>
+  <dgm:styleLbl name="node0">
+    <dgm:scene3d>
+      <a:camera prst="orthographicFront"/>
+      <a:lightRig rig="threePt" dir="t"/>
+    </dgm:scene3d>
+    <dgm:txPr/>
+    <dgm:style>
+      <a:lnRef idx="2">
+        <a:scrgbClr r="0" g="0" b="0"/>
+      </a:lnRef>
+      <a:fillRef idx="1">
+        <a:scrgbClr r="0" g="0" b="0"/>
+      </a:fillRef>
+      <a:effectRef idx="0">
+        <a:scrgbClr r="0" g="0" b="0"/>
+      </a:effectRef>
+      <a:fontRef idx="minor">
+        <a:schemeClr val="lt1"/>
+      </a:fontRef>
+    </dgm:style>
+  </dgm:styleLbl>
+  <dgm:styleLbl name="node1">
+    <dgm:scene3d>
+      <a:camera prst="orthographicFront"/>
+      <a:lightRig rig="threePt" dir="t"/>
+    </dgm:scene3d>
+    <dgm:txPr/>
+    <dgm:style>
+      <a:lnRef idx="2">
+        <a:scrgbClr r="0" g="0" b="0"/>
+      </a:lnRef>
+      <a:fillRef idx="1">
+        <a:scrgbClr r="0" g="0" b="0"/>
+      </a:fillRef>
+      <a:effectRef idx="0">
+        <a:scrgbClr r="0" g="0" b="0"/>
+      </a:effectRef>
+      <a:fontRef idx="minor">
+        <a:schemeClr val="lt1"/>
+      </a:fontRef>
+    </dgm:style>
+  </dgm:styleLbl>
+  <dgm:styleLbl name="node2">
+    <dgm:scene3d>
+      <a:camera prst="orthographicFront"/>
+      <a:lightRig rig="threePt" dir="t"/>
+    </dgm:scene3d>
+    <dgm:txPr/>
+    <dgm:style>
+      <a:lnRef idx="2">
+        <a:scrgbClr r="0" g="0" b="0"/>
+      </a:lnRef>
+      <a:fillRef idx="1">
+        <a:scrgbClr r="0" g="0" b="0"/>
+      </a:fillRef>
+      <a:effectRef idx="0">
+        <a:scrgbClr r="0" g="0" b="0"/>
+      </a:effectRef>
+      <a:fontRef idx="minor">
+        <a:schemeClr val="lt1"/>
+      </a:fontRef>
+    </dgm:style>
+  </dgm:styleLbl>
+  <dgm:styleLbl name="node3">
+    <dgm:scene3d>
+      <a:camera prst="orthographicFront"/>
+      <a:lightRig rig="threePt" dir="t"/>
+    </dgm:scene3d>
+    <dgm:txPr/>
+    <dgm:style>
+      <a:lnRef idx="2">
+        <a:scrgbClr r="0" g="0" b="0"/>
+      </a:lnRef>
+      <a:fillRef idx="1">
+        <a:scrgbClr r="0" g="0" b="0"/>
+      </a:fillRef>
+      <a:effectRef idx="0">
+        <a:scrgbClr r="0" g="0" b="0"/>
+      </a:effectRef>
+      <a:fontRef idx="minor">
+        <a:schemeClr val="lt1"/>
+      </a:fontRef>
+    </dgm:style>
+  </dgm:styleLbl>
+  <dgm:styleLbl name="node4">
+    <dgm:scene3d>
+      <a:camera prst="orthographicFront"/>
+      <a:lightRig rig="threePt" dir="t"/>
+    </dgm:scene3d>
+    <dgm:txPr/>
+    <dgm:style>
+      <a:lnRef idx="2">
+        <a:scrgbClr r="0" g="0" b="0"/>
+      </a:lnRef>
+      <a:fillRef idx="1">
+        <a:scrgbClr r="0" g="0" b="0"/>
+      </a:fillRef>
+      <a:effectRef idx="0">
+        <a:scrgbClr r="0" g="0" b="0"/>
+      </a:effectRef>
+      <a:fontRef idx="minor">
+        <a:schemeClr val="lt1"/>
+      </a:fontRef>
+    </dgm:style>
+  </dgm:styleLbl>
+  <dgm:styleLbl name="parChTrans1D1">
+    <dgm:scene3d>
+      <a:camera prst="orthographicFront"/>
+      <a:lightRig rig="threePt" dir="t"/>
+    </dgm:scene3d>
+    <dgm:txPr/>
+    <dgm:style>
+      <a:lnRef idx="2">
+        <a:scrgbClr r="0" g="0" b="0"/>
+      </a:lnRef>
+      <a:fillRef idx="0">
+        <a:scrgbClr r="0" g="0" b="0"/>
+      </a:fillRef>
+      <a:effectRef idx="0">
+        <a:scrgbClr r="0" g="0" b="0"/>
+      </a:effectRef>
+      <a:fontRef idx="minor"/>
+    </dgm:style>
+  </dgm:styleLbl>
+  <dgm:styleLbl name="parChTrans1D2">
+    <dgm:scene3d>
+      <a:camera prst="orthographicFront"/>
+      <a:lightRig rig="threePt" dir="t"/>
+    </dgm:scene3d>
+    <dgm:txPr/>
+    <dgm:style>
+      <a:lnRef idx="2">
+        <a:scrgbClr r="0" g="0" b="0"/>
+      </a:lnRef>
+      <a:fillRef idx="0">
+        <a:scrgbClr r="0" g="0" b="0"/>
+      </a:fillRef>
+      <a:effectRef idx="0">
+        <a:scrgbClr r="0" g="0" b="0"/>
+      </a:effectRef>
+      <a:fontRef idx="minor"/>
+    </dgm:style>
+  </dgm:styleLbl>
+  <dgm:styleLbl name="parChTrans1D3">
+    <dgm:scene3d>
+      <a:camera prst="orthographicFront"/>
+      <a:lightRig rig="threePt" dir="t"/>
+    </dgm:scene3d>
+    <dgm:txPr/>
+    <dgm:style>
+      <a:lnRef idx="2">
+        <a:scrgbClr r="0" g="0" b="0"/>
+      </a:lnRef>
+      <a:fillRef idx="0">
+        <a:scrgbClr r="0" g="0" b="0"/>
+      </a:fillRef>
+      <a:effectRef idx="0">
+        <a:scrgbClr r="0" g="0" b="0"/>
+      </a:effectRef>
+      <a:fontRef idx="minor"/>
+    </dgm:style>
+  </dgm:styleLbl>
+  <dgm:styleLbl name="parChTrans1D4">
+    <dgm:scene3d>
+      <a:camera prst="orthographicFront"/>
+      <a:lightRig rig="threePt" dir="t"/>
+    </dgm:scene3d>
+    <dgm:txPr/>
+    <dgm:style>
+      <a:lnRef idx="2">
+        <a:scrgbClr r="0" g="0" b="0"/>
+      </a:lnRef>
+      <a:fillRef idx="0">
+        <a:scrgbClr r="0" g="0" b="0"/>
+      </a:fillRef>
+      <a:effectRef idx="0">
+        <a:scrgbClr r="0" g="0" b="0"/>
+      </a:effectRef>
+      <a:fontRef idx="minor"/>
+    </dgm:style>
+  </dgm:styleLbl>
+  <dgm:styleLbl name="parChTrans2D1">
+    <dgm:scene3d>
+      <a:camera prst="orthographicFront"/>
+      <a:lightRig rig="threePt" dir="t"/>
+    </dgm:scene3d>
+    <dgm:txPr/>
+    <dgm:style>
+      <a:lnRef idx="2">
+        <a:scrgbClr r="0" g="0" b="0"/>
+      </a:lnRef>
+      <a:fillRef idx="1">
+        <a:scrgbClr r="0" g="0" b="0"/>
+      </a:fillRef>
+      <a:effectRef idx="0">
+        <a:scrgbClr r="0" g="0" b="0"/>
+      </a:effectRef>
+      <a:fontRef idx="minor">
+        <a:schemeClr val="lt1"/>
+      </a:fontRef>
+    </dgm:style>
+  </dgm:styleLbl>
+  <dgm:styleLbl name="parChTrans2D2">
+    <dgm:scene3d>
+      <a:camera prst="orthographicFront"/>
+      <a:lightRig rig="threePt" dir="t"/>
+    </dgm:scene3d>
+    <dgm:txPr/>
+    <dgm:style>
+      <a:lnRef idx="2">
+        <a:scrgbClr r="0" g="0" b="0"/>
+      </a:lnRef>
+      <a:fillRef idx="1">
+        <a:scrgbClr r="0" g="0" b="0"/>
+      </a:fillRef>
+      <a:effectRef idx="0">
+        <a:scrgbClr r="0" g="0" b="0"/>
+      </a:effectRef>
+      <a:fontRef idx="minor">
+        <a:schemeClr val="lt1"/>
+      </a:fontRef>
+    </dgm:style>
+  </dgm:styleLbl>
+  <dgm:styleLbl name="parChTrans2D3">
+    <dgm:scene3d>
+      <a:camera prst="orthographicFront"/>
+      <a:lightRig rig="threePt" dir="t"/>
+    </dgm:scene3d>
+    <dgm:txPr/>
+    <dgm:style>
+      <a:lnRef idx="2">
+        <a:scrgbClr r="0" g="0" b="0"/>
+      </a:lnRef>
+      <a:fillRef idx="1">
+        <a:scrgbClr r="0" g="0" b="0"/>
+      </a:fillRef>
+      <a:effectRef idx="0">
+        <a:scrgbClr r="0" g="0" b="0"/>
+      </a:effectRef>
+      <a:fontRef idx="minor">
+        <a:schemeClr val="lt1"/>
+      </a:fontRef>
+    </dgm:style>
+  </dgm:styleLbl>
+  <dgm:styleLbl name="parChTrans2D4">
+    <dgm:scene3d>
+      <a:camera prst="orthographicFront"/>
+      <a:lightRig rig="threePt" dir="t"/>
+    </dgm:scene3d>
+    <dgm:txPr/>
+    <dgm:style>
+      <a:lnRef idx="2">
+        <a:scrgbClr r="0" g="0" b="0"/>
+      </a:lnRef>
+      <a:fillRef idx="1">
+        <a:scrgbClr r="0" g="0" b="0"/>
+      </a:fillRef>
+      <a:effectRef idx="0">
+        <a:scrgbClr r="0" g="0" b="0"/>
+      </a:effectRef>
+      <a:fontRef idx="minor">
+        <a:schemeClr val="lt1"/>
+      </a:fontRef>
+    </dgm:style>
+  </dgm:styleLbl>
+  <dgm:styleLbl name="revTx">
+    <dgm:scene3d>
+      <a:camera prst="orthographicFront"/>
+      <a:lightRig rig="threePt" dir="t"/>
+    </dgm:scene3d>
+    <dgm:txPr/>
+    <dgm:style>
+      <a:lnRef idx="0">
+        <a:scrgbClr r="0" g="0" b="0"/>
+      </a:lnRef>
+      <a:fillRef idx="0">
+        <a:scrgbClr r="0" g="0" b="0"/>
+      </a:fillRef>
+      <a:effectRef idx="0">
+        <a:scrgbClr r="0" g="0" b="0"/>
+      </a:effectRef>
+      <a:fontRef idx="minor"/>
+    </dgm:style>
+  </dgm:styleLbl>
+  <dgm:styleLbl name="sibTrans1D1">
+    <dgm:scene3d>
+      <a:camera prst="orthographicFront"/>
+      <a:lightRig rig="threePt" dir="t"/>
+    </dgm:scene3d>
+    <dgm:txPr/>
+    <dgm:style>
+      <a:lnRef idx="1">
+        <a:scrgbClr r="0" g="0" b="0"/>
+      </a:lnRef>
+      <a:fillRef idx="0">
+        <a:scrgbClr r="0" g="0" b="0"/>
+      </a:fillRef>
+      <a:effectRef idx="0">
+        <a:scrgbClr r="0" g="0" b="0"/>
+      </a:effectRef>
+      <a:fontRef idx="minor"/>
+    </dgm:style>
+  </dgm:styleLbl>
+  <dgm:styleLbl name="sibTrans2D1">
+    <dgm:scene3d>
+      <a:camera prst="orthographicFront"/>
+      <a:lightRig rig="threePt" dir="t"/>
+    </dgm:scene3d>
+    <dgm:txPr/>
+    <dgm:style>
+      <a:lnRef idx="0">
+        <a:scrgbClr r="0" g="0" b="0"/>
+      </a:lnRef>
+      <a:fillRef idx="1">
+        <a:scrgbClr r="0" g="0" b="0"/>
+      </a:fillRef>
+      <a:effectRef idx="0">
+        <a:scrgbClr r="0" g="0" b="0"/>
+      </a:effectRef>
+      <a:fontRef idx="minor">
+        <a:schemeClr val="lt1"/>
+      </a:fontRef>
+    </dgm:style>
+  </dgm:styleLbl>
+  <dgm:styleLbl name="solidAlignAcc1">
+    <dgm:scene3d>
+      <a:camera prst="orthographicFront"/>
+      <a:lightRig rig="threePt" dir="t"/>
+    </dgm:scene3d>
+    <dgm:txPr/>
+    <dgm:style>
+      <a:lnRef idx="2">
+        <a:scrgbClr r="0" g="0" b="0"/>
+      </a:lnRef>
+      <a:fillRef idx="1">
+        <a:scrgbClr r="0" g="0" b="0"/>
+      </a:fillRef>
+      <a:effectRef idx="0">
+        <a:scrgbClr r="0" g="0" b="0"/>
+      </a:effectRef>
+      <a:fontRef idx="minor"/>
+    </dgm:style>
+  </dgm:styleLbl>
+  <dgm:styleLbl name="solidBgAcc1">
+    <dgm:scene3d>
+      <a:camera prst="orthographicFront"/>
+      <a:lightRig rig="threePt" dir="t"/>
+    </dgm:scene3d>
+    <dgm:txPr/>
+    <dgm:style>
+      <a:lnRef idx="2">
+        <a:scrgbClr r="0" g="0" b="0"/>
+      </a:lnRef>
+      <a:fillRef idx="1">
+        <a:scrgbClr r="0" g="0" b="0"/>
+      </a:fillRef>
+      <a:effectRef idx="0">
+        <a:scrgbClr r="0" g="0" b="0"/>
+      </a:effectRef>
+      <a:fontRef idx="minor"/>
+    </dgm:style>
+  </dgm:styleLbl>
+  <dgm:styleLbl name="solidFgAcc1">
+    <dgm:scene3d>
+      <a:camera prst="orthographicFront"/>
+      <a:lightRig rig="threePt" dir="t"/>
+    </dgm:scene3d>
+    <dgm:txPr/>
+    <dgm:style>
+      <a:lnRef idx="2">
+        <a:scrgbClr r="0" g="0" b="0"/>
+      </a:lnRef>
+      <a:fillRef idx="1">
+        <a:scrgbClr r="0" g="0" b="0"/>
+      </a:fillRef>
+      <a:effectRef idx="0">
+        <a:scrgbClr r="0" g="0" b="0"/>
+      </a:effectRef>
+      <a:fontRef idx="minor"/>
+    </dgm:style>
+  </dgm:styleLbl>
+  <dgm:styleLbl name="trAlignAcc1">
+    <dgm:scene3d>
+      <a:camera prst="orthographicFront"/>
+      <a:lightRig rig="threePt" dir="t"/>
+    </dgm:scene3d>
+    <dgm:txPr/>
+    <dgm:style>
+      <a:lnRef idx="1">
+        <a:scrgbClr r="0" g="0" b="0"/>
+      </a:lnRef>
+      <a:fillRef idx="1">
+        <a:scrgbClr r="0" g="0" b="0"/>
+      </a:fillRef>
+      <a:effectRef idx="0">
+        <a:scrgbClr r="0" g="0" b="0"/>
+      </a:effectRef>
+      <a:fontRef idx="minor"/>
+    </dgm:style>
+  </dgm:styleLbl>
+  <dgm:styleLbl name="trBgShp">
+    <dgm:scene3d>
+      <a:camera prst="orthographicFront"/>
+      <a:lightRig rig="threePt" dir="t"/>
+    </dgm:scene3d>
+    <dgm:txPr/>
+    <dgm:style>
+      <a:lnRef idx="0">
+        <a:scrgbClr r="0" g="0" b="0"/>
+      </a:lnRef>
+      <a:fillRef idx="1">
+        <a:scrgbClr r="0" g="0" b="0"/>
+      </a:fillRef>
+      <a:effectRef idx="0">
+        <a:scrgbClr r="0" g="0" b="0"/>
+      </a:effectRef>
+      <a:fontRef idx="minor"/>
+    </dgm:style>
+  </dgm:styleLbl>
+  <dgm:styleLbl name="vennNode1">
+    <dgm:scene3d>
+      <a:camera prst="orthographicFront"/>
+      <a:lightRig rig="threePt" dir="t"/>
+    </dgm:scene3d>
+    <dgm:txPr/>
+    <dgm:style>
+      <a:lnRef idx="2">
+        <a:scrgbClr r="0" g="0" b="0"/>
+      </a:lnRef>
+      <a:fillRef idx="1">
+        <a:scrgbClr r="0" g="0" b="0"/>
+      </a:fillRef>
+      <a:effectRef idx="0">
+        <a:scrgbClr r="0" g="0" b="0"/>
+      </a:effectRef>
+      <a:fontRef idx="minor">
+        <a:schemeClr val="tx1"/>
+      </a:fontRef>
+    </dgm:style>
+  </dgm:styleLbl>
+</dgm:styleDef>
+</file>
+
+<file path=ppt/notesMasters/notesMaster1.xml><?xml version="1.0" encoding="utf-8"?>
+<p:notesMaster xmlns:a="http://schemas.openxmlformats.org/drawingml/2006/main" xmlns:r="http://schemas.openxmlformats.org/officeDocument/2006/relationships" xmlns:p="http://schemas.openxmlformats.org/presentationml/2006/main">
+  <p:cSld>
+    <p:bg>
+      <p:bgRef idx="1001">
+        <a:schemeClr val="bg1"/>
+      </p:bgRef>
+    </p:bg>
+    <p:spTree>
+      <p:nvGrpSpPr>
+        <p:cNvPr id="1" name=""/>
+        <p:cNvGrpSpPr/>
+        <p:nvPr/>
+      </p:nvGrpSpPr>
+      <p:grpSpPr>
+        <a:xfrm>
+          <a:off x="0" y="0"/>
+          <a:ext cx="0" cy="0"/>
+          <a:chOff x="0" y="0"/>
+          <a:chExt cx="0" cy="0"/>
+        </a:xfrm>
+      </p:grpSpPr>
+      <p:sp>
+        <p:nvSpPr>
+          <p:cNvPr id="2" name="Header Placeholder 1"/>
+          <p:cNvSpPr>
+            <a:spLocks noGrp="1"/>
+          </p:cNvSpPr>
+          <p:nvPr>
+            <p:ph type="hdr" sz="quarter"/>
+          </p:nvPr>
+        </p:nvSpPr>
+        <p:spPr>
+          <a:xfrm>
+            <a:off x="0" y="0"/>
+            <a:ext cx="2971800" cy="458788"/>
+          </a:xfrm>
+          <a:prstGeom prst="rect">
+            <a:avLst/>
+          </a:prstGeom>
+        </p:spPr>
+        <p:txBody>
+          <a:bodyPr vert="horz" lIns="91440" tIns="45720" rIns="91440" bIns="45720" rtlCol="0"/>
+          <a:lstStyle>
+            <a:lvl1pPr algn="l">
+              <a:defRPr sz="1200"/>
+            </a:lvl1pPr>
+          </a:lstStyle>
+          <a:p>
+            <a:endParaRPr lang="en-US"/>
+          </a:p>
+        </p:txBody>
+      </p:sp>
+      <p:sp>
+        <p:nvSpPr>
+          <p:cNvPr id="3" name="Date Placeholder 2"/>
+          <p:cNvSpPr>
+            <a:spLocks noGrp="1"/>
+          </p:cNvSpPr>
+          <p:nvPr>
+            <p:ph type="dt" idx="1"/>
+          </p:nvPr>
+        </p:nvSpPr>
+        <p:spPr>
+          <a:xfrm>
+            <a:off x="3884613" y="0"/>
+            <a:ext cx="2971800" cy="458788"/>
+          </a:xfrm>
+          <a:prstGeom prst="rect">
+            <a:avLst/>
+          </a:prstGeom>
+        </p:spPr>
+        <p:txBody>
+          <a:bodyPr vert="horz" lIns="91440" tIns="45720" rIns="91440" bIns="45720" rtlCol="0"/>
+          <a:lstStyle>
+            <a:lvl1pPr algn="r">
+              <a:defRPr sz="1200"/>
+            </a:lvl1pPr>
+          </a:lstStyle>
+          <a:p>
+            <a:fld id="{3EFD42F7-718C-4B98-AAEC-167E6DDD60A7}" type="datetimeFigureOut">
+              <a:rPr lang="en-US" smtClean="0"/>
+            </a:fld>
+            <a:endParaRPr lang="en-US"/>
+          </a:p>
+        </p:txBody>
+      </p:sp>
+      <p:sp>
+        <p:nvSpPr>
+          <p:cNvPr id="4" name="Slide Image Placeholder 3"/>
+          <p:cNvSpPr>
+            <a:spLocks noGrp="1" noRot="1" noChangeAspect="1"/>
+          </p:cNvSpPr>
+          <p:nvPr>
+            <p:ph type="sldImg" idx="2"/>
+          </p:nvPr>
+        </p:nvSpPr>
+        <p:spPr>
+          <a:xfrm>
+            <a:off x="685800" y="1143000"/>
+            <a:ext cx="5486400" cy="3086100"/>
+          </a:xfrm>
+          <a:prstGeom prst="rect">
+            <a:avLst/>
+          </a:prstGeom>
+          <a:noFill/>
+          <a:ln w="12700">
+            <a:solidFill>
+              <a:prstClr val="black"/>
+            </a:solidFill>
+          </a:ln>
+        </p:spPr>
+        <p:txBody>
+          <a:bodyPr vert="horz" lIns="91440" tIns="45720" rIns="91440" bIns="45720" rtlCol="0" anchor="ctr"/>
+          <a:lstStyle/>
+          <a:p>
+            <a:endParaRPr lang="en-US"/>
+          </a:p>
+        </p:txBody>
+      </p:sp>
+      <p:sp>
+        <p:nvSpPr>
+          <p:cNvPr id="5" name="Notes Placeholder 4"/>
+          <p:cNvSpPr>
+            <a:spLocks noGrp="1"/>
+          </p:cNvSpPr>
+          <p:nvPr>
+            <p:ph type="body" sz="quarter" idx="3"/>
+          </p:nvPr>
+        </p:nvSpPr>
+        <p:spPr>
+          <a:xfrm>
+            <a:off x="685800" y="4400550"/>
+            <a:ext cx="5486400" cy="3600450"/>
+          </a:xfrm>
+          <a:prstGeom prst="rect">
+            <a:avLst/>
+          </a:prstGeom>
+        </p:spPr>
+        <p:txBody>
+          <a:bodyPr vert="horz" lIns="91440" tIns="45720" rIns="91440" bIns="45720" rtlCol="0"/>
+          <a:lstStyle/>
+          <a:p>
+            <a:pPr lvl="0"/>
+            <a:r>
+              <a:rPr lang="en-US" smtClean="0"/>
+              <a:t>Click to edit Master text styles</a:t>
+            </a:r>
+            <a:endParaRPr lang="en-US" smtClean="0"/>
+          </a:p>
+          <a:p>
+            <a:pPr lvl="1"/>
+            <a:r>
+              <a:rPr lang="en-US" smtClean="0"/>
+              <a:t>Second level</a:t>
+            </a:r>
+            <a:endParaRPr lang="en-US" smtClean="0"/>
+          </a:p>
+          <a:p>
+            <a:pPr lvl="2"/>
+            <a:r>
+              <a:rPr lang="en-US" smtClean="0"/>
+              <a:t>Third level</a:t>
+            </a:r>
+            <a:endParaRPr lang="en-US" smtClean="0"/>
+          </a:p>
+          <a:p>
+            <a:pPr lvl="3"/>
+            <a:r>
+              <a:rPr lang="en-US" smtClean="0"/>
+              <a:t>Fourth level</a:t>
+            </a:r>
+            <a:endParaRPr lang="en-US" smtClean="0"/>
+          </a:p>
+          <a:p>
+            <a:pPr lvl="4"/>
+            <a:r>
+              <a:rPr lang="en-US" smtClean="0"/>
+              <a:t>Fifth level</a:t>
+            </a:r>
+            <a:endParaRPr lang="en-US"/>
+          </a:p>
+        </p:txBody>
+      </p:sp>
+      <p:sp>
+        <p:nvSpPr>
+          <p:cNvPr id="6" name="Footer Placeholder 5"/>
+          <p:cNvSpPr>
+            <a:spLocks noGrp="1"/>
+          </p:cNvSpPr>
+          <p:nvPr>
+            <p:ph type="ftr" sz="quarter" idx="4"/>
+          </p:nvPr>
+        </p:nvSpPr>
+        <p:spPr>
+          <a:xfrm>
+            <a:off x="0" y="8685213"/>
+            <a:ext cx="2971800" cy="458787"/>
+          </a:xfrm>
+          <a:prstGeom prst="rect">
+            <a:avLst/>
+          </a:prstGeom>
+        </p:spPr>
+        <p:txBody>
+          <a:bodyPr vert="horz" lIns="91440" tIns="45720" rIns="91440" bIns="45720" rtlCol="0" anchor="b"/>
+          <a:lstStyle>
+            <a:lvl1pPr algn="l">
+              <a:defRPr sz="1200"/>
+            </a:lvl1pPr>
+          </a:lstStyle>
+          <a:p>
+            <a:endParaRPr lang="en-US"/>
+          </a:p>
+        </p:txBody>
+      </p:sp>
+      <p:sp>
+        <p:nvSpPr>
+          <p:cNvPr id="7" name="Slide Number Placeholder 6"/>
+          <p:cNvSpPr>
+            <a:spLocks noGrp="1"/>
+          </p:cNvSpPr>
+          <p:nvPr>
+            <p:ph type="sldNum" sz="quarter" idx="5"/>
+          </p:nvPr>
+        </p:nvSpPr>
+        <p:spPr>
+          <a:xfrm>
+            <a:off x="3884613" y="8685213"/>
+            <a:ext cx="2971800" cy="458787"/>
+          </a:xfrm>
+          <a:prstGeom prst="rect">
+            <a:avLst/>
+          </a:prstGeom>
+        </p:spPr>
+        <p:txBody>
+          <a:bodyPr vert="horz" lIns="91440" tIns="45720" rIns="91440" bIns="45720" rtlCol="0" anchor="b"/>
+          <a:lstStyle>
+            <a:lvl1pPr algn="r">
+              <a:defRPr sz="1200"/>
+            </a:lvl1pPr>
+          </a:lstStyle>
+          <a:p>
+            <a:fld id="{21B2AA4F-B828-4D7C-AFD3-893933DAFCB4}" type="slidenum">
+              <a:rPr lang="en-US" smtClean="0"/>
+            </a:fld>
+            <a:endParaRPr lang="en-US"/>
+          </a:p>
+        </p:txBody>
+      </p:sp>
+    </p:spTree>
+  </p:cSld>
+  <p:clrMap bg1="lt1" tx1="dk1" bg2="lt2" tx2="dk2" accent1="accent1" accent2="accent2" accent3="accent3" accent4="accent4" accent5="accent5" accent6="accent6" hlink="hlink" folHlink="folHlink"/>
+  <p:notesStyle>
+    <a:lvl1pPr marL="0" algn="l" defTabSz="914400" rtl="0" eaLnBrk="1" latinLnBrk="0" hangingPunct="1">
+      <a:defRPr sz="1200" kern="1200">
+        <a:solidFill>
+          <a:schemeClr val="tx1"/>
+        </a:solidFill>
+        <a:latin typeface="+mn-lt"/>
+        <a:ea typeface="+mn-ea"/>
+        <a:cs typeface="+mn-cs"/>
+      </a:defRPr>
+    </a:lvl1pPr>
+    <a:lvl2pPr marL="457200" algn="l" defTabSz="914400" rtl="0" eaLnBrk="1" latinLnBrk="0" hangingPunct="1">
+      <a:defRPr sz="1200" kern="1200">
+        <a:solidFill>
+          <a:schemeClr val="tx1"/>
+        </a:solidFill>
+        <a:latin typeface="+mn-lt"/>
+        <a:ea typeface="+mn-ea"/>
+        <a:cs typeface="+mn-cs"/>
+      </a:defRPr>
+    </a:lvl2pPr>
+    <a:lvl3pPr marL="914400" algn="l" defTabSz="914400" rtl="0" eaLnBrk="1" latinLnBrk="0" hangingPunct="1">
+      <a:defRPr sz="1200" kern="1200">
+        <a:solidFill>
+          <a:schemeClr val="tx1"/>
+        </a:solidFill>
+        <a:latin typeface="+mn-lt"/>
+        <a:ea typeface="+mn-ea"/>
+        <a:cs typeface="+mn-cs"/>
+      </a:defRPr>
+    </a:lvl3pPr>
+    <a:lvl4pPr marL="1371600" algn="l" defTabSz="914400" rtl="0" eaLnBrk="1" latinLnBrk="0" hangingPunct="1">
+      <a:defRPr sz="1200" kern="1200">
+        <a:solidFill>
+          <a:schemeClr val="tx1"/>
+        </a:solidFill>
+        <a:latin typeface="+mn-lt"/>
+        <a:ea typeface="+mn-ea"/>
+        <a:cs typeface="+mn-cs"/>
+      </a:defRPr>
+    </a:lvl4pPr>
+    <a:lvl5pPr marL="1828800" algn="l" defTabSz="914400" rtl="0" eaLnBrk="1" latinLnBrk="0" hangingPunct="1">
+      <a:defRPr sz="1200" kern="1200">
+        <a:solidFill>
+          <a:schemeClr val="tx1"/>
+        </a:solidFill>
+        <a:latin typeface="+mn-lt"/>
+        <a:ea typeface="+mn-ea"/>
+        <a:cs typeface="+mn-cs"/>
+      </a:defRPr>
+    </a:lvl5pPr>
+    <a:lvl6pPr marL="2286000" algn="l" defTabSz="914400" rtl="0" eaLnBrk="1" latinLnBrk="0" hangingPunct="1">
+      <a:defRPr sz="1200" kern="1200">
+        <a:solidFill>
+          <a:schemeClr val="tx1"/>
+        </a:solidFill>
+        <a:latin typeface="+mn-lt"/>
+        <a:ea typeface="+mn-ea"/>
+        <a:cs typeface="+mn-cs"/>
+      </a:defRPr>
+    </a:lvl6pPr>
+    <a:lvl7pPr marL="2743200" algn="l" defTabSz="914400" rtl="0" eaLnBrk="1" latinLnBrk="0" hangingPunct="1">
+      <a:defRPr sz="1200" kern="1200">
+        <a:solidFill>
+          <a:schemeClr val="tx1"/>
+        </a:solidFill>
+        <a:latin typeface="+mn-lt"/>
+        <a:ea typeface="+mn-ea"/>
+        <a:cs typeface="+mn-cs"/>
+      </a:defRPr>
+    </a:lvl7pPr>
+    <a:lvl8pPr marL="3200400" algn="l" defTabSz="914400" rtl="0" eaLnBrk="1" latinLnBrk="0" hangingPunct="1">
+      <a:defRPr sz="1200" kern="1200">
+        <a:solidFill>
+          <a:schemeClr val="tx1"/>
+        </a:solidFill>
+        <a:latin typeface="+mn-lt"/>
+        <a:ea typeface="+mn-ea"/>
+        <a:cs typeface="+mn-cs"/>
+      </a:defRPr>
+    </a:lvl8pPr>
+    <a:lvl9pPr marL="3657600" algn="l" defTabSz="914400" rtl="0" eaLnBrk="1" latinLnBrk="0" hangingPunct="1">
+      <a:defRPr sz="1200" kern="1200">
+        <a:solidFill>
+          <a:schemeClr val="tx1"/>
+        </a:solidFill>
+        <a:latin typeface="+mn-lt"/>
+        <a:ea typeface="+mn-ea"/>
+        <a:cs typeface="+mn-cs"/>
+      </a:defRPr>
+    </a:lvl9pPr>
+  </p:notesStyle>
+</p:notesMaster>
+</file>
+
+<file path=ppt/notesSlides/notesSlide1.xml><?xml version="1.0" encoding="utf-8"?>
+<p:notes xmlns:a="http://schemas.openxmlformats.org/drawingml/2006/main" xmlns:r="http://schemas.openxmlformats.org/officeDocument/2006/relationships" xmlns:p="http://schemas.openxmlformats.org/presentationml/2006/main">
+  <p:cSld>
+    <p:spTree>
+      <p:nvGrpSpPr>
+        <p:cNvPr id="1" name=""/>
+        <p:cNvGrpSpPr/>
+        <p:nvPr/>
+      </p:nvGrpSpPr>
+      <p:grpSpPr/>
+      <p:sp>
+        <p:nvSpPr>
+          <p:cNvPr id="2" name="Slide Image Placeholder 1"/>
+          <p:cNvSpPr/>
+          <p:nvPr>
+            <p:ph type="sldImg" idx="2"/>
+          </p:nvPr>
+        </p:nvSpPr>
+        <p:spPr/>
+      </p:sp>
+      <p:sp>
+        <p:nvSpPr>
+          <p:cNvPr id="3" name="Text Placeholder 2"/>
+          <p:cNvSpPr/>
+          <p:nvPr>
+            <p:ph type="body" idx="3"/>
+          </p:nvPr>
+        </p:nvSpPr>
+        <p:spPr/>
+        <p:txBody>
+          <a:bodyPr/>
+          <a:p>
+            <a:r>
+              <a:rPr lang="en-US"/>
+              <a:t>Demikian orasi kebangsaan Ketua Yayasan Pendidikan dan Pembina Universitas Pancasila Siswono Yudo Husodo disela-sela acara Sarasehan Nasional Pusat Studi Pancasila Seluruh Indonesia bertajuk Pancasila dan Nasionalisme Era Millenial, di Fakultas Farmasi Universitas Pancasila, Jakarta, Rabu (29/11).</a:t>
+            </a:r>
+            <a:endParaRPr lang="en-US"/>
+          </a:p>
+          <a:p>
+            <a:endParaRPr lang="en-US"/>
+          </a:p>
+          <a:p>
+            <a:r>
+              <a:rPr lang="en-US"/>
+              <a:t>Menurut Siswono (dalam Eksa, 2017) kegiatan elite politik dan para tokoh yang sering diliput media massa seringkali mempertontonkan penyimpangan yang dilakukan secara terbuka. Sehingga masyarakat yang menontonnya menjadi rusak sistem nilai dalam bermasyarakat. Apalagi jika ditambah dengan kuatnya arus informasi yang sebagiannya memperlihatkan contoh yang buruk. Menurut dia, beragam kasus korupsi di tanah Air yang melibatkan kepala daerah, anggota legislatif, menteri, pengusaha suskses, dan orang-orang penting lainnya yang tidak mendapatkan sanksi sosial masyarakat semakin memperburuk keadaan.</a:t>
+            </a:r>
+            <a:endParaRPr lang="en-US"/>
+          </a:p>
+        </p:txBody>
+      </p:sp>
+    </p:spTree>
+  </p:cSld>
+  <p:clrMapOvr>
+    <a:masterClrMapping/>
+  </p:clrMapOvr>
+</p:notes>
 </file>
 
 <file path=ppt/slideLayouts/slideLayout1.xml><?xml version="1.0" encoding="utf-8"?>
@@ -3305,6 +7444,382 @@
                 <a:schemeClr val="tx1"/>
               </a:solidFill>
             </a:endParaRPr>
+          </a:p>
+        </p:txBody>
+      </p:sp>
+    </p:spTree>
+  </p:cSld>
+  <p:clrMapOvr>
+    <a:masterClrMapping/>
+  </p:clrMapOvr>
+</p:sld>
+</file>
+
+<file path=ppt/slides/slide2.xml><?xml version="1.0" encoding="utf-8"?>
+<p:sld xmlns:a="http://schemas.openxmlformats.org/drawingml/2006/main" xmlns:r="http://schemas.openxmlformats.org/officeDocument/2006/relationships" xmlns:p="http://schemas.openxmlformats.org/presentationml/2006/main">
+  <p:cSld>
+    <p:spTree>
+      <p:nvGrpSpPr>
+        <p:cNvPr id="1" name=""/>
+        <p:cNvGrpSpPr/>
+        <p:nvPr/>
+      </p:nvGrpSpPr>
+      <p:grpSpPr/>
+      <p:sp>
+        <p:nvSpPr>
+          <p:cNvPr id="2" name="Title 1"/>
+          <p:cNvSpPr>
+            <a:spLocks noGrp="1"/>
+          </p:cNvSpPr>
+          <p:nvPr>
+            <p:ph type="title"/>
+          </p:nvPr>
+        </p:nvSpPr>
+        <p:spPr/>
+        <p:txBody>
+          <a:bodyPr/>
+          <a:p>
+            <a:r>
+              <a:rPr lang="" altLang="en-US"/>
+              <a:t>Latar Belakang</a:t>
+            </a:r>
+            <a:endParaRPr lang="" altLang="en-US"/>
+          </a:p>
+        </p:txBody>
+      </p:sp>
+      <p:sp>
+        <p:nvSpPr>
+          <p:cNvPr id="3" name="Content Placeholder 2"/>
+          <p:cNvSpPr>
+            <a:spLocks noGrp="1"/>
+          </p:cNvSpPr>
+          <p:nvPr>
+            <p:ph idx="1"/>
+          </p:nvPr>
+        </p:nvSpPr>
+        <p:spPr/>
+        <p:txBody>
+          <a:bodyPr/>
+          <a:p>
+            <a:endParaRPr lang="en-US"/>
+          </a:p>
+        </p:txBody>
+      </p:sp>
+      <p:graphicFrame>
+        <p:nvGraphicFramePr>
+          <p:cNvPr id="7" name="Diagram 6"/>
+          <p:cNvGraphicFramePr/>
+          <p:nvPr/>
+        </p:nvGraphicFramePr>
+        <p:xfrm>
+          <a:off x="2032000" y="719455"/>
+          <a:ext cx="8128000" cy="5418455"/>
+        </p:xfrm>
+        <a:graphic>
+          <a:graphicData uri="http://schemas.openxmlformats.org/drawingml/2006/diagram">
+            <dgm:relIds xmlns:dgm="http://schemas.openxmlformats.org/drawingml/2006/diagram" xmlns:r="http://schemas.openxmlformats.org/officeDocument/2006/relationships" r:dm="rId1" r:lo="rId2" r:qs="rId3" r:cs="rId4"/>
+          </a:graphicData>
+        </a:graphic>
+      </p:graphicFrame>
+      <p:sp>
+        <p:nvSpPr>
+          <p:cNvPr id="8" name="Text Box 7"/>
+          <p:cNvSpPr txBox="1"/>
+          <p:nvPr/>
+        </p:nvSpPr>
+        <p:spPr>
+          <a:xfrm>
+            <a:off x="6319520" y="4949825"/>
+            <a:ext cx="3091180" cy="368300"/>
+          </a:xfrm>
+          <a:prstGeom prst="rect">
+            <a:avLst/>
+          </a:prstGeom>
+          <a:noFill/>
+        </p:spPr>
+        <p:txBody>
+          <a:bodyPr wrap="none" rtlCol="0">
+            <a:spAutoFit/>
+          </a:bodyPr>
+          <a:p>
+            <a:pPr algn="l"/>
+            <a:r>
+              <a:rPr lang="en-US"/>
+              <a:t>Siswono (dalam Eksa, 2017)</a:t>
+            </a:r>
+            <a:endParaRPr lang="en-US"/>
+          </a:p>
+        </p:txBody>
+      </p:sp>
+    </p:spTree>
+  </p:cSld>
+  <p:clrMapOvr>
+    <a:masterClrMapping/>
+  </p:clrMapOvr>
+</p:sld>
+</file>
+
+<file path=ppt/slides/slide3.xml><?xml version="1.0" encoding="utf-8"?>
+<p:sld xmlns:a="http://schemas.openxmlformats.org/drawingml/2006/main" xmlns:r="http://schemas.openxmlformats.org/officeDocument/2006/relationships" xmlns:p="http://schemas.openxmlformats.org/presentationml/2006/main">
+  <p:cSld>
+    <p:spTree>
+      <p:nvGrpSpPr>
+        <p:cNvPr id="1" name=""/>
+        <p:cNvGrpSpPr/>
+        <p:nvPr/>
+      </p:nvGrpSpPr>
+      <p:grpSpPr/>
+      <p:sp>
+        <p:nvSpPr>
+          <p:cNvPr id="2" name="Title 1"/>
+          <p:cNvSpPr>
+            <a:spLocks noGrp="1"/>
+          </p:cNvSpPr>
+          <p:nvPr>
+            <p:ph type="title"/>
+          </p:nvPr>
+        </p:nvSpPr>
+        <p:spPr/>
+        <p:txBody>
+          <a:bodyPr/>
+          <a:p>
+            <a:pPr algn="r"/>
+            <a:r>
+              <a:rPr lang="" altLang="en-US"/>
+              <a:t>Latar Belakang</a:t>
+            </a:r>
+            <a:endParaRPr lang="" altLang="en-US"/>
+          </a:p>
+        </p:txBody>
+      </p:sp>
+      <p:pic>
+        <p:nvPicPr>
+          <p:cNvPr id="4" name="Content Placeholder 3"/>
+          <p:cNvPicPr>
+            <a:picLocks noChangeAspect="1"/>
+          </p:cNvPicPr>
+          <p:nvPr>
+            <p:ph idx="1"/>
+          </p:nvPr>
+        </p:nvPicPr>
+        <p:blipFill>
+          <a:blip r:embed="rId1"/>
+          <a:srcRect t="27540" b="38192"/>
+          <a:stretch>
+            <a:fillRect/>
+          </a:stretch>
+        </p:blipFill>
+        <p:spPr>
+          <a:xfrm>
+            <a:off x="609600" y="3087370"/>
+            <a:ext cx="4677410" cy="2849880"/>
+          </a:xfrm>
+          <a:prstGeom prst="rect">
+            <a:avLst/>
+          </a:prstGeom>
+        </p:spPr>
+      </p:pic>
+      <p:pic>
+        <p:nvPicPr>
+          <p:cNvPr id="5" name="Picture 4"/>
+          <p:cNvPicPr>
+            <a:picLocks noChangeAspect="1"/>
+          </p:cNvPicPr>
+          <p:nvPr/>
+        </p:nvPicPr>
+        <p:blipFill>
+          <a:blip r:embed="rId1"/>
+          <a:srcRect t="61027"/>
+          <a:stretch>
+            <a:fillRect/>
+          </a:stretch>
+        </p:blipFill>
+        <p:spPr>
+          <a:xfrm>
+            <a:off x="5598160" y="2253615"/>
+            <a:ext cx="5314315" cy="3683635"/>
+          </a:xfrm>
+          <a:prstGeom prst="rect">
+            <a:avLst/>
+          </a:prstGeom>
+        </p:spPr>
+      </p:pic>
+      <p:pic>
+        <p:nvPicPr>
+          <p:cNvPr id="6" name="Picture 5"/>
+          <p:cNvPicPr>
+            <a:picLocks noChangeAspect="1"/>
+          </p:cNvPicPr>
+          <p:nvPr/>
+        </p:nvPicPr>
+        <p:blipFill>
+          <a:blip r:embed="rId1"/>
+          <a:srcRect b="72386"/>
+          <a:stretch>
+            <a:fillRect/>
+          </a:stretch>
+        </p:blipFill>
+        <p:spPr>
+          <a:xfrm>
+            <a:off x="609600" y="544195"/>
+            <a:ext cx="4678045" cy="2296795"/>
+          </a:xfrm>
+          <a:prstGeom prst="rect">
+            <a:avLst/>
+          </a:prstGeom>
+        </p:spPr>
+      </p:pic>
+      <p:sp>
+        <p:nvSpPr>
+          <p:cNvPr id="7" name="Text Box 6"/>
+          <p:cNvSpPr txBox="1"/>
+          <p:nvPr/>
+        </p:nvSpPr>
+        <p:spPr>
+          <a:xfrm>
+            <a:off x="5598160" y="1654810"/>
+            <a:ext cx="3611880" cy="368300"/>
+          </a:xfrm>
+          <a:prstGeom prst="rect">
+            <a:avLst/>
+          </a:prstGeom>
+          <a:noFill/>
+        </p:spPr>
+        <p:txBody>
+          <a:bodyPr wrap="none" rtlCol="0">
+            <a:spAutoFit/>
+          </a:bodyPr>
+          <a:p>
+            <a:pPr algn="l"/>
+            <a:r>
+              <a:rPr lang="" altLang="en-US"/>
+              <a:t>S</a:t>
+            </a:r>
+            <a:r>
+              <a:rPr lang="en-US"/>
+              <a:t>urvey Never Okay (Adam, 2019)</a:t>
+            </a:r>
+            <a:endParaRPr lang="en-US"/>
+          </a:p>
+        </p:txBody>
+      </p:sp>
+    </p:spTree>
+  </p:cSld>
+  <p:clrMapOvr>
+    <a:masterClrMapping/>
+  </p:clrMapOvr>
+</p:sld>
+</file>
+
+<file path=ppt/slides/slide4.xml><?xml version="1.0" encoding="utf-8"?>
+<p:sld xmlns:a="http://schemas.openxmlformats.org/drawingml/2006/main" xmlns:r="http://schemas.openxmlformats.org/officeDocument/2006/relationships" xmlns:p="http://schemas.openxmlformats.org/presentationml/2006/main">
+  <p:cSld>
+    <p:spTree>
+      <p:nvGrpSpPr>
+        <p:cNvPr id="1" name=""/>
+        <p:cNvGrpSpPr/>
+        <p:nvPr/>
+      </p:nvGrpSpPr>
+      <p:grpSpPr/>
+      <p:sp>
+        <p:nvSpPr>
+          <p:cNvPr id="2" name="Title 1"/>
+          <p:cNvSpPr>
+            <a:spLocks noGrp="1"/>
+          </p:cNvSpPr>
+          <p:nvPr>
+            <p:ph type="title"/>
+          </p:nvPr>
+        </p:nvSpPr>
+        <p:spPr/>
+        <p:txBody>
+          <a:bodyPr/>
+          <a:p>
+            <a:r>
+              <a:rPr lang="" altLang="en-US"/>
+              <a:t>Latar Belakang</a:t>
+            </a:r>
+            <a:endParaRPr lang="" altLang="en-US"/>
+          </a:p>
+        </p:txBody>
+      </p:sp>
+      <p:sp>
+        <p:nvSpPr>
+          <p:cNvPr id="4" name="Text Placeholder 3"/>
+          <p:cNvSpPr>
+            <a:spLocks noGrp="1"/>
+          </p:cNvSpPr>
+          <p:nvPr>
+            <p:ph type="body" idx="1"/>
+          </p:nvPr>
+        </p:nvSpPr>
+        <p:spPr/>
+        <p:txBody>
+          <a:bodyPr/>
+          <a:p>
+            <a:r>
+              <a:rPr lang="en-US"/>
+              <a:t>Perlu suatu sistem pendidikan yang tepat sebagai upaya preventif untuk menjaga masyarakat dari kerusakan moral dan etika.</a:t>
+            </a:r>
+            <a:endParaRPr lang="en-US"/>
+          </a:p>
+        </p:txBody>
+      </p:sp>
+    </p:spTree>
+  </p:cSld>
+  <p:clrMapOvr>
+    <a:masterClrMapping/>
+  </p:clrMapOvr>
+</p:sld>
+</file>
+
+<file path=ppt/slides/slide5.xml><?xml version="1.0" encoding="utf-8"?>
+<p:sld xmlns:a="http://schemas.openxmlformats.org/drawingml/2006/main" xmlns:r="http://schemas.openxmlformats.org/officeDocument/2006/relationships" xmlns:p="http://schemas.openxmlformats.org/presentationml/2006/main">
+  <p:cSld>
+    <p:spTree>
+      <p:nvGrpSpPr>
+        <p:cNvPr id="1" name=""/>
+        <p:cNvGrpSpPr/>
+        <p:nvPr/>
+      </p:nvGrpSpPr>
+      <p:grpSpPr/>
+      <p:sp>
+        <p:nvSpPr>
+          <p:cNvPr id="6" name="Title 5"/>
+          <p:cNvSpPr>
+            <a:spLocks noGrp="1"/>
+          </p:cNvSpPr>
+          <p:nvPr>
+            <p:ph type="title"/>
+          </p:nvPr>
+        </p:nvSpPr>
+        <p:spPr/>
+        <p:txBody>
+          <a:bodyPr/>
+          <a:p>
+            <a:r>
+              <a:rPr lang="" altLang="en-US"/>
+              <a:t>Latar Belakang</a:t>
+            </a:r>
+            <a:endParaRPr lang="" altLang="en-US"/>
+          </a:p>
+        </p:txBody>
+      </p:sp>
+      <p:sp>
+        <p:nvSpPr>
+          <p:cNvPr id="7" name="Content Placeholder 6"/>
+          <p:cNvSpPr>
+            <a:spLocks noGrp="1"/>
+          </p:cNvSpPr>
+          <p:nvPr>
+            <p:ph idx="1"/>
+          </p:nvPr>
+        </p:nvSpPr>
+        <p:spPr/>
+        <p:txBody>
+          <a:bodyPr/>
+          <a:p>
+            <a:endParaRPr lang="en-US"/>
           </a:p>
         </p:txBody>
       </p:sp>
@@ -4180,4 +8695,263 @@
     </a:ext>
   </a:extLst>
 </a:theme>
+</file>
+
+<file path=ppt/theme/theme2.xml><?xml version="1.0" encoding="utf-8"?>
+<a:theme xmlns:a="http://schemas.openxmlformats.org/drawingml/2006/main" name="Office Theme">
+  <a:themeElements>
+    <a:clrScheme name="Office">
+      <a:dk1>
+        <a:sysClr val="windowText" lastClr="000000"/>
+      </a:dk1>
+      <a:lt1>
+        <a:sysClr val="window" lastClr="FFFFFF"/>
+      </a:lt1>
+      <a:dk2>
+        <a:srgbClr val="44546A"/>
+      </a:dk2>
+      <a:lt2>
+        <a:srgbClr val="E7E6E6"/>
+      </a:lt2>
+      <a:accent1>
+        <a:srgbClr val="5B9BD5"/>
+      </a:accent1>
+      <a:accent2>
+        <a:srgbClr val="ED7D31"/>
+      </a:accent2>
+      <a:accent3>
+        <a:srgbClr val="A5A5A5"/>
+      </a:accent3>
+      <a:accent4>
+        <a:srgbClr val="FFC000"/>
+      </a:accent4>
+      <a:accent5>
+        <a:srgbClr val="4472C4"/>
+      </a:accent5>
+      <a:accent6>
+        <a:srgbClr val="70AD47"/>
+      </a:accent6>
+      <a:hlink>
+        <a:srgbClr val="0563C1"/>
+      </a:hlink>
+      <a:folHlink>
+        <a:srgbClr val="954F72"/>
+      </a:folHlink>
+    </a:clrScheme>
+    <a:fontScheme name="Office">
+      <a:majorFont>
+        <a:latin typeface="Calibri Light"/>
+        <a:ea typeface=""/>
+        <a:cs typeface=""/>
+        <a:font script="Jpan" typeface="ＭＳ Ｐゴシック"/>
+        <a:font script="Hang" typeface="맑은 고딕"/>
+        <a:font script="Hans" typeface="宋体"/>
+        <a:font script="Hant" typeface="新細明體"/>
+        <a:font script="Arab" typeface="Times New Roman"/>
+        <a:font script="Hebr" typeface="Times New Roman"/>
+        <a:font script="Thai" typeface="Angsana New"/>
+        <a:font script="Ethi" typeface="Nyala"/>
+        <a:font script="Beng" typeface="Vrinda"/>
+        <a:font script="Gujr" typeface="Shruti"/>
+        <a:font script="Khmr" typeface="MoolBoran"/>
+        <a:font script="Knda" typeface="Tunga"/>
+        <a:font script="Guru" typeface="Raavi"/>
+        <a:font script="Cans" typeface="Euphemia"/>
+        <a:font script="Cher" typeface="Plantagenet Cherokee"/>
+        <a:font script="Yiii" typeface="Microsoft Yi Baiti"/>
+        <a:font script="Tibt" typeface="Microsoft Himalaya"/>
+        <a:font script="Thaa" typeface="MV Boli"/>
+        <a:font script="Deva" typeface="Mangal"/>
+        <a:font script="Telu" typeface="Gautami"/>
+        <a:font script="Taml" typeface="Latha"/>
+        <a:font script="Syrc" typeface="Estrangelo Edessa"/>
+        <a:font script="Orya" typeface="Kalinga"/>
+        <a:font script="Mlym" typeface="Kartika"/>
+        <a:font script="Laoo" typeface="DokChampa"/>
+        <a:font script="Sinh" typeface="Iskoola Pota"/>
+        <a:font script="Mong" typeface="Mongolian Baiti"/>
+        <a:font script="Viet" typeface="Times New Roman"/>
+        <a:font script="Uigh" typeface="Microsoft Uighur"/>
+        <a:font script="Geor" typeface="Sylfaen"/>
+      </a:majorFont>
+      <a:minorFont>
+        <a:latin typeface="Calibri"/>
+        <a:ea typeface=""/>
+        <a:cs typeface=""/>
+        <a:font script="Jpan" typeface="ＭＳ Ｐゴシック"/>
+        <a:font script="Hang" typeface="맑은 고딕"/>
+        <a:font script="Hans" typeface="宋体"/>
+        <a:font script="Hant" typeface="新細明體"/>
+        <a:font script="Arab" typeface="Arial"/>
+        <a:font script="Hebr" typeface="Arial"/>
+        <a:font script="Thai" typeface="Cordia New"/>
+        <a:font script="Ethi" typeface="Nyala"/>
+        <a:font script="Beng" typeface="Vrinda"/>
+        <a:font script="Gujr" typeface="Shruti"/>
+        <a:font script="Khmr" typeface="DaunPenh"/>
+        <a:font script="Knda" typeface="Tunga"/>
+        <a:font script="Guru" typeface="Raavi"/>
+        <a:font script="Cans" typeface="Euphemia"/>
+        <a:font script="Cher" typeface="Plantagenet Cherokee"/>
+        <a:font script="Yiii" typeface="Microsoft Yi Baiti"/>
+        <a:font script="Tibt" typeface="Microsoft Himalaya"/>
+        <a:font script="Thaa" typeface="MV Boli"/>
+        <a:font script="Deva" typeface="Mangal"/>
+        <a:font script="Telu" typeface="Gautami"/>
+        <a:font script="Taml" typeface="Latha"/>
+        <a:font script="Syrc" typeface="Estrangelo Edessa"/>
+        <a:font script="Orya" typeface="Kalinga"/>
+        <a:font script="Mlym" typeface="Kartika"/>
+        <a:font script="Laoo" typeface="DokChampa"/>
+        <a:font script="Sinh" typeface="Iskoola Pota"/>
+        <a:font script="Mong" typeface="Mongolian Baiti"/>
+        <a:font script="Viet" typeface="Arial"/>
+        <a:font script="Uigh" typeface="Microsoft Uighur"/>
+        <a:font script="Geor" typeface="Sylfaen"/>
+      </a:minorFont>
+    </a:fontScheme>
+    <a:fmtScheme name="Office">
+      <a:fillStyleLst>
+        <a:solidFill>
+          <a:schemeClr val="phClr"/>
+        </a:solidFill>
+        <a:gradFill rotWithShape="1">
+          <a:gsLst>
+            <a:gs pos="0">
+              <a:schemeClr val="phClr">
+                <a:lumMod val="110000"/>
+                <a:satMod val="105000"/>
+                <a:tint val="67000"/>
+              </a:schemeClr>
+            </a:gs>
+            <a:gs pos="50000">
+              <a:schemeClr val="phClr">
+                <a:lumMod val="105000"/>
+                <a:satMod val="103000"/>
+                <a:tint val="73000"/>
+              </a:schemeClr>
+            </a:gs>
+            <a:gs pos="100000">
+              <a:schemeClr val="phClr">
+                <a:lumMod val="105000"/>
+                <a:satMod val="109000"/>
+                <a:tint val="81000"/>
+              </a:schemeClr>
+            </a:gs>
+          </a:gsLst>
+          <a:lin ang="5400000" scaled="0"/>
+        </a:gradFill>
+        <a:gradFill rotWithShape="1">
+          <a:gsLst>
+            <a:gs pos="0">
+              <a:schemeClr val="phClr">
+                <a:satMod val="103000"/>
+                <a:lumMod val="102000"/>
+                <a:tint val="94000"/>
+              </a:schemeClr>
+            </a:gs>
+            <a:gs pos="50000">
+              <a:schemeClr val="phClr">
+                <a:satMod val="110000"/>
+                <a:lumMod val="100000"/>
+                <a:shade val="100000"/>
+              </a:schemeClr>
+            </a:gs>
+            <a:gs pos="100000">
+              <a:schemeClr val="phClr">
+                <a:lumMod val="99000"/>
+                <a:satMod val="120000"/>
+                <a:shade val="78000"/>
+              </a:schemeClr>
+            </a:gs>
+          </a:gsLst>
+          <a:lin ang="5400000" scaled="0"/>
+        </a:gradFill>
+      </a:fillStyleLst>
+      <a:lnStyleLst>
+        <a:ln w="6350" cap="flat" cmpd="sng" algn="ctr">
+          <a:solidFill>
+            <a:schemeClr val="phClr"/>
+          </a:solidFill>
+          <a:prstDash val="solid"/>
+          <a:miter lim="800000"/>
+        </a:ln>
+        <a:ln w="12700" cap="flat" cmpd="sng" algn="ctr">
+          <a:solidFill>
+            <a:schemeClr val="phClr"/>
+          </a:solidFill>
+          <a:prstDash val="solid"/>
+          <a:miter lim="800000"/>
+        </a:ln>
+        <a:ln w="19050" cap="flat" cmpd="sng" algn="ctr">
+          <a:solidFill>
+            <a:schemeClr val="phClr"/>
+          </a:solidFill>
+          <a:prstDash val="solid"/>
+          <a:miter lim="800000"/>
+        </a:ln>
+      </a:lnStyleLst>
+      <a:effectStyleLst>
+        <a:effectStyle>
+          <a:effectLst/>
+        </a:effectStyle>
+        <a:effectStyle>
+          <a:effectLst/>
+        </a:effectStyle>
+        <a:effectStyle>
+          <a:effectLst>
+            <a:outerShdw blurRad="57150" dist="19050" dir="5400000" algn="ctr" rotWithShape="0">
+              <a:srgbClr val="000000">
+                <a:alpha val="63000"/>
+              </a:srgbClr>
+            </a:outerShdw>
+          </a:effectLst>
+        </a:effectStyle>
+      </a:effectStyleLst>
+      <a:bgFillStyleLst>
+        <a:solidFill>
+          <a:schemeClr val="phClr"/>
+        </a:solidFill>
+        <a:solidFill>
+          <a:schemeClr val="phClr">
+            <a:tint val="95000"/>
+            <a:satMod val="170000"/>
+          </a:schemeClr>
+        </a:solidFill>
+        <a:gradFill rotWithShape="1">
+          <a:gsLst>
+            <a:gs pos="0">
+              <a:schemeClr val="phClr">
+                <a:tint val="93000"/>
+                <a:satMod val="150000"/>
+                <a:shade val="98000"/>
+                <a:lumMod val="102000"/>
+              </a:schemeClr>
+            </a:gs>
+            <a:gs pos="50000">
+              <a:schemeClr val="phClr">
+                <a:tint val="98000"/>
+                <a:satMod val="130000"/>
+                <a:shade val="90000"/>
+                <a:lumMod val="103000"/>
+              </a:schemeClr>
+            </a:gs>
+            <a:gs pos="100000">
+              <a:schemeClr val="phClr">
+                <a:shade val="63000"/>
+                <a:satMod val="120000"/>
+              </a:schemeClr>
+            </a:gs>
+          </a:gsLst>
+          <a:lin ang="5400000" scaled="0"/>
+        </a:gradFill>
+      </a:bgFillStyleLst>
+    </a:fmtScheme>
+  </a:themeElements>
+  <a:extLst>
+    <a:ext uri="{05A4C25C-085E-4340-85A3-A5531E510DB2}">
+      <thm15:themeFamily xmlns:thm15="http://schemas.microsoft.com/office/thememl/2012/main" name="Office Theme" id="{62F939B6-93AF-4DB8-9C6B-D6C7DFDC589F}" vid="{4A3C46E8-61CC-4603-A589-7422A47A8E4A}"/>
+    </a:ext>
+  </a:extLst>
+</a:theme>
 </file>
--- a/seminar proposal.pptx
+++ b/seminar proposal.pptx
@@ -861,6 +861,753 @@
 </dgm:colorsDef>
 </file>
 
+<file path=ppt/diagrams/colors2.xml><?xml version="1.0" encoding="utf-8"?>
+<dgm:colorsDef xmlns:dgm="http://schemas.openxmlformats.org/drawingml/2006/diagram" xmlns:a="http://schemas.openxmlformats.org/drawingml/2006/main" uniqueId="urn:microsoft.com/office/officeart/2005/8/colors/accent1_2">
+  <dgm:title val=""/>
+  <dgm:desc val=""/>
+  <dgm:catLst>
+    <dgm:cat type="accent1" pri="11200"/>
+  </dgm:catLst>
+  <dgm:styleLbl name="alignAcc1">
+    <dgm:fillClrLst meth="repeat">
+      <a:schemeClr val="lt1">
+        <a:alpha val="90000"/>
+      </a:schemeClr>
+    </dgm:fillClrLst>
+    <dgm:linClrLst meth="repeat">
+      <a:schemeClr val="accent1"/>
+    </dgm:linClrLst>
+    <dgm:effectClrLst/>
+    <dgm:txLinClrLst/>
+    <dgm:txFillClrLst meth="repeat">
+      <a:schemeClr val="dk1"/>
+    </dgm:txFillClrLst>
+    <dgm:txEffectClrLst/>
+  </dgm:styleLbl>
+  <dgm:styleLbl name="alignAccFollowNode1">
+    <dgm:fillClrLst meth="repeat">
+      <a:schemeClr val="accent1">
+        <a:alpha val="90000"/>
+        <a:tint val="40000"/>
+      </a:schemeClr>
+    </dgm:fillClrLst>
+    <dgm:linClrLst meth="repeat">
+      <a:schemeClr val="accent1">
+        <a:alpha val="90000"/>
+        <a:tint val="40000"/>
+      </a:schemeClr>
+    </dgm:linClrLst>
+    <dgm:effectClrLst/>
+    <dgm:txLinClrLst/>
+    <dgm:txFillClrLst meth="repeat">
+      <a:schemeClr val="dk1"/>
+    </dgm:txFillClrLst>
+    <dgm:txEffectClrLst/>
+  </dgm:styleLbl>
+  <dgm:styleLbl name="alignImgPlace1">
+    <dgm:fillClrLst meth="repeat">
+      <a:schemeClr val="accent1">
+        <a:tint val="50000"/>
+      </a:schemeClr>
+    </dgm:fillClrLst>
+    <dgm:linClrLst meth="repeat">
+      <a:schemeClr val="lt1"/>
+    </dgm:linClrLst>
+    <dgm:effectClrLst/>
+    <dgm:txLinClrLst/>
+    <dgm:txFillClrLst meth="repeat">
+      <a:schemeClr val="lt1"/>
+    </dgm:txFillClrLst>
+    <dgm:txEffectClrLst/>
+  </dgm:styleLbl>
+  <dgm:styleLbl name="alignNode1">
+    <dgm:fillClrLst meth="repeat">
+      <a:schemeClr val="accent1"/>
+    </dgm:fillClrLst>
+    <dgm:linClrLst meth="repeat">
+      <a:schemeClr val="accent1"/>
+    </dgm:linClrLst>
+    <dgm:effectClrLst/>
+    <dgm:txLinClrLst/>
+    <dgm:txFillClrLst/>
+    <dgm:txEffectClrLst/>
+  </dgm:styleLbl>
+  <dgm:styleLbl name="asst0">
+    <dgm:fillClrLst meth="repeat">
+      <a:schemeClr val="accent1"/>
+    </dgm:fillClrLst>
+    <dgm:linClrLst meth="repeat">
+      <a:schemeClr val="lt1"/>
+    </dgm:linClrLst>
+    <dgm:effectClrLst/>
+    <dgm:txLinClrLst/>
+    <dgm:txFillClrLst/>
+    <dgm:txEffectClrLst/>
+  </dgm:styleLbl>
+  <dgm:styleLbl name="asst1">
+    <dgm:fillClrLst meth="repeat">
+      <a:schemeClr val="accent1"/>
+    </dgm:fillClrLst>
+    <dgm:linClrLst meth="repeat">
+      <a:schemeClr val="lt1"/>
+    </dgm:linClrLst>
+    <dgm:effectClrLst/>
+    <dgm:txLinClrLst/>
+    <dgm:txFillClrLst/>
+    <dgm:txEffectClrLst/>
+  </dgm:styleLbl>
+  <dgm:styleLbl name="asst2">
+    <dgm:fillClrLst meth="repeat">
+      <a:schemeClr val="accent1"/>
+    </dgm:fillClrLst>
+    <dgm:linClrLst meth="repeat">
+      <a:schemeClr val="lt1"/>
+    </dgm:linClrLst>
+    <dgm:effectClrLst/>
+    <dgm:txLinClrLst/>
+    <dgm:txFillClrLst/>
+    <dgm:txEffectClrLst/>
+  </dgm:styleLbl>
+  <dgm:styleLbl name="asst3">
+    <dgm:fillClrLst meth="repeat">
+      <a:schemeClr val="accent1"/>
+    </dgm:fillClrLst>
+    <dgm:linClrLst meth="repeat">
+      <a:schemeClr val="lt1"/>
+    </dgm:linClrLst>
+    <dgm:effectClrLst/>
+    <dgm:txLinClrLst/>
+    <dgm:txFillClrLst/>
+    <dgm:txEffectClrLst/>
+  </dgm:styleLbl>
+  <dgm:styleLbl name="asst4">
+    <dgm:fillClrLst meth="repeat">
+      <a:schemeClr val="accent1"/>
+    </dgm:fillClrLst>
+    <dgm:linClrLst meth="repeat">
+      <a:schemeClr val="lt1"/>
+    </dgm:linClrLst>
+    <dgm:effectClrLst/>
+    <dgm:txLinClrLst/>
+    <dgm:txFillClrLst/>
+    <dgm:txEffectClrLst/>
+  </dgm:styleLbl>
+  <dgm:styleLbl name="bgAcc1">
+    <dgm:fillClrLst meth="repeat">
+      <a:schemeClr val="lt1">
+        <a:alpha val="90000"/>
+      </a:schemeClr>
+    </dgm:fillClrLst>
+    <dgm:linClrLst meth="repeat">
+      <a:schemeClr val="accent1"/>
+    </dgm:linClrLst>
+    <dgm:effectClrLst/>
+    <dgm:txLinClrLst/>
+    <dgm:txFillClrLst meth="repeat">
+      <a:schemeClr val="dk1"/>
+    </dgm:txFillClrLst>
+    <dgm:txEffectClrLst/>
+  </dgm:styleLbl>
+  <dgm:styleLbl name="bgAccFollowNode1">
+    <dgm:fillClrLst meth="repeat">
+      <a:schemeClr val="accent1">
+        <a:alpha val="90000"/>
+        <a:tint val="40000"/>
+      </a:schemeClr>
+    </dgm:fillClrLst>
+    <dgm:linClrLst meth="repeat">
+      <a:schemeClr val="accent1">
+        <a:alpha val="90000"/>
+        <a:tint val="40000"/>
+      </a:schemeClr>
+    </dgm:linClrLst>
+    <dgm:effectClrLst/>
+    <dgm:txLinClrLst/>
+    <dgm:txFillClrLst meth="repeat">
+      <a:schemeClr val="dk1"/>
+    </dgm:txFillClrLst>
+    <dgm:txEffectClrLst/>
+  </dgm:styleLbl>
+  <dgm:styleLbl name="bgImgPlace1">
+    <dgm:fillClrLst meth="repeat">
+      <a:schemeClr val="accent1">
+        <a:tint val="50000"/>
+      </a:schemeClr>
+    </dgm:fillClrLst>
+    <dgm:linClrLst meth="repeat">
+      <a:schemeClr val="lt1"/>
+    </dgm:linClrLst>
+    <dgm:effectClrLst/>
+    <dgm:txLinClrLst/>
+    <dgm:txFillClrLst meth="repeat">
+      <a:schemeClr val="lt1"/>
+    </dgm:txFillClrLst>
+    <dgm:txEffectClrLst/>
+  </dgm:styleLbl>
+  <dgm:styleLbl name="bgShp">
+    <dgm:fillClrLst meth="repeat">
+      <a:schemeClr val="accent1">
+        <a:tint val="40000"/>
+      </a:schemeClr>
+    </dgm:fillClrLst>
+    <dgm:linClrLst meth="repeat">
+      <a:schemeClr val="accent1"/>
+    </dgm:linClrLst>
+    <dgm:effectClrLst/>
+    <dgm:txLinClrLst/>
+    <dgm:txFillClrLst meth="repeat">
+      <a:schemeClr val="dk1"/>
+    </dgm:txFillClrLst>
+    <dgm:txEffectClrLst/>
+  </dgm:styleLbl>
+  <dgm:styleLbl name="bgSibTrans2D1">
+    <dgm:fillClrLst meth="repeat">
+      <a:schemeClr val="accent1">
+        <a:tint val="60000"/>
+      </a:schemeClr>
+    </dgm:fillClrLst>
+    <dgm:linClrLst meth="repeat">
+      <a:schemeClr val="accent1">
+        <a:tint val="60000"/>
+      </a:schemeClr>
+    </dgm:linClrLst>
+    <dgm:effectClrLst/>
+    <dgm:txLinClrLst/>
+    <dgm:txFillClrLst/>
+    <dgm:txEffectClrLst/>
+  </dgm:styleLbl>
+  <dgm:styleLbl name="callout">
+    <dgm:fillClrLst meth="repeat">
+      <a:schemeClr val="accent1"/>
+    </dgm:fillClrLst>
+    <dgm:linClrLst meth="repeat">
+      <a:schemeClr val="accent1">
+        <a:tint val="50000"/>
+      </a:schemeClr>
+    </dgm:linClrLst>
+    <dgm:effectClrLst/>
+    <dgm:txLinClrLst/>
+    <dgm:txFillClrLst meth="repeat">
+      <a:schemeClr val="tx1"/>
+    </dgm:txFillClrLst>
+    <dgm:txEffectClrLst/>
+  </dgm:styleLbl>
+  <dgm:styleLbl name="conFgAcc1">
+    <dgm:fillClrLst meth="repeat">
+      <a:schemeClr val="lt1">
+        <a:alpha val="90000"/>
+      </a:schemeClr>
+    </dgm:fillClrLst>
+    <dgm:linClrLst meth="repeat">
+      <a:schemeClr val="accent1"/>
+    </dgm:linClrLst>
+    <dgm:effectClrLst/>
+    <dgm:txLinClrLst/>
+    <dgm:txFillClrLst meth="repeat">
+      <a:schemeClr val="dk1"/>
+    </dgm:txFillClrLst>
+    <dgm:txEffectClrLst/>
+  </dgm:styleLbl>
+  <dgm:styleLbl name="dkBgShp">
+    <dgm:fillClrLst meth="repeat">
+      <a:schemeClr val="accent1">
+        <a:shade val="80000"/>
+      </a:schemeClr>
+    </dgm:fillClrLst>
+    <dgm:linClrLst meth="repeat">
+      <a:schemeClr val="accent1"/>
+    </dgm:linClrLst>
+    <dgm:effectClrLst/>
+    <dgm:txLinClrLst/>
+    <dgm:txFillClrLst meth="repeat">
+      <a:schemeClr val="lt1"/>
+    </dgm:txFillClrLst>
+    <dgm:txEffectClrLst/>
+  </dgm:styleLbl>
+  <dgm:styleLbl name="fgAcc0">
+    <dgm:fillClrLst meth="repeat">
+      <a:schemeClr val="lt1">
+        <a:alpha val="90000"/>
+      </a:schemeClr>
+    </dgm:fillClrLst>
+    <dgm:linClrLst meth="repeat">
+      <a:schemeClr val="accent1"/>
+    </dgm:linClrLst>
+    <dgm:effectClrLst/>
+    <dgm:txLinClrLst/>
+    <dgm:txFillClrLst meth="repeat">
+      <a:schemeClr val="dk1"/>
+    </dgm:txFillClrLst>
+    <dgm:txEffectClrLst/>
+  </dgm:styleLbl>
+  <dgm:styleLbl name="fgAcc1">
+    <dgm:fillClrLst meth="repeat">
+      <a:schemeClr val="lt1">
+        <a:alpha val="90000"/>
+      </a:schemeClr>
+    </dgm:fillClrLst>
+    <dgm:linClrLst meth="repeat">
+      <a:schemeClr val="accent1"/>
+    </dgm:linClrLst>
+    <dgm:effectClrLst/>
+    <dgm:txLinClrLst/>
+    <dgm:txFillClrLst meth="repeat">
+      <a:schemeClr val="dk1"/>
+    </dgm:txFillClrLst>
+    <dgm:txEffectClrLst/>
+  </dgm:styleLbl>
+  <dgm:styleLbl name="fgAcc2">
+    <dgm:fillClrLst meth="repeat">
+      <a:schemeClr val="lt1">
+        <a:alpha val="90000"/>
+      </a:schemeClr>
+    </dgm:fillClrLst>
+    <dgm:linClrLst meth="repeat">
+      <a:schemeClr val="accent1"/>
+    </dgm:linClrLst>
+    <dgm:effectClrLst/>
+    <dgm:txLinClrLst/>
+    <dgm:txFillClrLst meth="repeat">
+      <a:schemeClr val="dk1"/>
+    </dgm:txFillClrLst>
+    <dgm:txEffectClrLst/>
+  </dgm:styleLbl>
+  <dgm:styleLbl name="fgAcc3">
+    <dgm:fillClrLst meth="repeat">
+      <a:schemeClr val="lt1">
+        <a:alpha val="90000"/>
+      </a:schemeClr>
+    </dgm:fillClrLst>
+    <dgm:linClrLst meth="repeat">
+      <a:schemeClr val="accent1"/>
+    </dgm:linClrLst>
+    <dgm:effectClrLst/>
+    <dgm:txLinClrLst/>
+    <dgm:txFillClrLst meth="repeat">
+      <a:schemeClr val="dk1"/>
+    </dgm:txFillClrLst>
+    <dgm:txEffectClrLst/>
+  </dgm:styleLbl>
+  <dgm:styleLbl name="fgAcc4">
+    <dgm:fillClrLst meth="repeat">
+      <a:schemeClr val="lt1">
+        <a:alpha val="90000"/>
+      </a:schemeClr>
+    </dgm:fillClrLst>
+    <dgm:linClrLst meth="repeat">
+      <a:schemeClr val="accent1"/>
+    </dgm:linClrLst>
+    <dgm:effectClrLst/>
+    <dgm:txLinClrLst/>
+    <dgm:txFillClrLst meth="repeat">
+      <a:schemeClr val="dk1"/>
+    </dgm:txFillClrLst>
+    <dgm:txEffectClrLst/>
+  </dgm:styleLbl>
+  <dgm:styleLbl name="fgAccFollowNode1">
+    <dgm:fillClrLst meth="repeat">
+      <a:schemeClr val="accent1">
+        <a:alpha val="90000"/>
+        <a:tint val="40000"/>
+      </a:schemeClr>
+    </dgm:fillClrLst>
+    <dgm:linClrLst meth="repeat">
+      <a:schemeClr val="accent1">
+        <a:alpha val="90000"/>
+        <a:tint val="40000"/>
+      </a:schemeClr>
+    </dgm:linClrLst>
+    <dgm:effectClrLst/>
+    <dgm:txLinClrLst/>
+    <dgm:txFillClrLst meth="repeat">
+      <a:schemeClr val="dk1"/>
+    </dgm:txFillClrLst>
+    <dgm:txEffectClrLst/>
+  </dgm:styleLbl>
+  <dgm:styleLbl name="fgImgPlace1">
+    <dgm:fillClrLst meth="repeat">
+      <a:schemeClr val="accent1">
+        <a:tint val="50000"/>
+      </a:schemeClr>
+    </dgm:fillClrLst>
+    <dgm:linClrLst meth="repeat">
+      <a:schemeClr val="lt1"/>
+    </dgm:linClrLst>
+    <dgm:effectClrLst/>
+    <dgm:txLinClrLst/>
+    <dgm:txFillClrLst meth="repeat">
+      <a:schemeClr val="lt1"/>
+    </dgm:txFillClrLst>
+    <dgm:txEffectClrLst/>
+  </dgm:styleLbl>
+  <dgm:styleLbl name="fgShp">
+    <dgm:fillClrLst meth="repeat">
+      <a:schemeClr val="accent1">
+        <a:tint val="60000"/>
+      </a:schemeClr>
+    </dgm:fillClrLst>
+    <dgm:linClrLst meth="repeat">
+      <a:schemeClr val="lt1"/>
+    </dgm:linClrLst>
+    <dgm:effectClrLst/>
+    <dgm:txLinClrLst/>
+    <dgm:txFillClrLst meth="repeat">
+      <a:schemeClr val="dk1"/>
+    </dgm:txFillClrLst>
+    <dgm:txEffectClrLst/>
+  </dgm:styleLbl>
+  <dgm:styleLbl name="fgSibTrans2D1">
+    <dgm:fillClrLst meth="repeat">
+      <a:schemeClr val="accent1">
+        <a:tint val="60000"/>
+      </a:schemeClr>
+    </dgm:fillClrLst>
+    <dgm:linClrLst meth="repeat">
+      <a:schemeClr val="accent1">
+        <a:tint val="60000"/>
+      </a:schemeClr>
+    </dgm:linClrLst>
+    <dgm:effectClrLst/>
+    <dgm:txLinClrLst/>
+    <dgm:txFillClrLst/>
+    <dgm:txEffectClrLst/>
+  </dgm:styleLbl>
+  <dgm:styleLbl name="lnNode1">
+    <dgm:fillClrLst meth="repeat">
+      <a:schemeClr val="accent1"/>
+    </dgm:fillClrLst>
+    <dgm:linClrLst meth="repeat">
+      <a:schemeClr val="lt1"/>
+    </dgm:linClrLst>
+    <dgm:effectClrLst/>
+    <dgm:txLinClrLst/>
+    <dgm:txFillClrLst/>
+    <dgm:txEffectClrLst/>
+  </dgm:styleLbl>
+  <dgm:styleLbl name="node0">
+    <dgm:fillClrLst meth="repeat">
+      <a:schemeClr val="accent1"/>
+    </dgm:fillClrLst>
+    <dgm:linClrLst meth="repeat">
+      <a:schemeClr val="lt1"/>
+    </dgm:linClrLst>
+    <dgm:effectClrLst/>
+    <dgm:txLinClrLst/>
+    <dgm:txFillClrLst/>
+    <dgm:txEffectClrLst/>
+  </dgm:styleLbl>
+  <dgm:styleLbl name="node1">
+    <dgm:fillClrLst meth="repeat">
+      <a:schemeClr val="accent1"/>
+    </dgm:fillClrLst>
+    <dgm:linClrLst meth="repeat">
+      <a:schemeClr val="lt1"/>
+    </dgm:linClrLst>
+    <dgm:effectClrLst/>
+    <dgm:txLinClrLst/>
+    <dgm:txFillClrLst/>
+    <dgm:txEffectClrLst/>
+  </dgm:styleLbl>
+  <dgm:styleLbl name="node2">
+    <dgm:fillClrLst meth="repeat">
+      <a:schemeClr val="accent1"/>
+    </dgm:fillClrLst>
+    <dgm:linClrLst meth="repeat">
+      <a:schemeClr val="lt1"/>
+    </dgm:linClrLst>
+    <dgm:effectClrLst/>
+    <dgm:txLinClrLst/>
+    <dgm:txFillClrLst/>
+    <dgm:txEffectClrLst/>
+  </dgm:styleLbl>
+  <dgm:styleLbl name="node3">
+    <dgm:fillClrLst meth="repeat">
+      <a:schemeClr val="accent1"/>
+    </dgm:fillClrLst>
+    <dgm:linClrLst meth="repeat">
+      <a:schemeClr val="lt1"/>
+    </dgm:linClrLst>
+    <dgm:effectClrLst/>
+    <dgm:txLinClrLst/>
+    <dgm:txFillClrLst/>
+    <dgm:txEffectClrLst/>
+  </dgm:styleLbl>
+  <dgm:styleLbl name="node4">
+    <dgm:fillClrLst meth="repeat">
+      <a:schemeClr val="accent1"/>
+    </dgm:fillClrLst>
+    <dgm:linClrLst meth="repeat">
+      <a:schemeClr val="lt1"/>
+    </dgm:linClrLst>
+    <dgm:effectClrLst/>
+    <dgm:txLinClrLst/>
+    <dgm:txFillClrLst/>
+    <dgm:txEffectClrLst/>
+  </dgm:styleLbl>
+  <dgm:styleLbl name="parChTrans1D1">
+    <dgm:fillClrLst meth="repeat">
+      <a:schemeClr val="accent1"/>
+    </dgm:fillClrLst>
+    <dgm:linClrLst meth="repeat">
+      <a:schemeClr val="accent1">
+        <a:shade val="60000"/>
+      </a:schemeClr>
+    </dgm:linClrLst>
+    <dgm:effectClrLst/>
+    <dgm:txLinClrLst/>
+    <dgm:txFillClrLst meth="repeat">
+      <a:schemeClr val="tx1"/>
+    </dgm:txFillClrLst>
+    <dgm:txEffectClrLst/>
+  </dgm:styleLbl>
+  <dgm:styleLbl name="parChTrans1D2">
+    <dgm:fillClrLst meth="repeat">
+      <a:schemeClr val="accent1"/>
+    </dgm:fillClrLst>
+    <dgm:linClrLst meth="repeat">
+      <a:schemeClr val="accent1">
+        <a:shade val="60000"/>
+      </a:schemeClr>
+    </dgm:linClrLst>
+    <dgm:effectClrLst/>
+    <dgm:txLinClrLst/>
+    <dgm:txFillClrLst meth="repeat">
+      <a:schemeClr val="tx1"/>
+    </dgm:txFillClrLst>
+    <dgm:txEffectClrLst/>
+  </dgm:styleLbl>
+  <dgm:styleLbl name="parChTrans1D3">
+    <dgm:fillClrLst meth="repeat">
+      <a:schemeClr val="accent1"/>
+    </dgm:fillClrLst>
+    <dgm:linClrLst meth="repeat">
+      <a:schemeClr val="accent1">
+        <a:shade val="80000"/>
+      </a:schemeClr>
+    </dgm:linClrLst>
+    <dgm:effectClrLst/>
+    <dgm:txLinClrLst/>
+    <dgm:txFillClrLst meth="repeat">
+      <a:schemeClr val="tx1"/>
+    </dgm:txFillClrLst>
+    <dgm:txEffectClrLst/>
+  </dgm:styleLbl>
+  <dgm:styleLbl name="parChTrans1D4">
+    <dgm:fillClrLst meth="repeat">
+      <a:schemeClr val="accent1"/>
+    </dgm:fillClrLst>
+    <dgm:linClrLst meth="repeat">
+      <a:schemeClr val="accent1">
+        <a:shade val="80000"/>
+      </a:schemeClr>
+    </dgm:linClrLst>
+    <dgm:effectClrLst/>
+    <dgm:txLinClrLst/>
+    <dgm:txFillClrLst meth="repeat">
+      <a:schemeClr val="tx1"/>
+    </dgm:txFillClrLst>
+    <dgm:txEffectClrLst/>
+  </dgm:styleLbl>
+  <dgm:styleLbl name="parChTrans2D1">
+    <dgm:fillClrLst meth="repeat">
+      <a:schemeClr val="accent1">
+        <a:tint val="60000"/>
+      </a:schemeClr>
+    </dgm:fillClrLst>
+    <dgm:linClrLst meth="repeat">
+      <a:schemeClr val="accent1">
+        <a:tint val="60000"/>
+      </a:schemeClr>
+    </dgm:linClrLst>
+    <dgm:effectClrLst/>
+    <dgm:txLinClrLst/>
+    <dgm:txFillClrLst meth="repeat">
+      <a:schemeClr val="lt1"/>
+    </dgm:txFillClrLst>
+    <dgm:txEffectClrLst/>
+  </dgm:styleLbl>
+  <dgm:styleLbl name="parChTrans2D2">
+    <dgm:fillClrLst meth="repeat">
+      <a:schemeClr val="accent1"/>
+    </dgm:fillClrLst>
+    <dgm:linClrLst meth="repeat">
+      <a:schemeClr val="accent1"/>
+    </dgm:linClrLst>
+    <dgm:effectClrLst/>
+    <dgm:txLinClrLst/>
+    <dgm:txFillClrLst meth="repeat">
+      <a:schemeClr val="lt1"/>
+    </dgm:txFillClrLst>
+    <dgm:txEffectClrLst/>
+  </dgm:styleLbl>
+  <dgm:styleLbl name="parChTrans2D3">
+    <dgm:fillClrLst meth="repeat">
+      <a:schemeClr val="accent1"/>
+    </dgm:fillClrLst>
+    <dgm:linClrLst meth="repeat">
+      <a:schemeClr val="accent1"/>
+    </dgm:linClrLst>
+    <dgm:effectClrLst/>
+    <dgm:txLinClrLst/>
+    <dgm:txFillClrLst meth="repeat">
+      <a:schemeClr val="lt1"/>
+    </dgm:txFillClrLst>
+    <dgm:txEffectClrLst/>
+  </dgm:styleLbl>
+  <dgm:styleLbl name="parChTrans2D4">
+    <dgm:fillClrLst meth="repeat">
+      <a:schemeClr val="accent1"/>
+    </dgm:fillClrLst>
+    <dgm:linClrLst meth="repeat">
+      <a:schemeClr val="accent1"/>
+    </dgm:linClrLst>
+    <dgm:effectClrLst/>
+    <dgm:txLinClrLst/>
+    <dgm:txFillClrLst meth="repeat">
+      <a:schemeClr val="lt1"/>
+    </dgm:txFillClrLst>
+    <dgm:txEffectClrLst/>
+  </dgm:styleLbl>
+  <dgm:styleLbl name="revTx">
+    <dgm:fillClrLst meth="repeat">
+      <a:schemeClr val="lt1">
+        <a:alpha val="0"/>
+      </a:schemeClr>
+    </dgm:fillClrLst>
+    <dgm:linClrLst meth="repeat">
+      <a:schemeClr val="dk1">
+        <a:alpha val="0"/>
+      </a:schemeClr>
+    </dgm:linClrLst>
+    <dgm:effectClrLst/>
+    <dgm:txLinClrLst/>
+    <dgm:txFillClrLst meth="repeat">
+      <a:schemeClr val="tx1"/>
+    </dgm:txFillClrLst>
+    <dgm:txEffectClrLst/>
+  </dgm:styleLbl>
+  <dgm:styleLbl name="sibTrans1D1">
+    <dgm:fillClrLst meth="repeat">
+      <a:schemeClr val="accent1"/>
+    </dgm:fillClrLst>
+    <dgm:linClrLst meth="repeat">
+      <a:schemeClr val="accent1"/>
+    </dgm:linClrLst>
+    <dgm:effectClrLst/>
+    <dgm:txLinClrLst/>
+    <dgm:txFillClrLst meth="repeat">
+      <a:schemeClr val="tx1"/>
+    </dgm:txFillClrLst>
+    <dgm:txEffectClrLst/>
+  </dgm:styleLbl>
+  <dgm:styleLbl name="sibTrans2D1">
+    <dgm:fillClrLst meth="repeat">
+      <a:schemeClr val="accent1">
+        <a:tint val="60000"/>
+      </a:schemeClr>
+    </dgm:fillClrLst>
+    <dgm:linClrLst meth="repeat">
+      <a:schemeClr val="accent1">
+        <a:tint val="60000"/>
+      </a:schemeClr>
+    </dgm:linClrLst>
+    <dgm:effectClrLst/>
+    <dgm:txLinClrLst/>
+    <dgm:txFillClrLst/>
+    <dgm:txEffectClrLst/>
+  </dgm:styleLbl>
+  <dgm:styleLbl name="solidAlignAcc1">
+    <dgm:fillClrLst meth="repeat">
+      <a:schemeClr val="lt1"/>
+    </dgm:fillClrLst>
+    <dgm:linClrLst meth="repeat">
+      <a:schemeClr val="accent1"/>
+    </dgm:linClrLst>
+    <dgm:effectClrLst/>
+    <dgm:txLinClrLst/>
+    <dgm:txFillClrLst meth="repeat">
+      <a:schemeClr val="dk1"/>
+    </dgm:txFillClrLst>
+    <dgm:txEffectClrLst/>
+  </dgm:styleLbl>
+  <dgm:styleLbl name="solidBgAcc1">
+    <dgm:fillClrLst meth="repeat">
+      <a:schemeClr val="lt1"/>
+    </dgm:fillClrLst>
+    <dgm:linClrLst meth="repeat">
+      <a:schemeClr val="accent1"/>
+    </dgm:linClrLst>
+    <dgm:effectClrLst/>
+    <dgm:txLinClrLst/>
+    <dgm:txFillClrLst meth="repeat">
+      <a:schemeClr val="dk1"/>
+    </dgm:txFillClrLst>
+    <dgm:txEffectClrLst/>
+  </dgm:styleLbl>
+  <dgm:styleLbl name="solidFgAcc1">
+    <dgm:fillClrLst meth="repeat">
+      <a:schemeClr val="lt1"/>
+    </dgm:fillClrLst>
+    <dgm:linClrLst meth="repeat">
+      <a:schemeClr val="accent1"/>
+    </dgm:linClrLst>
+    <dgm:effectClrLst/>
+    <dgm:txLinClrLst/>
+    <dgm:txFillClrLst meth="repeat">
+      <a:schemeClr val="dk1"/>
+    </dgm:txFillClrLst>
+    <dgm:txEffectClrLst/>
+  </dgm:styleLbl>
+  <dgm:styleLbl name="trAlignAcc1">
+    <dgm:fillClrLst meth="repeat">
+      <a:schemeClr val="lt1">
+        <a:alpha val="40000"/>
+      </a:schemeClr>
+    </dgm:fillClrLst>
+    <dgm:linClrLst meth="repeat">
+      <a:schemeClr val="accent1"/>
+    </dgm:linClrLst>
+    <dgm:effectClrLst/>
+    <dgm:txLinClrLst/>
+    <dgm:txFillClrLst meth="repeat">
+      <a:schemeClr val="dk1"/>
+    </dgm:txFillClrLst>
+    <dgm:txEffectClrLst/>
+  </dgm:styleLbl>
+  <dgm:styleLbl name="trBgShp">
+    <dgm:fillClrLst meth="repeat">
+      <a:schemeClr val="accent1">
+        <a:tint val="50000"/>
+        <a:alpha val="40000"/>
+      </a:schemeClr>
+    </dgm:fillClrLst>
+    <dgm:linClrLst meth="repeat">
+      <a:schemeClr val="accent1"/>
+    </dgm:linClrLst>
+    <dgm:effectClrLst/>
+    <dgm:txLinClrLst/>
+    <dgm:txFillClrLst meth="repeat">
+      <a:schemeClr val="lt1"/>
+    </dgm:txFillClrLst>
+    <dgm:txEffectClrLst/>
+  </dgm:styleLbl>
+  <dgm:styleLbl name="vennNode1">
+    <dgm:fillClrLst meth="repeat">
+      <a:schemeClr val="accent1">
+        <a:alpha val="50000"/>
+      </a:schemeClr>
+    </dgm:fillClrLst>
+    <dgm:linClrLst meth="repeat">
+      <a:schemeClr val="lt1"/>
+    </dgm:linClrLst>
+    <dgm:effectClrLst/>
+    <dgm:txLinClrLst/>
+    <dgm:txFillClrLst/>
+    <dgm:txEffectClrLst/>
+  </dgm:styleLbl>
+</dgm:colorsDef>
+</file>
+
 <file path=ppt/diagrams/data1.xml><?xml version="1.0" encoding="utf-8"?>
 <dgm:dataModel xmlns:dgm="http://schemas.openxmlformats.org/drawingml/2006/diagram" xmlns:a="http://schemas.openxmlformats.org/drawingml/2006/main">
   <dgm:ptLst>
@@ -892,10 +1639,10 @@
             </a:spcAft>
           </a:pPr>
           <a:r>
-            <a:rPr lang="" altLang="en-US"/>
+            <a:rPr lang="en-US" altLang="en-US"/>
             <a:t>Mempertontonkan penyimpangan</a:t>
           </a:r>
-          <a:endParaRPr lang="" altLang="en-US"/>
+          <a:endParaRPr lang="en-US" altLang="en-US"/>
         </a:p>
       </dgm:t>
     </dgm:pt>
@@ -937,7 +1684,7 @@
             </a:spcAft>
           </a:pPr>
           <a:r>
-            <a:rPr lang="" altLang="en-US"/>
+            <a:rPr lang="en-US" altLang="en-US"/>
             <a:t>Elite politik</a:t>
           </a:r>
           <a:r>
@@ -986,10 +1733,10 @@
             </a:spcAft>
           </a:pPr>
           <a:r>
-            <a:rPr lang="" altLang="en-US"/>
+            <a:rPr lang="en-US" altLang="en-US"/>
             <a:t>Tokoh</a:t>
           </a:r>
-          <a:endParaRPr lang="" altLang="en-US"/>
+          <a:endParaRPr lang="en-US" altLang="en-US"/>
         </a:p>
       </dgm:t>
     </dgm:pt>
@@ -1019,10 +1766,10 @@
             </a:spcAft>
           </a:pPr>
           <a:r>
-            <a:rPr lang="" altLang="en-US"/>
+            <a:rPr lang="en-US" altLang="en-US"/>
             <a:t>Contoh: berbagai kasus korupsi</a:t>
           </a:r>
-          <a:endParaRPr lang="" altLang="en-US"/>
+          <a:endParaRPr lang="en-US" altLang="en-US"/>
         </a:p>
       </dgm:t>
     </dgm:pt>
@@ -1052,14 +1799,14 @@
             </a:spcAft>
           </a:pPr>
           <a:r>
-            <a:rPr lang="" altLang="en-US"/>
+            <a:rPr lang="en-US" altLang="en-US"/>
             <a:t>Sistem nilai rusak</a:t>
           </a:r>
           <a:r>
-            <a:rPr lang="" altLang="en-US"/>
+            <a:rPr lang="en-US" altLang="en-US"/>
             <a:t/>
           </a:r>
-          <a:endParaRPr lang="" altLang="en-US"/>
+          <a:endParaRPr lang="en-US" altLang="en-US"/>
         </a:p>
       </dgm:t>
     </dgm:pt>
@@ -1101,7 +1848,7 @@
             </a:spcAft>
           </a:pPr>
           <a:r>
-            <a:rPr lang="" altLang="en-US"/>
+            <a:rPr lang="en-US" altLang="en-US"/>
             <a:t>Masyarakat</a:t>
           </a:r>
           <a:r>
@@ -1150,14 +1897,14 @@
             </a:spcAft>
           </a:pPr>
           <a:r>
-            <a:rPr lang="" altLang="en-US"/>
+            <a:rPr lang="en-US" altLang="en-US"/>
             <a:t>Diperkuat</a:t>
           </a:r>
           <a:r>
-            <a:rPr lang="" altLang="en-US"/>
+            <a:rPr lang="en-US" altLang="en-US"/>
             <a:t/>
           </a:r>
-          <a:endParaRPr lang="" altLang="en-US"/>
+          <a:endParaRPr lang="en-US" altLang="en-US"/>
         </a:p>
       </dgm:t>
     </dgm:pt>
@@ -1199,7 +1946,7 @@
             </a:spcAft>
           </a:pPr>
           <a:r>
-            <a:rPr lang="" altLang="en-US"/>
+            <a:rPr lang="en-US" altLang="en-US"/>
             <a:t>Derasnya arus informasi</a:t>
           </a:r>
           <a:r>
@@ -1248,10 +1995,10 @@
             </a:spcAft>
           </a:pPr>
           <a:r>
-            <a:rPr lang="" altLang="en-US"/>
+            <a:rPr lang="en-US" altLang="en-US"/>
             <a:t>Memperlihatkan contoh buruk</a:t>
           </a:r>
-          <a:endParaRPr lang="" altLang="en-US"/>
+          <a:endParaRPr lang="en-US" altLang="en-US"/>
         </a:p>
       </dgm:t>
     </dgm:pt>
@@ -1281,10 +2028,10 @@
             </a:spcAft>
           </a:pPr>
           <a:r>
-            <a:rPr lang="" altLang="en-US"/>
+            <a:rPr lang="en-US" altLang="en-US"/>
             <a:t>Tidak diberi sanksi</a:t>
           </a:r>
-          <a:endParaRPr lang="" altLang="en-US"/>
+          <a:endParaRPr lang="en-US" altLang="en-US"/>
         </a:p>
       </dgm:t>
     </dgm:pt>
@@ -1492,6 +2239,408 @@
     <dgm:cxn modelId="{D9702C8D-40CF-47C8-B899-A6436D67698C}" type="presParOf" srcId="{754F4C32-447F-4E14-8ED3-35A922A043A5}" destId="{E8647766-AE1D-45F8-B3AB-5EEE3BDE8498}" srcOrd="3" destOrd="4" presId="urn:microsoft.com/office/officeart/2005/8/layout/hProcess4"/>
     <dgm:cxn modelId="{23A220B3-4C80-477B-B707-C99209532A75}" type="presOf" srcId="{89CF50F2-3EE8-4308-BA46-57745656A4AA}" destId="{E8647766-AE1D-45F8-B3AB-5EEE3BDE8498}" srcOrd="0" destOrd="0" presId="urn:microsoft.com/office/officeart/2005/8/layout/hProcess4"/>
     <dgm:cxn modelId="{AA039EB9-1198-4DF7-9503-A16D19FC4BE0}" type="presParOf" srcId="{754F4C32-447F-4E14-8ED3-35A922A043A5}" destId="{96D6127B-1D73-45CB-82BD-67878CD7892E}" srcOrd="4" destOrd="4" presId="urn:microsoft.com/office/officeart/2005/8/layout/hProcess4"/>
+  </dgm:cxnLst>
+  <dgm:bg/>
+  <dgm:whole/>
+  <dgm:extLst>
+    <a:ext uri="http://schemas.microsoft.com/office/drawing/2008/diagram">
+      <dsp:dataModelExt xmlns:dsp="http://schemas.microsoft.com/office/drawing/2008/diagram" relId="rId5" minVer="http://schemas.openxmlformats.org/drawingml/2006/diagram"/>
+    </a:ext>
+  </dgm:extLst>
+</dgm:dataModel>
+</file>
+
+<file path=ppt/diagrams/data2.xml><?xml version="1.0" encoding="utf-8"?>
+<dgm:dataModel xmlns:dgm="http://schemas.openxmlformats.org/drawingml/2006/diagram" xmlns:a="http://schemas.openxmlformats.org/drawingml/2006/main">
+  <dgm:ptLst>
+    <dgm:pt modelId="{00C3FF9A-D14D-4FEF-AB1B-9A37301A6284}" type="doc">
+      <dgm:prSet loTypeId="process" loCatId="process" qsTypeId="urn:microsoft.com/office/officeart/2005/8/quickstyle/simple1" qsCatId="simple" csTypeId="urn:microsoft.com/office/officeart/2005/8/colors/accent1_2" csCatId="accent1" phldr="0"/>
+      <dgm:spPr/>
+    </dgm:pt>
+    <dgm:pt modelId="{1034FEB5-A03A-4CA2-A076-E8EC6ED5FE3D}">
+      <dgm:prSet phldrT="[Text]" phldr="0" custT="0"/>
+      <dgm:spPr/>
+      <dgm:t>
+        <a:bodyPr vert="horz" wrap="square"/>
+        <a:p>
+          <a:pPr>
+            <a:lnSpc>
+              <a:spcPct val="100000"/>
+            </a:lnSpc>
+            <a:spcBef>
+              <a:spcPct val="0"/>
+            </a:spcBef>
+            <a:spcAft>
+              <a:spcPct val="35000"/>
+            </a:spcAft>
+          </a:pPr>
+          <a:r>
+            <a:rPr lang="" altLang="en-US"/>
+            <a:t>Solusi:</a:t>
+          </a:r>
+          <a:endParaRPr lang="" altLang="en-US"/>
+        </a:p>
+        <a:p>
+          <a:pPr>
+            <a:lnSpc>
+              <a:spcPct val="100000"/>
+            </a:lnSpc>
+            <a:spcBef>
+              <a:spcPct val="0"/>
+            </a:spcBef>
+            <a:spcAft>
+              <a:spcPct val="35000"/>
+            </a:spcAft>
+          </a:pPr>
+          <a:r>
+            <a:rPr lang="" altLang="en-US"/>
+            <a:t>Pendidikan berbasis agama</a:t>
+          </a:r>
+          <a:endParaRPr lang="" altLang="en-US"/>
+        </a:p>
+      </dgm:t>
+    </dgm:pt>
+    <dgm:pt modelId="{02FFF727-8F6D-4C0C-8965-23714FFE0D46}" cxnId="{DD1A0F68-05EB-4B64-996A-AE34DEF1FE67}" type="parTrans">
+      <dgm:prSet/>
+      <dgm:spPr/>
+    </dgm:pt>
+    <dgm:pt modelId="{27627A2C-C31B-48C3-8561-218EEA6BB751}" cxnId="{DD1A0F68-05EB-4B64-996A-AE34DEF1FE67}" type="sibTrans">
+      <dgm:prSet/>
+      <dgm:spPr/>
+    </dgm:pt>
+    <dgm:pt modelId="{07804D65-B857-43DC-8AF8-F5310C8A9254}">
+      <dgm:prSet phldrT="[Text]" phldr="0" custT="0"/>
+      <dgm:spPr/>
+      <dgm:t>
+        <a:bodyPr vert="horz" wrap="square"/>
+        <a:p>
+          <a:pPr>
+            <a:lnSpc>
+              <a:spcPct val="100000"/>
+            </a:lnSpc>
+            <a:spcBef>
+              <a:spcPct val="0"/>
+            </a:spcBef>
+            <a:spcAft>
+              <a:spcPct val="35000"/>
+            </a:spcAft>
+          </a:pPr>
+          <a:r>
+            <a:rPr lang="" altLang="en-US"/>
+            <a:t>P</a:t>
+          </a:r>
+          <a:r>
+            <a:rPr lang="en-US"/>
+            <a:t>endidikan pesantren</a:t>
+          </a:r>
+          <a:endParaRPr lang="en-US"/>
+        </a:p>
+      </dgm:t>
+    </dgm:pt>
+    <dgm:pt modelId="{B0C8065F-D400-41C9-B576-EDC25611F23D}" cxnId="{AEF2A335-435B-484D-AA3C-CA65B34936F4}" type="parTrans">
+      <dgm:prSet/>
+      <dgm:spPr/>
+    </dgm:pt>
+    <dgm:pt modelId="{033D64D5-CC10-4917-BAD2-C3D556F9C854}" cxnId="{AEF2A335-435B-484D-AA3C-CA65B34936F4}" type="sibTrans">
+      <dgm:prSet/>
+      <dgm:spPr/>
+    </dgm:pt>
+    <dgm:pt modelId="{8606FE70-AF6E-4175-8F14-FE0F24E767EB}">
+      <dgm:prSet phldrT="[Text]" phldr="0" custT="0"/>
+      <dgm:spPr/>
+      <dgm:t>
+        <a:bodyPr vert="horz" wrap="square"/>
+        <a:p>
+          <a:pPr>
+            <a:lnSpc>
+              <a:spcPct val="100000"/>
+            </a:lnSpc>
+            <a:spcBef>
+              <a:spcPct val="0"/>
+            </a:spcBef>
+            <a:spcAft>
+              <a:spcPct val="35000"/>
+            </a:spcAft>
+          </a:pPr>
+          <a:r>
+            <a:rPr lang="en-US"/>
+            <a:t>Bukan tujuan:</a:t>
+          </a:r>
+          <a:endParaRPr lang="en-US"/>
+        </a:p>
+        <a:p>
+          <a:pPr>
+            <a:lnSpc>
+              <a:spcPct val="100000"/>
+            </a:lnSpc>
+            <a:spcBef>
+              <a:spcPct val="0"/>
+            </a:spcBef>
+            <a:spcAft>
+              <a:spcPct val="35000"/>
+            </a:spcAft>
+          </a:pPr>
+          <a:r>
+            <a:rPr lang="" altLang="en-US"/>
+            <a:t>- </a:t>
+          </a:r>
+          <a:r>
+            <a:rPr lang="en-US"/>
+            <a:t>Kekuasaan</a:t>
+          </a:r>
+          <a:endParaRPr lang="en-US"/>
+        </a:p>
+        <a:p>
+          <a:pPr>
+            <a:lnSpc>
+              <a:spcPct val="100000"/>
+            </a:lnSpc>
+            <a:spcBef>
+              <a:spcPct val="0"/>
+            </a:spcBef>
+            <a:spcAft>
+              <a:spcPct val="35000"/>
+            </a:spcAft>
+          </a:pPr>
+          <a:r>
+            <a:rPr lang="" altLang="en-US"/>
+            <a:t>- </a:t>
+          </a:r>
+          <a:r>
+            <a:rPr lang="en-US"/>
+            <a:t>Uang</a:t>
+          </a:r>
+          <a:endParaRPr lang="en-US"/>
+        </a:p>
+        <a:p>
+          <a:pPr>
+            <a:lnSpc>
+              <a:spcPct val="100000"/>
+            </a:lnSpc>
+            <a:spcBef>
+              <a:spcPct val="0"/>
+            </a:spcBef>
+            <a:spcAft>
+              <a:spcPct val="35000"/>
+            </a:spcAft>
+          </a:pPr>
+          <a:r>
+            <a:rPr lang="" altLang="en-US"/>
+            <a:t>- </a:t>
+          </a:r>
+          <a:r>
+            <a:rPr lang="en-US"/>
+            <a:t>Keagungan duniawi</a:t>
+          </a:r>
+          <a:endParaRPr lang="en-US"/>
+        </a:p>
+      </dgm:t>
+    </dgm:pt>
+    <dgm:pt modelId="{A7135B97-5F0E-4193-8AE0-86BE29E17076}" cxnId="{E04E51EE-EF09-4886-B263-9173B2A857F8}" type="parTrans">
+      <dgm:prSet/>
+      <dgm:spPr/>
+    </dgm:pt>
+    <dgm:pt modelId="{BE7B0713-70AB-4DA3-B6EB-D54F04680FC9}" cxnId="{E04E51EE-EF09-4886-B263-9173B2A857F8}" type="sibTrans">
+      <dgm:prSet/>
+      <dgm:spPr/>
+    </dgm:pt>
+    <dgm:pt modelId="{0CFC2FE8-501F-4A03-B10D-454F0D245461}">
+      <dgm:prSet/>
+      <dgm:spPr/>
+      <dgm:t>
+        <a:bodyPr/>
+        <a:p>
+          <a:endParaRPr altLang="en-US"/>
+        </a:p>
+      </dgm:t>
+    </dgm:pt>
+    <dgm:pt modelId="{ED26D685-8249-43E4-8BFB-4530E834DD34}" cxnId="{12FA7BD3-366A-4ADE-83FC-E0EA0FDE32AA}" type="parTrans">
+      <dgm:prSet/>
+      <dgm:spPr/>
+    </dgm:pt>
+    <dgm:pt modelId="{74F4CCC2-E632-41BD-80CF-DEF9E1EBB32A}" cxnId="{12FA7BD3-366A-4ADE-83FC-E0EA0FDE32AA}" type="sibTrans">
+      <dgm:prSet/>
+      <dgm:spPr/>
+    </dgm:pt>
+    <dgm:pt modelId="{C7187F6E-462C-48E6-8254-9520E35555AC}">
+      <dgm:prSet phldr="0" custT="0"/>
+      <dgm:spPr/>
+      <dgm:t>
+        <a:bodyPr vert="horz" wrap="square"/>
+        <a:p>
+          <a:pPr>
+            <a:lnSpc>
+              <a:spcPct val="100000"/>
+            </a:lnSpc>
+            <a:spcBef>
+              <a:spcPct val="0"/>
+            </a:spcBef>
+            <a:spcAft>
+              <a:spcPct val="35000"/>
+            </a:spcAft>
+          </a:pPr>
+          <a:r>
+            <a:rPr lang=""/>
+            <a:t>B</a:t>
+          </a:r>
+          <a:r>
+            <a:rPr altLang="en-US"/>
+            <a:t>elajar adalah semata-mata kewajiban dan pengabdian kepada Tuhan</a:t>
+          </a:r>
+          <a:endParaRPr altLang="en-US"/>
+        </a:p>
+      </dgm:t>
+    </dgm:pt>
+    <dgm:pt modelId="{D1902DFA-F845-4A48-BF7D-DFB5B45B656C}" cxnId="{B7E0A963-ECC5-433D-A105-F95C64C10160}" type="parTrans">
+      <dgm:prSet/>
+      <dgm:spPr/>
+    </dgm:pt>
+    <dgm:pt modelId="{8ACBF56A-60E8-441A-A5E6-D9264BF209F9}" cxnId="{B7E0A963-ECC5-433D-A105-F95C64C10160}" type="sibTrans">
+      <dgm:prSet/>
+      <dgm:spPr/>
+    </dgm:pt>
+    <dgm:pt modelId="{45BEB973-4E3A-4392-B9B3-69325184A02F}">
+      <dgm:prSet phldr="0" custT="0"/>
+      <dgm:spPr/>
+      <dgm:t>
+        <a:bodyPr vert="horz" wrap="square"/>
+        <a:p>
+          <a:pPr>
+            <a:lnSpc>
+              <a:spcPct val="100000"/>
+            </a:lnSpc>
+            <a:spcBef>
+              <a:spcPct val="0"/>
+            </a:spcBef>
+            <a:spcAft>
+              <a:spcPct val="35000"/>
+            </a:spcAft>
+          </a:pPr>
+          <a:r>
+            <a:rPr lang=""/>
+            <a:t>M</a:t>
+          </a:r>
+          <a:r>
+            <a:rPr altLang="en-US"/>
+            <a:t>enyadarkan masyarakat akan tanggung jawab atas setiap perbuatan yang dilakukannya semasa di dunia</a:t>
+          </a:r>
+          <a:endParaRPr altLang="en-US"/>
+        </a:p>
+      </dgm:t>
+    </dgm:pt>
+    <dgm:pt modelId="{62569906-B854-42B4-B394-588D22116A06}" cxnId="{4420FB2E-AB07-47C2-B287-328D05258A1F}" type="parTrans">
+      <dgm:prSet/>
+      <dgm:spPr/>
+    </dgm:pt>
+    <dgm:pt modelId="{40C6FD5A-00F2-43AE-ABAE-7A6FFAD6B753}" cxnId="{4420FB2E-AB07-47C2-B287-328D05258A1F}" type="sibTrans">
+      <dgm:prSet/>
+      <dgm:spPr/>
+    </dgm:pt>
+    <dgm:pt modelId="{559C2B3A-379F-4C35-A339-5499CB042C33}" type="pres">
+      <dgm:prSet presAssocID="{00C3FF9A-D14D-4FEF-AB1B-9A37301A6284}" presName="arrowDiagram" presStyleCnt="0">
+        <dgm:presLayoutVars>
+          <dgm:chMax val="5"/>
+          <dgm:dir/>
+          <dgm:resizeHandles val="exact"/>
+        </dgm:presLayoutVars>
+      </dgm:prSet>
+      <dgm:spPr/>
+    </dgm:pt>
+    <dgm:pt modelId="{A7714133-905D-4994-BEED-F8C5B479726D}" type="pres">
+      <dgm:prSet presAssocID="{00C3FF9A-D14D-4FEF-AB1B-9A37301A6284}" presName="arrow" presStyleLbl="bgShp" presStyleIdx="0" presStyleCnt="1"/>
+      <dgm:spPr/>
+    </dgm:pt>
+    <dgm:pt modelId="{0F6D18A2-2627-4E1C-9C89-C7A3808E2745}" type="pres">
+      <dgm:prSet presAssocID="{00C3FF9A-D14D-4FEF-AB1B-9A37301A6284}" presName="arrowDiagram5" presStyleCnt="0"/>
+      <dgm:spPr/>
+    </dgm:pt>
+    <dgm:pt modelId="{105B13BE-4B6A-432E-A5F2-1AF6368821A7}" type="pres">
+      <dgm:prSet presAssocID="{1034FEB5-A03A-4CA2-A076-E8EC6ED5FE3D}" presName="bullet5a" presStyleLbl="node1" presStyleIdx="0" presStyleCnt="5"/>
+      <dgm:spPr/>
+    </dgm:pt>
+    <dgm:pt modelId="{A1D3C17C-66D2-48F0-B58C-6A3D74B21BC2}" type="pres">
+      <dgm:prSet presAssocID="{1034FEB5-A03A-4CA2-A076-E8EC6ED5FE3D}" presName="textBox5a" presStyleLbl="revTx" presStyleIdx="0" presStyleCnt="5">
+        <dgm:presLayoutVars>
+          <dgm:bulletEnabled val="1"/>
+        </dgm:presLayoutVars>
+      </dgm:prSet>
+      <dgm:spPr/>
+    </dgm:pt>
+    <dgm:pt modelId="{AD6F777E-4AB6-4388-AF87-1E70A3BACC64}" type="pres">
+      <dgm:prSet presAssocID="{07804D65-B857-43DC-8AF8-F5310C8A9254}" presName="bullet5b" presStyleLbl="node1" presStyleIdx="1" presStyleCnt="5"/>
+      <dgm:spPr/>
+    </dgm:pt>
+    <dgm:pt modelId="{4EF9C2D1-5EAE-49F2-BF1F-B006B9E997C1}" type="pres">
+      <dgm:prSet presAssocID="{07804D65-B857-43DC-8AF8-F5310C8A9254}" presName="textBox5b" presStyleLbl="revTx" presStyleIdx="1" presStyleCnt="5">
+        <dgm:presLayoutVars>
+          <dgm:bulletEnabled val="1"/>
+        </dgm:presLayoutVars>
+      </dgm:prSet>
+      <dgm:spPr/>
+    </dgm:pt>
+    <dgm:pt modelId="{3BDC73E2-A1B2-45FA-854C-884E9DB78B90}" type="pres">
+      <dgm:prSet presAssocID="{8606FE70-AF6E-4175-8F14-FE0F24E767EB}" presName="bullet5c" presStyleLbl="node1" presStyleIdx="2" presStyleCnt="5"/>
+      <dgm:spPr/>
+    </dgm:pt>
+    <dgm:pt modelId="{0579FE20-2232-46E9-9952-9B2FFA5B48D1}" type="pres">
+      <dgm:prSet presAssocID="{8606FE70-AF6E-4175-8F14-FE0F24E767EB}" presName="textBox5c" presStyleLbl="revTx" presStyleIdx="2" presStyleCnt="5">
+        <dgm:presLayoutVars>
+          <dgm:bulletEnabled val="1"/>
+        </dgm:presLayoutVars>
+      </dgm:prSet>
+      <dgm:spPr/>
+    </dgm:pt>
+    <dgm:pt modelId="{E373F906-6A59-4205-8481-C07E50E3C913}" type="pres">
+      <dgm:prSet presAssocID="{C7187F6E-462C-48E6-8254-9520E35555AC}" presName="bullet5d" presStyleLbl="node1" presStyleIdx="3" presStyleCnt="5"/>
+      <dgm:spPr/>
+    </dgm:pt>
+    <dgm:pt modelId="{B44663FA-DCD6-4962-8312-94710A050879}" type="pres">
+      <dgm:prSet presAssocID="{C7187F6E-462C-48E6-8254-9520E35555AC}" presName="textBox5d" presStyleLbl="revTx" presStyleIdx="3" presStyleCnt="5">
+        <dgm:presLayoutVars>
+          <dgm:bulletEnabled val="1"/>
+        </dgm:presLayoutVars>
+      </dgm:prSet>
+      <dgm:spPr/>
+    </dgm:pt>
+    <dgm:pt modelId="{D4E82E48-8B3A-41EA-9615-269CC4F2E0A6}" type="pres">
+      <dgm:prSet presAssocID="{45BEB973-4E3A-4392-B9B3-69325184A02F}" presName="bullet5e" presStyleLbl="node1" presStyleIdx="4" presStyleCnt="5"/>
+      <dgm:spPr/>
+    </dgm:pt>
+    <dgm:pt modelId="{3FEBAAEF-9A32-4FFB-BF00-1C450BA062EA}" type="pres">
+      <dgm:prSet presAssocID="{45BEB973-4E3A-4392-B9B3-69325184A02F}" presName="textBox5e" presStyleLbl="revTx" presStyleIdx="4" presStyleCnt="5">
+        <dgm:presLayoutVars>
+          <dgm:bulletEnabled val="1"/>
+        </dgm:presLayoutVars>
+      </dgm:prSet>
+      <dgm:spPr/>
+    </dgm:pt>
+  </dgm:ptLst>
+  <dgm:cxnLst>
+    <dgm:cxn modelId="{DD1A0F68-05EB-4B64-996A-AE34DEF1FE67}" srcId="{00C3FF9A-D14D-4FEF-AB1B-9A37301A6284}" destId="{1034FEB5-A03A-4CA2-A076-E8EC6ED5FE3D}" srcOrd="0" destOrd="0" parTransId="{02FFF727-8F6D-4C0C-8965-23714FFE0D46}" sibTransId="{27627A2C-C31B-48C3-8561-218EEA6BB751}"/>
+    <dgm:cxn modelId="{AEF2A335-435B-484D-AA3C-CA65B34936F4}" srcId="{00C3FF9A-D14D-4FEF-AB1B-9A37301A6284}" destId="{07804D65-B857-43DC-8AF8-F5310C8A9254}" srcOrd="1" destOrd="0" parTransId="{B0C8065F-D400-41C9-B576-EDC25611F23D}" sibTransId="{033D64D5-CC10-4917-BAD2-C3D556F9C854}"/>
+    <dgm:cxn modelId="{E04E51EE-EF09-4886-B263-9173B2A857F8}" srcId="{00C3FF9A-D14D-4FEF-AB1B-9A37301A6284}" destId="{8606FE70-AF6E-4175-8F14-FE0F24E767EB}" srcOrd="2" destOrd="0" parTransId="{A7135B97-5F0E-4193-8AE0-86BE29E17076}" sibTransId="{BE7B0713-70AB-4DA3-B6EB-D54F04680FC9}"/>
+    <dgm:cxn modelId="{12FA7BD3-366A-4ADE-83FC-E0EA0FDE32AA}" srcId="{8606FE70-AF6E-4175-8F14-FE0F24E767EB}" destId="{0CFC2FE8-501F-4A03-B10D-454F0D245461}" srcOrd="0" destOrd="2" parTransId="{ED26D685-8249-43E4-8BFB-4530E834DD34}" sibTransId="{74F4CCC2-E632-41BD-80CF-DEF9E1EBB32A}"/>
+    <dgm:cxn modelId="{B7E0A963-ECC5-433D-A105-F95C64C10160}" srcId="{00C3FF9A-D14D-4FEF-AB1B-9A37301A6284}" destId="{C7187F6E-462C-48E6-8254-9520E35555AC}" srcOrd="3" destOrd="0" parTransId="{D1902DFA-F845-4A48-BF7D-DFB5B45B656C}" sibTransId="{8ACBF56A-60E8-441A-A5E6-D9264BF209F9}"/>
+    <dgm:cxn modelId="{4420FB2E-AB07-47C2-B287-328D05258A1F}" srcId="{00C3FF9A-D14D-4FEF-AB1B-9A37301A6284}" destId="{45BEB973-4E3A-4392-B9B3-69325184A02F}" srcOrd="4" destOrd="0" parTransId="{62569906-B854-42B4-B394-588D22116A06}" sibTransId="{40C6FD5A-00F2-43AE-ABAE-7A6FFAD6B753}"/>
+    <dgm:cxn modelId="{6D4F52B1-D115-4141-8CE8-9D2069051874}" type="presOf" srcId="{00C3FF9A-D14D-4FEF-AB1B-9A37301A6284}" destId="{559C2B3A-379F-4C35-A339-5499CB042C33}" srcOrd="0" destOrd="0" presId="urn:microsoft.com/office/officeart/2005/8/layout/arrow2"/>
+    <dgm:cxn modelId="{364A4F18-154E-4BC9-B5C4-B7A678DEF0E9}" type="presParOf" srcId="{559C2B3A-379F-4C35-A339-5499CB042C33}" destId="{A7714133-905D-4994-BEED-F8C5B479726D}" srcOrd="0" destOrd="0" presId="urn:microsoft.com/office/officeart/2005/8/layout/arrow2"/>
+    <dgm:cxn modelId="{CC768E62-9697-4308-B548-7ABDC59AAD55}" type="presParOf" srcId="{559C2B3A-379F-4C35-A339-5499CB042C33}" destId="{0F6D18A2-2627-4E1C-9C89-C7A3808E2745}" srcOrd="1" destOrd="0" presId="urn:microsoft.com/office/officeart/2005/8/layout/arrow2"/>
+    <dgm:cxn modelId="{2F129D7B-D4B7-4AB1-85D0-DA7AF4A50BCE}" type="presParOf" srcId="{0F6D18A2-2627-4E1C-9C89-C7A3808E2745}" destId="{105B13BE-4B6A-432E-A5F2-1AF6368821A7}" srcOrd="0" destOrd="1" presId="urn:microsoft.com/office/officeart/2005/8/layout/arrow2"/>
+    <dgm:cxn modelId="{41C7093D-33A2-4350-B484-173ED945B5FF}" type="presParOf" srcId="{0F6D18A2-2627-4E1C-9C89-C7A3808E2745}" destId="{A1D3C17C-66D2-48F0-B58C-6A3D74B21BC2}" srcOrd="1" destOrd="1" presId="urn:microsoft.com/office/officeart/2005/8/layout/arrow2"/>
+    <dgm:cxn modelId="{1C0A7547-68E9-47C6-8113-2F0B6AE25E3B}" type="presOf" srcId="{1034FEB5-A03A-4CA2-A076-E8EC6ED5FE3D}" destId="{A1D3C17C-66D2-48F0-B58C-6A3D74B21BC2}" srcOrd="0" destOrd="0" presId="urn:microsoft.com/office/officeart/2005/8/layout/arrow2"/>
+    <dgm:cxn modelId="{EDD44E69-554C-4984-ABE3-AC083D389896}" type="presParOf" srcId="{0F6D18A2-2627-4E1C-9C89-C7A3808E2745}" destId="{AD6F777E-4AB6-4388-AF87-1E70A3BACC64}" srcOrd="2" destOrd="1" presId="urn:microsoft.com/office/officeart/2005/8/layout/arrow2"/>
+    <dgm:cxn modelId="{097540A0-CB56-4CF3-AD9F-2C78FE2665A5}" type="presParOf" srcId="{0F6D18A2-2627-4E1C-9C89-C7A3808E2745}" destId="{4EF9C2D1-5EAE-49F2-BF1F-B006B9E997C1}" srcOrd="3" destOrd="1" presId="urn:microsoft.com/office/officeart/2005/8/layout/arrow2"/>
+    <dgm:cxn modelId="{4DA3869A-7D94-43E3-8AAC-350877D72897}" type="presOf" srcId="{07804D65-B857-43DC-8AF8-F5310C8A9254}" destId="{4EF9C2D1-5EAE-49F2-BF1F-B006B9E997C1}" srcOrd="0" destOrd="0" presId="urn:microsoft.com/office/officeart/2005/8/layout/arrow2"/>
+    <dgm:cxn modelId="{16140CA5-A697-408F-AEBC-2400C54BF90A}" type="presParOf" srcId="{0F6D18A2-2627-4E1C-9C89-C7A3808E2745}" destId="{3BDC73E2-A1B2-45FA-854C-884E9DB78B90}" srcOrd="4" destOrd="1" presId="urn:microsoft.com/office/officeart/2005/8/layout/arrow2"/>
+    <dgm:cxn modelId="{39397F96-1880-46AF-B8EA-910E81CD2321}" type="presParOf" srcId="{0F6D18A2-2627-4E1C-9C89-C7A3808E2745}" destId="{0579FE20-2232-46E9-9952-9B2FFA5B48D1}" srcOrd="5" destOrd="1" presId="urn:microsoft.com/office/officeart/2005/8/layout/arrow2"/>
+    <dgm:cxn modelId="{08013323-D583-4858-94AC-166615E18464}" type="presOf" srcId="{8606FE70-AF6E-4175-8F14-FE0F24E767EB}" destId="{0579FE20-2232-46E9-9952-9B2FFA5B48D1}" srcOrd="0" destOrd="0" presId="urn:microsoft.com/office/officeart/2005/8/layout/arrow2"/>
+    <dgm:cxn modelId="{ED3C328F-55E4-40DF-A528-14BB76BD3B57}" type="presOf" srcId="{0CFC2FE8-501F-4A03-B10D-454F0D245461}" destId="{0579FE20-2232-46E9-9952-9B2FFA5B48D1}" srcOrd="0" destOrd="1" presId="urn:microsoft.com/office/officeart/2005/8/layout/arrow2"/>
+    <dgm:cxn modelId="{BACD570B-6F2D-48C0-8A92-AE24998B05D4}" type="presParOf" srcId="{0F6D18A2-2627-4E1C-9C89-C7A3808E2745}" destId="{E373F906-6A59-4205-8481-C07E50E3C913}" srcOrd="6" destOrd="1" presId="urn:microsoft.com/office/officeart/2005/8/layout/arrow2"/>
+    <dgm:cxn modelId="{BE300136-1575-49D3-B8CF-242120EDE6EB}" type="presParOf" srcId="{0F6D18A2-2627-4E1C-9C89-C7A3808E2745}" destId="{B44663FA-DCD6-4962-8312-94710A050879}" srcOrd="7" destOrd="1" presId="urn:microsoft.com/office/officeart/2005/8/layout/arrow2"/>
+    <dgm:cxn modelId="{FA5A4A9B-1988-4DF1-813F-DEA2D06AD383}" type="presOf" srcId="{C7187F6E-462C-48E6-8254-9520E35555AC}" destId="{B44663FA-DCD6-4962-8312-94710A050879}" srcOrd="0" destOrd="0" presId="urn:microsoft.com/office/officeart/2005/8/layout/arrow2"/>
+    <dgm:cxn modelId="{C04FA7AA-F596-46E3-8548-97163B803423}" type="presParOf" srcId="{0F6D18A2-2627-4E1C-9C89-C7A3808E2745}" destId="{D4E82E48-8B3A-41EA-9615-269CC4F2E0A6}" srcOrd="8" destOrd="1" presId="urn:microsoft.com/office/officeart/2005/8/layout/arrow2"/>
+    <dgm:cxn modelId="{25762E55-AD9B-4865-A18E-A45D8CFBA2EB}" type="presParOf" srcId="{0F6D18A2-2627-4E1C-9C89-C7A3808E2745}" destId="{3FEBAAEF-9A32-4FFB-BF00-1C450BA062EA}" srcOrd="9" destOrd="1" presId="urn:microsoft.com/office/officeart/2005/8/layout/arrow2"/>
+    <dgm:cxn modelId="{565AD1DB-799E-44D1-B493-4422AFEEF6F9}" type="presOf" srcId="{45BEB973-4E3A-4392-B9B3-69325184A02F}" destId="{3FEBAAEF-9A32-4FFB-BF00-1C450BA062EA}" srcOrd="0" destOrd="0" presId="urn:microsoft.com/office/officeart/2005/8/layout/arrow2"/>
   </dgm:cxnLst>
   <dgm:bg/>
   <dgm:whole/>
@@ -2310,6 +3459,863 @@
 </dsp:drawing>
 </file>
 
+<file path=ppt/diagrams/drawing2.xml><?xml version="1.0" encoding="utf-8"?>
+<dsp:drawing xmlns:dgm="http://schemas.openxmlformats.org/drawingml/2006/diagram" xmlns:dsp="http://schemas.microsoft.com/office/drawing/2008/diagram" xmlns:a="http://schemas.openxmlformats.org/drawingml/2006/main" xmlns:r="http://schemas.openxmlformats.org/officeDocument/2006/relationships">
+  <dsp:spTree>
+    <dsp:nvGrpSpPr>
+      <dsp:cNvPr id="2" name="Group 1"/>
+      <dsp:cNvGrpSpPr/>
+    </dsp:nvGrpSpPr>
+    <dsp:grpSpPr>
+      <a:xfrm>
+        <a:off x="0" y="0"/>
+        <a:ext cx="8128000" cy="5080000"/>
+        <a:chOff x="0" y="0"/>
+        <a:chExt cx="8128000" cy="5080000"/>
+      </a:xfrm>
+    </dsp:grpSpPr>
+    <dsp:sp modelId="{A7714133-905D-4994-BEED-F8C5B479726D}">
+      <dsp:nvSpPr>
+        <dsp:cNvPr id="3" name="Shape 2"/>
+        <dsp:cNvSpPr/>
+      </dsp:nvSpPr>
+      <dsp:spPr bwMode="white">
+        <a:xfrm>
+          <a:off x="0" y="169228"/>
+          <a:ext cx="8128000" cy="5080000"/>
+        </a:xfrm>
+        <a:prstGeom prst="swooshArrow">
+          <a:avLst>
+            <a:gd name="adj1" fmla="val 25000"/>
+            <a:gd name="adj2" fmla="val 25000"/>
+          </a:avLst>
+        </a:prstGeom>
+      </dsp:spPr>
+      <dsp:style>
+        <a:lnRef idx="0">
+          <a:schemeClr val="accent1"/>
+        </a:lnRef>
+        <a:fillRef idx="1">
+          <a:schemeClr val="accent1">
+            <a:tint val="40000"/>
+          </a:schemeClr>
+        </a:fillRef>
+        <a:effectRef idx="0">
+          <a:scrgbClr r="0" g="0" b="0"/>
+        </a:effectRef>
+        <a:fontRef idx="minor"/>
+      </dsp:style>
+      <dsp:txXfrm>
+        <a:off x="0" y="169228"/>
+        <a:ext cx="8128000" cy="5080000"/>
+      </dsp:txXfrm>
+    </dsp:sp>
+    <dsp:sp modelId="{105B13BE-4B6A-432E-A5F2-1AF6368821A7}">
+      <dsp:nvSpPr>
+        <dsp:cNvPr id="72" name="Oval 71"/>
+        <dsp:cNvSpPr/>
+      </dsp:nvSpPr>
+      <dsp:spPr bwMode="white">
+        <a:xfrm>
+          <a:off x="800608" y="3946716"/>
+          <a:ext cx="186944" cy="186944"/>
+        </a:xfrm>
+        <a:prstGeom prst="ellipse">
+          <a:avLst/>
+        </a:prstGeom>
+      </dsp:spPr>
+      <dsp:style>
+        <a:lnRef idx="2">
+          <a:schemeClr val="lt1"/>
+        </a:lnRef>
+        <a:fillRef idx="1">
+          <a:schemeClr val="accent1"/>
+        </a:fillRef>
+        <a:effectRef idx="0">
+          <a:scrgbClr r="0" g="0" b="0"/>
+        </a:effectRef>
+        <a:fontRef idx="minor">
+          <a:schemeClr val="lt1"/>
+        </a:fontRef>
+      </dsp:style>
+      <dsp:txXfrm>
+        <a:off x="800608" y="3946716"/>
+        <a:ext cx="186944" cy="186944"/>
+      </dsp:txXfrm>
+    </dsp:sp>
+    <dsp:sp modelId="{A1D3C17C-66D2-48F0-B58C-6A3D74B21BC2}">
+      <dsp:nvSpPr>
+        <dsp:cNvPr id="73" name="Rectangle 72"/>
+        <dsp:cNvSpPr/>
+      </dsp:nvSpPr>
+      <dsp:spPr bwMode="white">
+        <a:xfrm>
+          <a:off x="894080" y="4040188"/>
+          <a:ext cx="1064768" cy="1209040"/>
+        </a:xfrm>
+        <a:prstGeom prst="rect">
+          <a:avLst/>
+        </a:prstGeom>
+      </dsp:spPr>
+      <dsp:style>
+        <a:lnRef idx="0">
+          <a:schemeClr val="dk1">
+            <a:alpha val="0"/>
+          </a:schemeClr>
+        </a:lnRef>
+        <a:fillRef idx="0">
+          <a:schemeClr val="lt1">
+            <a:alpha val="0"/>
+          </a:schemeClr>
+        </a:fillRef>
+        <a:effectRef idx="0">
+          <a:scrgbClr r="0" g="0" b="0"/>
+        </a:effectRef>
+        <a:fontRef idx="minor"/>
+      </dsp:style>
+      <dsp:txBody>
+        <a:bodyPr vert="horz" wrap="square" lIns="99057" tIns="0" rIns="0" bIns="0" anchor="t"/>
+        <a:lstStyle>
+          <a:lvl1pPr algn="l">
+            <a:defRPr sz="1500"/>
+          </a:lvl1pPr>
+          <a:lvl2pPr marL="57150" indent="-57150" algn="l">
+            <a:defRPr sz="1100"/>
+          </a:lvl2pPr>
+          <a:lvl3pPr marL="114300" indent="-57150" algn="l">
+            <a:defRPr sz="1100"/>
+          </a:lvl3pPr>
+          <a:lvl4pPr marL="171450" indent="-57150" algn="l">
+            <a:defRPr sz="1100"/>
+          </a:lvl4pPr>
+          <a:lvl5pPr marL="228600" indent="-57150" algn="l">
+            <a:defRPr sz="1100"/>
+          </a:lvl5pPr>
+          <a:lvl6pPr marL="285750" indent="-57150" algn="l">
+            <a:defRPr sz="1100"/>
+          </a:lvl6pPr>
+          <a:lvl7pPr marL="342900" indent="-57150" algn="l">
+            <a:defRPr sz="1100"/>
+          </a:lvl7pPr>
+          <a:lvl8pPr marL="400050" indent="-57150" algn="l">
+            <a:defRPr sz="1100"/>
+          </a:lvl8pPr>
+          <a:lvl9pPr marL="457200" indent="-57150" algn="l">
+            <a:defRPr sz="1100"/>
+          </a:lvl9pPr>
+        </a:lstStyle>
+        <a:p>
+          <a:pPr lvl="0">
+            <a:lnSpc>
+              <a:spcPct val="100000"/>
+            </a:lnSpc>
+            <a:spcBef>
+              <a:spcPct val="0"/>
+            </a:spcBef>
+            <a:spcAft>
+              <a:spcPct val="35000"/>
+            </a:spcAft>
+          </a:pPr>
+          <a:r>
+            <a:rPr lang="" altLang="en-US">
+              <a:solidFill>
+                <a:schemeClr val="tx1"/>
+              </a:solidFill>
+            </a:rPr>
+            <a:t>Solusi:</a:t>
+          </a:r>
+          <a:endParaRPr lang="" altLang="en-US">
+            <a:solidFill>
+              <a:schemeClr val="tx1"/>
+            </a:solidFill>
+          </a:endParaRPr>
+        </a:p>
+        <a:p>
+          <a:pPr lvl="0">
+            <a:lnSpc>
+              <a:spcPct val="100000"/>
+            </a:lnSpc>
+            <a:spcBef>
+              <a:spcPct val="0"/>
+            </a:spcBef>
+            <a:spcAft>
+              <a:spcPct val="35000"/>
+            </a:spcAft>
+          </a:pPr>
+          <a:r>
+            <a:rPr lang="" altLang="en-US">
+              <a:solidFill>
+                <a:schemeClr val="tx1"/>
+              </a:solidFill>
+            </a:rPr>
+            <a:t>Pendidikan berbasis agama</a:t>
+          </a:r>
+          <a:endParaRPr lang="" altLang="en-US">
+            <a:solidFill>
+              <a:schemeClr val="tx1"/>
+            </a:solidFill>
+          </a:endParaRPr>
+        </a:p>
+      </dsp:txBody>
+      <dsp:txXfrm>
+        <a:off x="894080" y="4040188"/>
+        <a:ext cx="1064768" cy="1209040"/>
+      </dsp:txXfrm>
+    </dsp:sp>
+    <dsp:sp modelId="{AD6F777E-4AB6-4388-AF87-1E70A3BACC64}">
+      <dsp:nvSpPr>
+        <dsp:cNvPr id="74" name="Oval 73"/>
+        <dsp:cNvSpPr/>
+      </dsp:nvSpPr>
+      <dsp:spPr bwMode="white">
+        <a:xfrm>
+          <a:off x="1812544" y="2974404"/>
+          <a:ext cx="292608" cy="292608"/>
+        </a:xfrm>
+        <a:prstGeom prst="ellipse">
+          <a:avLst/>
+        </a:prstGeom>
+      </dsp:spPr>
+      <dsp:style>
+        <a:lnRef idx="2">
+          <a:schemeClr val="lt1"/>
+        </a:lnRef>
+        <a:fillRef idx="1">
+          <a:schemeClr val="accent1"/>
+        </a:fillRef>
+        <a:effectRef idx="0">
+          <a:scrgbClr r="0" g="0" b="0"/>
+        </a:effectRef>
+        <a:fontRef idx="minor">
+          <a:schemeClr val="lt1"/>
+        </a:fontRef>
+      </dsp:style>
+      <dsp:txXfrm>
+        <a:off x="1812544" y="2974404"/>
+        <a:ext cx="292608" cy="292608"/>
+      </dsp:txXfrm>
+    </dsp:sp>
+    <dsp:sp modelId="{4EF9C2D1-5EAE-49F2-BF1F-B006B9E997C1}">
+      <dsp:nvSpPr>
+        <dsp:cNvPr id="75" name="Rectangle 74"/>
+        <dsp:cNvSpPr/>
+      </dsp:nvSpPr>
+      <dsp:spPr bwMode="white">
+        <a:xfrm>
+          <a:off x="1958848" y="3120708"/>
+          <a:ext cx="1349248" cy="2128520"/>
+        </a:xfrm>
+        <a:prstGeom prst="rect">
+          <a:avLst/>
+        </a:prstGeom>
+      </dsp:spPr>
+      <dsp:style>
+        <a:lnRef idx="0">
+          <a:schemeClr val="dk1">
+            <a:alpha val="0"/>
+          </a:schemeClr>
+        </a:lnRef>
+        <a:fillRef idx="0">
+          <a:schemeClr val="lt1">
+            <a:alpha val="0"/>
+          </a:schemeClr>
+        </a:fillRef>
+        <a:effectRef idx="0">
+          <a:scrgbClr r="0" g="0" b="0"/>
+        </a:effectRef>
+        <a:fontRef idx="minor"/>
+      </dsp:style>
+      <dsp:txBody>
+        <a:bodyPr vert="horz" wrap="square" lIns="155046" tIns="0" rIns="0" bIns="0" anchor="t"/>
+        <a:lstStyle>
+          <a:lvl1pPr algn="l">
+            <a:defRPr sz="1500"/>
+          </a:lvl1pPr>
+          <a:lvl2pPr marL="57150" indent="-57150" algn="l">
+            <a:defRPr sz="1100"/>
+          </a:lvl2pPr>
+          <a:lvl3pPr marL="114300" indent="-57150" algn="l">
+            <a:defRPr sz="1100"/>
+          </a:lvl3pPr>
+          <a:lvl4pPr marL="171450" indent="-57150" algn="l">
+            <a:defRPr sz="1100"/>
+          </a:lvl4pPr>
+          <a:lvl5pPr marL="228600" indent="-57150" algn="l">
+            <a:defRPr sz="1100"/>
+          </a:lvl5pPr>
+          <a:lvl6pPr marL="285750" indent="-57150" algn="l">
+            <a:defRPr sz="1100"/>
+          </a:lvl6pPr>
+          <a:lvl7pPr marL="342900" indent="-57150" algn="l">
+            <a:defRPr sz="1100"/>
+          </a:lvl7pPr>
+          <a:lvl8pPr marL="400050" indent="-57150" algn="l">
+            <a:defRPr sz="1100"/>
+          </a:lvl8pPr>
+          <a:lvl9pPr marL="457200" indent="-57150" algn="l">
+            <a:defRPr sz="1100"/>
+          </a:lvl9pPr>
+        </a:lstStyle>
+        <a:p>
+          <a:pPr lvl="0">
+            <a:lnSpc>
+              <a:spcPct val="100000"/>
+            </a:lnSpc>
+            <a:spcBef>
+              <a:spcPct val="0"/>
+            </a:spcBef>
+            <a:spcAft>
+              <a:spcPct val="35000"/>
+            </a:spcAft>
+          </a:pPr>
+          <a:r>
+            <a:rPr lang="" altLang="en-US">
+              <a:solidFill>
+                <a:schemeClr val="tx1"/>
+              </a:solidFill>
+            </a:rPr>
+            <a:t>P</a:t>
+          </a:r>
+          <a:r>
+            <a:rPr lang="en-US">
+              <a:solidFill>
+                <a:schemeClr val="tx1"/>
+              </a:solidFill>
+            </a:rPr>
+            <a:t>endidikan pesantren</a:t>
+          </a:r>
+          <a:endParaRPr lang="en-US">
+            <a:solidFill>
+              <a:schemeClr val="tx1"/>
+            </a:solidFill>
+          </a:endParaRPr>
+        </a:p>
+      </dsp:txBody>
+      <dsp:txXfrm>
+        <a:off x="1958848" y="3120708"/>
+        <a:ext cx="1349248" cy="2128520"/>
+      </dsp:txXfrm>
+    </dsp:sp>
+    <dsp:sp modelId="{3BDC73E2-A1B2-45FA-854C-884E9DB78B90}">
+      <dsp:nvSpPr>
+        <dsp:cNvPr id="76" name="Oval 75"/>
+        <dsp:cNvSpPr/>
+      </dsp:nvSpPr>
+      <dsp:spPr bwMode="white">
+        <a:xfrm>
+          <a:off x="3113024" y="2199196"/>
+          <a:ext cx="390144" cy="390144"/>
+        </a:xfrm>
+        <a:prstGeom prst="ellipse">
+          <a:avLst/>
+        </a:prstGeom>
+      </dsp:spPr>
+      <dsp:style>
+        <a:lnRef idx="2">
+          <a:schemeClr val="lt1"/>
+        </a:lnRef>
+        <a:fillRef idx="1">
+          <a:schemeClr val="accent1"/>
+        </a:fillRef>
+        <a:effectRef idx="0">
+          <a:scrgbClr r="0" g="0" b="0"/>
+        </a:effectRef>
+        <a:fontRef idx="minor">
+          <a:schemeClr val="lt1"/>
+        </a:fontRef>
+      </dsp:style>
+      <dsp:txXfrm>
+        <a:off x="3113024" y="2199196"/>
+        <a:ext cx="390144" cy="390144"/>
+      </dsp:txXfrm>
+    </dsp:sp>
+    <dsp:sp modelId="{0579FE20-2232-46E9-9952-9B2FFA5B48D1}">
+      <dsp:nvSpPr>
+        <dsp:cNvPr id="77" name="Rectangle 76"/>
+        <dsp:cNvSpPr/>
+      </dsp:nvSpPr>
+      <dsp:spPr bwMode="white">
+        <a:xfrm>
+          <a:off x="3308096" y="2394268"/>
+          <a:ext cx="1568704" cy="2854960"/>
+        </a:xfrm>
+        <a:prstGeom prst="rect">
+          <a:avLst/>
+        </a:prstGeom>
+      </dsp:spPr>
+      <dsp:style>
+        <a:lnRef idx="0">
+          <a:schemeClr val="dk1">
+            <a:alpha val="0"/>
+          </a:schemeClr>
+        </a:lnRef>
+        <a:fillRef idx="0">
+          <a:schemeClr val="lt1">
+            <a:alpha val="0"/>
+          </a:schemeClr>
+        </a:fillRef>
+        <a:effectRef idx="0">
+          <a:scrgbClr r="0" g="0" b="0"/>
+        </a:effectRef>
+        <a:fontRef idx="minor"/>
+      </dsp:style>
+      <dsp:txBody>
+        <a:bodyPr vert="horz" wrap="square" lIns="206729" tIns="0" rIns="0" bIns="0" anchor="t"/>
+        <a:lstStyle>
+          <a:lvl1pPr algn="l">
+            <a:defRPr sz="1500"/>
+          </a:lvl1pPr>
+          <a:lvl2pPr marL="57150" indent="-57150" algn="l">
+            <a:defRPr sz="1100"/>
+          </a:lvl2pPr>
+          <a:lvl3pPr marL="114300" indent="-57150" algn="l">
+            <a:defRPr sz="1100"/>
+          </a:lvl3pPr>
+          <a:lvl4pPr marL="171450" indent="-57150" algn="l">
+            <a:defRPr sz="1100"/>
+          </a:lvl4pPr>
+          <a:lvl5pPr marL="228600" indent="-57150" algn="l">
+            <a:defRPr sz="1100"/>
+          </a:lvl5pPr>
+          <a:lvl6pPr marL="285750" indent="-57150" algn="l">
+            <a:defRPr sz="1100"/>
+          </a:lvl6pPr>
+          <a:lvl7pPr marL="342900" indent="-57150" algn="l">
+            <a:defRPr sz="1100"/>
+          </a:lvl7pPr>
+          <a:lvl8pPr marL="400050" indent="-57150" algn="l">
+            <a:defRPr sz="1100"/>
+          </a:lvl8pPr>
+          <a:lvl9pPr marL="457200" indent="-57150" algn="l">
+            <a:defRPr sz="1100"/>
+          </a:lvl9pPr>
+        </a:lstStyle>
+        <a:p>
+          <a:pPr lvl="0">
+            <a:lnSpc>
+              <a:spcPct val="100000"/>
+            </a:lnSpc>
+            <a:spcBef>
+              <a:spcPct val="0"/>
+            </a:spcBef>
+            <a:spcAft>
+              <a:spcPct val="35000"/>
+            </a:spcAft>
+          </a:pPr>
+          <a:r>
+            <a:rPr lang="en-US">
+              <a:solidFill>
+                <a:schemeClr val="tx1"/>
+              </a:solidFill>
+            </a:rPr>
+            <a:t>Bukan tujuan:</a:t>
+          </a:r>
+          <a:endParaRPr lang="en-US">
+            <a:solidFill>
+              <a:schemeClr val="tx1"/>
+            </a:solidFill>
+          </a:endParaRPr>
+        </a:p>
+        <a:p>
+          <a:pPr lvl="0">
+            <a:lnSpc>
+              <a:spcPct val="100000"/>
+            </a:lnSpc>
+            <a:spcBef>
+              <a:spcPct val="0"/>
+            </a:spcBef>
+            <a:spcAft>
+              <a:spcPct val="35000"/>
+            </a:spcAft>
+          </a:pPr>
+          <a:r>
+            <a:rPr lang="" altLang="en-US">
+              <a:solidFill>
+                <a:schemeClr val="tx1"/>
+              </a:solidFill>
+            </a:rPr>
+            <a:t>- </a:t>
+          </a:r>
+          <a:r>
+            <a:rPr lang="en-US">
+              <a:solidFill>
+                <a:schemeClr val="tx1"/>
+              </a:solidFill>
+            </a:rPr>
+            <a:t>Kekuasaan</a:t>
+          </a:r>
+          <a:endParaRPr lang="en-US">
+            <a:solidFill>
+              <a:schemeClr val="tx1"/>
+            </a:solidFill>
+          </a:endParaRPr>
+        </a:p>
+        <a:p>
+          <a:pPr lvl="0">
+            <a:lnSpc>
+              <a:spcPct val="100000"/>
+            </a:lnSpc>
+            <a:spcBef>
+              <a:spcPct val="0"/>
+            </a:spcBef>
+            <a:spcAft>
+              <a:spcPct val="35000"/>
+            </a:spcAft>
+          </a:pPr>
+          <a:r>
+            <a:rPr lang="" altLang="en-US">
+              <a:solidFill>
+                <a:schemeClr val="tx1"/>
+              </a:solidFill>
+            </a:rPr>
+            <a:t>- </a:t>
+          </a:r>
+          <a:r>
+            <a:rPr lang="en-US">
+              <a:solidFill>
+                <a:schemeClr val="tx1"/>
+              </a:solidFill>
+            </a:rPr>
+            <a:t>Uang</a:t>
+          </a:r>
+          <a:endParaRPr lang="en-US">
+            <a:solidFill>
+              <a:schemeClr val="tx1"/>
+            </a:solidFill>
+          </a:endParaRPr>
+        </a:p>
+        <a:p>
+          <a:pPr lvl="0">
+            <a:lnSpc>
+              <a:spcPct val="100000"/>
+            </a:lnSpc>
+            <a:spcBef>
+              <a:spcPct val="0"/>
+            </a:spcBef>
+            <a:spcAft>
+              <a:spcPct val="35000"/>
+            </a:spcAft>
+          </a:pPr>
+          <a:r>
+            <a:rPr lang="" altLang="en-US">
+              <a:solidFill>
+                <a:schemeClr val="tx1"/>
+              </a:solidFill>
+            </a:rPr>
+            <a:t>- </a:t>
+          </a:r>
+          <a:r>
+            <a:rPr lang="en-US">
+              <a:solidFill>
+                <a:schemeClr val="tx1"/>
+              </a:solidFill>
+            </a:rPr>
+            <a:t>Keagungan duniawi</a:t>
+          </a:r>
+          <a:endParaRPr lang="en-US">
+            <a:solidFill>
+              <a:schemeClr val="tx1"/>
+            </a:solidFill>
+          </a:endParaRPr>
+        </a:p>
+        <a:p>
+          <a:pPr lvl="1">
+            <a:lnSpc>
+              <a:spcPct val="100000"/>
+            </a:lnSpc>
+            <a:spcBef>
+              <a:spcPct val="0"/>
+            </a:spcBef>
+            <a:spcAft>
+              <a:spcPct val="15000"/>
+            </a:spcAft>
+            <a:buChar char="•"/>
+          </a:pPr>
+          <a:endParaRPr altLang="en-US">
+            <a:solidFill>
+              <a:schemeClr val="tx1"/>
+            </a:solidFill>
+          </a:endParaRPr>
+        </a:p>
+      </dsp:txBody>
+      <dsp:txXfrm>
+        <a:off x="3308096" y="2394268"/>
+        <a:ext cx="1568704" cy="2854960"/>
+      </dsp:txXfrm>
+    </dsp:sp>
+    <dsp:sp modelId="{E373F906-6A59-4205-8481-C07E50E3C913}">
+      <dsp:nvSpPr>
+        <dsp:cNvPr id="78" name="Oval 77"/>
+        <dsp:cNvSpPr/>
+      </dsp:nvSpPr>
+      <dsp:spPr bwMode="white">
+        <a:xfrm>
+          <a:off x="4624832" y="1593660"/>
+          <a:ext cx="503936" cy="503936"/>
+        </a:xfrm>
+        <a:prstGeom prst="ellipse">
+          <a:avLst/>
+        </a:prstGeom>
+      </dsp:spPr>
+      <dsp:style>
+        <a:lnRef idx="2">
+          <a:schemeClr val="lt1"/>
+        </a:lnRef>
+        <a:fillRef idx="1">
+          <a:schemeClr val="accent1"/>
+        </a:fillRef>
+        <a:effectRef idx="0">
+          <a:scrgbClr r="0" g="0" b="0"/>
+        </a:effectRef>
+        <a:fontRef idx="minor">
+          <a:schemeClr val="lt1"/>
+        </a:fontRef>
+      </dsp:style>
+      <dsp:txXfrm>
+        <a:off x="4624832" y="1593660"/>
+        <a:ext cx="503936" cy="503936"/>
+      </dsp:txXfrm>
+    </dsp:sp>
+    <dsp:sp modelId="{B44663FA-DCD6-4962-8312-94710A050879}">
+      <dsp:nvSpPr>
+        <dsp:cNvPr id="79" name="Rectangle 78"/>
+        <dsp:cNvSpPr/>
+      </dsp:nvSpPr>
+      <dsp:spPr bwMode="white">
+        <a:xfrm>
+          <a:off x="4876800" y="1845628"/>
+          <a:ext cx="1625600" cy="3403600"/>
+        </a:xfrm>
+        <a:prstGeom prst="rect">
+          <a:avLst/>
+        </a:prstGeom>
+      </dsp:spPr>
+      <dsp:style>
+        <a:lnRef idx="0">
+          <a:schemeClr val="dk1">
+            <a:alpha val="0"/>
+          </a:schemeClr>
+        </a:lnRef>
+        <a:fillRef idx="0">
+          <a:schemeClr val="lt1">
+            <a:alpha val="0"/>
+          </a:schemeClr>
+        </a:fillRef>
+        <a:effectRef idx="0">
+          <a:scrgbClr r="0" g="0" b="0"/>
+        </a:effectRef>
+        <a:fontRef idx="minor"/>
+      </dsp:style>
+      <dsp:txBody>
+        <a:bodyPr vert="horz" wrap="square" lIns="267025" tIns="0" rIns="0" bIns="0" anchor="t"/>
+        <a:lstStyle>
+          <a:lvl1pPr algn="l">
+            <a:defRPr sz="1500"/>
+          </a:lvl1pPr>
+          <a:lvl2pPr marL="57150" indent="-57150" algn="l">
+            <a:defRPr sz="1100"/>
+          </a:lvl2pPr>
+          <a:lvl3pPr marL="114300" indent="-57150" algn="l">
+            <a:defRPr sz="1100"/>
+          </a:lvl3pPr>
+          <a:lvl4pPr marL="171450" indent="-57150" algn="l">
+            <a:defRPr sz="1100"/>
+          </a:lvl4pPr>
+          <a:lvl5pPr marL="228600" indent="-57150" algn="l">
+            <a:defRPr sz="1100"/>
+          </a:lvl5pPr>
+          <a:lvl6pPr marL="285750" indent="-57150" algn="l">
+            <a:defRPr sz="1100"/>
+          </a:lvl6pPr>
+          <a:lvl7pPr marL="342900" indent="-57150" algn="l">
+            <a:defRPr sz="1100"/>
+          </a:lvl7pPr>
+          <a:lvl8pPr marL="400050" indent="-57150" algn="l">
+            <a:defRPr sz="1100"/>
+          </a:lvl8pPr>
+          <a:lvl9pPr marL="457200" indent="-57150" algn="l">
+            <a:defRPr sz="1100"/>
+          </a:lvl9pPr>
+        </a:lstStyle>
+        <a:p>
+          <a:pPr lvl="0">
+            <a:lnSpc>
+              <a:spcPct val="100000"/>
+            </a:lnSpc>
+            <a:spcBef>
+              <a:spcPct val="0"/>
+            </a:spcBef>
+            <a:spcAft>
+              <a:spcPct val="35000"/>
+            </a:spcAft>
+          </a:pPr>
+          <a:r>
+            <a:rPr lang="">
+              <a:solidFill>
+                <a:schemeClr val="tx1"/>
+              </a:solidFill>
+            </a:rPr>
+            <a:t>B</a:t>
+          </a:r>
+          <a:r>
+            <a:rPr altLang="en-US">
+              <a:solidFill>
+                <a:schemeClr val="tx1"/>
+              </a:solidFill>
+            </a:rPr>
+            <a:t>elajar adalah semata-mata kewajiban dan pengabdian kepada Tuhan</a:t>
+          </a:r>
+          <a:endParaRPr altLang="en-US">
+            <a:solidFill>
+              <a:schemeClr val="tx1"/>
+            </a:solidFill>
+          </a:endParaRPr>
+        </a:p>
+      </dsp:txBody>
+      <dsp:txXfrm>
+        <a:off x="4876800" y="1845628"/>
+        <a:ext cx="1625600" cy="3403600"/>
+      </dsp:txXfrm>
+    </dsp:sp>
+    <dsp:sp modelId="{D4E82E48-8B3A-41EA-9615-269CC4F2E0A6}">
+      <dsp:nvSpPr>
+        <dsp:cNvPr id="80" name="Oval 79"/>
+        <dsp:cNvSpPr/>
+      </dsp:nvSpPr>
+      <dsp:spPr bwMode="white">
+        <a:xfrm>
+          <a:off x="6181344" y="1189292"/>
+          <a:ext cx="642112" cy="642112"/>
+        </a:xfrm>
+        <a:prstGeom prst="ellipse">
+          <a:avLst/>
+        </a:prstGeom>
+      </dsp:spPr>
+      <dsp:style>
+        <a:lnRef idx="2">
+          <a:schemeClr val="lt1"/>
+        </a:lnRef>
+        <a:fillRef idx="1">
+          <a:schemeClr val="accent1"/>
+        </a:fillRef>
+        <a:effectRef idx="0">
+          <a:scrgbClr r="0" g="0" b="0"/>
+        </a:effectRef>
+        <a:fontRef idx="minor">
+          <a:schemeClr val="lt1"/>
+        </a:fontRef>
+      </dsp:style>
+      <dsp:txXfrm>
+        <a:off x="6181344" y="1189292"/>
+        <a:ext cx="642112" cy="642112"/>
+      </dsp:txXfrm>
+    </dsp:sp>
+    <dsp:sp modelId="{3FEBAAEF-9A32-4FFB-BF00-1C450BA062EA}">
+      <dsp:nvSpPr>
+        <dsp:cNvPr id="81" name="Rectangle 80"/>
+        <dsp:cNvSpPr/>
+      </dsp:nvSpPr>
+      <dsp:spPr bwMode="white">
+        <a:xfrm>
+          <a:off x="6502400" y="1510348"/>
+          <a:ext cx="1625600" cy="3738880"/>
+        </a:xfrm>
+        <a:prstGeom prst="rect">
+          <a:avLst/>
+        </a:prstGeom>
+      </dsp:spPr>
+      <dsp:style>
+        <a:lnRef idx="0">
+          <a:schemeClr val="dk1">
+            <a:alpha val="0"/>
+          </a:schemeClr>
+        </a:lnRef>
+        <a:fillRef idx="0">
+          <a:schemeClr val="lt1">
+            <a:alpha val="0"/>
+          </a:schemeClr>
+        </a:fillRef>
+        <a:effectRef idx="0">
+          <a:scrgbClr r="0" g="0" b="0"/>
+        </a:effectRef>
+        <a:fontRef idx="minor"/>
+      </dsp:style>
+      <dsp:txBody>
+        <a:bodyPr lIns="340241" tIns="0" rIns="0" bIns="0" anchor="t"/>
+        <a:lstStyle>
+          <a:lvl1pPr algn="l">
+            <a:defRPr sz="1500"/>
+          </a:lvl1pPr>
+          <a:lvl2pPr marL="57150" indent="-57150" algn="l">
+            <a:defRPr sz="1100"/>
+          </a:lvl2pPr>
+          <a:lvl3pPr marL="114300" indent="-57150" algn="l">
+            <a:defRPr sz="1100"/>
+          </a:lvl3pPr>
+          <a:lvl4pPr marL="171450" indent="-57150" algn="l">
+            <a:defRPr sz="1100"/>
+          </a:lvl4pPr>
+          <a:lvl5pPr marL="228600" indent="-57150" algn="l">
+            <a:defRPr sz="1100"/>
+          </a:lvl5pPr>
+          <a:lvl6pPr marL="285750" indent="-57150" algn="l">
+            <a:defRPr sz="1100"/>
+          </a:lvl6pPr>
+          <a:lvl7pPr marL="342900" indent="-57150" algn="l">
+            <a:defRPr sz="1100"/>
+          </a:lvl7pPr>
+          <a:lvl8pPr marL="400050" indent="-57150" algn="l">
+            <a:defRPr sz="1100"/>
+          </a:lvl8pPr>
+          <a:lvl9pPr marL="457200" indent="-57150" algn="l">
+            <a:defRPr sz="1100"/>
+          </a:lvl9pPr>
+        </a:lstStyle>
+        <a:p>
+          <a:pPr lvl="0">
+            <a:lnSpc>
+              <a:spcPct val="100000"/>
+            </a:lnSpc>
+            <a:spcBef>
+              <a:spcPct val="0"/>
+            </a:spcBef>
+            <a:spcAft>
+              <a:spcPct val="35000"/>
+            </a:spcAft>
+            <a:buNone/>
+          </a:pPr>
+          <a:r>
+            <a:rPr lang="">
+              <a:solidFill>
+                <a:schemeClr val="tx1"/>
+              </a:solidFill>
+            </a:rPr>
+            <a:t>M</a:t>
+          </a:r>
+          <a:r>
+            <a:rPr altLang="en-US">
+              <a:solidFill>
+                <a:schemeClr val="tx1"/>
+              </a:solidFill>
+            </a:rPr>
+            <a:t>enyadarkan masyarakat akan tanggung jawab atas setiap perbuatan yang dilakukannya semasa di dunia</a:t>
+          </a:r>
+          <a:endParaRPr altLang="en-US">
+            <a:solidFill>
+              <a:schemeClr val="tx1"/>
+            </a:solidFill>
+          </a:endParaRPr>
+        </a:p>
+      </dsp:txBody>
+      <dsp:txXfrm>
+        <a:off x="6502400" y="1510348"/>
+        <a:ext cx="1625600" cy="3738880"/>
+      </dsp:txXfrm>
+    </dsp:sp>
+  </dsp:spTree>
+</dsp:drawing>
+</file>
+
 <file path=ppt/diagrams/layout1.xml><?xml version="1.0" encoding="utf-8"?>
 <dgm:layoutDef xmlns:dgm="http://schemas.openxmlformats.org/drawingml/2006/diagram" xmlns:a="http://schemas.openxmlformats.org/drawingml/2006/main" uniqueId="urn:microsoft.com/office/officeart/2005/8/layout/hProcess4">
   <dgm:title val=""/>
@@ -2856,7 +4862,2639 @@
 </dgm:layoutDef>
 </file>
 
+<file path=ppt/diagrams/layout2.xml><?xml version="1.0" encoding="utf-8"?>
+<dgm:layoutDef xmlns:dgm="http://schemas.openxmlformats.org/drawingml/2006/diagram" xmlns:a="http://schemas.openxmlformats.org/drawingml/2006/main" uniqueId="urn:microsoft.com/office/officeart/2005/8/layout/arrow2">
+  <dgm:title val=""/>
+  <dgm:desc val=""/>
+  <dgm:catLst>
+    <dgm:cat type="process" pri="23000"/>
+  </dgm:catLst>
+  <dgm:sampData useDef="1">
+    <dgm:dataModel>
+      <dgm:ptLst/>
+      <dgm:bg/>
+      <dgm:whole/>
+    </dgm:dataModel>
+  </dgm:sampData>
+  <dgm:styleData>
+    <dgm:dataModel>
+      <dgm:ptLst>
+        <dgm:pt modelId="0" type="doc">
+          <dgm:prSet qsTypeId="urn:microsoft.com/office/officeart/2005/8/quickstyle/simple5"/>
+        </dgm:pt>
+        <dgm:pt modelId="1"/>
+        <dgm:pt modelId="2"/>
+      </dgm:ptLst>
+      <dgm:cxnLst>
+        <dgm:cxn modelId="3" srcId="0" destId="1" srcOrd="0" destOrd="0"/>
+        <dgm:cxn modelId="4" srcId="0" destId="2" srcOrd="1" destOrd="0"/>
+      </dgm:cxnLst>
+      <dgm:bg/>
+      <dgm:whole/>
+    </dgm:dataModel>
+  </dgm:styleData>
+  <dgm:clrData>
+    <dgm:dataModel>
+      <dgm:ptLst>
+        <dgm:pt modelId="0" type="doc"/>
+        <dgm:pt modelId="1"/>
+        <dgm:pt modelId="2"/>
+        <dgm:pt modelId="3"/>
+        <dgm:pt modelId="4"/>
+      </dgm:ptLst>
+      <dgm:cxnLst>
+        <dgm:cxn modelId="5" srcId="0" destId="1" srcOrd="0" destOrd="0"/>
+        <dgm:cxn modelId="6" srcId="0" destId="2" srcOrd="1" destOrd="0"/>
+        <dgm:cxn modelId="7" srcId="0" destId="3" srcOrd="2" destOrd="0"/>
+        <dgm:cxn modelId="8" srcId="0" destId="4" srcOrd="3" destOrd="0"/>
+      </dgm:cxnLst>
+      <dgm:bg/>
+      <dgm:whole/>
+    </dgm:dataModel>
+  </dgm:clrData>
+  <dgm:layoutNode name="arrowDiagram">
+    <dgm:varLst>
+      <dgm:chMax val="5"/>
+      <dgm:dir/>
+      <dgm:resizeHandles val="exact"/>
+    </dgm:varLst>
+    <dgm:alg type="composite">
+      <dgm:param type="ar" val="1.6"/>
+    </dgm:alg>
+    <dgm:shape xmlns:r="http://schemas.openxmlformats.org/officeDocument/2006/relationships" r:blip="">
+      <dgm:adjLst/>
+    </dgm:shape>
+    <dgm:presOf/>
+    <dgm:constrLst>
+      <dgm:constr type="l" for="ch" forName="arrow"/>
+      <dgm:constr type="t" for="ch" forName="arrow"/>
+      <dgm:constr type="w" for="ch" forName="arrow" refType="w"/>
+      <dgm:constr type="h" for="ch" forName="arrow" refType="h"/>
+      <dgm:constr type="ctrX" for="ch" forName="arrowDiagram1" refType="w" fact="0.5"/>
+      <dgm:constr type="ctrY" for="ch" forName="arrowDiagram1" refType="h" fact="0.5"/>
+      <dgm:constr type="w" for="ch" forName="arrowDiagram1" refType="w"/>
+      <dgm:constr type="h" for="ch" forName="arrowDiagram1" refType="h"/>
+      <dgm:constr type="ctrX" for="ch" forName="arrowDiagram2" refType="w" fact="0.5"/>
+      <dgm:constr type="ctrY" for="ch" forName="arrowDiagram2" refType="h" fact="0.5"/>
+      <dgm:constr type="w" for="ch" forName="arrowDiagram2" refType="w"/>
+      <dgm:constr type="h" for="ch" forName="arrowDiagram2" refType="h"/>
+      <dgm:constr type="ctrX" for="ch" forName="arrowDiagram3" refType="w" fact="0.5"/>
+      <dgm:constr type="ctrY" for="ch" forName="arrowDiagram3" refType="h" fact="0.5"/>
+      <dgm:constr type="w" for="ch" forName="arrowDiagram3" refType="w"/>
+      <dgm:constr type="h" for="ch" forName="arrowDiagram3" refType="h"/>
+      <dgm:constr type="ctrX" for="ch" forName="arrowDiagram4" refType="w" fact="0.5"/>
+      <dgm:constr type="ctrY" for="ch" forName="arrowDiagram4" refType="h" fact="0.5"/>
+      <dgm:constr type="w" for="ch" forName="arrowDiagram4" refType="w"/>
+      <dgm:constr type="h" for="ch" forName="arrowDiagram4" refType="h"/>
+      <dgm:constr type="ctrX" for="ch" forName="arrowDiagram5" refType="w" fact="0.5"/>
+      <dgm:constr type="ctrY" for="ch" forName="arrowDiagram5" refType="h" fact="0.5"/>
+      <dgm:constr type="w" for="ch" forName="arrowDiagram5" refType="w"/>
+      <dgm:constr type="h" for="ch" forName="arrowDiagram5" refType="h"/>
+    </dgm:constrLst>
+    <dgm:ruleLst/>
+    <dgm:choose name="Name0">
+      <dgm:if name="Name1" axis="ch" ptType="node" func="cnt" op="gte" val="1">
+        <dgm:layoutNode name="arrow" styleLbl="bgShp">
+          <dgm:alg type="sp"/>
+          <dgm:shape xmlns:r="http://schemas.openxmlformats.org/officeDocument/2006/relationships" type="swooshArrow" r:blip="">
+            <dgm:adjLst>
+              <dgm:adj idx="2" val="0.25"/>
+            </dgm:adjLst>
+          </dgm:shape>
+          <dgm:presOf/>
+          <dgm:constrLst/>
+          <dgm:ruleLst/>
+        </dgm:layoutNode>
+        <dgm:choose name="Name2">
+          <dgm:if name="Name3" axis="ch" ptType="node" func="cnt" op="lt" val="1"/>
+          <dgm:if name="Name4" axis="ch" ptType="node" func="cnt" op="equ" val="1">
+            <dgm:layoutNode name="arrowDiagram1">
+              <dgm:varLst>
+                <dgm:bulletEnabled val="1"/>
+              </dgm:varLst>
+              <dgm:alg type="composite">
+                <dgm:param type="vertAlign" val="none"/>
+                <dgm:param type="horzAlign" val="none"/>
+              </dgm:alg>
+              <dgm:shape xmlns:r="http://schemas.openxmlformats.org/officeDocument/2006/relationships" r:blip="">
+                <dgm:adjLst/>
+              </dgm:shape>
+              <dgm:presOf/>
+              <dgm:constrLst>
+                <dgm:constr type="ctrX" for="ch" forName="bullet1" refType="w" fact="0.8"/>
+                <dgm:constr type="ctrY" for="ch" forName="bullet1" refType="h" fact="0.262"/>
+                <dgm:constr type="w" for="ch" forName="bullet1" refType="w" fact="0.074"/>
+                <dgm:constr type="h" for="ch" forName="bullet1" refType="w" refFor="ch" refForName="bullet1"/>
+                <dgm:constr type="r" for="ch" forName="textBox1" refType="ctrX" refFor="ch" refForName="bullet1"/>
+                <dgm:constr type="t" for="ch" forName="textBox1" refType="ctrY" refFor="ch" refForName="bullet1"/>
+                <dgm:constr type="w" for="ch" forName="textBox1" refType="w" fact="0.4"/>
+                <dgm:constr type="h" for="ch" forName="textBox1" refType="h" fact="0.738"/>
+                <dgm:constr type="userA" refType="h" refFor="ch" refForName="bullet1" fact="0.53"/>
+                <dgm:constr type="rMarg" for="ch" forName="textBox1" refType="userA" fact="2.834"/>
+                <dgm:constr type="primFontSz" for="ch" ptType="node" op="equ" val="65"/>
+              </dgm:constrLst>
+              <dgm:ruleLst/>
+              <dgm:forEach name="Name5" axis="ch" ptType="node" cnt="1">
+                <dgm:layoutNode name="bullet1" styleLbl="node1">
+                  <dgm:alg type="sp"/>
+                  <dgm:shape xmlns:r="http://schemas.openxmlformats.org/officeDocument/2006/relationships" type="ellipse" r:blip="">
+                    <dgm:adjLst/>
+                  </dgm:shape>
+                  <dgm:presOf/>
+                  <dgm:constrLst/>
+                  <dgm:ruleLst/>
+                </dgm:layoutNode>
+                <dgm:layoutNode name="textBox1" styleLbl="revTx">
+                  <dgm:varLst>
+                    <dgm:bulletEnabled val="1"/>
+                  </dgm:varLst>
+                  <dgm:alg type="tx">
+                    <dgm:param type="parTxLTRAlign" val="r"/>
+                    <dgm:param type="parTxRTLAlign" val="r"/>
+                    <dgm:param type="txAnchorVert" val="t"/>
+                  </dgm:alg>
+                  <dgm:shape xmlns:r="http://schemas.openxmlformats.org/officeDocument/2006/relationships" type="round2DiagRect" r:blip="">
+                    <dgm:adjLst/>
+                  </dgm:shape>
+                  <dgm:presOf axis="desOrSelf" ptType="node"/>
+                  <dgm:constrLst>
+                    <dgm:constr type="lMarg"/>
+                    <dgm:constr type="tMarg"/>
+                    <dgm:constr type="bMarg"/>
+                  </dgm:constrLst>
+                  <dgm:ruleLst>
+                    <dgm:rule type="primFontSz" val="5" fact="NaN" max="NaN"/>
+                  </dgm:ruleLst>
+                </dgm:layoutNode>
+              </dgm:forEach>
+            </dgm:layoutNode>
+          </dgm:if>
+          <dgm:if name="Name6" axis="ch" ptType="node" func="cnt" op="equ" val="2">
+            <dgm:layoutNode name="arrowDiagram2">
+              <dgm:alg type="composite">
+                <dgm:param type="vertAlign" val="none"/>
+                <dgm:param type="horzAlign" val="none"/>
+              </dgm:alg>
+              <dgm:shape xmlns:r="http://schemas.openxmlformats.org/officeDocument/2006/relationships" r:blip="">
+                <dgm:adjLst/>
+              </dgm:shape>
+              <dgm:presOf/>
+              <dgm:choose name="Name7">
+                <dgm:if name="Name8" func="var" arg="dir" op="equ" val="norm">
+                  <dgm:constrLst>
+                    <dgm:constr type="ctrX" for="ch" forName="bullet2a" refType="w" fact="0.25"/>
+                    <dgm:constr type="ctrY" for="ch" forName="bullet2a" refType="h" fact="0.573"/>
+                    <dgm:constr type="w" for="ch" forName="bullet2a" refType="w" fact="0.035"/>
+                    <dgm:constr type="h" for="ch" forName="bullet2a" refType="w" refFor="ch" refForName="bullet2a"/>
+                    <dgm:constr type="l" for="ch" forName="textBox2a" refType="ctrX" refFor="ch" refForName="bullet2a"/>
+                    <dgm:constr type="t" for="ch" forName="textBox2a" refType="ctrY" refFor="ch" refForName="bullet2a"/>
+                    <dgm:constr type="w" for="ch" forName="textBox2a" refType="w" fact="0.325"/>
+                    <dgm:constr type="h" for="ch" forName="textBox2a" refType="h" fact="0.427"/>
+                    <dgm:constr type="userA" refType="h" refFor="ch" refForName="bullet2a" fact="0.53"/>
+                    <dgm:constr type="lMarg" for="ch" forName="textBox2a" refType="userA" fact="2.834"/>
+                    <dgm:constr type="ctrX" for="ch" forName="bullet2b" refType="w" fact="0.585"/>
+                    <dgm:constr type="ctrY" for="ch" forName="bullet2b" refType="h" fact="0.338"/>
+                    <dgm:constr type="w" for="ch" forName="bullet2b" refType="w" fact="0.06"/>
+                    <dgm:constr type="h" for="ch" forName="bullet2b" refType="w" refFor="ch" refForName="bullet2b"/>
+                    <dgm:constr type="l" for="ch" forName="textBox2b" refType="ctrX" refFor="ch" refForName="bullet2b"/>
+                    <dgm:constr type="t" for="ch" forName="textBox2b" refType="ctrY" refFor="ch" refForName="bullet2b"/>
+                    <dgm:constr type="w" for="ch" forName="textBox2b" refType="w" fact="0.325"/>
+                    <dgm:constr type="h" for="ch" forName="textBox2b" refType="h" fact="0.662"/>
+                    <dgm:constr type="userB" refType="h" refFor="ch" refForName="bullet2b" fact="0.53"/>
+                    <dgm:constr type="lMarg" for="ch" forName="textBox2b" refType="userB" fact="2.834"/>
+                    <dgm:constr type="primFontSz" for="ch" ptType="node" op="equ" val="65"/>
+                  </dgm:constrLst>
+                </dgm:if>
+                <dgm:else name="Name9">
+                  <dgm:constrLst>
+                    <dgm:constr type="ctrX" for="ch" forName="bullet2a" refType="w" fact="0.25"/>
+                    <dgm:constr type="ctrY" for="ch" forName="bullet2a" refType="h" fact="0.573"/>
+                    <dgm:constr type="w" for="ch" forName="bullet2a" refType="w" fact="0.035"/>
+                    <dgm:constr type="h" for="ch" forName="bullet2a" refType="w" refFor="ch" refForName="bullet2a"/>
+                    <dgm:constr type="r" for="ch" forName="textBox2a" refType="ctrX" refFor="ch" refForName="bullet2a"/>
+                    <dgm:constr type="b" for="ch" forName="textBox2a" refType="ctrY" refFor="ch" refForName="bullet2a"/>
+                    <dgm:constr type="w" for="ch" forName="textBox2a" refType="w" fact="0.25"/>
+                    <dgm:constr type="h" for="ch" forName="textBox2a" refType="h" fact="0.573"/>
+                    <dgm:constr type="userA" refType="h" refFor="ch" refForName="bullet2a" fact="0.53"/>
+                    <dgm:constr type="rMarg" for="ch" forName="textBox2a" refType="userA" fact="2.834"/>
+                    <dgm:constr type="ctrX" for="ch" forName="bullet2b" refType="w" fact="0.585"/>
+                    <dgm:constr type="ctrY" for="ch" forName="bullet2b" refType="h" fact="0.338"/>
+                    <dgm:constr type="w" for="ch" forName="bullet2b" refType="w" fact="0.06"/>
+                    <dgm:constr type="h" for="ch" forName="bullet2b" refType="w" refFor="ch" refForName="bullet2b"/>
+                    <dgm:constr type="r" for="ch" forName="textBox2b" refType="ctrX" refFor="ch" refForName="bullet2b"/>
+                    <dgm:constr type="b" for="ch" forName="textBox2b" refType="ctrY" refFor="ch" refForName="bullet2b"/>
+                    <dgm:constr type="w" for="ch" forName="textBox2b" refType="w" fact="0.28"/>
+                    <dgm:constr type="h" for="ch" forName="textBox2b" refType="h" fact="0.338"/>
+                    <dgm:constr type="userB" refType="h" refFor="ch" refForName="bullet2b" fact="0.53"/>
+                    <dgm:constr type="rMarg" for="ch" forName="textBox2b" refType="userB" fact="2.834"/>
+                    <dgm:constr type="primFontSz" for="ch" ptType="node" op="equ" val="65"/>
+                  </dgm:constrLst>
+                </dgm:else>
+              </dgm:choose>
+              <dgm:ruleLst/>
+              <dgm:forEach name="Name10" axis="ch" ptType="node" cnt="1">
+                <dgm:layoutNode name="bullet2a" styleLbl="node1">
+                  <dgm:alg type="sp"/>
+                  <dgm:shape xmlns:r="http://schemas.openxmlformats.org/officeDocument/2006/relationships" type="ellipse" r:blip="">
+                    <dgm:adjLst/>
+                  </dgm:shape>
+                  <dgm:presOf/>
+                  <dgm:constrLst/>
+                  <dgm:ruleLst/>
+                </dgm:layoutNode>
+                <dgm:layoutNode name="textBox2a" styleLbl="revTx">
+                  <dgm:varLst>
+                    <dgm:bulletEnabled val="1"/>
+                  </dgm:varLst>
+                  <dgm:choose name="Name11">
+                    <dgm:if name="Name12" func="var" arg="dir" op="equ" val="norm">
+                      <dgm:choose name="Name13">
+                        <dgm:if name="Name14" axis="root des" ptType="all node" func="maxDepth" op="gt" val="1">
+                          <dgm:alg type="tx">
+                            <dgm:param type="parTxLTRAlign" val="l"/>
+                            <dgm:param type="parTxRTLAlign" val="r"/>
+                            <dgm:param type="txAnchorVert" val="t"/>
+                          </dgm:alg>
+                        </dgm:if>
+                        <dgm:else name="Name15">
+                          <dgm:alg type="tx">
+                            <dgm:param type="parTxLTRAlign" val="l"/>
+                            <dgm:param type="parTxRTLAlign" val="l"/>
+                            <dgm:param type="txAnchorVert" val="t"/>
+                          </dgm:alg>
+                        </dgm:else>
+                      </dgm:choose>
+                    </dgm:if>
+                    <dgm:else name="Name16">
+                      <dgm:choose name="Name17">
+                        <dgm:if name="Name18" axis="root des" ptType="all node" func="maxDepth" op="gt" val="1">
+                          <dgm:alg type="tx">
+                            <dgm:param type="parTxLTRAlign" val="l"/>
+                            <dgm:param type="parTxRTLAlign" val="r"/>
+                            <dgm:param type="txAnchorVertCh" val="b"/>
+                            <dgm:param type="txAnchorVert" val="b"/>
+                          </dgm:alg>
+                        </dgm:if>
+                        <dgm:else name="Name19">
+                          <dgm:alg type="tx">
+                            <dgm:param type="parTxLTRAlign" val="r"/>
+                            <dgm:param type="parTxRTLAlign" val="r"/>
+                            <dgm:param type="txAnchorVert" val="b"/>
+                          </dgm:alg>
+                        </dgm:else>
+                      </dgm:choose>
+                    </dgm:else>
+                  </dgm:choose>
+                  <dgm:shape xmlns:r="http://schemas.openxmlformats.org/officeDocument/2006/relationships" type="rect" r:blip="">
+                    <dgm:adjLst/>
+                  </dgm:shape>
+                  <dgm:presOf axis="desOrSelf" ptType="node"/>
+                  <dgm:choose name="Name20">
+                    <dgm:if name="Name21" func="var" arg="dir" op="equ" val="norm">
+                      <dgm:constrLst>
+                        <dgm:constr type="rMarg"/>
+                        <dgm:constr type="tMarg"/>
+                        <dgm:constr type="bMarg"/>
+                      </dgm:constrLst>
+                    </dgm:if>
+                    <dgm:else name="Name22">
+                      <dgm:constrLst>
+                        <dgm:constr type="lMarg"/>
+                        <dgm:constr type="tMarg"/>
+                        <dgm:constr type="bMarg"/>
+                      </dgm:constrLst>
+                    </dgm:else>
+                  </dgm:choose>
+                  <dgm:ruleLst>
+                    <dgm:rule type="primFontSz" val="5" fact="NaN" max="NaN"/>
+                  </dgm:ruleLst>
+                </dgm:layoutNode>
+              </dgm:forEach>
+              <dgm:forEach name="Name23" axis="ch" ptType="node" st="2" cnt="1">
+                <dgm:layoutNode name="bullet2b" styleLbl="node1">
+                  <dgm:alg type="sp"/>
+                  <dgm:shape xmlns:r="http://schemas.openxmlformats.org/officeDocument/2006/relationships" type="ellipse" r:blip="">
+                    <dgm:adjLst/>
+                  </dgm:shape>
+                  <dgm:presOf/>
+                  <dgm:constrLst/>
+                  <dgm:ruleLst/>
+                </dgm:layoutNode>
+                <dgm:layoutNode name="textBox2b" styleLbl="revTx">
+                  <dgm:varLst>
+                    <dgm:bulletEnabled val="1"/>
+                  </dgm:varLst>
+                  <dgm:choose name="Name24">
+                    <dgm:if name="Name25" func="var" arg="dir" op="equ" val="norm">
+                      <dgm:choose name="Name26">
+                        <dgm:if name="Name27" axis="root des" ptType="all node" func="maxDepth" op="gt" val="1">
+                          <dgm:alg type="tx">
+                            <dgm:param type="parTxLTRAlign" val="l"/>
+                            <dgm:param type="parTxRTLAlign" val="r"/>
+                            <dgm:param type="txAnchorVert" val="t"/>
+                          </dgm:alg>
+                        </dgm:if>
+                        <dgm:else name="Name28">
+                          <dgm:alg type="tx">
+                            <dgm:param type="parTxLTRAlign" val="l"/>
+                            <dgm:param type="parTxRTLAlign" val="l"/>
+                            <dgm:param type="txAnchorVert" val="t"/>
+                          </dgm:alg>
+                        </dgm:else>
+                      </dgm:choose>
+                    </dgm:if>
+                    <dgm:else name="Name29">
+                      <dgm:choose name="Name30">
+                        <dgm:if name="Name31" axis="root des" ptType="all node" func="maxDepth" op="gt" val="1">
+                          <dgm:alg type="tx">
+                            <dgm:param type="parTxLTRAlign" val="l"/>
+                            <dgm:param type="parTxRTLAlign" val="r"/>
+                            <dgm:param type="txAnchorVertCh" val="b"/>
+                            <dgm:param type="txAnchorVert" val="b"/>
+                          </dgm:alg>
+                        </dgm:if>
+                        <dgm:else name="Name32">
+                          <dgm:alg type="tx">
+                            <dgm:param type="parTxLTRAlign" val="r"/>
+                            <dgm:param type="parTxRTLAlign" val="r"/>
+                            <dgm:param type="txAnchorVert" val="b"/>
+                          </dgm:alg>
+                        </dgm:else>
+                      </dgm:choose>
+                    </dgm:else>
+                  </dgm:choose>
+                  <dgm:shape xmlns:r="http://schemas.openxmlformats.org/officeDocument/2006/relationships" type="rect" r:blip="">
+                    <dgm:adjLst/>
+                  </dgm:shape>
+                  <dgm:presOf axis="desOrSelf" ptType="node"/>
+                  <dgm:choose name="Name33">
+                    <dgm:if name="Name34" func="var" arg="dir" op="equ" val="norm">
+                      <dgm:constrLst>
+                        <dgm:constr type="rMarg"/>
+                        <dgm:constr type="tMarg"/>
+                        <dgm:constr type="bMarg"/>
+                      </dgm:constrLst>
+                    </dgm:if>
+                    <dgm:else name="Name35">
+                      <dgm:constrLst>
+                        <dgm:constr type="lMarg"/>
+                        <dgm:constr type="tMarg"/>
+                        <dgm:constr type="bMarg"/>
+                      </dgm:constrLst>
+                    </dgm:else>
+                  </dgm:choose>
+                  <dgm:ruleLst>
+                    <dgm:rule type="primFontSz" val="5" fact="NaN" max="NaN"/>
+                  </dgm:ruleLst>
+                </dgm:layoutNode>
+              </dgm:forEach>
+            </dgm:layoutNode>
+          </dgm:if>
+          <dgm:if name="Name36" axis="ch" ptType="node" func="cnt" op="equ" val="3">
+            <dgm:layoutNode name="arrowDiagram3">
+              <dgm:alg type="composite">
+                <dgm:param type="vertAlign" val="none"/>
+                <dgm:param type="horzAlign" val="none"/>
+              </dgm:alg>
+              <dgm:shape xmlns:r="http://schemas.openxmlformats.org/officeDocument/2006/relationships" r:blip="">
+                <dgm:adjLst/>
+              </dgm:shape>
+              <dgm:presOf/>
+              <dgm:choose name="Name37">
+                <dgm:if name="Name38" func="var" arg="dir" op="equ" val="norm">
+                  <dgm:constrLst>
+                    <dgm:constr type="ctrX" for="ch" forName="bullet3a" refType="w" fact="0.14"/>
+                    <dgm:constr type="ctrY" for="ch" forName="bullet3a" refType="h" fact="0.711"/>
+                    <dgm:constr type="w" for="ch" forName="bullet3a" refType="w" fact="0.026"/>
+                    <dgm:constr type="h" for="ch" forName="bullet3a" refType="w" refFor="ch" refForName="bullet3a"/>
+                    <dgm:constr type="l" for="ch" forName="textBox3a" refType="ctrX" refFor="ch" refForName="bullet3a"/>
+                    <dgm:constr type="t" for="ch" forName="textBox3a" refType="ctrY" refFor="ch" refForName="bullet3a"/>
+                    <dgm:constr type="w" for="ch" forName="textBox3a" refType="w" fact="0.233"/>
+                    <dgm:constr type="h" for="ch" forName="textBox3a" refType="h" fact="0.289"/>
+                    <dgm:constr type="userA" refType="h" refFor="ch" refForName="bullet3a" fact="0.53"/>
+                    <dgm:constr type="lMarg" for="ch" forName="textBox3a" refType="userA" fact="2.834"/>
+                    <dgm:constr type="ctrX" for="ch" forName="bullet3b" refType="w" fact="0.38"/>
+                    <dgm:constr type="ctrY" for="ch" forName="bullet3b" refType="h" fact="0.456"/>
+                    <dgm:constr type="w" for="ch" forName="bullet3b" refType="w" fact="0.047"/>
+                    <dgm:constr type="h" for="ch" forName="bullet3b" refType="w" refFor="ch" refForName="bullet3b"/>
+                    <dgm:constr type="l" for="ch" forName="textBox3b" refType="ctrX" refFor="ch" refForName="bullet3b"/>
+                    <dgm:constr type="t" for="ch" forName="textBox3b" refType="ctrY" refFor="ch" refForName="bullet3b"/>
+                    <dgm:constr type="w" for="ch" forName="textBox3b" refType="w" fact="0.24"/>
+                    <dgm:constr type="h" for="ch" forName="textBox3b" refType="h" fact="0.544"/>
+                    <dgm:constr type="userB" refType="h" refFor="ch" refForName="bullet3b" fact="0.53"/>
+                    <dgm:constr type="lMarg" for="ch" forName="textBox3b" refType="userB" fact="2.834"/>
+                    <dgm:constr type="ctrX" for="ch" forName="bullet3c" refType="w" fact="0.665"/>
+                    <dgm:constr type="ctrY" for="ch" forName="bullet3c" refType="h" fact="0.305"/>
+                    <dgm:constr type="w" for="ch" forName="bullet3c" refType="w" fact="0.065"/>
+                    <dgm:constr type="h" for="ch" forName="bullet3c" refType="w" refFor="ch" refForName="bullet3c"/>
+                    <dgm:constr type="l" for="ch" forName="textBox3c" refType="ctrX" refFor="ch" refForName="bullet3c"/>
+                    <dgm:constr type="t" for="ch" forName="textBox3c" refType="ctrY" refFor="ch" refForName="bullet3c"/>
+                    <dgm:constr type="w" for="ch" forName="textBox3c" refType="w" fact="0.24"/>
+                    <dgm:constr type="h" for="ch" forName="textBox3c" refType="h" fact="0.695"/>
+                    <dgm:constr type="userC" refType="h" refFor="ch" refForName="bullet3c" fact="0.53"/>
+                    <dgm:constr type="lMarg" for="ch" forName="textBox3c" refType="userC" fact="2.834"/>
+                    <dgm:constr type="primFontSz" for="ch" ptType="node" op="equ" val="65"/>
+                  </dgm:constrLst>
+                </dgm:if>
+                <dgm:else name="Name39">
+                  <dgm:constrLst>
+                    <dgm:constr type="ctrX" for="ch" forName="bullet3a" refType="w" fact="0.14"/>
+                    <dgm:constr type="ctrY" for="ch" forName="bullet3a" refType="h" fact="0.711"/>
+                    <dgm:constr type="w" for="ch" forName="bullet3a" refType="w" fact="0.026"/>
+                    <dgm:constr type="h" for="ch" forName="bullet3a" refType="w" refFor="ch" refForName="bullet3a"/>
+                    <dgm:constr type="r" for="ch" forName="textBox3a" refType="ctrX" refFor="ch" refForName="bullet3a"/>
+                    <dgm:constr type="b" for="ch" forName="textBox3a" refType="ctrY" refFor="ch" refForName="bullet3a"/>
+                    <dgm:constr type="w" for="ch" forName="textBox3a" refType="w" fact="0.14"/>
+                    <dgm:constr type="h" for="ch" forName="textBox3a" refType="h" fact="0.711"/>
+                    <dgm:constr type="userA" refType="h" refFor="ch" refForName="bullet3a" fact="0.53"/>
+                    <dgm:constr type="rMarg" for="ch" forName="textBox3a" refType="userA" fact="2.834"/>
+                    <dgm:constr type="ctrX" for="ch" forName="bullet3b" refType="w" fact="0.38"/>
+                    <dgm:constr type="ctrY" for="ch" forName="bullet3b" refType="h" fact="0.456"/>
+                    <dgm:constr type="w" for="ch" forName="bullet3b" refType="w" fact="0.047"/>
+                    <dgm:constr type="h" for="ch" forName="bullet3b" refType="w" refFor="ch" refForName="bullet3b"/>
+                    <dgm:constr type="r" for="ch" forName="textBox3b" refType="ctrX" refFor="ch" refForName="bullet3b"/>
+                    <dgm:constr type="b" for="ch" forName="textBox3b" refType="ctrY" refFor="ch" refForName="bullet3b"/>
+                    <dgm:constr type="w" for="ch" forName="textBox3b" refType="w" fact="0.24"/>
+                    <dgm:constr type="h" for="ch" forName="textBox3b" refType="h" fact="0.456"/>
+                    <dgm:constr type="userB" refType="h" refFor="ch" refForName="bullet3b" fact="0.53"/>
+                    <dgm:constr type="rMarg" for="ch" forName="textBox3b" refType="userB" fact="2.834"/>
+                    <dgm:constr type="ctrX" for="ch" forName="bullet3c" refType="w" fact="0.665"/>
+                    <dgm:constr type="ctrY" for="ch" forName="bullet3c" refType="h" fact="0.305"/>
+                    <dgm:constr type="w" for="ch" forName="bullet3c" refType="w" fact="0.065"/>
+                    <dgm:constr type="h" for="ch" forName="bullet3c" refType="w" refFor="ch" refForName="bullet3c"/>
+                    <dgm:constr type="r" for="ch" forName="textBox3c" refType="ctrX" refFor="ch" refForName="bullet3c"/>
+                    <dgm:constr type="b" for="ch" forName="textBox3c" refType="ctrY" refFor="ch" refForName="bullet3c"/>
+                    <dgm:constr type="w" for="ch" forName="textBox3c" refType="w" fact="0.24"/>
+                    <dgm:constr type="h" for="ch" forName="textBox3c" refType="h" fact="0.305"/>
+                    <dgm:constr type="userC" refType="h" refFor="ch" refForName="bullet3c" fact="0.53"/>
+                    <dgm:constr type="rMarg" for="ch" forName="textBox3c" refType="userC" fact="2.834"/>
+                    <dgm:constr type="primFontSz" for="ch" ptType="node" op="equ" val="65"/>
+                  </dgm:constrLst>
+                </dgm:else>
+              </dgm:choose>
+              <dgm:ruleLst/>
+              <dgm:forEach name="Name40" axis="ch" ptType="node" cnt="1">
+                <dgm:layoutNode name="bullet3a" styleLbl="node1">
+                  <dgm:alg type="sp"/>
+                  <dgm:shape xmlns:r="http://schemas.openxmlformats.org/officeDocument/2006/relationships" type="ellipse" r:blip="">
+                    <dgm:adjLst/>
+                  </dgm:shape>
+                  <dgm:presOf/>
+                  <dgm:constrLst/>
+                  <dgm:ruleLst/>
+                </dgm:layoutNode>
+                <dgm:layoutNode name="textBox3a" styleLbl="revTx">
+                  <dgm:varLst>
+                    <dgm:bulletEnabled val="1"/>
+                  </dgm:varLst>
+                  <dgm:choose name="Name41">
+                    <dgm:if name="Name42" func="var" arg="dir" op="equ" val="norm">
+                      <dgm:choose name="Name43">
+                        <dgm:if name="Name44" axis="root des" ptType="all node" func="maxDepth" op="gt" val="1">
+                          <dgm:alg type="tx">
+                            <dgm:param type="parTxLTRAlign" val="l"/>
+                            <dgm:param type="parTxRTLAlign" val="r"/>
+                            <dgm:param type="txAnchorVert" val="t"/>
+                          </dgm:alg>
+                        </dgm:if>
+                        <dgm:else name="Name45">
+                          <dgm:alg type="tx">
+                            <dgm:param type="parTxLTRAlign" val="l"/>
+                            <dgm:param type="parTxRTLAlign" val="l"/>
+                            <dgm:param type="txAnchorVert" val="t"/>
+                          </dgm:alg>
+                        </dgm:else>
+                      </dgm:choose>
+                    </dgm:if>
+                    <dgm:else name="Name46">
+                      <dgm:choose name="Name47">
+                        <dgm:if name="Name48" axis="root des" ptType="all node" func="maxDepth" op="gt" val="1">
+                          <dgm:alg type="tx">
+                            <dgm:param type="parTxLTRAlign" val="l"/>
+                            <dgm:param type="parTxRTLAlign" val="r"/>
+                            <dgm:param type="txAnchorVertCh" val="b"/>
+                            <dgm:param type="txAnchorVert" val="b"/>
+                          </dgm:alg>
+                        </dgm:if>
+                        <dgm:else name="Name49">
+                          <dgm:alg type="tx">
+                            <dgm:param type="parTxLTRAlign" val="r"/>
+                            <dgm:param type="parTxRTLAlign" val="r"/>
+                            <dgm:param type="txAnchorVert" val="b"/>
+                          </dgm:alg>
+                        </dgm:else>
+                      </dgm:choose>
+                    </dgm:else>
+                  </dgm:choose>
+                  <dgm:shape xmlns:r="http://schemas.openxmlformats.org/officeDocument/2006/relationships" type="rect" r:blip="">
+                    <dgm:adjLst/>
+                  </dgm:shape>
+                  <dgm:presOf axis="desOrSelf" ptType="node"/>
+                  <dgm:choose name="Name50">
+                    <dgm:if name="Name51" func="var" arg="dir" op="equ" val="norm">
+                      <dgm:constrLst>
+                        <dgm:constr type="rMarg"/>
+                        <dgm:constr type="tMarg"/>
+                        <dgm:constr type="bMarg"/>
+                      </dgm:constrLst>
+                    </dgm:if>
+                    <dgm:else name="Name52">
+                      <dgm:constrLst>
+                        <dgm:constr type="lMarg"/>
+                        <dgm:constr type="tMarg"/>
+                        <dgm:constr type="bMarg"/>
+                      </dgm:constrLst>
+                    </dgm:else>
+                  </dgm:choose>
+                  <dgm:ruleLst>
+                    <dgm:rule type="primFontSz" val="5" fact="NaN" max="NaN"/>
+                  </dgm:ruleLst>
+                </dgm:layoutNode>
+              </dgm:forEach>
+              <dgm:forEach name="Name53" axis="ch" ptType="node" st="2" cnt="1">
+                <dgm:layoutNode name="bullet3b" styleLbl="node1">
+                  <dgm:alg type="sp"/>
+                  <dgm:shape xmlns:r="http://schemas.openxmlformats.org/officeDocument/2006/relationships" type="ellipse" r:blip="">
+                    <dgm:adjLst/>
+                  </dgm:shape>
+                  <dgm:presOf/>
+                  <dgm:constrLst/>
+                  <dgm:ruleLst/>
+                </dgm:layoutNode>
+                <dgm:layoutNode name="textBox3b" styleLbl="revTx">
+                  <dgm:varLst>
+                    <dgm:bulletEnabled val="1"/>
+                  </dgm:varLst>
+                  <dgm:choose name="Name54">
+                    <dgm:if name="Name55" func="var" arg="dir" op="equ" val="norm">
+                      <dgm:choose name="Name56">
+                        <dgm:if name="Name57" axis="root des" ptType="all node" func="maxDepth" op="gt" val="1">
+                          <dgm:alg type="tx">
+                            <dgm:param type="parTxLTRAlign" val="l"/>
+                            <dgm:param type="parTxRTLAlign" val="r"/>
+                            <dgm:param type="txAnchorVert" val="t"/>
+                          </dgm:alg>
+                        </dgm:if>
+                        <dgm:else name="Name58">
+                          <dgm:alg type="tx">
+                            <dgm:param type="parTxLTRAlign" val="l"/>
+                            <dgm:param type="parTxRTLAlign" val="l"/>
+                            <dgm:param type="txAnchorVert" val="t"/>
+                          </dgm:alg>
+                        </dgm:else>
+                      </dgm:choose>
+                    </dgm:if>
+                    <dgm:else name="Name59">
+                      <dgm:choose name="Name60">
+                        <dgm:if name="Name61" axis="root des" ptType="all node" func="maxDepth" op="gt" val="1">
+                          <dgm:alg type="tx">
+                            <dgm:param type="parTxLTRAlign" val="l"/>
+                            <dgm:param type="parTxRTLAlign" val="r"/>
+                            <dgm:param type="txAnchorVertCh" val="b"/>
+                            <dgm:param type="txAnchorVert" val="b"/>
+                          </dgm:alg>
+                        </dgm:if>
+                        <dgm:else name="Name62">
+                          <dgm:alg type="tx">
+                            <dgm:param type="parTxLTRAlign" val="r"/>
+                            <dgm:param type="parTxRTLAlign" val="r"/>
+                            <dgm:param type="txAnchorVert" val="b"/>
+                          </dgm:alg>
+                        </dgm:else>
+                      </dgm:choose>
+                    </dgm:else>
+                  </dgm:choose>
+                  <dgm:shape xmlns:r="http://schemas.openxmlformats.org/officeDocument/2006/relationships" type="rect" r:blip="">
+                    <dgm:adjLst/>
+                  </dgm:shape>
+                  <dgm:presOf axis="desOrSelf" ptType="node"/>
+                  <dgm:choose name="Name63">
+                    <dgm:if name="Name64" func="var" arg="dir" op="equ" val="norm">
+                      <dgm:constrLst>
+                        <dgm:constr type="rMarg"/>
+                        <dgm:constr type="tMarg"/>
+                        <dgm:constr type="bMarg"/>
+                      </dgm:constrLst>
+                    </dgm:if>
+                    <dgm:else name="Name65">
+                      <dgm:constrLst>
+                        <dgm:constr type="lMarg"/>
+                        <dgm:constr type="tMarg"/>
+                        <dgm:constr type="bMarg"/>
+                      </dgm:constrLst>
+                    </dgm:else>
+                  </dgm:choose>
+                  <dgm:ruleLst>
+                    <dgm:rule type="primFontSz" val="5" fact="NaN" max="NaN"/>
+                  </dgm:ruleLst>
+                </dgm:layoutNode>
+              </dgm:forEach>
+              <dgm:forEach name="Name66" axis="ch" ptType="node" st="3" cnt="1">
+                <dgm:layoutNode name="bullet3c" styleLbl="node1">
+                  <dgm:alg type="sp"/>
+                  <dgm:shape xmlns:r="http://schemas.openxmlformats.org/officeDocument/2006/relationships" type="ellipse" r:blip="">
+                    <dgm:adjLst/>
+                  </dgm:shape>
+                  <dgm:presOf/>
+                  <dgm:constrLst/>
+                  <dgm:ruleLst/>
+                </dgm:layoutNode>
+                <dgm:layoutNode name="textBox3c" styleLbl="revTx">
+                  <dgm:varLst>
+                    <dgm:bulletEnabled val="1"/>
+                  </dgm:varLst>
+                  <dgm:choose name="Name67">
+                    <dgm:if name="Name68" func="var" arg="dir" op="equ" val="norm">
+                      <dgm:choose name="Name69">
+                        <dgm:if name="Name70" axis="root des" ptType="all node" func="maxDepth" op="gt" val="1">
+                          <dgm:alg type="tx">
+                            <dgm:param type="parTxLTRAlign" val="l"/>
+                            <dgm:param type="parTxRTLAlign" val="r"/>
+                            <dgm:param type="txAnchorVert" val="t"/>
+                          </dgm:alg>
+                        </dgm:if>
+                        <dgm:else name="Name71">
+                          <dgm:alg type="tx">
+                            <dgm:param type="parTxLTRAlign" val="l"/>
+                            <dgm:param type="parTxRTLAlign" val="l"/>
+                            <dgm:param type="txAnchorVert" val="t"/>
+                          </dgm:alg>
+                        </dgm:else>
+                      </dgm:choose>
+                    </dgm:if>
+                    <dgm:else name="Name72">
+                      <dgm:choose name="Name73">
+                        <dgm:if name="Name74" axis="root des" ptType="all node" func="maxDepth" op="gt" val="1">
+                          <dgm:alg type="tx">
+                            <dgm:param type="parTxLTRAlign" val="l"/>
+                            <dgm:param type="parTxRTLAlign" val="r"/>
+                            <dgm:param type="txAnchorVertCh" val="b"/>
+                            <dgm:param type="txAnchorVert" val="b"/>
+                          </dgm:alg>
+                        </dgm:if>
+                        <dgm:else name="Name75">
+                          <dgm:alg type="tx">
+                            <dgm:param type="parTxLTRAlign" val="r"/>
+                            <dgm:param type="parTxRTLAlign" val="r"/>
+                            <dgm:param type="txAnchorVert" val="b"/>
+                          </dgm:alg>
+                        </dgm:else>
+                      </dgm:choose>
+                    </dgm:else>
+                  </dgm:choose>
+                  <dgm:shape xmlns:r="http://schemas.openxmlformats.org/officeDocument/2006/relationships" type="rect" r:blip="">
+                    <dgm:adjLst/>
+                  </dgm:shape>
+                  <dgm:presOf axis="desOrSelf" ptType="node"/>
+                  <dgm:choose name="Name76">
+                    <dgm:if name="Name77" func="var" arg="dir" op="equ" val="norm">
+                      <dgm:constrLst>
+                        <dgm:constr type="rMarg"/>
+                        <dgm:constr type="tMarg"/>
+                        <dgm:constr type="bMarg"/>
+                      </dgm:constrLst>
+                    </dgm:if>
+                    <dgm:else name="Name78">
+                      <dgm:constrLst>
+                        <dgm:constr type="lMarg"/>
+                        <dgm:constr type="tMarg"/>
+                        <dgm:constr type="bMarg"/>
+                      </dgm:constrLst>
+                    </dgm:else>
+                  </dgm:choose>
+                  <dgm:ruleLst>
+                    <dgm:rule type="primFontSz" val="5" fact="NaN" max="NaN"/>
+                  </dgm:ruleLst>
+                </dgm:layoutNode>
+              </dgm:forEach>
+            </dgm:layoutNode>
+          </dgm:if>
+          <dgm:if name="Name79" axis="ch" ptType="node" func="cnt" op="equ" val="4">
+            <dgm:layoutNode name="arrowDiagram4">
+              <dgm:alg type="composite">
+                <dgm:param type="vertAlign" val="none"/>
+                <dgm:param type="horzAlign" val="none"/>
+              </dgm:alg>
+              <dgm:shape xmlns:r="http://schemas.openxmlformats.org/officeDocument/2006/relationships" r:blip="">
+                <dgm:adjLst/>
+              </dgm:shape>
+              <dgm:presOf/>
+              <dgm:choose name="Name80">
+                <dgm:if name="Name81" func="var" arg="dir" op="equ" val="norm">
+                  <dgm:constrLst>
+                    <dgm:constr type="ctrX" for="ch" forName="bullet4a" refType="w" fact="0.11"/>
+                    <dgm:constr type="ctrY" for="ch" forName="bullet4a" refType="h" fact="0.762"/>
+                    <dgm:constr type="w" for="ch" forName="bullet4a" refType="w" fact="0.023"/>
+                    <dgm:constr type="h" for="ch" forName="bullet4a" refType="w" refFor="ch" refForName="bullet4a"/>
+                    <dgm:constr type="l" for="ch" forName="textBox4a" refType="ctrX" refFor="ch" refForName="bullet4a"/>
+                    <dgm:constr type="t" for="ch" forName="textBox4a" refType="ctrY" refFor="ch" refForName="bullet4a"/>
+                    <dgm:constr type="w" for="ch" forName="textBox4a" refType="w" fact="0.171"/>
+                    <dgm:constr type="h" for="ch" forName="textBox4a" refType="h" fact="0.238"/>
+                    <dgm:constr type="userA" refType="h" refFor="ch" refForName="bullet4a" fact="0.53"/>
+                    <dgm:constr type="lMarg" for="ch" forName="textBox4a" refType="userA" fact="2.834"/>
+                    <dgm:constr type="ctrX" for="ch" forName="bullet4b" refType="w" fact="0.281"/>
+                    <dgm:constr type="ctrY" for="ch" forName="bullet4b" refType="h" fact="0.543"/>
+                    <dgm:constr type="w" for="ch" forName="bullet4b" refType="w" fact="0.04"/>
+                    <dgm:constr type="h" for="ch" forName="bullet4b" refType="w" refFor="ch" refForName="bullet4b"/>
+                    <dgm:constr type="l" for="ch" forName="textBox4b" refType="ctrX" refFor="ch" refForName="bullet4b"/>
+                    <dgm:constr type="t" for="ch" forName="textBox4b" refType="ctrY" refFor="ch" refForName="bullet4b"/>
+                    <dgm:constr type="w" for="ch" forName="textBox4b" refType="w" fact="0.21"/>
+                    <dgm:constr type="h" for="ch" forName="textBox4b" refType="h" fact="0.457"/>
+                    <dgm:constr type="userB" refType="h" refFor="ch" refForName="bullet4b" fact="0.53"/>
+                    <dgm:constr type="lMarg" for="ch" forName="textBox4b" refType="userB" fact="2.834"/>
+                    <dgm:constr type="ctrX" for="ch" forName="bullet4c" refType="w" fact="0.495"/>
+                    <dgm:constr type="ctrY" for="ch" forName="bullet4c" refType="h" fact="0.382"/>
+                    <dgm:constr type="w" for="ch" forName="bullet4c" refType="w" fact="0.053"/>
+                    <dgm:constr type="h" for="ch" forName="bullet4c" refType="w" refFor="ch" refForName="bullet4c"/>
+                    <dgm:constr type="l" for="ch" forName="textBox4c" refType="ctrX" refFor="ch" refForName="bullet4c"/>
+                    <dgm:constr type="t" for="ch" forName="textBox4c" refType="ctrY" refFor="ch" refForName="bullet4c"/>
+                    <dgm:constr type="w" for="ch" forName="textBox4c" refType="w" fact="0.21"/>
+                    <dgm:constr type="h" for="ch" forName="textBox4c" refType="h" fact="0.618"/>
+                    <dgm:constr type="userC" refType="h" refFor="ch" refForName="bullet4c" fact="0.53"/>
+                    <dgm:constr type="lMarg" for="ch" forName="textBox4c" refType="userC" fact="2.834"/>
+                    <dgm:constr type="ctrX" for="ch" forName="bullet4d" refType="w" fact="0.73"/>
+                    <dgm:constr type="ctrY" for="ch" forName="bullet4d" refType="h" fact="0.283"/>
+                    <dgm:constr type="w" for="ch" forName="bullet4d" refType="w" fact="0.071"/>
+                    <dgm:constr type="h" for="ch" forName="bullet4d" refType="w" refFor="ch" refForName="bullet4d"/>
+                    <dgm:constr type="l" for="ch" forName="textBox4d" refType="ctrX" refFor="ch" refForName="bullet4d"/>
+                    <dgm:constr type="t" for="ch" forName="textBox4d" refType="ctrY" refFor="ch" refForName="bullet4d"/>
+                    <dgm:constr type="w" for="ch" forName="textBox4d" refType="w" fact="0.21"/>
+                    <dgm:constr type="h" for="ch" forName="textBox4d" refType="h" fact="0.717"/>
+                    <dgm:constr type="userD" refType="h" refFor="ch" refForName="bullet4d" fact="0.53"/>
+                    <dgm:constr type="lMarg" for="ch" forName="textBox4d" refType="userD" fact="2.834"/>
+                    <dgm:constr type="primFontSz" for="ch" ptType="node" op="equ" val="65"/>
+                  </dgm:constrLst>
+                </dgm:if>
+                <dgm:else name="Name82">
+                  <dgm:constrLst>
+                    <dgm:constr type="ctrX" for="ch" forName="bullet4a" refType="w" fact="0.11"/>
+                    <dgm:constr type="ctrY" for="ch" forName="bullet4a" refType="h" fact="0.762"/>
+                    <dgm:constr type="w" for="ch" forName="bullet4a" refType="w" fact="0.023"/>
+                    <dgm:constr type="h" for="ch" forName="bullet4a" refType="w" refFor="ch" refForName="bullet4a"/>
+                    <dgm:constr type="r" for="ch" forName="textBox4a" refType="ctrX" refFor="ch" refForName="bullet4a"/>
+                    <dgm:constr type="b" for="ch" forName="textBox4a" refType="ctrY" refFor="ch" refForName="bullet4a"/>
+                    <dgm:constr type="w" for="ch" forName="textBox4a" refType="w" fact="0.11"/>
+                    <dgm:constr type="h" for="ch" forName="textBox4a" refType="h" fact="0.762"/>
+                    <dgm:constr type="userA" refType="h" refFor="ch" refForName="bullet4a" fact="0.53"/>
+                    <dgm:constr type="rMarg" for="ch" forName="textBox4a" refType="userA" fact="2.834"/>
+                    <dgm:constr type="ctrX" for="ch" forName="bullet4b" refType="w" fact="0.281"/>
+                    <dgm:constr type="ctrY" for="ch" forName="bullet4b" refType="h" fact="0.543"/>
+                    <dgm:constr type="w" for="ch" forName="bullet4b" refType="w" fact="0.04"/>
+                    <dgm:constr type="h" for="ch" forName="bullet4b" refType="w" refFor="ch" refForName="bullet4b"/>
+                    <dgm:constr type="r" for="ch" forName="textBox4b" refType="ctrX" refFor="ch" refForName="bullet4b"/>
+                    <dgm:constr type="b" for="ch" forName="textBox4b" refType="ctrY" refFor="ch" refForName="bullet4b"/>
+                    <dgm:constr type="w" for="ch" forName="textBox4b" refType="w" fact="0.171"/>
+                    <dgm:constr type="h" for="ch" forName="textBox4b" refType="h" fact="0.543"/>
+                    <dgm:constr type="userB" refType="h" refFor="ch" refForName="bullet4b" fact="0.53"/>
+                    <dgm:constr type="rMarg" for="ch" forName="textBox4b" refType="userB" fact="2.834"/>
+                    <dgm:constr type="ctrX" for="ch" forName="bullet4c" refType="w" fact="0.495"/>
+                    <dgm:constr type="ctrY" for="ch" forName="bullet4c" refType="h" fact="0.382"/>
+                    <dgm:constr type="w" for="ch" forName="bullet4c" refType="w" fact="0.053"/>
+                    <dgm:constr type="h" for="ch" forName="bullet4c" refType="w" refFor="ch" refForName="bullet4c"/>
+                    <dgm:constr type="r" for="ch" forName="textBox4c" refType="ctrX" refFor="ch" refForName="bullet4c"/>
+                    <dgm:constr type="b" for="ch" forName="textBox4c" refType="ctrY" refFor="ch" refForName="bullet4c"/>
+                    <dgm:constr type="w" for="ch" forName="textBox4c" refType="w" fact="0.21"/>
+                    <dgm:constr type="h" for="ch" forName="textBox4c" refType="h" fact="0.382"/>
+                    <dgm:constr type="userC" refType="h" refFor="ch" refForName="bullet4c" fact="0.53"/>
+                    <dgm:constr type="rMarg" for="ch" forName="textBox4c" refType="userC" fact="2.834"/>
+                    <dgm:constr type="ctrX" for="ch" forName="bullet4d" refType="w" fact="0.73"/>
+                    <dgm:constr type="ctrY" for="ch" forName="bullet4d" refType="h" fact="0.283"/>
+                    <dgm:constr type="w" for="ch" forName="bullet4d" refType="w" fact="0.071"/>
+                    <dgm:constr type="h" for="ch" forName="bullet4d" refType="w" refFor="ch" refForName="bullet4d"/>
+                    <dgm:constr type="r" for="ch" forName="textBox4d" refType="ctrX" refFor="ch" refForName="bullet4d"/>
+                    <dgm:constr type="b" for="ch" forName="textBox4d" refType="ctrY" refFor="ch" refForName="bullet4d"/>
+                    <dgm:constr type="w" for="ch" forName="textBox4d" refType="w" fact="0.21"/>
+                    <dgm:constr type="h" for="ch" forName="textBox4d" refType="h" fact="0.283"/>
+                    <dgm:constr type="userD" refType="h" refFor="ch" refForName="bullet4d" fact="0.53"/>
+                    <dgm:constr type="rMarg" for="ch" forName="textBox4d" refType="userD" fact="2.834"/>
+                    <dgm:constr type="primFontSz" for="ch" ptType="node" op="equ" val="65"/>
+                  </dgm:constrLst>
+                </dgm:else>
+              </dgm:choose>
+              <dgm:ruleLst/>
+              <dgm:forEach name="Name83" axis="ch" ptType="node" cnt="1">
+                <dgm:layoutNode name="bullet4a" styleLbl="node1">
+                  <dgm:alg type="sp"/>
+                  <dgm:shape xmlns:r="http://schemas.openxmlformats.org/officeDocument/2006/relationships" type="ellipse" r:blip="">
+                    <dgm:adjLst/>
+                  </dgm:shape>
+                  <dgm:presOf/>
+                  <dgm:constrLst/>
+                  <dgm:ruleLst/>
+                </dgm:layoutNode>
+                <dgm:layoutNode name="textBox4a" styleLbl="revTx">
+                  <dgm:varLst>
+                    <dgm:bulletEnabled val="1"/>
+                  </dgm:varLst>
+                  <dgm:choose name="Name84">
+                    <dgm:if name="Name85" func="var" arg="dir" op="equ" val="norm">
+                      <dgm:choose name="Name86">
+                        <dgm:if name="Name87" axis="root des" ptType="all node" func="maxDepth" op="gt" val="1">
+                          <dgm:alg type="tx">
+                            <dgm:param type="parTxLTRAlign" val="l"/>
+                            <dgm:param type="parTxRTLAlign" val="r"/>
+                            <dgm:param type="txAnchorVert" val="t"/>
+                          </dgm:alg>
+                        </dgm:if>
+                        <dgm:else name="Name88">
+                          <dgm:alg type="tx">
+                            <dgm:param type="parTxLTRAlign" val="l"/>
+                            <dgm:param type="parTxRTLAlign" val="l"/>
+                            <dgm:param type="txAnchorVert" val="t"/>
+                          </dgm:alg>
+                        </dgm:else>
+                      </dgm:choose>
+                    </dgm:if>
+                    <dgm:else name="Name89">
+                      <dgm:choose name="Name90">
+                        <dgm:if name="Name91" axis="root des" ptType="all node" func="maxDepth" op="gt" val="1">
+                          <dgm:alg type="tx">
+                            <dgm:param type="parTxLTRAlign" val="l"/>
+                            <dgm:param type="parTxRTLAlign" val="r"/>
+                            <dgm:param type="txAnchorVertCh" val="b"/>
+                            <dgm:param type="txAnchorVert" val="b"/>
+                          </dgm:alg>
+                        </dgm:if>
+                        <dgm:else name="Name92">
+                          <dgm:alg type="tx">
+                            <dgm:param type="parTxLTRAlign" val="r"/>
+                            <dgm:param type="parTxRTLAlign" val="r"/>
+                            <dgm:param type="txAnchorVert" val="b"/>
+                          </dgm:alg>
+                        </dgm:else>
+                      </dgm:choose>
+                    </dgm:else>
+                  </dgm:choose>
+                  <dgm:shape xmlns:r="http://schemas.openxmlformats.org/officeDocument/2006/relationships" type="rect" r:blip="">
+                    <dgm:adjLst/>
+                  </dgm:shape>
+                  <dgm:presOf axis="desOrSelf" ptType="node"/>
+                  <dgm:choose name="Name93">
+                    <dgm:if name="Name94" func="var" arg="dir" op="equ" val="norm">
+                      <dgm:constrLst>
+                        <dgm:constr type="rMarg"/>
+                        <dgm:constr type="tMarg"/>
+                        <dgm:constr type="bMarg"/>
+                      </dgm:constrLst>
+                    </dgm:if>
+                    <dgm:else name="Name95">
+                      <dgm:constrLst>
+                        <dgm:constr type="lMarg"/>
+                        <dgm:constr type="tMarg"/>
+                        <dgm:constr type="bMarg"/>
+                      </dgm:constrLst>
+                    </dgm:else>
+                  </dgm:choose>
+                  <dgm:ruleLst>
+                    <dgm:rule type="primFontSz" val="5" fact="NaN" max="NaN"/>
+                  </dgm:ruleLst>
+                </dgm:layoutNode>
+              </dgm:forEach>
+              <dgm:forEach name="Name96" axis="ch" ptType="node" st="2" cnt="1">
+                <dgm:layoutNode name="bullet4b" styleLbl="node1">
+                  <dgm:alg type="sp"/>
+                  <dgm:shape xmlns:r="http://schemas.openxmlformats.org/officeDocument/2006/relationships" type="ellipse" r:blip="">
+                    <dgm:adjLst/>
+                  </dgm:shape>
+                  <dgm:presOf/>
+                  <dgm:constrLst/>
+                  <dgm:ruleLst/>
+                </dgm:layoutNode>
+                <dgm:layoutNode name="textBox4b" styleLbl="revTx">
+                  <dgm:varLst>
+                    <dgm:bulletEnabled val="1"/>
+                  </dgm:varLst>
+                  <dgm:choose name="Name97">
+                    <dgm:if name="Name98" func="var" arg="dir" op="equ" val="norm">
+                      <dgm:choose name="Name99">
+                        <dgm:if name="Name100" axis="root des" ptType="all node" func="maxDepth" op="gt" val="1">
+                          <dgm:alg type="tx">
+                            <dgm:param type="parTxLTRAlign" val="l"/>
+                            <dgm:param type="parTxRTLAlign" val="r"/>
+                            <dgm:param type="txAnchorVert" val="t"/>
+                          </dgm:alg>
+                        </dgm:if>
+                        <dgm:else name="Name101">
+                          <dgm:alg type="tx">
+                            <dgm:param type="parTxLTRAlign" val="l"/>
+                            <dgm:param type="parTxRTLAlign" val="l"/>
+                            <dgm:param type="txAnchorVert" val="t"/>
+                          </dgm:alg>
+                        </dgm:else>
+                      </dgm:choose>
+                    </dgm:if>
+                    <dgm:else name="Name102">
+                      <dgm:choose name="Name103">
+                        <dgm:if name="Name104" axis="root des" ptType="all node" func="maxDepth" op="gt" val="1">
+                          <dgm:alg type="tx">
+                            <dgm:param type="parTxLTRAlign" val="l"/>
+                            <dgm:param type="parTxRTLAlign" val="r"/>
+                            <dgm:param type="txAnchorVertCh" val="b"/>
+                            <dgm:param type="txAnchorVert" val="b"/>
+                          </dgm:alg>
+                        </dgm:if>
+                        <dgm:else name="Name105">
+                          <dgm:alg type="tx">
+                            <dgm:param type="parTxLTRAlign" val="r"/>
+                            <dgm:param type="parTxRTLAlign" val="r"/>
+                            <dgm:param type="txAnchorVert" val="b"/>
+                          </dgm:alg>
+                        </dgm:else>
+                      </dgm:choose>
+                    </dgm:else>
+                  </dgm:choose>
+                  <dgm:shape xmlns:r="http://schemas.openxmlformats.org/officeDocument/2006/relationships" type="rect" r:blip="">
+                    <dgm:adjLst/>
+                  </dgm:shape>
+                  <dgm:presOf axis="desOrSelf" ptType="node"/>
+                  <dgm:choose name="Name106">
+                    <dgm:if name="Name107" func="var" arg="dir" op="equ" val="norm">
+                      <dgm:constrLst>
+                        <dgm:constr type="rMarg"/>
+                        <dgm:constr type="tMarg"/>
+                        <dgm:constr type="bMarg"/>
+                      </dgm:constrLst>
+                    </dgm:if>
+                    <dgm:else name="Name108">
+                      <dgm:constrLst>
+                        <dgm:constr type="lMarg"/>
+                        <dgm:constr type="tMarg"/>
+                        <dgm:constr type="bMarg"/>
+                      </dgm:constrLst>
+                    </dgm:else>
+                  </dgm:choose>
+                  <dgm:ruleLst>
+                    <dgm:rule type="primFontSz" val="5" fact="NaN" max="NaN"/>
+                  </dgm:ruleLst>
+                </dgm:layoutNode>
+              </dgm:forEach>
+              <dgm:forEach name="Name109" axis="ch" ptType="node" st="3" cnt="1">
+                <dgm:layoutNode name="bullet4c" styleLbl="node1">
+                  <dgm:alg type="sp"/>
+                  <dgm:shape xmlns:r="http://schemas.openxmlformats.org/officeDocument/2006/relationships" type="ellipse" r:blip="">
+                    <dgm:adjLst/>
+                  </dgm:shape>
+                  <dgm:presOf/>
+                  <dgm:constrLst/>
+                  <dgm:ruleLst/>
+                </dgm:layoutNode>
+                <dgm:layoutNode name="textBox4c" styleLbl="revTx">
+                  <dgm:varLst>
+                    <dgm:bulletEnabled val="1"/>
+                  </dgm:varLst>
+                  <dgm:choose name="Name110">
+                    <dgm:if name="Name111" func="var" arg="dir" op="equ" val="norm">
+                      <dgm:choose name="Name112">
+                        <dgm:if name="Name113" axis="root des" ptType="all node" func="maxDepth" op="gt" val="1">
+                          <dgm:alg type="tx">
+                            <dgm:param type="parTxLTRAlign" val="l"/>
+                            <dgm:param type="parTxRTLAlign" val="r"/>
+                            <dgm:param type="txAnchorVert" val="t"/>
+                          </dgm:alg>
+                        </dgm:if>
+                        <dgm:else name="Name114">
+                          <dgm:alg type="tx">
+                            <dgm:param type="parTxLTRAlign" val="l"/>
+                            <dgm:param type="parTxRTLAlign" val="l"/>
+                            <dgm:param type="txAnchorVert" val="t"/>
+                          </dgm:alg>
+                        </dgm:else>
+                      </dgm:choose>
+                    </dgm:if>
+                    <dgm:else name="Name115">
+                      <dgm:choose name="Name116">
+                        <dgm:if name="Name117" axis="root des" ptType="all node" func="maxDepth" op="gt" val="1">
+                          <dgm:alg type="tx">
+                            <dgm:param type="parTxLTRAlign" val="l"/>
+                            <dgm:param type="parTxRTLAlign" val="r"/>
+                            <dgm:param type="txAnchorVertCh" val="b"/>
+                            <dgm:param type="txAnchorVert" val="b"/>
+                          </dgm:alg>
+                        </dgm:if>
+                        <dgm:else name="Name118">
+                          <dgm:alg type="tx">
+                            <dgm:param type="parTxLTRAlign" val="r"/>
+                            <dgm:param type="parTxRTLAlign" val="r"/>
+                            <dgm:param type="txAnchorVert" val="b"/>
+                          </dgm:alg>
+                        </dgm:else>
+                      </dgm:choose>
+                    </dgm:else>
+                  </dgm:choose>
+                  <dgm:shape xmlns:r="http://schemas.openxmlformats.org/officeDocument/2006/relationships" type="rect" r:blip="">
+                    <dgm:adjLst/>
+                  </dgm:shape>
+                  <dgm:presOf axis="desOrSelf" ptType="node"/>
+                  <dgm:choose name="Name119">
+                    <dgm:if name="Name120" func="var" arg="dir" op="equ" val="norm">
+                      <dgm:constrLst>
+                        <dgm:constr type="rMarg"/>
+                        <dgm:constr type="tMarg"/>
+                        <dgm:constr type="bMarg"/>
+                      </dgm:constrLst>
+                    </dgm:if>
+                    <dgm:else name="Name121">
+                      <dgm:constrLst>
+                        <dgm:constr type="lMarg"/>
+                        <dgm:constr type="tMarg"/>
+                        <dgm:constr type="bMarg"/>
+                      </dgm:constrLst>
+                    </dgm:else>
+                  </dgm:choose>
+                  <dgm:ruleLst>
+                    <dgm:rule type="primFontSz" val="5" fact="NaN" max="NaN"/>
+                  </dgm:ruleLst>
+                </dgm:layoutNode>
+              </dgm:forEach>
+              <dgm:forEach name="Name122" axis="ch" ptType="node" st="4" cnt="1">
+                <dgm:layoutNode name="bullet4d" styleLbl="node1">
+                  <dgm:alg type="sp"/>
+                  <dgm:shape xmlns:r="http://schemas.openxmlformats.org/officeDocument/2006/relationships" type="ellipse" r:blip="">
+                    <dgm:adjLst/>
+                  </dgm:shape>
+                  <dgm:presOf/>
+                  <dgm:constrLst/>
+                  <dgm:ruleLst/>
+                </dgm:layoutNode>
+                <dgm:layoutNode name="textBox4d" styleLbl="revTx">
+                  <dgm:varLst>
+                    <dgm:bulletEnabled val="1"/>
+                  </dgm:varLst>
+                  <dgm:choose name="Name123">
+                    <dgm:if name="Name124" func="var" arg="dir" op="equ" val="norm">
+                      <dgm:choose name="Name125">
+                        <dgm:if name="Name126" axis="root des" ptType="all node" func="maxDepth" op="gt" val="1">
+                          <dgm:alg type="tx">
+                            <dgm:param type="parTxLTRAlign" val="l"/>
+                            <dgm:param type="parTxRTLAlign" val="r"/>
+                            <dgm:param type="txAnchorVert" val="t"/>
+                          </dgm:alg>
+                        </dgm:if>
+                        <dgm:else name="Name127">
+                          <dgm:alg type="tx">
+                            <dgm:param type="parTxLTRAlign" val="l"/>
+                            <dgm:param type="parTxRTLAlign" val="l"/>
+                            <dgm:param type="txAnchorVert" val="t"/>
+                          </dgm:alg>
+                        </dgm:else>
+                      </dgm:choose>
+                    </dgm:if>
+                    <dgm:else name="Name128">
+                      <dgm:choose name="Name129">
+                        <dgm:if name="Name130" axis="root des" ptType="all node" func="maxDepth" op="gt" val="1">
+                          <dgm:alg type="tx">
+                            <dgm:param type="parTxLTRAlign" val="l"/>
+                            <dgm:param type="parTxRTLAlign" val="r"/>
+                            <dgm:param type="txAnchorVertCh" val="b"/>
+                            <dgm:param type="txAnchorVert" val="b"/>
+                          </dgm:alg>
+                        </dgm:if>
+                        <dgm:else name="Name131">
+                          <dgm:alg type="tx">
+                            <dgm:param type="parTxLTRAlign" val="r"/>
+                            <dgm:param type="parTxRTLAlign" val="r"/>
+                            <dgm:param type="txAnchorVert" val="b"/>
+                          </dgm:alg>
+                        </dgm:else>
+                      </dgm:choose>
+                    </dgm:else>
+                  </dgm:choose>
+                  <dgm:shape xmlns:r="http://schemas.openxmlformats.org/officeDocument/2006/relationships" type="rect" r:blip="">
+                    <dgm:adjLst/>
+                  </dgm:shape>
+                  <dgm:presOf axis="desOrSelf" ptType="node"/>
+                  <dgm:choose name="Name132">
+                    <dgm:if name="Name133" func="var" arg="dir" op="equ" val="norm">
+                      <dgm:constrLst>
+                        <dgm:constr type="rMarg"/>
+                        <dgm:constr type="tMarg"/>
+                        <dgm:constr type="bMarg"/>
+                      </dgm:constrLst>
+                    </dgm:if>
+                    <dgm:else name="Name134">
+                      <dgm:constrLst>
+                        <dgm:constr type="lMarg"/>
+                        <dgm:constr type="tMarg"/>
+                        <dgm:constr type="bMarg"/>
+                      </dgm:constrLst>
+                    </dgm:else>
+                  </dgm:choose>
+                  <dgm:ruleLst>
+                    <dgm:rule type="primFontSz" val="5" fact="NaN" max="NaN"/>
+                  </dgm:ruleLst>
+                </dgm:layoutNode>
+              </dgm:forEach>
+            </dgm:layoutNode>
+          </dgm:if>
+          <dgm:else name="Name135">
+            <dgm:layoutNode name="arrowDiagram5">
+              <dgm:alg type="composite">
+                <dgm:param type="vertAlign" val="none"/>
+                <dgm:param type="horzAlign" val="none"/>
+              </dgm:alg>
+              <dgm:shape xmlns:r="http://schemas.openxmlformats.org/officeDocument/2006/relationships" r:blip="">
+                <dgm:adjLst/>
+              </dgm:shape>
+              <dgm:presOf/>
+              <dgm:choose name="Name136">
+                <dgm:if name="Name137" func="var" arg="dir" op="equ" val="norm">
+                  <dgm:constrLst>
+                    <dgm:constr type="ctrX" for="ch" forName="bullet5a" refType="w" fact="0.11"/>
+                    <dgm:constr type="ctrY" for="ch" forName="bullet5a" refType="h" fact="0.762"/>
+                    <dgm:constr type="w" for="ch" forName="bullet5a" refType="w" fact="0.023"/>
+                    <dgm:constr type="h" for="ch" forName="bullet5a" refType="w" refFor="ch" refForName="bullet5a"/>
+                    <dgm:constr type="l" for="ch" forName="textBox5a" refType="ctrX" refFor="ch" refForName="bullet5a"/>
+                    <dgm:constr type="t" for="ch" forName="textBox5a" refType="ctrY" refFor="ch" refForName="bullet5a"/>
+                    <dgm:constr type="w" for="ch" forName="textBox5a" refType="w" fact="0.131"/>
+                    <dgm:constr type="h" for="ch" forName="textBox5a" refType="h" fact="0.238"/>
+                    <dgm:constr type="userA" refType="h" refFor="ch" refForName="bullet5a" fact="0.53"/>
+                    <dgm:constr type="lMarg" for="ch" forName="textBox5a" refType="userA" fact="2.834"/>
+                    <dgm:constr type="ctrX" for="ch" forName="bullet5b" refType="w" fact="0.241"/>
+                    <dgm:constr type="ctrY" for="ch" forName="bullet5b" refType="h" fact="0.581"/>
+                    <dgm:constr type="w" for="ch" forName="bullet5b" refType="w" fact="0.036"/>
+                    <dgm:constr type="h" for="ch" forName="bullet5b" refType="w" refFor="ch" refForName="bullet5b"/>
+                    <dgm:constr type="l" for="ch" forName="textBox5b" refType="ctrX" refFor="ch" refForName="bullet5b"/>
+                    <dgm:constr type="t" for="ch" forName="textBox5b" refType="ctrY" refFor="ch" refForName="bullet5b"/>
+                    <dgm:constr type="w" for="ch" forName="textBox5b" refType="w" fact="0.166"/>
+                    <dgm:constr type="h" for="ch" forName="textBox5b" refType="h" fact="0.419"/>
+                    <dgm:constr type="userB" refType="h" refFor="ch" refForName="bullet5b" fact="0.53"/>
+                    <dgm:constr type="lMarg" for="ch" forName="textBox5b" refType="userB" fact="2.834"/>
+                    <dgm:constr type="ctrX" for="ch" forName="bullet5c" refType="w" fact="0.407"/>
+                    <dgm:constr type="ctrY" for="ch" forName="bullet5c" refType="h" fact="0.438"/>
+                    <dgm:constr type="w" for="ch" forName="bullet5c" refType="w" fact="0.048"/>
+                    <dgm:constr type="h" for="ch" forName="bullet5c" refType="w" refFor="ch" refForName="bullet5c"/>
+                    <dgm:constr type="l" for="ch" forName="textBox5c" refType="ctrX" refFor="ch" refForName="bullet5c"/>
+                    <dgm:constr type="t" for="ch" forName="textBox5c" refType="ctrY" refFor="ch" refForName="bullet5c"/>
+                    <dgm:constr type="w" for="ch" forName="textBox5c" refType="w" fact="0.193"/>
+                    <dgm:constr type="h" for="ch" forName="textBox5c" refType="h" fact="0.562"/>
+                    <dgm:constr type="userC" refType="h" refFor="ch" refForName="bullet5c" fact="0.53"/>
+                    <dgm:constr type="lMarg" for="ch" forName="textBox5c" refType="userC" fact="2.834"/>
+                    <dgm:constr type="ctrX" for="ch" forName="bullet5d" refType="w" fact="0.6"/>
+                    <dgm:constr type="ctrY" for="ch" forName="bullet5d" refType="h" fact="0.33"/>
+                    <dgm:constr type="w" for="ch" forName="bullet5d" refType="w" fact="0.062"/>
+                    <dgm:constr type="h" for="ch" forName="bullet5d" refType="w" refFor="ch" refForName="bullet5d"/>
+                    <dgm:constr type="l" for="ch" forName="textBox5d" refType="ctrX" refFor="ch" refForName="bullet5d"/>
+                    <dgm:constr type="t" for="ch" forName="textBox5d" refType="ctrY" refFor="ch" refForName="bullet5d"/>
+                    <dgm:constr type="w" for="ch" forName="textBox5d" refType="w" fact="0.2"/>
+                    <dgm:constr type="h" for="ch" forName="textBox5d" refType="h" fact="0.67"/>
+                    <dgm:constr type="userD" refType="h" refFor="ch" refForName="bullet5d" fact="0.53"/>
+                    <dgm:constr type="lMarg" for="ch" forName="textBox5d" refType="userD" fact="2.834"/>
+                    <dgm:constr type="ctrX" for="ch" forName="bullet5e" refType="w" fact="0.8"/>
+                    <dgm:constr type="ctrY" for="ch" forName="bullet5e" refType="h" fact="0.264"/>
+                    <dgm:constr type="w" for="ch" forName="bullet5e" refType="w" fact="0.079"/>
+                    <dgm:constr type="h" for="ch" forName="bullet5e" refType="w" refFor="ch" refForName="bullet5e"/>
+                    <dgm:constr type="l" for="ch" forName="textBox5e" refType="ctrX" refFor="ch" refForName="bullet5e"/>
+                    <dgm:constr type="t" for="ch" forName="textBox5e" refType="ctrY" refFor="ch" refForName="bullet5e"/>
+                    <dgm:constr type="w" for="ch" forName="textBox5e" refType="w" fact="0.2"/>
+                    <dgm:constr type="h" for="ch" forName="textBox5e" refType="h" fact="0.736"/>
+                    <dgm:constr type="userE" refType="h" refFor="ch" refForName="bullet5e" fact="0.53"/>
+                    <dgm:constr type="lMarg" for="ch" forName="textBox5e" refType="userE" fact="2.834"/>
+                    <dgm:constr type="primFontSz" for="ch" ptType="node" op="equ" val="65"/>
+                  </dgm:constrLst>
+                </dgm:if>
+                <dgm:else name="Name138">
+                  <dgm:constrLst>
+                    <dgm:constr type="ctrX" for="ch" forName="bullet5a" refType="w" fact="0.11"/>
+                    <dgm:constr type="ctrY" for="ch" forName="bullet5a" refType="h" fact="0.762"/>
+                    <dgm:constr type="w" for="ch" forName="bullet5a" refType="w" fact="0.023"/>
+                    <dgm:constr type="h" for="ch" forName="bullet5a" refType="w" refFor="ch" refForName="bullet5a"/>
+                    <dgm:constr type="r" for="ch" forName="textBox5a" refType="ctrX" refFor="ch" refForName="bullet5a"/>
+                    <dgm:constr type="b" for="ch" forName="textBox5a" refType="ctrY" refFor="ch" refForName="bullet5a"/>
+                    <dgm:constr type="w" for="ch" forName="textBox5a" refType="w" fact="0.11"/>
+                    <dgm:constr type="h" for="ch" forName="textBox5a" refType="h" fact="0.762"/>
+                    <dgm:constr type="userA" refType="h" refFor="ch" refForName="bullet5a" fact="0.53"/>
+                    <dgm:constr type="rMarg" for="ch" forName="textBox5a" refType="userA" fact="2.834"/>
+                    <dgm:constr type="ctrX" for="ch" forName="bullet5b" refType="w" fact="0.241"/>
+                    <dgm:constr type="ctrY" for="ch" forName="bullet5b" refType="h" fact="0.581"/>
+                    <dgm:constr type="w" for="ch" forName="bullet5b" refType="w" fact="0.036"/>
+                    <dgm:constr type="h" for="ch" forName="bullet5b" refType="w" refFor="ch" refForName="bullet5b"/>
+                    <dgm:constr type="r" for="ch" forName="textBox5b" refType="ctrX" refFor="ch" refForName="bullet5b"/>
+                    <dgm:constr type="b" for="ch" forName="textBox5b" refType="ctrY" refFor="ch" refForName="bullet5b"/>
+                    <dgm:constr type="w" for="ch" forName="textBox5b" refType="w" fact="0.131"/>
+                    <dgm:constr type="h" for="ch" forName="textBox5b" refType="h" fact="0.581"/>
+                    <dgm:constr type="userB" refType="h" refFor="ch" refForName="bullet5b" fact="0.53"/>
+                    <dgm:constr type="rMarg" for="ch" forName="textBox5b" refType="userB" fact="2.834"/>
+                    <dgm:constr type="ctrX" for="ch" forName="bullet5c" refType="w" fact="0.407"/>
+                    <dgm:constr type="ctrY" for="ch" forName="bullet5c" refType="h" fact="0.438"/>
+                    <dgm:constr type="w" for="ch" forName="bullet5c" refType="w" fact="0.048"/>
+                    <dgm:constr type="h" for="ch" forName="bullet5c" refType="w" refFor="ch" refForName="bullet5c"/>
+                    <dgm:constr type="r" for="ch" forName="textBox5c" refType="ctrX" refFor="ch" refForName="bullet5c"/>
+                    <dgm:constr type="b" for="ch" forName="textBox5c" refType="ctrY" refFor="ch" refForName="bullet5c"/>
+                    <dgm:constr type="w" for="ch" forName="textBox5c" refType="w" fact="0.166"/>
+                    <dgm:constr type="h" for="ch" forName="textBox5c" refType="h" fact="0.438"/>
+                    <dgm:constr type="userC" refType="h" refFor="ch" refForName="bullet5c" fact="0.53"/>
+                    <dgm:constr type="rMarg" for="ch" forName="textBox5c" refType="userC" fact="2.834"/>
+                    <dgm:constr type="ctrX" for="ch" forName="bullet5d" refType="w" fact="0.6"/>
+                    <dgm:constr type="ctrY" for="ch" forName="bullet5d" refType="h" fact="0.33"/>
+                    <dgm:constr type="w" for="ch" forName="bullet5d" refType="w" fact="0.062"/>
+                    <dgm:constr type="h" for="ch" forName="bullet5d" refType="w" refFor="ch" refForName="bullet5d"/>
+                    <dgm:constr type="r" for="ch" forName="textBox5d" refType="ctrX" refFor="ch" refForName="bullet5d"/>
+                    <dgm:constr type="b" for="ch" forName="textBox5d" refType="ctrY" refFor="ch" refForName="bullet5d"/>
+                    <dgm:constr type="w" for="ch" forName="textBox5d" refType="w" fact="0.193"/>
+                    <dgm:constr type="h" for="ch" forName="textBox5d" refType="h" fact="0.33"/>
+                    <dgm:constr type="userD" refType="h" refFor="ch" refForName="bullet5d" fact="0.53"/>
+                    <dgm:constr type="rMarg" for="ch" forName="textBox5d" refType="userD" fact="2.834"/>
+                    <dgm:constr type="ctrX" for="ch" forName="bullet5e" refType="w" fact="0.8"/>
+                    <dgm:constr type="ctrY" for="ch" forName="bullet5e" refType="h" fact="0.264"/>
+                    <dgm:constr type="w" for="ch" forName="bullet5e" refType="w" fact="0.079"/>
+                    <dgm:constr type="h" for="ch" forName="bullet5e" refType="w" refFor="ch" refForName="bullet5e"/>
+                    <dgm:constr type="r" for="ch" forName="textBox5e" refType="ctrX" refFor="ch" refForName="bullet5e"/>
+                    <dgm:constr type="b" for="ch" forName="textBox5e" refType="ctrY" refFor="ch" refForName="bullet5e"/>
+                    <dgm:constr type="w" for="ch" forName="textBox5e" refType="w" fact="0.2"/>
+                    <dgm:constr type="h" for="ch" forName="textBox5e" refType="h" fact="0.264"/>
+                    <dgm:constr type="userE" refType="h" refFor="ch" refForName="bullet5e" fact="0.53"/>
+                    <dgm:constr type="rMarg" for="ch" forName="textBox5e" refType="userE" fact="2.834"/>
+                    <dgm:constr type="primFontSz" for="ch" ptType="node" op="equ" val="65"/>
+                  </dgm:constrLst>
+                </dgm:else>
+              </dgm:choose>
+              <dgm:ruleLst/>
+              <dgm:forEach name="Name139" axis="ch" ptType="node" cnt="1">
+                <dgm:layoutNode name="bullet5a" styleLbl="node1">
+                  <dgm:alg type="sp"/>
+                  <dgm:shape xmlns:r="http://schemas.openxmlformats.org/officeDocument/2006/relationships" type="ellipse" r:blip="">
+                    <dgm:adjLst/>
+                  </dgm:shape>
+                  <dgm:presOf/>
+                  <dgm:constrLst/>
+                  <dgm:ruleLst/>
+                </dgm:layoutNode>
+                <dgm:layoutNode name="textBox5a" styleLbl="revTx">
+                  <dgm:varLst>
+                    <dgm:bulletEnabled val="1"/>
+                  </dgm:varLst>
+                  <dgm:choose name="Name140">
+                    <dgm:if name="Name141" func="var" arg="dir" op="equ" val="norm">
+                      <dgm:choose name="Name142">
+                        <dgm:if name="Name143" axis="root des" ptType="all node" func="maxDepth" op="gt" val="1">
+                          <dgm:alg type="tx">
+                            <dgm:param type="parTxLTRAlign" val="l"/>
+                            <dgm:param type="parTxRTLAlign" val="r"/>
+                            <dgm:param type="txAnchorVert" val="t"/>
+                          </dgm:alg>
+                        </dgm:if>
+                        <dgm:else name="Name144">
+                          <dgm:alg type="tx">
+                            <dgm:param type="parTxLTRAlign" val="l"/>
+                            <dgm:param type="parTxRTLAlign" val="l"/>
+                            <dgm:param type="txAnchorVert" val="t"/>
+                          </dgm:alg>
+                        </dgm:else>
+                      </dgm:choose>
+                    </dgm:if>
+                    <dgm:else name="Name145">
+                      <dgm:choose name="Name146">
+                        <dgm:if name="Name147" axis="root des" ptType="all node" func="maxDepth" op="gt" val="1">
+                          <dgm:alg type="tx">
+                            <dgm:param type="parTxLTRAlign" val="l"/>
+                            <dgm:param type="parTxRTLAlign" val="r"/>
+                            <dgm:param type="txAnchorVertCh" val="b"/>
+                            <dgm:param type="txAnchorVert" val="b"/>
+                          </dgm:alg>
+                        </dgm:if>
+                        <dgm:else name="Name148">
+                          <dgm:alg type="tx">
+                            <dgm:param type="parTxLTRAlign" val="r"/>
+                            <dgm:param type="parTxRTLAlign" val="r"/>
+                            <dgm:param type="txAnchorVert" val="b"/>
+                          </dgm:alg>
+                        </dgm:else>
+                      </dgm:choose>
+                    </dgm:else>
+                  </dgm:choose>
+                  <dgm:shape xmlns:r="http://schemas.openxmlformats.org/officeDocument/2006/relationships" type="rect" r:blip="">
+                    <dgm:adjLst/>
+                  </dgm:shape>
+                  <dgm:presOf axis="desOrSelf" ptType="node"/>
+                  <dgm:choose name="Name149">
+                    <dgm:if name="Name150" func="var" arg="dir" op="equ" val="norm">
+                      <dgm:constrLst>
+                        <dgm:constr type="rMarg"/>
+                        <dgm:constr type="tMarg"/>
+                        <dgm:constr type="bMarg"/>
+                      </dgm:constrLst>
+                    </dgm:if>
+                    <dgm:else name="Name151">
+                      <dgm:constrLst>
+                        <dgm:constr type="lMarg"/>
+                        <dgm:constr type="tMarg"/>
+                        <dgm:constr type="bMarg"/>
+                      </dgm:constrLst>
+                    </dgm:else>
+                  </dgm:choose>
+                  <dgm:ruleLst>
+                    <dgm:rule type="primFontSz" val="5" fact="NaN" max="NaN"/>
+                  </dgm:ruleLst>
+                </dgm:layoutNode>
+              </dgm:forEach>
+              <dgm:forEach name="Name152" axis="ch" ptType="node" st="2" cnt="1">
+                <dgm:layoutNode name="bullet5b" styleLbl="node1">
+                  <dgm:alg type="sp"/>
+                  <dgm:shape xmlns:r="http://schemas.openxmlformats.org/officeDocument/2006/relationships" type="ellipse" r:blip="">
+                    <dgm:adjLst/>
+                  </dgm:shape>
+                  <dgm:presOf/>
+                  <dgm:constrLst/>
+                  <dgm:ruleLst/>
+                </dgm:layoutNode>
+                <dgm:layoutNode name="textBox5b" styleLbl="revTx">
+                  <dgm:varLst>
+                    <dgm:bulletEnabled val="1"/>
+                  </dgm:varLst>
+                  <dgm:choose name="Name153">
+                    <dgm:if name="Name154" func="var" arg="dir" op="equ" val="norm">
+                      <dgm:choose name="Name155">
+                        <dgm:if name="Name156" axis="root des" ptType="all node" func="maxDepth" op="gt" val="1">
+                          <dgm:alg type="tx">
+                            <dgm:param type="parTxLTRAlign" val="l"/>
+                            <dgm:param type="parTxRTLAlign" val="r"/>
+                            <dgm:param type="txAnchorVert" val="t"/>
+                          </dgm:alg>
+                        </dgm:if>
+                        <dgm:else name="Name157">
+                          <dgm:alg type="tx">
+                            <dgm:param type="parTxLTRAlign" val="l"/>
+                            <dgm:param type="parTxRTLAlign" val="l"/>
+                            <dgm:param type="txAnchorVert" val="t"/>
+                          </dgm:alg>
+                        </dgm:else>
+                      </dgm:choose>
+                    </dgm:if>
+                    <dgm:else name="Name158">
+                      <dgm:choose name="Name159">
+                        <dgm:if name="Name160" axis="root des" ptType="all node" func="maxDepth" op="gt" val="1">
+                          <dgm:alg type="tx">
+                            <dgm:param type="parTxLTRAlign" val="l"/>
+                            <dgm:param type="parTxRTLAlign" val="r"/>
+                            <dgm:param type="txAnchorVertCh" val="b"/>
+                            <dgm:param type="txAnchorVert" val="b"/>
+                          </dgm:alg>
+                        </dgm:if>
+                        <dgm:else name="Name161">
+                          <dgm:alg type="tx">
+                            <dgm:param type="parTxLTRAlign" val="r"/>
+                            <dgm:param type="parTxRTLAlign" val="r"/>
+                            <dgm:param type="txAnchorVert" val="b"/>
+                          </dgm:alg>
+                        </dgm:else>
+                      </dgm:choose>
+                    </dgm:else>
+                  </dgm:choose>
+                  <dgm:shape xmlns:r="http://schemas.openxmlformats.org/officeDocument/2006/relationships" type="rect" r:blip="">
+                    <dgm:adjLst/>
+                  </dgm:shape>
+                  <dgm:presOf axis="desOrSelf" ptType="node"/>
+                  <dgm:choose name="Name162">
+                    <dgm:if name="Name163" func="var" arg="dir" op="equ" val="norm">
+                      <dgm:constrLst>
+                        <dgm:constr type="rMarg"/>
+                        <dgm:constr type="tMarg"/>
+                        <dgm:constr type="bMarg"/>
+                      </dgm:constrLst>
+                    </dgm:if>
+                    <dgm:else name="Name164">
+                      <dgm:constrLst>
+                        <dgm:constr type="lMarg"/>
+                        <dgm:constr type="tMarg"/>
+                        <dgm:constr type="bMarg"/>
+                      </dgm:constrLst>
+                    </dgm:else>
+                  </dgm:choose>
+                  <dgm:ruleLst>
+                    <dgm:rule type="primFontSz" val="5" fact="NaN" max="NaN"/>
+                  </dgm:ruleLst>
+                </dgm:layoutNode>
+              </dgm:forEach>
+              <dgm:forEach name="Name165" axis="ch" ptType="node" st="3" cnt="1">
+                <dgm:layoutNode name="bullet5c" styleLbl="node1">
+                  <dgm:alg type="sp"/>
+                  <dgm:shape xmlns:r="http://schemas.openxmlformats.org/officeDocument/2006/relationships" type="ellipse" r:blip="">
+                    <dgm:adjLst/>
+                  </dgm:shape>
+                  <dgm:presOf/>
+                  <dgm:constrLst/>
+                  <dgm:ruleLst/>
+                </dgm:layoutNode>
+                <dgm:layoutNode name="textBox5c" styleLbl="revTx">
+                  <dgm:varLst>
+                    <dgm:bulletEnabled val="1"/>
+                  </dgm:varLst>
+                  <dgm:choose name="Name166">
+                    <dgm:if name="Name167" func="var" arg="dir" op="equ" val="norm">
+                      <dgm:choose name="Name168">
+                        <dgm:if name="Name169" axis="root des" ptType="all node" func="maxDepth" op="gt" val="1">
+                          <dgm:alg type="tx">
+                            <dgm:param type="parTxLTRAlign" val="l"/>
+                            <dgm:param type="parTxRTLAlign" val="r"/>
+                            <dgm:param type="txAnchorVert" val="t"/>
+                          </dgm:alg>
+                        </dgm:if>
+                        <dgm:else name="Name170">
+                          <dgm:alg type="tx">
+                            <dgm:param type="parTxLTRAlign" val="l"/>
+                            <dgm:param type="parTxRTLAlign" val="l"/>
+                            <dgm:param type="txAnchorVert" val="t"/>
+                          </dgm:alg>
+                        </dgm:else>
+                      </dgm:choose>
+                    </dgm:if>
+                    <dgm:else name="Name171">
+                      <dgm:choose name="Name172">
+                        <dgm:if name="Name173" axis="root des" ptType="all node" func="maxDepth" op="gt" val="1">
+                          <dgm:alg type="tx">
+                            <dgm:param type="parTxLTRAlign" val="l"/>
+                            <dgm:param type="parTxRTLAlign" val="r"/>
+                            <dgm:param type="txAnchorVertCh" val="b"/>
+                            <dgm:param type="txAnchorVert" val="b"/>
+                          </dgm:alg>
+                        </dgm:if>
+                        <dgm:else name="Name174">
+                          <dgm:alg type="tx">
+                            <dgm:param type="parTxLTRAlign" val="r"/>
+                            <dgm:param type="parTxRTLAlign" val="r"/>
+                            <dgm:param type="txAnchorVert" val="b"/>
+                          </dgm:alg>
+                        </dgm:else>
+                      </dgm:choose>
+                    </dgm:else>
+                  </dgm:choose>
+                  <dgm:shape xmlns:r="http://schemas.openxmlformats.org/officeDocument/2006/relationships" type="rect" r:blip="">
+                    <dgm:adjLst/>
+                  </dgm:shape>
+                  <dgm:presOf axis="desOrSelf" ptType="node"/>
+                  <dgm:choose name="Name175">
+                    <dgm:if name="Name176" func="var" arg="dir" op="equ" val="norm">
+                      <dgm:constrLst>
+                        <dgm:constr type="rMarg"/>
+                        <dgm:constr type="tMarg"/>
+                        <dgm:constr type="bMarg"/>
+                      </dgm:constrLst>
+                    </dgm:if>
+                    <dgm:else name="Name177">
+                      <dgm:constrLst>
+                        <dgm:constr type="lMarg"/>
+                        <dgm:constr type="tMarg"/>
+                        <dgm:constr type="bMarg"/>
+                      </dgm:constrLst>
+                    </dgm:else>
+                  </dgm:choose>
+                  <dgm:ruleLst>
+                    <dgm:rule type="primFontSz" val="5" fact="NaN" max="NaN"/>
+                  </dgm:ruleLst>
+                </dgm:layoutNode>
+              </dgm:forEach>
+              <dgm:forEach name="Name178" axis="ch" ptType="node" st="4" cnt="1">
+                <dgm:layoutNode name="bullet5d" styleLbl="node1">
+                  <dgm:alg type="sp"/>
+                  <dgm:shape xmlns:r="http://schemas.openxmlformats.org/officeDocument/2006/relationships" type="ellipse" r:blip="">
+                    <dgm:adjLst/>
+                  </dgm:shape>
+                  <dgm:presOf/>
+                  <dgm:constrLst/>
+                  <dgm:ruleLst/>
+                </dgm:layoutNode>
+                <dgm:layoutNode name="textBox5d" styleLbl="revTx">
+                  <dgm:varLst>
+                    <dgm:bulletEnabled val="1"/>
+                  </dgm:varLst>
+                  <dgm:choose name="Name179">
+                    <dgm:if name="Name180" func="var" arg="dir" op="equ" val="norm">
+                      <dgm:choose name="Name181">
+                        <dgm:if name="Name182" axis="root des" ptType="all node" func="maxDepth" op="gt" val="1">
+                          <dgm:alg type="tx">
+                            <dgm:param type="parTxLTRAlign" val="l"/>
+                            <dgm:param type="parTxRTLAlign" val="r"/>
+                            <dgm:param type="txAnchorVert" val="t"/>
+                          </dgm:alg>
+                        </dgm:if>
+                        <dgm:else name="Name183">
+                          <dgm:alg type="tx">
+                            <dgm:param type="parTxLTRAlign" val="l"/>
+                            <dgm:param type="parTxRTLAlign" val="l"/>
+                            <dgm:param type="txAnchorVert" val="t"/>
+                          </dgm:alg>
+                        </dgm:else>
+                      </dgm:choose>
+                    </dgm:if>
+                    <dgm:else name="Name184">
+                      <dgm:choose name="Name185">
+                        <dgm:if name="Name186" axis="root des" ptType="all node" func="maxDepth" op="gt" val="1">
+                          <dgm:alg type="tx">
+                            <dgm:param type="parTxLTRAlign" val="l"/>
+                            <dgm:param type="parTxRTLAlign" val="r"/>
+                            <dgm:param type="txAnchorVertCh" val="b"/>
+                            <dgm:param type="txAnchorVert" val="b"/>
+                          </dgm:alg>
+                        </dgm:if>
+                        <dgm:else name="Name187">
+                          <dgm:alg type="tx">
+                            <dgm:param type="parTxLTRAlign" val="r"/>
+                            <dgm:param type="parTxRTLAlign" val="r"/>
+                            <dgm:param type="txAnchorVert" val="b"/>
+                          </dgm:alg>
+                        </dgm:else>
+                      </dgm:choose>
+                    </dgm:else>
+                  </dgm:choose>
+                  <dgm:shape xmlns:r="http://schemas.openxmlformats.org/officeDocument/2006/relationships" type="rect" r:blip="">
+                    <dgm:adjLst/>
+                  </dgm:shape>
+                  <dgm:presOf axis="desOrSelf" ptType="node"/>
+                  <dgm:choose name="Name188">
+                    <dgm:if name="Name189" func="var" arg="dir" op="equ" val="norm">
+                      <dgm:constrLst>
+                        <dgm:constr type="rMarg"/>
+                        <dgm:constr type="tMarg"/>
+                        <dgm:constr type="bMarg"/>
+                      </dgm:constrLst>
+                    </dgm:if>
+                    <dgm:else name="Name190">
+                      <dgm:constrLst>
+                        <dgm:constr type="lMarg"/>
+                        <dgm:constr type="tMarg"/>
+                        <dgm:constr type="bMarg"/>
+                      </dgm:constrLst>
+                    </dgm:else>
+                  </dgm:choose>
+                  <dgm:ruleLst>
+                    <dgm:rule type="primFontSz" val="5" fact="NaN" max="NaN"/>
+                  </dgm:ruleLst>
+                </dgm:layoutNode>
+              </dgm:forEach>
+              <dgm:forEach name="Name191" axis="ch" ptType="node" st="5" cnt="1">
+                <dgm:layoutNode name="bullet5e" styleLbl="node1">
+                  <dgm:alg type="sp"/>
+                  <dgm:shape xmlns:r="http://schemas.openxmlformats.org/officeDocument/2006/relationships" type="ellipse" r:blip="">
+                    <dgm:adjLst/>
+                  </dgm:shape>
+                  <dgm:presOf/>
+                  <dgm:constrLst/>
+                  <dgm:ruleLst/>
+                </dgm:layoutNode>
+                <dgm:layoutNode name="textBox5e" styleLbl="revTx">
+                  <dgm:varLst>
+                    <dgm:bulletEnabled val="1"/>
+                  </dgm:varLst>
+                  <dgm:choose name="Name192">
+                    <dgm:if name="Name193" func="var" arg="dir" op="equ" val="norm">
+                      <dgm:choose name="Name194">
+                        <dgm:if name="Name195" axis="root des" ptType="all node" func="maxDepth" op="gt" val="1">
+                          <dgm:alg type="tx">
+                            <dgm:param type="parTxLTRAlign" val="l"/>
+                            <dgm:param type="parTxRTLAlign" val="r"/>
+                            <dgm:param type="txAnchorVert" val="t"/>
+                          </dgm:alg>
+                        </dgm:if>
+                        <dgm:else name="Name196">
+                          <dgm:alg type="tx">
+                            <dgm:param type="parTxLTRAlign" val="l"/>
+                            <dgm:param type="parTxRTLAlign" val="l"/>
+                            <dgm:param type="txAnchorVert" val="t"/>
+                          </dgm:alg>
+                        </dgm:else>
+                      </dgm:choose>
+                    </dgm:if>
+                    <dgm:else name="Name197">
+                      <dgm:choose name="Name198">
+                        <dgm:if name="Name199" axis="root des" ptType="all node" func="maxDepth" op="gt" val="1">
+                          <dgm:alg type="tx">
+                            <dgm:param type="parTxLTRAlign" val="l"/>
+                            <dgm:param type="parTxRTLAlign" val="r"/>
+                            <dgm:param type="txAnchorVertCh" val="b"/>
+                            <dgm:param type="txAnchorVert" val="b"/>
+                          </dgm:alg>
+                        </dgm:if>
+                        <dgm:else name="Name200">
+                          <dgm:alg type="tx">
+                            <dgm:param type="parTxLTRAlign" val="r"/>
+                            <dgm:param type="parTxRTLAlign" val="r"/>
+                            <dgm:param type="txAnchorVert" val="b"/>
+                          </dgm:alg>
+                        </dgm:else>
+                      </dgm:choose>
+                    </dgm:else>
+                  </dgm:choose>
+                  <dgm:shape xmlns:r="http://schemas.openxmlformats.org/officeDocument/2006/relationships" type="rect" r:blip="">
+                    <dgm:adjLst/>
+                  </dgm:shape>
+                  <dgm:presOf axis="desOrSelf" ptType="node"/>
+                  <dgm:choose name="Name201">
+                    <dgm:if name="Name202" func="var" arg="dir" op="equ" val="norm">
+                      <dgm:constrLst>
+                        <dgm:constr type="rMarg"/>
+                        <dgm:constr type="tMarg"/>
+                        <dgm:constr type="bMarg"/>
+                      </dgm:constrLst>
+                    </dgm:if>
+                    <dgm:else name="Name203">
+                      <dgm:constrLst>
+                        <dgm:constr type="lMarg"/>
+                        <dgm:constr type="tMarg"/>
+                        <dgm:constr type="bMarg"/>
+                      </dgm:constrLst>
+                    </dgm:else>
+                  </dgm:choose>
+                  <dgm:ruleLst>
+                    <dgm:rule type="primFontSz" val="5" fact="NaN" max="NaN"/>
+                  </dgm:ruleLst>
+                </dgm:layoutNode>
+              </dgm:forEach>
+            </dgm:layoutNode>
+          </dgm:else>
+        </dgm:choose>
+      </dgm:if>
+      <dgm:else name="Name204"/>
+    </dgm:choose>
+  </dgm:layoutNode>
+</dgm:layoutDef>
+</file>
+
 <file path=ppt/diagrams/quickStyle1.xml><?xml version="1.0" encoding="utf-8"?>
+<dgm:styleDef xmlns:dgm="http://schemas.openxmlformats.org/drawingml/2006/diagram" xmlns:a="http://schemas.openxmlformats.org/drawingml/2006/main" uniqueId="urn:microsoft.com/office/officeart/2005/8/quickstyle/simple1">
+  <dgm:title val=""/>
+  <dgm:desc val=""/>
+  <dgm:catLst>
+    <dgm:cat type="simple" pri="10100"/>
+  </dgm:catLst>
+  <dgm:scene3d>
+    <a:camera prst="orthographicFront"/>
+    <a:lightRig rig="threePt" dir="t"/>
+  </dgm:scene3d>
+  <dgm:styleLbl name="alignAcc1">
+    <dgm:scene3d>
+      <a:camera prst="orthographicFront"/>
+      <a:lightRig rig="threePt" dir="t"/>
+    </dgm:scene3d>
+    <dgm:txPr/>
+    <dgm:style>
+      <a:lnRef idx="2">
+        <a:scrgbClr r="0" g="0" b="0"/>
+      </a:lnRef>
+      <a:fillRef idx="1">
+        <a:scrgbClr r="0" g="0" b="0"/>
+      </a:fillRef>
+      <a:effectRef idx="0">
+        <a:scrgbClr r="0" g="0" b="0"/>
+      </a:effectRef>
+      <a:fontRef idx="minor"/>
+    </dgm:style>
+  </dgm:styleLbl>
+  <dgm:styleLbl name="alignAccFollowNode1">
+    <dgm:scene3d>
+      <a:camera prst="orthographicFront"/>
+      <a:lightRig rig="threePt" dir="t"/>
+    </dgm:scene3d>
+    <dgm:txPr/>
+    <dgm:style>
+      <a:lnRef idx="2">
+        <a:scrgbClr r="0" g="0" b="0"/>
+      </a:lnRef>
+      <a:fillRef idx="1">
+        <a:scrgbClr r="0" g="0" b="0"/>
+      </a:fillRef>
+      <a:effectRef idx="0">
+        <a:scrgbClr r="0" g="0" b="0"/>
+      </a:effectRef>
+      <a:fontRef idx="minor"/>
+    </dgm:style>
+  </dgm:styleLbl>
+  <dgm:styleLbl name="alignImgPlace1">
+    <dgm:scene3d>
+      <a:camera prst="orthographicFront"/>
+      <a:lightRig rig="threePt" dir="t"/>
+    </dgm:scene3d>
+    <dgm:txPr/>
+    <dgm:style>
+      <a:lnRef idx="2">
+        <a:scrgbClr r="0" g="0" b="0"/>
+      </a:lnRef>
+      <a:fillRef idx="1">
+        <a:scrgbClr r="0" g="0" b="0"/>
+      </a:fillRef>
+      <a:effectRef idx="0">
+        <a:scrgbClr r="0" g="0" b="0"/>
+      </a:effectRef>
+      <a:fontRef idx="minor"/>
+    </dgm:style>
+  </dgm:styleLbl>
+  <dgm:styleLbl name="alignNode1">
+    <dgm:scene3d>
+      <a:camera prst="orthographicFront"/>
+      <a:lightRig rig="threePt" dir="t"/>
+    </dgm:scene3d>
+    <dgm:txPr/>
+    <dgm:style>
+      <a:lnRef idx="2">
+        <a:scrgbClr r="0" g="0" b="0"/>
+      </a:lnRef>
+      <a:fillRef idx="1">
+        <a:scrgbClr r="0" g="0" b="0"/>
+      </a:fillRef>
+      <a:effectRef idx="0">
+        <a:scrgbClr r="0" g="0" b="0"/>
+      </a:effectRef>
+      <a:fontRef idx="minor">
+        <a:schemeClr val="lt1"/>
+      </a:fontRef>
+    </dgm:style>
+  </dgm:styleLbl>
+  <dgm:styleLbl name="asst0">
+    <dgm:scene3d>
+      <a:camera prst="orthographicFront"/>
+      <a:lightRig rig="threePt" dir="t"/>
+    </dgm:scene3d>
+    <dgm:txPr/>
+    <dgm:style>
+      <a:lnRef idx="2">
+        <a:scrgbClr r="0" g="0" b="0"/>
+      </a:lnRef>
+      <a:fillRef idx="1">
+        <a:scrgbClr r="0" g="0" b="0"/>
+      </a:fillRef>
+      <a:effectRef idx="0">
+        <a:scrgbClr r="0" g="0" b="0"/>
+      </a:effectRef>
+      <a:fontRef idx="minor">
+        <a:schemeClr val="lt1"/>
+      </a:fontRef>
+    </dgm:style>
+  </dgm:styleLbl>
+  <dgm:styleLbl name="asst1">
+    <dgm:scene3d>
+      <a:camera prst="orthographicFront"/>
+      <a:lightRig rig="threePt" dir="t"/>
+    </dgm:scene3d>
+    <dgm:txPr/>
+    <dgm:style>
+      <a:lnRef idx="2">
+        <a:scrgbClr r="0" g="0" b="0"/>
+      </a:lnRef>
+      <a:fillRef idx="1">
+        <a:scrgbClr r="0" g="0" b="0"/>
+      </a:fillRef>
+      <a:effectRef idx="0">
+        <a:scrgbClr r="0" g="0" b="0"/>
+      </a:effectRef>
+      <a:fontRef idx="minor">
+        <a:schemeClr val="lt1"/>
+      </a:fontRef>
+    </dgm:style>
+  </dgm:styleLbl>
+  <dgm:styleLbl name="asst2">
+    <dgm:scene3d>
+      <a:camera prst="orthographicFront"/>
+      <a:lightRig rig="threePt" dir="t"/>
+    </dgm:scene3d>
+    <dgm:txPr/>
+    <dgm:style>
+      <a:lnRef idx="2">
+        <a:scrgbClr r="0" g="0" b="0"/>
+      </a:lnRef>
+      <a:fillRef idx="1">
+        <a:scrgbClr r="0" g="0" b="0"/>
+      </a:fillRef>
+      <a:effectRef idx="0">
+        <a:scrgbClr r="0" g="0" b="0"/>
+      </a:effectRef>
+      <a:fontRef idx="minor">
+        <a:schemeClr val="lt1"/>
+      </a:fontRef>
+    </dgm:style>
+  </dgm:styleLbl>
+  <dgm:styleLbl name="asst3">
+    <dgm:scene3d>
+      <a:camera prst="orthographicFront"/>
+      <a:lightRig rig="threePt" dir="t"/>
+    </dgm:scene3d>
+    <dgm:txPr/>
+    <dgm:style>
+      <a:lnRef idx="2">
+        <a:scrgbClr r="0" g="0" b="0"/>
+      </a:lnRef>
+      <a:fillRef idx="1">
+        <a:scrgbClr r="0" g="0" b="0"/>
+      </a:fillRef>
+      <a:effectRef idx="0">
+        <a:scrgbClr r="0" g="0" b="0"/>
+      </a:effectRef>
+      <a:fontRef idx="minor">
+        <a:schemeClr val="lt1"/>
+      </a:fontRef>
+    </dgm:style>
+  </dgm:styleLbl>
+  <dgm:styleLbl name="asst4">
+    <dgm:scene3d>
+      <a:camera prst="orthographicFront"/>
+      <a:lightRig rig="threePt" dir="t"/>
+    </dgm:scene3d>
+    <dgm:txPr/>
+    <dgm:style>
+      <a:lnRef idx="2">
+        <a:scrgbClr r="0" g="0" b="0"/>
+      </a:lnRef>
+      <a:fillRef idx="1">
+        <a:scrgbClr r="0" g="0" b="0"/>
+      </a:fillRef>
+      <a:effectRef idx="0">
+        <a:scrgbClr r="0" g="0" b="0"/>
+      </a:effectRef>
+      <a:fontRef idx="minor">
+        <a:schemeClr val="lt1"/>
+      </a:fontRef>
+    </dgm:style>
+  </dgm:styleLbl>
+  <dgm:styleLbl name="bgAcc1">
+    <dgm:scene3d>
+      <a:camera prst="orthographicFront"/>
+      <a:lightRig rig="threePt" dir="t"/>
+    </dgm:scene3d>
+    <dgm:txPr/>
+    <dgm:style>
+      <a:lnRef idx="2">
+        <a:scrgbClr r="0" g="0" b="0"/>
+      </a:lnRef>
+      <a:fillRef idx="1">
+        <a:scrgbClr r="0" g="0" b="0"/>
+      </a:fillRef>
+      <a:effectRef idx="0">
+        <a:scrgbClr r="0" g="0" b="0"/>
+      </a:effectRef>
+      <a:fontRef idx="minor"/>
+    </dgm:style>
+  </dgm:styleLbl>
+  <dgm:styleLbl name="bgAccFollowNode1">
+    <dgm:scene3d>
+      <a:camera prst="orthographicFront"/>
+      <a:lightRig rig="threePt" dir="t"/>
+    </dgm:scene3d>
+    <dgm:txPr/>
+    <dgm:style>
+      <a:lnRef idx="2">
+        <a:scrgbClr r="0" g="0" b="0"/>
+      </a:lnRef>
+      <a:fillRef idx="1">
+        <a:scrgbClr r="0" g="0" b="0"/>
+      </a:fillRef>
+      <a:effectRef idx="0">
+        <a:scrgbClr r="0" g="0" b="0"/>
+      </a:effectRef>
+      <a:fontRef idx="minor"/>
+    </dgm:style>
+  </dgm:styleLbl>
+  <dgm:styleLbl name="bgImgPlace1">
+    <dgm:scene3d>
+      <a:camera prst="orthographicFront"/>
+      <a:lightRig rig="threePt" dir="t"/>
+    </dgm:scene3d>
+    <dgm:txPr/>
+    <dgm:style>
+      <a:lnRef idx="2">
+        <a:scrgbClr r="0" g="0" b="0"/>
+      </a:lnRef>
+      <a:fillRef idx="1">
+        <a:scrgbClr r="0" g="0" b="0"/>
+      </a:fillRef>
+      <a:effectRef idx="0">
+        <a:scrgbClr r="0" g="0" b="0"/>
+      </a:effectRef>
+      <a:fontRef idx="minor"/>
+    </dgm:style>
+  </dgm:styleLbl>
+  <dgm:styleLbl name="bgShp">
+    <dgm:scene3d>
+      <a:camera prst="orthographicFront"/>
+      <a:lightRig rig="threePt" dir="t"/>
+    </dgm:scene3d>
+    <dgm:txPr/>
+    <dgm:style>
+      <a:lnRef idx="0">
+        <a:scrgbClr r="0" g="0" b="0"/>
+      </a:lnRef>
+      <a:fillRef idx="1">
+        <a:scrgbClr r="0" g="0" b="0"/>
+      </a:fillRef>
+      <a:effectRef idx="0">
+        <a:scrgbClr r="0" g="0" b="0"/>
+      </a:effectRef>
+      <a:fontRef idx="minor"/>
+    </dgm:style>
+  </dgm:styleLbl>
+  <dgm:styleLbl name="bgSibTrans2D1">
+    <dgm:scene3d>
+      <a:camera prst="orthographicFront"/>
+      <a:lightRig rig="threePt" dir="t"/>
+    </dgm:scene3d>
+    <dgm:txPr/>
+    <dgm:style>
+      <a:lnRef idx="0">
+        <a:scrgbClr r="0" g="0" b="0"/>
+      </a:lnRef>
+      <a:fillRef idx="1">
+        <a:scrgbClr r="0" g="0" b="0"/>
+      </a:fillRef>
+      <a:effectRef idx="0">
+        <a:scrgbClr r="0" g="0" b="0"/>
+      </a:effectRef>
+      <a:fontRef idx="minor">
+        <a:schemeClr val="lt1"/>
+      </a:fontRef>
+    </dgm:style>
+  </dgm:styleLbl>
+  <dgm:styleLbl name="callout">
+    <dgm:scene3d>
+      <a:camera prst="orthographicFront"/>
+      <a:lightRig rig="threePt" dir="t"/>
+    </dgm:scene3d>
+    <dgm:txPr/>
+    <dgm:style>
+      <a:lnRef idx="2">
+        <a:scrgbClr r="0" g="0" b="0"/>
+      </a:lnRef>
+      <a:fillRef idx="1">
+        <a:scrgbClr r="0" g="0" b="0"/>
+      </a:fillRef>
+      <a:effectRef idx="0">
+        <a:scrgbClr r="0" g="0" b="0"/>
+      </a:effectRef>
+      <a:fontRef idx="minor"/>
+    </dgm:style>
+  </dgm:styleLbl>
+  <dgm:styleLbl name="conFgAcc1">
+    <dgm:scene3d>
+      <a:camera prst="orthographicFront"/>
+      <a:lightRig rig="threePt" dir="t"/>
+    </dgm:scene3d>
+    <dgm:txPr/>
+    <dgm:style>
+      <a:lnRef idx="2">
+        <a:scrgbClr r="0" g="0" b="0"/>
+      </a:lnRef>
+      <a:fillRef idx="1">
+        <a:scrgbClr r="0" g="0" b="0"/>
+      </a:fillRef>
+      <a:effectRef idx="0">
+        <a:scrgbClr r="0" g="0" b="0"/>
+      </a:effectRef>
+      <a:fontRef idx="minor"/>
+    </dgm:style>
+  </dgm:styleLbl>
+  <dgm:styleLbl name="dkBgShp">
+    <dgm:scene3d>
+      <a:camera prst="orthographicFront"/>
+      <a:lightRig rig="threePt" dir="t"/>
+    </dgm:scene3d>
+    <dgm:txPr/>
+    <dgm:style>
+      <a:lnRef idx="0">
+        <a:scrgbClr r="0" g="0" b="0"/>
+      </a:lnRef>
+      <a:fillRef idx="1">
+        <a:scrgbClr r="0" g="0" b="0"/>
+      </a:fillRef>
+      <a:effectRef idx="0">
+        <a:scrgbClr r="0" g="0" b="0"/>
+      </a:effectRef>
+      <a:fontRef idx="minor"/>
+    </dgm:style>
+  </dgm:styleLbl>
+  <dgm:styleLbl name="fgAcc0">
+    <dgm:scene3d>
+      <a:camera prst="orthographicFront"/>
+      <a:lightRig rig="threePt" dir="t"/>
+    </dgm:scene3d>
+    <dgm:txPr/>
+    <dgm:style>
+      <a:lnRef idx="2">
+        <a:scrgbClr r="0" g="0" b="0"/>
+      </a:lnRef>
+      <a:fillRef idx="1">
+        <a:scrgbClr r="0" g="0" b="0"/>
+      </a:fillRef>
+      <a:effectRef idx="0">
+        <a:scrgbClr r="0" g="0" b="0"/>
+      </a:effectRef>
+      <a:fontRef idx="minor"/>
+    </dgm:style>
+  </dgm:styleLbl>
+  <dgm:styleLbl name="fgAcc1">
+    <dgm:scene3d>
+      <a:camera prst="orthographicFront"/>
+      <a:lightRig rig="threePt" dir="t"/>
+    </dgm:scene3d>
+    <dgm:txPr/>
+    <dgm:style>
+      <a:lnRef idx="2">
+        <a:scrgbClr r="0" g="0" b="0"/>
+      </a:lnRef>
+      <a:fillRef idx="1">
+        <a:scrgbClr r="0" g="0" b="0"/>
+      </a:fillRef>
+      <a:effectRef idx="0">
+        <a:scrgbClr r="0" g="0" b="0"/>
+      </a:effectRef>
+      <a:fontRef idx="minor"/>
+    </dgm:style>
+  </dgm:styleLbl>
+  <dgm:styleLbl name="fgAcc2">
+    <dgm:scene3d>
+      <a:camera prst="orthographicFront"/>
+      <a:lightRig rig="threePt" dir="t"/>
+    </dgm:scene3d>
+    <dgm:txPr/>
+    <dgm:style>
+      <a:lnRef idx="2">
+        <a:scrgbClr r="0" g="0" b="0"/>
+      </a:lnRef>
+      <a:fillRef idx="1">
+        <a:scrgbClr r="0" g="0" b="0"/>
+      </a:fillRef>
+      <a:effectRef idx="0">
+        <a:scrgbClr r="0" g="0" b="0"/>
+      </a:effectRef>
+      <a:fontRef idx="minor"/>
+    </dgm:style>
+  </dgm:styleLbl>
+  <dgm:styleLbl name="fgAcc3">
+    <dgm:scene3d>
+      <a:camera prst="orthographicFront"/>
+      <a:lightRig rig="threePt" dir="t"/>
+    </dgm:scene3d>
+    <dgm:txPr/>
+    <dgm:style>
+      <a:lnRef idx="2">
+        <a:scrgbClr r="0" g="0" b="0"/>
+      </a:lnRef>
+      <a:fillRef idx="1">
+        <a:scrgbClr r="0" g="0" b="0"/>
+      </a:fillRef>
+      <a:effectRef idx="0">
+        <a:scrgbClr r="0" g="0" b="0"/>
+      </a:effectRef>
+      <a:fontRef idx="minor"/>
+    </dgm:style>
+  </dgm:styleLbl>
+  <dgm:styleLbl name="fgAcc4">
+    <dgm:scene3d>
+      <a:camera prst="orthographicFront"/>
+      <a:lightRig rig="threePt" dir="t"/>
+    </dgm:scene3d>
+    <dgm:txPr/>
+    <dgm:style>
+      <a:lnRef idx="2">
+        <a:scrgbClr r="0" g="0" b="0"/>
+      </a:lnRef>
+      <a:fillRef idx="1">
+        <a:scrgbClr r="0" g="0" b="0"/>
+      </a:fillRef>
+      <a:effectRef idx="0">
+        <a:scrgbClr r="0" g="0" b="0"/>
+      </a:effectRef>
+      <a:fontRef idx="minor"/>
+    </dgm:style>
+  </dgm:styleLbl>
+  <dgm:styleLbl name="fgAccFollowNode1">
+    <dgm:scene3d>
+      <a:camera prst="orthographicFront"/>
+      <a:lightRig rig="threePt" dir="t"/>
+    </dgm:scene3d>
+    <dgm:txPr/>
+    <dgm:style>
+      <a:lnRef idx="2">
+        <a:scrgbClr r="0" g="0" b="0"/>
+      </a:lnRef>
+      <a:fillRef idx="1">
+        <a:scrgbClr r="0" g="0" b="0"/>
+      </a:fillRef>
+      <a:effectRef idx="0">
+        <a:scrgbClr r="0" g="0" b="0"/>
+      </a:effectRef>
+      <a:fontRef idx="minor"/>
+    </dgm:style>
+  </dgm:styleLbl>
+  <dgm:styleLbl name="fgImgPlace1">
+    <dgm:scene3d>
+      <a:camera prst="orthographicFront"/>
+      <a:lightRig rig="threePt" dir="t"/>
+    </dgm:scene3d>
+    <dgm:txPr/>
+    <dgm:style>
+      <a:lnRef idx="2">
+        <a:scrgbClr r="0" g="0" b="0"/>
+      </a:lnRef>
+      <a:fillRef idx="1">
+        <a:scrgbClr r="0" g="0" b="0"/>
+      </a:fillRef>
+      <a:effectRef idx="0">
+        <a:scrgbClr r="0" g="0" b="0"/>
+      </a:effectRef>
+      <a:fontRef idx="minor"/>
+    </dgm:style>
+  </dgm:styleLbl>
+  <dgm:styleLbl name="fgShp">
+    <dgm:scene3d>
+      <a:camera prst="orthographicFront"/>
+      <a:lightRig rig="threePt" dir="t"/>
+    </dgm:scene3d>
+    <dgm:txPr/>
+    <dgm:style>
+      <a:lnRef idx="2">
+        <a:scrgbClr r="0" g="0" b="0"/>
+      </a:lnRef>
+      <a:fillRef idx="1">
+        <a:scrgbClr r="0" g="0" b="0"/>
+      </a:fillRef>
+      <a:effectRef idx="0">
+        <a:scrgbClr r="0" g="0" b="0"/>
+      </a:effectRef>
+      <a:fontRef idx="minor"/>
+    </dgm:style>
+  </dgm:styleLbl>
+  <dgm:styleLbl name="fgSibTrans2D1">
+    <dgm:scene3d>
+      <a:camera prst="orthographicFront"/>
+      <a:lightRig rig="threePt" dir="t"/>
+    </dgm:scene3d>
+    <dgm:txPr/>
+    <dgm:style>
+      <a:lnRef idx="0">
+        <a:scrgbClr r="0" g="0" b="0"/>
+      </a:lnRef>
+      <a:fillRef idx="1">
+        <a:scrgbClr r="0" g="0" b="0"/>
+      </a:fillRef>
+      <a:effectRef idx="0">
+        <a:scrgbClr r="0" g="0" b="0"/>
+      </a:effectRef>
+      <a:fontRef idx="minor">
+        <a:schemeClr val="lt1"/>
+      </a:fontRef>
+    </dgm:style>
+  </dgm:styleLbl>
+  <dgm:styleLbl name="lnNode1">
+    <dgm:scene3d>
+      <a:camera prst="orthographicFront"/>
+      <a:lightRig rig="threePt" dir="t"/>
+    </dgm:scene3d>
+    <dgm:txPr/>
+    <dgm:style>
+      <a:lnRef idx="2">
+        <a:scrgbClr r="0" g="0" b="0"/>
+      </a:lnRef>
+      <a:fillRef idx="1">
+        <a:scrgbClr r="0" g="0" b="0"/>
+      </a:fillRef>
+      <a:effectRef idx="0">
+        <a:scrgbClr r="0" g="0" b="0"/>
+      </a:effectRef>
+      <a:fontRef idx="minor">
+        <a:schemeClr val="lt1"/>
+      </a:fontRef>
+    </dgm:style>
+  </dgm:styleLbl>
+  <dgm:styleLbl name="node0">
+    <dgm:scene3d>
+      <a:camera prst="orthographicFront"/>
+      <a:lightRig rig="threePt" dir="t"/>
+    </dgm:scene3d>
+    <dgm:txPr/>
+    <dgm:style>
+      <a:lnRef idx="2">
+        <a:scrgbClr r="0" g="0" b="0"/>
+      </a:lnRef>
+      <a:fillRef idx="1">
+        <a:scrgbClr r="0" g="0" b="0"/>
+      </a:fillRef>
+      <a:effectRef idx="0">
+        <a:scrgbClr r="0" g="0" b="0"/>
+      </a:effectRef>
+      <a:fontRef idx="minor">
+        <a:schemeClr val="lt1"/>
+      </a:fontRef>
+    </dgm:style>
+  </dgm:styleLbl>
+  <dgm:styleLbl name="node1">
+    <dgm:scene3d>
+      <a:camera prst="orthographicFront"/>
+      <a:lightRig rig="threePt" dir="t"/>
+    </dgm:scene3d>
+    <dgm:txPr/>
+    <dgm:style>
+      <a:lnRef idx="2">
+        <a:scrgbClr r="0" g="0" b="0"/>
+      </a:lnRef>
+      <a:fillRef idx="1">
+        <a:scrgbClr r="0" g="0" b="0"/>
+      </a:fillRef>
+      <a:effectRef idx="0">
+        <a:scrgbClr r="0" g="0" b="0"/>
+      </a:effectRef>
+      <a:fontRef idx="minor">
+        <a:schemeClr val="lt1"/>
+      </a:fontRef>
+    </dgm:style>
+  </dgm:styleLbl>
+  <dgm:styleLbl name="node2">
+    <dgm:scene3d>
+      <a:camera prst="orthographicFront"/>
+      <a:lightRig rig="threePt" dir="t"/>
+    </dgm:scene3d>
+    <dgm:txPr/>
+    <dgm:style>
+      <a:lnRef idx="2">
+        <a:scrgbClr r="0" g="0" b="0"/>
+      </a:lnRef>
+      <a:fillRef idx="1">
+        <a:scrgbClr r="0" g="0" b="0"/>
+      </a:fillRef>
+      <a:effectRef idx="0">
+        <a:scrgbClr r="0" g="0" b="0"/>
+      </a:effectRef>
+      <a:fontRef idx="minor">
+        <a:schemeClr val="lt1"/>
+      </a:fontRef>
+    </dgm:style>
+  </dgm:styleLbl>
+  <dgm:styleLbl name="node3">
+    <dgm:scene3d>
+      <a:camera prst="orthographicFront"/>
+      <a:lightRig rig="threePt" dir="t"/>
+    </dgm:scene3d>
+    <dgm:txPr/>
+    <dgm:style>
+      <a:lnRef idx="2">
+        <a:scrgbClr r="0" g="0" b="0"/>
+      </a:lnRef>
+      <a:fillRef idx="1">
+        <a:scrgbClr r="0" g="0" b="0"/>
+      </a:fillRef>
+      <a:effectRef idx="0">
+        <a:scrgbClr r="0" g="0" b="0"/>
+      </a:effectRef>
+      <a:fontRef idx="minor">
+        <a:schemeClr val="lt1"/>
+      </a:fontRef>
+    </dgm:style>
+  </dgm:styleLbl>
+  <dgm:styleLbl name="node4">
+    <dgm:scene3d>
+      <a:camera prst="orthographicFront"/>
+      <a:lightRig rig="threePt" dir="t"/>
+    </dgm:scene3d>
+    <dgm:txPr/>
+    <dgm:style>
+      <a:lnRef idx="2">
+        <a:scrgbClr r="0" g="0" b="0"/>
+      </a:lnRef>
+      <a:fillRef idx="1">
+        <a:scrgbClr r="0" g="0" b="0"/>
+      </a:fillRef>
+      <a:effectRef idx="0">
+        <a:scrgbClr r="0" g="0" b="0"/>
+      </a:effectRef>
+      <a:fontRef idx="minor">
+        <a:schemeClr val="lt1"/>
+      </a:fontRef>
+    </dgm:style>
+  </dgm:styleLbl>
+  <dgm:styleLbl name="parChTrans1D1">
+    <dgm:scene3d>
+      <a:camera prst="orthographicFront"/>
+      <a:lightRig rig="threePt" dir="t"/>
+    </dgm:scene3d>
+    <dgm:txPr/>
+    <dgm:style>
+      <a:lnRef idx="2">
+        <a:scrgbClr r="0" g="0" b="0"/>
+      </a:lnRef>
+      <a:fillRef idx="0">
+        <a:scrgbClr r="0" g="0" b="0"/>
+      </a:fillRef>
+      <a:effectRef idx="0">
+        <a:scrgbClr r="0" g="0" b="0"/>
+      </a:effectRef>
+      <a:fontRef idx="minor"/>
+    </dgm:style>
+  </dgm:styleLbl>
+  <dgm:styleLbl name="parChTrans1D2">
+    <dgm:scene3d>
+      <a:camera prst="orthographicFront"/>
+      <a:lightRig rig="threePt" dir="t"/>
+    </dgm:scene3d>
+    <dgm:txPr/>
+    <dgm:style>
+      <a:lnRef idx="2">
+        <a:scrgbClr r="0" g="0" b="0"/>
+      </a:lnRef>
+      <a:fillRef idx="0">
+        <a:scrgbClr r="0" g="0" b="0"/>
+      </a:fillRef>
+      <a:effectRef idx="0">
+        <a:scrgbClr r="0" g="0" b="0"/>
+      </a:effectRef>
+      <a:fontRef idx="minor"/>
+    </dgm:style>
+  </dgm:styleLbl>
+  <dgm:styleLbl name="parChTrans1D3">
+    <dgm:scene3d>
+      <a:camera prst="orthographicFront"/>
+      <a:lightRig rig="threePt" dir="t"/>
+    </dgm:scene3d>
+    <dgm:txPr/>
+    <dgm:style>
+      <a:lnRef idx="2">
+        <a:scrgbClr r="0" g="0" b="0"/>
+      </a:lnRef>
+      <a:fillRef idx="0">
+        <a:scrgbClr r="0" g="0" b="0"/>
+      </a:fillRef>
+      <a:effectRef idx="0">
+        <a:scrgbClr r="0" g="0" b="0"/>
+      </a:effectRef>
+      <a:fontRef idx="minor"/>
+    </dgm:style>
+  </dgm:styleLbl>
+  <dgm:styleLbl name="parChTrans1D4">
+    <dgm:scene3d>
+      <a:camera prst="orthographicFront"/>
+      <a:lightRig rig="threePt" dir="t"/>
+    </dgm:scene3d>
+    <dgm:txPr/>
+    <dgm:style>
+      <a:lnRef idx="2">
+        <a:scrgbClr r="0" g="0" b="0"/>
+      </a:lnRef>
+      <a:fillRef idx="0">
+        <a:scrgbClr r="0" g="0" b="0"/>
+      </a:fillRef>
+      <a:effectRef idx="0">
+        <a:scrgbClr r="0" g="0" b="0"/>
+      </a:effectRef>
+      <a:fontRef idx="minor"/>
+    </dgm:style>
+  </dgm:styleLbl>
+  <dgm:styleLbl name="parChTrans2D1">
+    <dgm:scene3d>
+      <a:camera prst="orthographicFront"/>
+      <a:lightRig rig="threePt" dir="t"/>
+    </dgm:scene3d>
+    <dgm:txPr/>
+    <dgm:style>
+      <a:lnRef idx="2">
+        <a:scrgbClr r="0" g="0" b="0"/>
+      </a:lnRef>
+      <a:fillRef idx="1">
+        <a:scrgbClr r="0" g="0" b="0"/>
+      </a:fillRef>
+      <a:effectRef idx="0">
+        <a:scrgbClr r="0" g="0" b="0"/>
+      </a:effectRef>
+      <a:fontRef idx="minor">
+        <a:schemeClr val="lt1"/>
+      </a:fontRef>
+    </dgm:style>
+  </dgm:styleLbl>
+  <dgm:styleLbl name="parChTrans2D2">
+    <dgm:scene3d>
+      <a:camera prst="orthographicFront"/>
+      <a:lightRig rig="threePt" dir="t"/>
+    </dgm:scene3d>
+    <dgm:txPr/>
+    <dgm:style>
+      <a:lnRef idx="2">
+        <a:scrgbClr r="0" g="0" b="0"/>
+      </a:lnRef>
+      <a:fillRef idx="1">
+        <a:scrgbClr r="0" g="0" b="0"/>
+      </a:fillRef>
+      <a:effectRef idx="0">
+        <a:scrgbClr r="0" g="0" b="0"/>
+      </a:effectRef>
+      <a:fontRef idx="minor">
+        <a:schemeClr val="lt1"/>
+      </a:fontRef>
+    </dgm:style>
+  </dgm:styleLbl>
+  <dgm:styleLbl name="parChTrans2D3">
+    <dgm:scene3d>
+      <a:camera prst="orthographicFront"/>
+      <a:lightRig rig="threePt" dir="t"/>
+    </dgm:scene3d>
+    <dgm:txPr/>
+    <dgm:style>
+      <a:lnRef idx="2">
+        <a:scrgbClr r="0" g="0" b="0"/>
+      </a:lnRef>
+      <a:fillRef idx="1">
+        <a:scrgbClr r="0" g="0" b="0"/>
+      </a:fillRef>
+      <a:effectRef idx="0">
+        <a:scrgbClr r="0" g="0" b="0"/>
+      </a:effectRef>
+      <a:fontRef idx="minor">
+        <a:schemeClr val="lt1"/>
+      </a:fontRef>
+    </dgm:style>
+  </dgm:styleLbl>
+  <dgm:styleLbl name="parChTrans2D4">
+    <dgm:scene3d>
+      <a:camera prst="orthographicFront"/>
+      <a:lightRig rig="threePt" dir="t"/>
+    </dgm:scene3d>
+    <dgm:txPr/>
+    <dgm:style>
+      <a:lnRef idx="2">
+        <a:scrgbClr r="0" g="0" b="0"/>
+      </a:lnRef>
+      <a:fillRef idx="1">
+        <a:scrgbClr r="0" g="0" b="0"/>
+      </a:fillRef>
+      <a:effectRef idx="0">
+        <a:scrgbClr r="0" g="0" b="0"/>
+      </a:effectRef>
+      <a:fontRef idx="minor">
+        <a:schemeClr val="lt1"/>
+      </a:fontRef>
+    </dgm:style>
+  </dgm:styleLbl>
+  <dgm:styleLbl name="revTx">
+    <dgm:scene3d>
+      <a:camera prst="orthographicFront"/>
+      <a:lightRig rig="threePt" dir="t"/>
+    </dgm:scene3d>
+    <dgm:txPr/>
+    <dgm:style>
+      <a:lnRef idx="0">
+        <a:scrgbClr r="0" g="0" b="0"/>
+      </a:lnRef>
+      <a:fillRef idx="0">
+        <a:scrgbClr r="0" g="0" b="0"/>
+      </a:fillRef>
+      <a:effectRef idx="0">
+        <a:scrgbClr r="0" g="0" b="0"/>
+      </a:effectRef>
+      <a:fontRef idx="minor"/>
+    </dgm:style>
+  </dgm:styleLbl>
+  <dgm:styleLbl name="sibTrans1D1">
+    <dgm:scene3d>
+      <a:camera prst="orthographicFront"/>
+      <a:lightRig rig="threePt" dir="t"/>
+    </dgm:scene3d>
+    <dgm:txPr/>
+    <dgm:style>
+      <a:lnRef idx="1">
+        <a:scrgbClr r="0" g="0" b="0"/>
+      </a:lnRef>
+      <a:fillRef idx="0">
+        <a:scrgbClr r="0" g="0" b="0"/>
+      </a:fillRef>
+      <a:effectRef idx="0">
+        <a:scrgbClr r="0" g="0" b="0"/>
+      </a:effectRef>
+      <a:fontRef idx="minor"/>
+    </dgm:style>
+  </dgm:styleLbl>
+  <dgm:styleLbl name="sibTrans2D1">
+    <dgm:scene3d>
+      <a:camera prst="orthographicFront"/>
+      <a:lightRig rig="threePt" dir="t"/>
+    </dgm:scene3d>
+    <dgm:txPr/>
+    <dgm:style>
+      <a:lnRef idx="0">
+        <a:scrgbClr r="0" g="0" b="0"/>
+      </a:lnRef>
+      <a:fillRef idx="1">
+        <a:scrgbClr r="0" g="0" b="0"/>
+      </a:fillRef>
+      <a:effectRef idx="0">
+        <a:scrgbClr r="0" g="0" b="0"/>
+      </a:effectRef>
+      <a:fontRef idx="minor">
+        <a:schemeClr val="lt1"/>
+      </a:fontRef>
+    </dgm:style>
+  </dgm:styleLbl>
+  <dgm:styleLbl name="solidAlignAcc1">
+    <dgm:scene3d>
+      <a:camera prst="orthographicFront"/>
+      <a:lightRig rig="threePt" dir="t"/>
+    </dgm:scene3d>
+    <dgm:txPr/>
+    <dgm:style>
+      <a:lnRef idx="2">
+        <a:scrgbClr r="0" g="0" b="0"/>
+      </a:lnRef>
+      <a:fillRef idx="1">
+        <a:scrgbClr r="0" g="0" b="0"/>
+      </a:fillRef>
+      <a:effectRef idx="0">
+        <a:scrgbClr r="0" g="0" b="0"/>
+      </a:effectRef>
+      <a:fontRef idx="minor"/>
+    </dgm:style>
+  </dgm:styleLbl>
+  <dgm:styleLbl name="solidBgAcc1">
+    <dgm:scene3d>
+      <a:camera prst="orthographicFront"/>
+      <a:lightRig rig="threePt" dir="t"/>
+    </dgm:scene3d>
+    <dgm:txPr/>
+    <dgm:style>
+      <a:lnRef idx="2">
+        <a:scrgbClr r="0" g="0" b="0"/>
+      </a:lnRef>
+      <a:fillRef idx="1">
+        <a:scrgbClr r="0" g="0" b="0"/>
+      </a:fillRef>
+      <a:effectRef idx="0">
+        <a:scrgbClr r="0" g="0" b="0"/>
+      </a:effectRef>
+      <a:fontRef idx="minor"/>
+    </dgm:style>
+  </dgm:styleLbl>
+  <dgm:styleLbl name="solidFgAcc1">
+    <dgm:scene3d>
+      <a:camera prst="orthographicFront"/>
+      <a:lightRig rig="threePt" dir="t"/>
+    </dgm:scene3d>
+    <dgm:txPr/>
+    <dgm:style>
+      <a:lnRef idx="2">
+        <a:scrgbClr r="0" g="0" b="0"/>
+      </a:lnRef>
+      <a:fillRef idx="1">
+        <a:scrgbClr r="0" g="0" b="0"/>
+      </a:fillRef>
+      <a:effectRef idx="0">
+        <a:scrgbClr r="0" g="0" b="0"/>
+      </a:effectRef>
+      <a:fontRef idx="minor"/>
+    </dgm:style>
+  </dgm:styleLbl>
+  <dgm:styleLbl name="trAlignAcc1">
+    <dgm:scene3d>
+      <a:camera prst="orthographicFront"/>
+      <a:lightRig rig="threePt" dir="t"/>
+    </dgm:scene3d>
+    <dgm:txPr/>
+    <dgm:style>
+      <a:lnRef idx="1">
+        <a:scrgbClr r="0" g="0" b="0"/>
+      </a:lnRef>
+      <a:fillRef idx="1">
+        <a:scrgbClr r="0" g="0" b="0"/>
+      </a:fillRef>
+      <a:effectRef idx="0">
+        <a:scrgbClr r="0" g="0" b="0"/>
+      </a:effectRef>
+      <a:fontRef idx="minor"/>
+    </dgm:style>
+  </dgm:styleLbl>
+  <dgm:styleLbl name="trBgShp">
+    <dgm:scene3d>
+      <a:camera prst="orthographicFront"/>
+      <a:lightRig rig="threePt" dir="t"/>
+    </dgm:scene3d>
+    <dgm:txPr/>
+    <dgm:style>
+      <a:lnRef idx="0">
+        <a:scrgbClr r="0" g="0" b="0"/>
+      </a:lnRef>
+      <a:fillRef idx="1">
+        <a:scrgbClr r="0" g="0" b="0"/>
+      </a:fillRef>
+      <a:effectRef idx="0">
+        <a:scrgbClr r="0" g="0" b="0"/>
+      </a:effectRef>
+      <a:fontRef idx="minor"/>
+    </dgm:style>
+  </dgm:styleLbl>
+  <dgm:styleLbl name="vennNode1">
+    <dgm:scene3d>
+      <a:camera prst="orthographicFront"/>
+      <a:lightRig rig="threePt" dir="t"/>
+    </dgm:scene3d>
+    <dgm:txPr/>
+    <dgm:style>
+      <a:lnRef idx="2">
+        <a:scrgbClr r="0" g="0" b="0"/>
+      </a:lnRef>
+      <a:fillRef idx="1">
+        <a:scrgbClr r="0" g="0" b="0"/>
+      </a:fillRef>
+      <a:effectRef idx="0">
+        <a:scrgbClr r="0" g="0" b="0"/>
+      </a:effectRef>
+      <a:fontRef idx="minor">
+        <a:schemeClr val="tx1"/>
+      </a:fontRef>
+    </dgm:style>
+  </dgm:styleLbl>
+</dgm:styleDef>
+</file>
+
+<file path=ppt/diagrams/quickStyle2.xml><?xml version="1.0" encoding="utf-8"?>
 <dgm:styleDef xmlns:dgm="http://schemas.openxmlformats.org/drawingml/2006/diagram" xmlns:a="http://schemas.openxmlformats.org/drawingml/2006/main" uniqueId="urn:microsoft.com/office/officeart/2005/8/quickstyle/simple1">
   <dgm:title val=""/>
   <dgm:desc val=""/>
@@ -7417,14 +12055,14 @@
           </a:p>
           <a:p>
             <a:r>
-              <a:rPr lang="" altLang="en-US">
+              <a:rPr lang="en-US" altLang="en-US">
                 <a:solidFill>
                   <a:schemeClr val="tx1"/>
                 </a:solidFill>
               </a:rPr>
               <a:t>Muhammad Zaini</a:t>
             </a:r>
-            <a:endParaRPr lang="" altLang="en-US">
+            <a:endParaRPr lang="en-US" altLang="en-US">
               <a:solidFill>
                 <a:schemeClr val="tx1"/>
               </a:solidFill>
@@ -7432,14 +12070,14 @@
           </a:p>
           <a:p>
             <a:r>
-              <a:rPr lang="" altLang="en-US">
+              <a:rPr lang="en-US" altLang="en-US">
                 <a:solidFill>
                   <a:schemeClr val="tx1"/>
                 </a:solidFill>
               </a:rPr>
               <a:t>(NIM. 1502105051)</a:t>
             </a:r>
-            <a:endParaRPr lang="" altLang="en-US">
+            <a:endParaRPr lang="en-US" altLang="en-US">
               <a:solidFill>
                 <a:schemeClr val="tx1"/>
               </a:solidFill>
@@ -7480,10 +12118,10 @@
           <a:bodyPr/>
           <a:p>
             <a:r>
-              <a:rPr lang="" altLang="en-US"/>
+              <a:rPr lang="en-US" altLang="en-US"/>
               <a:t>Latar Belakang</a:t>
             </a:r>
-            <a:endParaRPr lang="" altLang="en-US"/>
+            <a:endParaRPr lang="en-US" altLang="en-US"/>
           </a:p>
         </p:txBody>
       </p:sp>
@@ -7585,10 +12223,10 @@
           <a:p>
             <a:pPr algn="r"/>
             <a:r>
-              <a:rPr lang="" altLang="en-US"/>
+              <a:rPr lang="en-US" altLang="en-US"/>
               <a:t>Latar Belakang</a:t>
             </a:r>
-            <a:endParaRPr lang="" altLang="en-US"/>
+            <a:endParaRPr lang="en-US" altLang="en-US"/>
           </a:p>
         </p:txBody>
       </p:sp>
@@ -7692,7 +12330,7 @@
           <a:p>
             <a:pPr algn="l"/>
             <a:r>
-              <a:rPr lang="" altLang="en-US"/>
+              <a:rPr lang="en-US" altLang="en-US"/>
               <a:t>S</a:t>
             </a:r>
             <a:r>
@@ -7736,10 +12374,10 @@
           <a:bodyPr/>
           <a:p>
             <a:r>
-              <a:rPr lang="" altLang="en-US"/>
+              <a:rPr lang="en-US" altLang="en-US"/>
               <a:t>Latar Belakang</a:t>
             </a:r>
-            <a:endParaRPr lang="" altLang="en-US"/>
+            <a:endParaRPr lang="en-US" altLang="en-US"/>
           </a:p>
         </p:txBody>
       </p:sp>
@@ -7798,10 +12436,10 @@
           <a:bodyPr/>
           <a:p>
             <a:r>
-              <a:rPr lang="" altLang="en-US"/>
+              <a:rPr lang="en-US" altLang="en-US"/>
               <a:t>Latar Belakang</a:t>
             </a:r>
-            <a:endParaRPr lang="" altLang="en-US"/>
+            <a:endParaRPr lang="en-US" altLang="en-US"/>
           </a:p>
         </p:txBody>
       </p:sp>
@@ -7819,6 +12457,52 @@
         <p:txBody>
           <a:bodyPr/>
           <a:p>
+            <a:endParaRPr lang="en-US"/>
+          </a:p>
+        </p:txBody>
+      </p:sp>
+      <p:graphicFrame>
+        <p:nvGraphicFramePr>
+          <p:cNvPr id="2" name="Diagram 1"/>
+          <p:cNvGraphicFramePr/>
+          <p:nvPr/>
+        </p:nvGraphicFramePr>
+        <p:xfrm>
+          <a:off x="2032000" y="719455"/>
+          <a:ext cx="8128000" cy="5418455"/>
+        </p:xfrm>
+        <a:graphic>
+          <a:graphicData uri="http://schemas.openxmlformats.org/drawingml/2006/diagram">
+            <dgm:relIds xmlns:dgm="http://schemas.openxmlformats.org/drawingml/2006/diagram" xmlns:r="http://schemas.openxmlformats.org/officeDocument/2006/relationships" r:dm="rId1" r:lo="rId2" r:qs="rId3" r:cs="rId4"/>
+          </a:graphicData>
+        </a:graphic>
+      </p:graphicFrame>
+      <p:sp>
+        <p:nvSpPr>
+          <p:cNvPr id="3" name="Text Box 2"/>
+          <p:cNvSpPr txBox="1"/>
+          <p:nvPr/>
+        </p:nvSpPr>
+        <p:spPr>
+          <a:xfrm>
+            <a:off x="6698615" y="5172075"/>
+            <a:ext cx="1626235" cy="368300"/>
+          </a:xfrm>
+          <a:prstGeom prst="rect">
+            <a:avLst/>
+          </a:prstGeom>
+          <a:noFill/>
+        </p:spPr>
+        <p:txBody>
+          <a:bodyPr wrap="none" rtlCol="0">
+            <a:spAutoFit/>
+          </a:bodyPr>
+          <a:p>
+            <a:pPr algn="l"/>
+            <a:r>
+              <a:rPr lang="en-US"/>
+              <a:t>Dhofier (2011)</a:t>
+            </a:r>
             <a:endParaRPr lang="en-US"/>
           </a:p>
         </p:txBody>

--- a/seminar proposal.pptx
+++ b/seminar proposal.pptx
@@ -8884,6 +8884,54 @@
 </p:notes>
 </file>
 
+<file path=ppt/notesSlides/notesSlide2.xml><?xml version="1.0" encoding="utf-8"?>
+<p:notes xmlns:a="http://schemas.openxmlformats.org/drawingml/2006/main" xmlns:r="http://schemas.openxmlformats.org/officeDocument/2006/relationships" xmlns:p="http://schemas.openxmlformats.org/presentationml/2006/main">
+  <p:cSld>
+    <p:spTree>
+      <p:nvGrpSpPr>
+        <p:cNvPr id="1" name=""/>
+        <p:cNvGrpSpPr/>
+        <p:nvPr/>
+      </p:nvGrpSpPr>
+      <p:grpSpPr/>
+      <p:sp>
+        <p:nvSpPr>
+          <p:cNvPr id="2" name="Slide Image Placeholder 1"/>
+          <p:cNvSpPr/>
+          <p:nvPr>
+            <p:ph type="sldImg" idx="2"/>
+          </p:nvPr>
+        </p:nvSpPr>
+        <p:spPr/>
+      </p:sp>
+      <p:sp>
+        <p:nvSpPr>
+          <p:cNvPr id="3" name="Text Placeholder 2"/>
+          <p:cNvSpPr/>
+          <p:nvPr>
+            <p:ph type="body" idx="3"/>
+          </p:nvPr>
+        </p:nvSpPr>
+        <p:spPr/>
+        <p:txBody>
+          <a:bodyPr/>
+          <a:p>
+            <a:r>
+              <a:rPr lang="en-US"/>
+              <a:t>Dhofier, Z. (2011). Tradisi Pesantren: Studi Pandangan Hidup Kyai dan Visinya Mengenai Masa Depan Indonesia. Jakarta: LP3ES. </a:t>
+            </a:r>
+            <a:endParaRPr lang="en-US"/>
+          </a:p>
+        </p:txBody>
+      </p:sp>
+    </p:spTree>
+  </p:cSld>
+  <p:clrMapOvr>
+    <a:masterClrMapping/>
+  </p:clrMapOvr>
+</p:notes>
+</file>
+
 <file path=ppt/slideLayouts/slideLayout1.xml><?xml version="1.0" encoding="utf-8"?>
 <p:sldLayout xmlns:a="http://schemas.openxmlformats.org/drawingml/2006/main" xmlns:r="http://schemas.openxmlformats.org/officeDocument/2006/relationships" xmlns:p="http://schemas.openxmlformats.org/presentationml/2006/main" type="title" preserve="1" showMasterSp="0">
   <p:cSld name="Title Slide">

--- a/seminar proposal.pptx
+++ b/seminar proposal.pptx
@@ -13,6 +13,7 @@
     <p:sldId id="259" r:id="rId6"/>
     <p:sldId id="260" r:id="rId7"/>
     <p:sldId id="261" r:id="rId8"/>
+    <p:sldId id="262" r:id="rId9"/>
   </p:sldIdLst>
   <p:sldSz cx="12192000" cy="6858000"/>
   <p:notesSz cx="6858000" cy="9144000"/>
@@ -862,6 +863,753 @@
 </file>
 
 <file path=ppt/diagrams/colors2.xml><?xml version="1.0" encoding="utf-8"?>
+<dgm:colorsDef xmlns:dgm="http://schemas.openxmlformats.org/drawingml/2006/diagram" xmlns:a="http://schemas.openxmlformats.org/drawingml/2006/main" uniqueId="urn:microsoft.com/office/officeart/2005/8/colors/accent1_2">
+  <dgm:title val=""/>
+  <dgm:desc val=""/>
+  <dgm:catLst>
+    <dgm:cat type="accent1" pri="11200"/>
+  </dgm:catLst>
+  <dgm:styleLbl name="alignAcc1">
+    <dgm:fillClrLst meth="repeat">
+      <a:schemeClr val="lt1">
+        <a:alpha val="90000"/>
+      </a:schemeClr>
+    </dgm:fillClrLst>
+    <dgm:linClrLst meth="repeat">
+      <a:schemeClr val="accent1"/>
+    </dgm:linClrLst>
+    <dgm:effectClrLst/>
+    <dgm:txLinClrLst/>
+    <dgm:txFillClrLst meth="repeat">
+      <a:schemeClr val="dk1"/>
+    </dgm:txFillClrLst>
+    <dgm:txEffectClrLst/>
+  </dgm:styleLbl>
+  <dgm:styleLbl name="alignAccFollowNode1">
+    <dgm:fillClrLst meth="repeat">
+      <a:schemeClr val="accent1">
+        <a:alpha val="90000"/>
+        <a:tint val="40000"/>
+      </a:schemeClr>
+    </dgm:fillClrLst>
+    <dgm:linClrLst meth="repeat">
+      <a:schemeClr val="accent1">
+        <a:alpha val="90000"/>
+        <a:tint val="40000"/>
+      </a:schemeClr>
+    </dgm:linClrLst>
+    <dgm:effectClrLst/>
+    <dgm:txLinClrLst/>
+    <dgm:txFillClrLst meth="repeat">
+      <a:schemeClr val="dk1"/>
+    </dgm:txFillClrLst>
+    <dgm:txEffectClrLst/>
+  </dgm:styleLbl>
+  <dgm:styleLbl name="alignImgPlace1">
+    <dgm:fillClrLst meth="repeat">
+      <a:schemeClr val="accent1">
+        <a:tint val="50000"/>
+      </a:schemeClr>
+    </dgm:fillClrLst>
+    <dgm:linClrLst meth="repeat">
+      <a:schemeClr val="lt1"/>
+    </dgm:linClrLst>
+    <dgm:effectClrLst/>
+    <dgm:txLinClrLst/>
+    <dgm:txFillClrLst meth="repeat">
+      <a:schemeClr val="lt1"/>
+    </dgm:txFillClrLst>
+    <dgm:txEffectClrLst/>
+  </dgm:styleLbl>
+  <dgm:styleLbl name="alignNode1">
+    <dgm:fillClrLst meth="repeat">
+      <a:schemeClr val="accent1"/>
+    </dgm:fillClrLst>
+    <dgm:linClrLst meth="repeat">
+      <a:schemeClr val="accent1"/>
+    </dgm:linClrLst>
+    <dgm:effectClrLst/>
+    <dgm:txLinClrLst/>
+    <dgm:txFillClrLst/>
+    <dgm:txEffectClrLst/>
+  </dgm:styleLbl>
+  <dgm:styleLbl name="asst0">
+    <dgm:fillClrLst meth="repeat">
+      <a:schemeClr val="accent1"/>
+    </dgm:fillClrLst>
+    <dgm:linClrLst meth="repeat">
+      <a:schemeClr val="lt1"/>
+    </dgm:linClrLst>
+    <dgm:effectClrLst/>
+    <dgm:txLinClrLst/>
+    <dgm:txFillClrLst/>
+    <dgm:txEffectClrLst/>
+  </dgm:styleLbl>
+  <dgm:styleLbl name="asst1">
+    <dgm:fillClrLst meth="repeat">
+      <a:schemeClr val="accent1"/>
+    </dgm:fillClrLst>
+    <dgm:linClrLst meth="repeat">
+      <a:schemeClr val="lt1"/>
+    </dgm:linClrLst>
+    <dgm:effectClrLst/>
+    <dgm:txLinClrLst/>
+    <dgm:txFillClrLst/>
+    <dgm:txEffectClrLst/>
+  </dgm:styleLbl>
+  <dgm:styleLbl name="asst2">
+    <dgm:fillClrLst meth="repeat">
+      <a:schemeClr val="accent1"/>
+    </dgm:fillClrLst>
+    <dgm:linClrLst meth="repeat">
+      <a:schemeClr val="lt1"/>
+    </dgm:linClrLst>
+    <dgm:effectClrLst/>
+    <dgm:txLinClrLst/>
+    <dgm:txFillClrLst/>
+    <dgm:txEffectClrLst/>
+  </dgm:styleLbl>
+  <dgm:styleLbl name="asst3">
+    <dgm:fillClrLst meth="repeat">
+      <a:schemeClr val="accent1"/>
+    </dgm:fillClrLst>
+    <dgm:linClrLst meth="repeat">
+      <a:schemeClr val="lt1"/>
+    </dgm:linClrLst>
+    <dgm:effectClrLst/>
+    <dgm:txLinClrLst/>
+    <dgm:txFillClrLst/>
+    <dgm:txEffectClrLst/>
+  </dgm:styleLbl>
+  <dgm:styleLbl name="asst4">
+    <dgm:fillClrLst meth="repeat">
+      <a:schemeClr val="accent1"/>
+    </dgm:fillClrLst>
+    <dgm:linClrLst meth="repeat">
+      <a:schemeClr val="lt1"/>
+    </dgm:linClrLst>
+    <dgm:effectClrLst/>
+    <dgm:txLinClrLst/>
+    <dgm:txFillClrLst/>
+    <dgm:txEffectClrLst/>
+  </dgm:styleLbl>
+  <dgm:styleLbl name="bgAcc1">
+    <dgm:fillClrLst meth="repeat">
+      <a:schemeClr val="lt1">
+        <a:alpha val="90000"/>
+      </a:schemeClr>
+    </dgm:fillClrLst>
+    <dgm:linClrLst meth="repeat">
+      <a:schemeClr val="accent1"/>
+    </dgm:linClrLst>
+    <dgm:effectClrLst/>
+    <dgm:txLinClrLst/>
+    <dgm:txFillClrLst meth="repeat">
+      <a:schemeClr val="dk1"/>
+    </dgm:txFillClrLst>
+    <dgm:txEffectClrLst/>
+  </dgm:styleLbl>
+  <dgm:styleLbl name="bgAccFollowNode1">
+    <dgm:fillClrLst meth="repeat">
+      <a:schemeClr val="accent1">
+        <a:alpha val="90000"/>
+        <a:tint val="40000"/>
+      </a:schemeClr>
+    </dgm:fillClrLst>
+    <dgm:linClrLst meth="repeat">
+      <a:schemeClr val="accent1">
+        <a:alpha val="90000"/>
+        <a:tint val="40000"/>
+      </a:schemeClr>
+    </dgm:linClrLst>
+    <dgm:effectClrLst/>
+    <dgm:txLinClrLst/>
+    <dgm:txFillClrLst meth="repeat">
+      <a:schemeClr val="dk1"/>
+    </dgm:txFillClrLst>
+    <dgm:txEffectClrLst/>
+  </dgm:styleLbl>
+  <dgm:styleLbl name="bgImgPlace1">
+    <dgm:fillClrLst meth="repeat">
+      <a:schemeClr val="accent1">
+        <a:tint val="50000"/>
+      </a:schemeClr>
+    </dgm:fillClrLst>
+    <dgm:linClrLst meth="repeat">
+      <a:schemeClr val="lt1"/>
+    </dgm:linClrLst>
+    <dgm:effectClrLst/>
+    <dgm:txLinClrLst/>
+    <dgm:txFillClrLst meth="repeat">
+      <a:schemeClr val="lt1"/>
+    </dgm:txFillClrLst>
+    <dgm:txEffectClrLst/>
+  </dgm:styleLbl>
+  <dgm:styleLbl name="bgShp">
+    <dgm:fillClrLst meth="repeat">
+      <a:schemeClr val="accent1">
+        <a:tint val="40000"/>
+      </a:schemeClr>
+    </dgm:fillClrLst>
+    <dgm:linClrLst meth="repeat">
+      <a:schemeClr val="accent1"/>
+    </dgm:linClrLst>
+    <dgm:effectClrLst/>
+    <dgm:txLinClrLst/>
+    <dgm:txFillClrLst meth="repeat">
+      <a:schemeClr val="dk1"/>
+    </dgm:txFillClrLst>
+    <dgm:txEffectClrLst/>
+  </dgm:styleLbl>
+  <dgm:styleLbl name="bgSibTrans2D1">
+    <dgm:fillClrLst meth="repeat">
+      <a:schemeClr val="accent1">
+        <a:tint val="60000"/>
+      </a:schemeClr>
+    </dgm:fillClrLst>
+    <dgm:linClrLst meth="repeat">
+      <a:schemeClr val="accent1">
+        <a:tint val="60000"/>
+      </a:schemeClr>
+    </dgm:linClrLst>
+    <dgm:effectClrLst/>
+    <dgm:txLinClrLst/>
+    <dgm:txFillClrLst/>
+    <dgm:txEffectClrLst/>
+  </dgm:styleLbl>
+  <dgm:styleLbl name="callout">
+    <dgm:fillClrLst meth="repeat">
+      <a:schemeClr val="accent1"/>
+    </dgm:fillClrLst>
+    <dgm:linClrLst meth="repeat">
+      <a:schemeClr val="accent1">
+        <a:tint val="50000"/>
+      </a:schemeClr>
+    </dgm:linClrLst>
+    <dgm:effectClrLst/>
+    <dgm:txLinClrLst/>
+    <dgm:txFillClrLst meth="repeat">
+      <a:schemeClr val="tx1"/>
+    </dgm:txFillClrLst>
+    <dgm:txEffectClrLst/>
+  </dgm:styleLbl>
+  <dgm:styleLbl name="conFgAcc1">
+    <dgm:fillClrLst meth="repeat">
+      <a:schemeClr val="lt1">
+        <a:alpha val="90000"/>
+      </a:schemeClr>
+    </dgm:fillClrLst>
+    <dgm:linClrLst meth="repeat">
+      <a:schemeClr val="accent1"/>
+    </dgm:linClrLst>
+    <dgm:effectClrLst/>
+    <dgm:txLinClrLst/>
+    <dgm:txFillClrLst meth="repeat">
+      <a:schemeClr val="dk1"/>
+    </dgm:txFillClrLst>
+    <dgm:txEffectClrLst/>
+  </dgm:styleLbl>
+  <dgm:styleLbl name="dkBgShp">
+    <dgm:fillClrLst meth="repeat">
+      <a:schemeClr val="accent1">
+        <a:shade val="80000"/>
+      </a:schemeClr>
+    </dgm:fillClrLst>
+    <dgm:linClrLst meth="repeat">
+      <a:schemeClr val="accent1"/>
+    </dgm:linClrLst>
+    <dgm:effectClrLst/>
+    <dgm:txLinClrLst/>
+    <dgm:txFillClrLst meth="repeat">
+      <a:schemeClr val="lt1"/>
+    </dgm:txFillClrLst>
+    <dgm:txEffectClrLst/>
+  </dgm:styleLbl>
+  <dgm:styleLbl name="fgAcc0">
+    <dgm:fillClrLst meth="repeat">
+      <a:schemeClr val="lt1">
+        <a:alpha val="90000"/>
+      </a:schemeClr>
+    </dgm:fillClrLst>
+    <dgm:linClrLst meth="repeat">
+      <a:schemeClr val="accent1"/>
+    </dgm:linClrLst>
+    <dgm:effectClrLst/>
+    <dgm:txLinClrLst/>
+    <dgm:txFillClrLst meth="repeat">
+      <a:schemeClr val="dk1"/>
+    </dgm:txFillClrLst>
+    <dgm:txEffectClrLst/>
+  </dgm:styleLbl>
+  <dgm:styleLbl name="fgAcc1">
+    <dgm:fillClrLst meth="repeat">
+      <a:schemeClr val="lt1">
+        <a:alpha val="90000"/>
+      </a:schemeClr>
+    </dgm:fillClrLst>
+    <dgm:linClrLst meth="repeat">
+      <a:schemeClr val="accent1"/>
+    </dgm:linClrLst>
+    <dgm:effectClrLst/>
+    <dgm:txLinClrLst/>
+    <dgm:txFillClrLst meth="repeat">
+      <a:schemeClr val="dk1"/>
+    </dgm:txFillClrLst>
+    <dgm:txEffectClrLst/>
+  </dgm:styleLbl>
+  <dgm:styleLbl name="fgAcc2">
+    <dgm:fillClrLst meth="repeat">
+      <a:schemeClr val="lt1">
+        <a:alpha val="90000"/>
+      </a:schemeClr>
+    </dgm:fillClrLst>
+    <dgm:linClrLst meth="repeat">
+      <a:schemeClr val="accent1"/>
+    </dgm:linClrLst>
+    <dgm:effectClrLst/>
+    <dgm:txLinClrLst/>
+    <dgm:txFillClrLst meth="repeat">
+      <a:schemeClr val="dk1"/>
+    </dgm:txFillClrLst>
+    <dgm:txEffectClrLst/>
+  </dgm:styleLbl>
+  <dgm:styleLbl name="fgAcc3">
+    <dgm:fillClrLst meth="repeat">
+      <a:schemeClr val="lt1">
+        <a:alpha val="90000"/>
+      </a:schemeClr>
+    </dgm:fillClrLst>
+    <dgm:linClrLst meth="repeat">
+      <a:schemeClr val="accent1"/>
+    </dgm:linClrLst>
+    <dgm:effectClrLst/>
+    <dgm:txLinClrLst/>
+    <dgm:txFillClrLst meth="repeat">
+      <a:schemeClr val="dk1"/>
+    </dgm:txFillClrLst>
+    <dgm:txEffectClrLst/>
+  </dgm:styleLbl>
+  <dgm:styleLbl name="fgAcc4">
+    <dgm:fillClrLst meth="repeat">
+      <a:schemeClr val="lt1">
+        <a:alpha val="90000"/>
+      </a:schemeClr>
+    </dgm:fillClrLst>
+    <dgm:linClrLst meth="repeat">
+      <a:schemeClr val="accent1"/>
+    </dgm:linClrLst>
+    <dgm:effectClrLst/>
+    <dgm:txLinClrLst/>
+    <dgm:txFillClrLst meth="repeat">
+      <a:schemeClr val="dk1"/>
+    </dgm:txFillClrLst>
+    <dgm:txEffectClrLst/>
+  </dgm:styleLbl>
+  <dgm:styleLbl name="fgAccFollowNode1">
+    <dgm:fillClrLst meth="repeat">
+      <a:schemeClr val="accent1">
+        <a:alpha val="90000"/>
+        <a:tint val="40000"/>
+      </a:schemeClr>
+    </dgm:fillClrLst>
+    <dgm:linClrLst meth="repeat">
+      <a:schemeClr val="accent1">
+        <a:alpha val="90000"/>
+        <a:tint val="40000"/>
+      </a:schemeClr>
+    </dgm:linClrLst>
+    <dgm:effectClrLst/>
+    <dgm:txLinClrLst/>
+    <dgm:txFillClrLst meth="repeat">
+      <a:schemeClr val="dk1"/>
+    </dgm:txFillClrLst>
+    <dgm:txEffectClrLst/>
+  </dgm:styleLbl>
+  <dgm:styleLbl name="fgImgPlace1">
+    <dgm:fillClrLst meth="repeat">
+      <a:schemeClr val="accent1">
+        <a:tint val="50000"/>
+      </a:schemeClr>
+    </dgm:fillClrLst>
+    <dgm:linClrLst meth="repeat">
+      <a:schemeClr val="lt1"/>
+    </dgm:linClrLst>
+    <dgm:effectClrLst/>
+    <dgm:txLinClrLst/>
+    <dgm:txFillClrLst meth="repeat">
+      <a:schemeClr val="lt1"/>
+    </dgm:txFillClrLst>
+    <dgm:txEffectClrLst/>
+  </dgm:styleLbl>
+  <dgm:styleLbl name="fgShp">
+    <dgm:fillClrLst meth="repeat">
+      <a:schemeClr val="accent1">
+        <a:tint val="60000"/>
+      </a:schemeClr>
+    </dgm:fillClrLst>
+    <dgm:linClrLst meth="repeat">
+      <a:schemeClr val="lt1"/>
+    </dgm:linClrLst>
+    <dgm:effectClrLst/>
+    <dgm:txLinClrLst/>
+    <dgm:txFillClrLst meth="repeat">
+      <a:schemeClr val="dk1"/>
+    </dgm:txFillClrLst>
+    <dgm:txEffectClrLst/>
+  </dgm:styleLbl>
+  <dgm:styleLbl name="fgSibTrans2D1">
+    <dgm:fillClrLst meth="repeat">
+      <a:schemeClr val="accent1">
+        <a:tint val="60000"/>
+      </a:schemeClr>
+    </dgm:fillClrLst>
+    <dgm:linClrLst meth="repeat">
+      <a:schemeClr val="accent1">
+        <a:tint val="60000"/>
+      </a:schemeClr>
+    </dgm:linClrLst>
+    <dgm:effectClrLst/>
+    <dgm:txLinClrLst/>
+    <dgm:txFillClrLst/>
+    <dgm:txEffectClrLst/>
+  </dgm:styleLbl>
+  <dgm:styleLbl name="lnNode1">
+    <dgm:fillClrLst meth="repeat">
+      <a:schemeClr val="accent1"/>
+    </dgm:fillClrLst>
+    <dgm:linClrLst meth="repeat">
+      <a:schemeClr val="lt1"/>
+    </dgm:linClrLst>
+    <dgm:effectClrLst/>
+    <dgm:txLinClrLst/>
+    <dgm:txFillClrLst/>
+    <dgm:txEffectClrLst/>
+  </dgm:styleLbl>
+  <dgm:styleLbl name="node0">
+    <dgm:fillClrLst meth="repeat">
+      <a:schemeClr val="accent1"/>
+    </dgm:fillClrLst>
+    <dgm:linClrLst meth="repeat">
+      <a:schemeClr val="lt1"/>
+    </dgm:linClrLst>
+    <dgm:effectClrLst/>
+    <dgm:txLinClrLst/>
+    <dgm:txFillClrLst/>
+    <dgm:txEffectClrLst/>
+  </dgm:styleLbl>
+  <dgm:styleLbl name="node1">
+    <dgm:fillClrLst meth="repeat">
+      <a:schemeClr val="accent1"/>
+    </dgm:fillClrLst>
+    <dgm:linClrLst meth="repeat">
+      <a:schemeClr val="lt1"/>
+    </dgm:linClrLst>
+    <dgm:effectClrLst/>
+    <dgm:txLinClrLst/>
+    <dgm:txFillClrLst/>
+    <dgm:txEffectClrLst/>
+  </dgm:styleLbl>
+  <dgm:styleLbl name="node2">
+    <dgm:fillClrLst meth="repeat">
+      <a:schemeClr val="accent1"/>
+    </dgm:fillClrLst>
+    <dgm:linClrLst meth="repeat">
+      <a:schemeClr val="lt1"/>
+    </dgm:linClrLst>
+    <dgm:effectClrLst/>
+    <dgm:txLinClrLst/>
+    <dgm:txFillClrLst/>
+    <dgm:txEffectClrLst/>
+  </dgm:styleLbl>
+  <dgm:styleLbl name="node3">
+    <dgm:fillClrLst meth="repeat">
+      <a:schemeClr val="accent1"/>
+    </dgm:fillClrLst>
+    <dgm:linClrLst meth="repeat">
+      <a:schemeClr val="lt1"/>
+    </dgm:linClrLst>
+    <dgm:effectClrLst/>
+    <dgm:txLinClrLst/>
+    <dgm:txFillClrLst/>
+    <dgm:txEffectClrLst/>
+  </dgm:styleLbl>
+  <dgm:styleLbl name="node4">
+    <dgm:fillClrLst meth="repeat">
+      <a:schemeClr val="accent1"/>
+    </dgm:fillClrLst>
+    <dgm:linClrLst meth="repeat">
+      <a:schemeClr val="lt1"/>
+    </dgm:linClrLst>
+    <dgm:effectClrLst/>
+    <dgm:txLinClrLst/>
+    <dgm:txFillClrLst/>
+    <dgm:txEffectClrLst/>
+  </dgm:styleLbl>
+  <dgm:styleLbl name="parChTrans1D1">
+    <dgm:fillClrLst meth="repeat">
+      <a:schemeClr val="accent1"/>
+    </dgm:fillClrLst>
+    <dgm:linClrLst meth="repeat">
+      <a:schemeClr val="accent1">
+        <a:shade val="60000"/>
+      </a:schemeClr>
+    </dgm:linClrLst>
+    <dgm:effectClrLst/>
+    <dgm:txLinClrLst/>
+    <dgm:txFillClrLst meth="repeat">
+      <a:schemeClr val="tx1"/>
+    </dgm:txFillClrLst>
+    <dgm:txEffectClrLst/>
+  </dgm:styleLbl>
+  <dgm:styleLbl name="parChTrans1D2">
+    <dgm:fillClrLst meth="repeat">
+      <a:schemeClr val="accent1"/>
+    </dgm:fillClrLst>
+    <dgm:linClrLst meth="repeat">
+      <a:schemeClr val="accent1">
+        <a:shade val="60000"/>
+      </a:schemeClr>
+    </dgm:linClrLst>
+    <dgm:effectClrLst/>
+    <dgm:txLinClrLst/>
+    <dgm:txFillClrLst meth="repeat">
+      <a:schemeClr val="tx1"/>
+    </dgm:txFillClrLst>
+    <dgm:txEffectClrLst/>
+  </dgm:styleLbl>
+  <dgm:styleLbl name="parChTrans1D3">
+    <dgm:fillClrLst meth="repeat">
+      <a:schemeClr val="accent1"/>
+    </dgm:fillClrLst>
+    <dgm:linClrLst meth="repeat">
+      <a:schemeClr val="accent1">
+        <a:shade val="80000"/>
+      </a:schemeClr>
+    </dgm:linClrLst>
+    <dgm:effectClrLst/>
+    <dgm:txLinClrLst/>
+    <dgm:txFillClrLst meth="repeat">
+      <a:schemeClr val="tx1"/>
+    </dgm:txFillClrLst>
+    <dgm:txEffectClrLst/>
+  </dgm:styleLbl>
+  <dgm:styleLbl name="parChTrans1D4">
+    <dgm:fillClrLst meth="repeat">
+      <a:schemeClr val="accent1"/>
+    </dgm:fillClrLst>
+    <dgm:linClrLst meth="repeat">
+      <a:schemeClr val="accent1">
+        <a:shade val="80000"/>
+      </a:schemeClr>
+    </dgm:linClrLst>
+    <dgm:effectClrLst/>
+    <dgm:txLinClrLst/>
+    <dgm:txFillClrLst meth="repeat">
+      <a:schemeClr val="tx1"/>
+    </dgm:txFillClrLst>
+    <dgm:txEffectClrLst/>
+  </dgm:styleLbl>
+  <dgm:styleLbl name="parChTrans2D1">
+    <dgm:fillClrLst meth="repeat">
+      <a:schemeClr val="accent1">
+        <a:tint val="60000"/>
+      </a:schemeClr>
+    </dgm:fillClrLst>
+    <dgm:linClrLst meth="repeat">
+      <a:schemeClr val="accent1">
+        <a:tint val="60000"/>
+      </a:schemeClr>
+    </dgm:linClrLst>
+    <dgm:effectClrLst/>
+    <dgm:txLinClrLst/>
+    <dgm:txFillClrLst meth="repeat">
+      <a:schemeClr val="lt1"/>
+    </dgm:txFillClrLst>
+    <dgm:txEffectClrLst/>
+  </dgm:styleLbl>
+  <dgm:styleLbl name="parChTrans2D2">
+    <dgm:fillClrLst meth="repeat">
+      <a:schemeClr val="accent1"/>
+    </dgm:fillClrLst>
+    <dgm:linClrLst meth="repeat">
+      <a:schemeClr val="accent1"/>
+    </dgm:linClrLst>
+    <dgm:effectClrLst/>
+    <dgm:txLinClrLst/>
+    <dgm:txFillClrLst meth="repeat">
+      <a:schemeClr val="lt1"/>
+    </dgm:txFillClrLst>
+    <dgm:txEffectClrLst/>
+  </dgm:styleLbl>
+  <dgm:styleLbl name="parChTrans2D3">
+    <dgm:fillClrLst meth="repeat">
+      <a:schemeClr val="accent1"/>
+    </dgm:fillClrLst>
+    <dgm:linClrLst meth="repeat">
+      <a:schemeClr val="accent1"/>
+    </dgm:linClrLst>
+    <dgm:effectClrLst/>
+    <dgm:txLinClrLst/>
+    <dgm:txFillClrLst meth="repeat">
+      <a:schemeClr val="lt1"/>
+    </dgm:txFillClrLst>
+    <dgm:txEffectClrLst/>
+  </dgm:styleLbl>
+  <dgm:styleLbl name="parChTrans2D4">
+    <dgm:fillClrLst meth="repeat">
+      <a:schemeClr val="accent1"/>
+    </dgm:fillClrLst>
+    <dgm:linClrLst meth="repeat">
+      <a:schemeClr val="accent1"/>
+    </dgm:linClrLst>
+    <dgm:effectClrLst/>
+    <dgm:txLinClrLst/>
+    <dgm:txFillClrLst meth="repeat">
+      <a:schemeClr val="lt1"/>
+    </dgm:txFillClrLst>
+    <dgm:txEffectClrLst/>
+  </dgm:styleLbl>
+  <dgm:styleLbl name="revTx">
+    <dgm:fillClrLst meth="repeat">
+      <a:schemeClr val="lt1">
+        <a:alpha val="0"/>
+      </a:schemeClr>
+    </dgm:fillClrLst>
+    <dgm:linClrLst meth="repeat">
+      <a:schemeClr val="dk1">
+        <a:alpha val="0"/>
+      </a:schemeClr>
+    </dgm:linClrLst>
+    <dgm:effectClrLst/>
+    <dgm:txLinClrLst/>
+    <dgm:txFillClrLst meth="repeat">
+      <a:schemeClr val="tx1"/>
+    </dgm:txFillClrLst>
+    <dgm:txEffectClrLst/>
+  </dgm:styleLbl>
+  <dgm:styleLbl name="sibTrans1D1">
+    <dgm:fillClrLst meth="repeat">
+      <a:schemeClr val="accent1"/>
+    </dgm:fillClrLst>
+    <dgm:linClrLst meth="repeat">
+      <a:schemeClr val="accent1"/>
+    </dgm:linClrLst>
+    <dgm:effectClrLst/>
+    <dgm:txLinClrLst/>
+    <dgm:txFillClrLst meth="repeat">
+      <a:schemeClr val="tx1"/>
+    </dgm:txFillClrLst>
+    <dgm:txEffectClrLst/>
+  </dgm:styleLbl>
+  <dgm:styleLbl name="sibTrans2D1">
+    <dgm:fillClrLst meth="repeat">
+      <a:schemeClr val="accent1">
+        <a:tint val="60000"/>
+      </a:schemeClr>
+    </dgm:fillClrLst>
+    <dgm:linClrLst meth="repeat">
+      <a:schemeClr val="accent1">
+        <a:tint val="60000"/>
+      </a:schemeClr>
+    </dgm:linClrLst>
+    <dgm:effectClrLst/>
+    <dgm:txLinClrLst/>
+    <dgm:txFillClrLst/>
+    <dgm:txEffectClrLst/>
+  </dgm:styleLbl>
+  <dgm:styleLbl name="solidAlignAcc1">
+    <dgm:fillClrLst meth="repeat">
+      <a:schemeClr val="lt1"/>
+    </dgm:fillClrLst>
+    <dgm:linClrLst meth="repeat">
+      <a:schemeClr val="accent1"/>
+    </dgm:linClrLst>
+    <dgm:effectClrLst/>
+    <dgm:txLinClrLst/>
+    <dgm:txFillClrLst meth="repeat">
+      <a:schemeClr val="dk1"/>
+    </dgm:txFillClrLst>
+    <dgm:txEffectClrLst/>
+  </dgm:styleLbl>
+  <dgm:styleLbl name="solidBgAcc1">
+    <dgm:fillClrLst meth="repeat">
+      <a:schemeClr val="lt1"/>
+    </dgm:fillClrLst>
+    <dgm:linClrLst meth="repeat">
+      <a:schemeClr val="accent1"/>
+    </dgm:linClrLst>
+    <dgm:effectClrLst/>
+    <dgm:txLinClrLst/>
+    <dgm:txFillClrLst meth="repeat">
+      <a:schemeClr val="dk1"/>
+    </dgm:txFillClrLst>
+    <dgm:txEffectClrLst/>
+  </dgm:styleLbl>
+  <dgm:styleLbl name="solidFgAcc1">
+    <dgm:fillClrLst meth="repeat">
+      <a:schemeClr val="lt1"/>
+    </dgm:fillClrLst>
+    <dgm:linClrLst meth="repeat">
+      <a:schemeClr val="accent1"/>
+    </dgm:linClrLst>
+    <dgm:effectClrLst/>
+    <dgm:txLinClrLst/>
+    <dgm:txFillClrLst meth="repeat">
+      <a:schemeClr val="dk1"/>
+    </dgm:txFillClrLst>
+    <dgm:txEffectClrLst/>
+  </dgm:styleLbl>
+  <dgm:styleLbl name="trAlignAcc1">
+    <dgm:fillClrLst meth="repeat">
+      <a:schemeClr val="lt1">
+        <a:alpha val="40000"/>
+      </a:schemeClr>
+    </dgm:fillClrLst>
+    <dgm:linClrLst meth="repeat">
+      <a:schemeClr val="accent1"/>
+    </dgm:linClrLst>
+    <dgm:effectClrLst/>
+    <dgm:txLinClrLst/>
+    <dgm:txFillClrLst meth="repeat">
+      <a:schemeClr val="dk1"/>
+    </dgm:txFillClrLst>
+    <dgm:txEffectClrLst/>
+  </dgm:styleLbl>
+  <dgm:styleLbl name="trBgShp">
+    <dgm:fillClrLst meth="repeat">
+      <a:schemeClr val="accent1">
+        <a:tint val="50000"/>
+        <a:alpha val="40000"/>
+      </a:schemeClr>
+    </dgm:fillClrLst>
+    <dgm:linClrLst meth="repeat">
+      <a:schemeClr val="accent1"/>
+    </dgm:linClrLst>
+    <dgm:effectClrLst/>
+    <dgm:txLinClrLst/>
+    <dgm:txFillClrLst meth="repeat">
+      <a:schemeClr val="lt1"/>
+    </dgm:txFillClrLst>
+    <dgm:txEffectClrLst/>
+  </dgm:styleLbl>
+  <dgm:styleLbl name="vennNode1">
+    <dgm:fillClrLst meth="repeat">
+      <a:schemeClr val="accent1">
+        <a:alpha val="50000"/>
+      </a:schemeClr>
+    </dgm:fillClrLst>
+    <dgm:linClrLst meth="repeat">
+      <a:schemeClr val="lt1"/>
+    </dgm:linClrLst>
+    <dgm:effectClrLst/>
+    <dgm:txLinClrLst/>
+    <dgm:txFillClrLst/>
+    <dgm:txEffectClrLst/>
+  </dgm:styleLbl>
+</dgm:colorsDef>
+</file>
+
+<file path=ppt/diagrams/colors3.xml><?xml version="1.0" encoding="utf-8"?>
 <dgm:colorsDef xmlns:dgm="http://schemas.openxmlformats.org/drawingml/2006/diagram" xmlns:a="http://schemas.openxmlformats.org/drawingml/2006/main" uniqueId="urn:microsoft.com/office/officeart/2005/8/colors/accent1_2">
   <dgm:title val=""/>
   <dgm:desc val=""/>
@@ -2275,10 +3023,10 @@
             </a:spcAft>
           </a:pPr>
           <a:r>
-            <a:rPr lang="" altLang="en-US"/>
+            <a:rPr lang="en-US" altLang="en-US"/>
             <a:t>Solusi:</a:t>
           </a:r>
-          <a:endParaRPr lang="" altLang="en-US"/>
+          <a:endParaRPr lang="en-US" altLang="en-US"/>
         </a:p>
         <a:p>
           <a:pPr>
@@ -2293,10 +3041,10 @@
             </a:spcAft>
           </a:pPr>
           <a:r>
-            <a:rPr lang="" altLang="en-US"/>
+            <a:rPr lang="en-US" altLang="en-US"/>
             <a:t>Pendidikan berbasis agama</a:t>
           </a:r>
-          <a:endParaRPr lang="" altLang="en-US"/>
+          <a:endParaRPr lang="en-US" altLang="en-US"/>
         </a:p>
       </dgm:t>
     </dgm:pt>
@@ -2326,7 +3074,7 @@
             </a:spcAft>
           </a:pPr>
           <a:r>
-            <a:rPr lang="" altLang="en-US"/>
+            <a:rPr lang="en-US" altLang="en-US"/>
             <a:t>P</a:t>
           </a:r>
           <a:r>
@@ -2381,7 +3129,7 @@
             </a:spcAft>
           </a:pPr>
           <a:r>
-            <a:rPr lang="" altLang="en-US"/>
+            <a:rPr lang="en-US" altLang="en-US"/>
             <a:t>- </a:t>
           </a:r>
           <a:r>
@@ -2403,7 +3151,7 @@
             </a:spcAft>
           </a:pPr>
           <a:r>
-            <a:rPr lang="" altLang="en-US"/>
+            <a:rPr lang="en-US" altLang="en-US"/>
             <a:t>- </a:t>
           </a:r>
           <a:r>
@@ -2425,7 +3173,7 @@
             </a:spcAft>
           </a:pPr>
           <a:r>
-            <a:rPr lang="" altLang="en-US"/>
+            <a:rPr lang="en-US" altLang="en-US"/>
             <a:t>- </a:t>
           </a:r>
           <a:r>
@@ -2480,7 +3228,7 @@
             </a:spcAft>
           </a:pPr>
           <a:r>
-            <a:rPr lang=""/>
+            <a:rPr lang="en-US"/>
             <a:t>B</a:t>
           </a:r>
           <a:r>
@@ -2517,7 +3265,7 @@
             </a:spcAft>
           </a:pPr>
           <a:r>
-            <a:rPr lang=""/>
+            <a:rPr lang="en-US"/>
             <a:t>M</a:t>
           </a:r>
           <a:r>
@@ -2641,6 +3389,311 @@
     <dgm:cxn modelId="{C04FA7AA-F596-46E3-8548-97163B803423}" type="presParOf" srcId="{0F6D18A2-2627-4E1C-9C89-C7A3808E2745}" destId="{D4E82E48-8B3A-41EA-9615-269CC4F2E0A6}" srcOrd="8" destOrd="1" presId="urn:microsoft.com/office/officeart/2005/8/layout/arrow2"/>
     <dgm:cxn modelId="{25762E55-AD9B-4865-A18E-A45D8CFBA2EB}" type="presParOf" srcId="{0F6D18A2-2627-4E1C-9C89-C7A3808E2745}" destId="{3FEBAAEF-9A32-4FFB-BF00-1C450BA062EA}" srcOrd="9" destOrd="1" presId="urn:microsoft.com/office/officeart/2005/8/layout/arrow2"/>
     <dgm:cxn modelId="{565AD1DB-799E-44D1-B493-4422AFEEF6F9}" type="presOf" srcId="{45BEB973-4E3A-4392-B9B3-69325184A02F}" destId="{3FEBAAEF-9A32-4FFB-BF00-1C450BA062EA}" srcOrd="0" destOrd="0" presId="urn:microsoft.com/office/officeart/2005/8/layout/arrow2"/>
+  </dgm:cxnLst>
+  <dgm:bg/>
+  <dgm:whole/>
+  <dgm:extLst>
+    <a:ext uri="http://schemas.microsoft.com/office/drawing/2008/diagram">
+      <dsp:dataModelExt xmlns:dsp="http://schemas.microsoft.com/office/drawing/2008/diagram" relId="rId5" minVer="http://schemas.openxmlformats.org/drawingml/2006/diagram"/>
+    </a:ext>
+  </dgm:extLst>
+</dgm:dataModel>
+</file>
+
+<file path=ppt/diagrams/data3.xml><?xml version="1.0" encoding="utf-8"?>
+<dgm:dataModel xmlns:dgm="http://schemas.openxmlformats.org/drawingml/2006/diagram" xmlns:a="http://schemas.openxmlformats.org/drawingml/2006/main">
+  <dgm:ptLst>
+    <dgm:pt modelId="{F52A2853-DFFF-408A-936E-AF71DDC2CAF7}" type="doc">
+      <dgm:prSet loTypeId="process" loCatId="process" qsTypeId="urn:microsoft.com/office/officeart/2005/8/quickstyle/simple1" qsCatId="simple" csTypeId="urn:microsoft.com/office/officeart/2005/8/colors/accent1_2" csCatId="accent1" phldr="0"/>
+      <dgm:spPr/>
+    </dgm:pt>
+    <dgm:pt modelId="{4B5109E4-B12C-4F9A-B64F-082FF2197613}">
+      <dgm:prSet phldrT="[Text]" phldr="0" custT="0"/>
+      <dgm:spPr/>
+      <dgm:t>
+        <a:bodyPr vert="horz" wrap="square"/>
+        <a:p>
+          <a:pPr>
+            <a:lnSpc>
+              <a:spcPct val="100000"/>
+            </a:lnSpc>
+            <a:spcBef>
+              <a:spcPct val="0"/>
+            </a:spcBef>
+            <a:spcAft>
+              <a:spcPct val="35000"/>
+            </a:spcAft>
+          </a:pPr>
+          <a:r>
+            <a:rPr lang="" altLang="en-US"/>
+            <a:t>Belajar ilmu agama</a:t>
+          </a:r>
+          <a:r>
+            <a:rPr lang="" altLang="en-US"/>
+            <a:t/>
+          </a:r>
+          <a:endParaRPr lang="" altLang="en-US"/>
+        </a:p>
+      </dgm:t>
+    </dgm:pt>
+    <dgm:pt modelId="{0AE973E6-98F4-4806-A38D-B6129F35AADF}" cxnId="{018A5FF1-F391-4A49-B806-EC2CF1124CCE}" type="parTrans">
+      <dgm:prSet/>
+      <dgm:spPr/>
+    </dgm:pt>
+    <dgm:pt modelId="{1E542688-DEE5-450C-829F-3CDC8903312A}" cxnId="{018A5FF1-F391-4A49-B806-EC2CF1124CCE}" type="sibTrans">
+      <dgm:prSet/>
+      <dgm:spPr/>
+    </dgm:pt>
+    <dgm:pt modelId="{FE72A570-C5C0-4448-B42E-284549BD7E68}">
+      <dgm:prSet phldrT="[Text]" phldr="0" custT="0"/>
+      <dgm:spPr/>
+      <dgm:t>
+        <a:bodyPr vert="horz" wrap="square"/>
+        <a:p>
+          <a:pPr>
+            <a:lnSpc>
+              <a:spcPct val="100000"/>
+            </a:lnSpc>
+            <a:spcBef>
+              <a:spcPct val="0"/>
+            </a:spcBef>
+            <a:spcAft>
+              <a:spcPct val="35000"/>
+            </a:spcAft>
+          </a:pPr>
+          <a:r>
+            <a:rPr lang="" altLang="en-US"/>
+            <a:t>Belajar dari sumbernya: Kalam Allah (Alquran)</a:t>
+          </a:r>
+          <a:r>
+            <a:rPr lang="" altLang="en-US"/>
+            <a:t/>
+          </a:r>
+          <a:endParaRPr lang="" altLang="en-US"/>
+        </a:p>
+      </dgm:t>
+    </dgm:pt>
+    <dgm:pt modelId="{7282BBF6-8247-459F-9252-059E2607443E}" cxnId="{14E2BED6-A85F-45DA-B606-FA7072A5815A}" type="parTrans">
+      <dgm:prSet/>
+      <dgm:spPr/>
+    </dgm:pt>
+    <dgm:pt modelId="{2D17BC64-4211-4F4A-9248-B9A78E6C0AA4}" cxnId="{14E2BED6-A85F-45DA-B606-FA7072A5815A}" type="sibTrans">
+      <dgm:prSet/>
+      <dgm:spPr/>
+    </dgm:pt>
+    <dgm:pt modelId="{69718E4D-5A74-42F0-B30B-F7F5404446D7}">
+      <dgm:prSet phldrT="[Text]" phldr="0" custT="0"/>
+      <dgm:spPr/>
+      <dgm:t>
+        <a:bodyPr vert="horz" wrap="square"/>
+        <a:p>
+          <a:pPr>
+            <a:lnSpc>
+              <a:spcPct val="100000"/>
+            </a:lnSpc>
+            <a:spcBef>
+              <a:spcPct val="0"/>
+            </a:spcBef>
+            <a:spcAft>
+              <a:spcPct val="35000"/>
+            </a:spcAft>
+          </a:pPr>
+          <a:r>
+            <a:rPr lang="" altLang="en-US"/>
+            <a:t>Memahami Alquran: Menghafalkannya</a:t>
+          </a:r>
+          <a:endParaRPr lang="" altLang="en-US"/>
+        </a:p>
+      </dgm:t>
+    </dgm:pt>
+    <dgm:pt modelId="{EA078EC6-A517-47F8-8162-162E781CA3D1}" cxnId="{1FC39B35-DF66-41DF-BBC2-F0D0B0770F81}" type="parTrans">
+      <dgm:prSet/>
+      <dgm:spPr/>
+    </dgm:pt>
+    <dgm:pt modelId="{FB83D7D8-2B2E-4E5B-9427-37504A185F84}" cxnId="{1FC39B35-DF66-41DF-BBC2-F0D0B0770F81}" type="sibTrans">
+      <dgm:prSet/>
+      <dgm:spPr/>
+    </dgm:pt>
+    <dgm:pt modelId="{43774119-1000-4051-8F71-E56675B7A746}">
+      <dgm:prSet phldr="0" custT="0"/>
+      <dgm:spPr/>
+      <dgm:t>
+        <a:bodyPr vert="horz" wrap="square"/>
+        <a:p>
+          <a:pPr>
+            <a:lnSpc>
+              <a:spcPct val="100000"/>
+            </a:lnSpc>
+            <a:spcBef>
+              <a:spcPct val="0"/>
+            </a:spcBef>
+            <a:spcAft>
+              <a:spcPct val="35000"/>
+            </a:spcAft>
+          </a:pPr>
+          <a:r>
+            <a:rPr lang="">
+              <a:sym typeface="+mn-ea"/>
+            </a:rPr>
+            <a:t>SMA Tahfidz Al-Izzah Samarinda</a:t>
+          </a:r>
+          <a:r>
+            <a:rPr lang=""/>
+            <a:t/>
+          </a:r>
+          <a:endParaRPr lang=""/>
+        </a:p>
+      </dgm:t>
+    </dgm:pt>
+    <dgm:pt modelId="{9E3936DC-8475-4CAB-851C-17C3535526AC}" cxnId="{462D3280-A618-4D10-B97C-99946482CF17}" type="parTrans">
+      <dgm:prSet/>
+      <dgm:spPr/>
+    </dgm:pt>
+    <dgm:pt modelId="{C6E8BDA2-A05C-4CD2-B3AD-4BA5439FC928}" cxnId="{462D3280-A618-4D10-B97C-99946482CF17}" type="sibTrans">
+      <dgm:prSet/>
+      <dgm:spPr/>
+    </dgm:pt>
+    <dgm:pt modelId="{34E19B8F-6B03-4E20-94D5-CDD1ED2E1978}" type="pres">
+      <dgm:prSet presAssocID="{F52A2853-DFFF-408A-936E-AF71DDC2CAF7}" presName="Name0" presStyleCnt="0">
+        <dgm:presLayoutVars>
+          <dgm:dir/>
+          <dgm:resizeHandles val="exact"/>
+        </dgm:presLayoutVars>
+      </dgm:prSet>
+      <dgm:spPr/>
+    </dgm:pt>
+    <dgm:pt modelId="{AC321633-D89E-4516-BDB4-7EB14EDB36DB}" type="pres">
+      <dgm:prSet presAssocID="{F52A2853-DFFF-408A-936E-AF71DDC2CAF7}" presName="arrow" presStyleLbl="bgShp" presStyleIdx="0" presStyleCnt="1"/>
+      <dgm:spPr/>
+    </dgm:pt>
+    <dgm:pt modelId="{69FE3A6F-C0A1-475B-ADA9-9A8E8FDB47BD}" type="pres">
+      <dgm:prSet presAssocID="{F52A2853-DFFF-408A-936E-AF71DDC2CAF7}" presName="points" presStyleCnt="0"/>
+      <dgm:spPr/>
+    </dgm:pt>
+    <dgm:pt modelId="{E3DAA2AA-1D0F-4B12-BDA5-B6B4969FC62C}" type="pres">
+      <dgm:prSet presAssocID="{4B5109E4-B12C-4F9A-B64F-082FF2197613}" presName="compositeA" presStyleCnt="0"/>
+      <dgm:spPr/>
+    </dgm:pt>
+    <dgm:pt modelId="{4EBE0530-6232-44AC-B3C5-652A471F1A28}" type="pres">
+      <dgm:prSet presAssocID="{4B5109E4-B12C-4F9A-B64F-082FF2197613}" presName="textA" presStyleLbl="revTx" presStyleIdx="0" presStyleCnt="4">
+        <dgm:presLayoutVars>
+          <dgm:bulletEnabled val="1"/>
+        </dgm:presLayoutVars>
+      </dgm:prSet>
+      <dgm:spPr/>
+    </dgm:pt>
+    <dgm:pt modelId="{CE769C6B-1770-4C3B-B742-2AEEB8897CD1}" type="pres">
+      <dgm:prSet presAssocID="{4B5109E4-B12C-4F9A-B64F-082FF2197613}" presName="circleA" presStyleLbl="node1" presStyleIdx="0" presStyleCnt="4"/>
+      <dgm:spPr/>
+    </dgm:pt>
+    <dgm:pt modelId="{8794C922-7BB7-4C0B-9040-2994C09DEA6D}" type="pres">
+      <dgm:prSet presAssocID="{4B5109E4-B12C-4F9A-B64F-082FF2197613}" presName="spaceA" presStyleCnt="0"/>
+      <dgm:spPr/>
+    </dgm:pt>
+    <dgm:pt modelId="{0B34AA85-25A5-40CF-AED2-FEA95D621913}" type="pres">
+      <dgm:prSet presAssocID="{1E542688-DEE5-450C-829F-3CDC8903312A}" presName="space" presStyleCnt="0"/>
+      <dgm:spPr/>
+    </dgm:pt>
+    <dgm:pt modelId="{87B53B51-689D-4B00-AC5D-DB5440A37CAF}" type="pres">
+      <dgm:prSet presAssocID="{FE72A570-C5C0-4448-B42E-284549BD7E68}" presName="compositeB" presStyleCnt="0"/>
+      <dgm:spPr/>
+    </dgm:pt>
+    <dgm:pt modelId="{DCB3995A-96F1-4DD9-A9EC-7A19434570E4}" type="pres">
+      <dgm:prSet presAssocID="{FE72A570-C5C0-4448-B42E-284549BD7E68}" presName="textB" presStyleLbl="revTx" presStyleIdx="1" presStyleCnt="4">
+        <dgm:presLayoutVars>
+          <dgm:bulletEnabled val="1"/>
+        </dgm:presLayoutVars>
+      </dgm:prSet>
+      <dgm:spPr/>
+    </dgm:pt>
+    <dgm:pt modelId="{A96AB0F2-7BAD-471A-97CA-80609AB01A16}" type="pres">
+      <dgm:prSet presAssocID="{FE72A570-C5C0-4448-B42E-284549BD7E68}" presName="circleB" presStyleLbl="node1" presStyleIdx="1" presStyleCnt="4"/>
+      <dgm:spPr/>
+    </dgm:pt>
+    <dgm:pt modelId="{F91B7F86-28A0-46C6-A092-47898C8E7E6A}" type="pres">
+      <dgm:prSet presAssocID="{FE72A570-C5C0-4448-B42E-284549BD7E68}" presName="spaceB" presStyleCnt="0"/>
+      <dgm:spPr/>
+    </dgm:pt>
+    <dgm:pt modelId="{2D91D3D6-0EB9-4E66-A48C-08E3E08342B8}" type="pres">
+      <dgm:prSet presAssocID="{2D17BC64-4211-4F4A-9248-B9A78E6C0AA4}" presName="space" presStyleCnt="0"/>
+      <dgm:spPr/>
+    </dgm:pt>
+    <dgm:pt modelId="{868B0C4D-3E61-46A2-B387-7ACDC0658899}" type="pres">
+      <dgm:prSet presAssocID="{69718E4D-5A74-42F0-B30B-F7F5404446D7}" presName="compositeA" presStyleCnt="0"/>
+      <dgm:spPr/>
+    </dgm:pt>
+    <dgm:pt modelId="{5C3AE9ED-FE80-46C0-BCF6-4DBA5FD0ACD5}" type="pres">
+      <dgm:prSet presAssocID="{69718E4D-5A74-42F0-B30B-F7F5404446D7}" presName="textA" presStyleLbl="revTx" presStyleIdx="2" presStyleCnt="4">
+        <dgm:presLayoutVars>
+          <dgm:bulletEnabled val="1"/>
+        </dgm:presLayoutVars>
+      </dgm:prSet>
+      <dgm:spPr/>
+    </dgm:pt>
+    <dgm:pt modelId="{87AA3E51-1084-48AD-AD53-6F744742938C}" type="pres">
+      <dgm:prSet presAssocID="{69718E4D-5A74-42F0-B30B-F7F5404446D7}" presName="circleA" presStyleLbl="node1" presStyleIdx="2" presStyleCnt="4"/>
+      <dgm:spPr/>
+    </dgm:pt>
+    <dgm:pt modelId="{3DA4705D-35AF-4434-BC2D-A783C39144DE}" type="pres">
+      <dgm:prSet presAssocID="{69718E4D-5A74-42F0-B30B-F7F5404446D7}" presName="spaceA" presStyleCnt="0"/>
+      <dgm:spPr/>
+    </dgm:pt>
+    <dgm:pt modelId="{A994B30C-84AD-417E-A108-FA41AB6F3710}" type="pres">
+      <dgm:prSet presAssocID="{FB83D7D8-2B2E-4E5B-9427-37504A185F84}" presName="space" presStyleCnt="0"/>
+      <dgm:spPr/>
+    </dgm:pt>
+    <dgm:pt modelId="{E79CBF0D-EC41-4D37-883F-32BCEB16375A}" type="pres">
+      <dgm:prSet presAssocID="{43774119-1000-4051-8F71-E56675B7A746}" presName="compositeB" presStyleCnt="0"/>
+      <dgm:spPr/>
+    </dgm:pt>
+    <dgm:pt modelId="{2658A9EB-79B8-4F0E-8951-129CF1851865}" type="pres">
+      <dgm:prSet presAssocID="{43774119-1000-4051-8F71-E56675B7A746}" presName="textB" presStyleLbl="revTx" presStyleIdx="3" presStyleCnt="4">
+        <dgm:presLayoutVars>
+          <dgm:bulletEnabled val="1"/>
+        </dgm:presLayoutVars>
+      </dgm:prSet>
+      <dgm:spPr/>
+    </dgm:pt>
+    <dgm:pt modelId="{39548634-B30C-4912-AD65-5E8BC2AC9B0F}" type="pres">
+      <dgm:prSet presAssocID="{43774119-1000-4051-8F71-E56675B7A746}" presName="circleB" presStyleLbl="node1" presStyleIdx="3" presStyleCnt="4"/>
+      <dgm:spPr/>
+    </dgm:pt>
+    <dgm:pt modelId="{FC4DBA32-FB7A-48FF-B6A8-B67864C706D8}" type="pres">
+      <dgm:prSet presAssocID="{43774119-1000-4051-8F71-E56675B7A746}" presName="spaceB" presStyleCnt="0"/>
+      <dgm:spPr/>
+    </dgm:pt>
+  </dgm:ptLst>
+  <dgm:cxnLst>
+    <dgm:cxn modelId="{018A5FF1-F391-4A49-B806-EC2CF1124CCE}" srcId="{F52A2853-DFFF-408A-936E-AF71DDC2CAF7}" destId="{4B5109E4-B12C-4F9A-B64F-082FF2197613}" srcOrd="0" destOrd="0" parTransId="{0AE973E6-98F4-4806-A38D-B6129F35AADF}" sibTransId="{1E542688-DEE5-450C-829F-3CDC8903312A}"/>
+    <dgm:cxn modelId="{14E2BED6-A85F-45DA-B606-FA7072A5815A}" srcId="{F52A2853-DFFF-408A-936E-AF71DDC2CAF7}" destId="{FE72A570-C5C0-4448-B42E-284549BD7E68}" srcOrd="1" destOrd="0" parTransId="{7282BBF6-8247-459F-9252-059E2607443E}" sibTransId="{2D17BC64-4211-4F4A-9248-B9A78E6C0AA4}"/>
+    <dgm:cxn modelId="{1FC39B35-DF66-41DF-BBC2-F0D0B0770F81}" srcId="{F52A2853-DFFF-408A-936E-AF71DDC2CAF7}" destId="{69718E4D-5A74-42F0-B30B-F7F5404446D7}" srcOrd="2" destOrd="0" parTransId="{EA078EC6-A517-47F8-8162-162E781CA3D1}" sibTransId="{FB83D7D8-2B2E-4E5B-9427-37504A185F84}"/>
+    <dgm:cxn modelId="{462D3280-A618-4D10-B97C-99946482CF17}" srcId="{F52A2853-DFFF-408A-936E-AF71DDC2CAF7}" destId="{43774119-1000-4051-8F71-E56675B7A746}" srcOrd="3" destOrd="0" parTransId="{9E3936DC-8475-4CAB-851C-17C3535526AC}" sibTransId="{C6E8BDA2-A05C-4CD2-B3AD-4BA5439FC928}"/>
+    <dgm:cxn modelId="{C906F145-EC35-44EC-936F-7A088871F35C}" type="presOf" srcId="{F52A2853-DFFF-408A-936E-AF71DDC2CAF7}" destId="{34E19B8F-6B03-4E20-94D5-CDD1ED2E1978}" srcOrd="0" destOrd="0" presId="urn:microsoft.com/office/officeart/2005/8/layout/hProcess11"/>
+    <dgm:cxn modelId="{721D6715-17AA-4D52-BB1A-C22D7EDD914D}" type="presParOf" srcId="{34E19B8F-6B03-4E20-94D5-CDD1ED2E1978}" destId="{AC321633-D89E-4516-BDB4-7EB14EDB36DB}" srcOrd="0" destOrd="0" presId="urn:microsoft.com/office/officeart/2005/8/layout/hProcess11"/>
+    <dgm:cxn modelId="{0FB17630-4833-4D7F-AEB6-7BFE4FCB615A}" type="presParOf" srcId="{34E19B8F-6B03-4E20-94D5-CDD1ED2E1978}" destId="{69FE3A6F-C0A1-475B-ADA9-9A8E8FDB47BD}" srcOrd="1" destOrd="0" presId="urn:microsoft.com/office/officeart/2005/8/layout/hProcess11"/>
+    <dgm:cxn modelId="{B4476E25-F33A-4578-AF69-CA7B26668729}" type="presParOf" srcId="{69FE3A6F-C0A1-475B-ADA9-9A8E8FDB47BD}" destId="{E3DAA2AA-1D0F-4B12-BDA5-B6B4969FC62C}" srcOrd="0" destOrd="1" presId="urn:microsoft.com/office/officeart/2005/8/layout/hProcess11"/>
+    <dgm:cxn modelId="{CDA933FC-46B0-4B0C-BC1D-7DDE08D89149}" type="presParOf" srcId="{E3DAA2AA-1D0F-4B12-BDA5-B6B4969FC62C}" destId="{4EBE0530-6232-44AC-B3C5-652A471F1A28}" srcOrd="0" destOrd="0" presId="urn:microsoft.com/office/officeart/2005/8/layout/hProcess11"/>
+    <dgm:cxn modelId="{E9BD4A82-F246-4FF9-91B4-72513203E967}" type="presOf" srcId="{4B5109E4-B12C-4F9A-B64F-082FF2197613}" destId="{4EBE0530-6232-44AC-B3C5-652A471F1A28}" srcOrd="0" destOrd="0" presId="urn:microsoft.com/office/officeart/2005/8/layout/hProcess11"/>
+    <dgm:cxn modelId="{D58C9C83-36AA-489B-8073-BAC44DFCB94D}" type="presParOf" srcId="{E3DAA2AA-1D0F-4B12-BDA5-B6B4969FC62C}" destId="{CE769C6B-1770-4C3B-B742-2AEEB8897CD1}" srcOrd="1" destOrd="0" presId="urn:microsoft.com/office/officeart/2005/8/layout/hProcess11"/>
+    <dgm:cxn modelId="{8C1D1F47-FA55-4CC4-912C-B35651CE4494}" type="presParOf" srcId="{E3DAA2AA-1D0F-4B12-BDA5-B6B4969FC62C}" destId="{8794C922-7BB7-4C0B-9040-2994C09DEA6D}" srcOrd="2" destOrd="0" presId="urn:microsoft.com/office/officeart/2005/8/layout/hProcess11"/>
+    <dgm:cxn modelId="{BC90F888-CD7B-4F59-B7AC-5B081B526B22}" type="presParOf" srcId="{69FE3A6F-C0A1-475B-ADA9-9A8E8FDB47BD}" destId="{0B34AA85-25A5-40CF-AED2-FEA95D621913}" srcOrd="1" destOrd="1" presId="urn:microsoft.com/office/officeart/2005/8/layout/hProcess11"/>
+    <dgm:cxn modelId="{C0112E3A-C4E3-4E33-A91B-CA06DAF96453}" type="presParOf" srcId="{69FE3A6F-C0A1-475B-ADA9-9A8E8FDB47BD}" destId="{87B53B51-689D-4B00-AC5D-DB5440A37CAF}" srcOrd="2" destOrd="1" presId="urn:microsoft.com/office/officeart/2005/8/layout/hProcess11"/>
+    <dgm:cxn modelId="{6B312BA9-B134-4C4E-84C6-C01AB0D4693F}" type="presParOf" srcId="{87B53B51-689D-4B00-AC5D-DB5440A37CAF}" destId="{DCB3995A-96F1-4DD9-A9EC-7A19434570E4}" srcOrd="0" destOrd="2" presId="urn:microsoft.com/office/officeart/2005/8/layout/hProcess11"/>
+    <dgm:cxn modelId="{9803A647-49D2-4491-A205-5F7D1F42BF54}" type="presOf" srcId="{FE72A570-C5C0-4448-B42E-284549BD7E68}" destId="{DCB3995A-96F1-4DD9-A9EC-7A19434570E4}" srcOrd="0" destOrd="0" presId="urn:microsoft.com/office/officeart/2005/8/layout/hProcess11"/>
+    <dgm:cxn modelId="{C6B985B2-DA8B-4480-A44A-F2DC72BB09DC}" type="presParOf" srcId="{87B53B51-689D-4B00-AC5D-DB5440A37CAF}" destId="{A96AB0F2-7BAD-471A-97CA-80609AB01A16}" srcOrd="1" destOrd="2" presId="urn:microsoft.com/office/officeart/2005/8/layout/hProcess11"/>
+    <dgm:cxn modelId="{1DC4ABAB-6D3C-45F2-B838-3EAC00CFB1E9}" type="presParOf" srcId="{87B53B51-689D-4B00-AC5D-DB5440A37CAF}" destId="{F91B7F86-28A0-46C6-A092-47898C8E7E6A}" srcOrd="2" destOrd="2" presId="urn:microsoft.com/office/officeart/2005/8/layout/hProcess11"/>
+    <dgm:cxn modelId="{576DBAAC-E170-4E8A-9903-192275A9001D}" type="presParOf" srcId="{69FE3A6F-C0A1-475B-ADA9-9A8E8FDB47BD}" destId="{2D91D3D6-0EB9-4E66-A48C-08E3E08342B8}" srcOrd="3" destOrd="1" presId="urn:microsoft.com/office/officeart/2005/8/layout/hProcess11"/>
+    <dgm:cxn modelId="{F4446C18-DC29-4D52-9F98-0181375E76B6}" type="presParOf" srcId="{69FE3A6F-C0A1-475B-ADA9-9A8E8FDB47BD}" destId="{868B0C4D-3E61-46A2-B387-7ACDC0658899}" srcOrd="4" destOrd="1" presId="urn:microsoft.com/office/officeart/2005/8/layout/hProcess11"/>
+    <dgm:cxn modelId="{A2D321D4-785B-4C15-BEF5-4231EBE18280}" type="presParOf" srcId="{868B0C4D-3E61-46A2-B387-7ACDC0658899}" destId="{5C3AE9ED-FE80-46C0-BCF6-4DBA5FD0ACD5}" srcOrd="0" destOrd="4" presId="urn:microsoft.com/office/officeart/2005/8/layout/hProcess11"/>
+    <dgm:cxn modelId="{CF01C100-23F1-4CAB-9FD5-39AB2232B4A5}" type="presOf" srcId="{69718E4D-5A74-42F0-B30B-F7F5404446D7}" destId="{5C3AE9ED-FE80-46C0-BCF6-4DBA5FD0ACD5}" srcOrd="0" destOrd="0" presId="urn:microsoft.com/office/officeart/2005/8/layout/hProcess11"/>
+    <dgm:cxn modelId="{BA0F0731-181B-4AAA-9B21-B9F5CAB27899}" type="presParOf" srcId="{868B0C4D-3E61-46A2-B387-7ACDC0658899}" destId="{87AA3E51-1084-48AD-AD53-6F744742938C}" srcOrd="1" destOrd="4" presId="urn:microsoft.com/office/officeart/2005/8/layout/hProcess11"/>
+    <dgm:cxn modelId="{B6ABBC28-5851-4695-AD50-0CB9D5D1479C}" type="presParOf" srcId="{868B0C4D-3E61-46A2-B387-7ACDC0658899}" destId="{3DA4705D-35AF-4434-BC2D-A783C39144DE}" srcOrd="2" destOrd="4" presId="urn:microsoft.com/office/officeart/2005/8/layout/hProcess11"/>
+    <dgm:cxn modelId="{30EE8772-7833-41B0-9BA2-A00E0B6E8E95}" type="presParOf" srcId="{69FE3A6F-C0A1-475B-ADA9-9A8E8FDB47BD}" destId="{A994B30C-84AD-417E-A108-FA41AB6F3710}" srcOrd="5" destOrd="1" presId="urn:microsoft.com/office/officeart/2005/8/layout/hProcess11"/>
+    <dgm:cxn modelId="{197E7327-4DFB-42CB-AD2E-229B3BF5C7CE}" type="presParOf" srcId="{69FE3A6F-C0A1-475B-ADA9-9A8E8FDB47BD}" destId="{E79CBF0D-EC41-4D37-883F-32BCEB16375A}" srcOrd="6" destOrd="1" presId="urn:microsoft.com/office/officeart/2005/8/layout/hProcess11"/>
+    <dgm:cxn modelId="{EE764479-7B85-4B3F-B169-C7311A49D888}" type="presParOf" srcId="{E79CBF0D-EC41-4D37-883F-32BCEB16375A}" destId="{2658A9EB-79B8-4F0E-8951-129CF1851865}" srcOrd="0" destOrd="6" presId="urn:microsoft.com/office/officeart/2005/8/layout/hProcess11"/>
+    <dgm:cxn modelId="{DAB18657-430F-4725-86F9-C08478C8D4DA}" type="presOf" srcId="{43774119-1000-4051-8F71-E56675B7A746}" destId="{2658A9EB-79B8-4F0E-8951-129CF1851865}" srcOrd="0" destOrd="0" presId="urn:microsoft.com/office/officeart/2005/8/layout/hProcess11"/>
+    <dgm:cxn modelId="{FA33CDA0-CA2F-41BE-A97E-67589C1502A1}" type="presParOf" srcId="{E79CBF0D-EC41-4D37-883F-32BCEB16375A}" destId="{39548634-B30C-4912-AD65-5E8BC2AC9B0F}" srcOrd="1" destOrd="6" presId="urn:microsoft.com/office/officeart/2005/8/layout/hProcess11"/>
+    <dgm:cxn modelId="{780F5433-6935-42C2-A8F9-A1F0FB5F5E86}" type="presParOf" srcId="{E79CBF0D-EC41-4D37-883F-32BCEB16375A}" destId="{FC4DBA32-FB7A-48FF-B6A8-B67864C706D8}" srcOrd="2" destOrd="6" presId="urn:microsoft.com/office/officeart/2005/8/layout/hProcess11"/>
   </dgm:cxnLst>
   <dgm:bg/>
   <dgm:whole/>
@@ -4310,6 +5363,564 @@
       <dsp:txXfrm>
         <a:off x="6502400" y="1510348"/>
         <a:ext cx="1625600" cy="3738880"/>
+      </dsp:txXfrm>
+    </dsp:sp>
+  </dsp:spTree>
+</dsp:drawing>
+</file>
+
+<file path=ppt/diagrams/drawing3.xml><?xml version="1.0" encoding="utf-8"?>
+<dsp:drawing xmlns:dgm="http://schemas.openxmlformats.org/drawingml/2006/diagram" xmlns:dsp="http://schemas.microsoft.com/office/drawing/2008/diagram" xmlns:a="http://schemas.openxmlformats.org/drawingml/2006/main" xmlns:r="http://schemas.openxmlformats.org/officeDocument/2006/relationships">
+  <dsp:spTree>
+    <dsp:nvGrpSpPr>
+      <dsp:cNvPr id="2" name="Group 1"/>
+      <dsp:cNvGrpSpPr/>
+    </dsp:nvGrpSpPr>
+    <dsp:grpSpPr>
+      <a:xfrm>
+        <a:off x="0" y="0"/>
+        <a:ext cx="8128000" cy="5418455"/>
+        <a:chOff x="0" y="0"/>
+        <a:chExt cx="8128000" cy="5418455"/>
+      </a:xfrm>
+    </dsp:grpSpPr>
+    <dsp:sp modelId="{AC321633-D89E-4516-BDB4-7EB14EDB36DB}">
+      <dsp:nvSpPr>
+        <dsp:cNvPr id="3" name="Notched Right Arrow 2"/>
+        <dsp:cNvSpPr/>
+      </dsp:nvSpPr>
+      <dsp:spPr bwMode="white">
+        <a:xfrm>
+          <a:off x="0" y="1625536"/>
+          <a:ext cx="8128000" cy="2167382"/>
+        </a:xfrm>
+        <a:prstGeom prst="notchedRightArrow">
+          <a:avLst/>
+        </a:prstGeom>
+      </dsp:spPr>
+      <dsp:style>
+        <a:lnRef idx="0">
+          <a:schemeClr val="accent1"/>
+        </a:lnRef>
+        <a:fillRef idx="1">
+          <a:schemeClr val="accent1">
+            <a:tint val="40000"/>
+          </a:schemeClr>
+        </a:fillRef>
+        <a:effectRef idx="0">
+          <a:scrgbClr r="0" g="0" b="0"/>
+        </a:effectRef>
+        <a:fontRef idx="minor"/>
+      </dsp:style>
+      <dsp:txXfrm>
+        <a:off x="0" y="1625536"/>
+        <a:ext cx="8128000" cy="2167382"/>
+      </dsp:txXfrm>
+    </dsp:sp>
+    <dsp:sp modelId="{4EBE0530-6232-44AC-B3C5-652A471F1A28}">
+      <dsp:nvSpPr>
+        <dsp:cNvPr id="4" name="Rectangle 3"/>
+        <dsp:cNvSpPr/>
+      </dsp:nvSpPr>
+      <dsp:spPr bwMode="white">
+        <a:xfrm>
+          <a:off x="0" y="0"/>
+          <a:ext cx="1762699" cy="2167382"/>
+        </a:xfrm>
+        <a:prstGeom prst="rect">
+          <a:avLst/>
+        </a:prstGeom>
+      </dsp:spPr>
+      <dsp:style>
+        <a:lnRef idx="0">
+          <a:schemeClr val="dk1">
+            <a:alpha val="0"/>
+          </a:schemeClr>
+        </a:lnRef>
+        <a:fillRef idx="0">
+          <a:schemeClr val="lt1">
+            <a:alpha val="0"/>
+          </a:schemeClr>
+        </a:fillRef>
+        <a:effectRef idx="0">
+          <a:scrgbClr r="0" g="0" b="0"/>
+        </a:effectRef>
+        <a:fontRef idx="minor"/>
+      </dsp:style>
+      <dsp:txBody>
+        <a:bodyPr vert="horz" wrap="square" lIns="106680" tIns="106680" rIns="106680" bIns="106680" anchor="b"/>
+        <a:lstStyle>
+          <a:lvl1pPr algn="ctr">
+            <a:defRPr sz="1500"/>
+          </a:lvl1pPr>
+          <a:lvl2pPr marL="57150" indent="-57150" algn="ctr">
+            <a:defRPr sz="1100"/>
+          </a:lvl2pPr>
+          <a:lvl3pPr marL="114300" indent="-57150" algn="ctr">
+            <a:defRPr sz="1100"/>
+          </a:lvl3pPr>
+          <a:lvl4pPr marL="171450" indent="-57150" algn="ctr">
+            <a:defRPr sz="1100"/>
+          </a:lvl4pPr>
+          <a:lvl5pPr marL="228600" indent="-57150" algn="ctr">
+            <a:defRPr sz="1100"/>
+          </a:lvl5pPr>
+          <a:lvl6pPr marL="285750" indent="-57150" algn="ctr">
+            <a:defRPr sz="1100"/>
+          </a:lvl6pPr>
+          <a:lvl7pPr marL="342900" indent="-57150" algn="ctr">
+            <a:defRPr sz="1100"/>
+          </a:lvl7pPr>
+          <a:lvl8pPr marL="400050" indent="-57150" algn="ctr">
+            <a:defRPr sz="1100"/>
+          </a:lvl8pPr>
+          <a:lvl9pPr marL="457200" indent="-57150" algn="ctr">
+            <a:defRPr sz="1100"/>
+          </a:lvl9pPr>
+        </a:lstStyle>
+        <a:p>
+          <a:pPr lvl="0">
+            <a:lnSpc>
+              <a:spcPct val="100000"/>
+            </a:lnSpc>
+            <a:spcBef>
+              <a:spcPct val="0"/>
+            </a:spcBef>
+            <a:spcAft>
+              <a:spcPct val="35000"/>
+            </a:spcAft>
+          </a:pPr>
+          <a:r>
+            <a:rPr lang="" altLang="en-US">
+              <a:solidFill>
+                <a:schemeClr val="tx1"/>
+              </a:solidFill>
+            </a:rPr>
+            <a:t>Belajar ilmu agama</a:t>
+          </a:r>
+          <a:endParaRPr lang="" altLang="en-US">
+            <a:solidFill>
+              <a:schemeClr val="tx1"/>
+            </a:solidFill>
+          </a:endParaRPr>
+        </a:p>
+      </dsp:txBody>
+      <dsp:txXfrm>
+        <a:off x="0" y="0"/>
+        <a:ext cx="1762699" cy="2167382"/>
+      </dsp:txXfrm>
+    </dsp:sp>
+    <dsp:sp modelId="{CE769C6B-1770-4C3B-B742-2AEEB8897CD1}">
+      <dsp:nvSpPr>
+        <dsp:cNvPr id="5" name="Oval 4"/>
+        <dsp:cNvSpPr/>
+      </dsp:nvSpPr>
+      <dsp:spPr bwMode="white">
+        <a:xfrm>
+          <a:off x="610427" y="2438305"/>
+          <a:ext cx="541846" cy="541846"/>
+        </a:xfrm>
+        <a:prstGeom prst="ellipse">
+          <a:avLst/>
+        </a:prstGeom>
+      </dsp:spPr>
+      <dsp:style>
+        <a:lnRef idx="2">
+          <a:schemeClr val="lt1"/>
+        </a:lnRef>
+        <a:fillRef idx="1">
+          <a:schemeClr val="accent1"/>
+        </a:fillRef>
+        <a:effectRef idx="0">
+          <a:scrgbClr r="0" g="0" b="0"/>
+        </a:effectRef>
+        <a:fontRef idx="minor">
+          <a:schemeClr val="lt1"/>
+        </a:fontRef>
+      </dsp:style>
+      <dsp:txXfrm>
+        <a:off x="610427" y="2438305"/>
+        <a:ext cx="541846" cy="541846"/>
+      </dsp:txXfrm>
+    </dsp:sp>
+    <dsp:sp modelId="{DCB3995A-96F1-4DD9-A9EC-7A19434570E4}">
+      <dsp:nvSpPr>
+        <dsp:cNvPr id="6" name="Rectangle 5"/>
+        <dsp:cNvSpPr/>
+      </dsp:nvSpPr>
+      <dsp:spPr bwMode="white">
+        <a:xfrm>
+          <a:off x="1850834" y="3251073"/>
+          <a:ext cx="1762699" cy="2167382"/>
+        </a:xfrm>
+        <a:prstGeom prst="rect">
+          <a:avLst/>
+        </a:prstGeom>
+      </dsp:spPr>
+      <dsp:style>
+        <a:lnRef idx="0">
+          <a:schemeClr val="dk1">
+            <a:alpha val="0"/>
+          </a:schemeClr>
+        </a:lnRef>
+        <a:fillRef idx="0">
+          <a:schemeClr val="lt1">
+            <a:alpha val="0"/>
+          </a:schemeClr>
+        </a:fillRef>
+        <a:effectRef idx="0">
+          <a:scrgbClr r="0" g="0" b="0"/>
+        </a:effectRef>
+        <a:fontRef idx="minor"/>
+      </dsp:style>
+      <dsp:txBody>
+        <a:bodyPr vert="horz" wrap="square" lIns="106680" tIns="106680" rIns="106680" bIns="106680" anchor="t"/>
+        <a:lstStyle>
+          <a:lvl1pPr algn="ctr">
+            <a:defRPr sz="1500"/>
+          </a:lvl1pPr>
+          <a:lvl2pPr marL="57150" indent="-57150" algn="ctr">
+            <a:defRPr sz="1100"/>
+          </a:lvl2pPr>
+          <a:lvl3pPr marL="114300" indent="-57150" algn="ctr">
+            <a:defRPr sz="1100"/>
+          </a:lvl3pPr>
+          <a:lvl4pPr marL="171450" indent="-57150" algn="ctr">
+            <a:defRPr sz="1100"/>
+          </a:lvl4pPr>
+          <a:lvl5pPr marL="228600" indent="-57150" algn="ctr">
+            <a:defRPr sz="1100"/>
+          </a:lvl5pPr>
+          <a:lvl6pPr marL="285750" indent="-57150" algn="ctr">
+            <a:defRPr sz="1100"/>
+          </a:lvl6pPr>
+          <a:lvl7pPr marL="342900" indent="-57150" algn="ctr">
+            <a:defRPr sz="1100"/>
+          </a:lvl7pPr>
+          <a:lvl8pPr marL="400050" indent="-57150" algn="ctr">
+            <a:defRPr sz="1100"/>
+          </a:lvl8pPr>
+          <a:lvl9pPr marL="457200" indent="-57150" algn="ctr">
+            <a:defRPr sz="1100"/>
+          </a:lvl9pPr>
+        </a:lstStyle>
+        <a:p>
+          <a:pPr lvl="0">
+            <a:lnSpc>
+              <a:spcPct val="100000"/>
+            </a:lnSpc>
+            <a:spcBef>
+              <a:spcPct val="0"/>
+            </a:spcBef>
+            <a:spcAft>
+              <a:spcPct val="35000"/>
+            </a:spcAft>
+          </a:pPr>
+          <a:r>
+            <a:rPr lang="" altLang="en-US">
+              <a:solidFill>
+                <a:schemeClr val="tx1"/>
+              </a:solidFill>
+            </a:rPr>
+            <a:t>Belajar dari sumbernya: Kalam Allah (Alquran)</a:t>
+          </a:r>
+          <a:endParaRPr lang="" altLang="en-US">
+            <a:solidFill>
+              <a:schemeClr val="tx1"/>
+            </a:solidFill>
+          </a:endParaRPr>
+        </a:p>
+      </dsp:txBody>
+      <dsp:txXfrm>
+        <a:off x="1850834" y="3251073"/>
+        <a:ext cx="1762699" cy="2167382"/>
+      </dsp:txXfrm>
+    </dsp:sp>
+    <dsp:sp modelId="{A96AB0F2-7BAD-471A-97CA-80609AB01A16}">
+      <dsp:nvSpPr>
+        <dsp:cNvPr id="7" name="Oval 6"/>
+        <dsp:cNvSpPr/>
+      </dsp:nvSpPr>
+      <dsp:spPr bwMode="white">
+        <a:xfrm>
+          <a:off x="2461260" y="2438305"/>
+          <a:ext cx="541846" cy="541846"/>
+        </a:xfrm>
+        <a:prstGeom prst="ellipse">
+          <a:avLst/>
+        </a:prstGeom>
+      </dsp:spPr>
+      <dsp:style>
+        <a:lnRef idx="2">
+          <a:schemeClr val="lt1"/>
+        </a:lnRef>
+        <a:fillRef idx="1">
+          <a:schemeClr val="accent1"/>
+        </a:fillRef>
+        <a:effectRef idx="0">
+          <a:scrgbClr r="0" g="0" b="0"/>
+        </a:effectRef>
+        <a:fontRef idx="minor">
+          <a:schemeClr val="lt1"/>
+        </a:fontRef>
+      </dsp:style>
+      <dsp:txXfrm>
+        <a:off x="2461260" y="2438305"/>
+        <a:ext cx="541846" cy="541846"/>
+      </dsp:txXfrm>
+    </dsp:sp>
+    <dsp:sp modelId="{5C3AE9ED-FE80-46C0-BCF6-4DBA5FD0ACD5}">
+      <dsp:nvSpPr>
+        <dsp:cNvPr id="10" name="Rectangle 9"/>
+        <dsp:cNvSpPr/>
+      </dsp:nvSpPr>
+      <dsp:spPr bwMode="white">
+        <a:xfrm>
+          <a:off x="3701667" y="0"/>
+          <a:ext cx="1762699" cy="2167382"/>
+        </a:xfrm>
+        <a:prstGeom prst="rect">
+          <a:avLst/>
+        </a:prstGeom>
+      </dsp:spPr>
+      <dsp:style>
+        <a:lnRef idx="0">
+          <a:schemeClr val="dk1">
+            <a:alpha val="0"/>
+          </a:schemeClr>
+        </a:lnRef>
+        <a:fillRef idx="0">
+          <a:schemeClr val="lt1">
+            <a:alpha val="0"/>
+          </a:schemeClr>
+        </a:fillRef>
+        <a:effectRef idx="0">
+          <a:scrgbClr r="0" g="0" b="0"/>
+        </a:effectRef>
+        <a:fontRef idx="minor"/>
+      </dsp:style>
+      <dsp:txBody>
+        <a:bodyPr vert="horz" wrap="square" lIns="106680" tIns="106680" rIns="106680" bIns="106680" anchor="b"/>
+        <a:lstStyle>
+          <a:lvl1pPr algn="ctr">
+            <a:defRPr sz="1500"/>
+          </a:lvl1pPr>
+          <a:lvl2pPr marL="57150" indent="-57150" algn="ctr">
+            <a:defRPr sz="1100"/>
+          </a:lvl2pPr>
+          <a:lvl3pPr marL="114300" indent="-57150" algn="ctr">
+            <a:defRPr sz="1100"/>
+          </a:lvl3pPr>
+          <a:lvl4pPr marL="171450" indent="-57150" algn="ctr">
+            <a:defRPr sz="1100"/>
+          </a:lvl4pPr>
+          <a:lvl5pPr marL="228600" indent="-57150" algn="ctr">
+            <a:defRPr sz="1100"/>
+          </a:lvl5pPr>
+          <a:lvl6pPr marL="285750" indent="-57150" algn="ctr">
+            <a:defRPr sz="1100"/>
+          </a:lvl6pPr>
+          <a:lvl7pPr marL="342900" indent="-57150" algn="ctr">
+            <a:defRPr sz="1100"/>
+          </a:lvl7pPr>
+          <a:lvl8pPr marL="400050" indent="-57150" algn="ctr">
+            <a:defRPr sz="1100"/>
+          </a:lvl8pPr>
+          <a:lvl9pPr marL="457200" indent="-57150" algn="ctr">
+            <a:defRPr sz="1100"/>
+          </a:lvl9pPr>
+        </a:lstStyle>
+        <a:p>
+          <a:pPr lvl="0">
+            <a:lnSpc>
+              <a:spcPct val="100000"/>
+            </a:lnSpc>
+            <a:spcBef>
+              <a:spcPct val="0"/>
+            </a:spcBef>
+            <a:spcAft>
+              <a:spcPct val="35000"/>
+            </a:spcAft>
+          </a:pPr>
+          <a:r>
+            <a:rPr lang="" altLang="en-US">
+              <a:solidFill>
+                <a:schemeClr val="tx1"/>
+              </a:solidFill>
+            </a:rPr>
+            <a:t>Memahami Alquran: Menghafalkannya</a:t>
+          </a:r>
+          <a:endParaRPr lang="" altLang="en-US">
+            <a:solidFill>
+              <a:schemeClr val="tx1"/>
+            </a:solidFill>
+          </a:endParaRPr>
+        </a:p>
+      </dsp:txBody>
+      <dsp:txXfrm>
+        <a:off x="3701667" y="0"/>
+        <a:ext cx="1762699" cy="2167382"/>
+      </dsp:txXfrm>
+    </dsp:sp>
+    <dsp:sp modelId="{87AA3E51-1084-48AD-AD53-6F744742938C}">
+      <dsp:nvSpPr>
+        <dsp:cNvPr id="11" name="Oval 10"/>
+        <dsp:cNvSpPr/>
+      </dsp:nvSpPr>
+      <dsp:spPr bwMode="white">
+        <a:xfrm>
+          <a:off x="4312094" y="2438305"/>
+          <a:ext cx="541846" cy="541846"/>
+        </a:xfrm>
+        <a:prstGeom prst="ellipse">
+          <a:avLst/>
+        </a:prstGeom>
+      </dsp:spPr>
+      <dsp:style>
+        <a:lnRef idx="2">
+          <a:schemeClr val="lt1"/>
+        </a:lnRef>
+        <a:fillRef idx="1">
+          <a:schemeClr val="accent1"/>
+        </a:fillRef>
+        <a:effectRef idx="0">
+          <a:scrgbClr r="0" g="0" b="0"/>
+        </a:effectRef>
+        <a:fontRef idx="minor">
+          <a:schemeClr val="lt1"/>
+        </a:fontRef>
+      </dsp:style>
+      <dsp:txXfrm>
+        <a:off x="4312094" y="2438305"/>
+        <a:ext cx="541846" cy="541846"/>
+      </dsp:txXfrm>
+    </dsp:sp>
+    <dsp:sp modelId="{2658A9EB-79B8-4F0E-8951-129CF1851865}">
+      <dsp:nvSpPr>
+        <dsp:cNvPr id="14" name="Rectangle 13"/>
+        <dsp:cNvSpPr/>
+      </dsp:nvSpPr>
+      <dsp:spPr bwMode="white">
+        <a:xfrm>
+          <a:off x="5552501" y="3251073"/>
+          <a:ext cx="1762699" cy="2167382"/>
+        </a:xfrm>
+        <a:prstGeom prst="rect">
+          <a:avLst/>
+        </a:prstGeom>
+      </dsp:spPr>
+      <dsp:style>
+        <a:lnRef idx="0">
+          <a:schemeClr val="dk1">
+            <a:alpha val="0"/>
+          </a:schemeClr>
+        </a:lnRef>
+        <a:fillRef idx="0">
+          <a:schemeClr val="lt1">
+            <a:alpha val="0"/>
+          </a:schemeClr>
+        </a:fillRef>
+        <a:effectRef idx="0">
+          <a:scrgbClr r="0" g="0" b="0"/>
+        </a:effectRef>
+        <a:fontRef idx="minor"/>
+      </dsp:style>
+      <dsp:txBody>
+        <a:bodyPr vert="horz" wrap="square" lIns="106680" tIns="106680" rIns="106680" bIns="106680" anchor="t"/>
+        <a:lstStyle>
+          <a:lvl1pPr algn="ctr">
+            <a:defRPr sz="1500"/>
+          </a:lvl1pPr>
+          <a:lvl2pPr marL="57150" indent="-57150" algn="ctr">
+            <a:defRPr sz="1100"/>
+          </a:lvl2pPr>
+          <a:lvl3pPr marL="114300" indent="-57150" algn="ctr">
+            <a:defRPr sz="1100"/>
+          </a:lvl3pPr>
+          <a:lvl4pPr marL="171450" indent="-57150" algn="ctr">
+            <a:defRPr sz="1100"/>
+          </a:lvl4pPr>
+          <a:lvl5pPr marL="228600" indent="-57150" algn="ctr">
+            <a:defRPr sz="1100"/>
+          </a:lvl5pPr>
+          <a:lvl6pPr marL="285750" indent="-57150" algn="ctr">
+            <a:defRPr sz="1100"/>
+          </a:lvl6pPr>
+          <a:lvl7pPr marL="342900" indent="-57150" algn="ctr">
+            <a:defRPr sz="1100"/>
+          </a:lvl7pPr>
+          <a:lvl8pPr marL="400050" indent="-57150" algn="ctr">
+            <a:defRPr sz="1100"/>
+          </a:lvl8pPr>
+          <a:lvl9pPr marL="457200" indent="-57150" algn="ctr">
+            <a:defRPr sz="1100"/>
+          </a:lvl9pPr>
+        </a:lstStyle>
+        <a:p>
+          <a:pPr lvl="0">
+            <a:lnSpc>
+              <a:spcPct val="100000"/>
+            </a:lnSpc>
+            <a:spcBef>
+              <a:spcPct val="0"/>
+            </a:spcBef>
+            <a:spcAft>
+              <a:spcPct val="35000"/>
+            </a:spcAft>
+            <a:buNone/>
+          </a:pPr>
+          <a:r>
+            <a:rPr lang="">
+              <a:solidFill>
+                <a:schemeClr val="tx1"/>
+              </a:solidFill>
+              <a:sym typeface="+mn-ea"/>
+            </a:rPr>
+            <a:t>SMA Tahfidz Al-Izzah Samarinda</a:t>
+          </a:r>
+          <a:endParaRPr lang="">
+            <a:solidFill>
+              <a:schemeClr val="tx1"/>
+            </a:solidFill>
+          </a:endParaRPr>
+        </a:p>
+      </dsp:txBody>
+      <dsp:txXfrm>
+        <a:off x="5552501" y="3251073"/>
+        <a:ext cx="1762699" cy="2167382"/>
+      </dsp:txXfrm>
+    </dsp:sp>
+    <dsp:sp modelId="{39548634-B30C-4912-AD65-5E8BC2AC9B0F}">
+      <dsp:nvSpPr>
+        <dsp:cNvPr id="15" name="Oval 14"/>
+        <dsp:cNvSpPr/>
+      </dsp:nvSpPr>
+      <dsp:spPr bwMode="white">
+        <a:xfrm>
+          <a:off x="6162928" y="2438305"/>
+          <a:ext cx="541846" cy="541846"/>
+        </a:xfrm>
+        <a:prstGeom prst="ellipse">
+          <a:avLst/>
+        </a:prstGeom>
+      </dsp:spPr>
+      <dsp:style>
+        <a:lnRef idx="2">
+          <a:schemeClr val="lt1"/>
+        </a:lnRef>
+        <a:fillRef idx="1">
+          <a:schemeClr val="accent1"/>
+        </a:fillRef>
+        <a:effectRef idx="0">
+          <a:scrgbClr r="0" g="0" b="0"/>
+        </a:effectRef>
+        <a:fontRef idx="minor">
+          <a:schemeClr val="lt1"/>
+        </a:fontRef>
+      </dsp:style>
+      <dsp:txXfrm>
+        <a:off x="6162928" y="2438305"/>
+        <a:ext cx="541846" cy="541846"/>
       </dsp:txXfrm>
     </dsp:sp>
   </dsp:spTree>
@@ -6509,6 +8120,280 @@
 </dgm:layoutDef>
 </file>
 
+<file path=ppt/diagrams/layout3.xml><?xml version="1.0" encoding="utf-8"?>
+<dgm:layoutDef xmlns:dgm="http://schemas.openxmlformats.org/drawingml/2006/diagram" xmlns:a="http://schemas.openxmlformats.org/drawingml/2006/main" uniqueId="urn:microsoft.com/office/officeart/2005/8/layout/hProcess11">
+  <dgm:title val=""/>
+  <dgm:desc val=""/>
+  <dgm:catLst>
+    <dgm:cat type="process" pri="8000"/>
+    <dgm:cat type="convert" pri="14000"/>
+  </dgm:catLst>
+  <dgm:sampData useDef="1">
+    <dgm:dataModel>
+      <dgm:ptLst/>
+      <dgm:bg/>
+      <dgm:whole/>
+    </dgm:dataModel>
+  </dgm:sampData>
+  <dgm:styleData>
+    <dgm:dataModel>
+      <dgm:ptLst>
+        <dgm:pt modelId="0" type="doc">
+          <dgm:prSet qsTypeId="urn:microsoft.com/office/officeart/2005/8/quickstyle/simple5"/>
+        </dgm:pt>
+        <dgm:pt modelId="1"/>
+        <dgm:pt modelId="2"/>
+      </dgm:ptLst>
+      <dgm:cxnLst>
+        <dgm:cxn modelId="4" srcId="0" destId="1" srcOrd="0" destOrd="0"/>
+        <dgm:cxn modelId="5" srcId="0" destId="2" srcOrd="1" destOrd="0"/>
+      </dgm:cxnLst>
+      <dgm:bg/>
+      <dgm:whole/>
+    </dgm:dataModel>
+  </dgm:styleData>
+  <dgm:clrData>
+    <dgm:dataModel>
+      <dgm:ptLst>
+        <dgm:pt modelId="0" type="doc"/>
+        <dgm:pt modelId="1"/>
+        <dgm:pt modelId="2"/>
+        <dgm:pt modelId="3"/>
+        <dgm:pt modelId="4"/>
+      </dgm:ptLst>
+      <dgm:cxnLst>
+        <dgm:cxn modelId="5" srcId="0" destId="1" srcOrd="0" destOrd="0"/>
+        <dgm:cxn modelId="6" srcId="0" destId="2" srcOrd="1" destOrd="0"/>
+        <dgm:cxn modelId="7" srcId="0" destId="3" srcOrd="2" destOrd="0"/>
+        <dgm:cxn modelId="8" srcId="0" destId="4" srcOrd="3" destOrd="0"/>
+      </dgm:cxnLst>
+      <dgm:bg/>
+      <dgm:whole/>
+    </dgm:dataModel>
+  </dgm:clrData>
+  <dgm:layoutNode name="Name0">
+    <dgm:varLst>
+      <dgm:dir/>
+      <dgm:resizeHandles val="exact"/>
+    </dgm:varLst>
+    <dgm:alg type="composite"/>
+    <dgm:shape xmlns:r="http://schemas.openxmlformats.org/officeDocument/2006/relationships" r:blip="">
+      <dgm:adjLst/>
+    </dgm:shape>
+    <dgm:presOf/>
+    <dgm:choose name="Name1">
+      <dgm:if name="Name2" func="var" arg="dir" op="equ" val="norm">
+        <dgm:constrLst>
+          <dgm:constr type="w" for="ch" forName="arrow" refType="w"/>
+          <dgm:constr type="h" for="ch" forName="arrow" refType="h" fact="0.4"/>
+          <dgm:constr type="ctrY" for="ch" forName="arrow" refType="h" fact="0.5"/>
+          <dgm:constr type="l" for="ch" forName="arrow"/>
+          <dgm:constr type="w" for="ch" forName="points" refType="w" fact="0.9"/>
+          <dgm:constr type="h" for="ch" forName="points" refType="h"/>
+          <dgm:constr type="t" for="ch" forName="points"/>
+          <dgm:constr type="l" for="ch" forName="points"/>
+        </dgm:constrLst>
+      </dgm:if>
+      <dgm:else name="Name3">
+        <dgm:constrLst>
+          <dgm:constr type="w" for="ch" forName="arrow" refType="w"/>
+          <dgm:constr type="h" for="ch" forName="arrow" refType="h" fact="0.4"/>
+          <dgm:constr type="ctrY" for="ch" forName="arrow" refType="h" fact="0.5"/>
+          <dgm:constr type="r" for="ch" forName="arrow" refType="w"/>
+          <dgm:constr type="w" for="ch" forName="points" refType="w" fact="0.9"/>
+          <dgm:constr type="h" for="ch" forName="points" refType="h"/>
+          <dgm:constr type="t" for="ch" forName="points"/>
+          <dgm:constr type="r" for="ch" forName="points" refType="w"/>
+        </dgm:constrLst>
+      </dgm:else>
+    </dgm:choose>
+    <dgm:ruleLst/>
+    <dgm:layoutNode name="arrow" styleLbl="bgShp">
+      <dgm:alg type="sp"/>
+      <dgm:choose name="Name4">
+        <dgm:if name="Name5" func="var" arg="dir" op="equ" val="norm">
+          <dgm:shape xmlns:r="http://schemas.openxmlformats.org/officeDocument/2006/relationships" type="notchedRightArrow" r:blip="">
+            <dgm:adjLst/>
+          </dgm:shape>
+        </dgm:if>
+        <dgm:else name="Name6">
+          <dgm:shape xmlns:r="http://schemas.openxmlformats.org/officeDocument/2006/relationships" type="notchedRightArrow" r:blip="" rot="180">
+            <dgm:adjLst/>
+          </dgm:shape>
+        </dgm:else>
+      </dgm:choose>
+      <dgm:presOf/>
+      <dgm:constrLst/>
+      <dgm:ruleLst/>
+    </dgm:layoutNode>
+    <dgm:layoutNode name="points">
+      <dgm:choose name="Name7">
+        <dgm:if name="Name8" func="var" arg="dir" op="equ" val="norm">
+          <dgm:alg type="lin">
+            <dgm:param type="linDir" val="fromL"/>
+          </dgm:alg>
+        </dgm:if>
+        <dgm:else name="Name9">
+          <dgm:alg type="lin">
+            <dgm:param type="linDir" val="fromR"/>
+          </dgm:alg>
+        </dgm:else>
+      </dgm:choose>
+      <dgm:shape xmlns:r="http://schemas.openxmlformats.org/officeDocument/2006/relationships" r:blip="">
+        <dgm:adjLst/>
+      </dgm:shape>
+      <dgm:presOf/>
+      <dgm:constrLst>
+        <dgm:constr type="w" for="ch" forName="compositeA" refType="w"/>
+        <dgm:constr type="h" for="ch" forName="compositeA" refType="h"/>
+        <dgm:constr type="w" for="ch" forName="compositeB" refType="w" refFor="ch" refForName="compositeA" op="equ"/>
+        <dgm:constr type="h" for="ch" forName="compositeB" refType="h" refFor="ch" refForName="compositeA" op="equ"/>
+        <dgm:constr type="primFontSz" for="des" ptType="node" op="equ" val="65"/>
+        <dgm:constr type="w" for="ch" forName="space" refType="w" refFor="ch" refForName="compositeA" op="equ" fact="0.05"/>
+      </dgm:constrLst>
+      <dgm:ruleLst/>
+      <dgm:forEach name="Name10" axis="ch" ptType="node">
+        <dgm:choose name="Name11">
+          <dgm:if name="Name12" axis="self" ptType="node" func="posOdd" op="equ" val="1">
+            <dgm:layoutNode name="compositeA">
+              <dgm:alg type="composite"/>
+              <dgm:shape xmlns:r="http://schemas.openxmlformats.org/officeDocument/2006/relationships" r:blip="">
+                <dgm:adjLst/>
+              </dgm:shape>
+              <dgm:presOf/>
+              <dgm:constrLst>
+                <dgm:constr type="w" for="ch" forName="textA" refType="w"/>
+                <dgm:constr type="h" for="ch" forName="textA" refType="h" fact="0.4"/>
+                <dgm:constr type="t" for="ch" forName="textA"/>
+                <dgm:constr type="l" for="ch" forName="textA"/>
+                <dgm:constr type="h" for="ch" forName="circleA" refType="h" fact="0.1"/>
+                <dgm:constr type="h" for="ch" forName="circleA" refType="w" op="lte"/>
+                <dgm:constr type="w" for="ch" forName="circleA" refType="h" refFor="ch" refForName="circleA" op="equ"/>
+                <dgm:constr type="ctrY" for="ch" forName="circleA" refType="h" fact="0.5"/>
+                <dgm:constr type="ctrX" for="ch" forName="circleA" refType="w" refFor="ch" refForName="textA" fact="0.5"/>
+                <dgm:constr type="w" for="ch" forName="spaceA" refType="w"/>
+                <dgm:constr type="h" for="ch" forName="spaceA" refType="h" fact="0.4"/>
+                <dgm:constr type="b" for="ch" forName="spaceA" refType="h"/>
+                <dgm:constr type="l" for="ch" forName="spaceA"/>
+              </dgm:constrLst>
+              <dgm:ruleLst/>
+              <dgm:layoutNode name="textA" styleLbl="revTx">
+                <dgm:varLst>
+                  <dgm:bulletEnabled val="1"/>
+                </dgm:varLst>
+                <dgm:alg type="tx">
+                  <dgm:param type="txAnchorHorzCh" val="ctr"/>
+                  <dgm:param type="txAnchorVertCh" val="b"/>
+                  <dgm:param type="txAnchorVert" val="b"/>
+                </dgm:alg>
+                <dgm:shape xmlns:r="http://schemas.openxmlformats.org/officeDocument/2006/relationships" type="rect" r:blip="">
+                  <dgm:adjLst/>
+                </dgm:shape>
+                <dgm:presOf axis="desOrSelf" ptType="node"/>
+                <dgm:constrLst/>
+                <dgm:ruleLst>
+                  <dgm:rule type="primFontSz" val="5" fact="NaN" max="NaN"/>
+                </dgm:ruleLst>
+              </dgm:layoutNode>
+              <dgm:layoutNode name="circleA">
+                <dgm:alg type="sp"/>
+                <dgm:shape xmlns:r="http://schemas.openxmlformats.org/officeDocument/2006/relationships" type="ellipse" r:blip="">
+                  <dgm:adjLst/>
+                </dgm:shape>
+                <dgm:presOf/>
+                <dgm:constrLst/>
+                <dgm:ruleLst/>
+              </dgm:layoutNode>
+              <dgm:layoutNode name="spaceA">
+                <dgm:alg type="sp"/>
+                <dgm:shape xmlns:r="http://schemas.openxmlformats.org/officeDocument/2006/relationships" r:blip="">
+                  <dgm:adjLst/>
+                </dgm:shape>
+                <dgm:presOf/>
+                <dgm:constrLst/>
+                <dgm:ruleLst/>
+              </dgm:layoutNode>
+            </dgm:layoutNode>
+          </dgm:if>
+          <dgm:else name="Name13">
+            <dgm:layoutNode name="compositeB">
+              <dgm:alg type="composite"/>
+              <dgm:shape xmlns:r="http://schemas.openxmlformats.org/officeDocument/2006/relationships" r:blip="">
+                <dgm:adjLst/>
+              </dgm:shape>
+              <dgm:presOf/>
+              <dgm:constrLst>
+                <dgm:constr type="w" for="ch" forName="textB" refType="w"/>
+                <dgm:constr type="h" for="ch" forName="textB" refType="h" fact="0.4"/>
+                <dgm:constr type="b" for="ch" forName="textB" refType="h"/>
+                <dgm:constr type="l" for="ch" forName="textB"/>
+                <dgm:constr type="h" for="ch" forName="circleB" refType="h" fact="0.1"/>
+                <dgm:constr type="w" for="ch" forName="circleB" refType="h" refFor="ch" refForName="circleB" op="equ"/>
+                <dgm:constr type="h" for="ch" forName="circleB" refType="w" op="lte"/>
+                <dgm:constr type="ctrY" for="ch" forName="circleB" refType="h" fact="0.5"/>
+                <dgm:constr type="ctrX" for="ch" forName="circleB" refType="w" refFor="ch" refForName="textB" fact="0.5"/>
+                <dgm:constr type="w" for="ch" forName="spaceB" refType="w"/>
+                <dgm:constr type="h" for="ch" forName="spaceB" refType="h" fact="0.4"/>
+                <dgm:constr type="t" for="ch" forName="spaceB"/>
+                <dgm:constr type="l" for="ch" forName="spaceB"/>
+              </dgm:constrLst>
+              <dgm:ruleLst/>
+              <dgm:layoutNode name="textB" styleLbl="revTx">
+                <dgm:varLst>
+                  <dgm:bulletEnabled val="1"/>
+                </dgm:varLst>
+                <dgm:alg type="tx">
+                  <dgm:param type="txAnchorHorzCh" val="ctr"/>
+                  <dgm:param type="txAnchorVertCh" val="t"/>
+                  <dgm:param type="txAnchorVert" val="t"/>
+                </dgm:alg>
+                <dgm:shape xmlns:r="http://schemas.openxmlformats.org/officeDocument/2006/relationships" type="rect" r:blip="">
+                  <dgm:adjLst/>
+                </dgm:shape>
+                <dgm:presOf axis="desOrSelf" ptType="node"/>
+                <dgm:constrLst/>
+                <dgm:ruleLst>
+                  <dgm:rule type="primFontSz" val="5" fact="NaN" max="NaN"/>
+                </dgm:ruleLst>
+              </dgm:layoutNode>
+              <dgm:layoutNode name="circleB">
+                <dgm:alg type="sp"/>
+                <dgm:shape xmlns:r="http://schemas.openxmlformats.org/officeDocument/2006/relationships" type="ellipse" r:blip="">
+                  <dgm:adjLst/>
+                </dgm:shape>
+                <dgm:presOf/>
+                <dgm:constrLst/>
+                <dgm:ruleLst/>
+              </dgm:layoutNode>
+              <dgm:layoutNode name="spaceB">
+                <dgm:alg type="sp"/>
+                <dgm:shape xmlns:r="http://schemas.openxmlformats.org/officeDocument/2006/relationships" r:blip="">
+                  <dgm:adjLst/>
+                </dgm:shape>
+                <dgm:presOf/>
+                <dgm:constrLst/>
+                <dgm:ruleLst/>
+              </dgm:layoutNode>
+            </dgm:layoutNode>
+          </dgm:else>
+        </dgm:choose>
+        <dgm:forEach name="Name14" axis="followSib" ptType="sibTrans" cnt="1">
+          <dgm:layoutNode name="space">
+            <dgm:alg type="sp"/>
+            <dgm:shape xmlns:r="http://schemas.openxmlformats.org/officeDocument/2006/relationships" r:blip="">
+              <dgm:adjLst/>
+            </dgm:shape>
+            <dgm:presOf/>
+            <dgm:constrLst/>
+            <dgm:ruleLst/>
+          </dgm:layoutNode>
+        </dgm:forEach>
+      </dgm:forEach>
+    </dgm:layoutNode>
+  </dgm:layoutNode>
+</dgm:layoutDef>
+</file>
+
 <file path=ppt/diagrams/quickStyle1.xml><?xml version="1.0" encoding="utf-8"?>
 <dgm:styleDef xmlns:dgm="http://schemas.openxmlformats.org/drawingml/2006/diagram" xmlns:a="http://schemas.openxmlformats.org/drawingml/2006/main" uniqueId="urn:microsoft.com/office/officeart/2005/8/quickstyle/simple1">
   <dgm:title val=""/>
@@ -7495,6 +9380,991 @@
 </file>
 
 <file path=ppt/diagrams/quickStyle2.xml><?xml version="1.0" encoding="utf-8"?>
+<dgm:styleDef xmlns:dgm="http://schemas.openxmlformats.org/drawingml/2006/diagram" xmlns:a="http://schemas.openxmlformats.org/drawingml/2006/main" uniqueId="urn:microsoft.com/office/officeart/2005/8/quickstyle/simple1">
+  <dgm:title val=""/>
+  <dgm:desc val=""/>
+  <dgm:catLst>
+    <dgm:cat type="simple" pri="10100"/>
+  </dgm:catLst>
+  <dgm:scene3d>
+    <a:camera prst="orthographicFront"/>
+    <a:lightRig rig="threePt" dir="t"/>
+  </dgm:scene3d>
+  <dgm:styleLbl name="alignAcc1">
+    <dgm:scene3d>
+      <a:camera prst="orthographicFront"/>
+      <a:lightRig rig="threePt" dir="t"/>
+    </dgm:scene3d>
+    <dgm:txPr/>
+    <dgm:style>
+      <a:lnRef idx="2">
+        <a:scrgbClr r="0" g="0" b="0"/>
+      </a:lnRef>
+      <a:fillRef idx="1">
+        <a:scrgbClr r="0" g="0" b="0"/>
+      </a:fillRef>
+      <a:effectRef idx="0">
+        <a:scrgbClr r="0" g="0" b="0"/>
+      </a:effectRef>
+      <a:fontRef idx="minor"/>
+    </dgm:style>
+  </dgm:styleLbl>
+  <dgm:styleLbl name="alignAccFollowNode1">
+    <dgm:scene3d>
+      <a:camera prst="orthographicFront"/>
+      <a:lightRig rig="threePt" dir="t"/>
+    </dgm:scene3d>
+    <dgm:txPr/>
+    <dgm:style>
+      <a:lnRef idx="2">
+        <a:scrgbClr r="0" g="0" b="0"/>
+      </a:lnRef>
+      <a:fillRef idx="1">
+        <a:scrgbClr r="0" g="0" b="0"/>
+      </a:fillRef>
+      <a:effectRef idx="0">
+        <a:scrgbClr r="0" g="0" b="0"/>
+      </a:effectRef>
+      <a:fontRef idx="minor"/>
+    </dgm:style>
+  </dgm:styleLbl>
+  <dgm:styleLbl name="alignImgPlace1">
+    <dgm:scene3d>
+      <a:camera prst="orthographicFront"/>
+      <a:lightRig rig="threePt" dir="t"/>
+    </dgm:scene3d>
+    <dgm:txPr/>
+    <dgm:style>
+      <a:lnRef idx="2">
+        <a:scrgbClr r="0" g="0" b="0"/>
+      </a:lnRef>
+      <a:fillRef idx="1">
+        <a:scrgbClr r="0" g="0" b="0"/>
+      </a:fillRef>
+      <a:effectRef idx="0">
+        <a:scrgbClr r="0" g="0" b="0"/>
+      </a:effectRef>
+      <a:fontRef idx="minor"/>
+    </dgm:style>
+  </dgm:styleLbl>
+  <dgm:styleLbl name="alignNode1">
+    <dgm:scene3d>
+      <a:camera prst="orthographicFront"/>
+      <a:lightRig rig="threePt" dir="t"/>
+    </dgm:scene3d>
+    <dgm:txPr/>
+    <dgm:style>
+      <a:lnRef idx="2">
+        <a:scrgbClr r="0" g="0" b="0"/>
+      </a:lnRef>
+      <a:fillRef idx="1">
+        <a:scrgbClr r="0" g="0" b="0"/>
+      </a:fillRef>
+      <a:effectRef idx="0">
+        <a:scrgbClr r="0" g="0" b="0"/>
+      </a:effectRef>
+      <a:fontRef idx="minor">
+        <a:schemeClr val="lt1"/>
+      </a:fontRef>
+    </dgm:style>
+  </dgm:styleLbl>
+  <dgm:styleLbl name="asst0">
+    <dgm:scene3d>
+      <a:camera prst="orthographicFront"/>
+      <a:lightRig rig="threePt" dir="t"/>
+    </dgm:scene3d>
+    <dgm:txPr/>
+    <dgm:style>
+      <a:lnRef idx="2">
+        <a:scrgbClr r="0" g="0" b="0"/>
+      </a:lnRef>
+      <a:fillRef idx="1">
+        <a:scrgbClr r="0" g="0" b="0"/>
+      </a:fillRef>
+      <a:effectRef idx="0">
+        <a:scrgbClr r="0" g="0" b="0"/>
+      </a:effectRef>
+      <a:fontRef idx="minor">
+        <a:schemeClr val="lt1"/>
+      </a:fontRef>
+    </dgm:style>
+  </dgm:styleLbl>
+  <dgm:styleLbl name="asst1">
+    <dgm:scene3d>
+      <a:camera prst="orthographicFront"/>
+      <a:lightRig rig="threePt" dir="t"/>
+    </dgm:scene3d>
+    <dgm:txPr/>
+    <dgm:style>
+      <a:lnRef idx="2">
+        <a:scrgbClr r="0" g="0" b="0"/>
+      </a:lnRef>
+      <a:fillRef idx="1">
+        <a:scrgbClr r="0" g="0" b="0"/>
+      </a:fillRef>
+      <a:effectRef idx="0">
+        <a:scrgbClr r="0" g="0" b="0"/>
+      </a:effectRef>
+      <a:fontRef idx="minor">
+        <a:schemeClr val="lt1"/>
+      </a:fontRef>
+    </dgm:style>
+  </dgm:styleLbl>
+  <dgm:styleLbl name="asst2">
+    <dgm:scene3d>
+      <a:camera prst="orthographicFront"/>
+      <a:lightRig rig="threePt" dir="t"/>
+    </dgm:scene3d>
+    <dgm:txPr/>
+    <dgm:style>
+      <a:lnRef idx="2">
+        <a:scrgbClr r="0" g="0" b="0"/>
+      </a:lnRef>
+      <a:fillRef idx="1">
+        <a:scrgbClr r="0" g="0" b="0"/>
+      </a:fillRef>
+      <a:effectRef idx="0">
+        <a:scrgbClr r="0" g="0" b="0"/>
+      </a:effectRef>
+      <a:fontRef idx="minor">
+        <a:schemeClr val="lt1"/>
+      </a:fontRef>
+    </dgm:style>
+  </dgm:styleLbl>
+  <dgm:styleLbl name="asst3">
+    <dgm:scene3d>
+      <a:camera prst="orthographicFront"/>
+      <a:lightRig rig="threePt" dir="t"/>
+    </dgm:scene3d>
+    <dgm:txPr/>
+    <dgm:style>
+      <a:lnRef idx="2">
+        <a:scrgbClr r="0" g="0" b="0"/>
+      </a:lnRef>
+      <a:fillRef idx="1">
+        <a:scrgbClr r="0" g="0" b="0"/>
+      </a:fillRef>
+      <a:effectRef idx="0">
+        <a:scrgbClr r="0" g="0" b="0"/>
+      </a:effectRef>
+      <a:fontRef idx="minor">
+        <a:schemeClr val="lt1"/>
+      </a:fontRef>
+    </dgm:style>
+  </dgm:styleLbl>
+  <dgm:styleLbl name="asst4">
+    <dgm:scene3d>
+      <a:camera prst="orthographicFront"/>
+      <a:lightRig rig="threePt" dir="t"/>
+    </dgm:scene3d>
+    <dgm:txPr/>
+    <dgm:style>
+      <a:lnRef idx="2">
+        <a:scrgbClr r="0" g="0" b="0"/>
+      </a:lnRef>
+      <a:fillRef idx="1">
+        <a:scrgbClr r="0" g="0" b="0"/>
+      </a:fillRef>
+      <a:effectRef idx="0">
+        <a:scrgbClr r="0" g="0" b="0"/>
+      </a:effectRef>
+      <a:fontRef idx="minor">
+        <a:schemeClr val="lt1"/>
+      </a:fontRef>
+    </dgm:style>
+  </dgm:styleLbl>
+  <dgm:styleLbl name="bgAcc1">
+    <dgm:scene3d>
+      <a:camera prst="orthographicFront"/>
+      <a:lightRig rig="threePt" dir="t"/>
+    </dgm:scene3d>
+    <dgm:txPr/>
+    <dgm:style>
+      <a:lnRef idx="2">
+        <a:scrgbClr r="0" g="0" b="0"/>
+      </a:lnRef>
+      <a:fillRef idx="1">
+        <a:scrgbClr r="0" g="0" b="0"/>
+      </a:fillRef>
+      <a:effectRef idx="0">
+        <a:scrgbClr r="0" g="0" b="0"/>
+      </a:effectRef>
+      <a:fontRef idx="minor"/>
+    </dgm:style>
+  </dgm:styleLbl>
+  <dgm:styleLbl name="bgAccFollowNode1">
+    <dgm:scene3d>
+      <a:camera prst="orthographicFront"/>
+      <a:lightRig rig="threePt" dir="t"/>
+    </dgm:scene3d>
+    <dgm:txPr/>
+    <dgm:style>
+      <a:lnRef idx="2">
+        <a:scrgbClr r="0" g="0" b="0"/>
+      </a:lnRef>
+      <a:fillRef idx="1">
+        <a:scrgbClr r="0" g="0" b="0"/>
+      </a:fillRef>
+      <a:effectRef idx="0">
+        <a:scrgbClr r="0" g="0" b="0"/>
+      </a:effectRef>
+      <a:fontRef idx="minor"/>
+    </dgm:style>
+  </dgm:styleLbl>
+  <dgm:styleLbl name="bgImgPlace1">
+    <dgm:scene3d>
+      <a:camera prst="orthographicFront"/>
+      <a:lightRig rig="threePt" dir="t"/>
+    </dgm:scene3d>
+    <dgm:txPr/>
+    <dgm:style>
+      <a:lnRef idx="2">
+        <a:scrgbClr r="0" g="0" b="0"/>
+      </a:lnRef>
+      <a:fillRef idx="1">
+        <a:scrgbClr r="0" g="0" b="0"/>
+      </a:fillRef>
+      <a:effectRef idx="0">
+        <a:scrgbClr r="0" g="0" b="0"/>
+      </a:effectRef>
+      <a:fontRef idx="minor"/>
+    </dgm:style>
+  </dgm:styleLbl>
+  <dgm:styleLbl name="bgShp">
+    <dgm:scene3d>
+      <a:camera prst="orthographicFront"/>
+      <a:lightRig rig="threePt" dir="t"/>
+    </dgm:scene3d>
+    <dgm:txPr/>
+    <dgm:style>
+      <a:lnRef idx="0">
+        <a:scrgbClr r="0" g="0" b="0"/>
+      </a:lnRef>
+      <a:fillRef idx="1">
+        <a:scrgbClr r="0" g="0" b="0"/>
+      </a:fillRef>
+      <a:effectRef idx="0">
+        <a:scrgbClr r="0" g="0" b="0"/>
+      </a:effectRef>
+      <a:fontRef idx="minor"/>
+    </dgm:style>
+  </dgm:styleLbl>
+  <dgm:styleLbl name="bgSibTrans2D1">
+    <dgm:scene3d>
+      <a:camera prst="orthographicFront"/>
+      <a:lightRig rig="threePt" dir="t"/>
+    </dgm:scene3d>
+    <dgm:txPr/>
+    <dgm:style>
+      <a:lnRef idx="0">
+        <a:scrgbClr r="0" g="0" b="0"/>
+      </a:lnRef>
+      <a:fillRef idx="1">
+        <a:scrgbClr r="0" g="0" b="0"/>
+      </a:fillRef>
+      <a:effectRef idx="0">
+        <a:scrgbClr r="0" g="0" b="0"/>
+      </a:effectRef>
+      <a:fontRef idx="minor">
+        <a:schemeClr val="lt1"/>
+      </a:fontRef>
+    </dgm:style>
+  </dgm:styleLbl>
+  <dgm:styleLbl name="callout">
+    <dgm:scene3d>
+      <a:camera prst="orthographicFront"/>
+      <a:lightRig rig="threePt" dir="t"/>
+    </dgm:scene3d>
+    <dgm:txPr/>
+    <dgm:style>
+      <a:lnRef idx="2">
+        <a:scrgbClr r="0" g="0" b="0"/>
+      </a:lnRef>
+      <a:fillRef idx="1">
+        <a:scrgbClr r="0" g="0" b="0"/>
+      </a:fillRef>
+      <a:effectRef idx="0">
+        <a:scrgbClr r="0" g="0" b="0"/>
+      </a:effectRef>
+      <a:fontRef idx="minor"/>
+    </dgm:style>
+  </dgm:styleLbl>
+  <dgm:styleLbl name="conFgAcc1">
+    <dgm:scene3d>
+      <a:camera prst="orthographicFront"/>
+      <a:lightRig rig="threePt" dir="t"/>
+    </dgm:scene3d>
+    <dgm:txPr/>
+    <dgm:style>
+      <a:lnRef idx="2">
+        <a:scrgbClr r="0" g="0" b="0"/>
+      </a:lnRef>
+      <a:fillRef idx="1">
+        <a:scrgbClr r="0" g="0" b="0"/>
+      </a:fillRef>
+      <a:effectRef idx="0">
+        <a:scrgbClr r="0" g="0" b="0"/>
+      </a:effectRef>
+      <a:fontRef idx="minor"/>
+    </dgm:style>
+  </dgm:styleLbl>
+  <dgm:styleLbl name="dkBgShp">
+    <dgm:scene3d>
+      <a:camera prst="orthographicFront"/>
+      <a:lightRig rig="threePt" dir="t"/>
+    </dgm:scene3d>
+    <dgm:txPr/>
+    <dgm:style>
+      <a:lnRef idx="0">
+        <a:scrgbClr r="0" g="0" b="0"/>
+      </a:lnRef>
+      <a:fillRef idx="1">
+        <a:scrgbClr r="0" g="0" b="0"/>
+      </a:fillRef>
+      <a:effectRef idx="0">
+        <a:scrgbClr r="0" g="0" b="0"/>
+      </a:effectRef>
+      <a:fontRef idx="minor"/>
+    </dgm:style>
+  </dgm:styleLbl>
+  <dgm:styleLbl name="fgAcc0">
+    <dgm:scene3d>
+      <a:camera prst="orthographicFront"/>
+      <a:lightRig rig="threePt" dir="t"/>
+    </dgm:scene3d>
+    <dgm:txPr/>
+    <dgm:style>
+      <a:lnRef idx="2">
+        <a:scrgbClr r="0" g="0" b="0"/>
+      </a:lnRef>
+      <a:fillRef idx="1">
+        <a:scrgbClr r="0" g="0" b="0"/>
+      </a:fillRef>
+      <a:effectRef idx="0">
+        <a:scrgbClr r="0" g="0" b="0"/>
+      </a:effectRef>
+      <a:fontRef idx="minor"/>
+    </dgm:style>
+  </dgm:styleLbl>
+  <dgm:styleLbl name="fgAcc1">
+    <dgm:scene3d>
+      <a:camera prst="orthographicFront"/>
+      <a:lightRig rig="threePt" dir="t"/>
+    </dgm:scene3d>
+    <dgm:txPr/>
+    <dgm:style>
+      <a:lnRef idx="2">
+        <a:scrgbClr r="0" g="0" b="0"/>
+      </a:lnRef>
+      <a:fillRef idx="1">
+        <a:scrgbClr r="0" g="0" b="0"/>
+      </a:fillRef>
+      <a:effectRef idx="0">
+        <a:scrgbClr r="0" g="0" b="0"/>
+      </a:effectRef>
+      <a:fontRef idx="minor"/>
+    </dgm:style>
+  </dgm:styleLbl>
+  <dgm:styleLbl name="fgAcc2">
+    <dgm:scene3d>
+      <a:camera prst="orthographicFront"/>
+      <a:lightRig rig="threePt" dir="t"/>
+    </dgm:scene3d>
+    <dgm:txPr/>
+    <dgm:style>
+      <a:lnRef idx="2">
+        <a:scrgbClr r="0" g="0" b="0"/>
+      </a:lnRef>
+      <a:fillRef idx="1">
+        <a:scrgbClr r="0" g="0" b="0"/>
+      </a:fillRef>
+      <a:effectRef idx="0">
+        <a:scrgbClr r="0" g="0" b="0"/>
+      </a:effectRef>
+      <a:fontRef idx="minor"/>
+    </dgm:style>
+  </dgm:styleLbl>
+  <dgm:styleLbl name="fgAcc3">
+    <dgm:scene3d>
+      <a:camera prst="orthographicFront"/>
+      <a:lightRig rig="threePt" dir="t"/>
+    </dgm:scene3d>
+    <dgm:txPr/>
+    <dgm:style>
+      <a:lnRef idx="2">
+        <a:scrgbClr r="0" g="0" b="0"/>
+      </a:lnRef>
+      <a:fillRef idx="1">
+        <a:scrgbClr r="0" g="0" b="0"/>
+      </a:fillRef>
+      <a:effectRef idx="0">
+        <a:scrgbClr r="0" g="0" b="0"/>
+      </a:effectRef>
+      <a:fontRef idx="minor"/>
+    </dgm:style>
+  </dgm:styleLbl>
+  <dgm:styleLbl name="fgAcc4">
+    <dgm:scene3d>
+      <a:camera prst="orthographicFront"/>
+      <a:lightRig rig="threePt" dir="t"/>
+    </dgm:scene3d>
+    <dgm:txPr/>
+    <dgm:style>
+      <a:lnRef idx="2">
+        <a:scrgbClr r="0" g="0" b="0"/>
+      </a:lnRef>
+      <a:fillRef idx="1">
+        <a:scrgbClr r="0" g="0" b="0"/>
+      </a:fillRef>
+      <a:effectRef idx="0">
+        <a:scrgbClr r="0" g="0" b="0"/>
+      </a:effectRef>
+      <a:fontRef idx="minor"/>
+    </dgm:style>
+  </dgm:styleLbl>
+  <dgm:styleLbl name="fgAccFollowNode1">
+    <dgm:scene3d>
+      <a:camera prst="orthographicFront"/>
+      <a:lightRig rig="threePt" dir="t"/>
+    </dgm:scene3d>
+    <dgm:txPr/>
+    <dgm:style>
+      <a:lnRef idx="2">
+        <a:scrgbClr r="0" g="0" b="0"/>
+      </a:lnRef>
+      <a:fillRef idx="1">
+        <a:scrgbClr r="0" g="0" b="0"/>
+      </a:fillRef>
+      <a:effectRef idx="0">
+        <a:scrgbClr r="0" g="0" b="0"/>
+      </a:effectRef>
+      <a:fontRef idx="minor"/>
+    </dgm:style>
+  </dgm:styleLbl>
+  <dgm:styleLbl name="fgImgPlace1">
+    <dgm:scene3d>
+      <a:camera prst="orthographicFront"/>
+      <a:lightRig rig="threePt" dir="t"/>
+    </dgm:scene3d>
+    <dgm:txPr/>
+    <dgm:style>
+      <a:lnRef idx="2">
+        <a:scrgbClr r="0" g="0" b="0"/>
+      </a:lnRef>
+      <a:fillRef idx="1">
+        <a:scrgbClr r="0" g="0" b="0"/>
+      </a:fillRef>
+      <a:effectRef idx="0">
+        <a:scrgbClr r="0" g="0" b="0"/>
+      </a:effectRef>
+      <a:fontRef idx="minor"/>
+    </dgm:style>
+  </dgm:styleLbl>
+  <dgm:styleLbl name="fgShp">
+    <dgm:scene3d>
+      <a:camera prst="orthographicFront"/>
+      <a:lightRig rig="threePt" dir="t"/>
+    </dgm:scene3d>
+    <dgm:txPr/>
+    <dgm:style>
+      <a:lnRef idx="2">
+        <a:scrgbClr r="0" g="0" b="0"/>
+      </a:lnRef>
+      <a:fillRef idx="1">
+        <a:scrgbClr r="0" g="0" b="0"/>
+      </a:fillRef>
+      <a:effectRef idx="0">
+        <a:scrgbClr r="0" g="0" b="0"/>
+      </a:effectRef>
+      <a:fontRef idx="minor"/>
+    </dgm:style>
+  </dgm:styleLbl>
+  <dgm:styleLbl name="fgSibTrans2D1">
+    <dgm:scene3d>
+      <a:camera prst="orthographicFront"/>
+      <a:lightRig rig="threePt" dir="t"/>
+    </dgm:scene3d>
+    <dgm:txPr/>
+    <dgm:style>
+      <a:lnRef idx="0">
+        <a:scrgbClr r="0" g="0" b="0"/>
+      </a:lnRef>
+      <a:fillRef idx="1">
+        <a:scrgbClr r="0" g="0" b="0"/>
+      </a:fillRef>
+      <a:effectRef idx="0">
+        <a:scrgbClr r="0" g="0" b="0"/>
+      </a:effectRef>
+      <a:fontRef idx="minor">
+        <a:schemeClr val="lt1"/>
+      </a:fontRef>
+    </dgm:style>
+  </dgm:styleLbl>
+  <dgm:styleLbl name="lnNode1">
+    <dgm:scene3d>
+      <a:camera prst="orthographicFront"/>
+      <a:lightRig rig="threePt" dir="t"/>
+    </dgm:scene3d>
+    <dgm:txPr/>
+    <dgm:style>
+      <a:lnRef idx="2">
+        <a:scrgbClr r="0" g="0" b="0"/>
+      </a:lnRef>
+      <a:fillRef idx="1">
+        <a:scrgbClr r="0" g="0" b="0"/>
+      </a:fillRef>
+      <a:effectRef idx="0">
+        <a:scrgbClr r="0" g="0" b="0"/>
+      </a:effectRef>
+      <a:fontRef idx="minor">
+        <a:schemeClr val="lt1"/>
+      </a:fontRef>
+    </dgm:style>
+  </dgm:styleLbl>
+  <dgm:styleLbl name="node0">
+    <dgm:scene3d>
+      <a:camera prst="orthographicFront"/>
+      <a:lightRig rig="threePt" dir="t"/>
+    </dgm:scene3d>
+    <dgm:txPr/>
+    <dgm:style>
+      <a:lnRef idx="2">
+        <a:scrgbClr r="0" g="0" b="0"/>
+      </a:lnRef>
+      <a:fillRef idx="1">
+        <a:scrgbClr r="0" g="0" b="0"/>
+      </a:fillRef>
+      <a:effectRef idx="0">
+        <a:scrgbClr r="0" g="0" b="0"/>
+      </a:effectRef>
+      <a:fontRef idx="minor">
+        <a:schemeClr val="lt1"/>
+      </a:fontRef>
+    </dgm:style>
+  </dgm:styleLbl>
+  <dgm:styleLbl name="node1">
+    <dgm:scene3d>
+      <a:camera prst="orthographicFront"/>
+      <a:lightRig rig="threePt" dir="t"/>
+    </dgm:scene3d>
+    <dgm:txPr/>
+    <dgm:style>
+      <a:lnRef idx="2">
+        <a:scrgbClr r="0" g="0" b="0"/>
+      </a:lnRef>
+      <a:fillRef idx="1">
+        <a:scrgbClr r="0" g="0" b="0"/>
+      </a:fillRef>
+      <a:effectRef idx="0">
+        <a:scrgbClr r="0" g="0" b="0"/>
+      </a:effectRef>
+      <a:fontRef idx="minor">
+        <a:schemeClr val="lt1"/>
+      </a:fontRef>
+    </dgm:style>
+  </dgm:styleLbl>
+  <dgm:styleLbl name="node2">
+    <dgm:scene3d>
+      <a:camera prst="orthographicFront"/>
+      <a:lightRig rig="threePt" dir="t"/>
+    </dgm:scene3d>
+    <dgm:txPr/>
+    <dgm:style>
+      <a:lnRef idx="2">
+        <a:scrgbClr r="0" g="0" b="0"/>
+      </a:lnRef>
+      <a:fillRef idx="1">
+        <a:scrgbClr r="0" g="0" b="0"/>
+      </a:fillRef>
+      <a:effectRef idx="0">
+        <a:scrgbClr r="0" g="0" b="0"/>
+      </a:effectRef>
+      <a:fontRef idx="minor">
+        <a:schemeClr val="lt1"/>
+      </a:fontRef>
+    </dgm:style>
+  </dgm:styleLbl>
+  <dgm:styleLbl name="node3">
+    <dgm:scene3d>
+      <a:camera prst="orthographicFront"/>
+      <a:lightRig rig="threePt" dir="t"/>
+    </dgm:scene3d>
+    <dgm:txPr/>
+    <dgm:style>
+      <a:lnRef idx="2">
+        <a:scrgbClr r="0" g="0" b="0"/>
+      </a:lnRef>
+      <a:fillRef idx="1">
+        <a:scrgbClr r="0" g="0" b="0"/>
+      </a:fillRef>
+      <a:effectRef idx="0">
+        <a:scrgbClr r="0" g="0" b="0"/>
+      </a:effectRef>
+      <a:fontRef idx="minor">
+        <a:schemeClr val="lt1"/>
+      </a:fontRef>
+    </dgm:style>
+  </dgm:styleLbl>
+  <dgm:styleLbl name="node4">
+    <dgm:scene3d>
+      <a:camera prst="orthographicFront"/>
+      <a:lightRig rig="threePt" dir="t"/>
+    </dgm:scene3d>
+    <dgm:txPr/>
+    <dgm:style>
+      <a:lnRef idx="2">
+        <a:scrgbClr r="0" g="0" b="0"/>
+      </a:lnRef>
+      <a:fillRef idx="1">
+        <a:scrgbClr r="0" g="0" b="0"/>
+      </a:fillRef>
+      <a:effectRef idx="0">
+        <a:scrgbClr r="0" g="0" b="0"/>
+      </a:effectRef>
+      <a:fontRef idx="minor">
+        <a:schemeClr val="lt1"/>
+      </a:fontRef>
+    </dgm:style>
+  </dgm:styleLbl>
+  <dgm:styleLbl name="parChTrans1D1">
+    <dgm:scene3d>
+      <a:camera prst="orthographicFront"/>
+      <a:lightRig rig="threePt" dir="t"/>
+    </dgm:scene3d>
+    <dgm:txPr/>
+    <dgm:style>
+      <a:lnRef idx="2">
+        <a:scrgbClr r="0" g="0" b="0"/>
+      </a:lnRef>
+      <a:fillRef idx="0">
+        <a:scrgbClr r="0" g="0" b="0"/>
+      </a:fillRef>
+      <a:effectRef idx="0">
+        <a:scrgbClr r="0" g="0" b="0"/>
+      </a:effectRef>
+      <a:fontRef idx="minor"/>
+    </dgm:style>
+  </dgm:styleLbl>
+  <dgm:styleLbl name="parChTrans1D2">
+    <dgm:scene3d>
+      <a:camera prst="orthographicFront"/>
+      <a:lightRig rig="threePt" dir="t"/>
+    </dgm:scene3d>
+    <dgm:txPr/>
+    <dgm:style>
+      <a:lnRef idx="2">
+        <a:scrgbClr r="0" g="0" b="0"/>
+      </a:lnRef>
+      <a:fillRef idx="0">
+        <a:scrgbClr r="0" g="0" b="0"/>
+      </a:fillRef>
+      <a:effectRef idx="0">
+        <a:scrgbClr r="0" g="0" b="0"/>
+      </a:effectRef>
+      <a:fontRef idx="minor"/>
+    </dgm:style>
+  </dgm:styleLbl>
+  <dgm:styleLbl name="parChTrans1D3">
+    <dgm:scene3d>
+      <a:camera prst="orthographicFront"/>
+      <a:lightRig rig="threePt" dir="t"/>
+    </dgm:scene3d>
+    <dgm:txPr/>
+    <dgm:style>
+      <a:lnRef idx="2">
+        <a:scrgbClr r="0" g="0" b="0"/>
+      </a:lnRef>
+      <a:fillRef idx="0">
+        <a:scrgbClr r="0" g="0" b="0"/>
+      </a:fillRef>
+      <a:effectRef idx="0">
+        <a:scrgbClr r="0" g="0" b="0"/>
+      </a:effectRef>
+      <a:fontRef idx="minor"/>
+    </dgm:style>
+  </dgm:styleLbl>
+  <dgm:styleLbl name="parChTrans1D4">
+    <dgm:scene3d>
+      <a:camera prst="orthographicFront"/>
+      <a:lightRig rig="threePt" dir="t"/>
+    </dgm:scene3d>
+    <dgm:txPr/>
+    <dgm:style>
+      <a:lnRef idx="2">
+        <a:scrgbClr r="0" g="0" b="0"/>
+      </a:lnRef>
+      <a:fillRef idx="0">
+        <a:scrgbClr r="0" g="0" b="0"/>
+      </a:fillRef>
+      <a:effectRef idx="0">
+        <a:scrgbClr r="0" g="0" b="0"/>
+      </a:effectRef>
+      <a:fontRef idx="minor"/>
+    </dgm:style>
+  </dgm:styleLbl>
+  <dgm:styleLbl name="parChTrans2D1">
+    <dgm:scene3d>
+      <a:camera prst="orthographicFront"/>
+      <a:lightRig rig="threePt" dir="t"/>
+    </dgm:scene3d>
+    <dgm:txPr/>
+    <dgm:style>
+      <a:lnRef idx="2">
+        <a:scrgbClr r="0" g="0" b="0"/>
+      </a:lnRef>
+      <a:fillRef idx="1">
+        <a:scrgbClr r="0" g="0" b="0"/>
+      </a:fillRef>
+      <a:effectRef idx="0">
+        <a:scrgbClr r="0" g="0" b="0"/>
+      </a:effectRef>
+      <a:fontRef idx="minor">
+        <a:schemeClr val="lt1"/>
+      </a:fontRef>
+    </dgm:style>
+  </dgm:styleLbl>
+  <dgm:styleLbl name="parChTrans2D2">
+    <dgm:scene3d>
+      <a:camera prst="orthographicFront"/>
+      <a:lightRig rig="threePt" dir="t"/>
+    </dgm:scene3d>
+    <dgm:txPr/>
+    <dgm:style>
+      <a:lnRef idx="2">
+        <a:scrgbClr r="0" g="0" b="0"/>
+      </a:lnRef>
+      <a:fillRef idx="1">
+        <a:scrgbClr r="0" g="0" b="0"/>
+      </a:fillRef>
+      <a:effectRef idx="0">
+        <a:scrgbClr r="0" g="0" b="0"/>
+      </a:effectRef>
+      <a:fontRef idx="minor">
+        <a:schemeClr val="lt1"/>
+      </a:fontRef>
+    </dgm:style>
+  </dgm:styleLbl>
+  <dgm:styleLbl name="parChTrans2D3">
+    <dgm:scene3d>
+      <a:camera prst="orthographicFront"/>
+      <a:lightRig rig="threePt" dir="t"/>
+    </dgm:scene3d>
+    <dgm:txPr/>
+    <dgm:style>
+      <a:lnRef idx="2">
+        <a:scrgbClr r="0" g="0" b="0"/>
+      </a:lnRef>
+      <a:fillRef idx="1">
+        <a:scrgbClr r="0" g="0" b="0"/>
+      </a:fillRef>
+      <a:effectRef idx="0">
+        <a:scrgbClr r="0" g="0" b="0"/>
+      </a:effectRef>
+      <a:fontRef idx="minor">
+        <a:schemeClr val="lt1"/>
+      </a:fontRef>
+    </dgm:style>
+  </dgm:styleLbl>
+  <dgm:styleLbl name="parChTrans2D4">
+    <dgm:scene3d>
+      <a:camera prst="orthographicFront"/>
+      <a:lightRig rig="threePt" dir="t"/>
+    </dgm:scene3d>
+    <dgm:txPr/>
+    <dgm:style>
+      <a:lnRef idx="2">
+        <a:scrgbClr r="0" g="0" b="0"/>
+      </a:lnRef>
+      <a:fillRef idx="1">
+        <a:scrgbClr r="0" g="0" b="0"/>
+      </a:fillRef>
+      <a:effectRef idx="0">
+        <a:scrgbClr r="0" g="0" b="0"/>
+      </a:effectRef>
+      <a:fontRef idx="minor">
+        <a:schemeClr val="lt1"/>
+      </a:fontRef>
+    </dgm:style>
+  </dgm:styleLbl>
+  <dgm:styleLbl name="revTx">
+    <dgm:scene3d>
+      <a:camera prst="orthographicFront"/>
+      <a:lightRig rig="threePt" dir="t"/>
+    </dgm:scene3d>
+    <dgm:txPr/>
+    <dgm:style>
+      <a:lnRef idx="0">
+        <a:scrgbClr r="0" g="0" b="0"/>
+      </a:lnRef>
+      <a:fillRef idx="0">
+        <a:scrgbClr r="0" g="0" b="0"/>
+      </a:fillRef>
+      <a:effectRef idx="0">
+        <a:scrgbClr r="0" g="0" b="0"/>
+      </a:effectRef>
+      <a:fontRef idx="minor"/>
+    </dgm:style>
+  </dgm:styleLbl>
+  <dgm:styleLbl name="sibTrans1D1">
+    <dgm:scene3d>
+      <a:camera prst="orthographicFront"/>
+      <a:lightRig rig="threePt" dir="t"/>
+    </dgm:scene3d>
+    <dgm:txPr/>
+    <dgm:style>
+      <a:lnRef idx="1">
+        <a:scrgbClr r="0" g="0" b="0"/>
+      </a:lnRef>
+      <a:fillRef idx="0">
+        <a:scrgbClr r="0" g="0" b="0"/>
+      </a:fillRef>
+      <a:effectRef idx="0">
+        <a:scrgbClr r="0" g="0" b="0"/>
+      </a:effectRef>
+      <a:fontRef idx="minor"/>
+    </dgm:style>
+  </dgm:styleLbl>
+  <dgm:styleLbl name="sibTrans2D1">
+    <dgm:scene3d>
+      <a:camera prst="orthographicFront"/>
+      <a:lightRig rig="threePt" dir="t"/>
+    </dgm:scene3d>
+    <dgm:txPr/>
+    <dgm:style>
+      <a:lnRef idx="0">
+        <a:scrgbClr r="0" g="0" b="0"/>
+      </a:lnRef>
+      <a:fillRef idx="1">
+        <a:scrgbClr r="0" g="0" b="0"/>
+      </a:fillRef>
+      <a:effectRef idx="0">
+        <a:scrgbClr r="0" g="0" b="0"/>
+      </a:effectRef>
+      <a:fontRef idx="minor">
+        <a:schemeClr val="lt1"/>
+      </a:fontRef>
+    </dgm:style>
+  </dgm:styleLbl>
+  <dgm:styleLbl name="solidAlignAcc1">
+    <dgm:scene3d>
+      <a:camera prst="orthographicFront"/>
+      <a:lightRig rig="threePt" dir="t"/>
+    </dgm:scene3d>
+    <dgm:txPr/>
+    <dgm:style>
+      <a:lnRef idx="2">
+        <a:scrgbClr r="0" g="0" b="0"/>
+      </a:lnRef>
+      <a:fillRef idx="1">
+        <a:scrgbClr r="0" g="0" b="0"/>
+      </a:fillRef>
+      <a:effectRef idx="0">
+        <a:scrgbClr r="0" g="0" b="0"/>
+      </a:effectRef>
+      <a:fontRef idx="minor"/>
+    </dgm:style>
+  </dgm:styleLbl>
+  <dgm:styleLbl name="solidBgAcc1">
+    <dgm:scene3d>
+      <a:camera prst="orthographicFront"/>
+      <a:lightRig rig="threePt" dir="t"/>
+    </dgm:scene3d>
+    <dgm:txPr/>
+    <dgm:style>
+      <a:lnRef idx="2">
+        <a:scrgbClr r="0" g="0" b="0"/>
+      </a:lnRef>
+      <a:fillRef idx="1">
+        <a:scrgbClr r="0" g="0" b="0"/>
+      </a:fillRef>
+      <a:effectRef idx="0">
+        <a:scrgbClr r="0" g="0" b="0"/>
+      </a:effectRef>
+      <a:fontRef idx="minor"/>
+    </dgm:style>
+  </dgm:styleLbl>
+  <dgm:styleLbl name="solidFgAcc1">
+    <dgm:scene3d>
+      <a:camera prst="orthographicFront"/>
+      <a:lightRig rig="threePt" dir="t"/>
+    </dgm:scene3d>
+    <dgm:txPr/>
+    <dgm:style>
+      <a:lnRef idx="2">
+        <a:scrgbClr r="0" g="0" b="0"/>
+      </a:lnRef>
+      <a:fillRef idx="1">
+        <a:scrgbClr r="0" g="0" b="0"/>
+      </a:fillRef>
+      <a:effectRef idx="0">
+        <a:scrgbClr r="0" g="0" b="0"/>
+      </a:effectRef>
+      <a:fontRef idx="minor"/>
+    </dgm:style>
+  </dgm:styleLbl>
+  <dgm:styleLbl name="trAlignAcc1">
+    <dgm:scene3d>
+      <a:camera prst="orthographicFront"/>
+      <a:lightRig rig="threePt" dir="t"/>
+    </dgm:scene3d>
+    <dgm:txPr/>
+    <dgm:style>
+      <a:lnRef idx="1">
+        <a:scrgbClr r="0" g="0" b="0"/>
+      </a:lnRef>
+      <a:fillRef idx="1">
+        <a:scrgbClr r="0" g="0" b="0"/>
+      </a:fillRef>
+      <a:effectRef idx="0">
+        <a:scrgbClr r="0" g="0" b="0"/>
+      </a:effectRef>
+      <a:fontRef idx="minor"/>
+    </dgm:style>
+  </dgm:styleLbl>
+  <dgm:styleLbl name="trBgShp">
+    <dgm:scene3d>
+      <a:camera prst="orthographicFront"/>
+      <a:lightRig rig="threePt" dir="t"/>
+    </dgm:scene3d>
+    <dgm:txPr/>
+    <dgm:style>
+      <a:lnRef idx="0">
+        <a:scrgbClr r="0" g="0" b="0"/>
+      </a:lnRef>
+      <a:fillRef idx="1">
+        <a:scrgbClr r="0" g="0" b="0"/>
+      </a:fillRef>
+      <a:effectRef idx="0">
+        <a:scrgbClr r="0" g="0" b="0"/>
+      </a:effectRef>
+      <a:fontRef idx="minor"/>
+    </dgm:style>
+  </dgm:styleLbl>
+  <dgm:styleLbl name="vennNode1">
+    <dgm:scene3d>
+      <a:camera prst="orthographicFront"/>
+      <a:lightRig rig="threePt" dir="t"/>
+    </dgm:scene3d>
+    <dgm:txPr/>
+    <dgm:style>
+      <a:lnRef idx="2">
+        <a:scrgbClr r="0" g="0" b="0"/>
+      </a:lnRef>
+      <a:fillRef idx="1">
+        <a:scrgbClr r="0" g="0" b="0"/>
+      </a:fillRef>
+      <a:effectRef idx="0">
+        <a:scrgbClr r="0" g="0" b="0"/>
+      </a:effectRef>
+      <a:fontRef idx="minor">
+        <a:schemeClr val="tx1"/>
+      </a:fontRef>
+    </dgm:style>
+  </dgm:styleLbl>
+</dgm:styleDef>
+</file>
+
+<file path=ppt/diagrams/quickStyle3.xml><?xml version="1.0" encoding="utf-8"?>
 <dgm:styleDef xmlns:dgm="http://schemas.openxmlformats.org/drawingml/2006/diagram" xmlns:a="http://schemas.openxmlformats.org/drawingml/2006/main" uniqueId="urn:microsoft.com/office/officeart/2005/8/quickstyle/simple1">
   <dgm:title val=""/>
   <dgm:desc val=""/>
@@ -8919,6 +11789,54 @@
             <a:r>
               <a:rPr lang="en-US"/>
               <a:t>Dhofier, Z. (2011). Tradisi Pesantren: Studi Pandangan Hidup Kyai dan Visinya Mengenai Masa Depan Indonesia. Jakarta: LP3ES. </a:t>
+            </a:r>
+            <a:endParaRPr lang="en-US"/>
+          </a:p>
+        </p:txBody>
+      </p:sp>
+    </p:spTree>
+  </p:cSld>
+  <p:clrMapOvr>
+    <a:masterClrMapping/>
+  </p:clrMapOvr>
+</p:notes>
+</file>
+
+<file path=ppt/notesSlides/notesSlide3.xml><?xml version="1.0" encoding="utf-8"?>
+<p:notes xmlns:a="http://schemas.openxmlformats.org/drawingml/2006/main" xmlns:r="http://schemas.openxmlformats.org/officeDocument/2006/relationships" xmlns:p="http://schemas.openxmlformats.org/presentationml/2006/main">
+  <p:cSld>
+    <p:spTree>
+      <p:nvGrpSpPr>
+        <p:cNvPr id="1" name=""/>
+        <p:cNvGrpSpPr/>
+        <p:nvPr/>
+      </p:nvGrpSpPr>
+      <p:grpSpPr/>
+      <p:sp>
+        <p:nvSpPr>
+          <p:cNvPr id="2" name="Slide Image Placeholder 1"/>
+          <p:cNvSpPr/>
+          <p:nvPr>
+            <p:ph type="sldImg" idx="2"/>
+          </p:nvPr>
+        </p:nvSpPr>
+        <p:spPr/>
+      </p:sp>
+      <p:sp>
+        <p:nvSpPr>
+          <p:cNvPr id="3" name="Text Placeholder 2"/>
+          <p:cNvSpPr/>
+          <p:nvPr>
+            <p:ph type="body" idx="3"/>
+          </p:nvPr>
+        </p:nvSpPr>
+        <p:spPr/>
+        <p:txBody>
+          <a:bodyPr/>
+          <a:p>
+            <a:r>
+              <a:rPr lang="en-US"/>
+              <a:t>Mempelajari ilmu agama tentunya tidak sempurna jika tidak mempelajarinya dari sumbernya ilmu tersebut yaitu kalam Allah yang termaktub di dalam Alquran. Sebagai upaya untuk memahami ilmu-ilmu yang terkandung di dalam Alquran, maka dijadikanlah hafalan Alquran sebagai kurikulum utama di beberapa pondok pesantren, salah satunya adalah SMA Tahfidz Al Izzah yang bertempat di Kelurahan Simpang Pasir, Kecamatan Palaran, Kota Samarinda. Setelah santri-santri menyelesaikan hafalan Alquran 30 juz, maka akan lebih mudah untuk memahami intisari dari ayat-ayat yang terdapat di dalam Alquran, kemudian akan lebih mudah lagi mengamalkannya di kehidupan sehari-hari.</a:t>
             </a:r>
             <a:endParaRPr lang="en-US"/>
           </a:p>
@@ -12563,6 +15481,80 @@
 </p:sld>
 </file>
 
+<file path=ppt/slides/slide6.xml><?xml version="1.0" encoding="utf-8"?>
+<p:sld xmlns:a="http://schemas.openxmlformats.org/drawingml/2006/main" xmlns:r="http://schemas.openxmlformats.org/officeDocument/2006/relationships" xmlns:p="http://schemas.openxmlformats.org/presentationml/2006/main">
+  <p:cSld>
+    <p:spTree>
+      <p:nvGrpSpPr>
+        <p:cNvPr id="1" name=""/>
+        <p:cNvGrpSpPr/>
+        <p:nvPr/>
+      </p:nvGrpSpPr>
+      <p:grpSpPr/>
+      <p:sp>
+        <p:nvSpPr>
+          <p:cNvPr id="2" name="Title 1"/>
+          <p:cNvSpPr>
+            <a:spLocks noGrp="1"/>
+          </p:cNvSpPr>
+          <p:nvPr>
+            <p:ph type="title"/>
+          </p:nvPr>
+        </p:nvSpPr>
+        <p:spPr/>
+        <p:txBody>
+          <a:bodyPr/>
+          <a:p>
+            <a:r>
+              <a:rPr lang="" altLang="en-US"/>
+              <a:t>Latar Belakang</a:t>
+            </a:r>
+            <a:endParaRPr lang="" altLang="en-US"/>
+          </a:p>
+        </p:txBody>
+      </p:sp>
+      <p:sp>
+        <p:nvSpPr>
+          <p:cNvPr id="3" name="Content Placeholder 2"/>
+          <p:cNvSpPr>
+            <a:spLocks noGrp="1"/>
+          </p:cNvSpPr>
+          <p:nvPr>
+            <p:ph idx="1"/>
+          </p:nvPr>
+        </p:nvSpPr>
+        <p:spPr/>
+        <p:txBody>
+          <a:bodyPr/>
+          <a:p>
+            <a:endParaRPr lang="en-US"/>
+          </a:p>
+        </p:txBody>
+      </p:sp>
+      <p:graphicFrame>
+        <p:nvGraphicFramePr>
+          <p:cNvPr id="5" name="Diagram 4"/>
+          <p:cNvGraphicFramePr/>
+          <p:nvPr/>
+        </p:nvGraphicFramePr>
+        <p:xfrm>
+          <a:off x="2032000" y="719455"/>
+          <a:ext cx="8128000" cy="5418455"/>
+        </p:xfrm>
+        <a:graphic>
+          <a:graphicData uri="http://schemas.openxmlformats.org/drawingml/2006/diagram">
+            <dgm:relIds xmlns:dgm="http://schemas.openxmlformats.org/drawingml/2006/diagram" xmlns:r="http://schemas.openxmlformats.org/officeDocument/2006/relationships" r:dm="rId1" r:lo="rId2" r:qs="rId3" r:cs="rId4"/>
+          </a:graphicData>
+        </a:graphic>
+      </p:graphicFrame>
+    </p:spTree>
+  </p:cSld>
+  <p:clrMapOvr>
+    <a:masterClrMapping/>
+  </p:clrMapOvr>
+</p:sld>
+</file>
+
 <file path=ppt/theme/theme1.xml><?xml version="1.0" encoding="utf-8"?>
 <a:theme xmlns:a="http://schemas.openxmlformats.org/drawingml/2006/main" name="Blue Waves">
   <a:themeElements>

--- a/seminar proposal.pptx
+++ b/seminar proposal.pptx
@@ -14,6 +14,7 @@
     <p:sldId id="260" r:id="rId7"/>
     <p:sldId id="261" r:id="rId8"/>
     <p:sldId id="262" r:id="rId9"/>
+    <p:sldId id="263" r:id="rId10"/>
   </p:sldIdLst>
   <p:sldSz cx="12192000" cy="6858000"/>
   <p:notesSz cx="6858000" cy="9144000"/>
@@ -1610,6 +1611,753 @@
 </file>
 
 <file path=ppt/diagrams/colors3.xml><?xml version="1.0" encoding="utf-8"?>
+<dgm:colorsDef xmlns:dgm="http://schemas.openxmlformats.org/drawingml/2006/diagram" xmlns:a="http://schemas.openxmlformats.org/drawingml/2006/main" uniqueId="urn:microsoft.com/office/officeart/2005/8/colors/accent1_2">
+  <dgm:title val=""/>
+  <dgm:desc val=""/>
+  <dgm:catLst>
+    <dgm:cat type="accent1" pri="11200"/>
+  </dgm:catLst>
+  <dgm:styleLbl name="alignAcc1">
+    <dgm:fillClrLst meth="repeat">
+      <a:schemeClr val="lt1">
+        <a:alpha val="90000"/>
+      </a:schemeClr>
+    </dgm:fillClrLst>
+    <dgm:linClrLst meth="repeat">
+      <a:schemeClr val="accent1"/>
+    </dgm:linClrLst>
+    <dgm:effectClrLst/>
+    <dgm:txLinClrLst/>
+    <dgm:txFillClrLst meth="repeat">
+      <a:schemeClr val="dk1"/>
+    </dgm:txFillClrLst>
+    <dgm:txEffectClrLst/>
+  </dgm:styleLbl>
+  <dgm:styleLbl name="alignAccFollowNode1">
+    <dgm:fillClrLst meth="repeat">
+      <a:schemeClr val="accent1">
+        <a:alpha val="90000"/>
+        <a:tint val="40000"/>
+      </a:schemeClr>
+    </dgm:fillClrLst>
+    <dgm:linClrLst meth="repeat">
+      <a:schemeClr val="accent1">
+        <a:alpha val="90000"/>
+        <a:tint val="40000"/>
+      </a:schemeClr>
+    </dgm:linClrLst>
+    <dgm:effectClrLst/>
+    <dgm:txLinClrLst/>
+    <dgm:txFillClrLst meth="repeat">
+      <a:schemeClr val="dk1"/>
+    </dgm:txFillClrLst>
+    <dgm:txEffectClrLst/>
+  </dgm:styleLbl>
+  <dgm:styleLbl name="alignImgPlace1">
+    <dgm:fillClrLst meth="repeat">
+      <a:schemeClr val="accent1">
+        <a:tint val="50000"/>
+      </a:schemeClr>
+    </dgm:fillClrLst>
+    <dgm:linClrLst meth="repeat">
+      <a:schemeClr val="lt1"/>
+    </dgm:linClrLst>
+    <dgm:effectClrLst/>
+    <dgm:txLinClrLst/>
+    <dgm:txFillClrLst meth="repeat">
+      <a:schemeClr val="lt1"/>
+    </dgm:txFillClrLst>
+    <dgm:txEffectClrLst/>
+  </dgm:styleLbl>
+  <dgm:styleLbl name="alignNode1">
+    <dgm:fillClrLst meth="repeat">
+      <a:schemeClr val="accent1"/>
+    </dgm:fillClrLst>
+    <dgm:linClrLst meth="repeat">
+      <a:schemeClr val="accent1"/>
+    </dgm:linClrLst>
+    <dgm:effectClrLst/>
+    <dgm:txLinClrLst/>
+    <dgm:txFillClrLst/>
+    <dgm:txEffectClrLst/>
+  </dgm:styleLbl>
+  <dgm:styleLbl name="asst0">
+    <dgm:fillClrLst meth="repeat">
+      <a:schemeClr val="accent1"/>
+    </dgm:fillClrLst>
+    <dgm:linClrLst meth="repeat">
+      <a:schemeClr val="lt1"/>
+    </dgm:linClrLst>
+    <dgm:effectClrLst/>
+    <dgm:txLinClrLst/>
+    <dgm:txFillClrLst/>
+    <dgm:txEffectClrLst/>
+  </dgm:styleLbl>
+  <dgm:styleLbl name="asst1">
+    <dgm:fillClrLst meth="repeat">
+      <a:schemeClr val="accent1"/>
+    </dgm:fillClrLst>
+    <dgm:linClrLst meth="repeat">
+      <a:schemeClr val="lt1"/>
+    </dgm:linClrLst>
+    <dgm:effectClrLst/>
+    <dgm:txLinClrLst/>
+    <dgm:txFillClrLst/>
+    <dgm:txEffectClrLst/>
+  </dgm:styleLbl>
+  <dgm:styleLbl name="asst2">
+    <dgm:fillClrLst meth="repeat">
+      <a:schemeClr val="accent1"/>
+    </dgm:fillClrLst>
+    <dgm:linClrLst meth="repeat">
+      <a:schemeClr val="lt1"/>
+    </dgm:linClrLst>
+    <dgm:effectClrLst/>
+    <dgm:txLinClrLst/>
+    <dgm:txFillClrLst/>
+    <dgm:txEffectClrLst/>
+  </dgm:styleLbl>
+  <dgm:styleLbl name="asst3">
+    <dgm:fillClrLst meth="repeat">
+      <a:schemeClr val="accent1"/>
+    </dgm:fillClrLst>
+    <dgm:linClrLst meth="repeat">
+      <a:schemeClr val="lt1"/>
+    </dgm:linClrLst>
+    <dgm:effectClrLst/>
+    <dgm:txLinClrLst/>
+    <dgm:txFillClrLst/>
+    <dgm:txEffectClrLst/>
+  </dgm:styleLbl>
+  <dgm:styleLbl name="asst4">
+    <dgm:fillClrLst meth="repeat">
+      <a:schemeClr val="accent1"/>
+    </dgm:fillClrLst>
+    <dgm:linClrLst meth="repeat">
+      <a:schemeClr val="lt1"/>
+    </dgm:linClrLst>
+    <dgm:effectClrLst/>
+    <dgm:txLinClrLst/>
+    <dgm:txFillClrLst/>
+    <dgm:txEffectClrLst/>
+  </dgm:styleLbl>
+  <dgm:styleLbl name="bgAcc1">
+    <dgm:fillClrLst meth="repeat">
+      <a:schemeClr val="lt1">
+        <a:alpha val="90000"/>
+      </a:schemeClr>
+    </dgm:fillClrLst>
+    <dgm:linClrLst meth="repeat">
+      <a:schemeClr val="accent1"/>
+    </dgm:linClrLst>
+    <dgm:effectClrLst/>
+    <dgm:txLinClrLst/>
+    <dgm:txFillClrLst meth="repeat">
+      <a:schemeClr val="dk1"/>
+    </dgm:txFillClrLst>
+    <dgm:txEffectClrLst/>
+  </dgm:styleLbl>
+  <dgm:styleLbl name="bgAccFollowNode1">
+    <dgm:fillClrLst meth="repeat">
+      <a:schemeClr val="accent1">
+        <a:alpha val="90000"/>
+        <a:tint val="40000"/>
+      </a:schemeClr>
+    </dgm:fillClrLst>
+    <dgm:linClrLst meth="repeat">
+      <a:schemeClr val="accent1">
+        <a:alpha val="90000"/>
+        <a:tint val="40000"/>
+      </a:schemeClr>
+    </dgm:linClrLst>
+    <dgm:effectClrLst/>
+    <dgm:txLinClrLst/>
+    <dgm:txFillClrLst meth="repeat">
+      <a:schemeClr val="dk1"/>
+    </dgm:txFillClrLst>
+    <dgm:txEffectClrLst/>
+  </dgm:styleLbl>
+  <dgm:styleLbl name="bgImgPlace1">
+    <dgm:fillClrLst meth="repeat">
+      <a:schemeClr val="accent1">
+        <a:tint val="50000"/>
+      </a:schemeClr>
+    </dgm:fillClrLst>
+    <dgm:linClrLst meth="repeat">
+      <a:schemeClr val="lt1"/>
+    </dgm:linClrLst>
+    <dgm:effectClrLst/>
+    <dgm:txLinClrLst/>
+    <dgm:txFillClrLst meth="repeat">
+      <a:schemeClr val="lt1"/>
+    </dgm:txFillClrLst>
+    <dgm:txEffectClrLst/>
+  </dgm:styleLbl>
+  <dgm:styleLbl name="bgShp">
+    <dgm:fillClrLst meth="repeat">
+      <a:schemeClr val="accent1">
+        <a:tint val="40000"/>
+      </a:schemeClr>
+    </dgm:fillClrLst>
+    <dgm:linClrLst meth="repeat">
+      <a:schemeClr val="accent1"/>
+    </dgm:linClrLst>
+    <dgm:effectClrLst/>
+    <dgm:txLinClrLst/>
+    <dgm:txFillClrLst meth="repeat">
+      <a:schemeClr val="dk1"/>
+    </dgm:txFillClrLst>
+    <dgm:txEffectClrLst/>
+  </dgm:styleLbl>
+  <dgm:styleLbl name="bgSibTrans2D1">
+    <dgm:fillClrLst meth="repeat">
+      <a:schemeClr val="accent1">
+        <a:tint val="60000"/>
+      </a:schemeClr>
+    </dgm:fillClrLst>
+    <dgm:linClrLst meth="repeat">
+      <a:schemeClr val="accent1">
+        <a:tint val="60000"/>
+      </a:schemeClr>
+    </dgm:linClrLst>
+    <dgm:effectClrLst/>
+    <dgm:txLinClrLst/>
+    <dgm:txFillClrLst/>
+    <dgm:txEffectClrLst/>
+  </dgm:styleLbl>
+  <dgm:styleLbl name="callout">
+    <dgm:fillClrLst meth="repeat">
+      <a:schemeClr val="accent1"/>
+    </dgm:fillClrLst>
+    <dgm:linClrLst meth="repeat">
+      <a:schemeClr val="accent1">
+        <a:tint val="50000"/>
+      </a:schemeClr>
+    </dgm:linClrLst>
+    <dgm:effectClrLst/>
+    <dgm:txLinClrLst/>
+    <dgm:txFillClrLst meth="repeat">
+      <a:schemeClr val="tx1"/>
+    </dgm:txFillClrLst>
+    <dgm:txEffectClrLst/>
+  </dgm:styleLbl>
+  <dgm:styleLbl name="conFgAcc1">
+    <dgm:fillClrLst meth="repeat">
+      <a:schemeClr val="lt1">
+        <a:alpha val="90000"/>
+      </a:schemeClr>
+    </dgm:fillClrLst>
+    <dgm:linClrLst meth="repeat">
+      <a:schemeClr val="accent1"/>
+    </dgm:linClrLst>
+    <dgm:effectClrLst/>
+    <dgm:txLinClrLst/>
+    <dgm:txFillClrLst meth="repeat">
+      <a:schemeClr val="dk1"/>
+    </dgm:txFillClrLst>
+    <dgm:txEffectClrLst/>
+  </dgm:styleLbl>
+  <dgm:styleLbl name="dkBgShp">
+    <dgm:fillClrLst meth="repeat">
+      <a:schemeClr val="accent1">
+        <a:shade val="80000"/>
+      </a:schemeClr>
+    </dgm:fillClrLst>
+    <dgm:linClrLst meth="repeat">
+      <a:schemeClr val="accent1"/>
+    </dgm:linClrLst>
+    <dgm:effectClrLst/>
+    <dgm:txLinClrLst/>
+    <dgm:txFillClrLst meth="repeat">
+      <a:schemeClr val="lt1"/>
+    </dgm:txFillClrLst>
+    <dgm:txEffectClrLst/>
+  </dgm:styleLbl>
+  <dgm:styleLbl name="fgAcc0">
+    <dgm:fillClrLst meth="repeat">
+      <a:schemeClr val="lt1">
+        <a:alpha val="90000"/>
+      </a:schemeClr>
+    </dgm:fillClrLst>
+    <dgm:linClrLst meth="repeat">
+      <a:schemeClr val="accent1"/>
+    </dgm:linClrLst>
+    <dgm:effectClrLst/>
+    <dgm:txLinClrLst/>
+    <dgm:txFillClrLst meth="repeat">
+      <a:schemeClr val="dk1"/>
+    </dgm:txFillClrLst>
+    <dgm:txEffectClrLst/>
+  </dgm:styleLbl>
+  <dgm:styleLbl name="fgAcc1">
+    <dgm:fillClrLst meth="repeat">
+      <a:schemeClr val="lt1">
+        <a:alpha val="90000"/>
+      </a:schemeClr>
+    </dgm:fillClrLst>
+    <dgm:linClrLst meth="repeat">
+      <a:schemeClr val="accent1"/>
+    </dgm:linClrLst>
+    <dgm:effectClrLst/>
+    <dgm:txLinClrLst/>
+    <dgm:txFillClrLst meth="repeat">
+      <a:schemeClr val="dk1"/>
+    </dgm:txFillClrLst>
+    <dgm:txEffectClrLst/>
+  </dgm:styleLbl>
+  <dgm:styleLbl name="fgAcc2">
+    <dgm:fillClrLst meth="repeat">
+      <a:schemeClr val="lt1">
+        <a:alpha val="90000"/>
+      </a:schemeClr>
+    </dgm:fillClrLst>
+    <dgm:linClrLst meth="repeat">
+      <a:schemeClr val="accent1"/>
+    </dgm:linClrLst>
+    <dgm:effectClrLst/>
+    <dgm:txLinClrLst/>
+    <dgm:txFillClrLst meth="repeat">
+      <a:schemeClr val="dk1"/>
+    </dgm:txFillClrLst>
+    <dgm:txEffectClrLst/>
+  </dgm:styleLbl>
+  <dgm:styleLbl name="fgAcc3">
+    <dgm:fillClrLst meth="repeat">
+      <a:schemeClr val="lt1">
+        <a:alpha val="90000"/>
+      </a:schemeClr>
+    </dgm:fillClrLst>
+    <dgm:linClrLst meth="repeat">
+      <a:schemeClr val="accent1"/>
+    </dgm:linClrLst>
+    <dgm:effectClrLst/>
+    <dgm:txLinClrLst/>
+    <dgm:txFillClrLst meth="repeat">
+      <a:schemeClr val="dk1"/>
+    </dgm:txFillClrLst>
+    <dgm:txEffectClrLst/>
+  </dgm:styleLbl>
+  <dgm:styleLbl name="fgAcc4">
+    <dgm:fillClrLst meth="repeat">
+      <a:schemeClr val="lt1">
+        <a:alpha val="90000"/>
+      </a:schemeClr>
+    </dgm:fillClrLst>
+    <dgm:linClrLst meth="repeat">
+      <a:schemeClr val="accent1"/>
+    </dgm:linClrLst>
+    <dgm:effectClrLst/>
+    <dgm:txLinClrLst/>
+    <dgm:txFillClrLst meth="repeat">
+      <a:schemeClr val="dk1"/>
+    </dgm:txFillClrLst>
+    <dgm:txEffectClrLst/>
+  </dgm:styleLbl>
+  <dgm:styleLbl name="fgAccFollowNode1">
+    <dgm:fillClrLst meth="repeat">
+      <a:schemeClr val="accent1">
+        <a:alpha val="90000"/>
+        <a:tint val="40000"/>
+      </a:schemeClr>
+    </dgm:fillClrLst>
+    <dgm:linClrLst meth="repeat">
+      <a:schemeClr val="accent1">
+        <a:alpha val="90000"/>
+        <a:tint val="40000"/>
+      </a:schemeClr>
+    </dgm:linClrLst>
+    <dgm:effectClrLst/>
+    <dgm:txLinClrLst/>
+    <dgm:txFillClrLst meth="repeat">
+      <a:schemeClr val="dk1"/>
+    </dgm:txFillClrLst>
+    <dgm:txEffectClrLst/>
+  </dgm:styleLbl>
+  <dgm:styleLbl name="fgImgPlace1">
+    <dgm:fillClrLst meth="repeat">
+      <a:schemeClr val="accent1">
+        <a:tint val="50000"/>
+      </a:schemeClr>
+    </dgm:fillClrLst>
+    <dgm:linClrLst meth="repeat">
+      <a:schemeClr val="lt1"/>
+    </dgm:linClrLst>
+    <dgm:effectClrLst/>
+    <dgm:txLinClrLst/>
+    <dgm:txFillClrLst meth="repeat">
+      <a:schemeClr val="lt1"/>
+    </dgm:txFillClrLst>
+    <dgm:txEffectClrLst/>
+  </dgm:styleLbl>
+  <dgm:styleLbl name="fgShp">
+    <dgm:fillClrLst meth="repeat">
+      <a:schemeClr val="accent1">
+        <a:tint val="60000"/>
+      </a:schemeClr>
+    </dgm:fillClrLst>
+    <dgm:linClrLst meth="repeat">
+      <a:schemeClr val="lt1"/>
+    </dgm:linClrLst>
+    <dgm:effectClrLst/>
+    <dgm:txLinClrLst/>
+    <dgm:txFillClrLst meth="repeat">
+      <a:schemeClr val="dk1"/>
+    </dgm:txFillClrLst>
+    <dgm:txEffectClrLst/>
+  </dgm:styleLbl>
+  <dgm:styleLbl name="fgSibTrans2D1">
+    <dgm:fillClrLst meth="repeat">
+      <a:schemeClr val="accent1">
+        <a:tint val="60000"/>
+      </a:schemeClr>
+    </dgm:fillClrLst>
+    <dgm:linClrLst meth="repeat">
+      <a:schemeClr val="accent1">
+        <a:tint val="60000"/>
+      </a:schemeClr>
+    </dgm:linClrLst>
+    <dgm:effectClrLst/>
+    <dgm:txLinClrLst/>
+    <dgm:txFillClrLst/>
+    <dgm:txEffectClrLst/>
+  </dgm:styleLbl>
+  <dgm:styleLbl name="lnNode1">
+    <dgm:fillClrLst meth="repeat">
+      <a:schemeClr val="accent1"/>
+    </dgm:fillClrLst>
+    <dgm:linClrLst meth="repeat">
+      <a:schemeClr val="lt1"/>
+    </dgm:linClrLst>
+    <dgm:effectClrLst/>
+    <dgm:txLinClrLst/>
+    <dgm:txFillClrLst/>
+    <dgm:txEffectClrLst/>
+  </dgm:styleLbl>
+  <dgm:styleLbl name="node0">
+    <dgm:fillClrLst meth="repeat">
+      <a:schemeClr val="accent1"/>
+    </dgm:fillClrLst>
+    <dgm:linClrLst meth="repeat">
+      <a:schemeClr val="lt1"/>
+    </dgm:linClrLst>
+    <dgm:effectClrLst/>
+    <dgm:txLinClrLst/>
+    <dgm:txFillClrLst/>
+    <dgm:txEffectClrLst/>
+  </dgm:styleLbl>
+  <dgm:styleLbl name="node1">
+    <dgm:fillClrLst meth="repeat">
+      <a:schemeClr val="accent1"/>
+    </dgm:fillClrLst>
+    <dgm:linClrLst meth="repeat">
+      <a:schemeClr val="lt1"/>
+    </dgm:linClrLst>
+    <dgm:effectClrLst/>
+    <dgm:txLinClrLst/>
+    <dgm:txFillClrLst/>
+    <dgm:txEffectClrLst/>
+  </dgm:styleLbl>
+  <dgm:styleLbl name="node2">
+    <dgm:fillClrLst meth="repeat">
+      <a:schemeClr val="accent1"/>
+    </dgm:fillClrLst>
+    <dgm:linClrLst meth="repeat">
+      <a:schemeClr val="lt1"/>
+    </dgm:linClrLst>
+    <dgm:effectClrLst/>
+    <dgm:txLinClrLst/>
+    <dgm:txFillClrLst/>
+    <dgm:txEffectClrLst/>
+  </dgm:styleLbl>
+  <dgm:styleLbl name="node3">
+    <dgm:fillClrLst meth="repeat">
+      <a:schemeClr val="accent1"/>
+    </dgm:fillClrLst>
+    <dgm:linClrLst meth="repeat">
+      <a:schemeClr val="lt1"/>
+    </dgm:linClrLst>
+    <dgm:effectClrLst/>
+    <dgm:txLinClrLst/>
+    <dgm:txFillClrLst/>
+    <dgm:txEffectClrLst/>
+  </dgm:styleLbl>
+  <dgm:styleLbl name="node4">
+    <dgm:fillClrLst meth="repeat">
+      <a:schemeClr val="accent1"/>
+    </dgm:fillClrLst>
+    <dgm:linClrLst meth="repeat">
+      <a:schemeClr val="lt1"/>
+    </dgm:linClrLst>
+    <dgm:effectClrLst/>
+    <dgm:txLinClrLst/>
+    <dgm:txFillClrLst/>
+    <dgm:txEffectClrLst/>
+  </dgm:styleLbl>
+  <dgm:styleLbl name="parChTrans1D1">
+    <dgm:fillClrLst meth="repeat">
+      <a:schemeClr val="accent1"/>
+    </dgm:fillClrLst>
+    <dgm:linClrLst meth="repeat">
+      <a:schemeClr val="accent1">
+        <a:shade val="60000"/>
+      </a:schemeClr>
+    </dgm:linClrLst>
+    <dgm:effectClrLst/>
+    <dgm:txLinClrLst/>
+    <dgm:txFillClrLst meth="repeat">
+      <a:schemeClr val="tx1"/>
+    </dgm:txFillClrLst>
+    <dgm:txEffectClrLst/>
+  </dgm:styleLbl>
+  <dgm:styleLbl name="parChTrans1D2">
+    <dgm:fillClrLst meth="repeat">
+      <a:schemeClr val="accent1"/>
+    </dgm:fillClrLst>
+    <dgm:linClrLst meth="repeat">
+      <a:schemeClr val="accent1">
+        <a:shade val="60000"/>
+      </a:schemeClr>
+    </dgm:linClrLst>
+    <dgm:effectClrLst/>
+    <dgm:txLinClrLst/>
+    <dgm:txFillClrLst meth="repeat">
+      <a:schemeClr val="tx1"/>
+    </dgm:txFillClrLst>
+    <dgm:txEffectClrLst/>
+  </dgm:styleLbl>
+  <dgm:styleLbl name="parChTrans1D3">
+    <dgm:fillClrLst meth="repeat">
+      <a:schemeClr val="accent1"/>
+    </dgm:fillClrLst>
+    <dgm:linClrLst meth="repeat">
+      <a:schemeClr val="accent1">
+        <a:shade val="80000"/>
+      </a:schemeClr>
+    </dgm:linClrLst>
+    <dgm:effectClrLst/>
+    <dgm:txLinClrLst/>
+    <dgm:txFillClrLst meth="repeat">
+      <a:schemeClr val="tx1"/>
+    </dgm:txFillClrLst>
+    <dgm:txEffectClrLst/>
+  </dgm:styleLbl>
+  <dgm:styleLbl name="parChTrans1D4">
+    <dgm:fillClrLst meth="repeat">
+      <a:schemeClr val="accent1"/>
+    </dgm:fillClrLst>
+    <dgm:linClrLst meth="repeat">
+      <a:schemeClr val="accent1">
+        <a:shade val="80000"/>
+      </a:schemeClr>
+    </dgm:linClrLst>
+    <dgm:effectClrLst/>
+    <dgm:txLinClrLst/>
+    <dgm:txFillClrLst meth="repeat">
+      <a:schemeClr val="tx1"/>
+    </dgm:txFillClrLst>
+    <dgm:txEffectClrLst/>
+  </dgm:styleLbl>
+  <dgm:styleLbl name="parChTrans2D1">
+    <dgm:fillClrLst meth="repeat">
+      <a:schemeClr val="accent1">
+        <a:tint val="60000"/>
+      </a:schemeClr>
+    </dgm:fillClrLst>
+    <dgm:linClrLst meth="repeat">
+      <a:schemeClr val="accent1">
+        <a:tint val="60000"/>
+      </a:schemeClr>
+    </dgm:linClrLst>
+    <dgm:effectClrLst/>
+    <dgm:txLinClrLst/>
+    <dgm:txFillClrLst meth="repeat">
+      <a:schemeClr val="lt1"/>
+    </dgm:txFillClrLst>
+    <dgm:txEffectClrLst/>
+  </dgm:styleLbl>
+  <dgm:styleLbl name="parChTrans2D2">
+    <dgm:fillClrLst meth="repeat">
+      <a:schemeClr val="accent1"/>
+    </dgm:fillClrLst>
+    <dgm:linClrLst meth="repeat">
+      <a:schemeClr val="accent1"/>
+    </dgm:linClrLst>
+    <dgm:effectClrLst/>
+    <dgm:txLinClrLst/>
+    <dgm:txFillClrLst meth="repeat">
+      <a:schemeClr val="lt1"/>
+    </dgm:txFillClrLst>
+    <dgm:txEffectClrLst/>
+  </dgm:styleLbl>
+  <dgm:styleLbl name="parChTrans2D3">
+    <dgm:fillClrLst meth="repeat">
+      <a:schemeClr val="accent1"/>
+    </dgm:fillClrLst>
+    <dgm:linClrLst meth="repeat">
+      <a:schemeClr val="accent1"/>
+    </dgm:linClrLst>
+    <dgm:effectClrLst/>
+    <dgm:txLinClrLst/>
+    <dgm:txFillClrLst meth="repeat">
+      <a:schemeClr val="lt1"/>
+    </dgm:txFillClrLst>
+    <dgm:txEffectClrLst/>
+  </dgm:styleLbl>
+  <dgm:styleLbl name="parChTrans2D4">
+    <dgm:fillClrLst meth="repeat">
+      <a:schemeClr val="accent1"/>
+    </dgm:fillClrLst>
+    <dgm:linClrLst meth="repeat">
+      <a:schemeClr val="accent1"/>
+    </dgm:linClrLst>
+    <dgm:effectClrLst/>
+    <dgm:txLinClrLst/>
+    <dgm:txFillClrLst meth="repeat">
+      <a:schemeClr val="lt1"/>
+    </dgm:txFillClrLst>
+    <dgm:txEffectClrLst/>
+  </dgm:styleLbl>
+  <dgm:styleLbl name="revTx">
+    <dgm:fillClrLst meth="repeat">
+      <a:schemeClr val="lt1">
+        <a:alpha val="0"/>
+      </a:schemeClr>
+    </dgm:fillClrLst>
+    <dgm:linClrLst meth="repeat">
+      <a:schemeClr val="dk1">
+        <a:alpha val="0"/>
+      </a:schemeClr>
+    </dgm:linClrLst>
+    <dgm:effectClrLst/>
+    <dgm:txLinClrLst/>
+    <dgm:txFillClrLst meth="repeat">
+      <a:schemeClr val="tx1"/>
+    </dgm:txFillClrLst>
+    <dgm:txEffectClrLst/>
+  </dgm:styleLbl>
+  <dgm:styleLbl name="sibTrans1D1">
+    <dgm:fillClrLst meth="repeat">
+      <a:schemeClr val="accent1"/>
+    </dgm:fillClrLst>
+    <dgm:linClrLst meth="repeat">
+      <a:schemeClr val="accent1"/>
+    </dgm:linClrLst>
+    <dgm:effectClrLst/>
+    <dgm:txLinClrLst/>
+    <dgm:txFillClrLst meth="repeat">
+      <a:schemeClr val="tx1"/>
+    </dgm:txFillClrLst>
+    <dgm:txEffectClrLst/>
+  </dgm:styleLbl>
+  <dgm:styleLbl name="sibTrans2D1">
+    <dgm:fillClrLst meth="repeat">
+      <a:schemeClr val="accent1">
+        <a:tint val="60000"/>
+      </a:schemeClr>
+    </dgm:fillClrLst>
+    <dgm:linClrLst meth="repeat">
+      <a:schemeClr val="accent1">
+        <a:tint val="60000"/>
+      </a:schemeClr>
+    </dgm:linClrLst>
+    <dgm:effectClrLst/>
+    <dgm:txLinClrLst/>
+    <dgm:txFillClrLst/>
+    <dgm:txEffectClrLst/>
+  </dgm:styleLbl>
+  <dgm:styleLbl name="solidAlignAcc1">
+    <dgm:fillClrLst meth="repeat">
+      <a:schemeClr val="lt1"/>
+    </dgm:fillClrLst>
+    <dgm:linClrLst meth="repeat">
+      <a:schemeClr val="accent1"/>
+    </dgm:linClrLst>
+    <dgm:effectClrLst/>
+    <dgm:txLinClrLst/>
+    <dgm:txFillClrLst meth="repeat">
+      <a:schemeClr val="dk1"/>
+    </dgm:txFillClrLst>
+    <dgm:txEffectClrLst/>
+  </dgm:styleLbl>
+  <dgm:styleLbl name="solidBgAcc1">
+    <dgm:fillClrLst meth="repeat">
+      <a:schemeClr val="lt1"/>
+    </dgm:fillClrLst>
+    <dgm:linClrLst meth="repeat">
+      <a:schemeClr val="accent1"/>
+    </dgm:linClrLst>
+    <dgm:effectClrLst/>
+    <dgm:txLinClrLst/>
+    <dgm:txFillClrLst meth="repeat">
+      <a:schemeClr val="dk1"/>
+    </dgm:txFillClrLst>
+    <dgm:txEffectClrLst/>
+  </dgm:styleLbl>
+  <dgm:styleLbl name="solidFgAcc1">
+    <dgm:fillClrLst meth="repeat">
+      <a:schemeClr val="lt1"/>
+    </dgm:fillClrLst>
+    <dgm:linClrLst meth="repeat">
+      <a:schemeClr val="accent1"/>
+    </dgm:linClrLst>
+    <dgm:effectClrLst/>
+    <dgm:txLinClrLst/>
+    <dgm:txFillClrLst meth="repeat">
+      <a:schemeClr val="dk1"/>
+    </dgm:txFillClrLst>
+    <dgm:txEffectClrLst/>
+  </dgm:styleLbl>
+  <dgm:styleLbl name="trAlignAcc1">
+    <dgm:fillClrLst meth="repeat">
+      <a:schemeClr val="lt1">
+        <a:alpha val="40000"/>
+      </a:schemeClr>
+    </dgm:fillClrLst>
+    <dgm:linClrLst meth="repeat">
+      <a:schemeClr val="accent1"/>
+    </dgm:linClrLst>
+    <dgm:effectClrLst/>
+    <dgm:txLinClrLst/>
+    <dgm:txFillClrLst meth="repeat">
+      <a:schemeClr val="dk1"/>
+    </dgm:txFillClrLst>
+    <dgm:txEffectClrLst/>
+  </dgm:styleLbl>
+  <dgm:styleLbl name="trBgShp">
+    <dgm:fillClrLst meth="repeat">
+      <a:schemeClr val="accent1">
+        <a:tint val="50000"/>
+        <a:alpha val="40000"/>
+      </a:schemeClr>
+    </dgm:fillClrLst>
+    <dgm:linClrLst meth="repeat">
+      <a:schemeClr val="accent1"/>
+    </dgm:linClrLst>
+    <dgm:effectClrLst/>
+    <dgm:txLinClrLst/>
+    <dgm:txFillClrLst meth="repeat">
+      <a:schemeClr val="lt1"/>
+    </dgm:txFillClrLst>
+    <dgm:txEffectClrLst/>
+  </dgm:styleLbl>
+  <dgm:styleLbl name="vennNode1">
+    <dgm:fillClrLst meth="repeat">
+      <a:schemeClr val="accent1">
+        <a:alpha val="50000"/>
+      </a:schemeClr>
+    </dgm:fillClrLst>
+    <dgm:linClrLst meth="repeat">
+      <a:schemeClr val="lt1"/>
+    </dgm:linClrLst>
+    <dgm:effectClrLst/>
+    <dgm:txLinClrLst/>
+    <dgm:txFillClrLst/>
+    <dgm:txEffectClrLst/>
+  </dgm:styleLbl>
+</dgm:colorsDef>
+</file>
+
+<file path=ppt/diagrams/colors4.xml><?xml version="1.0" encoding="utf-8"?>
 <dgm:colorsDef xmlns:dgm="http://schemas.openxmlformats.org/drawingml/2006/diagram" xmlns:a="http://schemas.openxmlformats.org/drawingml/2006/main" uniqueId="urn:microsoft.com/office/officeart/2005/8/colors/accent1_2">
   <dgm:title val=""/>
   <dgm:desc val=""/>
@@ -3694,6 +4442,494 @@
     <dgm:cxn modelId="{DAB18657-430F-4725-86F9-C08478C8D4DA}" type="presOf" srcId="{43774119-1000-4051-8F71-E56675B7A746}" destId="{2658A9EB-79B8-4F0E-8951-129CF1851865}" srcOrd="0" destOrd="0" presId="urn:microsoft.com/office/officeart/2005/8/layout/hProcess11"/>
     <dgm:cxn modelId="{FA33CDA0-CA2F-41BE-A97E-67589C1502A1}" type="presParOf" srcId="{E79CBF0D-EC41-4D37-883F-32BCEB16375A}" destId="{39548634-B30C-4912-AD65-5E8BC2AC9B0F}" srcOrd="1" destOrd="6" presId="urn:microsoft.com/office/officeart/2005/8/layout/hProcess11"/>
     <dgm:cxn modelId="{780F5433-6935-42C2-A8F9-A1F0FB5F5E86}" type="presParOf" srcId="{E79CBF0D-EC41-4D37-883F-32BCEB16375A}" destId="{FC4DBA32-FB7A-48FF-B6A8-B67864C706D8}" srcOrd="2" destOrd="6" presId="urn:microsoft.com/office/officeart/2005/8/layout/hProcess11"/>
+  </dgm:cxnLst>
+  <dgm:bg/>
+  <dgm:whole/>
+  <dgm:extLst>
+    <a:ext uri="http://schemas.microsoft.com/office/drawing/2008/diagram">
+      <dsp:dataModelExt xmlns:dsp="http://schemas.microsoft.com/office/drawing/2008/diagram" relId="rId5" minVer="http://schemas.openxmlformats.org/drawingml/2006/diagram"/>
+    </a:ext>
+  </dgm:extLst>
+</dgm:dataModel>
+</file>
+
+<file path=ppt/diagrams/data4.xml><?xml version="1.0" encoding="utf-8"?>
+<dgm:dataModel xmlns:dgm="http://schemas.openxmlformats.org/drawingml/2006/diagram" xmlns:a="http://schemas.openxmlformats.org/drawingml/2006/main">
+  <dgm:ptLst>
+    <dgm:pt modelId="{CECC35F0-40B5-460D-A737-FC2ACF235663}" type="doc">
+      <dgm:prSet loTypeId="urn:microsoft.com/office/officeart/2005/8/layout/radial2" loCatId="relationship" qsTypeId="urn:microsoft.com/office/officeart/2005/8/quickstyle/simple1" qsCatId="simple" csTypeId="urn:microsoft.com/office/officeart/2005/8/colors/accent1_2" csCatId="accent1" phldr="0"/>
+      <dgm:spPr/>
+      <dgm:t>
+        <a:bodyPr/>
+        <a:p>
+          <a:endParaRPr lang="en-US"/>
+        </a:p>
+      </dgm:t>
+    </dgm:pt>
+    <dgm:pt modelId="{5517B846-E84C-4864-89B5-1273D93BC899}">
+      <dgm:prSet phldrT="[Text]" phldr="0" custT="0"/>
+      <dgm:spPr/>
+      <dgm:t>
+        <a:bodyPr vert="horz" wrap="square"/>
+        <a:p>
+          <a:pPr>
+            <a:lnSpc>
+              <a:spcPct val="100000"/>
+            </a:lnSpc>
+            <a:spcBef>
+              <a:spcPct val="0"/>
+            </a:spcBef>
+            <a:spcAft>
+              <a:spcPct val="35000"/>
+            </a:spcAft>
+          </a:pPr>
+          <a:r>
+            <a:rPr lang="" altLang="en-US"/>
+            <a:t>Waktu yang panjang</a:t>
+          </a:r>
+          <a:r>
+            <a:rPr lang="" altLang="en-US"/>
+            <a:t/>
+          </a:r>
+          <a:endParaRPr lang="" altLang="en-US"/>
+        </a:p>
+      </dgm:t>
+    </dgm:pt>
+    <dgm:pt modelId="{A2D4F7F4-4D7B-4483-B239-95405595478C}" cxnId="{811A66C4-332B-47B3-B9E2-2FA0EAFFD52B}" type="parTrans">
+      <dgm:prSet/>
+      <dgm:spPr/>
+      <dgm:t>
+        <a:bodyPr/>
+        <a:p>
+          <a:endParaRPr lang="en-US"/>
+        </a:p>
+      </dgm:t>
+    </dgm:pt>
+    <dgm:pt modelId="{2B544C9C-8E05-42F5-9212-6599E4B2ECE4}" cxnId="{811A66C4-332B-47B3-B9E2-2FA0EAFFD52B}" type="sibTrans">
+      <dgm:prSet/>
+      <dgm:spPr/>
+      <dgm:t>
+        <a:bodyPr/>
+        <a:p>
+          <a:endParaRPr lang="en-US"/>
+        </a:p>
+      </dgm:t>
+    </dgm:pt>
+    <dgm:pt modelId="{DCD7ECA2-2D44-4DD3-A485-E68F87783744}">
+      <dgm:prSet phldrT="[Text]" phldr="1"/>
+      <dgm:spPr/>
+      <dgm:t>
+        <a:bodyPr/>
+        <a:p>
+          <a:endParaRPr lang="en-US"/>
+        </a:p>
+      </dgm:t>
+    </dgm:pt>
+    <dgm:pt modelId="{01D15587-7CA2-411A-BE30-B5D76E9735EB}" cxnId="{9EAE5BD1-B39C-457C-8323-D64BE151BFF6}" type="parTrans">
+      <dgm:prSet/>
+      <dgm:spPr/>
+      <dgm:t>
+        <a:bodyPr/>
+        <a:p>
+          <a:endParaRPr lang="en-US"/>
+        </a:p>
+      </dgm:t>
+    </dgm:pt>
+    <dgm:pt modelId="{D9EBDF9D-6177-42D1-A920-D45BC9B43FC5}" cxnId="{9EAE5BD1-B39C-457C-8323-D64BE151BFF6}" type="sibTrans">
+      <dgm:prSet/>
+      <dgm:spPr/>
+      <dgm:t>
+        <a:bodyPr/>
+        <a:p>
+          <a:endParaRPr lang="en-US"/>
+        </a:p>
+      </dgm:t>
+    </dgm:pt>
+    <dgm:pt modelId="{EBD748DB-040B-4652-9DBF-2E023BAC8662}">
+      <dgm:prSet phldrT="[Text]" phldr="1"/>
+      <dgm:spPr/>
+      <dgm:t>
+        <a:bodyPr/>
+        <a:p>
+          <a:endParaRPr lang="en-US"/>
+        </a:p>
+      </dgm:t>
+    </dgm:pt>
+    <dgm:pt modelId="{FEA62D2A-23CB-41A5-AFDA-D872CF59419A}" cxnId="{B735246F-F358-4AC4-9DC5-4455F23383E8}" type="parTrans">
+      <dgm:prSet/>
+      <dgm:spPr/>
+      <dgm:t>
+        <a:bodyPr/>
+        <a:p>
+          <a:endParaRPr lang="en-US"/>
+        </a:p>
+      </dgm:t>
+    </dgm:pt>
+    <dgm:pt modelId="{F8F526DB-A2B3-4C12-9949-FBC93B06B481}" cxnId="{B735246F-F358-4AC4-9DC5-4455F23383E8}" type="sibTrans">
+      <dgm:prSet/>
+      <dgm:spPr/>
+      <dgm:t>
+        <a:bodyPr/>
+        <a:p>
+          <a:endParaRPr lang="en-US"/>
+        </a:p>
+      </dgm:t>
+    </dgm:pt>
+    <dgm:pt modelId="{E400A229-425E-4517-A4E8-259BA4F1D641}">
+      <dgm:prSet phldrT="[Text]" phldr="0" custT="0"/>
+      <dgm:spPr/>
+      <dgm:t>
+        <a:bodyPr vert="horz" wrap="square"/>
+        <a:p>
+          <a:pPr>
+            <a:lnSpc>
+              <a:spcPct val="100000"/>
+            </a:lnSpc>
+            <a:spcBef>
+              <a:spcPct val="0"/>
+            </a:spcBef>
+            <a:spcAft>
+              <a:spcPct val="35000"/>
+            </a:spcAft>
+          </a:pPr>
+          <a:r>
+            <a:rPr lang="" altLang="en-US"/>
+            <a:t>Usaha terus-menerus</a:t>
+          </a:r>
+          <a:endParaRPr lang="" altLang="en-US"/>
+        </a:p>
+      </dgm:t>
+    </dgm:pt>
+    <dgm:pt modelId="{744BE3E2-E194-42E7-941A-C0F41144EE1E}" cxnId="{A08E4391-5D71-44F4-AE5C-15F1A75ABD61}" type="parTrans">
+      <dgm:prSet/>
+      <dgm:spPr/>
+      <dgm:t>
+        <a:bodyPr/>
+        <a:p>
+          <a:endParaRPr lang="en-US"/>
+        </a:p>
+      </dgm:t>
+    </dgm:pt>
+    <dgm:pt modelId="{34CF2285-61E3-46B7-8454-DD4724942BE4}" cxnId="{A08E4391-5D71-44F4-AE5C-15F1A75ABD61}" type="sibTrans">
+      <dgm:prSet/>
+      <dgm:spPr/>
+      <dgm:t>
+        <a:bodyPr/>
+        <a:p>
+          <a:endParaRPr lang="en-US"/>
+        </a:p>
+      </dgm:t>
+    </dgm:pt>
+    <dgm:pt modelId="{919B0E3A-CDEA-42FC-B66E-397405DAE14B}">
+      <dgm:prSet phldrT="[Text]" phldr="0" custT="0"/>
+      <dgm:spPr/>
+      <dgm:t>
+        <a:bodyPr vert="horz" wrap="square"/>
+        <a:p>
+          <a:pPr>
+            <a:lnSpc>
+              <a:spcPct val="100000"/>
+            </a:lnSpc>
+            <a:spcBef>
+              <a:spcPct val="0"/>
+            </a:spcBef>
+            <a:spcAft>
+              <a:spcPct val="15000"/>
+            </a:spcAft>
+          </a:pPr>
+          <a:r>
+            <a:rPr lang="" altLang="en-US" i="1"/>
+            <a:t>Kemampuan menghafal</a:t>
+          </a:r>
+          <a:r>
+            <a:rPr lang="en-US" i="1"/>
+            <a:t/>
+          </a:r>
+          <a:endParaRPr lang="en-US" i="1"/>
+        </a:p>
+      </dgm:t>
+    </dgm:pt>
+    <dgm:pt modelId="{765A7463-79A9-413A-8CAF-6C8736DF737E}" cxnId="{CC805808-D768-4CEB-9787-C8338F9E636E}" type="parTrans">
+      <dgm:prSet/>
+      <dgm:spPr/>
+      <dgm:t>
+        <a:bodyPr/>
+        <a:p>
+          <a:endParaRPr lang="en-US"/>
+        </a:p>
+      </dgm:t>
+    </dgm:pt>
+    <dgm:pt modelId="{80820266-7227-487E-A6BE-5F11438118AA}" cxnId="{CC805808-D768-4CEB-9787-C8338F9E636E}" type="sibTrans">
+      <dgm:prSet/>
+      <dgm:spPr/>
+      <dgm:t>
+        <a:bodyPr/>
+        <a:p>
+          <a:endParaRPr lang="en-US"/>
+        </a:p>
+      </dgm:t>
+    </dgm:pt>
+    <dgm:pt modelId="{33998103-C89D-4468-BABE-E33BA022FE7C}">
+      <dgm:prSet phldr="0" custT="0"/>
+      <dgm:spPr/>
+      <dgm:t>
+        <a:bodyPr vert="horz" wrap="square"/>
+        <a:p>
+          <a:pPr>
+            <a:lnSpc>
+              <a:spcPct val="100000"/>
+            </a:lnSpc>
+            <a:spcBef>
+              <a:spcPct val="0"/>
+            </a:spcBef>
+            <a:spcAft>
+              <a:spcPct val="15000"/>
+            </a:spcAft>
+          </a:pPr>
+          <a:r>
+            <a:rPr lang="" altLang="en-US" i="1"/>
+            <a:t>Kemampuan ingatan</a:t>
+          </a:r>
+          <a:r>
+            <a:rPr lang="en-US" i="1"/>
+            <a:t/>
+          </a:r>
+          <a:endParaRPr lang="en-US" i="1"/>
+        </a:p>
+      </dgm:t>
+    </dgm:pt>
+    <dgm:pt modelId="{CCC56ECF-E6E4-4EB6-A47E-848D1C0E3548}" cxnId="{3C092363-8702-4985-8FAB-52AAEED4DAD0}" type="parTrans">
+      <dgm:prSet/>
+      <dgm:spPr/>
+    </dgm:pt>
+    <dgm:pt modelId="{EDB69B38-8F2C-4B8E-BB22-F4FE6B1005C1}" cxnId="{3C092363-8702-4985-8FAB-52AAEED4DAD0}" type="sibTrans">
+      <dgm:prSet/>
+      <dgm:spPr/>
+    </dgm:pt>
+    <dgm:pt modelId="{BECE7F71-EB3C-4532-B01D-06274CD8924F}">
+      <dgm:prSet phldr="0" custT="0"/>
+      <dgm:spPr/>
+      <dgm:t>
+        <a:bodyPr vert="horz" wrap="square"/>
+        <a:p>
+          <a:pPr>
+            <a:lnSpc>
+              <a:spcPct val="100000"/>
+            </a:lnSpc>
+            <a:spcBef>
+              <a:spcPct val="0"/>
+            </a:spcBef>
+            <a:spcAft>
+              <a:spcPct val="15000"/>
+            </a:spcAft>
+          </a:pPr>
+          <a:r>
+            <a:rPr lang="" altLang="en-US" i="1"/>
+            <a:t>Niat dan tekad yang kuat</a:t>
+          </a:r>
+          <a:r>
+            <a:rPr lang="en-US" i="1"/>
+            <a:t/>
+          </a:r>
+          <a:endParaRPr lang="en-US" i="1"/>
+        </a:p>
+      </dgm:t>
+    </dgm:pt>
+    <dgm:pt modelId="{4D78F9FC-F929-4CD0-B712-B27B28A9F509}" cxnId="{B899ADAD-A04B-4B4D-AB81-E0B06D04E85E}" type="parTrans">
+      <dgm:prSet/>
+      <dgm:spPr/>
+    </dgm:pt>
+    <dgm:pt modelId="{5139A4BA-08F9-4604-A58A-B0404B27510E}" cxnId="{B899ADAD-A04B-4B4D-AB81-E0B06D04E85E}" type="sibTrans">
+      <dgm:prSet/>
+      <dgm:spPr/>
+    </dgm:pt>
+    <dgm:pt modelId="{0B840B1F-D770-4CE6-8C3C-1B520C323BA9}">
+      <dgm:prSet phldr="0" custT="0"/>
+      <dgm:spPr/>
+      <dgm:t>
+        <a:bodyPr vert="horz" wrap="square"/>
+        <a:p>
+          <a:pPr>
+            <a:lnSpc>
+              <a:spcPct val="100000"/>
+            </a:lnSpc>
+            <a:spcBef>
+              <a:spcPct val="0"/>
+            </a:spcBef>
+            <a:spcAft>
+              <a:spcPct val="15000"/>
+            </a:spcAft>
+          </a:pPr>
+          <a:r>
+            <a:rPr lang="" altLang="en-US"/>
+            <a:t>Kemauan</a:t>
+          </a:r>
+          <a:r>
+            <a:rPr lang="en-US"/>
+            <a:t/>
+          </a:r>
+          <a:endParaRPr lang="en-US"/>
+        </a:p>
+      </dgm:t>
+    </dgm:pt>
+    <dgm:pt modelId="{CF85DABB-93BF-403D-9D17-9E22F40B506C}" cxnId="{B648E866-F9E1-4B66-A3E7-A505D8D0408B}" type="parTrans">
+      <dgm:prSet/>
+      <dgm:spPr/>
+    </dgm:pt>
+    <dgm:pt modelId="{86FFAE76-A5DA-4AE8-9C46-9F2162315F3E}" cxnId="{B648E866-F9E1-4B66-A3E7-A505D8D0408B}" type="sibTrans">
+      <dgm:prSet/>
+      <dgm:spPr/>
+    </dgm:pt>
+    <dgm:pt modelId="{2339EBA4-E45D-4F9D-B4E0-E417740A3B9B}">
+      <dgm:prSet phldr="0" custT="0"/>
+      <dgm:spPr/>
+      <dgm:t>
+        <a:bodyPr vert="horz" wrap="square"/>
+        <a:p>
+          <a:pPr>
+            <a:lnSpc>
+              <a:spcPct val="100000"/>
+            </a:lnSpc>
+            <a:spcBef>
+              <a:spcPct val="0"/>
+            </a:spcBef>
+            <a:spcAft>
+              <a:spcPct val="15000"/>
+            </a:spcAft>
+          </a:pPr>
+          <a:r>
+            <a:rPr lang="" altLang="en-US"/>
+            <a:t>Kesabaran</a:t>
+          </a:r>
+          <a:r>
+            <a:rPr lang="" altLang="en-US"/>
+            <a:t/>
+          </a:r>
+          <a:endParaRPr lang="" altLang="en-US"/>
+        </a:p>
+      </dgm:t>
+    </dgm:pt>
+    <dgm:pt modelId="{3E87D59C-4C3D-4A7F-9D82-B388520940A2}" cxnId="{F3559ACB-73E2-4BDD-8041-C0D5CF2BD3DC}" type="parTrans">
+      <dgm:prSet/>
+      <dgm:spPr/>
+    </dgm:pt>
+    <dgm:pt modelId="{EA5433F7-3037-4A07-9B21-57D0C36A69FF}" cxnId="{F3559ACB-73E2-4BDD-8041-C0D5CF2BD3DC}" type="sibTrans">
+      <dgm:prSet/>
+      <dgm:spPr/>
+    </dgm:pt>
+    <dgm:pt modelId="{68BD68BC-1A6F-4897-AE58-D220871191CC}" type="pres">
+      <dgm:prSet presAssocID="{CECC35F0-40B5-460D-A737-FC2ACF235663}" presName="composite" presStyleCnt="0">
+        <dgm:presLayoutVars>
+          <dgm:chMax val="5"/>
+          <dgm:dir/>
+          <dgm:animLvl val="ctr"/>
+          <dgm:resizeHandles val="exact"/>
+        </dgm:presLayoutVars>
+      </dgm:prSet>
+      <dgm:spPr/>
+    </dgm:pt>
+    <dgm:pt modelId="{DF7CCDCB-1FEF-446D-879C-7B573A150A85}" type="pres">
+      <dgm:prSet presAssocID="{CECC35F0-40B5-460D-A737-FC2ACF235663}" presName="cycle" presStyleCnt="0"/>
+      <dgm:spPr/>
+    </dgm:pt>
+    <dgm:pt modelId="{42504826-0B2E-42B2-89E0-6C444D015311}" type="pres">
+      <dgm:prSet presAssocID="{CECC35F0-40B5-460D-A737-FC2ACF235663}" presName="centerShape" presStyleCnt="0"/>
+      <dgm:spPr/>
+    </dgm:pt>
+    <dgm:pt modelId="{85032AF7-CC0A-43B1-ADBC-12E888570430}" type="pres">
+      <dgm:prSet presAssocID="{CECC35F0-40B5-460D-A737-FC2ACF235663}" presName="connSite" presStyleCnt="0"/>
+      <dgm:spPr/>
+    </dgm:pt>
+    <dgm:pt modelId="{CE974068-7363-48BA-8A56-58FC71B522DC}" type="pres">
+      <dgm:prSet presAssocID="{CECC35F0-40B5-460D-A737-FC2ACF235663}" presName="visible" presStyleLbl="node1" presStyleIdx="0" presStyleCnt="3"/>
+      <dgm:spPr/>
+    </dgm:pt>
+    <dgm:pt modelId="{CFE719B1-FDDF-4968-9D26-52CE098EA344}" type="pres">
+      <dgm:prSet presAssocID="{A2D4F7F4-4D7B-4483-B239-95405595478C}" presName="Name25" presStyleLbl="parChTrans1D1" presStyleIdx="0" presStyleCnt="2"/>
+      <dgm:spPr/>
+    </dgm:pt>
+    <dgm:pt modelId="{269D1A46-C3B2-412B-A63B-90077459CAEC}" type="pres">
+      <dgm:prSet presAssocID="{5517B846-E84C-4864-89B5-1273D93BC899}" presName="node" presStyleCnt="0"/>
+      <dgm:spPr/>
+    </dgm:pt>
+    <dgm:pt modelId="{B9FD9A9B-F5B2-41C6-AA4C-23B98CB4FBF3}" type="pres">
+      <dgm:prSet presAssocID="{5517B846-E84C-4864-89B5-1273D93BC899}" presName="parentNode" presStyleLbl="node1" presStyleIdx="1" presStyleCnt="3">
+        <dgm:presLayoutVars>
+          <dgm:chMax val="1"/>
+          <dgm:bulletEnabled val="1"/>
+        </dgm:presLayoutVars>
+      </dgm:prSet>
+      <dgm:spPr/>
+    </dgm:pt>
+    <dgm:pt modelId="{4B22126E-6F7A-4ADB-A489-ACBD46EA330A}" type="pres">
+      <dgm:prSet presAssocID="{5517B846-E84C-4864-89B5-1273D93BC899}" presName="childNode" presStyleLbl="revTx" presStyleIdx="0" presStyleCnt="2">
+        <dgm:presLayoutVars>
+          <dgm:bulletEnabled val="1"/>
+        </dgm:presLayoutVars>
+      </dgm:prSet>
+      <dgm:spPr/>
+    </dgm:pt>
+    <dgm:pt modelId="{DB5F8B40-7FFB-4BF2-AB97-4DD23BBB3CB3}" type="pres">
+      <dgm:prSet presAssocID="{744BE3E2-E194-42E7-941A-C0F41144EE1E}" presName="Name25" presStyleLbl="parChTrans1D1" presStyleIdx="1" presStyleCnt="2"/>
+      <dgm:spPr/>
+    </dgm:pt>
+    <dgm:pt modelId="{66D0D311-5AB8-4EC8-ABBC-B19EB1C7F0C4}" type="pres">
+      <dgm:prSet presAssocID="{E400A229-425E-4517-A4E8-259BA4F1D641}" presName="node" presStyleCnt="0"/>
+      <dgm:spPr/>
+    </dgm:pt>
+    <dgm:pt modelId="{8C52F264-3E24-4EC4-9000-82B4D521C9E0}" type="pres">
+      <dgm:prSet presAssocID="{E400A229-425E-4517-A4E8-259BA4F1D641}" presName="parentNode" presStyleLbl="node1" presStyleIdx="2" presStyleCnt="3">
+        <dgm:presLayoutVars>
+          <dgm:chMax val="1"/>
+          <dgm:bulletEnabled val="1"/>
+        </dgm:presLayoutVars>
+      </dgm:prSet>
+      <dgm:spPr/>
+    </dgm:pt>
+    <dgm:pt modelId="{22A9452E-DB9D-4347-9D41-D29067BCCCC1}" type="pres">
+      <dgm:prSet presAssocID="{E400A229-425E-4517-A4E8-259BA4F1D641}" presName="childNode" presStyleLbl="revTx" presStyleIdx="1" presStyleCnt="2">
+        <dgm:presLayoutVars>
+          <dgm:bulletEnabled val="1"/>
+        </dgm:presLayoutVars>
+      </dgm:prSet>
+      <dgm:spPr/>
+    </dgm:pt>
+  </dgm:ptLst>
+  <dgm:cxnLst>
+    <dgm:cxn modelId="{811A66C4-332B-47B3-B9E2-2FA0EAFFD52B}" srcId="{CECC35F0-40B5-460D-A737-FC2ACF235663}" destId="{5517B846-E84C-4864-89B5-1273D93BC899}" srcOrd="0" destOrd="0" parTransId="{A2D4F7F4-4D7B-4483-B239-95405595478C}" sibTransId="{2B544C9C-8E05-42F5-9212-6599E4B2ECE4}"/>
+    <dgm:cxn modelId="{9EAE5BD1-B39C-457C-8323-D64BE151BFF6}" srcId="{5517B846-E84C-4864-89B5-1273D93BC899}" destId="{DCD7ECA2-2D44-4DD3-A485-E68F87783744}" srcOrd="0" destOrd="0" parTransId="{01D15587-7CA2-411A-BE30-B5D76E9735EB}" sibTransId="{D9EBDF9D-6177-42D1-A920-D45BC9B43FC5}"/>
+    <dgm:cxn modelId="{B735246F-F358-4AC4-9DC5-4455F23383E8}" srcId="{5517B846-E84C-4864-89B5-1273D93BC899}" destId="{EBD748DB-040B-4652-9DBF-2E023BAC8662}" srcOrd="1" destOrd="0" parTransId="{FEA62D2A-23CB-41A5-AFDA-D872CF59419A}" sibTransId="{F8F526DB-A2B3-4C12-9949-FBC93B06B481}"/>
+    <dgm:cxn modelId="{A08E4391-5D71-44F4-AE5C-15F1A75ABD61}" srcId="{CECC35F0-40B5-460D-A737-FC2ACF235663}" destId="{E400A229-425E-4517-A4E8-259BA4F1D641}" srcOrd="1" destOrd="0" parTransId="{744BE3E2-E194-42E7-941A-C0F41144EE1E}" sibTransId="{34CF2285-61E3-46B7-8454-DD4724942BE4}"/>
+    <dgm:cxn modelId="{CC805808-D768-4CEB-9787-C8338F9E636E}" srcId="{E400A229-425E-4517-A4E8-259BA4F1D641}" destId="{919B0E3A-CDEA-42FC-B66E-397405DAE14B}" srcOrd="0" destOrd="1" parTransId="{765A7463-79A9-413A-8CAF-6C8736DF737E}" sibTransId="{80820266-7227-487E-A6BE-5F11438118AA}"/>
+    <dgm:cxn modelId="{3C092363-8702-4985-8FAB-52AAEED4DAD0}" srcId="{E400A229-425E-4517-A4E8-259BA4F1D641}" destId="{33998103-C89D-4468-BABE-E33BA022FE7C}" srcOrd="1" destOrd="1" parTransId="{CCC56ECF-E6E4-4EB6-A47E-848D1C0E3548}" sibTransId="{EDB69B38-8F2C-4B8E-BB22-F4FE6B1005C1}"/>
+    <dgm:cxn modelId="{B899ADAD-A04B-4B4D-AB81-E0B06D04E85E}" srcId="{E400A229-425E-4517-A4E8-259BA4F1D641}" destId="{BECE7F71-EB3C-4532-B01D-06274CD8924F}" srcOrd="2" destOrd="1" parTransId="{4D78F9FC-F929-4CD0-B712-B27B28A9F509}" sibTransId="{5139A4BA-08F9-4604-A58A-B0404B27510E}"/>
+    <dgm:cxn modelId="{B648E866-F9E1-4B66-A3E7-A505D8D0408B}" srcId="{E400A229-425E-4517-A4E8-259BA4F1D641}" destId="{0B840B1F-D770-4CE6-8C3C-1B520C323BA9}" srcOrd="3" destOrd="1" parTransId="{CF85DABB-93BF-403D-9D17-9E22F40B506C}" sibTransId="{86FFAE76-A5DA-4AE8-9C46-9F2162315F3E}"/>
+    <dgm:cxn modelId="{F3559ACB-73E2-4BDD-8041-C0D5CF2BD3DC}" srcId="{E400A229-425E-4517-A4E8-259BA4F1D641}" destId="{2339EBA4-E45D-4F9D-B4E0-E417740A3B9B}" srcOrd="4" destOrd="1" parTransId="{3E87D59C-4C3D-4A7F-9D82-B388520940A2}" sibTransId="{EA5433F7-3037-4A07-9B21-57D0C36A69FF}"/>
+    <dgm:cxn modelId="{E419718F-64F2-4784-85FD-B88A552DE8A7}" type="presOf" srcId="{CECC35F0-40B5-460D-A737-FC2ACF235663}" destId="{68BD68BC-1A6F-4897-AE58-D220871191CC}" srcOrd="0" destOrd="0" presId="urn:microsoft.com/office/officeart/2005/8/layout/radial2"/>
+    <dgm:cxn modelId="{8DF6336B-C548-4B4B-9BF1-1310C5799BCA}" type="presParOf" srcId="{68BD68BC-1A6F-4897-AE58-D220871191CC}" destId="{DF7CCDCB-1FEF-446D-879C-7B573A150A85}" srcOrd="0" destOrd="0" presId="urn:microsoft.com/office/officeart/2005/8/layout/radial2"/>
+    <dgm:cxn modelId="{228973BE-162E-4219-9680-C283DCAEB026}" type="presParOf" srcId="{DF7CCDCB-1FEF-446D-879C-7B573A150A85}" destId="{42504826-0B2E-42B2-89E0-6C444D015311}" srcOrd="0" destOrd="0" presId="urn:microsoft.com/office/officeart/2005/8/layout/radial2"/>
+    <dgm:cxn modelId="{628FC737-8291-4FFA-8812-5CC39658D866}" type="presOf" srcId="{5517B846-E84C-4864-89B5-1273D93BC899}" destId="{42504826-0B2E-42B2-89E0-6C444D015311}" srcOrd="0" destOrd="0" presId="urn:microsoft.com/office/officeart/2005/8/layout/radial2"/>
+    <dgm:cxn modelId="{C0FF3B13-9666-44B5-8789-C3949AFB5FD1}" type="presParOf" srcId="{42504826-0B2E-42B2-89E0-6C444D015311}" destId="{85032AF7-CC0A-43B1-ADBC-12E888570430}" srcOrd="0" destOrd="0" presId="urn:microsoft.com/office/officeart/2005/8/layout/radial2"/>
+    <dgm:cxn modelId="{CF6E6CCD-15BC-4382-8F0D-B780252B8387}" type="presParOf" srcId="{42504826-0B2E-42B2-89E0-6C444D015311}" destId="{CE974068-7363-48BA-8A56-58FC71B522DC}" srcOrd="1" destOrd="0" presId="urn:microsoft.com/office/officeart/2005/8/layout/radial2"/>
+    <dgm:cxn modelId="{B9B875F4-8409-4F75-9B4F-EAF18DDA2360}" type="presParOf" srcId="{DF7CCDCB-1FEF-446D-879C-7B573A150A85}" destId="{CFE719B1-FDDF-4968-9D26-52CE098EA344}" srcOrd="1" destOrd="0" presId="urn:microsoft.com/office/officeart/2005/8/layout/radial2"/>
+    <dgm:cxn modelId="{80D5FECC-1B0E-4741-A156-B6BA2B57BBAF}" type="presOf" srcId="{A2D4F7F4-4D7B-4483-B239-95405595478C}" destId="{CFE719B1-FDDF-4968-9D26-52CE098EA344}" srcOrd="0" destOrd="0" presId="urn:microsoft.com/office/officeart/2005/8/layout/radial2"/>
+    <dgm:cxn modelId="{BCC1AD64-CA5A-439D-96BA-8910C4CDCB19}" type="presParOf" srcId="{DF7CCDCB-1FEF-446D-879C-7B573A150A85}" destId="{269D1A46-C3B2-412B-A63B-90077459CAEC}" srcOrd="2" destOrd="0" presId="urn:microsoft.com/office/officeart/2005/8/layout/radial2"/>
+    <dgm:cxn modelId="{332BFA29-F8BF-453E-B3C1-7FF91A4E6CFA}" type="presParOf" srcId="{269D1A46-C3B2-412B-A63B-90077459CAEC}" destId="{B9FD9A9B-F5B2-41C6-AA4C-23B98CB4FBF3}" srcOrd="0" destOrd="2" presId="urn:microsoft.com/office/officeart/2005/8/layout/radial2"/>
+    <dgm:cxn modelId="{DFD35E23-E913-435E-A682-D7AB42240746}" type="presOf" srcId="{5517B846-E84C-4864-89B5-1273D93BC899}" destId="{B9FD9A9B-F5B2-41C6-AA4C-23B98CB4FBF3}" srcOrd="0" destOrd="0" presId="urn:microsoft.com/office/officeart/2005/8/layout/radial2"/>
+    <dgm:cxn modelId="{9514AE66-4DD0-407B-8C90-ED600D74949F}" type="presParOf" srcId="{269D1A46-C3B2-412B-A63B-90077459CAEC}" destId="{4B22126E-6F7A-4ADB-A489-ACBD46EA330A}" srcOrd="1" destOrd="2" presId="urn:microsoft.com/office/officeart/2005/8/layout/radial2"/>
+    <dgm:cxn modelId="{87B57DDB-8283-49B5-87A3-4F48F9204266}" type="presOf" srcId="{DCD7ECA2-2D44-4DD3-A485-E68F87783744}" destId="{4B22126E-6F7A-4ADB-A489-ACBD46EA330A}" srcOrd="0" destOrd="0" presId="urn:microsoft.com/office/officeart/2005/8/layout/radial2"/>
+    <dgm:cxn modelId="{7AA758F9-96A9-4CCD-B589-0F54E243B6CE}" type="presOf" srcId="{EBD748DB-040B-4652-9DBF-2E023BAC8662}" destId="{4B22126E-6F7A-4ADB-A489-ACBD46EA330A}" srcOrd="0" destOrd="1" presId="urn:microsoft.com/office/officeart/2005/8/layout/radial2"/>
+    <dgm:cxn modelId="{771BF169-63CF-4082-9ADF-4D4FA36C1DB9}" type="presParOf" srcId="{DF7CCDCB-1FEF-446D-879C-7B573A150A85}" destId="{DB5F8B40-7FFB-4BF2-AB97-4DD23BBB3CB3}" srcOrd="3" destOrd="0" presId="urn:microsoft.com/office/officeart/2005/8/layout/radial2"/>
+    <dgm:cxn modelId="{455D43B8-311A-44BB-8BB7-03E6EF804C91}" type="presOf" srcId="{744BE3E2-E194-42E7-941A-C0F41144EE1E}" destId="{DB5F8B40-7FFB-4BF2-AB97-4DD23BBB3CB3}" srcOrd="0" destOrd="0" presId="urn:microsoft.com/office/officeart/2005/8/layout/radial2"/>
+    <dgm:cxn modelId="{18E0DD41-AA34-4D52-91D3-EFF890D70BFA}" type="presParOf" srcId="{DF7CCDCB-1FEF-446D-879C-7B573A150A85}" destId="{66D0D311-5AB8-4EC8-ABBC-B19EB1C7F0C4}" srcOrd="4" destOrd="0" presId="urn:microsoft.com/office/officeart/2005/8/layout/radial2"/>
+    <dgm:cxn modelId="{7CF0AF0C-1F2F-4330-9C1A-9CB72CC1B5EF}" type="presParOf" srcId="{66D0D311-5AB8-4EC8-ABBC-B19EB1C7F0C4}" destId="{8C52F264-3E24-4EC4-9000-82B4D521C9E0}" srcOrd="0" destOrd="4" presId="urn:microsoft.com/office/officeart/2005/8/layout/radial2"/>
+    <dgm:cxn modelId="{E12E76FF-979B-4023-B52F-71C7A54FEA6A}" type="presOf" srcId="{E400A229-425E-4517-A4E8-259BA4F1D641}" destId="{8C52F264-3E24-4EC4-9000-82B4D521C9E0}" srcOrd="0" destOrd="0" presId="urn:microsoft.com/office/officeart/2005/8/layout/radial2"/>
+    <dgm:cxn modelId="{9C5B0BD0-0EF8-4DC4-9A9C-EA9DD2BC6705}" type="presParOf" srcId="{66D0D311-5AB8-4EC8-ABBC-B19EB1C7F0C4}" destId="{22A9452E-DB9D-4347-9D41-D29067BCCCC1}" srcOrd="1" destOrd="4" presId="urn:microsoft.com/office/officeart/2005/8/layout/radial2"/>
+    <dgm:cxn modelId="{1CA1B9FB-1945-4B30-9674-CD899C32FFBA}" type="presOf" srcId="{919B0E3A-CDEA-42FC-B66E-397405DAE14B}" destId="{22A9452E-DB9D-4347-9D41-D29067BCCCC1}" srcOrd="0" destOrd="0" presId="urn:microsoft.com/office/officeart/2005/8/layout/radial2"/>
+    <dgm:cxn modelId="{7260EA4C-3F53-4201-9661-87772FB9A49D}" type="presOf" srcId="{33998103-C89D-4468-BABE-E33BA022FE7C}" destId="{22A9452E-DB9D-4347-9D41-D29067BCCCC1}" srcOrd="0" destOrd="1" presId="urn:microsoft.com/office/officeart/2005/8/layout/radial2"/>
+    <dgm:cxn modelId="{2671AE82-2EB0-40B4-B308-589CB8CEB84B}" type="presOf" srcId="{BECE7F71-EB3C-4532-B01D-06274CD8924F}" destId="{22A9452E-DB9D-4347-9D41-D29067BCCCC1}" srcOrd="0" destOrd="2" presId="urn:microsoft.com/office/officeart/2005/8/layout/radial2"/>
+    <dgm:cxn modelId="{BBEE7EFD-BF7F-4320-85B5-B0ABF89C3317}" type="presOf" srcId="{0B840B1F-D770-4CE6-8C3C-1B520C323BA9}" destId="{22A9452E-DB9D-4347-9D41-D29067BCCCC1}" srcOrd="0" destOrd="3" presId="urn:microsoft.com/office/officeart/2005/8/layout/radial2"/>
+    <dgm:cxn modelId="{488058DD-F68D-4B05-AACC-A822EEFD992B}" type="presOf" srcId="{2339EBA4-E45D-4F9D-B4E0-E417740A3B9B}" destId="{22A9452E-DB9D-4347-9D41-D29067BCCCC1}" srcOrd="0" destOrd="4" presId="urn:microsoft.com/office/officeart/2005/8/layout/radial2"/>
   </dgm:cxnLst>
   <dgm:bg/>
   <dgm:whole/>
@@ -5867,7 +7103,6 @@
             <a:spcAft>
               <a:spcPct val="35000"/>
             </a:spcAft>
-            <a:buNone/>
           </a:pPr>
           <a:r>
             <a:rPr lang="">
@@ -5921,6 +7156,642 @@
       <dsp:txXfrm>
         <a:off x="6162928" y="2438305"/>
         <a:ext cx="541846" cy="541846"/>
+      </dsp:txXfrm>
+    </dsp:sp>
+  </dsp:spTree>
+</dsp:drawing>
+</file>
+
+<file path=ppt/diagrams/drawing4.xml><?xml version="1.0" encoding="utf-8"?>
+<dsp:drawing xmlns:dgm="http://schemas.openxmlformats.org/drawingml/2006/diagram" xmlns:dsp="http://schemas.microsoft.com/office/drawing/2008/diagram" xmlns:a="http://schemas.openxmlformats.org/drawingml/2006/main" xmlns:r="http://schemas.openxmlformats.org/officeDocument/2006/relationships">
+  <dsp:spTree>
+    <dsp:nvGrpSpPr>
+      <dsp:cNvPr id="2" name="Group 1"/>
+      <dsp:cNvGrpSpPr/>
+    </dsp:nvGrpSpPr>
+    <dsp:grpSpPr>
+      <a:xfrm>
+        <a:off x="0" y="0"/>
+        <a:ext cx="8128000" cy="5418455"/>
+        <a:chOff x="0" y="0"/>
+        <a:chExt cx="8128000" cy="5418455"/>
+      </a:xfrm>
+    </dsp:grpSpPr>
+    <dsp:sp modelId="{CFE719B1-FDDF-4968-9D26-52CE098EA344}">
+      <dsp:nvSpPr>
+        <dsp:cNvPr id="5" name="Freeform 4"/>
+        <dsp:cNvSpPr/>
+      </dsp:nvSpPr>
+      <dsp:spPr bwMode="white">
+        <a:xfrm>
+          <a:off x="2462282" y="1872081"/>
+          <a:ext cx="1043291" cy="69680"/>
+        </a:xfrm>
+        <a:custGeom>
+          <a:avLst/>
+          <a:gdLst/>
+          <a:ahLst/>
+          <a:cxnLst/>
+          <a:pathLst>
+            <a:path w="1643" h="110">
+              <a:moveTo>
+                <a:pt x="107" y="461"/>
+              </a:moveTo>
+              <a:lnTo>
+                <a:pt x="1536" y="-351"/>
+              </a:lnTo>
+            </a:path>
+          </a:pathLst>
+        </a:custGeom>
+      </dsp:spPr>
+      <dsp:style>
+        <a:lnRef idx="2">
+          <a:schemeClr val="accent1">
+            <a:shade val="60000"/>
+          </a:schemeClr>
+        </a:lnRef>
+        <a:fillRef idx="0">
+          <a:schemeClr val="accent1"/>
+        </a:fillRef>
+        <a:effectRef idx="0">
+          <a:scrgbClr r="0" g="0" b="0"/>
+        </a:effectRef>
+        <a:fontRef idx="minor"/>
+      </dsp:style>
+      <dsp:txXfrm>
+        <a:off x="2462282" y="1872081"/>
+        <a:ext cx="1043291" cy="69680"/>
+      </dsp:txXfrm>
+    </dsp:sp>
+    <dsp:sp modelId="{DB5F8B40-7FFB-4BF2-AB97-4DD23BBB3CB3}">
+      <dsp:nvSpPr>
+        <dsp:cNvPr id="8" name="Freeform 7"/>
+        <dsp:cNvSpPr/>
+      </dsp:nvSpPr>
+      <dsp:spPr bwMode="white">
+        <a:xfrm>
+          <a:off x="2462282" y="3476694"/>
+          <a:ext cx="1043291" cy="69680"/>
+        </a:xfrm>
+        <a:custGeom>
+          <a:avLst/>
+          <a:gdLst/>
+          <a:ahLst/>
+          <a:cxnLst/>
+          <a:pathLst>
+            <a:path w="1643" h="110">
+              <a:moveTo>
+                <a:pt x="107" y="-351"/>
+              </a:moveTo>
+              <a:lnTo>
+                <a:pt x="1536" y="461"/>
+              </a:lnTo>
+            </a:path>
+          </a:pathLst>
+        </a:custGeom>
+      </dsp:spPr>
+      <dsp:style>
+        <a:lnRef idx="2">
+          <a:schemeClr val="accent1">
+            <a:shade val="60000"/>
+          </a:schemeClr>
+        </a:lnRef>
+        <a:fillRef idx="0">
+          <a:schemeClr val="accent1"/>
+        </a:fillRef>
+        <a:effectRef idx="0">
+          <a:scrgbClr r="0" g="0" b="0"/>
+        </a:effectRef>
+        <a:fontRef idx="minor"/>
+      </dsp:style>
+      <dsp:txXfrm>
+        <a:off x="2462282" y="3476694"/>
+        <a:ext cx="1043291" cy="69680"/>
+      </dsp:txXfrm>
+    </dsp:sp>
+    <dsp:sp modelId="{CE974068-7363-48BA-8A56-58FC71B522DC}">
+      <dsp:nvSpPr>
+        <dsp:cNvPr id="4" name="Oval 3"/>
+        <dsp:cNvSpPr/>
+      </dsp:nvSpPr>
+      <dsp:spPr bwMode="white">
+        <a:xfrm>
+          <a:off x="0" y="1136010"/>
+          <a:ext cx="3146436" cy="3146436"/>
+        </a:xfrm>
+        <a:prstGeom prst="ellipse">
+          <a:avLst/>
+        </a:prstGeom>
+      </dsp:spPr>
+      <dsp:style>
+        <a:lnRef idx="2">
+          <a:schemeClr val="lt1"/>
+        </a:lnRef>
+        <a:fillRef idx="1">
+          <a:schemeClr val="accent1"/>
+        </a:fillRef>
+        <a:effectRef idx="0">
+          <a:scrgbClr r="0" g="0" b="0"/>
+        </a:effectRef>
+        <a:fontRef idx="minor">
+          <a:schemeClr val="lt1"/>
+        </a:fontRef>
+      </dsp:style>
+      <dsp:txXfrm>
+        <a:off x="0" y="1136010"/>
+        <a:ext cx="3146436" cy="3146436"/>
+      </dsp:txXfrm>
+    </dsp:sp>
+    <dsp:sp modelId="{B9FD9A9B-F5B2-41C6-AA4C-23B98CB4FBF3}">
+      <dsp:nvSpPr>
+        <dsp:cNvPr id="6" name="Oval 5"/>
+        <dsp:cNvSpPr/>
+      </dsp:nvSpPr>
+      <dsp:spPr bwMode="white">
+        <a:xfrm>
+          <a:off x="3313953" y="238458"/>
+          <a:ext cx="1887861" cy="1887861"/>
+        </a:xfrm>
+        <a:prstGeom prst="ellipse">
+          <a:avLst/>
+        </a:prstGeom>
+      </dsp:spPr>
+      <dsp:style>
+        <a:lnRef idx="2">
+          <a:schemeClr val="lt1"/>
+        </a:lnRef>
+        <a:fillRef idx="1">
+          <a:schemeClr val="accent1"/>
+        </a:fillRef>
+        <a:effectRef idx="0">
+          <a:scrgbClr r="0" g="0" b="0"/>
+        </a:effectRef>
+        <a:fontRef idx="minor">
+          <a:schemeClr val="lt1"/>
+        </a:fontRef>
+      </dsp:style>
+      <dsp:txBody>
+        <a:bodyPr vert="horz" wrap="square" lIns="16510" tIns="16510" rIns="16510" bIns="16510" anchor="ctr"/>
+        <a:lstStyle>
+          <a:lvl1pPr algn="ctr">
+            <a:defRPr sz="2600"/>
+          </a:lvl1pPr>
+          <a:lvl2pPr marL="228600" indent="-228600" algn="ctr">
+            <a:defRPr sz="2000"/>
+          </a:lvl2pPr>
+          <a:lvl3pPr marL="457200" indent="-228600" algn="ctr">
+            <a:defRPr sz="2000"/>
+          </a:lvl3pPr>
+          <a:lvl4pPr marL="685800" indent="-228600" algn="ctr">
+            <a:defRPr sz="2000"/>
+          </a:lvl4pPr>
+          <a:lvl5pPr marL="914400" indent="-228600" algn="ctr">
+            <a:defRPr sz="2000"/>
+          </a:lvl5pPr>
+          <a:lvl6pPr marL="1143000" indent="-228600" algn="ctr">
+            <a:defRPr sz="2000"/>
+          </a:lvl6pPr>
+          <a:lvl7pPr marL="1371600" indent="-228600" algn="ctr">
+            <a:defRPr sz="2000"/>
+          </a:lvl7pPr>
+          <a:lvl8pPr marL="1600200" indent="-228600" algn="ctr">
+            <a:defRPr sz="2000"/>
+          </a:lvl8pPr>
+          <a:lvl9pPr marL="1828800" indent="-228600" algn="ctr">
+            <a:defRPr sz="2000"/>
+          </a:lvl9pPr>
+        </a:lstStyle>
+        <a:p>
+          <a:pPr lvl="0">
+            <a:lnSpc>
+              <a:spcPct val="100000"/>
+            </a:lnSpc>
+            <a:spcBef>
+              <a:spcPct val="0"/>
+            </a:spcBef>
+            <a:spcAft>
+              <a:spcPct val="35000"/>
+            </a:spcAft>
+          </a:pPr>
+          <a:r>
+            <a:rPr lang="" altLang="en-US"/>
+            <a:t>Waktu yang panjang</a:t>
+          </a:r>
+          <a:endParaRPr lang="" altLang="en-US"/>
+        </a:p>
+      </dsp:txBody>
+      <dsp:txXfrm>
+        <a:off x="3313953" y="238458"/>
+        <a:ext cx="1887861" cy="1887861"/>
+      </dsp:txXfrm>
+    </dsp:sp>
+    <dsp:sp modelId="{4B22126E-6F7A-4ADB-A489-ACBD46EA330A}">
+      <dsp:nvSpPr>
+        <dsp:cNvPr id="7" name="Rectangle 6"/>
+        <dsp:cNvSpPr/>
+      </dsp:nvSpPr>
+      <dsp:spPr bwMode="white">
+        <a:xfrm>
+          <a:off x="5390601" y="238458"/>
+          <a:ext cx="2831792" cy="1887861"/>
+        </a:xfrm>
+        <a:prstGeom prst="rect">
+          <a:avLst/>
+        </a:prstGeom>
+      </dsp:spPr>
+      <dsp:style>
+        <a:lnRef idx="0">
+          <a:schemeClr val="dk1">
+            <a:alpha val="0"/>
+          </a:schemeClr>
+        </a:lnRef>
+        <a:fillRef idx="0">
+          <a:schemeClr val="lt1">
+            <a:alpha val="0"/>
+          </a:schemeClr>
+        </a:fillRef>
+        <a:effectRef idx="0">
+          <a:scrgbClr r="0" g="0" b="0"/>
+        </a:effectRef>
+        <a:fontRef idx="minor"/>
+      </dsp:style>
+      <dsp:txBody>
+        <a:bodyPr lIns="0" tIns="0" rIns="0" bIns="0" anchor="ctr"/>
+        <a:lstStyle>
+          <a:lvl1pPr algn="l">
+            <a:defRPr sz="6500"/>
+          </a:lvl1pPr>
+          <a:lvl2pPr marL="171450" indent="-171450" algn="l">
+            <a:defRPr sz="1800"/>
+          </a:lvl2pPr>
+          <a:lvl3pPr marL="342900" indent="-171450" algn="l">
+            <a:defRPr sz="1800"/>
+          </a:lvl3pPr>
+          <a:lvl4pPr marL="514350" indent="-171450" algn="l">
+            <a:defRPr sz="1800"/>
+          </a:lvl4pPr>
+          <a:lvl5pPr marL="685800" indent="-171450" algn="l">
+            <a:defRPr sz="1800"/>
+          </a:lvl5pPr>
+          <a:lvl6pPr marL="857250" indent="-171450" algn="l">
+            <a:defRPr sz="1800"/>
+          </a:lvl6pPr>
+          <a:lvl7pPr marL="1028700" indent="-171450" algn="l">
+            <a:defRPr sz="1800"/>
+          </a:lvl7pPr>
+          <a:lvl8pPr marL="1200150" indent="-171450" algn="l">
+            <a:defRPr sz="1800"/>
+          </a:lvl8pPr>
+          <a:lvl9pPr marL="1371600" indent="-171450" algn="l">
+            <a:defRPr sz="1800"/>
+          </a:lvl9pPr>
+        </a:lstStyle>
+        <a:p>
+          <a:pPr lvl="1">
+            <a:lnSpc>
+              <a:spcPct val="100000"/>
+            </a:lnSpc>
+            <a:spcBef>
+              <a:spcPct val="0"/>
+            </a:spcBef>
+            <a:spcAft>
+              <a:spcPct val="15000"/>
+            </a:spcAft>
+            <a:buChar char="•"/>
+          </a:pPr>
+          <a:endParaRPr lang="en-US">
+            <a:solidFill>
+              <a:schemeClr val="tx1"/>
+            </a:solidFill>
+          </a:endParaRPr>
+        </a:p>
+        <a:p>
+          <a:pPr lvl="1">
+            <a:lnSpc>
+              <a:spcPct val="100000"/>
+            </a:lnSpc>
+            <a:spcBef>
+              <a:spcPct val="0"/>
+            </a:spcBef>
+            <a:spcAft>
+              <a:spcPct val="15000"/>
+            </a:spcAft>
+            <a:buChar char="•"/>
+          </a:pPr>
+          <a:endParaRPr lang="en-US">
+            <a:solidFill>
+              <a:schemeClr val="tx1"/>
+            </a:solidFill>
+          </a:endParaRPr>
+        </a:p>
+      </dsp:txBody>
+      <dsp:txXfrm>
+        <a:off x="5390601" y="238458"/>
+        <a:ext cx="2831792" cy="1887861"/>
+      </dsp:txXfrm>
+    </dsp:sp>
+    <dsp:sp modelId="{8C52F264-3E24-4EC4-9000-82B4D521C9E0}">
+      <dsp:nvSpPr>
+        <dsp:cNvPr id="9" name="Oval 8"/>
+        <dsp:cNvSpPr/>
+      </dsp:nvSpPr>
+      <dsp:spPr bwMode="white">
+        <a:xfrm>
+          <a:off x="3313953" y="3292136"/>
+          <a:ext cx="1887861" cy="1887861"/>
+        </a:xfrm>
+        <a:prstGeom prst="ellipse">
+          <a:avLst/>
+        </a:prstGeom>
+      </dsp:spPr>
+      <dsp:style>
+        <a:lnRef idx="2">
+          <a:schemeClr val="lt1"/>
+        </a:lnRef>
+        <a:fillRef idx="1">
+          <a:schemeClr val="accent1"/>
+        </a:fillRef>
+        <a:effectRef idx="0">
+          <a:scrgbClr r="0" g="0" b="0"/>
+        </a:effectRef>
+        <a:fontRef idx="minor">
+          <a:schemeClr val="lt1"/>
+        </a:fontRef>
+      </dsp:style>
+      <dsp:txBody>
+        <a:bodyPr vert="horz" wrap="square" lIns="16510" tIns="16510" rIns="16510" bIns="16510" anchor="ctr"/>
+        <a:lstStyle>
+          <a:lvl1pPr algn="ctr">
+            <a:defRPr sz="2600"/>
+          </a:lvl1pPr>
+          <a:lvl2pPr marL="228600" indent="-228600" algn="ctr">
+            <a:defRPr sz="2000"/>
+          </a:lvl2pPr>
+          <a:lvl3pPr marL="457200" indent="-228600" algn="ctr">
+            <a:defRPr sz="2000"/>
+          </a:lvl3pPr>
+          <a:lvl4pPr marL="685800" indent="-228600" algn="ctr">
+            <a:defRPr sz="2000"/>
+          </a:lvl4pPr>
+          <a:lvl5pPr marL="914400" indent="-228600" algn="ctr">
+            <a:defRPr sz="2000"/>
+          </a:lvl5pPr>
+          <a:lvl6pPr marL="1143000" indent="-228600" algn="ctr">
+            <a:defRPr sz="2000"/>
+          </a:lvl6pPr>
+          <a:lvl7pPr marL="1371600" indent="-228600" algn="ctr">
+            <a:defRPr sz="2000"/>
+          </a:lvl7pPr>
+          <a:lvl8pPr marL="1600200" indent="-228600" algn="ctr">
+            <a:defRPr sz="2000"/>
+          </a:lvl8pPr>
+          <a:lvl9pPr marL="1828800" indent="-228600" algn="ctr">
+            <a:defRPr sz="2000"/>
+          </a:lvl9pPr>
+        </a:lstStyle>
+        <a:p>
+          <a:pPr lvl="0">
+            <a:lnSpc>
+              <a:spcPct val="100000"/>
+            </a:lnSpc>
+            <a:spcBef>
+              <a:spcPct val="0"/>
+            </a:spcBef>
+            <a:spcAft>
+              <a:spcPct val="35000"/>
+            </a:spcAft>
+          </a:pPr>
+          <a:r>
+            <a:rPr lang="" altLang="en-US"/>
+            <a:t>Usaha terus-menerus</a:t>
+          </a:r>
+          <a:endParaRPr lang="" altLang="en-US"/>
+        </a:p>
+      </dsp:txBody>
+      <dsp:txXfrm>
+        <a:off x="3313953" y="3292136"/>
+        <a:ext cx="1887861" cy="1887861"/>
+      </dsp:txXfrm>
+    </dsp:sp>
+    <dsp:sp modelId="{22A9452E-DB9D-4347-9D41-D29067BCCCC1}">
+      <dsp:nvSpPr>
+        <dsp:cNvPr id="10" name="Rectangle 9"/>
+        <dsp:cNvSpPr/>
+      </dsp:nvSpPr>
+      <dsp:spPr bwMode="white">
+        <a:xfrm>
+          <a:off x="5390601" y="3292136"/>
+          <a:ext cx="2831792" cy="1887861"/>
+        </a:xfrm>
+        <a:prstGeom prst="rect">
+          <a:avLst/>
+        </a:prstGeom>
+      </dsp:spPr>
+      <dsp:style>
+        <a:lnRef idx="0">
+          <a:schemeClr val="dk1">
+            <a:alpha val="0"/>
+          </a:schemeClr>
+        </a:lnRef>
+        <a:fillRef idx="0">
+          <a:schemeClr val="lt1">
+            <a:alpha val="0"/>
+          </a:schemeClr>
+        </a:fillRef>
+        <a:effectRef idx="0">
+          <a:scrgbClr r="0" g="0" b="0"/>
+        </a:effectRef>
+        <a:fontRef idx="minor"/>
+      </dsp:style>
+      <dsp:txBody>
+        <a:bodyPr lIns="0" tIns="0" rIns="0" bIns="0" anchor="ctr"/>
+        <a:lstStyle>
+          <a:lvl1pPr algn="l">
+            <a:defRPr sz="6500"/>
+          </a:lvl1pPr>
+          <a:lvl2pPr marL="171450" indent="-171450" algn="l">
+            <a:defRPr sz="1800"/>
+          </a:lvl2pPr>
+          <a:lvl3pPr marL="342900" indent="-171450" algn="l">
+            <a:defRPr sz="1800"/>
+          </a:lvl3pPr>
+          <a:lvl4pPr marL="514350" indent="-171450" algn="l">
+            <a:defRPr sz="1800"/>
+          </a:lvl4pPr>
+          <a:lvl5pPr marL="685800" indent="-171450" algn="l">
+            <a:defRPr sz="1800"/>
+          </a:lvl5pPr>
+          <a:lvl6pPr marL="857250" indent="-171450" algn="l">
+            <a:defRPr sz="1800"/>
+          </a:lvl6pPr>
+          <a:lvl7pPr marL="1028700" indent="-171450" algn="l">
+            <a:defRPr sz="1800"/>
+          </a:lvl7pPr>
+          <a:lvl8pPr marL="1200150" indent="-171450" algn="l">
+            <a:defRPr sz="1800"/>
+          </a:lvl8pPr>
+          <a:lvl9pPr marL="1371600" indent="-171450" algn="l">
+            <a:defRPr sz="1800"/>
+          </a:lvl9pPr>
+        </a:lstStyle>
+        <a:p>
+          <a:pPr lvl="1">
+            <a:lnSpc>
+              <a:spcPct val="100000"/>
+            </a:lnSpc>
+            <a:spcBef>
+              <a:spcPct val="0"/>
+            </a:spcBef>
+            <a:spcAft>
+              <a:spcPct val="15000"/>
+            </a:spcAft>
+            <a:buChar char="•"/>
+          </a:pPr>
+          <a:r>
+            <a:rPr lang="" altLang="en-US" i="1">
+              <a:solidFill>
+                <a:schemeClr val="tx1"/>
+              </a:solidFill>
+            </a:rPr>
+            <a:t>Kemampuan menghafal</a:t>
+          </a:r>
+          <a:endParaRPr lang="en-US" i="1">
+            <a:solidFill>
+              <a:schemeClr val="tx1"/>
+            </a:solidFill>
+          </a:endParaRPr>
+        </a:p>
+        <a:p>
+          <a:pPr lvl="1">
+            <a:lnSpc>
+              <a:spcPct val="100000"/>
+            </a:lnSpc>
+            <a:spcBef>
+              <a:spcPct val="0"/>
+            </a:spcBef>
+            <a:spcAft>
+              <a:spcPct val="15000"/>
+            </a:spcAft>
+            <a:buChar char="•"/>
+          </a:pPr>
+          <a:r>
+            <a:rPr lang="" altLang="en-US" i="1">
+              <a:solidFill>
+                <a:schemeClr val="tx1"/>
+              </a:solidFill>
+            </a:rPr>
+            <a:t>Kemampuan ingatan</a:t>
+          </a:r>
+          <a:endParaRPr lang="en-US" i="1">
+            <a:solidFill>
+              <a:schemeClr val="tx1"/>
+            </a:solidFill>
+          </a:endParaRPr>
+        </a:p>
+        <a:p>
+          <a:pPr lvl="1">
+            <a:lnSpc>
+              <a:spcPct val="100000"/>
+            </a:lnSpc>
+            <a:spcBef>
+              <a:spcPct val="0"/>
+            </a:spcBef>
+            <a:spcAft>
+              <a:spcPct val="15000"/>
+            </a:spcAft>
+            <a:buChar char="•"/>
+          </a:pPr>
+          <a:r>
+            <a:rPr lang="" altLang="en-US" i="1">
+              <a:solidFill>
+                <a:schemeClr val="tx1"/>
+              </a:solidFill>
+            </a:rPr>
+            <a:t>Niat dan tekad yang kuat</a:t>
+          </a:r>
+          <a:endParaRPr lang="en-US" i="1">
+            <a:solidFill>
+              <a:schemeClr val="tx1"/>
+            </a:solidFill>
+          </a:endParaRPr>
+        </a:p>
+        <a:p>
+          <a:pPr lvl="1">
+            <a:lnSpc>
+              <a:spcPct val="100000"/>
+            </a:lnSpc>
+            <a:spcBef>
+              <a:spcPct val="0"/>
+            </a:spcBef>
+            <a:spcAft>
+              <a:spcPct val="15000"/>
+            </a:spcAft>
+            <a:buChar char="•"/>
+          </a:pPr>
+          <a:r>
+            <a:rPr lang="" altLang="en-US">
+              <a:solidFill>
+                <a:schemeClr val="tx1"/>
+              </a:solidFill>
+            </a:rPr>
+            <a:t>Kemauan</a:t>
+          </a:r>
+          <a:endParaRPr lang="en-US">
+            <a:solidFill>
+              <a:schemeClr val="tx1"/>
+            </a:solidFill>
+          </a:endParaRPr>
+        </a:p>
+        <a:p>
+          <a:pPr lvl="1">
+            <a:lnSpc>
+              <a:spcPct val="100000"/>
+            </a:lnSpc>
+            <a:spcBef>
+              <a:spcPct val="0"/>
+            </a:spcBef>
+            <a:spcAft>
+              <a:spcPct val="15000"/>
+            </a:spcAft>
+            <a:buChar char="•"/>
+          </a:pPr>
+          <a:r>
+            <a:rPr lang="" altLang="en-US">
+              <a:solidFill>
+                <a:schemeClr val="tx1"/>
+              </a:solidFill>
+            </a:rPr>
+            <a:t>Kesabaran</a:t>
+          </a:r>
+          <a:endParaRPr lang="" altLang="en-US">
+            <a:solidFill>
+              <a:schemeClr val="tx1"/>
+            </a:solidFill>
+          </a:endParaRPr>
+        </a:p>
+      </dsp:txBody>
+      <dsp:txXfrm>
+        <a:off x="5390601" y="3292136"/>
+        <a:ext cx="2831792" cy="1887861"/>
+      </dsp:txXfrm>
+    </dsp:sp>
+    <dsp:sp modelId="{85032AF7-CC0A-43B1-ADBC-12E888570430}">
+      <dsp:nvSpPr>
+        <dsp:cNvPr id="3" name="Oval 2" hidden="1"/>
+        <dsp:cNvSpPr/>
+      </dsp:nvSpPr>
+      <dsp:spPr>
+        <a:xfrm>
+          <a:off x="471965" y="1607975"/>
+          <a:ext cx="2202505" cy="2202505"/>
+        </a:xfrm>
+        <a:prstGeom prst="ellipse">
+          <a:avLst/>
+        </a:prstGeom>
+      </dsp:spPr>
+      <dsp:txXfrm>
+        <a:off x="471965" y="1607975"/>
+        <a:ext cx="2202505" cy="2202505"/>
       </dsp:txXfrm>
     </dsp:sp>
   </dsp:spTree>
@@ -8394,6 +10265,353 @@
 </dgm:layoutDef>
 </file>
 
+<file path=ppt/diagrams/layout4.xml><?xml version="1.0" encoding="utf-8"?>
+<dgm:layoutDef xmlns:dgm="http://schemas.openxmlformats.org/drawingml/2006/diagram" xmlns:a="http://schemas.openxmlformats.org/drawingml/2006/main" uniqueId="urn:microsoft.com/office/officeart/2005/8/layout/radial2">
+  <dgm:title val=""/>
+  <dgm:desc val=""/>
+  <dgm:catLst>
+    <dgm:cat type="relationship" pri="20000"/>
+    <dgm:cat type="convert" pri="9000"/>
+  </dgm:catLst>
+  <dgm:sampData>
+    <dgm:dataModel>
+      <dgm:ptLst>
+        <dgm:pt modelId="0" type="doc"/>
+        <dgm:pt modelId="1">
+          <dgm:prSet phldr="1"/>
+        </dgm:pt>
+        <dgm:pt modelId="11">
+          <dgm:prSet phldr="1"/>
+        </dgm:pt>
+        <dgm:pt modelId="12">
+          <dgm:prSet phldr="1"/>
+        </dgm:pt>
+        <dgm:pt modelId="2">
+          <dgm:prSet phldr="1"/>
+        </dgm:pt>
+        <dgm:pt modelId="21">
+          <dgm:prSet phldr="1"/>
+        </dgm:pt>
+        <dgm:pt modelId="22">
+          <dgm:prSet phldr="1"/>
+        </dgm:pt>
+        <dgm:pt modelId="3">
+          <dgm:prSet phldr="1"/>
+        </dgm:pt>
+        <dgm:pt modelId="31">
+          <dgm:prSet phldr="1"/>
+        </dgm:pt>
+        <dgm:pt modelId="32">
+          <dgm:prSet phldr="1"/>
+        </dgm:pt>
+      </dgm:ptLst>
+      <dgm:cxnLst>
+        <dgm:cxn modelId="4" srcId="0" destId="1" srcOrd="0" destOrd="0"/>
+        <dgm:cxn modelId="5" srcId="0" destId="2" srcOrd="1" destOrd="0"/>
+        <dgm:cxn modelId="6" srcId="0" destId="3" srcOrd="2" destOrd="0"/>
+        <dgm:cxn modelId="13" srcId="1" destId="11" srcOrd="0" destOrd="0"/>
+        <dgm:cxn modelId="14" srcId="1" destId="12" srcOrd="1" destOrd="0"/>
+        <dgm:cxn modelId="23" srcId="2" destId="21" srcOrd="0" destOrd="0"/>
+        <dgm:cxn modelId="24" srcId="2" destId="22" srcOrd="1" destOrd="0"/>
+        <dgm:cxn modelId="33" srcId="3" destId="31" srcOrd="0" destOrd="0"/>
+        <dgm:cxn modelId="34" srcId="3" destId="32" srcOrd="1" destOrd="0"/>
+      </dgm:cxnLst>
+      <dgm:bg/>
+      <dgm:whole/>
+    </dgm:dataModel>
+  </dgm:sampData>
+  <dgm:styleData>
+    <dgm:dataModel>
+      <dgm:ptLst>
+        <dgm:pt modelId="0" type="doc">
+          <dgm:prSet qsTypeId="urn:microsoft.com/office/officeart/2005/8/quickstyle/simple5"/>
+        </dgm:pt>
+        <dgm:pt modelId="1"/>
+        <dgm:pt modelId="2"/>
+      </dgm:ptLst>
+      <dgm:cxnLst>
+        <dgm:cxn modelId="3" srcId="0" destId="1" srcOrd="0" destOrd="0"/>
+        <dgm:cxn modelId="4" srcId="0" destId="2" srcOrd="1" destOrd="0"/>
+      </dgm:cxnLst>
+      <dgm:bg/>
+      <dgm:whole/>
+    </dgm:dataModel>
+  </dgm:styleData>
+  <dgm:clrData>
+    <dgm:dataModel>
+      <dgm:ptLst>
+        <dgm:pt modelId="0" type="doc"/>
+        <dgm:pt modelId="1"/>
+        <dgm:pt modelId="2"/>
+        <dgm:pt modelId="3"/>
+        <dgm:pt modelId="4"/>
+      </dgm:ptLst>
+      <dgm:cxnLst>
+        <dgm:cxn modelId="5" srcId="0" destId="1" srcOrd="0" destOrd="0"/>
+        <dgm:cxn modelId="6" srcId="0" destId="2" srcOrd="1" destOrd="0"/>
+        <dgm:cxn modelId="7" srcId="0" destId="3" srcOrd="2" destOrd="0"/>
+        <dgm:cxn modelId="8" srcId="0" destId="4" srcOrd="3" destOrd="0"/>
+      </dgm:cxnLst>
+      <dgm:bg/>
+      <dgm:whole/>
+    </dgm:dataModel>
+  </dgm:clrData>
+  <dgm:layoutNode name="composite">
+    <dgm:varLst>
+      <dgm:chMax val="5"/>
+      <dgm:dir/>
+      <dgm:animLvl val="ctr"/>
+      <dgm:resizeHandles val="exact"/>
+    </dgm:varLst>
+    <dgm:alg type="composite"/>
+    <dgm:shape xmlns:r="http://schemas.openxmlformats.org/officeDocument/2006/relationships" r:blip="">
+      <dgm:adjLst/>
+    </dgm:shape>
+    <dgm:presOf/>
+    <dgm:constrLst>
+      <dgm:constr type="w" for="ch" forName="cycle" refType="w"/>
+      <dgm:constr type="h" for="ch" forName="cycle" refType="h"/>
+    </dgm:constrLst>
+    <dgm:ruleLst/>
+    <dgm:layoutNode name="cycle">
+      <dgm:choose name="Name0">
+        <dgm:if name="Name1" func="var" arg="dir" op="equ" val="norm">
+          <dgm:choose name="Name2">
+            <dgm:if name="Name3" axis="ch" ptType="node" func="cnt" op="lte" val="1">
+              <dgm:alg type="cycle">
+                <dgm:param type="stAng" val="90"/>
+                <dgm:param type="spanAng" val="360"/>
+                <dgm:param type="ctrShpMap" val="fNode"/>
+              </dgm:alg>
+            </dgm:if>
+            <dgm:if name="Name4" axis="ch" ptType="node" func="cnt" op="equ" val="2">
+              <dgm:alg type="cycle">
+                <dgm:param type="stAng" val="70"/>
+                <dgm:param type="spanAng" val="40"/>
+                <dgm:param type="ctrShpMap" val="fNode"/>
+              </dgm:alg>
+            </dgm:if>
+            <dgm:if name="Name5" axis="ch" ptType="node" func="cnt" op="equ" val="3">
+              <dgm:alg type="cycle">
+                <dgm:param type="stAng" val="60"/>
+                <dgm:param type="spanAng" val="60"/>
+                <dgm:param type="ctrShpMap" val="fNode"/>
+              </dgm:alg>
+            </dgm:if>
+            <dgm:else name="Name6">
+              <dgm:alg type="cycle">
+                <dgm:param type="stAng" val="45"/>
+                <dgm:param type="spanAng" val="90"/>
+                <dgm:param type="ctrShpMap" val="fNode"/>
+              </dgm:alg>
+            </dgm:else>
+          </dgm:choose>
+        </dgm:if>
+        <dgm:else name="Name7">
+          <dgm:choose name="Name8">
+            <dgm:if name="Name9" axis="ch" ptType="node" func="cnt" op="lte" val="1">
+              <dgm:alg type="cycle">
+                <dgm:param type="stAng" val="-90"/>
+                <dgm:param type="spanAng" val="-360"/>
+                <dgm:param type="ctrShpMap" val="fNode"/>
+              </dgm:alg>
+            </dgm:if>
+            <dgm:if name="Name10" axis="ch" ptType="node" func="cnt" op="equ" val="2">
+              <dgm:alg type="cycle">
+                <dgm:param type="stAng" val="-70"/>
+                <dgm:param type="spanAng" val="-40"/>
+                <dgm:param type="ctrShpMap" val="fNode"/>
+              </dgm:alg>
+            </dgm:if>
+            <dgm:if name="Name11" axis="ch" ptType="node" func="cnt" op="equ" val="3">
+              <dgm:alg type="cycle">
+                <dgm:param type="stAng" val="-60"/>
+                <dgm:param type="spanAng" val="-60"/>
+                <dgm:param type="ctrShpMap" val="fNode"/>
+              </dgm:alg>
+            </dgm:if>
+            <dgm:else name="Name12">
+              <dgm:alg type="cycle">
+                <dgm:param type="stAng" val="-45"/>
+                <dgm:param type="spanAng" val="-90"/>
+                <dgm:param type="ctrShpMap" val="fNode"/>
+              </dgm:alg>
+            </dgm:else>
+          </dgm:choose>
+        </dgm:else>
+      </dgm:choose>
+      <dgm:shape xmlns:r="http://schemas.openxmlformats.org/officeDocument/2006/relationships" r:blip="">
+        <dgm:adjLst/>
+      </dgm:shape>
+      <dgm:presOf/>
+      <dgm:constrLst>
+        <dgm:constr type="sp" val="20"/>
+        <dgm:constr type="w" for="ch" forName="centerShape" refType="w"/>
+        <dgm:constr type="w" for="ch" forName="node" refType="w" refFor="ch" refForName="centerShape" fact="1.5"/>
+        <dgm:constr type="sibSp" refType="w" refFor="ch" refForName="centerShape" op="equ" fact="0.08"/>
+        <dgm:constr type="primFontSz" for="des" forName="parentNode" op="equ" val="65"/>
+        <dgm:constr type="secFontSz" for="des" forName="childNode" op="equ" val="65"/>
+      </dgm:constrLst>
+      <dgm:ruleLst/>
+      <dgm:choose name="Name13">
+        <dgm:if name="Name14" axis="ch" ptType="node" hideLastTrans="0" func="cnt" op="gte" val="1">
+          <dgm:layoutNode name="centerShape" styleLbl="node0">
+            <dgm:alg type="composite"/>
+            <dgm:shape xmlns:r="http://schemas.openxmlformats.org/officeDocument/2006/relationships" r:blip="">
+              <dgm:adjLst/>
+            </dgm:shape>
+            <dgm:presOf axis="ch" ptType="node" cnt="1"/>
+            <dgm:constrLst>
+              <dgm:constr type="w" for="ch" forName="connSite" refType="w" fact="0.7"/>
+              <dgm:constr type="h" for="ch" forName="connSite" refType="w" fact="0.7"/>
+              <dgm:constr type="ctrX" for="ch" forName="connSite" refType="w" fact="0.5"/>
+              <dgm:constr type="ctrY" for="ch" forName="connSite" refType="h" fact="0.5"/>
+              <dgm:constr type="w" for="ch" forName="visible" refType="w"/>
+              <dgm:constr type="h" for="ch" forName="visible" refType="w"/>
+              <dgm:constr type="ctrX" for="ch" forName="visible" refType="w" fact="0.5"/>
+              <dgm:constr type="ctrY" for="ch" forName="visible" refType="h" fact="0.5"/>
+            </dgm:constrLst>
+            <dgm:ruleLst/>
+            <dgm:layoutNode name="connSite">
+              <dgm:alg type="sp"/>
+              <dgm:shape xmlns:r="http://schemas.openxmlformats.org/officeDocument/2006/relationships" type="ellipse" r:blip="" hideGeom="1">
+                <dgm:adjLst/>
+              </dgm:shape>
+              <dgm:presOf/>
+              <dgm:constrLst/>
+              <dgm:ruleLst/>
+            </dgm:layoutNode>
+            <dgm:layoutNode name="visible">
+              <dgm:alg type="sp"/>
+              <dgm:shape xmlns:r="http://schemas.openxmlformats.org/officeDocument/2006/relationships" type="ellipse" r:blip="" blipPhldr="1">
+                <dgm:adjLst/>
+              </dgm:shape>
+              <dgm:presOf/>
+              <dgm:constrLst/>
+              <dgm:ruleLst/>
+            </dgm:layoutNode>
+          </dgm:layoutNode>
+        </dgm:if>
+        <dgm:else name="Name15"/>
+      </dgm:choose>
+      <dgm:forEach name="Name16" axis="ch">
+        <dgm:forEach name="Name17" axis="self" ptType="node">
+          <dgm:layoutNode name="node">
+            <dgm:alg type="composite"/>
+            <dgm:shape xmlns:r="http://schemas.openxmlformats.org/officeDocument/2006/relationships" r:blip="">
+              <dgm:adjLst/>
+            </dgm:shape>
+            <dgm:presOf/>
+            <dgm:choose name="Name18">
+              <dgm:if name="Name19" func="var" arg="dir" op="equ" val="norm">
+                <dgm:constrLst>
+                  <dgm:constr type="t" for="ch" forName="parentNode"/>
+                  <dgm:constr type="l" for="ch" forName="parentNode"/>
+                  <dgm:constr type="w" for="ch" forName="parentNode" refType="w" fact="0.4"/>
+                  <dgm:constr type="h" for="ch" forName="parentNode" refType="w" refFor="ch" refForName="parentNode" op="equ"/>
+                  <dgm:constr type="ctrY" for="ch" forName="childNode" refType="h" refFor="ch" refForName="parentNode" fact="0.5"/>
+                  <dgm:constr type="l" for="ch" forName="childNode" refType="w" refFor="ch" refForName="parentNode" op="equ" fact="1.1"/>
+                  <dgm:constr type="w" for="ch" forName="childNode" refType="w" fact="0.6"/>
+                  <dgm:constr type="h" for="ch" forName="childNode" refType="h" refFor="ch" refForName="parentNode"/>
+                </dgm:constrLst>
+              </dgm:if>
+              <dgm:else name="Name20">
+                <dgm:constrLst>
+                  <dgm:constr type="t" for="ch" forName="parentNode"/>
+                  <dgm:constr type="r" for="ch" forName="parentNode" refType="w"/>
+                  <dgm:constr type="w" for="ch" forName="parentNode" refType="w" fact="0.4"/>
+                  <dgm:constr type="h" for="ch" forName="parentNode" refType="w" refFor="ch" refForName="parentNode" op="equ"/>
+                  <dgm:constr type="ctrY" for="ch" forName="childNode" refType="h" refFor="ch" refForName="parentNode" fact="0.5"/>
+                  <dgm:constr type="l" for="ch" forName="childNode"/>
+                  <dgm:constr type="w" for="ch" forName="childNode" refType="w" fact="0.6"/>
+                  <dgm:constr type="h" for="ch" forName="childNode" refType="h" refFor="ch" refForName="parentNode"/>
+                </dgm:constrLst>
+              </dgm:else>
+            </dgm:choose>
+            <dgm:ruleLst/>
+            <dgm:layoutNode name="parentNode" styleLbl="node1">
+              <dgm:varLst>
+                <dgm:chMax val="1"/>
+                <dgm:bulletEnabled val="1"/>
+              </dgm:varLst>
+              <dgm:alg type="tx"/>
+              <dgm:shape xmlns:r="http://schemas.openxmlformats.org/officeDocument/2006/relationships" type="ellipse" r:blip="">
+                <dgm:adjLst/>
+              </dgm:shape>
+              <dgm:presOf axis="self"/>
+              <dgm:constrLst>
+                <dgm:constr type="tMarg" refType="primFontSz" fact="0.05"/>
+                <dgm:constr type="bMarg" refType="primFontSz" fact="0.05"/>
+                <dgm:constr type="lMarg" refType="primFontSz" fact="0.05"/>
+                <dgm:constr type="rMarg" refType="primFontSz" fact="0.05"/>
+              </dgm:constrLst>
+              <dgm:ruleLst>
+                <dgm:rule type="primFontSz" val="5" fact="NaN" max="NaN"/>
+              </dgm:ruleLst>
+            </dgm:layoutNode>
+            <dgm:layoutNode name="childNode" styleLbl="revTx" moveWith="parentNode">
+              <dgm:varLst>
+                <dgm:bulletEnabled val="1"/>
+              </dgm:varLst>
+              <dgm:alg type="tx">
+                <dgm:param type="stBulletLvl" val="1"/>
+                <dgm:param type="txAnchorVertCh" val="mid"/>
+              </dgm:alg>
+              <dgm:choose name="Name21">
+                <dgm:if name="Name22" axis="ch" ptType="node" func="cnt" op="gte" val="1">
+                  <dgm:shape xmlns:r="http://schemas.openxmlformats.org/officeDocument/2006/relationships" type="rect" r:blip="">
+                    <dgm:adjLst/>
+                  </dgm:shape>
+                </dgm:if>
+                <dgm:else name="Name23">
+                  <dgm:shape xmlns:r="http://schemas.openxmlformats.org/officeDocument/2006/relationships" type="rect" r:blip="" hideGeom="1">
+                    <dgm:adjLst/>
+                  </dgm:shape>
+                </dgm:else>
+              </dgm:choose>
+              <dgm:presOf axis="des" ptType="node"/>
+              <dgm:constrLst>
+                <dgm:constr type="tMarg"/>
+                <dgm:constr type="bMarg"/>
+                <dgm:constr type="lMarg"/>
+                <dgm:constr type="rMarg"/>
+              </dgm:constrLst>
+              <dgm:ruleLst>
+                <dgm:rule type="secFontSz" val="5" fact="NaN" max="NaN"/>
+              </dgm:ruleLst>
+            </dgm:layoutNode>
+          </dgm:layoutNode>
+        </dgm:forEach>
+        <dgm:forEach name="Name24" axis="self" ptType="parTrans" cnt="1">
+          <dgm:layoutNode name="Name25">
+            <dgm:alg type="conn">
+              <dgm:param type="srcNode" val="connSite"/>
+              <dgm:param type="dstNode" val="parentNode"/>
+              <dgm:param type="dim" val="1D"/>
+              <dgm:param type="endSty" val="noArr"/>
+              <dgm:param type="begPts" val="auto"/>
+              <dgm:param type="endPts" val="auto"/>
+            </dgm:alg>
+            <dgm:shape xmlns:r="http://schemas.openxmlformats.org/officeDocument/2006/relationships" type="conn" r:blip="" zOrderOff="-99">
+              <dgm:adjLst/>
+            </dgm:shape>
+            <dgm:presOf axis="self"/>
+            <dgm:constrLst>
+              <dgm:constr type="connDist"/>
+              <dgm:constr type="w" val="1"/>
+              <dgm:constr type="h" val="5"/>
+              <dgm:constr type="begPad"/>
+              <dgm:constr type="endPad"/>
+            </dgm:constrLst>
+            <dgm:ruleLst/>
+          </dgm:layoutNode>
+        </dgm:forEach>
+      </dgm:forEach>
+    </dgm:layoutNode>
+  </dgm:layoutNode>
+</dgm:layoutDef>
+</file>
+
 <file path=ppt/diagrams/quickStyle1.xml><?xml version="1.0" encoding="utf-8"?>
 <dgm:styleDef xmlns:dgm="http://schemas.openxmlformats.org/drawingml/2006/diagram" xmlns:a="http://schemas.openxmlformats.org/drawingml/2006/main" uniqueId="urn:microsoft.com/office/officeart/2005/8/quickstyle/simple1">
   <dgm:title val=""/>
@@ -10365,6 +12583,991 @@
 </file>
 
 <file path=ppt/diagrams/quickStyle3.xml><?xml version="1.0" encoding="utf-8"?>
+<dgm:styleDef xmlns:dgm="http://schemas.openxmlformats.org/drawingml/2006/diagram" xmlns:a="http://schemas.openxmlformats.org/drawingml/2006/main" uniqueId="urn:microsoft.com/office/officeart/2005/8/quickstyle/simple1">
+  <dgm:title val=""/>
+  <dgm:desc val=""/>
+  <dgm:catLst>
+    <dgm:cat type="simple" pri="10100"/>
+  </dgm:catLst>
+  <dgm:scene3d>
+    <a:camera prst="orthographicFront"/>
+    <a:lightRig rig="threePt" dir="t"/>
+  </dgm:scene3d>
+  <dgm:styleLbl name="alignAcc1">
+    <dgm:scene3d>
+      <a:camera prst="orthographicFront"/>
+      <a:lightRig rig="threePt" dir="t"/>
+    </dgm:scene3d>
+    <dgm:txPr/>
+    <dgm:style>
+      <a:lnRef idx="2">
+        <a:scrgbClr r="0" g="0" b="0"/>
+      </a:lnRef>
+      <a:fillRef idx="1">
+        <a:scrgbClr r="0" g="0" b="0"/>
+      </a:fillRef>
+      <a:effectRef idx="0">
+        <a:scrgbClr r="0" g="0" b="0"/>
+      </a:effectRef>
+      <a:fontRef idx="minor"/>
+    </dgm:style>
+  </dgm:styleLbl>
+  <dgm:styleLbl name="alignAccFollowNode1">
+    <dgm:scene3d>
+      <a:camera prst="orthographicFront"/>
+      <a:lightRig rig="threePt" dir="t"/>
+    </dgm:scene3d>
+    <dgm:txPr/>
+    <dgm:style>
+      <a:lnRef idx="2">
+        <a:scrgbClr r="0" g="0" b="0"/>
+      </a:lnRef>
+      <a:fillRef idx="1">
+        <a:scrgbClr r="0" g="0" b="0"/>
+      </a:fillRef>
+      <a:effectRef idx="0">
+        <a:scrgbClr r="0" g="0" b="0"/>
+      </a:effectRef>
+      <a:fontRef idx="minor"/>
+    </dgm:style>
+  </dgm:styleLbl>
+  <dgm:styleLbl name="alignImgPlace1">
+    <dgm:scene3d>
+      <a:camera prst="orthographicFront"/>
+      <a:lightRig rig="threePt" dir="t"/>
+    </dgm:scene3d>
+    <dgm:txPr/>
+    <dgm:style>
+      <a:lnRef idx="2">
+        <a:scrgbClr r="0" g="0" b="0"/>
+      </a:lnRef>
+      <a:fillRef idx="1">
+        <a:scrgbClr r="0" g="0" b="0"/>
+      </a:fillRef>
+      <a:effectRef idx="0">
+        <a:scrgbClr r="0" g="0" b="0"/>
+      </a:effectRef>
+      <a:fontRef idx="minor"/>
+    </dgm:style>
+  </dgm:styleLbl>
+  <dgm:styleLbl name="alignNode1">
+    <dgm:scene3d>
+      <a:camera prst="orthographicFront"/>
+      <a:lightRig rig="threePt" dir="t"/>
+    </dgm:scene3d>
+    <dgm:txPr/>
+    <dgm:style>
+      <a:lnRef idx="2">
+        <a:scrgbClr r="0" g="0" b="0"/>
+      </a:lnRef>
+      <a:fillRef idx="1">
+        <a:scrgbClr r="0" g="0" b="0"/>
+      </a:fillRef>
+      <a:effectRef idx="0">
+        <a:scrgbClr r="0" g="0" b="0"/>
+      </a:effectRef>
+      <a:fontRef idx="minor">
+        <a:schemeClr val="lt1"/>
+      </a:fontRef>
+    </dgm:style>
+  </dgm:styleLbl>
+  <dgm:styleLbl name="asst0">
+    <dgm:scene3d>
+      <a:camera prst="orthographicFront"/>
+      <a:lightRig rig="threePt" dir="t"/>
+    </dgm:scene3d>
+    <dgm:txPr/>
+    <dgm:style>
+      <a:lnRef idx="2">
+        <a:scrgbClr r="0" g="0" b="0"/>
+      </a:lnRef>
+      <a:fillRef idx="1">
+        <a:scrgbClr r="0" g="0" b="0"/>
+      </a:fillRef>
+      <a:effectRef idx="0">
+        <a:scrgbClr r="0" g="0" b="0"/>
+      </a:effectRef>
+      <a:fontRef idx="minor">
+        <a:schemeClr val="lt1"/>
+      </a:fontRef>
+    </dgm:style>
+  </dgm:styleLbl>
+  <dgm:styleLbl name="asst1">
+    <dgm:scene3d>
+      <a:camera prst="orthographicFront"/>
+      <a:lightRig rig="threePt" dir="t"/>
+    </dgm:scene3d>
+    <dgm:txPr/>
+    <dgm:style>
+      <a:lnRef idx="2">
+        <a:scrgbClr r="0" g="0" b="0"/>
+      </a:lnRef>
+      <a:fillRef idx="1">
+        <a:scrgbClr r="0" g="0" b="0"/>
+      </a:fillRef>
+      <a:effectRef idx="0">
+        <a:scrgbClr r="0" g="0" b="0"/>
+      </a:effectRef>
+      <a:fontRef idx="minor">
+        <a:schemeClr val="lt1"/>
+      </a:fontRef>
+    </dgm:style>
+  </dgm:styleLbl>
+  <dgm:styleLbl name="asst2">
+    <dgm:scene3d>
+      <a:camera prst="orthographicFront"/>
+      <a:lightRig rig="threePt" dir="t"/>
+    </dgm:scene3d>
+    <dgm:txPr/>
+    <dgm:style>
+      <a:lnRef idx="2">
+        <a:scrgbClr r="0" g="0" b="0"/>
+      </a:lnRef>
+      <a:fillRef idx="1">
+        <a:scrgbClr r="0" g="0" b="0"/>
+      </a:fillRef>
+      <a:effectRef idx="0">
+        <a:scrgbClr r="0" g="0" b="0"/>
+      </a:effectRef>
+      <a:fontRef idx="minor">
+        <a:schemeClr val="lt1"/>
+      </a:fontRef>
+    </dgm:style>
+  </dgm:styleLbl>
+  <dgm:styleLbl name="asst3">
+    <dgm:scene3d>
+      <a:camera prst="orthographicFront"/>
+      <a:lightRig rig="threePt" dir="t"/>
+    </dgm:scene3d>
+    <dgm:txPr/>
+    <dgm:style>
+      <a:lnRef idx="2">
+        <a:scrgbClr r="0" g="0" b="0"/>
+      </a:lnRef>
+      <a:fillRef idx="1">
+        <a:scrgbClr r="0" g="0" b="0"/>
+      </a:fillRef>
+      <a:effectRef idx="0">
+        <a:scrgbClr r="0" g="0" b="0"/>
+      </a:effectRef>
+      <a:fontRef idx="minor">
+        <a:schemeClr val="lt1"/>
+      </a:fontRef>
+    </dgm:style>
+  </dgm:styleLbl>
+  <dgm:styleLbl name="asst4">
+    <dgm:scene3d>
+      <a:camera prst="orthographicFront"/>
+      <a:lightRig rig="threePt" dir="t"/>
+    </dgm:scene3d>
+    <dgm:txPr/>
+    <dgm:style>
+      <a:lnRef idx="2">
+        <a:scrgbClr r="0" g="0" b="0"/>
+      </a:lnRef>
+      <a:fillRef idx="1">
+        <a:scrgbClr r="0" g="0" b="0"/>
+      </a:fillRef>
+      <a:effectRef idx="0">
+        <a:scrgbClr r="0" g="0" b="0"/>
+      </a:effectRef>
+      <a:fontRef idx="minor">
+        <a:schemeClr val="lt1"/>
+      </a:fontRef>
+    </dgm:style>
+  </dgm:styleLbl>
+  <dgm:styleLbl name="bgAcc1">
+    <dgm:scene3d>
+      <a:camera prst="orthographicFront"/>
+      <a:lightRig rig="threePt" dir="t"/>
+    </dgm:scene3d>
+    <dgm:txPr/>
+    <dgm:style>
+      <a:lnRef idx="2">
+        <a:scrgbClr r="0" g="0" b="0"/>
+      </a:lnRef>
+      <a:fillRef idx="1">
+        <a:scrgbClr r="0" g="0" b="0"/>
+      </a:fillRef>
+      <a:effectRef idx="0">
+        <a:scrgbClr r="0" g="0" b="0"/>
+      </a:effectRef>
+      <a:fontRef idx="minor"/>
+    </dgm:style>
+  </dgm:styleLbl>
+  <dgm:styleLbl name="bgAccFollowNode1">
+    <dgm:scene3d>
+      <a:camera prst="orthographicFront"/>
+      <a:lightRig rig="threePt" dir="t"/>
+    </dgm:scene3d>
+    <dgm:txPr/>
+    <dgm:style>
+      <a:lnRef idx="2">
+        <a:scrgbClr r="0" g="0" b="0"/>
+      </a:lnRef>
+      <a:fillRef idx="1">
+        <a:scrgbClr r="0" g="0" b="0"/>
+      </a:fillRef>
+      <a:effectRef idx="0">
+        <a:scrgbClr r="0" g="0" b="0"/>
+      </a:effectRef>
+      <a:fontRef idx="minor"/>
+    </dgm:style>
+  </dgm:styleLbl>
+  <dgm:styleLbl name="bgImgPlace1">
+    <dgm:scene3d>
+      <a:camera prst="orthographicFront"/>
+      <a:lightRig rig="threePt" dir="t"/>
+    </dgm:scene3d>
+    <dgm:txPr/>
+    <dgm:style>
+      <a:lnRef idx="2">
+        <a:scrgbClr r="0" g="0" b="0"/>
+      </a:lnRef>
+      <a:fillRef idx="1">
+        <a:scrgbClr r="0" g="0" b="0"/>
+      </a:fillRef>
+      <a:effectRef idx="0">
+        <a:scrgbClr r="0" g="0" b="0"/>
+      </a:effectRef>
+      <a:fontRef idx="minor"/>
+    </dgm:style>
+  </dgm:styleLbl>
+  <dgm:styleLbl name="bgShp">
+    <dgm:scene3d>
+      <a:camera prst="orthographicFront"/>
+      <a:lightRig rig="threePt" dir="t"/>
+    </dgm:scene3d>
+    <dgm:txPr/>
+    <dgm:style>
+      <a:lnRef idx="0">
+        <a:scrgbClr r="0" g="0" b="0"/>
+      </a:lnRef>
+      <a:fillRef idx="1">
+        <a:scrgbClr r="0" g="0" b="0"/>
+      </a:fillRef>
+      <a:effectRef idx="0">
+        <a:scrgbClr r="0" g="0" b="0"/>
+      </a:effectRef>
+      <a:fontRef idx="minor"/>
+    </dgm:style>
+  </dgm:styleLbl>
+  <dgm:styleLbl name="bgSibTrans2D1">
+    <dgm:scene3d>
+      <a:camera prst="orthographicFront"/>
+      <a:lightRig rig="threePt" dir="t"/>
+    </dgm:scene3d>
+    <dgm:txPr/>
+    <dgm:style>
+      <a:lnRef idx="0">
+        <a:scrgbClr r="0" g="0" b="0"/>
+      </a:lnRef>
+      <a:fillRef idx="1">
+        <a:scrgbClr r="0" g="0" b="0"/>
+      </a:fillRef>
+      <a:effectRef idx="0">
+        <a:scrgbClr r="0" g="0" b="0"/>
+      </a:effectRef>
+      <a:fontRef idx="minor">
+        <a:schemeClr val="lt1"/>
+      </a:fontRef>
+    </dgm:style>
+  </dgm:styleLbl>
+  <dgm:styleLbl name="callout">
+    <dgm:scene3d>
+      <a:camera prst="orthographicFront"/>
+      <a:lightRig rig="threePt" dir="t"/>
+    </dgm:scene3d>
+    <dgm:txPr/>
+    <dgm:style>
+      <a:lnRef idx="2">
+        <a:scrgbClr r="0" g="0" b="0"/>
+      </a:lnRef>
+      <a:fillRef idx="1">
+        <a:scrgbClr r="0" g="0" b="0"/>
+      </a:fillRef>
+      <a:effectRef idx="0">
+        <a:scrgbClr r="0" g="0" b="0"/>
+      </a:effectRef>
+      <a:fontRef idx="minor"/>
+    </dgm:style>
+  </dgm:styleLbl>
+  <dgm:styleLbl name="conFgAcc1">
+    <dgm:scene3d>
+      <a:camera prst="orthographicFront"/>
+      <a:lightRig rig="threePt" dir="t"/>
+    </dgm:scene3d>
+    <dgm:txPr/>
+    <dgm:style>
+      <a:lnRef idx="2">
+        <a:scrgbClr r="0" g="0" b="0"/>
+      </a:lnRef>
+      <a:fillRef idx="1">
+        <a:scrgbClr r="0" g="0" b="0"/>
+      </a:fillRef>
+      <a:effectRef idx="0">
+        <a:scrgbClr r="0" g="0" b="0"/>
+      </a:effectRef>
+      <a:fontRef idx="minor"/>
+    </dgm:style>
+  </dgm:styleLbl>
+  <dgm:styleLbl name="dkBgShp">
+    <dgm:scene3d>
+      <a:camera prst="orthographicFront"/>
+      <a:lightRig rig="threePt" dir="t"/>
+    </dgm:scene3d>
+    <dgm:txPr/>
+    <dgm:style>
+      <a:lnRef idx="0">
+        <a:scrgbClr r="0" g="0" b="0"/>
+      </a:lnRef>
+      <a:fillRef idx="1">
+        <a:scrgbClr r="0" g="0" b="0"/>
+      </a:fillRef>
+      <a:effectRef idx="0">
+        <a:scrgbClr r="0" g="0" b="0"/>
+      </a:effectRef>
+      <a:fontRef idx="minor"/>
+    </dgm:style>
+  </dgm:styleLbl>
+  <dgm:styleLbl name="fgAcc0">
+    <dgm:scene3d>
+      <a:camera prst="orthographicFront"/>
+      <a:lightRig rig="threePt" dir="t"/>
+    </dgm:scene3d>
+    <dgm:txPr/>
+    <dgm:style>
+      <a:lnRef idx="2">
+        <a:scrgbClr r="0" g="0" b="0"/>
+      </a:lnRef>
+      <a:fillRef idx="1">
+        <a:scrgbClr r="0" g="0" b="0"/>
+      </a:fillRef>
+      <a:effectRef idx="0">
+        <a:scrgbClr r="0" g="0" b="0"/>
+      </a:effectRef>
+      <a:fontRef idx="minor"/>
+    </dgm:style>
+  </dgm:styleLbl>
+  <dgm:styleLbl name="fgAcc1">
+    <dgm:scene3d>
+      <a:camera prst="orthographicFront"/>
+      <a:lightRig rig="threePt" dir="t"/>
+    </dgm:scene3d>
+    <dgm:txPr/>
+    <dgm:style>
+      <a:lnRef idx="2">
+        <a:scrgbClr r="0" g="0" b="0"/>
+      </a:lnRef>
+      <a:fillRef idx="1">
+        <a:scrgbClr r="0" g="0" b="0"/>
+      </a:fillRef>
+      <a:effectRef idx="0">
+        <a:scrgbClr r="0" g="0" b="0"/>
+      </a:effectRef>
+      <a:fontRef idx="minor"/>
+    </dgm:style>
+  </dgm:styleLbl>
+  <dgm:styleLbl name="fgAcc2">
+    <dgm:scene3d>
+      <a:camera prst="orthographicFront"/>
+      <a:lightRig rig="threePt" dir="t"/>
+    </dgm:scene3d>
+    <dgm:txPr/>
+    <dgm:style>
+      <a:lnRef idx="2">
+        <a:scrgbClr r="0" g="0" b="0"/>
+      </a:lnRef>
+      <a:fillRef idx="1">
+        <a:scrgbClr r="0" g="0" b="0"/>
+      </a:fillRef>
+      <a:effectRef idx="0">
+        <a:scrgbClr r="0" g="0" b="0"/>
+      </a:effectRef>
+      <a:fontRef idx="minor"/>
+    </dgm:style>
+  </dgm:styleLbl>
+  <dgm:styleLbl name="fgAcc3">
+    <dgm:scene3d>
+      <a:camera prst="orthographicFront"/>
+      <a:lightRig rig="threePt" dir="t"/>
+    </dgm:scene3d>
+    <dgm:txPr/>
+    <dgm:style>
+      <a:lnRef idx="2">
+        <a:scrgbClr r="0" g="0" b="0"/>
+      </a:lnRef>
+      <a:fillRef idx="1">
+        <a:scrgbClr r="0" g="0" b="0"/>
+      </a:fillRef>
+      <a:effectRef idx="0">
+        <a:scrgbClr r="0" g="0" b="0"/>
+      </a:effectRef>
+      <a:fontRef idx="minor"/>
+    </dgm:style>
+  </dgm:styleLbl>
+  <dgm:styleLbl name="fgAcc4">
+    <dgm:scene3d>
+      <a:camera prst="orthographicFront"/>
+      <a:lightRig rig="threePt" dir="t"/>
+    </dgm:scene3d>
+    <dgm:txPr/>
+    <dgm:style>
+      <a:lnRef idx="2">
+        <a:scrgbClr r="0" g="0" b="0"/>
+      </a:lnRef>
+      <a:fillRef idx="1">
+        <a:scrgbClr r="0" g="0" b="0"/>
+      </a:fillRef>
+      <a:effectRef idx="0">
+        <a:scrgbClr r="0" g="0" b="0"/>
+      </a:effectRef>
+      <a:fontRef idx="minor"/>
+    </dgm:style>
+  </dgm:styleLbl>
+  <dgm:styleLbl name="fgAccFollowNode1">
+    <dgm:scene3d>
+      <a:camera prst="orthographicFront"/>
+      <a:lightRig rig="threePt" dir="t"/>
+    </dgm:scene3d>
+    <dgm:txPr/>
+    <dgm:style>
+      <a:lnRef idx="2">
+        <a:scrgbClr r="0" g="0" b="0"/>
+      </a:lnRef>
+      <a:fillRef idx="1">
+        <a:scrgbClr r="0" g="0" b="0"/>
+      </a:fillRef>
+      <a:effectRef idx="0">
+        <a:scrgbClr r="0" g="0" b="0"/>
+      </a:effectRef>
+      <a:fontRef idx="minor"/>
+    </dgm:style>
+  </dgm:styleLbl>
+  <dgm:styleLbl name="fgImgPlace1">
+    <dgm:scene3d>
+      <a:camera prst="orthographicFront"/>
+      <a:lightRig rig="threePt" dir="t"/>
+    </dgm:scene3d>
+    <dgm:txPr/>
+    <dgm:style>
+      <a:lnRef idx="2">
+        <a:scrgbClr r="0" g="0" b="0"/>
+      </a:lnRef>
+      <a:fillRef idx="1">
+        <a:scrgbClr r="0" g="0" b="0"/>
+      </a:fillRef>
+      <a:effectRef idx="0">
+        <a:scrgbClr r="0" g="0" b="0"/>
+      </a:effectRef>
+      <a:fontRef idx="minor"/>
+    </dgm:style>
+  </dgm:styleLbl>
+  <dgm:styleLbl name="fgShp">
+    <dgm:scene3d>
+      <a:camera prst="orthographicFront"/>
+      <a:lightRig rig="threePt" dir="t"/>
+    </dgm:scene3d>
+    <dgm:txPr/>
+    <dgm:style>
+      <a:lnRef idx="2">
+        <a:scrgbClr r="0" g="0" b="0"/>
+      </a:lnRef>
+      <a:fillRef idx="1">
+        <a:scrgbClr r="0" g="0" b="0"/>
+      </a:fillRef>
+      <a:effectRef idx="0">
+        <a:scrgbClr r="0" g="0" b="0"/>
+      </a:effectRef>
+      <a:fontRef idx="minor"/>
+    </dgm:style>
+  </dgm:styleLbl>
+  <dgm:styleLbl name="fgSibTrans2D1">
+    <dgm:scene3d>
+      <a:camera prst="orthographicFront"/>
+      <a:lightRig rig="threePt" dir="t"/>
+    </dgm:scene3d>
+    <dgm:txPr/>
+    <dgm:style>
+      <a:lnRef idx="0">
+        <a:scrgbClr r="0" g="0" b="0"/>
+      </a:lnRef>
+      <a:fillRef idx="1">
+        <a:scrgbClr r="0" g="0" b="0"/>
+      </a:fillRef>
+      <a:effectRef idx="0">
+        <a:scrgbClr r="0" g="0" b="0"/>
+      </a:effectRef>
+      <a:fontRef idx="minor">
+        <a:schemeClr val="lt1"/>
+      </a:fontRef>
+    </dgm:style>
+  </dgm:styleLbl>
+  <dgm:styleLbl name="lnNode1">
+    <dgm:scene3d>
+      <a:camera prst="orthographicFront"/>
+      <a:lightRig rig="threePt" dir="t"/>
+    </dgm:scene3d>
+    <dgm:txPr/>
+    <dgm:style>
+      <a:lnRef idx="2">
+        <a:scrgbClr r="0" g="0" b="0"/>
+      </a:lnRef>
+      <a:fillRef idx="1">
+        <a:scrgbClr r="0" g="0" b="0"/>
+      </a:fillRef>
+      <a:effectRef idx="0">
+        <a:scrgbClr r="0" g="0" b="0"/>
+      </a:effectRef>
+      <a:fontRef idx="minor">
+        <a:schemeClr val="lt1"/>
+      </a:fontRef>
+    </dgm:style>
+  </dgm:styleLbl>
+  <dgm:styleLbl name="node0">
+    <dgm:scene3d>
+      <a:camera prst="orthographicFront"/>
+      <a:lightRig rig="threePt" dir="t"/>
+    </dgm:scene3d>
+    <dgm:txPr/>
+    <dgm:style>
+      <a:lnRef idx="2">
+        <a:scrgbClr r="0" g="0" b="0"/>
+      </a:lnRef>
+      <a:fillRef idx="1">
+        <a:scrgbClr r="0" g="0" b="0"/>
+      </a:fillRef>
+      <a:effectRef idx="0">
+        <a:scrgbClr r="0" g="0" b="0"/>
+      </a:effectRef>
+      <a:fontRef idx="minor">
+        <a:schemeClr val="lt1"/>
+      </a:fontRef>
+    </dgm:style>
+  </dgm:styleLbl>
+  <dgm:styleLbl name="node1">
+    <dgm:scene3d>
+      <a:camera prst="orthographicFront"/>
+      <a:lightRig rig="threePt" dir="t"/>
+    </dgm:scene3d>
+    <dgm:txPr/>
+    <dgm:style>
+      <a:lnRef idx="2">
+        <a:scrgbClr r="0" g="0" b="0"/>
+      </a:lnRef>
+      <a:fillRef idx="1">
+        <a:scrgbClr r="0" g="0" b="0"/>
+      </a:fillRef>
+      <a:effectRef idx="0">
+        <a:scrgbClr r="0" g="0" b="0"/>
+      </a:effectRef>
+      <a:fontRef idx="minor">
+        <a:schemeClr val="lt1"/>
+      </a:fontRef>
+    </dgm:style>
+  </dgm:styleLbl>
+  <dgm:styleLbl name="node2">
+    <dgm:scene3d>
+      <a:camera prst="orthographicFront"/>
+      <a:lightRig rig="threePt" dir="t"/>
+    </dgm:scene3d>
+    <dgm:txPr/>
+    <dgm:style>
+      <a:lnRef idx="2">
+        <a:scrgbClr r="0" g="0" b="0"/>
+      </a:lnRef>
+      <a:fillRef idx="1">
+        <a:scrgbClr r="0" g="0" b="0"/>
+      </a:fillRef>
+      <a:effectRef idx="0">
+        <a:scrgbClr r="0" g="0" b="0"/>
+      </a:effectRef>
+      <a:fontRef idx="minor">
+        <a:schemeClr val="lt1"/>
+      </a:fontRef>
+    </dgm:style>
+  </dgm:styleLbl>
+  <dgm:styleLbl name="node3">
+    <dgm:scene3d>
+      <a:camera prst="orthographicFront"/>
+      <a:lightRig rig="threePt" dir="t"/>
+    </dgm:scene3d>
+    <dgm:txPr/>
+    <dgm:style>
+      <a:lnRef idx="2">
+        <a:scrgbClr r="0" g="0" b="0"/>
+      </a:lnRef>
+      <a:fillRef idx="1">
+        <a:scrgbClr r="0" g="0" b="0"/>
+      </a:fillRef>
+      <a:effectRef idx="0">
+        <a:scrgbClr r="0" g="0" b="0"/>
+      </a:effectRef>
+      <a:fontRef idx="minor">
+        <a:schemeClr val="lt1"/>
+      </a:fontRef>
+    </dgm:style>
+  </dgm:styleLbl>
+  <dgm:styleLbl name="node4">
+    <dgm:scene3d>
+      <a:camera prst="orthographicFront"/>
+      <a:lightRig rig="threePt" dir="t"/>
+    </dgm:scene3d>
+    <dgm:txPr/>
+    <dgm:style>
+      <a:lnRef idx="2">
+        <a:scrgbClr r="0" g="0" b="0"/>
+      </a:lnRef>
+      <a:fillRef idx="1">
+        <a:scrgbClr r="0" g="0" b="0"/>
+      </a:fillRef>
+      <a:effectRef idx="0">
+        <a:scrgbClr r="0" g="0" b="0"/>
+      </a:effectRef>
+      <a:fontRef idx="minor">
+        <a:schemeClr val="lt1"/>
+      </a:fontRef>
+    </dgm:style>
+  </dgm:styleLbl>
+  <dgm:styleLbl name="parChTrans1D1">
+    <dgm:scene3d>
+      <a:camera prst="orthographicFront"/>
+      <a:lightRig rig="threePt" dir="t"/>
+    </dgm:scene3d>
+    <dgm:txPr/>
+    <dgm:style>
+      <a:lnRef idx="2">
+        <a:scrgbClr r="0" g="0" b="0"/>
+      </a:lnRef>
+      <a:fillRef idx="0">
+        <a:scrgbClr r="0" g="0" b="0"/>
+      </a:fillRef>
+      <a:effectRef idx="0">
+        <a:scrgbClr r="0" g="0" b="0"/>
+      </a:effectRef>
+      <a:fontRef idx="minor"/>
+    </dgm:style>
+  </dgm:styleLbl>
+  <dgm:styleLbl name="parChTrans1D2">
+    <dgm:scene3d>
+      <a:camera prst="orthographicFront"/>
+      <a:lightRig rig="threePt" dir="t"/>
+    </dgm:scene3d>
+    <dgm:txPr/>
+    <dgm:style>
+      <a:lnRef idx="2">
+        <a:scrgbClr r="0" g="0" b="0"/>
+      </a:lnRef>
+      <a:fillRef idx="0">
+        <a:scrgbClr r="0" g="0" b="0"/>
+      </a:fillRef>
+      <a:effectRef idx="0">
+        <a:scrgbClr r="0" g="0" b="0"/>
+      </a:effectRef>
+      <a:fontRef idx="minor"/>
+    </dgm:style>
+  </dgm:styleLbl>
+  <dgm:styleLbl name="parChTrans1D3">
+    <dgm:scene3d>
+      <a:camera prst="orthographicFront"/>
+      <a:lightRig rig="threePt" dir="t"/>
+    </dgm:scene3d>
+    <dgm:txPr/>
+    <dgm:style>
+      <a:lnRef idx="2">
+        <a:scrgbClr r="0" g="0" b="0"/>
+      </a:lnRef>
+      <a:fillRef idx="0">
+        <a:scrgbClr r="0" g="0" b="0"/>
+      </a:fillRef>
+      <a:effectRef idx="0">
+        <a:scrgbClr r="0" g="0" b="0"/>
+      </a:effectRef>
+      <a:fontRef idx="minor"/>
+    </dgm:style>
+  </dgm:styleLbl>
+  <dgm:styleLbl name="parChTrans1D4">
+    <dgm:scene3d>
+      <a:camera prst="orthographicFront"/>
+      <a:lightRig rig="threePt" dir="t"/>
+    </dgm:scene3d>
+    <dgm:txPr/>
+    <dgm:style>
+      <a:lnRef idx="2">
+        <a:scrgbClr r="0" g="0" b="0"/>
+      </a:lnRef>
+      <a:fillRef idx="0">
+        <a:scrgbClr r="0" g="0" b="0"/>
+      </a:fillRef>
+      <a:effectRef idx="0">
+        <a:scrgbClr r="0" g="0" b="0"/>
+      </a:effectRef>
+      <a:fontRef idx="minor"/>
+    </dgm:style>
+  </dgm:styleLbl>
+  <dgm:styleLbl name="parChTrans2D1">
+    <dgm:scene3d>
+      <a:camera prst="orthographicFront"/>
+      <a:lightRig rig="threePt" dir="t"/>
+    </dgm:scene3d>
+    <dgm:txPr/>
+    <dgm:style>
+      <a:lnRef idx="2">
+        <a:scrgbClr r="0" g="0" b="0"/>
+      </a:lnRef>
+      <a:fillRef idx="1">
+        <a:scrgbClr r="0" g="0" b="0"/>
+      </a:fillRef>
+      <a:effectRef idx="0">
+        <a:scrgbClr r="0" g="0" b="0"/>
+      </a:effectRef>
+      <a:fontRef idx="minor">
+        <a:schemeClr val="lt1"/>
+      </a:fontRef>
+    </dgm:style>
+  </dgm:styleLbl>
+  <dgm:styleLbl name="parChTrans2D2">
+    <dgm:scene3d>
+      <a:camera prst="orthographicFront"/>
+      <a:lightRig rig="threePt" dir="t"/>
+    </dgm:scene3d>
+    <dgm:txPr/>
+    <dgm:style>
+      <a:lnRef idx="2">
+        <a:scrgbClr r="0" g="0" b="0"/>
+      </a:lnRef>
+      <a:fillRef idx="1">
+        <a:scrgbClr r="0" g="0" b="0"/>
+      </a:fillRef>
+      <a:effectRef idx="0">
+        <a:scrgbClr r="0" g="0" b="0"/>
+      </a:effectRef>
+      <a:fontRef idx="minor">
+        <a:schemeClr val="lt1"/>
+      </a:fontRef>
+    </dgm:style>
+  </dgm:styleLbl>
+  <dgm:styleLbl name="parChTrans2D3">
+    <dgm:scene3d>
+      <a:camera prst="orthographicFront"/>
+      <a:lightRig rig="threePt" dir="t"/>
+    </dgm:scene3d>
+    <dgm:txPr/>
+    <dgm:style>
+      <a:lnRef idx="2">
+        <a:scrgbClr r="0" g="0" b="0"/>
+      </a:lnRef>
+      <a:fillRef idx="1">
+        <a:scrgbClr r="0" g="0" b="0"/>
+      </a:fillRef>
+      <a:effectRef idx="0">
+        <a:scrgbClr r="0" g="0" b="0"/>
+      </a:effectRef>
+      <a:fontRef idx="minor">
+        <a:schemeClr val="lt1"/>
+      </a:fontRef>
+    </dgm:style>
+  </dgm:styleLbl>
+  <dgm:styleLbl name="parChTrans2D4">
+    <dgm:scene3d>
+      <a:camera prst="orthographicFront"/>
+      <a:lightRig rig="threePt" dir="t"/>
+    </dgm:scene3d>
+    <dgm:txPr/>
+    <dgm:style>
+      <a:lnRef idx="2">
+        <a:scrgbClr r="0" g="0" b="0"/>
+      </a:lnRef>
+      <a:fillRef idx="1">
+        <a:scrgbClr r="0" g="0" b="0"/>
+      </a:fillRef>
+      <a:effectRef idx="0">
+        <a:scrgbClr r="0" g="0" b="0"/>
+      </a:effectRef>
+      <a:fontRef idx="minor">
+        <a:schemeClr val="lt1"/>
+      </a:fontRef>
+    </dgm:style>
+  </dgm:styleLbl>
+  <dgm:styleLbl name="revTx">
+    <dgm:scene3d>
+      <a:camera prst="orthographicFront"/>
+      <a:lightRig rig="threePt" dir="t"/>
+    </dgm:scene3d>
+    <dgm:txPr/>
+    <dgm:style>
+      <a:lnRef idx="0">
+        <a:scrgbClr r="0" g="0" b="0"/>
+      </a:lnRef>
+      <a:fillRef idx="0">
+        <a:scrgbClr r="0" g="0" b="0"/>
+      </a:fillRef>
+      <a:effectRef idx="0">
+        <a:scrgbClr r="0" g="0" b="0"/>
+      </a:effectRef>
+      <a:fontRef idx="minor"/>
+    </dgm:style>
+  </dgm:styleLbl>
+  <dgm:styleLbl name="sibTrans1D1">
+    <dgm:scene3d>
+      <a:camera prst="orthographicFront"/>
+      <a:lightRig rig="threePt" dir="t"/>
+    </dgm:scene3d>
+    <dgm:txPr/>
+    <dgm:style>
+      <a:lnRef idx="1">
+        <a:scrgbClr r="0" g="0" b="0"/>
+      </a:lnRef>
+      <a:fillRef idx="0">
+        <a:scrgbClr r="0" g="0" b="0"/>
+      </a:fillRef>
+      <a:effectRef idx="0">
+        <a:scrgbClr r="0" g="0" b="0"/>
+      </a:effectRef>
+      <a:fontRef idx="minor"/>
+    </dgm:style>
+  </dgm:styleLbl>
+  <dgm:styleLbl name="sibTrans2D1">
+    <dgm:scene3d>
+      <a:camera prst="orthographicFront"/>
+      <a:lightRig rig="threePt" dir="t"/>
+    </dgm:scene3d>
+    <dgm:txPr/>
+    <dgm:style>
+      <a:lnRef idx="0">
+        <a:scrgbClr r="0" g="0" b="0"/>
+      </a:lnRef>
+      <a:fillRef idx="1">
+        <a:scrgbClr r="0" g="0" b="0"/>
+      </a:fillRef>
+      <a:effectRef idx="0">
+        <a:scrgbClr r="0" g="0" b="0"/>
+      </a:effectRef>
+      <a:fontRef idx="minor">
+        <a:schemeClr val="lt1"/>
+      </a:fontRef>
+    </dgm:style>
+  </dgm:styleLbl>
+  <dgm:styleLbl name="solidAlignAcc1">
+    <dgm:scene3d>
+      <a:camera prst="orthographicFront"/>
+      <a:lightRig rig="threePt" dir="t"/>
+    </dgm:scene3d>
+    <dgm:txPr/>
+    <dgm:style>
+      <a:lnRef idx="2">
+        <a:scrgbClr r="0" g="0" b="0"/>
+      </a:lnRef>
+      <a:fillRef idx="1">
+        <a:scrgbClr r="0" g="0" b="0"/>
+      </a:fillRef>
+      <a:effectRef idx="0">
+        <a:scrgbClr r="0" g="0" b="0"/>
+      </a:effectRef>
+      <a:fontRef idx="minor"/>
+    </dgm:style>
+  </dgm:styleLbl>
+  <dgm:styleLbl name="solidBgAcc1">
+    <dgm:scene3d>
+      <a:camera prst="orthographicFront"/>
+      <a:lightRig rig="threePt" dir="t"/>
+    </dgm:scene3d>
+    <dgm:txPr/>
+    <dgm:style>
+      <a:lnRef idx="2">
+        <a:scrgbClr r="0" g="0" b="0"/>
+      </a:lnRef>
+      <a:fillRef idx="1">
+        <a:scrgbClr r="0" g="0" b="0"/>
+      </a:fillRef>
+      <a:effectRef idx="0">
+        <a:scrgbClr r="0" g="0" b="0"/>
+      </a:effectRef>
+      <a:fontRef idx="minor"/>
+    </dgm:style>
+  </dgm:styleLbl>
+  <dgm:styleLbl name="solidFgAcc1">
+    <dgm:scene3d>
+      <a:camera prst="orthographicFront"/>
+      <a:lightRig rig="threePt" dir="t"/>
+    </dgm:scene3d>
+    <dgm:txPr/>
+    <dgm:style>
+      <a:lnRef idx="2">
+        <a:scrgbClr r="0" g="0" b="0"/>
+      </a:lnRef>
+      <a:fillRef idx="1">
+        <a:scrgbClr r="0" g="0" b="0"/>
+      </a:fillRef>
+      <a:effectRef idx="0">
+        <a:scrgbClr r="0" g="0" b="0"/>
+      </a:effectRef>
+      <a:fontRef idx="minor"/>
+    </dgm:style>
+  </dgm:styleLbl>
+  <dgm:styleLbl name="trAlignAcc1">
+    <dgm:scene3d>
+      <a:camera prst="orthographicFront"/>
+      <a:lightRig rig="threePt" dir="t"/>
+    </dgm:scene3d>
+    <dgm:txPr/>
+    <dgm:style>
+      <a:lnRef idx="1">
+        <a:scrgbClr r="0" g="0" b="0"/>
+      </a:lnRef>
+      <a:fillRef idx="1">
+        <a:scrgbClr r="0" g="0" b="0"/>
+      </a:fillRef>
+      <a:effectRef idx="0">
+        <a:scrgbClr r="0" g="0" b="0"/>
+      </a:effectRef>
+      <a:fontRef idx="minor"/>
+    </dgm:style>
+  </dgm:styleLbl>
+  <dgm:styleLbl name="trBgShp">
+    <dgm:scene3d>
+      <a:camera prst="orthographicFront"/>
+      <a:lightRig rig="threePt" dir="t"/>
+    </dgm:scene3d>
+    <dgm:txPr/>
+    <dgm:style>
+      <a:lnRef idx="0">
+        <a:scrgbClr r="0" g="0" b="0"/>
+      </a:lnRef>
+      <a:fillRef idx="1">
+        <a:scrgbClr r="0" g="0" b="0"/>
+      </a:fillRef>
+      <a:effectRef idx="0">
+        <a:scrgbClr r="0" g="0" b="0"/>
+      </a:effectRef>
+      <a:fontRef idx="minor"/>
+    </dgm:style>
+  </dgm:styleLbl>
+  <dgm:styleLbl name="vennNode1">
+    <dgm:scene3d>
+      <a:camera prst="orthographicFront"/>
+      <a:lightRig rig="threePt" dir="t"/>
+    </dgm:scene3d>
+    <dgm:txPr/>
+    <dgm:style>
+      <a:lnRef idx="2">
+        <a:scrgbClr r="0" g="0" b="0"/>
+      </a:lnRef>
+      <a:fillRef idx="1">
+        <a:scrgbClr r="0" g="0" b="0"/>
+      </a:fillRef>
+      <a:effectRef idx="0">
+        <a:scrgbClr r="0" g="0" b="0"/>
+      </a:effectRef>
+      <a:fontRef idx="minor">
+        <a:schemeClr val="tx1"/>
+      </a:fontRef>
+    </dgm:style>
+  </dgm:styleLbl>
+</dgm:styleDef>
+</file>
+
+<file path=ppt/diagrams/quickStyle4.xml><?xml version="1.0" encoding="utf-8"?>
 <dgm:styleDef xmlns:dgm="http://schemas.openxmlformats.org/drawingml/2006/diagram" xmlns:a="http://schemas.openxmlformats.org/drawingml/2006/main" uniqueId="urn:microsoft.com/office/officeart/2005/8/quickstyle/simple1">
   <dgm:title val=""/>
   <dgm:desc val=""/>
@@ -11850,6 +15053,54 @@
 </p:notes>
 </file>
 
+<file path=ppt/notesSlides/notesSlide4.xml><?xml version="1.0" encoding="utf-8"?>
+<p:notes xmlns:a="http://schemas.openxmlformats.org/drawingml/2006/main" xmlns:r="http://schemas.openxmlformats.org/officeDocument/2006/relationships" xmlns:p="http://schemas.openxmlformats.org/presentationml/2006/main">
+  <p:cSld>
+    <p:spTree>
+      <p:nvGrpSpPr>
+        <p:cNvPr id="1" name=""/>
+        <p:cNvGrpSpPr/>
+        <p:nvPr/>
+      </p:nvGrpSpPr>
+      <p:grpSpPr/>
+      <p:sp>
+        <p:nvSpPr>
+          <p:cNvPr id="2" name="Slide Image Placeholder 1"/>
+          <p:cNvSpPr/>
+          <p:nvPr>
+            <p:ph type="sldImg" idx="2"/>
+          </p:nvPr>
+        </p:nvSpPr>
+        <p:spPr/>
+      </p:sp>
+      <p:sp>
+        <p:nvSpPr>
+          <p:cNvPr id="3" name="Text Placeholder 2"/>
+          <p:cNvSpPr/>
+          <p:nvPr>
+            <p:ph type="body" idx="3"/>
+          </p:nvPr>
+        </p:nvSpPr>
+        <p:spPr/>
+        <p:txBody>
+          <a:bodyPr/>
+          <a:p>
+            <a:r>
+              <a:rPr lang="en-US"/>
+              <a:t>Menghafal Alquran, terutama menghafal keseluruhan Alquran yang berjumlah 30 juz tentunya memerlukan waktu yang panjang dan usaha yang terus-menerus, padahal tidak semua orang memiliki kemampuan menghafal dan kemampuan ingatan yang sama, serta tidak semua orang memiliki niat dan tekad yang kuat untuk menghafal Alquran. Oleh karena itu, diperlukan kemauan yang kuat dan kesabaran yang tinggi agar mampu menyelesaikan hafalan Alquran (Sa’dulloh, 2008).</a:t>
+            </a:r>
+            <a:endParaRPr lang="en-US"/>
+          </a:p>
+        </p:txBody>
+      </p:sp>
+    </p:spTree>
+  </p:cSld>
+  <p:clrMapOvr>
+    <a:masterClrMapping/>
+  </p:clrMapOvr>
+</p:notes>
+</file>
+
 <file path=ppt/slideLayouts/slideLayout1.xml><?xml version="1.0" encoding="utf-8"?>
 <p:sldLayout xmlns:a="http://schemas.openxmlformats.org/drawingml/2006/main" xmlns:r="http://schemas.openxmlformats.org/officeDocument/2006/relationships" xmlns:p="http://schemas.openxmlformats.org/presentationml/2006/main" type="title" preserve="1" showMasterSp="0">
   <p:cSld name="Title Slide">
@@ -11881,7 +15132,7 @@
           <p:cNvPicPr>
             <a:picLocks noChangeAspect="1"/>
           </p:cNvPicPr>
-          <p:nvPr/>
+          <p:nvPr userDrawn="1"/>
         </p:nvPicPr>
         <p:blipFill>
           <a:blip r:embed="rId2"/>
@@ -15555,6 +18806,156 @@
 </p:sld>
 </file>
 
+<file path=ppt/slides/slide7.xml><?xml version="1.0" encoding="utf-8"?>
+<p:sld xmlns:a="http://schemas.openxmlformats.org/drawingml/2006/main" xmlns:r="http://schemas.openxmlformats.org/officeDocument/2006/relationships" xmlns:p="http://schemas.openxmlformats.org/presentationml/2006/main">
+  <p:cSld>
+    <p:spTree>
+      <p:nvGrpSpPr>
+        <p:cNvPr id="1" name=""/>
+        <p:cNvGrpSpPr/>
+        <p:nvPr/>
+      </p:nvGrpSpPr>
+      <p:grpSpPr/>
+      <p:sp>
+        <p:nvSpPr>
+          <p:cNvPr id="2" name="Title 1"/>
+          <p:cNvSpPr>
+            <a:spLocks noGrp="1"/>
+          </p:cNvSpPr>
+          <p:nvPr>
+            <p:ph type="title"/>
+          </p:nvPr>
+        </p:nvSpPr>
+        <p:spPr/>
+        <p:txBody>
+          <a:bodyPr/>
+          <a:p>
+            <a:r>
+              <a:rPr lang="" altLang="en-US"/>
+              <a:t>Latar Belakang</a:t>
+            </a:r>
+            <a:endParaRPr lang="" altLang="en-US"/>
+          </a:p>
+        </p:txBody>
+      </p:sp>
+      <p:sp>
+        <p:nvSpPr>
+          <p:cNvPr id="3" name="Content Placeholder 2"/>
+          <p:cNvSpPr>
+            <a:spLocks noGrp="1"/>
+          </p:cNvSpPr>
+          <p:nvPr>
+            <p:ph idx="1"/>
+          </p:nvPr>
+        </p:nvSpPr>
+        <p:spPr/>
+        <p:txBody>
+          <a:bodyPr/>
+          <a:p>
+            <a:endParaRPr lang="en-US"/>
+          </a:p>
+        </p:txBody>
+      </p:sp>
+      <p:graphicFrame>
+        <p:nvGraphicFramePr>
+          <p:cNvPr id="4" name="Diagram 3"/>
+          <p:cNvGraphicFramePr/>
+          <p:nvPr/>
+        </p:nvGraphicFramePr>
+        <p:xfrm>
+          <a:off x="2032000" y="719455"/>
+          <a:ext cx="8128000" cy="5418455"/>
+        </p:xfrm>
+        <a:graphic>
+          <a:graphicData uri="http://schemas.openxmlformats.org/drawingml/2006/diagram">
+            <dgm:relIds xmlns:dgm="http://schemas.openxmlformats.org/drawingml/2006/diagram" xmlns:r="http://schemas.openxmlformats.org/officeDocument/2006/relationships" r:dm="rId1" r:lo="rId2" r:qs="rId3" r:cs="rId4"/>
+          </a:graphicData>
+        </a:graphic>
+      </p:graphicFrame>
+      <p:sp>
+        <p:nvSpPr>
+          <p:cNvPr id="5" name="Text Box 4"/>
+          <p:cNvSpPr txBox="1"/>
+          <p:nvPr/>
+        </p:nvSpPr>
+        <p:spPr>
+          <a:xfrm>
+            <a:off x="2645410" y="2737485"/>
+            <a:ext cx="1872615" cy="1383665"/>
+          </a:xfrm>
+          <a:prstGeom prst="rect">
+            <a:avLst/>
+          </a:prstGeom>
+          <a:noFill/>
+        </p:spPr>
+        <p:txBody>
+          <a:bodyPr wrap="square" rtlCol="0">
+            <a:spAutoFit/>
+          </a:bodyPr>
+          <a:p>
+            <a:pPr algn="ctr"/>
+            <a:r>
+              <a:rPr lang="" altLang="en-US" sz="2800">
+                <a:solidFill>
+                  <a:schemeClr val="bg1"/>
+                </a:solidFill>
+              </a:rPr>
+              <a:t>Bekal menghafal Alquran</a:t>
+            </a:r>
+            <a:endParaRPr lang="" altLang="en-US" sz="2800">
+              <a:solidFill>
+                <a:schemeClr val="bg1"/>
+              </a:solidFill>
+            </a:endParaRPr>
+          </a:p>
+        </p:txBody>
+      </p:sp>
+      <p:sp>
+        <p:nvSpPr>
+          <p:cNvPr id="6" name="Text Box 5"/>
+          <p:cNvSpPr txBox="1"/>
+          <p:nvPr/>
+        </p:nvSpPr>
+        <p:spPr>
+          <a:xfrm>
+            <a:off x="2072640" y="5462270"/>
+            <a:ext cx="1846580" cy="368300"/>
+          </a:xfrm>
+          <a:prstGeom prst="rect">
+            <a:avLst/>
+          </a:prstGeom>
+          <a:noFill/>
+        </p:spPr>
+        <p:txBody>
+          <a:bodyPr wrap="none" rtlCol="0">
+            <a:spAutoFit/>
+          </a:bodyPr>
+          <a:p>
+            <a:pPr algn="l"/>
+            <a:r>
+              <a:rPr lang="en-US"/>
+              <a:t>Sa’dulloh </a:t>
+            </a:r>
+            <a:r>
+              <a:rPr lang="" altLang="en-US"/>
+              <a:t>(</a:t>
+            </a:r>
+            <a:r>
+              <a:rPr lang="en-US"/>
+              <a:t>2008)</a:t>
+            </a:r>
+            <a:endParaRPr lang="en-US"/>
+          </a:p>
+        </p:txBody>
+      </p:sp>
+    </p:spTree>
+  </p:cSld>
+  <p:clrMapOvr>
+    <a:masterClrMapping/>
+  </p:clrMapOvr>
+</p:sld>
+</file>
+
 <file path=ppt/theme/theme1.xml><?xml version="1.0" encoding="utf-8"?>
 <a:theme xmlns:a="http://schemas.openxmlformats.org/drawingml/2006/main" name="Blue Waves">
   <a:themeElements>

--- a/seminar proposal.pptx
+++ b/seminar proposal.pptx
@@ -5,25 +5,31 @@
     <p:sldMasterId id="2147483648" r:id="rId1"/>
   </p:sldMasterIdLst>
   <p:notesMasterIdLst>
-    <p:notesMasterId r:id="rId5"/>
+    <p:notesMasterId r:id="rId6"/>
   </p:notesMasterIdLst>
   <p:sldIdLst>
     <p:sldId id="256" r:id="rId3"/>
-    <p:sldId id="258" r:id="rId4"/>
-    <p:sldId id="259" r:id="rId6"/>
-    <p:sldId id="260" r:id="rId7"/>
-    <p:sldId id="261" r:id="rId8"/>
-    <p:sldId id="262" r:id="rId9"/>
-    <p:sldId id="263" r:id="rId10"/>
-    <p:sldId id="264" r:id="rId11"/>
-    <p:sldId id="265" r:id="rId12"/>
-    <p:sldId id="266" r:id="rId13"/>
-    <p:sldId id="267" r:id="rId14"/>
-    <p:sldId id="268" r:id="rId15"/>
-    <p:sldId id="269" r:id="rId16"/>
-    <p:sldId id="271" r:id="rId17"/>
-    <p:sldId id="272" r:id="rId18"/>
-    <p:sldId id="273" r:id="rId19"/>
+    <p:sldId id="278" r:id="rId4"/>
+    <p:sldId id="258" r:id="rId5"/>
+    <p:sldId id="259" r:id="rId7"/>
+    <p:sldId id="260" r:id="rId8"/>
+    <p:sldId id="261" r:id="rId9"/>
+    <p:sldId id="262" r:id="rId10"/>
+    <p:sldId id="263" r:id="rId11"/>
+    <p:sldId id="264" r:id="rId12"/>
+    <p:sldId id="265" r:id="rId13"/>
+    <p:sldId id="266" r:id="rId14"/>
+    <p:sldId id="267" r:id="rId15"/>
+    <p:sldId id="268" r:id="rId16"/>
+    <p:sldId id="269" r:id="rId17"/>
+    <p:sldId id="271" r:id="rId18"/>
+    <p:sldId id="272" r:id="rId19"/>
+    <p:sldId id="273" r:id="rId20"/>
+    <p:sldId id="274" r:id="rId21"/>
+    <p:sldId id="275" r:id="rId22"/>
+    <p:sldId id="276" r:id="rId23"/>
+    <p:sldId id="277" r:id="rId24"/>
+    <p:sldId id="279" r:id="rId25"/>
   </p:sldIdLst>
   <p:sldSz cx="12192000" cy="6858000"/>
   <p:notesSz cx="6858000" cy="9144000"/>
@@ -126,6 +132,753 @@
 </file>
 
 <file path=ppt/diagrams/colors1.xml><?xml version="1.0" encoding="utf-8"?>
+<dgm:colorsDef xmlns:dgm="http://schemas.openxmlformats.org/drawingml/2006/diagram" xmlns:a="http://schemas.openxmlformats.org/drawingml/2006/main" uniqueId="urn:microsoft.com/office/officeart/2005/8/colors/accent1_2">
+  <dgm:title val=""/>
+  <dgm:desc val=""/>
+  <dgm:catLst>
+    <dgm:cat type="accent1" pri="11200"/>
+  </dgm:catLst>
+  <dgm:styleLbl name="alignAcc1">
+    <dgm:fillClrLst meth="repeat">
+      <a:schemeClr val="lt1">
+        <a:alpha val="90000"/>
+      </a:schemeClr>
+    </dgm:fillClrLst>
+    <dgm:linClrLst meth="repeat">
+      <a:schemeClr val="accent1"/>
+    </dgm:linClrLst>
+    <dgm:effectClrLst/>
+    <dgm:txLinClrLst/>
+    <dgm:txFillClrLst meth="repeat">
+      <a:schemeClr val="dk1"/>
+    </dgm:txFillClrLst>
+    <dgm:txEffectClrLst/>
+  </dgm:styleLbl>
+  <dgm:styleLbl name="alignAccFollowNode1">
+    <dgm:fillClrLst meth="repeat">
+      <a:schemeClr val="accent1">
+        <a:alpha val="90000"/>
+        <a:tint val="40000"/>
+      </a:schemeClr>
+    </dgm:fillClrLst>
+    <dgm:linClrLst meth="repeat">
+      <a:schemeClr val="accent1">
+        <a:alpha val="90000"/>
+        <a:tint val="40000"/>
+      </a:schemeClr>
+    </dgm:linClrLst>
+    <dgm:effectClrLst/>
+    <dgm:txLinClrLst/>
+    <dgm:txFillClrLst meth="repeat">
+      <a:schemeClr val="dk1"/>
+    </dgm:txFillClrLst>
+    <dgm:txEffectClrLst/>
+  </dgm:styleLbl>
+  <dgm:styleLbl name="alignImgPlace1">
+    <dgm:fillClrLst meth="repeat">
+      <a:schemeClr val="accent1">
+        <a:tint val="50000"/>
+      </a:schemeClr>
+    </dgm:fillClrLst>
+    <dgm:linClrLst meth="repeat">
+      <a:schemeClr val="lt1"/>
+    </dgm:linClrLst>
+    <dgm:effectClrLst/>
+    <dgm:txLinClrLst/>
+    <dgm:txFillClrLst meth="repeat">
+      <a:schemeClr val="lt1"/>
+    </dgm:txFillClrLst>
+    <dgm:txEffectClrLst/>
+  </dgm:styleLbl>
+  <dgm:styleLbl name="alignNode1">
+    <dgm:fillClrLst meth="repeat">
+      <a:schemeClr val="accent1"/>
+    </dgm:fillClrLst>
+    <dgm:linClrLst meth="repeat">
+      <a:schemeClr val="accent1"/>
+    </dgm:linClrLst>
+    <dgm:effectClrLst/>
+    <dgm:txLinClrLst/>
+    <dgm:txFillClrLst/>
+    <dgm:txEffectClrLst/>
+  </dgm:styleLbl>
+  <dgm:styleLbl name="asst0">
+    <dgm:fillClrLst meth="repeat">
+      <a:schemeClr val="accent1"/>
+    </dgm:fillClrLst>
+    <dgm:linClrLst meth="repeat">
+      <a:schemeClr val="lt1"/>
+    </dgm:linClrLst>
+    <dgm:effectClrLst/>
+    <dgm:txLinClrLst/>
+    <dgm:txFillClrLst/>
+    <dgm:txEffectClrLst/>
+  </dgm:styleLbl>
+  <dgm:styleLbl name="asst1">
+    <dgm:fillClrLst meth="repeat">
+      <a:schemeClr val="accent1"/>
+    </dgm:fillClrLst>
+    <dgm:linClrLst meth="repeat">
+      <a:schemeClr val="lt1"/>
+    </dgm:linClrLst>
+    <dgm:effectClrLst/>
+    <dgm:txLinClrLst/>
+    <dgm:txFillClrLst/>
+    <dgm:txEffectClrLst/>
+  </dgm:styleLbl>
+  <dgm:styleLbl name="asst2">
+    <dgm:fillClrLst meth="repeat">
+      <a:schemeClr val="accent1"/>
+    </dgm:fillClrLst>
+    <dgm:linClrLst meth="repeat">
+      <a:schemeClr val="lt1"/>
+    </dgm:linClrLst>
+    <dgm:effectClrLst/>
+    <dgm:txLinClrLst/>
+    <dgm:txFillClrLst/>
+    <dgm:txEffectClrLst/>
+  </dgm:styleLbl>
+  <dgm:styleLbl name="asst3">
+    <dgm:fillClrLst meth="repeat">
+      <a:schemeClr val="accent1"/>
+    </dgm:fillClrLst>
+    <dgm:linClrLst meth="repeat">
+      <a:schemeClr val="lt1"/>
+    </dgm:linClrLst>
+    <dgm:effectClrLst/>
+    <dgm:txLinClrLst/>
+    <dgm:txFillClrLst/>
+    <dgm:txEffectClrLst/>
+  </dgm:styleLbl>
+  <dgm:styleLbl name="asst4">
+    <dgm:fillClrLst meth="repeat">
+      <a:schemeClr val="accent1"/>
+    </dgm:fillClrLst>
+    <dgm:linClrLst meth="repeat">
+      <a:schemeClr val="lt1"/>
+    </dgm:linClrLst>
+    <dgm:effectClrLst/>
+    <dgm:txLinClrLst/>
+    <dgm:txFillClrLst/>
+    <dgm:txEffectClrLst/>
+  </dgm:styleLbl>
+  <dgm:styleLbl name="bgAcc1">
+    <dgm:fillClrLst meth="repeat">
+      <a:schemeClr val="lt1">
+        <a:alpha val="90000"/>
+      </a:schemeClr>
+    </dgm:fillClrLst>
+    <dgm:linClrLst meth="repeat">
+      <a:schemeClr val="accent1"/>
+    </dgm:linClrLst>
+    <dgm:effectClrLst/>
+    <dgm:txLinClrLst/>
+    <dgm:txFillClrLst meth="repeat">
+      <a:schemeClr val="dk1"/>
+    </dgm:txFillClrLst>
+    <dgm:txEffectClrLst/>
+  </dgm:styleLbl>
+  <dgm:styleLbl name="bgAccFollowNode1">
+    <dgm:fillClrLst meth="repeat">
+      <a:schemeClr val="accent1">
+        <a:alpha val="90000"/>
+        <a:tint val="40000"/>
+      </a:schemeClr>
+    </dgm:fillClrLst>
+    <dgm:linClrLst meth="repeat">
+      <a:schemeClr val="accent1">
+        <a:alpha val="90000"/>
+        <a:tint val="40000"/>
+      </a:schemeClr>
+    </dgm:linClrLst>
+    <dgm:effectClrLst/>
+    <dgm:txLinClrLst/>
+    <dgm:txFillClrLst meth="repeat">
+      <a:schemeClr val="dk1"/>
+    </dgm:txFillClrLst>
+    <dgm:txEffectClrLst/>
+  </dgm:styleLbl>
+  <dgm:styleLbl name="bgImgPlace1">
+    <dgm:fillClrLst meth="repeat">
+      <a:schemeClr val="accent1">
+        <a:tint val="50000"/>
+      </a:schemeClr>
+    </dgm:fillClrLst>
+    <dgm:linClrLst meth="repeat">
+      <a:schemeClr val="lt1"/>
+    </dgm:linClrLst>
+    <dgm:effectClrLst/>
+    <dgm:txLinClrLst/>
+    <dgm:txFillClrLst meth="repeat">
+      <a:schemeClr val="lt1"/>
+    </dgm:txFillClrLst>
+    <dgm:txEffectClrLst/>
+  </dgm:styleLbl>
+  <dgm:styleLbl name="bgShp">
+    <dgm:fillClrLst meth="repeat">
+      <a:schemeClr val="accent1">
+        <a:tint val="40000"/>
+      </a:schemeClr>
+    </dgm:fillClrLst>
+    <dgm:linClrLst meth="repeat">
+      <a:schemeClr val="accent1"/>
+    </dgm:linClrLst>
+    <dgm:effectClrLst/>
+    <dgm:txLinClrLst/>
+    <dgm:txFillClrLst meth="repeat">
+      <a:schemeClr val="dk1"/>
+    </dgm:txFillClrLst>
+    <dgm:txEffectClrLst/>
+  </dgm:styleLbl>
+  <dgm:styleLbl name="bgSibTrans2D1">
+    <dgm:fillClrLst meth="repeat">
+      <a:schemeClr val="accent1">
+        <a:tint val="60000"/>
+      </a:schemeClr>
+    </dgm:fillClrLst>
+    <dgm:linClrLst meth="repeat">
+      <a:schemeClr val="accent1">
+        <a:tint val="60000"/>
+      </a:schemeClr>
+    </dgm:linClrLst>
+    <dgm:effectClrLst/>
+    <dgm:txLinClrLst/>
+    <dgm:txFillClrLst/>
+    <dgm:txEffectClrLst/>
+  </dgm:styleLbl>
+  <dgm:styleLbl name="callout">
+    <dgm:fillClrLst meth="repeat">
+      <a:schemeClr val="accent1"/>
+    </dgm:fillClrLst>
+    <dgm:linClrLst meth="repeat">
+      <a:schemeClr val="accent1">
+        <a:tint val="50000"/>
+      </a:schemeClr>
+    </dgm:linClrLst>
+    <dgm:effectClrLst/>
+    <dgm:txLinClrLst/>
+    <dgm:txFillClrLst meth="repeat">
+      <a:schemeClr val="tx1"/>
+    </dgm:txFillClrLst>
+    <dgm:txEffectClrLst/>
+  </dgm:styleLbl>
+  <dgm:styleLbl name="conFgAcc1">
+    <dgm:fillClrLst meth="repeat">
+      <a:schemeClr val="lt1">
+        <a:alpha val="90000"/>
+      </a:schemeClr>
+    </dgm:fillClrLst>
+    <dgm:linClrLst meth="repeat">
+      <a:schemeClr val="accent1"/>
+    </dgm:linClrLst>
+    <dgm:effectClrLst/>
+    <dgm:txLinClrLst/>
+    <dgm:txFillClrLst meth="repeat">
+      <a:schemeClr val="dk1"/>
+    </dgm:txFillClrLst>
+    <dgm:txEffectClrLst/>
+  </dgm:styleLbl>
+  <dgm:styleLbl name="dkBgShp">
+    <dgm:fillClrLst meth="repeat">
+      <a:schemeClr val="accent1">
+        <a:shade val="80000"/>
+      </a:schemeClr>
+    </dgm:fillClrLst>
+    <dgm:linClrLst meth="repeat">
+      <a:schemeClr val="accent1"/>
+    </dgm:linClrLst>
+    <dgm:effectClrLst/>
+    <dgm:txLinClrLst/>
+    <dgm:txFillClrLst meth="repeat">
+      <a:schemeClr val="lt1"/>
+    </dgm:txFillClrLst>
+    <dgm:txEffectClrLst/>
+  </dgm:styleLbl>
+  <dgm:styleLbl name="fgAcc0">
+    <dgm:fillClrLst meth="repeat">
+      <a:schemeClr val="lt1">
+        <a:alpha val="90000"/>
+      </a:schemeClr>
+    </dgm:fillClrLst>
+    <dgm:linClrLst meth="repeat">
+      <a:schemeClr val="accent1"/>
+    </dgm:linClrLst>
+    <dgm:effectClrLst/>
+    <dgm:txLinClrLst/>
+    <dgm:txFillClrLst meth="repeat">
+      <a:schemeClr val="dk1"/>
+    </dgm:txFillClrLst>
+    <dgm:txEffectClrLst/>
+  </dgm:styleLbl>
+  <dgm:styleLbl name="fgAcc1">
+    <dgm:fillClrLst meth="repeat">
+      <a:schemeClr val="lt1">
+        <a:alpha val="90000"/>
+      </a:schemeClr>
+    </dgm:fillClrLst>
+    <dgm:linClrLst meth="repeat">
+      <a:schemeClr val="accent1"/>
+    </dgm:linClrLst>
+    <dgm:effectClrLst/>
+    <dgm:txLinClrLst/>
+    <dgm:txFillClrLst meth="repeat">
+      <a:schemeClr val="dk1"/>
+    </dgm:txFillClrLst>
+    <dgm:txEffectClrLst/>
+  </dgm:styleLbl>
+  <dgm:styleLbl name="fgAcc2">
+    <dgm:fillClrLst meth="repeat">
+      <a:schemeClr val="lt1">
+        <a:alpha val="90000"/>
+      </a:schemeClr>
+    </dgm:fillClrLst>
+    <dgm:linClrLst meth="repeat">
+      <a:schemeClr val="accent1"/>
+    </dgm:linClrLst>
+    <dgm:effectClrLst/>
+    <dgm:txLinClrLst/>
+    <dgm:txFillClrLst meth="repeat">
+      <a:schemeClr val="dk1"/>
+    </dgm:txFillClrLst>
+    <dgm:txEffectClrLst/>
+  </dgm:styleLbl>
+  <dgm:styleLbl name="fgAcc3">
+    <dgm:fillClrLst meth="repeat">
+      <a:schemeClr val="lt1">
+        <a:alpha val="90000"/>
+      </a:schemeClr>
+    </dgm:fillClrLst>
+    <dgm:linClrLst meth="repeat">
+      <a:schemeClr val="accent1"/>
+    </dgm:linClrLst>
+    <dgm:effectClrLst/>
+    <dgm:txLinClrLst/>
+    <dgm:txFillClrLst meth="repeat">
+      <a:schemeClr val="dk1"/>
+    </dgm:txFillClrLst>
+    <dgm:txEffectClrLst/>
+  </dgm:styleLbl>
+  <dgm:styleLbl name="fgAcc4">
+    <dgm:fillClrLst meth="repeat">
+      <a:schemeClr val="lt1">
+        <a:alpha val="90000"/>
+      </a:schemeClr>
+    </dgm:fillClrLst>
+    <dgm:linClrLst meth="repeat">
+      <a:schemeClr val="accent1"/>
+    </dgm:linClrLst>
+    <dgm:effectClrLst/>
+    <dgm:txLinClrLst/>
+    <dgm:txFillClrLst meth="repeat">
+      <a:schemeClr val="dk1"/>
+    </dgm:txFillClrLst>
+    <dgm:txEffectClrLst/>
+  </dgm:styleLbl>
+  <dgm:styleLbl name="fgAccFollowNode1">
+    <dgm:fillClrLst meth="repeat">
+      <a:schemeClr val="accent1">
+        <a:alpha val="90000"/>
+        <a:tint val="40000"/>
+      </a:schemeClr>
+    </dgm:fillClrLst>
+    <dgm:linClrLst meth="repeat">
+      <a:schemeClr val="accent1">
+        <a:alpha val="90000"/>
+        <a:tint val="40000"/>
+      </a:schemeClr>
+    </dgm:linClrLst>
+    <dgm:effectClrLst/>
+    <dgm:txLinClrLst/>
+    <dgm:txFillClrLst meth="repeat">
+      <a:schemeClr val="dk1"/>
+    </dgm:txFillClrLst>
+    <dgm:txEffectClrLst/>
+  </dgm:styleLbl>
+  <dgm:styleLbl name="fgImgPlace1">
+    <dgm:fillClrLst meth="repeat">
+      <a:schemeClr val="accent1">
+        <a:tint val="50000"/>
+      </a:schemeClr>
+    </dgm:fillClrLst>
+    <dgm:linClrLst meth="repeat">
+      <a:schemeClr val="lt1"/>
+    </dgm:linClrLst>
+    <dgm:effectClrLst/>
+    <dgm:txLinClrLst/>
+    <dgm:txFillClrLst meth="repeat">
+      <a:schemeClr val="lt1"/>
+    </dgm:txFillClrLst>
+    <dgm:txEffectClrLst/>
+  </dgm:styleLbl>
+  <dgm:styleLbl name="fgShp">
+    <dgm:fillClrLst meth="repeat">
+      <a:schemeClr val="accent1">
+        <a:tint val="60000"/>
+      </a:schemeClr>
+    </dgm:fillClrLst>
+    <dgm:linClrLst meth="repeat">
+      <a:schemeClr val="lt1"/>
+    </dgm:linClrLst>
+    <dgm:effectClrLst/>
+    <dgm:txLinClrLst/>
+    <dgm:txFillClrLst meth="repeat">
+      <a:schemeClr val="dk1"/>
+    </dgm:txFillClrLst>
+    <dgm:txEffectClrLst/>
+  </dgm:styleLbl>
+  <dgm:styleLbl name="fgSibTrans2D1">
+    <dgm:fillClrLst meth="repeat">
+      <a:schemeClr val="accent1">
+        <a:tint val="60000"/>
+      </a:schemeClr>
+    </dgm:fillClrLst>
+    <dgm:linClrLst meth="repeat">
+      <a:schemeClr val="accent1">
+        <a:tint val="60000"/>
+      </a:schemeClr>
+    </dgm:linClrLst>
+    <dgm:effectClrLst/>
+    <dgm:txLinClrLst/>
+    <dgm:txFillClrLst/>
+    <dgm:txEffectClrLst/>
+  </dgm:styleLbl>
+  <dgm:styleLbl name="lnNode1">
+    <dgm:fillClrLst meth="repeat">
+      <a:schemeClr val="accent1"/>
+    </dgm:fillClrLst>
+    <dgm:linClrLst meth="repeat">
+      <a:schemeClr val="lt1"/>
+    </dgm:linClrLst>
+    <dgm:effectClrLst/>
+    <dgm:txLinClrLst/>
+    <dgm:txFillClrLst/>
+    <dgm:txEffectClrLst/>
+  </dgm:styleLbl>
+  <dgm:styleLbl name="node0">
+    <dgm:fillClrLst meth="repeat">
+      <a:schemeClr val="accent1"/>
+    </dgm:fillClrLst>
+    <dgm:linClrLst meth="repeat">
+      <a:schemeClr val="lt1"/>
+    </dgm:linClrLst>
+    <dgm:effectClrLst/>
+    <dgm:txLinClrLst/>
+    <dgm:txFillClrLst/>
+    <dgm:txEffectClrLst/>
+  </dgm:styleLbl>
+  <dgm:styleLbl name="node1">
+    <dgm:fillClrLst meth="repeat">
+      <a:schemeClr val="accent1"/>
+    </dgm:fillClrLst>
+    <dgm:linClrLst meth="repeat">
+      <a:schemeClr val="lt1"/>
+    </dgm:linClrLst>
+    <dgm:effectClrLst/>
+    <dgm:txLinClrLst/>
+    <dgm:txFillClrLst/>
+    <dgm:txEffectClrLst/>
+  </dgm:styleLbl>
+  <dgm:styleLbl name="node2">
+    <dgm:fillClrLst meth="repeat">
+      <a:schemeClr val="accent1"/>
+    </dgm:fillClrLst>
+    <dgm:linClrLst meth="repeat">
+      <a:schemeClr val="lt1"/>
+    </dgm:linClrLst>
+    <dgm:effectClrLst/>
+    <dgm:txLinClrLst/>
+    <dgm:txFillClrLst/>
+    <dgm:txEffectClrLst/>
+  </dgm:styleLbl>
+  <dgm:styleLbl name="node3">
+    <dgm:fillClrLst meth="repeat">
+      <a:schemeClr val="accent1"/>
+    </dgm:fillClrLst>
+    <dgm:linClrLst meth="repeat">
+      <a:schemeClr val="lt1"/>
+    </dgm:linClrLst>
+    <dgm:effectClrLst/>
+    <dgm:txLinClrLst/>
+    <dgm:txFillClrLst/>
+    <dgm:txEffectClrLst/>
+  </dgm:styleLbl>
+  <dgm:styleLbl name="node4">
+    <dgm:fillClrLst meth="repeat">
+      <a:schemeClr val="accent1"/>
+    </dgm:fillClrLst>
+    <dgm:linClrLst meth="repeat">
+      <a:schemeClr val="lt1"/>
+    </dgm:linClrLst>
+    <dgm:effectClrLst/>
+    <dgm:txLinClrLst/>
+    <dgm:txFillClrLst/>
+    <dgm:txEffectClrLst/>
+  </dgm:styleLbl>
+  <dgm:styleLbl name="parChTrans1D1">
+    <dgm:fillClrLst meth="repeat">
+      <a:schemeClr val="accent1"/>
+    </dgm:fillClrLst>
+    <dgm:linClrLst meth="repeat">
+      <a:schemeClr val="accent1">
+        <a:shade val="60000"/>
+      </a:schemeClr>
+    </dgm:linClrLst>
+    <dgm:effectClrLst/>
+    <dgm:txLinClrLst/>
+    <dgm:txFillClrLst meth="repeat">
+      <a:schemeClr val="tx1"/>
+    </dgm:txFillClrLst>
+    <dgm:txEffectClrLst/>
+  </dgm:styleLbl>
+  <dgm:styleLbl name="parChTrans1D2">
+    <dgm:fillClrLst meth="repeat">
+      <a:schemeClr val="accent1"/>
+    </dgm:fillClrLst>
+    <dgm:linClrLst meth="repeat">
+      <a:schemeClr val="accent1">
+        <a:shade val="60000"/>
+      </a:schemeClr>
+    </dgm:linClrLst>
+    <dgm:effectClrLst/>
+    <dgm:txLinClrLst/>
+    <dgm:txFillClrLst meth="repeat">
+      <a:schemeClr val="tx1"/>
+    </dgm:txFillClrLst>
+    <dgm:txEffectClrLst/>
+  </dgm:styleLbl>
+  <dgm:styleLbl name="parChTrans1D3">
+    <dgm:fillClrLst meth="repeat">
+      <a:schemeClr val="accent1"/>
+    </dgm:fillClrLst>
+    <dgm:linClrLst meth="repeat">
+      <a:schemeClr val="accent1">
+        <a:shade val="80000"/>
+      </a:schemeClr>
+    </dgm:linClrLst>
+    <dgm:effectClrLst/>
+    <dgm:txLinClrLst/>
+    <dgm:txFillClrLst meth="repeat">
+      <a:schemeClr val="tx1"/>
+    </dgm:txFillClrLst>
+    <dgm:txEffectClrLst/>
+  </dgm:styleLbl>
+  <dgm:styleLbl name="parChTrans1D4">
+    <dgm:fillClrLst meth="repeat">
+      <a:schemeClr val="accent1"/>
+    </dgm:fillClrLst>
+    <dgm:linClrLst meth="repeat">
+      <a:schemeClr val="accent1">
+        <a:shade val="80000"/>
+      </a:schemeClr>
+    </dgm:linClrLst>
+    <dgm:effectClrLst/>
+    <dgm:txLinClrLst/>
+    <dgm:txFillClrLst meth="repeat">
+      <a:schemeClr val="tx1"/>
+    </dgm:txFillClrLst>
+    <dgm:txEffectClrLst/>
+  </dgm:styleLbl>
+  <dgm:styleLbl name="parChTrans2D1">
+    <dgm:fillClrLst meth="repeat">
+      <a:schemeClr val="accent1">
+        <a:tint val="60000"/>
+      </a:schemeClr>
+    </dgm:fillClrLst>
+    <dgm:linClrLst meth="repeat">
+      <a:schemeClr val="accent1">
+        <a:tint val="60000"/>
+      </a:schemeClr>
+    </dgm:linClrLst>
+    <dgm:effectClrLst/>
+    <dgm:txLinClrLst/>
+    <dgm:txFillClrLst meth="repeat">
+      <a:schemeClr val="lt1"/>
+    </dgm:txFillClrLst>
+    <dgm:txEffectClrLst/>
+  </dgm:styleLbl>
+  <dgm:styleLbl name="parChTrans2D2">
+    <dgm:fillClrLst meth="repeat">
+      <a:schemeClr val="accent1"/>
+    </dgm:fillClrLst>
+    <dgm:linClrLst meth="repeat">
+      <a:schemeClr val="accent1"/>
+    </dgm:linClrLst>
+    <dgm:effectClrLst/>
+    <dgm:txLinClrLst/>
+    <dgm:txFillClrLst meth="repeat">
+      <a:schemeClr val="lt1"/>
+    </dgm:txFillClrLst>
+    <dgm:txEffectClrLst/>
+  </dgm:styleLbl>
+  <dgm:styleLbl name="parChTrans2D3">
+    <dgm:fillClrLst meth="repeat">
+      <a:schemeClr val="accent1"/>
+    </dgm:fillClrLst>
+    <dgm:linClrLst meth="repeat">
+      <a:schemeClr val="accent1"/>
+    </dgm:linClrLst>
+    <dgm:effectClrLst/>
+    <dgm:txLinClrLst/>
+    <dgm:txFillClrLst meth="repeat">
+      <a:schemeClr val="lt1"/>
+    </dgm:txFillClrLst>
+    <dgm:txEffectClrLst/>
+  </dgm:styleLbl>
+  <dgm:styleLbl name="parChTrans2D4">
+    <dgm:fillClrLst meth="repeat">
+      <a:schemeClr val="accent1"/>
+    </dgm:fillClrLst>
+    <dgm:linClrLst meth="repeat">
+      <a:schemeClr val="accent1"/>
+    </dgm:linClrLst>
+    <dgm:effectClrLst/>
+    <dgm:txLinClrLst/>
+    <dgm:txFillClrLst meth="repeat">
+      <a:schemeClr val="lt1"/>
+    </dgm:txFillClrLst>
+    <dgm:txEffectClrLst/>
+  </dgm:styleLbl>
+  <dgm:styleLbl name="revTx">
+    <dgm:fillClrLst meth="repeat">
+      <a:schemeClr val="lt1">
+        <a:alpha val="0"/>
+      </a:schemeClr>
+    </dgm:fillClrLst>
+    <dgm:linClrLst meth="repeat">
+      <a:schemeClr val="dk1">
+        <a:alpha val="0"/>
+      </a:schemeClr>
+    </dgm:linClrLst>
+    <dgm:effectClrLst/>
+    <dgm:txLinClrLst/>
+    <dgm:txFillClrLst meth="repeat">
+      <a:schemeClr val="tx1"/>
+    </dgm:txFillClrLst>
+    <dgm:txEffectClrLst/>
+  </dgm:styleLbl>
+  <dgm:styleLbl name="sibTrans1D1">
+    <dgm:fillClrLst meth="repeat">
+      <a:schemeClr val="accent1"/>
+    </dgm:fillClrLst>
+    <dgm:linClrLst meth="repeat">
+      <a:schemeClr val="accent1"/>
+    </dgm:linClrLst>
+    <dgm:effectClrLst/>
+    <dgm:txLinClrLst/>
+    <dgm:txFillClrLst meth="repeat">
+      <a:schemeClr val="tx1"/>
+    </dgm:txFillClrLst>
+    <dgm:txEffectClrLst/>
+  </dgm:styleLbl>
+  <dgm:styleLbl name="sibTrans2D1">
+    <dgm:fillClrLst meth="repeat">
+      <a:schemeClr val="accent1">
+        <a:tint val="60000"/>
+      </a:schemeClr>
+    </dgm:fillClrLst>
+    <dgm:linClrLst meth="repeat">
+      <a:schemeClr val="accent1">
+        <a:tint val="60000"/>
+      </a:schemeClr>
+    </dgm:linClrLst>
+    <dgm:effectClrLst/>
+    <dgm:txLinClrLst/>
+    <dgm:txFillClrLst/>
+    <dgm:txEffectClrLst/>
+  </dgm:styleLbl>
+  <dgm:styleLbl name="solidAlignAcc1">
+    <dgm:fillClrLst meth="repeat">
+      <a:schemeClr val="lt1"/>
+    </dgm:fillClrLst>
+    <dgm:linClrLst meth="repeat">
+      <a:schemeClr val="accent1"/>
+    </dgm:linClrLst>
+    <dgm:effectClrLst/>
+    <dgm:txLinClrLst/>
+    <dgm:txFillClrLst meth="repeat">
+      <a:schemeClr val="dk1"/>
+    </dgm:txFillClrLst>
+    <dgm:txEffectClrLst/>
+  </dgm:styleLbl>
+  <dgm:styleLbl name="solidBgAcc1">
+    <dgm:fillClrLst meth="repeat">
+      <a:schemeClr val="lt1"/>
+    </dgm:fillClrLst>
+    <dgm:linClrLst meth="repeat">
+      <a:schemeClr val="accent1"/>
+    </dgm:linClrLst>
+    <dgm:effectClrLst/>
+    <dgm:txLinClrLst/>
+    <dgm:txFillClrLst meth="repeat">
+      <a:schemeClr val="dk1"/>
+    </dgm:txFillClrLst>
+    <dgm:txEffectClrLst/>
+  </dgm:styleLbl>
+  <dgm:styleLbl name="solidFgAcc1">
+    <dgm:fillClrLst meth="repeat">
+      <a:schemeClr val="lt1"/>
+    </dgm:fillClrLst>
+    <dgm:linClrLst meth="repeat">
+      <a:schemeClr val="accent1"/>
+    </dgm:linClrLst>
+    <dgm:effectClrLst/>
+    <dgm:txLinClrLst/>
+    <dgm:txFillClrLst meth="repeat">
+      <a:schemeClr val="dk1"/>
+    </dgm:txFillClrLst>
+    <dgm:txEffectClrLst/>
+  </dgm:styleLbl>
+  <dgm:styleLbl name="trAlignAcc1">
+    <dgm:fillClrLst meth="repeat">
+      <a:schemeClr val="lt1">
+        <a:alpha val="40000"/>
+      </a:schemeClr>
+    </dgm:fillClrLst>
+    <dgm:linClrLst meth="repeat">
+      <a:schemeClr val="accent1"/>
+    </dgm:linClrLst>
+    <dgm:effectClrLst/>
+    <dgm:txLinClrLst/>
+    <dgm:txFillClrLst meth="repeat">
+      <a:schemeClr val="dk1"/>
+    </dgm:txFillClrLst>
+    <dgm:txEffectClrLst/>
+  </dgm:styleLbl>
+  <dgm:styleLbl name="trBgShp">
+    <dgm:fillClrLst meth="repeat">
+      <a:schemeClr val="accent1">
+        <a:tint val="50000"/>
+        <a:alpha val="40000"/>
+      </a:schemeClr>
+    </dgm:fillClrLst>
+    <dgm:linClrLst meth="repeat">
+      <a:schemeClr val="accent1"/>
+    </dgm:linClrLst>
+    <dgm:effectClrLst/>
+    <dgm:txLinClrLst/>
+    <dgm:txFillClrLst meth="repeat">
+      <a:schemeClr val="lt1"/>
+    </dgm:txFillClrLst>
+    <dgm:txEffectClrLst/>
+  </dgm:styleLbl>
+  <dgm:styleLbl name="vennNode1">
+    <dgm:fillClrLst meth="repeat">
+      <a:schemeClr val="accent1">
+        <a:alpha val="50000"/>
+      </a:schemeClr>
+    </dgm:fillClrLst>
+    <dgm:linClrLst meth="repeat">
+      <a:schemeClr val="lt1"/>
+    </dgm:linClrLst>
+    <dgm:effectClrLst/>
+    <dgm:txLinClrLst/>
+    <dgm:txFillClrLst/>
+    <dgm:txEffectClrLst/>
+  </dgm:styleLbl>
+</dgm:colorsDef>
+</file>
+
+<file path=ppt/diagrams/colors10.xml><?xml version="1.0" encoding="utf-8"?>
 <dgm:colorsDef xmlns:dgm="http://schemas.openxmlformats.org/drawingml/2006/diagram" xmlns:a="http://schemas.openxmlformats.org/drawingml/2006/main" uniqueId="urn:microsoft.com/office/officeart/2005/8/colors/accent1_2">
   <dgm:title val=""/>
   <dgm:desc val=""/>
@@ -7479,6 +8232,303 @@
     <dgm:cxn modelId="{D9702C8D-40CF-47C8-B899-A6436D67698C}" type="presParOf" srcId="{754F4C32-447F-4E14-8ED3-35A922A043A5}" destId="{E8647766-AE1D-45F8-B3AB-5EEE3BDE8498}" srcOrd="3" destOrd="4" presId="urn:microsoft.com/office/officeart/2005/8/layout/hProcess4"/>
     <dgm:cxn modelId="{23A220B3-4C80-477B-B707-C99209532A75}" type="presOf" srcId="{89CF50F2-3EE8-4308-BA46-57745656A4AA}" destId="{E8647766-AE1D-45F8-B3AB-5EEE3BDE8498}" srcOrd="0" destOrd="0" presId="urn:microsoft.com/office/officeart/2005/8/layout/hProcess4"/>
     <dgm:cxn modelId="{AA039EB9-1198-4DF7-9503-A16D19FC4BE0}" type="presParOf" srcId="{754F4C32-447F-4E14-8ED3-35A922A043A5}" destId="{96D6127B-1D73-45CB-82BD-67878CD7892E}" srcOrd="4" destOrd="4" presId="urn:microsoft.com/office/officeart/2005/8/layout/hProcess4"/>
+  </dgm:cxnLst>
+  <dgm:bg/>
+  <dgm:whole/>
+  <dgm:extLst>
+    <a:ext uri="http://schemas.microsoft.com/office/drawing/2008/diagram">
+      <dsp:dataModelExt xmlns:dsp="http://schemas.microsoft.com/office/drawing/2008/diagram" relId="rId5" minVer="http://schemas.openxmlformats.org/drawingml/2006/diagram"/>
+    </a:ext>
+  </dgm:extLst>
+</dgm:dataModel>
+</file>
+
+<file path=ppt/diagrams/data10.xml><?xml version="1.0" encoding="utf-8"?>
+<dgm:dataModel xmlns:dgm="http://schemas.openxmlformats.org/drawingml/2006/diagram" xmlns:a="http://schemas.openxmlformats.org/drawingml/2006/main">
+  <dgm:ptLst>
+    <dgm:pt modelId="{E972CB07-609E-47C8-8EA0-EBA4D3B0C297}" type="doc">
+      <dgm:prSet loTypeId="urn:microsoft.com/office/officeart/2008/layout/AlternatingPictureBlocks" loCatId="picture" qsTypeId="urn:microsoft.com/office/officeart/2005/8/quickstyle/simple1" qsCatId="simple" csTypeId="urn:microsoft.com/office/officeart/2005/8/colors/accent1_2" csCatId="accent1" phldr="0"/>
+      <dgm:spPr/>
+    </dgm:pt>
+    <dgm:pt modelId="{E153230B-13A8-4248-B00F-70E57C15B08B}">
+      <dgm:prSet phldrT="[Text]" phldr="0" custT="0"/>
+      <dgm:spPr/>
+      <dgm:t>
+        <a:bodyPr vert="horz" wrap="square"/>
+        <a:p>
+          <a:pPr>
+            <a:lnSpc>
+              <a:spcPct val="100000"/>
+            </a:lnSpc>
+            <a:spcBef>
+              <a:spcPct val="0"/>
+            </a:spcBef>
+            <a:spcAft>
+              <a:spcPct val="35000"/>
+            </a:spcAft>
+          </a:pPr>
+          <a:r>
+            <a:rPr lang="" altLang="en-US"/>
+            <a:t>M</a:t>
+          </a:r>
+          <a:r>
+            <a:rPr lang="en-US"/>
+            <a:t>ahasiswa Universitas Esa Unggul</a:t>
+          </a:r>
+          <a:endParaRPr lang="en-US"/>
+        </a:p>
+      </dgm:t>
+    </dgm:pt>
+    <dgm:pt modelId="{FCE48E2A-695B-4646-97E8-122B5795EEAB}" cxnId="{7295D6ED-00B2-4D07-89A2-74CBE5F3502A}" type="parTrans">
+      <dgm:prSet/>
+      <dgm:spPr/>
+    </dgm:pt>
+    <dgm:pt modelId="{7FCA2DA3-8795-41FA-B0F3-CD39CD1C5DAA}" cxnId="{7295D6ED-00B2-4D07-89A2-74CBE5F3502A}" type="sibTrans">
+      <dgm:prSet/>
+      <dgm:spPr/>
+    </dgm:pt>
+    <dgm:pt modelId="{3E43A77D-E472-4718-AC7D-DD068B0EC6F7}">
+      <dgm:prSet phldrT="[Text]" phldr="0" custT="0"/>
+      <dgm:spPr/>
+      <dgm:t>
+        <a:bodyPr vert="horz" wrap="square"/>
+        <a:p>
+          <a:pPr>
+            <a:lnSpc>
+              <a:spcPct val="100000"/>
+            </a:lnSpc>
+            <a:spcBef>
+              <a:spcPct val="0"/>
+            </a:spcBef>
+            <a:spcAft>
+              <a:spcPct val="35000"/>
+            </a:spcAft>
+          </a:pPr>
+          <a:r>
+            <a:rPr lang="" altLang="en-US"/>
+            <a:t>Teknik sample random sampling</a:t>
+          </a:r>
+          <a:r>
+            <a:rPr lang="en-US"/>
+            <a:t/>
+          </a:r>
+          <a:endParaRPr lang="en-US"/>
+        </a:p>
+      </dgm:t>
+    </dgm:pt>
+    <dgm:pt modelId="{CB4A255C-812C-47C6-A907-041DB4F97A02}" cxnId="{F5841B9A-FC32-4558-91A0-2779A13525FB}" type="parTrans">
+      <dgm:prSet/>
+      <dgm:spPr/>
+    </dgm:pt>
+    <dgm:pt modelId="{CCAA07FF-973D-4DC0-8FF3-437B5E5DDE58}" cxnId="{F5841B9A-FC32-4558-91A0-2779A13525FB}" type="sibTrans">
+      <dgm:prSet/>
+      <dgm:spPr/>
+    </dgm:pt>
+    <dgm:pt modelId="{5594641A-2ACB-4F2C-809B-9EF0F472E26F}">
+      <dgm:prSet phldr="0" custT="0"/>
+      <dgm:spPr/>
+      <dgm:t>
+        <a:bodyPr vert="horz" wrap="square"/>
+        <a:p>
+          <a:pPr>
+            <a:lnSpc>
+              <a:spcPct val="100000"/>
+            </a:lnSpc>
+            <a:spcBef>
+              <a:spcPct val="0"/>
+            </a:spcBef>
+            <a:spcAft>
+              <a:spcPct val="35000"/>
+            </a:spcAft>
+          </a:pPr>
+          <a:r>
+            <a:rPr lang=""/>
+            <a:t>A</a:t>
+          </a:r>
+          <a:r>
+            <a:rPr altLang="en-US"/>
+            <a:t>lat ukur dukungan sosial (36 valid) dan motivasi belajar (45 valid)</a:t>
+          </a:r>
+          <a:r>
+            <a:rPr lang=""/>
+            <a:t>, </a:t>
+          </a:r>
+          <a:r>
+            <a:rPr lang="" altLang="en-US">
+              <a:sym typeface="+mn-ea"/>
+            </a:rPr>
+            <a:t>b</a:t>
+          </a:r>
+          <a:r>
+            <a:rPr lang="en-US">
+              <a:sym typeface="+mn-ea"/>
+            </a:rPr>
+            <a:t>entuk skala likert</a:t>
+          </a:r>
+          <a:r>
+            <a:rPr lang=""/>
+            <a:t/>
+          </a:r>
+          <a:endParaRPr lang=""/>
+        </a:p>
+      </dgm:t>
+    </dgm:pt>
+    <dgm:pt modelId="{40FDCF5C-4438-4FEA-BB27-009EFB99894E}" cxnId="{F892FCA9-3ED0-4B5F-AFE0-BD04B1A688C6}" type="parTrans">
+      <dgm:prSet/>
+      <dgm:spPr/>
+    </dgm:pt>
+    <dgm:pt modelId="{7D4A89BC-4A48-4846-BD4F-DFDE87BE6FA4}" cxnId="{F892FCA9-3ED0-4B5F-AFE0-BD04B1A688C6}" type="sibTrans">
+      <dgm:prSet/>
+      <dgm:spPr/>
+    </dgm:pt>
+    <dgm:pt modelId="{8D2FD86C-7CA2-4969-81DD-9BAC0592B134}">
+      <dgm:prSet phldrT="[Text]" phldr="0" custT="0"/>
+      <dgm:spPr/>
+      <dgm:t>
+        <a:bodyPr vert="horz" wrap="square"/>
+        <a:p>
+          <a:pPr>
+            <a:lnSpc>
+              <a:spcPct val="100000"/>
+            </a:lnSpc>
+            <a:spcBef>
+              <a:spcPct val="0"/>
+            </a:spcBef>
+            <a:spcAft>
+              <a:spcPct val="35000"/>
+            </a:spcAft>
+          </a:pPr>
+          <a:r>
+            <a:rPr lang="" altLang="en-US"/>
+            <a:t>K</a:t>
+          </a:r>
+          <a:r>
+            <a:rPr lang="en-US"/>
+            <a:t>oefisien korelasi sebesar 0,694 dengan sig 0,000 (p &lt; 0,005)</a:t>
+          </a:r>
+          <a:endParaRPr lang="en-US"/>
+        </a:p>
+      </dgm:t>
+    </dgm:pt>
+    <dgm:pt modelId="{9AAC2946-2FB2-43C9-AE59-E2B3840D91B4}" cxnId="{0FBE2034-08F8-4AB9-9EEF-31B827B50EC6}" type="parTrans">
+      <dgm:prSet/>
+      <dgm:spPr/>
+    </dgm:pt>
+    <dgm:pt modelId="{3F3F75C2-51E5-4397-899E-A7E72893E354}" cxnId="{0FBE2034-08F8-4AB9-9EEF-31B827B50EC6}" type="sibTrans">
+      <dgm:prSet/>
+      <dgm:spPr/>
+    </dgm:pt>
+    <dgm:pt modelId="{C8BBBD06-0D32-4E9A-993E-D6DBED0E7C29}" type="pres">
+      <dgm:prSet presAssocID="{E972CB07-609E-47C8-8EA0-EBA4D3B0C297}" presName="linearFlow" presStyleCnt="0">
+        <dgm:presLayoutVars>
+          <dgm:dir/>
+          <dgm:resizeHandles val="exact"/>
+        </dgm:presLayoutVars>
+      </dgm:prSet>
+      <dgm:spPr/>
+    </dgm:pt>
+    <dgm:pt modelId="{BAE4F4B9-7559-4DFB-A1E8-67927C52730A}" type="pres">
+      <dgm:prSet presAssocID="{E153230B-13A8-4248-B00F-70E57C15B08B}" presName="comp" presStyleCnt="0"/>
+      <dgm:spPr/>
+    </dgm:pt>
+    <dgm:pt modelId="{37CB2207-F7CC-4553-8691-29A3C8A0076C}" type="pres">
+      <dgm:prSet presAssocID="{E153230B-13A8-4248-B00F-70E57C15B08B}" presName="rect2" presStyleLbl="node1" presStyleIdx="0" presStyleCnt="4">
+        <dgm:presLayoutVars>
+          <dgm:bulletEnabled val="1"/>
+        </dgm:presLayoutVars>
+      </dgm:prSet>
+      <dgm:spPr/>
+    </dgm:pt>
+    <dgm:pt modelId="{1A669792-C744-4DE7-876D-FFD88E628BDC}" type="pres">
+      <dgm:prSet presAssocID="{E153230B-13A8-4248-B00F-70E57C15B08B}" presName="rect1" presStyleLbl="lnNode1" presStyleIdx="0" presStyleCnt="4"/>
+      <dgm:spPr/>
+    </dgm:pt>
+    <dgm:pt modelId="{1E42EB7A-1D14-42F0-AD88-6D5C892EA04B}" type="pres">
+      <dgm:prSet presAssocID="{7FCA2DA3-8795-41FA-B0F3-CD39CD1C5DAA}" presName="sibTrans" presStyleCnt="0"/>
+      <dgm:spPr/>
+    </dgm:pt>
+    <dgm:pt modelId="{2D70BAB0-3F29-4775-BC28-2DC0CEC862ED}" type="pres">
+      <dgm:prSet presAssocID="{3E43A77D-E472-4718-AC7D-DD068B0EC6F7}" presName="comp" presStyleCnt="0"/>
+      <dgm:spPr/>
+    </dgm:pt>
+    <dgm:pt modelId="{3E470D89-CBFD-4BF7-9095-5AC7CB98F4A3}" type="pres">
+      <dgm:prSet presAssocID="{3E43A77D-E472-4718-AC7D-DD068B0EC6F7}" presName="rect2" presStyleLbl="node1" presStyleIdx="1" presStyleCnt="4">
+        <dgm:presLayoutVars>
+          <dgm:bulletEnabled val="1"/>
+        </dgm:presLayoutVars>
+      </dgm:prSet>
+      <dgm:spPr/>
+    </dgm:pt>
+    <dgm:pt modelId="{5ADDDB1A-C9C7-43D5-8948-D9A941E5AFAB}" type="pres">
+      <dgm:prSet presAssocID="{3E43A77D-E472-4718-AC7D-DD068B0EC6F7}" presName="rect1" presStyleLbl="lnNode1" presStyleIdx="1" presStyleCnt="4"/>
+      <dgm:spPr/>
+    </dgm:pt>
+    <dgm:pt modelId="{3377A5B4-4983-43DB-993A-8B488EDFDCD6}" type="pres">
+      <dgm:prSet presAssocID="{CCAA07FF-973D-4DC0-8FF3-437B5E5DDE58}" presName="sibTrans" presStyleCnt="0"/>
+      <dgm:spPr/>
+    </dgm:pt>
+    <dgm:pt modelId="{7DC084B5-AAB6-45E2-9378-8A9D0488A75F}" type="pres">
+      <dgm:prSet presAssocID="{5594641A-2ACB-4F2C-809B-9EF0F472E26F}" presName="comp" presStyleCnt="0"/>
+      <dgm:spPr/>
+    </dgm:pt>
+    <dgm:pt modelId="{710F9898-5C40-485B-8A10-B3AFD9173331}" type="pres">
+      <dgm:prSet presAssocID="{5594641A-2ACB-4F2C-809B-9EF0F472E26F}" presName="rect2" presStyleLbl="node1" presStyleIdx="2" presStyleCnt="4">
+        <dgm:presLayoutVars>
+          <dgm:bulletEnabled val="1"/>
+        </dgm:presLayoutVars>
+      </dgm:prSet>
+      <dgm:spPr/>
+    </dgm:pt>
+    <dgm:pt modelId="{9F4198A5-2B25-412B-93E9-3C715D406A00}" type="pres">
+      <dgm:prSet presAssocID="{5594641A-2ACB-4F2C-809B-9EF0F472E26F}" presName="rect1" presStyleLbl="lnNode1" presStyleIdx="2" presStyleCnt="4"/>
+      <dgm:spPr/>
+    </dgm:pt>
+    <dgm:pt modelId="{5407ED62-5548-4E43-A77A-FE12380CB8D2}" type="pres">
+      <dgm:prSet presAssocID="{7D4A89BC-4A48-4846-BD4F-DFDE87BE6FA4}" presName="sibTrans" presStyleCnt="0"/>
+      <dgm:spPr/>
+    </dgm:pt>
+    <dgm:pt modelId="{61AFE3F5-63B0-4829-B9CA-94998BC3C77B}" type="pres">
+      <dgm:prSet presAssocID="{8D2FD86C-7CA2-4969-81DD-9BAC0592B134}" presName="comp" presStyleCnt="0"/>
+      <dgm:spPr/>
+    </dgm:pt>
+    <dgm:pt modelId="{3F790318-8443-4609-A8A9-9D7EDDDB9B4D}" type="pres">
+      <dgm:prSet presAssocID="{8D2FD86C-7CA2-4969-81DD-9BAC0592B134}" presName="rect2" presStyleLbl="node1" presStyleIdx="3" presStyleCnt="4">
+        <dgm:presLayoutVars>
+          <dgm:bulletEnabled val="1"/>
+        </dgm:presLayoutVars>
+      </dgm:prSet>
+      <dgm:spPr/>
+    </dgm:pt>
+    <dgm:pt modelId="{1B3973E2-50F5-4446-B753-9CFC304375B4}" type="pres">
+      <dgm:prSet presAssocID="{8D2FD86C-7CA2-4969-81DD-9BAC0592B134}" presName="rect1" presStyleLbl="lnNode1" presStyleIdx="3" presStyleCnt="4"/>
+      <dgm:spPr/>
+    </dgm:pt>
+  </dgm:ptLst>
+  <dgm:cxnLst>
+    <dgm:cxn modelId="{7295D6ED-00B2-4D07-89A2-74CBE5F3502A}" srcId="{E972CB07-609E-47C8-8EA0-EBA4D3B0C297}" destId="{E153230B-13A8-4248-B00F-70E57C15B08B}" srcOrd="0" destOrd="0" parTransId="{FCE48E2A-695B-4646-97E8-122B5795EEAB}" sibTransId="{7FCA2DA3-8795-41FA-B0F3-CD39CD1C5DAA}"/>
+    <dgm:cxn modelId="{F5841B9A-FC32-4558-91A0-2779A13525FB}" srcId="{E972CB07-609E-47C8-8EA0-EBA4D3B0C297}" destId="{3E43A77D-E472-4718-AC7D-DD068B0EC6F7}" srcOrd="1" destOrd="0" parTransId="{CB4A255C-812C-47C6-A907-041DB4F97A02}" sibTransId="{CCAA07FF-973D-4DC0-8FF3-437B5E5DDE58}"/>
+    <dgm:cxn modelId="{F892FCA9-3ED0-4B5F-AFE0-BD04B1A688C6}" srcId="{E972CB07-609E-47C8-8EA0-EBA4D3B0C297}" destId="{5594641A-2ACB-4F2C-809B-9EF0F472E26F}" srcOrd="2" destOrd="0" parTransId="{40FDCF5C-4438-4FEA-BB27-009EFB99894E}" sibTransId="{7D4A89BC-4A48-4846-BD4F-DFDE87BE6FA4}"/>
+    <dgm:cxn modelId="{0FBE2034-08F8-4AB9-9EEF-31B827B50EC6}" srcId="{E972CB07-609E-47C8-8EA0-EBA4D3B0C297}" destId="{8D2FD86C-7CA2-4969-81DD-9BAC0592B134}" srcOrd="3" destOrd="0" parTransId="{9AAC2946-2FB2-43C9-AE59-E2B3840D91B4}" sibTransId="{3F3F75C2-51E5-4397-899E-A7E72893E354}"/>
+    <dgm:cxn modelId="{08A8F4CB-F874-4B38-BCE1-B3E959AD0DB0}" type="presOf" srcId="{E972CB07-609E-47C8-8EA0-EBA4D3B0C297}" destId="{C8BBBD06-0D32-4E9A-993E-D6DBED0E7C29}" srcOrd="0" destOrd="0" presId="urn:microsoft.com/office/officeart/2008/layout/AlternatingPictureBlocks"/>
+    <dgm:cxn modelId="{B2079430-CADF-472B-B2E5-50F6C8FA53A4}" type="presParOf" srcId="{C8BBBD06-0D32-4E9A-993E-D6DBED0E7C29}" destId="{BAE4F4B9-7559-4DFB-A1E8-67927C52730A}" srcOrd="0" destOrd="0" presId="urn:microsoft.com/office/officeart/2008/layout/AlternatingPictureBlocks"/>
+    <dgm:cxn modelId="{31A597CD-865F-4660-A34B-20DA00710E42}" type="presParOf" srcId="{BAE4F4B9-7559-4DFB-A1E8-67927C52730A}" destId="{37CB2207-F7CC-4553-8691-29A3C8A0076C}" srcOrd="0" destOrd="0" presId="urn:microsoft.com/office/officeart/2008/layout/AlternatingPictureBlocks"/>
+    <dgm:cxn modelId="{7E120095-2B49-455F-8FBA-93B40CCB25F9}" type="presOf" srcId="{E153230B-13A8-4248-B00F-70E57C15B08B}" destId="{37CB2207-F7CC-4553-8691-29A3C8A0076C}" srcOrd="0" destOrd="0" presId="urn:microsoft.com/office/officeart/2008/layout/AlternatingPictureBlocks"/>
+    <dgm:cxn modelId="{EA46F81B-5D48-4464-8CD5-43E86059800A}" type="presParOf" srcId="{BAE4F4B9-7559-4DFB-A1E8-67927C52730A}" destId="{1A669792-C744-4DE7-876D-FFD88E628BDC}" srcOrd="1" destOrd="0" presId="urn:microsoft.com/office/officeart/2008/layout/AlternatingPictureBlocks"/>
+    <dgm:cxn modelId="{42C16078-3E13-4B9A-8CC1-9979E933C127}" type="presParOf" srcId="{C8BBBD06-0D32-4E9A-993E-D6DBED0E7C29}" destId="{1E42EB7A-1D14-42F0-AD88-6D5C892EA04B}" srcOrd="1" destOrd="0" presId="urn:microsoft.com/office/officeart/2008/layout/AlternatingPictureBlocks"/>
+    <dgm:cxn modelId="{6A2E3926-CDF8-4116-BDEB-543BEB7EFAC5}" type="presParOf" srcId="{C8BBBD06-0D32-4E9A-993E-D6DBED0E7C29}" destId="{2D70BAB0-3F29-4775-BC28-2DC0CEC862ED}" srcOrd="2" destOrd="0" presId="urn:microsoft.com/office/officeart/2008/layout/AlternatingPictureBlocks"/>
+    <dgm:cxn modelId="{D3FFE4F6-CBE9-41F5-B5CB-82888B546DC6}" type="presParOf" srcId="{2D70BAB0-3F29-4775-BC28-2DC0CEC862ED}" destId="{3E470D89-CBFD-4BF7-9095-5AC7CB98F4A3}" srcOrd="0" destOrd="2" presId="urn:microsoft.com/office/officeart/2008/layout/AlternatingPictureBlocks"/>
+    <dgm:cxn modelId="{B075AD36-7D3C-42B2-AF35-17C447BC2124}" type="presOf" srcId="{3E43A77D-E472-4718-AC7D-DD068B0EC6F7}" destId="{3E470D89-CBFD-4BF7-9095-5AC7CB98F4A3}" srcOrd="0" destOrd="0" presId="urn:microsoft.com/office/officeart/2008/layout/AlternatingPictureBlocks"/>
+    <dgm:cxn modelId="{57D798C9-4771-4AD3-8D84-D03C1EE09DAD}" type="presParOf" srcId="{2D70BAB0-3F29-4775-BC28-2DC0CEC862ED}" destId="{5ADDDB1A-C9C7-43D5-8948-D9A941E5AFAB}" srcOrd="1" destOrd="2" presId="urn:microsoft.com/office/officeart/2008/layout/AlternatingPictureBlocks"/>
+    <dgm:cxn modelId="{5472F722-CF3D-4E88-946B-9609A03678FA}" type="presParOf" srcId="{C8BBBD06-0D32-4E9A-993E-D6DBED0E7C29}" destId="{3377A5B4-4983-43DB-993A-8B488EDFDCD6}" srcOrd="3" destOrd="0" presId="urn:microsoft.com/office/officeart/2008/layout/AlternatingPictureBlocks"/>
+    <dgm:cxn modelId="{F25433A0-EFCD-48B8-9C31-CB5AF8250AD8}" type="presParOf" srcId="{C8BBBD06-0D32-4E9A-993E-D6DBED0E7C29}" destId="{7DC084B5-AAB6-45E2-9378-8A9D0488A75F}" srcOrd="4" destOrd="0" presId="urn:microsoft.com/office/officeart/2008/layout/AlternatingPictureBlocks"/>
+    <dgm:cxn modelId="{1FEA5754-0FB6-47A7-95EF-0C724A828110}" type="presParOf" srcId="{7DC084B5-AAB6-45E2-9378-8A9D0488A75F}" destId="{710F9898-5C40-485B-8A10-B3AFD9173331}" srcOrd="0" destOrd="4" presId="urn:microsoft.com/office/officeart/2008/layout/AlternatingPictureBlocks"/>
+    <dgm:cxn modelId="{1344B34A-4079-4762-9E48-305A1CA0D546}" type="presOf" srcId="{5594641A-2ACB-4F2C-809B-9EF0F472E26F}" destId="{710F9898-5C40-485B-8A10-B3AFD9173331}" srcOrd="0" destOrd="0" presId="urn:microsoft.com/office/officeart/2008/layout/AlternatingPictureBlocks"/>
+    <dgm:cxn modelId="{45709BED-B7FD-4687-A3ED-BCC4725F14F8}" type="presParOf" srcId="{7DC084B5-AAB6-45E2-9378-8A9D0488A75F}" destId="{9F4198A5-2B25-412B-93E9-3C715D406A00}" srcOrd="1" destOrd="4" presId="urn:microsoft.com/office/officeart/2008/layout/AlternatingPictureBlocks"/>
+    <dgm:cxn modelId="{0F154D87-7A1E-4DC8-A858-124E9AC5C169}" type="presParOf" srcId="{C8BBBD06-0D32-4E9A-993E-D6DBED0E7C29}" destId="{5407ED62-5548-4E43-A77A-FE12380CB8D2}" srcOrd="5" destOrd="0" presId="urn:microsoft.com/office/officeart/2008/layout/AlternatingPictureBlocks"/>
+    <dgm:cxn modelId="{ACB8935B-2ABE-4966-8A5E-12BDA0DB08A4}" type="presParOf" srcId="{C8BBBD06-0D32-4E9A-993E-D6DBED0E7C29}" destId="{61AFE3F5-63B0-4829-B9CA-94998BC3C77B}" srcOrd="6" destOrd="0" presId="urn:microsoft.com/office/officeart/2008/layout/AlternatingPictureBlocks"/>
+    <dgm:cxn modelId="{58C73A9D-D9D7-497E-892C-F7EF2DBE0D44}" type="presParOf" srcId="{61AFE3F5-63B0-4829-B9CA-94998BC3C77B}" destId="{3F790318-8443-4609-A8A9-9D7EDDDB9B4D}" srcOrd="0" destOrd="6" presId="urn:microsoft.com/office/officeart/2008/layout/AlternatingPictureBlocks"/>
+    <dgm:cxn modelId="{AEDBBDAB-CAA5-47A4-A51D-6F79E1DF3839}" type="presOf" srcId="{8D2FD86C-7CA2-4969-81DD-9BAC0592B134}" destId="{3F790318-8443-4609-A8A9-9D7EDDDB9B4D}" srcOrd="0" destOrd="0" presId="urn:microsoft.com/office/officeart/2008/layout/AlternatingPictureBlocks"/>
+    <dgm:cxn modelId="{7A56D4B4-3326-4484-9C2F-A1225FC4C22E}" type="presParOf" srcId="{61AFE3F5-63B0-4829-B9CA-94998BC3C77B}" destId="{1B3973E2-50F5-4446-B753-9CFC304375B4}" srcOrd="1" destOrd="6" presId="urn:microsoft.com/office/officeart/2008/layout/AlternatingPictureBlocks"/>
   </dgm:cxnLst>
   <dgm:bg/>
   <dgm:whole/>
@@ -11384,6 +12434,518 @@
       <dsp:txXfrm>
         <a:off x="5645701" y="1393056"/>
         <a:ext cx="2482299" cy="2632342"/>
+      </dsp:txXfrm>
+    </dsp:sp>
+  </dsp:spTree>
+</dsp:drawing>
+</file>
+
+<file path=ppt/diagrams/drawing10.xml><?xml version="1.0" encoding="utf-8"?>
+<dsp:drawing xmlns:dgm="http://schemas.openxmlformats.org/drawingml/2006/diagram" xmlns:dsp="http://schemas.microsoft.com/office/drawing/2008/diagram" xmlns:a="http://schemas.openxmlformats.org/drawingml/2006/main" xmlns:r="http://schemas.openxmlformats.org/officeDocument/2006/relationships">
+  <dsp:spTree>
+    <dsp:nvGrpSpPr>
+      <dsp:cNvPr id="2" name="Group 1"/>
+      <dsp:cNvGrpSpPr/>
+    </dsp:nvGrpSpPr>
+    <dsp:grpSpPr>
+      <a:xfrm>
+        <a:off x="0" y="0"/>
+        <a:ext cx="5043805" cy="4996180"/>
+        <a:chOff x="0" y="0"/>
+        <a:chExt cx="5043805" cy="4996180"/>
+      </a:xfrm>
+    </dsp:grpSpPr>
+    <dsp:sp modelId="{37CB2207-F7CC-4553-8691-29A3C8A0076C}">
+      <dsp:nvSpPr>
+        <dsp:cNvPr id="3" name="Rectangle 2"/>
+        <dsp:cNvSpPr/>
+      </dsp:nvSpPr>
+      <dsp:spPr bwMode="white">
+        <a:xfrm>
+          <a:off x="1898353" y="0"/>
+          <a:ext cx="2457520" cy="1111497"/>
+        </a:xfrm>
+        <a:prstGeom prst="rect">
+          <a:avLst/>
+        </a:prstGeom>
+      </dsp:spPr>
+      <dsp:style>
+        <a:lnRef idx="2">
+          <a:schemeClr val="lt1"/>
+        </a:lnRef>
+        <a:fillRef idx="1">
+          <a:schemeClr val="accent1"/>
+        </a:fillRef>
+        <a:effectRef idx="0">
+          <a:scrgbClr r="0" g="0" b="0"/>
+        </a:effectRef>
+        <a:fontRef idx="minor">
+          <a:schemeClr val="lt1"/>
+        </a:fontRef>
+      </dsp:style>
+      <dsp:txBody>
+        <a:bodyPr vert="horz" wrap="square" lIns="60960" tIns="60960" rIns="60960" bIns="60960" anchor="ctr"/>
+        <a:lstStyle>
+          <a:lvl1pPr algn="ctr">
+            <a:defRPr sz="1600"/>
+          </a:lvl1pPr>
+          <a:lvl2pPr marL="114300" indent="-114300" algn="ctr">
+            <a:defRPr sz="1200"/>
+          </a:lvl2pPr>
+          <a:lvl3pPr marL="228600" indent="-114300" algn="ctr">
+            <a:defRPr sz="1200"/>
+          </a:lvl3pPr>
+          <a:lvl4pPr marL="342900" indent="-114300" algn="ctr">
+            <a:defRPr sz="1200"/>
+          </a:lvl4pPr>
+          <a:lvl5pPr marL="457200" indent="-114300" algn="ctr">
+            <a:defRPr sz="1200"/>
+          </a:lvl5pPr>
+          <a:lvl6pPr marL="571500" indent="-114300" algn="ctr">
+            <a:defRPr sz="1200"/>
+          </a:lvl6pPr>
+          <a:lvl7pPr marL="685800" indent="-114300" algn="ctr">
+            <a:defRPr sz="1200"/>
+          </a:lvl7pPr>
+          <a:lvl8pPr marL="800100" indent="-114300" algn="ctr">
+            <a:defRPr sz="1200"/>
+          </a:lvl8pPr>
+          <a:lvl9pPr marL="914400" indent="-114300" algn="ctr">
+            <a:defRPr sz="1200"/>
+          </a:lvl9pPr>
+        </a:lstStyle>
+        <a:p>
+          <a:pPr lvl="0">
+            <a:lnSpc>
+              <a:spcPct val="100000"/>
+            </a:lnSpc>
+            <a:spcBef>
+              <a:spcPct val="0"/>
+            </a:spcBef>
+            <a:spcAft>
+              <a:spcPct val="35000"/>
+            </a:spcAft>
+          </a:pPr>
+          <a:r>
+            <a:rPr lang="" altLang="en-US"/>
+            <a:t>M</a:t>
+          </a:r>
+          <a:r>
+            <a:rPr lang="en-US"/>
+            <a:t>ahasiswa Universitas Esa Unggul</a:t>
+          </a:r>
+          <a:endParaRPr lang="en-US"/>
+        </a:p>
+      </dsp:txBody>
+      <dsp:txXfrm>
+        <a:off x="1898353" y="0"/>
+        <a:ext cx="2457520" cy="1111497"/>
+      </dsp:txXfrm>
+    </dsp:sp>
+    <dsp:sp modelId="{1A669792-C744-4DE7-876D-FFD88E628BDC}">
+      <dsp:nvSpPr>
+        <dsp:cNvPr id="4" name="Rectangle 3"/>
+        <dsp:cNvSpPr/>
+      </dsp:nvSpPr>
+      <dsp:spPr bwMode="white">
+        <a:xfrm>
+          <a:off x="687932" y="0"/>
+          <a:ext cx="1100382" cy="1111497"/>
+        </a:xfrm>
+        <a:prstGeom prst="rect">
+          <a:avLst/>
+        </a:prstGeom>
+      </dsp:spPr>
+      <dsp:style>
+        <a:lnRef idx="2">
+          <a:schemeClr val="lt1"/>
+        </a:lnRef>
+        <a:fillRef idx="1">
+          <a:schemeClr val="accent1"/>
+        </a:fillRef>
+        <a:effectRef idx="0">
+          <a:scrgbClr r="0" g="0" b="0"/>
+        </a:effectRef>
+        <a:fontRef idx="minor">
+          <a:schemeClr val="lt1"/>
+        </a:fontRef>
+      </dsp:style>
+      <dsp:txXfrm>
+        <a:off x="687932" y="0"/>
+        <a:ext cx="1100382" cy="1111497"/>
+      </dsp:txXfrm>
+    </dsp:sp>
+    <dsp:sp modelId="{3E470D89-CBFD-4BF7-9095-5AC7CB98F4A3}">
+      <dsp:nvSpPr>
+        <dsp:cNvPr id="5" name="Rectangle 4"/>
+        <dsp:cNvSpPr/>
+      </dsp:nvSpPr>
+      <dsp:spPr bwMode="white">
+        <a:xfrm>
+          <a:off x="687932" y="1294894"/>
+          <a:ext cx="2457520" cy="1111497"/>
+        </a:xfrm>
+        <a:prstGeom prst="rect">
+          <a:avLst/>
+        </a:prstGeom>
+      </dsp:spPr>
+      <dsp:style>
+        <a:lnRef idx="2">
+          <a:schemeClr val="lt1"/>
+        </a:lnRef>
+        <a:fillRef idx="1">
+          <a:schemeClr val="accent1"/>
+        </a:fillRef>
+        <a:effectRef idx="0">
+          <a:scrgbClr r="0" g="0" b="0"/>
+        </a:effectRef>
+        <a:fontRef idx="minor">
+          <a:schemeClr val="lt1"/>
+        </a:fontRef>
+      </dsp:style>
+      <dsp:txBody>
+        <a:bodyPr vert="horz" wrap="square" lIns="60960" tIns="60960" rIns="60960" bIns="60960" anchor="ctr"/>
+        <a:lstStyle>
+          <a:lvl1pPr algn="ctr">
+            <a:defRPr sz="1600"/>
+          </a:lvl1pPr>
+          <a:lvl2pPr marL="114300" indent="-114300" algn="ctr">
+            <a:defRPr sz="1200"/>
+          </a:lvl2pPr>
+          <a:lvl3pPr marL="228600" indent="-114300" algn="ctr">
+            <a:defRPr sz="1200"/>
+          </a:lvl3pPr>
+          <a:lvl4pPr marL="342900" indent="-114300" algn="ctr">
+            <a:defRPr sz="1200"/>
+          </a:lvl4pPr>
+          <a:lvl5pPr marL="457200" indent="-114300" algn="ctr">
+            <a:defRPr sz="1200"/>
+          </a:lvl5pPr>
+          <a:lvl6pPr marL="571500" indent="-114300" algn="ctr">
+            <a:defRPr sz="1200"/>
+          </a:lvl6pPr>
+          <a:lvl7pPr marL="685800" indent="-114300" algn="ctr">
+            <a:defRPr sz="1200"/>
+          </a:lvl7pPr>
+          <a:lvl8pPr marL="800100" indent="-114300" algn="ctr">
+            <a:defRPr sz="1200"/>
+          </a:lvl8pPr>
+          <a:lvl9pPr marL="914400" indent="-114300" algn="ctr">
+            <a:defRPr sz="1200"/>
+          </a:lvl9pPr>
+        </a:lstStyle>
+        <a:p>
+          <a:pPr lvl="0">
+            <a:lnSpc>
+              <a:spcPct val="100000"/>
+            </a:lnSpc>
+            <a:spcBef>
+              <a:spcPct val="0"/>
+            </a:spcBef>
+            <a:spcAft>
+              <a:spcPct val="35000"/>
+            </a:spcAft>
+          </a:pPr>
+          <a:r>
+            <a:rPr lang="" altLang="en-US"/>
+            <a:t>Teknik sample random sampling</a:t>
+          </a:r>
+          <a:endParaRPr lang="en-US"/>
+        </a:p>
+      </dsp:txBody>
+      <dsp:txXfrm>
+        <a:off x="687932" y="1294894"/>
+        <a:ext cx="2457520" cy="1111497"/>
+      </dsp:txXfrm>
+    </dsp:sp>
+    <dsp:sp modelId="{5ADDDB1A-C9C7-43D5-8948-D9A941E5AFAB}">
+      <dsp:nvSpPr>
+        <dsp:cNvPr id="6" name="Rectangle 5"/>
+        <dsp:cNvSpPr/>
+      </dsp:nvSpPr>
+      <dsp:spPr bwMode="white">
+        <a:xfrm>
+          <a:off x="3255491" y="1294894"/>
+          <a:ext cx="1100382" cy="1111497"/>
+        </a:xfrm>
+        <a:prstGeom prst="rect">
+          <a:avLst/>
+        </a:prstGeom>
+      </dsp:spPr>
+      <dsp:style>
+        <a:lnRef idx="2">
+          <a:schemeClr val="lt1"/>
+        </a:lnRef>
+        <a:fillRef idx="1">
+          <a:schemeClr val="accent1"/>
+        </a:fillRef>
+        <a:effectRef idx="0">
+          <a:scrgbClr r="0" g="0" b="0"/>
+        </a:effectRef>
+        <a:fontRef idx="minor">
+          <a:schemeClr val="lt1"/>
+        </a:fontRef>
+      </dsp:style>
+      <dsp:txXfrm>
+        <a:off x="3255491" y="1294894"/>
+        <a:ext cx="1100382" cy="1111497"/>
+      </dsp:txXfrm>
+    </dsp:sp>
+    <dsp:sp modelId="{710F9898-5C40-485B-8A10-B3AFD9173331}">
+      <dsp:nvSpPr>
+        <dsp:cNvPr id="9" name="Rectangle 8"/>
+        <dsp:cNvSpPr/>
+      </dsp:nvSpPr>
+      <dsp:spPr bwMode="white">
+        <a:xfrm>
+          <a:off x="1898353" y="2589789"/>
+          <a:ext cx="2457520" cy="1111497"/>
+        </a:xfrm>
+        <a:prstGeom prst="rect">
+          <a:avLst/>
+        </a:prstGeom>
+      </dsp:spPr>
+      <dsp:style>
+        <a:lnRef idx="2">
+          <a:schemeClr val="lt1"/>
+        </a:lnRef>
+        <a:fillRef idx="1">
+          <a:schemeClr val="accent1"/>
+        </a:fillRef>
+        <a:effectRef idx="0">
+          <a:scrgbClr r="0" g="0" b="0"/>
+        </a:effectRef>
+        <a:fontRef idx="minor">
+          <a:schemeClr val="lt1"/>
+        </a:fontRef>
+      </dsp:style>
+      <dsp:txBody>
+        <a:bodyPr vert="horz" wrap="square" lIns="60960" tIns="60960" rIns="60960" bIns="60960" anchor="ctr"/>
+        <a:lstStyle>
+          <a:lvl1pPr algn="ctr">
+            <a:defRPr sz="1600"/>
+          </a:lvl1pPr>
+          <a:lvl2pPr marL="114300" indent="-114300" algn="ctr">
+            <a:defRPr sz="1200"/>
+          </a:lvl2pPr>
+          <a:lvl3pPr marL="228600" indent="-114300" algn="ctr">
+            <a:defRPr sz="1200"/>
+          </a:lvl3pPr>
+          <a:lvl4pPr marL="342900" indent="-114300" algn="ctr">
+            <a:defRPr sz="1200"/>
+          </a:lvl4pPr>
+          <a:lvl5pPr marL="457200" indent="-114300" algn="ctr">
+            <a:defRPr sz="1200"/>
+          </a:lvl5pPr>
+          <a:lvl6pPr marL="571500" indent="-114300" algn="ctr">
+            <a:defRPr sz="1200"/>
+          </a:lvl6pPr>
+          <a:lvl7pPr marL="685800" indent="-114300" algn="ctr">
+            <a:defRPr sz="1200"/>
+          </a:lvl7pPr>
+          <a:lvl8pPr marL="800100" indent="-114300" algn="ctr">
+            <a:defRPr sz="1200"/>
+          </a:lvl8pPr>
+          <a:lvl9pPr marL="914400" indent="-114300" algn="ctr">
+            <a:defRPr sz="1200"/>
+          </a:lvl9pPr>
+        </a:lstStyle>
+        <a:p>
+          <a:pPr lvl="0">
+            <a:lnSpc>
+              <a:spcPct val="100000"/>
+            </a:lnSpc>
+            <a:spcBef>
+              <a:spcPct val="0"/>
+            </a:spcBef>
+            <a:spcAft>
+              <a:spcPct val="35000"/>
+            </a:spcAft>
+            <a:buNone/>
+          </a:pPr>
+          <a:r>
+            <a:rPr lang=""/>
+            <a:t>A</a:t>
+          </a:r>
+          <a:r>
+            <a:rPr altLang="en-US"/>
+            <a:t>lat ukur dukungan sosial (36 valid) dan motivasi belajar (45 valid)</a:t>
+          </a:r>
+          <a:r>
+            <a:rPr lang=""/>
+            <a:t>, </a:t>
+          </a:r>
+          <a:r>
+            <a:rPr lang="" altLang="en-US">
+              <a:sym typeface="+mn-ea"/>
+            </a:rPr>
+            <a:t>b</a:t>
+          </a:r>
+          <a:r>
+            <a:rPr lang="en-US">
+              <a:sym typeface="+mn-ea"/>
+            </a:rPr>
+            <a:t>entuk skala likert</a:t>
+          </a:r>
+          <a:endParaRPr lang=""/>
+        </a:p>
+      </dsp:txBody>
+      <dsp:txXfrm>
+        <a:off x="1898353" y="2589789"/>
+        <a:ext cx="2457520" cy="1111497"/>
+      </dsp:txXfrm>
+    </dsp:sp>
+    <dsp:sp modelId="{9F4198A5-2B25-412B-93E9-3C715D406A00}">
+      <dsp:nvSpPr>
+        <dsp:cNvPr id="10" name="Rectangle 9"/>
+        <dsp:cNvSpPr/>
+      </dsp:nvSpPr>
+      <dsp:spPr bwMode="white">
+        <a:xfrm>
+          <a:off x="687932" y="2589789"/>
+          <a:ext cx="1100382" cy="1111497"/>
+        </a:xfrm>
+        <a:prstGeom prst="rect">
+          <a:avLst/>
+        </a:prstGeom>
+      </dsp:spPr>
+      <dsp:style>
+        <a:lnRef idx="2">
+          <a:schemeClr val="lt1"/>
+        </a:lnRef>
+        <a:fillRef idx="1">
+          <a:schemeClr val="accent1"/>
+        </a:fillRef>
+        <a:effectRef idx="0">
+          <a:scrgbClr r="0" g="0" b="0"/>
+        </a:effectRef>
+        <a:fontRef idx="minor">
+          <a:schemeClr val="lt1"/>
+        </a:fontRef>
+      </dsp:style>
+      <dsp:txXfrm>
+        <a:off x="687932" y="2589789"/>
+        <a:ext cx="1100382" cy="1111497"/>
+      </dsp:txXfrm>
+    </dsp:sp>
+    <dsp:sp modelId="{3F790318-8443-4609-A8A9-9D7EDDDB9B4D}">
+      <dsp:nvSpPr>
+        <dsp:cNvPr id="7" name="Rectangle 6"/>
+        <dsp:cNvSpPr/>
+      </dsp:nvSpPr>
+      <dsp:spPr bwMode="white">
+        <a:xfrm>
+          <a:off x="687932" y="3884683"/>
+          <a:ext cx="2457520" cy="1111497"/>
+        </a:xfrm>
+        <a:prstGeom prst="rect">
+          <a:avLst/>
+        </a:prstGeom>
+      </dsp:spPr>
+      <dsp:style>
+        <a:lnRef idx="2">
+          <a:schemeClr val="lt1"/>
+        </a:lnRef>
+        <a:fillRef idx="1">
+          <a:schemeClr val="accent1"/>
+        </a:fillRef>
+        <a:effectRef idx="0">
+          <a:scrgbClr r="0" g="0" b="0"/>
+        </a:effectRef>
+        <a:fontRef idx="minor">
+          <a:schemeClr val="lt1"/>
+        </a:fontRef>
+      </dsp:style>
+      <dsp:txBody>
+        <a:bodyPr vert="horz" wrap="square" lIns="60960" tIns="60960" rIns="60960" bIns="60960" anchor="ctr"/>
+        <a:lstStyle>
+          <a:lvl1pPr algn="ctr">
+            <a:defRPr sz="1600"/>
+          </a:lvl1pPr>
+          <a:lvl2pPr marL="114300" indent="-114300" algn="ctr">
+            <a:defRPr sz="1200"/>
+          </a:lvl2pPr>
+          <a:lvl3pPr marL="228600" indent="-114300" algn="ctr">
+            <a:defRPr sz="1200"/>
+          </a:lvl3pPr>
+          <a:lvl4pPr marL="342900" indent="-114300" algn="ctr">
+            <a:defRPr sz="1200"/>
+          </a:lvl4pPr>
+          <a:lvl5pPr marL="457200" indent="-114300" algn="ctr">
+            <a:defRPr sz="1200"/>
+          </a:lvl5pPr>
+          <a:lvl6pPr marL="571500" indent="-114300" algn="ctr">
+            <a:defRPr sz="1200"/>
+          </a:lvl6pPr>
+          <a:lvl7pPr marL="685800" indent="-114300" algn="ctr">
+            <a:defRPr sz="1200"/>
+          </a:lvl7pPr>
+          <a:lvl8pPr marL="800100" indent="-114300" algn="ctr">
+            <a:defRPr sz="1200"/>
+          </a:lvl8pPr>
+          <a:lvl9pPr marL="914400" indent="-114300" algn="ctr">
+            <a:defRPr sz="1200"/>
+          </a:lvl9pPr>
+        </a:lstStyle>
+        <a:p>
+          <a:pPr lvl="0">
+            <a:lnSpc>
+              <a:spcPct val="100000"/>
+            </a:lnSpc>
+            <a:spcBef>
+              <a:spcPct val="0"/>
+            </a:spcBef>
+            <a:spcAft>
+              <a:spcPct val="35000"/>
+            </a:spcAft>
+          </a:pPr>
+          <a:r>
+            <a:rPr lang="" altLang="en-US"/>
+            <a:t>K</a:t>
+          </a:r>
+          <a:r>
+            <a:rPr lang="en-US"/>
+            <a:t>oefisien korelasi sebesar 0,694 dengan sig 0,000 (p &lt; 0,005)</a:t>
+          </a:r>
+          <a:endParaRPr lang="en-US"/>
+        </a:p>
+      </dsp:txBody>
+      <dsp:txXfrm>
+        <a:off x="687932" y="3884683"/>
+        <a:ext cx="2457520" cy="1111497"/>
+      </dsp:txXfrm>
+    </dsp:sp>
+    <dsp:sp modelId="{1B3973E2-50F5-4446-B753-9CFC304375B4}">
+      <dsp:nvSpPr>
+        <dsp:cNvPr id="8" name="Rectangle 7"/>
+        <dsp:cNvSpPr/>
+      </dsp:nvSpPr>
+      <dsp:spPr bwMode="white">
+        <a:xfrm>
+          <a:off x="3255491" y="3884683"/>
+          <a:ext cx="1100382" cy="1111497"/>
+        </a:xfrm>
+        <a:prstGeom prst="rect">
+          <a:avLst/>
+        </a:prstGeom>
+      </dsp:spPr>
+      <dsp:style>
+        <a:lnRef idx="2">
+          <a:schemeClr val="lt1"/>
+        </a:lnRef>
+        <a:fillRef idx="1">
+          <a:schemeClr val="accent1"/>
+        </a:fillRef>
+        <a:effectRef idx="0">
+          <a:scrgbClr r="0" g="0" b="0"/>
+        </a:effectRef>
+        <a:fontRef idx="minor">
+          <a:schemeClr val="lt1"/>
+        </a:fontRef>
+      </dsp:style>
+      <dsp:txXfrm>
+        <a:off x="3255491" y="3884683"/>
+        <a:ext cx="1100382" cy="1111497"/>
       </dsp:txXfrm>
     </dsp:sp>
   </dsp:spTree>
@@ -17006,6 +18568,188 @@
 </dgm:layoutDef>
 </file>
 
+<file path=ppt/diagrams/layout10.xml><?xml version="1.0" encoding="utf-8"?>
+<dgm:layoutDef xmlns:dgm="http://schemas.openxmlformats.org/drawingml/2006/diagram" xmlns:a="http://schemas.openxmlformats.org/drawingml/2006/main" uniqueId="urn:microsoft.com/office/officeart/2008/layout/AlternatingPictureBlocks">
+  <dgm:title val=""/>
+  <dgm:desc val=""/>
+  <dgm:catLst>
+    <dgm:cat type="picture" pri="15000"/>
+    <dgm:cat type="pictureconvert" pri="15000"/>
+    <dgm:cat type="list" pri="13500"/>
+  </dgm:catLst>
+  <dgm:sampData useDef="1">
+    <dgm:dataModel>
+      <dgm:ptLst/>
+      <dgm:bg/>
+      <dgm:whole/>
+    </dgm:dataModel>
+  </dgm:sampData>
+  <dgm:styleData>
+    <dgm:dataModel>
+      <dgm:ptLst>
+        <dgm:pt modelId="0" type="doc">
+          <dgm:prSet qsTypeId="urn:microsoft.com/office/officeart/2005/8/quickstyle/simple5"/>
+        </dgm:pt>
+        <dgm:pt modelId="1"/>
+        <dgm:pt modelId="2"/>
+      </dgm:ptLst>
+      <dgm:cxnLst>
+        <dgm:cxn modelId="3" srcId="0" destId="1" srcOrd="0" destOrd="0"/>
+        <dgm:cxn modelId="4" srcId="0" destId="2" srcOrd="1" destOrd="0"/>
+      </dgm:cxnLst>
+      <dgm:bg/>
+      <dgm:whole/>
+    </dgm:dataModel>
+  </dgm:styleData>
+  <dgm:clrData>
+    <dgm:dataModel>
+      <dgm:ptLst>
+        <dgm:pt modelId="0" type="doc"/>
+        <dgm:pt modelId="1"/>
+        <dgm:pt modelId="2"/>
+        <dgm:pt modelId="3"/>
+        <dgm:pt modelId="4"/>
+      </dgm:ptLst>
+      <dgm:cxnLst>
+        <dgm:cxn modelId="5" srcId="0" destId="1" srcOrd="0" destOrd="0"/>
+        <dgm:cxn modelId="6" srcId="0" destId="2" srcOrd="1" destOrd="0"/>
+        <dgm:cxn modelId="7" srcId="0" destId="3" srcOrd="2" destOrd="0"/>
+        <dgm:cxn modelId="8" srcId="0" destId="4" srcOrd="3" destOrd="0"/>
+      </dgm:cxnLst>
+      <dgm:bg/>
+      <dgm:whole/>
+    </dgm:dataModel>
+  </dgm:clrData>
+  <dgm:layoutNode name="linearFlow">
+    <dgm:varLst>
+      <dgm:dir/>
+      <dgm:resizeHandles val="exact"/>
+    </dgm:varLst>
+    <dgm:alg type="lin">
+      <dgm:param type="linDir" val="fromT"/>
+      <dgm:param type="vertAlign" val="mid"/>
+      <dgm:param type="horzAlign" val="ctr"/>
+    </dgm:alg>
+    <dgm:shape xmlns:r="http://schemas.openxmlformats.org/officeDocument/2006/relationships" r:blip="">
+      <dgm:adjLst/>
+    </dgm:shape>
+    <dgm:presOf/>
+    <dgm:constrLst>
+      <dgm:constr type="primFontSz" for="des" ptType="node" op="equ" val="65"/>
+      <dgm:constr type="w" for="ch" forName="comp" refType="w"/>
+      <dgm:constr type="h" for="ch" forName="comp" refType="h"/>
+      <dgm:constr type="h" for="ch" forName="sibTrans" refType="w" refFor="ch" refForName="comp" op="equ" fact="0.05"/>
+    </dgm:constrLst>
+    <dgm:ruleLst/>
+    <dgm:forEach name="Name0" axis="ch" ptType="node">
+      <dgm:layoutNode name="comp" styleLbl="node1">
+        <dgm:alg type="composite">
+          <dgm:param type="ar" val="3.3"/>
+        </dgm:alg>
+        <dgm:shape xmlns:r="http://schemas.openxmlformats.org/officeDocument/2006/relationships" r:blip="">
+          <dgm:adjLst/>
+        </dgm:shape>
+        <dgm:presOf/>
+        <dgm:choose name="Name1">
+          <dgm:if name="Name2" func="var" arg="dir" op="equ" val="norm">
+            <dgm:choose name="Name4">
+              <dgm:if name="Name5" axis="desOrSelf" ptType="node" func="posOdd" op="equ" val="1">
+                <dgm:constrLst>
+                  <dgm:constr type="l" for="ch" forName="rect1" refType="w" fact="0"/>
+                  <dgm:constr type="t" for="ch" forName="rect1" refType="h" fact="0"/>
+                  <dgm:constr type="w" for="ch" forName="rect1" refType="w" fact="0.3"/>
+                  <dgm:constr type="h" for="ch" forName="rect1" refType="h"/>
+                  <dgm:constr type="l" for="ch" forName="rect2" refType="w" fact="0.33"/>
+                  <dgm:constr type="t" for="ch" forName="rect2" refType="h" fact="0"/>
+                  <dgm:constr type="w" for="ch" forName="rect2" refType="w" fact="0.67"/>
+                  <dgm:constr type="h" for="ch" forName="rect2" refType="h"/>
+                </dgm:constrLst>
+              </dgm:if>
+              <dgm:else name="Name6">
+                <dgm:constrLst>
+                  <dgm:constr type="l" for="ch" forName="rect1" refType="w" fact="0.7"/>
+                  <dgm:constr type="t" for="ch" forName="rect1" refType="h" fact="0"/>
+                  <dgm:constr type="w" for="ch" forName="rect1" refType="w" fact="0.3"/>
+                  <dgm:constr type="h" for="ch" forName="rect1" refType="h"/>
+                  <dgm:constr type="l" for="ch" forName="rect2" refType="w" fact="0"/>
+                  <dgm:constr type="t" for="ch" forName="rect2" refType="h" fact="0"/>
+                  <dgm:constr type="w" for="ch" forName="rect2" refType="w" fact="0.67"/>
+                  <dgm:constr type="h" for="ch" forName="rect2" refType="h"/>
+                </dgm:constrLst>
+              </dgm:else>
+            </dgm:choose>
+          </dgm:if>
+          <dgm:else name="Name3">
+            <dgm:choose name="Name7">
+              <dgm:if name="Name8" axis="desOrSelf" ptType="node" func="posOdd" op="equ" val="1">
+                <dgm:constrLst>
+                  <dgm:constr type="l" for="ch" forName="rect1" refType="w" fact="0.7"/>
+                  <dgm:constr type="t" for="ch" forName="rect1" refType="h" fact="0"/>
+                  <dgm:constr type="w" for="ch" forName="rect1" refType="w" fact="0.3"/>
+                  <dgm:constr type="h" for="ch" forName="rect1" refType="h"/>
+                  <dgm:constr type="l" for="ch" forName="rect2" refType="w" fact="0"/>
+                  <dgm:constr type="t" for="ch" forName="rect2" refType="h" fact="0"/>
+                  <dgm:constr type="w" for="ch" forName="rect2" refType="w" fact="0.67"/>
+                  <dgm:constr type="h" for="ch" forName="rect2" refType="h"/>
+                </dgm:constrLst>
+              </dgm:if>
+              <dgm:else name="Name9">
+                <dgm:constrLst>
+                  <dgm:constr type="l" for="ch" forName="rect1" refType="w" fact="0"/>
+                  <dgm:constr type="t" for="ch" forName="rect1" refType="h" fact="0"/>
+                  <dgm:constr type="w" for="ch" forName="rect1" refType="w" fact="0.3"/>
+                  <dgm:constr type="h" for="ch" forName="rect1" refType="h"/>
+                  <dgm:constr type="l" for="ch" forName="rect2" refType="w" fact="0.33"/>
+                  <dgm:constr type="t" for="ch" forName="rect2" refType="h" fact="0"/>
+                  <dgm:constr type="w" for="ch" forName="rect2" refType="w" fact="0.67"/>
+                  <dgm:constr type="h" for="ch" forName="rect2" refType="h"/>
+                </dgm:constrLst>
+              </dgm:else>
+            </dgm:choose>
+          </dgm:else>
+        </dgm:choose>
+        <dgm:ruleLst/>
+        <dgm:layoutNode name="rect2" styleLbl="node1">
+          <dgm:varLst>
+            <dgm:bulletEnabled val="1"/>
+          </dgm:varLst>
+          <dgm:alg type="tx"/>
+          <dgm:shape xmlns:r="http://schemas.openxmlformats.org/officeDocument/2006/relationships" type="rect" r:blip="">
+            <dgm:adjLst/>
+          </dgm:shape>
+          <dgm:presOf axis="desOrSelf" ptType="node"/>
+          <dgm:constrLst>
+            <dgm:constr type="primFontSz" val="65"/>
+            <dgm:constr type="lMarg" refType="primFontSz" fact="0.3"/>
+            <dgm:constr type="rMarg" refType="primFontSz" fact="0.3"/>
+            <dgm:constr type="tMarg" refType="primFontSz" fact="0.3"/>
+            <dgm:constr type="bMarg" refType="primFontSz" fact="0.3"/>
+          </dgm:constrLst>
+          <dgm:ruleLst>
+            <dgm:rule type="primFontSz" val="5" fact="NaN" max="NaN"/>
+          </dgm:ruleLst>
+        </dgm:layoutNode>
+        <dgm:layoutNode name="rect1" styleLbl="lnNode1">
+          <dgm:alg type="sp"/>
+          <dgm:shape xmlns:r="http://schemas.openxmlformats.org/officeDocument/2006/relationships" type="rect" r:blip="" blipPhldr="1">
+            <dgm:adjLst/>
+          </dgm:shape>
+          <dgm:presOf/>
+        </dgm:layoutNode>
+      </dgm:layoutNode>
+      <dgm:forEach name="sibTransForEach" axis="followSib" ptType="sibTrans" cnt="1">
+        <dgm:layoutNode name="sibTrans">
+          <dgm:alg type="sp"/>
+          <dgm:shape xmlns:r="http://schemas.openxmlformats.org/officeDocument/2006/relationships" r:blip="">
+            <dgm:adjLst/>
+          </dgm:shape>
+        </dgm:layoutNode>
+      </dgm:forEach>
+    </dgm:forEach>
+  </dgm:layoutNode>
+</dgm:layoutDef>
+</file>
+
 <file path=ppt/diagrams/layout2.xml><?xml version="1.0" encoding="utf-8"?>
 <dgm:layoutDef xmlns:dgm="http://schemas.openxmlformats.org/drawingml/2006/diagram" xmlns:a="http://schemas.openxmlformats.org/drawingml/2006/main" uniqueId="urn:microsoft.com/office/officeart/2005/8/layout/arrow2">
   <dgm:title val=""/>
@@ -22091,6 +23835,991 @@
 </dgm:styleDef>
 </file>
 
+<file path=ppt/diagrams/quickStyle10.xml><?xml version="1.0" encoding="utf-8"?>
+<dgm:styleDef xmlns:dgm="http://schemas.openxmlformats.org/drawingml/2006/diagram" xmlns:a="http://schemas.openxmlformats.org/drawingml/2006/main" uniqueId="urn:microsoft.com/office/officeart/2005/8/quickstyle/simple1">
+  <dgm:title val=""/>
+  <dgm:desc val=""/>
+  <dgm:catLst>
+    <dgm:cat type="simple" pri="10100"/>
+  </dgm:catLst>
+  <dgm:scene3d>
+    <a:camera prst="orthographicFront"/>
+    <a:lightRig rig="threePt" dir="t"/>
+  </dgm:scene3d>
+  <dgm:styleLbl name="alignAcc1">
+    <dgm:scene3d>
+      <a:camera prst="orthographicFront"/>
+      <a:lightRig rig="threePt" dir="t"/>
+    </dgm:scene3d>
+    <dgm:txPr/>
+    <dgm:style>
+      <a:lnRef idx="2">
+        <a:scrgbClr r="0" g="0" b="0"/>
+      </a:lnRef>
+      <a:fillRef idx="1">
+        <a:scrgbClr r="0" g="0" b="0"/>
+      </a:fillRef>
+      <a:effectRef idx="0">
+        <a:scrgbClr r="0" g="0" b="0"/>
+      </a:effectRef>
+      <a:fontRef idx="minor"/>
+    </dgm:style>
+  </dgm:styleLbl>
+  <dgm:styleLbl name="alignAccFollowNode1">
+    <dgm:scene3d>
+      <a:camera prst="orthographicFront"/>
+      <a:lightRig rig="threePt" dir="t"/>
+    </dgm:scene3d>
+    <dgm:txPr/>
+    <dgm:style>
+      <a:lnRef idx="2">
+        <a:scrgbClr r="0" g="0" b="0"/>
+      </a:lnRef>
+      <a:fillRef idx="1">
+        <a:scrgbClr r="0" g="0" b="0"/>
+      </a:fillRef>
+      <a:effectRef idx="0">
+        <a:scrgbClr r="0" g="0" b="0"/>
+      </a:effectRef>
+      <a:fontRef idx="minor"/>
+    </dgm:style>
+  </dgm:styleLbl>
+  <dgm:styleLbl name="alignImgPlace1">
+    <dgm:scene3d>
+      <a:camera prst="orthographicFront"/>
+      <a:lightRig rig="threePt" dir="t"/>
+    </dgm:scene3d>
+    <dgm:txPr/>
+    <dgm:style>
+      <a:lnRef idx="2">
+        <a:scrgbClr r="0" g="0" b="0"/>
+      </a:lnRef>
+      <a:fillRef idx="1">
+        <a:scrgbClr r="0" g="0" b="0"/>
+      </a:fillRef>
+      <a:effectRef idx="0">
+        <a:scrgbClr r="0" g="0" b="0"/>
+      </a:effectRef>
+      <a:fontRef idx="minor"/>
+    </dgm:style>
+  </dgm:styleLbl>
+  <dgm:styleLbl name="alignNode1">
+    <dgm:scene3d>
+      <a:camera prst="orthographicFront"/>
+      <a:lightRig rig="threePt" dir="t"/>
+    </dgm:scene3d>
+    <dgm:txPr/>
+    <dgm:style>
+      <a:lnRef idx="2">
+        <a:scrgbClr r="0" g="0" b="0"/>
+      </a:lnRef>
+      <a:fillRef idx="1">
+        <a:scrgbClr r="0" g="0" b="0"/>
+      </a:fillRef>
+      <a:effectRef idx="0">
+        <a:scrgbClr r="0" g="0" b="0"/>
+      </a:effectRef>
+      <a:fontRef idx="minor">
+        <a:schemeClr val="lt1"/>
+      </a:fontRef>
+    </dgm:style>
+  </dgm:styleLbl>
+  <dgm:styleLbl name="asst0">
+    <dgm:scene3d>
+      <a:camera prst="orthographicFront"/>
+      <a:lightRig rig="threePt" dir="t"/>
+    </dgm:scene3d>
+    <dgm:txPr/>
+    <dgm:style>
+      <a:lnRef idx="2">
+        <a:scrgbClr r="0" g="0" b="0"/>
+      </a:lnRef>
+      <a:fillRef idx="1">
+        <a:scrgbClr r="0" g="0" b="0"/>
+      </a:fillRef>
+      <a:effectRef idx="0">
+        <a:scrgbClr r="0" g="0" b="0"/>
+      </a:effectRef>
+      <a:fontRef idx="minor">
+        <a:schemeClr val="lt1"/>
+      </a:fontRef>
+    </dgm:style>
+  </dgm:styleLbl>
+  <dgm:styleLbl name="asst1">
+    <dgm:scene3d>
+      <a:camera prst="orthographicFront"/>
+      <a:lightRig rig="threePt" dir="t"/>
+    </dgm:scene3d>
+    <dgm:txPr/>
+    <dgm:style>
+      <a:lnRef idx="2">
+        <a:scrgbClr r="0" g="0" b="0"/>
+      </a:lnRef>
+      <a:fillRef idx="1">
+        <a:scrgbClr r="0" g="0" b="0"/>
+      </a:fillRef>
+      <a:effectRef idx="0">
+        <a:scrgbClr r="0" g="0" b="0"/>
+      </a:effectRef>
+      <a:fontRef idx="minor">
+        <a:schemeClr val="lt1"/>
+      </a:fontRef>
+    </dgm:style>
+  </dgm:styleLbl>
+  <dgm:styleLbl name="asst2">
+    <dgm:scene3d>
+      <a:camera prst="orthographicFront"/>
+      <a:lightRig rig="threePt" dir="t"/>
+    </dgm:scene3d>
+    <dgm:txPr/>
+    <dgm:style>
+      <a:lnRef idx="2">
+        <a:scrgbClr r="0" g="0" b="0"/>
+      </a:lnRef>
+      <a:fillRef idx="1">
+        <a:scrgbClr r="0" g="0" b="0"/>
+      </a:fillRef>
+      <a:effectRef idx="0">
+        <a:scrgbClr r="0" g="0" b="0"/>
+      </a:effectRef>
+      <a:fontRef idx="minor">
+        <a:schemeClr val="lt1"/>
+      </a:fontRef>
+    </dgm:style>
+  </dgm:styleLbl>
+  <dgm:styleLbl name="asst3">
+    <dgm:scene3d>
+      <a:camera prst="orthographicFront"/>
+      <a:lightRig rig="threePt" dir="t"/>
+    </dgm:scene3d>
+    <dgm:txPr/>
+    <dgm:style>
+      <a:lnRef idx="2">
+        <a:scrgbClr r="0" g="0" b="0"/>
+      </a:lnRef>
+      <a:fillRef idx="1">
+        <a:scrgbClr r="0" g="0" b="0"/>
+      </a:fillRef>
+      <a:effectRef idx="0">
+        <a:scrgbClr r="0" g="0" b="0"/>
+      </a:effectRef>
+      <a:fontRef idx="minor">
+        <a:schemeClr val="lt1"/>
+      </a:fontRef>
+    </dgm:style>
+  </dgm:styleLbl>
+  <dgm:styleLbl name="asst4">
+    <dgm:scene3d>
+      <a:camera prst="orthographicFront"/>
+      <a:lightRig rig="threePt" dir="t"/>
+    </dgm:scene3d>
+    <dgm:txPr/>
+    <dgm:style>
+      <a:lnRef idx="2">
+        <a:scrgbClr r="0" g="0" b="0"/>
+      </a:lnRef>
+      <a:fillRef idx="1">
+        <a:scrgbClr r="0" g="0" b="0"/>
+      </a:fillRef>
+      <a:effectRef idx="0">
+        <a:scrgbClr r="0" g="0" b="0"/>
+      </a:effectRef>
+      <a:fontRef idx="minor">
+        <a:schemeClr val="lt1"/>
+      </a:fontRef>
+    </dgm:style>
+  </dgm:styleLbl>
+  <dgm:styleLbl name="bgAcc1">
+    <dgm:scene3d>
+      <a:camera prst="orthographicFront"/>
+      <a:lightRig rig="threePt" dir="t"/>
+    </dgm:scene3d>
+    <dgm:txPr/>
+    <dgm:style>
+      <a:lnRef idx="2">
+        <a:scrgbClr r="0" g="0" b="0"/>
+      </a:lnRef>
+      <a:fillRef idx="1">
+        <a:scrgbClr r="0" g="0" b="0"/>
+      </a:fillRef>
+      <a:effectRef idx="0">
+        <a:scrgbClr r="0" g="0" b="0"/>
+      </a:effectRef>
+      <a:fontRef idx="minor"/>
+    </dgm:style>
+  </dgm:styleLbl>
+  <dgm:styleLbl name="bgAccFollowNode1">
+    <dgm:scene3d>
+      <a:camera prst="orthographicFront"/>
+      <a:lightRig rig="threePt" dir="t"/>
+    </dgm:scene3d>
+    <dgm:txPr/>
+    <dgm:style>
+      <a:lnRef idx="2">
+        <a:scrgbClr r="0" g="0" b="0"/>
+      </a:lnRef>
+      <a:fillRef idx="1">
+        <a:scrgbClr r="0" g="0" b="0"/>
+      </a:fillRef>
+      <a:effectRef idx="0">
+        <a:scrgbClr r="0" g="0" b="0"/>
+      </a:effectRef>
+      <a:fontRef idx="minor"/>
+    </dgm:style>
+  </dgm:styleLbl>
+  <dgm:styleLbl name="bgImgPlace1">
+    <dgm:scene3d>
+      <a:camera prst="orthographicFront"/>
+      <a:lightRig rig="threePt" dir="t"/>
+    </dgm:scene3d>
+    <dgm:txPr/>
+    <dgm:style>
+      <a:lnRef idx="2">
+        <a:scrgbClr r="0" g="0" b="0"/>
+      </a:lnRef>
+      <a:fillRef idx="1">
+        <a:scrgbClr r="0" g="0" b="0"/>
+      </a:fillRef>
+      <a:effectRef idx="0">
+        <a:scrgbClr r="0" g="0" b="0"/>
+      </a:effectRef>
+      <a:fontRef idx="minor"/>
+    </dgm:style>
+  </dgm:styleLbl>
+  <dgm:styleLbl name="bgShp">
+    <dgm:scene3d>
+      <a:camera prst="orthographicFront"/>
+      <a:lightRig rig="threePt" dir="t"/>
+    </dgm:scene3d>
+    <dgm:txPr/>
+    <dgm:style>
+      <a:lnRef idx="0">
+        <a:scrgbClr r="0" g="0" b="0"/>
+      </a:lnRef>
+      <a:fillRef idx="1">
+        <a:scrgbClr r="0" g="0" b="0"/>
+      </a:fillRef>
+      <a:effectRef idx="0">
+        <a:scrgbClr r="0" g="0" b="0"/>
+      </a:effectRef>
+      <a:fontRef idx="minor"/>
+    </dgm:style>
+  </dgm:styleLbl>
+  <dgm:styleLbl name="bgSibTrans2D1">
+    <dgm:scene3d>
+      <a:camera prst="orthographicFront"/>
+      <a:lightRig rig="threePt" dir="t"/>
+    </dgm:scene3d>
+    <dgm:txPr/>
+    <dgm:style>
+      <a:lnRef idx="0">
+        <a:scrgbClr r="0" g="0" b="0"/>
+      </a:lnRef>
+      <a:fillRef idx="1">
+        <a:scrgbClr r="0" g="0" b="0"/>
+      </a:fillRef>
+      <a:effectRef idx="0">
+        <a:scrgbClr r="0" g="0" b="0"/>
+      </a:effectRef>
+      <a:fontRef idx="minor">
+        <a:schemeClr val="lt1"/>
+      </a:fontRef>
+    </dgm:style>
+  </dgm:styleLbl>
+  <dgm:styleLbl name="callout">
+    <dgm:scene3d>
+      <a:camera prst="orthographicFront"/>
+      <a:lightRig rig="threePt" dir="t"/>
+    </dgm:scene3d>
+    <dgm:txPr/>
+    <dgm:style>
+      <a:lnRef idx="2">
+        <a:scrgbClr r="0" g="0" b="0"/>
+      </a:lnRef>
+      <a:fillRef idx="1">
+        <a:scrgbClr r="0" g="0" b="0"/>
+      </a:fillRef>
+      <a:effectRef idx="0">
+        <a:scrgbClr r="0" g="0" b="0"/>
+      </a:effectRef>
+      <a:fontRef idx="minor"/>
+    </dgm:style>
+  </dgm:styleLbl>
+  <dgm:styleLbl name="conFgAcc1">
+    <dgm:scene3d>
+      <a:camera prst="orthographicFront"/>
+      <a:lightRig rig="threePt" dir="t"/>
+    </dgm:scene3d>
+    <dgm:txPr/>
+    <dgm:style>
+      <a:lnRef idx="2">
+        <a:scrgbClr r="0" g="0" b="0"/>
+      </a:lnRef>
+      <a:fillRef idx="1">
+        <a:scrgbClr r="0" g="0" b="0"/>
+      </a:fillRef>
+      <a:effectRef idx="0">
+        <a:scrgbClr r="0" g="0" b="0"/>
+      </a:effectRef>
+      <a:fontRef idx="minor"/>
+    </dgm:style>
+  </dgm:styleLbl>
+  <dgm:styleLbl name="dkBgShp">
+    <dgm:scene3d>
+      <a:camera prst="orthographicFront"/>
+      <a:lightRig rig="threePt" dir="t"/>
+    </dgm:scene3d>
+    <dgm:txPr/>
+    <dgm:style>
+      <a:lnRef idx="0">
+        <a:scrgbClr r="0" g="0" b="0"/>
+      </a:lnRef>
+      <a:fillRef idx="1">
+        <a:scrgbClr r="0" g="0" b="0"/>
+      </a:fillRef>
+      <a:effectRef idx="0">
+        <a:scrgbClr r="0" g="0" b="0"/>
+      </a:effectRef>
+      <a:fontRef idx="minor"/>
+    </dgm:style>
+  </dgm:styleLbl>
+  <dgm:styleLbl name="fgAcc0">
+    <dgm:scene3d>
+      <a:camera prst="orthographicFront"/>
+      <a:lightRig rig="threePt" dir="t"/>
+    </dgm:scene3d>
+    <dgm:txPr/>
+    <dgm:style>
+      <a:lnRef idx="2">
+        <a:scrgbClr r="0" g="0" b="0"/>
+      </a:lnRef>
+      <a:fillRef idx="1">
+        <a:scrgbClr r="0" g="0" b="0"/>
+      </a:fillRef>
+      <a:effectRef idx="0">
+        <a:scrgbClr r="0" g="0" b="0"/>
+      </a:effectRef>
+      <a:fontRef idx="minor"/>
+    </dgm:style>
+  </dgm:styleLbl>
+  <dgm:styleLbl name="fgAcc1">
+    <dgm:scene3d>
+      <a:camera prst="orthographicFront"/>
+      <a:lightRig rig="threePt" dir="t"/>
+    </dgm:scene3d>
+    <dgm:txPr/>
+    <dgm:style>
+      <a:lnRef idx="2">
+        <a:scrgbClr r="0" g="0" b="0"/>
+      </a:lnRef>
+      <a:fillRef idx="1">
+        <a:scrgbClr r="0" g="0" b="0"/>
+      </a:fillRef>
+      <a:effectRef idx="0">
+        <a:scrgbClr r="0" g="0" b="0"/>
+      </a:effectRef>
+      <a:fontRef idx="minor"/>
+    </dgm:style>
+  </dgm:styleLbl>
+  <dgm:styleLbl name="fgAcc2">
+    <dgm:scene3d>
+      <a:camera prst="orthographicFront"/>
+      <a:lightRig rig="threePt" dir="t"/>
+    </dgm:scene3d>
+    <dgm:txPr/>
+    <dgm:style>
+      <a:lnRef idx="2">
+        <a:scrgbClr r="0" g="0" b="0"/>
+      </a:lnRef>
+      <a:fillRef idx="1">
+        <a:scrgbClr r="0" g="0" b="0"/>
+      </a:fillRef>
+      <a:effectRef idx="0">
+        <a:scrgbClr r="0" g="0" b="0"/>
+      </a:effectRef>
+      <a:fontRef idx="minor"/>
+    </dgm:style>
+  </dgm:styleLbl>
+  <dgm:styleLbl name="fgAcc3">
+    <dgm:scene3d>
+      <a:camera prst="orthographicFront"/>
+      <a:lightRig rig="threePt" dir="t"/>
+    </dgm:scene3d>
+    <dgm:txPr/>
+    <dgm:style>
+      <a:lnRef idx="2">
+        <a:scrgbClr r="0" g="0" b="0"/>
+      </a:lnRef>
+      <a:fillRef idx="1">
+        <a:scrgbClr r="0" g="0" b="0"/>
+      </a:fillRef>
+      <a:effectRef idx="0">
+        <a:scrgbClr r="0" g="0" b="0"/>
+      </a:effectRef>
+      <a:fontRef idx="minor"/>
+    </dgm:style>
+  </dgm:styleLbl>
+  <dgm:styleLbl name="fgAcc4">
+    <dgm:scene3d>
+      <a:camera prst="orthographicFront"/>
+      <a:lightRig rig="threePt" dir="t"/>
+    </dgm:scene3d>
+    <dgm:txPr/>
+    <dgm:style>
+      <a:lnRef idx="2">
+        <a:scrgbClr r="0" g="0" b="0"/>
+      </a:lnRef>
+      <a:fillRef idx="1">
+        <a:scrgbClr r="0" g="0" b="0"/>
+      </a:fillRef>
+      <a:effectRef idx="0">
+        <a:scrgbClr r="0" g="0" b="0"/>
+      </a:effectRef>
+      <a:fontRef idx="minor"/>
+    </dgm:style>
+  </dgm:styleLbl>
+  <dgm:styleLbl name="fgAccFollowNode1">
+    <dgm:scene3d>
+      <a:camera prst="orthographicFront"/>
+      <a:lightRig rig="threePt" dir="t"/>
+    </dgm:scene3d>
+    <dgm:txPr/>
+    <dgm:style>
+      <a:lnRef idx="2">
+        <a:scrgbClr r="0" g="0" b="0"/>
+      </a:lnRef>
+      <a:fillRef idx="1">
+        <a:scrgbClr r="0" g="0" b="0"/>
+      </a:fillRef>
+      <a:effectRef idx="0">
+        <a:scrgbClr r="0" g="0" b="0"/>
+      </a:effectRef>
+      <a:fontRef idx="minor"/>
+    </dgm:style>
+  </dgm:styleLbl>
+  <dgm:styleLbl name="fgImgPlace1">
+    <dgm:scene3d>
+      <a:camera prst="orthographicFront"/>
+      <a:lightRig rig="threePt" dir="t"/>
+    </dgm:scene3d>
+    <dgm:txPr/>
+    <dgm:style>
+      <a:lnRef idx="2">
+        <a:scrgbClr r="0" g="0" b="0"/>
+      </a:lnRef>
+      <a:fillRef idx="1">
+        <a:scrgbClr r="0" g="0" b="0"/>
+      </a:fillRef>
+      <a:effectRef idx="0">
+        <a:scrgbClr r="0" g="0" b="0"/>
+      </a:effectRef>
+      <a:fontRef idx="minor"/>
+    </dgm:style>
+  </dgm:styleLbl>
+  <dgm:styleLbl name="fgShp">
+    <dgm:scene3d>
+      <a:camera prst="orthographicFront"/>
+      <a:lightRig rig="threePt" dir="t"/>
+    </dgm:scene3d>
+    <dgm:txPr/>
+    <dgm:style>
+      <a:lnRef idx="2">
+        <a:scrgbClr r="0" g="0" b="0"/>
+      </a:lnRef>
+      <a:fillRef idx="1">
+        <a:scrgbClr r="0" g="0" b="0"/>
+      </a:fillRef>
+      <a:effectRef idx="0">
+        <a:scrgbClr r="0" g="0" b="0"/>
+      </a:effectRef>
+      <a:fontRef idx="minor"/>
+    </dgm:style>
+  </dgm:styleLbl>
+  <dgm:styleLbl name="fgSibTrans2D1">
+    <dgm:scene3d>
+      <a:camera prst="orthographicFront"/>
+      <a:lightRig rig="threePt" dir="t"/>
+    </dgm:scene3d>
+    <dgm:txPr/>
+    <dgm:style>
+      <a:lnRef idx="0">
+        <a:scrgbClr r="0" g="0" b="0"/>
+      </a:lnRef>
+      <a:fillRef idx="1">
+        <a:scrgbClr r="0" g="0" b="0"/>
+      </a:fillRef>
+      <a:effectRef idx="0">
+        <a:scrgbClr r="0" g="0" b="0"/>
+      </a:effectRef>
+      <a:fontRef idx="minor">
+        <a:schemeClr val="lt1"/>
+      </a:fontRef>
+    </dgm:style>
+  </dgm:styleLbl>
+  <dgm:styleLbl name="lnNode1">
+    <dgm:scene3d>
+      <a:camera prst="orthographicFront"/>
+      <a:lightRig rig="threePt" dir="t"/>
+    </dgm:scene3d>
+    <dgm:txPr/>
+    <dgm:style>
+      <a:lnRef idx="2">
+        <a:scrgbClr r="0" g="0" b="0"/>
+      </a:lnRef>
+      <a:fillRef idx="1">
+        <a:scrgbClr r="0" g="0" b="0"/>
+      </a:fillRef>
+      <a:effectRef idx="0">
+        <a:scrgbClr r="0" g="0" b="0"/>
+      </a:effectRef>
+      <a:fontRef idx="minor">
+        <a:schemeClr val="lt1"/>
+      </a:fontRef>
+    </dgm:style>
+  </dgm:styleLbl>
+  <dgm:styleLbl name="node0">
+    <dgm:scene3d>
+      <a:camera prst="orthographicFront"/>
+      <a:lightRig rig="threePt" dir="t"/>
+    </dgm:scene3d>
+    <dgm:txPr/>
+    <dgm:style>
+      <a:lnRef idx="2">
+        <a:scrgbClr r="0" g="0" b="0"/>
+      </a:lnRef>
+      <a:fillRef idx="1">
+        <a:scrgbClr r="0" g="0" b="0"/>
+      </a:fillRef>
+      <a:effectRef idx="0">
+        <a:scrgbClr r="0" g="0" b="0"/>
+      </a:effectRef>
+      <a:fontRef idx="minor">
+        <a:schemeClr val="lt1"/>
+      </a:fontRef>
+    </dgm:style>
+  </dgm:styleLbl>
+  <dgm:styleLbl name="node1">
+    <dgm:scene3d>
+      <a:camera prst="orthographicFront"/>
+      <a:lightRig rig="threePt" dir="t"/>
+    </dgm:scene3d>
+    <dgm:txPr/>
+    <dgm:style>
+      <a:lnRef idx="2">
+        <a:scrgbClr r="0" g="0" b="0"/>
+      </a:lnRef>
+      <a:fillRef idx="1">
+        <a:scrgbClr r="0" g="0" b="0"/>
+      </a:fillRef>
+      <a:effectRef idx="0">
+        <a:scrgbClr r="0" g="0" b="0"/>
+      </a:effectRef>
+      <a:fontRef idx="minor">
+        <a:schemeClr val="lt1"/>
+      </a:fontRef>
+    </dgm:style>
+  </dgm:styleLbl>
+  <dgm:styleLbl name="node2">
+    <dgm:scene3d>
+      <a:camera prst="orthographicFront"/>
+      <a:lightRig rig="threePt" dir="t"/>
+    </dgm:scene3d>
+    <dgm:txPr/>
+    <dgm:style>
+      <a:lnRef idx="2">
+        <a:scrgbClr r="0" g="0" b="0"/>
+      </a:lnRef>
+      <a:fillRef idx="1">
+        <a:scrgbClr r="0" g="0" b="0"/>
+      </a:fillRef>
+      <a:effectRef idx="0">
+        <a:scrgbClr r="0" g="0" b="0"/>
+      </a:effectRef>
+      <a:fontRef idx="minor">
+        <a:schemeClr val="lt1"/>
+      </a:fontRef>
+    </dgm:style>
+  </dgm:styleLbl>
+  <dgm:styleLbl name="node3">
+    <dgm:scene3d>
+      <a:camera prst="orthographicFront"/>
+      <a:lightRig rig="threePt" dir="t"/>
+    </dgm:scene3d>
+    <dgm:txPr/>
+    <dgm:style>
+      <a:lnRef idx="2">
+        <a:scrgbClr r="0" g="0" b="0"/>
+      </a:lnRef>
+      <a:fillRef idx="1">
+        <a:scrgbClr r="0" g="0" b="0"/>
+      </a:fillRef>
+      <a:effectRef idx="0">
+        <a:scrgbClr r="0" g="0" b="0"/>
+      </a:effectRef>
+      <a:fontRef idx="minor">
+        <a:schemeClr val="lt1"/>
+      </a:fontRef>
+    </dgm:style>
+  </dgm:styleLbl>
+  <dgm:styleLbl name="node4">
+    <dgm:scene3d>
+      <a:camera prst="orthographicFront"/>
+      <a:lightRig rig="threePt" dir="t"/>
+    </dgm:scene3d>
+    <dgm:txPr/>
+    <dgm:style>
+      <a:lnRef idx="2">
+        <a:scrgbClr r="0" g="0" b="0"/>
+      </a:lnRef>
+      <a:fillRef idx="1">
+        <a:scrgbClr r="0" g="0" b="0"/>
+      </a:fillRef>
+      <a:effectRef idx="0">
+        <a:scrgbClr r="0" g="0" b="0"/>
+      </a:effectRef>
+      <a:fontRef idx="minor">
+        <a:schemeClr val="lt1"/>
+      </a:fontRef>
+    </dgm:style>
+  </dgm:styleLbl>
+  <dgm:styleLbl name="parChTrans1D1">
+    <dgm:scene3d>
+      <a:camera prst="orthographicFront"/>
+      <a:lightRig rig="threePt" dir="t"/>
+    </dgm:scene3d>
+    <dgm:txPr/>
+    <dgm:style>
+      <a:lnRef idx="2">
+        <a:scrgbClr r="0" g="0" b="0"/>
+      </a:lnRef>
+      <a:fillRef idx="0">
+        <a:scrgbClr r="0" g="0" b="0"/>
+      </a:fillRef>
+      <a:effectRef idx="0">
+        <a:scrgbClr r="0" g="0" b="0"/>
+      </a:effectRef>
+      <a:fontRef idx="minor"/>
+    </dgm:style>
+  </dgm:styleLbl>
+  <dgm:styleLbl name="parChTrans1D2">
+    <dgm:scene3d>
+      <a:camera prst="orthographicFront"/>
+      <a:lightRig rig="threePt" dir="t"/>
+    </dgm:scene3d>
+    <dgm:txPr/>
+    <dgm:style>
+      <a:lnRef idx="2">
+        <a:scrgbClr r="0" g="0" b="0"/>
+      </a:lnRef>
+      <a:fillRef idx="0">
+        <a:scrgbClr r="0" g="0" b="0"/>
+      </a:fillRef>
+      <a:effectRef idx="0">
+        <a:scrgbClr r="0" g="0" b="0"/>
+      </a:effectRef>
+      <a:fontRef idx="minor"/>
+    </dgm:style>
+  </dgm:styleLbl>
+  <dgm:styleLbl name="parChTrans1D3">
+    <dgm:scene3d>
+      <a:camera prst="orthographicFront"/>
+      <a:lightRig rig="threePt" dir="t"/>
+    </dgm:scene3d>
+    <dgm:txPr/>
+    <dgm:style>
+      <a:lnRef idx="2">
+        <a:scrgbClr r="0" g="0" b="0"/>
+      </a:lnRef>
+      <a:fillRef idx="0">
+        <a:scrgbClr r="0" g="0" b="0"/>
+      </a:fillRef>
+      <a:effectRef idx="0">
+        <a:scrgbClr r="0" g="0" b="0"/>
+      </a:effectRef>
+      <a:fontRef idx="minor"/>
+    </dgm:style>
+  </dgm:styleLbl>
+  <dgm:styleLbl name="parChTrans1D4">
+    <dgm:scene3d>
+      <a:camera prst="orthographicFront"/>
+      <a:lightRig rig="threePt" dir="t"/>
+    </dgm:scene3d>
+    <dgm:txPr/>
+    <dgm:style>
+      <a:lnRef idx="2">
+        <a:scrgbClr r="0" g="0" b="0"/>
+      </a:lnRef>
+      <a:fillRef idx="0">
+        <a:scrgbClr r="0" g="0" b="0"/>
+      </a:fillRef>
+      <a:effectRef idx="0">
+        <a:scrgbClr r="0" g="0" b="0"/>
+      </a:effectRef>
+      <a:fontRef idx="minor"/>
+    </dgm:style>
+  </dgm:styleLbl>
+  <dgm:styleLbl name="parChTrans2D1">
+    <dgm:scene3d>
+      <a:camera prst="orthographicFront"/>
+      <a:lightRig rig="threePt" dir="t"/>
+    </dgm:scene3d>
+    <dgm:txPr/>
+    <dgm:style>
+      <a:lnRef idx="2">
+        <a:scrgbClr r="0" g="0" b="0"/>
+      </a:lnRef>
+      <a:fillRef idx="1">
+        <a:scrgbClr r="0" g="0" b="0"/>
+      </a:fillRef>
+      <a:effectRef idx="0">
+        <a:scrgbClr r="0" g="0" b="0"/>
+      </a:effectRef>
+      <a:fontRef idx="minor">
+        <a:schemeClr val="lt1"/>
+      </a:fontRef>
+    </dgm:style>
+  </dgm:styleLbl>
+  <dgm:styleLbl name="parChTrans2D2">
+    <dgm:scene3d>
+      <a:camera prst="orthographicFront"/>
+      <a:lightRig rig="threePt" dir="t"/>
+    </dgm:scene3d>
+    <dgm:txPr/>
+    <dgm:style>
+      <a:lnRef idx="2">
+        <a:scrgbClr r="0" g="0" b="0"/>
+      </a:lnRef>
+      <a:fillRef idx="1">
+        <a:scrgbClr r="0" g="0" b="0"/>
+      </a:fillRef>
+      <a:effectRef idx="0">
+        <a:scrgbClr r="0" g="0" b="0"/>
+      </a:effectRef>
+      <a:fontRef idx="minor">
+        <a:schemeClr val="lt1"/>
+      </a:fontRef>
+    </dgm:style>
+  </dgm:styleLbl>
+  <dgm:styleLbl name="parChTrans2D3">
+    <dgm:scene3d>
+      <a:camera prst="orthographicFront"/>
+      <a:lightRig rig="threePt" dir="t"/>
+    </dgm:scene3d>
+    <dgm:txPr/>
+    <dgm:style>
+      <a:lnRef idx="2">
+        <a:scrgbClr r="0" g="0" b="0"/>
+      </a:lnRef>
+      <a:fillRef idx="1">
+        <a:scrgbClr r="0" g="0" b="0"/>
+      </a:fillRef>
+      <a:effectRef idx="0">
+        <a:scrgbClr r="0" g="0" b="0"/>
+      </a:effectRef>
+      <a:fontRef idx="minor">
+        <a:schemeClr val="lt1"/>
+      </a:fontRef>
+    </dgm:style>
+  </dgm:styleLbl>
+  <dgm:styleLbl name="parChTrans2D4">
+    <dgm:scene3d>
+      <a:camera prst="orthographicFront"/>
+      <a:lightRig rig="threePt" dir="t"/>
+    </dgm:scene3d>
+    <dgm:txPr/>
+    <dgm:style>
+      <a:lnRef idx="2">
+        <a:scrgbClr r="0" g="0" b="0"/>
+      </a:lnRef>
+      <a:fillRef idx="1">
+        <a:scrgbClr r="0" g="0" b="0"/>
+      </a:fillRef>
+      <a:effectRef idx="0">
+        <a:scrgbClr r="0" g="0" b="0"/>
+      </a:effectRef>
+      <a:fontRef idx="minor">
+        <a:schemeClr val="lt1"/>
+      </a:fontRef>
+    </dgm:style>
+  </dgm:styleLbl>
+  <dgm:styleLbl name="revTx">
+    <dgm:scene3d>
+      <a:camera prst="orthographicFront"/>
+      <a:lightRig rig="threePt" dir="t"/>
+    </dgm:scene3d>
+    <dgm:txPr/>
+    <dgm:style>
+      <a:lnRef idx="0">
+        <a:scrgbClr r="0" g="0" b="0"/>
+      </a:lnRef>
+      <a:fillRef idx="0">
+        <a:scrgbClr r="0" g="0" b="0"/>
+      </a:fillRef>
+      <a:effectRef idx="0">
+        <a:scrgbClr r="0" g="0" b="0"/>
+      </a:effectRef>
+      <a:fontRef idx="minor"/>
+    </dgm:style>
+  </dgm:styleLbl>
+  <dgm:styleLbl name="sibTrans1D1">
+    <dgm:scene3d>
+      <a:camera prst="orthographicFront"/>
+      <a:lightRig rig="threePt" dir="t"/>
+    </dgm:scene3d>
+    <dgm:txPr/>
+    <dgm:style>
+      <a:lnRef idx="1">
+        <a:scrgbClr r="0" g="0" b="0"/>
+      </a:lnRef>
+      <a:fillRef idx="0">
+        <a:scrgbClr r="0" g="0" b="0"/>
+      </a:fillRef>
+      <a:effectRef idx="0">
+        <a:scrgbClr r="0" g="0" b="0"/>
+      </a:effectRef>
+      <a:fontRef idx="minor"/>
+    </dgm:style>
+  </dgm:styleLbl>
+  <dgm:styleLbl name="sibTrans2D1">
+    <dgm:scene3d>
+      <a:camera prst="orthographicFront"/>
+      <a:lightRig rig="threePt" dir="t"/>
+    </dgm:scene3d>
+    <dgm:txPr/>
+    <dgm:style>
+      <a:lnRef idx="0">
+        <a:scrgbClr r="0" g="0" b="0"/>
+      </a:lnRef>
+      <a:fillRef idx="1">
+        <a:scrgbClr r="0" g="0" b="0"/>
+      </a:fillRef>
+      <a:effectRef idx="0">
+        <a:scrgbClr r="0" g="0" b="0"/>
+      </a:effectRef>
+      <a:fontRef idx="minor">
+        <a:schemeClr val="lt1"/>
+      </a:fontRef>
+    </dgm:style>
+  </dgm:styleLbl>
+  <dgm:styleLbl name="solidAlignAcc1">
+    <dgm:scene3d>
+      <a:camera prst="orthographicFront"/>
+      <a:lightRig rig="threePt" dir="t"/>
+    </dgm:scene3d>
+    <dgm:txPr/>
+    <dgm:style>
+      <a:lnRef idx="2">
+        <a:scrgbClr r="0" g="0" b="0"/>
+      </a:lnRef>
+      <a:fillRef idx="1">
+        <a:scrgbClr r="0" g="0" b="0"/>
+      </a:fillRef>
+      <a:effectRef idx="0">
+        <a:scrgbClr r="0" g="0" b="0"/>
+      </a:effectRef>
+      <a:fontRef idx="minor"/>
+    </dgm:style>
+  </dgm:styleLbl>
+  <dgm:styleLbl name="solidBgAcc1">
+    <dgm:scene3d>
+      <a:camera prst="orthographicFront"/>
+      <a:lightRig rig="threePt" dir="t"/>
+    </dgm:scene3d>
+    <dgm:txPr/>
+    <dgm:style>
+      <a:lnRef idx="2">
+        <a:scrgbClr r="0" g="0" b="0"/>
+      </a:lnRef>
+      <a:fillRef idx="1">
+        <a:scrgbClr r="0" g="0" b="0"/>
+      </a:fillRef>
+      <a:effectRef idx="0">
+        <a:scrgbClr r="0" g="0" b="0"/>
+      </a:effectRef>
+      <a:fontRef idx="minor"/>
+    </dgm:style>
+  </dgm:styleLbl>
+  <dgm:styleLbl name="solidFgAcc1">
+    <dgm:scene3d>
+      <a:camera prst="orthographicFront"/>
+      <a:lightRig rig="threePt" dir="t"/>
+    </dgm:scene3d>
+    <dgm:txPr/>
+    <dgm:style>
+      <a:lnRef idx="2">
+        <a:scrgbClr r="0" g="0" b="0"/>
+      </a:lnRef>
+      <a:fillRef idx="1">
+        <a:scrgbClr r="0" g="0" b="0"/>
+      </a:fillRef>
+      <a:effectRef idx="0">
+        <a:scrgbClr r="0" g="0" b="0"/>
+      </a:effectRef>
+      <a:fontRef idx="minor"/>
+    </dgm:style>
+  </dgm:styleLbl>
+  <dgm:styleLbl name="trAlignAcc1">
+    <dgm:scene3d>
+      <a:camera prst="orthographicFront"/>
+      <a:lightRig rig="threePt" dir="t"/>
+    </dgm:scene3d>
+    <dgm:txPr/>
+    <dgm:style>
+      <a:lnRef idx="1">
+        <a:scrgbClr r="0" g="0" b="0"/>
+      </a:lnRef>
+      <a:fillRef idx="1">
+        <a:scrgbClr r="0" g="0" b="0"/>
+      </a:fillRef>
+      <a:effectRef idx="0">
+        <a:scrgbClr r="0" g="0" b="0"/>
+      </a:effectRef>
+      <a:fontRef idx="minor"/>
+    </dgm:style>
+  </dgm:styleLbl>
+  <dgm:styleLbl name="trBgShp">
+    <dgm:scene3d>
+      <a:camera prst="orthographicFront"/>
+      <a:lightRig rig="threePt" dir="t"/>
+    </dgm:scene3d>
+    <dgm:txPr/>
+    <dgm:style>
+      <a:lnRef idx="0">
+        <a:scrgbClr r="0" g="0" b="0"/>
+      </a:lnRef>
+      <a:fillRef idx="1">
+        <a:scrgbClr r="0" g="0" b="0"/>
+      </a:fillRef>
+      <a:effectRef idx="0">
+        <a:scrgbClr r="0" g="0" b="0"/>
+      </a:effectRef>
+      <a:fontRef idx="minor"/>
+    </dgm:style>
+  </dgm:styleLbl>
+  <dgm:styleLbl name="vennNode1">
+    <dgm:scene3d>
+      <a:camera prst="orthographicFront"/>
+      <a:lightRig rig="threePt" dir="t"/>
+    </dgm:scene3d>
+    <dgm:txPr/>
+    <dgm:style>
+      <a:lnRef idx="2">
+        <a:scrgbClr r="0" g="0" b="0"/>
+      </a:lnRef>
+      <a:fillRef idx="1">
+        <a:scrgbClr r="0" g="0" b="0"/>
+      </a:fillRef>
+      <a:effectRef idx="0">
+        <a:scrgbClr r="0" g="0" b="0"/>
+      </a:effectRef>
+      <a:fontRef idx="minor">
+        <a:schemeClr val="tx1"/>
+      </a:fontRef>
+    </dgm:style>
+  </dgm:styleLbl>
+</dgm:styleDef>
+</file>
+
 <file path=ppt/diagrams/quickStyle2.xml><?xml version="1.0" encoding="utf-8"?>
 <dgm:styleDef xmlns:dgm="http://schemas.openxmlformats.org/drawingml/2006/diagram" xmlns:a="http://schemas.openxmlformats.org/drawingml/2006/main" uniqueId="urn:microsoft.com/office/officeart/2005/8/quickstyle/simple1">
   <dgm:title val=""/>
@@ -33867,1960 +36596,6 @@
           </a:p>
         </p:txBody>
       </p:sp>
-      <p:sp>
-        <p:nvSpPr>
-          <p:cNvPr id="3" name="Content Placeholder 2"/>
-          <p:cNvSpPr>
-            <a:spLocks noGrp="1"/>
-          </p:cNvSpPr>
-          <p:nvPr>
-            <p:ph idx="1"/>
-          </p:nvPr>
-        </p:nvSpPr>
-        <p:spPr/>
-        <p:txBody>
-          <a:bodyPr/>
-          <a:p>
-            <a:endParaRPr lang="en-US"/>
-          </a:p>
-        </p:txBody>
-      </p:sp>
-      <p:graphicFrame>
-        <p:nvGraphicFramePr>
-          <p:cNvPr id="4" name="Diagram 3"/>
-          <p:cNvGraphicFramePr/>
-          <p:nvPr/>
-        </p:nvGraphicFramePr>
-        <p:xfrm>
-          <a:off x="2032000" y="719455"/>
-          <a:ext cx="8128000" cy="5418455"/>
-        </p:xfrm>
-        <a:graphic>
-          <a:graphicData uri="http://schemas.openxmlformats.org/drawingml/2006/diagram">
-            <dgm:relIds xmlns:dgm="http://schemas.openxmlformats.org/drawingml/2006/diagram" xmlns:r="http://schemas.openxmlformats.org/officeDocument/2006/relationships" r:dm="rId1" r:lo="rId2" r:qs="rId3" r:cs="rId4"/>
-          </a:graphicData>
-        </a:graphic>
-      </p:graphicFrame>
-      <p:sp>
-        <p:nvSpPr>
-          <p:cNvPr id="5" name="Text Box 4"/>
-          <p:cNvSpPr txBox="1"/>
-          <p:nvPr/>
-        </p:nvSpPr>
-        <p:spPr>
-          <a:xfrm>
-            <a:off x="2032000" y="4551680"/>
-            <a:ext cx="1668780" cy="368300"/>
-          </a:xfrm>
-          <a:prstGeom prst="rect">
-            <a:avLst/>
-          </a:prstGeom>
-          <a:noFill/>
-        </p:spPr>
-        <p:txBody>
-          <a:bodyPr wrap="none" rtlCol="0">
-            <a:spAutoFit/>
-          </a:bodyPr>
-          <a:p>
-            <a:pPr algn="l"/>
-            <a:r>
-              <a:rPr lang="en-US"/>
-              <a:t>Widiarti </a:t>
-            </a:r>
-            <a:r>
-              <a:rPr lang="" altLang="en-US"/>
-              <a:t>(</a:t>
-            </a:r>
-            <a:r>
-              <a:rPr lang="en-US"/>
-              <a:t>2018)</a:t>
-            </a:r>
-            <a:endParaRPr lang="en-US"/>
-          </a:p>
-        </p:txBody>
-      </p:sp>
-    </p:spTree>
-  </p:cSld>
-  <p:clrMapOvr>
-    <a:masterClrMapping/>
-  </p:clrMapOvr>
-</p:sld>
-</file>
-
-<file path=ppt/slides/slide11.xml><?xml version="1.0" encoding="utf-8"?>
-<p:sld xmlns:a="http://schemas.openxmlformats.org/drawingml/2006/main" xmlns:r="http://schemas.openxmlformats.org/officeDocument/2006/relationships" xmlns:p="http://schemas.openxmlformats.org/presentationml/2006/main">
-  <p:cSld>
-    <p:spTree>
-      <p:nvGrpSpPr>
-        <p:cNvPr id="1" name=""/>
-        <p:cNvGrpSpPr/>
-        <p:nvPr/>
-      </p:nvGrpSpPr>
-      <p:grpSpPr/>
-      <p:sp>
-        <p:nvSpPr>
-          <p:cNvPr id="2" name="Title 1"/>
-          <p:cNvSpPr>
-            <a:spLocks noGrp="1"/>
-          </p:cNvSpPr>
-          <p:nvPr>
-            <p:ph type="title"/>
-          </p:nvPr>
-        </p:nvSpPr>
-        <p:spPr/>
-        <p:txBody>
-          <a:bodyPr/>
-          <a:p>
-            <a:r>
-              <a:rPr lang="" altLang="en-US"/>
-              <a:t>Latar Belakang</a:t>
-            </a:r>
-            <a:endParaRPr lang="" altLang="en-US"/>
-          </a:p>
-        </p:txBody>
-      </p:sp>
-      <p:sp>
-        <p:nvSpPr>
-          <p:cNvPr id="3" name="Content Placeholder 2"/>
-          <p:cNvSpPr>
-            <a:spLocks noGrp="1"/>
-          </p:cNvSpPr>
-          <p:nvPr>
-            <p:ph idx="1"/>
-          </p:nvPr>
-        </p:nvSpPr>
-        <p:spPr/>
-        <p:txBody>
-          <a:bodyPr/>
-          <a:p>
-            <a:endParaRPr lang="en-US"/>
-          </a:p>
-        </p:txBody>
-      </p:sp>
-      <p:graphicFrame>
-        <p:nvGraphicFramePr>
-          <p:cNvPr id="4" name="Diagram 3"/>
-          <p:cNvGraphicFramePr/>
-          <p:nvPr/>
-        </p:nvGraphicFramePr>
-        <p:xfrm>
-          <a:off x="2032000" y="719455"/>
-          <a:ext cx="8128000" cy="5418455"/>
-        </p:xfrm>
-        <a:graphic>
-          <a:graphicData uri="http://schemas.openxmlformats.org/drawingml/2006/diagram">
-            <dgm:relIds xmlns:dgm="http://schemas.openxmlformats.org/drawingml/2006/diagram" xmlns:r="http://schemas.openxmlformats.org/officeDocument/2006/relationships" r:dm="rId1" r:lo="rId2" r:qs="rId3" r:cs="rId4"/>
-          </a:graphicData>
-        </a:graphic>
-      </p:graphicFrame>
-      <p:sp>
-        <p:nvSpPr>
-          <p:cNvPr id="5" name="Text Box 4"/>
-          <p:cNvSpPr txBox="1"/>
-          <p:nvPr/>
-        </p:nvSpPr>
-        <p:spPr>
-          <a:xfrm>
-            <a:off x="2719070" y="2828925"/>
-            <a:ext cx="1725930" cy="1198880"/>
-          </a:xfrm>
-          <a:prstGeom prst="rect">
-            <a:avLst/>
-          </a:prstGeom>
-          <a:noFill/>
-        </p:spPr>
-        <p:txBody>
-          <a:bodyPr wrap="square" rtlCol="0">
-            <a:spAutoFit/>
-          </a:bodyPr>
-          <a:p>
-            <a:pPr algn="ctr"/>
-            <a:r>
-              <a:rPr lang="" altLang="en-US" sz="2400">
-                <a:solidFill>
-                  <a:schemeClr val="bg1"/>
-                </a:solidFill>
-              </a:rPr>
-              <a:t>Faktor → Motivasi belajar</a:t>
-            </a:r>
-            <a:endParaRPr lang="" altLang="en-US" sz="2400">
-              <a:solidFill>
-                <a:schemeClr val="bg1"/>
-              </a:solidFill>
-            </a:endParaRPr>
-          </a:p>
-        </p:txBody>
-      </p:sp>
-      <p:sp>
-        <p:nvSpPr>
-          <p:cNvPr id="6" name="Text Box 5"/>
-          <p:cNvSpPr txBox="1"/>
-          <p:nvPr/>
-        </p:nvSpPr>
-        <p:spPr>
-          <a:xfrm>
-            <a:off x="1294130" y="5462270"/>
-            <a:ext cx="1808480" cy="368300"/>
-          </a:xfrm>
-          <a:prstGeom prst="rect">
-            <a:avLst/>
-          </a:prstGeom>
-          <a:noFill/>
-        </p:spPr>
-        <p:txBody>
-          <a:bodyPr wrap="none" rtlCol="0">
-            <a:spAutoFit/>
-          </a:bodyPr>
-          <a:p>
-            <a:pPr algn="l"/>
-            <a:r>
-              <a:rPr lang="en-US"/>
-              <a:t>Santrock (2014)</a:t>
-            </a:r>
-            <a:endParaRPr lang="en-US"/>
-          </a:p>
-        </p:txBody>
-      </p:sp>
-    </p:spTree>
-  </p:cSld>
-  <p:clrMapOvr>
-    <a:masterClrMapping/>
-  </p:clrMapOvr>
-</p:sld>
-</file>
-
-<file path=ppt/slides/slide12.xml><?xml version="1.0" encoding="utf-8"?>
-<p:sld xmlns:a="http://schemas.openxmlformats.org/drawingml/2006/main" xmlns:r="http://schemas.openxmlformats.org/officeDocument/2006/relationships" xmlns:p="http://schemas.openxmlformats.org/presentationml/2006/main">
-  <p:cSld>
-    <p:spTree>
-      <p:nvGrpSpPr>
-        <p:cNvPr id="1" name=""/>
-        <p:cNvGrpSpPr/>
-        <p:nvPr/>
-      </p:nvGrpSpPr>
-      <p:grpSpPr/>
-      <p:sp>
-        <p:nvSpPr>
-          <p:cNvPr id="4" name="Title 3"/>
-          <p:cNvSpPr/>
-          <p:nvPr>
-            <p:ph type="title"/>
-          </p:nvPr>
-        </p:nvSpPr>
-        <p:spPr/>
-        <p:txBody>
-          <a:bodyPr/>
-          <a:p>
-            <a:r>
-              <a:rPr lang="" altLang="en-US"/>
-              <a:t>Latar Belakang</a:t>
-            </a:r>
-            <a:endParaRPr lang="" altLang="en-US"/>
-          </a:p>
-        </p:txBody>
-      </p:sp>
-      <p:graphicFrame>
-        <p:nvGraphicFramePr>
-          <p:cNvPr id="11" name="Table 10"/>
-          <p:cNvGraphicFramePr/>
-          <p:nvPr/>
-        </p:nvGraphicFramePr>
-        <p:xfrm>
-          <a:off x="609600" y="1982470"/>
-          <a:ext cx="9944735" cy="3307080"/>
-        </p:xfrm>
-        <a:graphic>
-          <a:graphicData uri="http://schemas.openxmlformats.org/drawingml/2006/table">
-            <a:tbl>
-              <a:tblPr firstRow="1" lastRow="1">
-                <a:tableStyleId>{00A15C55-8517-42AA-B614-E9B94910E393}</a:tableStyleId>
-              </a:tblPr>
-              <a:tblGrid>
-                <a:gridCol w="628650"/>
-                <a:gridCol w="5563235"/>
-                <a:gridCol w="1759585"/>
-                <a:gridCol w="1993265"/>
-              </a:tblGrid>
-              <a:tr h="381000">
-                <a:tc>
-                  <a:txBody>
-                    <a:bodyPr/>
-                    <a:p>
-                      <a:pPr>
-                        <a:buNone/>
-                      </a:pPr>
-                      <a:r>
-                        <a:rPr lang="en-US"/>
-                        <a:t>No.</a:t>
-                      </a:r>
-                      <a:endParaRPr lang="en-US"/>
-                    </a:p>
-                  </a:txBody>
-                  <a:tcPr/>
-                </a:tc>
-                <a:tc>
-                  <a:txBody>
-                    <a:bodyPr/>
-                    <a:p>
-                      <a:pPr>
-                        <a:buNone/>
-                      </a:pPr>
-                      <a:r>
-                        <a:rPr lang="en-US"/>
-                        <a:t>Indikator</a:t>
-                      </a:r>
-                      <a:endParaRPr lang="en-US"/>
-                    </a:p>
-                  </a:txBody>
-                  <a:tcPr/>
-                </a:tc>
-                <a:tc>
-                  <a:txBody>
-                    <a:bodyPr/>
-                    <a:p>
-                      <a:pPr>
-                        <a:buNone/>
-                      </a:pPr>
-                      <a:r>
-                        <a:rPr lang="en-US"/>
-                        <a:t>Tinggi</a:t>
-                      </a:r>
-                      <a:endParaRPr lang="en-US"/>
-                    </a:p>
-                  </a:txBody>
-                  <a:tcPr/>
-                </a:tc>
-                <a:tc>
-                  <a:txBody>
-                    <a:bodyPr/>
-                    <a:p>
-                      <a:pPr>
-                        <a:buNone/>
-                      </a:pPr>
-                      <a:r>
-                        <a:rPr lang="en-US"/>
-                        <a:t>Rendah</a:t>
-                      </a:r>
-                      <a:endParaRPr lang="en-US"/>
-                    </a:p>
-                  </a:txBody>
-                  <a:tcPr/>
-                </a:tc>
-              </a:tr>
-              <a:tr h="381000">
-                <a:tc>
-                  <a:txBody>
-                    <a:bodyPr/>
-                    <a:p>
-                      <a:pPr>
-                        <a:buNone/>
-                      </a:pPr>
-                      <a:r>
-                        <a:rPr lang="en-US"/>
-                        <a:t>1.</a:t>
-                      </a:r>
-                      <a:endParaRPr lang="en-US"/>
-                    </a:p>
-                  </a:txBody>
-                  <a:tcPr/>
-                </a:tc>
-                <a:tc>
-                  <a:txBody>
-                    <a:bodyPr/>
-                    <a:p>
-                      <a:pPr>
-                        <a:buNone/>
-                      </a:pPr>
-                      <a:r>
-                        <a:rPr lang="en-US"/>
-                        <a:t>Memiliki harapan sehingga terus berjuang</a:t>
-                      </a:r>
-                      <a:endParaRPr lang="en-US"/>
-                    </a:p>
-                  </a:txBody>
-                  <a:tcPr/>
-                </a:tc>
-                <a:tc>
-                  <a:txBody>
-                    <a:bodyPr/>
-                    <a:p>
-                      <a:pPr>
-                        <a:buNone/>
-                      </a:pPr>
-                      <a:r>
-                        <a:rPr lang="en-US"/>
-                        <a:t>28 (42%)</a:t>
-                      </a:r>
-                      <a:endParaRPr lang="en-US"/>
-                    </a:p>
-                  </a:txBody>
-                  <a:tcPr/>
-                </a:tc>
-                <a:tc>
-                  <a:txBody>
-                    <a:bodyPr/>
-                    <a:p>
-                      <a:pPr>
-                        <a:buNone/>
-                      </a:pPr>
-                      <a:r>
-                        <a:rPr lang="en-US"/>
-                        <a:t>39 (58%)</a:t>
-                      </a:r>
-                      <a:endParaRPr lang="en-US"/>
-                    </a:p>
-                  </a:txBody>
-                  <a:tcPr>
-                    <a:solidFill>
-                      <a:srgbClr val="92D050"/>
-                    </a:solidFill>
-                  </a:tcPr>
-                </a:tc>
-              </a:tr>
-              <a:tr h="381000">
-                <a:tc>
-                  <a:txBody>
-                    <a:bodyPr/>
-                    <a:p>
-                      <a:pPr>
-                        <a:buNone/>
-                      </a:pPr>
-                      <a:r>
-                        <a:rPr lang="en-US"/>
-                        <a:t>2.</a:t>
-                      </a:r>
-                      <a:endParaRPr lang="en-US"/>
-                    </a:p>
-                  </a:txBody>
-                  <a:tcPr/>
-                </a:tc>
-                <a:tc>
-                  <a:txBody>
-                    <a:bodyPr/>
-                    <a:p>
-                      <a:pPr>
-                        <a:buNone/>
-                      </a:pPr>
-                      <a:r>
-                        <a:rPr lang="en-US"/>
-                        <a:t>Yakin atas kemampuan diri</a:t>
-                      </a:r>
-                      <a:endParaRPr lang="en-US"/>
-                    </a:p>
-                  </a:txBody>
-                  <a:tcPr/>
-                </a:tc>
-                <a:tc>
-                  <a:txBody>
-                    <a:bodyPr/>
-                    <a:p>
-                      <a:pPr>
-                        <a:buNone/>
-                      </a:pPr>
-                      <a:r>
-                        <a:rPr lang="en-US"/>
-                        <a:t>30 (45%)</a:t>
-                      </a:r>
-                      <a:endParaRPr lang="en-US"/>
-                    </a:p>
-                  </a:txBody>
-                  <a:tcPr/>
-                </a:tc>
-                <a:tc>
-                  <a:txBody>
-                    <a:bodyPr/>
-                    <a:p>
-                      <a:pPr>
-                        <a:buNone/>
-                      </a:pPr>
-                      <a:r>
-                        <a:rPr lang="en-US"/>
-                        <a:t>37 (55%)</a:t>
-                      </a:r>
-                      <a:endParaRPr lang="en-US"/>
-                    </a:p>
-                  </a:txBody>
-                  <a:tcPr>
-                    <a:solidFill>
-                      <a:srgbClr val="92D050"/>
-                    </a:solidFill>
-                  </a:tcPr>
-                </a:tc>
-              </a:tr>
-              <a:tr h="381000">
-                <a:tc>
-                  <a:txBody>
-                    <a:bodyPr/>
-                    <a:p>
-                      <a:pPr>
-                        <a:buNone/>
-                      </a:pPr>
-                      <a:r>
-                        <a:rPr lang="en-US"/>
-                        <a:t>3.</a:t>
-                      </a:r>
-                      <a:endParaRPr lang="en-US"/>
-                    </a:p>
-                  </a:txBody>
-                  <a:tcPr/>
-                </a:tc>
-                <a:tc>
-                  <a:txBody>
-                    <a:bodyPr/>
-                    <a:p>
-                      <a:pPr>
-                        <a:buNone/>
-                      </a:pPr>
-                      <a:r>
-                        <a:rPr lang="en-US"/>
-                        <a:t>Yakin mampu menyelesaikan tugas walaupun sulit</a:t>
-                      </a:r>
-                      <a:endParaRPr lang="en-US"/>
-                    </a:p>
-                  </a:txBody>
-                  <a:tcPr/>
-                </a:tc>
-                <a:tc>
-                  <a:txBody>
-                    <a:bodyPr/>
-                    <a:p>
-                      <a:pPr>
-                        <a:buNone/>
-                      </a:pPr>
-                      <a:r>
-                        <a:rPr lang="en-US"/>
-                        <a:t>30 (45%)</a:t>
-                      </a:r>
-                      <a:endParaRPr lang="en-US"/>
-                    </a:p>
-                  </a:txBody>
-                  <a:tcPr/>
-                </a:tc>
-                <a:tc>
-                  <a:txBody>
-                    <a:bodyPr/>
-                    <a:p>
-                      <a:pPr>
-                        <a:buNone/>
-                      </a:pPr>
-                      <a:r>
-                        <a:rPr lang="en-US"/>
-                        <a:t>37 (55%)</a:t>
-                      </a:r>
-                      <a:endParaRPr lang="en-US"/>
-                    </a:p>
-                  </a:txBody>
-                  <a:tcPr>
-                    <a:solidFill>
-                      <a:srgbClr val="92D050"/>
-                    </a:solidFill>
-                  </a:tcPr>
-                </a:tc>
-              </a:tr>
-              <a:tr h="381000">
-                <a:tc>
-                  <a:txBody>
-                    <a:bodyPr/>
-                    <a:p>
-                      <a:pPr>
-                        <a:buNone/>
-                      </a:pPr>
-                      <a:endParaRPr lang="en-US"/>
-                    </a:p>
-                  </a:txBody>
-                  <a:tcPr/>
-                </a:tc>
-                <a:tc>
-                  <a:txBody>
-                    <a:bodyPr/>
-                    <a:p>
-                      <a:pPr>
-                        <a:buNone/>
-                      </a:pPr>
-                      <a:r>
-                        <a:rPr lang="en-US"/>
-                        <a:t>Rata-rata</a:t>
-                      </a:r>
-                      <a:endParaRPr lang="en-US"/>
-                    </a:p>
-                  </a:txBody>
-                  <a:tcPr/>
-                </a:tc>
-                <a:tc>
-                  <a:txBody>
-                    <a:bodyPr/>
-                    <a:p>
-                      <a:pPr>
-                        <a:buNone/>
-                      </a:pPr>
-                      <a:r>
-                        <a:rPr lang="en-US"/>
-                        <a:t>29 (44%)</a:t>
-                      </a:r>
-                      <a:endParaRPr lang="en-US"/>
-                    </a:p>
-                  </a:txBody>
-                  <a:tcPr/>
-                </a:tc>
-                <a:tc>
-                  <a:txBody>
-                    <a:bodyPr/>
-                    <a:p>
-                      <a:pPr>
-                        <a:buNone/>
-                      </a:pPr>
-                      <a:r>
-                        <a:rPr lang="en-US"/>
-                        <a:t>38 (56%)</a:t>
-                      </a:r>
-                      <a:endParaRPr lang="en-US"/>
-                    </a:p>
-                  </a:txBody>
-                  <a:tcPr>
-                    <a:solidFill>
-                      <a:srgbClr val="92D050"/>
-                    </a:solidFill>
-                  </a:tcPr>
-                </a:tc>
-              </a:tr>
-            </a:tbl>
-          </a:graphicData>
-        </a:graphic>
-      </p:graphicFrame>
-      <p:sp>
-        <p:nvSpPr>
-          <p:cNvPr id="12" name="Text Box 11"/>
-          <p:cNvSpPr txBox="1"/>
-          <p:nvPr/>
-        </p:nvSpPr>
-        <p:spPr>
-          <a:xfrm>
-            <a:off x="3573145" y="1320165"/>
-            <a:ext cx="4018280" cy="368300"/>
-          </a:xfrm>
-          <a:prstGeom prst="rect">
-            <a:avLst/>
-          </a:prstGeom>
-          <a:noFill/>
-        </p:spPr>
-        <p:txBody>
-          <a:bodyPr wrap="none" rtlCol="0">
-            <a:spAutoFit/>
-          </a:bodyPr>
-          <a:p>
-            <a:r>
-              <a:rPr lang="en-US" altLang="en-US"/>
-              <a:t>Hasil Screening </a:t>
-            </a:r>
-            <a:r>
-              <a:rPr lang="" altLang="en-US"/>
-              <a:t>Efikasi Diri</a:t>
-            </a:r>
-            <a:r>
-              <a:rPr lang="en-US" altLang="en-US"/>
-              <a:t> (67 santri)</a:t>
-            </a:r>
-            <a:endParaRPr lang="en-US" altLang="en-US"/>
-          </a:p>
-        </p:txBody>
-      </p:sp>
-    </p:spTree>
-  </p:cSld>
-  <p:clrMapOvr>
-    <a:masterClrMapping/>
-  </p:clrMapOvr>
-</p:sld>
-</file>
-
-<file path=ppt/slides/slide13.xml><?xml version="1.0" encoding="utf-8"?>
-<p:sld xmlns:a="http://schemas.openxmlformats.org/drawingml/2006/main" xmlns:r="http://schemas.openxmlformats.org/officeDocument/2006/relationships" xmlns:p="http://schemas.openxmlformats.org/presentationml/2006/main">
-  <p:cSld>
-    <p:spTree>
-      <p:nvGrpSpPr>
-        <p:cNvPr id="1" name=""/>
-        <p:cNvGrpSpPr/>
-        <p:nvPr/>
-      </p:nvGrpSpPr>
-      <p:grpSpPr/>
-      <p:sp>
-        <p:nvSpPr>
-          <p:cNvPr id="2" name="Title 1"/>
-          <p:cNvSpPr>
-            <a:spLocks noGrp="1"/>
-          </p:cNvSpPr>
-          <p:nvPr>
-            <p:ph type="title"/>
-          </p:nvPr>
-        </p:nvSpPr>
-        <p:spPr/>
-        <p:txBody>
-          <a:bodyPr/>
-          <a:p>
-            <a:r>
-              <a:rPr lang="" altLang="en-US"/>
-              <a:t>Latar Belakang</a:t>
-            </a:r>
-            <a:endParaRPr lang="" altLang="en-US"/>
-          </a:p>
-        </p:txBody>
-      </p:sp>
-      <p:sp>
-        <p:nvSpPr>
-          <p:cNvPr id="3" name="Content Placeholder 2"/>
-          <p:cNvSpPr>
-            <a:spLocks noGrp="1"/>
-          </p:cNvSpPr>
-          <p:nvPr>
-            <p:ph idx="1"/>
-          </p:nvPr>
-        </p:nvSpPr>
-        <p:spPr/>
-        <p:txBody>
-          <a:bodyPr/>
-          <a:p>
-            <a:endParaRPr lang="en-US"/>
-          </a:p>
-        </p:txBody>
-      </p:sp>
-      <p:graphicFrame>
-        <p:nvGraphicFramePr>
-          <p:cNvPr id="4" name="Diagram 3"/>
-          <p:cNvGraphicFramePr/>
-          <p:nvPr/>
-        </p:nvGraphicFramePr>
-        <p:xfrm>
-          <a:off x="2032000" y="1174115"/>
-          <a:ext cx="7445375" cy="4963795"/>
-        </p:xfrm>
-        <a:graphic>
-          <a:graphicData uri="http://schemas.openxmlformats.org/drawingml/2006/diagram">
-            <dgm:relIds xmlns:dgm="http://schemas.openxmlformats.org/drawingml/2006/diagram" xmlns:r="http://schemas.openxmlformats.org/officeDocument/2006/relationships" r:dm="rId1" r:lo="rId2" r:qs="rId3" r:cs="rId4"/>
-          </a:graphicData>
-        </a:graphic>
-      </p:graphicFrame>
-      <p:sp>
-        <p:nvSpPr>
-          <p:cNvPr id="5" name="Text Box 4"/>
-          <p:cNvSpPr txBox="1"/>
-          <p:nvPr/>
-        </p:nvSpPr>
-        <p:spPr>
-          <a:xfrm>
-            <a:off x="5293995" y="6269990"/>
-            <a:ext cx="4183380" cy="368300"/>
-          </a:xfrm>
-          <a:prstGeom prst="rect">
-            <a:avLst/>
-          </a:prstGeom>
-          <a:noFill/>
-        </p:spPr>
-        <p:txBody>
-          <a:bodyPr wrap="none" rtlCol="0">
-            <a:spAutoFit/>
-          </a:bodyPr>
-          <a:p>
-            <a:pPr algn="l"/>
-            <a:r>
-              <a:rPr lang="en-US"/>
-              <a:t>Klassen, Krawchuck, </a:t>
-            </a:r>
-            <a:r>
-              <a:rPr lang="" altLang="en-US"/>
-              <a:t>dan</a:t>
-            </a:r>
-            <a:r>
-              <a:rPr lang="en-US"/>
-              <a:t> Rajani </a:t>
-            </a:r>
-            <a:r>
-              <a:rPr lang="" altLang="en-US"/>
-              <a:t>(</a:t>
-            </a:r>
-            <a:r>
-              <a:rPr lang="en-US"/>
-              <a:t>2008)</a:t>
-            </a:r>
-            <a:endParaRPr lang="en-US"/>
-          </a:p>
-        </p:txBody>
-      </p:sp>
-    </p:spTree>
-  </p:cSld>
-  <p:clrMapOvr>
-    <a:masterClrMapping/>
-  </p:clrMapOvr>
-</p:sld>
-</file>
-
-<file path=ppt/slides/slide14.xml><?xml version="1.0" encoding="utf-8"?>
-<p:sld xmlns:a="http://schemas.openxmlformats.org/drawingml/2006/main" xmlns:r="http://schemas.openxmlformats.org/officeDocument/2006/relationships" xmlns:p="http://schemas.openxmlformats.org/presentationml/2006/main">
-  <p:cSld>
-    <p:spTree>
-      <p:nvGrpSpPr>
-        <p:cNvPr id="1" name=""/>
-        <p:cNvGrpSpPr/>
-        <p:nvPr/>
-      </p:nvGrpSpPr>
-      <p:grpSpPr/>
-      <p:sp>
-        <p:nvSpPr>
-          <p:cNvPr id="2" name="Title 1"/>
-          <p:cNvSpPr>
-            <a:spLocks noGrp="1"/>
-          </p:cNvSpPr>
-          <p:nvPr>
-            <p:ph type="title"/>
-          </p:nvPr>
-        </p:nvSpPr>
-        <p:spPr/>
-        <p:txBody>
-          <a:bodyPr/>
-          <a:p>
-            <a:r>
-              <a:rPr lang="" altLang="en-US"/>
-              <a:t>Latar Belakang</a:t>
-            </a:r>
-            <a:endParaRPr lang="" altLang="en-US"/>
-          </a:p>
-        </p:txBody>
-      </p:sp>
-      <p:sp>
-        <p:nvSpPr>
-          <p:cNvPr id="3" name="Content Placeholder 2"/>
-          <p:cNvSpPr>
-            <a:spLocks noGrp="1"/>
-          </p:cNvSpPr>
-          <p:nvPr>
-            <p:ph idx="1"/>
-          </p:nvPr>
-        </p:nvSpPr>
-        <p:spPr/>
-        <p:txBody>
-          <a:bodyPr/>
-          <a:p>
-            <a:endParaRPr lang="en-US"/>
-          </a:p>
-        </p:txBody>
-      </p:sp>
-      <p:graphicFrame>
-        <p:nvGraphicFramePr>
-          <p:cNvPr id="4" name="Diagram 3"/>
-          <p:cNvGraphicFramePr/>
-          <p:nvPr/>
-        </p:nvGraphicFramePr>
-        <p:xfrm>
-          <a:off x="2032000" y="719455"/>
-          <a:ext cx="8128000" cy="5418455"/>
-        </p:xfrm>
-        <a:graphic>
-          <a:graphicData uri="http://schemas.openxmlformats.org/drawingml/2006/diagram">
-            <dgm:relIds xmlns:dgm="http://schemas.openxmlformats.org/drawingml/2006/diagram" xmlns:r="http://schemas.openxmlformats.org/officeDocument/2006/relationships" r:dm="rId1" r:lo="rId2" r:qs="rId3" r:cs="rId4"/>
-          </a:graphicData>
-        </a:graphic>
-      </p:graphicFrame>
-      <p:sp>
-        <p:nvSpPr>
-          <p:cNvPr id="5" name="Text Box 4"/>
-          <p:cNvSpPr txBox="1"/>
-          <p:nvPr/>
-        </p:nvSpPr>
-        <p:spPr>
-          <a:xfrm>
-            <a:off x="5014595" y="2967990"/>
-            <a:ext cx="2162810" cy="922020"/>
-          </a:xfrm>
-          <a:prstGeom prst="rect">
-            <a:avLst/>
-          </a:prstGeom>
-          <a:noFill/>
-        </p:spPr>
-        <p:txBody>
-          <a:bodyPr wrap="square" rtlCol="0">
-            <a:spAutoFit/>
-          </a:bodyPr>
-          <a:p>
-            <a:pPr algn="ctr"/>
-            <a:r>
-              <a:rPr lang="" altLang="en-US"/>
-              <a:t>Efikasi Diri meningkatkan Motivasi Belajar</a:t>
-            </a:r>
-            <a:endParaRPr lang="" altLang="en-US"/>
-          </a:p>
-        </p:txBody>
-      </p:sp>
-      <p:sp>
-        <p:nvSpPr>
-          <p:cNvPr id="6" name="Text Box 5"/>
-          <p:cNvSpPr txBox="1"/>
-          <p:nvPr/>
-        </p:nvSpPr>
-        <p:spPr>
-          <a:xfrm>
-            <a:off x="609600" y="6137910"/>
-            <a:ext cx="3307080" cy="368300"/>
-          </a:xfrm>
-          <a:prstGeom prst="rect">
-            <a:avLst/>
-          </a:prstGeom>
-          <a:noFill/>
-        </p:spPr>
-        <p:txBody>
-          <a:bodyPr wrap="none" rtlCol="0">
-            <a:spAutoFit/>
-          </a:bodyPr>
-          <a:p>
-            <a:pPr algn="l"/>
-            <a:r>
-              <a:rPr lang="en-US"/>
-              <a:t>Oktaverina dan Nashori (2015)</a:t>
-            </a:r>
-            <a:endParaRPr lang="en-US"/>
-          </a:p>
-        </p:txBody>
-      </p:sp>
-    </p:spTree>
-  </p:cSld>
-  <p:clrMapOvr>
-    <a:masterClrMapping/>
-  </p:clrMapOvr>
-</p:sld>
-</file>
-
-<file path=ppt/slides/slide15.xml><?xml version="1.0" encoding="utf-8"?>
-<p:sld xmlns:a="http://schemas.openxmlformats.org/drawingml/2006/main" xmlns:r="http://schemas.openxmlformats.org/officeDocument/2006/relationships" xmlns:p="http://schemas.openxmlformats.org/presentationml/2006/main">
-  <p:cSld>
-    <p:spTree>
-      <p:nvGrpSpPr>
-        <p:cNvPr id="1" name=""/>
-        <p:cNvGrpSpPr/>
-        <p:nvPr/>
-      </p:nvGrpSpPr>
-      <p:grpSpPr/>
-      <p:sp>
-        <p:nvSpPr>
-          <p:cNvPr id="2" name="Title 1"/>
-          <p:cNvSpPr>
-            <a:spLocks noGrp="1"/>
-          </p:cNvSpPr>
-          <p:nvPr>
-            <p:ph type="title"/>
-          </p:nvPr>
-        </p:nvSpPr>
-        <p:spPr/>
-        <p:txBody>
-          <a:bodyPr/>
-          <a:p>
-            <a:r>
-              <a:rPr lang="" altLang="en-US"/>
-              <a:t>Latar Belakang</a:t>
-            </a:r>
-            <a:endParaRPr lang="" altLang="en-US"/>
-          </a:p>
-        </p:txBody>
-      </p:sp>
-      <p:sp>
-        <p:nvSpPr>
-          <p:cNvPr id="3" name="Content Placeholder 2"/>
-          <p:cNvSpPr>
-            <a:spLocks noGrp="1"/>
-          </p:cNvSpPr>
-          <p:nvPr>
-            <p:ph idx="1"/>
-          </p:nvPr>
-        </p:nvSpPr>
-        <p:spPr/>
-        <p:txBody>
-          <a:bodyPr/>
-          <a:p>
-            <a:pPr marL="0" indent="0" algn="just">
-              <a:buNone/>
-            </a:pPr>
-            <a:r>
-              <a:rPr lang="en-US" i="1"/>
-              <a:t>Salah satu cara yang dapat digunakan untuk meningkatkan motivasi belajar adalah dengan memberikan dukungan dari guru kepada santri.</a:t>
-            </a:r>
-            <a:endParaRPr lang="en-US" i="1"/>
-          </a:p>
-          <a:p>
-            <a:pPr marL="0" indent="0" algn="just">
-              <a:buNone/>
-            </a:pPr>
-            <a:endParaRPr lang="en-US" i="1"/>
-          </a:p>
-          <a:p>
-            <a:pPr marL="0" indent="0" algn="just">
-              <a:buNone/>
-            </a:pPr>
-            <a:r>
-              <a:rPr lang="en-US" i="1"/>
-              <a:t>Dukungan yang diberikan dari guru kepada santri adalah suatu bentuk modifikasi tingkah laku guru terhadap perilaku santri yang bertujuan untuk memberikan umpan balik bagi santri atas perbuatan yang dilakukannya (Sanjaya, 2011).</a:t>
-            </a:r>
-            <a:endParaRPr lang="en-US" i="1"/>
-          </a:p>
-        </p:txBody>
-      </p:sp>
-    </p:spTree>
-  </p:cSld>
-  <p:clrMapOvr>
-    <a:masterClrMapping/>
-  </p:clrMapOvr>
-</p:sld>
-</file>
-
-<file path=ppt/slides/slide16.xml><?xml version="1.0" encoding="utf-8"?>
-<p:sld xmlns:a="http://schemas.openxmlformats.org/drawingml/2006/main" xmlns:r="http://schemas.openxmlformats.org/officeDocument/2006/relationships" xmlns:p="http://schemas.openxmlformats.org/presentationml/2006/main">
-  <p:cSld>
-    <p:spTree>
-      <p:nvGrpSpPr>
-        <p:cNvPr id="1" name=""/>
-        <p:cNvGrpSpPr/>
-        <p:nvPr/>
-      </p:nvGrpSpPr>
-      <p:grpSpPr/>
-      <p:sp>
-        <p:nvSpPr>
-          <p:cNvPr id="2" name="Title 1"/>
-          <p:cNvSpPr>
-            <a:spLocks noGrp="1"/>
-          </p:cNvSpPr>
-          <p:nvPr>
-            <p:ph type="title"/>
-          </p:nvPr>
-        </p:nvSpPr>
-        <p:spPr/>
-        <p:txBody>
-          <a:bodyPr/>
-          <a:p>
-            <a:r>
-              <a:rPr lang="" altLang="en-US"/>
-              <a:t>Latar Belakang</a:t>
-            </a:r>
-            <a:endParaRPr lang="" altLang="en-US"/>
-          </a:p>
-        </p:txBody>
-      </p:sp>
-      <p:sp>
-        <p:nvSpPr>
-          <p:cNvPr id="3" name="Content Placeholder 2"/>
-          <p:cNvSpPr>
-            <a:spLocks noGrp="1"/>
-          </p:cNvSpPr>
-          <p:nvPr>
-            <p:ph idx="1"/>
-          </p:nvPr>
-        </p:nvSpPr>
-        <p:spPr/>
-        <p:txBody>
-          <a:bodyPr/>
-          <a:p>
-            <a:endParaRPr lang="en-US"/>
-          </a:p>
-        </p:txBody>
-      </p:sp>
-    </p:spTree>
-  </p:cSld>
-  <p:clrMapOvr>
-    <a:masterClrMapping/>
-  </p:clrMapOvr>
-</p:sld>
-</file>
-
-<file path=ppt/slides/slide2.xml><?xml version="1.0" encoding="utf-8"?>
-<p:sld xmlns:a="http://schemas.openxmlformats.org/drawingml/2006/main" xmlns:r="http://schemas.openxmlformats.org/officeDocument/2006/relationships" xmlns:p="http://schemas.openxmlformats.org/presentationml/2006/main">
-  <p:cSld>
-    <p:spTree>
-      <p:nvGrpSpPr>
-        <p:cNvPr id="1" name=""/>
-        <p:cNvGrpSpPr/>
-        <p:nvPr/>
-      </p:nvGrpSpPr>
-      <p:grpSpPr/>
-      <p:sp>
-        <p:nvSpPr>
-          <p:cNvPr id="2" name="Title 1"/>
-          <p:cNvSpPr>
-            <a:spLocks noGrp="1"/>
-          </p:cNvSpPr>
-          <p:nvPr>
-            <p:ph type="title"/>
-          </p:nvPr>
-        </p:nvSpPr>
-        <p:spPr/>
-        <p:txBody>
-          <a:bodyPr/>
-          <a:p>
-            <a:r>
-              <a:rPr lang="en-US" altLang="en-US"/>
-              <a:t>Latar Belakang</a:t>
-            </a:r>
-            <a:endParaRPr lang="en-US" altLang="en-US"/>
-          </a:p>
-        </p:txBody>
-      </p:sp>
-      <p:sp>
-        <p:nvSpPr>
-          <p:cNvPr id="3" name="Content Placeholder 2"/>
-          <p:cNvSpPr>
-            <a:spLocks noGrp="1"/>
-          </p:cNvSpPr>
-          <p:nvPr>
-            <p:ph idx="1"/>
-          </p:nvPr>
-        </p:nvSpPr>
-        <p:spPr/>
-        <p:txBody>
-          <a:bodyPr/>
-          <a:p>
-            <a:endParaRPr lang="en-US"/>
-          </a:p>
-        </p:txBody>
-      </p:sp>
-      <p:graphicFrame>
-        <p:nvGraphicFramePr>
-          <p:cNvPr id="7" name="Diagram 6"/>
-          <p:cNvGraphicFramePr/>
-          <p:nvPr/>
-        </p:nvGraphicFramePr>
-        <p:xfrm>
-          <a:off x="2032000" y="719455"/>
-          <a:ext cx="8128000" cy="5418455"/>
-        </p:xfrm>
-        <a:graphic>
-          <a:graphicData uri="http://schemas.openxmlformats.org/drawingml/2006/diagram">
-            <dgm:relIds xmlns:dgm="http://schemas.openxmlformats.org/drawingml/2006/diagram" xmlns:r="http://schemas.openxmlformats.org/officeDocument/2006/relationships" r:dm="rId1" r:lo="rId2" r:qs="rId3" r:cs="rId4"/>
-          </a:graphicData>
-        </a:graphic>
-      </p:graphicFrame>
-      <p:sp>
-        <p:nvSpPr>
-          <p:cNvPr id="8" name="Text Box 7"/>
-          <p:cNvSpPr txBox="1"/>
-          <p:nvPr/>
-        </p:nvSpPr>
-        <p:spPr>
-          <a:xfrm>
-            <a:off x="6319520" y="4949825"/>
-            <a:ext cx="3091180" cy="368300"/>
-          </a:xfrm>
-          <a:prstGeom prst="rect">
-            <a:avLst/>
-          </a:prstGeom>
-          <a:noFill/>
-        </p:spPr>
-        <p:txBody>
-          <a:bodyPr wrap="none" rtlCol="0">
-            <a:spAutoFit/>
-          </a:bodyPr>
-          <a:p>
-            <a:pPr algn="l"/>
-            <a:r>
-              <a:rPr lang="en-US"/>
-              <a:t>Siswono (dalam Eksa, 2017)</a:t>
-            </a:r>
-            <a:endParaRPr lang="en-US"/>
-          </a:p>
-        </p:txBody>
-      </p:sp>
-    </p:spTree>
-  </p:cSld>
-  <p:clrMapOvr>
-    <a:masterClrMapping/>
-  </p:clrMapOvr>
-</p:sld>
-</file>
-
-<file path=ppt/slides/slide3.xml><?xml version="1.0" encoding="utf-8"?>
-<p:sld xmlns:a="http://schemas.openxmlformats.org/drawingml/2006/main" xmlns:r="http://schemas.openxmlformats.org/officeDocument/2006/relationships" xmlns:p="http://schemas.openxmlformats.org/presentationml/2006/main">
-  <p:cSld>
-    <p:spTree>
-      <p:nvGrpSpPr>
-        <p:cNvPr id="1" name=""/>
-        <p:cNvGrpSpPr/>
-        <p:nvPr/>
-      </p:nvGrpSpPr>
-      <p:grpSpPr/>
-      <p:sp>
-        <p:nvSpPr>
-          <p:cNvPr id="2" name="Title 1"/>
-          <p:cNvSpPr>
-            <a:spLocks noGrp="1"/>
-          </p:cNvSpPr>
-          <p:nvPr>
-            <p:ph type="title"/>
-          </p:nvPr>
-        </p:nvSpPr>
-        <p:spPr/>
-        <p:txBody>
-          <a:bodyPr/>
-          <a:p>
-            <a:pPr algn="r"/>
-            <a:r>
-              <a:rPr lang="en-US" altLang="en-US"/>
-              <a:t>Latar Belakang</a:t>
-            </a:r>
-            <a:endParaRPr lang="en-US" altLang="en-US"/>
-          </a:p>
-        </p:txBody>
-      </p:sp>
-      <p:pic>
-        <p:nvPicPr>
-          <p:cNvPr id="4" name="Content Placeholder 3"/>
-          <p:cNvPicPr>
-            <a:picLocks noChangeAspect="1"/>
-          </p:cNvPicPr>
-          <p:nvPr>
-            <p:ph idx="1"/>
-          </p:nvPr>
-        </p:nvPicPr>
-        <p:blipFill>
-          <a:blip r:embed="rId1"/>
-          <a:srcRect t="27540" b="38192"/>
-          <a:stretch>
-            <a:fillRect/>
-          </a:stretch>
-        </p:blipFill>
-        <p:spPr>
-          <a:xfrm>
-            <a:off x="609600" y="3087370"/>
-            <a:ext cx="4677410" cy="2849880"/>
-          </a:xfrm>
-          <a:prstGeom prst="rect">
-            <a:avLst/>
-          </a:prstGeom>
-        </p:spPr>
-      </p:pic>
-      <p:pic>
-        <p:nvPicPr>
-          <p:cNvPr id="5" name="Picture 4"/>
-          <p:cNvPicPr>
-            <a:picLocks noChangeAspect="1"/>
-          </p:cNvPicPr>
-          <p:nvPr/>
-        </p:nvPicPr>
-        <p:blipFill>
-          <a:blip r:embed="rId1"/>
-          <a:srcRect t="61027"/>
-          <a:stretch>
-            <a:fillRect/>
-          </a:stretch>
-        </p:blipFill>
-        <p:spPr>
-          <a:xfrm>
-            <a:off x="5598160" y="2253615"/>
-            <a:ext cx="5314315" cy="3683635"/>
-          </a:xfrm>
-          <a:prstGeom prst="rect">
-            <a:avLst/>
-          </a:prstGeom>
-        </p:spPr>
-      </p:pic>
-      <p:pic>
-        <p:nvPicPr>
-          <p:cNvPr id="6" name="Picture 5"/>
-          <p:cNvPicPr>
-            <a:picLocks noChangeAspect="1"/>
-          </p:cNvPicPr>
-          <p:nvPr/>
-        </p:nvPicPr>
-        <p:blipFill>
-          <a:blip r:embed="rId1"/>
-          <a:srcRect b="72386"/>
-          <a:stretch>
-            <a:fillRect/>
-          </a:stretch>
-        </p:blipFill>
-        <p:spPr>
-          <a:xfrm>
-            <a:off x="609600" y="544195"/>
-            <a:ext cx="4678045" cy="2296795"/>
-          </a:xfrm>
-          <a:prstGeom prst="rect">
-            <a:avLst/>
-          </a:prstGeom>
-        </p:spPr>
-      </p:pic>
-      <p:sp>
-        <p:nvSpPr>
-          <p:cNvPr id="7" name="Text Box 6"/>
-          <p:cNvSpPr txBox="1"/>
-          <p:nvPr/>
-        </p:nvSpPr>
-        <p:spPr>
-          <a:xfrm>
-            <a:off x="5598160" y="1654810"/>
-            <a:ext cx="3611880" cy="368300"/>
-          </a:xfrm>
-          <a:prstGeom prst="rect">
-            <a:avLst/>
-          </a:prstGeom>
-          <a:noFill/>
-        </p:spPr>
-        <p:txBody>
-          <a:bodyPr wrap="none" rtlCol="0">
-            <a:spAutoFit/>
-          </a:bodyPr>
-          <a:p>
-            <a:pPr algn="l"/>
-            <a:r>
-              <a:rPr lang="en-US" altLang="en-US"/>
-              <a:t>S</a:t>
-            </a:r>
-            <a:r>
-              <a:rPr lang="en-US"/>
-              <a:t>urvey Never Okay (Adam, 2019)</a:t>
-            </a:r>
-            <a:endParaRPr lang="en-US"/>
-          </a:p>
-        </p:txBody>
-      </p:sp>
-    </p:spTree>
-  </p:cSld>
-  <p:clrMapOvr>
-    <a:masterClrMapping/>
-  </p:clrMapOvr>
-</p:sld>
-</file>
-
-<file path=ppt/slides/slide4.xml><?xml version="1.0" encoding="utf-8"?>
-<p:sld xmlns:a="http://schemas.openxmlformats.org/drawingml/2006/main" xmlns:r="http://schemas.openxmlformats.org/officeDocument/2006/relationships" xmlns:p="http://schemas.openxmlformats.org/presentationml/2006/main">
-  <p:cSld>
-    <p:spTree>
-      <p:nvGrpSpPr>
-        <p:cNvPr id="1" name=""/>
-        <p:cNvGrpSpPr/>
-        <p:nvPr/>
-      </p:nvGrpSpPr>
-      <p:grpSpPr/>
-      <p:sp>
-        <p:nvSpPr>
-          <p:cNvPr id="2" name="Title 1"/>
-          <p:cNvSpPr>
-            <a:spLocks noGrp="1"/>
-          </p:cNvSpPr>
-          <p:nvPr>
-            <p:ph type="title"/>
-          </p:nvPr>
-        </p:nvSpPr>
-        <p:spPr/>
-        <p:txBody>
-          <a:bodyPr/>
-          <a:p>
-            <a:r>
-              <a:rPr lang="en-US" altLang="en-US"/>
-              <a:t>Latar Belakang</a:t>
-            </a:r>
-            <a:endParaRPr lang="en-US" altLang="en-US"/>
-          </a:p>
-        </p:txBody>
-      </p:sp>
-      <p:sp>
-        <p:nvSpPr>
-          <p:cNvPr id="4" name="Text Placeholder 3"/>
-          <p:cNvSpPr>
-            <a:spLocks noGrp="1"/>
-          </p:cNvSpPr>
-          <p:nvPr>
-            <p:ph type="body" idx="1"/>
-          </p:nvPr>
-        </p:nvSpPr>
-        <p:spPr/>
-        <p:txBody>
-          <a:bodyPr/>
-          <a:p>
-            <a:r>
-              <a:rPr lang="en-US"/>
-              <a:t>Perlu suatu sistem pendidikan yang tepat sebagai upaya preventif untuk menjaga masyarakat dari kerusakan moral dan etika.</a:t>
-            </a:r>
-            <a:endParaRPr lang="en-US"/>
-          </a:p>
-        </p:txBody>
-      </p:sp>
-    </p:spTree>
-  </p:cSld>
-  <p:clrMapOvr>
-    <a:masterClrMapping/>
-  </p:clrMapOvr>
-</p:sld>
-</file>
-
-<file path=ppt/slides/slide5.xml><?xml version="1.0" encoding="utf-8"?>
-<p:sld xmlns:a="http://schemas.openxmlformats.org/drawingml/2006/main" xmlns:r="http://schemas.openxmlformats.org/officeDocument/2006/relationships" xmlns:p="http://schemas.openxmlformats.org/presentationml/2006/main">
-  <p:cSld>
-    <p:spTree>
-      <p:nvGrpSpPr>
-        <p:cNvPr id="1" name=""/>
-        <p:cNvGrpSpPr/>
-        <p:nvPr/>
-      </p:nvGrpSpPr>
-      <p:grpSpPr/>
-      <p:sp>
-        <p:nvSpPr>
-          <p:cNvPr id="6" name="Title 5"/>
-          <p:cNvSpPr>
-            <a:spLocks noGrp="1"/>
-          </p:cNvSpPr>
-          <p:nvPr>
-            <p:ph type="title"/>
-          </p:nvPr>
-        </p:nvSpPr>
-        <p:spPr/>
-        <p:txBody>
-          <a:bodyPr/>
-          <a:p>
-            <a:r>
-              <a:rPr lang="en-US" altLang="en-US"/>
-              <a:t>Latar Belakang</a:t>
-            </a:r>
-            <a:endParaRPr lang="en-US" altLang="en-US"/>
-          </a:p>
-        </p:txBody>
-      </p:sp>
-      <p:sp>
-        <p:nvSpPr>
-          <p:cNvPr id="7" name="Content Placeholder 6"/>
-          <p:cNvSpPr>
-            <a:spLocks noGrp="1"/>
-          </p:cNvSpPr>
-          <p:nvPr>
-            <p:ph idx="1"/>
-          </p:nvPr>
-        </p:nvSpPr>
-        <p:spPr/>
-        <p:txBody>
-          <a:bodyPr/>
-          <a:p>
-            <a:endParaRPr lang="en-US"/>
-          </a:p>
-        </p:txBody>
-      </p:sp>
-      <p:graphicFrame>
-        <p:nvGraphicFramePr>
-          <p:cNvPr id="2" name="Diagram 1"/>
-          <p:cNvGraphicFramePr/>
-          <p:nvPr/>
-        </p:nvGraphicFramePr>
-        <p:xfrm>
-          <a:off x="2032000" y="719455"/>
-          <a:ext cx="8128000" cy="5418455"/>
-        </p:xfrm>
-        <a:graphic>
-          <a:graphicData uri="http://schemas.openxmlformats.org/drawingml/2006/diagram">
-            <dgm:relIds xmlns:dgm="http://schemas.openxmlformats.org/drawingml/2006/diagram" xmlns:r="http://schemas.openxmlformats.org/officeDocument/2006/relationships" r:dm="rId1" r:lo="rId2" r:qs="rId3" r:cs="rId4"/>
-          </a:graphicData>
-        </a:graphic>
-      </p:graphicFrame>
-      <p:sp>
-        <p:nvSpPr>
-          <p:cNvPr id="3" name="Text Box 2"/>
-          <p:cNvSpPr txBox="1"/>
-          <p:nvPr/>
-        </p:nvSpPr>
-        <p:spPr>
-          <a:xfrm>
-            <a:off x="6698615" y="5172075"/>
-            <a:ext cx="1626235" cy="368300"/>
-          </a:xfrm>
-          <a:prstGeom prst="rect">
-            <a:avLst/>
-          </a:prstGeom>
-          <a:noFill/>
-        </p:spPr>
-        <p:txBody>
-          <a:bodyPr wrap="none" rtlCol="0">
-            <a:spAutoFit/>
-          </a:bodyPr>
-          <a:p>
-            <a:pPr algn="l"/>
-            <a:r>
-              <a:rPr lang="en-US"/>
-              <a:t>Dhofier (2011)</a:t>
-            </a:r>
-            <a:endParaRPr lang="en-US"/>
-          </a:p>
-        </p:txBody>
-      </p:sp>
-    </p:spTree>
-  </p:cSld>
-  <p:clrMapOvr>
-    <a:masterClrMapping/>
-  </p:clrMapOvr>
-</p:sld>
-</file>
-
-<file path=ppt/slides/slide6.xml><?xml version="1.0" encoding="utf-8"?>
-<p:sld xmlns:a="http://schemas.openxmlformats.org/drawingml/2006/main" xmlns:r="http://schemas.openxmlformats.org/officeDocument/2006/relationships" xmlns:p="http://schemas.openxmlformats.org/presentationml/2006/main">
-  <p:cSld>
-    <p:spTree>
-      <p:nvGrpSpPr>
-        <p:cNvPr id="1" name=""/>
-        <p:cNvGrpSpPr/>
-        <p:nvPr/>
-      </p:nvGrpSpPr>
-      <p:grpSpPr/>
-      <p:sp>
-        <p:nvSpPr>
-          <p:cNvPr id="2" name="Title 1"/>
-          <p:cNvSpPr>
-            <a:spLocks noGrp="1"/>
-          </p:cNvSpPr>
-          <p:nvPr>
-            <p:ph type="title"/>
-          </p:nvPr>
-        </p:nvSpPr>
-        <p:spPr/>
-        <p:txBody>
-          <a:bodyPr/>
-          <a:p>
-            <a:r>
-              <a:rPr lang="" altLang="en-US"/>
-              <a:t>Latar Belakang</a:t>
-            </a:r>
-            <a:endParaRPr lang="" altLang="en-US"/>
-          </a:p>
-        </p:txBody>
-      </p:sp>
-      <p:sp>
-        <p:nvSpPr>
-          <p:cNvPr id="3" name="Content Placeholder 2"/>
-          <p:cNvSpPr>
-            <a:spLocks noGrp="1"/>
-          </p:cNvSpPr>
-          <p:nvPr>
-            <p:ph idx="1"/>
-          </p:nvPr>
-        </p:nvSpPr>
-        <p:spPr/>
-        <p:txBody>
-          <a:bodyPr/>
-          <a:p>
-            <a:endParaRPr lang="en-US"/>
-          </a:p>
-        </p:txBody>
-      </p:sp>
-      <p:graphicFrame>
-        <p:nvGraphicFramePr>
-          <p:cNvPr id="5" name="Diagram 4"/>
-          <p:cNvGraphicFramePr/>
-          <p:nvPr/>
-        </p:nvGraphicFramePr>
-        <p:xfrm>
-          <a:off x="2032000" y="719455"/>
-          <a:ext cx="8128000" cy="5418455"/>
-        </p:xfrm>
-        <a:graphic>
-          <a:graphicData uri="http://schemas.openxmlformats.org/drawingml/2006/diagram">
-            <dgm:relIds xmlns:dgm="http://schemas.openxmlformats.org/drawingml/2006/diagram" xmlns:r="http://schemas.openxmlformats.org/officeDocument/2006/relationships" r:dm="rId1" r:lo="rId2" r:qs="rId3" r:cs="rId4"/>
-          </a:graphicData>
-        </a:graphic>
-      </p:graphicFrame>
-    </p:spTree>
-  </p:cSld>
-  <p:clrMapOvr>
-    <a:masterClrMapping/>
-  </p:clrMapOvr>
-</p:sld>
-</file>
-
-<file path=ppt/slides/slide7.xml><?xml version="1.0" encoding="utf-8"?>
-<p:sld xmlns:a="http://schemas.openxmlformats.org/drawingml/2006/main" xmlns:r="http://schemas.openxmlformats.org/officeDocument/2006/relationships" xmlns:p="http://schemas.openxmlformats.org/presentationml/2006/main">
-  <p:cSld>
-    <p:spTree>
-      <p:nvGrpSpPr>
-        <p:cNvPr id="1" name=""/>
-        <p:cNvGrpSpPr/>
-        <p:nvPr/>
-      </p:nvGrpSpPr>
-      <p:grpSpPr/>
-      <p:sp>
-        <p:nvSpPr>
-          <p:cNvPr id="2" name="Title 1"/>
-          <p:cNvSpPr>
-            <a:spLocks noGrp="1"/>
-          </p:cNvSpPr>
-          <p:nvPr>
-            <p:ph type="title"/>
-          </p:nvPr>
-        </p:nvSpPr>
-        <p:spPr/>
-        <p:txBody>
-          <a:bodyPr/>
-          <a:p>
-            <a:r>
-              <a:rPr lang="" altLang="en-US"/>
-              <a:t>Latar Belakang</a:t>
-            </a:r>
-            <a:endParaRPr lang="" altLang="en-US"/>
-          </a:p>
-        </p:txBody>
-      </p:sp>
-      <p:sp>
-        <p:nvSpPr>
-          <p:cNvPr id="3" name="Content Placeholder 2"/>
-          <p:cNvSpPr>
-            <a:spLocks noGrp="1"/>
-          </p:cNvSpPr>
-          <p:nvPr>
-            <p:ph idx="1"/>
-          </p:nvPr>
-        </p:nvSpPr>
-        <p:spPr/>
-        <p:txBody>
-          <a:bodyPr/>
-          <a:p>
-            <a:endParaRPr lang="en-US"/>
-          </a:p>
-        </p:txBody>
-      </p:sp>
-      <p:graphicFrame>
-        <p:nvGraphicFramePr>
-          <p:cNvPr id="4" name="Diagram 3"/>
-          <p:cNvGraphicFramePr/>
-          <p:nvPr/>
-        </p:nvGraphicFramePr>
-        <p:xfrm>
-          <a:off x="2032000" y="719455"/>
-          <a:ext cx="8128000" cy="5418455"/>
-        </p:xfrm>
-        <a:graphic>
-          <a:graphicData uri="http://schemas.openxmlformats.org/drawingml/2006/diagram">
-            <dgm:relIds xmlns:dgm="http://schemas.openxmlformats.org/drawingml/2006/diagram" xmlns:r="http://schemas.openxmlformats.org/officeDocument/2006/relationships" r:dm="rId1" r:lo="rId2" r:qs="rId3" r:cs="rId4"/>
-          </a:graphicData>
-        </a:graphic>
-      </p:graphicFrame>
-      <p:sp>
-        <p:nvSpPr>
-          <p:cNvPr id="5" name="Text Box 4"/>
-          <p:cNvSpPr txBox="1"/>
-          <p:nvPr/>
-        </p:nvSpPr>
-        <p:spPr>
-          <a:xfrm>
-            <a:off x="2645410" y="2737485"/>
-            <a:ext cx="1872615" cy="1383665"/>
-          </a:xfrm>
-          <a:prstGeom prst="rect">
-            <a:avLst/>
-          </a:prstGeom>
-          <a:noFill/>
-        </p:spPr>
-        <p:txBody>
-          <a:bodyPr wrap="square" rtlCol="0">
-            <a:spAutoFit/>
-          </a:bodyPr>
-          <a:p>
-            <a:pPr algn="ctr"/>
-            <a:r>
-              <a:rPr lang="" altLang="en-US" sz="2800">
-                <a:solidFill>
-                  <a:schemeClr val="bg1"/>
-                </a:solidFill>
-              </a:rPr>
-              <a:t>Bekal menghafal Alquran</a:t>
-            </a:r>
-            <a:endParaRPr lang="" altLang="en-US" sz="2800">
-              <a:solidFill>
-                <a:schemeClr val="bg1"/>
-              </a:solidFill>
-            </a:endParaRPr>
-          </a:p>
-        </p:txBody>
-      </p:sp>
-      <p:sp>
-        <p:nvSpPr>
-          <p:cNvPr id="6" name="Text Box 5"/>
-          <p:cNvSpPr txBox="1"/>
-          <p:nvPr/>
-        </p:nvSpPr>
-        <p:spPr>
-          <a:xfrm>
-            <a:off x="2072640" y="5462270"/>
-            <a:ext cx="1846580" cy="368300"/>
-          </a:xfrm>
-          <a:prstGeom prst="rect">
-            <a:avLst/>
-          </a:prstGeom>
-          <a:noFill/>
-        </p:spPr>
-        <p:txBody>
-          <a:bodyPr wrap="none" rtlCol="0">
-            <a:spAutoFit/>
-          </a:bodyPr>
-          <a:p>
-            <a:pPr algn="l"/>
-            <a:r>
-              <a:rPr lang="en-US"/>
-              <a:t>Sa’dulloh </a:t>
-            </a:r>
-            <a:r>
-              <a:rPr lang="" altLang="en-US"/>
-              <a:t>(</a:t>
-            </a:r>
-            <a:r>
-              <a:rPr lang="en-US"/>
-              <a:t>2008)</a:t>
-            </a:r>
-            <a:endParaRPr lang="en-US"/>
-          </a:p>
-        </p:txBody>
-      </p:sp>
-    </p:spTree>
-  </p:cSld>
-  <p:clrMapOvr>
-    <a:masterClrMapping/>
-  </p:clrMapOvr>
-</p:sld>
-</file>
-
-<file path=ppt/slides/slide8.xml><?xml version="1.0" encoding="utf-8"?>
-<p:sld xmlns:a="http://schemas.openxmlformats.org/drawingml/2006/main" xmlns:r="http://schemas.openxmlformats.org/officeDocument/2006/relationships" xmlns:p="http://schemas.openxmlformats.org/presentationml/2006/main">
-  <p:cSld>
-    <p:spTree>
-      <p:nvGrpSpPr>
-        <p:cNvPr id="1" name=""/>
-        <p:cNvGrpSpPr/>
-        <p:nvPr/>
-      </p:nvGrpSpPr>
-      <p:grpSpPr/>
-      <p:sp>
-        <p:nvSpPr>
-          <p:cNvPr id="2" name="Title 1"/>
-          <p:cNvSpPr>
-            <a:spLocks noGrp="1"/>
-          </p:cNvSpPr>
-          <p:nvPr>
-            <p:ph type="title"/>
-          </p:nvPr>
-        </p:nvSpPr>
-        <p:spPr/>
-        <p:txBody>
-          <a:bodyPr/>
-          <a:p>
-            <a:r>
-              <a:rPr lang="" altLang="en-US"/>
-              <a:t>Latar Belakang</a:t>
-            </a:r>
-            <a:endParaRPr lang="" altLang="en-US"/>
-          </a:p>
-        </p:txBody>
-      </p:sp>
-      <p:sp>
-        <p:nvSpPr>
-          <p:cNvPr id="3" name="Content Placeholder 2"/>
-          <p:cNvSpPr>
-            <a:spLocks noGrp="1"/>
-          </p:cNvSpPr>
-          <p:nvPr>
-            <p:ph idx="1"/>
-          </p:nvPr>
-        </p:nvSpPr>
-        <p:spPr/>
-        <p:txBody>
-          <a:bodyPr/>
-          <a:p>
-            <a:pPr marL="457200" lvl="1" indent="0">
-              <a:buNone/>
-            </a:pPr>
-            <a:endParaRPr lang="" altLang="en-US"/>
-          </a:p>
-        </p:txBody>
-      </p:sp>
-      <p:sp>
-        <p:nvSpPr>
-          <p:cNvPr id="5" name="Text Box 4"/>
-          <p:cNvSpPr txBox="1"/>
-          <p:nvPr/>
-        </p:nvSpPr>
-        <p:spPr>
-          <a:xfrm>
-            <a:off x="609600" y="5482590"/>
-            <a:ext cx="3040380" cy="645160"/>
-          </a:xfrm>
-          <a:prstGeom prst="rect">
-            <a:avLst/>
-          </a:prstGeom>
-          <a:noFill/>
-        </p:spPr>
-        <p:txBody>
-          <a:bodyPr wrap="none" rtlCol="0">
-            <a:spAutoFit/>
-          </a:bodyPr>
-          <a:p>
-            <a:r>
-              <a:rPr lang="" altLang="en-US"/>
-              <a:t>Hasil wawancara</a:t>
-            </a:r>
-            <a:endParaRPr lang="" altLang="en-US"/>
-          </a:p>
-          <a:p>
-            <a:r>
-              <a:rPr lang="" altLang="en-US"/>
-              <a:t>(Kamis, 13 Desember 2018)</a:t>
-            </a:r>
-            <a:endParaRPr lang="" altLang="en-US"/>
-          </a:p>
-        </p:txBody>
-      </p:sp>
-      <p:graphicFrame>
-        <p:nvGraphicFramePr>
-          <p:cNvPr id="6" name="Diagram 5"/>
-          <p:cNvGraphicFramePr/>
-          <p:nvPr/>
-        </p:nvGraphicFramePr>
-        <p:xfrm>
-          <a:off x="2032000" y="719455"/>
-          <a:ext cx="8128000" cy="5418455"/>
-        </p:xfrm>
-        <a:graphic>
-          <a:graphicData uri="http://schemas.openxmlformats.org/drawingml/2006/diagram">
-            <dgm:relIds xmlns:dgm="http://schemas.openxmlformats.org/drawingml/2006/diagram" xmlns:r="http://schemas.openxmlformats.org/officeDocument/2006/relationships" r:dm="rId1" r:lo="rId2" r:qs="rId3" r:cs="rId4"/>
-          </a:graphicData>
-        </a:graphic>
-      </p:graphicFrame>
-      <p:sp>
-        <p:nvSpPr>
-          <p:cNvPr id="8" name="Oval 7"/>
-          <p:cNvSpPr/>
-          <p:nvPr/>
-        </p:nvSpPr>
-        <p:spPr>
-          <a:xfrm>
-            <a:off x="6537325" y="4439920"/>
-            <a:ext cx="1042670" cy="1042670"/>
-          </a:xfrm>
-          <a:prstGeom prst="ellipse">
-            <a:avLst/>
-          </a:prstGeom>
-          <a:gradFill rotWithShape="0">
-            <a:gsLst>
-              <a:gs pos="0">
-                <a:schemeClr val="accent1"/>
-              </a:gs>
-              <a:gs pos="100000">
-                <a:schemeClr val="accent2"/>
-              </a:gs>
-            </a:gsLst>
-            <a:lin ang="5400000" scaled="1"/>
-          </a:gradFill>
-          <a:ln w="9525" cap="flat" cmpd="sng" algn="ctr">
-            <a:solidFill>
-              <a:schemeClr val="accent1"/>
-            </a:solidFill>
-            <a:prstDash val="solid"/>
-            <a:round/>
-            <a:headEnd type="none" w="med" len="med"/>
-            <a:tailEnd type="none" w="med" len="med"/>
-          </a:ln>
-        </p:spPr>
-        <p:txBody>
-          <a:bodyPr vert="horz" wrap="none" lIns="91440" tIns="45720" rIns="91440" bIns="45720" numCol="1" anchor="ctr" anchorCtr="0" compatLnSpc="1"/>
-          <a:p>
-            <a:pPr marL="0" marR="0" indent="0" algn="l" defTabSz="914400" rtl="0" eaLnBrk="1" fontAlgn="base" latinLnBrk="0" hangingPunct="1">
-              <a:lnSpc>
-                <a:spcPct val="100000"/>
-              </a:lnSpc>
-              <a:spcBef>
-                <a:spcPct val="0"/>
-              </a:spcBef>
-              <a:spcAft>
-                <a:spcPct val="0"/>
-              </a:spcAft>
-              <a:buClrTx/>
-              <a:buSzTx/>
-              <a:buFontTx/>
-              <a:buNone/>
-            </a:pPr>
-            <a:endParaRPr kumimoji="0" lang="zh-CN" altLang="en-US" sz="1800" b="0" i="0" u="none" strike="noStrike" cap="none" normalizeH="0" baseline="0" smtClean="0">
-              <a:ln>
-                <a:noFill/>
-              </a:ln>
-              <a:solidFill>
-                <a:schemeClr val="tx1"/>
-              </a:solidFill>
-              <a:effectLst/>
-              <a:latin typeface="Arial" panose="020B0604020202020204" pitchFamily="34" charset="0"/>
-              <a:ea typeface="SimSun" pitchFamily="2" charset="-122"/>
-            </a:endParaRPr>
-          </a:p>
-        </p:txBody>
-      </p:sp>
-      <p:sp>
-        <p:nvSpPr>
-          <p:cNvPr id="9" name="Text Box 8"/>
-          <p:cNvSpPr txBox="1"/>
-          <p:nvPr/>
-        </p:nvSpPr>
-        <p:spPr>
-          <a:xfrm>
-            <a:off x="6677660" y="4700270"/>
-            <a:ext cx="762635" cy="521970"/>
-          </a:xfrm>
-          <a:prstGeom prst="rect">
-            <a:avLst/>
-          </a:prstGeom>
-          <a:noFill/>
-        </p:spPr>
-        <p:txBody>
-          <a:bodyPr wrap="square" rtlCol="0">
-            <a:spAutoFit/>
-          </a:bodyPr>
-          <a:p>
-            <a:pPr algn="ctr"/>
-            <a:r>
-              <a:rPr lang="" altLang="en-US" sz="1400">
-                <a:solidFill>
-                  <a:schemeClr val="bg1"/>
-                </a:solidFill>
-              </a:rPr>
-              <a:t>Pikiran negatif</a:t>
-            </a:r>
-            <a:endParaRPr lang="" altLang="en-US" sz="1400">
-              <a:solidFill>
-                <a:schemeClr val="bg1"/>
-              </a:solidFill>
-            </a:endParaRPr>
-          </a:p>
-        </p:txBody>
-      </p:sp>
-    </p:spTree>
-  </p:cSld>
-  <p:clrMapOvr>
-    <a:masterClrMapping/>
-  </p:clrMapOvr>
-</p:sld>
-</file>
-
-<file path=ppt/slides/slide9.xml><?xml version="1.0" encoding="utf-8"?>
-<p:sld xmlns:a="http://schemas.openxmlformats.org/drawingml/2006/main" xmlns:r="http://schemas.openxmlformats.org/officeDocument/2006/relationships" xmlns:p="http://schemas.openxmlformats.org/presentationml/2006/main">
-  <p:cSld>
-    <p:spTree>
-      <p:nvGrpSpPr>
-        <p:cNvPr id="1" name=""/>
-        <p:cNvGrpSpPr/>
-        <p:nvPr/>
-      </p:nvGrpSpPr>
-      <p:grpSpPr/>
-      <p:sp>
-        <p:nvSpPr>
-          <p:cNvPr id="2" name="Title 1"/>
-          <p:cNvSpPr>
-            <a:spLocks noGrp="1"/>
-          </p:cNvSpPr>
-          <p:nvPr>
-            <p:ph type="title"/>
-          </p:nvPr>
-        </p:nvSpPr>
-        <p:spPr/>
-        <p:txBody>
-          <a:bodyPr/>
-          <a:p>
-            <a:r>
-              <a:rPr lang="" altLang="en-US"/>
-              <a:t>Latar Belakang</a:t>
-            </a:r>
-            <a:endParaRPr lang="" altLang="en-US"/>
-          </a:p>
-        </p:txBody>
-      </p:sp>
       <p:graphicFrame>
         <p:nvGraphicFramePr>
           <p:cNvPr id="5" name="Content Placeholder 4"/>
@@ -36427,6 +37202,2450 @@
               <a:t>Hasil Screening Motivasi Menghafal Alquran (67 santri)</a:t>
             </a:r>
             <a:endParaRPr lang="" altLang="en-US"/>
+          </a:p>
+        </p:txBody>
+      </p:sp>
+    </p:spTree>
+  </p:cSld>
+  <p:clrMapOvr>
+    <a:masterClrMapping/>
+  </p:clrMapOvr>
+</p:sld>
+</file>
+
+<file path=ppt/slides/slide11.xml><?xml version="1.0" encoding="utf-8"?>
+<p:sld xmlns:a="http://schemas.openxmlformats.org/drawingml/2006/main" xmlns:r="http://schemas.openxmlformats.org/officeDocument/2006/relationships" xmlns:p="http://schemas.openxmlformats.org/presentationml/2006/main">
+  <p:cSld>
+    <p:spTree>
+      <p:nvGrpSpPr>
+        <p:cNvPr id="1" name=""/>
+        <p:cNvGrpSpPr/>
+        <p:nvPr/>
+      </p:nvGrpSpPr>
+      <p:grpSpPr/>
+      <p:sp>
+        <p:nvSpPr>
+          <p:cNvPr id="2" name="Title 1"/>
+          <p:cNvSpPr>
+            <a:spLocks noGrp="1"/>
+          </p:cNvSpPr>
+          <p:nvPr>
+            <p:ph type="title"/>
+          </p:nvPr>
+        </p:nvSpPr>
+        <p:spPr/>
+        <p:txBody>
+          <a:bodyPr/>
+          <a:p>
+            <a:r>
+              <a:rPr lang="" altLang="en-US"/>
+              <a:t>Latar Belakang</a:t>
+            </a:r>
+            <a:endParaRPr lang="" altLang="en-US"/>
+          </a:p>
+        </p:txBody>
+      </p:sp>
+      <p:sp>
+        <p:nvSpPr>
+          <p:cNvPr id="3" name="Content Placeholder 2"/>
+          <p:cNvSpPr>
+            <a:spLocks noGrp="1"/>
+          </p:cNvSpPr>
+          <p:nvPr>
+            <p:ph idx="1"/>
+          </p:nvPr>
+        </p:nvSpPr>
+        <p:spPr/>
+        <p:txBody>
+          <a:bodyPr/>
+          <a:p>
+            <a:endParaRPr lang="en-US"/>
+          </a:p>
+        </p:txBody>
+      </p:sp>
+      <p:graphicFrame>
+        <p:nvGraphicFramePr>
+          <p:cNvPr id="4" name="Diagram 3"/>
+          <p:cNvGraphicFramePr/>
+          <p:nvPr/>
+        </p:nvGraphicFramePr>
+        <p:xfrm>
+          <a:off x="2032000" y="719455"/>
+          <a:ext cx="8128000" cy="5418455"/>
+        </p:xfrm>
+        <a:graphic>
+          <a:graphicData uri="http://schemas.openxmlformats.org/drawingml/2006/diagram">
+            <dgm:relIds xmlns:dgm="http://schemas.openxmlformats.org/drawingml/2006/diagram" xmlns:r="http://schemas.openxmlformats.org/officeDocument/2006/relationships" r:dm="rId1" r:lo="rId2" r:qs="rId3" r:cs="rId4"/>
+          </a:graphicData>
+        </a:graphic>
+      </p:graphicFrame>
+      <p:sp>
+        <p:nvSpPr>
+          <p:cNvPr id="5" name="Text Box 4"/>
+          <p:cNvSpPr txBox="1"/>
+          <p:nvPr/>
+        </p:nvSpPr>
+        <p:spPr>
+          <a:xfrm>
+            <a:off x="2032000" y="4551680"/>
+            <a:ext cx="1668780" cy="368300"/>
+          </a:xfrm>
+          <a:prstGeom prst="rect">
+            <a:avLst/>
+          </a:prstGeom>
+          <a:noFill/>
+        </p:spPr>
+        <p:txBody>
+          <a:bodyPr wrap="none" rtlCol="0">
+            <a:spAutoFit/>
+          </a:bodyPr>
+          <a:p>
+            <a:pPr algn="l"/>
+            <a:r>
+              <a:rPr lang="en-US"/>
+              <a:t>Widiarti </a:t>
+            </a:r>
+            <a:r>
+              <a:rPr lang="" altLang="en-US"/>
+              <a:t>(</a:t>
+            </a:r>
+            <a:r>
+              <a:rPr lang="en-US"/>
+              <a:t>2018)</a:t>
+            </a:r>
+            <a:endParaRPr lang="en-US"/>
+          </a:p>
+        </p:txBody>
+      </p:sp>
+    </p:spTree>
+  </p:cSld>
+  <p:clrMapOvr>
+    <a:masterClrMapping/>
+  </p:clrMapOvr>
+</p:sld>
+</file>
+
+<file path=ppt/slides/slide12.xml><?xml version="1.0" encoding="utf-8"?>
+<p:sld xmlns:a="http://schemas.openxmlformats.org/drawingml/2006/main" xmlns:r="http://schemas.openxmlformats.org/officeDocument/2006/relationships" xmlns:p="http://schemas.openxmlformats.org/presentationml/2006/main">
+  <p:cSld>
+    <p:spTree>
+      <p:nvGrpSpPr>
+        <p:cNvPr id="1" name=""/>
+        <p:cNvGrpSpPr/>
+        <p:nvPr/>
+      </p:nvGrpSpPr>
+      <p:grpSpPr/>
+      <p:sp>
+        <p:nvSpPr>
+          <p:cNvPr id="2" name="Title 1"/>
+          <p:cNvSpPr>
+            <a:spLocks noGrp="1"/>
+          </p:cNvSpPr>
+          <p:nvPr>
+            <p:ph type="title"/>
+          </p:nvPr>
+        </p:nvSpPr>
+        <p:spPr/>
+        <p:txBody>
+          <a:bodyPr/>
+          <a:p>
+            <a:r>
+              <a:rPr lang="" altLang="en-US"/>
+              <a:t>Latar Belakang</a:t>
+            </a:r>
+            <a:endParaRPr lang="" altLang="en-US"/>
+          </a:p>
+        </p:txBody>
+      </p:sp>
+      <p:sp>
+        <p:nvSpPr>
+          <p:cNvPr id="3" name="Content Placeholder 2"/>
+          <p:cNvSpPr>
+            <a:spLocks noGrp="1"/>
+          </p:cNvSpPr>
+          <p:nvPr>
+            <p:ph idx="1"/>
+          </p:nvPr>
+        </p:nvSpPr>
+        <p:spPr/>
+        <p:txBody>
+          <a:bodyPr/>
+          <a:p>
+            <a:endParaRPr lang="en-US"/>
+          </a:p>
+        </p:txBody>
+      </p:sp>
+      <p:graphicFrame>
+        <p:nvGraphicFramePr>
+          <p:cNvPr id="4" name="Diagram 3"/>
+          <p:cNvGraphicFramePr/>
+          <p:nvPr/>
+        </p:nvGraphicFramePr>
+        <p:xfrm>
+          <a:off x="2032000" y="719455"/>
+          <a:ext cx="8128000" cy="5418455"/>
+        </p:xfrm>
+        <a:graphic>
+          <a:graphicData uri="http://schemas.openxmlformats.org/drawingml/2006/diagram">
+            <dgm:relIds xmlns:dgm="http://schemas.openxmlformats.org/drawingml/2006/diagram" xmlns:r="http://schemas.openxmlformats.org/officeDocument/2006/relationships" r:dm="rId1" r:lo="rId2" r:qs="rId3" r:cs="rId4"/>
+          </a:graphicData>
+        </a:graphic>
+      </p:graphicFrame>
+      <p:sp>
+        <p:nvSpPr>
+          <p:cNvPr id="5" name="Text Box 4"/>
+          <p:cNvSpPr txBox="1"/>
+          <p:nvPr/>
+        </p:nvSpPr>
+        <p:spPr>
+          <a:xfrm>
+            <a:off x="2719070" y="2828925"/>
+            <a:ext cx="1725930" cy="1198880"/>
+          </a:xfrm>
+          <a:prstGeom prst="rect">
+            <a:avLst/>
+          </a:prstGeom>
+          <a:noFill/>
+        </p:spPr>
+        <p:txBody>
+          <a:bodyPr wrap="square" rtlCol="0">
+            <a:spAutoFit/>
+          </a:bodyPr>
+          <a:p>
+            <a:pPr algn="ctr"/>
+            <a:r>
+              <a:rPr lang="" altLang="en-US" sz="2400">
+                <a:solidFill>
+                  <a:schemeClr val="bg1"/>
+                </a:solidFill>
+              </a:rPr>
+              <a:t>Faktor → Motivasi belajar</a:t>
+            </a:r>
+            <a:endParaRPr lang="" altLang="en-US" sz="2400">
+              <a:solidFill>
+                <a:schemeClr val="bg1"/>
+              </a:solidFill>
+            </a:endParaRPr>
+          </a:p>
+        </p:txBody>
+      </p:sp>
+      <p:sp>
+        <p:nvSpPr>
+          <p:cNvPr id="6" name="Text Box 5"/>
+          <p:cNvSpPr txBox="1"/>
+          <p:nvPr/>
+        </p:nvSpPr>
+        <p:spPr>
+          <a:xfrm>
+            <a:off x="1294130" y="5462270"/>
+            <a:ext cx="1808480" cy="368300"/>
+          </a:xfrm>
+          <a:prstGeom prst="rect">
+            <a:avLst/>
+          </a:prstGeom>
+          <a:noFill/>
+        </p:spPr>
+        <p:txBody>
+          <a:bodyPr wrap="none" rtlCol="0">
+            <a:spAutoFit/>
+          </a:bodyPr>
+          <a:p>
+            <a:pPr algn="l"/>
+            <a:r>
+              <a:rPr lang="en-US"/>
+              <a:t>Santrock (2014)</a:t>
+            </a:r>
+            <a:endParaRPr lang="en-US"/>
+          </a:p>
+        </p:txBody>
+      </p:sp>
+    </p:spTree>
+  </p:cSld>
+  <p:clrMapOvr>
+    <a:masterClrMapping/>
+  </p:clrMapOvr>
+</p:sld>
+</file>
+
+<file path=ppt/slides/slide13.xml><?xml version="1.0" encoding="utf-8"?>
+<p:sld xmlns:a="http://schemas.openxmlformats.org/drawingml/2006/main" xmlns:r="http://schemas.openxmlformats.org/officeDocument/2006/relationships" xmlns:p="http://schemas.openxmlformats.org/presentationml/2006/main">
+  <p:cSld>
+    <p:spTree>
+      <p:nvGrpSpPr>
+        <p:cNvPr id="1" name=""/>
+        <p:cNvGrpSpPr/>
+        <p:nvPr/>
+      </p:nvGrpSpPr>
+      <p:grpSpPr/>
+      <p:sp>
+        <p:nvSpPr>
+          <p:cNvPr id="4" name="Title 3"/>
+          <p:cNvSpPr/>
+          <p:nvPr>
+            <p:ph type="title"/>
+          </p:nvPr>
+        </p:nvSpPr>
+        <p:spPr/>
+        <p:txBody>
+          <a:bodyPr/>
+          <a:p>
+            <a:r>
+              <a:rPr lang="" altLang="en-US"/>
+              <a:t>Latar Belakang</a:t>
+            </a:r>
+            <a:endParaRPr lang="" altLang="en-US"/>
+          </a:p>
+        </p:txBody>
+      </p:sp>
+      <p:graphicFrame>
+        <p:nvGraphicFramePr>
+          <p:cNvPr id="11" name="Table 10"/>
+          <p:cNvGraphicFramePr/>
+          <p:nvPr/>
+        </p:nvGraphicFramePr>
+        <p:xfrm>
+          <a:off x="609600" y="1982470"/>
+          <a:ext cx="9944735" cy="3307080"/>
+        </p:xfrm>
+        <a:graphic>
+          <a:graphicData uri="http://schemas.openxmlformats.org/drawingml/2006/table">
+            <a:tbl>
+              <a:tblPr firstRow="1" lastRow="1">
+                <a:tableStyleId>{00A15C55-8517-42AA-B614-E9B94910E393}</a:tableStyleId>
+              </a:tblPr>
+              <a:tblGrid>
+                <a:gridCol w="628650"/>
+                <a:gridCol w="5563235"/>
+                <a:gridCol w="1759585"/>
+                <a:gridCol w="1993265"/>
+              </a:tblGrid>
+              <a:tr h="381000">
+                <a:tc>
+                  <a:txBody>
+                    <a:bodyPr/>
+                    <a:p>
+                      <a:pPr>
+                        <a:buNone/>
+                      </a:pPr>
+                      <a:r>
+                        <a:rPr lang="en-US"/>
+                        <a:t>No.</a:t>
+                      </a:r>
+                      <a:endParaRPr lang="en-US"/>
+                    </a:p>
+                  </a:txBody>
+                  <a:tcPr/>
+                </a:tc>
+                <a:tc>
+                  <a:txBody>
+                    <a:bodyPr/>
+                    <a:p>
+                      <a:pPr>
+                        <a:buNone/>
+                      </a:pPr>
+                      <a:r>
+                        <a:rPr lang="en-US"/>
+                        <a:t>Indikator</a:t>
+                      </a:r>
+                      <a:endParaRPr lang="en-US"/>
+                    </a:p>
+                  </a:txBody>
+                  <a:tcPr/>
+                </a:tc>
+                <a:tc>
+                  <a:txBody>
+                    <a:bodyPr/>
+                    <a:p>
+                      <a:pPr>
+                        <a:buNone/>
+                      </a:pPr>
+                      <a:r>
+                        <a:rPr lang="en-US"/>
+                        <a:t>Tinggi</a:t>
+                      </a:r>
+                      <a:endParaRPr lang="en-US"/>
+                    </a:p>
+                  </a:txBody>
+                  <a:tcPr/>
+                </a:tc>
+                <a:tc>
+                  <a:txBody>
+                    <a:bodyPr/>
+                    <a:p>
+                      <a:pPr>
+                        <a:buNone/>
+                      </a:pPr>
+                      <a:r>
+                        <a:rPr lang="en-US"/>
+                        <a:t>Rendah</a:t>
+                      </a:r>
+                      <a:endParaRPr lang="en-US"/>
+                    </a:p>
+                  </a:txBody>
+                  <a:tcPr/>
+                </a:tc>
+              </a:tr>
+              <a:tr h="381000">
+                <a:tc>
+                  <a:txBody>
+                    <a:bodyPr/>
+                    <a:p>
+                      <a:pPr>
+                        <a:buNone/>
+                      </a:pPr>
+                      <a:r>
+                        <a:rPr lang="en-US"/>
+                        <a:t>1.</a:t>
+                      </a:r>
+                      <a:endParaRPr lang="en-US"/>
+                    </a:p>
+                  </a:txBody>
+                  <a:tcPr/>
+                </a:tc>
+                <a:tc>
+                  <a:txBody>
+                    <a:bodyPr/>
+                    <a:p>
+                      <a:pPr>
+                        <a:buNone/>
+                      </a:pPr>
+                      <a:r>
+                        <a:rPr lang="en-US"/>
+                        <a:t>Memiliki harapan sehingga terus berjuang</a:t>
+                      </a:r>
+                      <a:endParaRPr lang="en-US"/>
+                    </a:p>
+                  </a:txBody>
+                  <a:tcPr/>
+                </a:tc>
+                <a:tc>
+                  <a:txBody>
+                    <a:bodyPr/>
+                    <a:p>
+                      <a:pPr>
+                        <a:buNone/>
+                      </a:pPr>
+                      <a:r>
+                        <a:rPr lang="en-US"/>
+                        <a:t>28 (42%)</a:t>
+                      </a:r>
+                      <a:endParaRPr lang="en-US"/>
+                    </a:p>
+                  </a:txBody>
+                  <a:tcPr/>
+                </a:tc>
+                <a:tc>
+                  <a:txBody>
+                    <a:bodyPr/>
+                    <a:p>
+                      <a:pPr>
+                        <a:buNone/>
+                      </a:pPr>
+                      <a:r>
+                        <a:rPr lang="en-US"/>
+                        <a:t>39 (58%)</a:t>
+                      </a:r>
+                      <a:endParaRPr lang="en-US"/>
+                    </a:p>
+                  </a:txBody>
+                  <a:tcPr>
+                    <a:solidFill>
+                      <a:srgbClr val="92D050"/>
+                    </a:solidFill>
+                  </a:tcPr>
+                </a:tc>
+              </a:tr>
+              <a:tr h="381000">
+                <a:tc>
+                  <a:txBody>
+                    <a:bodyPr/>
+                    <a:p>
+                      <a:pPr>
+                        <a:buNone/>
+                      </a:pPr>
+                      <a:r>
+                        <a:rPr lang="en-US"/>
+                        <a:t>2.</a:t>
+                      </a:r>
+                      <a:endParaRPr lang="en-US"/>
+                    </a:p>
+                  </a:txBody>
+                  <a:tcPr/>
+                </a:tc>
+                <a:tc>
+                  <a:txBody>
+                    <a:bodyPr/>
+                    <a:p>
+                      <a:pPr>
+                        <a:buNone/>
+                      </a:pPr>
+                      <a:r>
+                        <a:rPr lang="en-US"/>
+                        <a:t>Yakin atas kemampuan diri</a:t>
+                      </a:r>
+                      <a:endParaRPr lang="en-US"/>
+                    </a:p>
+                  </a:txBody>
+                  <a:tcPr/>
+                </a:tc>
+                <a:tc>
+                  <a:txBody>
+                    <a:bodyPr/>
+                    <a:p>
+                      <a:pPr>
+                        <a:buNone/>
+                      </a:pPr>
+                      <a:r>
+                        <a:rPr lang="en-US"/>
+                        <a:t>30 (45%)</a:t>
+                      </a:r>
+                      <a:endParaRPr lang="en-US"/>
+                    </a:p>
+                  </a:txBody>
+                  <a:tcPr/>
+                </a:tc>
+                <a:tc>
+                  <a:txBody>
+                    <a:bodyPr/>
+                    <a:p>
+                      <a:pPr>
+                        <a:buNone/>
+                      </a:pPr>
+                      <a:r>
+                        <a:rPr lang="en-US"/>
+                        <a:t>37 (55%)</a:t>
+                      </a:r>
+                      <a:endParaRPr lang="en-US"/>
+                    </a:p>
+                  </a:txBody>
+                  <a:tcPr>
+                    <a:solidFill>
+                      <a:srgbClr val="92D050"/>
+                    </a:solidFill>
+                  </a:tcPr>
+                </a:tc>
+              </a:tr>
+              <a:tr h="381000">
+                <a:tc>
+                  <a:txBody>
+                    <a:bodyPr/>
+                    <a:p>
+                      <a:pPr>
+                        <a:buNone/>
+                      </a:pPr>
+                      <a:r>
+                        <a:rPr lang="en-US"/>
+                        <a:t>3.</a:t>
+                      </a:r>
+                      <a:endParaRPr lang="en-US"/>
+                    </a:p>
+                  </a:txBody>
+                  <a:tcPr/>
+                </a:tc>
+                <a:tc>
+                  <a:txBody>
+                    <a:bodyPr/>
+                    <a:p>
+                      <a:pPr>
+                        <a:buNone/>
+                      </a:pPr>
+                      <a:r>
+                        <a:rPr lang="en-US"/>
+                        <a:t>Yakin mampu menyelesaikan tugas walaupun sulit</a:t>
+                      </a:r>
+                      <a:endParaRPr lang="en-US"/>
+                    </a:p>
+                  </a:txBody>
+                  <a:tcPr/>
+                </a:tc>
+                <a:tc>
+                  <a:txBody>
+                    <a:bodyPr/>
+                    <a:p>
+                      <a:pPr>
+                        <a:buNone/>
+                      </a:pPr>
+                      <a:r>
+                        <a:rPr lang="en-US"/>
+                        <a:t>30 (45%)</a:t>
+                      </a:r>
+                      <a:endParaRPr lang="en-US"/>
+                    </a:p>
+                  </a:txBody>
+                  <a:tcPr/>
+                </a:tc>
+                <a:tc>
+                  <a:txBody>
+                    <a:bodyPr/>
+                    <a:p>
+                      <a:pPr>
+                        <a:buNone/>
+                      </a:pPr>
+                      <a:r>
+                        <a:rPr lang="en-US"/>
+                        <a:t>37 (55%)</a:t>
+                      </a:r>
+                      <a:endParaRPr lang="en-US"/>
+                    </a:p>
+                  </a:txBody>
+                  <a:tcPr>
+                    <a:solidFill>
+                      <a:srgbClr val="92D050"/>
+                    </a:solidFill>
+                  </a:tcPr>
+                </a:tc>
+              </a:tr>
+              <a:tr h="381000">
+                <a:tc>
+                  <a:txBody>
+                    <a:bodyPr/>
+                    <a:p>
+                      <a:pPr>
+                        <a:buNone/>
+                      </a:pPr>
+                      <a:endParaRPr lang="en-US"/>
+                    </a:p>
+                  </a:txBody>
+                  <a:tcPr/>
+                </a:tc>
+                <a:tc>
+                  <a:txBody>
+                    <a:bodyPr/>
+                    <a:p>
+                      <a:pPr>
+                        <a:buNone/>
+                      </a:pPr>
+                      <a:r>
+                        <a:rPr lang="en-US"/>
+                        <a:t>Rata-rata</a:t>
+                      </a:r>
+                      <a:endParaRPr lang="en-US"/>
+                    </a:p>
+                  </a:txBody>
+                  <a:tcPr/>
+                </a:tc>
+                <a:tc>
+                  <a:txBody>
+                    <a:bodyPr/>
+                    <a:p>
+                      <a:pPr>
+                        <a:buNone/>
+                      </a:pPr>
+                      <a:r>
+                        <a:rPr lang="en-US"/>
+                        <a:t>29 (44%)</a:t>
+                      </a:r>
+                      <a:endParaRPr lang="en-US"/>
+                    </a:p>
+                  </a:txBody>
+                  <a:tcPr/>
+                </a:tc>
+                <a:tc>
+                  <a:txBody>
+                    <a:bodyPr/>
+                    <a:p>
+                      <a:pPr>
+                        <a:buNone/>
+                      </a:pPr>
+                      <a:r>
+                        <a:rPr lang="en-US"/>
+                        <a:t>38 (56%)</a:t>
+                      </a:r>
+                      <a:endParaRPr lang="en-US"/>
+                    </a:p>
+                  </a:txBody>
+                  <a:tcPr>
+                    <a:solidFill>
+                      <a:srgbClr val="92D050"/>
+                    </a:solidFill>
+                  </a:tcPr>
+                </a:tc>
+              </a:tr>
+            </a:tbl>
+          </a:graphicData>
+        </a:graphic>
+      </p:graphicFrame>
+      <p:sp>
+        <p:nvSpPr>
+          <p:cNvPr id="12" name="Text Box 11"/>
+          <p:cNvSpPr txBox="1"/>
+          <p:nvPr/>
+        </p:nvSpPr>
+        <p:spPr>
+          <a:xfrm>
+            <a:off x="3573145" y="1320165"/>
+            <a:ext cx="4018280" cy="368300"/>
+          </a:xfrm>
+          <a:prstGeom prst="rect">
+            <a:avLst/>
+          </a:prstGeom>
+          <a:noFill/>
+        </p:spPr>
+        <p:txBody>
+          <a:bodyPr wrap="none" rtlCol="0">
+            <a:spAutoFit/>
+          </a:bodyPr>
+          <a:p>
+            <a:r>
+              <a:rPr lang="en-US" altLang="en-US"/>
+              <a:t>Hasil Screening </a:t>
+            </a:r>
+            <a:r>
+              <a:rPr lang="" altLang="en-US"/>
+              <a:t>Efikasi Diri</a:t>
+            </a:r>
+            <a:r>
+              <a:rPr lang="en-US" altLang="en-US"/>
+              <a:t> (67 santri)</a:t>
+            </a:r>
+            <a:endParaRPr lang="en-US" altLang="en-US"/>
+          </a:p>
+        </p:txBody>
+      </p:sp>
+    </p:spTree>
+  </p:cSld>
+  <p:clrMapOvr>
+    <a:masterClrMapping/>
+  </p:clrMapOvr>
+</p:sld>
+</file>
+
+<file path=ppt/slides/slide14.xml><?xml version="1.0" encoding="utf-8"?>
+<p:sld xmlns:a="http://schemas.openxmlformats.org/drawingml/2006/main" xmlns:r="http://schemas.openxmlformats.org/officeDocument/2006/relationships" xmlns:p="http://schemas.openxmlformats.org/presentationml/2006/main">
+  <p:cSld>
+    <p:spTree>
+      <p:nvGrpSpPr>
+        <p:cNvPr id="1" name=""/>
+        <p:cNvGrpSpPr/>
+        <p:nvPr/>
+      </p:nvGrpSpPr>
+      <p:grpSpPr/>
+      <p:sp>
+        <p:nvSpPr>
+          <p:cNvPr id="2" name="Title 1"/>
+          <p:cNvSpPr>
+            <a:spLocks noGrp="1"/>
+          </p:cNvSpPr>
+          <p:nvPr>
+            <p:ph type="title"/>
+          </p:nvPr>
+        </p:nvSpPr>
+        <p:spPr/>
+        <p:txBody>
+          <a:bodyPr/>
+          <a:p>
+            <a:r>
+              <a:rPr lang="" altLang="en-US"/>
+              <a:t>Latar Belakang</a:t>
+            </a:r>
+            <a:endParaRPr lang="" altLang="en-US"/>
+          </a:p>
+        </p:txBody>
+      </p:sp>
+      <p:sp>
+        <p:nvSpPr>
+          <p:cNvPr id="3" name="Content Placeholder 2"/>
+          <p:cNvSpPr>
+            <a:spLocks noGrp="1"/>
+          </p:cNvSpPr>
+          <p:nvPr>
+            <p:ph idx="1"/>
+          </p:nvPr>
+        </p:nvSpPr>
+        <p:spPr/>
+        <p:txBody>
+          <a:bodyPr/>
+          <a:p>
+            <a:endParaRPr lang="en-US"/>
+          </a:p>
+        </p:txBody>
+      </p:sp>
+      <p:graphicFrame>
+        <p:nvGraphicFramePr>
+          <p:cNvPr id="4" name="Diagram 3"/>
+          <p:cNvGraphicFramePr/>
+          <p:nvPr/>
+        </p:nvGraphicFramePr>
+        <p:xfrm>
+          <a:off x="2032000" y="1174115"/>
+          <a:ext cx="7445375" cy="4963795"/>
+        </p:xfrm>
+        <a:graphic>
+          <a:graphicData uri="http://schemas.openxmlformats.org/drawingml/2006/diagram">
+            <dgm:relIds xmlns:dgm="http://schemas.openxmlformats.org/drawingml/2006/diagram" xmlns:r="http://schemas.openxmlformats.org/officeDocument/2006/relationships" r:dm="rId1" r:lo="rId2" r:qs="rId3" r:cs="rId4"/>
+          </a:graphicData>
+        </a:graphic>
+      </p:graphicFrame>
+      <p:sp>
+        <p:nvSpPr>
+          <p:cNvPr id="5" name="Text Box 4"/>
+          <p:cNvSpPr txBox="1"/>
+          <p:nvPr/>
+        </p:nvSpPr>
+        <p:spPr>
+          <a:xfrm>
+            <a:off x="5293995" y="6269990"/>
+            <a:ext cx="4183380" cy="368300"/>
+          </a:xfrm>
+          <a:prstGeom prst="rect">
+            <a:avLst/>
+          </a:prstGeom>
+          <a:noFill/>
+        </p:spPr>
+        <p:txBody>
+          <a:bodyPr wrap="none" rtlCol="0">
+            <a:spAutoFit/>
+          </a:bodyPr>
+          <a:p>
+            <a:pPr algn="l"/>
+            <a:r>
+              <a:rPr lang="en-US"/>
+              <a:t>Klassen, Krawchuck, </a:t>
+            </a:r>
+            <a:r>
+              <a:rPr lang="" altLang="en-US"/>
+              <a:t>dan</a:t>
+            </a:r>
+            <a:r>
+              <a:rPr lang="en-US"/>
+              <a:t> Rajani </a:t>
+            </a:r>
+            <a:r>
+              <a:rPr lang="" altLang="en-US"/>
+              <a:t>(</a:t>
+            </a:r>
+            <a:r>
+              <a:rPr lang="en-US"/>
+              <a:t>2008)</a:t>
+            </a:r>
+            <a:endParaRPr lang="en-US"/>
+          </a:p>
+        </p:txBody>
+      </p:sp>
+    </p:spTree>
+  </p:cSld>
+  <p:clrMapOvr>
+    <a:masterClrMapping/>
+  </p:clrMapOvr>
+</p:sld>
+</file>
+
+<file path=ppt/slides/slide15.xml><?xml version="1.0" encoding="utf-8"?>
+<p:sld xmlns:a="http://schemas.openxmlformats.org/drawingml/2006/main" xmlns:r="http://schemas.openxmlformats.org/officeDocument/2006/relationships" xmlns:p="http://schemas.openxmlformats.org/presentationml/2006/main">
+  <p:cSld>
+    <p:spTree>
+      <p:nvGrpSpPr>
+        <p:cNvPr id="1" name=""/>
+        <p:cNvGrpSpPr/>
+        <p:nvPr/>
+      </p:nvGrpSpPr>
+      <p:grpSpPr/>
+      <p:sp>
+        <p:nvSpPr>
+          <p:cNvPr id="2" name="Title 1"/>
+          <p:cNvSpPr>
+            <a:spLocks noGrp="1"/>
+          </p:cNvSpPr>
+          <p:nvPr>
+            <p:ph type="title"/>
+          </p:nvPr>
+        </p:nvSpPr>
+        <p:spPr/>
+        <p:txBody>
+          <a:bodyPr/>
+          <a:p>
+            <a:r>
+              <a:rPr lang="" altLang="en-US"/>
+              <a:t>Latar Belakang</a:t>
+            </a:r>
+            <a:endParaRPr lang="" altLang="en-US"/>
+          </a:p>
+        </p:txBody>
+      </p:sp>
+      <p:sp>
+        <p:nvSpPr>
+          <p:cNvPr id="3" name="Content Placeholder 2"/>
+          <p:cNvSpPr>
+            <a:spLocks noGrp="1"/>
+          </p:cNvSpPr>
+          <p:nvPr>
+            <p:ph idx="1"/>
+          </p:nvPr>
+        </p:nvSpPr>
+        <p:spPr/>
+        <p:txBody>
+          <a:bodyPr/>
+          <a:p>
+            <a:endParaRPr lang="en-US"/>
+          </a:p>
+        </p:txBody>
+      </p:sp>
+      <p:graphicFrame>
+        <p:nvGraphicFramePr>
+          <p:cNvPr id="4" name="Diagram 3"/>
+          <p:cNvGraphicFramePr/>
+          <p:nvPr/>
+        </p:nvGraphicFramePr>
+        <p:xfrm>
+          <a:off x="2032000" y="719455"/>
+          <a:ext cx="8128000" cy="5418455"/>
+        </p:xfrm>
+        <a:graphic>
+          <a:graphicData uri="http://schemas.openxmlformats.org/drawingml/2006/diagram">
+            <dgm:relIds xmlns:dgm="http://schemas.openxmlformats.org/drawingml/2006/diagram" xmlns:r="http://schemas.openxmlformats.org/officeDocument/2006/relationships" r:dm="rId1" r:lo="rId2" r:qs="rId3" r:cs="rId4"/>
+          </a:graphicData>
+        </a:graphic>
+      </p:graphicFrame>
+      <p:sp>
+        <p:nvSpPr>
+          <p:cNvPr id="5" name="Text Box 4"/>
+          <p:cNvSpPr txBox="1"/>
+          <p:nvPr/>
+        </p:nvSpPr>
+        <p:spPr>
+          <a:xfrm>
+            <a:off x="5014595" y="2967990"/>
+            <a:ext cx="2162810" cy="922020"/>
+          </a:xfrm>
+          <a:prstGeom prst="rect">
+            <a:avLst/>
+          </a:prstGeom>
+          <a:noFill/>
+        </p:spPr>
+        <p:txBody>
+          <a:bodyPr wrap="square" rtlCol="0">
+            <a:spAutoFit/>
+          </a:bodyPr>
+          <a:p>
+            <a:pPr algn="ctr"/>
+            <a:r>
+              <a:rPr lang="" altLang="en-US"/>
+              <a:t>Efikasi Diri meningkatkan Motivasi Belajar</a:t>
+            </a:r>
+            <a:endParaRPr lang="" altLang="en-US"/>
+          </a:p>
+        </p:txBody>
+      </p:sp>
+      <p:sp>
+        <p:nvSpPr>
+          <p:cNvPr id="6" name="Text Box 5"/>
+          <p:cNvSpPr txBox="1"/>
+          <p:nvPr/>
+        </p:nvSpPr>
+        <p:spPr>
+          <a:xfrm>
+            <a:off x="609600" y="6137910"/>
+            <a:ext cx="3307080" cy="368300"/>
+          </a:xfrm>
+          <a:prstGeom prst="rect">
+            <a:avLst/>
+          </a:prstGeom>
+          <a:noFill/>
+        </p:spPr>
+        <p:txBody>
+          <a:bodyPr wrap="none" rtlCol="0">
+            <a:spAutoFit/>
+          </a:bodyPr>
+          <a:p>
+            <a:pPr algn="l"/>
+            <a:r>
+              <a:rPr lang="en-US"/>
+              <a:t>Oktaverina dan Nashori (2015)</a:t>
+            </a:r>
+            <a:endParaRPr lang="en-US"/>
+          </a:p>
+        </p:txBody>
+      </p:sp>
+    </p:spTree>
+  </p:cSld>
+  <p:clrMapOvr>
+    <a:masterClrMapping/>
+  </p:clrMapOvr>
+</p:sld>
+</file>
+
+<file path=ppt/slides/slide16.xml><?xml version="1.0" encoding="utf-8"?>
+<p:sld xmlns:a="http://schemas.openxmlformats.org/drawingml/2006/main" xmlns:r="http://schemas.openxmlformats.org/officeDocument/2006/relationships" xmlns:p="http://schemas.openxmlformats.org/presentationml/2006/main">
+  <p:cSld>
+    <p:spTree>
+      <p:nvGrpSpPr>
+        <p:cNvPr id="1" name=""/>
+        <p:cNvGrpSpPr/>
+        <p:nvPr/>
+      </p:nvGrpSpPr>
+      <p:grpSpPr/>
+      <p:sp>
+        <p:nvSpPr>
+          <p:cNvPr id="2" name="Title 1"/>
+          <p:cNvSpPr>
+            <a:spLocks noGrp="1"/>
+          </p:cNvSpPr>
+          <p:nvPr>
+            <p:ph type="title"/>
+          </p:nvPr>
+        </p:nvSpPr>
+        <p:spPr/>
+        <p:txBody>
+          <a:bodyPr/>
+          <a:p>
+            <a:r>
+              <a:rPr lang="" altLang="en-US"/>
+              <a:t>Latar Belakang</a:t>
+            </a:r>
+            <a:endParaRPr lang="" altLang="en-US"/>
+          </a:p>
+        </p:txBody>
+      </p:sp>
+      <p:sp>
+        <p:nvSpPr>
+          <p:cNvPr id="3" name="Content Placeholder 2"/>
+          <p:cNvSpPr>
+            <a:spLocks noGrp="1"/>
+          </p:cNvSpPr>
+          <p:nvPr>
+            <p:ph idx="1"/>
+          </p:nvPr>
+        </p:nvSpPr>
+        <p:spPr/>
+        <p:txBody>
+          <a:bodyPr/>
+          <a:p>
+            <a:pPr marL="0" indent="0" algn="just">
+              <a:buNone/>
+            </a:pPr>
+            <a:r>
+              <a:rPr lang="en-US" i="1"/>
+              <a:t>Salah satu cara yang dapat digunakan untuk meningkatkan motivasi belajar adalah dengan memberikan dukungan dari guru kepada santri.</a:t>
+            </a:r>
+            <a:endParaRPr lang="en-US" i="1"/>
+          </a:p>
+          <a:p>
+            <a:pPr marL="0" indent="0" algn="just">
+              <a:buNone/>
+            </a:pPr>
+            <a:endParaRPr lang="en-US" i="1"/>
+          </a:p>
+          <a:p>
+            <a:pPr marL="0" indent="0" algn="just">
+              <a:buNone/>
+            </a:pPr>
+            <a:r>
+              <a:rPr lang="en-US" i="1"/>
+              <a:t>Dukungan yang diberikan dari guru kepada santri adalah suatu bentuk modifikasi tingkah laku guru terhadap perilaku santri yang bertujuan untuk memberikan umpan balik bagi santri atas perbuatan yang dilakukannya (Sanjaya, 2011).</a:t>
+            </a:r>
+            <a:endParaRPr lang="en-US" i="1"/>
+          </a:p>
+        </p:txBody>
+      </p:sp>
+    </p:spTree>
+  </p:cSld>
+  <p:clrMapOvr>
+    <a:masterClrMapping/>
+  </p:clrMapOvr>
+</p:sld>
+</file>
+
+<file path=ppt/slides/slide17.xml><?xml version="1.0" encoding="utf-8"?>
+<p:sld xmlns:a="http://schemas.openxmlformats.org/drawingml/2006/main" xmlns:r="http://schemas.openxmlformats.org/officeDocument/2006/relationships" xmlns:p="http://schemas.openxmlformats.org/presentationml/2006/main">
+  <p:cSld>
+    <p:spTree>
+      <p:nvGrpSpPr>
+        <p:cNvPr id="1" name=""/>
+        <p:cNvGrpSpPr/>
+        <p:nvPr/>
+      </p:nvGrpSpPr>
+      <p:grpSpPr/>
+      <p:sp>
+        <p:nvSpPr>
+          <p:cNvPr id="2" name="Title 1"/>
+          <p:cNvSpPr>
+            <a:spLocks noGrp="1"/>
+          </p:cNvSpPr>
+          <p:nvPr>
+            <p:ph type="title"/>
+          </p:nvPr>
+        </p:nvSpPr>
+        <p:spPr/>
+        <p:txBody>
+          <a:bodyPr/>
+          <a:p>
+            <a:r>
+              <a:rPr lang="" altLang="en-US"/>
+              <a:t>Latar Belakang</a:t>
+            </a:r>
+            <a:endParaRPr lang="" altLang="en-US"/>
+          </a:p>
+        </p:txBody>
+      </p:sp>
+      <p:sp>
+        <p:nvSpPr>
+          <p:cNvPr id="3" name="Content Placeholder 2"/>
+          <p:cNvSpPr>
+            <a:spLocks noGrp="1"/>
+          </p:cNvSpPr>
+          <p:nvPr>
+            <p:ph idx="1"/>
+          </p:nvPr>
+        </p:nvSpPr>
+        <p:spPr/>
+        <p:txBody>
+          <a:bodyPr/>
+          <a:p>
+            <a:pPr marL="0" indent="0">
+              <a:buNone/>
+            </a:pPr>
+            <a:r>
+              <a:rPr lang="" altLang="en-US" i="1"/>
+              <a:t>Ada beberapa guru yang jarang memberikan dukungan kepada santrinya dalam bentuk motivasi menghafal Alquran.</a:t>
+            </a:r>
+            <a:endParaRPr lang="" altLang="en-US" i="1"/>
+          </a:p>
+          <a:p>
+            <a:pPr marL="0" indent="0">
+              <a:buNone/>
+            </a:pPr>
+            <a:endParaRPr lang="" altLang="en-US" i="1"/>
+          </a:p>
+          <a:p>
+            <a:pPr marL="0" indent="0">
+              <a:buNone/>
+            </a:pPr>
+            <a:r>
+              <a:rPr lang="" altLang="en-US" i="1"/>
+              <a:t>Hasil wawancara (Sabtu, 26 Januari 2019)</a:t>
+            </a:r>
+            <a:endParaRPr lang="" altLang="en-US" i="1"/>
+          </a:p>
+        </p:txBody>
+      </p:sp>
+    </p:spTree>
+  </p:cSld>
+  <p:clrMapOvr>
+    <a:masterClrMapping/>
+  </p:clrMapOvr>
+</p:sld>
+</file>
+
+<file path=ppt/slides/slide18.xml><?xml version="1.0" encoding="utf-8"?>
+<p:sld xmlns:a="http://schemas.openxmlformats.org/drawingml/2006/main" xmlns:r="http://schemas.openxmlformats.org/officeDocument/2006/relationships" xmlns:p="http://schemas.openxmlformats.org/presentationml/2006/main">
+  <p:cSld>
+    <p:spTree>
+      <p:nvGrpSpPr>
+        <p:cNvPr id="1" name=""/>
+        <p:cNvGrpSpPr/>
+        <p:nvPr/>
+      </p:nvGrpSpPr>
+      <p:grpSpPr/>
+      <p:sp>
+        <p:nvSpPr>
+          <p:cNvPr id="2" name="Title 1"/>
+          <p:cNvSpPr>
+            <a:spLocks noGrp="1"/>
+          </p:cNvSpPr>
+          <p:nvPr>
+            <p:ph type="title"/>
+          </p:nvPr>
+        </p:nvSpPr>
+        <p:spPr/>
+        <p:txBody>
+          <a:bodyPr/>
+          <a:p>
+            <a:r>
+              <a:rPr lang="" altLang="en-US"/>
+              <a:t>Latar Belakang</a:t>
+            </a:r>
+            <a:endParaRPr lang="" altLang="en-US"/>
+          </a:p>
+        </p:txBody>
+      </p:sp>
+      <p:sp>
+        <p:nvSpPr>
+          <p:cNvPr id="3" name="Content Placeholder 2"/>
+          <p:cNvSpPr>
+            <a:spLocks noGrp="1"/>
+          </p:cNvSpPr>
+          <p:nvPr>
+            <p:ph idx="1"/>
+          </p:nvPr>
+        </p:nvSpPr>
+        <p:spPr/>
+        <p:txBody>
+          <a:bodyPr/>
+          <a:p>
+            <a:endParaRPr lang="en-US"/>
+          </a:p>
+        </p:txBody>
+      </p:sp>
+      <p:graphicFrame>
+        <p:nvGraphicFramePr>
+          <p:cNvPr id="4" name="Diagram 3"/>
+          <p:cNvGraphicFramePr/>
+          <p:nvPr/>
+        </p:nvGraphicFramePr>
+        <p:xfrm>
+          <a:off x="6403975" y="773430"/>
+          <a:ext cx="5043805" cy="4996180"/>
+        </p:xfrm>
+        <a:graphic>
+          <a:graphicData uri="http://schemas.openxmlformats.org/drawingml/2006/diagram">
+            <dgm:relIds xmlns:dgm="http://schemas.openxmlformats.org/drawingml/2006/diagram" xmlns:r="http://schemas.openxmlformats.org/officeDocument/2006/relationships" r:dm="rId1" r:lo="rId2" r:qs="rId3" r:cs="rId4"/>
+          </a:graphicData>
+        </a:graphic>
+      </p:graphicFrame>
+      <p:sp>
+        <p:nvSpPr>
+          <p:cNvPr id="5" name="Text Box 4"/>
+          <p:cNvSpPr txBox="1"/>
+          <p:nvPr/>
+        </p:nvSpPr>
+        <p:spPr>
+          <a:xfrm>
+            <a:off x="1756410" y="1174750"/>
+            <a:ext cx="4349115" cy="2245360"/>
+          </a:xfrm>
+          <a:prstGeom prst="rect">
+            <a:avLst/>
+          </a:prstGeom>
+          <a:noFill/>
+        </p:spPr>
+        <p:txBody>
+          <a:bodyPr wrap="square" rtlCol="0">
+            <a:spAutoFit/>
+          </a:bodyPr>
+          <a:p>
+            <a:pPr algn="r"/>
+            <a:r>
+              <a:rPr lang="" altLang="en-US" sz="2800"/>
+              <a:t>Hubungan antara Dukungan Sosial (dosen) dan Motivasi Belajar</a:t>
+            </a:r>
+            <a:endParaRPr lang="" altLang="en-US" sz="2800"/>
+          </a:p>
+          <a:p>
+            <a:pPr algn="r"/>
+            <a:endParaRPr lang="" altLang="en-US" sz="2800"/>
+          </a:p>
+          <a:p>
+            <a:pPr algn="r"/>
+            <a:r>
+              <a:rPr lang="" altLang="en-US" sz="2800"/>
+              <a:t>Suciani dan Rozali (2014)</a:t>
+            </a:r>
+            <a:endParaRPr lang="" altLang="en-US" sz="2800"/>
+          </a:p>
+        </p:txBody>
+      </p:sp>
+    </p:spTree>
+  </p:cSld>
+  <p:clrMapOvr>
+    <a:masterClrMapping/>
+  </p:clrMapOvr>
+</p:sld>
+</file>
+
+<file path=ppt/slides/slide19.xml><?xml version="1.0" encoding="utf-8"?>
+<p:sld xmlns:a="http://schemas.openxmlformats.org/drawingml/2006/main" xmlns:r="http://schemas.openxmlformats.org/officeDocument/2006/relationships" xmlns:p="http://schemas.openxmlformats.org/presentationml/2006/main">
+  <p:cSld>
+    <p:spTree>
+      <p:nvGrpSpPr>
+        <p:cNvPr id="1" name=""/>
+        <p:cNvGrpSpPr/>
+        <p:nvPr/>
+      </p:nvGrpSpPr>
+      <p:grpSpPr/>
+      <p:sp>
+        <p:nvSpPr>
+          <p:cNvPr id="2" name="Title 1"/>
+          <p:cNvSpPr>
+            <a:spLocks noGrp="1"/>
+          </p:cNvSpPr>
+          <p:nvPr>
+            <p:ph type="title"/>
+          </p:nvPr>
+        </p:nvSpPr>
+        <p:spPr/>
+        <p:txBody>
+          <a:bodyPr/>
+          <a:p>
+            <a:r>
+              <a:rPr lang="" altLang="en-US"/>
+              <a:t>Rumusan Masalah</a:t>
+            </a:r>
+            <a:endParaRPr lang="" altLang="en-US"/>
+          </a:p>
+        </p:txBody>
+      </p:sp>
+      <p:sp>
+        <p:nvSpPr>
+          <p:cNvPr id="3" name="Content Placeholder 2"/>
+          <p:cNvSpPr>
+            <a:spLocks noGrp="1"/>
+          </p:cNvSpPr>
+          <p:nvPr>
+            <p:ph idx="1"/>
+          </p:nvPr>
+        </p:nvSpPr>
+        <p:spPr/>
+        <p:txBody>
+          <a:bodyPr/>
+          <a:p>
+            <a:r>
+              <a:rPr lang="en-US"/>
+              <a:t>Apakah ada pengaruh efikasi diri dan dukungan guru tahfidz terhadap motivasi menghafal Alquran santri SMA Tahfidz Al-Izzah Samarinda?</a:t>
+            </a:r>
+            <a:endParaRPr lang="en-US"/>
+          </a:p>
+          <a:p>
+            <a:r>
+              <a:rPr lang="en-US"/>
+              <a:t>Apakah ada pengaruh efikasi diri terhadap motivasi menghafal Alquran santri SMA Tahfidz Al-Izzah Samarinda?</a:t>
+            </a:r>
+            <a:endParaRPr lang="en-US"/>
+          </a:p>
+          <a:p>
+            <a:r>
+              <a:rPr lang="en-US"/>
+              <a:t>Apakah ada pengaruh dukungan guru tahfidz terhadap motivasi menghafal Alquran santri SMA Tahfidz Al-Izzah Samarinda?</a:t>
+            </a:r>
+            <a:endParaRPr lang="en-US"/>
+          </a:p>
+        </p:txBody>
+      </p:sp>
+    </p:spTree>
+  </p:cSld>
+  <p:clrMapOvr>
+    <a:masterClrMapping/>
+  </p:clrMapOvr>
+</p:sld>
+</file>
+
+<file path=ppt/slides/slide2.xml><?xml version="1.0" encoding="utf-8"?>
+<p:sld xmlns:a="http://schemas.openxmlformats.org/drawingml/2006/main" xmlns:r="http://schemas.openxmlformats.org/officeDocument/2006/relationships" xmlns:p="http://schemas.openxmlformats.org/presentationml/2006/main">
+  <p:cSld>
+    <p:spTree>
+      <p:nvGrpSpPr>
+        <p:cNvPr id="1" name=""/>
+        <p:cNvGrpSpPr/>
+        <p:nvPr/>
+      </p:nvGrpSpPr>
+      <p:grpSpPr/>
+      <p:sp>
+        <p:nvSpPr>
+          <p:cNvPr id="4" name="Title 3"/>
+          <p:cNvSpPr>
+            <a:spLocks noGrp="1"/>
+          </p:cNvSpPr>
+          <p:nvPr>
+            <p:ph type="title"/>
+          </p:nvPr>
+        </p:nvSpPr>
+        <p:spPr/>
+        <p:txBody>
+          <a:bodyPr/>
+          <a:p>
+            <a:r>
+              <a:rPr lang="" altLang="en-US"/>
+              <a:t>BAB I</a:t>
+            </a:r>
+            <a:endParaRPr lang="" altLang="en-US"/>
+          </a:p>
+        </p:txBody>
+      </p:sp>
+      <p:sp>
+        <p:nvSpPr>
+          <p:cNvPr id="5" name="Text Placeholder 4"/>
+          <p:cNvSpPr>
+            <a:spLocks noGrp="1"/>
+          </p:cNvSpPr>
+          <p:nvPr>
+            <p:ph type="body" idx="1"/>
+          </p:nvPr>
+        </p:nvSpPr>
+        <p:spPr/>
+        <p:txBody>
+          <a:bodyPr/>
+          <a:p>
+            <a:r>
+              <a:rPr lang="" altLang="en-US"/>
+              <a:t>PENDAHULUAN</a:t>
+            </a:r>
+            <a:endParaRPr lang="" altLang="en-US"/>
+          </a:p>
+        </p:txBody>
+      </p:sp>
+    </p:spTree>
+  </p:cSld>
+  <p:clrMapOvr>
+    <a:masterClrMapping/>
+  </p:clrMapOvr>
+</p:sld>
+</file>
+
+<file path=ppt/slides/slide20.xml><?xml version="1.0" encoding="utf-8"?>
+<p:sld xmlns:a="http://schemas.openxmlformats.org/drawingml/2006/main" xmlns:r="http://schemas.openxmlformats.org/officeDocument/2006/relationships" xmlns:p="http://schemas.openxmlformats.org/presentationml/2006/main">
+  <p:cSld>
+    <p:spTree>
+      <p:nvGrpSpPr>
+        <p:cNvPr id="1" name=""/>
+        <p:cNvGrpSpPr/>
+        <p:nvPr/>
+      </p:nvGrpSpPr>
+      <p:grpSpPr/>
+      <p:sp>
+        <p:nvSpPr>
+          <p:cNvPr id="2" name="Title 1"/>
+          <p:cNvSpPr>
+            <a:spLocks noGrp="1"/>
+          </p:cNvSpPr>
+          <p:nvPr>
+            <p:ph type="title"/>
+          </p:nvPr>
+        </p:nvSpPr>
+        <p:spPr/>
+        <p:txBody>
+          <a:bodyPr/>
+          <a:p>
+            <a:r>
+              <a:rPr lang="" altLang="en-US"/>
+              <a:t>Tujuan Penelitian</a:t>
+            </a:r>
+            <a:endParaRPr lang="" altLang="en-US"/>
+          </a:p>
+        </p:txBody>
+      </p:sp>
+      <p:sp>
+        <p:nvSpPr>
+          <p:cNvPr id="3" name="Content Placeholder 2"/>
+          <p:cNvSpPr>
+            <a:spLocks noGrp="1"/>
+          </p:cNvSpPr>
+          <p:nvPr>
+            <p:ph idx="1"/>
+          </p:nvPr>
+        </p:nvSpPr>
+        <p:spPr/>
+        <p:txBody>
+          <a:bodyPr/>
+          <a:p>
+            <a:r>
+              <a:rPr lang="en-US"/>
+              <a:t>Untuk mengetahui pengaruh efikasi diri dan dukungan guru tahfidz terhadap motivasi menghafal Alquran santri SMA Tahfidz Al-Izzah Samarinda.</a:t>
+            </a:r>
+            <a:endParaRPr lang="en-US"/>
+          </a:p>
+          <a:p>
+            <a:r>
+              <a:rPr lang="en-US"/>
+              <a:t>Untuk mengetahui pengaruh efikasi diri terhadap motivasi menghafal Alquran santri SMA Tahfidz Al-Izzah Samarinda.</a:t>
+            </a:r>
+            <a:endParaRPr lang="en-US"/>
+          </a:p>
+          <a:p>
+            <a:r>
+              <a:rPr lang="en-US"/>
+              <a:t>Untuk mengetahui pengaruh dukungan guru tahfidz terhadap motivasi menghafal Alquran santri SMA Tahfidz Al-Izzah Samarinda.</a:t>
+            </a:r>
+            <a:endParaRPr lang="en-US"/>
+          </a:p>
+        </p:txBody>
+      </p:sp>
+    </p:spTree>
+  </p:cSld>
+  <p:clrMapOvr>
+    <a:masterClrMapping/>
+  </p:clrMapOvr>
+</p:sld>
+</file>
+
+<file path=ppt/slides/slide21.xml><?xml version="1.0" encoding="utf-8"?>
+<p:sld xmlns:a="http://schemas.openxmlformats.org/drawingml/2006/main" xmlns:r="http://schemas.openxmlformats.org/officeDocument/2006/relationships" xmlns:p="http://schemas.openxmlformats.org/presentationml/2006/main">
+  <p:cSld>
+    <p:spTree>
+      <p:nvGrpSpPr>
+        <p:cNvPr id="1" name=""/>
+        <p:cNvGrpSpPr/>
+        <p:nvPr/>
+      </p:nvGrpSpPr>
+      <p:grpSpPr/>
+      <p:sp>
+        <p:nvSpPr>
+          <p:cNvPr id="2" name="Title 1"/>
+          <p:cNvSpPr>
+            <a:spLocks noGrp="1"/>
+          </p:cNvSpPr>
+          <p:nvPr>
+            <p:ph type="title"/>
+          </p:nvPr>
+        </p:nvSpPr>
+        <p:spPr/>
+        <p:txBody>
+          <a:bodyPr/>
+          <a:p>
+            <a:r>
+              <a:rPr lang="" altLang="en-US"/>
+              <a:t>Manfaat Penelitian</a:t>
+            </a:r>
+            <a:endParaRPr lang="" altLang="en-US"/>
+          </a:p>
+        </p:txBody>
+      </p:sp>
+      <p:sp>
+        <p:nvSpPr>
+          <p:cNvPr id="3" name="Content Placeholder 2"/>
+          <p:cNvSpPr>
+            <a:spLocks noGrp="1"/>
+          </p:cNvSpPr>
+          <p:nvPr>
+            <p:ph idx="1"/>
+          </p:nvPr>
+        </p:nvSpPr>
+        <p:spPr/>
+        <p:txBody>
+          <a:bodyPr/>
+          <a:p>
+            <a:r>
+              <a:rPr lang="en-US" sz="2600"/>
+              <a:t>Hasil penelitian ini dapat dijadikan sebagai masukan bagi para penghafal Alquran tentang pentingnya motivasi dalam menghafal Alquran.</a:t>
+            </a:r>
+            <a:endParaRPr lang="en-US" sz="2600"/>
+          </a:p>
+          <a:p>
+            <a:r>
+              <a:rPr lang="en-US" sz="2600"/>
+              <a:t>Hasil penelitian ini dapat dijadikan sebagai pedoman bagi para penghafal Alquran tentang cara meningkatkan motivasi dalam menghafal Alquran.</a:t>
+            </a:r>
+            <a:endParaRPr lang="en-US" sz="2600"/>
+          </a:p>
+          <a:p>
+            <a:r>
+              <a:rPr lang="en-US" sz="2600"/>
+              <a:t>Hasil penelitian ini dapat menambah khazanah ilmu pengetahuan, baik bagi civitas pondok pesantren menghafal Alquran maupun siapa saja yang bergelut dalam bidang pendidikan.</a:t>
+            </a:r>
+            <a:endParaRPr lang="en-US" sz="2600"/>
+          </a:p>
+          <a:p>
+            <a:r>
+              <a:rPr lang="en-US" sz="2600"/>
+              <a:t>Hasil penelitian ini dapat dijadikan sebagai bahan pertimbangan kebijakan SMA Tahfidz Al-Izzah Samarinda untuk meningkatkan kualitas mutu pendidikan tahfidz.</a:t>
+            </a:r>
+            <a:endParaRPr lang="en-US" sz="2600"/>
+          </a:p>
+        </p:txBody>
+      </p:sp>
+    </p:spTree>
+  </p:cSld>
+  <p:clrMapOvr>
+    <a:masterClrMapping/>
+  </p:clrMapOvr>
+</p:sld>
+</file>
+
+<file path=ppt/slides/slide22.xml><?xml version="1.0" encoding="utf-8"?>
+<p:sld xmlns:a="http://schemas.openxmlformats.org/drawingml/2006/main" xmlns:r="http://schemas.openxmlformats.org/officeDocument/2006/relationships" xmlns:p="http://schemas.openxmlformats.org/presentationml/2006/main">
+  <p:cSld>
+    <p:spTree>
+      <p:nvGrpSpPr>
+        <p:cNvPr id="1" name=""/>
+        <p:cNvGrpSpPr/>
+        <p:nvPr/>
+      </p:nvGrpSpPr>
+      <p:grpSpPr/>
+      <p:sp>
+        <p:nvSpPr>
+          <p:cNvPr id="2" name="Title 1"/>
+          <p:cNvSpPr>
+            <a:spLocks noGrp="1"/>
+          </p:cNvSpPr>
+          <p:nvPr>
+            <p:ph type="title"/>
+          </p:nvPr>
+        </p:nvSpPr>
+        <p:spPr/>
+        <p:txBody>
+          <a:bodyPr/>
+          <a:p>
+            <a:endParaRPr lang="en-US"/>
+          </a:p>
+        </p:txBody>
+      </p:sp>
+      <p:sp>
+        <p:nvSpPr>
+          <p:cNvPr id="3" name="Content Placeholder 2"/>
+          <p:cNvSpPr>
+            <a:spLocks noGrp="1"/>
+          </p:cNvSpPr>
+          <p:nvPr>
+            <p:ph idx="1"/>
+          </p:nvPr>
+        </p:nvSpPr>
+        <p:spPr/>
+        <p:txBody>
+          <a:bodyPr/>
+          <a:p>
+            <a:endParaRPr lang="en-US"/>
+          </a:p>
+        </p:txBody>
+      </p:sp>
+    </p:spTree>
+  </p:cSld>
+  <p:clrMapOvr>
+    <a:masterClrMapping/>
+  </p:clrMapOvr>
+</p:sld>
+</file>
+
+<file path=ppt/slides/slide3.xml><?xml version="1.0" encoding="utf-8"?>
+<p:sld xmlns:a="http://schemas.openxmlformats.org/drawingml/2006/main" xmlns:r="http://schemas.openxmlformats.org/officeDocument/2006/relationships" xmlns:p="http://schemas.openxmlformats.org/presentationml/2006/main">
+  <p:cSld>
+    <p:spTree>
+      <p:nvGrpSpPr>
+        <p:cNvPr id="1" name=""/>
+        <p:cNvGrpSpPr/>
+        <p:nvPr/>
+      </p:nvGrpSpPr>
+      <p:grpSpPr/>
+      <p:sp>
+        <p:nvSpPr>
+          <p:cNvPr id="2" name="Title 1"/>
+          <p:cNvSpPr>
+            <a:spLocks noGrp="1"/>
+          </p:cNvSpPr>
+          <p:nvPr>
+            <p:ph type="title"/>
+          </p:nvPr>
+        </p:nvSpPr>
+        <p:spPr/>
+        <p:txBody>
+          <a:bodyPr/>
+          <a:p>
+            <a:r>
+              <a:rPr lang="en-US" altLang="en-US"/>
+              <a:t>Latar Belakang</a:t>
+            </a:r>
+            <a:endParaRPr lang="en-US" altLang="en-US"/>
+          </a:p>
+        </p:txBody>
+      </p:sp>
+      <p:sp>
+        <p:nvSpPr>
+          <p:cNvPr id="3" name="Content Placeholder 2"/>
+          <p:cNvSpPr>
+            <a:spLocks noGrp="1"/>
+          </p:cNvSpPr>
+          <p:nvPr>
+            <p:ph idx="1"/>
+          </p:nvPr>
+        </p:nvSpPr>
+        <p:spPr/>
+        <p:txBody>
+          <a:bodyPr/>
+          <a:p>
+            <a:endParaRPr lang="en-US"/>
+          </a:p>
+        </p:txBody>
+      </p:sp>
+      <p:graphicFrame>
+        <p:nvGraphicFramePr>
+          <p:cNvPr id="7" name="Diagram 6"/>
+          <p:cNvGraphicFramePr/>
+          <p:nvPr/>
+        </p:nvGraphicFramePr>
+        <p:xfrm>
+          <a:off x="2032000" y="719455"/>
+          <a:ext cx="8128000" cy="5418455"/>
+        </p:xfrm>
+        <a:graphic>
+          <a:graphicData uri="http://schemas.openxmlformats.org/drawingml/2006/diagram">
+            <dgm:relIds xmlns:dgm="http://schemas.openxmlformats.org/drawingml/2006/diagram" xmlns:r="http://schemas.openxmlformats.org/officeDocument/2006/relationships" r:dm="rId1" r:lo="rId2" r:qs="rId3" r:cs="rId4"/>
+          </a:graphicData>
+        </a:graphic>
+      </p:graphicFrame>
+      <p:sp>
+        <p:nvSpPr>
+          <p:cNvPr id="8" name="Text Box 7"/>
+          <p:cNvSpPr txBox="1"/>
+          <p:nvPr/>
+        </p:nvSpPr>
+        <p:spPr>
+          <a:xfrm>
+            <a:off x="6319520" y="4949825"/>
+            <a:ext cx="3091180" cy="368300"/>
+          </a:xfrm>
+          <a:prstGeom prst="rect">
+            <a:avLst/>
+          </a:prstGeom>
+          <a:noFill/>
+        </p:spPr>
+        <p:txBody>
+          <a:bodyPr wrap="none" rtlCol="0">
+            <a:spAutoFit/>
+          </a:bodyPr>
+          <a:p>
+            <a:pPr algn="l"/>
+            <a:r>
+              <a:rPr lang="en-US"/>
+              <a:t>Siswono (dalam Eksa, 2017)</a:t>
+            </a:r>
+            <a:endParaRPr lang="en-US"/>
+          </a:p>
+        </p:txBody>
+      </p:sp>
+    </p:spTree>
+  </p:cSld>
+  <p:clrMapOvr>
+    <a:masterClrMapping/>
+  </p:clrMapOvr>
+</p:sld>
+</file>
+
+<file path=ppt/slides/slide4.xml><?xml version="1.0" encoding="utf-8"?>
+<p:sld xmlns:a="http://schemas.openxmlformats.org/drawingml/2006/main" xmlns:r="http://schemas.openxmlformats.org/officeDocument/2006/relationships" xmlns:p="http://schemas.openxmlformats.org/presentationml/2006/main">
+  <p:cSld>
+    <p:spTree>
+      <p:nvGrpSpPr>
+        <p:cNvPr id="1" name=""/>
+        <p:cNvGrpSpPr/>
+        <p:nvPr/>
+      </p:nvGrpSpPr>
+      <p:grpSpPr/>
+      <p:sp>
+        <p:nvSpPr>
+          <p:cNvPr id="2" name="Title 1"/>
+          <p:cNvSpPr>
+            <a:spLocks noGrp="1"/>
+          </p:cNvSpPr>
+          <p:nvPr>
+            <p:ph type="title"/>
+          </p:nvPr>
+        </p:nvSpPr>
+        <p:spPr/>
+        <p:txBody>
+          <a:bodyPr/>
+          <a:p>
+            <a:pPr algn="r"/>
+            <a:r>
+              <a:rPr lang="en-US" altLang="en-US"/>
+              <a:t>Latar Belakang</a:t>
+            </a:r>
+            <a:endParaRPr lang="en-US" altLang="en-US"/>
+          </a:p>
+        </p:txBody>
+      </p:sp>
+      <p:pic>
+        <p:nvPicPr>
+          <p:cNvPr id="4" name="Content Placeholder 3"/>
+          <p:cNvPicPr>
+            <a:picLocks noChangeAspect="1"/>
+          </p:cNvPicPr>
+          <p:nvPr>
+            <p:ph idx="1"/>
+          </p:nvPr>
+        </p:nvPicPr>
+        <p:blipFill>
+          <a:blip r:embed="rId1"/>
+          <a:srcRect t="27540" b="38192"/>
+          <a:stretch>
+            <a:fillRect/>
+          </a:stretch>
+        </p:blipFill>
+        <p:spPr>
+          <a:xfrm>
+            <a:off x="609600" y="3087370"/>
+            <a:ext cx="4677410" cy="2849880"/>
+          </a:xfrm>
+          <a:prstGeom prst="rect">
+            <a:avLst/>
+          </a:prstGeom>
+        </p:spPr>
+      </p:pic>
+      <p:pic>
+        <p:nvPicPr>
+          <p:cNvPr id="5" name="Picture 4"/>
+          <p:cNvPicPr>
+            <a:picLocks noChangeAspect="1"/>
+          </p:cNvPicPr>
+          <p:nvPr/>
+        </p:nvPicPr>
+        <p:blipFill>
+          <a:blip r:embed="rId1"/>
+          <a:srcRect t="61027"/>
+          <a:stretch>
+            <a:fillRect/>
+          </a:stretch>
+        </p:blipFill>
+        <p:spPr>
+          <a:xfrm>
+            <a:off x="5598160" y="2253615"/>
+            <a:ext cx="5314315" cy="3683635"/>
+          </a:xfrm>
+          <a:prstGeom prst="rect">
+            <a:avLst/>
+          </a:prstGeom>
+        </p:spPr>
+      </p:pic>
+      <p:pic>
+        <p:nvPicPr>
+          <p:cNvPr id="6" name="Picture 5"/>
+          <p:cNvPicPr>
+            <a:picLocks noChangeAspect="1"/>
+          </p:cNvPicPr>
+          <p:nvPr/>
+        </p:nvPicPr>
+        <p:blipFill>
+          <a:blip r:embed="rId1"/>
+          <a:srcRect b="72386"/>
+          <a:stretch>
+            <a:fillRect/>
+          </a:stretch>
+        </p:blipFill>
+        <p:spPr>
+          <a:xfrm>
+            <a:off x="609600" y="544195"/>
+            <a:ext cx="4678045" cy="2296795"/>
+          </a:xfrm>
+          <a:prstGeom prst="rect">
+            <a:avLst/>
+          </a:prstGeom>
+        </p:spPr>
+      </p:pic>
+      <p:sp>
+        <p:nvSpPr>
+          <p:cNvPr id="7" name="Text Box 6"/>
+          <p:cNvSpPr txBox="1"/>
+          <p:nvPr/>
+        </p:nvSpPr>
+        <p:spPr>
+          <a:xfrm>
+            <a:off x="5598160" y="1654810"/>
+            <a:ext cx="3611880" cy="368300"/>
+          </a:xfrm>
+          <a:prstGeom prst="rect">
+            <a:avLst/>
+          </a:prstGeom>
+          <a:noFill/>
+        </p:spPr>
+        <p:txBody>
+          <a:bodyPr wrap="none" rtlCol="0">
+            <a:spAutoFit/>
+          </a:bodyPr>
+          <a:p>
+            <a:pPr algn="l"/>
+            <a:r>
+              <a:rPr lang="en-US" altLang="en-US"/>
+              <a:t>S</a:t>
+            </a:r>
+            <a:r>
+              <a:rPr lang="en-US"/>
+              <a:t>urvey Never Okay (Adam, 2019)</a:t>
+            </a:r>
+            <a:endParaRPr lang="en-US"/>
+          </a:p>
+        </p:txBody>
+      </p:sp>
+    </p:spTree>
+  </p:cSld>
+  <p:clrMapOvr>
+    <a:masterClrMapping/>
+  </p:clrMapOvr>
+</p:sld>
+</file>
+
+<file path=ppt/slides/slide5.xml><?xml version="1.0" encoding="utf-8"?>
+<p:sld xmlns:a="http://schemas.openxmlformats.org/drawingml/2006/main" xmlns:r="http://schemas.openxmlformats.org/officeDocument/2006/relationships" xmlns:p="http://schemas.openxmlformats.org/presentationml/2006/main">
+  <p:cSld>
+    <p:spTree>
+      <p:nvGrpSpPr>
+        <p:cNvPr id="1" name=""/>
+        <p:cNvGrpSpPr/>
+        <p:nvPr/>
+      </p:nvGrpSpPr>
+      <p:grpSpPr/>
+      <p:sp>
+        <p:nvSpPr>
+          <p:cNvPr id="2" name="Title 1"/>
+          <p:cNvSpPr>
+            <a:spLocks noGrp="1"/>
+          </p:cNvSpPr>
+          <p:nvPr>
+            <p:ph type="title"/>
+          </p:nvPr>
+        </p:nvSpPr>
+        <p:spPr/>
+        <p:txBody>
+          <a:bodyPr/>
+          <a:p>
+            <a:r>
+              <a:rPr lang="en-US" altLang="en-US"/>
+              <a:t>Latar Belakang</a:t>
+            </a:r>
+            <a:endParaRPr lang="en-US" altLang="en-US"/>
+          </a:p>
+        </p:txBody>
+      </p:sp>
+      <p:sp>
+        <p:nvSpPr>
+          <p:cNvPr id="4" name="Text Placeholder 3"/>
+          <p:cNvSpPr>
+            <a:spLocks noGrp="1"/>
+          </p:cNvSpPr>
+          <p:nvPr>
+            <p:ph type="body" idx="1"/>
+          </p:nvPr>
+        </p:nvSpPr>
+        <p:spPr/>
+        <p:txBody>
+          <a:bodyPr/>
+          <a:p>
+            <a:r>
+              <a:rPr lang="en-US"/>
+              <a:t>Perlu suatu sistem pendidikan yang tepat sebagai upaya preventif untuk menjaga masyarakat dari kerusakan moral dan etika.</a:t>
+            </a:r>
+            <a:endParaRPr lang="en-US"/>
+          </a:p>
+        </p:txBody>
+      </p:sp>
+    </p:spTree>
+  </p:cSld>
+  <p:clrMapOvr>
+    <a:masterClrMapping/>
+  </p:clrMapOvr>
+</p:sld>
+</file>
+
+<file path=ppt/slides/slide6.xml><?xml version="1.0" encoding="utf-8"?>
+<p:sld xmlns:a="http://schemas.openxmlformats.org/drawingml/2006/main" xmlns:r="http://schemas.openxmlformats.org/officeDocument/2006/relationships" xmlns:p="http://schemas.openxmlformats.org/presentationml/2006/main">
+  <p:cSld>
+    <p:spTree>
+      <p:nvGrpSpPr>
+        <p:cNvPr id="1" name=""/>
+        <p:cNvGrpSpPr/>
+        <p:nvPr/>
+      </p:nvGrpSpPr>
+      <p:grpSpPr/>
+      <p:sp>
+        <p:nvSpPr>
+          <p:cNvPr id="6" name="Title 5"/>
+          <p:cNvSpPr>
+            <a:spLocks noGrp="1"/>
+          </p:cNvSpPr>
+          <p:nvPr>
+            <p:ph type="title"/>
+          </p:nvPr>
+        </p:nvSpPr>
+        <p:spPr/>
+        <p:txBody>
+          <a:bodyPr/>
+          <a:p>
+            <a:r>
+              <a:rPr lang="en-US" altLang="en-US"/>
+              <a:t>Latar Belakang</a:t>
+            </a:r>
+            <a:endParaRPr lang="en-US" altLang="en-US"/>
+          </a:p>
+        </p:txBody>
+      </p:sp>
+      <p:sp>
+        <p:nvSpPr>
+          <p:cNvPr id="7" name="Content Placeholder 6"/>
+          <p:cNvSpPr>
+            <a:spLocks noGrp="1"/>
+          </p:cNvSpPr>
+          <p:nvPr>
+            <p:ph idx="1"/>
+          </p:nvPr>
+        </p:nvSpPr>
+        <p:spPr/>
+        <p:txBody>
+          <a:bodyPr/>
+          <a:p>
+            <a:endParaRPr lang="en-US"/>
+          </a:p>
+        </p:txBody>
+      </p:sp>
+      <p:graphicFrame>
+        <p:nvGraphicFramePr>
+          <p:cNvPr id="2" name="Diagram 1"/>
+          <p:cNvGraphicFramePr/>
+          <p:nvPr/>
+        </p:nvGraphicFramePr>
+        <p:xfrm>
+          <a:off x="2032000" y="719455"/>
+          <a:ext cx="8128000" cy="5418455"/>
+        </p:xfrm>
+        <a:graphic>
+          <a:graphicData uri="http://schemas.openxmlformats.org/drawingml/2006/diagram">
+            <dgm:relIds xmlns:dgm="http://schemas.openxmlformats.org/drawingml/2006/diagram" xmlns:r="http://schemas.openxmlformats.org/officeDocument/2006/relationships" r:dm="rId1" r:lo="rId2" r:qs="rId3" r:cs="rId4"/>
+          </a:graphicData>
+        </a:graphic>
+      </p:graphicFrame>
+      <p:sp>
+        <p:nvSpPr>
+          <p:cNvPr id="3" name="Text Box 2"/>
+          <p:cNvSpPr txBox="1"/>
+          <p:nvPr/>
+        </p:nvSpPr>
+        <p:spPr>
+          <a:xfrm>
+            <a:off x="6698615" y="5172075"/>
+            <a:ext cx="1626235" cy="368300"/>
+          </a:xfrm>
+          <a:prstGeom prst="rect">
+            <a:avLst/>
+          </a:prstGeom>
+          <a:noFill/>
+        </p:spPr>
+        <p:txBody>
+          <a:bodyPr wrap="none" rtlCol="0">
+            <a:spAutoFit/>
+          </a:bodyPr>
+          <a:p>
+            <a:pPr algn="l"/>
+            <a:r>
+              <a:rPr lang="en-US"/>
+              <a:t>Dhofier (2011)</a:t>
+            </a:r>
+            <a:endParaRPr lang="en-US"/>
+          </a:p>
+        </p:txBody>
+      </p:sp>
+    </p:spTree>
+  </p:cSld>
+  <p:clrMapOvr>
+    <a:masterClrMapping/>
+  </p:clrMapOvr>
+</p:sld>
+</file>
+
+<file path=ppt/slides/slide7.xml><?xml version="1.0" encoding="utf-8"?>
+<p:sld xmlns:a="http://schemas.openxmlformats.org/drawingml/2006/main" xmlns:r="http://schemas.openxmlformats.org/officeDocument/2006/relationships" xmlns:p="http://schemas.openxmlformats.org/presentationml/2006/main">
+  <p:cSld>
+    <p:spTree>
+      <p:nvGrpSpPr>
+        <p:cNvPr id="1" name=""/>
+        <p:cNvGrpSpPr/>
+        <p:nvPr/>
+      </p:nvGrpSpPr>
+      <p:grpSpPr/>
+      <p:sp>
+        <p:nvSpPr>
+          <p:cNvPr id="2" name="Title 1"/>
+          <p:cNvSpPr>
+            <a:spLocks noGrp="1"/>
+          </p:cNvSpPr>
+          <p:nvPr>
+            <p:ph type="title"/>
+          </p:nvPr>
+        </p:nvSpPr>
+        <p:spPr/>
+        <p:txBody>
+          <a:bodyPr/>
+          <a:p>
+            <a:r>
+              <a:rPr lang="" altLang="en-US"/>
+              <a:t>Latar Belakang</a:t>
+            </a:r>
+            <a:endParaRPr lang="" altLang="en-US"/>
+          </a:p>
+        </p:txBody>
+      </p:sp>
+      <p:sp>
+        <p:nvSpPr>
+          <p:cNvPr id="3" name="Content Placeholder 2"/>
+          <p:cNvSpPr>
+            <a:spLocks noGrp="1"/>
+          </p:cNvSpPr>
+          <p:nvPr>
+            <p:ph idx="1"/>
+          </p:nvPr>
+        </p:nvSpPr>
+        <p:spPr/>
+        <p:txBody>
+          <a:bodyPr/>
+          <a:p>
+            <a:endParaRPr lang="en-US"/>
+          </a:p>
+        </p:txBody>
+      </p:sp>
+      <p:graphicFrame>
+        <p:nvGraphicFramePr>
+          <p:cNvPr id="5" name="Diagram 4"/>
+          <p:cNvGraphicFramePr/>
+          <p:nvPr/>
+        </p:nvGraphicFramePr>
+        <p:xfrm>
+          <a:off x="2032000" y="719455"/>
+          <a:ext cx="8128000" cy="5418455"/>
+        </p:xfrm>
+        <a:graphic>
+          <a:graphicData uri="http://schemas.openxmlformats.org/drawingml/2006/diagram">
+            <dgm:relIds xmlns:dgm="http://schemas.openxmlformats.org/drawingml/2006/diagram" xmlns:r="http://schemas.openxmlformats.org/officeDocument/2006/relationships" r:dm="rId1" r:lo="rId2" r:qs="rId3" r:cs="rId4"/>
+          </a:graphicData>
+        </a:graphic>
+      </p:graphicFrame>
+    </p:spTree>
+  </p:cSld>
+  <p:clrMapOvr>
+    <a:masterClrMapping/>
+  </p:clrMapOvr>
+</p:sld>
+</file>
+
+<file path=ppt/slides/slide8.xml><?xml version="1.0" encoding="utf-8"?>
+<p:sld xmlns:a="http://schemas.openxmlformats.org/drawingml/2006/main" xmlns:r="http://schemas.openxmlformats.org/officeDocument/2006/relationships" xmlns:p="http://schemas.openxmlformats.org/presentationml/2006/main">
+  <p:cSld>
+    <p:spTree>
+      <p:nvGrpSpPr>
+        <p:cNvPr id="1" name=""/>
+        <p:cNvGrpSpPr/>
+        <p:nvPr/>
+      </p:nvGrpSpPr>
+      <p:grpSpPr/>
+      <p:sp>
+        <p:nvSpPr>
+          <p:cNvPr id="2" name="Title 1"/>
+          <p:cNvSpPr>
+            <a:spLocks noGrp="1"/>
+          </p:cNvSpPr>
+          <p:nvPr>
+            <p:ph type="title"/>
+          </p:nvPr>
+        </p:nvSpPr>
+        <p:spPr/>
+        <p:txBody>
+          <a:bodyPr/>
+          <a:p>
+            <a:r>
+              <a:rPr lang="" altLang="en-US"/>
+              <a:t>Latar Belakang</a:t>
+            </a:r>
+            <a:endParaRPr lang="" altLang="en-US"/>
+          </a:p>
+        </p:txBody>
+      </p:sp>
+      <p:sp>
+        <p:nvSpPr>
+          <p:cNvPr id="3" name="Content Placeholder 2"/>
+          <p:cNvSpPr>
+            <a:spLocks noGrp="1"/>
+          </p:cNvSpPr>
+          <p:nvPr>
+            <p:ph idx="1"/>
+          </p:nvPr>
+        </p:nvSpPr>
+        <p:spPr/>
+        <p:txBody>
+          <a:bodyPr/>
+          <a:p>
+            <a:endParaRPr lang="en-US"/>
+          </a:p>
+        </p:txBody>
+      </p:sp>
+      <p:graphicFrame>
+        <p:nvGraphicFramePr>
+          <p:cNvPr id="4" name="Diagram 3"/>
+          <p:cNvGraphicFramePr/>
+          <p:nvPr/>
+        </p:nvGraphicFramePr>
+        <p:xfrm>
+          <a:off x="2032000" y="719455"/>
+          <a:ext cx="8128000" cy="5418455"/>
+        </p:xfrm>
+        <a:graphic>
+          <a:graphicData uri="http://schemas.openxmlformats.org/drawingml/2006/diagram">
+            <dgm:relIds xmlns:dgm="http://schemas.openxmlformats.org/drawingml/2006/diagram" xmlns:r="http://schemas.openxmlformats.org/officeDocument/2006/relationships" r:dm="rId1" r:lo="rId2" r:qs="rId3" r:cs="rId4"/>
+          </a:graphicData>
+        </a:graphic>
+      </p:graphicFrame>
+      <p:sp>
+        <p:nvSpPr>
+          <p:cNvPr id="5" name="Text Box 4"/>
+          <p:cNvSpPr txBox="1"/>
+          <p:nvPr/>
+        </p:nvSpPr>
+        <p:spPr>
+          <a:xfrm>
+            <a:off x="2645410" y="2737485"/>
+            <a:ext cx="1872615" cy="1383665"/>
+          </a:xfrm>
+          <a:prstGeom prst="rect">
+            <a:avLst/>
+          </a:prstGeom>
+          <a:noFill/>
+        </p:spPr>
+        <p:txBody>
+          <a:bodyPr wrap="square" rtlCol="0">
+            <a:spAutoFit/>
+          </a:bodyPr>
+          <a:p>
+            <a:pPr algn="ctr"/>
+            <a:r>
+              <a:rPr lang="" altLang="en-US" sz="2800">
+                <a:solidFill>
+                  <a:schemeClr val="bg1"/>
+                </a:solidFill>
+              </a:rPr>
+              <a:t>Bekal menghafal Alquran</a:t>
+            </a:r>
+            <a:endParaRPr lang="" altLang="en-US" sz="2800">
+              <a:solidFill>
+                <a:schemeClr val="bg1"/>
+              </a:solidFill>
+            </a:endParaRPr>
+          </a:p>
+        </p:txBody>
+      </p:sp>
+      <p:sp>
+        <p:nvSpPr>
+          <p:cNvPr id="6" name="Text Box 5"/>
+          <p:cNvSpPr txBox="1"/>
+          <p:nvPr/>
+        </p:nvSpPr>
+        <p:spPr>
+          <a:xfrm>
+            <a:off x="2072640" y="5462270"/>
+            <a:ext cx="1846580" cy="368300"/>
+          </a:xfrm>
+          <a:prstGeom prst="rect">
+            <a:avLst/>
+          </a:prstGeom>
+          <a:noFill/>
+        </p:spPr>
+        <p:txBody>
+          <a:bodyPr wrap="none" rtlCol="0">
+            <a:spAutoFit/>
+          </a:bodyPr>
+          <a:p>
+            <a:pPr algn="l"/>
+            <a:r>
+              <a:rPr lang="en-US"/>
+              <a:t>Sa’dulloh </a:t>
+            </a:r>
+            <a:r>
+              <a:rPr lang="" altLang="en-US"/>
+              <a:t>(</a:t>
+            </a:r>
+            <a:r>
+              <a:rPr lang="en-US"/>
+              <a:t>2008)</a:t>
+            </a:r>
+            <a:endParaRPr lang="en-US"/>
+          </a:p>
+        </p:txBody>
+      </p:sp>
+    </p:spTree>
+  </p:cSld>
+  <p:clrMapOvr>
+    <a:masterClrMapping/>
+  </p:clrMapOvr>
+</p:sld>
+</file>
+
+<file path=ppt/slides/slide9.xml><?xml version="1.0" encoding="utf-8"?>
+<p:sld xmlns:a="http://schemas.openxmlformats.org/drawingml/2006/main" xmlns:r="http://schemas.openxmlformats.org/officeDocument/2006/relationships" xmlns:p="http://schemas.openxmlformats.org/presentationml/2006/main">
+  <p:cSld>
+    <p:spTree>
+      <p:nvGrpSpPr>
+        <p:cNvPr id="1" name=""/>
+        <p:cNvGrpSpPr/>
+        <p:nvPr/>
+      </p:nvGrpSpPr>
+      <p:grpSpPr/>
+      <p:sp>
+        <p:nvSpPr>
+          <p:cNvPr id="2" name="Title 1"/>
+          <p:cNvSpPr>
+            <a:spLocks noGrp="1"/>
+          </p:cNvSpPr>
+          <p:nvPr>
+            <p:ph type="title"/>
+          </p:nvPr>
+        </p:nvSpPr>
+        <p:spPr/>
+        <p:txBody>
+          <a:bodyPr/>
+          <a:p>
+            <a:r>
+              <a:rPr lang="" altLang="en-US"/>
+              <a:t>Latar Belakang</a:t>
+            </a:r>
+            <a:endParaRPr lang="" altLang="en-US"/>
+          </a:p>
+        </p:txBody>
+      </p:sp>
+      <p:sp>
+        <p:nvSpPr>
+          <p:cNvPr id="3" name="Content Placeholder 2"/>
+          <p:cNvSpPr>
+            <a:spLocks noGrp="1"/>
+          </p:cNvSpPr>
+          <p:nvPr>
+            <p:ph idx="1"/>
+          </p:nvPr>
+        </p:nvSpPr>
+        <p:spPr/>
+        <p:txBody>
+          <a:bodyPr/>
+          <a:p>
+            <a:pPr marL="457200" lvl="1" indent="0">
+              <a:buNone/>
+            </a:pPr>
+            <a:endParaRPr lang="" altLang="en-US"/>
+          </a:p>
+        </p:txBody>
+      </p:sp>
+      <p:sp>
+        <p:nvSpPr>
+          <p:cNvPr id="5" name="Text Box 4"/>
+          <p:cNvSpPr txBox="1"/>
+          <p:nvPr/>
+        </p:nvSpPr>
+        <p:spPr>
+          <a:xfrm>
+            <a:off x="609600" y="5482590"/>
+            <a:ext cx="3040380" cy="645160"/>
+          </a:xfrm>
+          <a:prstGeom prst="rect">
+            <a:avLst/>
+          </a:prstGeom>
+          <a:noFill/>
+        </p:spPr>
+        <p:txBody>
+          <a:bodyPr wrap="none" rtlCol="0">
+            <a:spAutoFit/>
+          </a:bodyPr>
+          <a:p>
+            <a:r>
+              <a:rPr lang="" altLang="en-US"/>
+              <a:t>Hasil wawancara</a:t>
+            </a:r>
+            <a:endParaRPr lang="" altLang="en-US"/>
+          </a:p>
+          <a:p>
+            <a:r>
+              <a:rPr lang="" altLang="en-US"/>
+              <a:t>(Kamis, 13 Desember 2018)</a:t>
+            </a:r>
+            <a:endParaRPr lang="" altLang="en-US"/>
+          </a:p>
+        </p:txBody>
+      </p:sp>
+      <p:graphicFrame>
+        <p:nvGraphicFramePr>
+          <p:cNvPr id="6" name="Diagram 5"/>
+          <p:cNvGraphicFramePr/>
+          <p:nvPr/>
+        </p:nvGraphicFramePr>
+        <p:xfrm>
+          <a:off x="2032000" y="719455"/>
+          <a:ext cx="8128000" cy="5418455"/>
+        </p:xfrm>
+        <a:graphic>
+          <a:graphicData uri="http://schemas.openxmlformats.org/drawingml/2006/diagram">
+            <dgm:relIds xmlns:dgm="http://schemas.openxmlformats.org/drawingml/2006/diagram" xmlns:r="http://schemas.openxmlformats.org/officeDocument/2006/relationships" r:dm="rId1" r:lo="rId2" r:qs="rId3" r:cs="rId4"/>
+          </a:graphicData>
+        </a:graphic>
+      </p:graphicFrame>
+      <p:sp>
+        <p:nvSpPr>
+          <p:cNvPr id="8" name="Oval 7"/>
+          <p:cNvSpPr/>
+          <p:nvPr/>
+        </p:nvSpPr>
+        <p:spPr>
+          <a:xfrm>
+            <a:off x="6537325" y="4439920"/>
+            <a:ext cx="1042670" cy="1042670"/>
+          </a:xfrm>
+          <a:prstGeom prst="ellipse">
+            <a:avLst/>
+          </a:prstGeom>
+          <a:gradFill rotWithShape="0">
+            <a:gsLst>
+              <a:gs pos="0">
+                <a:schemeClr val="accent1"/>
+              </a:gs>
+              <a:gs pos="100000">
+                <a:schemeClr val="accent2"/>
+              </a:gs>
+            </a:gsLst>
+            <a:lin ang="5400000" scaled="1"/>
+          </a:gradFill>
+          <a:ln w="9525" cap="flat" cmpd="sng" algn="ctr">
+            <a:solidFill>
+              <a:schemeClr val="accent1"/>
+            </a:solidFill>
+            <a:prstDash val="solid"/>
+            <a:round/>
+            <a:headEnd type="none" w="med" len="med"/>
+            <a:tailEnd type="none" w="med" len="med"/>
+          </a:ln>
+        </p:spPr>
+        <p:txBody>
+          <a:bodyPr vert="horz" wrap="none" lIns="91440" tIns="45720" rIns="91440" bIns="45720" numCol="1" anchor="ctr" anchorCtr="0" compatLnSpc="1"/>
+          <a:p>
+            <a:pPr marL="0" marR="0" indent="0" algn="l" defTabSz="914400" rtl="0" eaLnBrk="1" fontAlgn="base" latinLnBrk="0" hangingPunct="1">
+              <a:lnSpc>
+                <a:spcPct val="100000"/>
+              </a:lnSpc>
+              <a:spcBef>
+                <a:spcPct val="0"/>
+              </a:spcBef>
+              <a:spcAft>
+                <a:spcPct val="0"/>
+              </a:spcAft>
+              <a:buClrTx/>
+              <a:buSzTx/>
+              <a:buFontTx/>
+              <a:buNone/>
+            </a:pPr>
+            <a:endParaRPr kumimoji="0" lang="zh-CN" altLang="en-US" sz="1800" b="0" i="0" u="none" strike="noStrike" cap="none" normalizeH="0" baseline="0" smtClean="0">
+              <a:ln>
+                <a:noFill/>
+              </a:ln>
+              <a:solidFill>
+                <a:schemeClr val="tx1"/>
+              </a:solidFill>
+              <a:effectLst/>
+              <a:latin typeface="Arial" panose="020B0604020202020204" pitchFamily="34" charset="0"/>
+              <a:ea typeface="SimSun" pitchFamily="2" charset="-122"/>
+            </a:endParaRPr>
+          </a:p>
+        </p:txBody>
+      </p:sp>
+      <p:sp>
+        <p:nvSpPr>
+          <p:cNvPr id="9" name="Text Box 8"/>
+          <p:cNvSpPr txBox="1"/>
+          <p:nvPr/>
+        </p:nvSpPr>
+        <p:spPr>
+          <a:xfrm>
+            <a:off x="6677660" y="4700270"/>
+            <a:ext cx="762635" cy="521970"/>
+          </a:xfrm>
+          <a:prstGeom prst="rect">
+            <a:avLst/>
+          </a:prstGeom>
+          <a:noFill/>
+        </p:spPr>
+        <p:txBody>
+          <a:bodyPr wrap="square" rtlCol="0">
+            <a:spAutoFit/>
+          </a:bodyPr>
+          <a:p>
+            <a:pPr algn="ctr"/>
+            <a:r>
+              <a:rPr lang="" altLang="en-US" sz="1400">
+                <a:solidFill>
+                  <a:schemeClr val="bg1"/>
+                </a:solidFill>
+              </a:rPr>
+              <a:t>Pikiran negatif</a:t>
+            </a:r>
+            <a:endParaRPr lang="" altLang="en-US" sz="1400">
+              <a:solidFill>
+                <a:schemeClr val="bg1"/>
+              </a:solidFill>
+            </a:endParaRPr>
           </a:p>
         </p:txBody>
       </p:sp>

--- a/seminar proposal.pptx
+++ b/seminar proposal.pptx
@@ -30,6 +30,9 @@
     <p:sldId id="276" r:id="rId23"/>
     <p:sldId id="277" r:id="rId24"/>
     <p:sldId id="279" r:id="rId25"/>
+    <p:sldId id="280" r:id="rId26"/>
+    <p:sldId id="281" r:id="rId27"/>
+    <p:sldId id="282" r:id="rId28"/>
   </p:sldIdLst>
   <p:sldSz cx="12192000" cy="6858000"/>
   <p:notesSz cx="6858000" cy="9144000"/>
@@ -12761,7 +12764,6 @@
             <a:spcAft>
               <a:spcPct val="35000"/>
             </a:spcAft>
-            <a:buNone/>
           </a:pPr>
           <a:r>
             <a:rPr lang=""/>
@@ -17425,7 +17427,7 @@
         </a:fontRef>
       </dsp:style>
       <dsp:txBody>
-        <a:bodyPr lIns="45719" tIns="45719" rIns="45719" bIns="45719" anchor="ctr"/>
+        <a:bodyPr vert="horz" wrap="square" lIns="45719" tIns="45719" rIns="45719" bIns="45719" anchor="ctr"/>
         <a:lstStyle>
           <a:lvl1pPr algn="ctr">
             <a:defRPr sz="1200"/>
@@ -17466,7 +17468,6 @@
             <a:spcAft>
               <a:spcPct val="35000"/>
             </a:spcAft>
-            <a:buNone/>
           </a:pPr>
           <a:r>
             <a:rPr lang="en-US"/>
@@ -17543,7 +17544,7 @@
         </a:fontRef>
       </dsp:style>
       <dsp:txBody>
-        <a:bodyPr lIns="45719" tIns="45719" rIns="45719" bIns="45719" anchor="ctr"/>
+        <a:bodyPr vert="horz" wrap="square" lIns="45719" tIns="45719" rIns="45719" bIns="45719" anchor="ctr"/>
         <a:lstStyle>
           <a:lvl1pPr algn="ctr">
             <a:defRPr sz="1200"/>
@@ -17584,7 +17585,6 @@
             <a:spcAft>
               <a:spcPct val="35000"/>
             </a:spcAft>
-            <a:buNone/>
           </a:pPr>
           <a:r>
             <a:rPr lang="en-US"/>
@@ -17665,7 +17665,7 @@
         </a:fontRef>
       </dsp:style>
       <dsp:txBody>
-        <a:bodyPr lIns="45719" tIns="45719" rIns="45719" bIns="45719" anchor="ctr"/>
+        <a:bodyPr vert="horz" wrap="square" lIns="45719" tIns="45719" rIns="45719" bIns="45719" anchor="ctr"/>
         <a:lstStyle>
           <a:lvl1pPr algn="ctr">
             <a:defRPr sz="1200"/>
@@ -17706,7 +17706,6 @@
             <a:spcAft>
               <a:spcPct val="35000"/>
             </a:spcAft>
-            <a:buNone/>
           </a:pPr>
           <a:r>
             <a:rPr lang="en-US"/>
@@ -17787,7 +17786,7 @@
         </a:fontRef>
       </dsp:style>
       <dsp:txBody>
-        <a:bodyPr lIns="45719" tIns="45719" rIns="45719" bIns="45719" anchor="ctr"/>
+        <a:bodyPr vert="horz" wrap="square" lIns="45719" tIns="45719" rIns="45719" bIns="45719" anchor="ctr"/>
         <a:lstStyle>
           <a:lvl1pPr algn="ctr">
             <a:defRPr sz="1200"/>
@@ -17828,7 +17827,6 @@
             <a:spcAft>
               <a:spcPct val="35000"/>
             </a:spcAft>
-            <a:buNone/>
           </a:pPr>
           <a:r>
             <a:rPr lang="en-US"/>
@@ -17921,7 +17919,7 @@
         </a:fontRef>
       </dsp:style>
       <dsp:txBody>
-        <a:bodyPr lIns="45719" tIns="45719" rIns="45719" bIns="45719" anchor="ctr"/>
+        <a:bodyPr vert="horz" wrap="square" lIns="45719" tIns="45719" rIns="45719" bIns="45719" anchor="ctr"/>
         <a:lstStyle>
           <a:lvl1pPr algn="ctr">
             <a:defRPr sz="1200"/>
@@ -17962,7 +17960,6 @@
             <a:spcAft>
               <a:spcPct val="35000"/>
             </a:spcAft>
-            <a:buNone/>
           </a:pPr>
           <a:r>
             <a:rPr lang="en-US"/>
@@ -36489,15 +36486,26 @@
             <p:ph type="ctrTitle"/>
           </p:nvPr>
         </p:nvSpPr>
-        <p:spPr/>
+        <p:spPr>
+          <a:xfrm>
+            <a:off x="624417" y="1472565"/>
+            <a:ext cx="10943167" cy="1082675"/>
+          </a:xfrm>
+        </p:spPr>
         <p:txBody>
           <a:bodyPr/>
           <a:p>
             <a:r>
-              <a:rPr lang="en-US"/>
+              <a:rPr lang="en-US">
+                <a:latin typeface="Times New Roman" panose="02020603050405020304" charset="0"/>
+                <a:cs typeface="Times New Roman" panose="02020603050405020304" charset="0"/>
+              </a:rPr>
               <a:t>Pengaruh Efikasi Diri dan Dukungan Guru Tahfidz terhadap Motivasi Menghafal Alquran</a:t>
             </a:r>
-            <a:endParaRPr lang="en-US"/>
+            <a:endParaRPr lang="en-US">
+              <a:latin typeface="Times New Roman" panose="02020603050405020304" charset="0"/>
+              <a:cs typeface="Times New Roman" panose="02020603050405020304" charset="0"/>
+            </a:endParaRPr>
           </a:p>
         </p:txBody>
       </p:sp>
@@ -36511,32 +36519,37 @@
             <p:ph type="subTitle" idx="1"/>
           </p:nvPr>
         </p:nvSpPr>
-        <p:spPr/>
+        <p:spPr>
+          <a:xfrm>
+            <a:off x="623993" y="2773045"/>
+            <a:ext cx="10949517" cy="1752600"/>
+          </a:xfrm>
+        </p:spPr>
         <p:txBody>
           <a:bodyPr/>
           <a:p>
             <a:r>
-              <a:rPr lang="en-US"/>
+              <a:rPr lang="en-US">
+                <a:latin typeface="Times New Roman" panose="02020603050405020304" charset="0"/>
+                <a:cs typeface="Times New Roman" panose="02020603050405020304" charset="0"/>
+              </a:rPr>
               <a:t>(Pada Santri SMA Tahfidz Al Izzah Samarinda)</a:t>
             </a:r>
-            <a:endParaRPr lang="en-US"/>
+            <a:endParaRPr lang="en-US">
+              <a:latin typeface="Times New Roman" panose="02020603050405020304" charset="0"/>
+              <a:cs typeface="Times New Roman" panose="02020603050405020304" charset="0"/>
+            </a:endParaRPr>
           </a:p>
           <a:p>
-            <a:endParaRPr lang="en-US"/>
+            <a:endParaRPr lang="en-US">
+              <a:latin typeface="Times New Roman" panose="02020603050405020304" charset="0"/>
+              <a:cs typeface="Times New Roman" panose="02020603050405020304" charset="0"/>
+            </a:endParaRPr>
           </a:p>
           <a:p>
-            <a:r>
-              <a:rPr lang="en-US" altLang="en-US">
-                <a:solidFill>
-                  <a:schemeClr val="tx1"/>
-                </a:solidFill>
-              </a:rPr>
-              <a:t>Muhammad Zaini</a:t>
-            </a:r>
-            <a:endParaRPr lang="en-US" altLang="en-US">
-              <a:solidFill>
-                <a:schemeClr val="tx1"/>
-              </a:solidFill>
+            <a:endParaRPr lang="en-US">
+              <a:latin typeface="Times New Roman" panose="02020603050405020304" charset="0"/>
+              <a:cs typeface="Times New Roman" panose="02020603050405020304" charset="0"/>
             </a:endParaRPr>
           </a:p>
           <a:p>
@@ -36545,6 +36558,27 @@
                 <a:solidFill>
                   <a:schemeClr val="tx1"/>
                 </a:solidFill>
+                <a:latin typeface="Times New Roman" panose="02020603050405020304" charset="0"/>
+                <a:cs typeface="Times New Roman" panose="02020603050405020304" charset="0"/>
+              </a:rPr>
+              <a:t>Muhammad Zaini</a:t>
+            </a:r>
+            <a:endParaRPr lang="en-US" altLang="en-US">
+              <a:solidFill>
+                <a:schemeClr val="tx1"/>
+              </a:solidFill>
+              <a:latin typeface="Times New Roman" panose="02020603050405020304" charset="0"/>
+              <a:cs typeface="Times New Roman" panose="02020603050405020304" charset="0"/>
+            </a:endParaRPr>
+          </a:p>
+          <a:p>
+            <a:r>
+              <a:rPr lang="en-US" altLang="en-US">
+                <a:solidFill>
+                  <a:schemeClr val="tx1"/>
+                </a:solidFill>
+                <a:latin typeface="Times New Roman" panose="02020603050405020304" charset="0"/>
+                <a:cs typeface="Times New Roman" panose="02020603050405020304" charset="0"/>
               </a:rPr>
               <a:t>(NIM. 1502105051)</a:t>
             </a:r>
@@ -36552,6 +36586,8 @@
               <a:solidFill>
                 <a:schemeClr val="tx1"/>
               </a:solidFill>
+              <a:latin typeface="Times New Roman" panose="02020603050405020304" charset="0"/>
+              <a:cs typeface="Times New Roman" panose="02020603050405020304" charset="0"/>
             </a:endParaRPr>
           </a:p>
         </p:txBody>
@@ -38751,6 +38787,222 @@
       <p:grpSpPr/>
       <p:sp>
         <p:nvSpPr>
+          <p:cNvPr id="4" name="Title 3"/>
+          <p:cNvSpPr>
+            <a:spLocks noGrp="1"/>
+          </p:cNvSpPr>
+          <p:nvPr>
+            <p:ph type="title"/>
+          </p:nvPr>
+        </p:nvSpPr>
+        <p:spPr/>
+        <p:txBody>
+          <a:bodyPr/>
+          <a:p>
+            <a:r>
+              <a:rPr lang="" altLang="en-US"/>
+              <a:t>BAB II</a:t>
+            </a:r>
+            <a:endParaRPr lang="" altLang="en-US"/>
+          </a:p>
+        </p:txBody>
+      </p:sp>
+      <p:sp>
+        <p:nvSpPr>
+          <p:cNvPr id="5" name="Text Placeholder 4"/>
+          <p:cNvSpPr>
+            <a:spLocks noGrp="1"/>
+          </p:cNvSpPr>
+          <p:nvPr>
+            <p:ph type="body" idx="1"/>
+          </p:nvPr>
+        </p:nvSpPr>
+        <p:spPr/>
+        <p:txBody>
+          <a:bodyPr/>
+          <a:p>
+            <a:r>
+              <a:rPr lang="" altLang="en-US"/>
+              <a:t>TINJAUAN PUSTAKA</a:t>
+            </a:r>
+            <a:endParaRPr lang="" altLang="en-US"/>
+          </a:p>
+        </p:txBody>
+      </p:sp>
+    </p:spTree>
+  </p:cSld>
+  <p:clrMapOvr>
+    <a:masterClrMapping/>
+  </p:clrMapOvr>
+</p:sld>
+</file>
+
+<file path=ppt/slides/slide23.xml><?xml version="1.0" encoding="utf-8"?>
+<p:sld xmlns:a="http://schemas.openxmlformats.org/drawingml/2006/main" xmlns:r="http://schemas.openxmlformats.org/officeDocument/2006/relationships" xmlns:p="http://schemas.openxmlformats.org/presentationml/2006/main">
+  <p:cSld>
+    <p:spTree>
+      <p:nvGrpSpPr>
+        <p:cNvPr id="1" name=""/>
+        <p:cNvGrpSpPr/>
+        <p:nvPr/>
+      </p:nvGrpSpPr>
+      <p:grpSpPr/>
+      <p:sp>
+        <p:nvSpPr>
+          <p:cNvPr id="4" name="Title 3"/>
+          <p:cNvSpPr>
+            <a:spLocks noGrp="1"/>
+          </p:cNvSpPr>
+          <p:nvPr>
+            <p:ph type="title"/>
+          </p:nvPr>
+        </p:nvSpPr>
+        <p:spPr/>
+        <p:txBody>
+          <a:bodyPr/>
+          <a:p>
+            <a:r>
+              <a:rPr lang="" altLang="en-US"/>
+              <a:t>Motivasi Menghafal Alquran</a:t>
+            </a:r>
+            <a:endParaRPr lang="" altLang="en-US"/>
+          </a:p>
+        </p:txBody>
+      </p:sp>
+      <p:sp>
+        <p:nvSpPr>
+          <p:cNvPr id="5" name="Text Placeholder 4"/>
+          <p:cNvSpPr>
+            <a:spLocks noGrp="1"/>
+          </p:cNvSpPr>
+          <p:nvPr>
+            <p:ph type="body" idx="1"/>
+          </p:nvPr>
+        </p:nvSpPr>
+        <p:spPr/>
+        <p:txBody>
+          <a:bodyPr/>
+          <a:p>
+            <a:r>
+              <a:rPr lang="" altLang="en-US"/>
+              <a:t>Winkel (2012)</a:t>
+            </a:r>
+            <a:endParaRPr lang="" altLang="en-US"/>
+          </a:p>
+        </p:txBody>
+      </p:sp>
+      <p:sp>
+        <p:nvSpPr>
+          <p:cNvPr id="6" name="Content Placeholder 5"/>
+          <p:cNvSpPr>
+            <a:spLocks noGrp="1"/>
+          </p:cNvSpPr>
+          <p:nvPr>
+            <p:ph sz="half" idx="2"/>
+          </p:nvPr>
+        </p:nvSpPr>
+        <p:spPr/>
+        <p:txBody>
+          <a:bodyPr/>
+          <a:p>
+            <a:pPr marL="0" indent="0">
+              <a:buNone/>
+            </a:pPr>
+            <a:r>
+              <a:rPr lang="" altLang="en-US" sz="2100" b="1"/>
+              <a:t>Motivasi belajar: </a:t>
+            </a:r>
+            <a:r>
+              <a:rPr lang="" altLang="en-US" sz="2100"/>
+              <a:t>K</a:t>
+            </a:r>
+            <a:r>
+              <a:rPr lang="en-US" sz="2100"/>
+              <a:t>eseluruhan daya penggerak psikis di dalam diri siswa yang menimbulkan kegiatan belajar, menjamin kelangsungan kegiatan belajar dan memberikan arah pada kegiatan belajar itu demi mencapai suatu tujuan. Motivasi belajar memegang peranan penting dalam memberikan gairah semangat belajar, sehingga siswa yang bermotivasi kuat memiliki banyak energi untuk melakukan kegiatan belajar.</a:t>
+            </a:r>
+            <a:endParaRPr lang="en-US" sz="2100"/>
+          </a:p>
+        </p:txBody>
+      </p:sp>
+      <p:sp>
+        <p:nvSpPr>
+          <p:cNvPr id="7" name="Text Placeholder 6"/>
+          <p:cNvSpPr>
+            <a:spLocks noGrp="1"/>
+          </p:cNvSpPr>
+          <p:nvPr>
+            <p:ph type="body" sz="quarter" idx="3"/>
+          </p:nvPr>
+        </p:nvSpPr>
+        <p:spPr/>
+        <p:txBody>
+          <a:bodyPr/>
+          <a:p>
+            <a:r>
+              <a:rPr lang="en-US"/>
+              <a:t>Dimyati </a:t>
+            </a:r>
+            <a:r>
+              <a:rPr lang="" altLang="en-US"/>
+              <a:t>(</a:t>
+            </a:r>
+            <a:r>
+              <a:rPr lang="en-US"/>
+              <a:t>2009)</a:t>
+            </a:r>
+            <a:endParaRPr lang="en-US"/>
+          </a:p>
+        </p:txBody>
+      </p:sp>
+      <p:sp>
+        <p:nvSpPr>
+          <p:cNvPr id="8" name="Content Placeholder 7"/>
+          <p:cNvSpPr>
+            <a:spLocks noGrp="1"/>
+          </p:cNvSpPr>
+          <p:nvPr>
+            <p:ph sz="quarter" idx="4"/>
+          </p:nvPr>
+        </p:nvSpPr>
+        <p:spPr/>
+        <p:txBody>
+          <a:bodyPr/>
+          <a:p>
+            <a:pPr marL="0" indent="0">
+              <a:buNone/>
+            </a:pPr>
+            <a:r>
+              <a:rPr lang="" altLang="en-US" sz="2000" b="1"/>
+              <a:t>Motivasi belajar:</a:t>
+            </a:r>
+            <a:r>
+              <a:rPr lang="" altLang="en-US" sz="2000"/>
+              <a:t> Kecenderungan siswa dalam melakukan kegiatan belajar yang didorong oleh hasrat untuk mencapai prestasi atau hasil belajar sebaik mungkin. Motivasi dipandang sebagai dorongan mental yang menggerakkan dan mengarahkan perilaku manusia, termasuk perilaku di dalam belajar. Di dalam motivasi terkandung adanya keinginan yang mengaktifkan, menggerakkan, menyalurkan dan mengarahkan sikap serta perilaku pada belajar individu tersebut.</a:t>
+            </a:r>
+            <a:endParaRPr lang="" altLang="en-US" sz="2000"/>
+          </a:p>
+        </p:txBody>
+      </p:sp>
+    </p:spTree>
+  </p:cSld>
+  <p:clrMapOvr>
+    <a:masterClrMapping/>
+  </p:clrMapOvr>
+</p:sld>
+</file>
+
+<file path=ppt/slides/slide24.xml><?xml version="1.0" encoding="utf-8"?>
+<p:sld xmlns:a="http://schemas.openxmlformats.org/drawingml/2006/main" xmlns:r="http://schemas.openxmlformats.org/officeDocument/2006/relationships" xmlns:p="http://schemas.openxmlformats.org/presentationml/2006/main">
+  <p:cSld>
+    <p:spTree>
+      <p:nvGrpSpPr>
+        <p:cNvPr id="1" name=""/>
+        <p:cNvGrpSpPr/>
+        <p:nvPr/>
+      </p:nvGrpSpPr>
+      <p:grpSpPr/>
+      <p:sp>
+        <p:nvSpPr>
           <p:cNvPr id="2" name="Title 1"/>
           <p:cNvSpPr>
             <a:spLocks noGrp="1"/>
@@ -38763,25 +39015,179 @@
         <p:txBody>
           <a:bodyPr/>
           <a:p>
+            <a:r>
+              <a:rPr lang="" altLang="en-US"/>
+              <a:t>Motivasi Menghafal Alquran</a:t>
+            </a:r>
+            <a:endParaRPr lang="" altLang="en-US"/>
+          </a:p>
+        </p:txBody>
+      </p:sp>
+      <p:sp>
+        <p:nvSpPr>
+          <p:cNvPr id="3" name="Text Placeholder 2"/>
+          <p:cNvSpPr>
+            <a:spLocks noGrp="1"/>
+          </p:cNvSpPr>
+          <p:nvPr>
+            <p:ph type="body" idx="1"/>
+          </p:nvPr>
+        </p:nvSpPr>
+        <p:spPr/>
+        <p:txBody>
+          <a:bodyPr/>
+          <a:p>
+            <a:r>
+              <a:rPr lang="en-US"/>
+              <a:t>Kamus Besar Bahasa Indonesia (2008)</a:t>
+            </a:r>
             <a:endParaRPr lang="en-US"/>
           </a:p>
         </p:txBody>
       </p:sp>
       <p:sp>
         <p:nvSpPr>
-          <p:cNvPr id="3" name="Content Placeholder 2"/>
+          <p:cNvPr id="4" name="Content Placeholder 3"/>
           <p:cNvSpPr>
             <a:spLocks noGrp="1"/>
           </p:cNvSpPr>
           <p:nvPr>
-            <p:ph idx="1"/>
+            <p:ph sz="half" idx="2"/>
           </p:nvPr>
         </p:nvSpPr>
         <p:spPr/>
         <p:txBody>
           <a:bodyPr/>
           <a:p>
+            <a:pPr marL="0" indent="0">
+              <a:buNone/>
+            </a:pPr>
+            <a:r>
+              <a:rPr lang="" altLang="en-US" sz="2600" b="1"/>
+              <a:t>Menghafal: </a:t>
+            </a:r>
+            <a:r>
+              <a:rPr lang="" altLang="en-US" sz="2600"/>
+              <a:t>Berasal dari kata dasar hafal yang memiliki dua arti: telah masuk dalam ingatan (tentang pelajaran), dan dapat mengucapkan di luar kepala (tanpa melihat buku atau catatan lain). Adapun arti menghafal adalah berusaha meresapkan ke dalam pikiran agar selalu ingat.</a:t>
+            </a:r>
+            <a:endParaRPr lang="" altLang="en-US" sz="2600"/>
+          </a:p>
+        </p:txBody>
+      </p:sp>
+      <p:sp>
+        <p:nvSpPr>
+          <p:cNvPr id="5" name="Text Placeholder 4"/>
+          <p:cNvSpPr>
+            <a:spLocks noGrp="1"/>
+          </p:cNvSpPr>
+          <p:nvPr>
+            <p:ph type="body" sz="quarter" idx="3"/>
+          </p:nvPr>
+        </p:nvSpPr>
+        <p:spPr/>
+        <p:txBody>
+          <a:bodyPr/>
+          <a:p>
+            <a:r>
+              <a:rPr lang="en-US"/>
+              <a:t>Shihab (2013)</a:t>
+            </a:r>
             <a:endParaRPr lang="en-US"/>
+          </a:p>
+        </p:txBody>
+      </p:sp>
+      <p:sp>
+        <p:nvSpPr>
+          <p:cNvPr id="6" name="Content Placeholder 5"/>
+          <p:cNvSpPr>
+            <a:spLocks noGrp="1"/>
+          </p:cNvSpPr>
+          <p:nvPr>
+            <p:ph sz="quarter" idx="4"/>
+          </p:nvPr>
+        </p:nvSpPr>
+        <p:spPr/>
+        <p:txBody>
+          <a:bodyPr/>
+          <a:p>
+            <a:pPr marL="0" indent="0">
+              <a:buNone/>
+            </a:pPr>
+            <a:r>
+              <a:rPr lang="" altLang="en-US" sz="3100" b="1"/>
+              <a:t>Alquran:</a:t>
+            </a:r>
+            <a:r>
+              <a:rPr lang="" altLang="en-US" sz="3100"/>
+              <a:t> Firman-firman Allah Subhanahu wa Taala yang disampaikan oleh malaikat Jibril sesuai dengan redaksi-Nya kepada Nabi Muhammad Shallallahu Alaihi wa Sallam.</a:t>
+            </a:r>
+            <a:endParaRPr lang="" altLang="en-US" sz="3100"/>
+          </a:p>
+        </p:txBody>
+      </p:sp>
+    </p:spTree>
+  </p:cSld>
+  <p:clrMapOvr>
+    <a:masterClrMapping/>
+  </p:clrMapOvr>
+</p:sld>
+</file>
+
+<file path=ppt/slides/slide25.xml><?xml version="1.0" encoding="utf-8"?>
+<p:sld xmlns:a="http://schemas.openxmlformats.org/drawingml/2006/main" xmlns:r="http://schemas.openxmlformats.org/officeDocument/2006/relationships" xmlns:p="http://schemas.openxmlformats.org/presentationml/2006/main">
+  <p:cSld>
+    <p:spTree>
+      <p:nvGrpSpPr>
+        <p:cNvPr id="1" name=""/>
+        <p:cNvGrpSpPr/>
+        <p:nvPr/>
+      </p:nvGrpSpPr>
+      <p:grpSpPr/>
+      <p:sp>
+        <p:nvSpPr>
+          <p:cNvPr id="2" name="Title 1"/>
+          <p:cNvSpPr>
+            <a:spLocks noGrp="1"/>
+          </p:cNvSpPr>
+          <p:nvPr>
+            <p:ph type="title"/>
+          </p:nvPr>
+        </p:nvSpPr>
+        <p:spPr/>
+        <p:txBody>
+          <a:bodyPr/>
+          <a:p>
+            <a:r>
+              <a:rPr lang="" altLang="en-US"/>
+              <a:t>Motivasi Menghafal Alquran</a:t>
+            </a:r>
+            <a:endParaRPr lang="" altLang="en-US"/>
+          </a:p>
+        </p:txBody>
+      </p:sp>
+      <p:sp>
+        <p:nvSpPr>
+          <p:cNvPr id="7" name="Text Placeholder 6"/>
+          <p:cNvSpPr>
+            <a:spLocks noGrp="1"/>
+          </p:cNvSpPr>
+          <p:nvPr>
+            <p:ph type="body" idx="1"/>
+          </p:nvPr>
+        </p:nvSpPr>
+        <p:spPr/>
+        <p:txBody>
+          <a:bodyPr/>
+          <a:p>
+            <a:r>
+              <a:rPr lang="" altLang="en-US" sz="2000" b="1"/>
+              <a:t>Motivasi menghafal Alquran: </a:t>
+            </a:r>
+            <a:r>
+              <a:rPr lang="" altLang="en-US" sz="2000"/>
+              <a:t>keseluruhan daya penggerak baik dari dalam maupun dari luar diri individu dengan menciptakan perasaan untuk menyediakan kondisi-kondisi tertentu yang menjamin kelangsungan hidup dan memberikan arah pada kegiatan menghafal Alquran, sehingga dapat tetap tercapainya tujuan di dalam proses menghafal Alquran.</a:t>
+            </a:r>
+            <a:endParaRPr lang="" altLang="en-US" sz="2000"/>
           </a:p>
         </p:txBody>
       </p:sp>

--- a/seminar proposal.pptx
+++ b/seminar proposal.pptx
@@ -33,6 +33,12 @@
     <p:sldId id="280" r:id="rId26"/>
     <p:sldId id="281" r:id="rId27"/>
     <p:sldId id="282" r:id="rId28"/>
+    <p:sldId id="283" r:id="rId29"/>
+    <p:sldId id="284" r:id="rId30"/>
+    <p:sldId id="285" r:id="rId31"/>
+    <p:sldId id="286" r:id="rId32"/>
+    <p:sldId id="287" r:id="rId33"/>
+    <p:sldId id="288" r:id="rId34"/>
   </p:sldIdLst>
   <p:sldSz cx="12192000" cy="6858000"/>
   <p:notesSz cx="6858000" cy="9144000"/>
@@ -38863,7 +38869,7 @@
           <a:p>
             <a:r>
               <a:rPr lang="" altLang="en-US"/>
-              <a:t>Motivasi Menghafal Alquran</a:t>
+              <a:t>Motivasi Menghafal Alquran → Definisi</a:t>
             </a:r>
             <a:endParaRPr lang="" altLang="en-US"/>
           </a:p>
@@ -39017,7 +39023,7 @@
           <a:p>
             <a:r>
               <a:rPr lang="" altLang="en-US"/>
-              <a:t>Motivasi Menghafal Alquran</a:t>
+              <a:t>Motivasi Menghafal Alquran → Definisi</a:t>
             </a:r>
             <a:endParaRPr lang="" altLang="en-US"/>
           </a:p>
@@ -39159,7 +39165,7 @@
           <a:p>
             <a:r>
               <a:rPr lang="" altLang="en-US"/>
-              <a:t>Motivasi Menghafal Alquran</a:t>
+              <a:t>Motivasi Menghafal Alquran → Definisi</a:t>
             </a:r>
             <a:endParaRPr lang="" altLang="en-US"/>
           </a:p>
@@ -39188,6 +39194,752 @@
               <a:t>keseluruhan daya penggerak baik dari dalam maupun dari luar diri individu dengan menciptakan perasaan untuk menyediakan kondisi-kondisi tertentu yang menjamin kelangsungan hidup dan memberikan arah pada kegiatan menghafal Alquran, sehingga dapat tetap tercapainya tujuan di dalam proses menghafal Alquran.</a:t>
             </a:r>
             <a:endParaRPr lang="" altLang="en-US" sz="2000"/>
+          </a:p>
+        </p:txBody>
+      </p:sp>
+    </p:spTree>
+  </p:cSld>
+  <p:clrMapOvr>
+    <a:masterClrMapping/>
+  </p:clrMapOvr>
+</p:sld>
+</file>
+
+<file path=ppt/slides/slide26.xml><?xml version="1.0" encoding="utf-8"?>
+<p:sld xmlns:a="http://schemas.openxmlformats.org/drawingml/2006/main" xmlns:r="http://schemas.openxmlformats.org/officeDocument/2006/relationships" xmlns:p="http://schemas.openxmlformats.org/presentationml/2006/main">
+  <p:cSld>
+    <p:spTree>
+      <p:nvGrpSpPr>
+        <p:cNvPr id="1" name=""/>
+        <p:cNvGrpSpPr/>
+        <p:nvPr/>
+      </p:nvGrpSpPr>
+      <p:grpSpPr/>
+      <p:sp>
+        <p:nvSpPr>
+          <p:cNvPr id="4" name="Title 3"/>
+          <p:cNvSpPr>
+            <a:spLocks noGrp="1"/>
+          </p:cNvSpPr>
+          <p:nvPr>
+            <p:ph type="title"/>
+          </p:nvPr>
+        </p:nvSpPr>
+        <p:spPr/>
+        <p:txBody>
+          <a:bodyPr/>
+          <a:p>
+            <a:r>
+              <a:rPr lang="" altLang="en-US"/>
+              <a:t>Motivasi Menghafal Alquran → Faktor yang Mempengaruhi</a:t>
+            </a:r>
+            <a:endParaRPr lang="" altLang="en-US"/>
+          </a:p>
+        </p:txBody>
+      </p:sp>
+      <p:sp>
+        <p:nvSpPr>
+          <p:cNvPr id="5" name="Text Placeholder 4"/>
+          <p:cNvSpPr>
+            <a:spLocks noGrp="1"/>
+          </p:cNvSpPr>
+          <p:nvPr>
+            <p:ph type="body" idx="1"/>
+          </p:nvPr>
+        </p:nvSpPr>
+        <p:spPr/>
+        <p:txBody>
+          <a:bodyPr/>
+          <a:p>
+            <a:r>
+              <a:rPr lang="en-US"/>
+              <a:t>Santrock (2014)</a:t>
+            </a:r>
+            <a:endParaRPr lang="en-US"/>
+          </a:p>
+        </p:txBody>
+      </p:sp>
+      <p:sp>
+        <p:nvSpPr>
+          <p:cNvPr id="6" name="Content Placeholder 5"/>
+          <p:cNvSpPr>
+            <a:spLocks noGrp="1"/>
+          </p:cNvSpPr>
+          <p:nvPr>
+            <p:ph sz="half" idx="2"/>
+          </p:nvPr>
+        </p:nvSpPr>
+        <p:spPr/>
+        <p:txBody>
+          <a:bodyPr/>
+          <a:p>
+            <a:r>
+              <a:rPr lang="en-US" sz="2200"/>
+              <a:t>Faktor individu</a:t>
+            </a:r>
+            <a:endParaRPr lang="en-US" sz="2200"/>
+          </a:p>
+          <a:p>
+            <a:pPr lvl="1"/>
+            <a:r>
+              <a:rPr lang="en-US" sz="2200"/>
+              <a:t>pertumbuhan atau kematangan</a:t>
+            </a:r>
+            <a:endParaRPr lang="en-US" sz="2200"/>
+          </a:p>
+          <a:p>
+            <a:pPr lvl="1"/>
+            <a:r>
+              <a:rPr lang="en-US" sz="2200"/>
+              <a:t>kepandaian</a:t>
+            </a:r>
+            <a:endParaRPr lang="en-US" sz="2200"/>
+          </a:p>
+          <a:p>
+            <a:pPr lvl="1"/>
+            <a:r>
+              <a:rPr lang="en-US" sz="2200"/>
+              <a:t>pelatihan</a:t>
+            </a:r>
+            <a:endParaRPr lang="en-US" sz="2200"/>
+          </a:p>
+          <a:p>
+            <a:r>
+              <a:rPr lang="en-US" sz="2200"/>
+              <a:t>Faktor kemasyarakatan</a:t>
+            </a:r>
+            <a:endParaRPr lang="en-US" sz="2200"/>
+          </a:p>
+          <a:p>
+            <a:pPr lvl="1"/>
+            <a:r>
+              <a:rPr lang="en-US" sz="2200"/>
+              <a:t>keluarga atau kondisi kerumahtanggaan</a:t>
+            </a:r>
+            <a:endParaRPr lang="en-US" sz="2200"/>
+          </a:p>
+          <a:p>
+            <a:pPr lvl="1"/>
+            <a:r>
+              <a:rPr lang="en-US" sz="2200"/>
+              <a:t>alat-alat dalam belajar</a:t>
+            </a:r>
+            <a:endParaRPr lang="en-US" sz="2200"/>
+          </a:p>
+          <a:p>
+            <a:pPr lvl="1"/>
+            <a:r>
+              <a:rPr lang="en-US" sz="2200"/>
+              <a:t>guru dengan cara pengajarannya</a:t>
+            </a:r>
+            <a:endParaRPr lang="en-US" sz="2200"/>
+          </a:p>
+        </p:txBody>
+      </p:sp>
+      <p:sp>
+        <p:nvSpPr>
+          <p:cNvPr id="7" name="Text Placeholder 6"/>
+          <p:cNvSpPr>
+            <a:spLocks noGrp="1"/>
+          </p:cNvSpPr>
+          <p:nvPr>
+            <p:ph type="body" sz="quarter" idx="3"/>
+          </p:nvPr>
+        </p:nvSpPr>
+        <p:spPr/>
+        <p:txBody>
+          <a:bodyPr/>
+          <a:p>
+            <a:endParaRPr lang="en-US"/>
+          </a:p>
+        </p:txBody>
+      </p:sp>
+      <p:sp>
+        <p:nvSpPr>
+          <p:cNvPr id="8" name="Content Placeholder 7"/>
+          <p:cNvSpPr>
+            <a:spLocks noGrp="1"/>
+          </p:cNvSpPr>
+          <p:nvPr>
+            <p:ph sz="quarter" idx="4"/>
+          </p:nvPr>
+        </p:nvSpPr>
+        <p:spPr/>
+        <p:txBody>
+          <a:bodyPr/>
+          <a:p>
+            <a:r>
+              <a:rPr lang="" altLang="en-US" sz="1400"/>
+              <a:t>Faktor internal</a:t>
+            </a:r>
+            <a:endParaRPr lang="" altLang="en-US" sz="1400"/>
+          </a:p>
+          <a:p>
+            <a:pPr lvl="1"/>
+            <a:r>
+              <a:rPr lang="" altLang="en-US" sz="1400"/>
+              <a:t>Faktor jasmaniah</a:t>
+            </a:r>
+            <a:endParaRPr lang="" altLang="en-US" sz="1400"/>
+          </a:p>
+          <a:p>
+            <a:pPr lvl="1"/>
+            <a:r>
+              <a:rPr lang="" altLang="en-US" sz="1400"/>
+              <a:t>Faktor psikologis</a:t>
+            </a:r>
+            <a:endParaRPr lang="" altLang="en-US" sz="1400"/>
+          </a:p>
+          <a:p>
+            <a:r>
+              <a:rPr lang="" altLang="en-US" sz="1400"/>
+              <a:t>Faktor eksternal</a:t>
+            </a:r>
+            <a:endParaRPr lang="" altLang="en-US" sz="1400"/>
+          </a:p>
+          <a:p>
+            <a:pPr lvl="1"/>
+            <a:r>
+              <a:rPr lang="" altLang="en-US" sz="1400"/>
+              <a:t>Faktor keluarga</a:t>
+            </a:r>
+            <a:endParaRPr lang="" altLang="en-US" sz="1400"/>
+          </a:p>
+          <a:p>
+            <a:pPr lvl="2"/>
+            <a:r>
+              <a:rPr lang="" altLang="en-US" sz="1400"/>
+              <a:t>Orangtua</a:t>
+            </a:r>
+            <a:endParaRPr lang="" altLang="en-US" sz="1400"/>
+          </a:p>
+          <a:p>
+            <a:pPr lvl="2"/>
+            <a:r>
+              <a:rPr lang="" altLang="en-US" sz="1400"/>
+              <a:t>Relasi antaranggota keluarga</a:t>
+            </a:r>
+            <a:endParaRPr lang="" altLang="en-US" sz="1400"/>
+          </a:p>
+          <a:p>
+            <a:pPr lvl="1"/>
+            <a:r>
+              <a:rPr lang="" altLang="en-US" sz="1400"/>
+              <a:t>Faktor sekolah</a:t>
+            </a:r>
+            <a:endParaRPr lang="" altLang="en-US" sz="1400"/>
+          </a:p>
+          <a:p>
+            <a:pPr lvl="2"/>
+            <a:r>
+              <a:rPr lang="" altLang="en-US" sz="1400"/>
+              <a:t>Kurikulum</a:t>
+            </a:r>
+            <a:endParaRPr lang="" altLang="en-US" sz="1400"/>
+          </a:p>
+          <a:p>
+            <a:pPr lvl="2"/>
+            <a:r>
+              <a:rPr lang="" altLang="en-US" sz="1400"/>
+              <a:t>Dukungan guru</a:t>
+            </a:r>
+            <a:endParaRPr lang="" altLang="en-US" sz="1400"/>
+          </a:p>
+          <a:p>
+            <a:pPr lvl="2"/>
+            <a:r>
+              <a:rPr lang="" altLang="en-US" sz="1400"/>
+              <a:t>Lingkungan</a:t>
+            </a:r>
+            <a:endParaRPr lang="" altLang="en-US" sz="1400"/>
+          </a:p>
+          <a:p>
+            <a:pPr lvl="1"/>
+            <a:r>
+              <a:rPr lang="" altLang="en-US" sz="1400"/>
+              <a:t>Faktor masyarakat</a:t>
+            </a:r>
+            <a:endParaRPr lang="" altLang="en-US" sz="1400"/>
+          </a:p>
+          <a:p>
+            <a:pPr lvl="2"/>
+            <a:r>
+              <a:rPr lang="" altLang="en-US" sz="1400"/>
+              <a:t>Media massa</a:t>
+            </a:r>
+            <a:endParaRPr lang="" altLang="en-US" sz="1400"/>
+          </a:p>
+          <a:p>
+            <a:pPr lvl="2"/>
+            <a:r>
+              <a:rPr lang="" altLang="en-US" sz="1400"/>
+              <a:t>Teman</a:t>
+            </a:r>
+            <a:endParaRPr lang="" altLang="en-US" sz="1400"/>
+          </a:p>
+        </p:txBody>
+      </p:sp>
+    </p:spTree>
+  </p:cSld>
+  <p:clrMapOvr>
+    <a:masterClrMapping/>
+  </p:clrMapOvr>
+</p:sld>
+</file>
+
+<file path=ppt/slides/slide27.xml><?xml version="1.0" encoding="utf-8"?>
+<p:sld xmlns:a="http://schemas.openxmlformats.org/drawingml/2006/main" xmlns:r="http://schemas.openxmlformats.org/officeDocument/2006/relationships" xmlns:p="http://schemas.openxmlformats.org/presentationml/2006/main">
+  <p:cSld>
+    <p:spTree>
+      <p:nvGrpSpPr>
+        <p:cNvPr id="1" name=""/>
+        <p:cNvGrpSpPr/>
+        <p:nvPr/>
+      </p:nvGrpSpPr>
+      <p:grpSpPr/>
+      <p:sp>
+        <p:nvSpPr>
+          <p:cNvPr id="2" name="Title 1"/>
+          <p:cNvSpPr>
+            <a:spLocks noGrp="1"/>
+          </p:cNvSpPr>
+          <p:nvPr>
+            <p:ph type="title"/>
+          </p:nvPr>
+        </p:nvSpPr>
+        <p:spPr/>
+        <p:txBody>
+          <a:bodyPr/>
+          <a:p>
+            <a:r>
+              <a:rPr lang="en-US" altLang="en-US">
+                <a:sym typeface="+mn-ea"/>
+              </a:rPr>
+              <a:t>Motivasi Menghafal Alquran → </a:t>
+            </a:r>
+            <a:r>
+              <a:rPr lang="" altLang="en-US">
+                <a:sym typeface="+mn-ea"/>
+              </a:rPr>
+              <a:t>Aspek</a:t>
+            </a:r>
+            <a:endParaRPr lang="" altLang="en-US">
+              <a:sym typeface="+mn-ea"/>
+            </a:endParaRPr>
+          </a:p>
+        </p:txBody>
+      </p:sp>
+      <p:sp>
+        <p:nvSpPr>
+          <p:cNvPr id="3" name="Text Placeholder 2"/>
+          <p:cNvSpPr>
+            <a:spLocks noGrp="1"/>
+          </p:cNvSpPr>
+          <p:nvPr>
+            <p:ph type="body" idx="1"/>
+          </p:nvPr>
+        </p:nvSpPr>
+        <p:spPr/>
+        <p:txBody>
+          <a:bodyPr/>
+          <a:p>
+            <a:r>
+              <a:rPr lang="en-US"/>
+              <a:t>Uno (2008)</a:t>
+            </a:r>
+            <a:endParaRPr lang="en-US"/>
+          </a:p>
+        </p:txBody>
+      </p:sp>
+      <p:sp>
+        <p:nvSpPr>
+          <p:cNvPr id="4" name="Content Placeholder 3"/>
+          <p:cNvSpPr>
+            <a:spLocks noGrp="1"/>
+          </p:cNvSpPr>
+          <p:nvPr>
+            <p:ph sz="half" idx="2"/>
+          </p:nvPr>
+        </p:nvSpPr>
+        <p:spPr/>
+        <p:txBody>
+          <a:bodyPr/>
+          <a:p>
+            <a:r>
+              <a:rPr lang="en-US" sz="2400"/>
+              <a:t>Hasrat dan Keinginan Berhasil</a:t>
+            </a:r>
+            <a:endParaRPr lang="en-US" sz="2400"/>
+          </a:p>
+          <a:p>
+            <a:r>
+              <a:rPr lang="en-US" sz="2400"/>
+              <a:t>Dorongan dan Kebutuhan dalam Belajar</a:t>
+            </a:r>
+            <a:endParaRPr lang="en-US" sz="2400"/>
+          </a:p>
+          <a:p>
+            <a:r>
+              <a:rPr lang="en-US" sz="2400"/>
+              <a:t>Harapan dan Cita-Cita Masa Depan</a:t>
+            </a:r>
+            <a:endParaRPr lang="en-US" sz="2400"/>
+          </a:p>
+          <a:p>
+            <a:r>
+              <a:rPr lang="en-US" sz="2400"/>
+              <a:t>Penghargaan dalam Belajar</a:t>
+            </a:r>
+            <a:endParaRPr lang="en-US" sz="2400"/>
+          </a:p>
+          <a:p>
+            <a:r>
+              <a:rPr lang="en-US" sz="2400"/>
+              <a:t>Kegiatan yang Menarik dalam Belajar</a:t>
+            </a:r>
+            <a:endParaRPr lang="en-US" sz="2400"/>
+          </a:p>
+          <a:p>
+            <a:r>
+              <a:rPr lang="en-US" sz="2400"/>
+              <a:t>Lingkungan Belajar yang Kondusif</a:t>
+            </a:r>
+            <a:endParaRPr lang="en-US" sz="2400"/>
+          </a:p>
+        </p:txBody>
+      </p:sp>
+      <p:sp>
+        <p:nvSpPr>
+          <p:cNvPr id="5" name="Text Placeholder 4"/>
+          <p:cNvSpPr>
+            <a:spLocks noGrp="1"/>
+          </p:cNvSpPr>
+          <p:nvPr>
+            <p:ph type="body" sz="quarter" idx="3"/>
+          </p:nvPr>
+        </p:nvSpPr>
+        <p:spPr/>
+        <p:txBody>
+          <a:bodyPr/>
+          <a:p>
+            <a:r>
+              <a:rPr lang="en-US"/>
+              <a:t>Hamalik (2010)</a:t>
+            </a:r>
+            <a:endParaRPr lang="en-US"/>
+          </a:p>
+        </p:txBody>
+      </p:sp>
+      <p:sp>
+        <p:nvSpPr>
+          <p:cNvPr id="6" name="Content Placeholder 5"/>
+          <p:cNvSpPr>
+            <a:spLocks noGrp="1"/>
+          </p:cNvSpPr>
+          <p:nvPr>
+            <p:ph sz="quarter" idx="4"/>
+          </p:nvPr>
+        </p:nvSpPr>
+        <p:spPr/>
+        <p:txBody>
+          <a:bodyPr/>
+          <a:p>
+            <a:r>
+              <a:rPr lang="en-US"/>
+              <a:t>Motivasi Intrinsik</a:t>
+            </a:r>
+            <a:endParaRPr lang="en-US"/>
+          </a:p>
+          <a:p>
+            <a:r>
+              <a:rPr lang="en-US"/>
+              <a:t>Motivasi Ekstrinsik</a:t>
+            </a:r>
+            <a:endParaRPr lang="en-US"/>
+          </a:p>
+        </p:txBody>
+      </p:sp>
+    </p:spTree>
+  </p:cSld>
+  <p:clrMapOvr>
+    <a:masterClrMapping/>
+  </p:clrMapOvr>
+</p:sld>
+</file>
+
+<file path=ppt/slides/slide28.xml><?xml version="1.0" encoding="utf-8"?>
+<p:sld xmlns:a="http://schemas.openxmlformats.org/drawingml/2006/main" xmlns:r="http://schemas.openxmlformats.org/officeDocument/2006/relationships" xmlns:p="http://schemas.openxmlformats.org/presentationml/2006/main">
+  <p:cSld>
+    <p:spTree>
+      <p:nvGrpSpPr>
+        <p:cNvPr id="1" name=""/>
+        <p:cNvGrpSpPr/>
+        <p:nvPr/>
+      </p:nvGrpSpPr>
+      <p:grpSpPr/>
+      <p:sp>
+        <p:nvSpPr>
+          <p:cNvPr id="2" name="Title 1"/>
+          <p:cNvSpPr>
+            <a:spLocks noGrp="1"/>
+          </p:cNvSpPr>
+          <p:nvPr>
+            <p:ph type="title"/>
+          </p:nvPr>
+        </p:nvSpPr>
+        <p:spPr/>
+        <p:txBody>
+          <a:bodyPr/>
+          <a:p>
+            <a:r>
+              <a:rPr lang="" altLang="en-US"/>
+              <a:t>Efikasi Diri → Definisi</a:t>
+            </a:r>
+            <a:endParaRPr lang="" altLang="en-US"/>
+          </a:p>
+        </p:txBody>
+      </p:sp>
+      <p:sp>
+        <p:nvSpPr>
+          <p:cNvPr id="3" name="Text Placeholder 2"/>
+          <p:cNvSpPr>
+            <a:spLocks noGrp="1"/>
+          </p:cNvSpPr>
+          <p:nvPr>
+            <p:ph type="body" idx="1"/>
+          </p:nvPr>
+        </p:nvSpPr>
+        <p:spPr/>
+        <p:txBody>
+          <a:bodyPr/>
+          <a:p>
+            <a:r>
+              <a:rPr lang="en-US"/>
+              <a:t>Bandura (2002)</a:t>
+            </a:r>
+            <a:endParaRPr lang="en-US"/>
+          </a:p>
+        </p:txBody>
+      </p:sp>
+      <p:sp>
+        <p:nvSpPr>
+          <p:cNvPr id="4" name="Content Placeholder 3"/>
+          <p:cNvSpPr>
+            <a:spLocks noGrp="1"/>
+          </p:cNvSpPr>
+          <p:nvPr>
+            <p:ph sz="half" idx="2"/>
+          </p:nvPr>
+        </p:nvSpPr>
+        <p:spPr/>
+        <p:txBody>
+          <a:bodyPr/>
+          <a:p>
+            <a:pPr marL="0" indent="0">
+              <a:buNone/>
+            </a:pPr>
+            <a:r>
+              <a:rPr lang="" altLang="en-US" sz="2200"/>
+              <a:t>E</a:t>
+            </a:r>
+            <a:r>
+              <a:rPr lang="en-US" sz="2200"/>
+              <a:t>fikasi diri adalah keyakinan seorang individu tentang sejauh mana dia menganalisa kemampuannya dalam menyelesaikan suatu tugas untuk mencapai hasil tertentu. Bandura juga menyatakan bahwa efikasi diri adalah suatu gambaran subyektif terhadap kemampuan diri yang bersifat fragmental, yaitu setiap individu mempunyai efikasi diri yang berbeda-beda pada situasi yang berbeda.</a:t>
+            </a:r>
+            <a:endParaRPr lang="en-US" sz="2200"/>
+          </a:p>
+        </p:txBody>
+      </p:sp>
+      <p:sp>
+        <p:nvSpPr>
+          <p:cNvPr id="5" name="Text Placeholder 4"/>
+          <p:cNvSpPr>
+            <a:spLocks noGrp="1"/>
+          </p:cNvSpPr>
+          <p:nvPr>
+            <p:ph type="body" sz="quarter" idx="3"/>
+          </p:nvPr>
+        </p:nvSpPr>
+        <p:spPr/>
+        <p:txBody>
+          <a:bodyPr/>
+          <a:p>
+            <a:r>
+              <a:rPr lang="en-US"/>
+              <a:t>Carducci (2009)</a:t>
+            </a:r>
+            <a:endParaRPr lang="en-US"/>
+          </a:p>
+        </p:txBody>
+      </p:sp>
+      <p:sp>
+        <p:nvSpPr>
+          <p:cNvPr id="6" name="Content Placeholder 5"/>
+          <p:cNvSpPr>
+            <a:spLocks noGrp="1"/>
+          </p:cNvSpPr>
+          <p:nvPr>
+            <p:ph sz="quarter" idx="4"/>
+          </p:nvPr>
+        </p:nvSpPr>
+        <p:spPr/>
+        <p:txBody>
+          <a:bodyPr/>
+          <a:p>
+            <a:pPr marL="0" indent="0">
+              <a:buNone/>
+            </a:pPr>
+            <a:r>
+              <a:rPr lang="" altLang="en-US" sz="3500"/>
+              <a:t>E</a:t>
+            </a:r>
+            <a:r>
+              <a:rPr lang="en-US" sz="3500"/>
+              <a:t>fikasi diri adalah keyakinan individu bahwa dia mampu menjalankan perilaku tertentu sebagai usaha dalam mengatasi situasi tertentu.</a:t>
+            </a:r>
+            <a:endParaRPr lang="en-US" sz="3500"/>
+          </a:p>
+        </p:txBody>
+      </p:sp>
+    </p:spTree>
+  </p:cSld>
+  <p:clrMapOvr>
+    <a:masterClrMapping/>
+  </p:clrMapOvr>
+</p:sld>
+</file>
+
+<file path=ppt/slides/slide29.xml><?xml version="1.0" encoding="utf-8"?>
+<p:sld xmlns:a="http://schemas.openxmlformats.org/drawingml/2006/main" xmlns:r="http://schemas.openxmlformats.org/officeDocument/2006/relationships" xmlns:p="http://schemas.openxmlformats.org/presentationml/2006/main">
+  <p:cSld>
+    <p:spTree>
+      <p:nvGrpSpPr>
+        <p:cNvPr id="1" name=""/>
+        <p:cNvGrpSpPr/>
+        <p:nvPr/>
+      </p:nvGrpSpPr>
+      <p:grpSpPr/>
+      <p:sp>
+        <p:nvSpPr>
+          <p:cNvPr id="2" name="Title 1"/>
+          <p:cNvSpPr>
+            <a:spLocks noGrp="1"/>
+          </p:cNvSpPr>
+          <p:nvPr>
+            <p:ph type="title"/>
+          </p:nvPr>
+        </p:nvSpPr>
+        <p:spPr/>
+        <p:txBody>
+          <a:bodyPr/>
+          <a:p>
+            <a:r>
+              <a:rPr lang="en-US" altLang="en-US"/>
+              <a:t>Efikasi Diri → Definisi</a:t>
+            </a:r>
+            <a:endParaRPr lang="en-US" altLang="en-US"/>
+          </a:p>
+        </p:txBody>
+      </p:sp>
+      <p:sp>
+        <p:nvSpPr>
+          <p:cNvPr id="3" name="Text Placeholder 2"/>
+          <p:cNvSpPr>
+            <a:spLocks noGrp="1"/>
+          </p:cNvSpPr>
+          <p:nvPr>
+            <p:ph type="body" idx="1"/>
+          </p:nvPr>
+        </p:nvSpPr>
+        <p:spPr/>
+        <p:txBody>
+          <a:bodyPr/>
+          <a:p>
+            <a:r>
+              <a:rPr lang="" altLang="en-US"/>
+              <a:t>Mawanti (2011)</a:t>
+            </a:r>
+            <a:endParaRPr lang="" altLang="en-US"/>
+          </a:p>
+        </p:txBody>
+      </p:sp>
+      <p:sp>
+        <p:nvSpPr>
+          <p:cNvPr id="4" name="Content Placeholder 3"/>
+          <p:cNvSpPr>
+            <a:spLocks noGrp="1"/>
+          </p:cNvSpPr>
+          <p:nvPr>
+            <p:ph sz="half" idx="2"/>
+          </p:nvPr>
+        </p:nvSpPr>
+        <p:spPr/>
+        <p:txBody>
+          <a:bodyPr/>
+          <a:p>
+            <a:pPr marL="0" indent="0">
+              <a:buNone/>
+            </a:pPr>
+            <a:r>
+              <a:rPr lang="" altLang="en-US" sz="2700"/>
+              <a:t>E</a:t>
+            </a:r>
+            <a:r>
+              <a:rPr lang="en-US" sz="2700"/>
+              <a:t>fikasi diri adalah keyakinan seseorang bahwa ia mampu melakukan tugas tertentu dengan baik. Efikasi diri memiliki keefektifan, yaitu individu mampu menilai dirinya memiliki kekuatan menghasilkan pengaruh yang diinginkan.</a:t>
+            </a:r>
+            <a:endParaRPr lang="en-US" sz="2700"/>
+          </a:p>
+        </p:txBody>
+      </p:sp>
+      <p:sp>
+        <p:nvSpPr>
+          <p:cNvPr id="5" name="Text Placeholder 4"/>
+          <p:cNvSpPr>
+            <a:spLocks noGrp="1"/>
+          </p:cNvSpPr>
+          <p:nvPr>
+            <p:ph type="body" sz="quarter" idx="3"/>
+          </p:nvPr>
+        </p:nvSpPr>
+        <p:spPr/>
+        <p:txBody>
+          <a:bodyPr/>
+          <a:p>
+            <a:r>
+              <a:rPr lang="en-US"/>
+              <a:t>Ormrod (2011)</a:t>
+            </a:r>
+            <a:endParaRPr lang="en-US"/>
+          </a:p>
+        </p:txBody>
+      </p:sp>
+      <p:sp>
+        <p:nvSpPr>
+          <p:cNvPr id="6" name="Content Placeholder 5"/>
+          <p:cNvSpPr>
+            <a:spLocks noGrp="1"/>
+          </p:cNvSpPr>
+          <p:nvPr>
+            <p:ph sz="quarter" idx="4"/>
+          </p:nvPr>
+        </p:nvSpPr>
+        <p:spPr/>
+        <p:txBody>
+          <a:bodyPr/>
+          <a:p>
+            <a:pPr marL="0" indent="0">
+              <a:buNone/>
+            </a:pPr>
+            <a:r>
+              <a:rPr lang="" altLang="en-US" sz="3500"/>
+              <a:t>E</a:t>
+            </a:r>
+            <a:r>
+              <a:rPr lang="en-US" sz="3500"/>
+              <a:t>fikasi diri adalah suatu penilaian subyektif mengenai kemampuannya untuk melaksanakan atau mencapai tujuan tertentu.</a:t>
+            </a:r>
+            <a:endParaRPr lang="en-US" sz="3500"/>
           </a:p>
         </p:txBody>
       </p:sp>
@@ -39292,6 +40044,298 @@
               <a:t>Siswono (dalam Eksa, 2017)</a:t>
             </a:r>
             <a:endParaRPr lang="en-US"/>
+          </a:p>
+        </p:txBody>
+      </p:sp>
+    </p:spTree>
+  </p:cSld>
+  <p:clrMapOvr>
+    <a:masterClrMapping/>
+  </p:clrMapOvr>
+</p:sld>
+</file>
+
+<file path=ppt/slides/slide30.xml><?xml version="1.0" encoding="utf-8"?>
+<p:sld xmlns:a="http://schemas.openxmlformats.org/drawingml/2006/main" xmlns:r="http://schemas.openxmlformats.org/officeDocument/2006/relationships" xmlns:p="http://schemas.openxmlformats.org/presentationml/2006/main">
+  <p:cSld>
+    <p:spTree>
+      <p:nvGrpSpPr>
+        <p:cNvPr id="1" name=""/>
+        <p:cNvGrpSpPr/>
+        <p:nvPr/>
+      </p:nvGrpSpPr>
+      <p:grpSpPr/>
+      <p:sp>
+        <p:nvSpPr>
+          <p:cNvPr id="2" name="Title 1"/>
+          <p:cNvSpPr>
+            <a:spLocks noGrp="1"/>
+          </p:cNvSpPr>
+          <p:nvPr>
+            <p:ph type="title"/>
+          </p:nvPr>
+        </p:nvSpPr>
+        <p:spPr/>
+        <p:txBody>
+          <a:bodyPr/>
+          <a:p>
+            <a:r>
+              <a:rPr lang="en-US" altLang="en-US"/>
+              <a:t>Efikasi Diri → Definisi</a:t>
+            </a:r>
+            <a:endParaRPr lang="en-US" altLang="en-US"/>
+          </a:p>
+        </p:txBody>
+      </p:sp>
+      <p:sp>
+        <p:nvSpPr>
+          <p:cNvPr id="3" name="Text Placeholder 2"/>
+          <p:cNvSpPr>
+            <a:spLocks noGrp="1"/>
+          </p:cNvSpPr>
+          <p:nvPr>
+            <p:ph type="body" idx="1"/>
+          </p:nvPr>
+        </p:nvSpPr>
+        <p:spPr/>
+        <p:txBody>
+          <a:bodyPr/>
+          <a:p>
+            <a:r>
+              <a:rPr lang="en-US" altLang="en-US"/>
+              <a:t>Alwisol </a:t>
+            </a:r>
+            <a:r>
+              <a:rPr lang="" altLang="en-US"/>
+              <a:t>(</a:t>
+            </a:r>
+            <a:r>
+              <a:rPr lang="en-US" altLang="en-US"/>
+              <a:t>2014</a:t>
+            </a:r>
+            <a:r>
+              <a:rPr lang="" altLang="en-US"/>
+              <a:t>)</a:t>
+            </a:r>
+            <a:endParaRPr lang="" altLang="en-US"/>
+          </a:p>
+        </p:txBody>
+      </p:sp>
+      <p:sp>
+        <p:nvSpPr>
+          <p:cNvPr id="4" name="Content Placeholder 3"/>
+          <p:cNvSpPr>
+            <a:spLocks noGrp="1"/>
+          </p:cNvSpPr>
+          <p:nvPr>
+            <p:ph sz="half" idx="2"/>
+          </p:nvPr>
+        </p:nvSpPr>
+        <p:spPr/>
+        <p:txBody>
+          <a:bodyPr/>
+          <a:p>
+            <a:pPr marL="0" indent="0">
+              <a:buNone/>
+            </a:pPr>
+            <a:r>
+              <a:rPr lang="en-US" sz="2200"/>
+              <a:t>Efikasi diri adalah penilaian diri, apakah dapat melakukan tindakan yang baik atau salah, bias atau tidak bisa mengerjakan sesuai dengan yang diisyaratkan. Efikasi diri berbeda dengan aspirasi (cita-cita). Karena cita-cita menggambarkan sesuatu yang ideal yang seharusnya dapat dicapai, sedangkan efikasi diri menggambarkan penilaian kemampuan diri</a:t>
+            </a:r>
+            <a:r>
+              <a:rPr lang="" altLang="en-US" sz="2200"/>
+              <a:t>.</a:t>
+            </a:r>
+            <a:endParaRPr lang="" altLang="en-US" sz="2200"/>
+          </a:p>
+        </p:txBody>
+      </p:sp>
+      <p:sp>
+        <p:nvSpPr>
+          <p:cNvPr id="5" name="Text Placeholder 4"/>
+          <p:cNvSpPr>
+            <a:spLocks noGrp="1"/>
+          </p:cNvSpPr>
+          <p:nvPr>
+            <p:ph type="body" sz="quarter" idx="3"/>
+          </p:nvPr>
+        </p:nvSpPr>
+        <p:spPr/>
+        <p:txBody>
+          <a:bodyPr/>
+          <a:p>
+            <a:endParaRPr lang="en-US"/>
+          </a:p>
+        </p:txBody>
+      </p:sp>
+      <p:sp>
+        <p:nvSpPr>
+          <p:cNvPr id="6" name="Content Placeholder 5"/>
+          <p:cNvSpPr>
+            <a:spLocks noGrp="1"/>
+          </p:cNvSpPr>
+          <p:nvPr>
+            <p:ph sz="quarter" idx="4"/>
+          </p:nvPr>
+        </p:nvSpPr>
+        <p:spPr/>
+        <p:txBody>
+          <a:bodyPr/>
+          <a:p>
+            <a:pPr marL="0" indent="0">
+              <a:buNone/>
+            </a:pPr>
+            <a:r>
+              <a:rPr lang="" altLang="en-US" sz="3400"/>
+              <a:t>E</a:t>
+            </a:r>
+            <a:r>
+              <a:rPr lang="en-US" sz="3400"/>
+              <a:t>fikasi diri adalah keyakinan seorang individu pada kemampuannya untuk melakukan suatu perilaku dalam menghadapi situasi atau tugas tertentu.</a:t>
+            </a:r>
+            <a:endParaRPr lang="en-US" sz="3400"/>
+          </a:p>
+        </p:txBody>
+      </p:sp>
+    </p:spTree>
+  </p:cSld>
+  <p:clrMapOvr>
+    <a:masterClrMapping/>
+  </p:clrMapOvr>
+</p:sld>
+</file>
+
+<file path=ppt/slides/slide31.xml><?xml version="1.0" encoding="utf-8"?>
+<p:sld xmlns:a="http://schemas.openxmlformats.org/drawingml/2006/main" xmlns:r="http://schemas.openxmlformats.org/officeDocument/2006/relationships" xmlns:p="http://schemas.openxmlformats.org/presentationml/2006/main">
+  <p:cSld>
+    <p:spTree>
+      <p:nvGrpSpPr>
+        <p:cNvPr id="1" name=""/>
+        <p:cNvGrpSpPr/>
+        <p:nvPr/>
+      </p:nvGrpSpPr>
+      <p:grpSpPr/>
+      <p:sp>
+        <p:nvSpPr>
+          <p:cNvPr id="2" name="Title 1"/>
+          <p:cNvSpPr>
+            <a:spLocks noGrp="1"/>
+          </p:cNvSpPr>
+          <p:nvPr>
+            <p:ph type="title"/>
+          </p:nvPr>
+        </p:nvSpPr>
+        <p:spPr/>
+        <p:txBody>
+          <a:bodyPr/>
+          <a:p>
+            <a:r>
+              <a:rPr lang="en-US" altLang="en-US"/>
+              <a:t>Efikasi Diri → </a:t>
+            </a:r>
+            <a:r>
+              <a:rPr lang="" altLang="en-US"/>
+              <a:t>Faktor yang Mempengaruhi</a:t>
+            </a:r>
+            <a:endParaRPr lang="" altLang="en-US"/>
+          </a:p>
+        </p:txBody>
+      </p:sp>
+      <p:sp>
+        <p:nvSpPr>
+          <p:cNvPr id="3" name="Text Placeholder 2"/>
+          <p:cNvSpPr>
+            <a:spLocks noGrp="1"/>
+          </p:cNvSpPr>
+          <p:nvPr>
+            <p:ph type="body" idx="1"/>
+          </p:nvPr>
+        </p:nvSpPr>
+        <p:spPr/>
+        <p:txBody>
+          <a:bodyPr/>
+          <a:p>
+            <a:r>
+              <a:rPr lang="en-US" altLang="en-US"/>
+              <a:t>Alwisol (2014)</a:t>
+            </a:r>
+            <a:endParaRPr lang="en-US" altLang="en-US"/>
+          </a:p>
+        </p:txBody>
+      </p:sp>
+      <p:sp>
+        <p:nvSpPr>
+          <p:cNvPr id="4" name="Content Placeholder 3"/>
+          <p:cNvSpPr>
+            <a:spLocks noGrp="1"/>
+          </p:cNvSpPr>
+          <p:nvPr>
+            <p:ph sz="half" idx="2"/>
+          </p:nvPr>
+        </p:nvSpPr>
+        <p:spPr/>
+        <p:txBody>
+          <a:bodyPr/>
+          <a:p>
+            <a:pPr marL="0" indent="0">
+              <a:buNone/>
+            </a:pPr>
+            <a:r>
+              <a:rPr lang="en-US" sz="2200"/>
+              <a:t>Efikasi diri adalah penilaian diri, apakah dapat melakukan tindakan yang baik atau salah, bias atau tidak bisa mengerjakan sesuai dengan yang diisyaratkan. Efikasi diri berbeda dengan aspirasi (cita-cita). Karena cita-cita menggambarkan sesuatu yang ideal yang seharusnya dapat dicapai, sedangkan efikasi diri menggambarkan penilaian kemampuan diri</a:t>
+            </a:r>
+            <a:r>
+              <a:rPr lang="en-US" altLang="en-US" sz="2200"/>
+              <a:t>.</a:t>
+            </a:r>
+            <a:endParaRPr lang="en-US" altLang="en-US" sz="2200"/>
+          </a:p>
+        </p:txBody>
+      </p:sp>
+      <p:sp>
+        <p:nvSpPr>
+          <p:cNvPr id="5" name="Text Placeholder 4"/>
+          <p:cNvSpPr>
+            <a:spLocks noGrp="1"/>
+          </p:cNvSpPr>
+          <p:nvPr>
+            <p:ph type="body" sz="quarter" idx="3"/>
+          </p:nvPr>
+        </p:nvSpPr>
+        <p:spPr/>
+        <p:txBody>
+          <a:bodyPr/>
+          <a:p>
+            <a:endParaRPr lang="en-US"/>
+          </a:p>
+        </p:txBody>
+      </p:sp>
+      <p:sp>
+        <p:nvSpPr>
+          <p:cNvPr id="6" name="Content Placeholder 5"/>
+          <p:cNvSpPr>
+            <a:spLocks noGrp="1"/>
+          </p:cNvSpPr>
+          <p:nvPr>
+            <p:ph sz="quarter" idx="4"/>
+          </p:nvPr>
+        </p:nvSpPr>
+        <p:spPr/>
+        <p:txBody>
+          <a:bodyPr/>
+          <a:p>
+            <a:pPr marL="0" indent="0">
+              <a:buNone/>
+            </a:pPr>
+            <a:r>
+              <a:rPr lang="en-US" altLang="en-US" sz="3400"/>
+              <a:t>E</a:t>
+            </a:r>
+            <a:r>
+              <a:rPr lang="en-US" sz="3400"/>
+              <a:t>fikasi diri adalah keyakinan seorang individu pada kemampuannya untuk melakukan suatu perilaku dalam menghadapi situasi atau tugas tertentu.</a:t>
+            </a:r>
+            <a:endParaRPr lang="en-US" sz="3400"/>
           </a:p>
         </p:txBody>
       </p:sp>

--- a/seminar proposal.pptx
+++ b/seminar proposal.pptx
@@ -39,6 +39,12 @@
     <p:sldId id="286" r:id="rId32"/>
     <p:sldId id="287" r:id="rId33"/>
     <p:sldId id="288" r:id="rId34"/>
+    <p:sldId id="289" r:id="rId35"/>
+    <p:sldId id="290" r:id="rId36"/>
+    <p:sldId id="291" r:id="rId37"/>
+    <p:sldId id="292" r:id="rId38"/>
+    <p:sldId id="293" r:id="rId39"/>
+    <p:sldId id="294" r:id="rId40"/>
   </p:sldIdLst>
   <p:sldSz cx="12192000" cy="6858000"/>
   <p:notesSz cx="6858000" cy="9144000"/>
@@ -36632,7 +36638,7 @@
           <a:p>
             <a:r>
               <a:rPr lang="" altLang="en-US"/>
-              <a:t>Latar Belakang</a:t>
+              <a:t>Latar Belakang → Motivasi Menghafal Alquran</a:t>
             </a:r>
             <a:endParaRPr lang="" altLang="en-US"/>
           </a:p>
@@ -37281,7 +37287,7 @@
           <a:p>
             <a:r>
               <a:rPr lang="" altLang="en-US"/>
-              <a:t>Latar Belakang</a:t>
+              <a:t>Latar Belakang → Motivasi Menghafal Alquran</a:t>
             </a:r>
             <a:endParaRPr lang="" altLang="en-US"/>
           </a:p>
@@ -37393,7 +37399,7 @@
           <a:p>
             <a:r>
               <a:rPr lang="" altLang="en-US"/>
-              <a:t>Latar Belakang</a:t>
+              <a:t>Latar Belakang → Motivasi Menghafal Alquran</a:t>
             </a:r>
             <a:endParaRPr lang="" altLang="en-US"/>
           </a:p>
@@ -37533,7 +37539,7 @@
           <a:p>
             <a:r>
               <a:rPr lang="" altLang="en-US"/>
-              <a:t>Latar Belakang</a:t>
+              <a:t>Latar Belakang → Efikasi Diri</a:t>
             </a:r>
             <a:endParaRPr lang="" altLang="en-US"/>
           </a:p>
@@ -37978,7 +37984,7 @@
           <a:p>
             <a:r>
               <a:rPr lang="" altLang="en-US"/>
-              <a:t>Latar Belakang</a:t>
+              <a:t>Latar Belakang → Efikasi Diri</a:t>
             </a:r>
             <a:endParaRPr lang="" altLang="en-US"/>
           </a:p>
@@ -38098,7 +38104,7 @@
           <a:p>
             <a:r>
               <a:rPr lang="" altLang="en-US"/>
-              <a:t>Latar Belakang</a:t>
+              <a:t>Latar Belakang → Efikasi Diri</a:t>
             </a:r>
             <a:endParaRPr lang="" altLang="en-US"/>
           </a:p>
@@ -38232,7 +38238,7 @@
           <a:p>
             <a:r>
               <a:rPr lang="" altLang="en-US"/>
-              <a:t>Latar Belakang</a:t>
+              <a:t>Latar Belakang → Dukungan Guru Tahfidz</a:t>
             </a:r>
             <a:endParaRPr lang="" altLang="en-US"/>
           </a:p>
@@ -38313,7 +38319,13 @@
           <a:p>
             <a:r>
               <a:rPr lang="" altLang="en-US"/>
-              <a:t>Latar Belakang</a:t>
+              <a:t>Latar Belakang </a:t>
+            </a:r>
+            <a:r>
+              <a:rPr lang="en-US" altLang="en-US">
+                <a:sym typeface="+mn-ea"/>
+              </a:rPr>
+              <a:t>→ Dukungan Guru Tahfidz</a:t>
             </a:r>
             <a:endParaRPr lang="" altLang="en-US"/>
           </a:p>
@@ -38394,7 +38406,13 @@
           <a:p>
             <a:r>
               <a:rPr lang="" altLang="en-US"/>
-              <a:t>Latar Belakang</a:t>
+              <a:t>Latar Belakang </a:t>
+            </a:r>
+            <a:r>
+              <a:rPr lang="en-US" altLang="en-US">
+                <a:sym typeface="+mn-ea"/>
+              </a:rPr>
+              <a:t>→ Dukungan Guru Tahfidz</a:t>
             </a:r>
             <a:endParaRPr lang="" altLang="en-US"/>
           </a:p>
@@ -39977,9 +39995,13 @@
           <a:p>
             <a:r>
               <a:rPr lang="en-US" altLang="en-US"/>
-              <a:t>Latar Belakang</a:t>
+              <a:t>Latar Belakang → </a:t>
             </a:r>
-            <a:endParaRPr lang="en-US" altLang="en-US"/>
+            <a:r>
+              <a:rPr lang="" altLang="en-US"/>
+              <a:t>Fenomena</a:t>
+            </a:r>
+            <a:endParaRPr lang="" altLang="en-US"/>
           </a:p>
         </p:txBody>
       </p:sp>
@@ -40257,7 +40279,7 @@
           <a:p>
             <a:r>
               <a:rPr lang="en-US" altLang="en-US"/>
-              <a:t>Alwisol (2014)</a:t>
+              <a:t>Bandura (2002)</a:t>
             </a:r>
             <a:endParaRPr lang="en-US" altLang="en-US"/>
           </a:p>
@@ -40277,16 +40299,171 @@
         <p:txBody>
           <a:bodyPr/>
           <a:p>
+            <a:r>
+              <a:rPr lang="" altLang="en-US" sz="2200"/>
+              <a:t>Sifat tugas yang dihadapi</a:t>
+            </a:r>
+            <a:endParaRPr lang="" altLang="en-US" sz="2200"/>
+          </a:p>
+          <a:p>
+            <a:r>
+              <a:rPr lang="" altLang="en-US" sz="2200"/>
+              <a:t>Insentif eksternal</a:t>
+            </a:r>
+            <a:endParaRPr lang="" altLang="en-US" sz="2200"/>
+          </a:p>
+          <a:p>
+            <a:r>
+              <a:rPr lang="" altLang="en-US" sz="2200"/>
+              <a:t>Status individu dalam lingkungan</a:t>
+            </a:r>
+            <a:endParaRPr lang="" altLang="en-US" sz="2200"/>
+          </a:p>
+          <a:p>
+            <a:r>
+              <a:rPr lang="" altLang="en-US" sz="2200"/>
+              <a:t>Informasi tentang kemampuan diri</a:t>
+            </a:r>
+            <a:endParaRPr lang="" altLang="en-US" sz="2200"/>
+          </a:p>
+        </p:txBody>
+      </p:sp>
+      <p:sp>
+        <p:nvSpPr>
+          <p:cNvPr id="5" name="Text Placeholder 4"/>
+          <p:cNvSpPr>
+            <a:spLocks noGrp="1"/>
+          </p:cNvSpPr>
+          <p:nvPr>
+            <p:ph type="body" sz="quarter" idx="3"/>
+          </p:nvPr>
+        </p:nvSpPr>
+        <p:spPr/>
+        <p:txBody>
+          <a:bodyPr/>
+          <a:p>
+            <a:endParaRPr lang="en-US"/>
+          </a:p>
+        </p:txBody>
+      </p:sp>
+      <p:sp>
+        <p:nvSpPr>
+          <p:cNvPr id="6" name="Content Placeholder 5"/>
+          <p:cNvSpPr>
+            <a:spLocks noGrp="1"/>
+          </p:cNvSpPr>
+          <p:nvPr>
+            <p:ph sz="quarter" idx="4"/>
+          </p:nvPr>
+        </p:nvSpPr>
+        <p:spPr/>
+        <p:txBody>
+          <a:bodyPr/>
+          <a:p>
             <a:pPr marL="0" indent="0">
               <a:buNone/>
             </a:pPr>
+            <a:endParaRPr lang="en-US" sz="3400"/>
+          </a:p>
+        </p:txBody>
+      </p:sp>
+    </p:spTree>
+  </p:cSld>
+  <p:clrMapOvr>
+    <a:masterClrMapping/>
+  </p:clrMapOvr>
+</p:sld>
+</file>
+
+<file path=ppt/slides/slide32.xml><?xml version="1.0" encoding="utf-8"?>
+<p:sld xmlns:a="http://schemas.openxmlformats.org/drawingml/2006/main" xmlns:r="http://schemas.openxmlformats.org/officeDocument/2006/relationships" xmlns:p="http://schemas.openxmlformats.org/presentationml/2006/main">
+  <p:cSld>
+    <p:spTree>
+      <p:nvGrpSpPr>
+        <p:cNvPr id="1" name=""/>
+        <p:cNvGrpSpPr/>
+        <p:nvPr/>
+      </p:nvGrpSpPr>
+      <p:grpSpPr/>
+      <p:sp>
+        <p:nvSpPr>
+          <p:cNvPr id="2" name="Title 1"/>
+          <p:cNvSpPr>
+            <a:spLocks noGrp="1"/>
+          </p:cNvSpPr>
+          <p:nvPr>
+            <p:ph type="title"/>
+          </p:nvPr>
+        </p:nvSpPr>
+        <p:spPr/>
+        <p:txBody>
+          <a:bodyPr/>
+          <a:p>
             <a:r>
-              <a:rPr lang="en-US" sz="2200"/>
-              <a:t>Efikasi diri adalah penilaian diri, apakah dapat melakukan tindakan yang baik atau salah, bias atau tidak bisa mengerjakan sesuai dengan yang diisyaratkan. Efikasi diri berbeda dengan aspirasi (cita-cita). Karena cita-cita menggambarkan sesuatu yang ideal yang seharusnya dapat dicapai, sedangkan efikasi diri menggambarkan penilaian kemampuan diri</a:t>
+              <a:rPr lang="en-US" altLang="en-US"/>
+              <a:t>Efikasi Diri → </a:t>
             </a:r>
             <a:r>
+              <a:rPr lang="" altLang="en-US"/>
+              <a:t>Aspek</a:t>
+            </a:r>
+            <a:endParaRPr lang="" altLang="en-US"/>
+          </a:p>
+        </p:txBody>
+      </p:sp>
+      <p:sp>
+        <p:nvSpPr>
+          <p:cNvPr id="3" name="Text Placeholder 2"/>
+          <p:cNvSpPr>
+            <a:spLocks noGrp="1"/>
+          </p:cNvSpPr>
+          <p:nvPr>
+            <p:ph type="body" idx="1"/>
+          </p:nvPr>
+        </p:nvSpPr>
+        <p:spPr/>
+        <p:txBody>
+          <a:bodyPr/>
+          <a:p>
+            <a:r>
+              <a:rPr lang="en-US" altLang="en-US"/>
+              <a:t>Bandura (2002)</a:t>
+            </a:r>
+            <a:endParaRPr lang="en-US" altLang="en-US"/>
+          </a:p>
+        </p:txBody>
+      </p:sp>
+      <p:sp>
+        <p:nvSpPr>
+          <p:cNvPr id="4" name="Content Placeholder 3"/>
+          <p:cNvSpPr>
+            <a:spLocks noGrp="1"/>
+          </p:cNvSpPr>
+          <p:nvPr>
+            <p:ph sz="half" idx="2"/>
+          </p:nvPr>
+        </p:nvSpPr>
+        <p:spPr/>
+        <p:txBody>
+          <a:bodyPr/>
+          <a:p>
+            <a:r>
               <a:rPr lang="en-US" altLang="en-US" sz="2200"/>
-              <a:t>.</a:t>
+              <a:t>Besaran (magnitude/level)</a:t>
+            </a:r>
+            <a:endParaRPr lang="en-US" altLang="en-US" sz="2200"/>
+          </a:p>
+          <a:p>
+            <a:r>
+              <a:rPr lang="en-US" altLang="en-US" sz="2200"/>
+              <a:t>Luas bidang (generality)</a:t>
+            </a:r>
+            <a:endParaRPr lang="en-US" altLang="en-US" sz="2200"/>
+          </a:p>
+          <a:p>
+            <a:r>
+              <a:rPr lang="en-US" altLang="en-US" sz="2200"/>
+              <a:t>Kekuatan (strength)</a:t>
             </a:r>
             <a:endParaRPr lang="en-US" altLang="en-US" sz="2200"/>
           </a:p>
@@ -40327,15 +40504,799 @@
             <a:pPr marL="0" indent="0">
               <a:buNone/>
             </a:pPr>
+            <a:endParaRPr lang="en-US" sz="3400"/>
+          </a:p>
+        </p:txBody>
+      </p:sp>
+    </p:spTree>
+  </p:cSld>
+  <p:clrMapOvr>
+    <a:masterClrMapping/>
+  </p:clrMapOvr>
+</p:sld>
+</file>
+
+<file path=ppt/slides/slide33.xml><?xml version="1.0" encoding="utf-8"?>
+<p:sld xmlns:a="http://schemas.openxmlformats.org/drawingml/2006/main" xmlns:r="http://schemas.openxmlformats.org/officeDocument/2006/relationships" xmlns:p="http://schemas.openxmlformats.org/presentationml/2006/main">
+  <p:cSld>
+    <p:spTree>
+      <p:nvGrpSpPr>
+        <p:cNvPr id="1" name=""/>
+        <p:cNvGrpSpPr/>
+        <p:nvPr/>
+      </p:nvGrpSpPr>
+      <p:grpSpPr/>
+      <p:sp>
+        <p:nvSpPr>
+          <p:cNvPr id="2" name="Title 1"/>
+          <p:cNvSpPr>
+            <a:spLocks noGrp="1"/>
+          </p:cNvSpPr>
+          <p:nvPr>
+            <p:ph type="title"/>
+          </p:nvPr>
+        </p:nvSpPr>
+        <p:spPr/>
+        <p:txBody>
+          <a:bodyPr/>
+          <a:p>
             <a:r>
-              <a:rPr lang="en-US" altLang="en-US" sz="3400"/>
-              <a:t>E</a:t>
+              <a:rPr lang="" altLang="en-US"/>
+              <a:t>Dukungan Guru Tahfidz</a:t>
             </a:r>
             <a:r>
-              <a:rPr lang="en-US" sz="3400"/>
-              <a:t>fikasi diri adalah keyakinan seorang individu pada kemampuannya untuk melakukan suatu perilaku dalam menghadapi situasi atau tugas tertentu.</a:t>
+              <a:rPr lang="en-US" altLang="en-US"/>
+              <a:t> → </a:t>
             </a:r>
-            <a:endParaRPr lang="en-US" sz="3400"/>
+            <a:r>
+              <a:rPr lang="" altLang="en-US"/>
+              <a:t>Definisi</a:t>
+            </a:r>
+            <a:endParaRPr lang="" altLang="en-US"/>
+          </a:p>
+        </p:txBody>
+      </p:sp>
+      <p:sp>
+        <p:nvSpPr>
+          <p:cNvPr id="3" name="Text Placeholder 2"/>
+          <p:cNvSpPr>
+            <a:spLocks noGrp="1"/>
+          </p:cNvSpPr>
+          <p:nvPr>
+            <p:ph type="body" idx="1"/>
+          </p:nvPr>
+        </p:nvSpPr>
+        <p:spPr/>
+        <p:txBody>
+          <a:bodyPr/>
+          <a:p>
+            <a:r>
+              <a:rPr lang="en-US" altLang="en-US"/>
+              <a:t>Chaplin </a:t>
+            </a:r>
+            <a:r>
+              <a:rPr lang="" altLang="en-US"/>
+              <a:t>(</a:t>
+            </a:r>
+            <a:r>
+              <a:rPr lang="en-US" altLang="en-US"/>
+              <a:t>2009)</a:t>
+            </a:r>
+            <a:endParaRPr lang="en-US" altLang="en-US"/>
+          </a:p>
+        </p:txBody>
+      </p:sp>
+      <p:sp>
+        <p:nvSpPr>
+          <p:cNvPr id="4" name="Content Placeholder 3"/>
+          <p:cNvSpPr>
+            <a:spLocks noGrp="1"/>
+          </p:cNvSpPr>
+          <p:nvPr>
+            <p:ph sz="half" idx="2"/>
+          </p:nvPr>
+        </p:nvSpPr>
+        <p:spPr/>
+        <p:txBody>
+          <a:bodyPr/>
+          <a:p>
+            <a:pPr marL="0" indent="0">
+              <a:buNone/>
+            </a:pPr>
+            <a:r>
+              <a:rPr lang="en-US" altLang="en-US" sz="2200"/>
+              <a:t>Dukungan sosial berasal dari kata dukungan dan sosial. Dukungan adalah mengadakan atau menyediakan sesuatu untuk memenuhi kebutuhan orang lain; dan memberikan dorongan dan pengobaran semangat dan nasehat kepada orang lain dalam situasi pembuatan keputusan. Sedangkan sosial berarti hubungan antara dua orang atau lebih</a:t>
+            </a:r>
+            <a:r>
+              <a:rPr lang="" altLang="en-US" sz="2200"/>
+              <a:t>.</a:t>
+            </a:r>
+            <a:endParaRPr lang="" altLang="en-US" sz="2200"/>
+          </a:p>
+        </p:txBody>
+      </p:sp>
+      <p:sp>
+        <p:nvSpPr>
+          <p:cNvPr id="5" name="Text Placeholder 4"/>
+          <p:cNvSpPr>
+            <a:spLocks noGrp="1"/>
+          </p:cNvSpPr>
+          <p:nvPr>
+            <p:ph type="body" sz="quarter" idx="3"/>
+          </p:nvPr>
+        </p:nvSpPr>
+        <p:spPr/>
+        <p:txBody>
+          <a:bodyPr/>
+          <a:p>
+            <a:r>
+              <a:rPr lang="en-US"/>
+              <a:t>Dunst, Trivette, dan Cross (dalam Gousmett, 2006)</a:t>
+            </a:r>
+            <a:endParaRPr lang="en-US"/>
+          </a:p>
+        </p:txBody>
+      </p:sp>
+      <p:sp>
+        <p:nvSpPr>
+          <p:cNvPr id="6" name="Content Placeholder 5"/>
+          <p:cNvSpPr>
+            <a:spLocks noGrp="1"/>
+          </p:cNvSpPr>
+          <p:nvPr>
+            <p:ph sz="quarter" idx="4"/>
+          </p:nvPr>
+        </p:nvSpPr>
+        <p:spPr/>
+        <p:txBody>
+          <a:bodyPr/>
+          <a:p>
+            <a:pPr marL="0" indent="0">
+              <a:buNone/>
+            </a:pPr>
+            <a:r>
+              <a:rPr lang="" altLang="en-US" sz="2400"/>
+              <a:t>D</a:t>
+            </a:r>
+            <a:r>
+              <a:rPr lang="en-US" sz="2400"/>
+              <a:t>ukungan sosial </a:t>
+            </a:r>
+            <a:r>
+              <a:rPr lang="" altLang="en-US" sz="2400"/>
+              <a:t>adalah </a:t>
+            </a:r>
+            <a:r>
+              <a:rPr lang="en-US" sz="2400"/>
+              <a:t>konstruksi multidimensi yang berisi bantuan fisik dan instrumental; berbagai informasi dan sumber daya; dan menyediakan dukungan emosional dan psikologis. Istilah ini dapat juga berarti suatu pelayanan formal yang diterima dari para professional, organisasi formal, atau yang semiformal.</a:t>
+            </a:r>
+            <a:endParaRPr lang="en-US" sz="2400"/>
+          </a:p>
+        </p:txBody>
+      </p:sp>
+    </p:spTree>
+  </p:cSld>
+  <p:clrMapOvr>
+    <a:masterClrMapping/>
+  </p:clrMapOvr>
+</p:sld>
+</file>
+
+<file path=ppt/slides/slide34.xml><?xml version="1.0" encoding="utf-8"?>
+<p:sld xmlns:a="http://schemas.openxmlformats.org/drawingml/2006/main" xmlns:r="http://schemas.openxmlformats.org/officeDocument/2006/relationships" xmlns:p="http://schemas.openxmlformats.org/presentationml/2006/main">
+  <p:cSld>
+    <p:spTree>
+      <p:nvGrpSpPr>
+        <p:cNvPr id="1" name=""/>
+        <p:cNvGrpSpPr/>
+        <p:nvPr/>
+      </p:nvGrpSpPr>
+      <p:grpSpPr/>
+      <p:sp>
+        <p:nvSpPr>
+          <p:cNvPr id="2" name="Title 1"/>
+          <p:cNvSpPr>
+            <a:spLocks noGrp="1"/>
+          </p:cNvSpPr>
+          <p:nvPr>
+            <p:ph type="title"/>
+          </p:nvPr>
+        </p:nvSpPr>
+        <p:spPr/>
+        <p:txBody>
+          <a:bodyPr/>
+          <a:p>
+            <a:r>
+              <a:rPr lang="en-US" altLang="en-US"/>
+              <a:t>Dukungan Guru Tahfidz → Definisi</a:t>
+            </a:r>
+            <a:endParaRPr lang="en-US" altLang="en-US"/>
+          </a:p>
+        </p:txBody>
+      </p:sp>
+      <p:sp>
+        <p:nvSpPr>
+          <p:cNvPr id="3" name="Text Placeholder 2"/>
+          <p:cNvSpPr>
+            <a:spLocks noGrp="1"/>
+          </p:cNvSpPr>
+          <p:nvPr>
+            <p:ph type="body" idx="1"/>
+          </p:nvPr>
+        </p:nvSpPr>
+        <p:spPr/>
+        <p:txBody>
+          <a:bodyPr/>
+          <a:p>
+            <a:r>
+              <a:rPr lang="en-US" altLang="en-US"/>
+              <a:t>Cutrona </a:t>
+            </a:r>
+            <a:r>
+              <a:rPr lang="" altLang="en-US"/>
+              <a:t>(</a:t>
+            </a:r>
+            <a:r>
+              <a:rPr lang="en-US" altLang="en-US"/>
+              <a:t>2000)</a:t>
+            </a:r>
+            <a:endParaRPr lang="en-US" altLang="en-US"/>
+          </a:p>
+        </p:txBody>
+      </p:sp>
+      <p:sp>
+        <p:nvSpPr>
+          <p:cNvPr id="4" name="Content Placeholder 3"/>
+          <p:cNvSpPr>
+            <a:spLocks noGrp="1"/>
+          </p:cNvSpPr>
+          <p:nvPr>
+            <p:ph sz="half" idx="2"/>
+          </p:nvPr>
+        </p:nvSpPr>
+        <p:spPr/>
+        <p:txBody>
+          <a:bodyPr/>
+          <a:p>
+            <a:pPr marL="0" indent="0">
+              <a:buNone/>
+            </a:pPr>
+            <a:r>
+              <a:rPr lang="en-US" altLang="en-US" sz="2200"/>
+              <a:t>Dukungan sosial </a:t>
+            </a:r>
+            <a:r>
+              <a:rPr lang="" altLang="en-US" sz="2200"/>
+              <a:t>adalah</a:t>
+            </a:r>
+            <a:r>
+              <a:rPr lang="en-US" altLang="en-US" sz="2200"/>
+              <a:t> suatu perilaku yang membantu orang-orang yang sedang menjalani situasi kehidupan yang penuh tekanan untuk mengatasi masalah yang sedang dihadapi secara efektif</a:t>
+            </a:r>
+            <a:r>
+              <a:rPr lang="" altLang="en-US" sz="2200"/>
+              <a:t>.</a:t>
+            </a:r>
+            <a:endParaRPr lang="" altLang="en-US" sz="2200"/>
+          </a:p>
+        </p:txBody>
+      </p:sp>
+      <p:sp>
+        <p:nvSpPr>
+          <p:cNvPr id="5" name="Text Placeholder 4"/>
+          <p:cNvSpPr>
+            <a:spLocks noGrp="1"/>
+          </p:cNvSpPr>
+          <p:nvPr>
+            <p:ph type="body" sz="quarter" idx="3"/>
+          </p:nvPr>
+        </p:nvSpPr>
+        <p:spPr/>
+        <p:txBody>
+          <a:bodyPr/>
+          <a:p>
+            <a:r>
+              <a:rPr lang="en-US"/>
+              <a:t>Cobb (dalam Gousmett, 2006)</a:t>
+            </a:r>
+            <a:endParaRPr lang="en-US"/>
+          </a:p>
+        </p:txBody>
+      </p:sp>
+      <p:sp>
+        <p:nvSpPr>
+          <p:cNvPr id="6" name="Content Placeholder 5"/>
+          <p:cNvSpPr>
+            <a:spLocks noGrp="1"/>
+          </p:cNvSpPr>
+          <p:nvPr>
+            <p:ph sz="quarter" idx="4"/>
+          </p:nvPr>
+        </p:nvSpPr>
+        <p:spPr/>
+        <p:txBody>
+          <a:bodyPr/>
+          <a:p>
+            <a:pPr marL="0" indent="0">
+              <a:buNone/>
+            </a:pPr>
+            <a:r>
+              <a:rPr lang="" altLang="en-US" sz="2200"/>
+              <a:t>D</a:t>
+            </a:r>
+            <a:r>
+              <a:rPr lang="en-US" sz="2200"/>
+              <a:t>ukungan sosial adalah informasi dari beberapa hal berikut ini: informasi yang mengarah orang untuk percaya bahwa mereka diperhatikan dan dicintai; informasi yang mengarah ke orang untuk percaya bahwa mereka berharga dan dihargai; dan informasi yang mengarah pada orang untuk percaya bahwa mereka berasal dari jaringan komunikasi yang sama dengan kewajiban bersama.</a:t>
+            </a:r>
+            <a:endParaRPr lang="en-US" sz="2200"/>
+          </a:p>
+        </p:txBody>
+      </p:sp>
+    </p:spTree>
+  </p:cSld>
+  <p:clrMapOvr>
+    <a:masterClrMapping/>
+  </p:clrMapOvr>
+</p:sld>
+</file>
+
+<file path=ppt/slides/slide35.xml><?xml version="1.0" encoding="utf-8"?>
+<p:sld xmlns:a="http://schemas.openxmlformats.org/drawingml/2006/main" xmlns:r="http://schemas.openxmlformats.org/officeDocument/2006/relationships" xmlns:p="http://schemas.openxmlformats.org/presentationml/2006/main">
+  <p:cSld>
+    <p:spTree>
+      <p:nvGrpSpPr>
+        <p:cNvPr id="1" name=""/>
+        <p:cNvGrpSpPr/>
+        <p:nvPr/>
+      </p:nvGrpSpPr>
+      <p:grpSpPr/>
+      <p:sp>
+        <p:nvSpPr>
+          <p:cNvPr id="2" name="Title 1"/>
+          <p:cNvSpPr>
+            <a:spLocks noGrp="1"/>
+          </p:cNvSpPr>
+          <p:nvPr>
+            <p:ph type="title"/>
+          </p:nvPr>
+        </p:nvSpPr>
+        <p:spPr/>
+        <p:txBody>
+          <a:bodyPr/>
+          <a:p>
+            <a:r>
+              <a:rPr lang="en-US" altLang="en-US"/>
+              <a:t>Dukungan Guru Tahfidz → Definisi</a:t>
+            </a:r>
+            <a:endParaRPr lang="en-US" altLang="en-US"/>
+          </a:p>
+        </p:txBody>
+      </p:sp>
+      <p:sp>
+        <p:nvSpPr>
+          <p:cNvPr id="3" name="Text Placeholder 2"/>
+          <p:cNvSpPr>
+            <a:spLocks noGrp="1"/>
+          </p:cNvSpPr>
+          <p:nvPr>
+            <p:ph type="body" idx="1"/>
+          </p:nvPr>
+        </p:nvSpPr>
+        <p:spPr/>
+        <p:txBody>
+          <a:bodyPr/>
+          <a:p>
+            <a:r>
+              <a:rPr lang="en-US" altLang="en-US"/>
+              <a:t>Sarafino dan Timothy (2012)</a:t>
+            </a:r>
+            <a:endParaRPr lang="en-US" altLang="en-US"/>
+          </a:p>
+        </p:txBody>
+      </p:sp>
+      <p:sp>
+        <p:nvSpPr>
+          <p:cNvPr id="4" name="Content Placeholder 3"/>
+          <p:cNvSpPr>
+            <a:spLocks noGrp="1"/>
+          </p:cNvSpPr>
+          <p:nvPr>
+            <p:ph sz="half" idx="2"/>
+          </p:nvPr>
+        </p:nvSpPr>
+        <p:spPr/>
+        <p:txBody>
+          <a:bodyPr/>
+          <a:p>
+            <a:pPr marL="0" indent="0">
+              <a:buNone/>
+            </a:pPr>
+            <a:r>
+              <a:rPr lang="" altLang="en-US" sz="2200"/>
+              <a:t>D</a:t>
+            </a:r>
+            <a:r>
+              <a:rPr lang="en-US" altLang="en-US" sz="2200"/>
+              <a:t>ukungan sosial </a:t>
+            </a:r>
+            <a:r>
+              <a:rPr lang="" altLang="en-US" sz="2200"/>
+              <a:t>adalah</a:t>
+            </a:r>
+            <a:r>
+              <a:rPr lang="en-US" altLang="en-US" sz="2200"/>
+              <a:t> kenyamanan, perhatian, penghargaan, ataupun bantuan yang diterima individu dari orang lain.</a:t>
+            </a:r>
+            <a:endParaRPr lang="en-US" altLang="en-US" sz="2200"/>
+          </a:p>
+        </p:txBody>
+      </p:sp>
+      <p:sp>
+        <p:nvSpPr>
+          <p:cNvPr id="5" name="Text Placeholder 4"/>
+          <p:cNvSpPr>
+            <a:spLocks noGrp="1"/>
+          </p:cNvSpPr>
+          <p:nvPr>
+            <p:ph type="body" sz="quarter" idx="3"/>
+          </p:nvPr>
+        </p:nvSpPr>
+        <p:spPr/>
+        <p:txBody>
+          <a:bodyPr/>
+          <a:p>
+            <a:r>
+              <a:rPr lang="en-US"/>
+              <a:t>Dariyo </a:t>
+            </a:r>
+            <a:r>
+              <a:rPr lang="" altLang="en-US"/>
+              <a:t>(</a:t>
+            </a:r>
+            <a:r>
+              <a:rPr lang="en-US"/>
+              <a:t>2013)</a:t>
+            </a:r>
+            <a:endParaRPr lang="en-US"/>
+          </a:p>
+        </p:txBody>
+      </p:sp>
+      <p:sp>
+        <p:nvSpPr>
+          <p:cNvPr id="6" name="Content Placeholder 5"/>
+          <p:cNvSpPr>
+            <a:spLocks noGrp="1"/>
+          </p:cNvSpPr>
+          <p:nvPr>
+            <p:ph sz="quarter" idx="4"/>
+          </p:nvPr>
+        </p:nvSpPr>
+        <p:spPr/>
+        <p:txBody>
+          <a:bodyPr/>
+          <a:p>
+            <a:pPr marL="0" indent="0">
+              <a:buNone/>
+            </a:pPr>
+            <a:r>
+              <a:rPr lang="en-US" sz="2200"/>
+              <a:t>Berdasarkan Peraturan Pemerintah Republik Indonesia No. 19 tahun 2005 tentang Standard Nasional Pendidikan, guru adalah pendidik profesional dengan tugas utama mengajar, membimbing, mengarahkan, melatih, menilai, dan mengevaluasi siswa pada pendidikan formal, pendidikan dasar, dan pendidikan menengah</a:t>
+            </a:r>
+            <a:r>
+              <a:rPr lang="" altLang="en-US" sz="2200"/>
+              <a:t>.</a:t>
+            </a:r>
+            <a:endParaRPr lang="" altLang="en-US" sz="2200"/>
+          </a:p>
+        </p:txBody>
+      </p:sp>
+    </p:spTree>
+  </p:cSld>
+  <p:clrMapOvr>
+    <a:masterClrMapping/>
+  </p:clrMapOvr>
+</p:sld>
+</file>
+
+<file path=ppt/slides/slide36.xml><?xml version="1.0" encoding="utf-8"?>
+<p:sld xmlns:a="http://schemas.openxmlformats.org/drawingml/2006/main" xmlns:r="http://schemas.openxmlformats.org/officeDocument/2006/relationships" xmlns:p="http://schemas.openxmlformats.org/presentationml/2006/main">
+  <p:cSld>
+    <p:spTree>
+      <p:nvGrpSpPr>
+        <p:cNvPr id="1" name=""/>
+        <p:cNvGrpSpPr/>
+        <p:nvPr/>
+      </p:nvGrpSpPr>
+      <p:grpSpPr/>
+      <p:sp>
+        <p:nvSpPr>
+          <p:cNvPr id="2" name="Title 1"/>
+          <p:cNvSpPr>
+            <a:spLocks noGrp="1"/>
+          </p:cNvSpPr>
+          <p:nvPr>
+            <p:ph type="title"/>
+          </p:nvPr>
+        </p:nvSpPr>
+        <p:spPr/>
+        <p:txBody>
+          <a:bodyPr/>
+          <a:p>
+            <a:r>
+              <a:rPr lang="en-US" altLang="en-US"/>
+              <a:t>Dukungan Guru Tahfidz → Definisi</a:t>
+            </a:r>
+            <a:endParaRPr lang="en-US" altLang="en-US"/>
+          </a:p>
+        </p:txBody>
+      </p:sp>
+      <p:sp>
+        <p:nvSpPr>
+          <p:cNvPr id="3" name="Text Placeholder 2"/>
+          <p:cNvSpPr>
+            <a:spLocks noGrp="1"/>
+          </p:cNvSpPr>
+          <p:nvPr>
+            <p:ph type="body" idx="1"/>
+          </p:nvPr>
+        </p:nvSpPr>
+        <p:spPr/>
+        <p:txBody>
+          <a:bodyPr/>
+          <a:p>
+            <a:r>
+              <a:rPr lang="en-US" altLang="en-US"/>
+              <a:t>Kaplan dkk </a:t>
+            </a:r>
+            <a:r>
+              <a:rPr lang="" altLang="en-US"/>
+              <a:t>(</a:t>
+            </a:r>
+            <a:r>
+              <a:rPr lang="en-US" altLang="en-US"/>
+              <a:t>2007)</a:t>
+            </a:r>
+            <a:endParaRPr lang="en-US" altLang="en-US"/>
+          </a:p>
+        </p:txBody>
+      </p:sp>
+      <p:sp>
+        <p:nvSpPr>
+          <p:cNvPr id="4" name="Content Placeholder 3"/>
+          <p:cNvSpPr>
+            <a:spLocks noGrp="1"/>
+          </p:cNvSpPr>
+          <p:nvPr>
+            <p:ph sz="half" idx="2"/>
+          </p:nvPr>
+        </p:nvSpPr>
+        <p:spPr/>
+        <p:txBody>
+          <a:bodyPr/>
+          <a:p>
+            <a:pPr marL="0" indent="0">
+              <a:buNone/>
+            </a:pPr>
+            <a:r>
+              <a:rPr lang="en-US" altLang="en-US" sz="1800"/>
+              <a:t>Dukungan guru </a:t>
+            </a:r>
+            <a:r>
+              <a:rPr lang="" altLang="en-US" sz="1800"/>
+              <a:t>adalah</a:t>
+            </a:r>
+            <a:r>
+              <a:rPr lang="en-US" altLang="en-US" sz="1800"/>
+              <a:t> persepsi siswa bahwa mereka mendapat perhatian dan akan dibantu guru. Ketika siswa merasa mendapat dukungan secara emosional dari guru, mereka akan lebih terlibat dalam akademisnya, termasuk meningkatkan usahanya, meminta bantuan, dan menggunakan strategi self-regulated learning. Siswa juga akan cenderung memiliki prestasi yang lebih tinggi. Hal tersebut terjadi karena ketika siswa merasa dipedulikan oleh guru, maka akan mendorong siswa untuk memenuhi harapan guru</a:t>
+            </a:r>
+            <a:r>
+              <a:rPr lang="" altLang="en-US" sz="1800"/>
+              <a:t>.</a:t>
+            </a:r>
+            <a:endParaRPr lang="" altLang="en-US" sz="1800"/>
+          </a:p>
+        </p:txBody>
+      </p:sp>
+      <p:sp>
+        <p:nvSpPr>
+          <p:cNvPr id="5" name="Text Placeholder 4"/>
+          <p:cNvSpPr>
+            <a:spLocks noGrp="1"/>
+          </p:cNvSpPr>
+          <p:nvPr>
+            <p:ph type="body" sz="quarter" idx="3"/>
+          </p:nvPr>
+        </p:nvSpPr>
+        <p:spPr/>
+        <p:txBody>
+          <a:bodyPr/>
+          <a:p>
+            <a:endParaRPr lang="en-US"/>
+          </a:p>
+        </p:txBody>
+      </p:sp>
+      <p:sp>
+        <p:nvSpPr>
+          <p:cNvPr id="6" name="Content Placeholder 5"/>
+          <p:cNvSpPr>
+            <a:spLocks noGrp="1"/>
+          </p:cNvSpPr>
+          <p:nvPr>
+            <p:ph sz="quarter" idx="4"/>
+          </p:nvPr>
+        </p:nvSpPr>
+        <p:spPr/>
+        <p:txBody>
+          <a:bodyPr/>
+          <a:p>
+            <a:pPr marL="0" indent="0">
+              <a:buNone/>
+            </a:pPr>
+            <a:r>
+              <a:rPr lang="" altLang="en-US"/>
+              <a:t>D</a:t>
+            </a:r>
+            <a:r>
+              <a:rPr lang="en-US" altLang="en-US"/>
+              <a:t>ukungan guru tahfidz adalah suatu pemenuhan, dorongan, pengobaran semangat, dan nasehat dari guru tahfidz kepada santri.</a:t>
+            </a:r>
+            <a:endParaRPr lang="en-US" altLang="en-US"/>
+          </a:p>
+        </p:txBody>
+      </p:sp>
+    </p:spTree>
+  </p:cSld>
+  <p:clrMapOvr>
+    <a:masterClrMapping/>
+  </p:clrMapOvr>
+</p:sld>
+</file>
+
+<file path=ppt/slides/slide37.xml><?xml version="1.0" encoding="utf-8"?>
+<p:sld xmlns:a="http://schemas.openxmlformats.org/drawingml/2006/main" xmlns:r="http://schemas.openxmlformats.org/officeDocument/2006/relationships" xmlns:p="http://schemas.openxmlformats.org/presentationml/2006/main">
+  <p:cSld>
+    <p:spTree>
+      <p:nvGrpSpPr>
+        <p:cNvPr id="1" name=""/>
+        <p:cNvGrpSpPr/>
+        <p:nvPr/>
+      </p:nvGrpSpPr>
+      <p:grpSpPr/>
+      <p:sp>
+        <p:nvSpPr>
+          <p:cNvPr id="2" name="Title 1"/>
+          <p:cNvSpPr>
+            <a:spLocks noGrp="1"/>
+          </p:cNvSpPr>
+          <p:nvPr>
+            <p:ph type="title"/>
+          </p:nvPr>
+        </p:nvSpPr>
+        <p:spPr/>
+        <p:txBody>
+          <a:bodyPr/>
+          <a:p>
+            <a:r>
+              <a:rPr lang="en-US" altLang="en-US"/>
+              <a:t>Dukungan Guru Tahfidz → </a:t>
+            </a:r>
+            <a:r>
+              <a:rPr lang="" altLang="en-US"/>
+              <a:t>Faktor yang Mempengaruhi</a:t>
+            </a:r>
+            <a:endParaRPr lang="" altLang="en-US"/>
+          </a:p>
+        </p:txBody>
+      </p:sp>
+      <p:sp>
+        <p:nvSpPr>
+          <p:cNvPr id="3" name="Text Placeholder 2"/>
+          <p:cNvSpPr>
+            <a:spLocks noGrp="1"/>
+          </p:cNvSpPr>
+          <p:nvPr>
+            <p:ph type="body" idx="1"/>
+          </p:nvPr>
+        </p:nvSpPr>
+        <p:spPr/>
+        <p:txBody>
+          <a:bodyPr/>
+          <a:p>
+            <a:r>
+              <a:rPr lang="en-US" altLang="en-US"/>
+              <a:t>Cohen dan Syme (2005)</a:t>
+            </a:r>
+            <a:endParaRPr lang="en-US" altLang="en-US"/>
+          </a:p>
+        </p:txBody>
+      </p:sp>
+      <p:sp>
+        <p:nvSpPr>
+          <p:cNvPr id="4" name="Content Placeholder 3"/>
+          <p:cNvSpPr>
+            <a:spLocks noGrp="1"/>
+          </p:cNvSpPr>
+          <p:nvPr>
+            <p:ph sz="half" idx="2"/>
+          </p:nvPr>
+        </p:nvSpPr>
+        <p:spPr/>
+        <p:txBody>
+          <a:bodyPr/>
+          <a:p>
+            <a:r>
+              <a:rPr lang="en-US" altLang="en-US" sz="2400"/>
+              <a:t>Pemberi Dukungan Sosial</a:t>
+            </a:r>
+            <a:endParaRPr lang="en-US" altLang="en-US" sz="2400"/>
+          </a:p>
+          <a:p>
+            <a:r>
+              <a:rPr lang="en-US" altLang="en-US" sz="2400"/>
+              <a:t>Jenis Dukungan</a:t>
+            </a:r>
+            <a:endParaRPr lang="en-US" altLang="en-US" sz="2400"/>
+          </a:p>
+          <a:p>
+            <a:r>
+              <a:rPr lang="en-US" altLang="en-US" sz="2400"/>
+              <a:t>Penerima Dukungan</a:t>
+            </a:r>
+            <a:endParaRPr lang="en-US" altLang="en-US" sz="2400"/>
+          </a:p>
+          <a:p>
+            <a:endParaRPr lang="en-US" altLang="en-US" sz="2400"/>
+          </a:p>
+        </p:txBody>
+      </p:sp>
+      <p:sp>
+        <p:nvSpPr>
+          <p:cNvPr id="5" name="Text Placeholder 4"/>
+          <p:cNvSpPr>
+            <a:spLocks noGrp="1"/>
+          </p:cNvSpPr>
+          <p:nvPr>
+            <p:ph type="body" sz="quarter" idx="3"/>
+          </p:nvPr>
+        </p:nvSpPr>
+        <p:spPr/>
+        <p:txBody>
+          <a:bodyPr/>
+          <a:p>
+            <a:r>
+              <a:rPr lang="en-US"/>
+              <a:t>Myers (2012)</a:t>
+            </a:r>
+            <a:endParaRPr lang="en-US"/>
+          </a:p>
+        </p:txBody>
+      </p:sp>
+      <p:sp>
+        <p:nvSpPr>
+          <p:cNvPr id="6" name="Content Placeholder 5"/>
+          <p:cNvSpPr>
+            <a:spLocks noGrp="1"/>
+          </p:cNvSpPr>
+          <p:nvPr>
+            <p:ph sz="quarter" idx="4"/>
+          </p:nvPr>
+        </p:nvSpPr>
+        <p:spPr/>
+        <p:txBody>
+          <a:bodyPr/>
+          <a:p>
+            <a:r>
+              <a:rPr lang="en-US" altLang="en-US" sz="2400"/>
+              <a:t>Empati</a:t>
+            </a:r>
+            <a:endParaRPr lang="en-US" altLang="en-US" sz="2400"/>
+          </a:p>
+          <a:p>
+            <a:r>
+              <a:rPr lang="en-US" altLang="en-US" sz="2400"/>
+              <a:t>Norma-norma</a:t>
+            </a:r>
+            <a:endParaRPr lang="en-US" altLang="en-US" sz="2400"/>
           </a:p>
         </p:txBody>
       </p:sp>
@@ -40374,9 +41335,13 @@
             <a:pPr algn="r"/>
             <a:r>
               <a:rPr lang="en-US" altLang="en-US"/>
-              <a:t>Latar Belakang</a:t>
+              <a:t>Latar Belakang → </a:t>
             </a:r>
-            <a:endParaRPr lang="en-US" altLang="en-US"/>
+            <a:r>
+              <a:rPr lang="" altLang="en-US"/>
+              <a:t>Fenomena</a:t>
+            </a:r>
+            <a:endParaRPr lang="" altLang="en-US"/>
           </a:p>
         </p:txBody>
       </p:sp>
@@ -40525,9 +41490,13 @@
           <a:p>
             <a:r>
               <a:rPr lang="en-US" altLang="en-US"/>
-              <a:t>Latar Belakang</a:t>
+              <a:t>Latar Belakang → </a:t>
             </a:r>
-            <a:endParaRPr lang="en-US" altLang="en-US"/>
+            <a:r>
+              <a:rPr lang="" altLang="en-US"/>
+              <a:t>Fenomena</a:t>
+            </a:r>
+            <a:endParaRPr lang="" altLang="en-US"/>
           </a:p>
         </p:txBody>
       </p:sp>
@@ -40587,9 +41556,13 @@
           <a:p>
             <a:r>
               <a:rPr lang="en-US" altLang="en-US"/>
-              <a:t>Latar Belakang</a:t>
+              <a:t>Latar Belakang → </a:t>
             </a:r>
-            <a:endParaRPr lang="en-US" altLang="en-US"/>
+            <a:r>
+              <a:rPr lang="" altLang="en-US"/>
+              <a:t>Fenomena</a:t>
+            </a:r>
+            <a:endParaRPr lang="" altLang="en-US"/>
           </a:p>
         </p:txBody>
       </p:sp>
@@ -40691,7 +41664,7 @@
           <a:p>
             <a:r>
               <a:rPr lang="" altLang="en-US"/>
-              <a:t>Latar Belakang</a:t>
+              <a:t>Latar Belakang → Fenomena</a:t>
             </a:r>
             <a:endParaRPr lang="" altLang="en-US"/>
           </a:p>
@@ -40765,7 +41738,7 @@
           <a:p>
             <a:r>
               <a:rPr lang="" altLang="en-US"/>
-              <a:t>Latar Belakang</a:t>
+              <a:t>Latar Belakang → Fenomena</a:t>
             </a:r>
             <a:endParaRPr lang="" altLang="en-US"/>
           </a:p>
@@ -40915,7 +41888,7 @@
           <a:p>
             <a:r>
               <a:rPr lang="" altLang="en-US"/>
-              <a:t>Latar Belakang</a:t>
+              <a:t>Latar Belakang → Fenomena</a:t>
             </a:r>
             <a:endParaRPr lang="" altLang="en-US"/>
           </a:p>

--- a/seminar proposal.pptx
+++ b/seminar proposal.pptx
@@ -45,6 +45,8 @@
     <p:sldId id="292" r:id="rId38"/>
     <p:sldId id="293" r:id="rId39"/>
     <p:sldId id="294" r:id="rId40"/>
+    <p:sldId id="295" r:id="rId41"/>
+    <p:sldId id="296" r:id="rId42"/>
   </p:sldIdLst>
   <p:sldSz cx="12192000" cy="6858000"/>
   <p:notesSz cx="6858000" cy="9144000"/>
@@ -41308,6 +41310,292 @@
 </p:sld>
 </file>
 
+<file path=ppt/slides/slide38.xml><?xml version="1.0" encoding="utf-8"?>
+<p:sld xmlns:a="http://schemas.openxmlformats.org/drawingml/2006/main" xmlns:r="http://schemas.openxmlformats.org/officeDocument/2006/relationships" xmlns:p="http://schemas.openxmlformats.org/presentationml/2006/main">
+  <p:cSld>
+    <p:spTree>
+      <p:nvGrpSpPr>
+        <p:cNvPr id="1" name=""/>
+        <p:cNvGrpSpPr/>
+        <p:nvPr/>
+      </p:nvGrpSpPr>
+      <p:grpSpPr/>
+      <p:sp>
+        <p:nvSpPr>
+          <p:cNvPr id="2" name="Title 1"/>
+          <p:cNvSpPr>
+            <a:spLocks noGrp="1"/>
+          </p:cNvSpPr>
+          <p:nvPr>
+            <p:ph type="title"/>
+          </p:nvPr>
+        </p:nvSpPr>
+        <p:spPr/>
+        <p:txBody>
+          <a:bodyPr/>
+          <a:p>
+            <a:r>
+              <a:rPr lang="en-US" altLang="en-US"/>
+              <a:t>Dukungan Guru Tahfidz → </a:t>
+            </a:r>
+            <a:r>
+              <a:rPr lang="" altLang="en-US"/>
+              <a:t>Aspek</a:t>
+            </a:r>
+            <a:endParaRPr lang="" altLang="en-US"/>
+          </a:p>
+        </p:txBody>
+      </p:sp>
+      <p:sp>
+        <p:nvSpPr>
+          <p:cNvPr id="3" name="Text Placeholder 2"/>
+          <p:cNvSpPr>
+            <a:spLocks noGrp="1"/>
+          </p:cNvSpPr>
+          <p:nvPr>
+            <p:ph type="body" idx="1"/>
+          </p:nvPr>
+        </p:nvSpPr>
+        <p:spPr/>
+        <p:txBody>
+          <a:bodyPr/>
+          <a:p>
+            <a:r>
+              <a:rPr lang="en-US" altLang="en-US"/>
+              <a:t>Sarafino dan Timothy (2012)</a:t>
+            </a:r>
+            <a:endParaRPr lang="en-US" altLang="en-US"/>
+          </a:p>
+        </p:txBody>
+      </p:sp>
+      <p:sp>
+        <p:nvSpPr>
+          <p:cNvPr id="4" name="Content Placeholder 3"/>
+          <p:cNvSpPr>
+            <a:spLocks noGrp="1"/>
+          </p:cNvSpPr>
+          <p:nvPr>
+            <p:ph sz="half" idx="2"/>
+          </p:nvPr>
+        </p:nvSpPr>
+        <p:spPr/>
+        <p:txBody>
+          <a:bodyPr/>
+          <a:p>
+            <a:r>
+              <a:rPr lang="en-US" altLang="en-US" sz="2400"/>
+              <a:t>Dukungan Emosional</a:t>
+            </a:r>
+            <a:endParaRPr lang="en-US" altLang="en-US" sz="2400"/>
+          </a:p>
+          <a:p>
+            <a:r>
+              <a:rPr lang="en-US" altLang="en-US" sz="2400"/>
+              <a:t>Dukungan Penghargaan</a:t>
+            </a:r>
+            <a:endParaRPr lang="en-US" altLang="en-US" sz="2400"/>
+          </a:p>
+          <a:p>
+            <a:r>
+              <a:rPr lang="en-US" altLang="en-US" sz="2400"/>
+              <a:t>Dukungan Instrumental</a:t>
+            </a:r>
+            <a:endParaRPr lang="en-US" altLang="en-US" sz="2400"/>
+          </a:p>
+          <a:p>
+            <a:r>
+              <a:rPr lang="en-US" altLang="en-US" sz="2400"/>
+              <a:t>Dukungan Informasi</a:t>
+            </a:r>
+            <a:endParaRPr lang="en-US" altLang="en-US" sz="2400"/>
+          </a:p>
+        </p:txBody>
+      </p:sp>
+      <p:sp>
+        <p:nvSpPr>
+          <p:cNvPr id="5" name="Text Placeholder 4"/>
+          <p:cNvSpPr>
+            <a:spLocks noGrp="1"/>
+          </p:cNvSpPr>
+          <p:nvPr>
+            <p:ph type="body" sz="quarter" idx="3"/>
+          </p:nvPr>
+        </p:nvSpPr>
+        <p:spPr/>
+        <p:txBody>
+          <a:bodyPr/>
+          <a:p>
+            <a:r>
+              <a:rPr lang="en-US"/>
+              <a:t>Weiss (dalam Bulmer, 2015)</a:t>
+            </a:r>
+            <a:endParaRPr lang="en-US"/>
+          </a:p>
+        </p:txBody>
+      </p:sp>
+      <p:sp>
+        <p:nvSpPr>
+          <p:cNvPr id="6" name="Content Placeholder 5"/>
+          <p:cNvSpPr>
+            <a:spLocks noGrp="1"/>
+          </p:cNvSpPr>
+          <p:nvPr>
+            <p:ph sz="quarter" idx="4"/>
+          </p:nvPr>
+        </p:nvSpPr>
+        <p:spPr/>
+        <p:txBody>
+          <a:bodyPr/>
+          <a:p>
+            <a:r>
+              <a:rPr lang="" altLang="en-US" sz="2400"/>
+              <a:t>K</a:t>
+            </a:r>
+            <a:r>
+              <a:rPr lang="en-US" altLang="en-US" sz="2400"/>
+              <a:t>erekatan emosional</a:t>
+            </a:r>
+            <a:endParaRPr lang="en-US" altLang="en-US" sz="2400"/>
+          </a:p>
+          <a:p>
+            <a:r>
+              <a:rPr lang="" altLang="en-US" sz="2400"/>
+              <a:t>I</a:t>
+            </a:r>
+            <a:r>
+              <a:rPr lang="en-US" altLang="en-US" sz="2400"/>
+              <a:t>ntegrasi sosial</a:t>
+            </a:r>
+            <a:endParaRPr lang="en-US" altLang="en-US" sz="2400"/>
+          </a:p>
+          <a:p>
+            <a:r>
+              <a:rPr lang="en-US" altLang="en-US" sz="2400"/>
+              <a:t>Adanya pengakuan</a:t>
+            </a:r>
+            <a:endParaRPr lang="en-US" altLang="en-US" sz="2400"/>
+          </a:p>
+          <a:p>
+            <a:r>
+              <a:rPr lang="en-US" altLang="en-US" sz="2400"/>
+              <a:t>Ketergantungan yang dapat diandalkan</a:t>
+            </a:r>
+            <a:endParaRPr lang="en-US" altLang="en-US" sz="2400"/>
+          </a:p>
+          <a:p>
+            <a:r>
+              <a:rPr lang="en-US" altLang="en-US" sz="2400"/>
+              <a:t>Bimbingan</a:t>
+            </a:r>
+            <a:endParaRPr lang="en-US" altLang="en-US" sz="2400"/>
+          </a:p>
+          <a:p>
+            <a:r>
+              <a:rPr lang="en-US" altLang="en-US" sz="2400"/>
+              <a:t>Kesempatan mengasuh</a:t>
+            </a:r>
+            <a:endParaRPr lang="en-US" altLang="en-US" sz="2400"/>
+          </a:p>
+        </p:txBody>
+      </p:sp>
+    </p:spTree>
+  </p:cSld>
+  <p:clrMapOvr>
+    <a:masterClrMapping/>
+  </p:clrMapOvr>
+</p:sld>
+</file>
+
+<file path=ppt/slides/slide39.xml><?xml version="1.0" encoding="utf-8"?>
+<p:sld xmlns:a="http://schemas.openxmlformats.org/drawingml/2006/main" xmlns:r="http://schemas.openxmlformats.org/officeDocument/2006/relationships" xmlns:p="http://schemas.openxmlformats.org/presentationml/2006/main">
+  <p:cSld>
+    <p:spTree>
+      <p:nvGrpSpPr>
+        <p:cNvPr id="1" name=""/>
+        <p:cNvGrpSpPr/>
+        <p:nvPr/>
+      </p:nvGrpSpPr>
+      <p:grpSpPr/>
+      <p:sp>
+        <p:nvSpPr>
+          <p:cNvPr id="2" name="Title 1"/>
+          <p:cNvSpPr>
+            <a:spLocks noGrp="1"/>
+          </p:cNvSpPr>
+          <p:nvPr>
+            <p:ph type="title"/>
+          </p:nvPr>
+        </p:nvSpPr>
+        <p:spPr/>
+        <p:txBody>
+          <a:bodyPr/>
+          <a:p>
+            <a:r>
+              <a:rPr lang="" altLang="en-US"/>
+              <a:t>Kerangka Berpikir</a:t>
+            </a:r>
+            <a:endParaRPr lang="" altLang="en-US"/>
+          </a:p>
+        </p:txBody>
+      </p:sp>
+      <p:sp>
+        <p:nvSpPr>
+          <p:cNvPr id="8" name="Content Placeholder 7"/>
+          <p:cNvSpPr>
+            <a:spLocks noGrp="1"/>
+          </p:cNvSpPr>
+          <p:nvPr>
+            <p:ph sz="half" idx="1"/>
+          </p:nvPr>
+        </p:nvSpPr>
+        <p:spPr/>
+        <p:txBody>
+          <a:bodyPr/>
+          <a:p>
+            <a:pPr marL="0" indent="0">
+              <a:buNone/>
+            </a:pPr>
+            <a:r>
+              <a:rPr lang="en-US" sz="1500"/>
+              <a:t>Motivasi merupakan tahap awal dalam menghafalkan Alquran yang memberikan dorongan kepada santri untuk menggerakkan dan melakukan kegiatan menghafalkan Alquran yang secara umum dapat mempengaruhi keberhasilan santri dalam menyelesaikan target hafalan Alquran yang telah ditetapkan oleh pondok pesantren. Dengan adanya rutinitas menghafalkan Alquran di kelompok-kelompok tahfidz, motivasi menghafal Alquran berfungsi sebagai pendorong usaha dalam pencapaian prestasi hafalan. Seseorang melakukan sesuatu usaha karena adanya motivasi (Sa’dulloh, 2008). Tanpa adanya motivasi, proses menghafal Alquran kemungkinan tidak akan terlaksana dengan maksimal karena kurangnya semangat atau dorongan dari dalam dan luar diri santri untuk menghafal. Motivasi juga mempengaruhi bagaimana usaha dari santri untuk memahami Alquran, semakin besar motivasi yang dimiliki maka semakin besar pula usaha yang akan dilakukan siswa untuk memahami Alquran. Sebaliknya jika santri kurang motivasi maka santri tidak berusaha secara maksimal dalam memahami Alquran (Widiarti, 2018).</a:t>
+            </a:r>
+            <a:endParaRPr lang="en-US" sz="1500"/>
+          </a:p>
+        </p:txBody>
+      </p:sp>
+      <p:sp>
+        <p:nvSpPr>
+          <p:cNvPr id="9" name="Content Placeholder 8"/>
+          <p:cNvSpPr>
+            <a:spLocks noGrp="1"/>
+          </p:cNvSpPr>
+          <p:nvPr>
+            <p:ph sz="half" idx="2"/>
+          </p:nvPr>
+        </p:nvSpPr>
+        <p:spPr/>
+        <p:txBody>
+          <a:bodyPr/>
+          <a:p>
+            <a:pPr marL="0" indent="0">
+              <a:buNone/>
+            </a:pPr>
+            <a:r>
+              <a:rPr lang="en-US" sz="2000"/>
+              <a:t>Dalam perkembangannya motivasi menghafal Alquran seseorang dipengaruhi banyak faktor. Motivasi menghafal tidak dapat terbentuk tanpa melalui proses menghafal. Proses menghafal memerlukan efikasi diri dalam bentuk keyakinan bahwa target menghafal yang telah ditetapkan oleh pondok pesantren pasti akan tercapai sesuai dengan besarnya usaha yang telah dilakukan. Menghafal Alquran adalah suatu kegiatan yang mulia. Namun, selalu saja ada hambatan-hambatan yang membuat kita enggan untuk menghafal Alquran. Dalam aktifitas menghafal Alquran, seorang individu membutuhkan suatu motivasi sehingga sesuatu yang diinginkan dapat tercapai (Sobur, 2011).</a:t>
+            </a:r>
+            <a:endParaRPr lang="en-US" sz="2000"/>
+          </a:p>
+        </p:txBody>
+      </p:sp>
+    </p:spTree>
+  </p:cSld>
+  <p:clrMapOvr>
+    <a:masterClrMapping/>
+  </p:clrMapOvr>
+</p:sld>
+</file>
+
 <file path=ppt/slides/slide4.xml><?xml version="1.0" encoding="utf-8"?>
 <p:sld xmlns:a="http://schemas.openxmlformats.org/drawingml/2006/main" xmlns:r="http://schemas.openxmlformats.org/officeDocument/2006/relationships" xmlns:p="http://schemas.openxmlformats.org/presentationml/2006/main">
   <p:cSld>

--- a/seminar proposal.pptx
+++ b/seminar proposal.pptx
@@ -11,29 +11,28 @@
     <p:sldId id="256" r:id="rId3"/>
     <p:sldId id="258" r:id="rId4"/>
     <p:sldId id="265" r:id="rId6"/>
-    <p:sldId id="268" r:id="rId7"/>
-    <p:sldId id="273" r:id="rId8"/>
-    <p:sldId id="275" r:id="rId9"/>
-    <p:sldId id="276" r:id="rId10"/>
-    <p:sldId id="277" r:id="rId11"/>
-    <p:sldId id="279" r:id="rId12"/>
-    <p:sldId id="280" r:id="rId13"/>
-    <p:sldId id="281" r:id="rId14"/>
-    <p:sldId id="282" r:id="rId15"/>
-    <p:sldId id="283" r:id="rId16"/>
-    <p:sldId id="284" r:id="rId17"/>
-    <p:sldId id="285" r:id="rId18"/>
-    <p:sldId id="286" r:id="rId19"/>
-    <p:sldId id="287" r:id="rId20"/>
-    <p:sldId id="288" r:id="rId21"/>
-    <p:sldId id="289" r:id="rId22"/>
-    <p:sldId id="290" r:id="rId23"/>
-    <p:sldId id="291" r:id="rId24"/>
-    <p:sldId id="292" r:id="rId25"/>
-    <p:sldId id="293" r:id="rId26"/>
-    <p:sldId id="294" r:id="rId27"/>
-    <p:sldId id="295" r:id="rId28"/>
-    <p:sldId id="296" r:id="rId29"/>
+    <p:sldId id="273" r:id="rId7"/>
+    <p:sldId id="275" r:id="rId8"/>
+    <p:sldId id="276" r:id="rId9"/>
+    <p:sldId id="277" r:id="rId10"/>
+    <p:sldId id="279" r:id="rId11"/>
+    <p:sldId id="280" r:id="rId12"/>
+    <p:sldId id="281" r:id="rId13"/>
+    <p:sldId id="282" r:id="rId14"/>
+    <p:sldId id="283" r:id="rId15"/>
+    <p:sldId id="284" r:id="rId16"/>
+    <p:sldId id="285" r:id="rId17"/>
+    <p:sldId id="286" r:id="rId18"/>
+    <p:sldId id="287" r:id="rId19"/>
+    <p:sldId id="288" r:id="rId20"/>
+    <p:sldId id="289" r:id="rId21"/>
+    <p:sldId id="290" r:id="rId22"/>
+    <p:sldId id="291" r:id="rId23"/>
+    <p:sldId id="292" r:id="rId24"/>
+    <p:sldId id="293" r:id="rId25"/>
+    <p:sldId id="294" r:id="rId26"/>
+    <p:sldId id="295" r:id="rId27"/>
+    <p:sldId id="296" r:id="rId28"/>
   </p:sldIdLst>
   <p:sldSz cx="12192000" cy="6858000"/>
   <p:notesSz cx="6858000" cy="9144000"/>
@@ -7618,7 +7617,7 @@
       <p:grpSpPr/>
       <p:sp>
         <p:nvSpPr>
-          <p:cNvPr id="4" name="Title 3"/>
+          <p:cNvPr id="2" name="Title 1"/>
           <p:cNvSpPr>
             <a:spLocks noGrp="1"/>
           </p:cNvSpPr>
@@ -7640,7 +7639,7 @@
       </p:sp>
       <p:sp>
         <p:nvSpPr>
-          <p:cNvPr id="5" name="Text Placeholder 4"/>
+          <p:cNvPr id="3" name="Text Placeholder 2"/>
           <p:cNvSpPr>
             <a:spLocks noGrp="1"/>
           </p:cNvSpPr>
@@ -7653,16 +7652,16 @@
           <a:bodyPr/>
           <a:p>
             <a:r>
-              <a:rPr lang="en-US" altLang="en-US"/>
-              <a:t>Winkel (2012)</a:t>
-            </a:r>
-            <a:endParaRPr lang="en-US" altLang="en-US"/>
-          </a:p>
-        </p:txBody>
-      </p:sp>
-      <p:sp>
-        <p:nvSpPr>
-          <p:cNvPr id="6" name="Content Placeholder 5"/>
+              <a:rPr lang="en-US"/>
+              <a:t>Kamus Besar Bahasa Indonesia (2008)</a:t>
+            </a:r>
+            <a:endParaRPr lang="en-US"/>
+          </a:p>
+        </p:txBody>
+      </p:sp>
+      <p:sp>
+        <p:nvSpPr>
+          <p:cNvPr id="4" name="Content Placeholder 3"/>
           <p:cNvSpPr>
             <a:spLocks noGrp="1"/>
           </p:cNvSpPr>
@@ -7678,24 +7677,20 @@
               <a:buNone/>
             </a:pPr>
             <a:r>
-              <a:rPr lang="en-US" altLang="en-US" sz="2100" b="1"/>
-              <a:t>Motivasi belajar: </a:t>
-            </a:r>
-            <a:r>
-              <a:rPr lang="en-US" altLang="en-US" sz="2100"/>
-              <a:t>K</a:t>
-            </a:r>
-            <a:r>
-              <a:rPr lang="en-US" sz="2100"/>
-              <a:t>eseluruhan daya penggerak psikis di dalam diri siswa yang menimbulkan kegiatan belajar, menjamin kelangsungan kegiatan belajar dan memberikan arah pada kegiatan belajar itu demi mencapai suatu tujuan. Motivasi belajar memegang peranan penting dalam memberikan gairah semangat belajar, sehingga siswa yang bermotivasi kuat memiliki banyak energi untuk melakukan kegiatan belajar.</a:t>
-            </a:r>
-            <a:endParaRPr lang="en-US" sz="2100"/>
-          </a:p>
-        </p:txBody>
-      </p:sp>
-      <p:sp>
-        <p:nvSpPr>
-          <p:cNvPr id="7" name="Text Placeholder 6"/>
+              <a:rPr lang="en-US" altLang="en-US" sz="2600" b="1"/>
+              <a:t>Menghafal: </a:t>
+            </a:r>
+            <a:r>
+              <a:rPr lang="en-US" altLang="en-US" sz="2600"/>
+              <a:t>Berasal dari kata dasar hafal yang memiliki dua arti: telah masuk dalam ingatan (tentang pelajaran), dan dapat mengucapkan di luar kepala (tanpa melihat buku atau catatan lain). Adapun arti menghafal adalah berusaha meresapkan ke dalam pikiran agar selalu ingat.</a:t>
+            </a:r>
+            <a:endParaRPr lang="en-US" altLang="en-US" sz="2600"/>
+          </a:p>
+        </p:txBody>
+      </p:sp>
+      <p:sp>
+        <p:nvSpPr>
+          <p:cNvPr id="5" name="Text Placeholder 4"/>
           <p:cNvSpPr>
             <a:spLocks noGrp="1"/>
           </p:cNvSpPr>
@@ -7709,15 +7704,7 @@
           <a:p>
             <a:r>
               <a:rPr lang="en-US"/>
-              <a:t>Dimyati </a:t>
-            </a:r>
-            <a:r>
-              <a:rPr lang="en-US" altLang="en-US"/>
-              <a:t>(</a:t>
-            </a:r>
-            <a:r>
-              <a:rPr lang="en-US"/>
-              <a:t>2009)</a:t>
+              <a:t>Shihab (2013)</a:t>
             </a:r>
             <a:endParaRPr lang="en-US"/>
           </a:p>
@@ -7725,7 +7712,7 @@
       </p:sp>
       <p:sp>
         <p:nvSpPr>
-          <p:cNvPr id="8" name="Content Placeholder 7"/>
+          <p:cNvPr id="6" name="Content Placeholder 5"/>
           <p:cNvSpPr>
             <a:spLocks noGrp="1"/>
           </p:cNvSpPr>
@@ -7741,14 +7728,14 @@
               <a:buNone/>
             </a:pPr>
             <a:r>
-              <a:rPr lang="en-US" altLang="en-US" sz="2000" b="1"/>
-              <a:t>Motivasi belajar:</a:t>
-            </a:r>
-            <a:r>
-              <a:rPr lang="en-US" altLang="en-US" sz="2000"/>
-              <a:t> Kecenderungan siswa dalam melakukan kegiatan belajar yang didorong oleh hasrat untuk mencapai prestasi atau hasil belajar sebaik mungkin. Motivasi dipandang sebagai dorongan mental yang menggerakkan dan mengarahkan perilaku manusia, termasuk perilaku di dalam belajar. Di dalam motivasi terkandung adanya keinginan yang mengaktifkan, menggerakkan, menyalurkan dan mengarahkan sikap serta perilaku pada belajar individu tersebut.</a:t>
-            </a:r>
-            <a:endParaRPr lang="en-US" altLang="en-US" sz="2000"/>
+              <a:rPr lang="en-US" altLang="en-US" sz="3100" b="1"/>
+              <a:t>Alquran:</a:t>
+            </a:r>
+            <a:r>
+              <a:rPr lang="en-US" altLang="en-US" sz="3100"/>
+              <a:t> Firman-firman Allah Subhanahu wa Taala yang disampaikan oleh malaikat Jibril sesuai dengan redaksi-Nya kepada Nabi Muhammad Shallallahu Alaihi wa Sallam.</a:t>
+            </a:r>
+            <a:endParaRPr lang="en-US" altLang="en-US" sz="3100"/>
           </a:p>
         </p:txBody>
       </p:sp>
@@ -7794,7 +7781,7 @@
       </p:sp>
       <p:sp>
         <p:nvSpPr>
-          <p:cNvPr id="3" name="Text Placeholder 2"/>
+          <p:cNvPr id="7" name="Text Placeholder 6"/>
           <p:cNvSpPr>
             <a:spLocks noGrp="1"/>
           </p:cNvSpPr>
@@ -7807,90 +7794,14 @@
           <a:bodyPr/>
           <a:p>
             <a:r>
-              <a:rPr lang="en-US"/>
-              <a:t>Kamus Besar Bahasa Indonesia (2008)</a:t>
-            </a:r>
-            <a:endParaRPr lang="en-US"/>
-          </a:p>
-        </p:txBody>
-      </p:sp>
-      <p:sp>
-        <p:nvSpPr>
-          <p:cNvPr id="4" name="Content Placeholder 3"/>
-          <p:cNvSpPr>
-            <a:spLocks noGrp="1"/>
-          </p:cNvSpPr>
-          <p:nvPr>
-            <p:ph sz="half" idx="2"/>
-          </p:nvPr>
-        </p:nvSpPr>
-        <p:spPr/>
-        <p:txBody>
-          <a:bodyPr/>
-          <a:p>
-            <a:pPr marL="0" indent="0">
-              <a:buNone/>
-            </a:pPr>
-            <a:r>
-              <a:rPr lang="en-US" altLang="en-US" sz="2600" b="1"/>
-              <a:t>Menghafal: </a:t>
-            </a:r>
-            <a:r>
-              <a:rPr lang="en-US" altLang="en-US" sz="2600"/>
-              <a:t>Berasal dari kata dasar hafal yang memiliki dua arti: telah masuk dalam ingatan (tentang pelajaran), dan dapat mengucapkan di luar kepala (tanpa melihat buku atau catatan lain). Adapun arti menghafal adalah berusaha meresapkan ke dalam pikiran agar selalu ingat.</a:t>
-            </a:r>
-            <a:endParaRPr lang="en-US" altLang="en-US" sz="2600"/>
-          </a:p>
-        </p:txBody>
-      </p:sp>
-      <p:sp>
-        <p:nvSpPr>
-          <p:cNvPr id="5" name="Text Placeholder 4"/>
-          <p:cNvSpPr>
-            <a:spLocks noGrp="1"/>
-          </p:cNvSpPr>
-          <p:nvPr>
-            <p:ph type="body" sz="quarter" idx="3"/>
-          </p:nvPr>
-        </p:nvSpPr>
-        <p:spPr/>
-        <p:txBody>
-          <a:bodyPr/>
-          <a:p>
-            <a:r>
-              <a:rPr lang="en-US"/>
-              <a:t>Shihab (2013)</a:t>
-            </a:r>
-            <a:endParaRPr lang="en-US"/>
-          </a:p>
-        </p:txBody>
-      </p:sp>
-      <p:sp>
-        <p:nvSpPr>
-          <p:cNvPr id="6" name="Content Placeholder 5"/>
-          <p:cNvSpPr>
-            <a:spLocks noGrp="1"/>
-          </p:cNvSpPr>
-          <p:nvPr>
-            <p:ph sz="quarter" idx="4"/>
-          </p:nvPr>
-        </p:nvSpPr>
-        <p:spPr/>
-        <p:txBody>
-          <a:bodyPr/>
-          <a:p>
-            <a:pPr marL="0" indent="0">
-              <a:buNone/>
-            </a:pPr>
-            <a:r>
-              <a:rPr lang="en-US" altLang="en-US" sz="3100" b="1"/>
-              <a:t>Alquran:</a:t>
-            </a:r>
-            <a:r>
-              <a:rPr lang="en-US" altLang="en-US" sz="3100"/>
-              <a:t> Firman-firman Allah Subhanahu wa Taala yang disampaikan oleh malaikat Jibril sesuai dengan redaksi-Nya kepada Nabi Muhammad Shallallahu Alaihi wa Sallam.</a:t>
-            </a:r>
-            <a:endParaRPr lang="en-US" altLang="en-US" sz="3100"/>
+              <a:rPr lang="en-US" altLang="en-US" sz="2000" b="1"/>
+              <a:t>Motivasi menghafal Alquran: </a:t>
+            </a:r>
+            <a:r>
+              <a:rPr lang="en-US" altLang="en-US" sz="2000"/>
+              <a:t>keseluruhan daya penggerak baik dari dalam maupun dari luar diri individu dengan menciptakan perasaan untuk menyediakan kondisi-kondisi tertentu yang menjamin kelangsungan hidup dan memberikan arah pada kegiatan menghafal Alquran, sehingga dapat tetap tercapainya tujuan di dalam proses menghafal Alquran.</a:t>
+            </a:r>
+            <a:endParaRPr lang="en-US" altLang="en-US" sz="2000"/>
           </a:p>
         </p:txBody>
       </p:sp>
@@ -7914,7 +7825,7 @@
       <p:grpSpPr/>
       <p:sp>
         <p:nvSpPr>
-          <p:cNvPr id="2" name="Title 1"/>
+          <p:cNvPr id="4" name="Title 3"/>
           <p:cNvSpPr>
             <a:spLocks noGrp="1"/>
           </p:cNvSpPr>
@@ -7928,7 +7839,7 @@
           <a:p>
             <a:r>
               <a:rPr lang="en-US" altLang="en-US"/>
-              <a:t>Motivasi Menghafal Alquran → Definisi</a:t>
+              <a:t>Motivasi Menghafal Alquran → Faktor yang Mempengaruhi</a:t>
             </a:r>
             <a:endParaRPr lang="en-US" altLang="en-US"/>
           </a:p>
@@ -7936,27 +7847,243 @@
       </p:sp>
       <p:sp>
         <p:nvSpPr>
+          <p:cNvPr id="5" name="Text Placeholder 4"/>
+          <p:cNvSpPr>
+            <a:spLocks noGrp="1"/>
+          </p:cNvSpPr>
+          <p:nvPr>
+            <p:ph type="body" idx="1"/>
+          </p:nvPr>
+        </p:nvSpPr>
+        <p:spPr/>
+        <p:txBody>
+          <a:bodyPr/>
+          <a:p>
+            <a:r>
+              <a:rPr lang="en-US"/>
+              <a:t>Santrock (2014)</a:t>
+            </a:r>
+            <a:endParaRPr lang="en-US"/>
+          </a:p>
+        </p:txBody>
+      </p:sp>
+      <p:sp>
+        <p:nvSpPr>
+          <p:cNvPr id="6" name="Content Placeholder 5"/>
+          <p:cNvSpPr>
+            <a:spLocks noGrp="1"/>
+          </p:cNvSpPr>
+          <p:nvPr>
+            <p:ph sz="half" idx="2"/>
+          </p:nvPr>
+        </p:nvSpPr>
+        <p:spPr/>
+        <p:txBody>
+          <a:bodyPr/>
+          <a:p>
+            <a:r>
+              <a:rPr lang="en-US" sz="2200"/>
+              <a:t>Faktor individu</a:t>
+            </a:r>
+            <a:endParaRPr lang="en-US" sz="2200"/>
+          </a:p>
+          <a:p>
+            <a:pPr lvl="1"/>
+            <a:r>
+              <a:rPr lang="en-US" sz="2200"/>
+              <a:t>pertumbuhan atau kematangan</a:t>
+            </a:r>
+            <a:endParaRPr lang="en-US" sz="2200"/>
+          </a:p>
+          <a:p>
+            <a:pPr lvl="1"/>
+            <a:r>
+              <a:rPr lang="en-US" sz="2200"/>
+              <a:t>kepandaian</a:t>
+            </a:r>
+            <a:endParaRPr lang="en-US" sz="2200"/>
+          </a:p>
+          <a:p>
+            <a:pPr lvl="1"/>
+            <a:r>
+              <a:rPr lang="en-US" sz="2200"/>
+              <a:t>pelatihan</a:t>
+            </a:r>
+            <a:endParaRPr lang="en-US" sz="2200"/>
+          </a:p>
+          <a:p>
+            <a:r>
+              <a:rPr lang="en-US" sz="2200"/>
+              <a:t>Faktor kemasyarakatan</a:t>
+            </a:r>
+            <a:endParaRPr lang="en-US" sz="2200"/>
+          </a:p>
+          <a:p>
+            <a:pPr lvl="1"/>
+            <a:r>
+              <a:rPr lang="en-US" sz="2200"/>
+              <a:t>keluarga atau kondisi kerumahtanggaan</a:t>
+            </a:r>
+            <a:endParaRPr lang="en-US" sz="2200"/>
+          </a:p>
+          <a:p>
+            <a:pPr lvl="1"/>
+            <a:r>
+              <a:rPr lang="en-US" sz="2200"/>
+              <a:t>alat-alat dalam belajar</a:t>
+            </a:r>
+            <a:endParaRPr lang="en-US" sz="2200"/>
+          </a:p>
+          <a:p>
+            <a:pPr lvl="1"/>
+            <a:r>
+              <a:rPr lang="en-US" sz="2200"/>
+              <a:t>guru dengan cara pengajarannya</a:t>
+            </a:r>
+            <a:endParaRPr lang="en-US" sz="2200"/>
+          </a:p>
+        </p:txBody>
+      </p:sp>
+      <p:sp>
+        <p:nvSpPr>
           <p:cNvPr id="7" name="Text Placeholder 6"/>
           <p:cNvSpPr>
             <a:spLocks noGrp="1"/>
           </p:cNvSpPr>
           <p:nvPr>
-            <p:ph type="body" idx="1"/>
+            <p:ph type="body" sz="quarter" idx="3"/>
           </p:nvPr>
         </p:nvSpPr>
         <p:spPr/>
         <p:txBody>
           <a:bodyPr/>
           <a:p>
-            <a:r>
-              <a:rPr lang="en-US" altLang="en-US" sz="2000" b="1"/>
-              <a:t>Motivasi menghafal Alquran: </a:t>
-            </a:r>
-            <a:r>
-              <a:rPr lang="en-US" altLang="en-US" sz="2000"/>
-              <a:t>keseluruhan daya penggerak baik dari dalam maupun dari luar diri individu dengan menciptakan perasaan untuk menyediakan kondisi-kondisi tertentu yang menjamin kelangsungan hidup dan memberikan arah pada kegiatan menghafal Alquran, sehingga dapat tetap tercapainya tujuan di dalam proses menghafal Alquran.</a:t>
-            </a:r>
-            <a:endParaRPr lang="en-US" altLang="en-US" sz="2000"/>
+            <a:endParaRPr lang="en-US"/>
+          </a:p>
+        </p:txBody>
+      </p:sp>
+      <p:sp>
+        <p:nvSpPr>
+          <p:cNvPr id="8" name="Content Placeholder 7"/>
+          <p:cNvSpPr>
+            <a:spLocks noGrp="1"/>
+          </p:cNvSpPr>
+          <p:nvPr>
+            <p:ph sz="quarter" idx="4"/>
+          </p:nvPr>
+        </p:nvSpPr>
+        <p:spPr/>
+        <p:txBody>
+          <a:bodyPr/>
+          <a:p>
+            <a:r>
+              <a:rPr lang="en-US" altLang="en-US" sz="1400"/>
+              <a:t>Faktor internal</a:t>
+            </a:r>
+            <a:endParaRPr lang="en-US" altLang="en-US" sz="1400"/>
+          </a:p>
+          <a:p>
+            <a:pPr lvl="1"/>
+            <a:r>
+              <a:rPr lang="en-US" altLang="en-US" sz="1400"/>
+              <a:t>Faktor jasmaniah</a:t>
+            </a:r>
+            <a:endParaRPr lang="en-US" altLang="en-US" sz="1400"/>
+          </a:p>
+          <a:p>
+            <a:pPr lvl="1"/>
+            <a:r>
+              <a:rPr lang="en-US" altLang="en-US" sz="1400"/>
+              <a:t>Faktor psikologis</a:t>
+            </a:r>
+            <a:endParaRPr lang="en-US" altLang="en-US" sz="1400"/>
+          </a:p>
+          <a:p>
+            <a:r>
+              <a:rPr lang="en-US" altLang="en-US" sz="1400"/>
+              <a:t>Faktor eksternal</a:t>
+            </a:r>
+            <a:endParaRPr lang="en-US" altLang="en-US" sz="1400"/>
+          </a:p>
+          <a:p>
+            <a:pPr lvl="1"/>
+            <a:r>
+              <a:rPr lang="en-US" altLang="en-US" sz="1400"/>
+              <a:t>Faktor keluarga</a:t>
+            </a:r>
+            <a:endParaRPr lang="en-US" altLang="en-US" sz="1400"/>
+          </a:p>
+          <a:p>
+            <a:pPr lvl="2"/>
+            <a:r>
+              <a:rPr lang="en-US" altLang="en-US" sz="1400"/>
+              <a:t>Orangtua</a:t>
+            </a:r>
+            <a:endParaRPr lang="en-US" altLang="en-US" sz="1400"/>
+          </a:p>
+          <a:p>
+            <a:pPr lvl="2"/>
+            <a:r>
+              <a:rPr lang="en-US" altLang="en-US" sz="1400"/>
+              <a:t>Relasi antaranggota keluarga</a:t>
+            </a:r>
+            <a:endParaRPr lang="en-US" altLang="en-US" sz="1400"/>
+          </a:p>
+          <a:p>
+            <a:pPr lvl="1"/>
+            <a:r>
+              <a:rPr lang="en-US" altLang="en-US" sz="1400"/>
+              <a:t>Faktor sekolah</a:t>
+            </a:r>
+            <a:endParaRPr lang="en-US" altLang="en-US" sz="1400"/>
+          </a:p>
+          <a:p>
+            <a:pPr lvl="2"/>
+            <a:r>
+              <a:rPr lang="en-US" altLang="en-US" sz="1400"/>
+              <a:t>Kurikulum</a:t>
+            </a:r>
+            <a:endParaRPr lang="en-US" altLang="en-US" sz="1400"/>
+          </a:p>
+          <a:p>
+            <a:pPr lvl="2"/>
+            <a:r>
+              <a:rPr lang="en-US" altLang="en-US" sz="1400"/>
+              <a:t>Dukungan guru</a:t>
+            </a:r>
+            <a:endParaRPr lang="en-US" altLang="en-US" sz="1400"/>
+          </a:p>
+          <a:p>
+            <a:pPr lvl="2"/>
+            <a:r>
+              <a:rPr lang="en-US" altLang="en-US" sz="1400"/>
+              <a:t>Lingkungan</a:t>
+            </a:r>
+            <a:endParaRPr lang="en-US" altLang="en-US" sz="1400"/>
+          </a:p>
+          <a:p>
+            <a:pPr lvl="1"/>
+            <a:r>
+              <a:rPr lang="en-US" altLang="en-US" sz="1400"/>
+              <a:t>Faktor masyarakat</a:t>
+            </a:r>
+            <a:endParaRPr lang="en-US" altLang="en-US" sz="1400"/>
+          </a:p>
+          <a:p>
+            <a:pPr lvl="2"/>
+            <a:r>
+              <a:rPr lang="en-US" altLang="en-US" sz="1400"/>
+              <a:t>Media massa</a:t>
+            </a:r>
+            <a:endParaRPr lang="en-US" altLang="en-US" sz="1400"/>
+          </a:p>
+          <a:p>
+            <a:pPr lvl="2"/>
+            <a:r>
+              <a:rPr lang="en-US" altLang="en-US" sz="1400"/>
+              <a:t>Teman</a:t>
+            </a:r>
+            <a:endParaRPr lang="en-US" altLang="en-US" sz="1400"/>
           </a:p>
         </p:txBody>
       </p:sp>
@@ -7980,7 +8107,7 @@
       <p:grpSpPr/>
       <p:sp>
         <p:nvSpPr>
-          <p:cNvPr id="4" name="Title 3"/>
+          <p:cNvPr id="2" name="Title 1"/>
           <p:cNvSpPr>
             <a:spLocks noGrp="1"/>
           </p:cNvSpPr>
@@ -7993,10 +8120,93 @@
           <a:bodyPr/>
           <a:p>
             <a:r>
-              <a:rPr lang="en-US" altLang="en-US"/>
-              <a:t>Motivasi Menghafal Alquran → Faktor yang Mempengaruhi</a:t>
-            </a:r>
-            <a:endParaRPr lang="en-US" altLang="en-US"/>
+              <a:rPr lang="en-US" altLang="en-US">
+                <a:sym typeface="+mn-ea"/>
+              </a:rPr>
+              <a:t>Motivasi Menghafal Alquran → Aspek</a:t>
+            </a:r>
+            <a:endParaRPr lang="en-US" altLang="en-US">
+              <a:sym typeface="+mn-ea"/>
+            </a:endParaRPr>
+          </a:p>
+        </p:txBody>
+      </p:sp>
+      <p:sp>
+        <p:nvSpPr>
+          <p:cNvPr id="3" name="Text Placeholder 2"/>
+          <p:cNvSpPr>
+            <a:spLocks noGrp="1"/>
+          </p:cNvSpPr>
+          <p:nvPr>
+            <p:ph type="body" idx="1"/>
+          </p:nvPr>
+        </p:nvSpPr>
+        <p:spPr/>
+        <p:txBody>
+          <a:bodyPr/>
+          <a:p>
+            <a:r>
+              <a:rPr lang="en-US"/>
+              <a:t>Uno (2008)</a:t>
+            </a:r>
+            <a:endParaRPr lang="en-US"/>
+          </a:p>
+        </p:txBody>
+      </p:sp>
+      <p:sp>
+        <p:nvSpPr>
+          <p:cNvPr id="4" name="Content Placeholder 3"/>
+          <p:cNvSpPr>
+            <a:spLocks noGrp="1"/>
+          </p:cNvSpPr>
+          <p:nvPr>
+            <p:ph sz="half" idx="2"/>
+          </p:nvPr>
+        </p:nvSpPr>
+        <p:spPr/>
+        <p:txBody>
+          <a:bodyPr/>
+          <a:p>
+            <a:r>
+              <a:rPr lang="en-US" sz="2400"/>
+              <a:t>Hasrat dan Keinginan Berhasil</a:t>
+            </a:r>
+            <a:endParaRPr lang="en-US" sz="2400"/>
+          </a:p>
+          <a:p>
+            <a:r>
+              <a:rPr lang="en-US" sz="2400"/>
+              <a:t>Dorongan dan Kebutuhan dalam Belajar</a:t>
+            </a:r>
+            <a:endParaRPr lang="en-US" sz="2400"/>
+          </a:p>
+          <a:p>
+            <a:r>
+              <a:rPr lang="en-US" sz="2400"/>
+              <a:t>Harapan dan Cita-Cita Masa Depan</a:t>
+            </a:r>
+            <a:endParaRPr lang="en-US" sz="2400"/>
+          </a:p>
+          <a:p>
+            <a:r>
+              <a:rPr lang="en-US" sz="2400"/>
+              <a:t>Penghargaan dalam Belajar</a:t>
+            </a:r>
+            <a:endParaRPr lang="en-US" sz="2400"/>
+          </a:p>
+          <a:p>
+            <a:r>
+              <a:rPr lang="en-US" sz="2400"/>
+              <a:t>Kegiatan yang Menarik dalam Belajar</a:t>
+            </a:r>
+            <a:endParaRPr lang="en-US" sz="2400"/>
+          </a:p>
+          <a:p>
+            <a:r>
+              <a:rPr lang="en-US" sz="2400"/>
+              <a:t>Lingkungan Belajar yang Kondusif</a:t>
+            </a:r>
+            <a:endParaRPr lang="en-US" sz="2400"/>
           </a:p>
         </p:txBody>
       </p:sp>
@@ -8007,7 +8217,7 @@
             <a:spLocks noGrp="1"/>
           </p:cNvSpPr>
           <p:nvPr>
-            <p:ph type="body" idx="1"/>
+            <p:ph type="body" sz="quarter" idx="3"/>
           </p:nvPr>
         </p:nvSpPr>
         <p:spPr/>
@@ -8016,7 +8226,7 @@
           <a:p>
             <a:r>
               <a:rPr lang="en-US"/>
-              <a:t>Santrock (2014)</a:t>
+              <a:t>Hamalik (2010)</a:t>
             </a:r>
             <a:endParaRPr lang="en-US"/>
           </a:p>
@@ -8029,7 +8239,7 @@
             <a:spLocks noGrp="1"/>
           </p:cNvSpPr>
           <p:nvPr>
-            <p:ph sz="half" idx="2"/>
+            <p:ph sz="quarter" idx="4"/>
           </p:nvPr>
         </p:nvSpPr>
         <p:spPr/>
@@ -8037,208 +8247,17 @@
           <a:bodyPr/>
           <a:p>
             <a:r>
-              <a:rPr lang="en-US" sz="2200"/>
-              <a:t>Faktor individu</a:t>
-            </a:r>
-            <a:endParaRPr lang="en-US" sz="2200"/>
-          </a:p>
-          <a:p>
-            <a:pPr lvl="1"/>
-            <a:r>
-              <a:rPr lang="en-US" sz="2200"/>
-              <a:t>pertumbuhan atau kematangan</a:t>
-            </a:r>
-            <a:endParaRPr lang="en-US" sz="2200"/>
-          </a:p>
-          <a:p>
-            <a:pPr lvl="1"/>
-            <a:r>
-              <a:rPr lang="en-US" sz="2200"/>
-              <a:t>kepandaian</a:t>
-            </a:r>
-            <a:endParaRPr lang="en-US" sz="2200"/>
-          </a:p>
-          <a:p>
-            <a:pPr lvl="1"/>
-            <a:r>
-              <a:rPr lang="en-US" sz="2200"/>
-              <a:t>pelatihan</a:t>
-            </a:r>
-            <a:endParaRPr lang="en-US" sz="2200"/>
-          </a:p>
-          <a:p>
-            <a:r>
-              <a:rPr lang="en-US" sz="2200"/>
-              <a:t>Faktor kemasyarakatan</a:t>
-            </a:r>
-            <a:endParaRPr lang="en-US" sz="2200"/>
-          </a:p>
-          <a:p>
-            <a:pPr lvl="1"/>
-            <a:r>
-              <a:rPr lang="en-US" sz="2200"/>
-              <a:t>keluarga atau kondisi kerumahtanggaan</a:t>
-            </a:r>
-            <a:endParaRPr lang="en-US" sz="2200"/>
-          </a:p>
-          <a:p>
-            <a:pPr lvl="1"/>
-            <a:r>
-              <a:rPr lang="en-US" sz="2200"/>
-              <a:t>alat-alat dalam belajar</a:t>
-            </a:r>
-            <a:endParaRPr lang="en-US" sz="2200"/>
-          </a:p>
-          <a:p>
-            <a:pPr lvl="1"/>
-            <a:r>
-              <a:rPr lang="en-US" sz="2200"/>
-              <a:t>guru dengan cara pengajarannya</a:t>
-            </a:r>
-            <a:endParaRPr lang="en-US" sz="2200"/>
-          </a:p>
-        </p:txBody>
-      </p:sp>
-      <p:sp>
-        <p:nvSpPr>
-          <p:cNvPr id="7" name="Text Placeholder 6"/>
-          <p:cNvSpPr>
-            <a:spLocks noGrp="1"/>
-          </p:cNvSpPr>
-          <p:nvPr>
-            <p:ph type="body" sz="quarter" idx="3"/>
-          </p:nvPr>
-        </p:nvSpPr>
-        <p:spPr/>
-        <p:txBody>
-          <a:bodyPr/>
-          <a:p>
+              <a:rPr lang="en-US"/>
+              <a:t>Motivasi Intrinsik</a:t>
+            </a:r>
             <a:endParaRPr lang="en-US"/>
           </a:p>
-        </p:txBody>
-      </p:sp>
-      <p:sp>
-        <p:nvSpPr>
-          <p:cNvPr id="8" name="Content Placeholder 7"/>
-          <p:cNvSpPr>
-            <a:spLocks noGrp="1"/>
-          </p:cNvSpPr>
-          <p:nvPr>
-            <p:ph sz="quarter" idx="4"/>
-          </p:nvPr>
-        </p:nvSpPr>
-        <p:spPr/>
-        <p:txBody>
-          <a:bodyPr/>
-          <a:p>
-            <a:r>
-              <a:rPr lang="en-US" altLang="en-US" sz="1400"/>
-              <a:t>Faktor internal</a:t>
-            </a:r>
-            <a:endParaRPr lang="en-US" altLang="en-US" sz="1400"/>
-          </a:p>
-          <a:p>
-            <a:pPr lvl="1"/>
-            <a:r>
-              <a:rPr lang="en-US" altLang="en-US" sz="1400"/>
-              <a:t>Faktor jasmaniah</a:t>
-            </a:r>
-            <a:endParaRPr lang="en-US" altLang="en-US" sz="1400"/>
-          </a:p>
-          <a:p>
-            <a:pPr lvl="1"/>
-            <a:r>
-              <a:rPr lang="en-US" altLang="en-US" sz="1400"/>
-              <a:t>Faktor psikologis</a:t>
-            </a:r>
-            <a:endParaRPr lang="en-US" altLang="en-US" sz="1400"/>
-          </a:p>
-          <a:p>
-            <a:r>
-              <a:rPr lang="en-US" altLang="en-US" sz="1400"/>
-              <a:t>Faktor eksternal</a:t>
-            </a:r>
-            <a:endParaRPr lang="en-US" altLang="en-US" sz="1400"/>
-          </a:p>
-          <a:p>
-            <a:pPr lvl="1"/>
-            <a:r>
-              <a:rPr lang="en-US" altLang="en-US" sz="1400"/>
-              <a:t>Faktor keluarga</a:t>
-            </a:r>
-            <a:endParaRPr lang="en-US" altLang="en-US" sz="1400"/>
-          </a:p>
-          <a:p>
-            <a:pPr lvl="2"/>
-            <a:r>
-              <a:rPr lang="en-US" altLang="en-US" sz="1400"/>
-              <a:t>Orangtua</a:t>
-            </a:r>
-            <a:endParaRPr lang="en-US" altLang="en-US" sz="1400"/>
-          </a:p>
-          <a:p>
-            <a:pPr lvl="2"/>
-            <a:r>
-              <a:rPr lang="en-US" altLang="en-US" sz="1400"/>
-              <a:t>Relasi antaranggota keluarga</a:t>
-            </a:r>
-            <a:endParaRPr lang="en-US" altLang="en-US" sz="1400"/>
-          </a:p>
-          <a:p>
-            <a:pPr lvl="1"/>
-            <a:r>
-              <a:rPr lang="en-US" altLang="en-US" sz="1400"/>
-              <a:t>Faktor sekolah</a:t>
-            </a:r>
-            <a:endParaRPr lang="en-US" altLang="en-US" sz="1400"/>
-          </a:p>
-          <a:p>
-            <a:pPr lvl="2"/>
-            <a:r>
-              <a:rPr lang="en-US" altLang="en-US" sz="1400"/>
-              <a:t>Kurikulum</a:t>
-            </a:r>
-            <a:endParaRPr lang="en-US" altLang="en-US" sz="1400"/>
-          </a:p>
-          <a:p>
-            <a:pPr lvl="2"/>
-            <a:r>
-              <a:rPr lang="en-US" altLang="en-US" sz="1400"/>
-              <a:t>Dukungan guru</a:t>
-            </a:r>
-            <a:endParaRPr lang="en-US" altLang="en-US" sz="1400"/>
-          </a:p>
-          <a:p>
-            <a:pPr lvl="2"/>
-            <a:r>
-              <a:rPr lang="en-US" altLang="en-US" sz="1400"/>
-              <a:t>Lingkungan</a:t>
-            </a:r>
-            <a:endParaRPr lang="en-US" altLang="en-US" sz="1400"/>
-          </a:p>
-          <a:p>
-            <a:pPr lvl="1"/>
-            <a:r>
-              <a:rPr lang="en-US" altLang="en-US" sz="1400"/>
-              <a:t>Faktor masyarakat</a:t>
-            </a:r>
-            <a:endParaRPr lang="en-US" altLang="en-US" sz="1400"/>
-          </a:p>
-          <a:p>
-            <a:pPr lvl="2"/>
-            <a:r>
-              <a:rPr lang="en-US" altLang="en-US" sz="1400"/>
-              <a:t>Media massa</a:t>
-            </a:r>
-            <a:endParaRPr lang="en-US" altLang="en-US" sz="1400"/>
-          </a:p>
-          <a:p>
-            <a:pPr lvl="2"/>
-            <a:r>
-              <a:rPr lang="en-US" altLang="en-US" sz="1400"/>
-              <a:t>Teman</a:t>
-            </a:r>
-            <a:endParaRPr lang="en-US" altLang="en-US" sz="1400"/>
+          <a:p>
+            <a:r>
+              <a:rPr lang="en-US"/>
+              <a:t>Motivasi Ekstrinsik</a:t>
+            </a:r>
+            <a:endParaRPr lang="en-US"/>
           </a:p>
         </p:txBody>
       </p:sp>
@@ -8275,14 +8294,10 @@
           <a:bodyPr/>
           <a:p>
             <a:r>
-              <a:rPr lang="en-US" altLang="en-US">
-                <a:sym typeface="+mn-ea"/>
-              </a:rPr>
-              <a:t>Motivasi Menghafal Alquran → Aspek</a:t>
-            </a:r>
-            <a:endParaRPr lang="en-US" altLang="en-US">
-              <a:sym typeface="+mn-ea"/>
-            </a:endParaRPr>
+              <a:rPr lang="en-US" altLang="en-US"/>
+              <a:t>Efikasi Diri → Definisi</a:t>
+            </a:r>
+            <a:endParaRPr lang="en-US" altLang="en-US"/>
           </a:p>
         </p:txBody>
       </p:sp>
@@ -8302,7 +8317,7 @@
           <a:p>
             <a:r>
               <a:rPr lang="en-US"/>
-              <a:t>Uno (2008)</a:t>
+              <a:t>Bandura (2002)</a:t>
             </a:r>
             <a:endParaRPr lang="en-US"/>
           </a:p>
@@ -8322,46 +8337,18 @@
         <p:txBody>
           <a:bodyPr/>
           <a:p>
-            <a:r>
-              <a:rPr lang="en-US" sz="2400"/>
-              <a:t>Hasrat dan Keinginan Berhasil</a:t>
-            </a:r>
-            <a:endParaRPr lang="en-US" sz="2400"/>
-          </a:p>
-          <a:p>
-            <a:r>
-              <a:rPr lang="en-US" sz="2400"/>
-              <a:t>Dorongan dan Kebutuhan dalam Belajar</a:t>
-            </a:r>
-            <a:endParaRPr lang="en-US" sz="2400"/>
-          </a:p>
-          <a:p>
-            <a:r>
-              <a:rPr lang="en-US" sz="2400"/>
-              <a:t>Harapan dan Cita-Cita Masa Depan</a:t>
-            </a:r>
-            <a:endParaRPr lang="en-US" sz="2400"/>
-          </a:p>
-          <a:p>
-            <a:r>
-              <a:rPr lang="en-US" sz="2400"/>
-              <a:t>Penghargaan dalam Belajar</a:t>
-            </a:r>
-            <a:endParaRPr lang="en-US" sz="2400"/>
-          </a:p>
-          <a:p>
-            <a:r>
-              <a:rPr lang="en-US" sz="2400"/>
-              <a:t>Kegiatan yang Menarik dalam Belajar</a:t>
-            </a:r>
-            <a:endParaRPr lang="en-US" sz="2400"/>
-          </a:p>
-          <a:p>
-            <a:r>
-              <a:rPr lang="en-US" sz="2400"/>
-              <a:t>Lingkungan Belajar yang Kondusif</a:t>
-            </a:r>
-            <a:endParaRPr lang="en-US" sz="2400"/>
+            <a:pPr marL="0" indent="0">
+              <a:buNone/>
+            </a:pPr>
+            <a:r>
+              <a:rPr lang="en-US" altLang="en-US" sz="2200"/>
+              <a:t>E</a:t>
+            </a:r>
+            <a:r>
+              <a:rPr lang="en-US" sz="2200"/>
+              <a:t>fikasi diri adalah keyakinan seorang individu tentang sejauh mana dia menganalisa kemampuannya dalam menyelesaikan suatu tugas untuk mencapai hasil tertentu. Bandura juga menyatakan bahwa efikasi diri adalah suatu gambaran subyektif terhadap kemampuan diri yang bersifat fragmental, yaitu setiap individu mempunyai efikasi diri yang berbeda-beda pada situasi yang berbeda.</a:t>
+            </a:r>
+            <a:endParaRPr lang="en-US" sz="2200"/>
           </a:p>
         </p:txBody>
       </p:sp>
@@ -8381,7 +8368,7 @@
           <a:p>
             <a:r>
               <a:rPr lang="en-US"/>
-              <a:t>Hamalik (2010)</a:t>
+              <a:t>Carducci (2009)</a:t>
             </a:r>
             <a:endParaRPr lang="en-US"/>
           </a:p>
@@ -8401,18 +8388,18 @@
         <p:txBody>
           <a:bodyPr/>
           <a:p>
-            <a:r>
-              <a:rPr lang="en-US"/>
-              <a:t>Motivasi Intrinsik</a:t>
-            </a:r>
-            <a:endParaRPr lang="en-US"/>
-          </a:p>
-          <a:p>
-            <a:r>
-              <a:rPr lang="en-US"/>
-              <a:t>Motivasi Ekstrinsik</a:t>
-            </a:r>
-            <a:endParaRPr lang="en-US"/>
+            <a:pPr marL="0" indent="0">
+              <a:buNone/>
+            </a:pPr>
+            <a:r>
+              <a:rPr lang="en-US" altLang="en-US" sz="3500"/>
+              <a:t>E</a:t>
+            </a:r>
+            <a:r>
+              <a:rPr lang="en-US" sz="3500"/>
+              <a:t>fikasi diri adalah keyakinan individu bahwa dia mampu menjalankan perilaku tertentu sebagai usaha dalam mengatasi situasi tertentu.</a:t>
+            </a:r>
+            <a:endParaRPr lang="en-US" sz="3500"/>
           </a:p>
         </p:txBody>
       </p:sp>
@@ -8471,10 +8458,10 @@
           <a:bodyPr/>
           <a:p>
             <a:r>
-              <a:rPr lang="en-US"/>
-              <a:t>Bandura (2002)</a:t>
-            </a:r>
-            <a:endParaRPr lang="en-US"/>
+              <a:rPr lang="en-US" altLang="en-US"/>
+              <a:t>Mawanti (2011)</a:t>
+            </a:r>
+            <a:endParaRPr lang="en-US" altLang="en-US"/>
           </a:p>
         </p:txBody>
       </p:sp>
@@ -8496,14 +8483,14 @@
               <a:buNone/>
             </a:pPr>
             <a:r>
-              <a:rPr lang="en-US" altLang="en-US" sz="2200"/>
+              <a:rPr lang="en-US" altLang="en-US" sz="2700"/>
               <a:t>E</a:t>
             </a:r>
             <a:r>
-              <a:rPr lang="en-US" sz="2200"/>
-              <a:t>fikasi diri adalah keyakinan seorang individu tentang sejauh mana dia menganalisa kemampuannya dalam menyelesaikan suatu tugas untuk mencapai hasil tertentu. Bandura juga menyatakan bahwa efikasi diri adalah suatu gambaran subyektif terhadap kemampuan diri yang bersifat fragmental, yaitu setiap individu mempunyai efikasi diri yang berbeda-beda pada situasi yang berbeda.</a:t>
-            </a:r>
-            <a:endParaRPr lang="en-US" sz="2200"/>
+              <a:rPr lang="en-US" sz="2700"/>
+              <a:t>fikasi diri adalah keyakinan seseorang bahwa ia mampu melakukan tugas tertentu dengan baik. Efikasi diri memiliki keefektifan, yaitu individu mampu menilai dirinya memiliki kekuatan menghasilkan pengaruh yang diinginkan.</a:t>
+            </a:r>
+            <a:endParaRPr lang="en-US" sz="2700"/>
           </a:p>
         </p:txBody>
       </p:sp>
@@ -8523,7 +8510,7 @@
           <a:p>
             <a:r>
               <a:rPr lang="en-US"/>
-              <a:t>Carducci (2009)</a:t>
+              <a:t>Ormrod (2011)</a:t>
             </a:r>
             <a:endParaRPr lang="en-US"/>
           </a:p>
@@ -8552,7 +8539,7 @@
             </a:r>
             <a:r>
               <a:rPr lang="en-US" sz="3500"/>
-              <a:t>fikasi diri adalah keyakinan individu bahwa dia mampu menjalankan perilaku tertentu sebagai usaha dalam mengatasi situasi tertentu.</a:t>
+              <a:t>fikasi diri adalah suatu penilaian subyektif mengenai kemampuannya untuk melaksanakan atau mencapai tujuan tertentu.</a:t>
             </a:r>
             <a:endParaRPr lang="en-US" sz="3500"/>
           </a:p>
@@ -8614,7 +8601,7 @@
           <a:p>
             <a:r>
               <a:rPr lang="en-US" altLang="en-US"/>
-              <a:t>Mawanti (2011)</a:t>
+              <a:t>Alwisol (2014)</a:t>
             </a:r>
             <a:endParaRPr lang="en-US" altLang="en-US"/>
           </a:p>
@@ -8638,14 +8625,14 @@
               <a:buNone/>
             </a:pPr>
             <a:r>
-              <a:rPr lang="en-US" altLang="en-US" sz="2700"/>
-              <a:t>E</a:t>
-            </a:r>
-            <a:r>
-              <a:rPr lang="en-US" sz="2700"/>
-              <a:t>fikasi diri adalah keyakinan seseorang bahwa ia mampu melakukan tugas tertentu dengan baik. Efikasi diri memiliki keefektifan, yaitu individu mampu menilai dirinya memiliki kekuatan menghasilkan pengaruh yang diinginkan.</a:t>
-            </a:r>
-            <a:endParaRPr lang="en-US" sz="2700"/>
+              <a:rPr lang="en-US" sz="2200"/>
+              <a:t>Efikasi diri adalah penilaian diri, apakah dapat melakukan tindakan yang baik atau salah, bias atau tidak bisa mengerjakan sesuai dengan yang diisyaratkan. Efikasi diri berbeda dengan aspirasi (cita-cita). Karena cita-cita menggambarkan sesuatu yang ideal yang seharusnya dapat dicapai, sedangkan efikasi diri menggambarkan penilaian kemampuan diri</a:t>
+            </a:r>
+            <a:r>
+              <a:rPr lang="en-US" altLang="en-US" sz="2200"/>
+              <a:t>.</a:t>
+            </a:r>
+            <a:endParaRPr lang="en-US" altLang="en-US" sz="2200"/>
           </a:p>
         </p:txBody>
       </p:sp>
@@ -8663,10 +8650,6 @@
         <p:txBody>
           <a:bodyPr/>
           <a:p>
-            <a:r>
-              <a:rPr lang="en-US"/>
-              <a:t>Ormrod (2011)</a:t>
-            </a:r>
             <a:endParaRPr lang="en-US"/>
           </a:p>
         </p:txBody>
@@ -8689,14 +8672,14 @@
               <a:buNone/>
             </a:pPr>
             <a:r>
-              <a:rPr lang="en-US" altLang="en-US" sz="3500"/>
+              <a:rPr lang="en-US" altLang="en-US" sz="3400"/>
               <a:t>E</a:t>
             </a:r>
             <a:r>
-              <a:rPr lang="en-US" sz="3500"/>
-              <a:t>fikasi diri adalah suatu penilaian subyektif mengenai kemampuannya untuk melaksanakan atau mencapai tujuan tertentu.</a:t>
-            </a:r>
-            <a:endParaRPr lang="en-US" sz="3500"/>
+              <a:rPr lang="en-US" sz="3400"/>
+              <a:t>fikasi diri adalah keyakinan seorang individu pada kemampuannya untuk melakukan suatu perilaku dalam menghadapi situasi atau tugas tertentu.</a:t>
+            </a:r>
+            <a:endParaRPr lang="en-US" sz="3400"/>
           </a:p>
         </p:txBody>
       </p:sp>
@@ -8734,7 +8717,7 @@
           <a:p>
             <a:r>
               <a:rPr lang="en-US" altLang="en-US"/>
-              <a:t>Efikasi Diri → Definisi</a:t>
+              <a:t>Efikasi Diri → Faktor yang Mempengaruhi</a:t>
             </a:r>
             <a:endParaRPr lang="en-US" altLang="en-US"/>
           </a:p>
@@ -8756,7 +8739,7 @@
           <a:p>
             <a:r>
               <a:rPr lang="en-US" altLang="en-US"/>
-              <a:t>Alwisol (2014)</a:t>
+              <a:t>Bandura (2002)</a:t>
             </a:r>
             <a:endParaRPr lang="en-US" altLang="en-US"/>
           </a:p>
@@ -8770,6 +8753,67 @@
           </p:cNvSpPr>
           <p:nvPr>
             <p:ph sz="half" idx="2"/>
+          </p:nvPr>
+        </p:nvSpPr>
+        <p:spPr/>
+        <p:txBody>
+          <a:bodyPr/>
+          <a:p>
+            <a:r>
+              <a:rPr lang="en-US" altLang="en-US" sz="2200"/>
+              <a:t>Sifat tugas yang dihadapi</a:t>
+            </a:r>
+            <a:endParaRPr lang="en-US" altLang="en-US" sz="2200"/>
+          </a:p>
+          <a:p>
+            <a:r>
+              <a:rPr lang="en-US" altLang="en-US" sz="2200"/>
+              <a:t>Insentif eksternal</a:t>
+            </a:r>
+            <a:endParaRPr lang="en-US" altLang="en-US" sz="2200"/>
+          </a:p>
+          <a:p>
+            <a:r>
+              <a:rPr lang="en-US" altLang="en-US" sz="2200"/>
+              <a:t>Status individu dalam lingkungan</a:t>
+            </a:r>
+            <a:endParaRPr lang="en-US" altLang="en-US" sz="2200"/>
+          </a:p>
+          <a:p>
+            <a:r>
+              <a:rPr lang="en-US" altLang="en-US" sz="2200"/>
+              <a:t>Informasi tentang kemampuan diri</a:t>
+            </a:r>
+            <a:endParaRPr lang="en-US" altLang="en-US" sz="2200"/>
+          </a:p>
+        </p:txBody>
+      </p:sp>
+      <p:sp>
+        <p:nvSpPr>
+          <p:cNvPr id="5" name="Text Placeholder 4"/>
+          <p:cNvSpPr>
+            <a:spLocks noGrp="1"/>
+          </p:cNvSpPr>
+          <p:nvPr>
+            <p:ph type="body" sz="quarter" idx="3"/>
+          </p:nvPr>
+        </p:nvSpPr>
+        <p:spPr/>
+        <p:txBody>
+          <a:bodyPr/>
+          <a:p>
+            <a:endParaRPr lang="en-US"/>
+          </a:p>
+        </p:txBody>
+      </p:sp>
+      <p:sp>
+        <p:nvSpPr>
+          <p:cNvPr id="6" name="Content Placeholder 5"/>
+          <p:cNvSpPr>
+            <a:spLocks noGrp="1"/>
+          </p:cNvSpPr>
+          <p:nvPr>
+            <p:ph sz="quarter" idx="4"/>
           </p:nvPr>
         </p:nvSpPr>
         <p:spPr/>
@@ -8779,61 +8823,6 @@
             <a:pPr marL="0" indent="0">
               <a:buNone/>
             </a:pPr>
-            <a:r>
-              <a:rPr lang="en-US" sz="2200"/>
-              <a:t>Efikasi diri adalah penilaian diri, apakah dapat melakukan tindakan yang baik atau salah, bias atau tidak bisa mengerjakan sesuai dengan yang diisyaratkan. Efikasi diri berbeda dengan aspirasi (cita-cita). Karena cita-cita menggambarkan sesuatu yang ideal yang seharusnya dapat dicapai, sedangkan efikasi diri menggambarkan penilaian kemampuan diri</a:t>
-            </a:r>
-            <a:r>
-              <a:rPr lang="en-US" altLang="en-US" sz="2200"/>
-              <a:t>.</a:t>
-            </a:r>
-            <a:endParaRPr lang="en-US" altLang="en-US" sz="2200"/>
-          </a:p>
-        </p:txBody>
-      </p:sp>
-      <p:sp>
-        <p:nvSpPr>
-          <p:cNvPr id="5" name="Text Placeholder 4"/>
-          <p:cNvSpPr>
-            <a:spLocks noGrp="1"/>
-          </p:cNvSpPr>
-          <p:nvPr>
-            <p:ph type="body" sz="quarter" idx="3"/>
-          </p:nvPr>
-        </p:nvSpPr>
-        <p:spPr/>
-        <p:txBody>
-          <a:bodyPr/>
-          <a:p>
-            <a:endParaRPr lang="en-US"/>
-          </a:p>
-        </p:txBody>
-      </p:sp>
-      <p:sp>
-        <p:nvSpPr>
-          <p:cNvPr id="6" name="Content Placeholder 5"/>
-          <p:cNvSpPr>
-            <a:spLocks noGrp="1"/>
-          </p:cNvSpPr>
-          <p:nvPr>
-            <p:ph sz="quarter" idx="4"/>
-          </p:nvPr>
-        </p:nvSpPr>
-        <p:spPr/>
-        <p:txBody>
-          <a:bodyPr/>
-          <a:p>
-            <a:pPr marL="0" indent="0">
-              <a:buNone/>
-            </a:pPr>
-            <a:r>
-              <a:rPr lang="en-US" altLang="en-US" sz="3400"/>
-              <a:t>E</a:t>
-            </a:r>
-            <a:r>
-              <a:rPr lang="en-US" sz="3400"/>
-              <a:t>fikasi diri adalah keyakinan seorang individu pada kemampuannya untuk melakukan suatu perilaku dalam menghadapi situasi atau tugas tertentu.</a:t>
-            </a:r>
             <a:endParaRPr lang="en-US" sz="3400"/>
           </a:p>
         </p:txBody>
@@ -8872,7 +8861,7 @@
           <a:p>
             <a:r>
               <a:rPr lang="en-US" altLang="en-US"/>
-              <a:t>Efikasi Diri → Faktor yang Mempengaruhi</a:t>
+              <a:t>Efikasi Diri → Aspek</a:t>
             </a:r>
             <a:endParaRPr lang="en-US" altLang="en-US"/>
           </a:p>
@@ -8916,28 +8905,21 @@
           <a:p>
             <a:r>
               <a:rPr lang="en-US" altLang="en-US" sz="2200"/>
-              <a:t>Sifat tugas yang dihadapi</a:t>
+              <a:t>Besaran (magnitude/level)</a:t>
             </a:r>
             <a:endParaRPr lang="en-US" altLang="en-US" sz="2200"/>
           </a:p>
           <a:p>
             <a:r>
               <a:rPr lang="en-US" altLang="en-US" sz="2200"/>
-              <a:t>Insentif eksternal</a:t>
+              <a:t>Luas bidang (generality)</a:t>
             </a:r>
             <a:endParaRPr lang="en-US" altLang="en-US" sz="2200"/>
           </a:p>
           <a:p>
             <a:r>
               <a:rPr lang="en-US" altLang="en-US" sz="2200"/>
-              <a:t>Status individu dalam lingkungan</a:t>
-            </a:r>
-            <a:endParaRPr lang="en-US" altLang="en-US" sz="2200"/>
-          </a:p>
-          <a:p>
-            <a:r>
-              <a:rPr lang="en-US" altLang="en-US" sz="2200"/>
-              <a:t>Informasi tentang kemampuan diri</a:t>
+              <a:t>Kekuatan (strength)</a:t>
             </a:r>
             <a:endParaRPr lang="en-US" altLang="en-US" sz="2200"/>
           </a:p>
@@ -9016,7 +8998,7 @@
           <a:p>
             <a:r>
               <a:rPr lang="en-US" altLang="en-US"/>
-              <a:t>Efikasi Diri → Aspek</a:t>
+              <a:t>Dukungan Guru Tahfidz → Definisi</a:t>
             </a:r>
             <a:endParaRPr lang="en-US" altLang="en-US"/>
           </a:p>
@@ -9038,7 +9020,7 @@
           <a:p>
             <a:r>
               <a:rPr lang="en-US" altLang="en-US"/>
-              <a:t>Bandura (2002)</a:t>
+              <a:t>Chaplin (2009)</a:t>
             </a:r>
             <a:endParaRPr lang="en-US" altLang="en-US"/>
           </a:p>
@@ -9052,60 +9034,6 @@
           </p:cNvSpPr>
           <p:nvPr>
             <p:ph sz="half" idx="2"/>
-          </p:nvPr>
-        </p:nvSpPr>
-        <p:spPr/>
-        <p:txBody>
-          <a:bodyPr/>
-          <a:p>
-            <a:r>
-              <a:rPr lang="en-US" altLang="en-US" sz="2200"/>
-              <a:t>Besaran (magnitude/level)</a:t>
-            </a:r>
-            <a:endParaRPr lang="en-US" altLang="en-US" sz="2200"/>
-          </a:p>
-          <a:p>
-            <a:r>
-              <a:rPr lang="en-US" altLang="en-US" sz="2200"/>
-              <a:t>Luas bidang (generality)</a:t>
-            </a:r>
-            <a:endParaRPr lang="en-US" altLang="en-US" sz="2200"/>
-          </a:p>
-          <a:p>
-            <a:r>
-              <a:rPr lang="en-US" altLang="en-US" sz="2200"/>
-              <a:t>Kekuatan (strength)</a:t>
-            </a:r>
-            <a:endParaRPr lang="en-US" altLang="en-US" sz="2200"/>
-          </a:p>
-        </p:txBody>
-      </p:sp>
-      <p:sp>
-        <p:nvSpPr>
-          <p:cNvPr id="5" name="Text Placeholder 4"/>
-          <p:cNvSpPr>
-            <a:spLocks noGrp="1"/>
-          </p:cNvSpPr>
-          <p:nvPr>
-            <p:ph type="body" sz="quarter" idx="3"/>
-          </p:nvPr>
-        </p:nvSpPr>
-        <p:spPr/>
-        <p:txBody>
-          <a:bodyPr/>
-          <a:p>
-            <a:endParaRPr lang="en-US"/>
-          </a:p>
-        </p:txBody>
-      </p:sp>
-      <p:sp>
-        <p:nvSpPr>
-          <p:cNvPr id="6" name="Content Placeholder 5"/>
-          <p:cNvSpPr>
-            <a:spLocks noGrp="1"/>
-          </p:cNvSpPr>
-          <p:nvPr>
-            <p:ph sz="quarter" idx="4"/>
           </p:nvPr>
         </p:nvSpPr>
         <p:spPr/>
@@ -9115,7 +9043,70 @@
             <a:pPr marL="0" indent="0">
               <a:buNone/>
             </a:pPr>
-            <a:endParaRPr lang="en-US" sz="3400"/>
+            <a:r>
+              <a:rPr lang="en-US" altLang="en-US" sz="2200"/>
+              <a:t>Dukungan sosial berasal dari kata dukungan dan sosial. Dukungan adalah mengadakan atau menyediakan sesuatu untuk memenuhi kebutuhan orang lain; dan memberikan dorongan dan pengobaran semangat dan nasehat kepada orang lain dalam situasi pembuatan keputusan. Sedangkan sosial berarti hubungan antara dua orang atau lebih.</a:t>
+            </a:r>
+            <a:endParaRPr lang="en-US" altLang="en-US" sz="2200"/>
+          </a:p>
+        </p:txBody>
+      </p:sp>
+      <p:sp>
+        <p:nvSpPr>
+          <p:cNvPr id="5" name="Text Placeholder 4"/>
+          <p:cNvSpPr>
+            <a:spLocks noGrp="1"/>
+          </p:cNvSpPr>
+          <p:nvPr>
+            <p:ph type="body" sz="quarter" idx="3"/>
+          </p:nvPr>
+        </p:nvSpPr>
+        <p:spPr/>
+        <p:txBody>
+          <a:bodyPr/>
+          <a:p>
+            <a:r>
+              <a:rPr lang="en-US"/>
+              <a:t>Dunst, Trivette, dan Cross (dalam Gousmett, 2006)</a:t>
+            </a:r>
+            <a:endParaRPr lang="en-US"/>
+          </a:p>
+        </p:txBody>
+      </p:sp>
+      <p:sp>
+        <p:nvSpPr>
+          <p:cNvPr id="6" name="Content Placeholder 5"/>
+          <p:cNvSpPr>
+            <a:spLocks noGrp="1"/>
+          </p:cNvSpPr>
+          <p:nvPr>
+            <p:ph sz="quarter" idx="4"/>
+          </p:nvPr>
+        </p:nvSpPr>
+        <p:spPr/>
+        <p:txBody>
+          <a:bodyPr/>
+          <a:p>
+            <a:pPr marL="0" indent="0">
+              <a:buNone/>
+            </a:pPr>
+            <a:r>
+              <a:rPr lang="en-US" altLang="en-US" sz="2400"/>
+              <a:t>D</a:t>
+            </a:r>
+            <a:r>
+              <a:rPr lang="en-US" sz="2400"/>
+              <a:t>ukungan sosial </a:t>
+            </a:r>
+            <a:r>
+              <a:rPr lang="en-US" altLang="en-US" sz="2400"/>
+              <a:t>adalah </a:t>
+            </a:r>
+            <a:r>
+              <a:rPr lang="en-US" sz="2400"/>
+              <a:t>konstruksi multidimensi yang berisi bantuan fisik dan instrumental; berbagai informasi dan sumber daya; dan menyediakan dukungan emosional dan psikologis. Istilah ini dapat juga berarti suatu pelayanan formal yang diterima dari para professional, organisasi formal, atau yang semiformal.</a:t>
+            </a:r>
+            <a:endParaRPr lang="en-US" sz="2400"/>
           </a:p>
         </p:txBody>
       </p:sp>
@@ -9520,7 +9511,7 @@
           <a:p>
             <a:r>
               <a:rPr lang="en-US" altLang="en-US"/>
-              <a:t>Chaplin (2009)</a:t>
+              <a:t>Cutrona (2000)</a:t>
             </a:r>
             <a:endParaRPr lang="en-US" altLang="en-US"/>
           </a:p>
@@ -9545,7 +9536,7 @@
             </a:pPr>
             <a:r>
               <a:rPr lang="en-US" altLang="en-US" sz="2200"/>
-              <a:t>Dukungan sosial berasal dari kata dukungan dan sosial. Dukungan adalah mengadakan atau menyediakan sesuatu untuk memenuhi kebutuhan orang lain; dan memberikan dorongan dan pengobaran semangat dan nasehat kepada orang lain dalam situasi pembuatan keputusan. Sedangkan sosial berarti hubungan antara dua orang atau lebih.</a:t>
+              <a:t>Dukungan sosial adalah suatu perilaku yang membantu orang-orang yang sedang menjalani situasi kehidupan yang penuh tekanan untuk mengatasi masalah yang sedang dihadapi secara efektif.</a:t>
             </a:r>
             <a:endParaRPr lang="en-US" altLang="en-US" sz="2200"/>
           </a:p>
@@ -9567,7 +9558,7 @@
           <a:p>
             <a:r>
               <a:rPr lang="en-US"/>
-              <a:t>Dunst, Trivette, dan Cross (dalam Gousmett, 2006)</a:t>
+              <a:t>Cobb (dalam Gousmett, 2006)</a:t>
             </a:r>
             <a:endParaRPr lang="en-US"/>
           </a:p>
@@ -9591,22 +9582,14 @@
               <a:buNone/>
             </a:pPr>
             <a:r>
-              <a:rPr lang="en-US" altLang="en-US" sz="2400"/>
+              <a:rPr lang="en-US" altLang="en-US" sz="2200"/>
               <a:t>D</a:t>
             </a:r>
             <a:r>
-              <a:rPr lang="en-US" sz="2400"/>
-              <a:t>ukungan sosial </a:t>
-            </a:r>
-            <a:r>
-              <a:rPr lang="en-US" altLang="en-US" sz="2400"/>
-              <a:t>adalah </a:t>
-            </a:r>
-            <a:r>
-              <a:rPr lang="en-US" sz="2400"/>
-              <a:t>konstruksi multidimensi yang berisi bantuan fisik dan instrumental; berbagai informasi dan sumber daya; dan menyediakan dukungan emosional dan psikologis. Istilah ini dapat juga berarti suatu pelayanan formal yang diterima dari para professional, organisasi formal, atau yang semiformal.</a:t>
-            </a:r>
-            <a:endParaRPr lang="en-US" sz="2400"/>
+              <a:rPr lang="en-US" sz="2200"/>
+              <a:t>ukungan sosial adalah informasi dari beberapa hal berikut ini: informasi yang mengarah orang untuk percaya bahwa mereka diperhatikan dan dicintai; informasi yang mengarah ke orang untuk percaya bahwa mereka berharga dan dihargai; dan informasi yang mengarah pada orang untuk percaya bahwa mereka berasal dari jaringan komunikasi yang sama dengan kewajiban bersama.</a:t>
+            </a:r>
+            <a:endParaRPr lang="en-US" sz="2200"/>
           </a:p>
         </p:txBody>
       </p:sp>
@@ -9666,7 +9649,7 @@
           <a:p>
             <a:r>
               <a:rPr lang="en-US" altLang="en-US"/>
-              <a:t>Cutrona (2000)</a:t>
+              <a:t>Sarafino dan Timothy (2012)</a:t>
             </a:r>
             <a:endParaRPr lang="en-US" altLang="en-US"/>
           </a:p>
@@ -9691,7 +9674,7 @@
             </a:pPr>
             <a:r>
               <a:rPr lang="en-US" altLang="en-US" sz="2200"/>
-              <a:t>Dukungan sosial adalah suatu perilaku yang membantu orang-orang yang sedang menjalani situasi kehidupan yang penuh tekanan untuk mengatasi masalah yang sedang dihadapi secara efektif.</a:t>
+              <a:t>Dukungan sosial adalah kenyamanan, perhatian, penghargaan, ataupun bantuan yang diterima individu dari orang lain.</a:t>
             </a:r>
             <a:endParaRPr lang="en-US" altLang="en-US" sz="2200"/>
           </a:p>
@@ -9713,7 +9696,15 @@
           <a:p>
             <a:r>
               <a:rPr lang="en-US"/>
-              <a:t>Cobb (dalam Gousmett, 2006)</a:t>
+              <a:t>Dariyo </a:t>
+            </a:r>
+            <a:r>
+              <a:rPr lang="en-US" altLang="en-US"/>
+              <a:t>(</a:t>
+            </a:r>
+            <a:r>
+              <a:rPr lang="en-US"/>
+              <a:t>2013)</a:t>
             </a:r>
             <a:endParaRPr lang="en-US"/>
           </a:p>
@@ -9737,14 +9728,14 @@
               <a:buNone/>
             </a:pPr>
             <a:r>
+              <a:rPr lang="en-US" sz="2200"/>
+              <a:t>Berdasarkan Peraturan Pemerintah Republik Indonesia No. 19 tahun 2005 tentang Standard Nasional Pendidikan, guru adalah pendidik profesional dengan tugas utama mengajar, membimbing, mengarahkan, melatih, menilai, dan mengevaluasi siswa pada pendidikan formal, pendidikan dasar, dan pendidikan menengah</a:t>
+            </a:r>
+            <a:r>
               <a:rPr lang="en-US" altLang="en-US" sz="2200"/>
-              <a:t>D</a:t>
-            </a:r>
-            <a:r>
-              <a:rPr lang="en-US" sz="2200"/>
-              <a:t>ukungan sosial adalah informasi dari beberapa hal berikut ini: informasi yang mengarah orang untuk percaya bahwa mereka diperhatikan dan dicintai; informasi yang mengarah ke orang untuk percaya bahwa mereka berharga dan dihargai; dan informasi yang mengarah pada orang untuk percaya bahwa mereka berasal dari jaringan komunikasi yang sama dengan kewajiban bersama.</a:t>
-            </a:r>
-            <a:endParaRPr lang="en-US" sz="2200"/>
+              <a:t>.</a:t>
+            </a:r>
+            <a:endParaRPr lang="en-US" altLang="en-US" sz="2200"/>
           </a:p>
         </p:txBody>
       </p:sp>
@@ -9804,7 +9795,7 @@
           <a:p>
             <a:r>
               <a:rPr lang="en-US" altLang="en-US"/>
-              <a:t>Sarafino dan Timothy (2012)</a:t>
+              <a:t>Kaplan dkk (2007)</a:t>
             </a:r>
             <a:endParaRPr lang="en-US" altLang="en-US"/>
           </a:p>
@@ -9828,10 +9819,10 @@
               <a:buNone/>
             </a:pPr>
             <a:r>
-              <a:rPr lang="en-US" altLang="en-US" sz="2200"/>
-              <a:t>Dukungan sosial adalah kenyamanan, perhatian, penghargaan, ataupun bantuan yang diterima individu dari orang lain.</a:t>
-            </a:r>
-            <a:endParaRPr lang="en-US" altLang="en-US" sz="2200"/>
+              <a:rPr lang="en-US" altLang="en-US" sz="1800"/>
+              <a:t>Dukungan guru adalah persepsi siswa bahwa mereka mendapat perhatian dan akan dibantu guru. Ketika siswa merasa mendapat dukungan secara emosional dari guru, mereka akan lebih terlibat dalam akademisnya, termasuk meningkatkan usahanya, meminta bantuan, dan menggunakan strategi self-regulated learning. Siswa juga akan cenderung memiliki prestasi yang lebih tinggi. Hal tersebut terjadi karena ketika siswa merasa dipedulikan oleh guru, maka akan mendorong siswa untuk memenuhi harapan guru.</a:t>
+            </a:r>
+            <a:endParaRPr lang="en-US" altLang="en-US" sz="1800"/>
           </a:p>
         </p:txBody>
       </p:sp>
@@ -9849,18 +9840,6 @@
         <p:txBody>
           <a:bodyPr/>
           <a:p>
-            <a:r>
-              <a:rPr lang="en-US"/>
-              <a:t>Dariyo </a:t>
-            </a:r>
-            <a:r>
-              <a:rPr lang="en-US" altLang="en-US"/>
-              <a:t>(</a:t>
-            </a:r>
-            <a:r>
-              <a:rPr lang="en-US"/>
-              <a:t>2013)</a:t>
-            </a:r>
             <a:endParaRPr lang="en-US"/>
           </a:p>
         </p:txBody>
@@ -9883,14 +9862,10 @@
               <a:buNone/>
             </a:pPr>
             <a:r>
-              <a:rPr lang="en-US" sz="2200"/>
-              <a:t>Berdasarkan Peraturan Pemerintah Republik Indonesia No. 19 tahun 2005 tentang Standard Nasional Pendidikan, guru adalah pendidik profesional dengan tugas utama mengajar, membimbing, mengarahkan, melatih, menilai, dan mengevaluasi siswa pada pendidikan formal, pendidikan dasar, dan pendidikan menengah</a:t>
-            </a:r>
-            <a:r>
-              <a:rPr lang="en-US" altLang="en-US" sz="2200"/>
-              <a:t>.</a:t>
-            </a:r>
-            <a:endParaRPr lang="en-US" altLang="en-US" sz="2200"/>
+              <a:rPr lang="en-US" altLang="en-US"/>
+              <a:t>Dukungan guru tahfidz adalah suatu pemenuhan, dorongan, pengobaran semangat, dan nasehat dari guru tahfidz kepada santri.</a:t>
+            </a:r>
+            <a:endParaRPr lang="en-US" altLang="en-US"/>
           </a:p>
         </p:txBody>
       </p:sp>
@@ -9928,7 +9903,7 @@
           <a:p>
             <a:r>
               <a:rPr lang="en-US" altLang="en-US"/>
-              <a:t>Dukungan Guru Tahfidz → Definisi</a:t>
+              <a:t>Dukungan Guru Tahfidz → Faktor yang Mempengaruhi</a:t>
             </a:r>
             <a:endParaRPr lang="en-US" altLang="en-US"/>
           </a:p>
@@ -9950,7 +9925,7 @@
           <a:p>
             <a:r>
               <a:rPr lang="en-US" altLang="en-US"/>
-              <a:t>Kaplan dkk (2007)</a:t>
+              <a:t>Cohen dan Syme (2005)</a:t>
             </a:r>
             <a:endParaRPr lang="en-US" altLang="en-US"/>
           </a:p>
@@ -9970,14 +9945,28 @@
         <p:txBody>
           <a:bodyPr/>
           <a:p>
-            <a:pPr marL="0" indent="0">
-              <a:buNone/>
-            </a:pPr>
-            <a:r>
-              <a:rPr lang="en-US" altLang="en-US" sz="1800"/>
-              <a:t>Dukungan guru adalah persepsi siswa bahwa mereka mendapat perhatian dan akan dibantu guru. Ketika siswa merasa mendapat dukungan secara emosional dari guru, mereka akan lebih terlibat dalam akademisnya, termasuk meningkatkan usahanya, meminta bantuan, dan menggunakan strategi self-regulated learning. Siswa juga akan cenderung memiliki prestasi yang lebih tinggi. Hal tersebut terjadi karena ketika siswa merasa dipedulikan oleh guru, maka akan mendorong siswa untuk memenuhi harapan guru.</a:t>
-            </a:r>
-            <a:endParaRPr lang="en-US" altLang="en-US" sz="1800"/>
+            <a:r>
+              <a:rPr lang="en-US" altLang="en-US" sz="2400"/>
+              <a:t>Pemberi Dukungan Sosial</a:t>
+            </a:r>
+            <a:endParaRPr lang="en-US" altLang="en-US" sz="2400"/>
+          </a:p>
+          <a:p>
+            <a:r>
+              <a:rPr lang="en-US" altLang="en-US" sz="2400"/>
+              <a:t>Jenis Dukungan</a:t>
+            </a:r>
+            <a:endParaRPr lang="en-US" altLang="en-US" sz="2400"/>
+          </a:p>
+          <a:p>
+            <a:r>
+              <a:rPr lang="en-US" altLang="en-US" sz="2400"/>
+              <a:t>Penerima Dukungan</a:t>
+            </a:r>
+            <a:endParaRPr lang="en-US" altLang="en-US" sz="2400"/>
+          </a:p>
+          <a:p>
+            <a:endParaRPr lang="en-US" altLang="en-US" sz="2400"/>
           </a:p>
         </p:txBody>
       </p:sp>
@@ -9995,6 +9984,10 @@
         <p:txBody>
           <a:bodyPr/>
           <a:p>
+            <a:r>
+              <a:rPr lang="en-US"/>
+              <a:t>Myers (2012)</a:t>
+            </a:r>
             <a:endParaRPr lang="en-US"/>
           </a:p>
         </p:txBody>
@@ -10013,14 +10006,18 @@
         <p:txBody>
           <a:bodyPr/>
           <a:p>
-            <a:pPr marL="0" indent="0">
-              <a:buNone/>
-            </a:pPr>
-            <a:r>
-              <a:rPr lang="en-US" altLang="en-US"/>
-              <a:t>Dukungan guru tahfidz adalah suatu pemenuhan, dorongan, pengobaran semangat, dan nasehat dari guru tahfidz kepada santri.</a:t>
-            </a:r>
-            <a:endParaRPr lang="en-US" altLang="en-US"/>
+            <a:r>
+              <a:rPr lang="en-US" altLang="en-US" sz="2400"/>
+              <a:t>Empati</a:t>
+            </a:r>
+            <a:endParaRPr lang="en-US" altLang="en-US" sz="2400"/>
+          </a:p>
+          <a:p>
+            <a:r>
+              <a:rPr lang="en-US" altLang="en-US" sz="2400"/>
+              <a:t>Norma-norma</a:t>
+            </a:r>
+            <a:endParaRPr lang="en-US" altLang="en-US" sz="2400"/>
           </a:p>
         </p:txBody>
       </p:sp>
@@ -10058,7 +10055,7 @@
           <a:p>
             <a:r>
               <a:rPr lang="en-US" altLang="en-US"/>
-              <a:t>Dukungan Guru Tahfidz → Faktor yang Mempengaruhi</a:t>
+              <a:t>Dukungan Guru Tahfidz → Aspek</a:t>
             </a:r>
             <a:endParaRPr lang="en-US" altLang="en-US"/>
           </a:p>
@@ -10080,7 +10077,7 @@
           <a:p>
             <a:r>
               <a:rPr lang="en-US" altLang="en-US"/>
-              <a:t>Cohen dan Syme (2005)</a:t>
+              <a:t>Sarafino dan Timothy (2012)</a:t>
             </a:r>
             <a:endParaRPr lang="en-US" altLang="en-US"/>
           </a:p>
@@ -10102,25 +10099,29 @@
           <a:p>
             <a:r>
               <a:rPr lang="en-US" altLang="en-US" sz="2400"/>
-              <a:t>Pemberi Dukungan Sosial</a:t>
+              <a:t>Dukungan Emosional</a:t>
             </a:r>
             <a:endParaRPr lang="en-US" altLang="en-US" sz="2400"/>
           </a:p>
           <a:p>
             <a:r>
               <a:rPr lang="en-US" altLang="en-US" sz="2400"/>
-              <a:t>Jenis Dukungan</a:t>
+              <a:t>Dukungan Penghargaan</a:t>
             </a:r>
             <a:endParaRPr lang="en-US" altLang="en-US" sz="2400"/>
           </a:p>
           <a:p>
             <a:r>
               <a:rPr lang="en-US" altLang="en-US" sz="2400"/>
-              <a:t>Penerima Dukungan</a:t>
+              <a:t>Dukungan Instrumental</a:t>
             </a:r>
             <a:endParaRPr lang="en-US" altLang="en-US" sz="2400"/>
           </a:p>
           <a:p>
+            <a:r>
+              <a:rPr lang="en-US" altLang="en-US" sz="2400"/>
+              <a:t>Dukungan Informasi</a:t>
+            </a:r>
             <a:endParaRPr lang="en-US" altLang="en-US" sz="2400"/>
           </a:p>
         </p:txBody>
@@ -10141,7 +10142,7 @@
           <a:p>
             <a:r>
               <a:rPr lang="en-US"/>
-              <a:t>Myers (2012)</a:t>
+              <a:t>Weiss (dalam Bulmer, 2015)</a:t>
             </a:r>
             <a:endParaRPr lang="en-US"/>
           </a:p>
@@ -10163,14 +10164,42 @@
           <a:p>
             <a:r>
               <a:rPr lang="en-US" altLang="en-US" sz="2400"/>
-              <a:t>Empati</a:t>
+              <a:t>Kerekatan emosional</a:t>
             </a:r>
             <a:endParaRPr lang="en-US" altLang="en-US" sz="2400"/>
           </a:p>
           <a:p>
             <a:r>
               <a:rPr lang="en-US" altLang="en-US" sz="2400"/>
-              <a:t>Norma-norma</a:t>
+              <a:t>Integrasi sosial</a:t>
+            </a:r>
+            <a:endParaRPr lang="en-US" altLang="en-US" sz="2400"/>
+          </a:p>
+          <a:p>
+            <a:r>
+              <a:rPr lang="en-US" altLang="en-US" sz="2400"/>
+              <a:t>Adanya pengakuan</a:t>
+            </a:r>
+            <a:endParaRPr lang="en-US" altLang="en-US" sz="2400"/>
+          </a:p>
+          <a:p>
+            <a:r>
+              <a:rPr lang="en-US" altLang="en-US" sz="2400"/>
+              <a:t>Ketergantungan yang dapat diandalkan</a:t>
+            </a:r>
+            <a:endParaRPr lang="en-US" altLang="en-US" sz="2400"/>
+          </a:p>
+          <a:p>
+            <a:r>
+              <a:rPr lang="en-US" altLang="en-US" sz="2400"/>
+              <a:t>Bimbingan</a:t>
+            </a:r>
+            <a:endParaRPr lang="en-US" altLang="en-US" sz="2400"/>
+          </a:p>
+          <a:p>
+            <a:r>
+              <a:rPr lang="en-US" altLang="en-US" sz="2400"/>
+              <a:t>Kesempatan mengasuh</a:t>
             </a:r>
             <a:endParaRPr lang="en-US" altLang="en-US" sz="2400"/>
           </a:p>
@@ -10210,190 +10239,6 @@
           <a:p>
             <a:r>
               <a:rPr lang="en-US" altLang="en-US"/>
-              <a:t>Dukungan Guru Tahfidz → Aspek</a:t>
-            </a:r>
-            <a:endParaRPr lang="en-US" altLang="en-US"/>
-          </a:p>
-        </p:txBody>
-      </p:sp>
-      <p:sp>
-        <p:nvSpPr>
-          <p:cNvPr id="3" name="Text Placeholder 2"/>
-          <p:cNvSpPr>
-            <a:spLocks noGrp="1"/>
-          </p:cNvSpPr>
-          <p:nvPr>
-            <p:ph type="body" idx="1"/>
-          </p:nvPr>
-        </p:nvSpPr>
-        <p:spPr/>
-        <p:txBody>
-          <a:bodyPr/>
-          <a:p>
-            <a:r>
-              <a:rPr lang="en-US" altLang="en-US"/>
-              <a:t>Sarafino dan Timothy (2012)</a:t>
-            </a:r>
-            <a:endParaRPr lang="en-US" altLang="en-US"/>
-          </a:p>
-        </p:txBody>
-      </p:sp>
-      <p:sp>
-        <p:nvSpPr>
-          <p:cNvPr id="4" name="Content Placeholder 3"/>
-          <p:cNvSpPr>
-            <a:spLocks noGrp="1"/>
-          </p:cNvSpPr>
-          <p:nvPr>
-            <p:ph sz="half" idx="2"/>
-          </p:nvPr>
-        </p:nvSpPr>
-        <p:spPr/>
-        <p:txBody>
-          <a:bodyPr/>
-          <a:p>
-            <a:r>
-              <a:rPr lang="en-US" altLang="en-US" sz="2400"/>
-              <a:t>Dukungan Emosional</a:t>
-            </a:r>
-            <a:endParaRPr lang="en-US" altLang="en-US" sz="2400"/>
-          </a:p>
-          <a:p>
-            <a:r>
-              <a:rPr lang="en-US" altLang="en-US" sz="2400"/>
-              <a:t>Dukungan Penghargaan</a:t>
-            </a:r>
-            <a:endParaRPr lang="en-US" altLang="en-US" sz="2400"/>
-          </a:p>
-          <a:p>
-            <a:r>
-              <a:rPr lang="en-US" altLang="en-US" sz="2400"/>
-              <a:t>Dukungan Instrumental</a:t>
-            </a:r>
-            <a:endParaRPr lang="en-US" altLang="en-US" sz="2400"/>
-          </a:p>
-          <a:p>
-            <a:r>
-              <a:rPr lang="en-US" altLang="en-US" sz="2400"/>
-              <a:t>Dukungan Informasi</a:t>
-            </a:r>
-            <a:endParaRPr lang="en-US" altLang="en-US" sz="2400"/>
-          </a:p>
-        </p:txBody>
-      </p:sp>
-      <p:sp>
-        <p:nvSpPr>
-          <p:cNvPr id="5" name="Text Placeholder 4"/>
-          <p:cNvSpPr>
-            <a:spLocks noGrp="1"/>
-          </p:cNvSpPr>
-          <p:nvPr>
-            <p:ph type="body" sz="quarter" idx="3"/>
-          </p:nvPr>
-        </p:nvSpPr>
-        <p:spPr/>
-        <p:txBody>
-          <a:bodyPr/>
-          <a:p>
-            <a:r>
-              <a:rPr lang="en-US"/>
-              <a:t>Weiss (dalam Bulmer, 2015)</a:t>
-            </a:r>
-            <a:endParaRPr lang="en-US"/>
-          </a:p>
-        </p:txBody>
-      </p:sp>
-      <p:sp>
-        <p:nvSpPr>
-          <p:cNvPr id="6" name="Content Placeholder 5"/>
-          <p:cNvSpPr>
-            <a:spLocks noGrp="1"/>
-          </p:cNvSpPr>
-          <p:nvPr>
-            <p:ph sz="quarter" idx="4"/>
-          </p:nvPr>
-        </p:nvSpPr>
-        <p:spPr/>
-        <p:txBody>
-          <a:bodyPr/>
-          <a:p>
-            <a:r>
-              <a:rPr lang="en-US" altLang="en-US" sz="2400"/>
-              <a:t>Kerekatan emosional</a:t>
-            </a:r>
-            <a:endParaRPr lang="en-US" altLang="en-US" sz="2400"/>
-          </a:p>
-          <a:p>
-            <a:r>
-              <a:rPr lang="en-US" altLang="en-US" sz="2400"/>
-              <a:t>Integrasi sosial</a:t>
-            </a:r>
-            <a:endParaRPr lang="en-US" altLang="en-US" sz="2400"/>
-          </a:p>
-          <a:p>
-            <a:r>
-              <a:rPr lang="en-US" altLang="en-US" sz="2400"/>
-              <a:t>Adanya pengakuan</a:t>
-            </a:r>
-            <a:endParaRPr lang="en-US" altLang="en-US" sz="2400"/>
-          </a:p>
-          <a:p>
-            <a:r>
-              <a:rPr lang="en-US" altLang="en-US" sz="2400"/>
-              <a:t>Ketergantungan yang dapat diandalkan</a:t>
-            </a:r>
-            <a:endParaRPr lang="en-US" altLang="en-US" sz="2400"/>
-          </a:p>
-          <a:p>
-            <a:r>
-              <a:rPr lang="en-US" altLang="en-US" sz="2400"/>
-              <a:t>Bimbingan</a:t>
-            </a:r>
-            <a:endParaRPr lang="en-US" altLang="en-US" sz="2400"/>
-          </a:p>
-          <a:p>
-            <a:r>
-              <a:rPr lang="en-US" altLang="en-US" sz="2400"/>
-              <a:t>Kesempatan mengasuh</a:t>
-            </a:r>
-            <a:endParaRPr lang="en-US" altLang="en-US" sz="2400"/>
-          </a:p>
-        </p:txBody>
-      </p:sp>
-    </p:spTree>
-  </p:cSld>
-  <p:clrMapOvr>
-    <a:masterClrMapping/>
-  </p:clrMapOvr>
-</p:sld>
-</file>
-
-<file path=ppt/slides/slide26.xml><?xml version="1.0" encoding="utf-8"?>
-<p:sld xmlns:a="http://schemas.openxmlformats.org/drawingml/2006/main" xmlns:r="http://schemas.openxmlformats.org/officeDocument/2006/relationships" xmlns:p="http://schemas.openxmlformats.org/presentationml/2006/main">
-  <p:cSld>
-    <p:spTree>
-      <p:nvGrpSpPr>
-        <p:cNvPr id="1" name=""/>
-        <p:cNvGrpSpPr/>
-        <p:nvPr/>
-      </p:nvGrpSpPr>
-      <p:grpSpPr/>
-      <p:sp>
-        <p:nvSpPr>
-          <p:cNvPr id="2" name="Title 1"/>
-          <p:cNvSpPr>
-            <a:spLocks noGrp="1"/>
-          </p:cNvSpPr>
-          <p:nvPr>
-            <p:ph type="title"/>
-          </p:nvPr>
-        </p:nvSpPr>
-        <p:spPr/>
-        <p:txBody>
-          <a:bodyPr/>
-          <a:p>
-            <a:r>
-              <a:rPr lang="en-US" altLang="en-US"/>
               <a:t>Kerangka Berpikir</a:t>
             </a:r>
             <a:endParaRPr lang="en-US" altLang="en-US"/>
@@ -10468,28 +10313,6 @@
         <p:nvPr/>
       </p:nvGrpSpPr>
       <p:grpSpPr/>
-      <p:sp>
-        <p:nvSpPr>
-          <p:cNvPr id="2" name="Title 1"/>
-          <p:cNvSpPr>
-            <a:spLocks noGrp="1"/>
-          </p:cNvSpPr>
-          <p:nvPr>
-            <p:ph type="title"/>
-          </p:nvPr>
-        </p:nvSpPr>
-        <p:spPr/>
-        <p:txBody>
-          <a:bodyPr/>
-          <a:p>
-            <a:r>
-              <a:rPr lang="en-US" altLang="en-US"/>
-              <a:t>Latar Belakang → Motivasi Menghafal Alquran</a:t>
-            </a:r>
-            <a:endParaRPr lang="en-US" altLang="en-US"/>
-          </a:p>
-        </p:txBody>
-      </p:sp>
       <p:graphicFrame>
         <p:nvGraphicFramePr>
           <p:cNvPr id="5" name="Content Placeholder 4"/>
@@ -10499,8 +10322,8 @@
           </p:nvPr>
         </p:nvGraphicFramePr>
         <p:xfrm>
-          <a:off x="609600" y="1982470"/>
-          <a:ext cx="9944735" cy="3307080"/>
+          <a:off x="307975" y="685800"/>
+          <a:ext cx="5365115" cy="4343400"/>
         </p:xfrm>
         <a:graphic>
           <a:graphicData uri="http://schemas.openxmlformats.org/drawingml/2006/table">
@@ -10509,28 +10332,11 @@
                 <a:tableStyleId>{073A0DAA-6AF3-43AB-8588-CEC1D06C72B9}</a:tableStyleId>
               </a:tblPr>
               <a:tblGrid>
-                <a:gridCol w="628650"/>
-                <a:gridCol w="5563235"/>
-                <a:gridCol w="1759585"/>
-                <a:gridCol w="1993265"/>
+                <a:gridCol w="3443605"/>
+                <a:gridCol w="896620"/>
+                <a:gridCol w="1024890"/>
               </a:tblGrid>
-              <a:tr h="381000">
-                <a:tc>
-                  <a:txBody>
-                    <a:bodyPr/>
-                    <a:p>
-                      <a:pPr>
-                        <a:buNone/>
-                      </a:pPr>
-                      <a:r>
-                        <a:rPr lang="en-US"/>
-                        <a:t>No.</a:t>
-                      </a:r>
-                      <a:endParaRPr lang="en-US"/>
-                    </a:p>
-                  </a:txBody>
-                  <a:tcPr/>
-                </a:tc>
+              <a:tr h="640080">
                 <a:tc>
                   <a:txBody>
                     <a:bodyPr/>
@@ -10590,22 +10396,6 @@
                       </a:pPr>
                       <a:r>
                         <a:rPr lang="en-US"/>
-                        <a:t>1.</a:t>
-                      </a:r>
-                      <a:endParaRPr lang="en-US"/>
-                    </a:p>
-                  </a:txBody>
-                  <a:tcPr/>
-                </a:tc>
-                <a:tc>
-                  <a:txBody>
-                    <a:bodyPr/>
-                    <a:p>
-                      <a:pPr>
-                        <a:buNone/>
-                      </a:pPr>
-                      <a:r>
-                        <a:rPr lang="en-US"/>
                         <a:t>Memiliki kesungguhan dalam usaha</a:t>
                       </a:r>
                       <a:endParaRPr lang="en-US"/>
@@ -10622,7 +10412,7 @@
                       </a:pPr>
                       <a:r>
                         <a:rPr lang="en-US"/>
-                        <a:t>29 (43%)</a:t>
+                        <a:t>43%</a:t>
                       </a:r>
                       <a:endParaRPr lang="en-US"/>
                     </a:p>
@@ -10638,7 +10428,7 @@
                       </a:pPr>
                       <a:r>
                         <a:rPr lang="en-US"/>
-                        <a:t>38 (57%)</a:t>
+                        <a:t>57%</a:t>
                       </a:r>
                       <a:endParaRPr lang="en-US"/>
                     </a:p>
@@ -10651,22 +10441,6 @@
                 </a:tc>
               </a:tr>
               <a:tr h="381000">
-                <a:tc>
-                  <a:txBody>
-                    <a:bodyPr/>
-                    <a:p>
-                      <a:pPr>
-                        <a:buNone/>
-                      </a:pPr>
-                      <a:r>
-                        <a:rPr lang="en-US"/>
-                        <a:t>2.</a:t>
-                      </a:r>
-                      <a:endParaRPr lang="en-US"/>
-                    </a:p>
-                  </a:txBody>
-                  <a:tcPr/>
-                </a:tc>
                 <a:tc>
                   <a:txBody>
                     <a:bodyPr/>
@@ -10692,7 +10466,7 @@
                       </a:pPr>
                       <a:r>
                         <a:rPr lang="en-US"/>
-                        <a:t>38 (57%)</a:t>
+                        <a:t>57%</a:t>
                       </a:r>
                       <a:endParaRPr lang="en-US"/>
                     </a:p>
@@ -10712,7 +10486,7 @@
                       </a:pPr>
                       <a:r>
                         <a:rPr lang="en-US"/>
-                        <a:t>29 (43%)</a:t>
+                        <a:t>43%</a:t>
                       </a:r>
                       <a:endParaRPr lang="en-US"/>
                     </a:p>
@@ -10721,22 +10495,6 @@
                 </a:tc>
               </a:tr>
               <a:tr h="381000">
-                <a:tc>
-                  <a:txBody>
-                    <a:bodyPr/>
-                    <a:p>
-                      <a:pPr>
-                        <a:buNone/>
-                      </a:pPr>
-                      <a:r>
-                        <a:rPr lang="en-US"/>
-                        <a:t>3.</a:t>
-                      </a:r>
-                      <a:endParaRPr lang="en-US"/>
-                    </a:p>
-                  </a:txBody>
-                  <a:tcPr/>
-                </a:tc>
                 <a:tc>
                   <a:txBody>
                     <a:bodyPr/>
@@ -10762,7 +10520,7 @@
                       </a:pPr>
                       <a:r>
                         <a:rPr lang="en-US"/>
-                        <a:t>15 (22%)</a:t>
+                        <a:t>22%</a:t>
                       </a:r>
                       <a:endParaRPr lang="en-US"/>
                     </a:p>
@@ -10778,7 +10536,7 @@
                       </a:pPr>
                       <a:r>
                         <a:rPr lang="en-US"/>
-                        <a:t>52 (78%)</a:t>
+                        <a:t>78%</a:t>
                       </a:r>
                       <a:endParaRPr lang="en-US"/>
                     </a:p>
@@ -10791,22 +10549,6 @@
                 </a:tc>
               </a:tr>
               <a:tr h="381000">
-                <a:tc>
-                  <a:txBody>
-                    <a:bodyPr/>
-                    <a:p>
-                      <a:pPr>
-                        <a:buNone/>
-                      </a:pPr>
-                      <a:r>
-                        <a:rPr lang="en-US"/>
-                        <a:t>4.</a:t>
-                      </a:r>
-                      <a:endParaRPr lang="en-US"/>
-                    </a:p>
-                  </a:txBody>
-                  <a:tcPr/>
-                </a:tc>
                 <a:tc>
                   <a:txBody>
                     <a:bodyPr/>
@@ -10832,7 +10574,7 @@
                       </a:pPr>
                       <a:r>
                         <a:rPr lang="en-US"/>
-                        <a:t>33 (49%)</a:t>
+                        <a:t>49%</a:t>
                       </a:r>
                       <a:endParaRPr lang="en-US"/>
                     </a:p>
@@ -10848,7 +10590,7 @@
                       </a:pPr>
                       <a:r>
                         <a:rPr lang="en-US"/>
-                        <a:t>34 (51%)</a:t>
+                        <a:t>51%</a:t>
                       </a:r>
                       <a:endParaRPr lang="en-US"/>
                     </a:p>
@@ -10861,22 +10603,6 @@
                 </a:tc>
               </a:tr>
               <a:tr h="381000">
-                <a:tc>
-                  <a:txBody>
-                    <a:bodyPr/>
-                    <a:p>
-                      <a:pPr>
-                        <a:buNone/>
-                      </a:pPr>
-                      <a:r>
-                        <a:rPr lang="en-US"/>
-                        <a:t>5.</a:t>
-                      </a:r>
-                      <a:endParaRPr lang="en-US"/>
-                    </a:p>
-                  </a:txBody>
-                  <a:tcPr/>
-                </a:tc>
                 <a:tc>
                   <a:txBody>
                     <a:bodyPr/>
@@ -10902,7 +10628,7 @@
                       </a:pPr>
                       <a:r>
                         <a:rPr lang="en-US"/>
-                        <a:t>26 (39%)</a:t>
+                        <a:t>39%</a:t>
                       </a:r>
                       <a:endParaRPr lang="en-US"/>
                     </a:p>
@@ -10918,7 +10644,7 @@
                       </a:pPr>
                       <a:r>
                         <a:rPr lang="en-US"/>
-                        <a:t>41 (61%)</a:t>
+                        <a:t>61%</a:t>
                       </a:r>
                       <a:endParaRPr lang="en-US"/>
                     </a:p>
@@ -10931,22 +10657,6 @@
                 </a:tc>
               </a:tr>
               <a:tr h="381000">
-                <a:tc>
-                  <a:txBody>
-                    <a:bodyPr/>
-                    <a:p>
-                      <a:pPr>
-                        <a:buNone/>
-                      </a:pPr>
-                      <a:r>
-                        <a:rPr lang="en-US"/>
-                        <a:t>6.</a:t>
-                      </a:r>
-                      <a:endParaRPr lang="en-US"/>
-                    </a:p>
-                  </a:txBody>
-                  <a:tcPr/>
-                </a:tc>
                 <a:tc>
                   <a:txBody>
                     <a:bodyPr/>
@@ -10972,7 +10682,7 @@
                       </a:pPr>
                       <a:r>
                         <a:rPr lang="en-US"/>
-                        <a:t>34 (51%)</a:t>
+                        <a:t>51%</a:t>
                       </a:r>
                       <a:endParaRPr lang="en-US"/>
                     </a:p>
@@ -10992,7 +10702,7 @@
                       </a:pPr>
                       <a:r>
                         <a:rPr lang="en-US"/>
-                        <a:t>33 (49%)</a:t>
+                        <a:t>49%</a:t>
                       </a:r>
                       <a:endParaRPr lang="en-US"/>
                     </a:p>
@@ -11001,18 +10711,6 @@
                 </a:tc>
               </a:tr>
               <a:tr h="381000">
-                <a:tc>
-                  <a:txBody>
-                    <a:bodyPr/>
-                    <a:p>
-                      <a:pPr>
-                        <a:buNone/>
-                      </a:pPr>
-                      <a:endParaRPr lang="en-US"/>
-                    </a:p>
-                  </a:txBody>
-                  <a:tcPr/>
-                </a:tc>
                 <a:tc>
                   <a:txBody>
                     <a:bodyPr/>
@@ -11038,7 +10736,7 @@
                       </a:pPr>
                       <a:r>
                         <a:rPr lang="en-US"/>
-                        <a:t>29 (44%)</a:t>
+                        <a:t>44%</a:t>
                       </a:r>
                       <a:endParaRPr lang="en-US"/>
                     </a:p>
@@ -11054,7 +10752,7 @@
                       </a:pPr>
                       <a:r>
                         <a:rPr lang="en-US"/>
-                        <a:t>38 (56%)</a:t>
+                        <a:t>56%</a:t>
                       </a:r>
                       <a:endParaRPr lang="en-US"/>
                     </a:p>
@@ -11078,8 +10776,8 @@
         </p:nvSpPr>
         <p:spPr>
           <a:xfrm>
-            <a:off x="2709545" y="1276350"/>
-            <a:ext cx="5745480" cy="368300"/>
+            <a:off x="307975" y="201295"/>
+            <a:ext cx="5436870" cy="352425"/>
           </a:xfrm>
           <a:prstGeom prst="rect">
             <a:avLst/>
@@ -11092,48 +10790,18 @@
           </a:bodyPr>
           <a:p>
             <a:r>
-              <a:rPr lang="en-US" altLang="en-US"/>
-              <a:t>Hasil Screening Motivasi Menghafal Alquran (67 santri)</a:t>
-            </a:r>
-            <a:endParaRPr lang="en-US" altLang="en-US"/>
-          </a:p>
-        </p:txBody>
-      </p:sp>
-    </p:spTree>
-  </p:cSld>
-  <p:clrMapOvr>
-    <a:masterClrMapping/>
-  </p:clrMapOvr>
-</p:sld>
-</file>
-
-<file path=ppt/slides/slide4.xml><?xml version="1.0" encoding="utf-8"?>
-<p:sld xmlns:a="http://schemas.openxmlformats.org/drawingml/2006/main" xmlns:r="http://schemas.openxmlformats.org/officeDocument/2006/relationships" xmlns:p="http://schemas.openxmlformats.org/presentationml/2006/main">
-  <p:cSld>
-    <p:spTree>
-      <p:nvGrpSpPr>
-        <p:cNvPr id="1" name=""/>
-        <p:cNvGrpSpPr/>
-        <p:nvPr/>
-      </p:nvGrpSpPr>
-      <p:grpSpPr/>
-      <p:sp>
-        <p:nvSpPr>
-          <p:cNvPr id="4" name="Title 3"/>
-          <p:cNvSpPr/>
-          <p:nvPr>
-            <p:ph type="title"/>
-          </p:nvPr>
-        </p:nvSpPr>
-        <p:spPr/>
-        <p:txBody>
-          <a:bodyPr/>
-          <a:p>
-            <a:r>
-              <a:rPr lang="en-US" altLang="en-US"/>
-              <a:t>Latar Belakang → Efikasi Diri</a:t>
-            </a:r>
-            <a:endParaRPr lang="en-US" altLang="en-US"/>
+              <a:rPr lang="" altLang="en-US" sz="1700"/>
+              <a:t>Hasil </a:t>
+            </a:r>
+            <a:r>
+              <a:rPr lang="en-US" altLang="en-US" sz="1700" i="1"/>
+              <a:t>Screening</a:t>
+            </a:r>
+            <a:r>
+              <a:rPr lang="en-US" altLang="en-US" sz="1700"/>
+              <a:t> Motivasi Menghafal Alquran (67 santri)</a:t>
+            </a:r>
+            <a:endParaRPr lang="en-US" altLang="en-US" sz="1700"/>
           </a:p>
         </p:txBody>
       </p:sp>
@@ -11144,8 +10812,8 @@
           <p:nvPr/>
         </p:nvGraphicFramePr>
         <p:xfrm>
-          <a:off x="609600" y="1982470"/>
-          <a:ext cx="9944735" cy="3307080"/>
+          <a:off x="5917565" y="685800"/>
+          <a:ext cx="5577205" cy="2423160"/>
         </p:xfrm>
         <a:graphic>
           <a:graphicData uri="http://schemas.openxmlformats.org/drawingml/2006/table">
@@ -11154,28 +10822,11 @@
                 <a:tableStyleId>{00A15C55-8517-42AA-B614-E9B94910E393}</a:tableStyleId>
               </a:tblPr>
               <a:tblGrid>
-                <a:gridCol w="628650"/>
-                <a:gridCol w="5563235"/>
-                <a:gridCol w="1759585"/>
-                <a:gridCol w="1993265"/>
+                <a:gridCol w="3549015"/>
+                <a:gridCol w="864235"/>
+                <a:gridCol w="1163955"/>
               </a:tblGrid>
               <a:tr h="381000">
-                <a:tc>
-                  <a:txBody>
-                    <a:bodyPr/>
-                    <a:p>
-                      <a:pPr>
-                        <a:buNone/>
-                      </a:pPr>
-                      <a:r>
-                        <a:rPr lang="en-US"/>
-                        <a:t>No.</a:t>
-                      </a:r>
-                      <a:endParaRPr lang="en-US"/>
-                    </a:p>
-                  </a:txBody>
-                  <a:tcPr/>
-                </a:tc>
                 <a:tc>
                   <a:txBody>
                     <a:bodyPr/>
@@ -11235,22 +10886,6 @@
                       </a:pPr>
                       <a:r>
                         <a:rPr lang="en-US"/>
-                        <a:t>1.</a:t>
-                      </a:r>
-                      <a:endParaRPr lang="en-US"/>
-                    </a:p>
-                  </a:txBody>
-                  <a:tcPr/>
-                </a:tc>
-                <a:tc>
-                  <a:txBody>
-                    <a:bodyPr/>
-                    <a:p>
-                      <a:pPr>
-                        <a:buNone/>
-                      </a:pPr>
-                      <a:r>
-                        <a:rPr lang="en-US"/>
                         <a:t>Memiliki harapan sehingga terus berjuang</a:t>
                       </a:r>
                       <a:endParaRPr lang="en-US"/>
@@ -11267,7 +10902,7 @@
                       </a:pPr>
                       <a:r>
                         <a:rPr lang="en-US"/>
-                        <a:t>28 (42%)</a:t>
+                        <a:t>42%</a:t>
                       </a:r>
                       <a:endParaRPr lang="en-US"/>
                     </a:p>
@@ -11283,7 +10918,7 @@
                       </a:pPr>
                       <a:r>
                         <a:rPr lang="en-US"/>
-                        <a:t>39 (58%)</a:t>
+                        <a:t>58%</a:t>
                       </a:r>
                       <a:endParaRPr lang="en-US"/>
                     </a:p>
@@ -11296,22 +10931,6 @@
                 </a:tc>
               </a:tr>
               <a:tr h="381000">
-                <a:tc>
-                  <a:txBody>
-                    <a:bodyPr/>
-                    <a:p>
-                      <a:pPr>
-                        <a:buNone/>
-                      </a:pPr>
-                      <a:r>
-                        <a:rPr lang="en-US"/>
-                        <a:t>2.</a:t>
-                      </a:r>
-                      <a:endParaRPr lang="en-US"/>
-                    </a:p>
-                  </a:txBody>
-                  <a:tcPr/>
-                </a:tc>
                 <a:tc>
                   <a:txBody>
                     <a:bodyPr/>
@@ -11337,7 +10956,7 @@
                       </a:pPr>
                       <a:r>
                         <a:rPr lang="en-US"/>
-                        <a:t>30 (45%)</a:t>
+                        <a:t>45%</a:t>
                       </a:r>
                       <a:endParaRPr lang="en-US"/>
                     </a:p>
@@ -11353,7 +10972,7 @@
                       </a:pPr>
                       <a:r>
                         <a:rPr lang="en-US"/>
-                        <a:t>37 (55%)</a:t>
+                        <a:t>55%</a:t>
                       </a:r>
                       <a:endParaRPr lang="en-US"/>
                     </a:p>
@@ -11366,22 +10985,6 @@
                 </a:tc>
               </a:tr>
               <a:tr h="381000">
-                <a:tc>
-                  <a:txBody>
-                    <a:bodyPr/>
-                    <a:p>
-                      <a:pPr>
-                        <a:buNone/>
-                      </a:pPr>
-                      <a:r>
-                        <a:rPr lang="en-US"/>
-                        <a:t>3.</a:t>
-                      </a:r>
-                      <a:endParaRPr lang="en-US"/>
-                    </a:p>
-                  </a:txBody>
-                  <a:tcPr/>
-                </a:tc>
                 <a:tc>
                   <a:txBody>
                     <a:bodyPr/>
@@ -11407,7 +11010,7 @@
                       </a:pPr>
                       <a:r>
                         <a:rPr lang="en-US"/>
-                        <a:t>30 (45%)</a:t>
+                        <a:t>45%</a:t>
                       </a:r>
                       <a:endParaRPr lang="en-US"/>
                     </a:p>
@@ -11423,7 +11026,7 @@
                       </a:pPr>
                       <a:r>
                         <a:rPr lang="en-US"/>
-                        <a:t>37 (55%)</a:t>
+                        <a:t>55%</a:t>
                       </a:r>
                       <a:endParaRPr lang="en-US"/>
                     </a:p>
@@ -11436,18 +11039,6 @@
                 </a:tc>
               </a:tr>
               <a:tr h="381000">
-                <a:tc>
-                  <a:txBody>
-                    <a:bodyPr/>
-                    <a:p>
-                      <a:pPr>
-                        <a:buNone/>
-                      </a:pPr>
-                      <a:endParaRPr lang="en-US"/>
-                    </a:p>
-                  </a:txBody>
-                  <a:tcPr/>
-                </a:tc>
                 <a:tc>
                   <a:txBody>
                     <a:bodyPr/>
@@ -11473,7 +11064,7 @@
                       </a:pPr>
                       <a:r>
                         <a:rPr lang="en-US"/>
-                        <a:t>29 (44%)</a:t>
+                        <a:t>44%</a:t>
                       </a:r>
                       <a:endParaRPr lang="en-US"/>
                     </a:p>
@@ -11489,7 +11080,7 @@
                       </a:pPr>
                       <a:r>
                         <a:rPr lang="en-US"/>
-                        <a:t>38 (56%)</a:t>
+                        <a:t>56%</a:t>
                       </a:r>
                       <a:endParaRPr lang="en-US"/>
                     </a:p>
@@ -11507,13 +11098,13 @@
       </p:graphicFrame>
       <p:sp>
         <p:nvSpPr>
-          <p:cNvPr id="12" name="Text Box 11"/>
+          <p:cNvPr id="4" name="Text Box 3"/>
           <p:cNvSpPr txBox="1"/>
           <p:nvPr/>
         </p:nvSpPr>
         <p:spPr>
           <a:xfrm>
-            <a:off x="3573145" y="1320165"/>
+            <a:off x="5917565" y="201295"/>
             <a:ext cx="4018280" cy="368300"/>
           </a:xfrm>
           <a:prstGeom prst="rect">
@@ -11527,10 +11118,168 @@
           </a:bodyPr>
           <a:p>
             <a:r>
+              <a:rPr lang="" altLang="en-US"/>
+              <a:t>Hasil </a:t>
+            </a:r>
+            <a:r>
+              <a:rPr lang="en-US" altLang="en-US" i="1"/>
+              <a:t>Screening</a:t>
+            </a:r>
+            <a:r>
               <a:rPr lang="en-US" altLang="en-US"/>
-              <a:t>Hasil Screening Efikasi Diri (67 santri)</a:t>
+              <a:t> </a:t>
+            </a:r>
+            <a:r>
+              <a:rPr lang="" altLang="en-US"/>
+              <a:t>Efikasi Diri</a:t>
+            </a:r>
+            <a:r>
+              <a:rPr lang="en-US" altLang="en-US"/>
+              <a:t> (67 santri)</a:t>
             </a:r>
             <a:endParaRPr lang="en-US" altLang="en-US"/>
+          </a:p>
+        </p:txBody>
+      </p:sp>
+      <p:sp>
+        <p:nvSpPr>
+          <p:cNvPr id="7" name="Text Box 6"/>
+          <p:cNvSpPr txBox="1"/>
+          <p:nvPr/>
+        </p:nvSpPr>
+        <p:spPr>
+          <a:xfrm>
+            <a:off x="5917565" y="3275965"/>
+            <a:ext cx="4526280" cy="1753235"/>
+          </a:xfrm>
+          <a:prstGeom prst="rect">
+            <a:avLst/>
+          </a:prstGeom>
+          <a:noFill/>
+        </p:spPr>
+        <p:txBody>
+          <a:bodyPr wrap="square" rtlCol="0">
+            <a:spAutoFit/>
+          </a:bodyPr>
+          <a:p>
+            <a:pPr marL="0" indent="0">
+              <a:buNone/>
+            </a:pPr>
+            <a:r>
+              <a:rPr lang="en-US" altLang="en-US" i="1">
+                <a:sym typeface="+mn-ea"/>
+              </a:rPr>
+              <a:t>Ada beberapa guru yang jarang memberikan dukungan kepada santrinya dalam bentuk motivasi menghafal Alquran.</a:t>
+            </a:r>
+            <a:endParaRPr lang="en-US" altLang="en-US" i="1"/>
+          </a:p>
+          <a:p>
+            <a:pPr marL="0" indent="0">
+              <a:buNone/>
+            </a:pPr>
+            <a:endParaRPr lang="en-US" altLang="en-US" i="1"/>
+          </a:p>
+          <a:p>
+            <a:pPr marL="0" indent="0">
+              <a:buNone/>
+            </a:pPr>
+            <a:r>
+              <a:rPr lang="en-US" altLang="en-US" i="1">
+                <a:sym typeface="+mn-ea"/>
+              </a:rPr>
+              <a:t>Hasil wawancara (Sabtu, 26 Januari 2019)</a:t>
+            </a:r>
+            <a:endParaRPr lang="en-US" altLang="en-US" i="1"/>
+          </a:p>
+          <a:p>
+            <a:endParaRPr lang="en-US"/>
+          </a:p>
+        </p:txBody>
+      </p:sp>
+    </p:spTree>
+  </p:cSld>
+  <p:clrMapOvr>
+    <a:masterClrMapping/>
+  </p:clrMapOvr>
+</p:sld>
+</file>
+
+<file path=ppt/slides/slide4.xml><?xml version="1.0" encoding="utf-8"?>
+<p:sld xmlns:a="http://schemas.openxmlformats.org/drawingml/2006/main" xmlns:r="http://schemas.openxmlformats.org/officeDocument/2006/relationships" xmlns:p="http://schemas.openxmlformats.org/presentationml/2006/main">
+  <p:cSld>
+    <p:spTree>
+      <p:nvGrpSpPr>
+        <p:cNvPr id="1" name=""/>
+        <p:cNvGrpSpPr/>
+        <p:nvPr/>
+      </p:nvGrpSpPr>
+      <p:grpSpPr/>
+      <p:sp>
+        <p:nvSpPr>
+          <p:cNvPr id="2" name="Title 1"/>
+          <p:cNvSpPr>
+            <a:spLocks noGrp="1"/>
+          </p:cNvSpPr>
+          <p:nvPr>
+            <p:ph type="title"/>
+          </p:nvPr>
+        </p:nvSpPr>
+        <p:spPr/>
+        <p:txBody>
+          <a:bodyPr/>
+          <a:p>
+            <a:r>
+              <a:rPr lang="en-US" altLang="en-US"/>
+              <a:t>Latar Belakang </a:t>
+            </a:r>
+            <a:r>
+              <a:rPr lang="en-US" altLang="en-US">
+                <a:sym typeface="+mn-ea"/>
+              </a:rPr>
+              <a:t>→ Dukungan Guru Tahfidz</a:t>
+            </a:r>
+            <a:endParaRPr lang="en-US" altLang="en-US"/>
+          </a:p>
+        </p:txBody>
+      </p:sp>
+      <p:sp>
+        <p:nvSpPr>
+          <p:cNvPr id="3" name="Content Placeholder 2"/>
+          <p:cNvSpPr>
+            <a:spLocks noGrp="1"/>
+          </p:cNvSpPr>
+          <p:nvPr>
+            <p:ph idx="1"/>
+          </p:nvPr>
+        </p:nvSpPr>
+        <p:spPr/>
+        <p:txBody>
+          <a:bodyPr/>
+          <a:p>
+            <a:pPr marL="0" indent="0">
+              <a:buNone/>
+            </a:pPr>
+            <a:r>
+              <a:rPr lang="en-US" altLang="en-US" i="1"/>
+              <a:t>Ada beberapa guru yang jarang memberikan dukungan kepada santrinya dalam bentuk motivasi menghafal Alquran.</a:t>
+            </a:r>
+            <a:endParaRPr lang="en-US" altLang="en-US" i="1"/>
+          </a:p>
+          <a:p>
+            <a:pPr marL="0" indent="0">
+              <a:buNone/>
+            </a:pPr>
+            <a:endParaRPr lang="en-US" altLang="en-US" i="1"/>
+          </a:p>
+          <a:p>
+            <a:pPr marL="0" indent="0">
+              <a:buNone/>
+            </a:pPr>
+            <a:r>
+              <a:rPr lang="en-US" altLang="en-US" i="1"/>
+              <a:t>Hasil wawancara (Sabtu, 26 Januari 2019)</a:t>
+            </a:r>
+            <a:endParaRPr lang="en-US" altLang="en-US" i="1"/>
           </a:p>
         </p:txBody>
       </p:sp>
@@ -11568,13 +11317,7 @@
           <a:p>
             <a:r>
               <a:rPr lang="en-US" altLang="en-US"/>
-              <a:t>Latar Belakang </a:t>
-            </a:r>
-            <a:r>
-              <a:rPr lang="en-US" altLang="en-US">
-                <a:sym typeface="+mn-ea"/>
-              </a:rPr>
-              <a:t>→ Dukungan Guru Tahfidz</a:t>
+              <a:t>Rumusan Masalah</a:t>
             </a:r>
             <a:endParaRPr lang="en-US" altLang="en-US"/>
           </a:p>
@@ -11594,30 +11337,25 @@
         <p:txBody>
           <a:bodyPr/>
           <a:p>
-            <a:pPr marL="0" indent="0">
-              <a:buNone/>
-            </a:pPr>
-            <a:r>
-              <a:rPr lang="en-US" altLang="en-US" i="1"/>
-              <a:t>Ada beberapa guru yang jarang memberikan dukungan kepada santrinya dalam bentuk motivasi menghafal Alquran.</a:t>
-            </a:r>
-            <a:endParaRPr lang="en-US" altLang="en-US" i="1"/>
-          </a:p>
-          <a:p>
-            <a:pPr marL="0" indent="0">
-              <a:buNone/>
-            </a:pPr>
-            <a:endParaRPr lang="en-US" altLang="en-US" i="1"/>
-          </a:p>
-          <a:p>
-            <a:pPr marL="0" indent="0">
-              <a:buNone/>
-            </a:pPr>
-            <a:r>
-              <a:rPr lang="en-US" altLang="en-US" i="1"/>
-              <a:t>Hasil wawancara (Sabtu, 26 Januari 2019)</a:t>
-            </a:r>
-            <a:endParaRPr lang="en-US" altLang="en-US" i="1"/>
+            <a:r>
+              <a:rPr lang="en-US"/>
+              <a:t>Apakah ada pengaruh efikasi diri dan dukungan guru tahfidz terhadap motivasi menghafal Alquran santri SMA Tahfidz Al-Izzah Samarinda?</a:t>
+            </a:r>
+            <a:endParaRPr lang="en-US"/>
+          </a:p>
+          <a:p>
+            <a:r>
+              <a:rPr lang="en-US"/>
+              <a:t>Apakah ada pengaruh efikasi diri terhadap motivasi menghafal Alquran santri SMA Tahfidz Al-Izzah Samarinda?</a:t>
+            </a:r>
+            <a:endParaRPr lang="en-US"/>
+          </a:p>
+          <a:p>
+            <a:r>
+              <a:rPr lang="en-US"/>
+              <a:t>Apakah ada pengaruh dukungan guru tahfidz terhadap motivasi menghafal Alquran santri SMA Tahfidz Al-Izzah Samarinda?</a:t>
+            </a:r>
+            <a:endParaRPr lang="en-US"/>
           </a:p>
         </p:txBody>
       </p:sp>
@@ -11655,7 +11393,7 @@
           <a:p>
             <a:r>
               <a:rPr lang="en-US" altLang="en-US"/>
-              <a:t>Rumusan Masalah</a:t>
+              <a:t>Tujuan Penelitian</a:t>
             </a:r>
             <a:endParaRPr lang="en-US" altLang="en-US"/>
           </a:p>
@@ -11677,21 +11415,21 @@
           <a:p>
             <a:r>
               <a:rPr lang="en-US"/>
-              <a:t>Apakah ada pengaruh efikasi diri dan dukungan guru tahfidz terhadap motivasi menghafal Alquran santri SMA Tahfidz Al-Izzah Samarinda?</a:t>
+              <a:t>Untuk mengetahui pengaruh efikasi diri dan dukungan guru tahfidz terhadap motivasi menghafal Alquran santri SMA Tahfidz Al-Izzah Samarinda.</a:t>
             </a:r>
             <a:endParaRPr lang="en-US"/>
           </a:p>
           <a:p>
             <a:r>
               <a:rPr lang="en-US"/>
-              <a:t>Apakah ada pengaruh efikasi diri terhadap motivasi menghafal Alquran santri SMA Tahfidz Al-Izzah Samarinda?</a:t>
+              <a:t>Untuk mengetahui pengaruh efikasi diri terhadap motivasi menghafal Alquran santri SMA Tahfidz Al-Izzah Samarinda.</a:t>
             </a:r>
             <a:endParaRPr lang="en-US"/>
           </a:p>
           <a:p>
             <a:r>
               <a:rPr lang="en-US"/>
-              <a:t>Apakah ada pengaruh dukungan guru tahfidz terhadap motivasi menghafal Alquran santri SMA Tahfidz Al-Izzah Samarinda?</a:t>
+              <a:t>Untuk mengetahui pengaruh dukungan guru tahfidz terhadap motivasi menghafal Alquran santri SMA Tahfidz Al-Izzah Samarinda.</a:t>
             </a:r>
             <a:endParaRPr lang="en-US"/>
           </a:p>
@@ -11731,7 +11469,7 @@
           <a:p>
             <a:r>
               <a:rPr lang="en-US" altLang="en-US"/>
-              <a:t>Tujuan Penelitian</a:t>
+              <a:t>Manfaat Penelitian</a:t>
             </a:r>
             <a:endParaRPr lang="en-US" altLang="en-US"/>
           </a:p>
@@ -11752,24 +11490,31 @@
           <a:bodyPr/>
           <a:p>
             <a:r>
-              <a:rPr lang="en-US"/>
-              <a:t>Untuk mengetahui pengaruh efikasi diri dan dukungan guru tahfidz terhadap motivasi menghafal Alquran santri SMA Tahfidz Al-Izzah Samarinda.</a:t>
-            </a:r>
-            <a:endParaRPr lang="en-US"/>
-          </a:p>
-          <a:p>
-            <a:r>
-              <a:rPr lang="en-US"/>
-              <a:t>Untuk mengetahui pengaruh efikasi diri terhadap motivasi menghafal Alquran santri SMA Tahfidz Al-Izzah Samarinda.</a:t>
-            </a:r>
-            <a:endParaRPr lang="en-US"/>
-          </a:p>
-          <a:p>
-            <a:r>
-              <a:rPr lang="en-US"/>
-              <a:t>Untuk mengetahui pengaruh dukungan guru tahfidz terhadap motivasi menghafal Alquran santri SMA Tahfidz Al-Izzah Samarinda.</a:t>
-            </a:r>
-            <a:endParaRPr lang="en-US"/>
+              <a:rPr lang="en-US" sz="2600"/>
+              <a:t>Hasil penelitian ini dapat dijadikan sebagai masukan bagi para penghafal Alquran tentang pentingnya motivasi dalam menghafal Alquran.</a:t>
+            </a:r>
+            <a:endParaRPr lang="en-US" sz="2600"/>
+          </a:p>
+          <a:p>
+            <a:r>
+              <a:rPr lang="en-US" sz="2600"/>
+              <a:t>Hasil penelitian ini dapat dijadikan sebagai pedoman bagi para penghafal Alquran tentang cara meningkatkan motivasi dalam menghafal Alquran.</a:t>
+            </a:r>
+            <a:endParaRPr lang="en-US" sz="2600"/>
+          </a:p>
+          <a:p>
+            <a:r>
+              <a:rPr lang="en-US" sz="2600"/>
+              <a:t>Hasil penelitian ini dapat menambah khazanah ilmu pengetahuan, baik bagi civitas pondok pesantren menghafal Alquran maupun siapa saja yang bergelut dalam bidang pendidikan.</a:t>
+            </a:r>
+            <a:endParaRPr lang="en-US" sz="2600"/>
+          </a:p>
+          <a:p>
+            <a:r>
+              <a:rPr lang="en-US" sz="2600"/>
+              <a:t>Hasil penelitian ini dapat dijadikan sebagai bahan pertimbangan kebijakan SMA Tahfidz Al-Izzah Samarinda untuk meningkatkan kualitas mutu pendidikan tahfidz.</a:t>
+            </a:r>
+            <a:endParaRPr lang="en-US" sz="2600"/>
           </a:p>
         </p:txBody>
       </p:sp>
@@ -11793,7 +11538,7 @@
       <p:grpSpPr/>
       <p:sp>
         <p:nvSpPr>
-          <p:cNvPr id="2" name="Title 1"/>
+          <p:cNvPr id="4" name="Title 3"/>
           <p:cNvSpPr>
             <a:spLocks noGrp="1"/>
           </p:cNvSpPr>
@@ -11807,7 +11552,7 @@
           <a:p>
             <a:r>
               <a:rPr lang="en-US" altLang="en-US"/>
-              <a:t>Manfaat Penelitian</a:t>
+              <a:t>BAB II</a:t>
             </a:r>
             <a:endParaRPr lang="en-US" altLang="en-US"/>
           </a:p>
@@ -11815,12 +11560,12 @@
       </p:sp>
       <p:sp>
         <p:nvSpPr>
-          <p:cNvPr id="3" name="Content Placeholder 2"/>
-          <p:cNvSpPr>
-            <a:spLocks noGrp="1"/>
-          </p:cNvSpPr>
-          <p:nvPr>
-            <p:ph idx="1"/>
+          <p:cNvPr id="5" name="Text Placeholder 4"/>
+          <p:cNvSpPr>
+            <a:spLocks noGrp="1"/>
+          </p:cNvSpPr>
+          <p:nvPr>
+            <p:ph type="body" idx="1"/>
           </p:nvPr>
         </p:nvSpPr>
         <p:spPr/>
@@ -11828,31 +11573,10 @@
           <a:bodyPr/>
           <a:p>
             <a:r>
-              <a:rPr lang="en-US" sz="2600"/>
-              <a:t>Hasil penelitian ini dapat dijadikan sebagai masukan bagi para penghafal Alquran tentang pentingnya motivasi dalam menghafal Alquran.</a:t>
-            </a:r>
-            <a:endParaRPr lang="en-US" sz="2600"/>
-          </a:p>
-          <a:p>
-            <a:r>
-              <a:rPr lang="en-US" sz="2600"/>
-              <a:t>Hasil penelitian ini dapat dijadikan sebagai pedoman bagi para penghafal Alquran tentang cara meningkatkan motivasi dalam menghafal Alquran.</a:t>
-            </a:r>
-            <a:endParaRPr lang="en-US" sz="2600"/>
-          </a:p>
-          <a:p>
-            <a:r>
-              <a:rPr lang="en-US" sz="2600"/>
-              <a:t>Hasil penelitian ini dapat menambah khazanah ilmu pengetahuan, baik bagi civitas pondok pesantren menghafal Alquran maupun siapa saja yang bergelut dalam bidang pendidikan.</a:t>
-            </a:r>
-            <a:endParaRPr lang="en-US" sz="2600"/>
-          </a:p>
-          <a:p>
-            <a:r>
-              <a:rPr lang="en-US" sz="2600"/>
-              <a:t>Hasil penelitian ini dapat dijadikan sebagai bahan pertimbangan kebijakan SMA Tahfidz Al-Izzah Samarinda untuk meningkatkan kualitas mutu pendidikan tahfidz.</a:t>
-            </a:r>
-            <a:endParaRPr lang="en-US" sz="2600"/>
+              <a:rPr lang="en-US" altLang="en-US"/>
+              <a:t>TINJAUAN PUSTAKA</a:t>
+            </a:r>
+            <a:endParaRPr lang="en-US" altLang="en-US"/>
           </a:p>
         </p:txBody>
       </p:sp>
@@ -11890,7 +11614,7 @@
           <a:p>
             <a:r>
               <a:rPr lang="en-US" altLang="en-US"/>
-              <a:t>BAB II</a:t>
+              <a:t>Motivasi Menghafal Alquran → Definisi</a:t>
             </a:r>
             <a:endParaRPr lang="en-US" altLang="en-US"/>
           </a:p>
@@ -11912,9 +11636,101 @@
           <a:p>
             <a:r>
               <a:rPr lang="en-US" altLang="en-US"/>
-              <a:t>TINJAUAN PUSTAKA</a:t>
+              <a:t>Winkel (2012)</a:t>
             </a:r>
             <a:endParaRPr lang="en-US" altLang="en-US"/>
+          </a:p>
+        </p:txBody>
+      </p:sp>
+      <p:sp>
+        <p:nvSpPr>
+          <p:cNvPr id="6" name="Content Placeholder 5"/>
+          <p:cNvSpPr>
+            <a:spLocks noGrp="1"/>
+          </p:cNvSpPr>
+          <p:nvPr>
+            <p:ph sz="half" idx="2"/>
+          </p:nvPr>
+        </p:nvSpPr>
+        <p:spPr/>
+        <p:txBody>
+          <a:bodyPr/>
+          <a:p>
+            <a:pPr marL="0" indent="0">
+              <a:buNone/>
+            </a:pPr>
+            <a:r>
+              <a:rPr lang="en-US" altLang="en-US" sz="2100" b="1"/>
+              <a:t>Motivasi belajar: </a:t>
+            </a:r>
+            <a:r>
+              <a:rPr lang="en-US" altLang="en-US" sz="2100"/>
+              <a:t>K</a:t>
+            </a:r>
+            <a:r>
+              <a:rPr lang="en-US" sz="2100"/>
+              <a:t>eseluruhan daya penggerak psikis di dalam diri siswa yang menimbulkan kegiatan belajar, menjamin kelangsungan kegiatan belajar dan memberikan arah pada kegiatan belajar itu demi mencapai suatu tujuan. Motivasi belajar memegang peranan penting dalam memberikan gairah semangat belajar, sehingga siswa yang bermotivasi kuat memiliki banyak energi untuk melakukan kegiatan belajar.</a:t>
+            </a:r>
+            <a:endParaRPr lang="en-US" sz="2100"/>
+          </a:p>
+        </p:txBody>
+      </p:sp>
+      <p:sp>
+        <p:nvSpPr>
+          <p:cNvPr id="7" name="Text Placeholder 6"/>
+          <p:cNvSpPr>
+            <a:spLocks noGrp="1"/>
+          </p:cNvSpPr>
+          <p:nvPr>
+            <p:ph type="body" sz="quarter" idx="3"/>
+          </p:nvPr>
+        </p:nvSpPr>
+        <p:spPr/>
+        <p:txBody>
+          <a:bodyPr/>
+          <a:p>
+            <a:r>
+              <a:rPr lang="en-US"/>
+              <a:t>Dimyati </a:t>
+            </a:r>
+            <a:r>
+              <a:rPr lang="en-US" altLang="en-US"/>
+              <a:t>(</a:t>
+            </a:r>
+            <a:r>
+              <a:rPr lang="en-US"/>
+              <a:t>2009)</a:t>
+            </a:r>
+            <a:endParaRPr lang="en-US"/>
+          </a:p>
+        </p:txBody>
+      </p:sp>
+      <p:sp>
+        <p:nvSpPr>
+          <p:cNvPr id="8" name="Content Placeholder 7"/>
+          <p:cNvSpPr>
+            <a:spLocks noGrp="1"/>
+          </p:cNvSpPr>
+          <p:nvPr>
+            <p:ph sz="quarter" idx="4"/>
+          </p:nvPr>
+        </p:nvSpPr>
+        <p:spPr/>
+        <p:txBody>
+          <a:bodyPr/>
+          <a:p>
+            <a:pPr marL="0" indent="0">
+              <a:buNone/>
+            </a:pPr>
+            <a:r>
+              <a:rPr lang="en-US" altLang="en-US" sz="2000" b="1"/>
+              <a:t>Motivasi belajar:</a:t>
+            </a:r>
+            <a:r>
+              <a:rPr lang="en-US" altLang="en-US" sz="2000"/>
+              <a:t> Kecenderungan siswa dalam melakukan kegiatan belajar yang didorong oleh hasrat untuk mencapai prestasi atau hasil belajar sebaik mungkin. Motivasi dipandang sebagai dorongan mental yang menggerakkan dan mengarahkan perilaku manusia, termasuk perilaku di dalam belajar. Di dalam motivasi terkandung adanya keinginan yang mengaktifkan, menggerakkan, menyalurkan dan mengarahkan sikap serta perilaku pada belajar individu tersebut.</a:t>
+            </a:r>
+            <a:endParaRPr lang="en-US" altLang="en-US" sz="2000"/>
           </a:p>
         </p:txBody>
       </p:sp>

--- a/seminar proposal.pptx
+++ b/seminar proposal.pptx
@@ -11,28 +11,26 @@
     <p:sldId id="256" r:id="rId3"/>
     <p:sldId id="258" r:id="rId4"/>
     <p:sldId id="265" r:id="rId6"/>
-    <p:sldId id="273" r:id="rId7"/>
-    <p:sldId id="275" r:id="rId8"/>
-    <p:sldId id="276" r:id="rId9"/>
-    <p:sldId id="277" r:id="rId10"/>
-    <p:sldId id="279" r:id="rId11"/>
-    <p:sldId id="280" r:id="rId12"/>
-    <p:sldId id="281" r:id="rId13"/>
-    <p:sldId id="282" r:id="rId14"/>
-    <p:sldId id="283" r:id="rId15"/>
-    <p:sldId id="284" r:id="rId16"/>
-    <p:sldId id="285" r:id="rId17"/>
-    <p:sldId id="286" r:id="rId18"/>
-    <p:sldId id="287" r:id="rId19"/>
-    <p:sldId id="288" r:id="rId20"/>
-    <p:sldId id="289" r:id="rId21"/>
-    <p:sldId id="290" r:id="rId22"/>
-    <p:sldId id="291" r:id="rId23"/>
-    <p:sldId id="292" r:id="rId24"/>
-    <p:sldId id="293" r:id="rId25"/>
-    <p:sldId id="294" r:id="rId26"/>
-    <p:sldId id="295" r:id="rId27"/>
-    <p:sldId id="296" r:id="rId28"/>
+    <p:sldId id="316" r:id="rId7"/>
+    <p:sldId id="319" r:id="rId8"/>
+    <p:sldId id="279" r:id="rId9"/>
+    <p:sldId id="280" r:id="rId10"/>
+    <p:sldId id="281" r:id="rId11"/>
+    <p:sldId id="282" r:id="rId12"/>
+    <p:sldId id="283" r:id="rId13"/>
+    <p:sldId id="284" r:id="rId14"/>
+    <p:sldId id="285" r:id="rId15"/>
+    <p:sldId id="286" r:id="rId16"/>
+    <p:sldId id="287" r:id="rId17"/>
+    <p:sldId id="288" r:id="rId18"/>
+    <p:sldId id="289" r:id="rId19"/>
+    <p:sldId id="290" r:id="rId20"/>
+    <p:sldId id="291" r:id="rId21"/>
+    <p:sldId id="292" r:id="rId22"/>
+    <p:sldId id="293" r:id="rId23"/>
+    <p:sldId id="294" r:id="rId24"/>
+    <p:sldId id="295" r:id="rId25"/>
+    <p:sldId id="296" r:id="rId26"/>
   </p:sldIdLst>
   <p:sldSz cx="12192000" cy="6858000"/>
   <p:notesSz cx="6858000" cy="9144000"/>
@@ -135,6 +133,1500 @@
 </file>
 
 <file path=ppt/diagrams/colors1.xml><?xml version="1.0" encoding="utf-8"?>
+<dgm:colorsDef xmlns:dgm="http://schemas.openxmlformats.org/drawingml/2006/diagram" xmlns:a="http://schemas.openxmlformats.org/drawingml/2006/main" uniqueId="urn:microsoft.com/office/officeart/2005/8/colors/accent1_2">
+  <dgm:title val=""/>
+  <dgm:desc val=""/>
+  <dgm:catLst>
+    <dgm:cat type="accent1" pri="11200"/>
+  </dgm:catLst>
+  <dgm:styleLbl name="alignAcc1">
+    <dgm:fillClrLst meth="repeat">
+      <a:schemeClr val="lt1">
+        <a:alpha val="90000"/>
+      </a:schemeClr>
+    </dgm:fillClrLst>
+    <dgm:linClrLst meth="repeat">
+      <a:schemeClr val="accent1"/>
+    </dgm:linClrLst>
+    <dgm:effectClrLst/>
+    <dgm:txLinClrLst/>
+    <dgm:txFillClrLst meth="repeat">
+      <a:schemeClr val="dk1"/>
+    </dgm:txFillClrLst>
+    <dgm:txEffectClrLst/>
+  </dgm:styleLbl>
+  <dgm:styleLbl name="alignAccFollowNode1">
+    <dgm:fillClrLst meth="repeat">
+      <a:schemeClr val="accent1">
+        <a:alpha val="90000"/>
+        <a:tint val="40000"/>
+      </a:schemeClr>
+    </dgm:fillClrLst>
+    <dgm:linClrLst meth="repeat">
+      <a:schemeClr val="accent1">
+        <a:alpha val="90000"/>
+        <a:tint val="40000"/>
+      </a:schemeClr>
+    </dgm:linClrLst>
+    <dgm:effectClrLst/>
+    <dgm:txLinClrLst/>
+    <dgm:txFillClrLst meth="repeat">
+      <a:schemeClr val="dk1"/>
+    </dgm:txFillClrLst>
+    <dgm:txEffectClrLst/>
+  </dgm:styleLbl>
+  <dgm:styleLbl name="alignImgPlace1">
+    <dgm:fillClrLst meth="repeat">
+      <a:schemeClr val="accent1">
+        <a:tint val="50000"/>
+      </a:schemeClr>
+    </dgm:fillClrLst>
+    <dgm:linClrLst meth="repeat">
+      <a:schemeClr val="lt1"/>
+    </dgm:linClrLst>
+    <dgm:effectClrLst/>
+    <dgm:txLinClrLst/>
+    <dgm:txFillClrLst meth="repeat">
+      <a:schemeClr val="lt1"/>
+    </dgm:txFillClrLst>
+    <dgm:txEffectClrLst/>
+  </dgm:styleLbl>
+  <dgm:styleLbl name="alignNode1">
+    <dgm:fillClrLst meth="repeat">
+      <a:schemeClr val="accent1"/>
+    </dgm:fillClrLst>
+    <dgm:linClrLst meth="repeat">
+      <a:schemeClr val="accent1"/>
+    </dgm:linClrLst>
+    <dgm:effectClrLst/>
+    <dgm:txLinClrLst/>
+    <dgm:txFillClrLst/>
+    <dgm:txEffectClrLst/>
+  </dgm:styleLbl>
+  <dgm:styleLbl name="asst0">
+    <dgm:fillClrLst meth="repeat">
+      <a:schemeClr val="accent1"/>
+    </dgm:fillClrLst>
+    <dgm:linClrLst meth="repeat">
+      <a:schemeClr val="lt1"/>
+    </dgm:linClrLst>
+    <dgm:effectClrLst/>
+    <dgm:txLinClrLst/>
+    <dgm:txFillClrLst/>
+    <dgm:txEffectClrLst/>
+  </dgm:styleLbl>
+  <dgm:styleLbl name="asst1">
+    <dgm:fillClrLst meth="repeat">
+      <a:schemeClr val="accent1"/>
+    </dgm:fillClrLst>
+    <dgm:linClrLst meth="repeat">
+      <a:schemeClr val="lt1"/>
+    </dgm:linClrLst>
+    <dgm:effectClrLst/>
+    <dgm:txLinClrLst/>
+    <dgm:txFillClrLst/>
+    <dgm:txEffectClrLst/>
+  </dgm:styleLbl>
+  <dgm:styleLbl name="asst2">
+    <dgm:fillClrLst meth="repeat">
+      <a:schemeClr val="accent1"/>
+    </dgm:fillClrLst>
+    <dgm:linClrLst meth="repeat">
+      <a:schemeClr val="lt1"/>
+    </dgm:linClrLst>
+    <dgm:effectClrLst/>
+    <dgm:txLinClrLst/>
+    <dgm:txFillClrLst/>
+    <dgm:txEffectClrLst/>
+  </dgm:styleLbl>
+  <dgm:styleLbl name="asst3">
+    <dgm:fillClrLst meth="repeat">
+      <a:schemeClr val="accent1"/>
+    </dgm:fillClrLst>
+    <dgm:linClrLst meth="repeat">
+      <a:schemeClr val="lt1"/>
+    </dgm:linClrLst>
+    <dgm:effectClrLst/>
+    <dgm:txLinClrLst/>
+    <dgm:txFillClrLst/>
+    <dgm:txEffectClrLst/>
+  </dgm:styleLbl>
+  <dgm:styleLbl name="asst4">
+    <dgm:fillClrLst meth="repeat">
+      <a:schemeClr val="accent1"/>
+    </dgm:fillClrLst>
+    <dgm:linClrLst meth="repeat">
+      <a:schemeClr val="lt1"/>
+    </dgm:linClrLst>
+    <dgm:effectClrLst/>
+    <dgm:txLinClrLst/>
+    <dgm:txFillClrLst/>
+    <dgm:txEffectClrLst/>
+  </dgm:styleLbl>
+  <dgm:styleLbl name="bgAcc1">
+    <dgm:fillClrLst meth="repeat">
+      <a:schemeClr val="lt1">
+        <a:alpha val="90000"/>
+      </a:schemeClr>
+    </dgm:fillClrLst>
+    <dgm:linClrLst meth="repeat">
+      <a:schemeClr val="accent1"/>
+    </dgm:linClrLst>
+    <dgm:effectClrLst/>
+    <dgm:txLinClrLst/>
+    <dgm:txFillClrLst meth="repeat">
+      <a:schemeClr val="dk1"/>
+    </dgm:txFillClrLst>
+    <dgm:txEffectClrLst/>
+  </dgm:styleLbl>
+  <dgm:styleLbl name="bgAccFollowNode1">
+    <dgm:fillClrLst meth="repeat">
+      <a:schemeClr val="accent1">
+        <a:alpha val="90000"/>
+        <a:tint val="40000"/>
+      </a:schemeClr>
+    </dgm:fillClrLst>
+    <dgm:linClrLst meth="repeat">
+      <a:schemeClr val="accent1">
+        <a:alpha val="90000"/>
+        <a:tint val="40000"/>
+      </a:schemeClr>
+    </dgm:linClrLst>
+    <dgm:effectClrLst/>
+    <dgm:txLinClrLst/>
+    <dgm:txFillClrLst meth="repeat">
+      <a:schemeClr val="dk1"/>
+    </dgm:txFillClrLst>
+    <dgm:txEffectClrLst/>
+  </dgm:styleLbl>
+  <dgm:styleLbl name="bgImgPlace1">
+    <dgm:fillClrLst meth="repeat">
+      <a:schemeClr val="accent1">
+        <a:tint val="50000"/>
+      </a:schemeClr>
+    </dgm:fillClrLst>
+    <dgm:linClrLst meth="repeat">
+      <a:schemeClr val="lt1"/>
+    </dgm:linClrLst>
+    <dgm:effectClrLst/>
+    <dgm:txLinClrLst/>
+    <dgm:txFillClrLst meth="repeat">
+      <a:schemeClr val="lt1"/>
+    </dgm:txFillClrLst>
+    <dgm:txEffectClrLst/>
+  </dgm:styleLbl>
+  <dgm:styleLbl name="bgShp">
+    <dgm:fillClrLst meth="repeat">
+      <a:schemeClr val="accent1">
+        <a:tint val="40000"/>
+      </a:schemeClr>
+    </dgm:fillClrLst>
+    <dgm:linClrLst meth="repeat">
+      <a:schemeClr val="accent1"/>
+    </dgm:linClrLst>
+    <dgm:effectClrLst/>
+    <dgm:txLinClrLst/>
+    <dgm:txFillClrLst meth="repeat">
+      <a:schemeClr val="dk1"/>
+    </dgm:txFillClrLst>
+    <dgm:txEffectClrLst/>
+  </dgm:styleLbl>
+  <dgm:styleLbl name="bgSibTrans2D1">
+    <dgm:fillClrLst meth="repeat">
+      <a:schemeClr val="accent1">
+        <a:tint val="60000"/>
+      </a:schemeClr>
+    </dgm:fillClrLst>
+    <dgm:linClrLst meth="repeat">
+      <a:schemeClr val="accent1">
+        <a:tint val="60000"/>
+      </a:schemeClr>
+    </dgm:linClrLst>
+    <dgm:effectClrLst/>
+    <dgm:txLinClrLst/>
+    <dgm:txFillClrLst/>
+    <dgm:txEffectClrLst/>
+  </dgm:styleLbl>
+  <dgm:styleLbl name="callout">
+    <dgm:fillClrLst meth="repeat">
+      <a:schemeClr val="accent1"/>
+    </dgm:fillClrLst>
+    <dgm:linClrLst meth="repeat">
+      <a:schemeClr val="accent1">
+        <a:tint val="50000"/>
+      </a:schemeClr>
+    </dgm:linClrLst>
+    <dgm:effectClrLst/>
+    <dgm:txLinClrLst/>
+    <dgm:txFillClrLst meth="repeat">
+      <a:schemeClr val="tx1"/>
+    </dgm:txFillClrLst>
+    <dgm:txEffectClrLst/>
+  </dgm:styleLbl>
+  <dgm:styleLbl name="conFgAcc1">
+    <dgm:fillClrLst meth="repeat">
+      <a:schemeClr val="lt1">
+        <a:alpha val="90000"/>
+      </a:schemeClr>
+    </dgm:fillClrLst>
+    <dgm:linClrLst meth="repeat">
+      <a:schemeClr val="accent1"/>
+    </dgm:linClrLst>
+    <dgm:effectClrLst/>
+    <dgm:txLinClrLst/>
+    <dgm:txFillClrLst meth="repeat">
+      <a:schemeClr val="dk1"/>
+    </dgm:txFillClrLst>
+    <dgm:txEffectClrLst/>
+  </dgm:styleLbl>
+  <dgm:styleLbl name="dkBgShp">
+    <dgm:fillClrLst meth="repeat">
+      <a:schemeClr val="accent1">
+        <a:shade val="80000"/>
+      </a:schemeClr>
+    </dgm:fillClrLst>
+    <dgm:linClrLst meth="repeat">
+      <a:schemeClr val="accent1"/>
+    </dgm:linClrLst>
+    <dgm:effectClrLst/>
+    <dgm:txLinClrLst/>
+    <dgm:txFillClrLst meth="repeat">
+      <a:schemeClr val="lt1"/>
+    </dgm:txFillClrLst>
+    <dgm:txEffectClrLst/>
+  </dgm:styleLbl>
+  <dgm:styleLbl name="fgAcc0">
+    <dgm:fillClrLst meth="repeat">
+      <a:schemeClr val="lt1">
+        <a:alpha val="90000"/>
+      </a:schemeClr>
+    </dgm:fillClrLst>
+    <dgm:linClrLst meth="repeat">
+      <a:schemeClr val="accent1"/>
+    </dgm:linClrLst>
+    <dgm:effectClrLst/>
+    <dgm:txLinClrLst/>
+    <dgm:txFillClrLst meth="repeat">
+      <a:schemeClr val="dk1"/>
+    </dgm:txFillClrLst>
+    <dgm:txEffectClrLst/>
+  </dgm:styleLbl>
+  <dgm:styleLbl name="fgAcc1">
+    <dgm:fillClrLst meth="repeat">
+      <a:schemeClr val="lt1">
+        <a:alpha val="90000"/>
+      </a:schemeClr>
+    </dgm:fillClrLst>
+    <dgm:linClrLst meth="repeat">
+      <a:schemeClr val="accent1"/>
+    </dgm:linClrLst>
+    <dgm:effectClrLst/>
+    <dgm:txLinClrLst/>
+    <dgm:txFillClrLst meth="repeat">
+      <a:schemeClr val="dk1"/>
+    </dgm:txFillClrLst>
+    <dgm:txEffectClrLst/>
+  </dgm:styleLbl>
+  <dgm:styleLbl name="fgAcc2">
+    <dgm:fillClrLst meth="repeat">
+      <a:schemeClr val="lt1">
+        <a:alpha val="90000"/>
+      </a:schemeClr>
+    </dgm:fillClrLst>
+    <dgm:linClrLst meth="repeat">
+      <a:schemeClr val="accent1"/>
+    </dgm:linClrLst>
+    <dgm:effectClrLst/>
+    <dgm:txLinClrLst/>
+    <dgm:txFillClrLst meth="repeat">
+      <a:schemeClr val="dk1"/>
+    </dgm:txFillClrLst>
+    <dgm:txEffectClrLst/>
+  </dgm:styleLbl>
+  <dgm:styleLbl name="fgAcc3">
+    <dgm:fillClrLst meth="repeat">
+      <a:schemeClr val="lt1">
+        <a:alpha val="90000"/>
+      </a:schemeClr>
+    </dgm:fillClrLst>
+    <dgm:linClrLst meth="repeat">
+      <a:schemeClr val="accent1"/>
+    </dgm:linClrLst>
+    <dgm:effectClrLst/>
+    <dgm:txLinClrLst/>
+    <dgm:txFillClrLst meth="repeat">
+      <a:schemeClr val="dk1"/>
+    </dgm:txFillClrLst>
+    <dgm:txEffectClrLst/>
+  </dgm:styleLbl>
+  <dgm:styleLbl name="fgAcc4">
+    <dgm:fillClrLst meth="repeat">
+      <a:schemeClr val="lt1">
+        <a:alpha val="90000"/>
+      </a:schemeClr>
+    </dgm:fillClrLst>
+    <dgm:linClrLst meth="repeat">
+      <a:schemeClr val="accent1"/>
+    </dgm:linClrLst>
+    <dgm:effectClrLst/>
+    <dgm:txLinClrLst/>
+    <dgm:txFillClrLst meth="repeat">
+      <a:schemeClr val="dk1"/>
+    </dgm:txFillClrLst>
+    <dgm:txEffectClrLst/>
+  </dgm:styleLbl>
+  <dgm:styleLbl name="fgAccFollowNode1">
+    <dgm:fillClrLst meth="repeat">
+      <a:schemeClr val="accent1">
+        <a:alpha val="90000"/>
+        <a:tint val="40000"/>
+      </a:schemeClr>
+    </dgm:fillClrLst>
+    <dgm:linClrLst meth="repeat">
+      <a:schemeClr val="accent1">
+        <a:alpha val="90000"/>
+        <a:tint val="40000"/>
+      </a:schemeClr>
+    </dgm:linClrLst>
+    <dgm:effectClrLst/>
+    <dgm:txLinClrLst/>
+    <dgm:txFillClrLst meth="repeat">
+      <a:schemeClr val="dk1"/>
+    </dgm:txFillClrLst>
+    <dgm:txEffectClrLst/>
+  </dgm:styleLbl>
+  <dgm:styleLbl name="fgImgPlace1">
+    <dgm:fillClrLst meth="repeat">
+      <a:schemeClr val="accent1">
+        <a:tint val="50000"/>
+      </a:schemeClr>
+    </dgm:fillClrLst>
+    <dgm:linClrLst meth="repeat">
+      <a:schemeClr val="lt1"/>
+    </dgm:linClrLst>
+    <dgm:effectClrLst/>
+    <dgm:txLinClrLst/>
+    <dgm:txFillClrLst meth="repeat">
+      <a:schemeClr val="lt1"/>
+    </dgm:txFillClrLst>
+    <dgm:txEffectClrLst/>
+  </dgm:styleLbl>
+  <dgm:styleLbl name="fgShp">
+    <dgm:fillClrLst meth="repeat">
+      <a:schemeClr val="accent1">
+        <a:tint val="60000"/>
+      </a:schemeClr>
+    </dgm:fillClrLst>
+    <dgm:linClrLst meth="repeat">
+      <a:schemeClr val="lt1"/>
+    </dgm:linClrLst>
+    <dgm:effectClrLst/>
+    <dgm:txLinClrLst/>
+    <dgm:txFillClrLst meth="repeat">
+      <a:schemeClr val="dk1"/>
+    </dgm:txFillClrLst>
+    <dgm:txEffectClrLst/>
+  </dgm:styleLbl>
+  <dgm:styleLbl name="fgSibTrans2D1">
+    <dgm:fillClrLst meth="repeat">
+      <a:schemeClr val="accent1">
+        <a:tint val="60000"/>
+      </a:schemeClr>
+    </dgm:fillClrLst>
+    <dgm:linClrLst meth="repeat">
+      <a:schemeClr val="accent1">
+        <a:tint val="60000"/>
+      </a:schemeClr>
+    </dgm:linClrLst>
+    <dgm:effectClrLst/>
+    <dgm:txLinClrLst/>
+    <dgm:txFillClrLst/>
+    <dgm:txEffectClrLst/>
+  </dgm:styleLbl>
+  <dgm:styleLbl name="lnNode1">
+    <dgm:fillClrLst meth="repeat">
+      <a:schemeClr val="accent1"/>
+    </dgm:fillClrLst>
+    <dgm:linClrLst meth="repeat">
+      <a:schemeClr val="lt1"/>
+    </dgm:linClrLst>
+    <dgm:effectClrLst/>
+    <dgm:txLinClrLst/>
+    <dgm:txFillClrLst/>
+    <dgm:txEffectClrLst/>
+  </dgm:styleLbl>
+  <dgm:styleLbl name="node0">
+    <dgm:fillClrLst meth="repeat">
+      <a:schemeClr val="accent1"/>
+    </dgm:fillClrLst>
+    <dgm:linClrLst meth="repeat">
+      <a:schemeClr val="lt1"/>
+    </dgm:linClrLst>
+    <dgm:effectClrLst/>
+    <dgm:txLinClrLst/>
+    <dgm:txFillClrLst/>
+    <dgm:txEffectClrLst/>
+  </dgm:styleLbl>
+  <dgm:styleLbl name="node1">
+    <dgm:fillClrLst meth="repeat">
+      <a:schemeClr val="accent1"/>
+    </dgm:fillClrLst>
+    <dgm:linClrLst meth="repeat">
+      <a:schemeClr val="lt1"/>
+    </dgm:linClrLst>
+    <dgm:effectClrLst/>
+    <dgm:txLinClrLst/>
+    <dgm:txFillClrLst/>
+    <dgm:txEffectClrLst/>
+  </dgm:styleLbl>
+  <dgm:styleLbl name="node2">
+    <dgm:fillClrLst meth="repeat">
+      <a:schemeClr val="accent1"/>
+    </dgm:fillClrLst>
+    <dgm:linClrLst meth="repeat">
+      <a:schemeClr val="lt1"/>
+    </dgm:linClrLst>
+    <dgm:effectClrLst/>
+    <dgm:txLinClrLst/>
+    <dgm:txFillClrLst/>
+    <dgm:txEffectClrLst/>
+  </dgm:styleLbl>
+  <dgm:styleLbl name="node3">
+    <dgm:fillClrLst meth="repeat">
+      <a:schemeClr val="accent1"/>
+    </dgm:fillClrLst>
+    <dgm:linClrLst meth="repeat">
+      <a:schemeClr val="lt1"/>
+    </dgm:linClrLst>
+    <dgm:effectClrLst/>
+    <dgm:txLinClrLst/>
+    <dgm:txFillClrLst/>
+    <dgm:txEffectClrLst/>
+  </dgm:styleLbl>
+  <dgm:styleLbl name="node4">
+    <dgm:fillClrLst meth="repeat">
+      <a:schemeClr val="accent1"/>
+    </dgm:fillClrLst>
+    <dgm:linClrLst meth="repeat">
+      <a:schemeClr val="lt1"/>
+    </dgm:linClrLst>
+    <dgm:effectClrLst/>
+    <dgm:txLinClrLst/>
+    <dgm:txFillClrLst/>
+    <dgm:txEffectClrLst/>
+  </dgm:styleLbl>
+  <dgm:styleLbl name="parChTrans1D1">
+    <dgm:fillClrLst meth="repeat">
+      <a:schemeClr val="accent1"/>
+    </dgm:fillClrLst>
+    <dgm:linClrLst meth="repeat">
+      <a:schemeClr val="accent1">
+        <a:shade val="60000"/>
+      </a:schemeClr>
+    </dgm:linClrLst>
+    <dgm:effectClrLst/>
+    <dgm:txLinClrLst/>
+    <dgm:txFillClrLst meth="repeat">
+      <a:schemeClr val="tx1"/>
+    </dgm:txFillClrLst>
+    <dgm:txEffectClrLst/>
+  </dgm:styleLbl>
+  <dgm:styleLbl name="parChTrans1D2">
+    <dgm:fillClrLst meth="repeat">
+      <a:schemeClr val="accent1"/>
+    </dgm:fillClrLst>
+    <dgm:linClrLst meth="repeat">
+      <a:schemeClr val="accent1">
+        <a:shade val="60000"/>
+      </a:schemeClr>
+    </dgm:linClrLst>
+    <dgm:effectClrLst/>
+    <dgm:txLinClrLst/>
+    <dgm:txFillClrLst meth="repeat">
+      <a:schemeClr val="tx1"/>
+    </dgm:txFillClrLst>
+    <dgm:txEffectClrLst/>
+  </dgm:styleLbl>
+  <dgm:styleLbl name="parChTrans1D3">
+    <dgm:fillClrLst meth="repeat">
+      <a:schemeClr val="accent1"/>
+    </dgm:fillClrLst>
+    <dgm:linClrLst meth="repeat">
+      <a:schemeClr val="accent1">
+        <a:shade val="80000"/>
+      </a:schemeClr>
+    </dgm:linClrLst>
+    <dgm:effectClrLst/>
+    <dgm:txLinClrLst/>
+    <dgm:txFillClrLst meth="repeat">
+      <a:schemeClr val="tx1"/>
+    </dgm:txFillClrLst>
+    <dgm:txEffectClrLst/>
+  </dgm:styleLbl>
+  <dgm:styleLbl name="parChTrans1D4">
+    <dgm:fillClrLst meth="repeat">
+      <a:schemeClr val="accent1"/>
+    </dgm:fillClrLst>
+    <dgm:linClrLst meth="repeat">
+      <a:schemeClr val="accent1">
+        <a:shade val="80000"/>
+      </a:schemeClr>
+    </dgm:linClrLst>
+    <dgm:effectClrLst/>
+    <dgm:txLinClrLst/>
+    <dgm:txFillClrLst meth="repeat">
+      <a:schemeClr val="tx1"/>
+    </dgm:txFillClrLst>
+    <dgm:txEffectClrLst/>
+  </dgm:styleLbl>
+  <dgm:styleLbl name="parChTrans2D1">
+    <dgm:fillClrLst meth="repeat">
+      <a:schemeClr val="accent1">
+        <a:tint val="60000"/>
+      </a:schemeClr>
+    </dgm:fillClrLst>
+    <dgm:linClrLst meth="repeat">
+      <a:schemeClr val="accent1">
+        <a:tint val="60000"/>
+      </a:schemeClr>
+    </dgm:linClrLst>
+    <dgm:effectClrLst/>
+    <dgm:txLinClrLst/>
+    <dgm:txFillClrLst meth="repeat">
+      <a:schemeClr val="lt1"/>
+    </dgm:txFillClrLst>
+    <dgm:txEffectClrLst/>
+  </dgm:styleLbl>
+  <dgm:styleLbl name="parChTrans2D2">
+    <dgm:fillClrLst meth="repeat">
+      <a:schemeClr val="accent1"/>
+    </dgm:fillClrLst>
+    <dgm:linClrLst meth="repeat">
+      <a:schemeClr val="accent1"/>
+    </dgm:linClrLst>
+    <dgm:effectClrLst/>
+    <dgm:txLinClrLst/>
+    <dgm:txFillClrLst meth="repeat">
+      <a:schemeClr val="lt1"/>
+    </dgm:txFillClrLst>
+    <dgm:txEffectClrLst/>
+  </dgm:styleLbl>
+  <dgm:styleLbl name="parChTrans2D3">
+    <dgm:fillClrLst meth="repeat">
+      <a:schemeClr val="accent1"/>
+    </dgm:fillClrLst>
+    <dgm:linClrLst meth="repeat">
+      <a:schemeClr val="accent1"/>
+    </dgm:linClrLst>
+    <dgm:effectClrLst/>
+    <dgm:txLinClrLst/>
+    <dgm:txFillClrLst meth="repeat">
+      <a:schemeClr val="lt1"/>
+    </dgm:txFillClrLst>
+    <dgm:txEffectClrLst/>
+  </dgm:styleLbl>
+  <dgm:styleLbl name="parChTrans2D4">
+    <dgm:fillClrLst meth="repeat">
+      <a:schemeClr val="accent1"/>
+    </dgm:fillClrLst>
+    <dgm:linClrLst meth="repeat">
+      <a:schemeClr val="accent1"/>
+    </dgm:linClrLst>
+    <dgm:effectClrLst/>
+    <dgm:txLinClrLst/>
+    <dgm:txFillClrLst meth="repeat">
+      <a:schemeClr val="lt1"/>
+    </dgm:txFillClrLst>
+    <dgm:txEffectClrLst/>
+  </dgm:styleLbl>
+  <dgm:styleLbl name="revTx">
+    <dgm:fillClrLst meth="repeat">
+      <a:schemeClr val="lt1">
+        <a:alpha val="0"/>
+      </a:schemeClr>
+    </dgm:fillClrLst>
+    <dgm:linClrLst meth="repeat">
+      <a:schemeClr val="dk1">
+        <a:alpha val="0"/>
+      </a:schemeClr>
+    </dgm:linClrLst>
+    <dgm:effectClrLst/>
+    <dgm:txLinClrLst/>
+    <dgm:txFillClrLst meth="repeat">
+      <a:schemeClr val="tx1"/>
+    </dgm:txFillClrLst>
+    <dgm:txEffectClrLst/>
+  </dgm:styleLbl>
+  <dgm:styleLbl name="sibTrans1D1">
+    <dgm:fillClrLst meth="repeat">
+      <a:schemeClr val="accent1"/>
+    </dgm:fillClrLst>
+    <dgm:linClrLst meth="repeat">
+      <a:schemeClr val="accent1"/>
+    </dgm:linClrLst>
+    <dgm:effectClrLst/>
+    <dgm:txLinClrLst/>
+    <dgm:txFillClrLst meth="repeat">
+      <a:schemeClr val="tx1"/>
+    </dgm:txFillClrLst>
+    <dgm:txEffectClrLst/>
+  </dgm:styleLbl>
+  <dgm:styleLbl name="sibTrans2D1">
+    <dgm:fillClrLst meth="repeat">
+      <a:schemeClr val="accent1">
+        <a:tint val="60000"/>
+      </a:schemeClr>
+    </dgm:fillClrLst>
+    <dgm:linClrLst meth="repeat">
+      <a:schemeClr val="accent1">
+        <a:tint val="60000"/>
+      </a:schemeClr>
+    </dgm:linClrLst>
+    <dgm:effectClrLst/>
+    <dgm:txLinClrLst/>
+    <dgm:txFillClrLst/>
+    <dgm:txEffectClrLst/>
+  </dgm:styleLbl>
+  <dgm:styleLbl name="solidAlignAcc1">
+    <dgm:fillClrLst meth="repeat">
+      <a:schemeClr val="lt1"/>
+    </dgm:fillClrLst>
+    <dgm:linClrLst meth="repeat">
+      <a:schemeClr val="accent1"/>
+    </dgm:linClrLst>
+    <dgm:effectClrLst/>
+    <dgm:txLinClrLst/>
+    <dgm:txFillClrLst meth="repeat">
+      <a:schemeClr val="dk1"/>
+    </dgm:txFillClrLst>
+    <dgm:txEffectClrLst/>
+  </dgm:styleLbl>
+  <dgm:styleLbl name="solidBgAcc1">
+    <dgm:fillClrLst meth="repeat">
+      <a:schemeClr val="lt1"/>
+    </dgm:fillClrLst>
+    <dgm:linClrLst meth="repeat">
+      <a:schemeClr val="accent1"/>
+    </dgm:linClrLst>
+    <dgm:effectClrLst/>
+    <dgm:txLinClrLst/>
+    <dgm:txFillClrLst meth="repeat">
+      <a:schemeClr val="dk1"/>
+    </dgm:txFillClrLst>
+    <dgm:txEffectClrLst/>
+  </dgm:styleLbl>
+  <dgm:styleLbl name="solidFgAcc1">
+    <dgm:fillClrLst meth="repeat">
+      <a:schemeClr val="lt1"/>
+    </dgm:fillClrLst>
+    <dgm:linClrLst meth="repeat">
+      <a:schemeClr val="accent1"/>
+    </dgm:linClrLst>
+    <dgm:effectClrLst/>
+    <dgm:txLinClrLst/>
+    <dgm:txFillClrLst meth="repeat">
+      <a:schemeClr val="dk1"/>
+    </dgm:txFillClrLst>
+    <dgm:txEffectClrLst/>
+  </dgm:styleLbl>
+  <dgm:styleLbl name="trAlignAcc1">
+    <dgm:fillClrLst meth="repeat">
+      <a:schemeClr val="lt1">
+        <a:alpha val="40000"/>
+      </a:schemeClr>
+    </dgm:fillClrLst>
+    <dgm:linClrLst meth="repeat">
+      <a:schemeClr val="accent1"/>
+    </dgm:linClrLst>
+    <dgm:effectClrLst/>
+    <dgm:txLinClrLst/>
+    <dgm:txFillClrLst meth="repeat">
+      <a:schemeClr val="dk1"/>
+    </dgm:txFillClrLst>
+    <dgm:txEffectClrLst/>
+  </dgm:styleLbl>
+  <dgm:styleLbl name="trBgShp">
+    <dgm:fillClrLst meth="repeat">
+      <a:schemeClr val="accent1">
+        <a:tint val="50000"/>
+        <a:alpha val="40000"/>
+      </a:schemeClr>
+    </dgm:fillClrLst>
+    <dgm:linClrLst meth="repeat">
+      <a:schemeClr val="accent1"/>
+    </dgm:linClrLst>
+    <dgm:effectClrLst/>
+    <dgm:txLinClrLst/>
+    <dgm:txFillClrLst meth="repeat">
+      <a:schemeClr val="lt1"/>
+    </dgm:txFillClrLst>
+    <dgm:txEffectClrLst/>
+  </dgm:styleLbl>
+  <dgm:styleLbl name="vennNode1">
+    <dgm:fillClrLst meth="repeat">
+      <a:schemeClr val="accent1">
+        <a:alpha val="50000"/>
+      </a:schemeClr>
+    </dgm:fillClrLst>
+    <dgm:linClrLst meth="repeat">
+      <a:schemeClr val="lt1"/>
+    </dgm:linClrLst>
+    <dgm:effectClrLst/>
+    <dgm:txLinClrLst/>
+    <dgm:txFillClrLst/>
+    <dgm:txEffectClrLst/>
+  </dgm:styleLbl>
+</dgm:colorsDef>
+</file>
+
+<file path=ppt/diagrams/colors2.xml><?xml version="1.0" encoding="utf-8"?>
+<dgm:colorsDef xmlns:dgm="http://schemas.openxmlformats.org/drawingml/2006/diagram" xmlns:a="http://schemas.openxmlformats.org/drawingml/2006/main" uniqueId="urn:microsoft.com/office/officeart/2005/8/colors/accent1_2">
+  <dgm:title val=""/>
+  <dgm:desc val=""/>
+  <dgm:catLst>
+    <dgm:cat type="accent1" pri="11200"/>
+  </dgm:catLst>
+  <dgm:styleLbl name="alignAcc1">
+    <dgm:fillClrLst meth="repeat">
+      <a:schemeClr val="lt1">
+        <a:alpha val="90000"/>
+      </a:schemeClr>
+    </dgm:fillClrLst>
+    <dgm:linClrLst meth="repeat">
+      <a:schemeClr val="accent1"/>
+    </dgm:linClrLst>
+    <dgm:effectClrLst/>
+    <dgm:txLinClrLst/>
+    <dgm:txFillClrLst meth="repeat">
+      <a:schemeClr val="dk1"/>
+    </dgm:txFillClrLst>
+    <dgm:txEffectClrLst/>
+  </dgm:styleLbl>
+  <dgm:styleLbl name="alignAccFollowNode1">
+    <dgm:fillClrLst meth="repeat">
+      <a:schemeClr val="accent1">
+        <a:alpha val="90000"/>
+        <a:tint val="40000"/>
+      </a:schemeClr>
+    </dgm:fillClrLst>
+    <dgm:linClrLst meth="repeat">
+      <a:schemeClr val="accent1">
+        <a:alpha val="90000"/>
+        <a:tint val="40000"/>
+      </a:schemeClr>
+    </dgm:linClrLst>
+    <dgm:effectClrLst/>
+    <dgm:txLinClrLst/>
+    <dgm:txFillClrLst meth="repeat">
+      <a:schemeClr val="dk1"/>
+    </dgm:txFillClrLst>
+    <dgm:txEffectClrLst/>
+  </dgm:styleLbl>
+  <dgm:styleLbl name="alignImgPlace1">
+    <dgm:fillClrLst meth="repeat">
+      <a:schemeClr val="accent1">
+        <a:tint val="50000"/>
+      </a:schemeClr>
+    </dgm:fillClrLst>
+    <dgm:linClrLst meth="repeat">
+      <a:schemeClr val="lt1"/>
+    </dgm:linClrLst>
+    <dgm:effectClrLst/>
+    <dgm:txLinClrLst/>
+    <dgm:txFillClrLst meth="repeat">
+      <a:schemeClr val="lt1"/>
+    </dgm:txFillClrLst>
+    <dgm:txEffectClrLst/>
+  </dgm:styleLbl>
+  <dgm:styleLbl name="alignNode1">
+    <dgm:fillClrLst meth="repeat">
+      <a:schemeClr val="accent1"/>
+    </dgm:fillClrLst>
+    <dgm:linClrLst meth="repeat">
+      <a:schemeClr val="accent1"/>
+    </dgm:linClrLst>
+    <dgm:effectClrLst/>
+    <dgm:txLinClrLst/>
+    <dgm:txFillClrLst/>
+    <dgm:txEffectClrLst/>
+  </dgm:styleLbl>
+  <dgm:styleLbl name="asst0">
+    <dgm:fillClrLst meth="repeat">
+      <a:schemeClr val="accent1"/>
+    </dgm:fillClrLst>
+    <dgm:linClrLst meth="repeat">
+      <a:schemeClr val="lt1"/>
+    </dgm:linClrLst>
+    <dgm:effectClrLst/>
+    <dgm:txLinClrLst/>
+    <dgm:txFillClrLst/>
+    <dgm:txEffectClrLst/>
+  </dgm:styleLbl>
+  <dgm:styleLbl name="asst1">
+    <dgm:fillClrLst meth="repeat">
+      <a:schemeClr val="accent1"/>
+    </dgm:fillClrLst>
+    <dgm:linClrLst meth="repeat">
+      <a:schemeClr val="lt1"/>
+    </dgm:linClrLst>
+    <dgm:effectClrLst/>
+    <dgm:txLinClrLst/>
+    <dgm:txFillClrLst/>
+    <dgm:txEffectClrLst/>
+  </dgm:styleLbl>
+  <dgm:styleLbl name="asst2">
+    <dgm:fillClrLst meth="repeat">
+      <a:schemeClr val="accent1"/>
+    </dgm:fillClrLst>
+    <dgm:linClrLst meth="repeat">
+      <a:schemeClr val="lt1"/>
+    </dgm:linClrLst>
+    <dgm:effectClrLst/>
+    <dgm:txLinClrLst/>
+    <dgm:txFillClrLst/>
+    <dgm:txEffectClrLst/>
+  </dgm:styleLbl>
+  <dgm:styleLbl name="asst3">
+    <dgm:fillClrLst meth="repeat">
+      <a:schemeClr val="accent1"/>
+    </dgm:fillClrLst>
+    <dgm:linClrLst meth="repeat">
+      <a:schemeClr val="lt1"/>
+    </dgm:linClrLst>
+    <dgm:effectClrLst/>
+    <dgm:txLinClrLst/>
+    <dgm:txFillClrLst/>
+    <dgm:txEffectClrLst/>
+  </dgm:styleLbl>
+  <dgm:styleLbl name="asst4">
+    <dgm:fillClrLst meth="repeat">
+      <a:schemeClr val="accent1"/>
+    </dgm:fillClrLst>
+    <dgm:linClrLst meth="repeat">
+      <a:schemeClr val="lt1"/>
+    </dgm:linClrLst>
+    <dgm:effectClrLst/>
+    <dgm:txLinClrLst/>
+    <dgm:txFillClrLst/>
+    <dgm:txEffectClrLst/>
+  </dgm:styleLbl>
+  <dgm:styleLbl name="bgAcc1">
+    <dgm:fillClrLst meth="repeat">
+      <a:schemeClr val="lt1">
+        <a:alpha val="90000"/>
+      </a:schemeClr>
+    </dgm:fillClrLst>
+    <dgm:linClrLst meth="repeat">
+      <a:schemeClr val="accent1"/>
+    </dgm:linClrLst>
+    <dgm:effectClrLst/>
+    <dgm:txLinClrLst/>
+    <dgm:txFillClrLst meth="repeat">
+      <a:schemeClr val="dk1"/>
+    </dgm:txFillClrLst>
+    <dgm:txEffectClrLst/>
+  </dgm:styleLbl>
+  <dgm:styleLbl name="bgAccFollowNode1">
+    <dgm:fillClrLst meth="repeat">
+      <a:schemeClr val="accent1">
+        <a:alpha val="90000"/>
+        <a:tint val="40000"/>
+      </a:schemeClr>
+    </dgm:fillClrLst>
+    <dgm:linClrLst meth="repeat">
+      <a:schemeClr val="accent1">
+        <a:alpha val="90000"/>
+        <a:tint val="40000"/>
+      </a:schemeClr>
+    </dgm:linClrLst>
+    <dgm:effectClrLst/>
+    <dgm:txLinClrLst/>
+    <dgm:txFillClrLst meth="repeat">
+      <a:schemeClr val="dk1"/>
+    </dgm:txFillClrLst>
+    <dgm:txEffectClrLst/>
+  </dgm:styleLbl>
+  <dgm:styleLbl name="bgImgPlace1">
+    <dgm:fillClrLst meth="repeat">
+      <a:schemeClr val="accent1">
+        <a:tint val="50000"/>
+      </a:schemeClr>
+    </dgm:fillClrLst>
+    <dgm:linClrLst meth="repeat">
+      <a:schemeClr val="lt1"/>
+    </dgm:linClrLst>
+    <dgm:effectClrLst/>
+    <dgm:txLinClrLst/>
+    <dgm:txFillClrLst meth="repeat">
+      <a:schemeClr val="lt1"/>
+    </dgm:txFillClrLst>
+    <dgm:txEffectClrLst/>
+  </dgm:styleLbl>
+  <dgm:styleLbl name="bgShp">
+    <dgm:fillClrLst meth="repeat">
+      <a:schemeClr val="accent1">
+        <a:tint val="40000"/>
+      </a:schemeClr>
+    </dgm:fillClrLst>
+    <dgm:linClrLst meth="repeat">
+      <a:schemeClr val="accent1"/>
+    </dgm:linClrLst>
+    <dgm:effectClrLst/>
+    <dgm:txLinClrLst/>
+    <dgm:txFillClrLst meth="repeat">
+      <a:schemeClr val="dk1"/>
+    </dgm:txFillClrLst>
+    <dgm:txEffectClrLst/>
+  </dgm:styleLbl>
+  <dgm:styleLbl name="bgSibTrans2D1">
+    <dgm:fillClrLst meth="repeat">
+      <a:schemeClr val="accent1">
+        <a:tint val="60000"/>
+      </a:schemeClr>
+    </dgm:fillClrLst>
+    <dgm:linClrLst meth="repeat">
+      <a:schemeClr val="accent1">
+        <a:tint val="60000"/>
+      </a:schemeClr>
+    </dgm:linClrLst>
+    <dgm:effectClrLst/>
+    <dgm:txLinClrLst/>
+    <dgm:txFillClrLst/>
+    <dgm:txEffectClrLst/>
+  </dgm:styleLbl>
+  <dgm:styleLbl name="callout">
+    <dgm:fillClrLst meth="repeat">
+      <a:schemeClr val="accent1"/>
+    </dgm:fillClrLst>
+    <dgm:linClrLst meth="repeat">
+      <a:schemeClr val="accent1">
+        <a:tint val="50000"/>
+      </a:schemeClr>
+    </dgm:linClrLst>
+    <dgm:effectClrLst/>
+    <dgm:txLinClrLst/>
+    <dgm:txFillClrLst meth="repeat">
+      <a:schemeClr val="tx1"/>
+    </dgm:txFillClrLst>
+    <dgm:txEffectClrLst/>
+  </dgm:styleLbl>
+  <dgm:styleLbl name="conFgAcc1">
+    <dgm:fillClrLst meth="repeat">
+      <a:schemeClr val="lt1">
+        <a:alpha val="90000"/>
+      </a:schemeClr>
+    </dgm:fillClrLst>
+    <dgm:linClrLst meth="repeat">
+      <a:schemeClr val="accent1"/>
+    </dgm:linClrLst>
+    <dgm:effectClrLst/>
+    <dgm:txLinClrLst/>
+    <dgm:txFillClrLst meth="repeat">
+      <a:schemeClr val="dk1"/>
+    </dgm:txFillClrLst>
+    <dgm:txEffectClrLst/>
+  </dgm:styleLbl>
+  <dgm:styleLbl name="dkBgShp">
+    <dgm:fillClrLst meth="repeat">
+      <a:schemeClr val="accent1">
+        <a:shade val="80000"/>
+      </a:schemeClr>
+    </dgm:fillClrLst>
+    <dgm:linClrLst meth="repeat">
+      <a:schemeClr val="accent1"/>
+    </dgm:linClrLst>
+    <dgm:effectClrLst/>
+    <dgm:txLinClrLst/>
+    <dgm:txFillClrLst meth="repeat">
+      <a:schemeClr val="lt1"/>
+    </dgm:txFillClrLst>
+    <dgm:txEffectClrLst/>
+  </dgm:styleLbl>
+  <dgm:styleLbl name="fgAcc0">
+    <dgm:fillClrLst meth="repeat">
+      <a:schemeClr val="lt1">
+        <a:alpha val="90000"/>
+      </a:schemeClr>
+    </dgm:fillClrLst>
+    <dgm:linClrLst meth="repeat">
+      <a:schemeClr val="accent1"/>
+    </dgm:linClrLst>
+    <dgm:effectClrLst/>
+    <dgm:txLinClrLst/>
+    <dgm:txFillClrLst meth="repeat">
+      <a:schemeClr val="dk1"/>
+    </dgm:txFillClrLst>
+    <dgm:txEffectClrLst/>
+  </dgm:styleLbl>
+  <dgm:styleLbl name="fgAcc1">
+    <dgm:fillClrLst meth="repeat">
+      <a:schemeClr val="lt1">
+        <a:alpha val="90000"/>
+      </a:schemeClr>
+    </dgm:fillClrLst>
+    <dgm:linClrLst meth="repeat">
+      <a:schemeClr val="accent1"/>
+    </dgm:linClrLst>
+    <dgm:effectClrLst/>
+    <dgm:txLinClrLst/>
+    <dgm:txFillClrLst meth="repeat">
+      <a:schemeClr val="dk1"/>
+    </dgm:txFillClrLst>
+    <dgm:txEffectClrLst/>
+  </dgm:styleLbl>
+  <dgm:styleLbl name="fgAcc2">
+    <dgm:fillClrLst meth="repeat">
+      <a:schemeClr val="lt1">
+        <a:alpha val="90000"/>
+      </a:schemeClr>
+    </dgm:fillClrLst>
+    <dgm:linClrLst meth="repeat">
+      <a:schemeClr val="accent1"/>
+    </dgm:linClrLst>
+    <dgm:effectClrLst/>
+    <dgm:txLinClrLst/>
+    <dgm:txFillClrLst meth="repeat">
+      <a:schemeClr val="dk1"/>
+    </dgm:txFillClrLst>
+    <dgm:txEffectClrLst/>
+  </dgm:styleLbl>
+  <dgm:styleLbl name="fgAcc3">
+    <dgm:fillClrLst meth="repeat">
+      <a:schemeClr val="lt1">
+        <a:alpha val="90000"/>
+      </a:schemeClr>
+    </dgm:fillClrLst>
+    <dgm:linClrLst meth="repeat">
+      <a:schemeClr val="accent1"/>
+    </dgm:linClrLst>
+    <dgm:effectClrLst/>
+    <dgm:txLinClrLst/>
+    <dgm:txFillClrLst meth="repeat">
+      <a:schemeClr val="dk1"/>
+    </dgm:txFillClrLst>
+    <dgm:txEffectClrLst/>
+  </dgm:styleLbl>
+  <dgm:styleLbl name="fgAcc4">
+    <dgm:fillClrLst meth="repeat">
+      <a:schemeClr val="lt1">
+        <a:alpha val="90000"/>
+      </a:schemeClr>
+    </dgm:fillClrLst>
+    <dgm:linClrLst meth="repeat">
+      <a:schemeClr val="accent1"/>
+    </dgm:linClrLst>
+    <dgm:effectClrLst/>
+    <dgm:txLinClrLst/>
+    <dgm:txFillClrLst meth="repeat">
+      <a:schemeClr val="dk1"/>
+    </dgm:txFillClrLst>
+    <dgm:txEffectClrLst/>
+  </dgm:styleLbl>
+  <dgm:styleLbl name="fgAccFollowNode1">
+    <dgm:fillClrLst meth="repeat">
+      <a:schemeClr val="accent1">
+        <a:alpha val="90000"/>
+        <a:tint val="40000"/>
+      </a:schemeClr>
+    </dgm:fillClrLst>
+    <dgm:linClrLst meth="repeat">
+      <a:schemeClr val="accent1">
+        <a:alpha val="90000"/>
+        <a:tint val="40000"/>
+      </a:schemeClr>
+    </dgm:linClrLst>
+    <dgm:effectClrLst/>
+    <dgm:txLinClrLst/>
+    <dgm:txFillClrLst meth="repeat">
+      <a:schemeClr val="dk1"/>
+    </dgm:txFillClrLst>
+    <dgm:txEffectClrLst/>
+  </dgm:styleLbl>
+  <dgm:styleLbl name="fgImgPlace1">
+    <dgm:fillClrLst meth="repeat">
+      <a:schemeClr val="accent1">
+        <a:tint val="50000"/>
+      </a:schemeClr>
+    </dgm:fillClrLst>
+    <dgm:linClrLst meth="repeat">
+      <a:schemeClr val="lt1"/>
+    </dgm:linClrLst>
+    <dgm:effectClrLst/>
+    <dgm:txLinClrLst/>
+    <dgm:txFillClrLst meth="repeat">
+      <a:schemeClr val="lt1"/>
+    </dgm:txFillClrLst>
+    <dgm:txEffectClrLst/>
+  </dgm:styleLbl>
+  <dgm:styleLbl name="fgShp">
+    <dgm:fillClrLst meth="repeat">
+      <a:schemeClr val="accent1">
+        <a:tint val="60000"/>
+      </a:schemeClr>
+    </dgm:fillClrLst>
+    <dgm:linClrLst meth="repeat">
+      <a:schemeClr val="lt1"/>
+    </dgm:linClrLst>
+    <dgm:effectClrLst/>
+    <dgm:txLinClrLst/>
+    <dgm:txFillClrLst meth="repeat">
+      <a:schemeClr val="dk1"/>
+    </dgm:txFillClrLst>
+    <dgm:txEffectClrLst/>
+  </dgm:styleLbl>
+  <dgm:styleLbl name="fgSibTrans2D1">
+    <dgm:fillClrLst meth="repeat">
+      <a:schemeClr val="accent1">
+        <a:tint val="60000"/>
+      </a:schemeClr>
+    </dgm:fillClrLst>
+    <dgm:linClrLst meth="repeat">
+      <a:schemeClr val="accent1">
+        <a:tint val="60000"/>
+      </a:schemeClr>
+    </dgm:linClrLst>
+    <dgm:effectClrLst/>
+    <dgm:txLinClrLst/>
+    <dgm:txFillClrLst/>
+    <dgm:txEffectClrLst/>
+  </dgm:styleLbl>
+  <dgm:styleLbl name="lnNode1">
+    <dgm:fillClrLst meth="repeat">
+      <a:schemeClr val="accent1"/>
+    </dgm:fillClrLst>
+    <dgm:linClrLst meth="repeat">
+      <a:schemeClr val="lt1"/>
+    </dgm:linClrLst>
+    <dgm:effectClrLst/>
+    <dgm:txLinClrLst/>
+    <dgm:txFillClrLst/>
+    <dgm:txEffectClrLst/>
+  </dgm:styleLbl>
+  <dgm:styleLbl name="node0">
+    <dgm:fillClrLst meth="repeat">
+      <a:schemeClr val="accent1"/>
+    </dgm:fillClrLst>
+    <dgm:linClrLst meth="repeat">
+      <a:schemeClr val="lt1"/>
+    </dgm:linClrLst>
+    <dgm:effectClrLst/>
+    <dgm:txLinClrLst/>
+    <dgm:txFillClrLst/>
+    <dgm:txEffectClrLst/>
+  </dgm:styleLbl>
+  <dgm:styleLbl name="node1">
+    <dgm:fillClrLst meth="repeat">
+      <a:schemeClr val="accent1"/>
+    </dgm:fillClrLst>
+    <dgm:linClrLst meth="repeat">
+      <a:schemeClr val="lt1"/>
+    </dgm:linClrLst>
+    <dgm:effectClrLst/>
+    <dgm:txLinClrLst/>
+    <dgm:txFillClrLst/>
+    <dgm:txEffectClrLst/>
+  </dgm:styleLbl>
+  <dgm:styleLbl name="node2">
+    <dgm:fillClrLst meth="repeat">
+      <a:schemeClr val="accent1"/>
+    </dgm:fillClrLst>
+    <dgm:linClrLst meth="repeat">
+      <a:schemeClr val="lt1"/>
+    </dgm:linClrLst>
+    <dgm:effectClrLst/>
+    <dgm:txLinClrLst/>
+    <dgm:txFillClrLst/>
+    <dgm:txEffectClrLst/>
+  </dgm:styleLbl>
+  <dgm:styleLbl name="node3">
+    <dgm:fillClrLst meth="repeat">
+      <a:schemeClr val="accent1"/>
+    </dgm:fillClrLst>
+    <dgm:linClrLst meth="repeat">
+      <a:schemeClr val="lt1"/>
+    </dgm:linClrLst>
+    <dgm:effectClrLst/>
+    <dgm:txLinClrLst/>
+    <dgm:txFillClrLst/>
+    <dgm:txEffectClrLst/>
+  </dgm:styleLbl>
+  <dgm:styleLbl name="node4">
+    <dgm:fillClrLst meth="repeat">
+      <a:schemeClr val="accent1"/>
+    </dgm:fillClrLst>
+    <dgm:linClrLst meth="repeat">
+      <a:schemeClr val="lt1"/>
+    </dgm:linClrLst>
+    <dgm:effectClrLst/>
+    <dgm:txLinClrLst/>
+    <dgm:txFillClrLst/>
+    <dgm:txEffectClrLst/>
+  </dgm:styleLbl>
+  <dgm:styleLbl name="parChTrans1D1">
+    <dgm:fillClrLst meth="repeat">
+      <a:schemeClr val="accent1"/>
+    </dgm:fillClrLst>
+    <dgm:linClrLst meth="repeat">
+      <a:schemeClr val="accent1">
+        <a:shade val="60000"/>
+      </a:schemeClr>
+    </dgm:linClrLst>
+    <dgm:effectClrLst/>
+    <dgm:txLinClrLst/>
+    <dgm:txFillClrLst meth="repeat">
+      <a:schemeClr val="tx1"/>
+    </dgm:txFillClrLst>
+    <dgm:txEffectClrLst/>
+  </dgm:styleLbl>
+  <dgm:styleLbl name="parChTrans1D2">
+    <dgm:fillClrLst meth="repeat">
+      <a:schemeClr val="accent1"/>
+    </dgm:fillClrLst>
+    <dgm:linClrLst meth="repeat">
+      <a:schemeClr val="accent1">
+        <a:shade val="60000"/>
+      </a:schemeClr>
+    </dgm:linClrLst>
+    <dgm:effectClrLst/>
+    <dgm:txLinClrLst/>
+    <dgm:txFillClrLst meth="repeat">
+      <a:schemeClr val="tx1"/>
+    </dgm:txFillClrLst>
+    <dgm:txEffectClrLst/>
+  </dgm:styleLbl>
+  <dgm:styleLbl name="parChTrans1D3">
+    <dgm:fillClrLst meth="repeat">
+      <a:schemeClr val="accent1"/>
+    </dgm:fillClrLst>
+    <dgm:linClrLst meth="repeat">
+      <a:schemeClr val="accent1">
+        <a:shade val="80000"/>
+      </a:schemeClr>
+    </dgm:linClrLst>
+    <dgm:effectClrLst/>
+    <dgm:txLinClrLst/>
+    <dgm:txFillClrLst meth="repeat">
+      <a:schemeClr val="tx1"/>
+    </dgm:txFillClrLst>
+    <dgm:txEffectClrLst/>
+  </dgm:styleLbl>
+  <dgm:styleLbl name="parChTrans1D4">
+    <dgm:fillClrLst meth="repeat">
+      <a:schemeClr val="accent1"/>
+    </dgm:fillClrLst>
+    <dgm:linClrLst meth="repeat">
+      <a:schemeClr val="accent1">
+        <a:shade val="80000"/>
+      </a:schemeClr>
+    </dgm:linClrLst>
+    <dgm:effectClrLst/>
+    <dgm:txLinClrLst/>
+    <dgm:txFillClrLst meth="repeat">
+      <a:schemeClr val="tx1"/>
+    </dgm:txFillClrLst>
+    <dgm:txEffectClrLst/>
+  </dgm:styleLbl>
+  <dgm:styleLbl name="parChTrans2D1">
+    <dgm:fillClrLst meth="repeat">
+      <a:schemeClr val="accent1">
+        <a:tint val="60000"/>
+      </a:schemeClr>
+    </dgm:fillClrLst>
+    <dgm:linClrLst meth="repeat">
+      <a:schemeClr val="accent1">
+        <a:tint val="60000"/>
+      </a:schemeClr>
+    </dgm:linClrLst>
+    <dgm:effectClrLst/>
+    <dgm:txLinClrLst/>
+    <dgm:txFillClrLst meth="repeat">
+      <a:schemeClr val="lt1"/>
+    </dgm:txFillClrLst>
+    <dgm:txEffectClrLst/>
+  </dgm:styleLbl>
+  <dgm:styleLbl name="parChTrans2D2">
+    <dgm:fillClrLst meth="repeat">
+      <a:schemeClr val="accent1"/>
+    </dgm:fillClrLst>
+    <dgm:linClrLst meth="repeat">
+      <a:schemeClr val="accent1"/>
+    </dgm:linClrLst>
+    <dgm:effectClrLst/>
+    <dgm:txLinClrLst/>
+    <dgm:txFillClrLst meth="repeat">
+      <a:schemeClr val="lt1"/>
+    </dgm:txFillClrLst>
+    <dgm:txEffectClrLst/>
+  </dgm:styleLbl>
+  <dgm:styleLbl name="parChTrans2D3">
+    <dgm:fillClrLst meth="repeat">
+      <a:schemeClr val="accent1"/>
+    </dgm:fillClrLst>
+    <dgm:linClrLst meth="repeat">
+      <a:schemeClr val="accent1"/>
+    </dgm:linClrLst>
+    <dgm:effectClrLst/>
+    <dgm:txLinClrLst/>
+    <dgm:txFillClrLst meth="repeat">
+      <a:schemeClr val="lt1"/>
+    </dgm:txFillClrLst>
+    <dgm:txEffectClrLst/>
+  </dgm:styleLbl>
+  <dgm:styleLbl name="parChTrans2D4">
+    <dgm:fillClrLst meth="repeat">
+      <a:schemeClr val="accent1"/>
+    </dgm:fillClrLst>
+    <dgm:linClrLst meth="repeat">
+      <a:schemeClr val="accent1"/>
+    </dgm:linClrLst>
+    <dgm:effectClrLst/>
+    <dgm:txLinClrLst/>
+    <dgm:txFillClrLst meth="repeat">
+      <a:schemeClr val="lt1"/>
+    </dgm:txFillClrLst>
+    <dgm:txEffectClrLst/>
+  </dgm:styleLbl>
+  <dgm:styleLbl name="revTx">
+    <dgm:fillClrLst meth="repeat">
+      <a:schemeClr val="lt1">
+        <a:alpha val="0"/>
+      </a:schemeClr>
+    </dgm:fillClrLst>
+    <dgm:linClrLst meth="repeat">
+      <a:schemeClr val="dk1">
+        <a:alpha val="0"/>
+      </a:schemeClr>
+    </dgm:linClrLst>
+    <dgm:effectClrLst/>
+    <dgm:txLinClrLst/>
+    <dgm:txFillClrLst meth="repeat">
+      <a:schemeClr val="tx1"/>
+    </dgm:txFillClrLst>
+    <dgm:txEffectClrLst/>
+  </dgm:styleLbl>
+  <dgm:styleLbl name="sibTrans1D1">
+    <dgm:fillClrLst meth="repeat">
+      <a:schemeClr val="accent1"/>
+    </dgm:fillClrLst>
+    <dgm:linClrLst meth="repeat">
+      <a:schemeClr val="accent1"/>
+    </dgm:linClrLst>
+    <dgm:effectClrLst/>
+    <dgm:txLinClrLst/>
+    <dgm:txFillClrLst meth="repeat">
+      <a:schemeClr val="tx1"/>
+    </dgm:txFillClrLst>
+    <dgm:txEffectClrLst/>
+  </dgm:styleLbl>
+  <dgm:styleLbl name="sibTrans2D1">
+    <dgm:fillClrLst meth="repeat">
+      <a:schemeClr val="accent1">
+        <a:tint val="60000"/>
+      </a:schemeClr>
+    </dgm:fillClrLst>
+    <dgm:linClrLst meth="repeat">
+      <a:schemeClr val="accent1">
+        <a:tint val="60000"/>
+      </a:schemeClr>
+    </dgm:linClrLst>
+    <dgm:effectClrLst/>
+    <dgm:txLinClrLst/>
+    <dgm:txFillClrLst/>
+    <dgm:txEffectClrLst/>
+  </dgm:styleLbl>
+  <dgm:styleLbl name="solidAlignAcc1">
+    <dgm:fillClrLst meth="repeat">
+      <a:schemeClr val="lt1"/>
+    </dgm:fillClrLst>
+    <dgm:linClrLst meth="repeat">
+      <a:schemeClr val="accent1"/>
+    </dgm:linClrLst>
+    <dgm:effectClrLst/>
+    <dgm:txLinClrLst/>
+    <dgm:txFillClrLst meth="repeat">
+      <a:schemeClr val="dk1"/>
+    </dgm:txFillClrLst>
+    <dgm:txEffectClrLst/>
+  </dgm:styleLbl>
+  <dgm:styleLbl name="solidBgAcc1">
+    <dgm:fillClrLst meth="repeat">
+      <a:schemeClr val="lt1"/>
+    </dgm:fillClrLst>
+    <dgm:linClrLst meth="repeat">
+      <a:schemeClr val="accent1"/>
+    </dgm:linClrLst>
+    <dgm:effectClrLst/>
+    <dgm:txLinClrLst/>
+    <dgm:txFillClrLst meth="repeat">
+      <a:schemeClr val="dk1"/>
+    </dgm:txFillClrLst>
+    <dgm:txEffectClrLst/>
+  </dgm:styleLbl>
+  <dgm:styleLbl name="solidFgAcc1">
+    <dgm:fillClrLst meth="repeat">
+      <a:schemeClr val="lt1"/>
+    </dgm:fillClrLst>
+    <dgm:linClrLst meth="repeat">
+      <a:schemeClr val="accent1"/>
+    </dgm:linClrLst>
+    <dgm:effectClrLst/>
+    <dgm:txLinClrLst/>
+    <dgm:txFillClrLst meth="repeat">
+      <a:schemeClr val="dk1"/>
+    </dgm:txFillClrLst>
+    <dgm:txEffectClrLst/>
+  </dgm:styleLbl>
+  <dgm:styleLbl name="trAlignAcc1">
+    <dgm:fillClrLst meth="repeat">
+      <a:schemeClr val="lt1">
+        <a:alpha val="40000"/>
+      </a:schemeClr>
+    </dgm:fillClrLst>
+    <dgm:linClrLst meth="repeat">
+      <a:schemeClr val="accent1"/>
+    </dgm:linClrLst>
+    <dgm:effectClrLst/>
+    <dgm:txLinClrLst/>
+    <dgm:txFillClrLst meth="repeat">
+      <a:schemeClr val="dk1"/>
+    </dgm:txFillClrLst>
+    <dgm:txEffectClrLst/>
+  </dgm:styleLbl>
+  <dgm:styleLbl name="trBgShp">
+    <dgm:fillClrLst meth="repeat">
+      <a:schemeClr val="accent1">
+        <a:tint val="50000"/>
+        <a:alpha val="40000"/>
+      </a:schemeClr>
+    </dgm:fillClrLst>
+    <dgm:linClrLst meth="repeat">
+      <a:schemeClr val="accent1"/>
+    </dgm:linClrLst>
+    <dgm:effectClrLst/>
+    <dgm:txLinClrLst/>
+    <dgm:txFillClrLst meth="repeat">
+      <a:schemeClr val="lt1"/>
+    </dgm:txFillClrLst>
+    <dgm:txEffectClrLst/>
+  </dgm:styleLbl>
+  <dgm:styleLbl name="vennNode1">
+    <dgm:fillClrLst meth="repeat">
+      <a:schemeClr val="accent1">
+        <a:alpha val="50000"/>
+      </a:schemeClr>
+    </dgm:fillClrLst>
+    <dgm:linClrLst meth="repeat">
+      <a:schemeClr val="lt1"/>
+    </dgm:linClrLst>
+    <dgm:effectClrLst/>
+    <dgm:txLinClrLst/>
+    <dgm:txFillClrLst/>
+    <dgm:txEffectClrLst/>
+  </dgm:styleLbl>
+</dgm:colorsDef>
+</file>
+
+<file path=ppt/diagrams/colors3.xml><?xml version="1.0" encoding="utf-8"?>
 <dgm:colorsDef xmlns:dgm="http://schemas.openxmlformats.org/drawingml/2006/diagram" xmlns:a="http://schemas.openxmlformats.org/drawingml/2006/main" uniqueId="urn:microsoft.com/office/officeart/2005/8/colors/accent1_2">
   <dgm:title val=""/>
   <dgm:desc val=""/>
@@ -1512,6 +3004,465 @@
     <dgm:cxn modelId="{D9702C8D-40CF-47C8-B899-A6436D67698C}" type="presParOf" srcId="{754F4C32-447F-4E14-8ED3-35A922A043A5}" destId="{E8647766-AE1D-45F8-B3AB-5EEE3BDE8498}" srcOrd="3" destOrd="4" presId="urn:microsoft.com/office/officeart/2005/8/layout/hProcess4"/>
     <dgm:cxn modelId="{23A220B3-4C80-477B-B707-C99209532A75}" type="presOf" srcId="{89CF50F2-3EE8-4308-BA46-57745656A4AA}" destId="{E8647766-AE1D-45F8-B3AB-5EEE3BDE8498}" srcOrd="0" destOrd="0" presId="urn:microsoft.com/office/officeart/2005/8/layout/hProcess4"/>
     <dgm:cxn modelId="{AA039EB9-1198-4DF7-9503-A16D19FC4BE0}" type="presParOf" srcId="{754F4C32-447F-4E14-8ED3-35A922A043A5}" destId="{96D6127B-1D73-45CB-82BD-67878CD7892E}" srcOrd="4" destOrd="4" presId="urn:microsoft.com/office/officeart/2005/8/layout/hProcess4"/>
+  </dgm:cxnLst>
+  <dgm:bg/>
+  <dgm:whole/>
+  <dgm:extLst>
+    <a:ext uri="http://schemas.microsoft.com/office/drawing/2008/diagram">
+      <dsp:dataModelExt xmlns:dsp="http://schemas.microsoft.com/office/drawing/2008/diagram" relId="rId5" minVer="http://schemas.openxmlformats.org/drawingml/2006/diagram"/>
+    </a:ext>
+  </dgm:extLst>
+</dgm:dataModel>
+</file>
+
+<file path=ppt/diagrams/data2.xml><?xml version="1.0" encoding="utf-8"?>
+<dgm:dataModel xmlns:dgm="http://schemas.openxmlformats.org/drawingml/2006/diagram" xmlns:a="http://schemas.openxmlformats.org/drawingml/2006/main">
+  <dgm:ptLst>
+    <dgm:pt modelId="{6209D490-3832-48CE-88A7-42E5FEB0B799}" type="doc">
+      <dgm:prSet loTypeId="relationship" loCatId="relationship" qsTypeId="urn:microsoft.com/office/officeart/2005/8/quickstyle/simple1" qsCatId="simple" csTypeId="urn:microsoft.com/office/officeart/2005/8/colors/accent1_2" csCatId="accent1" phldr="0"/>
+      <dgm:spPr/>
+      <dgm:t>
+        <a:bodyPr/>
+        <a:p>
+          <a:endParaRPr lang="en-US"/>
+        </a:p>
+      </dgm:t>
+    </dgm:pt>
+    <dgm:pt modelId="{16FF3CD7-CD1B-43E7-ADA1-9BD0ABDE7453}">
+      <dgm:prSet phldrT="[Text]" phldr="0" custT="0">
+        <dgm:style>
+          <a:lnRef idx="2">
+            <a:schemeClr val="accent1"/>
+          </a:lnRef>
+          <a:fillRef idx="1">
+            <a:schemeClr val="lt1"/>
+          </a:fillRef>
+          <a:effectRef idx="0">
+            <a:schemeClr val="accent1"/>
+          </a:effectRef>
+          <a:fontRef idx="minor">
+            <a:schemeClr val="dk1"/>
+          </a:fontRef>
+        </dgm:style>
+      </dgm:prSet>
+      <dgm:spPr/>
+      <dgm:t>
+        <a:bodyPr vert="horz" wrap="square"/>
+        <a:p>
+          <a:pPr>
+            <a:lnSpc>
+              <a:spcPct val="100000"/>
+            </a:lnSpc>
+            <a:spcBef>
+              <a:spcPct val="0"/>
+            </a:spcBef>
+            <a:spcAft>
+              <a:spcPct val="35000"/>
+            </a:spcAft>
+          </a:pPr>
+          <a:r>
+            <a:rPr lang="en-US" altLang="en-US"/>
+            <a:t>Motivasi Menghafal Alquran</a:t>
+          </a:r>
+          <a:endParaRPr lang="en-US" altLang="en-US"/>
+        </a:p>
+      </dgm:t>
+    </dgm:pt>
+    <dgm:pt modelId="{01158443-6035-4DDC-8D78-2B6A8E21AFAE}" cxnId="{70AC44BA-53BF-465F-85DB-F21E2D00250B}" type="parTrans">
+      <dgm:prSet/>
+      <dgm:spPr/>
+      <dgm:t>
+        <a:bodyPr/>
+        <a:p>
+          <a:endParaRPr lang="en-US"/>
+        </a:p>
+      </dgm:t>
+    </dgm:pt>
+    <dgm:pt modelId="{085E6240-A1E5-44C7-807D-136724990C00}" cxnId="{70AC44BA-53BF-465F-85DB-F21E2D00250B}" type="sibTrans">
+      <dgm:prSet/>
+      <dgm:spPr/>
+      <dgm:t>
+        <a:bodyPr/>
+        <a:p>
+          <a:endParaRPr lang="en-US"/>
+        </a:p>
+      </dgm:t>
+    </dgm:pt>
+    <dgm:pt modelId="{5CC2ECAC-253E-42C2-B5D0-20CB09C9A6EC}">
+      <dgm:prSet phldrT="[Text]" phldr="0" custT="0"/>
+      <dgm:spPr/>
+      <dgm:t>
+        <a:bodyPr vert="horz" wrap="square"/>
+        <a:p>
+          <a:pPr>
+            <a:lnSpc>
+              <a:spcPct val="100000"/>
+            </a:lnSpc>
+            <a:spcBef>
+              <a:spcPct val="0"/>
+            </a:spcBef>
+            <a:spcAft>
+              <a:spcPct val="35000"/>
+            </a:spcAft>
+          </a:pPr>
+          <a:r>
+            <a:rPr lang="en-US" altLang="en-US"/>
+            <a:t>Efikasi Diri</a:t>
+          </a:r>
+          <a:r>
+            <a:rPr lang="en-US" altLang="en-US"/>
+            <a:t/>
+          </a:r>
+          <a:endParaRPr lang="en-US" altLang="en-US"/>
+        </a:p>
+      </dgm:t>
+    </dgm:pt>
+    <dgm:pt modelId="{90C79B6F-D96D-450C-AB20-256538E1E0BC}" cxnId="{B18C35DD-ACA6-466E-9563-45D060CBDFF2}" type="parTrans">
+      <dgm:prSet/>
+      <dgm:spPr/>
+      <dgm:t>
+        <a:bodyPr/>
+        <a:p>
+          <a:endParaRPr lang="en-US"/>
+        </a:p>
+      </dgm:t>
+    </dgm:pt>
+    <dgm:pt modelId="{9FB5889C-CAAC-46F2-80F6-BAD8969188A0}" cxnId="{B18C35DD-ACA6-466E-9563-45D060CBDFF2}" type="sibTrans">
+      <dgm:prSet/>
+      <dgm:spPr/>
+      <dgm:t>
+        <a:bodyPr/>
+        <a:p>
+          <a:endParaRPr lang="en-US"/>
+        </a:p>
+      </dgm:t>
+    </dgm:pt>
+    <dgm:pt modelId="{99613576-2E0D-4362-84C0-CA41C5EA901B}">
+      <dgm:prSet phldrT="[Text]" phldr="0" custT="0"/>
+      <dgm:spPr/>
+      <dgm:t>
+        <a:bodyPr vert="horz" wrap="square"/>
+        <a:p>
+          <a:pPr>
+            <a:lnSpc>
+              <a:spcPct val="100000"/>
+            </a:lnSpc>
+            <a:spcBef>
+              <a:spcPct val="0"/>
+            </a:spcBef>
+            <a:spcAft>
+              <a:spcPct val="35000"/>
+            </a:spcAft>
+          </a:pPr>
+          <a:r>
+            <a:rPr lang="en-US" altLang="en-US"/>
+            <a:t>Dukungan Guru Tahfidz</a:t>
+          </a:r>
+          <a:r>
+            <a:rPr lang="en-US"/>
+            <a:t/>
+          </a:r>
+          <a:endParaRPr lang="en-US"/>
+        </a:p>
+      </dgm:t>
+    </dgm:pt>
+    <dgm:pt modelId="{63D1C447-44DA-450E-B12D-CF7C3124E0A1}" cxnId="{AAD92D83-8307-4993-8220-1390AF00ABE4}" type="parTrans">
+      <dgm:prSet/>
+      <dgm:spPr/>
+      <dgm:t>
+        <a:bodyPr/>
+        <a:p>
+          <a:endParaRPr lang="en-US"/>
+        </a:p>
+      </dgm:t>
+    </dgm:pt>
+    <dgm:pt modelId="{6A71915A-BF48-4D8D-8C0E-4E1DBCD20CF6}" cxnId="{AAD92D83-8307-4993-8220-1390AF00ABE4}" type="sibTrans">
+      <dgm:prSet/>
+      <dgm:spPr/>
+      <dgm:t>
+        <a:bodyPr/>
+        <a:p>
+          <a:endParaRPr lang="en-US"/>
+        </a:p>
+      </dgm:t>
+    </dgm:pt>
+    <dgm:pt modelId="{9CFDD5FC-64EC-4695-9D01-AB259C7EF765}" type="pres">
+      <dgm:prSet presAssocID="{6209D490-3832-48CE-88A7-42E5FEB0B799}" presName="Name0" presStyleCnt="0">
+        <dgm:presLayoutVars>
+          <dgm:dir/>
+          <dgm:resizeHandles val="exact"/>
+        </dgm:presLayoutVars>
+      </dgm:prSet>
+      <dgm:spPr/>
+    </dgm:pt>
+    <dgm:pt modelId="{8E4F30A2-E450-4441-8E45-11147C0B499F}" type="pres">
+      <dgm:prSet presAssocID="{16FF3CD7-CD1B-43E7-ADA1-9BD0ABDE7453}" presName="Name5" presStyleLbl="vennNode1" presStyleIdx="0" presStyleCnt="3">
+        <dgm:presLayoutVars>
+          <dgm:bulletEnabled val="1"/>
+        </dgm:presLayoutVars>
+      </dgm:prSet>
+      <dgm:spPr/>
+    </dgm:pt>
+    <dgm:pt modelId="{2892F083-0B2C-4BE7-8AEE-D4B569043045}" type="pres">
+      <dgm:prSet presAssocID="{085E6240-A1E5-44C7-807D-136724990C00}" presName="space" presStyleCnt="0"/>
+      <dgm:spPr/>
+    </dgm:pt>
+    <dgm:pt modelId="{CC430880-FF16-4657-B783-1E97645B6A49}" type="pres">
+      <dgm:prSet presAssocID="{5CC2ECAC-253E-42C2-B5D0-20CB09C9A6EC}" presName="Name5" presStyleLbl="vennNode1" presStyleIdx="1" presStyleCnt="3">
+        <dgm:presLayoutVars>
+          <dgm:bulletEnabled val="1"/>
+        </dgm:presLayoutVars>
+      </dgm:prSet>
+      <dgm:spPr/>
+    </dgm:pt>
+    <dgm:pt modelId="{C7143304-535F-4D7E-BA7A-124DAAEF68F4}" type="pres">
+      <dgm:prSet presAssocID="{9FB5889C-CAAC-46F2-80F6-BAD8969188A0}" presName="space" presStyleCnt="0"/>
+      <dgm:spPr/>
+    </dgm:pt>
+    <dgm:pt modelId="{9AA6D961-60F7-4B6F-9220-259600B8DE7B}" type="pres">
+      <dgm:prSet presAssocID="{99613576-2E0D-4362-84C0-CA41C5EA901B}" presName="Name5" presStyleLbl="vennNode1" presStyleIdx="2" presStyleCnt="3">
+        <dgm:presLayoutVars>
+          <dgm:bulletEnabled val="1"/>
+        </dgm:presLayoutVars>
+      </dgm:prSet>
+      <dgm:spPr/>
+    </dgm:pt>
+  </dgm:ptLst>
+  <dgm:cxnLst>
+    <dgm:cxn modelId="{70AC44BA-53BF-465F-85DB-F21E2D00250B}" srcId="{6209D490-3832-48CE-88A7-42E5FEB0B799}" destId="{16FF3CD7-CD1B-43E7-ADA1-9BD0ABDE7453}" srcOrd="0" destOrd="0" parTransId="{01158443-6035-4DDC-8D78-2B6A8E21AFAE}" sibTransId="{085E6240-A1E5-44C7-807D-136724990C00}"/>
+    <dgm:cxn modelId="{B18C35DD-ACA6-466E-9563-45D060CBDFF2}" srcId="{6209D490-3832-48CE-88A7-42E5FEB0B799}" destId="{5CC2ECAC-253E-42C2-B5D0-20CB09C9A6EC}" srcOrd="1" destOrd="0" parTransId="{90C79B6F-D96D-450C-AB20-256538E1E0BC}" sibTransId="{9FB5889C-CAAC-46F2-80F6-BAD8969188A0}"/>
+    <dgm:cxn modelId="{AAD92D83-8307-4993-8220-1390AF00ABE4}" srcId="{6209D490-3832-48CE-88A7-42E5FEB0B799}" destId="{99613576-2E0D-4362-84C0-CA41C5EA901B}" srcOrd="2" destOrd="0" parTransId="{63D1C447-44DA-450E-B12D-CF7C3124E0A1}" sibTransId="{6A71915A-BF48-4D8D-8C0E-4E1DBCD20CF6}"/>
+    <dgm:cxn modelId="{BF2DBDF4-C08B-4075-A82B-E492B71D60CF}" type="presOf" srcId="{6209D490-3832-48CE-88A7-42E5FEB0B799}" destId="{9CFDD5FC-64EC-4695-9D01-AB259C7EF765}" srcOrd="0" destOrd="0" presId="urn:microsoft.com/office/officeart/2005/8/layout/venn3"/>
+    <dgm:cxn modelId="{8EF4EEE0-92F9-44CA-8056-78E98A58FC65}" type="presParOf" srcId="{9CFDD5FC-64EC-4695-9D01-AB259C7EF765}" destId="{8E4F30A2-E450-4441-8E45-11147C0B499F}" srcOrd="0" destOrd="0" presId="urn:microsoft.com/office/officeart/2005/8/layout/venn3"/>
+    <dgm:cxn modelId="{7761B706-F670-4D23-9D19-C9B95CBDCC97}" type="presOf" srcId="{16FF3CD7-CD1B-43E7-ADA1-9BD0ABDE7453}" destId="{8E4F30A2-E450-4441-8E45-11147C0B499F}" srcOrd="0" destOrd="0" presId="urn:microsoft.com/office/officeart/2005/8/layout/venn3"/>
+    <dgm:cxn modelId="{2F80E084-3463-42FC-B588-6A982B52BE8F}" type="presParOf" srcId="{9CFDD5FC-64EC-4695-9D01-AB259C7EF765}" destId="{2892F083-0B2C-4BE7-8AEE-D4B569043045}" srcOrd="1" destOrd="0" presId="urn:microsoft.com/office/officeart/2005/8/layout/venn3"/>
+    <dgm:cxn modelId="{765F5E82-61EE-40D0-A01A-DB8F5B67E986}" type="presParOf" srcId="{9CFDD5FC-64EC-4695-9D01-AB259C7EF765}" destId="{CC430880-FF16-4657-B783-1E97645B6A49}" srcOrd="2" destOrd="0" presId="urn:microsoft.com/office/officeart/2005/8/layout/venn3"/>
+    <dgm:cxn modelId="{4694DFAC-C17D-418D-906B-A006D53599E3}" type="presOf" srcId="{5CC2ECAC-253E-42C2-B5D0-20CB09C9A6EC}" destId="{CC430880-FF16-4657-B783-1E97645B6A49}" srcOrd="0" destOrd="0" presId="urn:microsoft.com/office/officeart/2005/8/layout/venn3"/>
+    <dgm:cxn modelId="{3D792B4A-E0F3-405F-912A-2BF1ECF4EA6D}" type="presParOf" srcId="{9CFDD5FC-64EC-4695-9D01-AB259C7EF765}" destId="{C7143304-535F-4D7E-BA7A-124DAAEF68F4}" srcOrd="3" destOrd="0" presId="urn:microsoft.com/office/officeart/2005/8/layout/venn3"/>
+    <dgm:cxn modelId="{D7E91885-54DD-497F-BE96-F3644D8F8867}" type="presParOf" srcId="{9CFDD5FC-64EC-4695-9D01-AB259C7EF765}" destId="{9AA6D961-60F7-4B6F-9220-259600B8DE7B}" srcOrd="4" destOrd="0" presId="urn:microsoft.com/office/officeart/2005/8/layout/venn3"/>
+    <dgm:cxn modelId="{CA505333-66F9-4FBA-AFA4-484D047FB617}" type="presOf" srcId="{99613576-2E0D-4362-84C0-CA41C5EA901B}" destId="{9AA6D961-60F7-4B6F-9220-259600B8DE7B}" srcOrd="0" destOrd="0" presId="urn:microsoft.com/office/officeart/2005/8/layout/venn3"/>
+  </dgm:cxnLst>
+  <dgm:bg/>
+  <dgm:whole/>
+  <dgm:extLst>
+    <a:ext uri="http://schemas.microsoft.com/office/drawing/2008/diagram">
+      <dsp:dataModelExt xmlns:dsp="http://schemas.microsoft.com/office/drawing/2008/diagram" relId="rId5" minVer="http://schemas.openxmlformats.org/drawingml/2006/diagram"/>
+    </a:ext>
+  </dgm:extLst>
+</dgm:dataModel>
+</file>
+
+<file path=ppt/diagrams/data3.xml><?xml version="1.0" encoding="utf-8"?>
+<dgm:dataModel xmlns:dgm="http://schemas.openxmlformats.org/drawingml/2006/diagram" xmlns:a="http://schemas.openxmlformats.org/drawingml/2006/main">
+  <dgm:ptLst>
+    <dgm:pt modelId="{6209D490-3832-48CE-88A7-42E5FEB0B799}" type="doc">
+      <dgm:prSet loTypeId="relationship" loCatId="relationship" qsTypeId="urn:microsoft.com/office/officeart/2005/8/quickstyle/simple1" qsCatId="simple" csTypeId="urn:microsoft.com/office/officeart/2005/8/colors/accent1_2" csCatId="accent1" phldr="0"/>
+      <dgm:spPr/>
+      <dgm:t>
+        <a:bodyPr/>
+        <a:p>
+          <a:endParaRPr lang="en-US"/>
+        </a:p>
+      </dgm:t>
+    </dgm:pt>
+    <dgm:pt modelId="{16FF3CD7-CD1B-43E7-ADA1-9BD0ABDE7453}">
+      <dgm:prSet phldrT="[Text]" phldr="0" custT="0"/>
+      <dgm:spPr/>
+      <dgm:t>
+        <a:bodyPr vert="horz" wrap="square"/>
+        <a:p>
+          <a:pPr>
+            <a:lnSpc>
+              <a:spcPct val="100000"/>
+            </a:lnSpc>
+            <a:spcBef>
+              <a:spcPct val="0"/>
+            </a:spcBef>
+            <a:spcAft>
+              <a:spcPct val="35000"/>
+            </a:spcAft>
+          </a:pPr>
+          <a:r>
+            <a:rPr lang="" altLang="en-US"/>
+            <a:t>Motivasi Menghafal Alquran</a:t>
+          </a:r>
+          <a:endParaRPr lang="" altLang="en-US"/>
+        </a:p>
+      </dgm:t>
+    </dgm:pt>
+    <dgm:pt modelId="{01158443-6035-4DDC-8D78-2B6A8E21AFAE}" cxnId="{70AC44BA-53BF-465F-85DB-F21E2D00250B}" type="parTrans">
+      <dgm:prSet/>
+      <dgm:spPr/>
+      <dgm:t>
+        <a:bodyPr/>
+        <a:p>
+          <a:endParaRPr lang="en-US"/>
+        </a:p>
+      </dgm:t>
+    </dgm:pt>
+    <dgm:pt modelId="{085E6240-A1E5-44C7-807D-136724990C00}" cxnId="{70AC44BA-53BF-465F-85DB-F21E2D00250B}" type="sibTrans">
+      <dgm:prSet/>
+      <dgm:spPr/>
+      <dgm:t>
+        <a:bodyPr/>
+        <a:p>
+          <a:endParaRPr lang="en-US"/>
+        </a:p>
+      </dgm:t>
+    </dgm:pt>
+    <dgm:pt modelId="{5CC2ECAC-253E-42C2-B5D0-20CB09C9A6EC}">
+      <dgm:prSet phldrT="[Text]" phldr="0" custT="0"/>
+      <dgm:spPr/>
+      <dgm:t>
+        <a:bodyPr vert="horz" wrap="square"/>
+        <a:p>
+          <a:pPr>
+            <a:lnSpc>
+              <a:spcPct val="100000"/>
+            </a:lnSpc>
+            <a:spcBef>
+              <a:spcPct val="0"/>
+            </a:spcBef>
+            <a:spcAft>
+              <a:spcPct val="35000"/>
+            </a:spcAft>
+          </a:pPr>
+          <a:r>
+            <a:rPr lang="" altLang="en-US"/>
+            <a:t>Efikasi Diri</a:t>
+          </a:r>
+          <a:r>
+            <a:rPr lang="" altLang="en-US"/>
+            <a:t/>
+          </a:r>
+          <a:endParaRPr lang="" altLang="en-US"/>
+        </a:p>
+      </dgm:t>
+    </dgm:pt>
+    <dgm:pt modelId="{90C79B6F-D96D-450C-AB20-256538E1E0BC}" cxnId="{B18C35DD-ACA6-466E-9563-45D060CBDFF2}" type="parTrans">
+      <dgm:prSet/>
+      <dgm:spPr/>
+      <dgm:t>
+        <a:bodyPr/>
+        <a:p>
+          <a:endParaRPr lang="en-US"/>
+        </a:p>
+      </dgm:t>
+    </dgm:pt>
+    <dgm:pt modelId="{9FB5889C-CAAC-46F2-80F6-BAD8969188A0}" cxnId="{B18C35DD-ACA6-466E-9563-45D060CBDFF2}" type="sibTrans">
+      <dgm:prSet/>
+      <dgm:spPr/>
+      <dgm:t>
+        <a:bodyPr/>
+        <a:p>
+          <a:endParaRPr lang="en-US"/>
+        </a:p>
+      </dgm:t>
+    </dgm:pt>
+    <dgm:pt modelId="{99613576-2E0D-4362-84C0-CA41C5EA901B}">
+      <dgm:prSet phldrT="[Text]" phldr="0" custT="0"/>
+      <dgm:spPr/>
+      <dgm:t>
+        <a:bodyPr vert="horz" wrap="square"/>
+        <a:p>
+          <a:pPr>
+            <a:lnSpc>
+              <a:spcPct val="100000"/>
+            </a:lnSpc>
+            <a:spcBef>
+              <a:spcPct val="0"/>
+            </a:spcBef>
+            <a:spcAft>
+              <a:spcPct val="35000"/>
+            </a:spcAft>
+          </a:pPr>
+          <a:r>
+            <a:rPr lang="" altLang="en-US"/>
+            <a:t>Dukungan Guru Tahfidz</a:t>
+          </a:r>
+          <a:r>
+            <a:rPr lang="en-US"/>
+            <a:t/>
+          </a:r>
+          <a:endParaRPr lang="en-US"/>
+        </a:p>
+      </dgm:t>
+    </dgm:pt>
+    <dgm:pt modelId="{63D1C447-44DA-450E-B12D-CF7C3124E0A1}" cxnId="{AAD92D83-8307-4993-8220-1390AF00ABE4}" type="parTrans">
+      <dgm:prSet/>
+      <dgm:spPr/>
+      <dgm:t>
+        <a:bodyPr/>
+        <a:p>
+          <a:endParaRPr lang="en-US"/>
+        </a:p>
+      </dgm:t>
+    </dgm:pt>
+    <dgm:pt modelId="{6A71915A-BF48-4D8D-8C0E-4E1DBCD20CF6}" cxnId="{AAD92D83-8307-4993-8220-1390AF00ABE4}" type="sibTrans">
+      <dgm:prSet/>
+      <dgm:spPr/>
+      <dgm:t>
+        <a:bodyPr/>
+        <a:p>
+          <a:endParaRPr lang="en-US"/>
+        </a:p>
+      </dgm:t>
+    </dgm:pt>
+    <dgm:pt modelId="{9CFDD5FC-64EC-4695-9D01-AB259C7EF765}" type="pres">
+      <dgm:prSet presAssocID="{6209D490-3832-48CE-88A7-42E5FEB0B799}" presName="Name0" presStyleCnt="0">
+        <dgm:presLayoutVars>
+          <dgm:dir/>
+          <dgm:resizeHandles val="exact"/>
+        </dgm:presLayoutVars>
+      </dgm:prSet>
+      <dgm:spPr/>
+    </dgm:pt>
+    <dgm:pt modelId="{8E4F30A2-E450-4441-8E45-11147C0B499F}" type="pres">
+      <dgm:prSet presAssocID="{16FF3CD7-CD1B-43E7-ADA1-9BD0ABDE7453}" presName="Name5" presStyleLbl="vennNode1" presStyleIdx="0" presStyleCnt="3">
+        <dgm:presLayoutVars>
+          <dgm:bulletEnabled val="1"/>
+        </dgm:presLayoutVars>
+      </dgm:prSet>
+      <dgm:spPr/>
+    </dgm:pt>
+    <dgm:pt modelId="{2892F083-0B2C-4BE7-8AEE-D4B569043045}" type="pres">
+      <dgm:prSet presAssocID="{085E6240-A1E5-44C7-807D-136724990C00}" presName="space" presStyleCnt="0"/>
+      <dgm:spPr/>
+    </dgm:pt>
+    <dgm:pt modelId="{CC430880-FF16-4657-B783-1E97645B6A49}" type="pres">
+      <dgm:prSet presAssocID="{5CC2ECAC-253E-42C2-B5D0-20CB09C9A6EC}" presName="Name5" presStyleLbl="vennNode1" presStyleIdx="1" presStyleCnt="3">
+        <dgm:presLayoutVars>
+          <dgm:bulletEnabled val="1"/>
+        </dgm:presLayoutVars>
+      </dgm:prSet>
+      <dgm:spPr/>
+    </dgm:pt>
+    <dgm:pt modelId="{C7143304-535F-4D7E-BA7A-124DAAEF68F4}" type="pres">
+      <dgm:prSet presAssocID="{9FB5889C-CAAC-46F2-80F6-BAD8969188A0}" presName="space" presStyleCnt="0"/>
+      <dgm:spPr/>
+    </dgm:pt>
+    <dgm:pt modelId="{9AA6D961-60F7-4B6F-9220-259600B8DE7B}" type="pres">
+      <dgm:prSet presAssocID="{99613576-2E0D-4362-84C0-CA41C5EA901B}" presName="Name5" presStyleLbl="vennNode1" presStyleIdx="2" presStyleCnt="3">
+        <dgm:presLayoutVars>
+          <dgm:bulletEnabled val="1"/>
+        </dgm:presLayoutVars>
+      </dgm:prSet>
+      <dgm:spPr/>
+    </dgm:pt>
+  </dgm:ptLst>
+  <dgm:cxnLst>
+    <dgm:cxn modelId="{70AC44BA-53BF-465F-85DB-F21E2D00250B}" srcId="{6209D490-3832-48CE-88A7-42E5FEB0B799}" destId="{16FF3CD7-CD1B-43E7-ADA1-9BD0ABDE7453}" srcOrd="0" destOrd="0" parTransId="{01158443-6035-4DDC-8D78-2B6A8E21AFAE}" sibTransId="{085E6240-A1E5-44C7-807D-136724990C00}"/>
+    <dgm:cxn modelId="{B18C35DD-ACA6-466E-9563-45D060CBDFF2}" srcId="{6209D490-3832-48CE-88A7-42E5FEB0B799}" destId="{5CC2ECAC-253E-42C2-B5D0-20CB09C9A6EC}" srcOrd="1" destOrd="0" parTransId="{90C79B6F-D96D-450C-AB20-256538E1E0BC}" sibTransId="{9FB5889C-CAAC-46F2-80F6-BAD8969188A0}"/>
+    <dgm:cxn modelId="{AAD92D83-8307-4993-8220-1390AF00ABE4}" srcId="{6209D490-3832-48CE-88A7-42E5FEB0B799}" destId="{99613576-2E0D-4362-84C0-CA41C5EA901B}" srcOrd="2" destOrd="0" parTransId="{63D1C447-44DA-450E-B12D-CF7C3124E0A1}" sibTransId="{6A71915A-BF48-4D8D-8C0E-4E1DBCD20CF6}"/>
+    <dgm:cxn modelId="{BF2DBDF4-C08B-4075-A82B-E492B71D60CF}" type="presOf" srcId="{6209D490-3832-48CE-88A7-42E5FEB0B799}" destId="{9CFDD5FC-64EC-4695-9D01-AB259C7EF765}" srcOrd="0" destOrd="0" presId="urn:microsoft.com/office/officeart/2005/8/layout/venn3"/>
+    <dgm:cxn modelId="{8EF4EEE0-92F9-44CA-8056-78E98A58FC65}" type="presParOf" srcId="{9CFDD5FC-64EC-4695-9D01-AB259C7EF765}" destId="{8E4F30A2-E450-4441-8E45-11147C0B499F}" srcOrd="0" destOrd="0" presId="urn:microsoft.com/office/officeart/2005/8/layout/venn3"/>
+    <dgm:cxn modelId="{7761B706-F670-4D23-9D19-C9B95CBDCC97}" type="presOf" srcId="{16FF3CD7-CD1B-43E7-ADA1-9BD0ABDE7453}" destId="{8E4F30A2-E450-4441-8E45-11147C0B499F}" srcOrd="0" destOrd="0" presId="urn:microsoft.com/office/officeart/2005/8/layout/venn3"/>
+    <dgm:cxn modelId="{2F80E084-3463-42FC-B588-6A982B52BE8F}" type="presParOf" srcId="{9CFDD5FC-64EC-4695-9D01-AB259C7EF765}" destId="{2892F083-0B2C-4BE7-8AEE-D4B569043045}" srcOrd="1" destOrd="0" presId="urn:microsoft.com/office/officeart/2005/8/layout/venn3"/>
+    <dgm:cxn modelId="{765F5E82-61EE-40D0-A01A-DB8F5B67E986}" type="presParOf" srcId="{9CFDD5FC-64EC-4695-9D01-AB259C7EF765}" destId="{CC430880-FF16-4657-B783-1E97645B6A49}" srcOrd="2" destOrd="0" presId="urn:microsoft.com/office/officeart/2005/8/layout/venn3"/>
+    <dgm:cxn modelId="{4694DFAC-C17D-418D-906B-A006D53599E3}" type="presOf" srcId="{5CC2ECAC-253E-42C2-B5D0-20CB09C9A6EC}" destId="{CC430880-FF16-4657-B783-1E97645B6A49}" srcOrd="0" destOrd="0" presId="urn:microsoft.com/office/officeart/2005/8/layout/venn3"/>
+    <dgm:cxn modelId="{3D792B4A-E0F3-405F-912A-2BF1ECF4EA6D}" type="presParOf" srcId="{9CFDD5FC-64EC-4695-9D01-AB259C7EF765}" destId="{C7143304-535F-4D7E-BA7A-124DAAEF68F4}" srcOrd="3" destOrd="0" presId="urn:microsoft.com/office/officeart/2005/8/layout/venn3"/>
+    <dgm:cxn modelId="{D7E91885-54DD-497F-BE96-F3644D8F8867}" type="presParOf" srcId="{9CFDD5FC-64EC-4695-9D01-AB259C7EF765}" destId="{9AA6D961-60F7-4B6F-9220-259600B8DE7B}" srcOrd="4" destOrd="0" presId="urn:microsoft.com/office/officeart/2005/8/layout/venn3"/>
+    <dgm:cxn modelId="{CA505333-66F9-4FBA-AFA4-484D047FB617}" type="presOf" srcId="{99613576-2E0D-4362-84C0-CA41C5EA901B}" destId="{9AA6D961-60F7-4B6F-9220-259600B8DE7B}" srcOrd="0" destOrd="0" presId="urn:microsoft.com/office/officeart/2005/8/layout/venn3"/>
   </dgm:cxnLst>
   <dgm:bg/>
   <dgm:whole/>
@@ -2330,6 +4281,554 @@
 </dsp:drawing>
 </file>
 
+<file path=ppt/diagrams/drawing2.xml><?xml version="1.0" encoding="utf-8"?>
+<dsp:drawing xmlns:dgm="http://schemas.openxmlformats.org/drawingml/2006/diagram" xmlns:dsp="http://schemas.microsoft.com/office/drawing/2008/diagram" xmlns:a="http://schemas.openxmlformats.org/drawingml/2006/main" xmlns:r="http://schemas.openxmlformats.org/officeDocument/2006/relationships">
+  <dsp:spTree>
+    <dsp:nvGrpSpPr>
+      <dsp:cNvPr id="2" name="Group 1"/>
+      <dsp:cNvGrpSpPr/>
+    </dsp:nvGrpSpPr>
+    <dsp:grpSpPr>
+      <a:xfrm>
+        <a:off x="0" y="0"/>
+        <a:ext cx="4138295" cy="2759710"/>
+        <a:chOff x="0" y="0"/>
+        <a:chExt cx="4138295" cy="2759710"/>
+      </a:xfrm>
+    </dsp:grpSpPr>
+    <dsp:sp modelId="{8E4F30A2-E450-4441-8E45-11147C0B499F}">
+      <dsp:nvSpPr>
+        <dsp:cNvPr id="3" name="Oval 2"/>
+        <dsp:cNvSpPr/>
+      </dsp:nvSpPr>
+      <dsp:spPr bwMode="white">
+        <a:xfrm>
+          <a:off x="0" y="584029"/>
+          <a:ext cx="1591652" cy="1591652"/>
+        </a:xfrm>
+        <a:prstGeom prst="ellipse">
+          <a:avLst/>
+        </a:prstGeom>
+      </dsp:spPr>
+      <dsp:style>
+        <a:lnRef idx="2">
+          <a:schemeClr val="lt1"/>
+        </a:lnRef>
+        <a:fillRef idx="1">
+          <a:schemeClr val="accent1">
+            <a:alpha val="50000"/>
+          </a:schemeClr>
+        </a:fillRef>
+        <a:effectRef idx="0">
+          <a:scrgbClr r="0" g="0" b="0"/>
+        </a:effectRef>
+        <a:fontRef idx="minor">
+          <a:schemeClr val="tx1"/>
+        </a:fontRef>
+      </dsp:style>
+      <dsp:txBody>
+        <a:bodyPr vert="horz" wrap="square" lIns="87593" tIns="20320" rIns="87593" bIns="20320" anchor="ctr"/>
+        <a:lstStyle>
+          <a:lvl1pPr algn="ctr">
+            <a:defRPr sz="1600"/>
+          </a:lvl1pPr>
+          <a:lvl2pPr marL="114300" indent="-114300" algn="ctr">
+            <a:defRPr sz="1200"/>
+          </a:lvl2pPr>
+          <a:lvl3pPr marL="228600" indent="-114300" algn="ctr">
+            <a:defRPr sz="1200"/>
+          </a:lvl3pPr>
+          <a:lvl4pPr marL="342900" indent="-114300" algn="ctr">
+            <a:defRPr sz="1200"/>
+          </a:lvl4pPr>
+          <a:lvl5pPr marL="457200" indent="-114300" algn="ctr">
+            <a:defRPr sz="1200"/>
+          </a:lvl5pPr>
+          <a:lvl6pPr marL="571500" indent="-114300" algn="ctr">
+            <a:defRPr sz="1200"/>
+          </a:lvl6pPr>
+          <a:lvl7pPr marL="685800" indent="-114300" algn="ctr">
+            <a:defRPr sz="1200"/>
+          </a:lvl7pPr>
+          <a:lvl8pPr marL="800100" indent="-114300" algn="ctr">
+            <a:defRPr sz="1200"/>
+          </a:lvl8pPr>
+          <a:lvl9pPr marL="914400" indent="-114300" algn="ctr">
+            <a:defRPr sz="1200"/>
+          </a:lvl9pPr>
+        </a:lstStyle>
+        <a:p>
+          <a:pPr lvl="0">
+            <a:lnSpc>
+              <a:spcPct val="100000"/>
+            </a:lnSpc>
+            <a:spcBef>
+              <a:spcPct val="0"/>
+            </a:spcBef>
+            <a:spcAft>
+              <a:spcPct val="35000"/>
+            </a:spcAft>
+          </a:pPr>
+          <a:r>
+            <a:rPr lang="" altLang="en-US"/>
+            <a:t>Motivasi Menghafal Alquran</a:t>
+          </a:r>
+          <a:endParaRPr lang="" altLang="en-US"/>
+        </a:p>
+      </dsp:txBody>
+      <dsp:txXfrm>
+        <a:off x="0" y="584029"/>
+        <a:ext cx="1591652" cy="1591652"/>
+      </dsp:txXfrm>
+    </dsp:sp>
+    <dsp:sp modelId="{CC430880-FF16-4657-B783-1E97645B6A49}">
+      <dsp:nvSpPr>
+        <dsp:cNvPr id="4" name="Oval 3"/>
+        <dsp:cNvSpPr/>
+      </dsp:nvSpPr>
+      <dsp:spPr bwMode="white">
+        <a:xfrm>
+          <a:off x="1273322" y="584029"/>
+          <a:ext cx="1591652" cy="1591652"/>
+        </a:xfrm>
+        <a:prstGeom prst="ellipse">
+          <a:avLst/>
+        </a:prstGeom>
+      </dsp:spPr>
+      <dsp:style>
+        <a:lnRef idx="2">
+          <a:schemeClr val="lt1"/>
+        </a:lnRef>
+        <a:fillRef idx="1">
+          <a:schemeClr val="accent1">
+            <a:alpha val="50000"/>
+          </a:schemeClr>
+        </a:fillRef>
+        <a:effectRef idx="0">
+          <a:scrgbClr r="0" g="0" b="0"/>
+        </a:effectRef>
+        <a:fontRef idx="minor">
+          <a:schemeClr val="tx1"/>
+        </a:fontRef>
+      </dsp:style>
+      <dsp:txBody>
+        <a:bodyPr vert="horz" wrap="square" lIns="87593" tIns="20320" rIns="87593" bIns="20320" anchor="ctr"/>
+        <a:lstStyle>
+          <a:lvl1pPr algn="ctr">
+            <a:defRPr sz="1600"/>
+          </a:lvl1pPr>
+          <a:lvl2pPr marL="114300" indent="-114300" algn="ctr">
+            <a:defRPr sz="1200"/>
+          </a:lvl2pPr>
+          <a:lvl3pPr marL="228600" indent="-114300" algn="ctr">
+            <a:defRPr sz="1200"/>
+          </a:lvl3pPr>
+          <a:lvl4pPr marL="342900" indent="-114300" algn="ctr">
+            <a:defRPr sz="1200"/>
+          </a:lvl4pPr>
+          <a:lvl5pPr marL="457200" indent="-114300" algn="ctr">
+            <a:defRPr sz="1200"/>
+          </a:lvl5pPr>
+          <a:lvl6pPr marL="571500" indent="-114300" algn="ctr">
+            <a:defRPr sz="1200"/>
+          </a:lvl6pPr>
+          <a:lvl7pPr marL="685800" indent="-114300" algn="ctr">
+            <a:defRPr sz="1200"/>
+          </a:lvl7pPr>
+          <a:lvl8pPr marL="800100" indent="-114300" algn="ctr">
+            <a:defRPr sz="1200"/>
+          </a:lvl8pPr>
+          <a:lvl9pPr marL="914400" indent="-114300" algn="ctr">
+            <a:defRPr sz="1200"/>
+          </a:lvl9pPr>
+        </a:lstStyle>
+        <a:p>
+          <a:pPr lvl="0">
+            <a:lnSpc>
+              <a:spcPct val="100000"/>
+            </a:lnSpc>
+            <a:spcBef>
+              <a:spcPct val="0"/>
+            </a:spcBef>
+            <a:spcAft>
+              <a:spcPct val="35000"/>
+            </a:spcAft>
+          </a:pPr>
+          <a:r>
+            <a:rPr lang="" altLang="en-US"/>
+            <a:t>Efikasi Diri</a:t>
+          </a:r>
+          <a:endParaRPr lang="" altLang="en-US"/>
+        </a:p>
+      </dsp:txBody>
+      <dsp:txXfrm>
+        <a:off x="1273322" y="584029"/>
+        <a:ext cx="1591652" cy="1591652"/>
+      </dsp:txXfrm>
+    </dsp:sp>
+    <dsp:sp modelId="{9AA6D961-60F7-4B6F-9220-259600B8DE7B}">
+      <dsp:nvSpPr>
+        <dsp:cNvPr id="5" name="Oval 4"/>
+        <dsp:cNvSpPr/>
+      </dsp:nvSpPr>
+      <dsp:spPr bwMode="white">
+        <a:xfrm>
+          <a:off x="2546643" y="584029"/>
+          <a:ext cx="1591652" cy="1591652"/>
+        </a:xfrm>
+        <a:prstGeom prst="ellipse">
+          <a:avLst/>
+        </a:prstGeom>
+      </dsp:spPr>
+      <dsp:style>
+        <a:lnRef idx="2">
+          <a:schemeClr val="lt1"/>
+        </a:lnRef>
+        <a:fillRef idx="1">
+          <a:schemeClr val="accent1">
+            <a:alpha val="50000"/>
+          </a:schemeClr>
+        </a:fillRef>
+        <a:effectRef idx="0">
+          <a:scrgbClr r="0" g="0" b="0"/>
+        </a:effectRef>
+        <a:fontRef idx="minor">
+          <a:schemeClr val="tx1"/>
+        </a:fontRef>
+      </dsp:style>
+      <dsp:txBody>
+        <a:bodyPr vert="horz" wrap="square" lIns="87593" tIns="20320" rIns="87593" bIns="20320" anchor="ctr"/>
+        <a:lstStyle>
+          <a:lvl1pPr algn="ctr">
+            <a:defRPr sz="1600"/>
+          </a:lvl1pPr>
+          <a:lvl2pPr marL="114300" indent="-114300" algn="ctr">
+            <a:defRPr sz="1200"/>
+          </a:lvl2pPr>
+          <a:lvl3pPr marL="228600" indent="-114300" algn="ctr">
+            <a:defRPr sz="1200"/>
+          </a:lvl3pPr>
+          <a:lvl4pPr marL="342900" indent="-114300" algn="ctr">
+            <a:defRPr sz="1200"/>
+          </a:lvl4pPr>
+          <a:lvl5pPr marL="457200" indent="-114300" algn="ctr">
+            <a:defRPr sz="1200"/>
+          </a:lvl5pPr>
+          <a:lvl6pPr marL="571500" indent="-114300" algn="ctr">
+            <a:defRPr sz="1200"/>
+          </a:lvl6pPr>
+          <a:lvl7pPr marL="685800" indent="-114300" algn="ctr">
+            <a:defRPr sz="1200"/>
+          </a:lvl7pPr>
+          <a:lvl8pPr marL="800100" indent="-114300" algn="ctr">
+            <a:defRPr sz="1200"/>
+          </a:lvl8pPr>
+          <a:lvl9pPr marL="914400" indent="-114300" algn="ctr">
+            <a:defRPr sz="1200"/>
+          </a:lvl9pPr>
+        </a:lstStyle>
+        <a:p>
+          <a:pPr lvl="0">
+            <a:lnSpc>
+              <a:spcPct val="100000"/>
+            </a:lnSpc>
+            <a:spcBef>
+              <a:spcPct val="0"/>
+            </a:spcBef>
+            <a:spcAft>
+              <a:spcPct val="35000"/>
+            </a:spcAft>
+          </a:pPr>
+          <a:r>
+            <a:rPr lang="" altLang="en-US"/>
+            <a:t>Dukungan Guru Tahfidz</a:t>
+          </a:r>
+          <a:endParaRPr lang="en-US"/>
+        </a:p>
+      </dsp:txBody>
+      <dsp:txXfrm>
+        <a:off x="2546643" y="584029"/>
+        <a:ext cx="1591652" cy="1591652"/>
+      </dsp:txXfrm>
+    </dsp:sp>
+  </dsp:spTree>
+</dsp:drawing>
+</file>
+
+<file path=ppt/diagrams/drawing3.xml><?xml version="1.0" encoding="utf-8"?>
+<dsp:drawing xmlns:dgm="http://schemas.openxmlformats.org/drawingml/2006/diagram" xmlns:dsp="http://schemas.microsoft.com/office/drawing/2008/diagram" xmlns:a="http://schemas.openxmlformats.org/drawingml/2006/main" xmlns:r="http://schemas.openxmlformats.org/officeDocument/2006/relationships">
+  <dsp:spTree>
+    <dsp:nvGrpSpPr>
+      <dsp:cNvPr id="2" name="Group 1"/>
+      <dsp:cNvGrpSpPr/>
+    </dsp:nvGrpSpPr>
+    <dsp:grpSpPr>
+      <a:xfrm>
+        <a:off x="0" y="0"/>
+        <a:ext cx="4138295" cy="2759710"/>
+        <a:chOff x="0" y="0"/>
+        <a:chExt cx="4138295" cy="2759710"/>
+      </a:xfrm>
+    </dsp:grpSpPr>
+    <dsp:sp modelId="{8E4F30A2-E450-4441-8E45-11147C0B499F}">
+      <dsp:nvSpPr>
+        <dsp:cNvPr id="3" name="Oval 2"/>
+        <dsp:cNvSpPr/>
+      </dsp:nvSpPr>
+      <dsp:spPr bwMode="white">
+        <a:xfrm>
+          <a:off x="0" y="584029"/>
+          <a:ext cx="1591652" cy="1591652"/>
+        </a:xfrm>
+        <a:prstGeom prst="ellipse">
+          <a:avLst/>
+        </a:prstGeom>
+      </dsp:spPr>
+      <dsp:style>
+        <a:lnRef idx="2">
+          <a:schemeClr val="lt1"/>
+        </a:lnRef>
+        <a:fillRef idx="1">
+          <a:schemeClr val="accent1">
+            <a:alpha val="50000"/>
+          </a:schemeClr>
+        </a:fillRef>
+        <a:effectRef idx="0">
+          <a:scrgbClr r="0" g="0" b="0"/>
+        </a:effectRef>
+        <a:fontRef idx="minor">
+          <a:schemeClr val="tx1"/>
+        </a:fontRef>
+      </dsp:style>
+      <dsp:txBody>
+        <a:bodyPr vert="horz" wrap="square" lIns="87593" tIns="20320" rIns="87593" bIns="20320" anchor="ctr"/>
+        <a:lstStyle>
+          <a:lvl1pPr algn="ctr">
+            <a:defRPr sz="1600"/>
+          </a:lvl1pPr>
+          <a:lvl2pPr marL="114300" indent="-114300" algn="ctr">
+            <a:defRPr sz="1200"/>
+          </a:lvl2pPr>
+          <a:lvl3pPr marL="228600" indent="-114300" algn="ctr">
+            <a:defRPr sz="1200"/>
+          </a:lvl3pPr>
+          <a:lvl4pPr marL="342900" indent="-114300" algn="ctr">
+            <a:defRPr sz="1200"/>
+          </a:lvl4pPr>
+          <a:lvl5pPr marL="457200" indent="-114300" algn="ctr">
+            <a:defRPr sz="1200"/>
+          </a:lvl5pPr>
+          <a:lvl6pPr marL="571500" indent="-114300" algn="ctr">
+            <a:defRPr sz="1200"/>
+          </a:lvl6pPr>
+          <a:lvl7pPr marL="685800" indent="-114300" algn="ctr">
+            <a:defRPr sz="1200"/>
+          </a:lvl7pPr>
+          <a:lvl8pPr marL="800100" indent="-114300" algn="ctr">
+            <a:defRPr sz="1200"/>
+          </a:lvl8pPr>
+          <a:lvl9pPr marL="914400" indent="-114300" algn="ctr">
+            <a:defRPr sz="1200"/>
+          </a:lvl9pPr>
+        </a:lstStyle>
+        <a:p>
+          <a:pPr lvl="0">
+            <a:lnSpc>
+              <a:spcPct val="100000"/>
+            </a:lnSpc>
+            <a:spcBef>
+              <a:spcPct val="0"/>
+            </a:spcBef>
+            <a:spcAft>
+              <a:spcPct val="35000"/>
+            </a:spcAft>
+          </a:pPr>
+          <a:r>
+            <a:rPr lang="" altLang="en-US"/>
+            <a:t>Motivasi Menghafal Alquran</a:t>
+          </a:r>
+          <a:endParaRPr lang="" altLang="en-US"/>
+        </a:p>
+      </dsp:txBody>
+      <dsp:txXfrm>
+        <a:off x="0" y="584029"/>
+        <a:ext cx="1591652" cy="1591652"/>
+      </dsp:txXfrm>
+    </dsp:sp>
+    <dsp:sp modelId="{CC430880-FF16-4657-B783-1E97645B6A49}">
+      <dsp:nvSpPr>
+        <dsp:cNvPr id="4" name="Oval 3"/>
+        <dsp:cNvSpPr/>
+      </dsp:nvSpPr>
+      <dsp:spPr bwMode="white">
+        <a:xfrm>
+          <a:off x="1273322" y="584029"/>
+          <a:ext cx="1591652" cy="1591652"/>
+        </a:xfrm>
+        <a:prstGeom prst="ellipse">
+          <a:avLst/>
+        </a:prstGeom>
+      </dsp:spPr>
+      <dsp:style>
+        <a:lnRef idx="2">
+          <a:schemeClr val="lt1"/>
+        </a:lnRef>
+        <a:fillRef idx="1">
+          <a:schemeClr val="accent1">
+            <a:alpha val="50000"/>
+          </a:schemeClr>
+        </a:fillRef>
+        <a:effectRef idx="0">
+          <a:scrgbClr r="0" g="0" b="0"/>
+        </a:effectRef>
+        <a:fontRef idx="minor">
+          <a:schemeClr val="tx1"/>
+        </a:fontRef>
+      </dsp:style>
+      <dsp:txBody>
+        <a:bodyPr vert="horz" wrap="square" lIns="87593" tIns="20320" rIns="87593" bIns="20320" anchor="ctr"/>
+        <a:lstStyle>
+          <a:lvl1pPr algn="ctr">
+            <a:defRPr sz="1600"/>
+          </a:lvl1pPr>
+          <a:lvl2pPr marL="114300" indent="-114300" algn="ctr">
+            <a:defRPr sz="1200"/>
+          </a:lvl2pPr>
+          <a:lvl3pPr marL="228600" indent="-114300" algn="ctr">
+            <a:defRPr sz="1200"/>
+          </a:lvl3pPr>
+          <a:lvl4pPr marL="342900" indent="-114300" algn="ctr">
+            <a:defRPr sz="1200"/>
+          </a:lvl4pPr>
+          <a:lvl5pPr marL="457200" indent="-114300" algn="ctr">
+            <a:defRPr sz="1200"/>
+          </a:lvl5pPr>
+          <a:lvl6pPr marL="571500" indent="-114300" algn="ctr">
+            <a:defRPr sz="1200"/>
+          </a:lvl6pPr>
+          <a:lvl7pPr marL="685800" indent="-114300" algn="ctr">
+            <a:defRPr sz="1200"/>
+          </a:lvl7pPr>
+          <a:lvl8pPr marL="800100" indent="-114300" algn="ctr">
+            <a:defRPr sz="1200"/>
+          </a:lvl8pPr>
+          <a:lvl9pPr marL="914400" indent="-114300" algn="ctr">
+            <a:defRPr sz="1200"/>
+          </a:lvl9pPr>
+        </a:lstStyle>
+        <a:p>
+          <a:pPr lvl="0">
+            <a:lnSpc>
+              <a:spcPct val="100000"/>
+            </a:lnSpc>
+            <a:spcBef>
+              <a:spcPct val="0"/>
+            </a:spcBef>
+            <a:spcAft>
+              <a:spcPct val="35000"/>
+            </a:spcAft>
+          </a:pPr>
+          <a:r>
+            <a:rPr lang="" altLang="en-US"/>
+            <a:t>Efikasi Diri</a:t>
+          </a:r>
+          <a:endParaRPr lang="" altLang="en-US"/>
+        </a:p>
+      </dsp:txBody>
+      <dsp:txXfrm>
+        <a:off x="1273322" y="584029"/>
+        <a:ext cx="1591652" cy="1591652"/>
+      </dsp:txXfrm>
+    </dsp:sp>
+    <dsp:sp modelId="{9AA6D961-60F7-4B6F-9220-259600B8DE7B}">
+      <dsp:nvSpPr>
+        <dsp:cNvPr id="5" name="Oval 4"/>
+        <dsp:cNvSpPr/>
+      </dsp:nvSpPr>
+      <dsp:spPr bwMode="white">
+        <a:xfrm>
+          <a:off x="2546643" y="584029"/>
+          <a:ext cx="1591652" cy="1591652"/>
+        </a:xfrm>
+        <a:prstGeom prst="ellipse">
+          <a:avLst/>
+        </a:prstGeom>
+      </dsp:spPr>
+      <dsp:style>
+        <a:lnRef idx="2">
+          <a:schemeClr val="lt1"/>
+        </a:lnRef>
+        <a:fillRef idx="1">
+          <a:schemeClr val="accent1">
+            <a:alpha val="50000"/>
+          </a:schemeClr>
+        </a:fillRef>
+        <a:effectRef idx="0">
+          <a:scrgbClr r="0" g="0" b="0"/>
+        </a:effectRef>
+        <a:fontRef idx="minor">
+          <a:schemeClr val="tx1"/>
+        </a:fontRef>
+      </dsp:style>
+      <dsp:txBody>
+        <a:bodyPr vert="horz" wrap="square" lIns="87593" tIns="20320" rIns="87593" bIns="20320" anchor="ctr"/>
+        <a:lstStyle>
+          <a:lvl1pPr algn="ctr">
+            <a:defRPr sz="1600"/>
+          </a:lvl1pPr>
+          <a:lvl2pPr marL="114300" indent="-114300" algn="ctr">
+            <a:defRPr sz="1200"/>
+          </a:lvl2pPr>
+          <a:lvl3pPr marL="228600" indent="-114300" algn="ctr">
+            <a:defRPr sz="1200"/>
+          </a:lvl3pPr>
+          <a:lvl4pPr marL="342900" indent="-114300" algn="ctr">
+            <a:defRPr sz="1200"/>
+          </a:lvl4pPr>
+          <a:lvl5pPr marL="457200" indent="-114300" algn="ctr">
+            <a:defRPr sz="1200"/>
+          </a:lvl5pPr>
+          <a:lvl6pPr marL="571500" indent="-114300" algn="ctr">
+            <a:defRPr sz="1200"/>
+          </a:lvl6pPr>
+          <a:lvl7pPr marL="685800" indent="-114300" algn="ctr">
+            <a:defRPr sz="1200"/>
+          </a:lvl7pPr>
+          <a:lvl8pPr marL="800100" indent="-114300" algn="ctr">
+            <a:defRPr sz="1200"/>
+          </a:lvl8pPr>
+          <a:lvl9pPr marL="914400" indent="-114300" algn="ctr">
+            <a:defRPr sz="1200"/>
+          </a:lvl9pPr>
+        </a:lstStyle>
+        <a:p>
+          <a:pPr lvl="0">
+            <a:lnSpc>
+              <a:spcPct val="100000"/>
+            </a:lnSpc>
+            <a:spcBef>
+              <a:spcPct val="0"/>
+            </a:spcBef>
+            <a:spcAft>
+              <a:spcPct val="35000"/>
+            </a:spcAft>
+          </a:pPr>
+          <a:r>
+            <a:rPr lang="" altLang="en-US"/>
+            <a:t>Dukungan Guru Tahfidz</a:t>
+          </a:r>
+          <a:endParaRPr lang="en-US"/>
+        </a:p>
+      </dsp:txBody>
+      <dsp:txXfrm>
+        <a:off x="2546643" y="584029"/>
+        <a:ext cx="1591652" cy="1591652"/>
+      </dsp:txXfrm>
+    </dsp:sp>
+  </dsp:spTree>
+</dsp:drawing>
+</file>
+
 <file path=ppt/diagrams/layout1.xml><?xml version="1.0" encoding="utf-8"?>
 <dgm:layoutDef xmlns:dgm="http://schemas.openxmlformats.org/drawingml/2006/diagram" xmlns:a="http://schemas.openxmlformats.org/drawingml/2006/main" uniqueId="urn:microsoft.com/office/officeart/2005/8/layout/hProcess4">
   <dgm:title val=""/>
@@ -2876,7 +5375,2257 @@
 </dgm:layoutDef>
 </file>
 
+<file path=ppt/diagrams/layout2.xml><?xml version="1.0" encoding="utf-8"?>
+<dgm:layoutDef xmlns:dgm="http://schemas.openxmlformats.org/drawingml/2006/diagram" xmlns:a="http://schemas.openxmlformats.org/drawingml/2006/main" uniqueId="urn:microsoft.com/office/officeart/2005/8/layout/venn3">
+  <dgm:title val=""/>
+  <dgm:desc val=""/>
+  <dgm:catLst>
+    <dgm:cat type="relationship" pri="29000"/>
+  </dgm:catLst>
+  <dgm:sampData>
+    <dgm:dataModel>
+      <dgm:ptLst>
+        <dgm:pt modelId="0" type="doc"/>
+        <dgm:pt modelId="1">
+          <dgm:prSet phldr="1"/>
+        </dgm:pt>
+        <dgm:pt modelId="2">
+          <dgm:prSet phldr="1"/>
+        </dgm:pt>
+        <dgm:pt modelId="3">
+          <dgm:prSet phldr="1"/>
+        </dgm:pt>
+        <dgm:pt modelId="4">
+          <dgm:prSet phldr="1"/>
+        </dgm:pt>
+      </dgm:ptLst>
+      <dgm:cxnLst>
+        <dgm:cxn modelId="5" srcId="0" destId="1" srcOrd="0" destOrd="0"/>
+        <dgm:cxn modelId="6" srcId="0" destId="2" srcOrd="1" destOrd="0"/>
+        <dgm:cxn modelId="7" srcId="0" destId="3" srcOrd="2" destOrd="0"/>
+        <dgm:cxn modelId="8" srcId="0" destId="4" srcOrd="3" destOrd="0"/>
+      </dgm:cxnLst>
+      <dgm:bg/>
+      <dgm:whole/>
+    </dgm:dataModel>
+  </dgm:sampData>
+  <dgm:styleData>
+    <dgm:dataModel>
+      <dgm:ptLst>
+        <dgm:pt modelId="0" type="doc">
+          <dgm:prSet qsTypeId="urn:microsoft.com/office/officeart/2005/8/quickstyle/simple5"/>
+        </dgm:pt>
+        <dgm:pt modelId="1"/>
+        <dgm:pt modelId="2"/>
+      </dgm:ptLst>
+      <dgm:cxnLst>
+        <dgm:cxn modelId="3" srcId="0" destId="1" srcOrd="0" destOrd="0"/>
+        <dgm:cxn modelId="4" srcId="0" destId="2" srcOrd="1" destOrd="0"/>
+      </dgm:cxnLst>
+      <dgm:bg/>
+      <dgm:whole/>
+    </dgm:dataModel>
+  </dgm:styleData>
+  <dgm:clrData>
+    <dgm:dataModel>
+      <dgm:ptLst>
+        <dgm:pt modelId="0" type="doc">
+          <dgm:prSet csTypeId="urn:microsoft.com/office/officeart/2005/8/colors/accent6_5"/>
+        </dgm:pt>
+        <dgm:pt modelId="1"/>
+        <dgm:pt modelId="2"/>
+        <dgm:pt modelId="3"/>
+        <dgm:pt modelId="4"/>
+      </dgm:ptLst>
+      <dgm:cxnLst>
+        <dgm:cxn modelId="5" srcId="0" destId="1" srcOrd="0" destOrd="0"/>
+        <dgm:cxn modelId="6" srcId="0" destId="2" srcOrd="1" destOrd="0"/>
+        <dgm:cxn modelId="7" srcId="0" destId="3" srcOrd="2" destOrd="0"/>
+        <dgm:cxn modelId="8" srcId="0" destId="4" srcOrd="3" destOrd="0"/>
+      </dgm:cxnLst>
+      <dgm:bg/>
+      <dgm:whole/>
+    </dgm:dataModel>
+  </dgm:clrData>
+  <dgm:layoutNode name="Name0">
+    <dgm:varLst>
+      <dgm:dir/>
+      <dgm:resizeHandles val="exact"/>
+    </dgm:varLst>
+    <dgm:choose name="Name1">
+      <dgm:if name="Name2" func="var" arg="dir" op="equ" val="norm">
+        <dgm:alg type="lin">
+          <dgm:param type="fallback" val="2D"/>
+        </dgm:alg>
+      </dgm:if>
+      <dgm:else name="Name3">
+        <dgm:alg type="lin">
+          <dgm:param type="linDir" val="fromR"/>
+          <dgm:param type="fallback" val="2D"/>
+        </dgm:alg>
+      </dgm:else>
+    </dgm:choose>
+    <dgm:shape xmlns:r="http://schemas.openxmlformats.org/officeDocument/2006/relationships" r:blip="">
+      <dgm:adjLst/>
+    </dgm:shape>
+    <dgm:presOf/>
+    <dgm:constrLst>
+      <dgm:constr type="w" for="ch" ptType="node" refType="w"/>
+      <dgm:constr type="h" for="ch" ptType="node" refType="w" refFor="ch" refPtType="node"/>
+      <dgm:constr type="w" for="ch" forName="space" refType="w" refFor="ch" refPtType="node" fact="-0.2"/>
+      <dgm:constr type="primFontSz" for="ch" ptType="node" op="equ" val="65"/>
+    </dgm:constrLst>
+    <dgm:ruleLst/>
+    <dgm:forEach name="Name4" axis="ch" ptType="node">
+      <dgm:layoutNode name="Name5" styleLbl="vennNode1">
+        <dgm:varLst>
+          <dgm:bulletEnabled val="1"/>
+        </dgm:varLst>
+        <dgm:alg type="tx">
+          <dgm:param type="txAnchorHorzCh" val="ctr"/>
+          <dgm:param type="txAnchorVertCh" val="mid"/>
+        </dgm:alg>
+        <dgm:shape xmlns:r="http://schemas.openxmlformats.org/officeDocument/2006/relationships" type="ellipse" r:blip="">
+          <dgm:adjLst/>
+        </dgm:shape>
+        <dgm:presOf axis="desOrSelf" ptType="node"/>
+        <dgm:constrLst>
+          <dgm:constr type="tMarg" refType="primFontSz" fact="0.1"/>
+          <dgm:constr type="bMarg" refType="primFontSz" fact="0.1"/>
+          <dgm:constr type="lMarg" refType="w" fact="0.156"/>
+          <dgm:constr type="rMarg" refType="w" fact="0.156"/>
+        </dgm:constrLst>
+        <dgm:ruleLst>
+          <dgm:rule type="primFontSz" val="5" fact="NaN" max="NaN"/>
+        </dgm:ruleLst>
+      </dgm:layoutNode>
+      <dgm:forEach name="Name6" axis="followSib" ptType="sibTrans" cnt="1">
+        <dgm:layoutNode name="space">
+          <dgm:alg type="sp"/>
+          <dgm:shape xmlns:r="http://schemas.openxmlformats.org/officeDocument/2006/relationships" r:blip="">
+            <dgm:adjLst/>
+          </dgm:shape>
+          <dgm:presOf/>
+          <dgm:constrLst/>
+          <dgm:ruleLst/>
+        </dgm:layoutNode>
+      </dgm:forEach>
+    </dgm:forEach>
+  </dgm:layoutNode>
+</dgm:layoutDef>
+</file>
+
+<file path=ppt/diagrams/layout3.xml><?xml version="1.0" encoding="utf-8"?>
+<dgm:layoutDef xmlns:dgm="http://schemas.openxmlformats.org/drawingml/2006/diagram" xmlns:a="http://schemas.openxmlformats.org/drawingml/2006/main" uniqueId="urn:microsoft.com/office/officeart/2005/8/layout/venn3">
+  <dgm:title val=""/>
+  <dgm:desc val=""/>
+  <dgm:catLst>
+    <dgm:cat type="relationship" pri="29000"/>
+  </dgm:catLst>
+  <dgm:sampData>
+    <dgm:dataModel>
+      <dgm:ptLst>
+        <dgm:pt modelId="0" type="doc"/>
+        <dgm:pt modelId="1">
+          <dgm:prSet phldr="1"/>
+        </dgm:pt>
+        <dgm:pt modelId="2">
+          <dgm:prSet phldr="1"/>
+        </dgm:pt>
+        <dgm:pt modelId="3">
+          <dgm:prSet phldr="1"/>
+        </dgm:pt>
+        <dgm:pt modelId="4">
+          <dgm:prSet phldr="1"/>
+        </dgm:pt>
+      </dgm:ptLst>
+      <dgm:cxnLst>
+        <dgm:cxn modelId="5" srcId="0" destId="1" srcOrd="0" destOrd="0"/>
+        <dgm:cxn modelId="6" srcId="0" destId="2" srcOrd="1" destOrd="0"/>
+        <dgm:cxn modelId="7" srcId="0" destId="3" srcOrd="2" destOrd="0"/>
+        <dgm:cxn modelId="8" srcId="0" destId="4" srcOrd="3" destOrd="0"/>
+      </dgm:cxnLst>
+      <dgm:bg/>
+      <dgm:whole/>
+    </dgm:dataModel>
+  </dgm:sampData>
+  <dgm:styleData>
+    <dgm:dataModel>
+      <dgm:ptLst>
+        <dgm:pt modelId="0" type="doc">
+          <dgm:prSet qsTypeId="urn:microsoft.com/office/officeart/2005/8/quickstyle/simple5"/>
+        </dgm:pt>
+        <dgm:pt modelId="1"/>
+        <dgm:pt modelId="2"/>
+      </dgm:ptLst>
+      <dgm:cxnLst>
+        <dgm:cxn modelId="3" srcId="0" destId="1" srcOrd="0" destOrd="0"/>
+        <dgm:cxn modelId="4" srcId="0" destId="2" srcOrd="1" destOrd="0"/>
+      </dgm:cxnLst>
+      <dgm:bg/>
+      <dgm:whole/>
+    </dgm:dataModel>
+  </dgm:styleData>
+  <dgm:clrData>
+    <dgm:dataModel>
+      <dgm:ptLst>
+        <dgm:pt modelId="0" type="doc">
+          <dgm:prSet csTypeId="urn:microsoft.com/office/officeart/2005/8/colors/accent6_5"/>
+        </dgm:pt>
+        <dgm:pt modelId="1"/>
+        <dgm:pt modelId="2"/>
+        <dgm:pt modelId="3"/>
+        <dgm:pt modelId="4"/>
+      </dgm:ptLst>
+      <dgm:cxnLst>
+        <dgm:cxn modelId="5" srcId="0" destId="1" srcOrd="0" destOrd="0"/>
+        <dgm:cxn modelId="6" srcId="0" destId="2" srcOrd="1" destOrd="0"/>
+        <dgm:cxn modelId="7" srcId="0" destId="3" srcOrd="2" destOrd="0"/>
+        <dgm:cxn modelId="8" srcId="0" destId="4" srcOrd="3" destOrd="0"/>
+      </dgm:cxnLst>
+      <dgm:bg/>
+      <dgm:whole/>
+    </dgm:dataModel>
+  </dgm:clrData>
+  <dgm:layoutNode name="Name0">
+    <dgm:varLst>
+      <dgm:dir/>
+      <dgm:resizeHandles val="exact"/>
+    </dgm:varLst>
+    <dgm:choose name="Name1">
+      <dgm:if name="Name2" func="var" arg="dir" op="equ" val="norm">
+        <dgm:alg type="lin">
+          <dgm:param type="fallback" val="2D"/>
+        </dgm:alg>
+      </dgm:if>
+      <dgm:else name="Name3">
+        <dgm:alg type="lin">
+          <dgm:param type="linDir" val="fromR"/>
+          <dgm:param type="fallback" val="2D"/>
+        </dgm:alg>
+      </dgm:else>
+    </dgm:choose>
+    <dgm:shape xmlns:r="http://schemas.openxmlformats.org/officeDocument/2006/relationships" r:blip="">
+      <dgm:adjLst/>
+    </dgm:shape>
+    <dgm:presOf/>
+    <dgm:constrLst>
+      <dgm:constr type="w" for="ch" ptType="node" refType="w"/>
+      <dgm:constr type="h" for="ch" ptType="node" refType="w" refFor="ch" refPtType="node"/>
+      <dgm:constr type="w" for="ch" forName="space" refType="w" refFor="ch" refPtType="node" fact="-0.2"/>
+      <dgm:constr type="primFontSz" for="ch" ptType="node" op="equ" val="65"/>
+    </dgm:constrLst>
+    <dgm:ruleLst/>
+    <dgm:forEach name="Name4" axis="ch" ptType="node">
+      <dgm:layoutNode name="Name5" styleLbl="vennNode1">
+        <dgm:varLst>
+          <dgm:bulletEnabled val="1"/>
+        </dgm:varLst>
+        <dgm:alg type="tx">
+          <dgm:param type="txAnchorHorzCh" val="ctr"/>
+          <dgm:param type="txAnchorVertCh" val="mid"/>
+        </dgm:alg>
+        <dgm:shape xmlns:r="http://schemas.openxmlformats.org/officeDocument/2006/relationships" type="ellipse" r:blip="">
+          <dgm:adjLst/>
+        </dgm:shape>
+        <dgm:presOf axis="desOrSelf" ptType="node"/>
+        <dgm:constrLst>
+          <dgm:constr type="tMarg" refType="primFontSz" fact="0.1"/>
+          <dgm:constr type="bMarg" refType="primFontSz" fact="0.1"/>
+          <dgm:constr type="lMarg" refType="w" fact="0.156"/>
+          <dgm:constr type="rMarg" refType="w" fact="0.156"/>
+        </dgm:constrLst>
+        <dgm:ruleLst>
+          <dgm:rule type="primFontSz" val="5" fact="NaN" max="NaN"/>
+        </dgm:ruleLst>
+      </dgm:layoutNode>
+      <dgm:forEach name="Name6" axis="followSib" ptType="sibTrans" cnt="1">
+        <dgm:layoutNode name="space">
+          <dgm:alg type="sp"/>
+          <dgm:shape xmlns:r="http://schemas.openxmlformats.org/officeDocument/2006/relationships" r:blip="">
+            <dgm:adjLst/>
+          </dgm:shape>
+          <dgm:presOf/>
+          <dgm:constrLst/>
+          <dgm:ruleLst/>
+        </dgm:layoutNode>
+      </dgm:forEach>
+    </dgm:forEach>
+  </dgm:layoutNode>
+</dgm:layoutDef>
+</file>
+
 <file path=ppt/diagrams/quickStyle1.xml><?xml version="1.0" encoding="utf-8"?>
+<dgm:styleDef xmlns:dgm="http://schemas.openxmlformats.org/drawingml/2006/diagram" xmlns:a="http://schemas.openxmlformats.org/drawingml/2006/main" uniqueId="urn:microsoft.com/office/officeart/2005/8/quickstyle/simple1">
+  <dgm:title val=""/>
+  <dgm:desc val=""/>
+  <dgm:catLst>
+    <dgm:cat type="simple" pri="10100"/>
+  </dgm:catLst>
+  <dgm:scene3d>
+    <a:camera prst="orthographicFront"/>
+    <a:lightRig rig="threePt" dir="t"/>
+  </dgm:scene3d>
+  <dgm:styleLbl name="alignAcc1">
+    <dgm:scene3d>
+      <a:camera prst="orthographicFront"/>
+      <a:lightRig rig="threePt" dir="t"/>
+    </dgm:scene3d>
+    <dgm:txPr/>
+    <dgm:style>
+      <a:lnRef idx="2">
+        <a:scrgbClr r="0" g="0" b="0"/>
+      </a:lnRef>
+      <a:fillRef idx="1">
+        <a:scrgbClr r="0" g="0" b="0"/>
+      </a:fillRef>
+      <a:effectRef idx="0">
+        <a:scrgbClr r="0" g="0" b="0"/>
+      </a:effectRef>
+      <a:fontRef idx="minor"/>
+    </dgm:style>
+  </dgm:styleLbl>
+  <dgm:styleLbl name="alignAccFollowNode1">
+    <dgm:scene3d>
+      <a:camera prst="orthographicFront"/>
+      <a:lightRig rig="threePt" dir="t"/>
+    </dgm:scene3d>
+    <dgm:txPr/>
+    <dgm:style>
+      <a:lnRef idx="2">
+        <a:scrgbClr r="0" g="0" b="0"/>
+      </a:lnRef>
+      <a:fillRef idx="1">
+        <a:scrgbClr r="0" g="0" b="0"/>
+      </a:fillRef>
+      <a:effectRef idx="0">
+        <a:scrgbClr r="0" g="0" b="0"/>
+      </a:effectRef>
+      <a:fontRef idx="minor"/>
+    </dgm:style>
+  </dgm:styleLbl>
+  <dgm:styleLbl name="alignImgPlace1">
+    <dgm:scene3d>
+      <a:camera prst="orthographicFront"/>
+      <a:lightRig rig="threePt" dir="t"/>
+    </dgm:scene3d>
+    <dgm:txPr/>
+    <dgm:style>
+      <a:lnRef idx="2">
+        <a:scrgbClr r="0" g="0" b="0"/>
+      </a:lnRef>
+      <a:fillRef idx="1">
+        <a:scrgbClr r="0" g="0" b="0"/>
+      </a:fillRef>
+      <a:effectRef idx="0">
+        <a:scrgbClr r="0" g="0" b="0"/>
+      </a:effectRef>
+      <a:fontRef idx="minor"/>
+    </dgm:style>
+  </dgm:styleLbl>
+  <dgm:styleLbl name="alignNode1">
+    <dgm:scene3d>
+      <a:camera prst="orthographicFront"/>
+      <a:lightRig rig="threePt" dir="t"/>
+    </dgm:scene3d>
+    <dgm:txPr/>
+    <dgm:style>
+      <a:lnRef idx="2">
+        <a:scrgbClr r="0" g="0" b="0"/>
+      </a:lnRef>
+      <a:fillRef idx="1">
+        <a:scrgbClr r="0" g="0" b="0"/>
+      </a:fillRef>
+      <a:effectRef idx="0">
+        <a:scrgbClr r="0" g="0" b="0"/>
+      </a:effectRef>
+      <a:fontRef idx="minor">
+        <a:schemeClr val="lt1"/>
+      </a:fontRef>
+    </dgm:style>
+  </dgm:styleLbl>
+  <dgm:styleLbl name="asst0">
+    <dgm:scene3d>
+      <a:camera prst="orthographicFront"/>
+      <a:lightRig rig="threePt" dir="t"/>
+    </dgm:scene3d>
+    <dgm:txPr/>
+    <dgm:style>
+      <a:lnRef idx="2">
+        <a:scrgbClr r="0" g="0" b="0"/>
+      </a:lnRef>
+      <a:fillRef idx="1">
+        <a:scrgbClr r="0" g="0" b="0"/>
+      </a:fillRef>
+      <a:effectRef idx="0">
+        <a:scrgbClr r="0" g="0" b="0"/>
+      </a:effectRef>
+      <a:fontRef idx="minor">
+        <a:schemeClr val="lt1"/>
+      </a:fontRef>
+    </dgm:style>
+  </dgm:styleLbl>
+  <dgm:styleLbl name="asst1">
+    <dgm:scene3d>
+      <a:camera prst="orthographicFront"/>
+      <a:lightRig rig="threePt" dir="t"/>
+    </dgm:scene3d>
+    <dgm:txPr/>
+    <dgm:style>
+      <a:lnRef idx="2">
+        <a:scrgbClr r="0" g="0" b="0"/>
+      </a:lnRef>
+      <a:fillRef idx="1">
+        <a:scrgbClr r="0" g="0" b="0"/>
+      </a:fillRef>
+      <a:effectRef idx="0">
+        <a:scrgbClr r="0" g="0" b="0"/>
+      </a:effectRef>
+      <a:fontRef idx="minor">
+        <a:schemeClr val="lt1"/>
+      </a:fontRef>
+    </dgm:style>
+  </dgm:styleLbl>
+  <dgm:styleLbl name="asst2">
+    <dgm:scene3d>
+      <a:camera prst="orthographicFront"/>
+      <a:lightRig rig="threePt" dir="t"/>
+    </dgm:scene3d>
+    <dgm:txPr/>
+    <dgm:style>
+      <a:lnRef idx="2">
+        <a:scrgbClr r="0" g="0" b="0"/>
+      </a:lnRef>
+      <a:fillRef idx="1">
+        <a:scrgbClr r="0" g="0" b="0"/>
+      </a:fillRef>
+      <a:effectRef idx="0">
+        <a:scrgbClr r="0" g="0" b="0"/>
+      </a:effectRef>
+      <a:fontRef idx="minor">
+        <a:schemeClr val="lt1"/>
+      </a:fontRef>
+    </dgm:style>
+  </dgm:styleLbl>
+  <dgm:styleLbl name="asst3">
+    <dgm:scene3d>
+      <a:camera prst="orthographicFront"/>
+      <a:lightRig rig="threePt" dir="t"/>
+    </dgm:scene3d>
+    <dgm:txPr/>
+    <dgm:style>
+      <a:lnRef idx="2">
+        <a:scrgbClr r="0" g="0" b="0"/>
+      </a:lnRef>
+      <a:fillRef idx="1">
+        <a:scrgbClr r="0" g="0" b="0"/>
+      </a:fillRef>
+      <a:effectRef idx="0">
+        <a:scrgbClr r="0" g="0" b="0"/>
+      </a:effectRef>
+      <a:fontRef idx="minor">
+        <a:schemeClr val="lt1"/>
+      </a:fontRef>
+    </dgm:style>
+  </dgm:styleLbl>
+  <dgm:styleLbl name="asst4">
+    <dgm:scene3d>
+      <a:camera prst="orthographicFront"/>
+      <a:lightRig rig="threePt" dir="t"/>
+    </dgm:scene3d>
+    <dgm:txPr/>
+    <dgm:style>
+      <a:lnRef idx="2">
+        <a:scrgbClr r="0" g="0" b="0"/>
+      </a:lnRef>
+      <a:fillRef idx="1">
+        <a:scrgbClr r="0" g="0" b="0"/>
+      </a:fillRef>
+      <a:effectRef idx="0">
+        <a:scrgbClr r="0" g="0" b="0"/>
+      </a:effectRef>
+      <a:fontRef idx="minor">
+        <a:schemeClr val="lt1"/>
+      </a:fontRef>
+    </dgm:style>
+  </dgm:styleLbl>
+  <dgm:styleLbl name="bgAcc1">
+    <dgm:scene3d>
+      <a:camera prst="orthographicFront"/>
+      <a:lightRig rig="threePt" dir="t"/>
+    </dgm:scene3d>
+    <dgm:txPr/>
+    <dgm:style>
+      <a:lnRef idx="2">
+        <a:scrgbClr r="0" g="0" b="0"/>
+      </a:lnRef>
+      <a:fillRef idx="1">
+        <a:scrgbClr r="0" g="0" b="0"/>
+      </a:fillRef>
+      <a:effectRef idx="0">
+        <a:scrgbClr r="0" g="0" b="0"/>
+      </a:effectRef>
+      <a:fontRef idx="minor"/>
+    </dgm:style>
+  </dgm:styleLbl>
+  <dgm:styleLbl name="bgAccFollowNode1">
+    <dgm:scene3d>
+      <a:camera prst="orthographicFront"/>
+      <a:lightRig rig="threePt" dir="t"/>
+    </dgm:scene3d>
+    <dgm:txPr/>
+    <dgm:style>
+      <a:lnRef idx="2">
+        <a:scrgbClr r="0" g="0" b="0"/>
+      </a:lnRef>
+      <a:fillRef idx="1">
+        <a:scrgbClr r="0" g="0" b="0"/>
+      </a:fillRef>
+      <a:effectRef idx="0">
+        <a:scrgbClr r="0" g="0" b="0"/>
+      </a:effectRef>
+      <a:fontRef idx="minor"/>
+    </dgm:style>
+  </dgm:styleLbl>
+  <dgm:styleLbl name="bgImgPlace1">
+    <dgm:scene3d>
+      <a:camera prst="orthographicFront"/>
+      <a:lightRig rig="threePt" dir="t"/>
+    </dgm:scene3d>
+    <dgm:txPr/>
+    <dgm:style>
+      <a:lnRef idx="2">
+        <a:scrgbClr r="0" g="0" b="0"/>
+      </a:lnRef>
+      <a:fillRef idx="1">
+        <a:scrgbClr r="0" g="0" b="0"/>
+      </a:fillRef>
+      <a:effectRef idx="0">
+        <a:scrgbClr r="0" g="0" b="0"/>
+      </a:effectRef>
+      <a:fontRef idx="minor"/>
+    </dgm:style>
+  </dgm:styleLbl>
+  <dgm:styleLbl name="bgShp">
+    <dgm:scene3d>
+      <a:camera prst="orthographicFront"/>
+      <a:lightRig rig="threePt" dir="t"/>
+    </dgm:scene3d>
+    <dgm:txPr/>
+    <dgm:style>
+      <a:lnRef idx="0">
+        <a:scrgbClr r="0" g="0" b="0"/>
+      </a:lnRef>
+      <a:fillRef idx="1">
+        <a:scrgbClr r="0" g="0" b="0"/>
+      </a:fillRef>
+      <a:effectRef idx="0">
+        <a:scrgbClr r="0" g="0" b="0"/>
+      </a:effectRef>
+      <a:fontRef idx="minor"/>
+    </dgm:style>
+  </dgm:styleLbl>
+  <dgm:styleLbl name="bgSibTrans2D1">
+    <dgm:scene3d>
+      <a:camera prst="orthographicFront"/>
+      <a:lightRig rig="threePt" dir="t"/>
+    </dgm:scene3d>
+    <dgm:txPr/>
+    <dgm:style>
+      <a:lnRef idx="0">
+        <a:scrgbClr r="0" g="0" b="0"/>
+      </a:lnRef>
+      <a:fillRef idx="1">
+        <a:scrgbClr r="0" g="0" b="0"/>
+      </a:fillRef>
+      <a:effectRef idx="0">
+        <a:scrgbClr r="0" g="0" b="0"/>
+      </a:effectRef>
+      <a:fontRef idx="minor">
+        <a:schemeClr val="lt1"/>
+      </a:fontRef>
+    </dgm:style>
+  </dgm:styleLbl>
+  <dgm:styleLbl name="callout">
+    <dgm:scene3d>
+      <a:camera prst="orthographicFront"/>
+      <a:lightRig rig="threePt" dir="t"/>
+    </dgm:scene3d>
+    <dgm:txPr/>
+    <dgm:style>
+      <a:lnRef idx="2">
+        <a:scrgbClr r="0" g="0" b="0"/>
+      </a:lnRef>
+      <a:fillRef idx="1">
+        <a:scrgbClr r="0" g="0" b="0"/>
+      </a:fillRef>
+      <a:effectRef idx="0">
+        <a:scrgbClr r="0" g="0" b="0"/>
+      </a:effectRef>
+      <a:fontRef idx="minor"/>
+    </dgm:style>
+  </dgm:styleLbl>
+  <dgm:styleLbl name="conFgAcc1">
+    <dgm:scene3d>
+      <a:camera prst="orthographicFront"/>
+      <a:lightRig rig="threePt" dir="t"/>
+    </dgm:scene3d>
+    <dgm:txPr/>
+    <dgm:style>
+      <a:lnRef idx="2">
+        <a:scrgbClr r="0" g="0" b="0"/>
+      </a:lnRef>
+      <a:fillRef idx="1">
+        <a:scrgbClr r="0" g="0" b="0"/>
+      </a:fillRef>
+      <a:effectRef idx="0">
+        <a:scrgbClr r="0" g="0" b="0"/>
+      </a:effectRef>
+      <a:fontRef idx="minor"/>
+    </dgm:style>
+  </dgm:styleLbl>
+  <dgm:styleLbl name="dkBgShp">
+    <dgm:scene3d>
+      <a:camera prst="orthographicFront"/>
+      <a:lightRig rig="threePt" dir="t"/>
+    </dgm:scene3d>
+    <dgm:txPr/>
+    <dgm:style>
+      <a:lnRef idx="0">
+        <a:scrgbClr r="0" g="0" b="0"/>
+      </a:lnRef>
+      <a:fillRef idx="1">
+        <a:scrgbClr r="0" g="0" b="0"/>
+      </a:fillRef>
+      <a:effectRef idx="0">
+        <a:scrgbClr r="0" g="0" b="0"/>
+      </a:effectRef>
+      <a:fontRef idx="minor"/>
+    </dgm:style>
+  </dgm:styleLbl>
+  <dgm:styleLbl name="fgAcc0">
+    <dgm:scene3d>
+      <a:camera prst="orthographicFront"/>
+      <a:lightRig rig="threePt" dir="t"/>
+    </dgm:scene3d>
+    <dgm:txPr/>
+    <dgm:style>
+      <a:lnRef idx="2">
+        <a:scrgbClr r="0" g="0" b="0"/>
+      </a:lnRef>
+      <a:fillRef idx="1">
+        <a:scrgbClr r="0" g="0" b="0"/>
+      </a:fillRef>
+      <a:effectRef idx="0">
+        <a:scrgbClr r="0" g="0" b="0"/>
+      </a:effectRef>
+      <a:fontRef idx="minor"/>
+    </dgm:style>
+  </dgm:styleLbl>
+  <dgm:styleLbl name="fgAcc1">
+    <dgm:scene3d>
+      <a:camera prst="orthographicFront"/>
+      <a:lightRig rig="threePt" dir="t"/>
+    </dgm:scene3d>
+    <dgm:txPr/>
+    <dgm:style>
+      <a:lnRef idx="2">
+        <a:scrgbClr r="0" g="0" b="0"/>
+      </a:lnRef>
+      <a:fillRef idx="1">
+        <a:scrgbClr r="0" g="0" b="0"/>
+      </a:fillRef>
+      <a:effectRef idx="0">
+        <a:scrgbClr r="0" g="0" b="0"/>
+      </a:effectRef>
+      <a:fontRef idx="minor"/>
+    </dgm:style>
+  </dgm:styleLbl>
+  <dgm:styleLbl name="fgAcc2">
+    <dgm:scene3d>
+      <a:camera prst="orthographicFront"/>
+      <a:lightRig rig="threePt" dir="t"/>
+    </dgm:scene3d>
+    <dgm:txPr/>
+    <dgm:style>
+      <a:lnRef idx="2">
+        <a:scrgbClr r="0" g="0" b="0"/>
+      </a:lnRef>
+      <a:fillRef idx="1">
+        <a:scrgbClr r="0" g="0" b="0"/>
+      </a:fillRef>
+      <a:effectRef idx="0">
+        <a:scrgbClr r="0" g="0" b="0"/>
+      </a:effectRef>
+      <a:fontRef idx="minor"/>
+    </dgm:style>
+  </dgm:styleLbl>
+  <dgm:styleLbl name="fgAcc3">
+    <dgm:scene3d>
+      <a:camera prst="orthographicFront"/>
+      <a:lightRig rig="threePt" dir="t"/>
+    </dgm:scene3d>
+    <dgm:txPr/>
+    <dgm:style>
+      <a:lnRef idx="2">
+        <a:scrgbClr r="0" g="0" b="0"/>
+      </a:lnRef>
+      <a:fillRef idx="1">
+        <a:scrgbClr r="0" g="0" b="0"/>
+      </a:fillRef>
+      <a:effectRef idx="0">
+        <a:scrgbClr r="0" g="0" b="0"/>
+      </a:effectRef>
+      <a:fontRef idx="minor"/>
+    </dgm:style>
+  </dgm:styleLbl>
+  <dgm:styleLbl name="fgAcc4">
+    <dgm:scene3d>
+      <a:camera prst="orthographicFront"/>
+      <a:lightRig rig="threePt" dir="t"/>
+    </dgm:scene3d>
+    <dgm:txPr/>
+    <dgm:style>
+      <a:lnRef idx="2">
+        <a:scrgbClr r="0" g="0" b="0"/>
+      </a:lnRef>
+      <a:fillRef idx="1">
+        <a:scrgbClr r="0" g="0" b="0"/>
+      </a:fillRef>
+      <a:effectRef idx="0">
+        <a:scrgbClr r="0" g="0" b="0"/>
+      </a:effectRef>
+      <a:fontRef idx="minor"/>
+    </dgm:style>
+  </dgm:styleLbl>
+  <dgm:styleLbl name="fgAccFollowNode1">
+    <dgm:scene3d>
+      <a:camera prst="orthographicFront"/>
+      <a:lightRig rig="threePt" dir="t"/>
+    </dgm:scene3d>
+    <dgm:txPr/>
+    <dgm:style>
+      <a:lnRef idx="2">
+        <a:scrgbClr r="0" g="0" b="0"/>
+      </a:lnRef>
+      <a:fillRef idx="1">
+        <a:scrgbClr r="0" g="0" b="0"/>
+      </a:fillRef>
+      <a:effectRef idx="0">
+        <a:scrgbClr r="0" g="0" b="0"/>
+      </a:effectRef>
+      <a:fontRef idx="minor"/>
+    </dgm:style>
+  </dgm:styleLbl>
+  <dgm:styleLbl name="fgImgPlace1">
+    <dgm:scene3d>
+      <a:camera prst="orthographicFront"/>
+      <a:lightRig rig="threePt" dir="t"/>
+    </dgm:scene3d>
+    <dgm:txPr/>
+    <dgm:style>
+      <a:lnRef idx="2">
+        <a:scrgbClr r="0" g="0" b="0"/>
+      </a:lnRef>
+      <a:fillRef idx="1">
+        <a:scrgbClr r="0" g="0" b="0"/>
+      </a:fillRef>
+      <a:effectRef idx="0">
+        <a:scrgbClr r="0" g="0" b="0"/>
+      </a:effectRef>
+      <a:fontRef idx="minor"/>
+    </dgm:style>
+  </dgm:styleLbl>
+  <dgm:styleLbl name="fgShp">
+    <dgm:scene3d>
+      <a:camera prst="orthographicFront"/>
+      <a:lightRig rig="threePt" dir="t"/>
+    </dgm:scene3d>
+    <dgm:txPr/>
+    <dgm:style>
+      <a:lnRef idx="2">
+        <a:scrgbClr r="0" g="0" b="0"/>
+      </a:lnRef>
+      <a:fillRef idx="1">
+        <a:scrgbClr r="0" g="0" b="0"/>
+      </a:fillRef>
+      <a:effectRef idx="0">
+        <a:scrgbClr r="0" g="0" b="0"/>
+      </a:effectRef>
+      <a:fontRef idx="minor"/>
+    </dgm:style>
+  </dgm:styleLbl>
+  <dgm:styleLbl name="fgSibTrans2D1">
+    <dgm:scene3d>
+      <a:camera prst="orthographicFront"/>
+      <a:lightRig rig="threePt" dir="t"/>
+    </dgm:scene3d>
+    <dgm:txPr/>
+    <dgm:style>
+      <a:lnRef idx="0">
+        <a:scrgbClr r="0" g="0" b="0"/>
+      </a:lnRef>
+      <a:fillRef idx="1">
+        <a:scrgbClr r="0" g="0" b="0"/>
+      </a:fillRef>
+      <a:effectRef idx="0">
+        <a:scrgbClr r="0" g="0" b="0"/>
+      </a:effectRef>
+      <a:fontRef idx="minor">
+        <a:schemeClr val="lt1"/>
+      </a:fontRef>
+    </dgm:style>
+  </dgm:styleLbl>
+  <dgm:styleLbl name="lnNode1">
+    <dgm:scene3d>
+      <a:camera prst="orthographicFront"/>
+      <a:lightRig rig="threePt" dir="t"/>
+    </dgm:scene3d>
+    <dgm:txPr/>
+    <dgm:style>
+      <a:lnRef idx="2">
+        <a:scrgbClr r="0" g="0" b="0"/>
+      </a:lnRef>
+      <a:fillRef idx="1">
+        <a:scrgbClr r="0" g="0" b="0"/>
+      </a:fillRef>
+      <a:effectRef idx="0">
+        <a:scrgbClr r="0" g="0" b="0"/>
+      </a:effectRef>
+      <a:fontRef idx="minor">
+        <a:schemeClr val="lt1"/>
+      </a:fontRef>
+    </dgm:style>
+  </dgm:styleLbl>
+  <dgm:styleLbl name="node0">
+    <dgm:scene3d>
+      <a:camera prst="orthographicFront"/>
+      <a:lightRig rig="threePt" dir="t"/>
+    </dgm:scene3d>
+    <dgm:txPr/>
+    <dgm:style>
+      <a:lnRef idx="2">
+        <a:scrgbClr r="0" g="0" b="0"/>
+      </a:lnRef>
+      <a:fillRef idx="1">
+        <a:scrgbClr r="0" g="0" b="0"/>
+      </a:fillRef>
+      <a:effectRef idx="0">
+        <a:scrgbClr r="0" g="0" b="0"/>
+      </a:effectRef>
+      <a:fontRef idx="minor">
+        <a:schemeClr val="lt1"/>
+      </a:fontRef>
+    </dgm:style>
+  </dgm:styleLbl>
+  <dgm:styleLbl name="node1">
+    <dgm:scene3d>
+      <a:camera prst="orthographicFront"/>
+      <a:lightRig rig="threePt" dir="t"/>
+    </dgm:scene3d>
+    <dgm:txPr/>
+    <dgm:style>
+      <a:lnRef idx="2">
+        <a:scrgbClr r="0" g="0" b="0"/>
+      </a:lnRef>
+      <a:fillRef idx="1">
+        <a:scrgbClr r="0" g="0" b="0"/>
+      </a:fillRef>
+      <a:effectRef idx="0">
+        <a:scrgbClr r="0" g="0" b="0"/>
+      </a:effectRef>
+      <a:fontRef idx="minor">
+        <a:schemeClr val="lt1"/>
+      </a:fontRef>
+    </dgm:style>
+  </dgm:styleLbl>
+  <dgm:styleLbl name="node2">
+    <dgm:scene3d>
+      <a:camera prst="orthographicFront"/>
+      <a:lightRig rig="threePt" dir="t"/>
+    </dgm:scene3d>
+    <dgm:txPr/>
+    <dgm:style>
+      <a:lnRef idx="2">
+        <a:scrgbClr r="0" g="0" b="0"/>
+      </a:lnRef>
+      <a:fillRef idx="1">
+        <a:scrgbClr r="0" g="0" b="0"/>
+      </a:fillRef>
+      <a:effectRef idx="0">
+        <a:scrgbClr r="0" g="0" b="0"/>
+      </a:effectRef>
+      <a:fontRef idx="minor">
+        <a:schemeClr val="lt1"/>
+      </a:fontRef>
+    </dgm:style>
+  </dgm:styleLbl>
+  <dgm:styleLbl name="node3">
+    <dgm:scene3d>
+      <a:camera prst="orthographicFront"/>
+      <a:lightRig rig="threePt" dir="t"/>
+    </dgm:scene3d>
+    <dgm:txPr/>
+    <dgm:style>
+      <a:lnRef idx="2">
+        <a:scrgbClr r="0" g="0" b="0"/>
+      </a:lnRef>
+      <a:fillRef idx="1">
+        <a:scrgbClr r="0" g="0" b="0"/>
+      </a:fillRef>
+      <a:effectRef idx="0">
+        <a:scrgbClr r="0" g="0" b="0"/>
+      </a:effectRef>
+      <a:fontRef idx="minor">
+        <a:schemeClr val="lt1"/>
+      </a:fontRef>
+    </dgm:style>
+  </dgm:styleLbl>
+  <dgm:styleLbl name="node4">
+    <dgm:scene3d>
+      <a:camera prst="orthographicFront"/>
+      <a:lightRig rig="threePt" dir="t"/>
+    </dgm:scene3d>
+    <dgm:txPr/>
+    <dgm:style>
+      <a:lnRef idx="2">
+        <a:scrgbClr r="0" g="0" b="0"/>
+      </a:lnRef>
+      <a:fillRef idx="1">
+        <a:scrgbClr r="0" g="0" b="0"/>
+      </a:fillRef>
+      <a:effectRef idx="0">
+        <a:scrgbClr r="0" g="0" b="0"/>
+      </a:effectRef>
+      <a:fontRef idx="minor">
+        <a:schemeClr val="lt1"/>
+      </a:fontRef>
+    </dgm:style>
+  </dgm:styleLbl>
+  <dgm:styleLbl name="parChTrans1D1">
+    <dgm:scene3d>
+      <a:camera prst="orthographicFront"/>
+      <a:lightRig rig="threePt" dir="t"/>
+    </dgm:scene3d>
+    <dgm:txPr/>
+    <dgm:style>
+      <a:lnRef idx="2">
+        <a:scrgbClr r="0" g="0" b="0"/>
+      </a:lnRef>
+      <a:fillRef idx="0">
+        <a:scrgbClr r="0" g="0" b="0"/>
+      </a:fillRef>
+      <a:effectRef idx="0">
+        <a:scrgbClr r="0" g="0" b="0"/>
+      </a:effectRef>
+      <a:fontRef idx="minor"/>
+    </dgm:style>
+  </dgm:styleLbl>
+  <dgm:styleLbl name="parChTrans1D2">
+    <dgm:scene3d>
+      <a:camera prst="orthographicFront"/>
+      <a:lightRig rig="threePt" dir="t"/>
+    </dgm:scene3d>
+    <dgm:txPr/>
+    <dgm:style>
+      <a:lnRef idx="2">
+        <a:scrgbClr r="0" g="0" b="0"/>
+      </a:lnRef>
+      <a:fillRef idx="0">
+        <a:scrgbClr r="0" g="0" b="0"/>
+      </a:fillRef>
+      <a:effectRef idx="0">
+        <a:scrgbClr r="0" g="0" b="0"/>
+      </a:effectRef>
+      <a:fontRef idx="minor"/>
+    </dgm:style>
+  </dgm:styleLbl>
+  <dgm:styleLbl name="parChTrans1D3">
+    <dgm:scene3d>
+      <a:camera prst="orthographicFront"/>
+      <a:lightRig rig="threePt" dir="t"/>
+    </dgm:scene3d>
+    <dgm:txPr/>
+    <dgm:style>
+      <a:lnRef idx="2">
+        <a:scrgbClr r="0" g="0" b="0"/>
+      </a:lnRef>
+      <a:fillRef idx="0">
+        <a:scrgbClr r="0" g="0" b="0"/>
+      </a:fillRef>
+      <a:effectRef idx="0">
+        <a:scrgbClr r="0" g="0" b="0"/>
+      </a:effectRef>
+      <a:fontRef idx="minor"/>
+    </dgm:style>
+  </dgm:styleLbl>
+  <dgm:styleLbl name="parChTrans1D4">
+    <dgm:scene3d>
+      <a:camera prst="orthographicFront"/>
+      <a:lightRig rig="threePt" dir="t"/>
+    </dgm:scene3d>
+    <dgm:txPr/>
+    <dgm:style>
+      <a:lnRef idx="2">
+        <a:scrgbClr r="0" g="0" b="0"/>
+      </a:lnRef>
+      <a:fillRef idx="0">
+        <a:scrgbClr r="0" g="0" b="0"/>
+      </a:fillRef>
+      <a:effectRef idx="0">
+        <a:scrgbClr r="0" g="0" b="0"/>
+      </a:effectRef>
+      <a:fontRef idx="minor"/>
+    </dgm:style>
+  </dgm:styleLbl>
+  <dgm:styleLbl name="parChTrans2D1">
+    <dgm:scene3d>
+      <a:camera prst="orthographicFront"/>
+      <a:lightRig rig="threePt" dir="t"/>
+    </dgm:scene3d>
+    <dgm:txPr/>
+    <dgm:style>
+      <a:lnRef idx="2">
+        <a:scrgbClr r="0" g="0" b="0"/>
+      </a:lnRef>
+      <a:fillRef idx="1">
+        <a:scrgbClr r="0" g="0" b="0"/>
+      </a:fillRef>
+      <a:effectRef idx="0">
+        <a:scrgbClr r="0" g="0" b="0"/>
+      </a:effectRef>
+      <a:fontRef idx="minor">
+        <a:schemeClr val="lt1"/>
+      </a:fontRef>
+    </dgm:style>
+  </dgm:styleLbl>
+  <dgm:styleLbl name="parChTrans2D2">
+    <dgm:scene3d>
+      <a:camera prst="orthographicFront"/>
+      <a:lightRig rig="threePt" dir="t"/>
+    </dgm:scene3d>
+    <dgm:txPr/>
+    <dgm:style>
+      <a:lnRef idx="2">
+        <a:scrgbClr r="0" g="0" b="0"/>
+      </a:lnRef>
+      <a:fillRef idx="1">
+        <a:scrgbClr r="0" g="0" b="0"/>
+      </a:fillRef>
+      <a:effectRef idx="0">
+        <a:scrgbClr r="0" g="0" b="0"/>
+      </a:effectRef>
+      <a:fontRef idx="minor">
+        <a:schemeClr val="lt1"/>
+      </a:fontRef>
+    </dgm:style>
+  </dgm:styleLbl>
+  <dgm:styleLbl name="parChTrans2D3">
+    <dgm:scene3d>
+      <a:camera prst="orthographicFront"/>
+      <a:lightRig rig="threePt" dir="t"/>
+    </dgm:scene3d>
+    <dgm:txPr/>
+    <dgm:style>
+      <a:lnRef idx="2">
+        <a:scrgbClr r="0" g="0" b="0"/>
+      </a:lnRef>
+      <a:fillRef idx="1">
+        <a:scrgbClr r="0" g="0" b="0"/>
+      </a:fillRef>
+      <a:effectRef idx="0">
+        <a:scrgbClr r="0" g="0" b="0"/>
+      </a:effectRef>
+      <a:fontRef idx="minor">
+        <a:schemeClr val="lt1"/>
+      </a:fontRef>
+    </dgm:style>
+  </dgm:styleLbl>
+  <dgm:styleLbl name="parChTrans2D4">
+    <dgm:scene3d>
+      <a:camera prst="orthographicFront"/>
+      <a:lightRig rig="threePt" dir="t"/>
+    </dgm:scene3d>
+    <dgm:txPr/>
+    <dgm:style>
+      <a:lnRef idx="2">
+        <a:scrgbClr r="0" g="0" b="0"/>
+      </a:lnRef>
+      <a:fillRef idx="1">
+        <a:scrgbClr r="0" g="0" b="0"/>
+      </a:fillRef>
+      <a:effectRef idx="0">
+        <a:scrgbClr r="0" g="0" b="0"/>
+      </a:effectRef>
+      <a:fontRef idx="minor">
+        <a:schemeClr val="lt1"/>
+      </a:fontRef>
+    </dgm:style>
+  </dgm:styleLbl>
+  <dgm:styleLbl name="revTx">
+    <dgm:scene3d>
+      <a:camera prst="orthographicFront"/>
+      <a:lightRig rig="threePt" dir="t"/>
+    </dgm:scene3d>
+    <dgm:txPr/>
+    <dgm:style>
+      <a:lnRef idx="0">
+        <a:scrgbClr r="0" g="0" b="0"/>
+      </a:lnRef>
+      <a:fillRef idx="0">
+        <a:scrgbClr r="0" g="0" b="0"/>
+      </a:fillRef>
+      <a:effectRef idx="0">
+        <a:scrgbClr r="0" g="0" b="0"/>
+      </a:effectRef>
+      <a:fontRef idx="minor"/>
+    </dgm:style>
+  </dgm:styleLbl>
+  <dgm:styleLbl name="sibTrans1D1">
+    <dgm:scene3d>
+      <a:camera prst="orthographicFront"/>
+      <a:lightRig rig="threePt" dir="t"/>
+    </dgm:scene3d>
+    <dgm:txPr/>
+    <dgm:style>
+      <a:lnRef idx="1">
+        <a:scrgbClr r="0" g="0" b="0"/>
+      </a:lnRef>
+      <a:fillRef idx="0">
+        <a:scrgbClr r="0" g="0" b="0"/>
+      </a:fillRef>
+      <a:effectRef idx="0">
+        <a:scrgbClr r="0" g="0" b="0"/>
+      </a:effectRef>
+      <a:fontRef idx="minor"/>
+    </dgm:style>
+  </dgm:styleLbl>
+  <dgm:styleLbl name="sibTrans2D1">
+    <dgm:scene3d>
+      <a:camera prst="orthographicFront"/>
+      <a:lightRig rig="threePt" dir="t"/>
+    </dgm:scene3d>
+    <dgm:txPr/>
+    <dgm:style>
+      <a:lnRef idx="0">
+        <a:scrgbClr r="0" g="0" b="0"/>
+      </a:lnRef>
+      <a:fillRef idx="1">
+        <a:scrgbClr r="0" g="0" b="0"/>
+      </a:fillRef>
+      <a:effectRef idx="0">
+        <a:scrgbClr r="0" g="0" b="0"/>
+      </a:effectRef>
+      <a:fontRef idx="minor">
+        <a:schemeClr val="lt1"/>
+      </a:fontRef>
+    </dgm:style>
+  </dgm:styleLbl>
+  <dgm:styleLbl name="solidAlignAcc1">
+    <dgm:scene3d>
+      <a:camera prst="orthographicFront"/>
+      <a:lightRig rig="threePt" dir="t"/>
+    </dgm:scene3d>
+    <dgm:txPr/>
+    <dgm:style>
+      <a:lnRef idx="2">
+        <a:scrgbClr r="0" g="0" b="0"/>
+      </a:lnRef>
+      <a:fillRef idx="1">
+        <a:scrgbClr r="0" g="0" b="0"/>
+      </a:fillRef>
+      <a:effectRef idx="0">
+        <a:scrgbClr r="0" g="0" b="0"/>
+      </a:effectRef>
+      <a:fontRef idx="minor"/>
+    </dgm:style>
+  </dgm:styleLbl>
+  <dgm:styleLbl name="solidBgAcc1">
+    <dgm:scene3d>
+      <a:camera prst="orthographicFront"/>
+      <a:lightRig rig="threePt" dir="t"/>
+    </dgm:scene3d>
+    <dgm:txPr/>
+    <dgm:style>
+      <a:lnRef idx="2">
+        <a:scrgbClr r="0" g="0" b="0"/>
+      </a:lnRef>
+      <a:fillRef idx="1">
+        <a:scrgbClr r="0" g="0" b="0"/>
+      </a:fillRef>
+      <a:effectRef idx="0">
+        <a:scrgbClr r="0" g="0" b="0"/>
+      </a:effectRef>
+      <a:fontRef idx="minor"/>
+    </dgm:style>
+  </dgm:styleLbl>
+  <dgm:styleLbl name="solidFgAcc1">
+    <dgm:scene3d>
+      <a:camera prst="orthographicFront"/>
+      <a:lightRig rig="threePt" dir="t"/>
+    </dgm:scene3d>
+    <dgm:txPr/>
+    <dgm:style>
+      <a:lnRef idx="2">
+        <a:scrgbClr r="0" g="0" b="0"/>
+      </a:lnRef>
+      <a:fillRef idx="1">
+        <a:scrgbClr r="0" g="0" b="0"/>
+      </a:fillRef>
+      <a:effectRef idx="0">
+        <a:scrgbClr r="0" g="0" b="0"/>
+      </a:effectRef>
+      <a:fontRef idx="minor"/>
+    </dgm:style>
+  </dgm:styleLbl>
+  <dgm:styleLbl name="trAlignAcc1">
+    <dgm:scene3d>
+      <a:camera prst="orthographicFront"/>
+      <a:lightRig rig="threePt" dir="t"/>
+    </dgm:scene3d>
+    <dgm:txPr/>
+    <dgm:style>
+      <a:lnRef idx="1">
+        <a:scrgbClr r="0" g="0" b="0"/>
+      </a:lnRef>
+      <a:fillRef idx="1">
+        <a:scrgbClr r="0" g="0" b="0"/>
+      </a:fillRef>
+      <a:effectRef idx="0">
+        <a:scrgbClr r="0" g="0" b="0"/>
+      </a:effectRef>
+      <a:fontRef idx="minor"/>
+    </dgm:style>
+  </dgm:styleLbl>
+  <dgm:styleLbl name="trBgShp">
+    <dgm:scene3d>
+      <a:camera prst="orthographicFront"/>
+      <a:lightRig rig="threePt" dir="t"/>
+    </dgm:scene3d>
+    <dgm:txPr/>
+    <dgm:style>
+      <a:lnRef idx="0">
+        <a:scrgbClr r="0" g="0" b="0"/>
+      </a:lnRef>
+      <a:fillRef idx="1">
+        <a:scrgbClr r="0" g="0" b="0"/>
+      </a:fillRef>
+      <a:effectRef idx="0">
+        <a:scrgbClr r="0" g="0" b="0"/>
+      </a:effectRef>
+      <a:fontRef idx="minor"/>
+    </dgm:style>
+  </dgm:styleLbl>
+  <dgm:styleLbl name="vennNode1">
+    <dgm:scene3d>
+      <a:camera prst="orthographicFront"/>
+      <a:lightRig rig="threePt" dir="t"/>
+    </dgm:scene3d>
+    <dgm:txPr/>
+    <dgm:style>
+      <a:lnRef idx="2">
+        <a:scrgbClr r="0" g="0" b="0"/>
+      </a:lnRef>
+      <a:fillRef idx="1">
+        <a:scrgbClr r="0" g="0" b="0"/>
+      </a:fillRef>
+      <a:effectRef idx="0">
+        <a:scrgbClr r="0" g="0" b="0"/>
+      </a:effectRef>
+      <a:fontRef idx="minor">
+        <a:schemeClr val="tx1"/>
+      </a:fontRef>
+    </dgm:style>
+  </dgm:styleLbl>
+</dgm:styleDef>
+</file>
+
+<file path=ppt/diagrams/quickStyle2.xml><?xml version="1.0" encoding="utf-8"?>
+<dgm:styleDef xmlns:dgm="http://schemas.openxmlformats.org/drawingml/2006/diagram" xmlns:a="http://schemas.openxmlformats.org/drawingml/2006/main" uniqueId="urn:microsoft.com/office/officeart/2005/8/quickstyle/simple1">
+  <dgm:title val=""/>
+  <dgm:desc val=""/>
+  <dgm:catLst>
+    <dgm:cat type="simple" pri="10100"/>
+  </dgm:catLst>
+  <dgm:scene3d>
+    <a:camera prst="orthographicFront"/>
+    <a:lightRig rig="threePt" dir="t"/>
+  </dgm:scene3d>
+  <dgm:styleLbl name="alignAcc1">
+    <dgm:scene3d>
+      <a:camera prst="orthographicFront"/>
+      <a:lightRig rig="threePt" dir="t"/>
+    </dgm:scene3d>
+    <dgm:txPr/>
+    <dgm:style>
+      <a:lnRef idx="2">
+        <a:scrgbClr r="0" g="0" b="0"/>
+      </a:lnRef>
+      <a:fillRef idx="1">
+        <a:scrgbClr r="0" g="0" b="0"/>
+      </a:fillRef>
+      <a:effectRef idx="0">
+        <a:scrgbClr r="0" g="0" b="0"/>
+      </a:effectRef>
+      <a:fontRef idx="minor"/>
+    </dgm:style>
+  </dgm:styleLbl>
+  <dgm:styleLbl name="alignAccFollowNode1">
+    <dgm:scene3d>
+      <a:camera prst="orthographicFront"/>
+      <a:lightRig rig="threePt" dir="t"/>
+    </dgm:scene3d>
+    <dgm:txPr/>
+    <dgm:style>
+      <a:lnRef idx="2">
+        <a:scrgbClr r="0" g="0" b="0"/>
+      </a:lnRef>
+      <a:fillRef idx="1">
+        <a:scrgbClr r="0" g="0" b="0"/>
+      </a:fillRef>
+      <a:effectRef idx="0">
+        <a:scrgbClr r="0" g="0" b="0"/>
+      </a:effectRef>
+      <a:fontRef idx="minor"/>
+    </dgm:style>
+  </dgm:styleLbl>
+  <dgm:styleLbl name="alignImgPlace1">
+    <dgm:scene3d>
+      <a:camera prst="orthographicFront"/>
+      <a:lightRig rig="threePt" dir="t"/>
+    </dgm:scene3d>
+    <dgm:txPr/>
+    <dgm:style>
+      <a:lnRef idx="2">
+        <a:scrgbClr r="0" g="0" b="0"/>
+      </a:lnRef>
+      <a:fillRef idx="1">
+        <a:scrgbClr r="0" g="0" b="0"/>
+      </a:fillRef>
+      <a:effectRef idx="0">
+        <a:scrgbClr r="0" g="0" b="0"/>
+      </a:effectRef>
+      <a:fontRef idx="minor"/>
+    </dgm:style>
+  </dgm:styleLbl>
+  <dgm:styleLbl name="alignNode1">
+    <dgm:scene3d>
+      <a:camera prst="orthographicFront"/>
+      <a:lightRig rig="threePt" dir="t"/>
+    </dgm:scene3d>
+    <dgm:txPr/>
+    <dgm:style>
+      <a:lnRef idx="2">
+        <a:scrgbClr r="0" g="0" b="0"/>
+      </a:lnRef>
+      <a:fillRef idx="1">
+        <a:scrgbClr r="0" g="0" b="0"/>
+      </a:fillRef>
+      <a:effectRef idx="0">
+        <a:scrgbClr r="0" g="0" b="0"/>
+      </a:effectRef>
+      <a:fontRef idx="minor">
+        <a:schemeClr val="lt1"/>
+      </a:fontRef>
+    </dgm:style>
+  </dgm:styleLbl>
+  <dgm:styleLbl name="asst0">
+    <dgm:scene3d>
+      <a:camera prst="orthographicFront"/>
+      <a:lightRig rig="threePt" dir="t"/>
+    </dgm:scene3d>
+    <dgm:txPr/>
+    <dgm:style>
+      <a:lnRef idx="2">
+        <a:scrgbClr r="0" g="0" b="0"/>
+      </a:lnRef>
+      <a:fillRef idx="1">
+        <a:scrgbClr r="0" g="0" b="0"/>
+      </a:fillRef>
+      <a:effectRef idx="0">
+        <a:scrgbClr r="0" g="0" b="0"/>
+      </a:effectRef>
+      <a:fontRef idx="minor">
+        <a:schemeClr val="lt1"/>
+      </a:fontRef>
+    </dgm:style>
+  </dgm:styleLbl>
+  <dgm:styleLbl name="asst1">
+    <dgm:scene3d>
+      <a:camera prst="orthographicFront"/>
+      <a:lightRig rig="threePt" dir="t"/>
+    </dgm:scene3d>
+    <dgm:txPr/>
+    <dgm:style>
+      <a:lnRef idx="2">
+        <a:scrgbClr r="0" g="0" b="0"/>
+      </a:lnRef>
+      <a:fillRef idx="1">
+        <a:scrgbClr r="0" g="0" b="0"/>
+      </a:fillRef>
+      <a:effectRef idx="0">
+        <a:scrgbClr r="0" g="0" b="0"/>
+      </a:effectRef>
+      <a:fontRef idx="minor">
+        <a:schemeClr val="lt1"/>
+      </a:fontRef>
+    </dgm:style>
+  </dgm:styleLbl>
+  <dgm:styleLbl name="asst2">
+    <dgm:scene3d>
+      <a:camera prst="orthographicFront"/>
+      <a:lightRig rig="threePt" dir="t"/>
+    </dgm:scene3d>
+    <dgm:txPr/>
+    <dgm:style>
+      <a:lnRef idx="2">
+        <a:scrgbClr r="0" g="0" b="0"/>
+      </a:lnRef>
+      <a:fillRef idx="1">
+        <a:scrgbClr r="0" g="0" b="0"/>
+      </a:fillRef>
+      <a:effectRef idx="0">
+        <a:scrgbClr r="0" g="0" b="0"/>
+      </a:effectRef>
+      <a:fontRef idx="minor">
+        <a:schemeClr val="lt1"/>
+      </a:fontRef>
+    </dgm:style>
+  </dgm:styleLbl>
+  <dgm:styleLbl name="asst3">
+    <dgm:scene3d>
+      <a:camera prst="orthographicFront"/>
+      <a:lightRig rig="threePt" dir="t"/>
+    </dgm:scene3d>
+    <dgm:txPr/>
+    <dgm:style>
+      <a:lnRef idx="2">
+        <a:scrgbClr r="0" g="0" b="0"/>
+      </a:lnRef>
+      <a:fillRef idx="1">
+        <a:scrgbClr r="0" g="0" b="0"/>
+      </a:fillRef>
+      <a:effectRef idx="0">
+        <a:scrgbClr r="0" g="0" b="0"/>
+      </a:effectRef>
+      <a:fontRef idx="minor">
+        <a:schemeClr val="lt1"/>
+      </a:fontRef>
+    </dgm:style>
+  </dgm:styleLbl>
+  <dgm:styleLbl name="asst4">
+    <dgm:scene3d>
+      <a:camera prst="orthographicFront"/>
+      <a:lightRig rig="threePt" dir="t"/>
+    </dgm:scene3d>
+    <dgm:txPr/>
+    <dgm:style>
+      <a:lnRef idx="2">
+        <a:scrgbClr r="0" g="0" b="0"/>
+      </a:lnRef>
+      <a:fillRef idx="1">
+        <a:scrgbClr r="0" g="0" b="0"/>
+      </a:fillRef>
+      <a:effectRef idx="0">
+        <a:scrgbClr r="0" g="0" b="0"/>
+      </a:effectRef>
+      <a:fontRef idx="minor">
+        <a:schemeClr val="lt1"/>
+      </a:fontRef>
+    </dgm:style>
+  </dgm:styleLbl>
+  <dgm:styleLbl name="bgAcc1">
+    <dgm:scene3d>
+      <a:camera prst="orthographicFront"/>
+      <a:lightRig rig="threePt" dir="t"/>
+    </dgm:scene3d>
+    <dgm:txPr/>
+    <dgm:style>
+      <a:lnRef idx="2">
+        <a:scrgbClr r="0" g="0" b="0"/>
+      </a:lnRef>
+      <a:fillRef idx="1">
+        <a:scrgbClr r="0" g="0" b="0"/>
+      </a:fillRef>
+      <a:effectRef idx="0">
+        <a:scrgbClr r="0" g="0" b="0"/>
+      </a:effectRef>
+      <a:fontRef idx="minor"/>
+    </dgm:style>
+  </dgm:styleLbl>
+  <dgm:styleLbl name="bgAccFollowNode1">
+    <dgm:scene3d>
+      <a:camera prst="orthographicFront"/>
+      <a:lightRig rig="threePt" dir="t"/>
+    </dgm:scene3d>
+    <dgm:txPr/>
+    <dgm:style>
+      <a:lnRef idx="2">
+        <a:scrgbClr r="0" g="0" b="0"/>
+      </a:lnRef>
+      <a:fillRef idx="1">
+        <a:scrgbClr r="0" g="0" b="0"/>
+      </a:fillRef>
+      <a:effectRef idx="0">
+        <a:scrgbClr r="0" g="0" b="0"/>
+      </a:effectRef>
+      <a:fontRef idx="minor"/>
+    </dgm:style>
+  </dgm:styleLbl>
+  <dgm:styleLbl name="bgImgPlace1">
+    <dgm:scene3d>
+      <a:camera prst="orthographicFront"/>
+      <a:lightRig rig="threePt" dir="t"/>
+    </dgm:scene3d>
+    <dgm:txPr/>
+    <dgm:style>
+      <a:lnRef idx="2">
+        <a:scrgbClr r="0" g="0" b="0"/>
+      </a:lnRef>
+      <a:fillRef idx="1">
+        <a:scrgbClr r="0" g="0" b="0"/>
+      </a:fillRef>
+      <a:effectRef idx="0">
+        <a:scrgbClr r="0" g="0" b="0"/>
+      </a:effectRef>
+      <a:fontRef idx="minor"/>
+    </dgm:style>
+  </dgm:styleLbl>
+  <dgm:styleLbl name="bgShp">
+    <dgm:scene3d>
+      <a:camera prst="orthographicFront"/>
+      <a:lightRig rig="threePt" dir="t"/>
+    </dgm:scene3d>
+    <dgm:txPr/>
+    <dgm:style>
+      <a:lnRef idx="0">
+        <a:scrgbClr r="0" g="0" b="0"/>
+      </a:lnRef>
+      <a:fillRef idx="1">
+        <a:scrgbClr r="0" g="0" b="0"/>
+      </a:fillRef>
+      <a:effectRef idx="0">
+        <a:scrgbClr r="0" g="0" b="0"/>
+      </a:effectRef>
+      <a:fontRef idx="minor"/>
+    </dgm:style>
+  </dgm:styleLbl>
+  <dgm:styleLbl name="bgSibTrans2D1">
+    <dgm:scene3d>
+      <a:camera prst="orthographicFront"/>
+      <a:lightRig rig="threePt" dir="t"/>
+    </dgm:scene3d>
+    <dgm:txPr/>
+    <dgm:style>
+      <a:lnRef idx="0">
+        <a:scrgbClr r="0" g="0" b="0"/>
+      </a:lnRef>
+      <a:fillRef idx="1">
+        <a:scrgbClr r="0" g="0" b="0"/>
+      </a:fillRef>
+      <a:effectRef idx="0">
+        <a:scrgbClr r="0" g="0" b="0"/>
+      </a:effectRef>
+      <a:fontRef idx="minor">
+        <a:schemeClr val="lt1"/>
+      </a:fontRef>
+    </dgm:style>
+  </dgm:styleLbl>
+  <dgm:styleLbl name="callout">
+    <dgm:scene3d>
+      <a:camera prst="orthographicFront"/>
+      <a:lightRig rig="threePt" dir="t"/>
+    </dgm:scene3d>
+    <dgm:txPr/>
+    <dgm:style>
+      <a:lnRef idx="2">
+        <a:scrgbClr r="0" g="0" b="0"/>
+      </a:lnRef>
+      <a:fillRef idx="1">
+        <a:scrgbClr r="0" g="0" b="0"/>
+      </a:fillRef>
+      <a:effectRef idx="0">
+        <a:scrgbClr r="0" g="0" b="0"/>
+      </a:effectRef>
+      <a:fontRef idx="minor"/>
+    </dgm:style>
+  </dgm:styleLbl>
+  <dgm:styleLbl name="conFgAcc1">
+    <dgm:scene3d>
+      <a:camera prst="orthographicFront"/>
+      <a:lightRig rig="threePt" dir="t"/>
+    </dgm:scene3d>
+    <dgm:txPr/>
+    <dgm:style>
+      <a:lnRef idx="2">
+        <a:scrgbClr r="0" g="0" b="0"/>
+      </a:lnRef>
+      <a:fillRef idx="1">
+        <a:scrgbClr r="0" g="0" b="0"/>
+      </a:fillRef>
+      <a:effectRef idx="0">
+        <a:scrgbClr r="0" g="0" b="0"/>
+      </a:effectRef>
+      <a:fontRef idx="minor"/>
+    </dgm:style>
+  </dgm:styleLbl>
+  <dgm:styleLbl name="dkBgShp">
+    <dgm:scene3d>
+      <a:camera prst="orthographicFront"/>
+      <a:lightRig rig="threePt" dir="t"/>
+    </dgm:scene3d>
+    <dgm:txPr/>
+    <dgm:style>
+      <a:lnRef idx="0">
+        <a:scrgbClr r="0" g="0" b="0"/>
+      </a:lnRef>
+      <a:fillRef idx="1">
+        <a:scrgbClr r="0" g="0" b="0"/>
+      </a:fillRef>
+      <a:effectRef idx="0">
+        <a:scrgbClr r="0" g="0" b="0"/>
+      </a:effectRef>
+      <a:fontRef idx="minor"/>
+    </dgm:style>
+  </dgm:styleLbl>
+  <dgm:styleLbl name="fgAcc0">
+    <dgm:scene3d>
+      <a:camera prst="orthographicFront"/>
+      <a:lightRig rig="threePt" dir="t"/>
+    </dgm:scene3d>
+    <dgm:txPr/>
+    <dgm:style>
+      <a:lnRef idx="2">
+        <a:scrgbClr r="0" g="0" b="0"/>
+      </a:lnRef>
+      <a:fillRef idx="1">
+        <a:scrgbClr r="0" g="0" b="0"/>
+      </a:fillRef>
+      <a:effectRef idx="0">
+        <a:scrgbClr r="0" g="0" b="0"/>
+      </a:effectRef>
+      <a:fontRef idx="minor"/>
+    </dgm:style>
+  </dgm:styleLbl>
+  <dgm:styleLbl name="fgAcc1">
+    <dgm:scene3d>
+      <a:camera prst="orthographicFront"/>
+      <a:lightRig rig="threePt" dir="t"/>
+    </dgm:scene3d>
+    <dgm:txPr/>
+    <dgm:style>
+      <a:lnRef idx="2">
+        <a:scrgbClr r="0" g="0" b="0"/>
+      </a:lnRef>
+      <a:fillRef idx="1">
+        <a:scrgbClr r="0" g="0" b="0"/>
+      </a:fillRef>
+      <a:effectRef idx="0">
+        <a:scrgbClr r="0" g="0" b="0"/>
+      </a:effectRef>
+      <a:fontRef idx="minor"/>
+    </dgm:style>
+  </dgm:styleLbl>
+  <dgm:styleLbl name="fgAcc2">
+    <dgm:scene3d>
+      <a:camera prst="orthographicFront"/>
+      <a:lightRig rig="threePt" dir="t"/>
+    </dgm:scene3d>
+    <dgm:txPr/>
+    <dgm:style>
+      <a:lnRef idx="2">
+        <a:scrgbClr r="0" g="0" b="0"/>
+      </a:lnRef>
+      <a:fillRef idx="1">
+        <a:scrgbClr r="0" g="0" b="0"/>
+      </a:fillRef>
+      <a:effectRef idx="0">
+        <a:scrgbClr r="0" g="0" b="0"/>
+      </a:effectRef>
+      <a:fontRef idx="minor"/>
+    </dgm:style>
+  </dgm:styleLbl>
+  <dgm:styleLbl name="fgAcc3">
+    <dgm:scene3d>
+      <a:camera prst="orthographicFront"/>
+      <a:lightRig rig="threePt" dir="t"/>
+    </dgm:scene3d>
+    <dgm:txPr/>
+    <dgm:style>
+      <a:lnRef idx="2">
+        <a:scrgbClr r="0" g="0" b="0"/>
+      </a:lnRef>
+      <a:fillRef idx="1">
+        <a:scrgbClr r="0" g="0" b="0"/>
+      </a:fillRef>
+      <a:effectRef idx="0">
+        <a:scrgbClr r="0" g="0" b="0"/>
+      </a:effectRef>
+      <a:fontRef idx="minor"/>
+    </dgm:style>
+  </dgm:styleLbl>
+  <dgm:styleLbl name="fgAcc4">
+    <dgm:scene3d>
+      <a:camera prst="orthographicFront"/>
+      <a:lightRig rig="threePt" dir="t"/>
+    </dgm:scene3d>
+    <dgm:txPr/>
+    <dgm:style>
+      <a:lnRef idx="2">
+        <a:scrgbClr r="0" g="0" b="0"/>
+      </a:lnRef>
+      <a:fillRef idx="1">
+        <a:scrgbClr r="0" g="0" b="0"/>
+      </a:fillRef>
+      <a:effectRef idx="0">
+        <a:scrgbClr r="0" g="0" b="0"/>
+      </a:effectRef>
+      <a:fontRef idx="minor"/>
+    </dgm:style>
+  </dgm:styleLbl>
+  <dgm:styleLbl name="fgAccFollowNode1">
+    <dgm:scene3d>
+      <a:camera prst="orthographicFront"/>
+      <a:lightRig rig="threePt" dir="t"/>
+    </dgm:scene3d>
+    <dgm:txPr/>
+    <dgm:style>
+      <a:lnRef idx="2">
+        <a:scrgbClr r="0" g="0" b="0"/>
+      </a:lnRef>
+      <a:fillRef idx="1">
+        <a:scrgbClr r="0" g="0" b="0"/>
+      </a:fillRef>
+      <a:effectRef idx="0">
+        <a:scrgbClr r="0" g="0" b="0"/>
+      </a:effectRef>
+      <a:fontRef idx="minor"/>
+    </dgm:style>
+  </dgm:styleLbl>
+  <dgm:styleLbl name="fgImgPlace1">
+    <dgm:scene3d>
+      <a:camera prst="orthographicFront"/>
+      <a:lightRig rig="threePt" dir="t"/>
+    </dgm:scene3d>
+    <dgm:txPr/>
+    <dgm:style>
+      <a:lnRef idx="2">
+        <a:scrgbClr r="0" g="0" b="0"/>
+      </a:lnRef>
+      <a:fillRef idx="1">
+        <a:scrgbClr r="0" g="0" b="0"/>
+      </a:fillRef>
+      <a:effectRef idx="0">
+        <a:scrgbClr r="0" g="0" b="0"/>
+      </a:effectRef>
+      <a:fontRef idx="minor"/>
+    </dgm:style>
+  </dgm:styleLbl>
+  <dgm:styleLbl name="fgShp">
+    <dgm:scene3d>
+      <a:camera prst="orthographicFront"/>
+      <a:lightRig rig="threePt" dir="t"/>
+    </dgm:scene3d>
+    <dgm:txPr/>
+    <dgm:style>
+      <a:lnRef idx="2">
+        <a:scrgbClr r="0" g="0" b="0"/>
+      </a:lnRef>
+      <a:fillRef idx="1">
+        <a:scrgbClr r="0" g="0" b="0"/>
+      </a:fillRef>
+      <a:effectRef idx="0">
+        <a:scrgbClr r="0" g="0" b="0"/>
+      </a:effectRef>
+      <a:fontRef idx="minor"/>
+    </dgm:style>
+  </dgm:styleLbl>
+  <dgm:styleLbl name="fgSibTrans2D1">
+    <dgm:scene3d>
+      <a:camera prst="orthographicFront"/>
+      <a:lightRig rig="threePt" dir="t"/>
+    </dgm:scene3d>
+    <dgm:txPr/>
+    <dgm:style>
+      <a:lnRef idx="0">
+        <a:scrgbClr r="0" g="0" b="0"/>
+      </a:lnRef>
+      <a:fillRef idx="1">
+        <a:scrgbClr r="0" g="0" b="0"/>
+      </a:fillRef>
+      <a:effectRef idx="0">
+        <a:scrgbClr r="0" g="0" b="0"/>
+      </a:effectRef>
+      <a:fontRef idx="minor">
+        <a:schemeClr val="lt1"/>
+      </a:fontRef>
+    </dgm:style>
+  </dgm:styleLbl>
+  <dgm:styleLbl name="lnNode1">
+    <dgm:scene3d>
+      <a:camera prst="orthographicFront"/>
+      <a:lightRig rig="threePt" dir="t"/>
+    </dgm:scene3d>
+    <dgm:txPr/>
+    <dgm:style>
+      <a:lnRef idx="2">
+        <a:scrgbClr r="0" g="0" b="0"/>
+      </a:lnRef>
+      <a:fillRef idx="1">
+        <a:scrgbClr r="0" g="0" b="0"/>
+      </a:fillRef>
+      <a:effectRef idx="0">
+        <a:scrgbClr r="0" g="0" b="0"/>
+      </a:effectRef>
+      <a:fontRef idx="minor">
+        <a:schemeClr val="lt1"/>
+      </a:fontRef>
+    </dgm:style>
+  </dgm:styleLbl>
+  <dgm:styleLbl name="node0">
+    <dgm:scene3d>
+      <a:camera prst="orthographicFront"/>
+      <a:lightRig rig="threePt" dir="t"/>
+    </dgm:scene3d>
+    <dgm:txPr/>
+    <dgm:style>
+      <a:lnRef idx="2">
+        <a:scrgbClr r="0" g="0" b="0"/>
+      </a:lnRef>
+      <a:fillRef idx="1">
+        <a:scrgbClr r="0" g="0" b="0"/>
+      </a:fillRef>
+      <a:effectRef idx="0">
+        <a:scrgbClr r="0" g="0" b="0"/>
+      </a:effectRef>
+      <a:fontRef idx="minor">
+        <a:schemeClr val="lt1"/>
+      </a:fontRef>
+    </dgm:style>
+  </dgm:styleLbl>
+  <dgm:styleLbl name="node1">
+    <dgm:scene3d>
+      <a:camera prst="orthographicFront"/>
+      <a:lightRig rig="threePt" dir="t"/>
+    </dgm:scene3d>
+    <dgm:txPr/>
+    <dgm:style>
+      <a:lnRef idx="2">
+        <a:scrgbClr r="0" g="0" b="0"/>
+      </a:lnRef>
+      <a:fillRef idx="1">
+        <a:scrgbClr r="0" g="0" b="0"/>
+      </a:fillRef>
+      <a:effectRef idx="0">
+        <a:scrgbClr r="0" g="0" b="0"/>
+      </a:effectRef>
+      <a:fontRef idx="minor">
+        <a:schemeClr val="lt1"/>
+      </a:fontRef>
+    </dgm:style>
+  </dgm:styleLbl>
+  <dgm:styleLbl name="node2">
+    <dgm:scene3d>
+      <a:camera prst="orthographicFront"/>
+      <a:lightRig rig="threePt" dir="t"/>
+    </dgm:scene3d>
+    <dgm:txPr/>
+    <dgm:style>
+      <a:lnRef idx="2">
+        <a:scrgbClr r="0" g="0" b="0"/>
+      </a:lnRef>
+      <a:fillRef idx="1">
+        <a:scrgbClr r="0" g="0" b="0"/>
+      </a:fillRef>
+      <a:effectRef idx="0">
+        <a:scrgbClr r="0" g="0" b="0"/>
+      </a:effectRef>
+      <a:fontRef idx="minor">
+        <a:schemeClr val="lt1"/>
+      </a:fontRef>
+    </dgm:style>
+  </dgm:styleLbl>
+  <dgm:styleLbl name="node3">
+    <dgm:scene3d>
+      <a:camera prst="orthographicFront"/>
+      <a:lightRig rig="threePt" dir="t"/>
+    </dgm:scene3d>
+    <dgm:txPr/>
+    <dgm:style>
+      <a:lnRef idx="2">
+        <a:scrgbClr r="0" g="0" b="0"/>
+      </a:lnRef>
+      <a:fillRef idx="1">
+        <a:scrgbClr r="0" g="0" b="0"/>
+      </a:fillRef>
+      <a:effectRef idx="0">
+        <a:scrgbClr r="0" g="0" b="0"/>
+      </a:effectRef>
+      <a:fontRef idx="minor">
+        <a:schemeClr val="lt1"/>
+      </a:fontRef>
+    </dgm:style>
+  </dgm:styleLbl>
+  <dgm:styleLbl name="node4">
+    <dgm:scene3d>
+      <a:camera prst="orthographicFront"/>
+      <a:lightRig rig="threePt" dir="t"/>
+    </dgm:scene3d>
+    <dgm:txPr/>
+    <dgm:style>
+      <a:lnRef idx="2">
+        <a:scrgbClr r="0" g="0" b="0"/>
+      </a:lnRef>
+      <a:fillRef idx="1">
+        <a:scrgbClr r="0" g="0" b="0"/>
+      </a:fillRef>
+      <a:effectRef idx="0">
+        <a:scrgbClr r="0" g="0" b="0"/>
+      </a:effectRef>
+      <a:fontRef idx="minor">
+        <a:schemeClr val="lt1"/>
+      </a:fontRef>
+    </dgm:style>
+  </dgm:styleLbl>
+  <dgm:styleLbl name="parChTrans1D1">
+    <dgm:scene3d>
+      <a:camera prst="orthographicFront"/>
+      <a:lightRig rig="threePt" dir="t"/>
+    </dgm:scene3d>
+    <dgm:txPr/>
+    <dgm:style>
+      <a:lnRef idx="2">
+        <a:scrgbClr r="0" g="0" b="0"/>
+      </a:lnRef>
+      <a:fillRef idx="0">
+        <a:scrgbClr r="0" g="0" b="0"/>
+      </a:fillRef>
+      <a:effectRef idx="0">
+        <a:scrgbClr r="0" g="0" b="0"/>
+      </a:effectRef>
+      <a:fontRef idx="minor"/>
+    </dgm:style>
+  </dgm:styleLbl>
+  <dgm:styleLbl name="parChTrans1D2">
+    <dgm:scene3d>
+      <a:camera prst="orthographicFront"/>
+      <a:lightRig rig="threePt" dir="t"/>
+    </dgm:scene3d>
+    <dgm:txPr/>
+    <dgm:style>
+      <a:lnRef idx="2">
+        <a:scrgbClr r="0" g="0" b="0"/>
+      </a:lnRef>
+      <a:fillRef idx="0">
+        <a:scrgbClr r="0" g="0" b="0"/>
+      </a:fillRef>
+      <a:effectRef idx="0">
+        <a:scrgbClr r="0" g="0" b="0"/>
+      </a:effectRef>
+      <a:fontRef idx="minor"/>
+    </dgm:style>
+  </dgm:styleLbl>
+  <dgm:styleLbl name="parChTrans1D3">
+    <dgm:scene3d>
+      <a:camera prst="orthographicFront"/>
+      <a:lightRig rig="threePt" dir="t"/>
+    </dgm:scene3d>
+    <dgm:txPr/>
+    <dgm:style>
+      <a:lnRef idx="2">
+        <a:scrgbClr r="0" g="0" b="0"/>
+      </a:lnRef>
+      <a:fillRef idx="0">
+        <a:scrgbClr r="0" g="0" b="0"/>
+      </a:fillRef>
+      <a:effectRef idx="0">
+        <a:scrgbClr r="0" g="0" b="0"/>
+      </a:effectRef>
+      <a:fontRef idx="minor"/>
+    </dgm:style>
+  </dgm:styleLbl>
+  <dgm:styleLbl name="parChTrans1D4">
+    <dgm:scene3d>
+      <a:camera prst="orthographicFront"/>
+      <a:lightRig rig="threePt" dir="t"/>
+    </dgm:scene3d>
+    <dgm:txPr/>
+    <dgm:style>
+      <a:lnRef idx="2">
+        <a:scrgbClr r="0" g="0" b="0"/>
+      </a:lnRef>
+      <a:fillRef idx="0">
+        <a:scrgbClr r="0" g="0" b="0"/>
+      </a:fillRef>
+      <a:effectRef idx="0">
+        <a:scrgbClr r="0" g="0" b="0"/>
+      </a:effectRef>
+      <a:fontRef idx="minor"/>
+    </dgm:style>
+  </dgm:styleLbl>
+  <dgm:styleLbl name="parChTrans2D1">
+    <dgm:scene3d>
+      <a:camera prst="orthographicFront"/>
+      <a:lightRig rig="threePt" dir="t"/>
+    </dgm:scene3d>
+    <dgm:txPr/>
+    <dgm:style>
+      <a:lnRef idx="2">
+        <a:scrgbClr r="0" g="0" b="0"/>
+      </a:lnRef>
+      <a:fillRef idx="1">
+        <a:scrgbClr r="0" g="0" b="0"/>
+      </a:fillRef>
+      <a:effectRef idx="0">
+        <a:scrgbClr r="0" g="0" b="0"/>
+      </a:effectRef>
+      <a:fontRef idx="minor">
+        <a:schemeClr val="lt1"/>
+      </a:fontRef>
+    </dgm:style>
+  </dgm:styleLbl>
+  <dgm:styleLbl name="parChTrans2D2">
+    <dgm:scene3d>
+      <a:camera prst="orthographicFront"/>
+      <a:lightRig rig="threePt" dir="t"/>
+    </dgm:scene3d>
+    <dgm:txPr/>
+    <dgm:style>
+      <a:lnRef idx="2">
+        <a:scrgbClr r="0" g="0" b="0"/>
+      </a:lnRef>
+      <a:fillRef idx="1">
+        <a:scrgbClr r="0" g="0" b="0"/>
+      </a:fillRef>
+      <a:effectRef idx="0">
+        <a:scrgbClr r="0" g="0" b="0"/>
+      </a:effectRef>
+      <a:fontRef idx="minor">
+        <a:schemeClr val="lt1"/>
+      </a:fontRef>
+    </dgm:style>
+  </dgm:styleLbl>
+  <dgm:styleLbl name="parChTrans2D3">
+    <dgm:scene3d>
+      <a:camera prst="orthographicFront"/>
+      <a:lightRig rig="threePt" dir="t"/>
+    </dgm:scene3d>
+    <dgm:txPr/>
+    <dgm:style>
+      <a:lnRef idx="2">
+        <a:scrgbClr r="0" g="0" b="0"/>
+      </a:lnRef>
+      <a:fillRef idx="1">
+        <a:scrgbClr r="0" g="0" b="0"/>
+      </a:fillRef>
+      <a:effectRef idx="0">
+        <a:scrgbClr r="0" g="0" b="0"/>
+      </a:effectRef>
+      <a:fontRef idx="minor">
+        <a:schemeClr val="lt1"/>
+      </a:fontRef>
+    </dgm:style>
+  </dgm:styleLbl>
+  <dgm:styleLbl name="parChTrans2D4">
+    <dgm:scene3d>
+      <a:camera prst="orthographicFront"/>
+      <a:lightRig rig="threePt" dir="t"/>
+    </dgm:scene3d>
+    <dgm:txPr/>
+    <dgm:style>
+      <a:lnRef idx="2">
+        <a:scrgbClr r="0" g="0" b="0"/>
+      </a:lnRef>
+      <a:fillRef idx="1">
+        <a:scrgbClr r="0" g="0" b="0"/>
+      </a:fillRef>
+      <a:effectRef idx="0">
+        <a:scrgbClr r="0" g="0" b="0"/>
+      </a:effectRef>
+      <a:fontRef idx="minor">
+        <a:schemeClr val="lt1"/>
+      </a:fontRef>
+    </dgm:style>
+  </dgm:styleLbl>
+  <dgm:styleLbl name="revTx">
+    <dgm:scene3d>
+      <a:camera prst="orthographicFront"/>
+      <a:lightRig rig="threePt" dir="t"/>
+    </dgm:scene3d>
+    <dgm:txPr/>
+    <dgm:style>
+      <a:lnRef idx="0">
+        <a:scrgbClr r="0" g="0" b="0"/>
+      </a:lnRef>
+      <a:fillRef idx="0">
+        <a:scrgbClr r="0" g="0" b="0"/>
+      </a:fillRef>
+      <a:effectRef idx="0">
+        <a:scrgbClr r="0" g="0" b="0"/>
+      </a:effectRef>
+      <a:fontRef idx="minor"/>
+    </dgm:style>
+  </dgm:styleLbl>
+  <dgm:styleLbl name="sibTrans1D1">
+    <dgm:scene3d>
+      <a:camera prst="orthographicFront"/>
+      <a:lightRig rig="threePt" dir="t"/>
+    </dgm:scene3d>
+    <dgm:txPr/>
+    <dgm:style>
+      <a:lnRef idx="1">
+        <a:scrgbClr r="0" g="0" b="0"/>
+      </a:lnRef>
+      <a:fillRef idx="0">
+        <a:scrgbClr r="0" g="0" b="0"/>
+      </a:fillRef>
+      <a:effectRef idx="0">
+        <a:scrgbClr r="0" g="0" b="0"/>
+      </a:effectRef>
+      <a:fontRef idx="minor"/>
+    </dgm:style>
+  </dgm:styleLbl>
+  <dgm:styleLbl name="sibTrans2D1">
+    <dgm:scene3d>
+      <a:camera prst="orthographicFront"/>
+      <a:lightRig rig="threePt" dir="t"/>
+    </dgm:scene3d>
+    <dgm:txPr/>
+    <dgm:style>
+      <a:lnRef idx="0">
+        <a:scrgbClr r="0" g="0" b="0"/>
+      </a:lnRef>
+      <a:fillRef idx="1">
+        <a:scrgbClr r="0" g="0" b="0"/>
+      </a:fillRef>
+      <a:effectRef idx="0">
+        <a:scrgbClr r="0" g="0" b="0"/>
+      </a:effectRef>
+      <a:fontRef idx="minor">
+        <a:schemeClr val="lt1"/>
+      </a:fontRef>
+    </dgm:style>
+  </dgm:styleLbl>
+  <dgm:styleLbl name="solidAlignAcc1">
+    <dgm:scene3d>
+      <a:camera prst="orthographicFront"/>
+      <a:lightRig rig="threePt" dir="t"/>
+    </dgm:scene3d>
+    <dgm:txPr/>
+    <dgm:style>
+      <a:lnRef idx="2">
+        <a:scrgbClr r="0" g="0" b="0"/>
+      </a:lnRef>
+      <a:fillRef idx="1">
+        <a:scrgbClr r="0" g="0" b="0"/>
+      </a:fillRef>
+      <a:effectRef idx="0">
+        <a:scrgbClr r="0" g="0" b="0"/>
+      </a:effectRef>
+      <a:fontRef idx="minor"/>
+    </dgm:style>
+  </dgm:styleLbl>
+  <dgm:styleLbl name="solidBgAcc1">
+    <dgm:scene3d>
+      <a:camera prst="orthographicFront"/>
+      <a:lightRig rig="threePt" dir="t"/>
+    </dgm:scene3d>
+    <dgm:txPr/>
+    <dgm:style>
+      <a:lnRef idx="2">
+        <a:scrgbClr r="0" g="0" b="0"/>
+      </a:lnRef>
+      <a:fillRef idx="1">
+        <a:scrgbClr r="0" g="0" b="0"/>
+      </a:fillRef>
+      <a:effectRef idx="0">
+        <a:scrgbClr r="0" g="0" b="0"/>
+      </a:effectRef>
+      <a:fontRef idx="minor"/>
+    </dgm:style>
+  </dgm:styleLbl>
+  <dgm:styleLbl name="solidFgAcc1">
+    <dgm:scene3d>
+      <a:camera prst="orthographicFront"/>
+      <a:lightRig rig="threePt" dir="t"/>
+    </dgm:scene3d>
+    <dgm:txPr/>
+    <dgm:style>
+      <a:lnRef idx="2">
+        <a:scrgbClr r="0" g="0" b="0"/>
+      </a:lnRef>
+      <a:fillRef idx="1">
+        <a:scrgbClr r="0" g="0" b="0"/>
+      </a:fillRef>
+      <a:effectRef idx="0">
+        <a:scrgbClr r="0" g="0" b="0"/>
+      </a:effectRef>
+      <a:fontRef idx="minor"/>
+    </dgm:style>
+  </dgm:styleLbl>
+  <dgm:styleLbl name="trAlignAcc1">
+    <dgm:scene3d>
+      <a:camera prst="orthographicFront"/>
+      <a:lightRig rig="threePt" dir="t"/>
+    </dgm:scene3d>
+    <dgm:txPr/>
+    <dgm:style>
+      <a:lnRef idx="1">
+        <a:scrgbClr r="0" g="0" b="0"/>
+      </a:lnRef>
+      <a:fillRef idx="1">
+        <a:scrgbClr r="0" g="0" b="0"/>
+      </a:fillRef>
+      <a:effectRef idx="0">
+        <a:scrgbClr r="0" g="0" b="0"/>
+      </a:effectRef>
+      <a:fontRef idx="minor"/>
+    </dgm:style>
+  </dgm:styleLbl>
+  <dgm:styleLbl name="trBgShp">
+    <dgm:scene3d>
+      <a:camera prst="orthographicFront"/>
+      <a:lightRig rig="threePt" dir="t"/>
+    </dgm:scene3d>
+    <dgm:txPr/>
+    <dgm:style>
+      <a:lnRef idx="0">
+        <a:scrgbClr r="0" g="0" b="0"/>
+      </a:lnRef>
+      <a:fillRef idx="1">
+        <a:scrgbClr r="0" g="0" b="0"/>
+      </a:fillRef>
+      <a:effectRef idx="0">
+        <a:scrgbClr r="0" g="0" b="0"/>
+      </a:effectRef>
+      <a:fontRef idx="minor"/>
+    </dgm:style>
+  </dgm:styleLbl>
+  <dgm:styleLbl name="vennNode1">
+    <dgm:scene3d>
+      <a:camera prst="orthographicFront"/>
+      <a:lightRig rig="threePt" dir="t"/>
+    </dgm:scene3d>
+    <dgm:txPr/>
+    <dgm:style>
+      <a:lnRef idx="2">
+        <a:scrgbClr r="0" g="0" b="0"/>
+      </a:lnRef>
+      <a:fillRef idx="1">
+        <a:scrgbClr r="0" g="0" b="0"/>
+      </a:fillRef>
+      <a:effectRef idx="0">
+        <a:scrgbClr r="0" g="0" b="0"/>
+      </a:effectRef>
+      <a:fontRef idx="minor">
+        <a:schemeClr val="tx1"/>
+      </a:fontRef>
+    </dgm:style>
+  </dgm:styleLbl>
+</dgm:styleDef>
+</file>
+
+<file path=ppt/diagrams/quickStyle3.xml><?xml version="1.0" encoding="utf-8"?>
 <dgm:styleDef xmlns:dgm="http://schemas.openxmlformats.org/drawingml/2006/diagram" xmlns:a="http://schemas.openxmlformats.org/drawingml/2006/main" uniqueId="urn:microsoft.com/office/officeart/2005/8/quickstyle/simple1">
   <dgm:title val=""/>
   <dgm:desc val=""/>
@@ -7617,7 +12366,7 @@
       <p:grpSpPr/>
       <p:sp>
         <p:nvSpPr>
-          <p:cNvPr id="2" name="Title 1"/>
+          <p:cNvPr id="4" name="Title 3"/>
           <p:cNvSpPr>
             <a:spLocks noGrp="1"/>
           </p:cNvSpPr>
@@ -7631,7 +12380,7 @@
           <a:p>
             <a:r>
               <a:rPr lang="en-US" altLang="en-US"/>
-              <a:t>Motivasi Menghafal Alquran → Definisi</a:t>
+              <a:t>Motivasi Menghafal Alquran → Faktor yang Mempengaruhi</a:t>
             </a:r>
             <a:endParaRPr lang="en-US" altLang="en-US"/>
           </a:p>
@@ -7639,7 +12388,7 @@
       </p:sp>
       <p:sp>
         <p:nvSpPr>
-          <p:cNvPr id="3" name="Text Placeholder 2"/>
+          <p:cNvPr id="5" name="Text Placeholder 4"/>
           <p:cNvSpPr>
             <a:spLocks noGrp="1"/>
           </p:cNvSpPr>
@@ -7653,7 +12402,7 @@
           <a:p>
             <a:r>
               <a:rPr lang="en-US"/>
-              <a:t>Kamus Besar Bahasa Indonesia (2008)</a:t>
+              <a:t>Santrock (2014)</a:t>
             </a:r>
             <a:endParaRPr lang="en-US"/>
           </a:p>
@@ -7661,7 +12410,7 @@
       </p:sp>
       <p:sp>
         <p:nvSpPr>
-          <p:cNvPr id="4" name="Content Placeholder 3"/>
+          <p:cNvPr id="6" name="Content Placeholder 5"/>
           <p:cNvSpPr>
             <a:spLocks noGrp="1"/>
           </p:cNvSpPr>
@@ -7673,24 +12422,72 @@
         <p:txBody>
           <a:bodyPr/>
           <a:p>
-            <a:pPr marL="0" indent="0">
-              <a:buNone/>
-            </a:pPr>
-            <a:r>
-              <a:rPr lang="en-US" altLang="en-US" sz="2600" b="1"/>
-              <a:t>Menghafal: </a:t>
-            </a:r>
-            <a:r>
-              <a:rPr lang="en-US" altLang="en-US" sz="2600"/>
-              <a:t>Berasal dari kata dasar hafal yang memiliki dua arti: telah masuk dalam ingatan (tentang pelajaran), dan dapat mengucapkan di luar kepala (tanpa melihat buku atau catatan lain). Adapun arti menghafal adalah berusaha meresapkan ke dalam pikiran agar selalu ingat.</a:t>
-            </a:r>
-            <a:endParaRPr lang="en-US" altLang="en-US" sz="2600"/>
+            <a:r>
+              <a:rPr lang="en-US" sz="2200"/>
+              <a:t>Faktor individu</a:t>
+            </a:r>
+            <a:endParaRPr lang="en-US" sz="2200"/>
+          </a:p>
+          <a:p>
+            <a:pPr lvl="1"/>
+            <a:r>
+              <a:rPr lang="en-US" sz="2200"/>
+              <a:t>pertumbuhan atau kematangan</a:t>
+            </a:r>
+            <a:endParaRPr lang="en-US" sz="2200"/>
+          </a:p>
+          <a:p>
+            <a:pPr lvl="1"/>
+            <a:r>
+              <a:rPr lang="en-US" sz="2200"/>
+              <a:t>kepandaian</a:t>
+            </a:r>
+            <a:endParaRPr lang="en-US" sz="2200"/>
+          </a:p>
+          <a:p>
+            <a:pPr lvl="1"/>
+            <a:r>
+              <a:rPr lang="en-US" sz="2200"/>
+              <a:t>pelatihan</a:t>
+            </a:r>
+            <a:endParaRPr lang="en-US" sz="2200"/>
+          </a:p>
+          <a:p>
+            <a:r>
+              <a:rPr lang="en-US" sz="2200"/>
+              <a:t>Faktor kemasyarakatan</a:t>
+            </a:r>
+            <a:endParaRPr lang="en-US" sz="2200"/>
+          </a:p>
+          <a:p>
+            <a:pPr lvl="1"/>
+            <a:r>
+              <a:rPr lang="en-US" sz="2200"/>
+              <a:t>keluarga atau kondisi kerumahtanggaan</a:t>
+            </a:r>
+            <a:endParaRPr lang="en-US" sz="2200"/>
+          </a:p>
+          <a:p>
+            <a:pPr lvl="1"/>
+            <a:r>
+              <a:rPr lang="en-US" sz="2200"/>
+              <a:t>alat-alat dalam belajar</a:t>
+            </a:r>
+            <a:endParaRPr lang="en-US" sz="2200"/>
+          </a:p>
+          <a:p>
+            <a:pPr lvl="1"/>
+            <a:r>
+              <a:rPr lang="en-US" sz="2200"/>
+              <a:t>guru dengan cara pengajarannya</a:t>
+            </a:r>
+            <a:endParaRPr lang="en-US" sz="2200"/>
           </a:p>
         </p:txBody>
       </p:sp>
       <p:sp>
         <p:nvSpPr>
-          <p:cNvPr id="5" name="Text Placeholder 4"/>
+          <p:cNvPr id="7" name="Text Placeholder 6"/>
           <p:cNvSpPr>
             <a:spLocks noGrp="1"/>
           </p:cNvSpPr>
@@ -7702,17 +12499,13 @@
         <p:txBody>
           <a:bodyPr/>
           <a:p>
-            <a:r>
-              <a:rPr lang="en-US"/>
-              <a:t>Shihab (2013)</a:t>
-            </a:r>
             <a:endParaRPr lang="en-US"/>
           </a:p>
         </p:txBody>
       </p:sp>
       <p:sp>
         <p:nvSpPr>
-          <p:cNvPr id="6" name="Content Placeholder 5"/>
+          <p:cNvPr id="8" name="Content Placeholder 7"/>
           <p:cNvSpPr>
             <a:spLocks noGrp="1"/>
           </p:cNvSpPr>
@@ -7724,18 +12517,114 @@
         <p:txBody>
           <a:bodyPr/>
           <a:p>
-            <a:pPr marL="0" indent="0">
-              <a:buNone/>
-            </a:pPr>
-            <a:r>
-              <a:rPr lang="en-US" altLang="en-US" sz="3100" b="1"/>
-              <a:t>Alquran:</a:t>
-            </a:r>
-            <a:r>
-              <a:rPr lang="en-US" altLang="en-US" sz="3100"/>
-              <a:t> Firman-firman Allah Subhanahu wa Taala yang disampaikan oleh malaikat Jibril sesuai dengan redaksi-Nya kepada Nabi Muhammad Shallallahu Alaihi wa Sallam.</a:t>
-            </a:r>
-            <a:endParaRPr lang="en-US" altLang="en-US" sz="3100"/>
+            <a:r>
+              <a:rPr lang="en-US" altLang="en-US" sz="1400"/>
+              <a:t>Faktor internal</a:t>
+            </a:r>
+            <a:endParaRPr lang="en-US" altLang="en-US" sz="1400"/>
+          </a:p>
+          <a:p>
+            <a:pPr lvl="1"/>
+            <a:r>
+              <a:rPr lang="en-US" altLang="en-US" sz="1400"/>
+              <a:t>Faktor jasmaniah</a:t>
+            </a:r>
+            <a:endParaRPr lang="en-US" altLang="en-US" sz="1400"/>
+          </a:p>
+          <a:p>
+            <a:pPr lvl="1"/>
+            <a:r>
+              <a:rPr lang="en-US" altLang="en-US" sz="1400"/>
+              <a:t>Faktor psikologis</a:t>
+            </a:r>
+            <a:endParaRPr lang="en-US" altLang="en-US" sz="1400"/>
+          </a:p>
+          <a:p>
+            <a:r>
+              <a:rPr lang="en-US" altLang="en-US" sz="1400"/>
+              <a:t>Faktor eksternal</a:t>
+            </a:r>
+            <a:endParaRPr lang="en-US" altLang="en-US" sz="1400"/>
+          </a:p>
+          <a:p>
+            <a:pPr lvl="1"/>
+            <a:r>
+              <a:rPr lang="en-US" altLang="en-US" sz="1400"/>
+              <a:t>Faktor keluarga</a:t>
+            </a:r>
+            <a:endParaRPr lang="en-US" altLang="en-US" sz="1400"/>
+          </a:p>
+          <a:p>
+            <a:pPr lvl="2"/>
+            <a:r>
+              <a:rPr lang="en-US" altLang="en-US" sz="1400"/>
+              <a:t>Orangtua</a:t>
+            </a:r>
+            <a:endParaRPr lang="en-US" altLang="en-US" sz="1400"/>
+          </a:p>
+          <a:p>
+            <a:pPr lvl="2"/>
+            <a:r>
+              <a:rPr lang="en-US" altLang="en-US" sz="1400"/>
+              <a:t>Relasi antaranggota keluarga</a:t>
+            </a:r>
+            <a:endParaRPr lang="en-US" altLang="en-US" sz="1400"/>
+          </a:p>
+          <a:p>
+            <a:pPr lvl="1"/>
+            <a:r>
+              <a:rPr lang="en-US" altLang="en-US" sz="1400"/>
+              <a:t>Faktor sekolah</a:t>
+            </a:r>
+            <a:endParaRPr lang="en-US" altLang="en-US" sz="1400"/>
+          </a:p>
+          <a:p>
+            <a:pPr lvl="2"/>
+            <a:r>
+              <a:rPr lang="en-US" altLang="en-US" sz="1400"/>
+              <a:t>Kurikulum</a:t>
+            </a:r>
+            <a:endParaRPr lang="en-US" altLang="en-US" sz="1400"/>
+          </a:p>
+          <a:p>
+            <a:pPr lvl="2"/>
+            <a:r>
+              <a:rPr lang="en-US" altLang="en-US" sz="1400"/>
+              <a:t>Dukungan guru</a:t>
+            </a:r>
+            <a:endParaRPr lang="en-US" altLang="en-US" sz="1400"/>
+          </a:p>
+          <a:p>
+            <a:pPr lvl="2"/>
+            <a:r>
+              <a:rPr lang="en-US" altLang="en-US" sz="1400"/>
+              <a:t>Lingkungan</a:t>
+            </a:r>
+            <a:endParaRPr lang="en-US" altLang="en-US" sz="1400"/>
+          </a:p>
+          <a:p>
+            <a:pPr lvl="1"/>
+            <a:r>
+              <a:rPr lang="en-US" altLang="en-US" sz="1400"/>
+              <a:t>Faktor masyarakat</a:t>
+            </a:r>
+            <a:endParaRPr lang="en-US" altLang="en-US" sz="1400"/>
+          </a:p>
+          <a:p>
+            <a:pPr lvl="2"/>
+            <a:r>
+              <a:rPr lang="en-US" altLang="en-US" sz="1400"/>
+              <a:t>Media massa</a:t>
+            </a:r>
+            <a:endParaRPr lang="en-US" altLang="en-US" sz="1400"/>
+          </a:p>
+          <a:p>
+            <a:pPr lvl="2"/>
+            <a:r>
+              <a:rPr lang="en-US" altLang="en-US" sz="1400"/>
+              <a:t>Teman</a:t>
+            </a:r>
+            <a:endParaRPr lang="en-US" altLang="en-US" sz="1400"/>
           </a:p>
         </p:txBody>
       </p:sp>
@@ -7772,16 +12661,20 @@
           <a:bodyPr/>
           <a:p>
             <a:r>
-              <a:rPr lang="en-US" altLang="en-US"/>
-              <a:t>Motivasi Menghafal Alquran → Definisi</a:t>
-            </a:r>
-            <a:endParaRPr lang="en-US" altLang="en-US"/>
+              <a:rPr lang="en-US" altLang="en-US">
+                <a:sym typeface="+mn-ea"/>
+              </a:rPr>
+              <a:t>Motivasi Menghafal Alquran → Aspek</a:t>
+            </a:r>
+            <a:endParaRPr lang="en-US" altLang="en-US">
+              <a:sym typeface="+mn-ea"/>
+            </a:endParaRPr>
           </a:p>
         </p:txBody>
       </p:sp>
       <p:sp>
         <p:nvSpPr>
-          <p:cNvPr id="7" name="Text Placeholder 6"/>
+          <p:cNvPr id="3" name="Text Placeholder 2"/>
           <p:cNvSpPr>
             <a:spLocks noGrp="1"/>
           </p:cNvSpPr>
@@ -7794,14 +12687,118 @@
           <a:bodyPr/>
           <a:p>
             <a:r>
-              <a:rPr lang="en-US" altLang="en-US" sz="2000" b="1"/>
-              <a:t>Motivasi menghafal Alquran: </a:t>
-            </a:r>
-            <a:r>
-              <a:rPr lang="en-US" altLang="en-US" sz="2000"/>
-              <a:t>keseluruhan daya penggerak baik dari dalam maupun dari luar diri individu dengan menciptakan perasaan untuk menyediakan kondisi-kondisi tertentu yang menjamin kelangsungan hidup dan memberikan arah pada kegiatan menghafal Alquran, sehingga dapat tetap tercapainya tujuan di dalam proses menghafal Alquran.</a:t>
-            </a:r>
-            <a:endParaRPr lang="en-US" altLang="en-US" sz="2000"/>
+              <a:rPr lang="en-US"/>
+              <a:t>Uno (2008)</a:t>
+            </a:r>
+            <a:endParaRPr lang="en-US"/>
+          </a:p>
+        </p:txBody>
+      </p:sp>
+      <p:sp>
+        <p:nvSpPr>
+          <p:cNvPr id="4" name="Content Placeholder 3"/>
+          <p:cNvSpPr>
+            <a:spLocks noGrp="1"/>
+          </p:cNvSpPr>
+          <p:nvPr>
+            <p:ph sz="half" idx="2"/>
+          </p:nvPr>
+        </p:nvSpPr>
+        <p:spPr/>
+        <p:txBody>
+          <a:bodyPr/>
+          <a:p>
+            <a:r>
+              <a:rPr lang="en-US" sz="2400"/>
+              <a:t>Hasrat dan Keinginan Berhasil</a:t>
+            </a:r>
+            <a:endParaRPr lang="en-US" sz="2400"/>
+          </a:p>
+          <a:p>
+            <a:r>
+              <a:rPr lang="en-US" sz="2400"/>
+              <a:t>Dorongan dan Kebutuhan dalam Belajar</a:t>
+            </a:r>
+            <a:endParaRPr lang="en-US" sz="2400"/>
+          </a:p>
+          <a:p>
+            <a:r>
+              <a:rPr lang="en-US" sz="2400"/>
+              <a:t>Harapan dan Cita-Cita Masa Depan</a:t>
+            </a:r>
+            <a:endParaRPr lang="en-US" sz="2400"/>
+          </a:p>
+          <a:p>
+            <a:r>
+              <a:rPr lang="en-US" sz="2400"/>
+              <a:t>Penghargaan dalam Belajar</a:t>
+            </a:r>
+            <a:endParaRPr lang="en-US" sz="2400"/>
+          </a:p>
+          <a:p>
+            <a:r>
+              <a:rPr lang="en-US" sz="2400"/>
+              <a:t>Kegiatan yang Menarik dalam Belajar</a:t>
+            </a:r>
+            <a:endParaRPr lang="en-US" sz="2400"/>
+          </a:p>
+          <a:p>
+            <a:r>
+              <a:rPr lang="en-US" sz="2400"/>
+              <a:t>Lingkungan Belajar yang Kondusif</a:t>
+            </a:r>
+            <a:endParaRPr lang="en-US" sz="2400"/>
+          </a:p>
+        </p:txBody>
+      </p:sp>
+      <p:sp>
+        <p:nvSpPr>
+          <p:cNvPr id="5" name="Text Placeholder 4"/>
+          <p:cNvSpPr>
+            <a:spLocks noGrp="1"/>
+          </p:cNvSpPr>
+          <p:nvPr>
+            <p:ph type="body" sz="quarter" idx="3"/>
+          </p:nvPr>
+        </p:nvSpPr>
+        <p:spPr/>
+        <p:txBody>
+          <a:bodyPr/>
+          <a:p>
+            <a:r>
+              <a:rPr lang="en-US"/>
+              <a:t>Hamalik (2010)</a:t>
+            </a:r>
+            <a:endParaRPr lang="en-US"/>
+          </a:p>
+        </p:txBody>
+      </p:sp>
+      <p:sp>
+        <p:nvSpPr>
+          <p:cNvPr id="6" name="Content Placeholder 5"/>
+          <p:cNvSpPr>
+            <a:spLocks noGrp="1"/>
+          </p:cNvSpPr>
+          <p:nvPr>
+            <p:ph sz="quarter" idx="4"/>
+          </p:nvPr>
+        </p:nvSpPr>
+        <p:spPr/>
+        <p:txBody>
+          <a:bodyPr/>
+          <a:p>
+            <a:r>
+              <a:rPr lang="en-US"/>
+              <a:t>Motivasi Intrinsik</a:t>
+            </a:r>
+            <a:endParaRPr lang="en-US"/>
+          </a:p>
+          <a:p>
+            <a:r>
+              <a:rPr lang="en-US"/>
+              <a:t>Motivasi Ekstrinsik</a:t>
+            </a:r>
+            <a:endParaRPr lang="en-US"/>
           </a:p>
         </p:txBody>
       </p:sp>
@@ -7825,7 +12822,7 @@
       <p:grpSpPr/>
       <p:sp>
         <p:nvSpPr>
-          <p:cNvPr id="4" name="Title 3"/>
+          <p:cNvPr id="2" name="Title 1"/>
           <p:cNvSpPr>
             <a:spLocks noGrp="1"/>
           </p:cNvSpPr>
@@ -7839,7 +12836,7 @@
           <a:p>
             <a:r>
               <a:rPr lang="en-US" altLang="en-US"/>
-              <a:t>Motivasi Menghafal Alquran → Faktor yang Mempengaruhi</a:t>
+              <a:t>Efikasi Diri → Definisi</a:t>
             </a:r>
             <a:endParaRPr lang="en-US" altLang="en-US"/>
           </a:p>
@@ -7847,7 +12844,7 @@
       </p:sp>
       <p:sp>
         <p:nvSpPr>
-          <p:cNvPr id="5" name="Text Placeholder 4"/>
+          <p:cNvPr id="3" name="Text Placeholder 2"/>
           <p:cNvSpPr>
             <a:spLocks noGrp="1"/>
           </p:cNvSpPr>
@@ -7861,7 +12858,7 @@
           <a:p>
             <a:r>
               <a:rPr lang="en-US"/>
-              <a:t>Santrock (2014)</a:t>
+              <a:t>Bandura (2002)</a:t>
             </a:r>
             <a:endParaRPr lang="en-US"/>
           </a:p>
@@ -7869,7 +12866,7 @@
       </p:sp>
       <p:sp>
         <p:nvSpPr>
-          <p:cNvPr id="6" name="Content Placeholder 5"/>
+          <p:cNvPr id="4" name="Content Placeholder 3"/>
           <p:cNvSpPr>
             <a:spLocks noGrp="1"/>
           </p:cNvSpPr>
@@ -7881,64 +12878,16 @@
         <p:txBody>
           <a:bodyPr/>
           <a:p>
+            <a:pPr marL="0" indent="0">
+              <a:buNone/>
+            </a:pPr>
+            <a:r>
+              <a:rPr lang="en-US" altLang="en-US" sz="2200"/>
+              <a:t>E</a:t>
+            </a:r>
             <a:r>
               <a:rPr lang="en-US" sz="2200"/>
-              <a:t>Faktor individu</a:t>
-            </a:r>
-            <a:endParaRPr lang="en-US" sz="2200"/>
-          </a:p>
-          <a:p>
-            <a:pPr lvl="1"/>
-            <a:r>
-              <a:rPr lang="en-US" sz="2200"/>
-              <a:t>pertumbuhan atau kematangan</a:t>
-            </a:r>
-            <a:endParaRPr lang="en-US" sz="2200"/>
-          </a:p>
-          <a:p>
-            <a:pPr lvl="1"/>
-            <a:r>
-              <a:rPr lang="en-US" sz="2200"/>
-              <a:t>kepandaian</a:t>
-            </a:r>
-            <a:endParaRPr lang="en-US" sz="2200"/>
-          </a:p>
-          <a:p>
-            <a:pPr lvl="1"/>
-            <a:r>
-              <a:rPr lang="en-US" sz="2200"/>
-              <a:t>pelatihan</a:t>
-            </a:r>
-            <a:endParaRPr lang="en-US" sz="2200"/>
-          </a:p>
-          <a:p>
-            <a:r>
-              <a:rPr lang="en-US" sz="2200"/>
-              <a:t>Faktor kemasyarakatan</a:t>
-            </a:r>
-            <a:endParaRPr lang="en-US" sz="2200"/>
-          </a:p>
-          <a:p>
-            <a:pPr lvl="1"/>
-            <a:r>
-              <a:rPr lang="en-US" sz="2200"/>
-              <a:t>keluarga atau kondisi kerumahtanggaan</a:t>
-            </a:r>
-            <a:endParaRPr lang="en-US" sz="2200"/>
-          </a:p>
-          <a:p>
-            <a:pPr lvl="1"/>
-            <a:r>
-              <a:rPr lang="en-US" sz="2200"/>
-              <a:t>alat-alat dalam belajar</a:t>
-            </a:r>
-            <a:endParaRPr lang="en-US" sz="2200"/>
-          </a:p>
-          <a:p>
-            <a:pPr lvl="1"/>
-            <a:r>
-              <a:rPr lang="en-US" sz="2200"/>
-              <a:t>guru dengan cara pengajarannya</a:t>
+              <a:t>fikasi diri adalah keyakinan seorang individu tentang sejauh mana dia menganalisa kemampuannya dalam menyelesaikan suatu tugas untuk mencapai hasil tertentu. Bandura juga menyatakan bahwa efikasi diri adalah suatu gambaran subyektif terhadap kemampuan diri yang bersifat fragmental, yaitu setiap individu mempunyai efikasi diri yang berbeda-beda pada situasi yang berbeda.</a:t>
             </a:r>
             <a:endParaRPr lang="en-US" sz="2200"/>
           </a:p>
@@ -7946,7 +12895,7 @@
       </p:sp>
       <p:sp>
         <p:nvSpPr>
-          <p:cNvPr id="7" name="Text Placeholder 6"/>
+          <p:cNvPr id="5" name="Text Placeholder 4"/>
           <p:cNvSpPr>
             <a:spLocks noGrp="1"/>
           </p:cNvSpPr>
@@ -7958,13 +12907,17 @@
         <p:txBody>
           <a:bodyPr/>
           <a:p>
+            <a:r>
+              <a:rPr lang="en-US"/>
+              <a:t>Carducci (2009)</a:t>
+            </a:r>
             <a:endParaRPr lang="en-US"/>
           </a:p>
         </p:txBody>
       </p:sp>
       <p:sp>
         <p:nvSpPr>
-          <p:cNvPr id="8" name="Content Placeholder 7"/>
+          <p:cNvPr id="6" name="Content Placeholder 5"/>
           <p:cNvSpPr>
             <a:spLocks noGrp="1"/>
           </p:cNvSpPr>
@@ -7976,114 +12929,18 @@
         <p:txBody>
           <a:bodyPr/>
           <a:p>
-            <a:r>
-              <a:rPr lang="en-US" altLang="en-US" sz="1400"/>
-              <a:t>Faktor internal</a:t>
-            </a:r>
-            <a:endParaRPr lang="en-US" altLang="en-US" sz="1400"/>
-          </a:p>
-          <a:p>
-            <a:pPr lvl="1"/>
-            <a:r>
-              <a:rPr lang="en-US" altLang="en-US" sz="1400"/>
-              <a:t>Faktor jasmaniah</a:t>
-            </a:r>
-            <a:endParaRPr lang="en-US" altLang="en-US" sz="1400"/>
-          </a:p>
-          <a:p>
-            <a:pPr lvl="1"/>
-            <a:r>
-              <a:rPr lang="en-US" altLang="en-US" sz="1400"/>
-              <a:t>Faktor psikologis</a:t>
-            </a:r>
-            <a:endParaRPr lang="en-US" altLang="en-US" sz="1400"/>
-          </a:p>
-          <a:p>
-            <a:r>
-              <a:rPr lang="en-US" altLang="en-US" sz="1400"/>
-              <a:t>Faktor eksternal</a:t>
-            </a:r>
-            <a:endParaRPr lang="en-US" altLang="en-US" sz="1400"/>
-          </a:p>
-          <a:p>
-            <a:pPr lvl="1"/>
-            <a:r>
-              <a:rPr lang="en-US" altLang="en-US" sz="1400"/>
-              <a:t>Faktor keluarga</a:t>
-            </a:r>
-            <a:endParaRPr lang="en-US" altLang="en-US" sz="1400"/>
-          </a:p>
-          <a:p>
-            <a:pPr lvl="2"/>
-            <a:r>
-              <a:rPr lang="en-US" altLang="en-US" sz="1400"/>
-              <a:t>Orangtua</a:t>
-            </a:r>
-            <a:endParaRPr lang="en-US" altLang="en-US" sz="1400"/>
-          </a:p>
-          <a:p>
-            <a:pPr lvl="2"/>
-            <a:r>
-              <a:rPr lang="en-US" altLang="en-US" sz="1400"/>
-              <a:t>Relasi antaranggota keluarga</a:t>
-            </a:r>
-            <a:endParaRPr lang="en-US" altLang="en-US" sz="1400"/>
-          </a:p>
-          <a:p>
-            <a:pPr lvl="1"/>
-            <a:r>
-              <a:rPr lang="en-US" altLang="en-US" sz="1400"/>
-              <a:t>Faktor sekolah</a:t>
-            </a:r>
-            <a:endParaRPr lang="en-US" altLang="en-US" sz="1400"/>
-          </a:p>
-          <a:p>
-            <a:pPr lvl="2"/>
-            <a:r>
-              <a:rPr lang="en-US" altLang="en-US" sz="1400"/>
-              <a:t>Kurikulum</a:t>
-            </a:r>
-            <a:endParaRPr lang="en-US" altLang="en-US" sz="1400"/>
-          </a:p>
-          <a:p>
-            <a:pPr lvl="2"/>
-            <a:r>
-              <a:rPr lang="en-US" altLang="en-US" sz="1400"/>
-              <a:t>Dukungan guru</a:t>
-            </a:r>
-            <a:endParaRPr lang="en-US" altLang="en-US" sz="1400"/>
-          </a:p>
-          <a:p>
-            <a:pPr lvl="2"/>
-            <a:r>
-              <a:rPr lang="en-US" altLang="en-US" sz="1400"/>
-              <a:t>Lingkungan</a:t>
-            </a:r>
-            <a:endParaRPr lang="en-US" altLang="en-US" sz="1400"/>
-          </a:p>
-          <a:p>
-            <a:pPr lvl="1"/>
-            <a:r>
-              <a:rPr lang="en-US" altLang="en-US" sz="1400"/>
-              <a:t>Faktor masyarakat</a:t>
-            </a:r>
-            <a:endParaRPr lang="en-US" altLang="en-US" sz="1400"/>
-          </a:p>
-          <a:p>
-            <a:pPr lvl="2"/>
-            <a:r>
-              <a:rPr lang="en-US" altLang="en-US" sz="1400"/>
-              <a:t>Media massa</a:t>
-            </a:r>
-            <a:endParaRPr lang="en-US" altLang="en-US" sz="1400"/>
-          </a:p>
-          <a:p>
-            <a:pPr lvl="2"/>
-            <a:r>
-              <a:rPr lang="en-US" altLang="en-US" sz="1400"/>
-              <a:t>Teman</a:t>
-            </a:r>
-            <a:endParaRPr lang="en-US" altLang="en-US" sz="1400"/>
+            <a:pPr marL="0" indent="0">
+              <a:buNone/>
+            </a:pPr>
+            <a:r>
+              <a:rPr lang="en-US" altLang="en-US" sz="3500"/>
+              <a:t>E</a:t>
+            </a:r>
+            <a:r>
+              <a:rPr lang="en-US" sz="3500"/>
+              <a:t>fikasi diri adalah keyakinan individu bahwa dia mampu menjalankan perilaku tertentu sebagai usaha dalam mengatasi situasi tertentu.</a:t>
+            </a:r>
+            <a:endParaRPr lang="en-US" sz="3500"/>
           </a:p>
         </p:txBody>
       </p:sp>
@@ -8120,14 +12977,10 @@
           <a:bodyPr/>
           <a:p>
             <a:r>
-              <a:rPr lang="en-US" altLang="en-US">
-                <a:sym typeface="+mn-ea"/>
-              </a:rPr>
-              <a:t>Motivasi Menghafal Alquran → Aspek</a:t>
-            </a:r>
-            <a:endParaRPr lang="en-US" altLang="en-US">
-              <a:sym typeface="+mn-ea"/>
-            </a:endParaRPr>
+              <a:rPr lang="en-US" altLang="en-US"/>
+              <a:t>Efikasi Diri → Definisi</a:t>
+            </a:r>
+            <a:endParaRPr lang="en-US" altLang="en-US"/>
           </a:p>
         </p:txBody>
       </p:sp>
@@ -8146,10 +12999,10 @@
           <a:bodyPr/>
           <a:p>
             <a:r>
-              <a:rPr lang="en-US"/>
-              <a:t>Uno (2008)</a:t>
-            </a:r>
-            <a:endParaRPr lang="en-US"/>
+              <a:rPr lang="en-US" altLang="en-US"/>
+              <a:t>Mawanti (2011)</a:t>
+            </a:r>
+            <a:endParaRPr lang="en-US" altLang="en-US"/>
           </a:p>
         </p:txBody>
       </p:sp>
@@ -8167,46 +13020,18 @@
         <p:txBody>
           <a:bodyPr/>
           <a:p>
-            <a:r>
-              <a:rPr lang="en-US" sz="2400"/>
-              <a:t>Hasrat dan Keinginan Berhasil</a:t>
-            </a:r>
-            <a:endParaRPr lang="en-US" sz="2400"/>
-          </a:p>
-          <a:p>
-            <a:r>
-              <a:rPr lang="en-US" sz="2400"/>
-              <a:t>Dorongan dan Kebutuhan dalam Belajar</a:t>
-            </a:r>
-            <a:endParaRPr lang="en-US" sz="2400"/>
-          </a:p>
-          <a:p>
-            <a:r>
-              <a:rPr lang="en-US" sz="2400"/>
-              <a:t>Harapan dan Cita-Cita Masa Depan</a:t>
-            </a:r>
-            <a:endParaRPr lang="en-US" sz="2400"/>
-          </a:p>
-          <a:p>
-            <a:r>
-              <a:rPr lang="en-US" sz="2400"/>
-              <a:t>Penghargaan dalam Belajar</a:t>
-            </a:r>
-            <a:endParaRPr lang="en-US" sz="2400"/>
-          </a:p>
-          <a:p>
-            <a:r>
-              <a:rPr lang="en-US" sz="2400"/>
-              <a:t>Kegiatan yang Menarik dalam Belajar</a:t>
-            </a:r>
-            <a:endParaRPr lang="en-US" sz="2400"/>
-          </a:p>
-          <a:p>
-            <a:r>
-              <a:rPr lang="en-US" sz="2400"/>
-              <a:t>Lingkungan Belajar yang Kondusif</a:t>
-            </a:r>
-            <a:endParaRPr lang="en-US" sz="2400"/>
+            <a:pPr marL="0" indent="0">
+              <a:buNone/>
+            </a:pPr>
+            <a:r>
+              <a:rPr lang="en-US" altLang="en-US" sz="2700"/>
+              <a:t>E</a:t>
+            </a:r>
+            <a:r>
+              <a:rPr lang="en-US" sz="2700"/>
+              <a:t>fikasi diri adalah keyakinan seseorang bahwa ia mampu melakukan tugas tertentu dengan baik. Efikasi diri memiliki keefektifan, yaitu individu mampu menilai dirinya memiliki kekuatan menghasilkan pengaruh yang diinginkan.</a:t>
+            </a:r>
+            <a:endParaRPr lang="en-US" sz="2700"/>
           </a:p>
         </p:txBody>
       </p:sp>
@@ -8226,7 +13051,7 @@
           <a:p>
             <a:r>
               <a:rPr lang="en-US"/>
-              <a:t>Hamalik (2010)</a:t>
+              <a:t>Ormrod (2011)</a:t>
             </a:r>
             <a:endParaRPr lang="en-US"/>
           </a:p>
@@ -8246,18 +13071,18 @@
         <p:txBody>
           <a:bodyPr/>
           <a:p>
-            <a:r>
-              <a:rPr lang="en-US"/>
-              <a:t>Motivasi Intrinsik</a:t>
-            </a:r>
-            <a:endParaRPr lang="en-US"/>
-          </a:p>
-          <a:p>
-            <a:r>
-              <a:rPr lang="en-US"/>
-              <a:t>Motivasi Ekstrinsik</a:t>
-            </a:r>
-            <a:endParaRPr lang="en-US"/>
+            <a:pPr marL="0" indent="0">
+              <a:buNone/>
+            </a:pPr>
+            <a:r>
+              <a:rPr lang="en-US" altLang="en-US" sz="3500"/>
+              <a:t>E</a:t>
+            </a:r>
+            <a:r>
+              <a:rPr lang="en-US" sz="3500"/>
+              <a:t>fikasi diri adalah suatu penilaian subyektif mengenai kemampuannya untuk melaksanakan atau mencapai tujuan tertentu.</a:t>
+            </a:r>
+            <a:endParaRPr lang="en-US" sz="3500"/>
           </a:p>
         </p:txBody>
       </p:sp>
@@ -8316,10 +13141,10 @@
           <a:bodyPr/>
           <a:p>
             <a:r>
-              <a:rPr lang="en-US"/>
-              <a:t>Bandura (2002)</a:t>
-            </a:r>
-            <a:endParaRPr lang="en-US"/>
+              <a:rPr lang="en-US" altLang="en-US"/>
+              <a:t>Alwisol (2014)</a:t>
+            </a:r>
+            <a:endParaRPr lang="en-US" altLang="en-US"/>
           </a:p>
         </p:txBody>
       </p:sp>
@@ -8341,14 +13166,14 @@
               <a:buNone/>
             </a:pPr>
             <a:r>
+              <a:rPr lang="en-US" sz="2200"/>
+              <a:t>Efikasi diri adalah penilaian diri, apakah dapat melakukan tindakan yang baik atau salah, bias atau tidak bisa mengerjakan sesuai dengan yang diisyaratkan. Efikasi diri berbeda dengan aspirasi (cita-cita). Karena cita-cita menggambarkan sesuatu yang ideal yang seharusnya dapat dicapai, sedangkan efikasi diri menggambarkan penilaian kemampuan diri</a:t>
+            </a:r>
+            <a:r>
               <a:rPr lang="en-US" altLang="en-US" sz="2200"/>
-              <a:t>E</a:t>
-            </a:r>
-            <a:r>
-              <a:rPr lang="en-US" sz="2200"/>
-              <a:t>fikasi diri adalah keyakinan seorang individu tentang sejauh mana dia menganalisa kemampuannya dalam menyelesaikan suatu tugas untuk mencapai hasil tertentu. Bandura juga menyatakan bahwa efikasi diri adalah suatu gambaran subyektif terhadap kemampuan diri yang bersifat fragmental, yaitu setiap individu mempunyai efikasi diri yang berbeda-beda pada situasi yang berbeda.</a:t>
-            </a:r>
-            <a:endParaRPr lang="en-US" sz="2200"/>
+              <a:t>.</a:t>
+            </a:r>
+            <a:endParaRPr lang="en-US" altLang="en-US" sz="2200"/>
           </a:p>
         </p:txBody>
       </p:sp>
@@ -8366,10 +13191,6 @@
         <p:txBody>
           <a:bodyPr/>
           <a:p>
-            <a:r>
-              <a:rPr lang="en-US"/>
-              <a:t>Carducci (2009)</a:t>
-            </a:r>
             <a:endParaRPr lang="en-US"/>
           </a:p>
         </p:txBody>
@@ -8392,14 +13213,14 @@
               <a:buNone/>
             </a:pPr>
             <a:r>
-              <a:rPr lang="en-US" altLang="en-US" sz="3500"/>
+              <a:rPr lang="en-US" altLang="en-US" sz="3400"/>
               <a:t>E</a:t>
             </a:r>
             <a:r>
-              <a:rPr lang="en-US" sz="3500"/>
-              <a:t>fikasi diri adalah keyakinan individu bahwa dia mampu menjalankan perilaku tertentu sebagai usaha dalam mengatasi situasi tertentu.</a:t>
-            </a:r>
-            <a:endParaRPr lang="en-US" sz="3500"/>
+              <a:rPr lang="en-US" sz="3400"/>
+              <a:t>fikasi diri adalah keyakinan seorang individu pada kemampuannya untuk melakukan suatu perilaku dalam menghadapi situasi atau tugas tertentu.</a:t>
+            </a:r>
+            <a:endParaRPr lang="en-US" sz="3400"/>
           </a:p>
         </p:txBody>
       </p:sp>
@@ -8437,7 +13258,7 @@
           <a:p>
             <a:r>
               <a:rPr lang="en-US" altLang="en-US"/>
-              <a:t>Efikasi Diri → Definisi</a:t>
+              <a:t>Efikasi Diri → Faktor yang Mempengaruhi</a:t>
             </a:r>
             <a:endParaRPr lang="en-US" altLang="en-US"/>
           </a:p>
@@ -8459,7 +13280,7 @@
           <a:p>
             <a:r>
               <a:rPr lang="en-US" altLang="en-US"/>
-              <a:t>Mawanti (2011)</a:t>
+              <a:t>Bandura (2002)</a:t>
             </a:r>
             <a:endParaRPr lang="en-US" altLang="en-US"/>
           </a:p>
@@ -8479,18 +13300,32 @@
         <p:txBody>
           <a:bodyPr/>
           <a:p>
-            <a:pPr marL="0" indent="0">
-              <a:buNone/>
-            </a:pPr>
-            <a:r>
-              <a:rPr lang="en-US" altLang="en-US" sz="2700"/>
-              <a:t>E</a:t>
-            </a:r>
-            <a:r>
-              <a:rPr lang="en-US" sz="2700"/>
-              <a:t>fikasi diri adalah keyakinan seseorang bahwa ia mampu melakukan tugas tertentu dengan baik. Efikasi diri memiliki keefektifan, yaitu individu mampu menilai dirinya memiliki kekuatan menghasilkan pengaruh yang diinginkan.</a:t>
-            </a:r>
-            <a:endParaRPr lang="en-US" sz="2700"/>
+            <a:r>
+              <a:rPr lang="en-US" altLang="en-US" sz="2200"/>
+              <a:t>Sifat tugas yang dihadapi</a:t>
+            </a:r>
+            <a:endParaRPr lang="en-US" altLang="en-US" sz="2200"/>
+          </a:p>
+          <a:p>
+            <a:r>
+              <a:rPr lang="en-US" altLang="en-US" sz="2200"/>
+              <a:t>Insentif eksternal</a:t>
+            </a:r>
+            <a:endParaRPr lang="en-US" altLang="en-US" sz="2200"/>
+          </a:p>
+          <a:p>
+            <a:r>
+              <a:rPr lang="en-US" altLang="en-US" sz="2200"/>
+              <a:t>Status individu dalam lingkungan</a:t>
+            </a:r>
+            <a:endParaRPr lang="en-US" altLang="en-US" sz="2200"/>
+          </a:p>
+          <a:p>
+            <a:r>
+              <a:rPr lang="en-US" altLang="en-US" sz="2200"/>
+              <a:t>Informasi tentang kemampuan diri</a:t>
+            </a:r>
+            <a:endParaRPr lang="en-US" altLang="en-US" sz="2200"/>
           </a:p>
         </p:txBody>
       </p:sp>
@@ -8508,10 +13343,6 @@
         <p:txBody>
           <a:bodyPr/>
           <a:p>
-            <a:r>
-              <a:rPr lang="en-US"/>
-              <a:t>Ormrod (2011)</a:t>
-            </a:r>
             <a:endParaRPr lang="en-US"/>
           </a:p>
         </p:txBody>
@@ -8533,15 +13364,7 @@
             <a:pPr marL="0" indent="0">
               <a:buNone/>
             </a:pPr>
-            <a:r>
-              <a:rPr lang="en-US" altLang="en-US" sz="3500"/>
-              <a:t>E</a:t>
-            </a:r>
-            <a:r>
-              <a:rPr lang="en-US" sz="3500"/>
-              <a:t>fikasi diri adalah suatu penilaian subyektif mengenai kemampuannya untuk melaksanakan atau mencapai tujuan tertentu.</a:t>
-            </a:r>
-            <a:endParaRPr lang="en-US" sz="3500"/>
+            <a:endParaRPr lang="en-US" sz="3400"/>
           </a:p>
         </p:txBody>
       </p:sp>
@@ -8579,7 +13402,7 @@
           <a:p>
             <a:r>
               <a:rPr lang="en-US" altLang="en-US"/>
-              <a:t>Efikasi Diri → Definisi</a:t>
+              <a:t>Efikasi Diri → Aspek</a:t>
             </a:r>
             <a:endParaRPr lang="en-US" altLang="en-US"/>
           </a:p>
@@ -8601,7 +13424,7 @@
           <a:p>
             <a:r>
               <a:rPr lang="en-US" altLang="en-US"/>
-              <a:t>Alwisol (2014)</a:t>
+              <a:t>Bandura (2002)</a:t>
             </a:r>
             <a:endParaRPr lang="en-US" altLang="en-US"/>
           </a:p>
@@ -8621,16 +13444,23 @@
         <p:txBody>
           <a:bodyPr/>
           <a:p>
-            <a:pPr marL="0" indent="0">
-              <a:buNone/>
-            </a:pPr>
-            <a:r>
-              <a:rPr lang="en-US" sz="2200"/>
-              <a:t>Efikasi diri adalah penilaian diri, apakah dapat melakukan tindakan yang baik atau salah, bias atau tidak bisa mengerjakan sesuai dengan yang diisyaratkan. Efikasi diri berbeda dengan aspirasi (cita-cita). Karena cita-cita menggambarkan sesuatu yang ideal yang seharusnya dapat dicapai, sedangkan efikasi diri menggambarkan penilaian kemampuan diri</a:t>
-            </a:r>
             <a:r>
               <a:rPr lang="en-US" altLang="en-US" sz="2200"/>
-              <a:t>.</a:t>
+              <a:t>Besaran (magnitude/level)</a:t>
+            </a:r>
+            <a:endParaRPr lang="en-US" altLang="en-US" sz="2200"/>
+          </a:p>
+          <a:p>
+            <a:r>
+              <a:rPr lang="en-US" altLang="en-US" sz="2200"/>
+              <a:t>Luas bidang (generality)</a:t>
+            </a:r>
+            <a:endParaRPr lang="en-US" altLang="en-US" sz="2200"/>
+          </a:p>
+          <a:p>
+            <a:r>
+              <a:rPr lang="en-US" altLang="en-US" sz="2200"/>
+              <a:t>Kekuatan (strength)</a:t>
             </a:r>
             <a:endParaRPr lang="en-US" altLang="en-US" sz="2200"/>
           </a:p>
@@ -8671,14 +13501,6 @@
             <a:pPr marL="0" indent="0">
               <a:buNone/>
             </a:pPr>
-            <a:r>
-              <a:rPr lang="en-US" altLang="en-US" sz="3400"/>
-              <a:t>E</a:t>
-            </a:r>
-            <a:r>
-              <a:rPr lang="en-US" sz="3400"/>
-              <a:t>fikasi diri adalah keyakinan seorang individu pada kemampuannya untuk melakukan suatu perilaku dalam menghadapi situasi atau tugas tertentu.</a:t>
-            </a:r>
             <a:endParaRPr lang="en-US" sz="3400"/>
           </a:p>
         </p:txBody>
@@ -8717,7 +13539,7 @@
           <a:p>
             <a:r>
               <a:rPr lang="en-US" altLang="en-US"/>
-              <a:t>Efikasi Diri → Faktor yang Mempengaruhi</a:t>
+              <a:t>Dukungan Guru Tahfidz → Definisi</a:t>
             </a:r>
             <a:endParaRPr lang="en-US" altLang="en-US"/>
           </a:p>
@@ -8739,7 +13561,7 @@
           <a:p>
             <a:r>
               <a:rPr lang="en-US" altLang="en-US"/>
-              <a:t>Bandura (2002)</a:t>
+              <a:t>Chaplin (2009)</a:t>
             </a:r>
             <a:endParaRPr lang="en-US" altLang="en-US"/>
           </a:p>
@@ -8759,30 +13581,12 @@
         <p:txBody>
           <a:bodyPr/>
           <a:p>
+            <a:pPr marL="0" indent="0">
+              <a:buNone/>
+            </a:pPr>
             <a:r>
               <a:rPr lang="en-US" altLang="en-US" sz="2200"/>
-              <a:t>Sifat tugas yang dihadapi</a:t>
-            </a:r>
-            <a:endParaRPr lang="en-US" altLang="en-US" sz="2200"/>
-          </a:p>
-          <a:p>
-            <a:r>
-              <a:rPr lang="en-US" altLang="en-US" sz="2200"/>
-              <a:t>Insentif eksternal</a:t>
-            </a:r>
-            <a:endParaRPr lang="en-US" altLang="en-US" sz="2200"/>
-          </a:p>
-          <a:p>
-            <a:r>
-              <a:rPr lang="en-US" altLang="en-US" sz="2200"/>
-              <a:t>Status individu dalam lingkungan</a:t>
-            </a:r>
-            <a:endParaRPr lang="en-US" altLang="en-US" sz="2200"/>
-          </a:p>
-          <a:p>
-            <a:r>
-              <a:rPr lang="en-US" altLang="en-US" sz="2200"/>
-              <a:t>Informasi tentang kemampuan diri</a:t>
+              <a:t>Dukungan sosial berasal dari kata dukungan dan sosial. Dukungan adalah mengadakan atau menyediakan sesuatu untuk memenuhi kebutuhan orang lain; dan memberikan dorongan dan pengobaran semangat dan nasehat kepada orang lain dalam situasi pembuatan keputusan. Sedangkan sosial berarti hubungan antara dua orang atau lebih.</a:t>
             </a:r>
             <a:endParaRPr lang="en-US" altLang="en-US" sz="2200"/>
           </a:p>
@@ -8802,6 +13606,10 @@
         <p:txBody>
           <a:bodyPr/>
           <a:p>
+            <a:r>
+              <a:rPr lang="en-US"/>
+              <a:t>Dunst, Trivette, dan Cross (dalam Gousmett, 2006)</a:t>
+            </a:r>
             <a:endParaRPr lang="en-US"/>
           </a:p>
         </p:txBody>
@@ -8823,7 +13631,23 @@
             <a:pPr marL="0" indent="0">
               <a:buNone/>
             </a:pPr>
-            <a:endParaRPr lang="en-US" sz="3400"/>
+            <a:r>
+              <a:rPr lang="en-US" altLang="en-US" sz="2400"/>
+              <a:t>D</a:t>
+            </a:r>
+            <a:r>
+              <a:rPr lang="en-US" sz="2400"/>
+              <a:t>ukungan sosial </a:t>
+            </a:r>
+            <a:r>
+              <a:rPr lang="en-US" altLang="en-US" sz="2400"/>
+              <a:t>adalah </a:t>
+            </a:r>
+            <a:r>
+              <a:rPr lang="en-US" sz="2400"/>
+              <a:t>konstruksi multidimensi yang berisi bantuan fisik dan instrumental; berbagai informasi dan sumber daya; dan menyediakan dukungan emosional dan psikologis. Istilah ini dapat juga berarti suatu pelayanan formal yang diterima dari para professional, organisasi formal, atau yang semiformal.</a:t>
+            </a:r>
+            <a:endParaRPr lang="en-US" sz="2400"/>
           </a:p>
         </p:txBody>
       </p:sp>
@@ -8861,7 +13685,7 @@
           <a:p>
             <a:r>
               <a:rPr lang="en-US" altLang="en-US"/>
-              <a:t>Efikasi Diri → Aspek</a:t>
+              <a:t>Dukungan Guru Tahfidz → Definisi</a:t>
             </a:r>
             <a:endParaRPr lang="en-US" altLang="en-US"/>
           </a:p>
@@ -8883,7 +13707,7 @@
           <a:p>
             <a:r>
               <a:rPr lang="en-US" altLang="en-US"/>
-              <a:t>Bandura (2002)</a:t>
+              <a:t>Cutrona (2000)</a:t>
             </a:r>
             <a:endParaRPr lang="en-US" altLang="en-US"/>
           </a:p>
@@ -8903,23 +13727,12 @@
         <p:txBody>
           <a:bodyPr/>
           <a:p>
+            <a:pPr marL="0" indent="0">
+              <a:buNone/>
+            </a:pPr>
             <a:r>
               <a:rPr lang="en-US" altLang="en-US" sz="2200"/>
-              <a:t>Besaran (magnitude/level)</a:t>
-            </a:r>
-            <a:endParaRPr lang="en-US" altLang="en-US" sz="2200"/>
-          </a:p>
-          <a:p>
-            <a:r>
-              <a:rPr lang="en-US" altLang="en-US" sz="2200"/>
-              <a:t>Luas bidang (generality)</a:t>
-            </a:r>
-            <a:endParaRPr lang="en-US" altLang="en-US" sz="2200"/>
-          </a:p>
-          <a:p>
-            <a:r>
-              <a:rPr lang="en-US" altLang="en-US" sz="2200"/>
-              <a:t>Kekuatan (strength)</a:t>
+              <a:t>Dukungan sosial adalah suatu perilaku yang membantu orang-orang yang sedang menjalani situasi kehidupan yang penuh tekanan untuk mengatasi masalah yang sedang dihadapi secara efektif.</a:t>
             </a:r>
             <a:endParaRPr lang="en-US" altLang="en-US" sz="2200"/>
           </a:p>
@@ -8939,6 +13752,10 @@
         <p:txBody>
           <a:bodyPr/>
           <a:p>
+            <a:r>
+              <a:rPr lang="en-US"/>
+              <a:t>Cobb (dalam Gousmett, 2006)</a:t>
+            </a:r>
             <a:endParaRPr lang="en-US"/>
           </a:p>
         </p:txBody>
@@ -8960,7 +13777,15 @@
             <a:pPr marL="0" indent="0">
               <a:buNone/>
             </a:pPr>
-            <a:endParaRPr lang="en-US" sz="3400"/>
+            <a:r>
+              <a:rPr lang="en-US" altLang="en-US" sz="2200"/>
+              <a:t>D</a:t>
+            </a:r>
+            <a:r>
+              <a:rPr lang="en-US" sz="2200"/>
+              <a:t>ukungan sosial adalah informasi dari beberapa hal berikut ini: informasi yang mengarah orang untuk percaya bahwa mereka diperhatikan dan dicintai; informasi yang mengarah ke orang untuk percaya bahwa mereka berharga dan dihargai; dan informasi yang mengarah pada orang untuk percaya bahwa mereka berasal dari jaringan komunikasi yang sama dengan kewajiban bersama.</a:t>
+            </a:r>
+            <a:endParaRPr lang="en-US" sz="2200"/>
           </a:p>
         </p:txBody>
       </p:sp>
@@ -9020,7 +13845,7 @@
           <a:p>
             <a:r>
               <a:rPr lang="en-US" altLang="en-US"/>
-              <a:t>Chaplin (2009)</a:t>
+              <a:t>Sarafino dan Timothy (2012)</a:t>
             </a:r>
             <a:endParaRPr lang="en-US" altLang="en-US"/>
           </a:p>
@@ -9045,7 +13870,7 @@
             </a:pPr>
             <a:r>
               <a:rPr lang="en-US" altLang="en-US" sz="2200"/>
-              <a:t>Dukungan sosial berasal dari kata dukungan dan sosial. Dukungan adalah mengadakan atau menyediakan sesuatu untuk memenuhi kebutuhan orang lain; dan memberikan dorongan dan pengobaran semangat dan nasehat kepada orang lain dalam situasi pembuatan keputusan. Sedangkan sosial berarti hubungan antara dua orang atau lebih.</a:t>
+              <a:t>Dukungan sosial adalah kenyamanan, perhatian, penghargaan, ataupun bantuan yang diterima individu dari orang lain.</a:t>
             </a:r>
             <a:endParaRPr lang="en-US" altLang="en-US" sz="2200"/>
           </a:p>
@@ -9067,7 +13892,15 @@
           <a:p>
             <a:r>
               <a:rPr lang="en-US"/>
-              <a:t>Dunst, Trivette, dan Cross (dalam Gousmett, 2006)</a:t>
+              <a:t>Dariyo </a:t>
+            </a:r>
+            <a:r>
+              <a:rPr lang="en-US" altLang="en-US"/>
+              <a:t>(</a:t>
+            </a:r>
+            <a:r>
+              <a:rPr lang="en-US"/>
+              <a:t>2013)</a:t>
             </a:r>
             <a:endParaRPr lang="en-US"/>
           </a:p>
@@ -9091,22 +13924,14 @@
               <a:buNone/>
             </a:pPr>
             <a:r>
-              <a:rPr lang="en-US" altLang="en-US" sz="2400"/>
-              <a:t>D</a:t>
-            </a:r>
-            <a:r>
-              <a:rPr lang="en-US" sz="2400"/>
-              <a:t>ukungan sosial </a:t>
-            </a:r>
-            <a:r>
-              <a:rPr lang="en-US" altLang="en-US" sz="2400"/>
-              <a:t>adalah </a:t>
-            </a:r>
-            <a:r>
-              <a:rPr lang="en-US" sz="2400"/>
-              <a:t>konstruksi multidimensi yang berisi bantuan fisik dan instrumental; berbagai informasi dan sumber daya; dan menyediakan dukungan emosional dan psikologis. Istilah ini dapat juga berarti suatu pelayanan formal yang diterima dari para professional, organisasi formal, atau yang semiformal.</a:t>
-            </a:r>
-            <a:endParaRPr lang="en-US" sz="2400"/>
+              <a:rPr lang="en-US" sz="2200"/>
+              <a:t>Berdasarkan Peraturan Pemerintah Republik Indonesia No. 19 tahun 2005 tentang Standard Nasional Pendidikan, guru adalah pendidik profesional dengan tugas utama mengajar, membimbing, mengarahkan, melatih, menilai, dan mengevaluasi siswa pada pendidikan formal, pendidikan dasar, dan pendidikan menengah</a:t>
+            </a:r>
+            <a:r>
+              <a:rPr lang="en-US" altLang="en-US" sz="2200"/>
+              <a:t>.</a:t>
+            </a:r>
+            <a:endParaRPr lang="en-US" altLang="en-US" sz="2200"/>
           </a:p>
         </p:txBody>
       </p:sp>
@@ -9511,7 +14336,7 @@
           <a:p>
             <a:r>
               <a:rPr lang="en-US" altLang="en-US"/>
-              <a:t>Cutrona (2000)</a:t>
+              <a:t>Kaplan dkk (2007)</a:t>
             </a:r>
             <a:endParaRPr lang="en-US" altLang="en-US"/>
           </a:p>
@@ -9535,10 +14360,10 @@
               <a:buNone/>
             </a:pPr>
             <a:r>
-              <a:rPr lang="en-US" altLang="en-US" sz="2200"/>
-              <a:t>Dukungan sosial adalah suatu perilaku yang membantu orang-orang yang sedang menjalani situasi kehidupan yang penuh tekanan untuk mengatasi masalah yang sedang dihadapi secara efektif.</a:t>
-            </a:r>
-            <a:endParaRPr lang="en-US" altLang="en-US" sz="2200"/>
+              <a:rPr lang="en-US" altLang="en-US" sz="1800"/>
+              <a:t>Dukungan guru adalah persepsi siswa bahwa mereka mendapat perhatian dan akan dibantu guru. Ketika siswa merasa mendapat dukungan secara emosional dari guru, mereka akan lebih terlibat dalam akademisnya, termasuk meningkatkan usahanya, meminta bantuan, dan menggunakan strategi self-regulated learning. Siswa juga akan cenderung memiliki prestasi yang lebih tinggi. Hal tersebut terjadi karena ketika siswa merasa dipedulikan oleh guru, maka akan mendorong siswa untuk memenuhi harapan guru.</a:t>
+            </a:r>
+            <a:endParaRPr lang="en-US" altLang="en-US" sz="1800"/>
           </a:p>
         </p:txBody>
       </p:sp>
@@ -9556,10 +14381,6 @@
         <p:txBody>
           <a:bodyPr/>
           <a:p>
-            <a:r>
-              <a:rPr lang="en-US"/>
-              <a:t>Cobb (dalam Gousmett, 2006)</a:t>
-            </a:r>
             <a:endParaRPr lang="en-US"/>
           </a:p>
         </p:txBody>
@@ -9582,14 +14403,10 @@
               <a:buNone/>
             </a:pPr>
             <a:r>
-              <a:rPr lang="en-US" altLang="en-US" sz="2200"/>
-              <a:t>D</a:t>
-            </a:r>
-            <a:r>
-              <a:rPr lang="en-US" sz="2200"/>
-              <a:t>ukungan sosial adalah informasi dari beberapa hal berikut ini: informasi yang mengarah orang untuk percaya bahwa mereka diperhatikan dan dicintai; informasi yang mengarah ke orang untuk percaya bahwa mereka berharga dan dihargai; dan informasi yang mengarah pada orang untuk percaya bahwa mereka berasal dari jaringan komunikasi yang sama dengan kewajiban bersama.</a:t>
-            </a:r>
-            <a:endParaRPr lang="en-US" sz="2200"/>
+              <a:rPr lang="en-US" altLang="en-US"/>
+              <a:t>Dukungan guru tahfidz adalah suatu pemenuhan, dorongan, pengobaran semangat, dan nasehat dari guru tahfidz kepada santri.</a:t>
+            </a:r>
+            <a:endParaRPr lang="en-US" altLang="en-US"/>
           </a:p>
         </p:txBody>
       </p:sp>
@@ -9627,7 +14444,7 @@
           <a:p>
             <a:r>
               <a:rPr lang="en-US" altLang="en-US"/>
-              <a:t>Dukungan Guru Tahfidz → Definisi</a:t>
+              <a:t>Dukungan Guru Tahfidz → Faktor yang Mempengaruhi</a:t>
             </a:r>
             <a:endParaRPr lang="en-US" altLang="en-US"/>
           </a:p>
@@ -9649,7 +14466,7 @@
           <a:p>
             <a:r>
               <a:rPr lang="en-US" altLang="en-US"/>
-              <a:t>Sarafino dan Timothy (2012)</a:t>
+              <a:t>Cohen dan Syme (2005)</a:t>
             </a:r>
             <a:endParaRPr lang="en-US" altLang="en-US"/>
           </a:p>
@@ -9669,14 +14486,28 @@
         <p:txBody>
           <a:bodyPr/>
           <a:p>
-            <a:pPr marL="0" indent="0">
-              <a:buNone/>
-            </a:pPr>
-            <a:r>
-              <a:rPr lang="en-US" altLang="en-US" sz="2200"/>
-              <a:t>Dukungan sosial adalah kenyamanan, perhatian, penghargaan, ataupun bantuan yang diterima individu dari orang lain.</a:t>
-            </a:r>
-            <a:endParaRPr lang="en-US" altLang="en-US" sz="2200"/>
+            <a:r>
+              <a:rPr lang="en-US" altLang="en-US" sz="2400"/>
+              <a:t>Pemberi Dukungan Sosial</a:t>
+            </a:r>
+            <a:endParaRPr lang="en-US" altLang="en-US" sz="2400"/>
+          </a:p>
+          <a:p>
+            <a:r>
+              <a:rPr lang="en-US" altLang="en-US" sz="2400"/>
+              <a:t>Jenis Dukungan</a:t>
+            </a:r>
+            <a:endParaRPr lang="en-US" altLang="en-US" sz="2400"/>
+          </a:p>
+          <a:p>
+            <a:r>
+              <a:rPr lang="en-US" altLang="en-US" sz="2400"/>
+              <a:t>Penerima Dukungan</a:t>
+            </a:r>
+            <a:endParaRPr lang="en-US" altLang="en-US" sz="2400"/>
+          </a:p>
+          <a:p>
+            <a:endParaRPr lang="en-US" altLang="en-US" sz="2400"/>
           </a:p>
         </p:txBody>
       </p:sp>
@@ -9696,15 +14527,7 @@
           <a:p>
             <a:r>
               <a:rPr lang="en-US"/>
-              <a:t>Dariyo </a:t>
-            </a:r>
-            <a:r>
-              <a:rPr lang="en-US" altLang="en-US"/>
-              <a:t>(</a:t>
-            </a:r>
-            <a:r>
-              <a:rPr lang="en-US"/>
-              <a:t>2013)</a:t>
+              <a:t>Myers (2012)</a:t>
             </a:r>
             <a:endParaRPr lang="en-US"/>
           </a:p>
@@ -9724,18 +14547,18 @@
         <p:txBody>
           <a:bodyPr/>
           <a:p>
-            <a:pPr marL="0" indent="0">
-              <a:buNone/>
-            </a:pPr>
-            <a:r>
-              <a:rPr lang="en-US" sz="2200"/>
-              <a:t>Berdasarkan Peraturan Pemerintah Republik Indonesia No. 19 tahun 2005 tentang Standard Nasional Pendidikan, guru adalah pendidik profesional dengan tugas utama mengajar, membimbing, mengarahkan, melatih, menilai, dan mengevaluasi siswa pada pendidikan formal, pendidikan dasar, dan pendidikan menengah</a:t>
-            </a:r>
-            <a:r>
-              <a:rPr lang="en-US" altLang="en-US" sz="2200"/>
-              <a:t>.</a:t>
-            </a:r>
-            <a:endParaRPr lang="en-US" altLang="en-US" sz="2200"/>
+            <a:r>
+              <a:rPr lang="en-US" altLang="en-US" sz="2400"/>
+              <a:t>Empati</a:t>
+            </a:r>
+            <a:endParaRPr lang="en-US" altLang="en-US" sz="2400"/>
+          </a:p>
+          <a:p>
+            <a:r>
+              <a:rPr lang="en-US" altLang="en-US" sz="2400"/>
+              <a:t>Norma-norma</a:t>
+            </a:r>
+            <a:endParaRPr lang="en-US" altLang="en-US" sz="2400"/>
           </a:p>
         </p:txBody>
       </p:sp>
@@ -9773,7 +14596,7 @@
           <a:p>
             <a:r>
               <a:rPr lang="en-US" altLang="en-US"/>
-              <a:t>Dukungan Guru Tahfidz → Definisi</a:t>
+              <a:t>Dukungan Guru Tahfidz → Aspek</a:t>
             </a:r>
             <a:endParaRPr lang="en-US" altLang="en-US"/>
           </a:p>
@@ -9795,7 +14618,7 @@
           <a:p>
             <a:r>
               <a:rPr lang="en-US" altLang="en-US"/>
-              <a:t>Kaplan dkk (2007)</a:t>
+              <a:t>Sarafino dan Timothy (2012)</a:t>
             </a:r>
             <a:endParaRPr lang="en-US" altLang="en-US"/>
           </a:p>
@@ -9815,14 +14638,32 @@
         <p:txBody>
           <a:bodyPr/>
           <a:p>
-            <a:pPr marL="0" indent="0">
-              <a:buNone/>
-            </a:pPr>
-            <a:r>
-              <a:rPr lang="en-US" altLang="en-US" sz="1800"/>
-              <a:t>Dukungan guru adalah persepsi siswa bahwa mereka mendapat perhatian dan akan dibantu guru. Ketika siswa merasa mendapat dukungan secara emosional dari guru, mereka akan lebih terlibat dalam akademisnya, termasuk meningkatkan usahanya, meminta bantuan, dan menggunakan strategi self-regulated learning. Siswa juga akan cenderung memiliki prestasi yang lebih tinggi. Hal tersebut terjadi karena ketika siswa merasa dipedulikan oleh guru, maka akan mendorong siswa untuk memenuhi harapan guru.</a:t>
-            </a:r>
-            <a:endParaRPr lang="en-US" altLang="en-US" sz="1800"/>
+            <a:r>
+              <a:rPr lang="en-US" altLang="en-US" sz="2400"/>
+              <a:t>Dukungan Emosional</a:t>
+            </a:r>
+            <a:endParaRPr lang="en-US" altLang="en-US" sz="2400"/>
+          </a:p>
+          <a:p>
+            <a:r>
+              <a:rPr lang="en-US" altLang="en-US" sz="2400"/>
+              <a:t>Dukungan Penghargaan</a:t>
+            </a:r>
+            <a:endParaRPr lang="en-US" altLang="en-US" sz="2400"/>
+          </a:p>
+          <a:p>
+            <a:r>
+              <a:rPr lang="en-US" altLang="en-US" sz="2400"/>
+              <a:t>Dukungan Instrumental</a:t>
+            </a:r>
+            <a:endParaRPr lang="en-US" altLang="en-US" sz="2400"/>
+          </a:p>
+          <a:p>
+            <a:r>
+              <a:rPr lang="en-US" altLang="en-US" sz="2400"/>
+              <a:t>Dukungan Informasi</a:t>
+            </a:r>
+            <a:endParaRPr lang="en-US" altLang="en-US" sz="2400"/>
           </a:p>
         </p:txBody>
       </p:sp>
@@ -9840,6 +14681,10 @@
         <p:txBody>
           <a:bodyPr/>
           <a:p>
+            <a:r>
+              <a:rPr lang="en-US"/>
+              <a:t>Weiss (dalam Bulmer, 2015)</a:t>
+            </a:r>
             <a:endParaRPr lang="en-US"/>
           </a:p>
         </p:txBody>
@@ -9858,14 +14703,46 @@
         <p:txBody>
           <a:bodyPr/>
           <a:p>
-            <a:pPr marL="0" indent="0">
-              <a:buNone/>
-            </a:pPr>
-            <a:r>
-              <a:rPr lang="en-US" altLang="en-US"/>
-              <a:t>Dukungan guru tahfidz adalah suatu pemenuhan, dorongan, pengobaran semangat, dan nasehat dari guru tahfidz kepada santri.</a:t>
-            </a:r>
-            <a:endParaRPr lang="en-US" altLang="en-US"/>
+            <a:r>
+              <a:rPr lang="en-US" altLang="en-US" sz="2400"/>
+              <a:t>Kerekatan emosional</a:t>
+            </a:r>
+            <a:endParaRPr lang="en-US" altLang="en-US" sz="2400"/>
+          </a:p>
+          <a:p>
+            <a:r>
+              <a:rPr lang="en-US" altLang="en-US" sz="2400"/>
+              <a:t>Integrasi sosial</a:t>
+            </a:r>
+            <a:endParaRPr lang="en-US" altLang="en-US" sz="2400"/>
+          </a:p>
+          <a:p>
+            <a:r>
+              <a:rPr lang="en-US" altLang="en-US" sz="2400"/>
+              <a:t>Adanya pengakuan</a:t>
+            </a:r>
+            <a:endParaRPr lang="en-US" altLang="en-US" sz="2400"/>
+          </a:p>
+          <a:p>
+            <a:r>
+              <a:rPr lang="en-US" altLang="en-US" sz="2400"/>
+              <a:t>Ketergantungan yang dapat diandalkan</a:t>
+            </a:r>
+            <a:endParaRPr lang="en-US" altLang="en-US" sz="2400"/>
+          </a:p>
+          <a:p>
+            <a:r>
+              <a:rPr lang="en-US" altLang="en-US" sz="2400"/>
+              <a:t>Bimbingan</a:t>
+            </a:r>
+            <a:endParaRPr lang="en-US" altLang="en-US" sz="2400"/>
+          </a:p>
+          <a:p>
+            <a:r>
+              <a:rPr lang="en-US" altLang="en-US" sz="2400"/>
+              <a:t>Kesempatan mengasuh</a:t>
+            </a:r>
+            <a:endParaRPr lang="en-US" altLang="en-US" sz="2400"/>
           </a:p>
         </p:txBody>
       </p:sp>
@@ -9903,342 +14780,6 @@
           <a:p>
             <a:r>
               <a:rPr lang="en-US" altLang="en-US"/>
-              <a:t>Dukungan Guru Tahfidz → Faktor yang Mempengaruhi</a:t>
-            </a:r>
-            <a:endParaRPr lang="en-US" altLang="en-US"/>
-          </a:p>
-        </p:txBody>
-      </p:sp>
-      <p:sp>
-        <p:nvSpPr>
-          <p:cNvPr id="3" name="Text Placeholder 2"/>
-          <p:cNvSpPr>
-            <a:spLocks noGrp="1"/>
-          </p:cNvSpPr>
-          <p:nvPr>
-            <p:ph type="body" idx="1"/>
-          </p:nvPr>
-        </p:nvSpPr>
-        <p:spPr/>
-        <p:txBody>
-          <a:bodyPr/>
-          <a:p>
-            <a:r>
-              <a:rPr lang="en-US" altLang="en-US"/>
-              <a:t>Cohen dan Syme (2005)</a:t>
-            </a:r>
-            <a:endParaRPr lang="en-US" altLang="en-US"/>
-          </a:p>
-        </p:txBody>
-      </p:sp>
-      <p:sp>
-        <p:nvSpPr>
-          <p:cNvPr id="4" name="Content Placeholder 3"/>
-          <p:cNvSpPr>
-            <a:spLocks noGrp="1"/>
-          </p:cNvSpPr>
-          <p:nvPr>
-            <p:ph sz="half" idx="2"/>
-          </p:nvPr>
-        </p:nvSpPr>
-        <p:spPr/>
-        <p:txBody>
-          <a:bodyPr/>
-          <a:p>
-            <a:r>
-              <a:rPr lang="en-US" altLang="en-US" sz="2400"/>
-              <a:t>Pemberi Dukungan Sosial</a:t>
-            </a:r>
-            <a:endParaRPr lang="en-US" altLang="en-US" sz="2400"/>
-          </a:p>
-          <a:p>
-            <a:r>
-              <a:rPr lang="en-US" altLang="en-US" sz="2400"/>
-              <a:t>Jenis Dukungan</a:t>
-            </a:r>
-            <a:endParaRPr lang="en-US" altLang="en-US" sz="2400"/>
-          </a:p>
-          <a:p>
-            <a:r>
-              <a:rPr lang="en-US" altLang="en-US" sz="2400"/>
-              <a:t>Penerima Dukungan</a:t>
-            </a:r>
-            <a:endParaRPr lang="en-US" altLang="en-US" sz="2400"/>
-          </a:p>
-          <a:p>
-            <a:endParaRPr lang="en-US" altLang="en-US" sz="2400"/>
-          </a:p>
-        </p:txBody>
-      </p:sp>
-      <p:sp>
-        <p:nvSpPr>
-          <p:cNvPr id="5" name="Text Placeholder 4"/>
-          <p:cNvSpPr>
-            <a:spLocks noGrp="1"/>
-          </p:cNvSpPr>
-          <p:nvPr>
-            <p:ph type="body" sz="quarter" idx="3"/>
-          </p:nvPr>
-        </p:nvSpPr>
-        <p:spPr/>
-        <p:txBody>
-          <a:bodyPr/>
-          <a:p>
-            <a:r>
-              <a:rPr lang="en-US"/>
-              <a:t>Myers (2012)</a:t>
-            </a:r>
-            <a:endParaRPr lang="en-US"/>
-          </a:p>
-        </p:txBody>
-      </p:sp>
-      <p:sp>
-        <p:nvSpPr>
-          <p:cNvPr id="6" name="Content Placeholder 5"/>
-          <p:cNvSpPr>
-            <a:spLocks noGrp="1"/>
-          </p:cNvSpPr>
-          <p:nvPr>
-            <p:ph sz="quarter" idx="4"/>
-          </p:nvPr>
-        </p:nvSpPr>
-        <p:spPr/>
-        <p:txBody>
-          <a:bodyPr/>
-          <a:p>
-            <a:r>
-              <a:rPr lang="en-US" altLang="en-US" sz="2400"/>
-              <a:t>Empati</a:t>
-            </a:r>
-            <a:endParaRPr lang="en-US" altLang="en-US" sz="2400"/>
-          </a:p>
-          <a:p>
-            <a:r>
-              <a:rPr lang="en-US" altLang="en-US" sz="2400"/>
-              <a:t>Norma-norma</a:t>
-            </a:r>
-            <a:endParaRPr lang="en-US" altLang="en-US" sz="2400"/>
-          </a:p>
-        </p:txBody>
-      </p:sp>
-    </p:spTree>
-  </p:cSld>
-  <p:clrMapOvr>
-    <a:masterClrMapping/>
-  </p:clrMapOvr>
-</p:sld>
-</file>
-
-<file path=ppt/slides/slide24.xml><?xml version="1.0" encoding="utf-8"?>
-<p:sld xmlns:a="http://schemas.openxmlformats.org/drawingml/2006/main" xmlns:r="http://schemas.openxmlformats.org/officeDocument/2006/relationships" xmlns:p="http://schemas.openxmlformats.org/presentationml/2006/main">
-  <p:cSld>
-    <p:spTree>
-      <p:nvGrpSpPr>
-        <p:cNvPr id="1" name=""/>
-        <p:cNvGrpSpPr/>
-        <p:nvPr/>
-      </p:nvGrpSpPr>
-      <p:grpSpPr/>
-      <p:sp>
-        <p:nvSpPr>
-          <p:cNvPr id="2" name="Title 1"/>
-          <p:cNvSpPr>
-            <a:spLocks noGrp="1"/>
-          </p:cNvSpPr>
-          <p:nvPr>
-            <p:ph type="title"/>
-          </p:nvPr>
-        </p:nvSpPr>
-        <p:spPr/>
-        <p:txBody>
-          <a:bodyPr/>
-          <a:p>
-            <a:r>
-              <a:rPr lang="en-US" altLang="en-US"/>
-              <a:t>Dukungan Guru Tahfidz → Aspek</a:t>
-            </a:r>
-            <a:endParaRPr lang="en-US" altLang="en-US"/>
-          </a:p>
-        </p:txBody>
-      </p:sp>
-      <p:sp>
-        <p:nvSpPr>
-          <p:cNvPr id="3" name="Text Placeholder 2"/>
-          <p:cNvSpPr>
-            <a:spLocks noGrp="1"/>
-          </p:cNvSpPr>
-          <p:nvPr>
-            <p:ph type="body" idx="1"/>
-          </p:nvPr>
-        </p:nvSpPr>
-        <p:spPr/>
-        <p:txBody>
-          <a:bodyPr/>
-          <a:p>
-            <a:r>
-              <a:rPr lang="en-US" altLang="en-US"/>
-              <a:t>Sarafino dan Timothy (2012)</a:t>
-            </a:r>
-            <a:endParaRPr lang="en-US" altLang="en-US"/>
-          </a:p>
-        </p:txBody>
-      </p:sp>
-      <p:sp>
-        <p:nvSpPr>
-          <p:cNvPr id="4" name="Content Placeholder 3"/>
-          <p:cNvSpPr>
-            <a:spLocks noGrp="1"/>
-          </p:cNvSpPr>
-          <p:nvPr>
-            <p:ph sz="half" idx="2"/>
-          </p:nvPr>
-        </p:nvSpPr>
-        <p:spPr/>
-        <p:txBody>
-          <a:bodyPr/>
-          <a:p>
-            <a:r>
-              <a:rPr lang="en-US" altLang="en-US" sz="2400"/>
-              <a:t>Dukungan Emosional</a:t>
-            </a:r>
-            <a:endParaRPr lang="en-US" altLang="en-US" sz="2400"/>
-          </a:p>
-          <a:p>
-            <a:r>
-              <a:rPr lang="en-US" altLang="en-US" sz="2400"/>
-              <a:t>Dukungan Penghargaan</a:t>
-            </a:r>
-            <a:endParaRPr lang="en-US" altLang="en-US" sz="2400"/>
-          </a:p>
-          <a:p>
-            <a:r>
-              <a:rPr lang="en-US" altLang="en-US" sz="2400"/>
-              <a:t>Dukungan Instrumental</a:t>
-            </a:r>
-            <a:endParaRPr lang="en-US" altLang="en-US" sz="2400"/>
-          </a:p>
-          <a:p>
-            <a:r>
-              <a:rPr lang="en-US" altLang="en-US" sz="2400"/>
-              <a:t>Dukungan Informasi</a:t>
-            </a:r>
-            <a:endParaRPr lang="en-US" altLang="en-US" sz="2400"/>
-          </a:p>
-        </p:txBody>
-      </p:sp>
-      <p:sp>
-        <p:nvSpPr>
-          <p:cNvPr id="5" name="Text Placeholder 4"/>
-          <p:cNvSpPr>
-            <a:spLocks noGrp="1"/>
-          </p:cNvSpPr>
-          <p:nvPr>
-            <p:ph type="body" sz="quarter" idx="3"/>
-          </p:nvPr>
-        </p:nvSpPr>
-        <p:spPr/>
-        <p:txBody>
-          <a:bodyPr/>
-          <a:p>
-            <a:r>
-              <a:rPr lang="en-US"/>
-              <a:t>Weiss (dalam Bulmer, 2015)</a:t>
-            </a:r>
-            <a:endParaRPr lang="en-US"/>
-          </a:p>
-        </p:txBody>
-      </p:sp>
-      <p:sp>
-        <p:nvSpPr>
-          <p:cNvPr id="6" name="Content Placeholder 5"/>
-          <p:cNvSpPr>
-            <a:spLocks noGrp="1"/>
-          </p:cNvSpPr>
-          <p:nvPr>
-            <p:ph sz="quarter" idx="4"/>
-          </p:nvPr>
-        </p:nvSpPr>
-        <p:spPr/>
-        <p:txBody>
-          <a:bodyPr/>
-          <a:p>
-            <a:r>
-              <a:rPr lang="en-US" altLang="en-US" sz="2400"/>
-              <a:t>Kerekatan emosional</a:t>
-            </a:r>
-            <a:endParaRPr lang="en-US" altLang="en-US" sz="2400"/>
-          </a:p>
-          <a:p>
-            <a:r>
-              <a:rPr lang="en-US" altLang="en-US" sz="2400"/>
-              <a:t>Integrasi sosial</a:t>
-            </a:r>
-            <a:endParaRPr lang="en-US" altLang="en-US" sz="2400"/>
-          </a:p>
-          <a:p>
-            <a:r>
-              <a:rPr lang="en-US" altLang="en-US" sz="2400"/>
-              <a:t>Adanya pengakuan</a:t>
-            </a:r>
-            <a:endParaRPr lang="en-US" altLang="en-US" sz="2400"/>
-          </a:p>
-          <a:p>
-            <a:r>
-              <a:rPr lang="en-US" altLang="en-US" sz="2400"/>
-              <a:t>Ketergantungan yang dapat diandalkan</a:t>
-            </a:r>
-            <a:endParaRPr lang="en-US" altLang="en-US" sz="2400"/>
-          </a:p>
-          <a:p>
-            <a:r>
-              <a:rPr lang="en-US" altLang="en-US" sz="2400"/>
-              <a:t>Bimbingan</a:t>
-            </a:r>
-            <a:endParaRPr lang="en-US" altLang="en-US" sz="2400"/>
-          </a:p>
-          <a:p>
-            <a:r>
-              <a:rPr lang="en-US" altLang="en-US" sz="2400"/>
-              <a:t>Kesempatan mengasuh</a:t>
-            </a:r>
-            <a:endParaRPr lang="en-US" altLang="en-US" sz="2400"/>
-          </a:p>
-        </p:txBody>
-      </p:sp>
-    </p:spTree>
-  </p:cSld>
-  <p:clrMapOvr>
-    <a:masterClrMapping/>
-  </p:clrMapOvr>
-</p:sld>
-</file>
-
-<file path=ppt/slides/slide25.xml><?xml version="1.0" encoding="utf-8"?>
-<p:sld xmlns:a="http://schemas.openxmlformats.org/drawingml/2006/main" xmlns:r="http://schemas.openxmlformats.org/officeDocument/2006/relationships" xmlns:p="http://schemas.openxmlformats.org/presentationml/2006/main">
-  <p:cSld>
-    <p:spTree>
-      <p:nvGrpSpPr>
-        <p:cNvPr id="1" name=""/>
-        <p:cNvGrpSpPr/>
-        <p:nvPr/>
-      </p:nvGrpSpPr>
-      <p:grpSpPr/>
-      <p:sp>
-        <p:nvSpPr>
-          <p:cNvPr id="2" name="Title 1"/>
-          <p:cNvSpPr>
-            <a:spLocks noGrp="1"/>
-          </p:cNvSpPr>
-          <p:nvPr>
-            <p:ph type="title"/>
-          </p:nvPr>
-        </p:nvSpPr>
-        <p:spPr/>
-        <p:txBody>
-          <a:bodyPr/>
-          <a:p>
-            <a:r>
-              <a:rPr lang="en-US" altLang="en-US"/>
               <a:t>Kerangka Berpikir</a:t>
             </a:r>
             <a:endParaRPr lang="en-US" altLang="en-US"/>
@@ -10322,7 +14863,7 @@
           </p:nvPr>
         </p:nvGraphicFramePr>
         <p:xfrm>
-          <a:off x="307975" y="685800"/>
+          <a:off x="673100" y="569595"/>
           <a:ext cx="5365115" cy="4343400"/>
         </p:xfrm>
         <a:graphic>
@@ -10776,7 +15317,7 @@
         </p:nvSpPr>
         <p:spPr>
           <a:xfrm>
-            <a:off x="307975" y="201295"/>
+            <a:off x="601345" y="201295"/>
             <a:ext cx="5436870" cy="352425"/>
           </a:xfrm>
           <a:prstGeom prst="rect">
@@ -10812,7 +15353,7 @@
           <p:nvPr/>
         </p:nvGraphicFramePr>
         <p:xfrm>
-          <a:off x="5917565" y="685800"/>
+          <a:off x="6282690" y="569595"/>
           <a:ext cx="5577205" cy="2423160"/>
         </p:xfrm>
         <a:graphic>
@@ -11104,7 +15645,7 @@
         </p:nvSpPr>
         <p:spPr>
           <a:xfrm>
-            <a:off x="5917565" y="201295"/>
+            <a:off x="6282690" y="185420"/>
             <a:ext cx="4018280" cy="368300"/>
           </a:xfrm>
           <a:prstGeom prst="rect">
@@ -11149,7 +15690,7 @@
         </p:nvSpPr>
         <p:spPr>
           <a:xfrm>
-            <a:off x="5917565" y="3275965"/>
+            <a:off x="6282690" y="3275965"/>
             <a:ext cx="4526280" cy="1753235"/>
           </a:xfrm>
           <a:prstGeom prst="rect">
@@ -11193,6 +15734,128 @@
           </a:p>
           <a:p>
             <a:endParaRPr lang="en-US"/>
+          </a:p>
+        </p:txBody>
+      </p:sp>
+      <p:sp>
+        <p:nvSpPr>
+          <p:cNvPr id="8" name="Text Box 7"/>
+          <p:cNvSpPr txBox="1"/>
+          <p:nvPr/>
+        </p:nvSpPr>
+        <p:spPr>
+          <a:xfrm>
+            <a:off x="673100" y="5029200"/>
+            <a:ext cx="4253230" cy="1753235"/>
+          </a:xfrm>
+          <a:prstGeom prst="rect">
+            <a:avLst/>
+          </a:prstGeom>
+          <a:noFill/>
+        </p:spPr>
+        <p:txBody>
+          <a:bodyPr wrap="none" rtlCol="0">
+            <a:spAutoFit/>
+          </a:bodyPr>
+          <a:p>
+            <a:r>
+              <a:rPr lang="" altLang="en-US"/>
+              <a:t>Faktor motivasi belajar (Santrock, 2014)</a:t>
+            </a:r>
+            <a:endParaRPr lang="" altLang="en-US"/>
+          </a:p>
+          <a:p>
+            <a:pPr marL="285750" indent="-285750">
+              <a:buFont typeface="Arial" panose="020B0604020202020204" pitchFamily="34" charset="0"/>
+              <a:buChar char="•"/>
+            </a:pPr>
+            <a:r>
+              <a:rPr lang="" altLang="en-US"/>
+              <a:t>Internal</a:t>
+            </a:r>
+            <a:endParaRPr lang="" altLang="en-US"/>
+          </a:p>
+          <a:p>
+            <a:pPr marL="742950" lvl="1" indent="-285750">
+              <a:buFont typeface="Arial" panose="020B0604020202020204" pitchFamily="34" charset="0"/>
+              <a:buChar char="•"/>
+            </a:pPr>
+            <a:r>
+              <a:rPr lang="" altLang="en-US"/>
+              <a:t>Tujuan</a:t>
+            </a:r>
+            <a:endParaRPr lang="" altLang="en-US"/>
+          </a:p>
+          <a:p>
+            <a:pPr marL="742950" lvl="1" indent="-285750">
+              <a:buFont typeface="Arial" panose="020B0604020202020204" pitchFamily="34" charset="0"/>
+              <a:buChar char="•"/>
+            </a:pPr>
+            <a:r>
+              <a:rPr lang="" altLang="en-US"/>
+              <a:t>Persepsi tentang kecerdasannya</a:t>
+            </a:r>
+            <a:endParaRPr lang="" altLang="en-US"/>
+          </a:p>
+          <a:p>
+            <a:pPr marL="742950" lvl="1" indent="-285750">
+              <a:buFont typeface="Arial" panose="020B0604020202020204" pitchFamily="34" charset="0"/>
+              <a:buChar char="•"/>
+            </a:pPr>
+            <a:r>
+              <a:rPr lang="" altLang="en-US" i="1"/>
+              <a:t>Keyakinan akan kemampuannya</a:t>
+            </a:r>
+            <a:endParaRPr lang="" altLang="en-US"/>
+          </a:p>
+          <a:p>
+            <a:pPr marL="285750" indent="-285750">
+              <a:buFont typeface="Arial" panose="020B0604020202020204" pitchFamily="34" charset="0"/>
+              <a:buChar char="•"/>
+            </a:pPr>
+            <a:r>
+              <a:rPr lang="" altLang="en-US"/>
+              <a:t>Eksternal</a:t>
+            </a:r>
+            <a:endParaRPr lang="" altLang="en-US"/>
+          </a:p>
+        </p:txBody>
+      </p:sp>
+      <p:sp>
+        <p:nvSpPr>
+          <p:cNvPr id="9" name="Text Box 8"/>
+          <p:cNvSpPr txBox="1"/>
+          <p:nvPr/>
+        </p:nvSpPr>
+        <p:spPr>
+          <a:xfrm>
+            <a:off x="5893435" y="5182870"/>
+            <a:ext cx="4407535" cy="1445260"/>
+          </a:xfrm>
+          <a:prstGeom prst="rect">
+            <a:avLst/>
+          </a:prstGeom>
+          <a:noFill/>
+        </p:spPr>
+        <p:txBody>
+          <a:bodyPr wrap="none" rtlCol="0">
+            <a:spAutoFit/>
+          </a:bodyPr>
+          <a:p>
+            <a:pPr algn="r"/>
+            <a:r>
+              <a:rPr lang="" altLang="en-US" sz="4400"/>
+              <a:t>BAB 1</a:t>
+            </a:r>
+            <a:endParaRPr lang="" altLang="en-US" sz="4400"/>
+          </a:p>
+          <a:p>
+            <a:pPr algn="r"/>
+            <a:r>
+              <a:rPr lang="" altLang="en-US" sz="4400"/>
+              <a:t>PENDAHULUAN</a:t>
+            </a:r>
+            <a:endParaRPr lang="" altLang="en-US" sz="4400"/>
           </a:p>
         </p:txBody>
       </p:sp>
@@ -11216,70 +15879,304 @@
       <p:grpSpPr/>
       <p:sp>
         <p:nvSpPr>
-          <p:cNvPr id="2" name="Title 1"/>
+          <p:cNvPr id="5" name="Text Placeholder 4"/>
           <p:cNvSpPr>
             <a:spLocks noGrp="1"/>
           </p:cNvSpPr>
           <p:nvPr>
-            <p:ph type="title"/>
+            <p:ph type="body" idx="1"/>
           </p:nvPr>
         </p:nvSpPr>
-        <p:spPr/>
+        <p:spPr>
+          <a:xfrm>
+            <a:off x="840317" y="-115252"/>
+            <a:ext cx="5158316" cy="823912"/>
+          </a:xfrm>
+        </p:spPr>
         <p:txBody>
           <a:bodyPr/>
           <a:p>
             <a:r>
-              <a:rPr lang="en-US" altLang="en-US"/>
-              <a:t>Latar Belakang </a:t>
-            </a:r>
-            <a:r>
-              <a:rPr lang="en-US" altLang="en-US">
-                <a:sym typeface="+mn-ea"/>
-              </a:rPr>
-              <a:t>→ Dukungan Guru Tahfidz</a:t>
-            </a:r>
-            <a:endParaRPr lang="en-US" altLang="en-US"/>
+              <a:rPr lang="" altLang="en-US"/>
+              <a:t>Rumusan Masalah</a:t>
+            </a:r>
+            <a:endParaRPr lang="" altLang="en-US"/>
           </a:p>
         </p:txBody>
       </p:sp>
       <p:sp>
         <p:nvSpPr>
-          <p:cNvPr id="3" name="Content Placeholder 2"/>
+          <p:cNvPr id="6" name="Content Placeholder 5"/>
           <p:cNvSpPr>
             <a:spLocks noGrp="1"/>
           </p:cNvSpPr>
           <p:nvPr>
-            <p:ph idx="1"/>
+            <p:ph sz="half" idx="2"/>
           </p:nvPr>
         </p:nvSpPr>
-        <p:spPr/>
+        <p:spPr>
+          <a:xfrm>
+            <a:off x="840317" y="708660"/>
+            <a:ext cx="5158316" cy="3684588"/>
+          </a:xfrm>
+        </p:spPr>
         <p:txBody>
           <a:bodyPr/>
           <a:p>
-            <a:pPr marL="0" indent="0">
-              <a:buNone/>
+            <a:r>
+              <a:rPr lang="en-US" sz="2000">
+                <a:sym typeface="+mn-ea"/>
+              </a:rPr>
+              <a:t>Apakah ada pengaruh efikasi diri dan dukungan guru tahfidz terhadap motivasi menghafal Alquran santri SMA Tahfidz Al-Izzah Samarinda?</a:t>
+            </a:r>
+            <a:endParaRPr lang="en-US" sz="2000"/>
+          </a:p>
+          <a:p>
+            <a:r>
+              <a:rPr lang="en-US" sz="2000">
+                <a:sym typeface="+mn-ea"/>
+              </a:rPr>
+              <a:t>Apakah ada pengaruh efikasi diri terhadap motivasi menghafal Alquran santri SMA Tahfidz Al-Izzah Samarinda?</a:t>
+            </a:r>
+            <a:endParaRPr lang="en-US" sz="2000"/>
+          </a:p>
+          <a:p>
+            <a:r>
+              <a:rPr lang="en-US" sz="2000">
+                <a:sym typeface="+mn-ea"/>
+              </a:rPr>
+              <a:t>Apakah ada pengaruh dukungan guru tahfidz terhadap motivasi menghafal Alquran santri SMA Tahfidz Al-Izzah Samarinda?</a:t>
+            </a:r>
+            <a:endParaRPr lang="en-US" sz="2000">
+              <a:sym typeface="+mn-ea"/>
+            </a:endParaRPr>
+          </a:p>
+        </p:txBody>
+      </p:sp>
+      <p:sp>
+        <p:nvSpPr>
+          <p:cNvPr id="7" name="Text Placeholder 6"/>
+          <p:cNvSpPr>
+            <a:spLocks noGrp="1"/>
+          </p:cNvSpPr>
+          <p:nvPr>
+            <p:ph type="body" sz="quarter" idx="3"/>
+          </p:nvPr>
+        </p:nvSpPr>
+        <p:spPr>
+          <a:xfrm>
+            <a:off x="6172200" y="-115252"/>
+            <a:ext cx="5183717" cy="823912"/>
+          </a:xfrm>
+        </p:spPr>
+        <p:txBody>
+          <a:bodyPr/>
+          <a:p>
+            <a:r>
+              <a:rPr lang="" altLang="en-US"/>
+              <a:t>Tujuan Penelitian</a:t>
+            </a:r>
+            <a:endParaRPr lang="" altLang="en-US"/>
+          </a:p>
+        </p:txBody>
+      </p:sp>
+      <p:sp>
+        <p:nvSpPr>
+          <p:cNvPr id="8" name="Content Placeholder 7"/>
+          <p:cNvSpPr>
+            <a:spLocks noGrp="1"/>
+          </p:cNvSpPr>
+          <p:nvPr>
+            <p:ph sz="quarter" idx="4"/>
+          </p:nvPr>
+        </p:nvSpPr>
+        <p:spPr>
+          <a:xfrm>
+            <a:off x="6172200" y="708660"/>
+            <a:ext cx="5183717" cy="3684588"/>
+          </a:xfrm>
+        </p:spPr>
+        <p:txBody>
+          <a:bodyPr/>
+          <a:p>
+            <a:r>
+              <a:rPr lang="en-US" sz="2000">
+                <a:sym typeface="+mn-ea"/>
+              </a:rPr>
+              <a:t>Untuk mengetahui pengaruh efikasi diri dan dukungan guru tahfidz terhadap motivasi menghafal Alquran santri SMA Tahfidz Al-Izzah Samarinda.</a:t>
+            </a:r>
+            <a:endParaRPr lang="en-US" sz="2000"/>
+          </a:p>
+          <a:p>
+            <a:r>
+              <a:rPr lang="en-US" sz="2000">
+                <a:sym typeface="+mn-ea"/>
+              </a:rPr>
+              <a:t>Untuk mengetahui pengaruh efikasi diri terhadap motivasi menghafal Alquran santri SMA Tahfidz Al-Izzah Samarinda.</a:t>
+            </a:r>
+            <a:endParaRPr lang="en-US" sz="2000"/>
+          </a:p>
+          <a:p>
+            <a:r>
+              <a:rPr lang="en-US" sz="2000">
+                <a:sym typeface="+mn-ea"/>
+              </a:rPr>
+              <a:t>Untuk mengetahui pengaruh dukungan guru tahfidz terhadap motivasi menghafal Alquran santri SMA Tahfidz Al-Izzah Samarinda.</a:t>
+            </a:r>
+            <a:endParaRPr lang="en-US" sz="2000">
+              <a:sym typeface="+mn-ea"/>
+            </a:endParaRPr>
+          </a:p>
+        </p:txBody>
+      </p:sp>
+      <p:sp>
+        <p:nvSpPr>
+          <p:cNvPr id="11" name="Text Box 10"/>
+          <p:cNvSpPr txBox="1"/>
+          <p:nvPr/>
+        </p:nvSpPr>
+        <p:spPr>
+          <a:xfrm>
+            <a:off x="3783965" y="4485640"/>
+            <a:ext cx="6177280" cy="2030095"/>
+          </a:xfrm>
+          <a:prstGeom prst="rect">
+            <a:avLst/>
+          </a:prstGeom>
+          <a:noFill/>
+        </p:spPr>
+        <p:txBody>
+          <a:bodyPr wrap="square" rtlCol="0">
+            <a:spAutoFit/>
+          </a:bodyPr>
+          <a:p>
+            <a:r>
+              <a:rPr lang="" altLang="en-US" b="1"/>
+              <a:t>Manfaat Penelitian</a:t>
+            </a:r>
+            <a:endParaRPr lang="" altLang="en-US" b="1"/>
+          </a:p>
+          <a:p>
+            <a:pPr marL="285750" indent="-285750">
+              <a:buFont typeface="Arial" panose="020B0604020202020204" pitchFamily="34" charset="0"/>
+              <a:buChar char="•"/>
             </a:pPr>
             <a:r>
-              <a:rPr lang="en-US" altLang="en-US" i="1"/>
-              <a:t>Ada beberapa guru yang jarang memberikan dukungan kepada santrinya dalam bentuk motivasi menghafal Alquran.</a:t>
-            </a:r>
-            <a:endParaRPr lang="en-US" altLang="en-US" i="1"/>
-          </a:p>
-          <a:p>
-            <a:pPr marL="0" indent="0">
-              <a:buNone/>
+              <a:rPr lang="" altLang="en-US"/>
+              <a:t>Teoretis</a:t>
+            </a:r>
+            <a:endParaRPr lang="" altLang="en-US"/>
+          </a:p>
+          <a:p>
+            <a:pPr marL="742950" lvl="1" indent="-285750">
+              <a:buFont typeface="Arial" panose="020B0604020202020204" pitchFamily="34" charset="0"/>
+              <a:buChar char="•"/>
             </a:pPr>
-            <a:endParaRPr lang="en-US" altLang="en-US" i="1"/>
-          </a:p>
-          <a:p>
-            <a:pPr marL="0" indent="0">
-              <a:buNone/>
+            <a:r>
+              <a:rPr lang="en-US" altLang="en-US">
+                <a:sym typeface="+mn-ea"/>
+              </a:rPr>
+              <a:t>Penghafal Alquran → Pentingnya motivasi</a:t>
+            </a:r>
+            <a:endParaRPr lang="en-US" altLang="en-US"/>
+          </a:p>
+          <a:p>
+            <a:pPr marL="742950" lvl="1" indent="-285750">
+              <a:buFont typeface="Arial" panose="020B0604020202020204" pitchFamily="34" charset="0"/>
+              <a:buChar char="•"/>
             </a:pPr>
             <a:r>
-              <a:rPr lang="en-US" altLang="en-US" i="1"/>
-              <a:t>Hasil wawancara (Sabtu, 26 Januari 2019)</a:t>
-            </a:r>
-            <a:endParaRPr lang="en-US" altLang="en-US" i="1"/>
+              <a:rPr lang="en-US" altLang="en-US">
+                <a:sym typeface="+mn-ea"/>
+              </a:rPr>
+              <a:t>Menambah pengetahuan → Bidang pendidikan</a:t>
+            </a:r>
+            <a:endParaRPr lang="" altLang="en-US"/>
+          </a:p>
+          <a:p>
+            <a:pPr marL="285750" indent="-285750">
+              <a:buFont typeface="Arial" panose="020B0604020202020204" pitchFamily="34" charset="0"/>
+              <a:buChar char="•"/>
+            </a:pPr>
+            <a:r>
+              <a:rPr lang="" altLang="en-US"/>
+              <a:t>Praktis</a:t>
+            </a:r>
+            <a:endParaRPr lang="" altLang="en-US"/>
+          </a:p>
+          <a:p>
+            <a:pPr marL="742950" lvl="1" indent="-285750">
+              <a:buFont typeface="Arial" panose="020B0604020202020204" pitchFamily="34" charset="0"/>
+              <a:buChar char="•"/>
+            </a:pPr>
+            <a:r>
+              <a:rPr lang="en-US" altLang="en-US">
+                <a:sym typeface="+mn-ea"/>
+              </a:rPr>
+              <a:t>Penghafal Alquran → Cara meningkatkan motivasi</a:t>
+            </a:r>
+            <a:endParaRPr lang="en-US" altLang="en-US"/>
+          </a:p>
+          <a:p>
+            <a:pPr marL="742950" lvl="1" indent="-285750">
+              <a:buFont typeface="Arial" panose="020B0604020202020204" pitchFamily="34" charset="0"/>
+              <a:buChar char="•"/>
+            </a:pPr>
+            <a:r>
+              <a:rPr lang="en-US">
+                <a:sym typeface="+mn-ea"/>
+              </a:rPr>
+              <a:t>Pertimbangan kebijakan </a:t>
+            </a:r>
+            <a:r>
+              <a:rPr altLang="en-US">
+                <a:sym typeface="+mn-ea"/>
+              </a:rPr>
+              <a:t>→ </a:t>
+            </a:r>
+            <a:r>
+              <a:rPr lang="en-US">
+                <a:sym typeface="+mn-ea"/>
+              </a:rPr>
+              <a:t>Meningkatkan kualitas</a:t>
+            </a:r>
+            <a:endParaRPr lang="" altLang="en-US"/>
+          </a:p>
+        </p:txBody>
+      </p:sp>
+      <p:sp>
+        <p:nvSpPr>
+          <p:cNvPr id="12" name="Text Box 11"/>
+          <p:cNvSpPr txBox="1"/>
+          <p:nvPr/>
+        </p:nvSpPr>
+        <p:spPr>
+          <a:xfrm>
+            <a:off x="356235" y="5316855"/>
+            <a:ext cx="3637280" cy="1198880"/>
+          </a:xfrm>
+          <a:prstGeom prst="rect">
+            <a:avLst/>
+          </a:prstGeom>
+          <a:noFill/>
+        </p:spPr>
+        <p:txBody>
+          <a:bodyPr wrap="none" rtlCol="0">
+            <a:spAutoFit/>
+          </a:bodyPr>
+          <a:p>
+            <a:r>
+              <a:rPr lang="" altLang="en-US" sz="3600"/>
+              <a:t>BAB 1</a:t>
+            </a:r>
+            <a:endParaRPr lang="" altLang="en-US" sz="3600"/>
+          </a:p>
+          <a:p>
+            <a:r>
+              <a:rPr lang="" altLang="en-US" sz="3600"/>
+              <a:t>PENDAHULUAN</a:t>
+            </a:r>
+            <a:endParaRPr lang="" altLang="en-US" sz="3600"/>
           </a:p>
         </p:txBody>
       </p:sp>
@@ -11292,6 +16189,304 @@
 </file>
 
 <file path=ppt/slides/slide5.xml><?xml version="1.0" encoding="utf-8"?>
+<p:sld xmlns:a="http://schemas.openxmlformats.org/drawingml/2006/main" xmlns:r="http://schemas.openxmlformats.org/officeDocument/2006/relationships" xmlns:p="http://schemas.openxmlformats.org/presentationml/2006/main">
+  <p:cSld>
+    <p:spTree>
+      <p:nvGrpSpPr>
+        <p:cNvPr id="1" name=""/>
+        <p:cNvGrpSpPr/>
+        <p:nvPr/>
+      </p:nvGrpSpPr>
+      <p:grpSpPr/>
+      <p:graphicFrame>
+        <p:nvGraphicFramePr>
+          <p:cNvPr id="6" name="Diagram 5"/>
+          <p:cNvGraphicFramePr/>
+          <p:nvPr/>
+        </p:nvGraphicFramePr>
+        <p:xfrm>
+          <a:off x="7626985" y="-88265"/>
+          <a:ext cx="4138295" cy="2759710"/>
+        </p:xfrm>
+        <a:graphic>
+          <a:graphicData uri="http://schemas.openxmlformats.org/drawingml/2006/diagram">
+            <dgm:relIds xmlns:dgm="http://schemas.openxmlformats.org/drawingml/2006/diagram" xmlns:r="http://schemas.openxmlformats.org/officeDocument/2006/relationships" r:dm="rId1" r:lo="rId2" r:qs="rId3" r:cs="rId4"/>
+          </a:graphicData>
+        </a:graphic>
+      </p:graphicFrame>
+      <p:sp>
+        <p:nvSpPr>
+          <p:cNvPr id="7" name="Text Box 6"/>
+          <p:cNvSpPr txBox="1"/>
+          <p:nvPr/>
+        </p:nvSpPr>
+        <p:spPr>
+          <a:xfrm>
+            <a:off x="9123680" y="2270125"/>
+            <a:ext cx="2413635" cy="645160"/>
+          </a:xfrm>
+          <a:prstGeom prst="rect">
+            <a:avLst/>
+          </a:prstGeom>
+          <a:noFill/>
+        </p:spPr>
+        <p:txBody>
+          <a:bodyPr wrap="none" rtlCol="0">
+            <a:spAutoFit/>
+          </a:bodyPr>
+          <a:p>
+            <a:pPr algn="r"/>
+            <a:r>
+              <a:rPr lang="en-US" altLang="en-US" i="1"/>
+              <a:t>BAB 2</a:t>
+            </a:r>
+            <a:endParaRPr lang="en-US" altLang="en-US" i="1"/>
+          </a:p>
+          <a:p>
+            <a:pPr algn="r"/>
+            <a:r>
+              <a:rPr lang="en-US" altLang="en-US" i="1"/>
+              <a:t>TINJAUAN PUSTAKA</a:t>
+            </a:r>
+            <a:endParaRPr lang="en-US" altLang="en-US" i="1"/>
+          </a:p>
+        </p:txBody>
+      </p:sp>
+    </p:spTree>
+  </p:cSld>
+  <p:clrMapOvr>
+    <a:masterClrMapping/>
+  </p:clrMapOvr>
+</p:sld>
+</file>
+
+<file path=ppt/slides/slide6.xml><?xml version="1.0" encoding="utf-8"?>
+<p:sld xmlns:a="http://schemas.openxmlformats.org/drawingml/2006/main" xmlns:r="http://schemas.openxmlformats.org/officeDocument/2006/relationships" xmlns:p="http://schemas.openxmlformats.org/presentationml/2006/main">
+  <p:cSld>
+    <p:spTree>
+      <p:nvGrpSpPr>
+        <p:cNvPr id="1" name=""/>
+        <p:cNvGrpSpPr/>
+        <p:nvPr/>
+      </p:nvGrpSpPr>
+      <p:grpSpPr/>
+      <p:graphicFrame>
+        <p:nvGraphicFramePr>
+          <p:cNvPr id="6" name="Diagram 5"/>
+          <p:cNvGraphicFramePr/>
+          <p:nvPr/>
+        </p:nvGraphicFramePr>
+        <p:xfrm>
+          <a:off x="7626985" y="-88265"/>
+          <a:ext cx="4138295" cy="2759710"/>
+        </p:xfrm>
+        <a:graphic>
+          <a:graphicData uri="http://schemas.openxmlformats.org/drawingml/2006/diagram">
+            <dgm:relIds xmlns:dgm="http://schemas.openxmlformats.org/drawingml/2006/diagram" xmlns:r="http://schemas.openxmlformats.org/officeDocument/2006/relationships" r:dm="rId1" r:lo="rId2" r:qs="rId3" r:cs="rId4"/>
+          </a:graphicData>
+        </a:graphic>
+      </p:graphicFrame>
+      <p:sp>
+        <p:nvSpPr>
+          <p:cNvPr id="7" name="Text Box 6"/>
+          <p:cNvSpPr txBox="1"/>
+          <p:nvPr/>
+        </p:nvSpPr>
+        <p:spPr>
+          <a:xfrm>
+            <a:off x="9123680" y="2270125"/>
+            <a:ext cx="2413635" cy="645160"/>
+          </a:xfrm>
+          <a:prstGeom prst="rect">
+            <a:avLst/>
+          </a:prstGeom>
+          <a:noFill/>
+        </p:spPr>
+        <p:txBody>
+          <a:bodyPr wrap="none" rtlCol="0">
+            <a:spAutoFit/>
+          </a:bodyPr>
+          <a:p>
+            <a:pPr algn="r"/>
+            <a:r>
+              <a:rPr lang="" altLang="en-US" i="1"/>
+              <a:t>BAB 2</a:t>
+            </a:r>
+            <a:endParaRPr lang="" altLang="en-US" i="1"/>
+          </a:p>
+          <a:p>
+            <a:pPr algn="r"/>
+            <a:r>
+              <a:rPr lang="" altLang="en-US" i="1"/>
+              <a:t>TINJAUAN PUSTAKA</a:t>
+            </a:r>
+            <a:endParaRPr lang="" altLang="en-US" i="1"/>
+          </a:p>
+        </p:txBody>
+      </p:sp>
+    </p:spTree>
+  </p:cSld>
+  <p:clrMapOvr>
+    <a:masterClrMapping/>
+  </p:clrMapOvr>
+</p:sld>
+</file>
+
+<file path=ppt/slides/slide7.xml><?xml version="1.0" encoding="utf-8"?>
+<p:sld xmlns:a="http://schemas.openxmlformats.org/drawingml/2006/main" xmlns:r="http://schemas.openxmlformats.org/officeDocument/2006/relationships" xmlns:p="http://schemas.openxmlformats.org/presentationml/2006/main">
+  <p:cSld>
+    <p:spTree>
+      <p:nvGrpSpPr>
+        <p:cNvPr id="1" name=""/>
+        <p:cNvGrpSpPr/>
+        <p:nvPr/>
+      </p:nvGrpSpPr>
+      <p:grpSpPr/>
+      <p:sp>
+        <p:nvSpPr>
+          <p:cNvPr id="4" name="Title 3"/>
+          <p:cNvSpPr>
+            <a:spLocks noGrp="1"/>
+          </p:cNvSpPr>
+          <p:nvPr>
+            <p:ph type="title"/>
+          </p:nvPr>
+        </p:nvSpPr>
+        <p:spPr/>
+        <p:txBody>
+          <a:bodyPr/>
+          <a:p>
+            <a:r>
+              <a:rPr lang="en-US" altLang="en-US"/>
+              <a:t>Motivasi Menghafal Alquran → Definisi</a:t>
+            </a:r>
+            <a:endParaRPr lang="en-US" altLang="en-US"/>
+          </a:p>
+        </p:txBody>
+      </p:sp>
+      <p:sp>
+        <p:nvSpPr>
+          <p:cNvPr id="5" name="Text Placeholder 4"/>
+          <p:cNvSpPr>
+            <a:spLocks noGrp="1"/>
+          </p:cNvSpPr>
+          <p:nvPr>
+            <p:ph type="body" idx="1"/>
+          </p:nvPr>
+        </p:nvSpPr>
+        <p:spPr/>
+        <p:txBody>
+          <a:bodyPr/>
+          <a:p>
+            <a:r>
+              <a:rPr lang="en-US" altLang="en-US"/>
+              <a:t>Winkel (2012)</a:t>
+            </a:r>
+            <a:endParaRPr lang="en-US" altLang="en-US"/>
+          </a:p>
+        </p:txBody>
+      </p:sp>
+      <p:sp>
+        <p:nvSpPr>
+          <p:cNvPr id="6" name="Content Placeholder 5"/>
+          <p:cNvSpPr>
+            <a:spLocks noGrp="1"/>
+          </p:cNvSpPr>
+          <p:nvPr>
+            <p:ph sz="half" idx="2"/>
+          </p:nvPr>
+        </p:nvSpPr>
+        <p:spPr/>
+        <p:txBody>
+          <a:bodyPr/>
+          <a:p>
+            <a:pPr marL="0" indent="0">
+              <a:buNone/>
+            </a:pPr>
+            <a:r>
+              <a:rPr lang="en-US" altLang="en-US" sz="2100" b="1"/>
+              <a:t>Motivasi belajar: </a:t>
+            </a:r>
+            <a:r>
+              <a:rPr lang="en-US" altLang="en-US" sz="2100"/>
+              <a:t>K</a:t>
+            </a:r>
+            <a:r>
+              <a:rPr lang="en-US" sz="2100"/>
+              <a:t>eseluruhan daya penggerak psikis di dalam diri siswa yang menimbulkan kegiatan belajar, menjamin kelangsungan kegiatan belajar dan memberikan arah pada kegiatan belajar itu demi mencapai suatu tujuan. Motivasi belajar memegang peranan penting dalam memberikan gairah semangat belajar, sehingga siswa yang bermotivasi kuat memiliki banyak energi untuk melakukan kegiatan belajar.</a:t>
+            </a:r>
+            <a:endParaRPr lang="en-US" sz="2100"/>
+          </a:p>
+        </p:txBody>
+      </p:sp>
+      <p:sp>
+        <p:nvSpPr>
+          <p:cNvPr id="7" name="Text Placeholder 6"/>
+          <p:cNvSpPr>
+            <a:spLocks noGrp="1"/>
+          </p:cNvSpPr>
+          <p:nvPr>
+            <p:ph type="body" sz="quarter" idx="3"/>
+          </p:nvPr>
+        </p:nvSpPr>
+        <p:spPr/>
+        <p:txBody>
+          <a:bodyPr/>
+          <a:p>
+            <a:r>
+              <a:rPr lang="en-US"/>
+              <a:t>Dimyati </a:t>
+            </a:r>
+            <a:r>
+              <a:rPr lang="en-US" altLang="en-US"/>
+              <a:t>(</a:t>
+            </a:r>
+            <a:r>
+              <a:rPr lang="en-US"/>
+              <a:t>2009)</a:t>
+            </a:r>
+            <a:endParaRPr lang="en-US"/>
+          </a:p>
+        </p:txBody>
+      </p:sp>
+      <p:sp>
+        <p:nvSpPr>
+          <p:cNvPr id="8" name="Content Placeholder 7"/>
+          <p:cNvSpPr>
+            <a:spLocks noGrp="1"/>
+          </p:cNvSpPr>
+          <p:nvPr>
+            <p:ph sz="quarter" idx="4"/>
+          </p:nvPr>
+        </p:nvSpPr>
+        <p:spPr/>
+        <p:txBody>
+          <a:bodyPr/>
+          <a:p>
+            <a:pPr marL="0" indent="0">
+              <a:buNone/>
+            </a:pPr>
+            <a:r>
+              <a:rPr lang="en-US" altLang="en-US" sz="2000" b="1"/>
+              <a:t>Motivasi belajar:</a:t>
+            </a:r>
+            <a:r>
+              <a:rPr lang="en-US" altLang="en-US" sz="2000"/>
+              <a:t> Kecenderungan siswa dalam melakukan kegiatan belajar yang didorong oleh hasrat untuk mencapai prestasi atau hasil belajar sebaik mungkin. Motivasi dipandang sebagai dorongan mental yang menggerakkan dan mengarahkan perilaku manusia, termasuk perilaku di dalam belajar. Di dalam motivasi terkandung adanya keinginan yang mengaktifkan, menggerakkan, menyalurkan dan mengarahkan sikap serta perilaku pada belajar individu tersebut.</a:t>
+            </a:r>
+            <a:endParaRPr lang="en-US" altLang="en-US" sz="2000"/>
+          </a:p>
+        </p:txBody>
+      </p:sp>
+    </p:spTree>
+  </p:cSld>
+  <p:clrMapOvr>
+    <a:masterClrMapping/>
+  </p:clrMapOvr>
+</p:sld>
+</file>
+
+<file path=ppt/slides/slide8.xml><?xml version="1.0" encoding="utf-8"?>
 <p:sld xmlns:a="http://schemas.openxmlformats.org/drawingml/2006/main" xmlns:r="http://schemas.openxmlformats.org/officeDocument/2006/relationships" xmlns:p="http://schemas.openxmlformats.org/presentationml/2006/main">
   <p:cSld>
     <p:spTree>
@@ -11317,7 +16512,7 @@
           <a:p>
             <a:r>
               <a:rPr lang="en-US" altLang="en-US"/>
-              <a:t>Rumusan Masalah</a:t>
+              <a:t>Motivasi Menghafal Alquran → Definisi</a:t>
             </a:r>
             <a:endParaRPr lang="en-US" altLang="en-US"/>
           </a:p>
@@ -11325,12 +16520,12 @@
       </p:sp>
       <p:sp>
         <p:nvSpPr>
-          <p:cNvPr id="3" name="Content Placeholder 2"/>
+          <p:cNvPr id="3" name="Text Placeholder 2"/>
           <p:cNvSpPr>
             <a:spLocks noGrp="1"/>
           </p:cNvSpPr>
           <p:nvPr>
-            <p:ph idx="1"/>
+            <p:ph type="body" idx="1"/>
           </p:nvPr>
         </p:nvSpPr>
         <p:spPr/>
@@ -11339,23 +16534,89 @@
           <a:p>
             <a:r>
               <a:rPr lang="en-US"/>
-              <a:t>Apakah ada pengaruh efikasi diri dan dukungan guru tahfidz terhadap motivasi menghafal Alquran santri SMA Tahfidz Al-Izzah Samarinda?</a:t>
+              <a:t>Kamus Besar Bahasa Indonesia (2008)</a:t>
             </a:r>
             <a:endParaRPr lang="en-US"/>
           </a:p>
+        </p:txBody>
+      </p:sp>
+      <p:sp>
+        <p:nvSpPr>
+          <p:cNvPr id="4" name="Content Placeholder 3"/>
+          <p:cNvSpPr>
+            <a:spLocks noGrp="1"/>
+          </p:cNvSpPr>
+          <p:nvPr>
+            <p:ph sz="half" idx="2"/>
+          </p:nvPr>
+        </p:nvSpPr>
+        <p:spPr/>
+        <p:txBody>
+          <a:bodyPr/>
+          <a:p>
+            <a:pPr marL="0" indent="0">
+              <a:buNone/>
+            </a:pPr>
+            <a:r>
+              <a:rPr lang="en-US" altLang="en-US" sz="2600" b="1"/>
+              <a:t>Menghafal: </a:t>
+            </a:r>
+            <a:r>
+              <a:rPr lang="en-US" altLang="en-US" sz="2600"/>
+              <a:t>Berasal dari kata dasar hafal yang memiliki dua arti: telah masuk dalam ingatan (tentang pelajaran), dan dapat mengucapkan di luar kepala (tanpa melihat buku atau catatan lain). Adapun arti menghafal adalah berusaha meresapkan ke dalam pikiran agar selalu ingat.</a:t>
+            </a:r>
+            <a:endParaRPr lang="en-US" altLang="en-US" sz="2600"/>
+          </a:p>
+        </p:txBody>
+      </p:sp>
+      <p:sp>
+        <p:nvSpPr>
+          <p:cNvPr id="5" name="Text Placeholder 4"/>
+          <p:cNvSpPr>
+            <a:spLocks noGrp="1"/>
+          </p:cNvSpPr>
+          <p:nvPr>
+            <p:ph type="body" sz="quarter" idx="3"/>
+          </p:nvPr>
+        </p:nvSpPr>
+        <p:spPr/>
+        <p:txBody>
+          <a:bodyPr/>
           <a:p>
             <a:r>
               <a:rPr lang="en-US"/>
-              <a:t>Apakah ada pengaruh efikasi diri terhadap motivasi menghafal Alquran santri SMA Tahfidz Al-Izzah Samarinda?</a:t>
+              <a:t>Shihab (2013)</a:t>
             </a:r>
             <a:endParaRPr lang="en-US"/>
           </a:p>
-          <a:p>
-            <a:r>
-              <a:rPr lang="en-US"/>
-              <a:t>Apakah ada pengaruh dukungan guru tahfidz terhadap motivasi menghafal Alquran santri SMA Tahfidz Al-Izzah Samarinda?</a:t>
-            </a:r>
-            <a:endParaRPr lang="en-US"/>
+        </p:txBody>
+      </p:sp>
+      <p:sp>
+        <p:nvSpPr>
+          <p:cNvPr id="6" name="Content Placeholder 5"/>
+          <p:cNvSpPr>
+            <a:spLocks noGrp="1"/>
+          </p:cNvSpPr>
+          <p:nvPr>
+            <p:ph sz="quarter" idx="4"/>
+          </p:nvPr>
+        </p:nvSpPr>
+        <p:spPr/>
+        <p:txBody>
+          <a:bodyPr/>
+          <a:p>
+            <a:pPr marL="0" indent="0">
+              <a:buNone/>
+            </a:pPr>
+            <a:r>
+              <a:rPr lang="en-US" altLang="en-US" sz="3100" b="1"/>
+              <a:t>Alquran:</a:t>
+            </a:r>
+            <a:r>
+              <a:rPr lang="en-US" altLang="en-US" sz="3100"/>
+              <a:t> Firman-firman Allah Subhanahu wa Taala yang disampaikan oleh malaikat Jibril sesuai dengan redaksi-Nya kepada Nabi Muhammad Shallallahu Alaihi wa Sallam.</a:t>
+            </a:r>
+            <a:endParaRPr lang="en-US" altLang="en-US" sz="3100"/>
           </a:p>
         </p:txBody>
       </p:sp>
@@ -11367,7 +16628,7 @@
 </p:sld>
 </file>
 
-<file path=ppt/slides/slide6.xml><?xml version="1.0" encoding="utf-8"?>
+<file path=ppt/slides/slide9.xml><?xml version="1.0" encoding="utf-8"?>
 <p:sld xmlns:a="http://schemas.openxmlformats.org/drawingml/2006/main" xmlns:r="http://schemas.openxmlformats.org/officeDocument/2006/relationships" xmlns:p="http://schemas.openxmlformats.org/presentationml/2006/main">
   <p:cSld>
     <p:spTree>
@@ -11393,7 +16654,7 @@
           <a:p>
             <a:r>
               <a:rPr lang="en-US" altLang="en-US"/>
-              <a:t>Tujuan Penelitian</a:t>
+              <a:t>Motivasi Menghafal Alquran → Definisi</a:t>
             </a:r>
             <a:endParaRPr lang="en-US" altLang="en-US"/>
           </a:p>
@@ -11401,166 +16662,7 @@
       </p:sp>
       <p:sp>
         <p:nvSpPr>
-          <p:cNvPr id="3" name="Content Placeholder 2"/>
-          <p:cNvSpPr>
-            <a:spLocks noGrp="1"/>
-          </p:cNvSpPr>
-          <p:nvPr>
-            <p:ph idx="1"/>
-          </p:nvPr>
-        </p:nvSpPr>
-        <p:spPr/>
-        <p:txBody>
-          <a:bodyPr/>
-          <a:p>
-            <a:r>
-              <a:rPr lang="en-US"/>
-              <a:t>Untuk mengetahui pengaruh efikasi diri dan dukungan guru tahfidz terhadap motivasi menghafal Alquran santri SMA Tahfidz Al-Izzah Samarinda.</a:t>
-            </a:r>
-            <a:endParaRPr lang="en-US"/>
-          </a:p>
-          <a:p>
-            <a:r>
-              <a:rPr lang="en-US"/>
-              <a:t>Untuk mengetahui pengaruh efikasi diri terhadap motivasi menghafal Alquran santri SMA Tahfidz Al-Izzah Samarinda.</a:t>
-            </a:r>
-            <a:endParaRPr lang="en-US"/>
-          </a:p>
-          <a:p>
-            <a:r>
-              <a:rPr lang="en-US"/>
-              <a:t>Untuk mengetahui pengaruh dukungan guru tahfidz terhadap motivasi menghafal Alquran santri SMA Tahfidz Al-Izzah Samarinda.</a:t>
-            </a:r>
-            <a:endParaRPr lang="en-US"/>
-          </a:p>
-        </p:txBody>
-      </p:sp>
-    </p:spTree>
-  </p:cSld>
-  <p:clrMapOvr>
-    <a:masterClrMapping/>
-  </p:clrMapOvr>
-</p:sld>
-</file>
-
-<file path=ppt/slides/slide7.xml><?xml version="1.0" encoding="utf-8"?>
-<p:sld xmlns:a="http://schemas.openxmlformats.org/drawingml/2006/main" xmlns:r="http://schemas.openxmlformats.org/officeDocument/2006/relationships" xmlns:p="http://schemas.openxmlformats.org/presentationml/2006/main">
-  <p:cSld>
-    <p:spTree>
-      <p:nvGrpSpPr>
-        <p:cNvPr id="1" name=""/>
-        <p:cNvGrpSpPr/>
-        <p:nvPr/>
-      </p:nvGrpSpPr>
-      <p:grpSpPr/>
-      <p:sp>
-        <p:nvSpPr>
-          <p:cNvPr id="2" name="Title 1"/>
-          <p:cNvSpPr>
-            <a:spLocks noGrp="1"/>
-          </p:cNvSpPr>
-          <p:nvPr>
-            <p:ph type="title"/>
-          </p:nvPr>
-        </p:nvSpPr>
-        <p:spPr/>
-        <p:txBody>
-          <a:bodyPr/>
-          <a:p>
-            <a:r>
-              <a:rPr lang="en-US" altLang="en-US"/>
-              <a:t>Manfaat Penelitian</a:t>
-            </a:r>
-            <a:endParaRPr lang="en-US" altLang="en-US"/>
-          </a:p>
-        </p:txBody>
-      </p:sp>
-      <p:sp>
-        <p:nvSpPr>
-          <p:cNvPr id="3" name="Content Placeholder 2"/>
-          <p:cNvSpPr>
-            <a:spLocks noGrp="1"/>
-          </p:cNvSpPr>
-          <p:nvPr>
-            <p:ph idx="1"/>
-          </p:nvPr>
-        </p:nvSpPr>
-        <p:spPr/>
-        <p:txBody>
-          <a:bodyPr/>
-          <a:p>
-            <a:r>
-              <a:rPr lang="en-US" sz="2600"/>
-              <a:t>Hasil penelitian ini dapat dijadikan sebagai masukan bagi para penghafal Alquran tentang pentingnya motivasi dalam menghafal Alquran.</a:t>
-            </a:r>
-            <a:endParaRPr lang="en-US" sz="2600"/>
-          </a:p>
-          <a:p>
-            <a:r>
-              <a:rPr lang="en-US" sz="2600"/>
-              <a:t>Hasil penelitian ini dapat dijadikan sebagai pedoman bagi para penghafal Alquran tentang cara meningkatkan motivasi dalam menghafal Alquran.</a:t>
-            </a:r>
-            <a:endParaRPr lang="en-US" sz="2600"/>
-          </a:p>
-          <a:p>
-            <a:r>
-              <a:rPr lang="en-US" sz="2600"/>
-              <a:t>Hasil penelitian ini dapat menambah khazanah ilmu pengetahuan, baik bagi civitas pondok pesantren menghafal Alquran maupun siapa saja yang bergelut dalam bidang pendidikan.</a:t>
-            </a:r>
-            <a:endParaRPr lang="en-US" sz="2600"/>
-          </a:p>
-          <a:p>
-            <a:r>
-              <a:rPr lang="en-US" sz="2600"/>
-              <a:t>Hasil penelitian ini dapat dijadikan sebagai bahan pertimbangan kebijakan SMA Tahfidz Al-Izzah Samarinda untuk meningkatkan kualitas mutu pendidikan tahfidz.</a:t>
-            </a:r>
-            <a:endParaRPr lang="en-US" sz="2600"/>
-          </a:p>
-        </p:txBody>
-      </p:sp>
-    </p:spTree>
-  </p:cSld>
-  <p:clrMapOvr>
-    <a:masterClrMapping/>
-  </p:clrMapOvr>
-</p:sld>
-</file>
-
-<file path=ppt/slides/slide8.xml><?xml version="1.0" encoding="utf-8"?>
-<p:sld xmlns:a="http://schemas.openxmlformats.org/drawingml/2006/main" xmlns:r="http://schemas.openxmlformats.org/officeDocument/2006/relationships" xmlns:p="http://schemas.openxmlformats.org/presentationml/2006/main">
-  <p:cSld>
-    <p:spTree>
-      <p:nvGrpSpPr>
-        <p:cNvPr id="1" name=""/>
-        <p:cNvGrpSpPr/>
-        <p:nvPr/>
-      </p:nvGrpSpPr>
-      <p:grpSpPr/>
-      <p:sp>
-        <p:nvSpPr>
-          <p:cNvPr id="4" name="Title 3"/>
-          <p:cNvSpPr>
-            <a:spLocks noGrp="1"/>
-          </p:cNvSpPr>
-          <p:nvPr>
-            <p:ph type="title"/>
-          </p:nvPr>
-        </p:nvSpPr>
-        <p:spPr/>
-        <p:txBody>
-          <a:bodyPr/>
-          <a:p>
-            <a:r>
-              <a:rPr lang="en-US" altLang="en-US"/>
-              <a:t>BAB II</a:t>
-            </a:r>
-            <a:endParaRPr lang="en-US" altLang="en-US"/>
-          </a:p>
-        </p:txBody>
-      </p:sp>
-      <p:sp>
-        <p:nvSpPr>
-          <p:cNvPr id="5" name="Text Placeholder 4"/>
+          <p:cNvPr id="7" name="Text Placeholder 6"/>
           <p:cNvSpPr>
             <a:spLocks noGrp="1"/>
           </p:cNvSpPr>
@@ -11573,162 +16675,12 @@
           <a:bodyPr/>
           <a:p>
             <a:r>
-              <a:rPr lang="en-US" altLang="en-US"/>
-              <a:t>TINJAUAN PUSTAKA</a:t>
-            </a:r>
-            <a:endParaRPr lang="en-US" altLang="en-US"/>
-          </a:p>
-        </p:txBody>
-      </p:sp>
-    </p:spTree>
-  </p:cSld>
-  <p:clrMapOvr>
-    <a:masterClrMapping/>
-  </p:clrMapOvr>
-</p:sld>
-</file>
-
-<file path=ppt/slides/slide9.xml><?xml version="1.0" encoding="utf-8"?>
-<p:sld xmlns:a="http://schemas.openxmlformats.org/drawingml/2006/main" xmlns:r="http://schemas.openxmlformats.org/officeDocument/2006/relationships" xmlns:p="http://schemas.openxmlformats.org/presentationml/2006/main">
-  <p:cSld>
-    <p:spTree>
-      <p:nvGrpSpPr>
-        <p:cNvPr id="1" name=""/>
-        <p:cNvGrpSpPr/>
-        <p:nvPr/>
-      </p:nvGrpSpPr>
-      <p:grpSpPr/>
-      <p:sp>
-        <p:nvSpPr>
-          <p:cNvPr id="4" name="Title 3"/>
-          <p:cNvSpPr>
-            <a:spLocks noGrp="1"/>
-          </p:cNvSpPr>
-          <p:nvPr>
-            <p:ph type="title"/>
-          </p:nvPr>
-        </p:nvSpPr>
-        <p:spPr/>
-        <p:txBody>
-          <a:bodyPr/>
-          <a:p>
-            <a:r>
-              <a:rPr lang="en-US" altLang="en-US"/>
-              <a:t>Motivasi Menghafal Alquran → Definisi</a:t>
-            </a:r>
-            <a:endParaRPr lang="en-US" altLang="en-US"/>
-          </a:p>
-        </p:txBody>
-      </p:sp>
-      <p:sp>
-        <p:nvSpPr>
-          <p:cNvPr id="5" name="Text Placeholder 4"/>
-          <p:cNvSpPr>
-            <a:spLocks noGrp="1"/>
-          </p:cNvSpPr>
-          <p:nvPr>
-            <p:ph type="body" idx="1"/>
-          </p:nvPr>
-        </p:nvSpPr>
-        <p:spPr/>
-        <p:txBody>
-          <a:bodyPr/>
-          <a:p>
-            <a:r>
-              <a:rPr lang="en-US" altLang="en-US"/>
-              <a:t>Winkel (2012)</a:t>
-            </a:r>
-            <a:endParaRPr lang="en-US" altLang="en-US"/>
-          </a:p>
-        </p:txBody>
-      </p:sp>
-      <p:sp>
-        <p:nvSpPr>
-          <p:cNvPr id="6" name="Content Placeholder 5"/>
-          <p:cNvSpPr>
-            <a:spLocks noGrp="1"/>
-          </p:cNvSpPr>
-          <p:nvPr>
-            <p:ph sz="half" idx="2"/>
-          </p:nvPr>
-        </p:nvSpPr>
-        <p:spPr/>
-        <p:txBody>
-          <a:bodyPr/>
-          <a:p>
-            <a:pPr marL="0" indent="0">
-              <a:buNone/>
-            </a:pPr>
-            <a:r>
-              <a:rPr lang="en-US" altLang="en-US" sz="2100" b="1"/>
-              <a:t>Motivasi belajar: </a:t>
-            </a:r>
-            <a:r>
-              <a:rPr lang="en-US" altLang="en-US" sz="2100"/>
-              <a:t>K</a:t>
-            </a:r>
-            <a:r>
-              <a:rPr lang="en-US" sz="2100"/>
-              <a:t>eseluruhan daya penggerak psikis di dalam diri siswa yang menimbulkan kegiatan belajar, menjamin kelangsungan kegiatan belajar dan memberikan arah pada kegiatan belajar itu demi mencapai suatu tujuan. Motivasi belajar memegang peranan penting dalam memberikan gairah semangat belajar, sehingga siswa yang bermotivasi kuat memiliki banyak energi untuk melakukan kegiatan belajar.</a:t>
-            </a:r>
-            <a:endParaRPr lang="en-US" sz="2100"/>
-          </a:p>
-        </p:txBody>
-      </p:sp>
-      <p:sp>
-        <p:nvSpPr>
-          <p:cNvPr id="7" name="Text Placeholder 6"/>
-          <p:cNvSpPr>
-            <a:spLocks noGrp="1"/>
-          </p:cNvSpPr>
-          <p:nvPr>
-            <p:ph type="body" sz="quarter" idx="3"/>
-          </p:nvPr>
-        </p:nvSpPr>
-        <p:spPr/>
-        <p:txBody>
-          <a:bodyPr/>
-          <a:p>
-            <a:r>
-              <a:rPr lang="en-US"/>
-              <a:t>Dimyati </a:t>
-            </a:r>
-            <a:r>
-              <a:rPr lang="en-US" altLang="en-US"/>
-              <a:t>(</a:t>
-            </a:r>
-            <a:r>
-              <a:rPr lang="en-US"/>
-              <a:t>2009)</a:t>
-            </a:r>
-            <a:endParaRPr lang="en-US"/>
-          </a:p>
-        </p:txBody>
-      </p:sp>
-      <p:sp>
-        <p:nvSpPr>
-          <p:cNvPr id="8" name="Content Placeholder 7"/>
-          <p:cNvSpPr>
-            <a:spLocks noGrp="1"/>
-          </p:cNvSpPr>
-          <p:nvPr>
-            <p:ph sz="quarter" idx="4"/>
-          </p:nvPr>
-        </p:nvSpPr>
-        <p:spPr/>
-        <p:txBody>
-          <a:bodyPr/>
-          <a:p>
-            <a:pPr marL="0" indent="0">
-              <a:buNone/>
-            </a:pPr>
-            <a:r>
               <a:rPr lang="en-US" altLang="en-US" sz="2000" b="1"/>
-              <a:t>Motivasi belajar:</a:t>
+              <a:t>Motivasi menghafal Alquran: </a:t>
             </a:r>
             <a:r>
               <a:rPr lang="en-US" altLang="en-US" sz="2000"/>
-              <a:t> Kecenderungan siswa dalam melakukan kegiatan belajar yang didorong oleh hasrat untuk mencapai prestasi atau hasil belajar sebaik mungkin. Motivasi dipandang sebagai dorongan mental yang menggerakkan dan mengarahkan perilaku manusia, termasuk perilaku di dalam belajar. Di dalam motivasi terkandung adanya keinginan yang mengaktifkan, menggerakkan, menyalurkan dan mengarahkan sikap serta perilaku pada belajar individu tersebut.</a:t>
+              <a:t>keseluruhan daya penggerak baik dari dalam maupun dari luar diri individu dengan menciptakan perasaan untuk menyediakan kondisi-kondisi tertentu yang menjamin kelangsungan hidup dan memberikan arah pada kegiatan menghafal Alquran, sehingga dapat tetap tercapainya tujuan di dalam proses menghafal Alquran.</a:t>
             </a:r>
             <a:endParaRPr lang="en-US" altLang="en-US" sz="2000"/>
           </a:p>

--- a/seminar proposal.pptx
+++ b/seminar proposal.pptx
@@ -13,24 +13,8 @@
     <p:sldId id="265" r:id="rId6"/>
     <p:sldId id="316" r:id="rId7"/>
     <p:sldId id="319" r:id="rId8"/>
-    <p:sldId id="279" r:id="rId9"/>
-    <p:sldId id="280" r:id="rId10"/>
-    <p:sldId id="281" r:id="rId11"/>
-    <p:sldId id="282" r:id="rId12"/>
-    <p:sldId id="283" r:id="rId13"/>
-    <p:sldId id="284" r:id="rId14"/>
-    <p:sldId id="285" r:id="rId15"/>
-    <p:sldId id="286" r:id="rId16"/>
-    <p:sldId id="287" r:id="rId17"/>
-    <p:sldId id="288" r:id="rId18"/>
-    <p:sldId id="289" r:id="rId19"/>
-    <p:sldId id="290" r:id="rId20"/>
-    <p:sldId id="291" r:id="rId21"/>
-    <p:sldId id="292" r:id="rId22"/>
-    <p:sldId id="293" r:id="rId23"/>
-    <p:sldId id="294" r:id="rId24"/>
-    <p:sldId id="295" r:id="rId25"/>
-    <p:sldId id="296" r:id="rId26"/>
+    <p:sldId id="320" r:id="rId9"/>
+    <p:sldId id="321" r:id="rId10"/>
   </p:sldIdLst>
   <p:sldSz cx="12192000" cy="6858000"/>
   <p:notesSz cx="6858000" cy="9144000"/>
@@ -3283,10 +3267,10 @@
             </a:spcAft>
           </a:pPr>
           <a:r>
-            <a:rPr lang="" altLang="en-US"/>
+            <a:rPr lang="en-US" altLang="en-US"/>
             <a:t>Motivasi Menghafal Alquran</a:t>
           </a:r>
-          <a:endParaRPr lang="" altLang="en-US"/>
+          <a:endParaRPr lang="en-US" altLang="en-US"/>
         </a:p>
       </dgm:t>
     </dgm:pt>
@@ -3311,7 +3295,22 @@
       </dgm:t>
     </dgm:pt>
     <dgm:pt modelId="{5CC2ECAC-253E-42C2-B5D0-20CB09C9A6EC}">
-      <dgm:prSet phldrT="[Text]" phldr="0" custT="0"/>
+      <dgm:prSet phldrT="[Text]" phldr="0" custT="0">
+        <dgm:style>
+          <a:lnRef idx="2">
+            <a:schemeClr val="accent1"/>
+          </a:lnRef>
+          <a:fillRef idx="1">
+            <a:schemeClr val="lt1"/>
+          </a:fillRef>
+          <a:effectRef idx="0">
+            <a:schemeClr val="accent1"/>
+          </a:effectRef>
+          <a:fontRef idx="minor">
+            <a:schemeClr val="dk1"/>
+          </a:fontRef>
+        </dgm:style>
+      </dgm:prSet>
       <dgm:spPr/>
       <dgm:t>
         <a:bodyPr vert="horz" wrap="square"/>
@@ -3328,14 +3327,14 @@
             </a:spcAft>
           </a:pPr>
           <a:r>
-            <a:rPr lang="" altLang="en-US"/>
+            <a:rPr lang="en-US" altLang="en-US"/>
             <a:t>Efikasi Diri</a:t>
           </a:r>
           <a:r>
-            <a:rPr lang="" altLang="en-US"/>
+            <a:rPr lang="en-US" altLang="en-US"/>
             <a:t/>
           </a:r>
-          <a:endParaRPr lang="" altLang="en-US"/>
+          <a:endParaRPr lang="en-US" altLang="en-US"/>
         </a:p>
       </dgm:t>
     </dgm:pt>
@@ -3360,7 +3359,22 @@
       </dgm:t>
     </dgm:pt>
     <dgm:pt modelId="{99613576-2E0D-4362-84C0-CA41C5EA901B}">
-      <dgm:prSet phldrT="[Text]" phldr="0" custT="0"/>
+      <dgm:prSet phldrT="[Text]" phldr="0" custT="0">
+        <dgm:style>
+          <a:lnRef idx="2">
+            <a:schemeClr val="accent1"/>
+          </a:lnRef>
+          <a:fillRef idx="1">
+            <a:schemeClr val="lt1"/>
+          </a:fillRef>
+          <a:effectRef idx="0">
+            <a:schemeClr val="accent1"/>
+          </a:effectRef>
+          <a:fontRef idx="minor">
+            <a:schemeClr val="dk1"/>
+          </a:fontRef>
+        </dgm:style>
+      </dgm:prSet>
       <dgm:spPr/>
       <dgm:t>
         <a:bodyPr vert="horz" wrap="square"/>
@@ -3377,7 +3391,7 @@
             </a:spcAft>
           </a:pPr>
           <a:r>
-            <a:rPr lang="" altLang="en-US"/>
+            <a:rPr lang="en-US" altLang="en-US"/>
             <a:t>Dukungan Guru Tahfidz</a:t>
           </a:r>
           <a:r>
@@ -12354,1595 +12368,6 @@
 </p:sld>
 </file>
 
-<file path=ppt/slides/slide10.xml><?xml version="1.0" encoding="utf-8"?>
-<p:sld xmlns:a="http://schemas.openxmlformats.org/drawingml/2006/main" xmlns:r="http://schemas.openxmlformats.org/officeDocument/2006/relationships" xmlns:p="http://schemas.openxmlformats.org/presentationml/2006/main">
-  <p:cSld>
-    <p:spTree>
-      <p:nvGrpSpPr>
-        <p:cNvPr id="1" name=""/>
-        <p:cNvGrpSpPr/>
-        <p:nvPr/>
-      </p:nvGrpSpPr>
-      <p:grpSpPr/>
-      <p:sp>
-        <p:nvSpPr>
-          <p:cNvPr id="4" name="Title 3"/>
-          <p:cNvSpPr>
-            <a:spLocks noGrp="1"/>
-          </p:cNvSpPr>
-          <p:nvPr>
-            <p:ph type="title"/>
-          </p:nvPr>
-        </p:nvSpPr>
-        <p:spPr/>
-        <p:txBody>
-          <a:bodyPr/>
-          <a:p>
-            <a:r>
-              <a:rPr lang="en-US" altLang="en-US"/>
-              <a:t>Motivasi Menghafal Alquran → Faktor yang Mempengaruhi</a:t>
-            </a:r>
-            <a:endParaRPr lang="en-US" altLang="en-US"/>
-          </a:p>
-        </p:txBody>
-      </p:sp>
-      <p:sp>
-        <p:nvSpPr>
-          <p:cNvPr id="5" name="Text Placeholder 4"/>
-          <p:cNvSpPr>
-            <a:spLocks noGrp="1"/>
-          </p:cNvSpPr>
-          <p:nvPr>
-            <p:ph type="body" idx="1"/>
-          </p:nvPr>
-        </p:nvSpPr>
-        <p:spPr/>
-        <p:txBody>
-          <a:bodyPr/>
-          <a:p>
-            <a:r>
-              <a:rPr lang="en-US"/>
-              <a:t>Santrock (2014)</a:t>
-            </a:r>
-            <a:endParaRPr lang="en-US"/>
-          </a:p>
-        </p:txBody>
-      </p:sp>
-      <p:sp>
-        <p:nvSpPr>
-          <p:cNvPr id="6" name="Content Placeholder 5"/>
-          <p:cNvSpPr>
-            <a:spLocks noGrp="1"/>
-          </p:cNvSpPr>
-          <p:nvPr>
-            <p:ph sz="half" idx="2"/>
-          </p:nvPr>
-        </p:nvSpPr>
-        <p:spPr/>
-        <p:txBody>
-          <a:bodyPr/>
-          <a:p>
-            <a:r>
-              <a:rPr lang="en-US" sz="2200"/>
-              <a:t>Faktor individu</a:t>
-            </a:r>
-            <a:endParaRPr lang="en-US" sz="2200"/>
-          </a:p>
-          <a:p>
-            <a:pPr lvl="1"/>
-            <a:r>
-              <a:rPr lang="en-US" sz="2200"/>
-              <a:t>pertumbuhan atau kematangan</a:t>
-            </a:r>
-            <a:endParaRPr lang="en-US" sz="2200"/>
-          </a:p>
-          <a:p>
-            <a:pPr lvl="1"/>
-            <a:r>
-              <a:rPr lang="en-US" sz="2200"/>
-              <a:t>kepandaian</a:t>
-            </a:r>
-            <a:endParaRPr lang="en-US" sz="2200"/>
-          </a:p>
-          <a:p>
-            <a:pPr lvl="1"/>
-            <a:r>
-              <a:rPr lang="en-US" sz="2200"/>
-              <a:t>pelatihan</a:t>
-            </a:r>
-            <a:endParaRPr lang="en-US" sz="2200"/>
-          </a:p>
-          <a:p>
-            <a:r>
-              <a:rPr lang="en-US" sz="2200"/>
-              <a:t>Faktor kemasyarakatan</a:t>
-            </a:r>
-            <a:endParaRPr lang="en-US" sz="2200"/>
-          </a:p>
-          <a:p>
-            <a:pPr lvl="1"/>
-            <a:r>
-              <a:rPr lang="en-US" sz="2200"/>
-              <a:t>keluarga atau kondisi kerumahtanggaan</a:t>
-            </a:r>
-            <a:endParaRPr lang="en-US" sz="2200"/>
-          </a:p>
-          <a:p>
-            <a:pPr lvl="1"/>
-            <a:r>
-              <a:rPr lang="en-US" sz="2200"/>
-              <a:t>alat-alat dalam belajar</a:t>
-            </a:r>
-            <a:endParaRPr lang="en-US" sz="2200"/>
-          </a:p>
-          <a:p>
-            <a:pPr lvl="1"/>
-            <a:r>
-              <a:rPr lang="en-US" sz="2200"/>
-              <a:t>guru dengan cara pengajarannya</a:t>
-            </a:r>
-            <a:endParaRPr lang="en-US" sz="2200"/>
-          </a:p>
-        </p:txBody>
-      </p:sp>
-      <p:sp>
-        <p:nvSpPr>
-          <p:cNvPr id="7" name="Text Placeholder 6"/>
-          <p:cNvSpPr>
-            <a:spLocks noGrp="1"/>
-          </p:cNvSpPr>
-          <p:nvPr>
-            <p:ph type="body" sz="quarter" idx="3"/>
-          </p:nvPr>
-        </p:nvSpPr>
-        <p:spPr/>
-        <p:txBody>
-          <a:bodyPr/>
-          <a:p>
-            <a:endParaRPr lang="en-US"/>
-          </a:p>
-        </p:txBody>
-      </p:sp>
-      <p:sp>
-        <p:nvSpPr>
-          <p:cNvPr id="8" name="Content Placeholder 7"/>
-          <p:cNvSpPr>
-            <a:spLocks noGrp="1"/>
-          </p:cNvSpPr>
-          <p:nvPr>
-            <p:ph sz="quarter" idx="4"/>
-          </p:nvPr>
-        </p:nvSpPr>
-        <p:spPr/>
-        <p:txBody>
-          <a:bodyPr/>
-          <a:p>
-            <a:r>
-              <a:rPr lang="en-US" altLang="en-US" sz="1400"/>
-              <a:t>Faktor internal</a:t>
-            </a:r>
-            <a:endParaRPr lang="en-US" altLang="en-US" sz="1400"/>
-          </a:p>
-          <a:p>
-            <a:pPr lvl="1"/>
-            <a:r>
-              <a:rPr lang="en-US" altLang="en-US" sz="1400"/>
-              <a:t>Faktor jasmaniah</a:t>
-            </a:r>
-            <a:endParaRPr lang="en-US" altLang="en-US" sz="1400"/>
-          </a:p>
-          <a:p>
-            <a:pPr lvl="1"/>
-            <a:r>
-              <a:rPr lang="en-US" altLang="en-US" sz="1400"/>
-              <a:t>Faktor psikologis</a:t>
-            </a:r>
-            <a:endParaRPr lang="en-US" altLang="en-US" sz="1400"/>
-          </a:p>
-          <a:p>
-            <a:r>
-              <a:rPr lang="en-US" altLang="en-US" sz="1400"/>
-              <a:t>Faktor eksternal</a:t>
-            </a:r>
-            <a:endParaRPr lang="en-US" altLang="en-US" sz="1400"/>
-          </a:p>
-          <a:p>
-            <a:pPr lvl="1"/>
-            <a:r>
-              <a:rPr lang="en-US" altLang="en-US" sz="1400"/>
-              <a:t>Faktor keluarga</a:t>
-            </a:r>
-            <a:endParaRPr lang="en-US" altLang="en-US" sz="1400"/>
-          </a:p>
-          <a:p>
-            <a:pPr lvl="2"/>
-            <a:r>
-              <a:rPr lang="en-US" altLang="en-US" sz="1400"/>
-              <a:t>Orangtua</a:t>
-            </a:r>
-            <a:endParaRPr lang="en-US" altLang="en-US" sz="1400"/>
-          </a:p>
-          <a:p>
-            <a:pPr lvl="2"/>
-            <a:r>
-              <a:rPr lang="en-US" altLang="en-US" sz="1400"/>
-              <a:t>Relasi antaranggota keluarga</a:t>
-            </a:r>
-            <a:endParaRPr lang="en-US" altLang="en-US" sz="1400"/>
-          </a:p>
-          <a:p>
-            <a:pPr lvl="1"/>
-            <a:r>
-              <a:rPr lang="en-US" altLang="en-US" sz="1400"/>
-              <a:t>Faktor sekolah</a:t>
-            </a:r>
-            <a:endParaRPr lang="en-US" altLang="en-US" sz="1400"/>
-          </a:p>
-          <a:p>
-            <a:pPr lvl="2"/>
-            <a:r>
-              <a:rPr lang="en-US" altLang="en-US" sz="1400"/>
-              <a:t>Kurikulum</a:t>
-            </a:r>
-            <a:endParaRPr lang="en-US" altLang="en-US" sz="1400"/>
-          </a:p>
-          <a:p>
-            <a:pPr lvl="2"/>
-            <a:r>
-              <a:rPr lang="en-US" altLang="en-US" sz="1400"/>
-              <a:t>Dukungan guru</a:t>
-            </a:r>
-            <a:endParaRPr lang="en-US" altLang="en-US" sz="1400"/>
-          </a:p>
-          <a:p>
-            <a:pPr lvl="2"/>
-            <a:r>
-              <a:rPr lang="en-US" altLang="en-US" sz="1400"/>
-              <a:t>Lingkungan</a:t>
-            </a:r>
-            <a:endParaRPr lang="en-US" altLang="en-US" sz="1400"/>
-          </a:p>
-          <a:p>
-            <a:pPr lvl="1"/>
-            <a:r>
-              <a:rPr lang="en-US" altLang="en-US" sz="1400"/>
-              <a:t>Faktor masyarakat</a:t>
-            </a:r>
-            <a:endParaRPr lang="en-US" altLang="en-US" sz="1400"/>
-          </a:p>
-          <a:p>
-            <a:pPr lvl="2"/>
-            <a:r>
-              <a:rPr lang="en-US" altLang="en-US" sz="1400"/>
-              <a:t>Media massa</a:t>
-            </a:r>
-            <a:endParaRPr lang="en-US" altLang="en-US" sz="1400"/>
-          </a:p>
-          <a:p>
-            <a:pPr lvl="2"/>
-            <a:r>
-              <a:rPr lang="en-US" altLang="en-US" sz="1400"/>
-              <a:t>Teman</a:t>
-            </a:r>
-            <a:endParaRPr lang="en-US" altLang="en-US" sz="1400"/>
-          </a:p>
-        </p:txBody>
-      </p:sp>
-    </p:spTree>
-  </p:cSld>
-  <p:clrMapOvr>
-    <a:masterClrMapping/>
-  </p:clrMapOvr>
-</p:sld>
-</file>
-
-<file path=ppt/slides/slide11.xml><?xml version="1.0" encoding="utf-8"?>
-<p:sld xmlns:a="http://schemas.openxmlformats.org/drawingml/2006/main" xmlns:r="http://schemas.openxmlformats.org/officeDocument/2006/relationships" xmlns:p="http://schemas.openxmlformats.org/presentationml/2006/main">
-  <p:cSld>
-    <p:spTree>
-      <p:nvGrpSpPr>
-        <p:cNvPr id="1" name=""/>
-        <p:cNvGrpSpPr/>
-        <p:nvPr/>
-      </p:nvGrpSpPr>
-      <p:grpSpPr/>
-      <p:sp>
-        <p:nvSpPr>
-          <p:cNvPr id="2" name="Title 1"/>
-          <p:cNvSpPr>
-            <a:spLocks noGrp="1"/>
-          </p:cNvSpPr>
-          <p:nvPr>
-            <p:ph type="title"/>
-          </p:nvPr>
-        </p:nvSpPr>
-        <p:spPr/>
-        <p:txBody>
-          <a:bodyPr/>
-          <a:p>
-            <a:r>
-              <a:rPr lang="en-US" altLang="en-US">
-                <a:sym typeface="+mn-ea"/>
-              </a:rPr>
-              <a:t>Motivasi Menghafal Alquran → Aspek</a:t>
-            </a:r>
-            <a:endParaRPr lang="en-US" altLang="en-US">
-              <a:sym typeface="+mn-ea"/>
-            </a:endParaRPr>
-          </a:p>
-        </p:txBody>
-      </p:sp>
-      <p:sp>
-        <p:nvSpPr>
-          <p:cNvPr id="3" name="Text Placeholder 2"/>
-          <p:cNvSpPr>
-            <a:spLocks noGrp="1"/>
-          </p:cNvSpPr>
-          <p:nvPr>
-            <p:ph type="body" idx="1"/>
-          </p:nvPr>
-        </p:nvSpPr>
-        <p:spPr/>
-        <p:txBody>
-          <a:bodyPr/>
-          <a:p>
-            <a:r>
-              <a:rPr lang="en-US"/>
-              <a:t>Uno (2008)</a:t>
-            </a:r>
-            <a:endParaRPr lang="en-US"/>
-          </a:p>
-        </p:txBody>
-      </p:sp>
-      <p:sp>
-        <p:nvSpPr>
-          <p:cNvPr id="4" name="Content Placeholder 3"/>
-          <p:cNvSpPr>
-            <a:spLocks noGrp="1"/>
-          </p:cNvSpPr>
-          <p:nvPr>
-            <p:ph sz="half" idx="2"/>
-          </p:nvPr>
-        </p:nvSpPr>
-        <p:spPr/>
-        <p:txBody>
-          <a:bodyPr/>
-          <a:p>
-            <a:r>
-              <a:rPr lang="en-US" sz="2400"/>
-              <a:t>Hasrat dan Keinginan Berhasil</a:t>
-            </a:r>
-            <a:endParaRPr lang="en-US" sz="2400"/>
-          </a:p>
-          <a:p>
-            <a:r>
-              <a:rPr lang="en-US" sz="2400"/>
-              <a:t>Dorongan dan Kebutuhan dalam Belajar</a:t>
-            </a:r>
-            <a:endParaRPr lang="en-US" sz="2400"/>
-          </a:p>
-          <a:p>
-            <a:r>
-              <a:rPr lang="en-US" sz="2400"/>
-              <a:t>Harapan dan Cita-Cita Masa Depan</a:t>
-            </a:r>
-            <a:endParaRPr lang="en-US" sz="2400"/>
-          </a:p>
-          <a:p>
-            <a:r>
-              <a:rPr lang="en-US" sz="2400"/>
-              <a:t>Penghargaan dalam Belajar</a:t>
-            </a:r>
-            <a:endParaRPr lang="en-US" sz="2400"/>
-          </a:p>
-          <a:p>
-            <a:r>
-              <a:rPr lang="en-US" sz="2400"/>
-              <a:t>Kegiatan yang Menarik dalam Belajar</a:t>
-            </a:r>
-            <a:endParaRPr lang="en-US" sz="2400"/>
-          </a:p>
-          <a:p>
-            <a:r>
-              <a:rPr lang="en-US" sz="2400"/>
-              <a:t>Lingkungan Belajar yang Kondusif</a:t>
-            </a:r>
-            <a:endParaRPr lang="en-US" sz="2400"/>
-          </a:p>
-        </p:txBody>
-      </p:sp>
-      <p:sp>
-        <p:nvSpPr>
-          <p:cNvPr id="5" name="Text Placeholder 4"/>
-          <p:cNvSpPr>
-            <a:spLocks noGrp="1"/>
-          </p:cNvSpPr>
-          <p:nvPr>
-            <p:ph type="body" sz="quarter" idx="3"/>
-          </p:nvPr>
-        </p:nvSpPr>
-        <p:spPr/>
-        <p:txBody>
-          <a:bodyPr/>
-          <a:p>
-            <a:r>
-              <a:rPr lang="en-US"/>
-              <a:t>Hamalik (2010)</a:t>
-            </a:r>
-            <a:endParaRPr lang="en-US"/>
-          </a:p>
-        </p:txBody>
-      </p:sp>
-      <p:sp>
-        <p:nvSpPr>
-          <p:cNvPr id="6" name="Content Placeholder 5"/>
-          <p:cNvSpPr>
-            <a:spLocks noGrp="1"/>
-          </p:cNvSpPr>
-          <p:nvPr>
-            <p:ph sz="quarter" idx="4"/>
-          </p:nvPr>
-        </p:nvSpPr>
-        <p:spPr/>
-        <p:txBody>
-          <a:bodyPr/>
-          <a:p>
-            <a:r>
-              <a:rPr lang="en-US"/>
-              <a:t>Motivasi Intrinsik</a:t>
-            </a:r>
-            <a:endParaRPr lang="en-US"/>
-          </a:p>
-          <a:p>
-            <a:r>
-              <a:rPr lang="en-US"/>
-              <a:t>Motivasi Ekstrinsik</a:t>
-            </a:r>
-            <a:endParaRPr lang="en-US"/>
-          </a:p>
-        </p:txBody>
-      </p:sp>
-    </p:spTree>
-  </p:cSld>
-  <p:clrMapOvr>
-    <a:masterClrMapping/>
-  </p:clrMapOvr>
-</p:sld>
-</file>
-
-<file path=ppt/slides/slide12.xml><?xml version="1.0" encoding="utf-8"?>
-<p:sld xmlns:a="http://schemas.openxmlformats.org/drawingml/2006/main" xmlns:r="http://schemas.openxmlformats.org/officeDocument/2006/relationships" xmlns:p="http://schemas.openxmlformats.org/presentationml/2006/main">
-  <p:cSld>
-    <p:spTree>
-      <p:nvGrpSpPr>
-        <p:cNvPr id="1" name=""/>
-        <p:cNvGrpSpPr/>
-        <p:nvPr/>
-      </p:nvGrpSpPr>
-      <p:grpSpPr/>
-      <p:sp>
-        <p:nvSpPr>
-          <p:cNvPr id="2" name="Title 1"/>
-          <p:cNvSpPr>
-            <a:spLocks noGrp="1"/>
-          </p:cNvSpPr>
-          <p:nvPr>
-            <p:ph type="title"/>
-          </p:nvPr>
-        </p:nvSpPr>
-        <p:spPr/>
-        <p:txBody>
-          <a:bodyPr/>
-          <a:p>
-            <a:r>
-              <a:rPr lang="en-US" altLang="en-US"/>
-              <a:t>Efikasi Diri → Definisi</a:t>
-            </a:r>
-            <a:endParaRPr lang="en-US" altLang="en-US"/>
-          </a:p>
-        </p:txBody>
-      </p:sp>
-      <p:sp>
-        <p:nvSpPr>
-          <p:cNvPr id="3" name="Text Placeholder 2"/>
-          <p:cNvSpPr>
-            <a:spLocks noGrp="1"/>
-          </p:cNvSpPr>
-          <p:nvPr>
-            <p:ph type="body" idx="1"/>
-          </p:nvPr>
-        </p:nvSpPr>
-        <p:spPr/>
-        <p:txBody>
-          <a:bodyPr/>
-          <a:p>
-            <a:r>
-              <a:rPr lang="en-US"/>
-              <a:t>Bandura (2002)</a:t>
-            </a:r>
-            <a:endParaRPr lang="en-US"/>
-          </a:p>
-        </p:txBody>
-      </p:sp>
-      <p:sp>
-        <p:nvSpPr>
-          <p:cNvPr id="4" name="Content Placeholder 3"/>
-          <p:cNvSpPr>
-            <a:spLocks noGrp="1"/>
-          </p:cNvSpPr>
-          <p:nvPr>
-            <p:ph sz="half" idx="2"/>
-          </p:nvPr>
-        </p:nvSpPr>
-        <p:spPr/>
-        <p:txBody>
-          <a:bodyPr/>
-          <a:p>
-            <a:pPr marL="0" indent="0">
-              <a:buNone/>
-            </a:pPr>
-            <a:r>
-              <a:rPr lang="en-US" altLang="en-US" sz="2200"/>
-              <a:t>E</a:t>
-            </a:r>
-            <a:r>
-              <a:rPr lang="en-US" sz="2200"/>
-              <a:t>fikasi diri adalah keyakinan seorang individu tentang sejauh mana dia menganalisa kemampuannya dalam menyelesaikan suatu tugas untuk mencapai hasil tertentu. Bandura juga menyatakan bahwa efikasi diri adalah suatu gambaran subyektif terhadap kemampuan diri yang bersifat fragmental, yaitu setiap individu mempunyai efikasi diri yang berbeda-beda pada situasi yang berbeda.</a:t>
-            </a:r>
-            <a:endParaRPr lang="en-US" sz="2200"/>
-          </a:p>
-        </p:txBody>
-      </p:sp>
-      <p:sp>
-        <p:nvSpPr>
-          <p:cNvPr id="5" name="Text Placeholder 4"/>
-          <p:cNvSpPr>
-            <a:spLocks noGrp="1"/>
-          </p:cNvSpPr>
-          <p:nvPr>
-            <p:ph type="body" sz="quarter" idx="3"/>
-          </p:nvPr>
-        </p:nvSpPr>
-        <p:spPr/>
-        <p:txBody>
-          <a:bodyPr/>
-          <a:p>
-            <a:r>
-              <a:rPr lang="en-US"/>
-              <a:t>Carducci (2009)</a:t>
-            </a:r>
-            <a:endParaRPr lang="en-US"/>
-          </a:p>
-        </p:txBody>
-      </p:sp>
-      <p:sp>
-        <p:nvSpPr>
-          <p:cNvPr id="6" name="Content Placeholder 5"/>
-          <p:cNvSpPr>
-            <a:spLocks noGrp="1"/>
-          </p:cNvSpPr>
-          <p:nvPr>
-            <p:ph sz="quarter" idx="4"/>
-          </p:nvPr>
-        </p:nvSpPr>
-        <p:spPr/>
-        <p:txBody>
-          <a:bodyPr/>
-          <a:p>
-            <a:pPr marL="0" indent="0">
-              <a:buNone/>
-            </a:pPr>
-            <a:r>
-              <a:rPr lang="en-US" altLang="en-US" sz="3500"/>
-              <a:t>E</a:t>
-            </a:r>
-            <a:r>
-              <a:rPr lang="en-US" sz="3500"/>
-              <a:t>fikasi diri adalah keyakinan individu bahwa dia mampu menjalankan perilaku tertentu sebagai usaha dalam mengatasi situasi tertentu.</a:t>
-            </a:r>
-            <a:endParaRPr lang="en-US" sz="3500"/>
-          </a:p>
-        </p:txBody>
-      </p:sp>
-    </p:spTree>
-  </p:cSld>
-  <p:clrMapOvr>
-    <a:masterClrMapping/>
-  </p:clrMapOvr>
-</p:sld>
-</file>
-
-<file path=ppt/slides/slide13.xml><?xml version="1.0" encoding="utf-8"?>
-<p:sld xmlns:a="http://schemas.openxmlformats.org/drawingml/2006/main" xmlns:r="http://schemas.openxmlformats.org/officeDocument/2006/relationships" xmlns:p="http://schemas.openxmlformats.org/presentationml/2006/main">
-  <p:cSld>
-    <p:spTree>
-      <p:nvGrpSpPr>
-        <p:cNvPr id="1" name=""/>
-        <p:cNvGrpSpPr/>
-        <p:nvPr/>
-      </p:nvGrpSpPr>
-      <p:grpSpPr/>
-      <p:sp>
-        <p:nvSpPr>
-          <p:cNvPr id="2" name="Title 1"/>
-          <p:cNvSpPr>
-            <a:spLocks noGrp="1"/>
-          </p:cNvSpPr>
-          <p:nvPr>
-            <p:ph type="title"/>
-          </p:nvPr>
-        </p:nvSpPr>
-        <p:spPr/>
-        <p:txBody>
-          <a:bodyPr/>
-          <a:p>
-            <a:r>
-              <a:rPr lang="en-US" altLang="en-US"/>
-              <a:t>Efikasi Diri → Definisi</a:t>
-            </a:r>
-            <a:endParaRPr lang="en-US" altLang="en-US"/>
-          </a:p>
-        </p:txBody>
-      </p:sp>
-      <p:sp>
-        <p:nvSpPr>
-          <p:cNvPr id="3" name="Text Placeholder 2"/>
-          <p:cNvSpPr>
-            <a:spLocks noGrp="1"/>
-          </p:cNvSpPr>
-          <p:nvPr>
-            <p:ph type="body" idx="1"/>
-          </p:nvPr>
-        </p:nvSpPr>
-        <p:spPr/>
-        <p:txBody>
-          <a:bodyPr/>
-          <a:p>
-            <a:r>
-              <a:rPr lang="en-US" altLang="en-US"/>
-              <a:t>Mawanti (2011)</a:t>
-            </a:r>
-            <a:endParaRPr lang="en-US" altLang="en-US"/>
-          </a:p>
-        </p:txBody>
-      </p:sp>
-      <p:sp>
-        <p:nvSpPr>
-          <p:cNvPr id="4" name="Content Placeholder 3"/>
-          <p:cNvSpPr>
-            <a:spLocks noGrp="1"/>
-          </p:cNvSpPr>
-          <p:nvPr>
-            <p:ph sz="half" idx="2"/>
-          </p:nvPr>
-        </p:nvSpPr>
-        <p:spPr/>
-        <p:txBody>
-          <a:bodyPr/>
-          <a:p>
-            <a:pPr marL="0" indent="0">
-              <a:buNone/>
-            </a:pPr>
-            <a:r>
-              <a:rPr lang="en-US" altLang="en-US" sz="2700"/>
-              <a:t>E</a:t>
-            </a:r>
-            <a:r>
-              <a:rPr lang="en-US" sz="2700"/>
-              <a:t>fikasi diri adalah keyakinan seseorang bahwa ia mampu melakukan tugas tertentu dengan baik. Efikasi diri memiliki keefektifan, yaitu individu mampu menilai dirinya memiliki kekuatan menghasilkan pengaruh yang diinginkan.</a:t>
-            </a:r>
-            <a:endParaRPr lang="en-US" sz="2700"/>
-          </a:p>
-        </p:txBody>
-      </p:sp>
-      <p:sp>
-        <p:nvSpPr>
-          <p:cNvPr id="5" name="Text Placeholder 4"/>
-          <p:cNvSpPr>
-            <a:spLocks noGrp="1"/>
-          </p:cNvSpPr>
-          <p:nvPr>
-            <p:ph type="body" sz="quarter" idx="3"/>
-          </p:nvPr>
-        </p:nvSpPr>
-        <p:spPr/>
-        <p:txBody>
-          <a:bodyPr/>
-          <a:p>
-            <a:r>
-              <a:rPr lang="en-US"/>
-              <a:t>Ormrod (2011)</a:t>
-            </a:r>
-            <a:endParaRPr lang="en-US"/>
-          </a:p>
-        </p:txBody>
-      </p:sp>
-      <p:sp>
-        <p:nvSpPr>
-          <p:cNvPr id="6" name="Content Placeholder 5"/>
-          <p:cNvSpPr>
-            <a:spLocks noGrp="1"/>
-          </p:cNvSpPr>
-          <p:nvPr>
-            <p:ph sz="quarter" idx="4"/>
-          </p:nvPr>
-        </p:nvSpPr>
-        <p:spPr/>
-        <p:txBody>
-          <a:bodyPr/>
-          <a:p>
-            <a:pPr marL="0" indent="0">
-              <a:buNone/>
-            </a:pPr>
-            <a:r>
-              <a:rPr lang="en-US" altLang="en-US" sz="3500"/>
-              <a:t>E</a:t>
-            </a:r>
-            <a:r>
-              <a:rPr lang="en-US" sz="3500"/>
-              <a:t>fikasi diri adalah suatu penilaian subyektif mengenai kemampuannya untuk melaksanakan atau mencapai tujuan tertentu.</a:t>
-            </a:r>
-            <a:endParaRPr lang="en-US" sz="3500"/>
-          </a:p>
-        </p:txBody>
-      </p:sp>
-    </p:spTree>
-  </p:cSld>
-  <p:clrMapOvr>
-    <a:masterClrMapping/>
-  </p:clrMapOvr>
-</p:sld>
-</file>
-
-<file path=ppt/slides/slide14.xml><?xml version="1.0" encoding="utf-8"?>
-<p:sld xmlns:a="http://schemas.openxmlformats.org/drawingml/2006/main" xmlns:r="http://schemas.openxmlformats.org/officeDocument/2006/relationships" xmlns:p="http://schemas.openxmlformats.org/presentationml/2006/main">
-  <p:cSld>
-    <p:spTree>
-      <p:nvGrpSpPr>
-        <p:cNvPr id="1" name=""/>
-        <p:cNvGrpSpPr/>
-        <p:nvPr/>
-      </p:nvGrpSpPr>
-      <p:grpSpPr/>
-      <p:sp>
-        <p:nvSpPr>
-          <p:cNvPr id="2" name="Title 1"/>
-          <p:cNvSpPr>
-            <a:spLocks noGrp="1"/>
-          </p:cNvSpPr>
-          <p:nvPr>
-            <p:ph type="title"/>
-          </p:nvPr>
-        </p:nvSpPr>
-        <p:spPr/>
-        <p:txBody>
-          <a:bodyPr/>
-          <a:p>
-            <a:r>
-              <a:rPr lang="en-US" altLang="en-US"/>
-              <a:t>Efikasi Diri → Definisi</a:t>
-            </a:r>
-            <a:endParaRPr lang="en-US" altLang="en-US"/>
-          </a:p>
-        </p:txBody>
-      </p:sp>
-      <p:sp>
-        <p:nvSpPr>
-          <p:cNvPr id="3" name="Text Placeholder 2"/>
-          <p:cNvSpPr>
-            <a:spLocks noGrp="1"/>
-          </p:cNvSpPr>
-          <p:nvPr>
-            <p:ph type="body" idx="1"/>
-          </p:nvPr>
-        </p:nvSpPr>
-        <p:spPr/>
-        <p:txBody>
-          <a:bodyPr/>
-          <a:p>
-            <a:r>
-              <a:rPr lang="en-US" altLang="en-US"/>
-              <a:t>Alwisol (2014)</a:t>
-            </a:r>
-            <a:endParaRPr lang="en-US" altLang="en-US"/>
-          </a:p>
-        </p:txBody>
-      </p:sp>
-      <p:sp>
-        <p:nvSpPr>
-          <p:cNvPr id="4" name="Content Placeholder 3"/>
-          <p:cNvSpPr>
-            <a:spLocks noGrp="1"/>
-          </p:cNvSpPr>
-          <p:nvPr>
-            <p:ph sz="half" idx="2"/>
-          </p:nvPr>
-        </p:nvSpPr>
-        <p:spPr/>
-        <p:txBody>
-          <a:bodyPr/>
-          <a:p>
-            <a:pPr marL="0" indent="0">
-              <a:buNone/>
-            </a:pPr>
-            <a:r>
-              <a:rPr lang="en-US" sz="2200"/>
-              <a:t>Efikasi diri adalah penilaian diri, apakah dapat melakukan tindakan yang baik atau salah, bias atau tidak bisa mengerjakan sesuai dengan yang diisyaratkan. Efikasi diri berbeda dengan aspirasi (cita-cita). Karena cita-cita menggambarkan sesuatu yang ideal yang seharusnya dapat dicapai, sedangkan efikasi diri menggambarkan penilaian kemampuan diri</a:t>
-            </a:r>
-            <a:r>
-              <a:rPr lang="en-US" altLang="en-US" sz="2200"/>
-              <a:t>.</a:t>
-            </a:r>
-            <a:endParaRPr lang="en-US" altLang="en-US" sz="2200"/>
-          </a:p>
-        </p:txBody>
-      </p:sp>
-      <p:sp>
-        <p:nvSpPr>
-          <p:cNvPr id="5" name="Text Placeholder 4"/>
-          <p:cNvSpPr>
-            <a:spLocks noGrp="1"/>
-          </p:cNvSpPr>
-          <p:nvPr>
-            <p:ph type="body" sz="quarter" idx="3"/>
-          </p:nvPr>
-        </p:nvSpPr>
-        <p:spPr/>
-        <p:txBody>
-          <a:bodyPr/>
-          <a:p>
-            <a:endParaRPr lang="en-US"/>
-          </a:p>
-        </p:txBody>
-      </p:sp>
-      <p:sp>
-        <p:nvSpPr>
-          <p:cNvPr id="6" name="Content Placeholder 5"/>
-          <p:cNvSpPr>
-            <a:spLocks noGrp="1"/>
-          </p:cNvSpPr>
-          <p:nvPr>
-            <p:ph sz="quarter" idx="4"/>
-          </p:nvPr>
-        </p:nvSpPr>
-        <p:spPr/>
-        <p:txBody>
-          <a:bodyPr/>
-          <a:p>
-            <a:pPr marL="0" indent="0">
-              <a:buNone/>
-            </a:pPr>
-            <a:r>
-              <a:rPr lang="en-US" altLang="en-US" sz="3400"/>
-              <a:t>E</a:t>
-            </a:r>
-            <a:r>
-              <a:rPr lang="en-US" sz="3400"/>
-              <a:t>fikasi diri adalah keyakinan seorang individu pada kemampuannya untuk melakukan suatu perilaku dalam menghadapi situasi atau tugas tertentu.</a:t>
-            </a:r>
-            <a:endParaRPr lang="en-US" sz="3400"/>
-          </a:p>
-        </p:txBody>
-      </p:sp>
-    </p:spTree>
-  </p:cSld>
-  <p:clrMapOvr>
-    <a:masterClrMapping/>
-  </p:clrMapOvr>
-</p:sld>
-</file>
-
-<file path=ppt/slides/slide15.xml><?xml version="1.0" encoding="utf-8"?>
-<p:sld xmlns:a="http://schemas.openxmlformats.org/drawingml/2006/main" xmlns:r="http://schemas.openxmlformats.org/officeDocument/2006/relationships" xmlns:p="http://schemas.openxmlformats.org/presentationml/2006/main">
-  <p:cSld>
-    <p:spTree>
-      <p:nvGrpSpPr>
-        <p:cNvPr id="1" name=""/>
-        <p:cNvGrpSpPr/>
-        <p:nvPr/>
-      </p:nvGrpSpPr>
-      <p:grpSpPr/>
-      <p:sp>
-        <p:nvSpPr>
-          <p:cNvPr id="2" name="Title 1"/>
-          <p:cNvSpPr>
-            <a:spLocks noGrp="1"/>
-          </p:cNvSpPr>
-          <p:nvPr>
-            <p:ph type="title"/>
-          </p:nvPr>
-        </p:nvSpPr>
-        <p:spPr/>
-        <p:txBody>
-          <a:bodyPr/>
-          <a:p>
-            <a:r>
-              <a:rPr lang="en-US" altLang="en-US"/>
-              <a:t>Efikasi Diri → Faktor yang Mempengaruhi</a:t>
-            </a:r>
-            <a:endParaRPr lang="en-US" altLang="en-US"/>
-          </a:p>
-        </p:txBody>
-      </p:sp>
-      <p:sp>
-        <p:nvSpPr>
-          <p:cNvPr id="3" name="Text Placeholder 2"/>
-          <p:cNvSpPr>
-            <a:spLocks noGrp="1"/>
-          </p:cNvSpPr>
-          <p:nvPr>
-            <p:ph type="body" idx="1"/>
-          </p:nvPr>
-        </p:nvSpPr>
-        <p:spPr/>
-        <p:txBody>
-          <a:bodyPr/>
-          <a:p>
-            <a:r>
-              <a:rPr lang="en-US" altLang="en-US"/>
-              <a:t>Bandura (2002)</a:t>
-            </a:r>
-            <a:endParaRPr lang="en-US" altLang="en-US"/>
-          </a:p>
-        </p:txBody>
-      </p:sp>
-      <p:sp>
-        <p:nvSpPr>
-          <p:cNvPr id="4" name="Content Placeholder 3"/>
-          <p:cNvSpPr>
-            <a:spLocks noGrp="1"/>
-          </p:cNvSpPr>
-          <p:nvPr>
-            <p:ph sz="half" idx="2"/>
-          </p:nvPr>
-        </p:nvSpPr>
-        <p:spPr/>
-        <p:txBody>
-          <a:bodyPr/>
-          <a:p>
-            <a:r>
-              <a:rPr lang="en-US" altLang="en-US" sz="2200"/>
-              <a:t>Sifat tugas yang dihadapi</a:t>
-            </a:r>
-            <a:endParaRPr lang="en-US" altLang="en-US" sz="2200"/>
-          </a:p>
-          <a:p>
-            <a:r>
-              <a:rPr lang="en-US" altLang="en-US" sz="2200"/>
-              <a:t>Insentif eksternal</a:t>
-            </a:r>
-            <a:endParaRPr lang="en-US" altLang="en-US" sz="2200"/>
-          </a:p>
-          <a:p>
-            <a:r>
-              <a:rPr lang="en-US" altLang="en-US" sz="2200"/>
-              <a:t>Status individu dalam lingkungan</a:t>
-            </a:r>
-            <a:endParaRPr lang="en-US" altLang="en-US" sz="2200"/>
-          </a:p>
-          <a:p>
-            <a:r>
-              <a:rPr lang="en-US" altLang="en-US" sz="2200"/>
-              <a:t>Informasi tentang kemampuan diri</a:t>
-            </a:r>
-            <a:endParaRPr lang="en-US" altLang="en-US" sz="2200"/>
-          </a:p>
-        </p:txBody>
-      </p:sp>
-      <p:sp>
-        <p:nvSpPr>
-          <p:cNvPr id="5" name="Text Placeholder 4"/>
-          <p:cNvSpPr>
-            <a:spLocks noGrp="1"/>
-          </p:cNvSpPr>
-          <p:nvPr>
-            <p:ph type="body" sz="quarter" idx="3"/>
-          </p:nvPr>
-        </p:nvSpPr>
-        <p:spPr/>
-        <p:txBody>
-          <a:bodyPr/>
-          <a:p>
-            <a:endParaRPr lang="en-US"/>
-          </a:p>
-        </p:txBody>
-      </p:sp>
-      <p:sp>
-        <p:nvSpPr>
-          <p:cNvPr id="6" name="Content Placeholder 5"/>
-          <p:cNvSpPr>
-            <a:spLocks noGrp="1"/>
-          </p:cNvSpPr>
-          <p:nvPr>
-            <p:ph sz="quarter" idx="4"/>
-          </p:nvPr>
-        </p:nvSpPr>
-        <p:spPr/>
-        <p:txBody>
-          <a:bodyPr/>
-          <a:p>
-            <a:pPr marL="0" indent="0">
-              <a:buNone/>
-            </a:pPr>
-            <a:endParaRPr lang="en-US" sz="3400"/>
-          </a:p>
-        </p:txBody>
-      </p:sp>
-    </p:spTree>
-  </p:cSld>
-  <p:clrMapOvr>
-    <a:masterClrMapping/>
-  </p:clrMapOvr>
-</p:sld>
-</file>
-
-<file path=ppt/slides/slide16.xml><?xml version="1.0" encoding="utf-8"?>
-<p:sld xmlns:a="http://schemas.openxmlformats.org/drawingml/2006/main" xmlns:r="http://schemas.openxmlformats.org/officeDocument/2006/relationships" xmlns:p="http://schemas.openxmlformats.org/presentationml/2006/main">
-  <p:cSld>
-    <p:spTree>
-      <p:nvGrpSpPr>
-        <p:cNvPr id="1" name=""/>
-        <p:cNvGrpSpPr/>
-        <p:nvPr/>
-      </p:nvGrpSpPr>
-      <p:grpSpPr/>
-      <p:sp>
-        <p:nvSpPr>
-          <p:cNvPr id="2" name="Title 1"/>
-          <p:cNvSpPr>
-            <a:spLocks noGrp="1"/>
-          </p:cNvSpPr>
-          <p:nvPr>
-            <p:ph type="title"/>
-          </p:nvPr>
-        </p:nvSpPr>
-        <p:spPr/>
-        <p:txBody>
-          <a:bodyPr/>
-          <a:p>
-            <a:r>
-              <a:rPr lang="en-US" altLang="en-US"/>
-              <a:t>Efikasi Diri → Aspek</a:t>
-            </a:r>
-            <a:endParaRPr lang="en-US" altLang="en-US"/>
-          </a:p>
-        </p:txBody>
-      </p:sp>
-      <p:sp>
-        <p:nvSpPr>
-          <p:cNvPr id="3" name="Text Placeholder 2"/>
-          <p:cNvSpPr>
-            <a:spLocks noGrp="1"/>
-          </p:cNvSpPr>
-          <p:nvPr>
-            <p:ph type="body" idx="1"/>
-          </p:nvPr>
-        </p:nvSpPr>
-        <p:spPr/>
-        <p:txBody>
-          <a:bodyPr/>
-          <a:p>
-            <a:r>
-              <a:rPr lang="en-US" altLang="en-US"/>
-              <a:t>Bandura (2002)</a:t>
-            </a:r>
-            <a:endParaRPr lang="en-US" altLang="en-US"/>
-          </a:p>
-        </p:txBody>
-      </p:sp>
-      <p:sp>
-        <p:nvSpPr>
-          <p:cNvPr id="4" name="Content Placeholder 3"/>
-          <p:cNvSpPr>
-            <a:spLocks noGrp="1"/>
-          </p:cNvSpPr>
-          <p:nvPr>
-            <p:ph sz="half" idx="2"/>
-          </p:nvPr>
-        </p:nvSpPr>
-        <p:spPr/>
-        <p:txBody>
-          <a:bodyPr/>
-          <a:p>
-            <a:r>
-              <a:rPr lang="en-US" altLang="en-US" sz="2200"/>
-              <a:t>Besaran (magnitude/level)</a:t>
-            </a:r>
-            <a:endParaRPr lang="en-US" altLang="en-US" sz="2200"/>
-          </a:p>
-          <a:p>
-            <a:r>
-              <a:rPr lang="en-US" altLang="en-US" sz="2200"/>
-              <a:t>Luas bidang (generality)</a:t>
-            </a:r>
-            <a:endParaRPr lang="en-US" altLang="en-US" sz="2200"/>
-          </a:p>
-          <a:p>
-            <a:r>
-              <a:rPr lang="en-US" altLang="en-US" sz="2200"/>
-              <a:t>Kekuatan (strength)</a:t>
-            </a:r>
-            <a:endParaRPr lang="en-US" altLang="en-US" sz="2200"/>
-          </a:p>
-        </p:txBody>
-      </p:sp>
-      <p:sp>
-        <p:nvSpPr>
-          <p:cNvPr id="5" name="Text Placeholder 4"/>
-          <p:cNvSpPr>
-            <a:spLocks noGrp="1"/>
-          </p:cNvSpPr>
-          <p:nvPr>
-            <p:ph type="body" sz="quarter" idx="3"/>
-          </p:nvPr>
-        </p:nvSpPr>
-        <p:spPr/>
-        <p:txBody>
-          <a:bodyPr/>
-          <a:p>
-            <a:endParaRPr lang="en-US"/>
-          </a:p>
-        </p:txBody>
-      </p:sp>
-      <p:sp>
-        <p:nvSpPr>
-          <p:cNvPr id="6" name="Content Placeholder 5"/>
-          <p:cNvSpPr>
-            <a:spLocks noGrp="1"/>
-          </p:cNvSpPr>
-          <p:nvPr>
-            <p:ph sz="quarter" idx="4"/>
-          </p:nvPr>
-        </p:nvSpPr>
-        <p:spPr/>
-        <p:txBody>
-          <a:bodyPr/>
-          <a:p>
-            <a:pPr marL="0" indent="0">
-              <a:buNone/>
-            </a:pPr>
-            <a:endParaRPr lang="en-US" sz="3400"/>
-          </a:p>
-        </p:txBody>
-      </p:sp>
-    </p:spTree>
-  </p:cSld>
-  <p:clrMapOvr>
-    <a:masterClrMapping/>
-  </p:clrMapOvr>
-</p:sld>
-</file>
-
-<file path=ppt/slides/slide17.xml><?xml version="1.0" encoding="utf-8"?>
-<p:sld xmlns:a="http://schemas.openxmlformats.org/drawingml/2006/main" xmlns:r="http://schemas.openxmlformats.org/officeDocument/2006/relationships" xmlns:p="http://schemas.openxmlformats.org/presentationml/2006/main">
-  <p:cSld>
-    <p:spTree>
-      <p:nvGrpSpPr>
-        <p:cNvPr id="1" name=""/>
-        <p:cNvGrpSpPr/>
-        <p:nvPr/>
-      </p:nvGrpSpPr>
-      <p:grpSpPr/>
-      <p:sp>
-        <p:nvSpPr>
-          <p:cNvPr id="2" name="Title 1"/>
-          <p:cNvSpPr>
-            <a:spLocks noGrp="1"/>
-          </p:cNvSpPr>
-          <p:nvPr>
-            <p:ph type="title"/>
-          </p:nvPr>
-        </p:nvSpPr>
-        <p:spPr/>
-        <p:txBody>
-          <a:bodyPr/>
-          <a:p>
-            <a:r>
-              <a:rPr lang="en-US" altLang="en-US"/>
-              <a:t>Dukungan Guru Tahfidz → Definisi</a:t>
-            </a:r>
-            <a:endParaRPr lang="en-US" altLang="en-US"/>
-          </a:p>
-        </p:txBody>
-      </p:sp>
-      <p:sp>
-        <p:nvSpPr>
-          <p:cNvPr id="3" name="Text Placeholder 2"/>
-          <p:cNvSpPr>
-            <a:spLocks noGrp="1"/>
-          </p:cNvSpPr>
-          <p:nvPr>
-            <p:ph type="body" idx="1"/>
-          </p:nvPr>
-        </p:nvSpPr>
-        <p:spPr/>
-        <p:txBody>
-          <a:bodyPr/>
-          <a:p>
-            <a:r>
-              <a:rPr lang="en-US" altLang="en-US"/>
-              <a:t>Chaplin (2009)</a:t>
-            </a:r>
-            <a:endParaRPr lang="en-US" altLang="en-US"/>
-          </a:p>
-        </p:txBody>
-      </p:sp>
-      <p:sp>
-        <p:nvSpPr>
-          <p:cNvPr id="4" name="Content Placeholder 3"/>
-          <p:cNvSpPr>
-            <a:spLocks noGrp="1"/>
-          </p:cNvSpPr>
-          <p:nvPr>
-            <p:ph sz="half" idx="2"/>
-          </p:nvPr>
-        </p:nvSpPr>
-        <p:spPr/>
-        <p:txBody>
-          <a:bodyPr/>
-          <a:p>
-            <a:pPr marL="0" indent="0">
-              <a:buNone/>
-            </a:pPr>
-            <a:r>
-              <a:rPr lang="en-US" altLang="en-US" sz="2200"/>
-              <a:t>Dukungan sosial berasal dari kata dukungan dan sosial. Dukungan adalah mengadakan atau menyediakan sesuatu untuk memenuhi kebutuhan orang lain; dan memberikan dorongan dan pengobaran semangat dan nasehat kepada orang lain dalam situasi pembuatan keputusan. Sedangkan sosial berarti hubungan antara dua orang atau lebih.</a:t>
-            </a:r>
-            <a:endParaRPr lang="en-US" altLang="en-US" sz="2200"/>
-          </a:p>
-        </p:txBody>
-      </p:sp>
-      <p:sp>
-        <p:nvSpPr>
-          <p:cNvPr id="5" name="Text Placeholder 4"/>
-          <p:cNvSpPr>
-            <a:spLocks noGrp="1"/>
-          </p:cNvSpPr>
-          <p:nvPr>
-            <p:ph type="body" sz="quarter" idx="3"/>
-          </p:nvPr>
-        </p:nvSpPr>
-        <p:spPr/>
-        <p:txBody>
-          <a:bodyPr/>
-          <a:p>
-            <a:r>
-              <a:rPr lang="en-US"/>
-              <a:t>Dunst, Trivette, dan Cross (dalam Gousmett, 2006)</a:t>
-            </a:r>
-            <a:endParaRPr lang="en-US"/>
-          </a:p>
-        </p:txBody>
-      </p:sp>
-      <p:sp>
-        <p:nvSpPr>
-          <p:cNvPr id="6" name="Content Placeholder 5"/>
-          <p:cNvSpPr>
-            <a:spLocks noGrp="1"/>
-          </p:cNvSpPr>
-          <p:nvPr>
-            <p:ph sz="quarter" idx="4"/>
-          </p:nvPr>
-        </p:nvSpPr>
-        <p:spPr/>
-        <p:txBody>
-          <a:bodyPr/>
-          <a:p>
-            <a:pPr marL="0" indent="0">
-              <a:buNone/>
-            </a:pPr>
-            <a:r>
-              <a:rPr lang="en-US" altLang="en-US" sz="2400"/>
-              <a:t>D</a:t>
-            </a:r>
-            <a:r>
-              <a:rPr lang="en-US" sz="2400"/>
-              <a:t>ukungan sosial </a:t>
-            </a:r>
-            <a:r>
-              <a:rPr lang="en-US" altLang="en-US" sz="2400"/>
-              <a:t>adalah </a:t>
-            </a:r>
-            <a:r>
-              <a:rPr lang="en-US" sz="2400"/>
-              <a:t>konstruksi multidimensi yang berisi bantuan fisik dan instrumental; berbagai informasi dan sumber daya; dan menyediakan dukungan emosional dan psikologis. Istilah ini dapat juga berarti suatu pelayanan formal yang diterima dari para professional, organisasi formal, atau yang semiformal.</a:t>
-            </a:r>
-            <a:endParaRPr lang="en-US" sz="2400"/>
-          </a:p>
-        </p:txBody>
-      </p:sp>
-    </p:spTree>
-  </p:cSld>
-  <p:clrMapOvr>
-    <a:masterClrMapping/>
-  </p:clrMapOvr>
-</p:sld>
-</file>
-
-<file path=ppt/slides/slide18.xml><?xml version="1.0" encoding="utf-8"?>
-<p:sld xmlns:a="http://schemas.openxmlformats.org/drawingml/2006/main" xmlns:r="http://schemas.openxmlformats.org/officeDocument/2006/relationships" xmlns:p="http://schemas.openxmlformats.org/presentationml/2006/main">
-  <p:cSld>
-    <p:spTree>
-      <p:nvGrpSpPr>
-        <p:cNvPr id="1" name=""/>
-        <p:cNvGrpSpPr/>
-        <p:nvPr/>
-      </p:nvGrpSpPr>
-      <p:grpSpPr/>
-      <p:sp>
-        <p:nvSpPr>
-          <p:cNvPr id="2" name="Title 1"/>
-          <p:cNvSpPr>
-            <a:spLocks noGrp="1"/>
-          </p:cNvSpPr>
-          <p:nvPr>
-            <p:ph type="title"/>
-          </p:nvPr>
-        </p:nvSpPr>
-        <p:spPr/>
-        <p:txBody>
-          <a:bodyPr/>
-          <a:p>
-            <a:r>
-              <a:rPr lang="en-US" altLang="en-US"/>
-              <a:t>Dukungan Guru Tahfidz → Definisi</a:t>
-            </a:r>
-            <a:endParaRPr lang="en-US" altLang="en-US"/>
-          </a:p>
-        </p:txBody>
-      </p:sp>
-      <p:sp>
-        <p:nvSpPr>
-          <p:cNvPr id="3" name="Text Placeholder 2"/>
-          <p:cNvSpPr>
-            <a:spLocks noGrp="1"/>
-          </p:cNvSpPr>
-          <p:nvPr>
-            <p:ph type="body" idx="1"/>
-          </p:nvPr>
-        </p:nvSpPr>
-        <p:spPr/>
-        <p:txBody>
-          <a:bodyPr/>
-          <a:p>
-            <a:r>
-              <a:rPr lang="en-US" altLang="en-US"/>
-              <a:t>Cutrona (2000)</a:t>
-            </a:r>
-            <a:endParaRPr lang="en-US" altLang="en-US"/>
-          </a:p>
-        </p:txBody>
-      </p:sp>
-      <p:sp>
-        <p:nvSpPr>
-          <p:cNvPr id="4" name="Content Placeholder 3"/>
-          <p:cNvSpPr>
-            <a:spLocks noGrp="1"/>
-          </p:cNvSpPr>
-          <p:nvPr>
-            <p:ph sz="half" idx="2"/>
-          </p:nvPr>
-        </p:nvSpPr>
-        <p:spPr/>
-        <p:txBody>
-          <a:bodyPr/>
-          <a:p>
-            <a:pPr marL="0" indent="0">
-              <a:buNone/>
-            </a:pPr>
-            <a:r>
-              <a:rPr lang="en-US" altLang="en-US" sz="2200"/>
-              <a:t>Dukungan sosial adalah suatu perilaku yang membantu orang-orang yang sedang menjalani situasi kehidupan yang penuh tekanan untuk mengatasi masalah yang sedang dihadapi secara efektif.</a:t>
-            </a:r>
-            <a:endParaRPr lang="en-US" altLang="en-US" sz="2200"/>
-          </a:p>
-        </p:txBody>
-      </p:sp>
-      <p:sp>
-        <p:nvSpPr>
-          <p:cNvPr id="5" name="Text Placeholder 4"/>
-          <p:cNvSpPr>
-            <a:spLocks noGrp="1"/>
-          </p:cNvSpPr>
-          <p:nvPr>
-            <p:ph type="body" sz="quarter" idx="3"/>
-          </p:nvPr>
-        </p:nvSpPr>
-        <p:spPr/>
-        <p:txBody>
-          <a:bodyPr/>
-          <a:p>
-            <a:r>
-              <a:rPr lang="en-US"/>
-              <a:t>Cobb (dalam Gousmett, 2006)</a:t>
-            </a:r>
-            <a:endParaRPr lang="en-US"/>
-          </a:p>
-        </p:txBody>
-      </p:sp>
-      <p:sp>
-        <p:nvSpPr>
-          <p:cNvPr id="6" name="Content Placeholder 5"/>
-          <p:cNvSpPr>
-            <a:spLocks noGrp="1"/>
-          </p:cNvSpPr>
-          <p:nvPr>
-            <p:ph sz="quarter" idx="4"/>
-          </p:nvPr>
-        </p:nvSpPr>
-        <p:spPr/>
-        <p:txBody>
-          <a:bodyPr/>
-          <a:p>
-            <a:pPr marL="0" indent="0">
-              <a:buNone/>
-            </a:pPr>
-            <a:r>
-              <a:rPr lang="en-US" altLang="en-US" sz="2200"/>
-              <a:t>D</a:t>
-            </a:r>
-            <a:r>
-              <a:rPr lang="en-US" sz="2200"/>
-              <a:t>ukungan sosial adalah informasi dari beberapa hal berikut ini: informasi yang mengarah orang untuk percaya bahwa mereka diperhatikan dan dicintai; informasi yang mengarah ke orang untuk percaya bahwa mereka berharga dan dihargai; dan informasi yang mengarah pada orang untuk percaya bahwa mereka berasal dari jaringan komunikasi yang sama dengan kewajiban bersama.</a:t>
-            </a:r>
-            <a:endParaRPr lang="en-US" sz="2200"/>
-          </a:p>
-        </p:txBody>
-      </p:sp>
-    </p:spTree>
-  </p:cSld>
-  <p:clrMapOvr>
-    <a:masterClrMapping/>
-  </p:clrMapOvr>
-</p:sld>
-</file>
-
-<file path=ppt/slides/slide19.xml><?xml version="1.0" encoding="utf-8"?>
-<p:sld xmlns:a="http://schemas.openxmlformats.org/drawingml/2006/main" xmlns:r="http://schemas.openxmlformats.org/officeDocument/2006/relationships" xmlns:p="http://schemas.openxmlformats.org/presentationml/2006/main">
-  <p:cSld>
-    <p:spTree>
-      <p:nvGrpSpPr>
-        <p:cNvPr id="1" name=""/>
-        <p:cNvGrpSpPr/>
-        <p:nvPr/>
-      </p:nvGrpSpPr>
-      <p:grpSpPr/>
-      <p:sp>
-        <p:nvSpPr>
-          <p:cNvPr id="2" name="Title 1"/>
-          <p:cNvSpPr>
-            <a:spLocks noGrp="1"/>
-          </p:cNvSpPr>
-          <p:nvPr>
-            <p:ph type="title"/>
-          </p:nvPr>
-        </p:nvSpPr>
-        <p:spPr/>
-        <p:txBody>
-          <a:bodyPr/>
-          <a:p>
-            <a:r>
-              <a:rPr lang="en-US" altLang="en-US"/>
-              <a:t>Dukungan Guru Tahfidz → Definisi</a:t>
-            </a:r>
-            <a:endParaRPr lang="en-US" altLang="en-US"/>
-          </a:p>
-        </p:txBody>
-      </p:sp>
-      <p:sp>
-        <p:nvSpPr>
-          <p:cNvPr id="3" name="Text Placeholder 2"/>
-          <p:cNvSpPr>
-            <a:spLocks noGrp="1"/>
-          </p:cNvSpPr>
-          <p:nvPr>
-            <p:ph type="body" idx="1"/>
-          </p:nvPr>
-        </p:nvSpPr>
-        <p:spPr/>
-        <p:txBody>
-          <a:bodyPr/>
-          <a:p>
-            <a:r>
-              <a:rPr lang="en-US" altLang="en-US"/>
-              <a:t>Sarafino dan Timothy (2012)</a:t>
-            </a:r>
-            <a:endParaRPr lang="en-US" altLang="en-US"/>
-          </a:p>
-        </p:txBody>
-      </p:sp>
-      <p:sp>
-        <p:nvSpPr>
-          <p:cNvPr id="4" name="Content Placeholder 3"/>
-          <p:cNvSpPr>
-            <a:spLocks noGrp="1"/>
-          </p:cNvSpPr>
-          <p:nvPr>
-            <p:ph sz="half" idx="2"/>
-          </p:nvPr>
-        </p:nvSpPr>
-        <p:spPr/>
-        <p:txBody>
-          <a:bodyPr/>
-          <a:p>
-            <a:pPr marL="0" indent="0">
-              <a:buNone/>
-            </a:pPr>
-            <a:r>
-              <a:rPr lang="en-US" altLang="en-US" sz="2200"/>
-              <a:t>Dukungan sosial adalah kenyamanan, perhatian, penghargaan, ataupun bantuan yang diterima individu dari orang lain.</a:t>
-            </a:r>
-            <a:endParaRPr lang="en-US" altLang="en-US" sz="2200"/>
-          </a:p>
-        </p:txBody>
-      </p:sp>
-      <p:sp>
-        <p:nvSpPr>
-          <p:cNvPr id="5" name="Text Placeholder 4"/>
-          <p:cNvSpPr>
-            <a:spLocks noGrp="1"/>
-          </p:cNvSpPr>
-          <p:nvPr>
-            <p:ph type="body" sz="quarter" idx="3"/>
-          </p:nvPr>
-        </p:nvSpPr>
-        <p:spPr/>
-        <p:txBody>
-          <a:bodyPr/>
-          <a:p>
-            <a:r>
-              <a:rPr lang="en-US"/>
-              <a:t>Dariyo </a:t>
-            </a:r>
-            <a:r>
-              <a:rPr lang="en-US" altLang="en-US"/>
-              <a:t>(</a:t>
-            </a:r>
-            <a:r>
-              <a:rPr lang="en-US"/>
-              <a:t>2013)</a:t>
-            </a:r>
-            <a:endParaRPr lang="en-US"/>
-          </a:p>
-        </p:txBody>
-      </p:sp>
-      <p:sp>
-        <p:nvSpPr>
-          <p:cNvPr id="6" name="Content Placeholder 5"/>
-          <p:cNvSpPr>
-            <a:spLocks noGrp="1"/>
-          </p:cNvSpPr>
-          <p:nvPr>
-            <p:ph sz="quarter" idx="4"/>
-          </p:nvPr>
-        </p:nvSpPr>
-        <p:spPr/>
-        <p:txBody>
-          <a:bodyPr/>
-          <a:p>
-            <a:pPr marL="0" indent="0">
-              <a:buNone/>
-            </a:pPr>
-            <a:r>
-              <a:rPr lang="en-US" sz="2200"/>
-              <a:t>Berdasarkan Peraturan Pemerintah Republik Indonesia No. 19 tahun 2005 tentang Standard Nasional Pendidikan, guru adalah pendidik profesional dengan tugas utama mengajar, membimbing, mengarahkan, melatih, menilai, dan mengevaluasi siswa pada pendidikan formal, pendidikan dasar, dan pendidikan menengah</a:t>
-            </a:r>
-            <a:r>
-              <a:rPr lang="en-US" altLang="en-US" sz="2200"/>
-              <a:t>.</a:t>
-            </a:r>
-            <a:endParaRPr lang="en-US" altLang="en-US" sz="2200"/>
-          </a:p>
-        </p:txBody>
-      </p:sp>
-    </p:spTree>
-  </p:cSld>
-  <p:clrMapOvr>
-    <a:masterClrMapping/>
-  </p:clrMapOvr>
-</p:sld>
-</file>
-
 <file path=ppt/slides/slide2.xml><?xml version="1.0" encoding="utf-8"?>
 <p:sld xmlns:a="http://schemas.openxmlformats.org/drawingml/2006/main" xmlns:r="http://schemas.openxmlformats.org/officeDocument/2006/relationships" xmlns:p="http://schemas.openxmlformats.org/presentationml/2006/main">
   <p:cSld>
@@ -14277,562 +12702,6 @@
               <a:t>Semangat menghafal Alquran (rendah) - Niat menghafal (rendah) - Kesungguhan mencapai target (rendah) - Bermain-main dalam menghafal - Pikiran negatif - Bosan dengan rutinitas - Mengantuk ketika menghafal</a:t>
             </a:r>
             <a:endParaRPr lang="en-US"/>
-          </a:p>
-        </p:txBody>
-      </p:sp>
-    </p:spTree>
-  </p:cSld>
-  <p:clrMapOvr>
-    <a:masterClrMapping/>
-  </p:clrMapOvr>
-</p:sld>
-</file>
-
-<file path=ppt/slides/slide20.xml><?xml version="1.0" encoding="utf-8"?>
-<p:sld xmlns:a="http://schemas.openxmlformats.org/drawingml/2006/main" xmlns:r="http://schemas.openxmlformats.org/officeDocument/2006/relationships" xmlns:p="http://schemas.openxmlformats.org/presentationml/2006/main">
-  <p:cSld>
-    <p:spTree>
-      <p:nvGrpSpPr>
-        <p:cNvPr id="1" name=""/>
-        <p:cNvGrpSpPr/>
-        <p:nvPr/>
-      </p:nvGrpSpPr>
-      <p:grpSpPr/>
-      <p:sp>
-        <p:nvSpPr>
-          <p:cNvPr id="2" name="Title 1"/>
-          <p:cNvSpPr>
-            <a:spLocks noGrp="1"/>
-          </p:cNvSpPr>
-          <p:nvPr>
-            <p:ph type="title"/>
-          </p:nvPr>
-        </p:nvSpPr>
-        <p:spPr/>
-        <p:txBody>
-          <a:bodyPr/>
-          <a:p>
-            <a:r>
-              <a:rPr lang="en-US" altLang="en-US"/>
-              <a:t>Dukungan Guru Tahfidz → Definisi</a:t>
-            </a:r>
-            <a:endParaRPr lang="en-US" altLang="en-US"/>
-          </a:p>
-        </p:txBody>
-      </p:sp>
-      <p:sp>
-        <p:nvSpPr>
-          <p:cNvPr id="3" name="Text Placeholder 2"/>
-          <p:cNvSpPr>
-            <a:spLocks noGrp="1"/>
-          </p:cNvSpPr>
-          <p:nvPr>
-            <p:ph type="body" idx="1"/>
-          </p:nvPr>
-        </p:nvSpPr>
-        <p:spPr/>
-        <p:txBody>
-          <a:bodyPr/>
-          <a:p>
-            <a:r>
-              <a:rPr lang="en-US" altLang="en-US"/>
-              <a:t>Kaplan dkk (2007)</a:t>
-            </a:r>
-            <a:endParaRPr lang="en-US" altLang="en-US"/>
-          </a:p>
-        </p:txBody>
-      </p:sp>
-      <p:sp>
-        <p:nvSpPr>
-          <p:cNvPr id="4" name="Content Placeholder 3"/>
-          <p:cNvSpPr>
-            <a:spLocks noGrp="1"/>
-          </p:cNvSpPr>
-          <p:nvPr>
-            <p:ph sz="half" idx="2"/>
-          </p:nvPr>
-        </p:nvSpPr>
-        <p:spPr/>
-        <p:txBody>
-          <a:bodyPr/>
-          <a:p>
-            <a:pPr marL="0" indent="0">
-              <a:buNone/>
-            </a:pPr>
-            <a:r>
-              <a:rPr lang="en-US" altLang="en-US" sz="1800"/>
-              <a:t>Dukungan guru adalah persepsi siswa bahwa mereka mendapat perhatian dan akan dibantu guru. Ketika siswa merasa mendapat dukungan secara emosional dari guru, mereka akan lebih terlibat dalam akademisnya, termasuk meningkatkan usahanya, meminta bantuan, dan menggunakan strategi self-regulated learning. Siswa juga akan cenderung memiliki prestasi yang lebih tinggi. Hal tersebut terjadi karena ketika siswa merasa dipedulikan oleh guru, maka akan mendorong siswa untuk memenuhi harapan guru.</a:t>
-            </a:r>
-            <a:endParaRPr lang="en-US" altLang="en-US" sz="1800"/>
-          </a:p>
-        </p:txBody>
-      </p:sp>
-      <p:sp>
-        <p:nvSpPr>
-          <p:cNvPr id="5" name="Text Placeholder 4"/>
-          <p:cNvSpPr>
-            <a:spLocks noGrp="1"/>
-          </p:cNvSpPr>
-          <p:nvPr>
-            <p:ph type="body" sz="quarter" idx="3"/>
-          </p:nvPr>
-        </p:nvSpPr>
-        <p:spPr/>
-        <p:txBody>
-          <a:bodyPr/>
-          <a:p>
-            <a:endParaRPr lang="en-US"/>
-          </a:p>
-        </p:txBody>
-      </p:sp>
-      <p:sp>
-        <p:nvSpPr>
-          <p:cNvPr id="6" name="Content Placeholder 5"/>
-          <p:cNvSpPr>
-            <a:spLocks noGrp="1"/>
-          </p:cNvSpPr>
-          <p:nvPr>
-            <p:ph sz="quarter" idx="4"/>
-          </p:nvPr>
-        </p:nvSpPr>
-        <p:spPr/>
-        <p:txBody>
-          <a:bodyPr/>
-          <a:p>
-            <a:pPr marL="0" indent="0">
-              <a:buNone/>
-            </a:pPr>
-            <a:r>
-              <a:rPr lang="en-US" altLang="en-US"/>
-              <a:t>Dukungan guru tahfidz adalah suatu pemenuhan, dorongan, pengobaran semangat, dan nasehat dari guru tahfidz kepada santri.</a:t>
-            </a:r>
-            <a:endParaRPr lang="en-US" altLang="en-US"/>
-          </a:p>
-        </p:txBody>
-      </p:sp>
-    </p:spTree>
-  </p:cSld>
-  <p:clrMapOvr>
-    <a:masterClrMapping/>
-  </p:clrMapOvr>
-</p:sld>
-</file>
-
-<file path=ppt/slides/slide21.xml><?xml version="1.0" encoding="utf-8"?>
-<p:sld xmlns:a="http://schemas.openxmlformats.org/drawingml/2006/main" xmlns:r="http://schemas.openxmlformats.org/officeDocument/2006/relationships" xmlns:p="http://schemas.openxmlformats.org/presentationml/2006/main">
-  <p:cSld>
-    <p:spTree>
-      <p:nvGrpSpPr>
-        <p:cNvPr id="1" name=""/>
-        <p:cNvGrpSpPr/>
-        <p:nvPr/>
-      </p:nvGrpSpPr>
-      <p:grpSpPr/>
-      <p:sp>
-        <p:nvSpPr>
-          <p:cNvPr id="2" name="Title 1"/>
-          <p:cNvSpPr>
-            <a:spLocks noGrp="1"/>
-          </p:cNvSpPr>
-          <p:nvPr>
-            <p:ph type="title"/>
-          </p:nvPr>
-        </p:nvSpPr>
-        <p:spPr/>
-        <p:txBody>
-          <a:bodyPr/>
-          <a:p>
-            <a:r>
-              <a:rPr lang="en-US" altLang="en-US"/>
-              <a:t>Dukungan Guru Tahfidz → Faktor yang Mempengaruhi</a:t>
-            </a:r>
-            <a:endParaRPr lang="en-US" altLang="en-US"/>
-          </a:p>
-        </p:txBody>
-      </p:sp>
-      <p:sp>
-        <p:nvSpPr>
-          <p:cNvPr id="3" name="Text Placeholder 2"/>
-          <p:cNvSpPr>
-            <a:spLocks noGrp="1"/>
-          </p:cNvSpPr>
-          <p:nvPr>
-            <p:ph type="body" idx="1"/>
-          </p:nvPr>
-        </p:nvSpPr>
-        <p:spPr/>
-        <p:txBody>
-          <a:bodyPr/>
-          <a:p>
-            <a:r>
-              <a:rPr lang="en-US" altLang="en-US"/>
-              <a:t>Cohen dan Syme (2005)</a:t>
-            </a:r>
-            <a:endParaRPr lang="en-US" altLang="en-US"/>
-          </a:p>
-        </p:txBody>
-      </p:sp>
-      <p:sp>
-        <p:nvSpPr>
-          <p:cNvPr id="4" name="Content Placeholder 3"/>
-          <p:cNvSpPr>
-            <a:spLocks noGrp="1"/>
-          </p:cNvSpPr>
-          <p:nvPr>
-            <p:ph sz="half" idx="2"/>
-          </p:nvPr>
-        </p:nvSpPr>
-        <p:spPr/>
-        <p:txBody>
-          <a:bodyPr/>
-          <a:p>
-            <a:r>
-              <a:rPr lang="en-US" altLang="en-US" sz="2400"/>
-              <a:t>Pemberi Dukungan Sosial</a:t>
-            </a:r>
-            <a:endParaRPr lang="en-US" altLang="en-US" sz="2400"/>
-          </a:p>
-          <a:p>
-            <a:r>
-              <a:rPr lang="en-US" altLang="en-US" sz="2400"/>
-              <a:t>Jenis Dukungan</a:t>
-            </a:r>
-            <a:endParaRPr lang="en-US" altLang="en-US" sz="2400"/>
-          </a:p>
-          <a:p>
-            <a:r>
-              <a:rPr lang="en-US" altLang="en-US" sz="2400"/>
-              <a:t>Penerima Dukungan</a:t>
-            </a:r>
-            <a:endParaRPr lang="en-US" altLang="en-US" sz="2400"/>
-          </a:p>
-          <a:p>
-            <a:endParaRPr lang="en-US" altLang="en-US" sz="2400"/>
-          </a:p>
-        </p:txBody>
-      </p:sp>
-      <p:sp>
-        <p:nvSpPr>
-          <p:cNvPr id="5" name="Text Placeholder 4"/>
-          <p:cNvSpPr>
-            <a:spLocks noGrp="1"/>
-          </p:cNvSpPr>
-          <p:nvPr>
-            <p:ph type="body" sz="quarter" idx="3"/>
-          </p:nvPr>
-        </p:nvSpPr>
-        <p:spPr/>
-        <p:txBody>
-          <a:bodyPr/>
-          <a:p>
-            <a:r>
-              <a:rPr lang="en-US"/>
-              <a:t>Myers (2012)</a:t>
-            </a:r>
-            <a:endParaRPr lang="en-US"/>
-          </a:p>
-        </p:txBody>
-      </p:sp>
-      <p:sp>
-        <p:nvSpPr>
-          <p:cNvPr id="6" name="Content Placeholder 5"/>
-          <p:cNvSpPr>
-            <a:spLocks noGrp="1"/>
-          </p:cNvSpPr>
-          <p:nvPr>
-            <p:ph sz="quarter" idx="4"/>
-          </p:nvPr>
-        </p:nvSpPr>
-        <p:spPr/>
-        <p:txBody>
-          <a:bodyPr/>
-          <a:p>
-            <a:r>
-              <a:rPr lang="en-US" altLang="en-US" sz="2400"/>
-              <a:t>Empati</a:t>
-            </a:r>
-            <a:endParaRPr lang="en-US" altLang="en-US" sz="2400"/>
-          </a:p>
-          <a:p>
-            <a:r>
-              <a:rPr lang="en-US" altLang="en-US" sz="2400"/>
-              <a:t>Norma-norma</a:t>
-            </a:r>
-            <a:endParaRPr lang="en-US" altLang="en-US" sz="2400"/>
-          </a:p>
-        </p:txBody>
-      </p:sp>
-    </p:spTree>
-  </p:cSld>
-  <p:clrMapOvr>
-    <a:masterClrMapping/>
-  </p:clrMapOvr>
-</p:sld>
-</file>
-
-<file path=ppt/slides/slide22.xml><?xml version="1.0" encoding="utf-8"?>
-<p:sld xmlns:a="http://schemas.openxmlformats.org/drawingml/2006/main" xmlns:r="http://schemas.openxmlformats.org/officeDocument/2006/relationships" xmlns:p="http://schemas.openxmlformats.org/presentationml/2006/main">
-  <p:cSld>
-    <p:spTree>
-      <p:nvGrpSpPr>
-        <p:cNvPr id="1" name=""/>
-        <p:cNvGrpSpPr/>
-        <p:nvPr/>
-      </p:nvGrpSpPr>
-      <p:grpSpPr/>
-      <p:sp>
-        <p:nvSpPr>
-          <p:cNvPr id="2" name="Title 1"/>
-          <p:cNvSpPr>
-            <a:spLocks noGrp="1"/>
-          </p:cNvSpPr>
-          <p:nvPr>
-            <p:ph type="title"/>
-          </p:nvPr>
-        </p:nvSpPr>
-        <p:spPr/>
-        <p:txBody>
-          <a:bodyPr/>
-          <a:p>
-            <a:r>
-              <a:rPr lang="en-US" altLang="en-US"/>
-              <a:t>Dukungan Guru Tahfidz → Aspek</a:t>
-            </a:r>
-            <a:endParaRPr lang="en-US" altLang="en-US"/>
-          </a:p>
-        </p:txBody>
-      </p:sp>
-      <p:sp>
-        <p:nvSpPr>
-          <p:cNvPr id="3" name="Text Placeholder 2"/>
-          <p:cNvSpPr>
-            <a:spLocks noGrp="1"/>
-          </p:cNvSpPr>
-          <p:nvPr>
-            <p:ph type="body" idx="1"/>
-          </p:nvPr>
-        </p:nvSpPr>
-        <p:spPr/>
-        <p:txBody>
-          <a:bodyPr/>
-          <a:p>
-            <a:r>
-              <a:rPr lang="en-US" altLang="en-US"/>
-              <a:t>Sarafino dan Timothy (2012)</a:t>
-            </a:r>
-            <a:endParaRPr lang="en-US" altLang="en-US"/>
-          </a:p>
-        </p:txBody>
-      </p:sp>
-      <p:sp>
-        <p:nvSpPr>
-          <p:cNvPr id="4" name="Content Placeholder 3"/>
-          <p:cNvSpPr>
-            <a:spLocks noGrp="1"/>
-          </p:cNvSpPr>
-          <p:nvPr>
-            <p:ph sz="half" idx="2"/>
-          </p:nvPr>
-        </p:nvSpPr>
-        <p:spPr/>
-        <p:txBody>
-          <a:bodyPr/>
-          <a:p>
-            <a:r>
-              <a:rPr lang="en-US" altLang="en-US" sz="2400"/>
-              <a:t>Dukungan Emosional</a:t>
-            </a:r>
-            <a:endParaRPr lang="en-US" altLang="en-US" sz="2400"/>
-          </a:p>
-          <a:p>
-            <a:r>
-              <a:rPr lang="en-US" altLang="en-US" sz="2400"/>
-              <a:t>Dukungan Penghargaan</a:t>
-            </a:r>
-            <a:endParaRPr lang="en-US" altLang="en-US" sz="2400"/>
-          </a:p>
-          <a:p>
-            <a:r>
-              <a:rPr lang="en-US" altLang="en-US" sz="2400"/>
-              <a:t>Dukungan Instrumental</a:t>
-            </a:r>
-            <a:endParaRPr lang="en-US" altLang="en-US" sz="2400"/>
-          </a:p>
-          <a:p>
-            <a:r>
-              <a:rPr lang="en-US" altLang="en-US" sz="2400"/>
-              <a:t>Dukungan Informasi</a:t>
-            </a:r>
-            <a:endParaRPr lang="en-US" altLang="en-US" sz="2400"/>
-          </a:p>
-        </p:txBody>
-      </p:sp>
-      <p:sp>
-        <p:nvSpPr>
-          <p:cNvPr id="5" name="Text Placeholder 4"/>
-          <p:cNvSpPr>
-            <a:spLocks noGrp="1"/>
-          </p:cNvSpPr>
-          <p:nvPr>
-            <p:ph type="body" sz="quarter" idx="3"/>
-          </p:nvPr>
-        </p:nvSpPr>
-        <p:spPr/>
-        <p:txBody>
-          <a:bodyPr/>
-          <a:p>
-            <a:r>
-              <a:rPr lang="en-US"/>
-              <a:t>Weiss (dalam Bulmer, 2015)</a:t>
-            </a:r>
-            <a:endParaRPr lang="en-US"/>
-          </a:p>
-        </p:txBody>
-      </p:sp>
-      <p:sp>
-        <p:nvSpPr>
-          <p:cNvPr id="6" name="Content Placeholder 5"/>
-          <p:cNvSpPr>
-            <a:spLocks noGrp="1"/>
-          </p:cNvSpPr>
-          <p:nvPr>
-            <p:ph sz="quarter" idx="4"/>
-          </p:nvPr>
-        </p:nvSpPr>
-        <p:spPr/>
-        <p:txBody>
-          <a:bodyPr/>
-          <a:p>
-            <a:r>
-              <a:rPr lang="en-US" altLang="en-US" sz="2400"/>
-              <a:t>Kerekatan emosional</a:t>
-            </a:r>
-            <a:endParaRPr lang="en-US" altLang="en-US" sz="2400"/>
-          </a:p>
-          <a:p>
-            <a:r>
-              <a:rPr lang="en-US" altLang="en-US" sz="2400"/>
-              <a:t>Integrasi sosial</a:t>
-            </a:r>
-            <a:endParaRPr lang="en-US" altLang="en-US" sz="2400"/>
-          </a:p>
-          <a:p>
-            <a:r>
-              <a:rPr lang="en-US" altLang="en-US" sz="2400"/>
-              <a:t>Adanya pengakuan</a:t>
-            </a:r>
-            <a:endParaRPr lang="en-US" altLang="en-US" sz="2400"/>
-          </a:p>
-          <a:p>
-            <a:r>
-              <a:rPr lang="en-US" altLang="en-US" sz="2400"/>
-              <a:t>Ketergantungan yang dapat diandalkan</a:t>
-            </a:r>
-            <a:endParaRPr lang="en-US" altLang="en-US" sz="2400"/>
-          </a:p>
-          <a:p>
-            <a:r>
-              <a:rPr lang="en-US" altLang="en-US" sz="2400"/>
-              <a:t>Bimbingan</a:t>
-            </a:r>
-            <a:endParaRPr lang="en-US" altLang="en-US" sz="2400"/>
-          </a:p>
-          <a:p>
-            <a:r>
-              <a:rPr lang="en-US" altLang="en-US" sz="2400"/>
-              <a:t>Kesempatan mengasuh</a:t>
-            </a:r>
-            <a:endParaRPr lang="en-US" altLang="en-US" sz="2400"/>
-          </a:p>
-        </p:txBody>
-      </p:sp>
-    </p:spTree>
-  </p:cSld>
-  <p:clrMapOvr>
-    <a:masterClrMapping/>
-  </p:clrMapOvr>
-</p:sld>
-</file>
-
-<file path=ppt/slides/slide23.xml><?xml version="1.0" encoding="utf-8"?>
-<p:sld xmlns:a="http://schemas.openxmlformats.org/drawingml/2006/main" xmlns:r="http://schemas.openxmlformats.org/officeDocument/2006/relationships" xmlns:p="http://schemas.openxmlformats.org/presentationml/2006/main">
-  <p:cSld>
-    <p:spTree>
-      <p:nvGrpSpPr>
-        <p:cNvPr id="1" name=""/>
-        <p:cNvGrpSpPr/>
-        <p:nvPr/>
-      </p:nvGrpSpPr>
-      <p:grpSpPr/>
-      <p:sp>
-        <p:nvSpPr>
-          <p:cNvPr id="2" name="Title 1"/>
-          <p:cNvSpPr>
-            <a:spLocks noGrp="1"/>
-          </p:cNvSpPr>
-          <p:nvPr>
-            <p:ph type="title"/>
-          </p:nvPr>
-        </p:nvSpPr>
-        <p:spPr/>
-        <p:txBody>
-          <a:bodyPr/>
-          <a:p>
-            <a:r>
-              <a:rPr lang="en-US" altLang="en-US"/>
-              <a:t>Kerangka Berpikir</a:t>
-            </a:r>
-            <a:endParaRPr lang="en-US" altLang="en-US"/>
-          </a:p>
-        </p:txBody>
-      </p:sp>
-      <p:sp>
-        <p:nvSpPr>
-          <p:cNvPr id="8" name="Content Placeholder 7"/>
-          <p:cNvSpPr>
-            <a:spLocks noGrp="1"/>
-          </p:cNvSpPr>
-          <p:nvPr>
-            <p:ph sz="half" idx="1"/>
-          </p:nvPr>
-        </p:nvSpPr>
-        <p:spPr/>
-        <p:txBody>
-          <a:bodyPr/>
-          <a:p>
-            <a:pPr marL="0" indent="0">
-              <a:buNone/>
-            </a:pPr>
-            <a:r>
-              <a:rPr lang="en-US" sz="1500"/>
-              <a:t>Motivasi merupakan tahap awal dalam menghafalkan Alquran yang memberikan dorongan kepada santri untuk menggerakkan dan melakukan kegiatan menghafalkan Alquran yang secara umum dapat mempengaruhi keberhasilan santri dalam menyelesaikan target hafalan Alquran yang telah ditetapkan oleh pondok pesantren. Dengan adanya rutinitas menghafalkan Alquran di kelompok-kelompok tahfidz, motivasi menghafal Alquran berfungsi sebagai pendorong usaha dalam pencapaian prestasi hafalan. Seseorang melakukan sesuatu usaha karena adanya motivasi (Sa’dulloh, 2008). Tanpa adanya motivasi, proses menghafal Alquran kemungkinan tidak akan terlaksana dengan maksimal karena kurangnya semangat atau dorongan dari dalam dan luar diri santri untuk menghafal. Motivasi juga mempengaruhi bagaimana usaha dari santri untuk memahami Alquran, semakin besar motivasi yang dimiliki maka semakin besar pula usaha yang akan dilakukan siswa untuk memahami Alquran. Sebaliknya jika santri kurang motivasi maka santri tidak berusaha secara maksimal dalam memahami Alquran (Widiarti, 2018).</a:t>
-            </a:r>
-            <a:endParaRPr lang="en-US" sz="1500"/>
-          </a:p>
-        </p:txBody>
-      </p:sp>
-      <p:sp>
-        <p:nvSpPr>
-          <p:cNvPr id="9" name="Content Placeholder 8"/>
-          <p:cNvSpPr>
-            <a:spLocks noGrp="1"/>
-          </p:cNvSpPr>
-          <p:nvPr>
-            <p:ph sz="half" idx="2"/>
-          </p:nvPr>
-        </p:nvSpPr>
-        <p:spPr/>
-        <p:txBody>
-          <a:bodyPr/>
-          <a:p>
-            <a:pPr marL="0" indent="0">
-              <a:buNone/>
-            </a:pPr>
-            <a:r>
-              <a:rPr lang="en-US" sz="2000"/>
-              <a:t>Dalam perkembangannya motivasi menghafal Alquran seseorang dipengaruhi banyak faktor. Motivasi menghafal tidak dapat terbentuk tanpa melalui proses menghafal. Proses menghafal memerlukan efikasi diri dalam bentuk keyakinan bahwa target menghafal yang telah ditetapkan oleh pondok pesantren pasti akan tercapai sesuai dengan besarnya usaha yang telah dilakukan. Menghafal Alquran adalah suatu kegiatan yang mulia. Namun, selalu saja ada hambatan-hambatan yang membuat kita enggan untuk menghafal Alquran. Dalam aktifitas menghafal Alquran, seorang individu membutuhkan suatu motivasi sehingga sesuatu yang diinginkan dapat tercapai (Sobur, 2011).</a:t>
-            </a:r>
-            <a:endParaRPr lang="en-US" sz="2000"/>
           </a:p>
         </p:txBody>
       </p:sp>
@@ -16252,6 +14121,317 @@
           </a:p>
         </p:txBody>
       </p:sp>
+      <p:sp>
+        <p:nvSpPr>
+          <p:cNvPr id="2" name="Text Box 1"/>
+          <p:cNvSpPr txBox="1"/>
+          <p:nvPr/>
+        </p:nvSpPr>
+        <p:spPr>
+          <a:xfrm>
+            <a:off x="1176020" y="377825"/>
+            <a:ext cx="2498090" cy="3969385"/>
+          </a:xfrm>
+          <a:prstGeom prst="rect">
+            <a:avLst/>
+          </a:prstGeom>
+          <a:noFill/>
+        </p:spPr>
+        <p:txBody>
+          <a:bodyPr wrap="square" rtlCol="0">
+            <a:spAutoFit/>
+          </a:bodyPr>
+          <a:p>
+            <a:r>
+              <a:rPr lang="" altLang="en-US" b="1"/>
+              <a:t>Motivasi belajar</a:t>
+            </a:r>
+            <a:r>
+              <a:rPr lang="" altLang="en-US"/>
+              <a:t> adalah </a:t>
+            </a:r>
+            <a:r>
+              <a:rPr lang="en-US" altLang="en-US">
+                <a:sym typeface="+mn-ea"/>
+              </a:rPr>
+              <a:t>K</a:t>
+            </a:r>
+            <a:r>
+              <a:rPr lang="en-US">
+                <a:sym typeface="+mn-ea"/>
+              </a:rPr>
+              <a:t>eseluruhan daya penggerak psikis di dalam diri siswa yang menimbulkan kegiatan belajar, menjamin kelangsungan kegiatan belajar dan memberikan arah pada kegiatan belajar itu demi mencapai suatu tujuan</a:t>
+            </a:r>
+            <a:r>
+              <a:rPr lang="en-US" i="1">
+                <a:sym typeface="+mn-ea"/>
+              </a:rPr>
+              <a:t> </a:t>
+            </a:r>
+            <a:r>
+              <a:rPr lang="" altLang="en-US" i="1">
+                <a:sym typeface="+mn-ea"/>
+              </a:rPr>
+              <a:t>(Winkel, 2012)</a:t>
+            </a:r>
+            <a:r>
+              <a:rPr lang="" altLang="en-US">
+                <a:sym typeface="+mn-ea"/>
+              </a:rPr>
+              <a:t>.</a:t>
+            </a:r>
+            <a:endParaRPr lang="" altLang="en-US">
+              <a:sym typeface="+mn-ea"/>
+            </a:endParaRPr>
+          </a:p>
+        </p:txBody>
+      </p:sp>
+      <p:sp>
+        <p:nvSpPr>
+          <p:cNvPr id="3" name="Text Box 2"/>
+          <p:cNvSpPr txBox="1"/>
+          <p:nvPr/>
+        </p:nvSpPr>
+        <p:spPr>
+          <a:xfrm>
+            <a:off x="1176020" y="4347210"/>
+            <a:ext cx="2588895" cy="1753235"/>
+          </a:xfrm>
+          <a:prstGeom prst="rect">
+            <a:avLst/>
+          </a:prstGeom>
+          <a:noFill/>
+        </p:spPr>
+        <p:txBody>
+          <a:bodyPr wrap="square" rtlCol="0">
+            <a:spAutoFit/>
+          </a:bodyPr>
+          <a:p>
+            <a:r>
+              <a:rPr lang="" altLang="en-US" b="1"/>
+              <a:t>Menghafal</a:t>
+            </a:r>
+            <a:r>
+              <a:rPr lang="en-US" altLang="en-US">
+                <a:sym typeface="+mn-ea"/>
+              </a:rPr>
+              <a:t> adalah berusaha meresapkan ke dalam pikiran agar selalu ingat </a:t>
+            </a:r>
+            <a:r>
+              <a:rPr lang="" altLang="en-US" i="1">
+                <a:sym typeface="+mn-ea"/>
+              </a:rPr>
+              <a:t>(Kamus Besar Bahasa Indonesia, 2008).</a:t>
+            </a:r>
+            <a:endParaRPr lang="" altLang="en-US" i="1">
+              <a:sym typeface="+mn-ea"/>
+            </a:endParaRPr>
+          </a:p>
+        </p:txBody>
+      </p:sp>
+      <p:sp>
+        <p:nvSpPr>
+          <p:cNvPr id="4" name="Text Box 3"/>
+          <p:cNvSpPr txBox="1"/>
+          <p:nvPr/>
+        </p:nvSpPr>
+        <p:spPr>
+          <a:xfrm>
+            <a:off x="3764915" y="377825"/>
+            <a:ext cx="3771265" cy="1753235"/>
+          </a:xfrm>
+          <a:prstGeom prst="rect">
+            <a:avLst/>
+          </a:prstGeom>
+          <a:noFill/>
+        </p:spPr>
+        <p:txBody>
+          <a:bodyPr wrap="square" rtlCol="0">
+            <a:spAutoFit/>
+          </a:bodyPr>
+          <a:p>
+            <a:r>
+              <a:rPr lang="" altLang="en-US" b="1"/>
+              <a:t>Alquran</a:t>
+            </a:r>
+            <a:r>
+              <a:rPr lang="" altLang="en-US"/>
+              <a:t> adalah </a:t>
+            </a:r>
+            <a:r>
+              <a:rPr lang="" altLang="en-US">
+                <a:sym typeface="+mn-ea"/>
+              </a:rPr>
+              <a:t>f</a:t>
+            </a:r>
+            <a:r>
+              <a:rPr lang="en-US" altLang="en-US">
+                <a:sym typeface="+mn-ea"/>
+              </a:rPr>
+              <a:t>irman-firman Allah Subhanahu wa Taala yang disampaikan oleh malaikat Jibril sesuai dengan redaksi-Nya kepada Nabi Muhammad Shallallahu Alaihi wa Sallam </a:t>
+            </a:r>
+            <a:r>
+              <a:rPr lang="" altLang="en-US" i="1">
+                <a:sym typeface="+mn-ea"/>
+              </a:rPr>
+              <a:t>(Shihab, 2013).</a:t>
+            </a:r>
+            <a:endParaRPr lang="" altLang="en-US" i="1">
+              <a:sym typeface="+mn-ea"/>
+            </a:endParaRPr>
+          </a:p>
+        </p:txBody>
+      </p:sp>
+      <p:sp>
+        <p:nvSpPr>
+          <p:cNvPr id="5" name="Text Box 4"/>
+          <p:cNvSpPr txBox="1"/>
+          <p:nvPr/>
+        </p:nvSpPr>
+        <p:spPr>
+          <a:xfrm>
+            <a:off x="3764915" y="2275840"/>
+            <a:ext cx="5449570" cy="2306955"/>
+          </a:xfrm>
+          <a:prstGeom prst="rect">
+            <a:avLst/>
+          </a:prstGeom>
+          <a:noFill/>
+        </p:spPr>
+        <p:txBody>
+          <a:bodyPr wrap="square" rtlCol="0">
+            <a:spAutoFit/>
+          </a:bodyPr>
+          <a:p>
+            <a:r>
+              <a:rPr lang="" altLang="en-US" b="1"/>
+              <a:t>Motivasi menghafal Alquran</a:t>
+            </a:r>
+            <a:r>
+              <a:rPr lang="" altLang="en-US"/>
+              <a:t> adalah </a:t>
+            </a:r>
+            <a:r>
+              <a:rPr lang="en-US" altLang="en-US">
+                <a:sym typeface="+mn-ea"/>
+              </a:rPr>
+              <a:t>keseluruhan daya penggerak baik dari dalam maupun dari luar diri individu dengan menciptakan perasaan untuk menyediakan kondisi-kondisi tertentu yang menjamin kelangsungan hidup dan memberikan arah pada kegiatan menghafal Alquran, sehingga dapat tetap tercapainya tujuan di dalam proses menghafal Alquran.</a:t>
+            </a:r>
+            <a:endParaRPr lang="" altLang="en-US"/>
+          </a:p>
+        </p:txBody>
+      </p:sp>
+      <p:sp>
+        <p:nvSpPr>
+          <p:cNvPr id="8" name="Text Box 7"/>
+          <p:cNvSpPr txBox="1"/>
+          <p:nvPr/>
+        </p:nvSpPr>
+        <p:spPr>
+          <a:xfrm>
+            <a:off x="3764915" y="4582795"/>
+            <a:ext cx="6464300" cy="2030095"/>
+          </a:xfrm>
+          <a:prstGeom prst="rect">
+            <a:avLst/>
+          </a:prstGeom>
+          <a:noFill/>
+        </p:spPr>
+        <p:txBody>
+          <a:bodyPr wrap="square" rtlCol="0">
+            <a:spAutoFit/>
+          </a:bodyPr>
+          <a:p>
+            <a:r>
+              <a:rPr lang="" altLang="en-US" b="1"/>
+              <a:t>Aspek motivasi belajar </a:t>
+            </a:r>
+            <a:r>
+              <a:rPr lang="" altLang="en-US" i="1"/>
+              <a:t>(Uno, 2008)</a:t>
+            </a:r>
+            <a:endParaRPr lang="" altLang="en-US"/>
+          </a:p>
+          <a:p>
+            <a:pPr marL="285750" indent="-285750">
+              <a:buFont typeface="Arial" panose="020B0604020202020204" pitchFamily="34" charset="0"/>
+              <a:buChar char="•"/>
+            </a:pPr>
+            <a:r>
+              <a:rPr lang="en-US">
+                <a:sym typeface="+mn-ea"/>
+              </a:rPr>
+              <a:t>Hasrat dan Keinginan Berhasil</a:t>
+            </a:r>
+            <a:endParaRPr lang="en-US"/>
+          </a:p>
+          <a:p>
+            <a:pPr marL="285750" indent="-285750">
+              <a:buFont typeface="Arial" panose="020B0604020202020204" pitchFamily="34" charset="0"/>
+              <a:buChar char="•"/>
+            </a:pPr>
+            <a:r>
+              <a:rPr lang="en-US">
+                <a:sym typeface="+mn-ea"/>
+              </a:rPr>
+              <a:t>Dorongan dan Kebutuhan dalam Belajar</a:t>
+            </a:r>
+            <a:endParaRPr lang="en-US"/>
+          </a:p>
+          <a:p>
+            <a:pPr marL="285750" indent="-285750">
+              <a:buFont typeface="Arial" panose="020B0604020202020204" pitchFamily="34" charset="0"/>
+              <a:buChar char="•"/>
+            </a:pPr>
+            <a:r>
+              <a:rPr lang="en-US">
+                <a:sym typeface="+mn-ea"/>
+              </a:rPr>
+              <a:t>Harapan dan Cita-Cita Masa Depan</a:t>
+            </a:r>
+            <a:endParaRPr lang="en-US"/>
+          </a:p>
+          <a:p>
+            <a:pPr marL="285750" indent="-285750">
+              <a:buFont typeface="Arial" panose="020B0604020202020204" pitchFamily="34" charset="0"/>
+              <a:buChar char="•"/>
+            </a:pPr>
+            <a:r>
+              <a:rPr lang="en-US">
+                <a:sym typeface="+mn-ea"/>
+              </a:rPr>
+              <a:t>Penghargaan dalam Belajar</a:t>
+            </a:r>
+            <a:endParaRPr lang="en-US"/>
+          </a:p>
+          <a:p>
+            <a:pPr marL="285750" indent="-285750">
+              <a:buFont typeface="Arial" panose="020B0604020202020204" pitchFamily="34" charset="0"/>
+              <a:buChar char="•"/>
+            </a:pPr>
+            <a:r>
+              <a:rPr lang="en-US">
+                <a:sym typeface="+mn-ea"/>
+              </a:rPr>
+              <a:t>Kegiatan yang Menarik dalam Belajar</a:t>
+            </a:r>
+            <a:endParaRPr lang="en-US"/>
+          </a:p>
+          <a:p>
+            <a:pPr marL="285750" indent="-285750">
+              <a:buFont typeface="Arial" panose="020B0604020202020204" pitchFamily="34" charset="0"/>
+              <a:buChar char="•"/>
+            </a:pPr>
+            <a:r>
+              <a:rPr lang="en-US">
+                <a:sym typeface="+mn-ea"/>
+              </a:rPr>
+              <a:t>Lingkungan Belajar yang Kondusif</a:t>
+            </a:r>
+            <a:endParaRPr lang="" altLang="en-US"/>
+          </a:p>
+        </p:txBody>
+      </p:sp>
     </p:spTree>
   </p:cSld>
   <p:clrMapOvr>
@@ -16309,16 +14489,415 @@
           <a:p>
             <a:pPr algn="r"/>
             <a:r>
+              <a:rPr lang="en-US" altLang="en-US" i="1"/>
+              <a:t>BAB 2</a:t>
+            </a:r>
+            <a:endParaRPr lang="en-US" altLang="en-US" i="1"/>
+          </a:p>
+          <a:p>
+            <a:pPr algn="r"/>
+            <a:r>
+              <a:rPr lang="en-US" altLang="en-US" i="1"/>
+              <a:t>TINJAUAN PUSTAKA</a:t>
+            </a:r>
+            <a:endParaRPr lang="en-US" altLang="en-US" i="1"/>
+          </a:p>
+        </p:txBody>
+      </p:sp>
+      <p:sp>
+        <p:nvSpPr>
+          <p:cNvPr id="2" name="Text Box 1"/>
+          <p:cNvSpPr txBox="1"/>
+          <p:nvPr/>
+        </p:nvSpPr>
+        <p:spPr>
+          <a:xfrm>
+            <a:off x="1085850" y="793750"/>
+            <a:ext cx="3467100" cy="1476375"/>
+          </a:xfrm>
+          <a:prstGeom prst="rect">
+            <a:avLst/>
+          </a:prstGeom>
+          <a:noFill/>
+        </p:spPr>
+        <p:txBody>
+          <a:bodyPr wrap="square" rtlCol="0">
+            <a:spAutoFit/>
+          </a:bodyPr>
+          <a:p>
+            <a:pPr marL="0" indent="0">
+              <a:buNone/>
+            </a:pPr>
+            <a:r>
+              <a:rPr lang="en-US" altLang="en-US" b="1">
+                <a:sym typeface="+mn-ea"/>
+              </a:rPr>
+              <a:t>E</a:t>
+            </a:r>
+            <a:r>
+              <a:rPr lang="en-US" b="1">
+                <a:sym typeface="+mn-ea"/>
+              </a:rPr>
+              <a:t>fikasi diri</a:t>
+            </a:r>
+            <a:r>
+              <a:rPr lang="en-US">
+                <a:sym typeface="+mn-ea"/>
+              </a:rPr>
+              <a:t> adalah suatu penilaian subyektif mengenai kemampuannya untuk melaksanakan atau mencapai tujuan tertentu </a:t>
+            </a:r>
+            <a:r>
+              <a:rPr lang="" altLang="en-US" i="1">
+                <a:sym typeface="+mn-ea"/>
+              </a:rPr>
+              <a:t>(Ormrod, 2011).</a:t>
+            </a:r>
+            <a:endParaRPr lang="" altLang="en-US" i="1">
+              <a:sym typeface="+mn-ea"/>
+            </a:endParaRPr>
+          </a:p>
+        </p:txBody>
+      </p:sp>
+      <p:sp>
+        <p:nvSpPr>
+          <p:cNvPr id="3" name="Text Box 2"/>
+          <p:cNvSpPr txBox="1"/>
+          <p:nvPr/>
+        </p:nvSpPr>
+        <p:spPr>
+          <a:xfrm>
+            <a:off x="4552950" y="793750"/>
+            <a:ext cx="2784475" cy="2030095"/>
+          </a:xfrm>
+          <a:prstGeom prst="rect">
+            <a:avLst/>
+          </a:prstGeom>
+          <a:noFill/>
+        </p:spPr>
+        <p:txBody>
+          <a:bodyPr wrap="square" rtlCol="0">
+            <a:spAutoFit/>
+          </a:bodyPr>
+          <a:p>
+            <a:r>
+              <a:rPr lang="" altLang="en-US" b="1"/>
+              <a:t>Aspek Efikasi Diri</a:t>
+            </a:r>
+            <a:endParaRPr lang="" altLang="en-US" b="1"/>
+          </a:p>
+          <a:p>
+            <a:pPr marL="285750" indent="-285750">
+              <a:buFont typeface="Arial" panose="020B0604020202020204" pitchFamily="34" charset="0"/>
+              <a:buChar char="•"/>
+            </a:pPr>
+            <a:r>
+              <a:rPr lang="en-US" altLang="en-US">
+                <a:sym typeface="+mn-ea"/>
+              </a:rPr>
+              <a:t>Besaran (</a:t>
+            </a:r>
+            <a:r>
+              <a:rPr lang="en-US" altLang="en-US" i="1">
+                <a:sym typeface="+mn-ea"/>
+              </a:rPr>
+              <a:t>magnitude/level</a:t>
+            </a:r>
+            <a:r>
+              <a:rPr lang="en-US" altLang="en-US">
+                <a:sym typeface="+mn-ea"/>
+              </a:rPr>
+              <a:t>)</a:t>
+            </a:r>
+            <a:endParaRPr lang="en-US" altLang="en-US"/>
+          </a:p>
+          <a:p>
+            <a:pPr marL="285750" indent="-285750">
+              <a:buFont typeface="Arial" panose="020B0604020202020204" pitchFamily="34" charset="0"/>
+              <a:buChar char="•"/>
+            </a:pPr>
+            <a:r>
+              <a:rPr lang="en-US" altLang="en-US">
+                <a:sym typeface="+mn-ea"/>
+              </a:rPr>
+              <a:t>Luas bidang (</a:t>
+            </a:r>
+            <a:r>
+              <a:rPr lang="en-US" altLang="en-US" i="1">
+                <a:sym typeface="+mn-ea"/>
+              </a:rPr>
+              <a:t>generality</a:t>
+            </a:r>
+            <a:r>
+              <a:rPr lang="en-US" altLang="en-US">
+                <a:sym typeface="+mn-ea"/>
+              </a:rPr>
+              <a:t>)</a:t>
+            </a:r>
+            <a:endParaRPr lang="en-US" altLang="en-US"/>
+          </a:p>
+          <a:p>
+            <a:pPr marL="285750" indent="-285750">
+              <a:buFont typeface="Arial" panose="020B0604020202020204" pitchFamily="34" charset="0"/>
+              <a:buChar char="•"/>
+            </a:pPr>
+            <a:r>
+              <a:rPr lang="en-US" altLang="en-US">
+                <a:sym typeface="+mn-ea"/>
+              </a:rPr>
+              <a:t>Kekuatan (</a:t>
+            </a:r>
+            <a:r>
+              <a:rPr lang="en-US" altLang="en-US" i="1">
+                <a:sym typeface="+mn-ea"/>
+              </a:rPr>
+              <a:t>strength</a:t>
+            </a:r>
+            <a:r>
+              <a:rPr lang="en-US" altLang="en-US">
+                <a:sym typeface="+mn-ea"/>
+              </a:rPr>
+              <a:t>)</a:t>
+            </a:r>
+            <a:endParaRPr lang="en-US" altLang="en-US"/>
+          </a:p>
+          <a:p>
+            <a:pPr indent="0">
+              <a:buFont typeface="Arial" panose="020B0604020202020204" pitchFamily="34" charset="0"/>
+              <a:buNone/>
+            </a:pPr>
+            <a:r>
               <a:rPr lang="" altLang="en-US" i="1"/>
-              <a:t>BAB 2</a:t>
+              <a:t>(Bandura, 2002)</a:t>
             </a:r>
             <a:endParaRPr lang="" altLang="en-US" i="1"/>
           </a:p>
-          <a:p>
-            <a:pPr algn="r"/>
-            <a:r>
-              <a:rPr lang="" altLang="en-US" i="1"/>
-              <a:t>TINJAUAN PUSTAKA</a:t>
+        </p:txBody>
+      </p:sp>
+      <p:cxnSp>
+        <p:nvCxnSpPr>
+          <p:cNvPr id="8" name="Straight Connector 7"/>
+          <p:cNvCxnSpPr/>
+          <p:nvPr/>
+        </p:nvCxnSpPr>
+        <p:spPr>
+          <a:xfrm>
+            <a:off x="1146175" y="2915285"/>
+            <a:ext cx="7796530" cy="0"/>
+          </a:xfrm>
+          <a:prstGeom prst="line">
+            <a:avLst/>
+          </a:prstGeom>
+          <a:gradFill rotWithShape="0">
+            <a:gsLst>
+              <a:gs pos="0">
+                <a:schemeClr val="accent1"/>
+              </a:gs>
+              <a:gs pos="100000">
+                <a:schemeClr val="accent2"/>
+              </a:gs>
+            </a:gsLst>
+            <a:lin ang="5400000" scaled="1"/>
+          </a:gradFill>
+          <a:ln w="9525" cap="flat" cmpd="sng" algn="ctr">
+            <a:solidFill>
+              <a:schemeClr val="accent1"/>
+            </a:solidFill>
+            <a:prstDash val="solid"/>
+            <a:round/>
+            <a:headEnd type="none" w="med" len="med"/>
+            <a:tailEnd type="none" w="med" len="med"/>
+          </a:ln>
+        </p:spPr>
+      </p:cxnSp>
+      <p:sp>
+        <p:nvSpPr>
+          <p:cNvPr id="9" name="Text Box 8"/>
+          <p:cNvSpPr txBox="1"/>
+          <p:nvPr/>
+        </p:nvSpPr>
+        <p:spPr>
+          <a:xfrm>
+            <a:off x="1146175" y="3072765"/>
+            <a:ext cx="3406775" cy="3692525"/>
+          </a:xfrm>
+          <a:prstGeom prst="rect">
+            <a:avLst/>
+          </a:prstGeom>
+          <a:noFill/>
+        </p:spPr>
+        <p:txBody>
+          <a:bodyPr wrap="square" rtlCol="0">
+            <a:spAutoFit/>
+          </a:bodyPr>
+          <a:p>
+            <a:r>
+              <a:rPr lang="en-US" altLang="en-US" b="1">
+                <a:sym typeface="+mn-ea"/>
+              </a:rPr>
+              <a:t>Dukungan sosial</a:t>
+            </a:r>
+            <a:r>
+              <a:rPr lang="en-US" altLang="en-US">
+                <a:sym typeface="+mn-ea"/>
+              </a:rPr>
+              <a:t> berasal dari kata dukungan dan sosial. Dukungan adalah mengadakan atau menyediakan sesuatu untuk memenuhi kebutuhan orang lain; dan memberikan dorongan dan pengobaran semangat dan nasehat kepada orang lain dalam situasi pembuatan keputusan. Sedangkan sosial berarti hubungan antara dua orang atau lebih </a:t>
+            </a:r>
+            <a:r>
+              <a:rPr lang="" altLang="en-US" i="1">
+                <a:sym typeface="+mn-ea"/>
+              </a:rPr>
+              <a:t>(Chaplin, 2009).</a:t>
+            </a:r>
+            <a:endParaRPr lang="" altLang="en-US" i="1">
+              <a:sym typeface="+mn-ea"/>
+            </a:endParaRPr>
+          </a:p>
+        </p:txBody>
+      </p:sp>
+      <p:sp>
+        <p:nvSpPr>
+          <p:cNvPr id="10" name="Text Box 9"/>
+          <p:cNvSpPr txBox="1"/>
+          <p:nvPr/>
+        </p:nvSpPr>
+        <p:spPr>
+          <a:xfrm>
+            <a:off x="4763770" y="3072765"/>
+            <a:ext cx="2664460" cy="1753235"/>
+          </a:xfrm>
+          <a:prstGeom prst="rect">
+            <a:avLst/>
+          </a:prstGeom>
+          <a:noFill/>
+        </p:spPr>
+        <p:txBody>
+          <a:bodyPr wrap="square" rtlCol="0">
+            <a:spAutoFit/>
+          </a:bodyPr>
+          <a:p>
+            <a:r>
+              <a:rPr lang="en-US" altLang="en-US" b="1">
+                <a:sym typeface="+mn-ea"/>
+              </a:rPr>
+              <a:t>Dukungan guru tahfidz </a:t>
+            </a:r>
+            <a:r>
+              <a:rPr lang="en-US" altLang="en-US">
+                <a:sym typeface="+mn-ea"/>
+              </a:rPr>
+              <a:t>adalah suatu pemenuhan, dorongan, pengobaran semangat, dan nasehat dari guru tahfidz kepada santri.</a:t>
+            </a:r>
+            <a:endParaRPr lang="en-US"/>
+          </a:p>
+        </p:txBody>
+      </p:sp>
+      <p:sp>
+        <p:nvSpPr>
+          <p:cNvPr id="11" name="Text Box 10"/>
+          <p:cNvSpPr txBox="1"/>
+          <p:nvPr/>
+        </p:nvSpPr>
+        <p:spPr>
+          <a:xfrm>
+            <a:off x="7626985" y="3072765"/>
+            <a:ext cx="2647950" cy="2861310"/>
+          </a:xfrm>
+          <a:prstGeom prst="rect">
+            <a:avLst/>
+          </a:prstGeom>
+          <a:noFill/>
+        </p:spPr>
+        <p:txBody>
+          <a:bodyPr wrap="square" rtlCol="0">
+            <a:spAutoFit/>
+          </a:bodyPr>
+          <a:p>
+            <a:r>
+              <a:rPr lang="" altLang="en-US" b="1"/>
+              <a:t>Aspek Dukungan Sosial</a:t>
+            </a:r>
+            <a:endParaRPr lang="" altLang="en-US" b="1"/>
+          </a:p>
+          <a:p>
+            <a:pPr marL="285750" indent="-285750">
+              <a:buFont typeface="Arial" panose="020B0604020202020204" pitchFamily="34" charset="0"/>
+              <a:buChar char="•"/>
+            </a:pPr>
+            <a:r>
+              <a:rPr lang="en-US" altLang="en-US">
+                <a:sym typeface="+mn-ea"/>
+              </a:rPr>
+              <a:t>Dukungan Emosional</a:t>
+            </a:r>
+            <a:endParaRPr lang="en-US" altLang="en-US"/>
+          </a:p>
+          <a:p>
+            <a:pPr marL="285750" indent="-285750">
+              <a:buFont typeface="Arial" panose="020B0604020202020204" pitchFamily="34" charset="0"/>
+              <a:buChar char="•"/>
+            </a:pPr>
+            <a:r>
+              <a:rPr lang="en-US" altLang="en-US">
+                <a:sym typeface="+mn-ea"/>
+              </a:rPr>
+              <a:t>Dukungan Penghargaan</a:t>
+            </a:r>
+            <a:endParaRPr lang="en-US" altLang="en-US"/>
+          </a:p>
+          <a:p>
+            <a:pPr marL="285750" indent="-285750">
+              <a:buFont typeface="Arial" panose="020B0604020202020204" pitchFamily="34" charset="0"/>
+              <a:buChar char="•"/>
+            </a:pPr>
+            <a:r>
+              <a:rPr lang="en-US" altLang="en-US">
+                <a:sym typeface="+mn-ea"/>
+              </a:rPr>
+              <a:t>Dukungan Instrumental</a:t>
+            </a:r>
+            <a:endParaRPr lang="en-US" altLang="en-US"/>
+          </a:p>
+          <a:p>
+            <a:pPr marL="285750" indent="-285750">
+              <a:buFont typeface="Arial" panose="020B0604020202020204" pitchFamily="34" charset="0"/>
+              <a:buChar char="•"/>
+            </a:pPr>
+            <a:r>
+              <a:rPr lang="en-US" altLang="en-US">
+                <a:sym typeface="+mn-ea"/>
+              </a:rPr>
+              <a:t>Dukungan Informasi</a:t>
+            </a:r>
+            <a:endParaRPr lang="en-US" altLang="en-US"/>
+          </a:p>
+          <a:p>
+            <a:pPr indent="0">
+              <a:buFont typeface="Arial" panose="020B0604020202020204" pitchFamily="34" charset="0"/>
+              <a:buNone/>
+            </a:pPr>
+            <a:r>
+              <a:rPr lang="" altLang="en-US">
+                <a:sym typeface="+mn-ea"/>
+              </a:rPr>
+              <a:t>(</a:t>
+            </a:r>
+            <a:r>
+              <a:rPr lang="en-US" altLang="en-US" i="1">
+                <a:sym typeface="+mn-ea"/>
+              </a:rPr>
+              <a:t>Sarafino dan Timothy</a:t>
+            </a:r>
+            <a:r>
+              <a:rPr lang="" altLang="en-US" i="1">
+                <a:sym typeface="+mn-ea"/>
+              </a:rPr>
+              <a:t>, </a:t>
+            </a:r>
+            <a:r>
+              <a:rPr lang="en-US" altLang="en-US" i="1">
+                <a:sym typeface="+mn-ea"/>
+              </a:rPr>
+              <a:t>2012)</a:t>
             </a:r>
             <a:endParaRPr lang="" altLang="en-US" i="1"/>
           </a:p>
@@ -16344,160 +14923,6 @@
       <p:grpSpPr/>
       <p:sp>
         <p:nvSpPr>
-          <p:cNvPr id="4" name="Title 3"/>
-          <p:cNvSpPr>
-            <a:spLocks noGrp="1"/>
-          </p:cNvSpPr>
-          <p:nvPr>
-            <p:ph type="title"/>
-          </p:nvPr>
-        </p:nvSpPr>
-        <p:spPr/>
-        <p:txBody>
-          <a:bodyPr/>
-          <a:p>
-            <a:r>
-              <a:rPr lang="en-US" altLang="en-US"/>
-              <a:t>Motivasi Menghafal Alquran → Definisi</a:t>
-            </a:r>
-            <a:endParaRPr lang="en-US" altLang="en-US"/>
-          </a:p>
-        </p:txBody>
-      </p:sp>
-      <p:sp>
-        <p:nvSpPr>
-          <p:cNvPr id="5" name="Text Placeholder 4"/>
-          <p:cNvSpPr>
-            <a:spLocks noGrp="1"/>
-          </p:cNvSpPr>
-          <p:nvPr>
-            <p:ph type="body" idx="1"/>
-          </p:nvPr>
-        </p:nvSpPr>
-        <p:spPr/>
-        <p:txBody>
-          <a:bodyPr/>
-          <a:p>
-            <a:r>
-              <a:rPr lang="en-US" altLang="en-US"/>
-              <a:t>Winkel (2012)</a:t>
-            </a:r>
-            <a:endParaRPr lang="en-US" altLang="en-US"/>
-          </a:p>
-        </p:txBody>
-      </p:sp>
-      <p:sp>
-        <p:nvSpPr>
-          <p:cNvPr id="6" name="Content Placeholder 5"/>
-          <p:cNvSpPr>
-            <a:spLocks noGrp="1"/>
-          </p:cNvSpPr>
-          <p:nvPr>
-            <p:ph sz="half" idx="2"/>
-          </p:nvPr>
-        </p:nvSpPr>
-        <p:spPr/>
-        <p:txBody>
-          <a:bodyPr/>
-          <a:p>
-            <a:pPr marL="0" indent="0">
-              <a:buNone/>
-            </a:pPr>
-            <a:r>
-              <a:rPr lang="en-US" altLang="en-US" sz="2100" b="1"/>
-              <a:t>Motivasi belajar: </a:t>
-            </a:r>
-            <a:r>
-              <a:rPr lang="en-US" altLang="en-US" sz="2100"/>
-              <a:t>K</a:t>
-            </a:r>
-            <a:r>
-              <a:rPr lang="en-US" sz="2100"/>
-              <a:t>eseluruhan daya penggerak psikis di dalam diri siswa yang menimbulkan kegiatan belajar, menjamin kelangsungan kegiatan belajar dan memberikan arah pada kegiatan belajar itu demi mencapai suatu tujuan. Motivasi belajar memegang peranan penting dalam memberikan gairah semangat belajar, sehingga siswa yang bermotivasi kuat memiliki banyak energi untuk melakukan kegiatan belajar.</a:t>
-            </a:r>
-            <a:endParaRPr lang="en-US" sz="2100"/>
-          </a:p>
-        </p:txBody>
-      </p:sp>
-      <p:sp>
-        <p:nvSpPr>
-          <p:cNvPr id="7" name="Text Placeholder 6"/>
-          <p:cNvSpPr>
-            <a:spLocks noGrp="1"/>
-          </p:cNvSpPr>
-          <p:nvPr>
-            <p:ph type="body" sz="quarter" idx="3"/>
-          </p:nvPr>
-        </p:nvSpPr>
-        <p:spPr/>
-        <p:txBody>
-          <a:bodyPr/>
-          <a:p>
-            <a:r>
-              <a:rPr lang="en-US"/>
-              <a:t>Dimyati </a:t>
-            </a:r>
-            <a:r>
-              <a:rPr lang="en-US" altLang="en-US"/>
-              <a:t>(</a:t>
-            </a:r>
-            <a:r>
-              <a:rPr lang="en-US"/>
-              <a:t>2009)</a:t>
-            </a:r>
-            <a:endParaRPr lang="en-US"/>
-          </a:p>
-        </p:txBody>
-      </p:sp>
-      <p:sp>
-        <p:nvSpPr>
-          <p:cNvPr id="8" name="Content Placeholder 7"/>
-          <p:cNvSpPr>
-            <a:spLocks noGrp="1"/>
-          </p:cNvSpPr>
-          <p:nvPr>
-            <p:ph sz="quarter" idx="4"/>
-          </p:nvPr>
-        </p:nvSpPr>
-        <p:spPr/>
-        <p:txBody>
-          <a:bodyPr/>
-          <a:p>
-            <a:pPr marL="0" indent="0">
-              <a:buNone/>
-            </a:pPr>
-            <a:r>
-              <a:rPr lang="en-US" altLang="en-US" sz="2000" b="1"/>
-              <a:t>Motivasi belajar:</a:t>
-            </a:r>
-            <a:r>
-              <a:rPr lang="en-US" altLang="en-US" sz="2000"/>
-              <a:t> Kecenderungan siswa dalam melakukan kegiatan belajar yang didorong oleh hasrat untuk mencapai prestasi atau hasil belajar sebaik mungkin. Motivasi dipandang sebagai dorongan mental yang menggerakkan dan mengarahkan perilaku manusia, termasuk perilaku di dalam belajar. Di dalam motivasi terkandung adanya keinginan yang mengaktifkan, menggerakkan, menyalurkan dan mengarahkan sikap serta perilaku pada belajar individu tersebut.</a:t>
-            </a:r>
-            <a:endParaRPr lang="en-US" altLang="en-US" sz="2000"/>
-          </a:p>
-        </p:txBody>
-      </p:sp>
-    </p:spTree>
-  </p:cSld>
-  <p:clrMapOvr>
-    <a:masterClrMapping/>
-  </p:clrMapOvr>
-</p:sld>
-</file>
-
-<file path=ppt/slides/slide8.xml><?xml version="1.0" encoding="utf-8"?>
-<p:sld xmlns:a="http://schemas.openxmlformats.org/drawingml/2006/main" xmlns:r="http://schemas.openxmlformats.org/officeDocument/2006/relationships" xmlns:p="http://schemas.openxmlformats.org/presentationml/2006/main">
-  <p:cSld>
-    <p:spTree>
-      <p:nvGrpSpPr>
-        <p:cNvPr id="1" name=""/>
-        <p:cNvGrpSpPr/>
-        <p:nvPr/>
-      </p:nvGrpSpPr>
-      <p:grpSpPr/>
-      <p:sp>
-        <p:nvSpPr>
           <p:cNvPr id="2" name="Title 1"/>
           <p:cNvSpPr>
             <a:spLocks noGrp="1"/>
@@ -16511,10 +14936,10 @@
           <a:bodyPr/>
           <a:p>
             <a:r>
-              <a:rPr lang="en-US" altLang="en-US"/>
-              <a:t>Motivasi Menghafal Alquran → Definisi</a:t>
-            </a:r>
-            <a:endParaRPr lang="en-US" altLang="en-US"/>
+              <a:rPr lang="" altLang="en-US"/>
+              <a:t>BAB 3 - METODE PENELITIAN</a:t>
+            </a:r>
+            <a:endParaRPr lang="" altLang="en-US"/>
           </a:p>
         </p:txBody>
       </p:sp>
@@ -16532,157 +14957,7 @@
         <p:txBody>
           <a:bodyPr/>
           <a:p>
-            <a:r>
-              <a:rPr lang="en-US"/>
-              <a:t>Kamus Besar Bahasa Indonesia (2008)</a:t>
-            </a:r>
             <a:endParaRPr lang="en-US"/>
-          </a:p>
-        </p:txBody>
-      </p:sp>
-      <p:sp>
-        <p:nvSpPr>
-          <p:cNvPr id="4" name="Content Placeholder 3"/>
-          <p:cNvSpPr>
-            <a:spLocks noGrp="1"/>
-          </p:cNvSpPr>
-          <p:nvPr>
-            <p:ph sz="half" idx="2"/>
-          </p:nvPr>
-        </p:nvSpPr>
-        <p:spPr/>
-        <p:txBody>
-          <a:bodyPr/>
-          <a:p>
-            <a:pPr marL="0" indent="0">
-              <a:buNone/>
-            </a:pPr>
-            <a:r>
-              <a:rPr lang="en-US" altLang="en-US" sz="2600" b="1"/>
-              <a:t>Menghafal: </a:t>
-            </a:r>
-            <a:r>
-              <a:rPr lang="en-US" altLang="en-US" sz="2600"/>
-              <a:t>Berasal dari kata dasar hafal yang memiliki dua arti: telah masuk dalam ingatan (tentang pelajaran), dan dapat mengucapkan di luar kepala (tanpa melihat buku atau catatan lain). Adapun arti menghafal adalah berusaha meresapkan ke dalam pikiran agar selalu ingat.</a:t>
-            </a:r>
-            <a:endParaRPr lang="en-US" altLang="en-US" sz="2600"/>
-          </a:p>
-        </p:txBody>
-      </p:sp>
-      <p:sp>
-        <p:nvSpPr>
-          <p:cNvPr id="5" name="Text Placeholder 4"/>
-          <p:cNvSpPr>
-            <a:spLocks noGrp="1"/>
-          </p:cNvSpPr>
-          <p:nvPr>
-            <p:ph type="body" sz="quarter" idx="3"/>
-          </p:nvPr>
-        </p:nvSpPr>
-        <p:spPr/>
-        <p:txBody>
-          <a:bodyPr/>
-          <a:p>
-            <a:r>
-              <a:rPr lang="en-US"/>
-              <a:t>Shihab (2013)</a:t>
-            </a:r>
-            <a:endParaRPr lang="en-US"/>
-          </a:p>
-        </p:txBody>
-      </p:sp>
-      <p:sp>
-        <p:nvSpPr>
-          <p:cNvPr id="6" name="Content Placeholder 5"/>
-          <p:cNvSpPr>
-            <a:spLocks noGrp="1"/>
-          </p:cNvSpPr>
-          <p:nvPr>
-            <p:ph sz="quarter" idx="4"/>
-          </p:nvPr>
-        </p:nvSpPr>
-        <p:spPr/>
-        <p:txBody>
-          <a:bodyPr/>
-          <a:p>
-            <a:pPr marL="0" indent="0">
-              <a:buNone/>
-            </a:pPr>
-            <a:r>
-              <a:rPr lang="en-US" altLang="en-US" sz="3100" b="1"/>
-              <a:t>Alquran:</a:t>
-            </a:r>
-            <a:r>
-              <a:rPr lang="en-US" altLang="en-US" sz="3100"/>
-              <a:t> Firman-firman Allah Subhanahu wa Taala yang disampaikan oleh malaikat Jibril sesuai dengan redaksi-Nya kepada Nabi Muhammad Shallallahu Alaihi wa Sallam.</a:t>
-            </a:r>
-            <a:endParaRPr lang="en-US" altLang="en-US" sz="3100"/>
-          </a:p>
-        </p:txBody>
-      </p:sp>
-    </p:spTree>
-  </p:cSld>
-  <p:clrMapOvr>
-    <a:masterClrMapping/>
-  </p:clrMapOvr>
-</p:sld>
-</file>
-
-<file path=ppt/slides/slide9.xml><?xml version="1.0" encoding="utf-8"?>
-<p:sld xmlns:a="http://schemas.openxmlformats.org/drawingml/2006/main" xmlns:r="http://schemas.openxmlformats.org/officeDocument/2006/relationships" xmlns:p="http://schemas.openxmlformats.org/presentationml/2006/main">
-  <p:cSld>
-    <p:spTree>
-      <p:nvGrpSpPr>
-        <p:cNvPr id="1" name=""/>
-        <p:cNvGrpSpPr/>
-        <p:nvPr/>
-      </p:nvGrpSpPr>
-      <p:grpSpPr/>
-      <p:sp>
-        <p:nvSpPr>
-          <p:cNvPr id="2" name="Title 1"/>
-          <p:cNvSpPr>
-            <a:spLocks noGrp="1"/>
-          </p:cNvSpPr>
-          <p:nvPr>
-            <p:ph type="title"/>
-          </p:nvPr>
-        </p:nvSpPr>
-        <p:spPr/>
-        <p:txBody>
-          <a:bodyPr/>
-          <a:p>
-            <a:r>
-              <a:rPr lang="en-US" altLang="en-US"/>
-              <a:t>Motivasi Menghafal Alquran → Definisi</a:t>
-            </a:r>
-            <a:endParaRPr lang="en-US" altLang="en-US"/>
-          </a:p>
-        </p:txBody>
-      </p:sp>
-      <p:sp>
-        <p:nvSpPr>
-          <p:cNvPr id="7" name="Text Placeholder 6"/>
-          <p:cNvSpPr>
-            <a:spLocks noGrp="1"/>
-          </p:cNvSpPr>
-          <p:nvPr>
-            <p:ph type="body" idx="1"/>
-          </p:nvPr>
-        </p:nvSpPr>
-        <p:spPr/>
-        <p:txBody>
-          <a:bodyPr/>
-          <a:p>
-            <a:r>
-              <a:rPr lang="en-US" altLang="en-US" sz="2000" b="1"/>
-              <a:t>Motivasi menghafal Alquran: </a:t>
-            </a:r>
-            <a:r>
-              <a:rPr lang="en-US" altLang="en-US" sz="2000"/>
-              <a:t>keseluruhan daya penggerak baik dari dalam maupun dari luar diri individu dengan menciptakan perasaan untuk menyediakan kondisi-kondisi tertentu yang menjamin kelangsungan hidup dan memberikan arah pada kegiatan menghafal Alquran, sehingga dapat tetap tercapainya tujuan di dalam proses menghafal Alquran.</a:t>
-            </a:r>
-            <a:endParaRPr lang="en-US" altLang="en-US" sz="2000"/>
           </a:p>
         </p:txBody>
       </p:sp>

--- a/seminar proposal.pptx
+++ b/seminar proposal.pptx
@@ -14945,18 +14945,21 @@
       </p:sp>
       <p:sp>
         <p:nvSpPr>
-          <p:cNvPr id="3" name="Text Placeholder 2"/>
+          <p:cNvPr id="4" name="Content Placeholder 3"/>
           <p:cNvSpPr>
             <a:spLocks noGrp="1"/>
           </p:cNvSpPr>
           <p:nvPr>
-            <p:ph type="body" idx="1"/>
+            <p:ph idx="1"/>
           </p:nvPr>
         </p:nvSpPr>
         <p:spPr/>
         <p:txBody>
           <a:bodyPr/>
           <a:p>
+            <a:pPr marL="0" indent="0">
+              <a:buNone/>
+            </a:pPr>
             <a:endParaRPr lang="en-US"/>
           </a:p>
         </p:txBody>

--- a/seminar proposal.pptx
+++ b/seminar proposal.pptx
@@ -15,6 +15,7 @@
     <p:sldId id="319" r:id="rId8"/>
     <p:sldId id="320" r:id="rId9"/>
     <p:sldId id="321" r:id="rId10"/>
+    <p:sldId id="322" r:id="rId11"/>
   </p:sldIdLst>
   <p:sldSz cx="12192000" cy="6858000"/>
   <p:notesSz cx="6858000" cy="9144000"/>
@@ -1611,6 +1612,753 @@
 </file>
 
 <file path=ppt/diagrams/colors3.xml><?xml version="1.0" encoding="utf-8"?>
+<dgm:colorsDef xmlns:dgm="http://schemas.openxmlformats.org/drawingml/2006/diagram" xmlns:a="http://schemas.openxmlformats.org/drawingml/2006/main" uniqueId="urn:microsoft.com/office/officeart/2005/8/colors/accent1_2">
+  <dgm:title val=""/>
+  <dgm:desc val=""/>
+  <dgm:catLst>
+    <dgm:cat type="accent1" pri="11200"/>
+  </dgm:catLst>
+  <dgm:styleLbl name="alignAcc1">
+    <dgm:fillClrLst meth="repeat">
+      <a:schemeClr val="lt1">
+        <a:alpha val="90000"/>
+      </a:schemeClr>
+    </dgm:fillClrLst>
+    <dgm:linClrLst meth="repeat">
+      <a:schemeClr val="accent1"/>
+    </dgm:linClrLst>
+    <dgm:effectClrLst/>
+    <dgm:txLinClrLst/>
+    <dgm:txFillClrLst meth="repeat">
+      <a:schemeClr val="dk1"/>
+    </dgm:txFillClrLst>
+    <dgm:txEffectClrLst/>
+  </dgm:styleLbl>
+  <dgm:styleLbl name="alignAccFollowNode1">
+    <dgm:fillClrLst meth="repeat">
+      <a:schemeClr val="accent1">
+        <a:alpha val="90000"/>
+        <a:tint val="40000"/>
+      </a:schemeClr>
+    </dgm:fillClrLst>
+    <dgm:linClrLst meth="repeat">
+      <a:schemeClr val="accent1">
+        <a:alpha val="90000"/>
+        <a:tint val="40000"/>
+      </a:schemeClr>
+    </dgm:linClrLst>
+    <dgm:effectClrLst/>
+    <dgm:txLinClrLst/>
+    <dgm:txFillClrLst meth="repeat">
+      <a:schemeClr val="dk1"/>
+    </dgm:txFillClrLst>
+    <dgm:txEffectClrLst/>
+  </dgm:styleLbl>
+  <dgm:styleLbl name="alignImgPlace1">
+    <dgm:fillClrLst meth="repeat">
+      <a:schemeClr val="accent1">
+        <a:tint val="50000"/>
+      </a:schemeClr>
+    </dgm:fillClrLst>
+    <dgm:linClrLst meth="repeat">
+      <a:schemeClr val="lt1"/>
+    </dgm:linClrLst>
+    <dgm:effectClrLst/>
+    <dgm:txLinClrLst/>
+    <dgm:txFillClrLst meth="repeat">
+      <a:schemeClr val="lt1"/>
+    </dgm:txFillClrLst>
+    <dgm:txEffectClrLst/>
+  </dgm:styleLbl>
+  <dgm:styleLbl name="alignNode1">
+    <dgm:fillClrLst meth="repeat">
+      <a:schemeClr val="accent1"/>
+    </dgm:fillClrLst>
+    <dgm:linClrLst meth="repeat">
+      <a:schemeClr val="accent1"/>
+    </dgm:linClrLst>
+    <dgm:effectClrLst/>
+    <dgm:txLinClrLst/>
+    <dgm:txFillClrLst/>
+    <dgm:txEffectClrLst/>
+  </dgm:styleLbl>
+  <dgm:styleLbl name="asst0">
+    <dgm:fillClrLst meth="repeat">
+      <a:schemeClr val="accent1"/>
+    </dgm:fillClrLst>
+    <dgm:linClrLst meth="repeat">
+      <a:schemeClr val="lt1"/>
+    </dgm:linClrLst>
+    <dgm:effectClrLst/>
+    <dgm:txLinClrLst/>
+    <dgm:txFillClrLst/>
+    <dgm:txEffectClrLst/>
+  </dgm:styleLbl>
+  <dgm:styleLbl name="asst1">
+    <dgm:fillClrLst meth="repeat">
+      <a:schemeClr val="accent1"/>
+    </dgm:fillClrLst>
+    <dgm:linClrLst meth="repeat">
+      <a:schemeClr val="lt1"/>
+    </dgm:linClrLst>
+    <dgm:effectClrLst/>
+    <dgm:txLinClrLst/>
+    <dgm:txFillClrLst/>
+    <dgm:txEffectClrLst/>
+  </dgm:styleLbl>
+  <dgm:styleLbl name="asst2">
+    <dgm:fillClrLst meth="repeat">
+      <a:schemeClr val="accent1"/>
+    </dgm:fillClrLst>
+    <dgm:linClrLst meth="repeat">
+      <a:schemeClr val="lt1"/>
+    </dgm:linClrLst>
+    <dgm:effectClrLst/>
+    <dgm:txLinClrLst/>
+    <dgm:txFillClrLst/>
+    <dgm:txEffectClrLst/>
+  </dgm:styleLbl>
+  <dgm:styleLbl name="asst3">
+    <dgm:fillClrLst meth="repeat">
+      <a:schemeClr val="accent1"/>
+    </dgm:fillClrLst>
+    <dgm:linClrLst meth="repeat">
+      <a:schemeClr val="lt1"/>
+    </dgm:linClrLst>
+    <dgm:effectClrLst/>
+    <dgm:txLinClrLst/>
+    <dgm:txFillClrLst/>
+    <dgm:txEffectClrLst/>
+  </dgm:styleLbl>
+  <dgm:styleLbl name="asst4">
+    <dgm:fillClrLst meth="repeat">
+      <a:schemeClr val="accent1"/>
+    </dgm:fillClrLst>
+    <dgm:linClrLst meth="repeat">
+      <a:schemeClr val="lt1"/>
+    </dgm:linClrLst>
+    <dgm:effectClrLst/>
+    <dgm:txLinClrLst/>
+    <dgm:txFillClrLst/>
+    <dgm:txEffectClrLst/>
+  </dgm:styleLbl>
+  <dgm:styleLbl name="bgAcc1">
+    <dgm:fillClrLst meth="repeat">
+      <a:schemeClr val="lt1">
+        <a:alpha val="90000"/>
+      </a:schemeClr>
+    </dgm:fillClrLst>
+    <dgm:linClrLst meth="repeat">
+      <a:schemeClr val="accent1"/>
+    </dgm:linClrLst>
+    <dgm:effectClrLst/>
+    <dgm:txLinClrLst/>
+    <dgm:txFillClrLst meth="repeat">
+      <a:schemeClr val="dk1"/>
+    </dgm:txFillClrLst>
+    <dgm:txEffectClrLst/>
+  </dgm:styleLbl>
+  <dgm:styleLbl name="bgAccFollowNode1">
+    <dgm:fillClrLst meth="repeat">
+      <a:schemeClr val="accent1">
+        <a:alpha val="90000"/>
+        <a:tint val="40000"/>
+      </a:schemeClr>
+    </dgm:fillClrLst>
+    <dgm:linClrLst meth="repeat">
+      <a:schemeClr val="accent1">
+        <a:alpha val="90000"/>
+        <a:tint val="40000"/>
+      </a:schemeClr>
+    </dgm:linClrLst>
+    <dgm:effectClrLst/>
+    <dgm:txLinClrLst/>
+    <dgm:txFillClrLst meth="repeat">
+      <a:schemeClr val="dk1"/>
+    </dgm:txFillClrLst>
+    <dgm:txEffectClrLst/>
+  </dgm:styleLbl>
+  <dgm:styleLbl name="bgImgPlace1">
+    <dgm:fillClrLst meth="repeat">
+      <a:schemeClr val="accent1">
+        <a:tint val="50000"/>
+      </a:schemeClr>
+    </dgm:fillClrLst>
+    <dgm:linClrLst meth="repeat">
+      <a:schemeClr val="lt1"/>
+    </dgm:linClrLst>
+    <dgm:effectClrLst/>
+    <dgm:txLinClrLst/>
+    <dgm:txFillClrLst meth="repeat">
+      <a:schemeClr val="lt1"/>
+    </dgm:txFillClrLst>
+    <dgm:txEffectClrLst/>
+  </dgm:styleLbl>
+  <dgm:styleLbl name="bgShp">
+    <dgm:fillClrLst meth="repeat">
+      <a:schemeClr val="accent1">
+        <a:tint val="40000"/>
+      </a:schemeClr>
+    </dgm:fillClrLst>
+    <dgm:linClrLst meth="repeat">
+      <a:schemeClr val="accent1"/>
+    </dgm:linClrLst>
+    <dgm:effectClrLst/>
+    <dgm:txLinClrLst/>
+    <dgm:txFillClrLst meth="repeat">
+      <a:schemeClr val="dk1"/>
+    </dgm:txFillClrLst>
+    <dgm:txEffectClrLst/>
+  </dgm:styleLbl>
+  <dgm:styleLbl name="bgSibTrans2D1">
+    <dgm:fillClrLst meth="repeat">
+      <a:schemeClr val="accent1">
+        <a:tint val="60000"/>
+      </a:schemeClr>
+    </dgm:fillClrLst>
+    <dgm:linClrLst meth="repeat">
+      <a:schemeClr val="accent1">
+        <a:tint val="60000"/>
+      </a:schemeClr>
+    </dgm:linClrLst>
+    <dgm:effectClrLst/>
+    <dgm:txLinClrLst/>
+    <dgm:txFillClrLst/>
+    <dgm:txEffectClrLst/>
+  </dgm:styleLbl>
+  <dgm:styleLbl name="callout">
+    <dgm:fillClrLst meth="repeat">
+      <a:schemeClr val="accent1"/>
+    </dgm:fillClrLst>
+    <dgm:linClrLst meth="repeat">
+      <a:schemeClr val="accent1">
+        <a:tint val="50000"/>
+      </a:schemeClr>
+    </dgm:linClrLst>
+    <dgm:effectClrLst/>
+    <dgm:txLinClrLst/>
+    <dgm:txFillClrLst meth="repeat">
+      <a:schemeClr val="tx1"/>
+    </dgm:txFillClrLst>
+    <dgm:txEffectClrLst/>
+  </dgm:styleLbl>
+  <dgm:styleLbl name="conFgAcc1">
+    <dgm:fillClrLst meth="repeat">
+      <a:schemeClr val="lt1">
+        <a:alpha val="90000"/>
+      </a:schemeClr>
+    </dgm:fillClrLst>
+    <dgm:linClrLst meth="repeat">
+      <a:schemeClr val="accent1"/>
+    </dgm:linClrLst>
+    <dgm:effectClrLst/>
+    <dgm:txLinClrLst/>
+    <dgm:txFillClrLst meth="repeat">
+      <a:schemeClr val="dk1"/>
+    </dgm:txFillClrLst>
+    <dgm:txEffectClrLst/>
+  </dgm:styleLbl>
+  <dgm:styleLbl name="dkBgShp">
+    <dgm:fillClrLst meth="repeat">
+      <a:schemeClr val="accent1">
+        <a:shade val="80000"/>
+      </a:schemeClr>
+    </dgm:fillClrLst>
+    <dgm:linClrLst meth="repeat">
+      <a:schemeClr val="accent1"/>
+    </dgm:linClrLst>
+    <dgm:effectClrLst/>
+    <dgm:txLinClrLst/>
+    <dgm:txFillClrLst meth="repeat">
+      <a:schemeClr val="lt1"/>
+    </dgm:txFillClrLst>
+    <dgm:txEffectClrLst/>
+  </dgm:styleLbl>
+  <dgm:styleLbl name="fgAcc0">
+    <dgm:fillClrLst meth="repeat">
+      <a:schemeClr val="lt1">
+        <a:alpha val="90000"/>
+      </a:schemeClr>
+    </dgm:fillClrLst>
+    <dgm:linClrLst meth="repeat">
+      <a:schemeClr val="accent1"/>
+    </dgm:linClrLst>
+    <dgm:effectClrLst/>
+    <dgm:txLinClrLst/>
+    <dgm:txFillClrLst meth="repeat">
+      <a:schemeClr val="dk1"/>
+    </dgm:txFillClrLst>
+    <dgm:txEffectClrLst/>
+  </dgm:styleLbl>
+  <dgm:styleLbl name="fgAcc1">
+    <dgm:fillClrLst meth="repeat">
+      <a:schemeClr val="lt1">
+        <a:alpha val="90000"/>
+      </a:schemeClr>
+    </dgm:fillClrLst>
+    <dgm:linClrLst meth="repeat">
+      <a:schemeClr val="accent1"/>
+    </dgm:linClrLst>
+    <dgm:effectClrLst/>
+    <dgm:txLinClrLst/>
+    <dgm:txFillClrLst meth="repeat">
+      <a:schemeClr val="dk1"/>
+    </dgm:txFillClrLst>
+    <dgm:txEffectClrLst/>
+  </dgm:styleLbl>
+  <dgm:styleLbl name="fgAcc2">
+    <dgm:fillClrLst meth="repeat">
+      <a:schemeClr val="lt1">
+        <a:alpha val="90000"/>
+      </a:schemeClr>
+    </dgm:fillClrLst>
+    <dgm:linClrLst meth="repeat">
+      <a:schemeClr val="accent1"/>
+    </dgm:linClrLst>
+    <dgm:effectClrLst/>
+    <dgm:txLinClrLst/>
+    <dgm:txFillClrLst meth="repeat">
+      <a:schemeClr val="dk1"/>
+    </dgm:txFillClrLst>
+    <dgm:txEffectClrLst/>
+  </dgm:styleLbl>
+  <dgm:styleLbl name="fgAcc3">
+    <dgm:fillClrLst meth="repeat">
+      <a:schemeClr val="lt1">
+        <a:alpha val="90000"/>
+      </a:schemeClr>
+    </dgm:fillClrLst>
+    <dgm:linClrLst meth="repeat">
+      <a:schemeClr val="accent1"/>
+    </dgm:linClrLst>
+    <dgm:effectClrLst/>
+    <dgm:txLinClrLst/>
+    <dgm:txFillClrLst meth="repeat">
+      <a:schemeClr val="dk1"/>
+    </dgm:txFillClrLst>
+    <dgm:txEffectClrLst/>
+  </dgm:styleLbl>
+  <dgm:styleLbl name="fgAcc4">
+    <dgm:fillClrLst meth="repeat">
+      <a:schemeClr val="lt1">
+        <a:alpha val="90000"/>
+      </a:schemeClr>
+    </dgm:fillClrLst>
+    <dgm:linClrLst meth="repeat">
+      <a:schemeClr val="accent1"/>
+    </dgm:linClrLst>
+    <dgm:effectClrLst/>
+    <dgm:txLinClrLst/>
+    <dgm:txFillClrLst meth="repeat">
+      <a:schemeClr val="dk1"/>
+    </dgm:txFillClrLst>
+    <dgm:txEffectClrLst/>
+  </dgm:styleLbl>
+  <dgm:styleLbl name="fgAccFollowNode1">
+    <dgm:fillClrLst meth="repeat">
+      <a:schemeClr val="accent1">
+        <a:alpha val="90000"/>
+        <a:tint val="40000"/>
+      </a:schemeClr>
+    </dgm:fillClrLst>
+    <dgm:linClrLst meth="repeat">
+      <a:schemeClr val="accent1">
+        <a:alpha val="90000"/>
+        <a:tint val="40000"/>
+      </a:schemeClr>
+    </dgm:linClrLst>
+    <dgm:effectClrLst/>
+    <dgm:txLinClrLst/>
+    <dgm:txFillClrLst meth="repeat">
+      <a:schemeClr val="dk1"/>
+    </dgm:txFillClrLst>
+    <dgm:txEffectClrLst/>
+  </dgm:styleLbl>
+  <dgm:styleLbl name="fgImgPlace1">
+    <dgm:fillClrLst meth="repeat">
+      <a:schemeClr val="accent1">
+        <a:tint val="50000"/>
+      </a:schemeClr>
+    </dgm:fillClrLst>
+    <dgm:linClrLst meth="repeat">
+      <a:schemeClr val="lt1"/>
+    </dgm:linClrLst>
+    <dgm:effectClrLst/>
+    <dgm:txLinClrLst/>
+    <dgm:txFillClrLst meth="repeat">
+      <a:schemeClr val="lt1"/>
+    </dgm:txFillClrLst>
+    <dgm:txEffectClrLst/>
+  </dgm:styleLbl>
+  <dgm:styleLbl name="fgShp">
+    <dgm:fillClrLst meth="repeat">
+      <a:schemeClr val="accent1">
+        <a:tint val="60000"/>
+      </a:schemeClr>
+    </dgm:fillClrLst>
+    <dgm:linClrLst meth="repeat">
+      <a:schemeClr val="lt1"/>
+    </dgm:linClrLst>
+    <dgm:effectClrLst/>
+    <dgm:txLinClrLst/>
+    <dgm:txFillClrLst meth="repeat">
+      <a:schemeClr val="dk1"/>
+    </dgm:txFillClrLst>
+    <dgm:txEffectClrLst/>
+  </dgm:styleLbl>
+  <dgm:styleLbl name="fgSibTrans2D1">
+    <dgm:fillClrLst meth="repeat">
+      <a:schemeClr val="accent1">
+        <a:tint val="60000"/>
+      </a:schemeClr>
+    </dgm:fillClrLst>
+    <dgm:linClrLst meth="repeat">
+      <a:schemeClr val="accent1">
+        <a:tint val="60000"/>
+      </a:schemeClr>
+    </dgm:linClrLst>
+    <dgm:effectClrLst/>
+    <dgm:txLinClrLst/>
+    <dgm:txFillClrLst/>
+    <dgm:txEffectClrLst/>
+  </dgm:styleLbl>
+  <dgm:styleLbl name="lnNode1">
+    <dgm:fillClrLst meth="repeat">
+      <a:schemeClr val="accent1"/>
+    </dgm:fillClrLst>
+    <dgm:linClrLst meth="repeat">
+      <a:schemeClr val="lt1"/>
+    </dgm:linClrLst>
+    <dgm:effectClrLst/>
+    <dgm:txLinClrLst/>
+    <dgm:txFillClrLst/>
+    <dgm:txEffectClrLst/>
+  </dgm:styleLbl>
+  <dgm:styleLbl name="node0">
+    <dgm:fillClrLst meth="repeat">
+      <a:schemeClr val="accent1"/>
+    </dgm:fillClrLst>
+    <dgm:linClrLst meth="repeat">
+      <a:schemeClr val="lt1"/>
+    </dgm:linClrLst>
+    <dgm:effectClrLst/>
+    <dgm:txLinClrLst/>
+    <dgm:txFillClrLst/>
+    <dgm:txEffectClrLst/>
+  </dgm:styleLbl>
+  <dgm:styleLbl name="node1">
+    <dgm:fillClrLst meth="repeat">
+      <a:schemeClr val="accent1"/>
+    </dgm:fillClrLst>
+    <dgm:linClrLst meth="repeat">
+      <a:schemeClr val="lt1"/>
+    </dgm:linClrLst>
+    <dgm:effectClrLst/>
+    <dgm:txLinClrLst/>
+    <dgm:txFillClrLst/>
+    <dgm:txEffectClrLst/>
+  </dgm:styleLbl>
+  <dgm:styleLbl name="node2">
+    <dgm:fillClrLst meth="repeat">
+      <a:schemeClr val="accent1"/>
+    </dgm:fillClrLst>
+    <dgm:linClrLst meth="repeat">
+      <a:schemeClr val="lt1"/>
+    </dgm:linClrLst>
+    <dgm:effectClrLst/>
+    <dgm:txLinClrLst/>
+    <dgm:txFillClrLst/>
+    <dgm:txEffectClrLst/>
+  </dgm:styleLbl>
+  <dgm:styleLbl name="node3">
+    <dgm:fillClrLst meth="repeat">
+      <a:schemeClr val="accent1"/>
+    </dgm:fillClrLst>
+    <dgm:linClrLst meth="repeat">
+      <a:schemeClr val="lt1"/>
+    </dgm:linClrLst>
+    <dgm:effectClrLst/>
+    <dgm:txLinClrLst/>
+    <dgm:txFillClrLst/>
+    <dgm:txEffectClrLst/>
+  </dgm:styleLbl>
+  <dgm:styleLbl name="node4">
+    <dgm:fillClrLst meth="repeat">
+      <a:schemeClr val="accent1"/>
+    </dgm:fillClrLst>
+    <dgm:linClrLst meth="repeat">
+      <a:schemeClr val="lt1"/>
+    </dgm:linClrLst>
+    <dgm:effectClrLst/>
+    <dgm:txLinClrLst/>
+    <dgm:txFillClrLst/>
+    <dgm:txEffectClrLst/>
+  </dgm:styleLbl>
+  <dgm:styleLbl name="parChTrans1D1">
+    <dgm:fillClrLst meth="repeat">
+      <a:schemeClr val="accent1"/>
+    </dgm:fillClrLst>
+    <dgm:linClrLst meth="repeat">
+      <a:schemeClr val="accent1">
+        <a:shade val="60000"/>
+      </a:schemeClr>
+    </dgm:linClrLst>
+    <dgm:effectClrLst/>
+    <dgm:txLinClrLst/>
+    <dgm:txFillClrLst meth="repeat">
+      <a:schemeClr val="tx1"/>
+    </dgm:txFillClrLst>
+    <dgm:txEffectClrLst/>
+  </dgm:styleLbl>
+  <dgm:styleLbl name="parChTrans1D2">
+    <dgm:fillClrLst meth="repeat">
+      <a:schemeClr val="accent1"/>
+    </dgm:fillClrLst>
+    <dgm:linClrLst meth="repeat">
+      <a:schemeClr val="accent1">
+        <a:shade val="60000"/>
+      </a:schemeClr>
+    </dgm:linClrLst>
+    <dgm:effectClrLst/>
+    <dgm:txLinClrLst/>
+    <dgm:txFillClrLst meth="repeat">
+      <a:schemeClr val="tx1"/>
+    </dgm:txFillClrLst>
+    <dgm:txEffectClrLst/>
+  </dgm:styleLbl>
+  <dgm:styleLbl name="parChTrans1D3">
+    <dgm:fillClrLst meth="repeat">
+      <a:schemeClr val="accent1"/>
+    </dgm:fillClrLst>
+    <dgm:linClrLst meth="repeat">
+      <a:schemeClr val="accent1">
+        <a:shade val="80000"/>
+      </a:schemeClr>
+    </dgm:linClrLst>
+    <dgm:effectClrLst/>
+    <dgm:txLinClrLst/>
+    <dgm:txFillClrLst meth="repeat">
+      <a:schemeClr val="tx1"/>
+    </dgm:txFillClrLst>
+    <dgm:txEffectClrLst/>
+  </dgm:styleLbl>
+  <dgm:styleLbl name="parChTrans1D4">
+    <dgm:fillClrLst meth="repeat">
+      <a:schemeClr val="accent1"/>
+    </dgm:fillClrLst>
+    <dgm:linClrLst meth="repeat">
+      <a:schemeClr val="accent1">
+        <a:shade val="80000"/>
+      </a:schemeClr>
+    </dgm:linClrLst>
+    <dgm:effectClrLst/>
+    <dgm:txLinClrLst/>
+    <dgm:txFillClrLst meth="repeat">
+      <a:schemeClr val="tx1"/>
+    </dgm:txFillClrLst>
+    <dgm:txEffectClrLst/>
+  </dgm:styleLbl>
+  <dgm:styleLbl name="parChTrans2D1">
+    <dgm:fillClrLst meth="repeat">
+      <a:schemeClr val="accent1">
+        <a:tint val="60000"/>
+      </a:schemeClr>
+    </dgm:fillClrLst>
+    <dgm:linClrLst meth="repeat">
+      <a:schemeClr val="accent1">
+        <a:tint val="60000"/>
+      </a:schemeClr>
+    </dgm:linClrLst>
+    <dgm:effectClrLst/>
+    <dgm:txLinClrLst/>
+    <dgm:txFillClrLst meth="repeat">
+      <a:schemeClr val="lt1"/>
+    </dgm:txFillClrLst>
+    <dgm:txEffectClrLst/>
+  </dgm:styleLbl>
+  <dgm:styleLbl name="parChTrans2D2">
+    <dgm:fillClrLst meth="repeat">
+      <a:schemeClr val="accent1"/>
+    </dgm:fillClrLst>
+    <dgm:linClrLst meth="repeat">
+      <a:schemeClr val="accent1"/>
+    </dgm:linClrLst>
+    <dgm:effectClrLst/>
+    <dgm:txLinClrLst/>
+    <dgm:txFillClrLst meth="repeat">
+      <a:schemeClr val="lt1"/>
+    </dgm:txFillClrLst>
+    <dgm:txEffectClrLst/>
+  </dgm:styleLbl>
+  <dgm:styleLbl name="parChTrans2D3">
+    <dgm:fillClrLst meth="repeat">
+      <a:schemeClr val="accent1"/>
+    </dgm:fillClrLst>
+    <dgm:linClrLst meth="repeat">
+      <a:schemeClr val="accent1"/>
+    </dgm:linClrLst>
+    <dgm:effectClrLst/>
+    <dgm:txLinClrLst/>
+    <dgm:txFillClrLst meth="repeat">
+      <a:schemeClr val="lt1"/>
+    </dgm:txFillClrLst>
+    <dgm:txEffectClrLst/>
+  </dgm:styleLbl>
+  <dgm:styleLbl name="parChTrans2D4">
+    <dgm:fillClrLst meth="repeat">
+      <a:schemeClr val="accent1"/>
+    </dgm:fillClrLst>
+    <dgm:linClrLst meth="repeat">
+      <a:schemeClr val="accent1"/>
+    </dgm:linClrLst>
+    <dgm:effectClrLst/>
+    <dgm:txLinClrLst/>
+    <dgm:txFillClrLst meth="repeat">
+      <a:schemeClr val="lt1"/>
+    </dgm:txFillClrLst>
+    <dgm:txEffectClrLst/>
+  </dgm:styleLbl>
+  <dgm:styleLbl name="revTx">
+    <dgm:fillClrLst meth="repeat">
+      <a:schemeClr val="lt1">
+        <a:alpha val="0"/>
+      </a:schemeClr>
+    </dgm:fillClrLst>
+    <dgm:linClrLst meth="repeat">
+      <a:schemeClr val="dk1">
+        <a:alpha val="0"/>
+      </a:schemeClr>
+    </dgm:linClrLst>
+    <dgm:effectClrLst/>
+    <dgm:txLinClrLst/>
+    <dgm:txFillClrLst meth="repeat">
+      <a:schemeClr val="tx1"/>
+    </dgm:txFillClrLst>
+    <dgm:txEffectClrLst/>
+  </dgm:styleLbl>
+  <dgm:styleLbl name="sibTrans1D1">
+    <dgm:fillClrLst meth="repeat">
+      <a:schemeClr val="accent1"/>
+    </dgm:fillClrLst>
+    <dgm:linClrLst meth="repeat">
+      <a:schemeClr val="accent1"/>
+    </dgm:linClrLst>
+    <dgm:effectClrLst/>
+    <dgm:txLinClrLst/>
+    <dgm:txFillClrLst meth="repeat">
+      <a:schemeClr val="tx1"/>
+    </dgm:txFillClrLst>
+    <dgm:txEffectClrLst/>
+  </dgm:styleLbl>
+  <dgm:styleLbl name="sibTrans2D1">
+    <dgm:fillClrLst meth="repeat">
+      <a:schemeClr val="accent1">
+        <a:tint val="60000"/>
+      </a:schemeClr>
+    </dgm:fillClrLst>
+    <dgm:linClrLst meth="repeat">
+      <a:schemeClr val="accent1">
+        <a:tint val="60000"/>
+      </a:schemeClr>
+    </dgm:linClrLst>
+    <dgm:effectClrLst/>
+    <dgm:txLinClrLst/>
+    <dgm:txFillClrLst/>
+    <dgm:txEffectClrLst/>
+  </dgm:styleLbl>
+  <dgm:styleLbl name="solidAlignAcc1">
+    <dgm:fillClrLst meth="repeat">
+      <a:schemeClr val="lt1"/>
+    </dgm:fillClrLst>
+    <dgm:linClrLst meth="repeat">
+      <a:schemeClr val="accent1"/>
+    </dgm:linClrLst>
+    <dgm:effectClrLst/>
+    <dgm:txLinClrLst/>
+    <dgm:txFillClrLst meth="repeat">
+      <a:schemeClr val="dk1"/>
+    </dgm:txFillClrLst>
+    <dgm:txEffectClrLst/>
+  </dgm:styleLbl>
+  <dgm:styleLbl name="solidBgAcc1">
+    <dgm:fillClrLst meth="repeat">
+      <a:schemeClr val="lt1"/>
+    </dgm:fillClrLst>
+    <dgm:linClrLst meth="repeat">
+      <a:schemeClr val="accent1"/>
+    </dgm:linClrLst>
+    <dgm:effectClrLst/>
+    <dgm:txLinClrLst/>
+    <dgm:txFillClrLst meth="repeat">
+      <a:schemeClr val="dk1"/>
+    </dgm:txFillClrLst>
+    <dgm:txEffectClrLst/>
+  </dgm:styleLbl>
+  <dgm:styleLbl name="solidFgAcc1">
+    <dgm:fillClrLst meth="repeat">
+      <a:schemeClr val="lt1"/>
+    </dgm:fillClrLst>
+    <dgm:linClrLst meth="repeat">
+      <a:schemeClr val="accent1"/>
+    </dgm:linClrLst>
+    <dgm:effectClrLst/>
+    <dgm:txLinClrLst/>
+    <dgm:txFillClrLst meth="repeat">
+      <a:schemeClr val="dk1"/>
+    </dgm:txFillClrLst>
+    <dgm:txEffectClrLst/>
+  </dgm:styleLbl>
+  <dgm:styleLbl name="trAlignAcc1">
+    <dgm:fillClrLst meth="repeat">
+      <a:schemeClr val="lt1">
+        <a:alpha val="40000"/>
+      </a:schemeClr>
+    </dgm:fillClrLst>
+    <dgm:linClrLst meth="repeat">
+      <a:schemeClr val="accent1"/>
+    </dgm:linClrLst>
+    <dgm:effectClrLst/>
+    <dgm:txLinClrLst/>
+    <dgm:txFillClrLst meth="repeat">
+      <a:schemeClr val="dk1"/>
+    </dgm:txFillClrLst>
+    <dgm:txEffectClrLst/>
+  </dgm:styleLbl>
+  <dgm:styleLbl name="trBgShp">
+    <dgm:fillClrLst meth="repeat">
+      <a:schemeClr val="accent1">
+        <a:tint val="50000"/>
+        <a:alpha val="40000"/>
+      </a:schemeClr>
+    </dgm:fillClrLst>
+    <dgm:linClrLst meth="repeat">
+      <a:schemeClr val="accent1"/>
+    </dgm:linClrLst>
+    <dgm:effectClrLst/>
+    <dgm:txLinClrLst/>
+    <dgm:txFillClrLst meth="repeat">
+      <a:schemeClr val="lt1"/>
+    </dgm:txFillClrLst>
+    <dgm:txEffectClrLst/>
+  </dgm:styleLbl>
+  <dgm:styleLbl name="vennNode1">
+    <dgm:fillClrLst meth="repeat">
+      <a:schemeClr val="accent1">
+        <a:alpha val="50000"/>
+      </a:schemeClr>
+    </dgm:fillClrLst>
+    <dgm:linClrLst meth="repeat">
+      <a:schemeClr val="lt1"/>
+    </dgm:linClrLst>
+    <dgm:effectClrLst/>
+    <dgm:txLinClrLst/>
+    <dgm:txFillClrLst/>
+    <dgm:txEffectClrLst/>
+  </dgm:styleLbl>
+</dgm:colorsDef>
+</file>
+
+<file path=ppt/diagrams/colors4.xml><?xml version="1.0" encoding="utf-8"?>
 <dgm:colorsDef xmlns:dgm="http://schemas.openxmlformats.org/drawingml/2006/diagram" xmlns:a="http://schemas.openxmlformats.org/drawingml/2006/main" uniqueId="urn:microsoft.com/office/officeart/2005/8/colors/accent1_2">
   <dgm:title val=""/>
   <dgm:desc val=""/>
@@ -3477,6 +4225,292 @@
     <dgm:cxn modelId="{3D792B4A-E0F3-405F-912A-2BF1ECF4EA6D}" type="presParOf" srcId="{9CFDD5FC-64EC-4695-9D01-AB259C7EF765}" destId="{C7143304-535F-4D7E-BA7A-124DAAEF68F4}" srcOrd="3" destOrd="0" presId="urn:microsoft.com/office/officeart/2005/8/layout/venn3"/>
     <dgm:cxn modelId="{D7E91885-54DD-497F-BE96-F3644D8F8867}" type="presParOf" srcId="{9CFDD5FC-64EC-4695-9D01-AB259C7EF765}" destId="{9AA6D961-60F7-4B6F-9220-259600B8DE7B}" srcOrd="4" destOrd="0" presId="urn:microsoft.com/office/officeart/2005/8/layout/venn3"/>
     <dgm:cxn modelId="{CA505333-66F9-4FBA-AFA4-484D047FB617}" type="presOf" srcId="{99613576-2E0D-4362-84C0-CA41C5EA901B}" destId="{9AA6D961-60F7-4B6F-9220-259600B8DE7B}" srcOrd="0" destOrd="0" presId="urn:microsoft.com/office/officeart/2005/8/layout/venn3"/>
+  </dgm:cxnLst>
+  <dgm:bg/>
+  <dgm:whole/>
+  <dgm:extLst>
+    <a:ext uri="http://schemas.microsoft.com/office/drawing/2008/diagram">
+      <dsp:dataModelExt xmlns:dsp="http://schemas.microsoft.com/office/drawing/2008/diagram" relId="rId5" minVer="http://schemas.openxmlformats.org/drawingml/2006/diagram"/>
+    </a:ext>
+  </dgm:extLst>
+</dgm:dataModel>
+</file>
+
+<file path=ppt/diagrams/data4.xml><?xml version="1.0" encoding="utf-8"?>
+<dgm:dataModel xmlns:dgm="http://schemas.openxmlformats.org/drawingml/2006/diagram" xmlns:a="http://schemas.openxmlformats.org/drawingml/2006/main">
+  <dgm:ptLst>
+    <dgm:pt modelId="{26041291-D635-4BE3-AC35-AB6E1E4DD57D}" type="doc">
+      <dgm:prSet loTypeId="urn:microsoft.com/office/officeart/2005/8/layout/matrix2" loCatId="matrix" qsTypeId="urn:microsoft.com/office/officeart/2005/8/quickstyle/simple1" qsCatId="simple" csTypeId="urn:microsoft.com/office/officeart/2005/8/colors/accent1_2" csCatId="accent1" phldr="0"/>
+      <dgm:spPr/>
+      <dgm:t>
+        <a:bodyPr/>
+        <a:p>
+          <a:endParaRPr lang="en-US"/>
+        </a:p>
+      </dgm:t>
+    </dgm:pt>
+    <dgm:pt modelId="{4F093016-3D68-4793-B172-DD02F1715125}">
+      <dgm:prSet phldrT="[Text]" phldr="0" custT="0"/>
+      <dgm:spPr/>
+      <dgm:t>
+        <a:bodyPr vert="horz" wrap="square"/>
+        <a:p>
+          <a:pPr>
+            <a:lnSpc>
+              <a:spcPct val="100000"/>
+            </a:lnSpc>
+            <a:spcBef>
+              <a:spcPct val="0"/>
+            </a:spcBef>
+            <a:spcAft>
+              <a:spcPct val="35000"/>
+            </a:spcAft>
+          </a:pPr>
+          <a:r>
+            <a:rPr lang="" altLang="en-US"/>
+            <a:t>Jenis penelitian</a:t>
+          </a:r>
+          <a:endParaRPr lang="" altLang="en-US"/>
+        </a:p>
+      </dgm:t>
+    </dgm:pt>
+    <dgm:pt modelId="{FD1EE703-4776-4158-92E8-29BD072D7D38}" cxnId="{1865F739-784A-46B4-91C5-BFBFE2865D76}" type="parTrans">
+      <dgm:prSet/>
+      <dgm:spPr/>
+      <dgm:t>
+        <a:bodyPr/>
+        <a:p>
+          <a:endParaRPr lang="en-US"/>
+        </a:p>
+      </dgm:t>
+    </dgm:pt>
+    <dgm:pt modelId="{BD8698B2-45A9-4B36-9D66-470492BCADB9}" cxnId="{1865F739-784A-46B4-91C5-BFBFE2865D76}" type="sibTrans">
+      <dgm:prSet/>
+      <dgm:spPr/>
+      <dgm:t>
+        <a:bodyPr/>
+        <a:p>
+          <a:endParaRPr lang="en-US"/>
+        </a:p>
+      </dgm:t>
+    </dgm:pt>
+    <dgm:pt modelId="{66B58038-7E39-4350-97EE-BC50B1C2BADD}">
+      <dgm:prSet phldrT="[Text]" phldr="0" custT="0"/>
+      <dgm:spPr/>
+      <dgm:t>
+        <a:bodyPr vert="horz" wrap="square"/>
+        <a:p>
+          <a:pPr>
+            <a:lnSpc>
+              <a:spcPct val="100000"/>
+            </a:lnSpc>
+            <a:spcBef>
+              <a:spcPct val="0"/>
+            </a:spcBef>
+            <a:spcAft>
+              <a:spcPct val="35000"/>
+            </a:spcAft>
+          </a:pPr>
+          <a:r>
+            <a:rPr lang="" altLang="en-US"/>
+            <a:t>Identifikasi variabel</a:t>
+          </a:r>
+          <a:r>
+            <a:rPr lang="" altLang="en-US"/>
+            <a:t/>
+          </a:r>
+          <a:endParaRPr lang="" altLang="en-US"/>
+        </a:p>
+      </dgm:t>
+    </dgm:pt>
+    <dgm:pt modelId="{63C89DD2-0104-4FBC-BAC0-619DFC355632}" cxnId="{3A2B5CF3-CFE6-4E6E-87BB-56DB61FBCDBE}" type="parTrans">
+      <dgm:prSet/>
+      <dgm:spPr/>
+      <dgm:t>
+        <a:bodyPr/>
+        <a:p>
+          <a:endParaRPr lang="en-US"/>
+        </a:p>
+      </dgm:t>
+    </dgm:pt>
+    <dgm:pt modelId="{8340A1C5-6FE6-47AE-979C-5FC207462CC7}" cxnId="{3A2B5CF3-CFE6-4E6E-87BB-56DB61FBCDBE}" type="sibTrans">
+      <dgm:prSet/>
+      <dgm:spPr/>
+      <dgm:t>
+        <a:bodyPr/>
+        <a:p>
+          <a:endParaRPr lang="en-US"/>
+        </a:p>
+      </dgm:t>
+    </dgm:pt>
+    <dgm:pt modelId="{8FBAB7DD-7892-49B8-A1A8-3FECC1DB42AD}">
+      <dgm:prSet phldrT="[Text]" phldr="0" custT="0"/>
+      <dgm:spPr/>
+      <dgm:t>
+        <a:bodyPr vert="horz" wrap="square"/>
+        <a:p>
+          <a:pPr>
+            <a:lnSpc>
+              <a:spcPct val="100000"/>
+            </a:lnSpc>
+            <a:spcBef>
+              <a:spcPct val="0"/>
+            </a:spcBef>
+            <a:spcAft>
+              <a:spcPct val="35000"/>
+            </a:spcAft>
+          </a:pPr>
+          <a:r>
+            <a:rPr lang="" altLang="en-US"/>
+            <a:t>Populasi</a:t>
+          </a:r>
+          <a:r>
+            <a:rPr lang="" altLang="en-US"/>
+            <a:t/>
+          </a:r>
+          <a:endParaRPr lang="" altLang="en-US"/>
+        </a:p>
+      </dgm:t>
+    </dgm:pt>
+    <dgm:pt modelId="{C6DDC852-4F81-44A2-8AA2-2C6074A1BB00}" cxnId="{10F0D04C-BBEF-4B9C-95E7-25786A49279E}" type="parTrans">
+      <dgm:prSet/>
+      <dgm:spPr/>
+      <dgm:t>
+        <a:bodyPr/>
+        <a:p>
+          <a:endParaRPr lang="en-US"/>
+        </a:p>
+      </dgm:t>
+    </dgm:pt>
+    <dgm:pt modelId="{1B451D25-6E72-422E-89FF-100EC983836D}" cxnId="{10F0D04C-BBEF-4B9C-95E7-25786A49279E}" type="sibTrans">
+      <dgm:prSet/>
+      <dgm:spPr/>
+      <dgm:t>
+        <a:bodyPr/>
+        <a:p>
+          <a:endParaRPr lang="en-US"/>
+        </a:p>
+      </dgm:t>
+    </dgm:pt>
+    <dgm:pt modelId="{D53F752B-610F-429D-A472-9101931EE029}">
+      <dgm:prSet phldrT="[Text]" phldr="0" custT="0"/>
+      <dgm:spPr/>
+      <dgm:t>
+        <a:bodyPr vert="horz" wrap="square"/>
+        <a:p>
+          <a:pPr>
+            <a:lnSpc>
+              <a:spcPct val="100000"/>
+            </a:lnSpc>
+            <a:spcBef>
+              <a:spcPct val="0"/>
+            </a:spcBef>
+            <a:spcAft>
+              <a:spcPct val="35000"/>
+            </a:spcAft>
+          </a:pPr>
+          <a:r>
+            <a:rPr lang="" altLang="en-US"/>
+            <a:t>Sampel</a:t>
+          </a:r>
+          <a:r>
+            <a:rPr lang="" altLang="en-US"/>
+            <a:t/>
+          </a:r>
+          <a:endParaRPr lang="" altLang="en-US"/>
+        </a:p>
+      </dgm:t>
+    </dgm:pt>
+    <dgm:pt modelId="{015AB307-BE2E-4D9C-AB71-C46979A3E022}" cxnId="{648B8A58-3865-4EBD-8E95-F7469E1DB257}" type="parTrans">
+      <dgm:prSet/>
+      <dgm:spPr/>
+      <dgm:t>
+        <a:bodyPr/>
+        <a:p>
+          <a:endParaRPr lang="en-US"/>
+        </a:p>
+      </dgm:t>
+    </dgm:pt>
+    <dgm:pt modelId="{EA505F1C-9A9F-4E78-81A0-992A7B10F592}" cxnId="{648B8A58-3865-4EBD-8E95-F7469E1DB257}" type="sibTrans">
+      <dgm:prSet/>
+      <dgm:spPr/>
+      <dgm:t>
+        <a:bodyPr/>
+        <a:p>
+          <a:endParaRPr lang="en-US"/>
+        </a:p>
+      </dgm:t>
+    </dgm:pt>
+    <dgm:pt modelId="{1452221C-C0D0-436E-B600-CF1715C402B1}" type="pres">
+      <dgm:prSet presAssocID="{26041291-D635-4BE3-AC35-AB6E1E4DD57D}" presName="matrix" presStyleCnt="0">
+        <dgm:presLayoutVars>
+          <dgm:chMax val="1"/>
+          <dgm:dir/>
+          <dgm:resizeHandles val="exact"/>
+        </dgm:presLayoutVars>
+      </dgm:prSet>
+      <dgm:spPr/>
+    </dgm:pt>
+    <dgm:pt modelId="{D7380329-DE0D-4E75-BDE5-FECB49DD4A0C}" type="pres">
+      <dgm:prSet presAssocID="{26041291-D635-4BE3-AC35-AB6E1E4DD57D}" presName="axisShape" presStyleLbl="bgShp" presStyleIdx="0" presStyleCnt="1"/>
+      <dgm:spPr/>
+    </dgm:pt>
+    <dgm:pt modelId="{B57255DA-6BEB-4C3A-A336-08DFB6A44E0E}" type="pres">
+      <dgm:prSet presAssocID="{26041291-D635-4BE3-AC35-AB6E1E4DD57D}" presName="rect1" presStyleLbl="node1" presStyleIdx="0" presStyleCnt="4">
+        <dgm:presLayoutVars>
+          <dgm:chMax val="0"/>
+          <dgm:chPref val="0"/>
+          <dgm:bulletEnabled val="1"/>
+        </dgm:presLayoutVars>
+      </dgm:prSet>
+      <dgm:spPr/>
+    </dgm:pt>
+    <dgm:pt modelId="{D33864A5-2930-4565-8D60-52D0BFA1CD67}" type="pres">
+      <dgm:prSet presAssocID="{26041291-D635-4BE3-AC35-AB6E1E4DD57D}" presName="rect2" presStyleLbl="node1" presStyleIdx="1" presStyleCnt="4">
+        <dgm:presLayoutVars>
+          <dgm:chMax val="0"/>
+          <dgm:chPref val="0"/>
+          <dgm:bulletEnabled val="1"/>
+        </dgm:presLayoutVars>
+      </dgm:prSet>
+      <dgm:spPr/>
+    </dgm:pt>
+    <dgm:pt modelId="{7E4CFBEB-CAD6-4093-9908-0A80DECB2C27}" type="pres">
+      <dgm:prSet presAssocID="{26041291-D635-4BE3-AC35-AB6E1E4DD57D}" presName="rect3" presStyleLbl="node1" presStyleIdx="2" presStyleCnt="4">
+        <dgm:presLayoutVars>
+          <dgm:chMax val="0"/>
+          <dgm:chPref val="0"/>
+          <dgm:bulletEnabled val="1"/>
+        </dgm:presLayoutVars>
+      </dgm:prSet>
+      <dgm:spPr/>
+    </dgm:pt>
+    <dgm:pt modelId="{3D576F72-6C28-484D-8F59-FD8FE8BD531D}" type="pres">
+      <dgm:prSet presAssocID="{26041291-D635-4BE3-AC35-AB6E1E4DD57D}" presName="rect4" presStyleLbl="node1" presStyleIdx="3" presStyleCnt="4">
+        <dgm:presLayoutVars>
+          <dgm:chMax val="0"/>
+          <dgm:chPref val="0"/>
+          <dgm:bulletEnabled val="1"/>
+        </dgm:presLayoutVars>
+      </dgm:prSet>
+      <dgm:spPr/>
+    </dgm:pt>
+  </dgm:ptLst>
+  <dgm:cxnLst>
+    <dgm:cxn modelId="{1865F739-784A-46B4-91C5-BFBFE2865D76}" srcId="{26041291-D635-4BE3-AC35-AB6E1E4DD57D}" destId="{4F093016-3D68-4793-B172-DD02F1715125}" srcOrd="0" destOrd="0" parTransId="{FD1EE703-4776-4158-92E8-29BD072D7D38}" sibTransId="{BD8698B2-45A9-4B36-9D66-470492BCADB9}"/>
+    <dgm:cxn modelId="{3A2B5CF3-CFE6-4E6E-87BB-56DB61FBCDBE}" srcId="{26041291-D635-4BE3-AC35-AB6E1E4DD57D}" destId="{66B58038-7E39-4350-97EE-BC50B1C2BADD}" srcOrd="1" destOrd="0" parTransId="{63C89DD2-0104-4FBC-BAC0-619DFC355632}" sibTransId="{8340A1C5-6FE6-47AE-979C-5FC207462CC7}"/>
+    <dgm:cxn modelId="{10F0D04C-BBEF-4B9C-95E7-25786A49279E}" srcId="{26041291-D635-4BE3-AC35-AB6E1E4DD57D}" destId="{8FBAB7DD-7892-49B8-A1A8-3FECC1DB42AD}" srcOrd="2" destOrd="0" parTransId="{C6DDC852-4F81-44A2-8AA2-2C6074A1BB00}" sibTransId="{1B451D25-6E72-422E-89FF-100EC983836D}"/>
+    <dgm:cxn modelId="{648B8A58-3865-4EBD-8E95-F7469E1DB257}" srcId="{26041291-D635-4BE3-AC35-AB6E1E4DD57D}" destId="{D53F752B-610F-429D-A472-9101931EE029}" srcOrd="3" destOrd="0" parTransId="{015AB307-BE2E-4D9C-AB71-C46979A3E022}" sibTransId="{EA505F1C-9A9F-4E78-81A0-992A7B10F592}"/>
+    <dgm:cxn modelId="{CA13DB85-056F-4892-BC0C-21E7D15D2BF1}" type="presOf" srcId="{26041291-D635-4BE3-AC35-AB6E1E4DD57D}" destId="{1452221C-C0D0-436E-B600-CF1715C402B1}" srcOrd="0" destOrd="0" presId="urn:microsoft.com/office/officeart/2005/8/layout/matrix2"/>
+    <dgm:cxn modelId="{F81F738F-0C36-4883-A74C-DDAAF3BC829D}" type="presParOf" srcId="{1452221C-C0D0-436E-B600-CF1715C402B1}" destId="{D7380329-DE0D-4E75-BDE5-FECB49DD4A0C}" srcOrd="0" destOrd="0" presId="urn:microsoft.com/office/officeart/2005/8/layout/matrix2"/>
+    <dgm:cxn modelId="{FF9783F9-47F5-4F96-9070-40CEAB72B574}" type="presParOf" srcId="{1452221C-C0D0-436E-B600-CF1715C402B1}" destId="{B57255DA-6BEB-4C3A-A336-08DFB6A44E0E}" srcOrd="1" destOrd="0" presId="urn:microsoft.com/office/officeart/2005/8/layout/matrix2"/>
+    <dgm:cxn modelId="{DBA1CE32-B8AC-4E70-8910-3CBFA54500ED}" type="presOf" srcId="{4F093016-3D68-4793-B172-DD02F1715125}" destId="{B57255DA-6BEB-4C3A-A336-08DFB6A44E0E}" srcOrd="0" destOrd="0" presId="urn:microsoft.com/office/officeart/2005/8/layout/matrix2"/>
+    <dgm:cxn modelId="{42F9A241-5BD6-4FA1-AF3F-08D8466D7D34}" type="presParOf" srcId="{1452221C-C0D0-436E-B600-CF1715C402B1}" destId="{D33864A5-2930-4565-8D60-52D0BFA1CD67}" srcOrd="2" destOrd="0" presId="urn:microsoft.com/office/officeart/2005/8/layout/matrix2"/>
+    <dgm:cxn modelId="{283D5573-928A-42AB-A810-77190D018BD1}" type="presOf" srcId="{66B58038-7E39-4350-97EE-BC50B1C2BADD}" destId="{D33864A5-2930-4565-8D60-52D0BFA1CD67}" srcOrd="0" destOrd="0" presId="urn:microsoft.com/office/officeart/2005/8/layout/matrix2"/>
+    <dgm:cxn modelId="{C6C0ADF6-3D37-443F-9568-FB7B3102C3A6}" type="presParOf" srcId="{1452221C-C0D0-436E-B600-CF1715C402B1}" destId="{7E4CFBEB-CAD6-4093-9908-0A80DECB2C27}" srcOrd="3" destOrd="0" presId="urn:microsoft.com/office/officeart/2005/8/layout/matrix2"/>
+    <dgm:cxn modelId="{9CC8E24F-3BE4-432B-8AF2-1036738A0A63}" type="presOf" srcId="{8FBAB7DD-7892-49B8-A1A8-3FECC1DB42AD}" destId="{7E4CFBEB-CAD6-4093-9908-0A80DECB2C27}" srcOrd="0" destOrd="0" presId="urn:microsoft.com/office/officeart/2005/8/layout/matrix2"/>
+    <dgm:cxn modelId="{F47CD26A-5A78-4ECE-B47A-649C8FAAD5ED}" type="presParOf" srcId="{1452221C-C0D0-436E-B600-CF1715C402B1}" destId="{3D576F72-6C28-484D-8F59-FD8FE8BD531D}" srcOrd="4" destOrd="0" presId="urn:microsoft.com/office/officeart/2005/8/layout/matrix2"/>
+    <dgm:cxn modelId="{B98DB470-D710-4287-8294-23A7B8E147EB}" type="presOf" srcId="{D53F752B-610F-429D-A472-9101931EE029}" destId="{3D576F72-6C28-484D-8F59-FD8FE8BD531D}" srcOrd="0" destOrd="0" presId="urn:microsoft.com/office/officeart/2005/8/layout/matrix2"/>
   </dgm:cxnLst>
   <dgm:bg/>
   <dgm:whole/>
@@ -4843,6 +5877,394 @@
 </dsp:drawing>
 </file>
 
+<file path=ppt/diagrams/drawing4.xml><?xml version="1.0" encoding="utf-8"?>
+<dsp:drawing xmlns:dgm="http://schemas.openxmlformats.org/drawingml/2006/diagram" xmlns:dsp="http://schemas.microsoft.com/office/drawing/2008/diagram" xmlns:a="http://schemas.openxmlformats.org/drawingml/2006/main" xmlns:r="http://schemas.openxmlformats.org/officeDocument/2006/relationships">
+  <dsp:spTree>
+    <dsp:nvGrpSpPr>
+      <dsp:cNvPr id="2" name="Group 1"/>
+      <dsp:cNvGrpSpPr/>
+    </dsp:nvGrpSpPr>
+    <dsp:grpSpPr>
+      <a:xfrm>
+        <a:off x="0" y="0"/>
+        <a:ext cx="3904615" cy="3904615"/>
+        <a:chOff x="0" y="0"/>
+        <a:chExt cx="3904615" cy="3904615"/>
+      </a:xfrm>
+    </dsp:grpSpPr>
+    <dsp:sp modelId="{D7380329-DE0D-4E75-BDE5-FECB49DD4A0C}">
+      <dsp:nvSpPr>
+        <dsp:cNvPr id="3" name="Quad Arrow 2"/>
+        <dsp:cNvSpPr/>
+      </dsp:nvSpPr>
+      <dsp:spPr bwMode="white">
+        <a:xfrm>
+          <a:off x="975995" y="0"/>
+          <a:ext cx="3904615" cy="3904615"/>
+        </a:xfrm>
+        <a:prstGeom prst="quadArrow">
+          <a:avLst>
+            <a:gd name="adj1" fmla="val 2000"/>
+            <a:gd name="adj2" fmla="val 4000"/>
+            <a:gd name="adj3" fmla="val 5000"/>
+          </a:avLst>
+        </a:prstGeom>
+      </dsp:spPr>
+      <dsp:style>
+        <a:lnRef idx="0">
+          <a:schemeClr val="accent1"/>
+        </a:lnRef>
+        <a:fillRef idx="1">
+          <a:schemeClr val="accent1">
+            <a:tint val="40000"/>
+          </a:schemeClr>
+        </a:fillRef>
+        <a:effectRef idx="0">
+          <a:scrgbClr r="0" g="0" b="0"/>
+        </a:effectRef>
+        <a:fontRef idx="minor"/>
+      </dsp:style>
+      <dsp:txXfrm>
+        <a:off x="975995" y="0"/>
+        <a:ext cx="3904615" cy="3904615"/>
+      </dsp:txXfrm>
+    </dsp:sp>
+    <dsp:sp modelId="{B57255DA-6BEB-4C3A-A336-08DFB6A44E0E}">
+      <dsp:nvSpPr>
+        <dsp:cNvPr id="4" name="Rounded Rectangle 3"/>
+        <dsp:cNvSpPr/>
+      </dsp:nvSpPr>
+      <dsp:spPr bwMode="white">
+        <a:xfrm>
+          <a:off x="1229795" y="253800"/>
+          <a:ext cx="1561846" cy="1561846"/>
+        </a:xfrm>
+        <a:prstGeom prst="roundRect">
+          <a:avLst/>
+        </a:prstGeom>
+      </dsp:spPr>
+      <dsp:style>
+        <a:lnRef idx="2">
+          <a:schemeClr val="lt1"/>
+        </a:lnRef>
+        <a:fillRef idx="1">
+          <a:schemeClr val="accent1"/>
+        </a:fillRef>
+        <a:effectRef idx="0">
+          <a:scrgbClr r="0" g="0" b="0"/>
+        </a:effectRef>
+        <a:fontRef idx="minor">
+          <a:schemeClr val="lt1"/>
+        </a:fontRef>
+      </dsp:style>
+      <dsp:txBody>
+        <a:bodyPr vert="horz" wrap="square" lIns="76200" tIns="76200" rIns="76200" bIns="76200" anchor="ctr"/>
+        <a:lstStyle>
+          <a:lvl1pPr algn="ctr">
+            <a:defRPr sz="2000"/>
+          </a:lvl1pPr>
+          <a:lvl2pPr marL="114300" indent="-114300" algn="ctr">
+            <a:defRPr sz="1500"/>
+          </a:lvl2pPr>
+          <a:lvl3pPr marL="228600" indent="-114300" algn="ctr">
+            <a:defRPr sz="1500"/>
+          </a:lvl3pPr>
+          <a:lvl4pPr marL="342900" indent="-114300" algn="ctr">
+            <a:defRPr sz="1500"/>
+          </a:lvl4pPr>
+          <a:lvl5pPr marL="457200" indent="-114300" algn="ctr">
+            <a:defRPr sz="1500"/>
+          </a:lvl5pPr>
+          <a:lvl6pPr marL="571500" indent="-114300" algn="ctr">
+            <a:defRPr sz="1500"/>
+          </a:lvl6pPr>
+          <a:lvl7pPr marL="685800" indent="-114300" algn="ctr">
+            <a:defRPr sz="1500"/>
+          </a:lvl7pPr>
+          <a:lvl8pPr marL="800100" indent="-114300" algn="ctr">
+            <a:defRPr sz="1500"/>
+          </a:lvl8pPr>
+          <a:lvl9pPr marL="914400" indent="-114300" algn="ctr">
+            <a:defRPr sz="1500"/>
+          </a:lvl9pPr>
+        </a:lstStyle>
+        <a:p>
+          <a:pPr lvl="0">
+            <a:lnSpc>
+              <a:spcPct val="100000"/>
+            </a:lnSpc>
+            <a:spcBef>
+              <a:spcPct val="0"/>
+            </a:spcBef>
+            <a:spcAft>
+              <a:spcPct val="35000"/>
+            </a:spcAft>
+          </a:pPr>
+          <a:r>
+            <a:rPr lang="" altLang="en-US"/>
+            <a:t>Jenis penelitian</a:t>
+          </a:r>
+          <a:endParaRPr lang="" altLang="en-US"/>
+        </a:p>
+      </dsp:txBody>
+      <dsp:txXfrm>
+        <a:off x="1229795" y="253800"/>
+        <a:ext cx="1561846" cy="1561846"/>
+      </dsp:txXfrm>
+    </dsp:sp>
+    <dsp:sp modelId="{D33864A5-2930-4565-8D60-52D0BFA1CD67}">
+      <dsp:nvSpPr>
+        <dsp:cNvPr id="5" name="Rounded Rectangle 4"/>
+        <dsp:cNvSpPr/>
+      </dsp:nvSpPr>
+      <dsp:spPr bwMode="white">
+        <a:xfrm>
+          <a:off x="3064964" y="253800"/>
+          <a:ext cx="1561846" cy="1561846"/>
+        </a:xfrm>
+        <a:prstGeom prst="roundRect">
+          <a:avLst/>
+        </a:prstGeom>
+      </dsp:spPr>
+      <dsp:style>
+        <a:lnRef idx="2">
+          <a:schemeClr val="lt1"/>
+        </a:lnRef>
+        <a:fillRef idx="1">
+          <a:schemeClr val="accent1"/>
+        </a:fillRef>
+        <a:effectRef idx="0">
+          <a:scrgbClr r="0" g="0" b="0"/>
+        </a:effectRef>
+        <a:fontRef idx="minor">
+          <a:schemeClr val="lt1"/>
+        </a:fontRef>
+      </dsp:style>
+      <dsp:txBody>
+        <a:bodyPr vert="horz" wrap="square" lIns="76200" tIns="76200" rIns="76200" bIns="76200" anchor="ctr"/>
+        <a:lstStyle>
+          <a:lvl1pPr algn="ctr">
+            <a:defRPr sz="2000"/>
+          </a:lvl1pPr>
+          <a:lvl2pPr marL="114300" indent="-114300" algn="ctr">
+            <a:defRPr sz="1500"/>
+          </a:lvl2pPr>
+          <a:lvl3pPr marL="228600" indent="-114300" algn="ctr">
+            <a:defRPr sz="1500"/>
+          </a:lvl3pPr>
+          <a:lvl4pPr marL="342900" indent="-114300" algn="ctr">
+            <a:defRPr sz="1500"/>
+          </a:lvl4pPr>
+          <a:lvl5pPr marL="457200" indent="-114300" algn="ctr">
+            <a:defRPr sz="1500"/>
+          </a:lvl5pPr>
+          <a:lvl6pPr marL="571500" indent="-114300" algn="ctr">
+            <a:defRPr sz="1500"/>
+          </a:lvl6pPr>
+          <a:lvl7pPr marL="685800" indent="-114300" algn="ctr">
+            <a:defRPr sz="1500"/>
+          </a:lvl7pPr>
+          <a:lvl8pPr marL="800100" indent="-114300" algn="ctr">
+            <a:defRPr sz="1500"/>
+          </a:lvl8pPr>
+          <a:lvl9pPr marL="914400" indent="-114300" algn="ctr">
+            <a:defRPr sz="1500"/>
+          </a:lvl9pPr>
+        </a:lstStyle>
+        <a:p>
+          <a:pPr lvl="0">
+            <a:lnSpc>
+              <a:spcPct val="100000"/>
+            </a:lnSpc>
+            <a:spcBef>
+              <a:spcPct val="0"/>
+            </a:spcBef>
+            <a:spcAft>
+              <a:spcPct val="35000"/>
+            </a:spcAft>
+          </a:pPr>
+          <a:r>
+            <a:rPr lang="" altLang="en-US"/>
+            <a:t>Identifikasi variabel</a:t>
+          </a:r>
+          <a:endParaRPr lang="" altLang="en-US"/>
+        </a:p>
+      </dsp:txBody>
+      <dsp:txXfrm>
+        <a:off x="3064964" y="253800"/>
+        <a:ext cx="1561846" cy="1561846"/>
+      </dsp:txXfrm>
+    </dsp:sp>
+    <dsp:sp modelId="{7E4CFBEB-CAD6-4093-9908-0A80DECB2C27}">
+      <dsp:nvSpPr>
+        <dsp:cNvPr id="6" name="Rounded Rectangle 5"/>
+        <dsp:cNvSpPr/>
+      </dsp:nvSpPr>
+      <dsp:spPr bwMode="white">
+        <a:xfrm>
+          <a:off x="1229795" y="2088969"/>
+          <a:ext cx="1561846" cy="1561846"/>
+        </a:xfrm>
+        <a:prstGeom prst="roundRect">
+          <a:avLst/>
+        </a:prstGeom>
+      </dsp:spPr>
+      <dsp:style>
+        <a:lnRef idx="2">
+          <a:schemeClr val="lt1"/>
+        </a:lnRef>
+        <a:fillRef idx="1">
+          <a:schemeClr val="accent1"/>
+        </a:fillRef>
+        <a:effectRef idx="0">
+          <a:scrgbClr r="0" g="0" b="0"/>
+        </a:effectRef>
+        <a:fontRef idx="minor">
+          <a:schemeClr val="lt1"/>
+        </a:fontRef>
+      </dsp:style>
+      <dsp:txBody>
+        <a:bodyPr vert="horz" wrap="square" lIns="76200" tIns="76200" rIns="76200" bIns="76200" anchor="ctr"/>
+        <a:lstStyle>
+          <a:lvl1pPr algn="ctr">
+            <a:defRPr sz="2000"/>
+          </a:lvl1pPr>
+          <a:lvl2pPr marL="114300" indent="-114300" algn="ctr">
+            <a:defRPr sz="1500"/>
+          </a:lvl2pPr>
+          <a:lvl3pPr marL="228600" indent="-114300" algn="ctr">
+            <a:defRPr sz="1500"/>
+          </a:lvl3pPr>
+          <a:lvl4pPr marL="342900" indent="-114300" algn="ctr">
+            <a:defRPr sz="1500"/>
+          </a:lvl4pPr>
+          <a:lvl5pPr marL="457200" indent="-114300" algn="ctr">
+            <a:defRPr sz="1500"/>
+          </a:lvl5pPr>
+          <a:lvl6pPr marL="571500" indent="-114300" algn="ctr">
+            <a:defRPr sz="1500"/>
+          </a:lvl6pPr>
+          <a:lvl7pPr marL="685800" indent="-114300" algn="ctr">
+            <a:defRPr sz="1500"/>
+          </a:lvl7pPr>
+          <a:lvl8pPr marL="800100" indent="-114300" algn="ctr">
+            <a:defRPr sz="1500"/>
+          </a:lvl8pPr>
+          <a:lvl9pPr marL="914400" indent="-114300" algn="ctr">
+            <a:defRPr sz="1500"/>
+          </a:lvl9pPr>
+        </a:lstStyle>
+        <a:p>
+          <a:pPr lvl="0">
+            <a:lnSpc>
+              <a:spcPct val="100000"/>
+            </a:lnSpc>
+            <a:spcBef>
+              <a:spcPct val="0"/>
+            </a:spcBef>
+            <a:spcAft>
+              <a:spcPct val="35000"/>
+            </a:spcAft>
+          </a:pPr>
+          <a:r>
+            <a:rPr lang="" altLang="en-US"/>
+            <a:t>Populasi</a:t>
+          </a:r>
+          <a:endParaRPr lang="" altLang="en-US"/>
+        </a:p>
+      </dsp:txBody>
+      <dsp:txXfrm>
+        <a:off x="1229795" y="2088969"/>
+        <a:ext cx="1561846" cy="1561846"/>
+      </dsp:txXfrm>
+    </dsp:sp>
+    <dsp:sp modelId="{3D576F72-6C28-484D-8F59-FD8FE8BD531D}">
+      <dsp:nvSpPr>
+        <dsp:cNvPr id="7" name="Rounded Rectangle 6"/>
+        <dsp:cNvSpPr/>
+      </dsp:nvSpPr>
+      <dsp:spPr bwMode="white">
+        <a:xfrm>
+          <a:off x="3064964" y="2088969"/>
+          <a:ext cx="1561846" cy="1561846"/>
+        </a:xfrm>
+        <a:prstGeom prst="roundRect">
+          <a:avLst/>
+        </a:prstGeom>
+      </dsp:spPr>
+      <dsp:style>
+        <a:lnRef idx="2">
+          <a:schemeClr val="lt1"/>
+        </a:lnRef>
+        <a:fillRef idx="1">
+          <a:schemeClr val="accent1"/>
+        </a:fillRef>
+        <a:effectRef idx="0">
+          <a:scrgbClr r="0" g="0" b="0"/>
+        </a:effectRef>
+        <a:fontRef idx="minor">
+          <a:schemeClr val="lt1"/>
+        </a:fontRef>
+      </dsp:style>
+      <dsp:txBody>
+        <a:bodyPr vert="horz" wrap="square" lIns="76200" tIns="76200" rIns="76200" bIns="76200" anchor="ctr"/>
+        <a:lstStyle>
+          <a:lvl1pPr algn="ctr">
+            <a:defRPr sz="2000"/>
+          </a:lvl1pPr>
+          <a:lvl2pPr marL="114300" indent="-114300" algn="ctr">
+            <a:defRPr sz="1500"/>
+          </a:lvl2pPr>
+          <a:lvl3pPr marL="228600" indent="-114300" algn="ctr">
+            <a:defRPr sz="1500"/>
+          </a:lvl3pPr>
+          <a:lvl4pPr marL="342900" indent="-114300" algn="ctr">
+            <a:defRPr sz="1500"/>
+          </a:lvl4pPr>
+          <a:lvl5pPr marL="457200" indent="-114300" algn="ctr">
+            <a:defRPr sz="1500"/>
+          </a:lvl5pPr>
+          <a:lvl6pPr marL="571500" indent="-114300" algn="ctr">
+            <a:defRPr sz="1500"/>
+          </a:lvl6pPr>
+          <a:lvl7pPr marL="685800" indent="-114300" algn="ctr">
+            <a:defRPr sz="1500"/>
+          </a:lvl7pPr>
+          <a:lvl8pPr marL="800100" indent="-114300" algn="ctr">
+            <a:defRPr sz="1500"/>
+          </a:lvl8pPr>
+          <a:lvl9pPr marL="914400" indent="-114300" algn="ctr">
+            <a:defRPr sz="1500"/>
+          </a:lvl9pPr>
+        </a:lstStyle>
+        <a:p>
+          <a:pPr lvl="0">
+            <a:lnSpc>
+              <a:spcPct val="100000"/>
+            </a:lnSpc>
+            <a:spcBef>
+              <a:spcPct val="0"/>
+            </a:spcBef>
+            <a:spcAft>
+              <a:spcPct val="35000"/>
+            </a:spcAft>
+          </a:pPr>
+          <a:r>
+            <a:rPr lang="" altLang="en-US"/>
+            <a:t>Sampel</a:t>
+          </a:r>
+          <a:endParaRPr lang="" altLang="en-US"/>
+        </a:p>
+      </dsp:txBody>
+      <dsp:txXfrm>
+        <a:off x="3064964" y="2088969"/>
+        <a:ext cx="1561846" cy="1561846"/>
+      </dsp:txXfrm>
+    </dsp:sp>
+  </dsp:spTree>
+</dsp:drawing>
+</file>
+
 <file path=ppt/diagrams/layout1.xml><?xml version="1.0" encoding="utf-8"?>
 <dgm:layoutDef xmlns:dgm="http://schemas.openxmlformats.org/drawingml/2006/diagram" xmlns:a="http://schemas.openxmlformats.org/drawingml/2006/main" uniqueId="urn:microsoft.com/office/officeart/2005/8/layout/hProcess4">
   <dgm:title val=""/>
@@ -5669,6 +7091,224 @@
 </dgm:layoutDef>
 </file>
 
+<file path=ppt/diagrams/layout4.xml><?xml version="1.0" encoding="utf-8"?>
+<dgm:layoutDef xmlns:dgm="http://schemas.openxmlformats.org/drawingml/2006/diagram" xmlns:a="http://schemas.openxmlformats.org/drawingml/2006/main" uniqueId="urn:microsoft.com/office/officeart/2005/8/layout/matrix2">
+  <dgm:title val=""/>
+  <dgm:desc val=""/>
+  <dgm:catLst>
+    <dgm:cat type="matrix" pri="3000"/>
+  </dgm:catLst>
+  <dgm:sampData>
+    <dgm:dataModel>
+      <dgm:ptLst>
+        <dgm:pt modelId="0" type="doc">
+          <dgm:prSet qsTypeId="urn:microsoft.com/office/officeart/2005/8/quickstyle/simple5" csTypeId="urn:microsoft.com/office/officeart/2005/8/colors/accent6_5"/>
+        </dgm:pt>
+        <dgm:pt modelId="1">
+          <dgm:prSet phldr="1"/>
+        </dgm:pt>
+        <dgm:pt modelId="2">
+          <dgm:prSet phldr="1"/>
+        </dgm:pt>
+        <dgm:pt modelId="3">
+          <dgm:prSet phldr="1"/>
+        </dgm:pt>
+        <dgm:pt modelId="4">
+          <dgm:prSet phldr="1"/>
+        </dgm:pt>
+      </dgm:ptLst>
+      <dgm:cxnLst>
+        <dgm:cxn modelId="5" srcId="0" destId="1" srcOrd="0" destOrd="0"/>
+        <dgm:cxn modelId="6" srcId="0" destId="2" srcOrd="1" destOrd="0"/>
+        <dgm:cxn modelId="7" srcId="0" destId="3" srcOrd="0" destOrd="0"/>
+        <dgm:cxn modelId="8" srcId="0" destId="4" srcOrd="1" destOrd="0"/>
+      </dgm:cxnLst>
+      <dgm:bg/>
+      <dgm:whole/>
+    </dgm:dataModel>
+  </dgm:sampData>
+  <dgm:styleData useDef="1">
+    <dgm:dataModel>
+      <dgm:ptLst/>
+      <dgm:bg/>
+      <dgm:whole/>
+    </dgm:dataModel>
+  </dgm:styleData>
+  <dgm:clrData useDef="1">
+    <dgm:dataModel>
+      <dgm:ptLst/>
+      <dgm:bg/>
+      <dgm:whole/>
+    </dgm:dataModel>
+  </dgm:clrData>
+  <dgm:layoutNode name="matrix">
+    <dgm:varLst>
+      <dgm:chMax val="1"/>
+      <dgm:dir/>
+      <dgm:resizeHandles val="exact"/>
+    </dgm:varLst>
+    <dgm:alg type="composite">
+      <dgm:param type="ar" val="1"/>
+    </dgm:alg>
+    <dgm:shape xmlns:r="http://schemas.openxmlformats.org/officeDocument/2006/relationships" r:blip="">
+      <dgm:adjLst/>
+    </dgm:shape>
+    <dgm:presOf/>
+    <dgm:choose name="Name0">
+      <dgm:if name="Name1" func="var" arg="dir" op="equ" val="norm">
+        <dgm:constrLst>
+          <dgm:constr type="primFontSz" for="ch" ptType="node" op="equ" val="65"/>
+          <dgm:constr type="w" for="ch" forName="axisShape" refType="w"/>
+          <dgm:constr type="h" for="ch" forName="axisShape" refType="h"/>
+          <dgm:constr type="w" for="ch" forName="rect1" refType="w" fact="0.4"/>
+          <dgm:constr type="h" for="ch" forName="rect1" refType="w" fact="0.4"/>
+          <dgm:constr type="l" for="ch" forName="rect1" refType="w" fact="0.065"/>
+          <dgm:constr type="t" for="ch" forName="rect1" refType="h" fact="0.065"/>
+          <dgm:constr type="w" for="ch" forName="rect2" refType="w" fact="0.4"/>
+          <dgm:constr type="h" for="ch" forName="rect2" refType="h" fact="0.4"/>
+          <dgm:constr type="r" for="ch" forName="rect2" refType="w" fact="0.935"/>
+          <dgm:constr type="t" for="ch" forName="rect2" refType="h" fact="0.065"/>
+          <dgm:constr type="w" for="ch" forName="rect3" refType="w" fact="0.4"/>
+          <dgm:constr type="h" for="ch" forName="rect3" refType="w" fact="0.4"/>
+          <dgm:constr type="l" for="ch" forName="rect3" refType="w" fact="0.065"/>
+          <dgm:constr type="b" for="ch" forName="rect3" refType="h" fact="0.935"/>
+          <dgm:constr type="w" for="ch" forName="rect4" refType="w" fact="0.4"/>
+          <dgm:constr type="h" for="ch" forName="rect4" refType="h" fact="0.4"/>
+          <dgm:constr type="r" for="ch" forName="rect4" refType="w" fact="0.935"/>
+          <dgm:constr type="b" for="ch" forName="rect4" refType="h" fact="0.935"/>
+        </dgm:constrLst>
+      </dgm:if>
+      <dgm:else name="Name2">
+        <dgm:constrLst>
+          <dgm:constr type="primFontSz" for="ch" ptType="node" op="equ" val="65"/>
+          <dgm:constr type="w" for="ch" forName="axisShape" refType="w"/>
+          <dgm:constr type="h" for="ch" forName="axisShape" refType="h"/>
+          <dgm:constr type="w" for="ch" forName="rect1" refType="w" fact="0.4"/>
+          <dgm:constr type="h" for="ch" forName="rect1" refType="w" fact="0.4"/>
+          <dgm:constr type="r" for="ch" forName="rect1" refType="w" fact="0.935"/>
+          <dgm:constr type="t" for="ch" forName="rect1" refType="h" fact="0.065"/>
+          <dgm:constr type="w" for="ch" forName="rect2" refType="w" fact="0.4"/>
+          <dgm:constr type="h" for="ch" forName="rect2" refType="h" fact="0.4"/>
+          <dgm:constr type="l" for="ch" forName="rect2" refType="w" fact="0.065"/>
+          <dgm:constr type="t" for="ch" forName="rect2" refType="h" fact="0.065"/>
+          <dgm:constr type="w" for="ch" forName="rect3" refType="w" fact="0.4"/>
+          <dgm:constr type="h" for="ch" forName="rect3" refType="w" fact="0.4"/>
+          <dgm:constr type="r" for="ch" forName="rect3" refType="w" fact="0.935"/>
+          <dgm:constr type="b" for="ch" forName="rect3" refType="h" fact="0.935"/>
+          <dgm:constr type="w" for="ch" forName="rect4" refType="w" fact="0.4"/>
+          <dgm:constr type="h" for="ch" forName="rect4" refType="h" fact="0.4"/>
+          <dgm:constr type="l" for="ch" forName="rect4" refType="w" fact="0.065"/>
+          <dgm:constr type="b" for="ch" forName="rect4" refType="h" fact="0.935"/>
+        </dgm:constrLst>
+      </dgm:else>
+    </dgm:choose>
+    <dgm:ruleLst/>
+    <dgm:choose name="Name3">
+      <dgm:if name="Name4" axis="ch" ptType="node" func="cnt" op="gte" val="1">
+        <dgm:layoutNode name="axisShape" styleLbl="bgShp">
+          <dgm:alg type="sp"/>
+          <dgm:shape xmlns:r="http://schemas.openxmlformats.org/officeDocument/2006/relationships" type="quadArrow" r:blip="">
+            <dgm:adjLst>
+              <dgm:adj idx="1" val="0.02"/>
+              <dgm:adj idx="2" val="0.04"/>
+              <dgm:adj idx="3" val="0.05"/>
+            </dgm:adjLst>
+          </dgm:shape>
+          <dgm:presOf/>
+          <dgm:constrLst/>
+          <dgm:ruleLst/>
+        </dgm:layoutNode>
+        <dgm:layoutNode name="rect1">
+          <dgm:varLst>
+            <dgm:chMax val="0"/>
+            <dgm:chPref val="0"/>
+            <dgm:bulletEnabled val="1"/>
+          </dgm:varLst>
+          <dgm:alg type="tx"/>
+          <dgm:shape xmlns:r="http://schemas.openxmlformats.org/officeDocument/2006/relationships" type="roundRect" r:blip="">
+            <dgm:adjLst/>
+          </dgm:shape>
+          <dgm:presOf axis="ch desOrSelf" ptType="node node" st="1 1" cnt="1 0"/>
+          <dgm:constrLst>
+            <dgm:constr type="tMarg" refType="primFontSz" fact="0.3"/>
+            <dgm:constr type="bMarg" refType="primFontSz" fact="0.3"/>
+            <dgm:constr type="lMarg" refType="primFontSz" fact="0.3"/>
+            <dgm:constr type="rMarg" refType="primFontSz" fact="0.3"/>
+          </dgm:constrLst>
+          <dgm:ruleLst>
+            <dgm:rule type="primFontSz" val="5" fact="NaN" max="NaN"/>
+          </dgm:ruleLst>
+        </dgm:layoutNode>
+        <dgm:layoutNode name="rect2">
+          <dgm:varLst>
+            <dgm:chMax val="0"/>
+            <dgm:chPref val="0"/>
+            <dgm:bulletEnabled val="1"/>
+          </dgm:varLst>
+          <dgm:alg type="tx"/>
+          <dgm:shape xmlns:r="http://schemas.openxmlformats.org/officeDocument/2006/relationships" type="roundRect" r:blip="">
+            <dgm:adjLst/>
+          </dgm:shape>
+          <dgm:presOf axis="ch desOrSelf" ptType="node node" st="2 1" cnt="1 0"/>
+          <dgm:constrLst>
+            <dgm:constr type="tMarg" refType="primFontSz" fact="0.3"/>
+            <dgm:constr type="bMarg" refType="primFontSz" fact="0.3"/>
+            <dgm:constr type="lMarg" refType="primFontSz" fact="0.3"/>
+            <dgm:constr type="rMarg" refType="primFontSz" fact="0.3"/>
+          </dgm:constrLst>
+          <dgm:ruleLst>
+            <dgm:rule type="primFontSz" val="5" fact="NaN" max="NaN"/>
+          </dgm:ruleLst>
+        </dgm:layoutNode>
+        <dgm:layoutNode name="rect3">
+          <dgm:varLst>
+            <dgm:chMax val="0"/>
+            <dgm:chPref val="0"/>
+            <dgm:bulletEnabled val="1"/>
+          </dgm:varLst>
+          <dgm:alg type="tx"/>
+          <dgm:shape xmlns:r="http://schemas.openxmlformats.org/officeDocument/2006/relationships" type="roundRect" r:blip="">
+            <dgm:adjLst/>
+          </dgm:shape>
+          <dgm:presOf axis="ch desOrSelf" ptType="node node" st="3 1" cnt="1 0"/>
+          <dgm:constrLst>
+            <dgm:constr type="tMarg" refType="primFontSz" fact="0.3"/>
+            <dgm:constr type="bMarg" refType="primFontSz" fact="0.3"/>
+            <dgm:constr type="lMarg" refType="primFontSz" fact="0.3"/>
+            <dgm:constr type="rMarg" refType="primFontSz" fact="0.3"/>
+          </dgm:constrLst>
+          <dgm:ruleLst>
+            <dgm:rule type="primFontSz" val="5" fact="NaN" max="NaN"/>
+          </dgm:ruleLst>
+        </dgm:layoutNode>
+        <dgm:layoutNode name="rect4">
+          <dgm:varLst>
+            <dgm:chMax val="0"/>
+            <dgm:chPref val="0"/>
+            <dgm:bulletEnabled val="1"/>
+          </dgm:varLst>
+          <dgm:alg type="tx"/>
+          <dgm:shape xmlns:r="http://schemas.openxmlformats.org/officeDocument/2006/relationships" type="roundRect" r:blip="">
+            <dgm:adjLst/>
+          </dgm:shape>
+          <dgm:presOf axis="ch desOrSelf" ptType="node node" st="4 1" cnt="1 0"/>
+          <dgm:constrLst>
+            <dgm:constr type="tMarg" refType="primFontSz" fact="0.3"/>
+            <dgm:constr type="bMarg" refType="primFontSz" fact="0.3"/>
+            <dgm:constr type="lMarg" refType="primFontSz" fact="0.3"/>
+            <dgm:constr type="rMarg" refType="primFontSz" fact="0.3"/>
+          </dgm:constrLst>
+          <dgm:ruleLst>
+            <dgm:rule type="primFontSz" val="5" fact="NaN" max="NaN"/>
+          </dgm:ruleLst>
+        </dgm:layoutNode>
+      </dgm:if>
+      <dgm:else name="Name5"/>
+    </dgm:choose>
+  </dgm:layoutNode>
+</dgm:layoutDef>
+</file>
+
 <file path=ppt/diagrams/quickStyle1.xml><?xml version="1.0" encoding="utf-8"?>
 <dgm:styleDef xmlns:dgm="http://schemas.openxmlformats.org/drawingml/2006/diagram" xmlns:a="http://schemas.openxmlformats.org/drawingml/2006/main" uniqueId="urn:microsoft.com/office/officeart/2005/8/quickstyle/simple1">
   <dgm:title val=""/>
@@ -7640,6 +9280,991 @@
 </file>
 
 <file path=ppt/diagrams/quickStyle3.xml><?xml version="1.0" encoding="utf-8"?>
+<dgm:styleDef xmlns:dgm="http://schemas.openxmlformats.org/drawingml/2006/diagram" xmlns:a="http://schemas.openxmlformats.org/drawingml/2006/main" uniqueId="urn:microsoft.com/office/officeart/2005/8/quickstyle/simple1">
+  <dgm:title val=""/>
+  <dgm:desc val=""/>
+  <dgm:catLst>
+    <dgm:cat type="simple" pri="10100"/>
+  </dgm:catLst>
+  <dgm:scene3d>
+    <a:camera prst="orthographicFront"/>
+    <a:lightRig rig="threePt" dir="t"/>
+  </dgm:scene3d>
+  <dgm:styleLbl name="alignAcc1">
+    <dgm:scene3d>
+      <a:camera prst="orthographicFront"/>
+      <a:lightRig rig="threePt" dir="t"/>
+    </dgm:scene3d>
+    <dgm:txPr/>
+    <dgm:style>
+      <a:lnRef idx="2">
+        <a:scrgbClr r="0" g="0" b="0"/>
+      </a:lnRef>
+      <a:fillRef idx="1">
+        <a:scrgbClr r="0" g="0" b="0"/>
+      </a:fillRef>
+      <a:effectRef idx="0">
+        <a:scrgbClr r="0" g="0" b="0"/>
+      </a:effectRef>
+      <a:fontRef idx="minor"/>
+    </dgm:style>
+  </dgm:styleLbl>
+  <dgm:styleLbl name="alignAccFollowNode1">
+    <dgm:scene3d>
+      <a:camera prst="orthographicFront"/>
+      <a:lightRig rig="threePt" dir="t"/>
+    </dgm:scene3d>
+    <dgm:txPr/>
+    <dgm:style>
+      <a:lnRef idx="2">
+        <a:scrgbClr r="0" g="0" b="0"/>
+      </a:lnRef>
+      <a:fillRef idx="1">
+        <a:scrgbClr r="0" g="0" b="0"/>
+      </a:fillRef>
+      <a:effectRef idx="0">
+        <a:scrgbClr r="0" g="0" b="0"/>
+      </a:effectRef>
+      <a:fontRef idx="minor"/>
+    </dgm:style>
+  </dgm:styleLbl>
+  <dgm:styleLbl name="alignImgPlace1">
+    <dgm:scene3d>
+      <a:camera prst="orthographicFront"/>
+      <a:lightRig rig="threePt" dir="t"/>
+    </dgm:scene3d>
+    <dgm:txPr/>
+    <dgm:style>
+      <a:lnRef idx="2">
+        <a:scrgbClr r="0" g="0" b="0"/>
+      </a:lnRef>
+      <a:fillRef idx="1">
+        <a:scrgbClr r="0" g="0" b="0"/>
+      </a:fillRef>
+      <a:effectRef idx="0">
+        <a:scrgbClr r="0" g="0" b="0"/>
+      </a:effectRef>
+      <a:fontRef idx="minor"/>
+    </dgm:style>
+  </dgm:styleLbl>
+  <dgm:styleLbl name="alignNode1">
+    <dgm:scene3d>
+      <a:camera prst="orthographicFront"/>
+      <a:lightRig rig="threePt" dir="t"/>
+    </dgm:scene3d>
+    <dgm:txPr/>
+    <dgm:style>
+      <a:lnRef idx="2">
+        <a:scrgbClr r="0" g="0" b="0"/>
+      </a:lnRef>
+      <a:fillRef idx="1">
+        <a:scrgbClr r="0" g="0" b="0"/>
+      </a:fillRef>
+      <a:effectRef idx="0">
+        <a:scrgbClr r="0" g="0" b="0"/>
+      </a:effectRef>
+      <a:fontRef idx="minor">
+        <a:schemeClr val="lt1"/>
+      </a:fontRef>
+    </dgm:style>
+  </dgm:styleLbl>
+  <dgm:styleLbl name="asst0">
+    <dgm:scene3d>
+      <a:camera prst="orthographicFront"/>
+      <a:lightRig rig="threePt" dir="t"/>
+    </dgm:scene3d>
+    <dgm:txPr/>
+    <dgm:style>
+      <a:lnRef idx="2">
+        <a:scrgbClr r="0" g="0" b="0"/>
+      </a:lnRef>
+      <a:fillRef idx="1">
+        <a:scrgbClr r="0" g="0" b="0"/>
+      </a:fillRef>
+      <a:effectRef idx="0">
+        <a:scrgbClr r="0" g="0" b="0"/>
+      </a:effectRef>
+      <a:fontRef idx="minor">
+        <a:schemeClr val="lt1"/>
+      </a:fontRef>
+    </dgm:style>
+  </dgm:styleLbl>
+  <dgm:styleLbl name="asst1">
+    <dgm:scene3d>
+      <a:camera prst="orthographicFront"/>
+      <a:lightRig rig="threePt" dir="t"/>
+    </dgm:scene3d>
+    <dgm:txPr/>
+    <dgm:style>
+      <a:lnRef idx="2">
+        <a:scrgbClr r="0" g="0" b="0"/>
+      </a:lnRef>
+      <a:fillRef idx="1">
+        <a:scrgbClr r="0" g="0" b="0"/>
+      </a:fillRef>
+      <a:effectRef idx="0">
+        <a:scrgbClr r="0" g="0" b="0"/>
+      </a:effectRef>
+      <a:fontRef idx="minor">
+        <a:schemeClr val="lt1"/>
+      </a:fontRef>
+    </dgm:style>
+  </dgm:styleLbl>
+  <dgm:styleLbl name="asst2">
+    <dgm:scene3d>
+      <a:camera prst="orthographicFront"/>
+      <a:lightRig rig="threePt" dir="t"/>
+    </dgm:scene3d>
+    <dgm:txPr/>
+    <dgm:style>
+      <a:lnRef idx="2">
+        <a:scrgbClr r="0" g="0" b="0"/>
+      </a:lnRef>
+      <a:fillRef idx="1">
+        <a:scrgbClr r="0" g="0" b="0"/>
+      </a:fillRef>
+      <a:effectRef idx="0">
+        <a:scrgbClr r="0" g="0" b="0"/>
+      </a:effectRef>
+      <a:fontRef idx="minor">
+        <a:schemeClr val="lt1"/>
+      </a:fontRef>
+    </dgm:style>
+  </dgm:styleLbl>
+  <dgm:styleLbl name="asst3">
+    <dgm:scene3d>
+      <a:camera prst="orthographicFront"/>
+      <a:lightRig rig="threePt" dir="t"/>
+    </dgm:scene3d>
+    <dgm:txPr/>
+    <dgm:style>
+      <a:lnRef idx="2">
+        <a:scrgbClr r="0" g="0" b="0"/>
+      </a:lnRef>
+      <a:fillRef idx="1">
+        <a:scrgbClr r="0" g="0" b="0"/>
+      </a:fillRef>
+      <a:effectRef idx="0">
+        <a:scrgbClr r="0" g="0" b="0"/>
+      </a:effectRef>
+      <a:fontRef idx="minor">
+        <a:schemeClr val="lt1"/>
+      </a:fontRef>
+    </dgm:style>
+  </dgm:styleLbl>
+  <dgm:styleLbl name="asst4">
+    <dgm:scene3d>
+      <a:camera prst="orthographicFront"/>
+      <a:lightRig rig="threePt" dir="t"/>
+    </dgm:scene3d>
+    <dgm:txPr/>
+    <dgm:style>
+      <a:lnRef idx="2">
+        <a:scrgbClr r="0" g="0" b="0"/>
+      </a:lnRef>
+      <a:fillRef idx="1">
+        <a:scrgbClr r="0" g="0" b="0"/>
+      </a:fillRef>
+      <a:effectRef idx="0">
+        <a:scrgbClr r="0" g="0" b="0"/>
+      </a:effectRef>
+      <a:fontRef idx="minor">
+        <a:schemeClr val="lt1"/>
+      </a:fontRef>
+    </dgm:style>
+  </dgm:styleLbl>
+  <dgm:styleLbl name="bgAcc1">
+    <dgm:scene3d>
+      <a:camera prst="orthographicFront"/>
+      <a:lightRig rig="threePt" dir="t"/>
+    </dgm:scene3d>
+    <dgm:txPr/>
+    <dgm:style>
+      <a:lnRef idx="2">
+        <a:scrgbClr r="0" g="0" b="0"/>
+      </a:lnRef>
+      <a:fillRef idx="1">
+        <a:scrgbClr r="0" g="0" b="0"/>
+      </a:fillRef>
+      <a:effectRef idx="0">
+        <a:scrgbClr r="0" g="0" b="0"/>
+      </a:effectRef>
+      <a:fontRef idx="minor"/>
+    </dgm:style>
+  </dgm:styleLbl>
+  <dgm:styleLbl name="bgAccFollowNode1">
+    <dgm:scene3d>
+      <a:camera prst="orthographicFront"/>
+      <a:lightRig rig="threePt" dir="t"/>
+    </dgm:scene3d>
+    <dgm:txPr/>
+    <dgm:style>
+      <a:lnRef idx="2">
+        <a:scrgbClr r="0" g="0" b="0"/>
+      </a:lnRef>
+      <a:fillRef idx="1">
+        <a:scrgbClr r="0" g="0" b="0"/>
+      </a:fillRef>
+      <a:effectRef idx="0">
+        <a:scrgbClr r="0" g="0" b="0"/>
+      </a:effectRef>
+      <a:fontRef idx="minor"/>
+    </dgm:style>
+  </dgm:styleLbl>
+  <dgm:styleLbl name="bgImgPlace1">
+    <dgm:scene3d>
+      <a:camera prst="orthographicFront"/>
+      <a:lightRig rig="threePt" dir="t"/>
+    </dgm:scene3d>
+    <dgm:txPr/>
+    <dgm:style>
+      <a:lnRef idx="2">
+        <a:scrgbClr r="0" g="0" b="0"/>
+      </a:lnRef>
+      <a:fillRef idx="1">
+        <a:scrgbClr r="0" g="0" b="0"/>
+      </a:fillRef>
+      <a:effectRef idx="0">
+        <a:scrgbClr r="0" g="0" b="0"/>
+      </a:effectRef>
+      <a:fontRef idx="minor"/>
+    </dgm:style>
+  </dgm:styleLbl>
+  <dgm:styleLbl name="bgShp">
+    <dgm:scene3d>
+      <a:camera prst="orthographicFront"/>
+      <a:lightRig rig="threePt" dir="t"/>
+    </dgm:scene3d>
+    <dgm:txPr/>
+    <dgm:style>
+      <a:lnRef idx="0">
+        <a:scrgbClr r="0" g="0" b="0"/>
+      </a:lnRef>
+      <a:fillRef idx="1">
+        <a:scrgbClr r="0" g="0" b="0"/>
+      </a:fillRef>
+      <a:effectRef idx="0">
+        <a:scrgbClr r="0" g="0" b="0"/>
+      </a:effectRef>
+      <a:fontRef idx="minor"/>
+    </dgm:style>
+  </dgm:styleLbl>
+  <dgm:styleLbl name="bgSibTrans2D1">
+    <dgm:scene3d>
+      <a:camera prst="orthographicFront"/>
+      <a:lightRig rig="threePt" dir="t"/>
+    </dgm:scene3d>
+    <dgm:txPr/>
+    <dgm:style>
+      <a:lnRef idx="0">
+        <a:scrgbClr r="0" g="0" b="0"/>
+      </a:lnRef>
+      <a:fillRef idx="1">
+        <a:scrgbClr r="0" g="0" b="0"/>
+      </a:fillRef>
+      <a:effectRef idx="0">
+        <a:scrgbClr r="0" g="0" b="0"/>
+      </a:effectRef>
+      <a:fontRef idx="minor">
+        <a:schemeClr val="lt1"/>
+      </a:fontRef>
+    </dgm:style>
+  </dgm:styleLbl>
+  <dgm:styleLbl name="callout">
+    <dgm:scene3d>
+      <a:camera prst="orthographicFront"/>
+      <a:lightRig rig="threePt" dir="t"/>
+    </dgm:scene3d>
+    <dgm:txPr/>
+    <dgm:style>
+      <a:lnRef idx="2">
+        <a:scrgbClr r="0" g="0" b="0"/>
+      </a:lnRef>
+      <a:fillRef idx="1">
+        <a:scrgbClr r="0" g="0" b="0"/>
+      </a:fillRef>
+      <a:effectRef idx="0">
+        <a:scrgbClr r="0" g="0" b="0"/>
+      </a:effectRef>
+      <a:fontRef idx="minor"/>
+    </dgm:style>
+  </dgm:styleLbl>
+  <dgm:styleLbl name="conFgAcc1">
+    <dgm:scene3d>
+      <a:camera prst="orthographicFront"/>
+      <a:lightRig rig="threePt" dir="t"/>
+    </dgm:scene3d>
+    <dgm:txPr/>
+    <dgm:style>
+      <a:lnRef idx="2">
+        <a:scrgbClr r="0" g="0" b="0"/>
+      </a:lnRef>
+      <a:fillRef idx="1">
+        <a:scrgbClr r="0" g="0" b="0"/>
+      </a:fillRef>
+      <a:effectRef idx="0">
+        <a:scrgbClr r="0" g="0" b="0"/>
+      </a:effectRef>
+      <a:fontRef idx="minor"/>
+    </dgm:style>
+  </dgm:styleLbl>
+  <dgm:styleLbl name="dkBgShp">
+    <dgm:scene3d>
+      <a:camera prst="orthographicFront"/>
+      <a:lightRig rig="threePt" dir="t"/>
+    </dgm:scene3d>
+    <dgm:txPr/>
+    <dgm:style>
+      <a:lnRef idx="0">
+        <a:scrgbClr r="0" g="0" b="0"/>
+      </a:lnRef>
+      <a:fillRef idx="1">
+        <a:scrgbClr r="0" g="0" b="0"/>
+      </a:fillRef>
+      <a:effectRef idx="0">
+        <a:scrgbClr r="0" g="0" b="0"/>
+      </a:effectRef>
+      <a:fontRef idx="minor"/>
+    </dgm:style>
+  </dgm:styleLbl>
+  <dgm:styleLbl name="fgAcc0">
+    <dgm:scene3d>
+      <a:camera prst="orthographicFront"/>
+      <a:lightRig rig="threePt" dir="t"/>
+    </dgm:scene3d>
+    <dgm:txPr/>
+    <dgm:style>
+      <a:lnRef idx="2">
+        <a:scrgbClr r="0" g="0" b="0"/>
+      </a:lnRef>
+      <a:fillRef idx="1">
+        <a:scrgbClr r="0" g="0" b="0"/>
+      </a:fillRef>
+      <a:effectRef idx="0">
+        <a:scrgbClr r="0" g="0" b="0"/>
+      </a:effectRef>
+      <a:fontRef idx="minor"/>
+    </dgm:style>
+  </dgm:styleLbl>
+  <dgm:styleLbl name="fgAcc1">
+    <dgm:scene3d>
+      <a:camera prst="orthographicFront"/>
+      <a:lightRig rig="threePt" dir="t"/>
+    </dgm:scene3d>
+    <dgm:txPr/>
+    <dgm:style>
+      <a:lnRef idx="2">
+        <a:scrgbClr r="0" g="0" b="0"/>
+      </a:lnRef>
+      <a:fillRef idx="1">
+        <a:scrgbClr r="0" g="0" b="0"/>
+      </a:fillRef>
+      <a:effectRef idx="0">
+        <a:scrgbClr r="0" g="0" b="0"/>
+      </a:effectRef>
+      <a:fontRef idx="minor"/>
+    </dgm:style>
+  </dgm:styleLbl>
+  <dgm:styleLbl name="fgAcc2">
+    <dgm:scene3d>
+      <a:camera prst="orthographicFront"/>
+      <a:lightRig rig="threePt" dir="t"/>
+    </dgm:scene3d>
+    <dgm:txPr/>
+    <dgm:style>
+      <a:lnRef idx="2">
+        <a:scrgbClr r="0" g="0" b="0"/>
+      </a:lnRef>
+      <a:fillRef idx="1">
+        <a:scrgbClr r="0" g="0" b="0"/>
+      </a:fillRef>
+      <a:effectRef idx="0">
+        <a:scrgbClr r="0" g="0" b="0"/>
+      </a:effectRef>
+      <a:fontRef idx="minor"/>
+    </dgm:style>
+  </dgm:styleLbl>
+  <dgm:styleLbl name="fgAcc3">
+    <dgm:scene3d>
+      <a:camera prst="orthographicFront"/>
+      <a:lightRig rig="threePt" dir="t"/>
+    </dgm:scene3d>
+    <dgm:txPr/>
+    <dgm:style>
+      <a:lnRef idx="2">
+        <a:scrgbClr r="0" g="0" b="0"/>
+      </a:lnRef>
+      <a:fillRef idx="1">
+        <a:scrgbClr r="0" g="0" b="0"/>
+      </a:fillRef>
+      <a:effectRef idx="0">
+        <a:scrgbClr r="0" g="0" b="0"/>
+      </a:effectRef>
+      <a:fontRef idx="minor"/>
+    </dgm:style>
+  </dgm:styleLbl>
+  <dgm:styleLbl name="fgAcc4">
+    <dgm:scene3d>
+      <a:camera prst="orthographicFront"/>
+      <a:lightRig rig="threePt" dir="t"/>
+    </dgm:scene3d>
+    <dgm:txPr/>
+    <dgm:style>
+      <a:lnRef idx="2">
+        <a:scrgbClr r="0" g="0" b="0"/>
+      </a:lnRef>
+      <a:fillRef idx="1">
+        <a:scrgbClr r="0" g="0" b="0"/>
+      </a:fillRef>
+      <a:effectRef idx="0">
+        <a:scrgbClr r="0" g="0" b="0"/>
+      </a:effectRef>
+      <a:fontRef idx="minor"/>
+    </dgm:style>
+  </dgm:styleLbl>
+  <dgm:styleLbl name="fgAccFollowNode1">
+    <dgm:scene3d>
+      <a:camera prst="orthographicFront"/>
+      <a:lightRig rig="threePt" dir="t"/>
+    </dgm:scene3d>
+    <dgm:txPr/>
+    <dgm:style>
+      <a:lnRef idx="2">
+        <a:scrgbClr r="0" g="0" b="0"/>
+      </a:lnRef>
+      <a:fillRef idx="1">
+        <a:scrgbClr r="0" g="0" b="0"/>
+      </a:fillRef>
+      <a:effectRef idx="0">
+        <a:scrgbClr r="0" g="0" b="0"/>
+      </a:effectRef>
+      <a:fontRef idx="minor"/>
+    </dgm:style>
+  </dgm:styleLbl>
+  <dgm:styleLbl name="fgImgPlace1">
+    <dgm:scene3d>
+      <a:camera prst="orthographicFront"/>
+      <a:lightRig rig="threePt" dir="t"/>
+    </dgm:scene3d>
+    <dgm:txPr/>
+    <dgm:style>
+      <a:lnRef idx="2">
+        <a:scrgbClr r="0" g="0" b="0"/>
+      </a:lnRef>
+      <a:fillRef idx="1">
+        <a:scrgbClr r="0" g="0" b="0"/>
+      </a:fillRef>
+      <a:effectRef idx="0">
+        <a:scrgbClr r="0" g="0" b="0"/>
+      </a:effectRef>
+      <a:fontRef idx="minor"/>
+    </dgm:style>
+  </dgm:styleLbl>
+  <dgm:styleLbl name="fgShp">
+    <dgm:scene3d>
+      <a:camera prst="orthographicFront"/>
+      <a:lightRig rig="threePt" dir="t"/>
+    </dgm:scene3d>
+    <dgm:txPr/>
+    <dgm:style>
+      <a:lnRef idx="2">
+        <a:scrgbClr r="0" g="0" b="0"/>
+      </a:lnRef>
+      <a:fillRef idx="1">
+        <a:scrgbClr r="0" g="0" b="0"/>
+      </a:fillRef>
+      <a:effectRef idx="0">
+        <a:scrgbClr r="0" g="0" b="0"/>
+      </a:effectRef>
+      <a:fontRef idx="minor"/>
+    </dgm:style>
+  </dgm:styleLbl>
+  <dgm:styleLbl name="fgSibTrans2D1">
+    <dgm:scene3d>
+      <a:camera prst="orthographicFront"/>
+      <a:lightRig rig="threePt" dir="t"/>
+    </dgm:scene3d>
+    <dgm:txPr/>
+    <dgm:style>
+      <a:lnRef idx="0">
+        <a:scrgbClr r="0" g="0" b="0"/>
+      </a:lnRef>
+      <a:fillRef idx="1">
+        <a:scrgbClr r="0" g="0" b="0"/>
+      </a:fillRef>
+      <a:effectRef idx="0">
+        <a:scrgbClr r="0" g="0" b="0"/>
+      </a:effectRef>
+      <a:fontRef idx="minor">
+        <a:schemeClr val="lt1"/>
+      </a:fontRef>
+    </dgm:style>
+  </dgm:styleLbl>
+  <dgm:styleLbl name="lnNode1">
+    <dgm:scene3d>
+      <a:camera prst="orthographicFront"/>
+      <a:lightRig rig="threePt" dir="t"/>
+    </dgm:scene3d>
+    <dgm:txPr/>
+    <dgm:style>
+      <a:lnRef idx="2">
+        <a:scrgbClr r="0" g="0" b="0"/>
+      </a:lnRef>
+      <a:fillRef idx="1">
+        <a:scrgbClr r="0" g="0" b="0"/>
+      </a:fillRef>
+      <a:effectRef idx="0">
+        <a:scrgbClr r="0" g="0" b="0"/>
+      </a:effectRef>
+      <a:fontRef idx="minor">
+        <a:schemeClr val="lt1"/>
+      </a:fontRef>
+    </dgm:style>
+  </dgm:styleLbl>
+  <dgm:styleLbl name="node0">
+    <dgm:scene3d>
+      <a:camera prst="orthographicFront"/>
+      <a:lightRig rig="threePt" dir="t"/>
+    </dgm:scene3d>
+    <dgm:txPr/>
+    <dgm:style>
+      <a:lnRef idx="2">
+        <a:scrgbClr r="0" g="0" b="0"/>
+      </a:lnRef>
+      <a:fillRef idx="1">
+        <a:scrgbClr r="0" g="0" b="0"/>
+      </a:fillRef>
+      <a:effectRef idx="0">
+        <a:scrgbClr r="0" g="0" b="0"/>
+      </a:effectRef>
+      <a:fontRef idx="minor">
+        <a:schemeClr val="lt1"/>
+      </a:fontRef>
+    </dgm:style>
+  </dgm:styleLbl>
+  <dgm:styleLbl name="node1">
+    <dgm:scene3d>
+      <a:camera prst="orthographicFront"/>
+      <a:lightRig rig="threePt" dir="t"/>
+    </dgm:scene3d>
+    <dgm:txPr/>
+    <dgm:style>
+      <a:lnRef idx="2">
+        <a:scrgbClr r="0" g="0" b="0"/>
+      </a:lnRef>
+      <a:fillRef idx="1">
+        <a:scrgbClr r="0" g="0" b="0"/>
+      </a:fillRef>
+      <a:effectRef idx="0">
+        <a:scrgbClr r="0" g="0" b="0"/>
+      </a:effectRef>
+      <a:fontRef idx="minor">
+        <a:schemeClr val="lt1"/>
+      </a:fontRef>
+    </dgm:style>
+  </dgm:styleLbl>
+  <dgm:styleLbl name="node2">
+    <dgm:scene3d>
+      <a:camera prst="orthographicFront"/>
+      <a:lightRig rig="threePt" dir="t"/>
+    </dgm:scene3d>
+    <dgm:txPr/>
+    <dgm:style>
+      <a:lnRef idx="2">
+        <a:scrgbClr r="0" g="0" b="0"/>
+      </a:lnRef>
+      <a:fillRef idx="1">
+        <a:scrgbClr r="0" g="0" b="0"/>
+      </a:fillRef>
+      <a:effectRef idx="0">
+        <a:scrgbClr r="0" g="0" b="0"/>
+      </a:effectRef>
+      <a:fontRef idx="minor">
+        <a:schemeClr val="lt1"/>
+      </a:fontRef>
+    </dgm:style>
+  </dgm:styleLbl>
+  <dgm:styleLbl name="node3">
+    <dgm:scene3d>
+      <a:camera prst="orthographicFront"/>
+      <a:lightRig rig="threePt" dir="t"/>
+    </dgm:scene3d>
+    <dgm:txPr/>
+    <dgm:style>
+      <a:lnRef idx="2">
+        <a:scrgbClr r="0" g="0" b="0"/>
+      </a:lnRef>
+      <a:fillRef idx="1">
+        <a:scrgbClr r="0" g="0" b="0"/>
+      </a:fillRef>
+      <a:effectRef idx="0">
+        <a:scrgbClr r="0" g="0" b="0"/>
+      </a:effectRef>
+      <a:fontRef idx="minor">
+        <a:schemeClr val="lt1"/>
+      </a:fontRef>
+    </dgm:style>
+  </dgm:styleLbl>
+  <dgm:styleLbl name="node4">
+    <dgm:scene3d>
+      <a:camera prst="orthographicFront"/>
+      <a:lightRig rig="threePt" dir="t"/>
+    </dgm:scene3d>
+    <dgm:txPr/>
+    <dgm:style>
+      <a:lnRef idx="2">
+        <a:scrgbClr r="0" g="0" b="0"/>
+      </a:lnRef>
+      <a:fillRef idx="1">
+        <a:scrgbClr r="0" g="0" b="0"/>
+      </a:fillRef>
+      <a:effectRef idx="0">
+        <a:scrgbClr r="0" g="0" b="0"/>
+      </a:effectRef>
+      <a:fontRef idx="minor">
+        <a:schemeClr val="lt1"/>
+      </a:fontRef>
+    </dgm:style>
+  </dgm:styleLbl>
+  <dgm:styleLbl name="parChTrans1D1">
+    <dgm:scene3d>
+      <a:camera prst="orthographicFront"/>
+      <a:lightRig rig="threePt" dir="t"/>
+    </dgm:scene3d>
+    <dgm:txPr/>
+    <dgm:style>
+      <a:lnRef idx="2">
+        <a:scrgbClr r="0" g="0" b="0"/>
+      </a:lnRef>
+      <a:fillRef idx="0">
+        <a:scrgbClr r="0" g="0" b="0"/>
+      </a:fillRef>
+      <a:effectRef idx="0">
+        <a:scrgbClr r="0" g="0" b="0"/>
+      </a:effectRef>
+      <a:fontRef idx="minor"/>
+    </dgm:style>
+  </dgm:styleLbl>
+  <dgm:styleLbl name="parChTrans1D2">
+    <dgm:scene3d>
+      <a:camera prst="orthographicFront"/>
+      <a:lightRig rig="threePt" dir="t"/>
+    </dgm:scene3d>
+    <dgm:txPr/>
+    <dgm:style>
+      <a:lnRef idx="2">
+        <a:scrgbClr r="0" g="0" b="0"/>
+      </a:lnRef>
+      <a:fillRef idx="0">
+        <a:scrgbClr r="0" g="0" b="0"/>
+      </a:fillRef>
+      <a:effectRef idx="0">
+        <a:scrgbClr r="0" g="0" b="0"/>
+      </a:effectRef>
+      <a:fontRef idx="minor"/>
+    </dgm:style>
+  </dgm:styleLbl>
+  <dgm:styleLbl name="parChTrans1D3">
+    <dgm:scene3d>
+      <a:camera prst="orthographicFront"/>
+      <a:lightRig rig="threePt" dir="t"/>
+    </dgm:scene3d>
+    <dgm:txPr/>
+    <dgm:style>
+      <a:lnRef idx="2">
+        <a:scrgbClr r="0" g="0" b="0"/>
+      </a:lnRef>
+      <a:fillRef idx="0">
+        <a:scrgbClr r="0" g="0" b="0"/>
+      </a:fillRef>
+      <a:effectRef idx="0">
+        <a:scrgbClr r="0" g="0" b="0"/>
+      </a:effectRef>
+      <a:fontRef idx="minor"/>
+    </dgm:style>
+  </dgm:styleLbl>
+  <dgm:styleLbl name="parChTrans1D4">
+    <dgm:scene3d>
+      <a:camera prst="orthographicFront"/>
+      <a:lightRig rig="threePt" dir="t"/>
+    </dgm:scene3d>
+    <dgm:txPr/>
+    <dgm:style>
+      <a:lnRef idx="2">
+        <a:scrgbClr r="0" g="0" b="0"/>
+      </a:lnRef>
+      <a:fillRef idx="0">
+        <a:scrgbClr r="0" g="0" b="0"/>
+      </a:fillRef>
+      <a:effectRef idx="0">
+        <a:scrgbClr r="0" g="0" b="0"/>
+      </a:effectRef>
+      <a:fontRef idx="minor"/>
+    </dgm:style>
+  </dgm:styleLbl>
+  <dgm:styleLbl name="parChTrans2D1">
+    <dgm:scene3d>
+      <a:camera prst="orthographicFront"/>
+      <a:lightRig rig="threePt" dir="t"/>
+    </dgm:scene3d>
+    <dgm:txPr/>
+    <dgm:style>
+      <a:lnRef idx="2">
+        <a:scrgbClr r="0" g="0" b="0"/>
+      </a:lnRef>
+      <a:fillRef idx="1">
+        <a:scrgbClr r="0" g="0" b="0"/>
+      </a:fillRef>
+      <a:effectRef idx="0">
+        <a:scrgbClr r="0" g="0" b="0"/>
+      </a:effectRef>
+      <a:fontRef idx="minor">
+        <a:schemeClr val="lt1"/>
+      </a:fontRef>
+    </dgm:style>
+  </dgm:styleLbl>
+  <dgm:styleLbl name="parChTrans2D2">
+    <dgm:scene3d>
+      <a:camera prst="orthographicFront"/>
+      <a:lightRig rig="threePt" dir="t"/>
+    </dgm:scene3d>
+    <dgm:txPr/>
+    <dgm:style>
+      <a:lnRef idx="2">
+        <a:scrgbClr r="0" g="0" b="0"/>
+      </a:lnRef>
+      <a:fillRef idx="1">
+        <a:scrgbClr r="0" g="0" b="0"/>
+      </a:fillRef>
+      <a:effectRef idx="0">
+        <a:scrgbClr r="0" g="0" b="0"/>
+      </a:effectRef>
+      <a:fontRef idx="minor">
+        <a:schemeClr val="lt1"/>
+      </a:fontRef>
+    </dgm:style>
+  </dgm:styleLbl>
+  <dgm:styleLbl name="parChTrans2D3">
+    <dgm:scene3d>
+      <a:camera prst="orthographicFront"/>
+      <a:lightRig rig="threePt" dir="t"/>
+    </dgm:scene3d>
+    <dgm:txPr/>
+    <dgm:style>
+      <a:lnRef idx="2">
+        <a:scrgbClr r="0" g="0" b="0"/>
+      </a:lnRef>
+      <a:fillRef idx="1">
+        <a:scrgbClr r="0" g="0" b="0"/>
+      </a:fillRef>
+      <a:effectRef idx="0">
+        <a:scrgbClr r="0" g="0" b="0"/>
+      </a:effectRef>
+      <a:fontRef idx="minor">
+        <a:schemeClr val="lt1"/>
+      </a:fontRef>
+    </dgm:style>
+  </dgm:styleLbl>
+  <dgm:styleLbl name="parChTrans2D4">
+    <dgm:scene3d>
+      <a:camera prst="orthographicFront"/>
+      <a:lightRig rig="threePt" dir="t"/>
+    </dgm:scene3d>
+    <dgm:txPr/>
+    <dgm:style>
+      <a:lnRef idx="2">
+        <a:scrgbClr r="0" g="0" b="0"/>
+      </a:lnRef>
+      <a:fillRef idx="1">
+        <a:scrgbClr r="0" g="0" b="0"/>
+      </a:fillRef>
+      <a:effectRef idx="0">
+        <a:scrgbClr r="0" g="0" b="0"/>
+      </a:effectRef>
+      <a:fontRef idx="minor">
+        <a:schemeClr val="lt1"/>
+      </a:fontRef>
+    </dgm:style>
+  </dgm:styleLbl>
+  <dgm:styleLbl name="revTx">
+    <dgm:scene3d>
+      <a:camera prst="orthographicFront"/>
+      <a:lightRig rig="threePt" dir="t"/>
+    </dgm:scene3d>
+    <dgm:txPr/>
+    <dgm:style>
+      <a:lnRef idx="0">
+        <a:scrgbClr r="0" g="0" b="0"/>
+      </a:lnRef>
+      <a:fillRef idx="0">
+        <a:scrgbClr r="0" g="0" b="0"/>
+      </a:fillRef>
+      <a:effectRef idx="0">
+        <a:scrgbClr r="0" g="0" b="0"/>
+      </a:effectRef>
+      <a:fontRef idx="minor"/>
+    </dgm:style>
+  </dgm:styleLbl>
+  <dgm:styleLbl name="sibTrans1D1">
+    <dgm:scene3d>
+      <a:camera prst="orthographicFront"/>
+      <a:lightRig rig="threePt" dir="t"/>
+    </dgm:scene3d>
+    <dgm:txPr/>
+    <dgm:style>
+      <a:lnRef idx="1">
+        <a:scrgbClr r="0" g="0" b="0"/>
+      </a:lnRef>
+      <a:fillRef idx="0">
+        <a:scrgbClr r="0" g="0" b="0"/>
+      </a:fillRef>
+      <a:effectRef idx="0">
+        <a:scrgbClr r="0" g="0" b="0"/>
+      </a:effectRef>
+      <a:fontRef idx="minor"/>
+    </dgm:style>
+  </dgm:styleLbl>
+  <dgm:styleLbl name="sibTrans2D1">
+    <dgm:scene3d>
+      <a:camera prst="orthographicFront"/>
+      <a:lightRig rig="threePt" dir="t"/>
+    </dgm:scene3d>
+    <dgm:txPr/>
+    <dgm:style>
+      <a:lnRef idx="0">
+        <a:scrgbClr r="0" g="0" b="0"/>
+      </a:lnRef>
+      <a:fillRef idx="1">
+        <a:scrgbClr r="0" g="0" b="0"/>
+      </a:fillRef>
+      <a:effectRef idx="0">
+        <a:scrgbClr r="0" g="0" b="0"/>
+      </a:effectRef>
+      <a:fontRef idx="minor">
+        <a:schemeClr val="lt1"/>
+      </a:fontRef>
+    </dgm:style>
+  </dgm:styleLbl>
+  <dgm:styleLbl name="solidAlignAcc1">
+    <dgm:scene3d>
+      <a:camera prst="orthographicFront"/>
+      <a:lightRig rig="threePt" dir="t"/>
+    </dgm:scene3d>
+    <dgm:txPr/>
+    <dgm:style>
+      <a:lnRef idx="2">
+        <a:scrgbClr r="0" g="0" b="0"/>
+      </a:lnRef>
+      <a:fillRef idx="1">
+        <a:scrgbClr r="0" g="0" b="0"/>
+      </a:fillRef>
+      <a:effectRef idx="0">
+        <a:scrgbClr r="0" g="0" b="0"/>
+      </a:effectRef>
+      <a:fontRef idx="minor"/>
+    </dgm:style>
+  </dgm:styleLbl>
+  <dgm:styleLbl name="solidBgAcc1">
+    <dgm:scene3d>
+      <a:camera prst="orthographicFront"/>
+      <a:lightRig rig="threePt" dir="t"/>
+    </dgm:scene3d>
+    <dgm:txPr/>
+    <dgm:style>
+      <a:lnRef idx="2">
+        <a:scrgbClr r="0" g="0" b="0"/>
+      </a:lnRef>
+      <a:fillRef idx="1">
+        <a:scrgbClr r="0" g="0" b="0"/>
+      </a:fillRef>
+      <a:effectRef idx="0">
+        <a:scrgbClr r="0" g="0" b="0"/>
+      </a:effectRef>
+      <a:fontRef idx="minor"/>
+    </dgm:style>
+  </dgm:styleLbl>
+  <dgm:styleLbl name="solidFgAcc1">
+    <dgm:scene3d>
+      <a:camera prst="orthographicFront"/>
+      <a:lightRig rig="threePt" dir="t"/>
+    </dgm:scene3d>
+    <dgm:txPr/>
+    <dgm:style>
+      <a:lnRef idx="2">
+        <a:scrgbClr r="0" g="0" b="0"/>
+      </a:lnRef>
+      <a:fillRef idx="1">
+        <a:scrgbClr r="0" g="0" b="0"/>
+      </a:fillRef>
+      <a:effectRef idx="0">
+        <a:scrgbClr r="0" g="0" b="0"/>
+      </a:effectRef>
+      <a:fontRef idx="minor"/>
+    </dgm:style>
+  </dgm:styleLbl>
+  <dgm:styleLbl name="trAlignAcc1">
+    <dgm:scene3d>
+      <a:camera prst="orthographicFront"/>
+      <a:lightRig rig="threePt" dir="t"/>
+    </dgm:scene3d>
+    <dgm:txPr/>
+    <dgm:style>
+      <a:lnRef idx="1">
+        <a:scrgbClr r="0" g="0" b="0"/>
+      </a:lnRef>
+      <a:fillRef idx="1">
+        <a:scrgbClr r="0" g="0" b="0"/>
+      </a:fillRef>
+      <a:effectRef idx="0">
+        <a:scrgbClr r="0" g="0" b="0"/>
+      </a:effectRef>
+      <a:fontRef idx="minor"/>
+    </dgm:style>
+  </dgm:styleLbl>
+  <dgm:styleLbl name="trBgShp">
+    <dgm:scene3d>
+      <a:camera prst="orthographicFront"/>
+      <a:lightRig rig="threePt" dir="t"/>
+    </dgm:scene3d>
+    <dgm:txPr/>
+    <dgm:style>
+      <a:lnRef idx="0">
+        <a:scrgbClr r="0" g="0" b="0"/>
+      </a:lnRef>
+      <a:fillRef idx="1">
+        <a:scrgbClr r="0" g="0" b="0"/>
+      </a:fillRef>
+      <a:effectRef idx="0">
+        <a:scrgbClr r="0" g="0" b="0"/>
+      </a:effectRef>
+      <a:fontRef idx="minor"/>
+    </dgm:style>
+  </dgm:styleLbl>
+  <dgm:styleLbl name="vennNode1">
+    <dgm:scene3d>
+      <a:camera prst="orthographicFront"/>
+      <a:lightRig rig="threePt" dir="t"/>
+    </dgm:scene3d>
+    <dgm:txPr/>
+    <dgm:style>
+      <a:lnRef idx="2">
+        <a:scrgbClr r="0" g="0" b="0"/>
+      </a:lnRef>
+      <a:fillRef idx="1">
+        <a:scrgbClr r="0" g="0" b="0"/>
+      </a:fillRef>
+      <a:effectRef idx="0">
+        <a:scrgbClr r="0" g="0" b="0"/>
+      </a:effectRef>
+      <a:fontRef idx="minor">
+        <a:schemeClr val="tx1"/>
+      </a:fontRef>
+    </dgm:style>
+  </dgm:styleLbl>
+</dgm:styleDef>
+</file>
+
+<file path=ppt/diagrams/quickStyle4.xml><?xml version="1.0" encoding="utf-8"?>
 <dgm:styleDef xmlns:dgm="http://schemas.openxmlformats.org/drawingml/2006/diagram" xmlns:a="http://schemas.openxmlformats.org/drawingml/2006/main" uniqueId="urn:microsoft.com/office/officeart/2005/8/quickstyle/simple1">
   <dgm:title val=""/>
   <dgm:desc val=""/>
@@ -14943,27 +17568,363 @@
           </a:p>
         </p:txBody>
       </p:sp>
+      <p:graphicFrame>
+        <p:nvGraphicFramePr>
+          <p:cNvPr id="6" name="Diagram 5"/>
+          <p:cNvGraphicFramePr/>
+          <p:nvPr/>
+        </p:nvGraphicFramePr>
+        <p:xfrm>
+          <a:off x="3168015" y="1476375"/>
+          <a:ext cx="5856605" cy="3904615"/>
+        </p:xfrm>
+        <a:graphic>
+          <a:graphicData uri="http://schemas.openxmlformats.org/drawingml/2006/diagram">
+            <dgm:relIds xmlns:dgm="http://schemas.openxmlformats.org/drawingml/2006/diagram" xmlns:r="http://schemas.openxmlformats.org/officeDocument/2006/relationships" r:dm="rId1" r:lo="rId2" r:qs="rId3" r:cs="rId4"/>
+          </a:graphicData>
+        </a:graphic>
+      </p:graphicFrame>
       <p:sp>
         <p:nvSpPr>
-          <p:cNvPr id="4" name="Content Placeholder 3"/>
+          <p:cNvPr id="7" name="Text Box 6"/>
+          <p:cNvSpPr txBox="1"/>
+          <p:nvPr/>
+        </p:nvSpPr>
+        <p:spPr>
+          <a:xfrm>
+            <a:off x="1621155" y="1504315"/>
+            <a:ext cx="2527300" cy="1476375"/>
+          </a:xfrm>
+          <a:prstGeom prst="rect">
+            <a:avLst/>
+          </a:prstGeom>
+          <a:noFill/>
+        </p:spPr>
+        <p:txBody>
+          <a:bodyPr wrap="square" rtlCol="0">
+            <a:spAutoFit/>
+          </a:bodyPr>
+          <a:p>
+            <a:pPr algn="r"/>
+            <a:r>
+              <a:rPr lang="" altLang="en-US"/>
+              <a:t>Metode kuantitatif, yaitu metode yang menjaring data kuantitatif </a:t>
+            </a:r>
+            <a:r>
+              <a:rPr lang="" altLang="en-US" i="1"/>
+              <a:t>(Wirawan, 2015)</a:t>
+            </a:r>
+            <a:r>
+              <a:rPr lang="" altLang="en-US"/>
+              <a:t>.</a:t>
+            </a:r>
+            <a:endParaRPr lang="" altLang="en-US"/>
+          </a:p>
+        </p:txBody>
+      </p:sp>
+      <p:sp>
+        <p:nvSpPr>
+          <p:cNvPr id="8" name="Text Box 7"/>
+          <p:cNvSpPr txBox="1"/>
+          <p:nvPr/>
+        </p:nvSpPr>
+        <p:spPr>
+          <a:xfrm>
+            <a:off x="7971790" y="1476375"/>
+            <a:ext cx="2831465" cy="1476375"/>
+          </a:xfrm>
+          <a:prstGeom prst="rect">
+            <a:avLst/>
+          </a:prstGeom>
+          <a:noFill/>
+        </p:spPr>
+        <p:txBody>
+          <a:bodyPr wrap="square" rtlCol="0">
+            <a:spAutoFit/>
+          </a:bodyPr>
+          <a:p>
+            <a:r>
+              <a:rPr lang="" altLang="en-US"/>
+              <a:t>Dua variabel bebas (efikasi diri dan dukungan guru tahfidz) dan satu variabel terikat (motivasi menghafal Alquran).</a:t>
+            </a:r>
+            <a:endParaRPr lang="" altLang="en-US"/>
+          </a:p>
+        </p:txBody>
+      </p:sp>
+      <p:sp>
+        <p:nvSpPr>
+          <p:cNvPr id="9" name="Text Box 8"/>
+          <p:cNvSpPr txBox="1"/>
+          <p:nvPr/>
+        </p:nvSpPr>
+        <p:spPr>
+          <a:xfrm>
+            <a:off x="1593215" y="3904615"/>
+            <a:ext cx="2555240" cy="1476375"/>
+          </a:xfrm>
+          <a:prstGeom prst="rect">
+            <a:avLst/>
+          </a:prstGeom>
+          <a:noFill/>
+        </p:spPr>
+        <p:txBody>
+          <a:bodyPr wrap="square" rtlCol="0">
+            <a:spAutoFit/>
+          </a:bodyPr>
+          <a:p>
+            <a:pPr algn="r"/>
+            <a:r>
+              <a:rPr lang="" altLang="en-US"/>
+              <a:t>S</a:t>
+            </a:r>
+            <a:r>
+              <a:rPr lang="en-US" altLang="en-US"/>
+              <a:t>antri putra dan putri yang bersekolah di SMA Tahfizh Al Izzah Samarinda berjumlah 67 siswa.</a:t>
+            </a:r>
+            <a:endParaRPr lang="en-US" altLang="en-US"/>
+          </a:p>
+        </p:txBody>
+      </p:sp>
+      <p:sp>
+        <p:nvSpPr>
+          <p:cNvPr id="10" name="Text Box 9"/>
+          <p:cNvSpPr txBox="1"/>
+          <p:nvPr/>
+        </p:nvSpPr>
+        <p:spPr>
+          <a:xfrm>
+            <a:off x="7971790" y="3904615"/>
+            <a:ext cx="2966720" cy="1476375"/>
+          </a:xfrm>
+          <a:prstGeom prst="rect">
+            <a:avLst/>
+          </a:prstGeom>
+          <a:noFill/>
+        </p:spPr>
+        <p:txBody>
+          <a:bodyPr wrap="square" rtlCol="0">
+            <a:spAutoFit/>
+          </a:bodyPr>
+          <a:p>
+            <a:pPr algn="l"/>
+            <a:r>
+              <a:rPr lang="en-US" altLang="en-US">
+                <a:sym typeface="+mn-ea"/>
+              </a:rPr>
+              <a:t>Santri putra dan putri yang bersekolah di SMA Tahfizh Al Izzah Samarinda berjumlah 67 siswa </a:t>
+            </a:r>
+            <a:r>
+              <a:rPr lang="" altLang="en-US">
+                <a:sym typeface="+mn-ea"/>
+              </a:rPr>
+              <a:t>(semua populasi dijadikan sampel)</a:t>
+            </a:r>
+            <a:r>
+              <a:rPr lang="en-US" altLang="en-US">
+                <a:sym typeface="+mn-ea"/>
+              </a:rPr>
+              <a:t>.</a:t>
+            </a:r>
+            <a:endParaRPr lang="en-US" altLang="en-US"/>
+          </a:p>
+        </p:txBody>
+      </p:sp>
+    </p:spTree>
+  </p:cSld>
+  <p:clrMapOvr>
+    <a:masterClrMapping/>
+  </p:clrMapOvr>
+</p:sld>
+</file>
+
+<file path=ppt/slides/slide8.xml><?xml version="1.0" encoding="utf-8"?>
+<p:sld xmlns:a="http://schemas.openxmlformats.org/drawingml/2006/main" xmlns:r="http://schemas.openxmlformats.org/officeDocument/2006/relationships" xmlns:p="http://schemas.openxmlformats.org/presentationml/2006/main">
+  <p:cSld>
+    <p:spTree>
+      <p:nvGrpSpPr>
+        <p:cNvPr id="1" name=""/>
+        <p:cNvGrpSpPr/>
+        <p:nvPr/>
+      </p:nvGrpSpPr>
+      <p:grpSpPr/>
+      <p:sp>
+        <p:nvSpPr>
+          <p:cNvPr id="2" name="Title 1"/>
           <p:cNvSpPr>
             <a:spLocks noGrp="1"/>
           </p:cNvSpPr>
           <p:nvPr>
-            <p:ph idx="1"/>
+            <p:ph type="title"/>
           </p:nvPr>
         </p:nvSpPr>
         <p:spPr/>
         <p:txBody>
           <a:bodyPr/>
           <a:p>
-            <a:pPr marL="0" indent="0">
-              <a:buNone/>
-            </a:pPr>
+            <a:r>
+              <a:rPr lang="en-US" altLang="en-US">
+                <a:sym typeface="+mn-ea"/>
+              </a:rPr>
+              <a:t>BAB 3 - METODE PENELITIAN</a:t>
+            </a:r>
             <a:endParaRPr lang="en-US"/>
           </a:p>
         </p:txBody>
       </p:sp>
+      <p:graphicFrame>
+        <p:nvGraphicFramePr>
+          <p:cNvPr id="4" name="Content Placeholder 3"/>
+          <p:cNvGraphicFramePr/>
+          <p:nvPr>
+            <p:ph idx="1"/>
+          </p:nvPr>
+        </p:nvGraphicFramePr>
+        <p:xfrm>
+          <a:off x="609600" y="1174750"/>
+          <a:ext cx="10972800" cy="1905000"/>
+        </p:xfrm>
+        <a:graphic>
+          <a:graphicData uri="http://schemas.openxmlformats.org/drawingml/2006/table">
+            <a:tbl>
+              <a:tblPr firstCol="1">
+                <a:tableStyleId>{00A15C55-8517-42AA-B614-E9B94910E393}</a:tableStyleId>
+              </a:tblPr>
+              <a:tblGrid>
+                <a:gridCol w="5486400"/>
+                <a:gridCol w="5486400"/>
+              </a:tblGrid>
+              <a:tr h="381000">
+                <a:tc>
+                  <a:txBody>
+                    <a:bodyPr/>
+                    <a:p>
+                      <a:pPr>
+                        <a:buNone/>
+                      </a:pPr>
+                      <a:r>
+                        <a:rPr lang="" altLang="en-US"/>
+                        <a:t>Pengambilan Sampel</a:t>
+                      </a:r>
+                      <a:endParaRPr lang="" altLang="en-US"/>
+                    </a:p>
+                  </a:txBody>
+                  <a:tcPr/>
+                </a:tc>
+                <a:tc>
+                  <a:txBody>
+                    <a:bodyPr/>
+                    <a:p>
+                      <a:pPr>
+                        <a:buNone/>
+                      </a:pPr>
+                      <a:r>
+                        <a:rPr lang="" altLang="en-US"/>
+                        <a:t>Pengambilan sampel menggunakan cara sampel jenuh, yaitu seluruh anggota populasi akan diteliti (Sugiyono, 2015).</a:t>
+                      </a:r>
+                      <a:endParaRPr lang="" altLang="en-US"/>
+                    </a:p>
+                  </a:txBody>
+                  <a:tcPr/>
+                </a:tc>
+              </a:tr>
+              <a:tr h="381000">
+                <a:tc>
+                  <a:txBody>
+                    <a:bodyPr/>
+                    <a:p>
+                      <a:pPr>
+                        <a:buNone/>
+                      </a:pPr>
+                      <a:r>
+                        <a:rPr lang="" altLang="en-US"/>
+                        <a:t>Metode Pengumpulan Data</a:t>
+                      </a:r>
+                      <a:endParaRPr lang="" altLang="en-US"/>
+                    </a:p>
+                  </a:txBody>
+                  <a:tcPr/>
+                </a:tc>
+                <a:tc>
+                  <a:txBody>
+                    <a:bodyPr/>
+                    <a:p>
+                      <a:pPr>
+                        <a:buNone/>
+                      </a:pPr>
+                      <a:r>
+                        <a:rPr lang="" altLang="en-US"/>
+                        <a:t>Metode pengumpulan data yang digunakan adalah skala likert dengan lima pilihan jawaban; Sangat Setuju, Setuju, Ragu-Ragu, Tidak Setuju, Sangat Tidak Setuju. Rentang skor favorable adalah 5-1 sedangkan untuk unfavorable adalah 1-5.</a:t>
+                      </a:r>
+                      <a:endParaRPr lang="" altLang="en-US"/>
+                    </a:p>
+                  </a:txBody>
+                  <a:tcPr/>
+                </a:tc>
+              </a:tr>
+              <a:tr h="381000">
+                <a:tc>
+                  <a:txBody>
+                    <a:bodyPr/>
+                    <a:p>
+                      <a:pPr>
+                        <a:buNone/>
+                      </a:pPr>
+                      <a:r>
+                        <a:rPr lang="" altLang="en-US"/>
+                        <a:t>Validitas dan Reliabilitas</a:t>
+                      </a:r>
+                      <a:endParaRPr lang="" altLang="en-US"/>
+                    </a:p>
+                  </a:txBody>
+                  <a:tcPr/>
+                </a:tc>
+                <a:tc>
+                  <a:txBody>
+                    <a:bodyPr/>
+                    <a:p>
+                      <a:pPr>
+                        <a:buNone/>
+                      </a:pPr>
+                      <a:endParaRPr lang="en-US"/>
+                    </a:p>
+                  </a:txBody>
+                  <a:tcPr/>
+                </a:tc>
+              </a:tr>
+              <a:tr h="381000">
+                <a:tc>
+                  <a:txBody>
+                    <a:bodyPr/>
+                    <a:p>
+                      <a:pPr>
+                        <a:buNone/>
+                      </a:pPr>
+                      <a:r>
+                        <a:rPr lang="" altLang="en-US"/>
+                        <a:t>Teknik Analisa Data</a:t>
+                      </a:r>
+                      <a:endParaRPr lang="" altLang="en-US"/>
+                    </a:p>
+                  </a:txBody>
+                  <a:tcPr/>
+                </a:tc>
+                <a:tc>
+                  <a:txBody>
+                    <a:bodyPr/>
+                    <a:p>
+                      <a:pPr>
+                        <a:buNone/>
+                      </a:pPr>
+                      <a:endParaRPr lang="en-US"/>
+                    </a:p>
+                  </a:txBody>
+                  <a:tcPr/>
+                </a:tc>
+              </a:tr>
+            </a:tbl>
+          </a:graphicData>
+        </a:graphic>
+      </p:graphicFrame>
     </p:spTree>
   </p:cSld>
   <p:clrMapOvr>

--- a/seminar proposal.pptx
+++ b/seminar proposal.pptx
@@ -16,6 +16,7 @@
     <p:sldId id="320" r:id="rId9"/>
     <p:sldId id="321" r:id="rId10"/>
     <p:sldId id="322" r:id="rId11"/>
+    <p:sldId id="323" r:id="rId12"/>
   </p:sldIdLst>
   <p:sldSz cx="12192000" cy="6858000"/>
   <p:notesSz cx="6858000" cy="9144000"/>
@@ -17781,7 +17782,7 @@
         </p:nvGraphicFramePr>
         <p:xfrm>
           <a:off x="609600" y="1174750"/>
-          <a:ext cx="10972800" cy="1905000"/>
+          <a:ext cx="10972800" cy="3931920"/>
         </p:xfrm>
         <a:graphic>
           <a:graphicData uri="http://schemas.openxmlformats.org/drawingml/2006/table">
@@ -17790,8 +17791,8 @@
                 <a:tableStyleId>{00A15C55-8517-42AA-B614-E9B94910E393}</a:tableStyleId>
               </a:tblPr>
               <a:tblGrid>
-                <a:gridCol w="5486400"/>
-                <a:gridCol w="5486400"/>
+                <a:gridCol w="2261870"/>
+                <a:gridCol w="8710930"/>
               </a:tblGrid>
               <a:tr h="381000">
                 <a:tc>
@@ -17885,7 +17886,19 @@
                       <a:pPr>
                         <a:buNone/>
                       </a:pPr>
-                      <a:endParaRPr lang="en-US"/>
+                      <a:r>
+                        <a:rPr lang="" altLang="en-US"/>
+                        <a:t>Jenis validitas yang digunakan dalam penelitian ini adalah validitas konstruksi yang diteliti dari segi susunan aspek. Kaidah validitas yang digunakan adalah 0,300; sedangkan uji reliabilitas menggunakan teknik </a:t>
+                      </a:r>
+                      <a:r>
+                        <a:rPr lang="" altLang="en-US" i="1"/>
+                        <a:t>Alpha Cronbach </a:t>
+                      </a:r>
+                      <a:r>
+                        <a:rPr lang="" altLang="en-US"/>
+                        <a:t>dengan nilai minimal 0,700.</a:t>
+                      </a:r>
+                      <a:endParaRPr lang="" altLang="en-US"/>
                     </a:p>
                   </a:txBody>
                   <a:tcPr/>
@@ -17915,7 +17928,15 @@
                       <a:pPr>
                         <a:buNone/>
                       </a:pPr>
-                      <a:endParaRPr lang="en-US"/>
+                      <a:r>
+                        <a:rPr lang="en-US"/>
+                        <a:t>Analisa data yang dilakukan untuk pengolahan data penelitian adalah dengan menggunakan analisis regresi untuk mengetahui seberapa besar hubungan dan kemampuan prediksi kedua variabel bebas terhadap variabel terikat</a:t>
+                      </a:r>
+                      <a:r>
+                        <a:rPr lang="" altLang="en-US"/>
+                        <a:t>; menggunakan Statistical Program for Social Science (SPSS) versi 20 untuk Windows.</a:t>
+                      </a:r>
+                      <a:endParaRPr lang="" altLang="en-US"/>
                     </a:p>
                   </a:txBody>
                   <a:tcPr/>
@@ -17925,6 +17946,64 @@
           </a:graphicData>
         </a:graphic>
       </p:graphicFrame>
+    </p:spTree>
+  </p:cSld>
+  <p:clrMapOvr>
+    <a:masterClrMapping/>
+  </p:clrMapOvr>
+</p:sld>
+</file>
+
+<file path=ppt/slides/slide9.xml><?xml version="1.0" encoding="utf-8"?>
+<p:sld xmlns:a="http://schemas.openxmlformats.org/drawingml/2006/main" xmlns:r="http://schemas.openxmlformats.org/officeDocument/2006/relationships" xmlns:p="http://schemas.openxmlformats.org/presentationml/2006/main">
+  <p:cSld>
+    <p:spTree>
+      <p:nvGrpSpPr>
+        <p:cNvPr id="1" name=""/>
+        <p:cNvGrpSpPr/>
+        <p:nvPr/>
+      </p:nvGrpSpPr>
+      <p:grpSpPr/>
+      <p:sp>
+        <p:nvSpPr>
+          <p:cNvPr id="4" name="Title 3"/>
+          <p:cNvSpPr>
+            <a:spLocks noGrp="1"/>
+          </p:cNvSpPr>
+          <p:nvPr>
+            <p:ph type="title"/>
+          </p:nvPr>
+        </p:nvSpPr>
+        <p:spPr/>
+        <p:txBody>
+          <a:bodyPr/>
+          <a:p>
+            <a:r>
+              <a:rPr lang="" altLang="en-US"/>
+              <a:t>Terima Kasih</a:t>
+            </a:r>
+            <a:endParaRPr lang="" altLang="en-US"/>
+          </a:p>
+        </p:txBody>
+      </p:sp>
+      <p:sp>
+        <p:nvSpPr>
+          <p:cNvPr id="5" name="Text Placeholder 4"/>
+          <p:cNvSpPr>
+            <a:spLocks noGrp="1"/>
+          </p:cNvSpPr>
+          <p:nvPr>
+            <p:ph type="body" idx="1"/>
+          </p:nvPr>
+        </p:nvSpPr>
+        <p:spPr/>
+        <p:txBody>
+          <a:bodyPr/>
+          <a:p>
+            <a:endParaRPr lang="en-US"/>
+          </a:p>
+        </p:txBody>
+      </p:sp>
     </p:spTree>
   </p:cSld>
   <p:clrMapOvr>
